--- a/project.pptx
+++ b/project.pptx
@@ -15,11 +15,22 @@
     <p:sldId id="257" r:id="rId9"/>
     <p:sldId id="270" r:id="rId10"/>
     <p:sldId id="274" r:id="rId11"/>
-    <p:sldId id="277" r:id="rId12"/>
-    <p:sldId id="278" r:id="rId13"/>
-    <p:sldId id="283" r:id="rId14"/>
-    <p:sldId id="281" r:id="rId15"/>
-    <p:sldId id="282" r:id="rId16"/>
+    <p:sldId id="285" r:id="rId12"/>
+    <p:sldId id="286" r:id="rId13"/>
+    <p:sldId id="287" r:id="rId14"/>
+    <p:sldId id="288" r:id="rId15"/>
+    <p:sldId id="291" r:id="rId16"/>
+    <p:sldId id="292" r:id="rId17"/>
+    <p:sldId id="293" r:id="rId18"/>
+    <p:sldId id="289" r:id="rId19"/>
+    <p:sldId id="290" r:id="rId20"/>
+    <p:sldId id="294" r:id="rId21"/>
+    <p:sldId id="284" r:id="rId22"/>
+    <p:sldId id="277" r:id="rId23"/>
+    <p:sldId id="278" r:id="rId24"/>
+    <p:sldId id="283" r:id="rId25"/>
+    <p:sldId id="281" r:id="rId26"/>
+    <p:sldId id="282" r:id="rId27"/>
   </p:sldIdLst>
   <p:sldSz cx="12192000" cy="6858000"/>
   <p:notesSz cx="6858000" cy="9144000"/>
@@ -3472,8 +3483,8 @@
         </p:nvSpPr>
         <p:spPr>
           <a:xfrm>
-            <a:off x="8409035" y="1053763"/>
-            <a:ext cx="1485530" cy="1166270"/>
+            <a:off x="8361013" y="1053763"/>
+            <a:ext cx="1631682" cy="1166270"/>
           </a:xfrm>
           <a:prstGeom prst="ellipse">
             <a:avLst/>
@@ -3499,8 +3510,8 @@
           <a:p>
             <a:pPr algn="ctr"/>
             <a:r>
-              <a:rPr lang="en-US" altLang="ko-KR" dirty="0" err="1" smtClean="0"/>
-              <a:t>Eval</a:t>
+              <a:rPr lang="en-US" altLang="ko-KR" dirty="0" smtClean="0"/>
+              <a:t>Compute</a:t>
             </a:r>
             <a:endParaRPr lang="ko-KR" altLang="en-US" dirty="0"/>
           </a:p>
@@ -3901,8 +3912,8 @@
         </p:nvCxnSpPr>
         <p:spPr>
           <a:xfrm rot="5400000">
-            <a:off x="6211226" y="2245759"/>
-            <a:ext cx="2611882" cy="2218839"/>
+            <a:off x="6197916" y="2259068"/>
+            <a:ext cx="2611882" cy="2192220"/>
           </a:xfrm>
           <a:prstGeom prst="curvedConnector2">
             <a:avLst/>
@@ -4019,7 +4030,7 @@
         <p:spPr>
           <a:xfrm flipV="1">
             <a:off x="8813364" y="2220033"/>
-            <a:ext cx="338436" cy="1857951"/>
+            <a:ext cx="363490" cy="1857951"/>
           </a:xfrm>
           <a:prstGeom prst="straightConnector1">
             <a:avLst/>
@@ -4271,7 +4282,7 @@
             <a:pPr algn="ctr"/>
             <a:r>
               <a:rPr lang="en-US" altLang="ko-KR" dirty="0" smtClean="0"/>
-              <a:t>Classes</a:t>
+              <a:t>State Description</a:t>
             </a:r>
             <a:endParaRPr lang="ko-KR" altLang="en-US" dirty="0"/>
           </a:p>
@@ -4280,7 +4291,7 @@
     </p:spTree>
     <p:extLst>
       <p:ext uri="{BB962C8B-B14F-4D97-AF65-F5344CB8AC3E}">
-        <p14:creationId xmlns:p14="http://schemas.microsoft.com/office/powerpoint/2010/main" val="2521189219"/>
+        <p14:creationId xmlns:p14="http://schemas.microsoft.com/office/powerpoint/2010/main" val="2420407134"/>
       </p:ext>
     </p:extLst>
   </p:cSld>
@@ -4331,7 +4342,11 @@
           <a:p>
             <a:r>
               <a:rPr lang="en-US" altLang="ko-KR" dirty="0" smtClean="0"/>
-              <a:t>Messages</a:t>
+              <a:t>Master </a:t>
+            </a:r>
+            <a:r>
+              <a:rPr lang="en-US" altLang="ko-KR" dirty="0" err="1" smtClean="0"/>
+              <a:t>Init</a:t>
             </a:r>
             <a:endParaRPr lang="ko-KR" altLang="en-US" dirty="0"/>
           </a:p>
@@ -4347,6 +4362,1591 @@
             <p:ph idx="1"/>
           </p:nvPr>
         </p:nvSpPr>
+        <p:spPr/>
+        <p:txBody>
+          <a:bodyPr/>
+          <a:lstStyle/>
+          <a:p>
+            <a:r>
+              <a:rPr lang="en-US" altLang="ko-KR" dirty="0" smtClean="0"/>
+              <a:t>Open socket</a:t>
+            </a:r>
+          </a:p>
+          <a:p>
+            <a:r>
+              <a:rPr lang="en-US" altLang="ko-KR" dirty="0" smtClean="0"/>
+              <a:t>Accept connection with loop</a:t>
+            </a:r>
+          </a:p>
+          <a:p>
+            <a:r>
+              <a:rPr lang="en-US" altLang="ko-KR" dirty="0" smtClean="0"/>
+              <a:t>Whenever client connected, create connection future and sampling future for client</a:t>
+            </a:r>
+          </a:p>
+          <a:p>
+            <a:pPr marL="0" indent="0">
+              <a:buNone/>
+            </a:pPr>
+            <a:endParaRPr lang="en-US" altLang="ko-KR" dirty="0"/>
+          </a:p>
+          <a:p>
+            <a:r>
+              <a:rPr lang="en-US" altLang="ko-KR" dirty="0" smtClean="0"/>
+              <a:t>Sampling future is continued by connection future</a:t>
+            </a:r>
+            <a:endParaRPr lang="ko-KR" altLang="en-US" dirty="0"/>
+          </a:p>
+        </p:txBody>
+      </p:sp>
+    </p:spTree>
+    <p:extLst>
+      <p:ext uri="{BB962C8B-B14F-4D97-AF65-F5344CB8AC3E}">
+        <p14:creationId xmlns:p14="http://schemas.microsoft.com/office/powerpoint/2010/main" val="738904106"/>
+      </p:ext>
+    </p:extLst>
+  </p:cSld>
+  <p:clrMapOvr>
+    <a:masterClrMapping/>
+  </p:clrMapOvr>
+</p:sld>
+</file>
+
+<file path=ppt/slides/slide13.xml><?xml version="1.0" encoding="utf-8"?>
+<p:sld xmlns:a="http://schemas.openxmlformats.org/drawingml/2006/main" xmlns:r="http://schemas.openxmlformats.org/officeDocument/2006/relationships" xmlns:p="http://schemas.openxmlformats.org/presentationml/2006/main">
+  <p:cSld>
+    <p:spTree>
+      <p:nvGrpSpPr>
+        <p:cNvPr id="1" name=""/>
+        <p:cNvGrpSpPr/>
+        <p:nvPr/>
+      </p:nvGrpSpPr>
+      <p:grpSpPr>
+        <a:xfrm>
+          <a:off x="0" y="0"/>
+          <a:ext cx="0" cy="0"/>
+          <a:chOff x="0" y="0"/>
+          <a:chExt cx="0" cy="0"/>
+        </a:xfrm>
+      </p:grpSpPr>
+      <p:sp>
+        <p:nvSpPr>
+          <p:cNvPr id="2" name="제목 1"/>
+          <p:cNvSpPr>
+            <a:spLocks noGrp="1"/>
+          </p:cNvSpPr>
+          <p:nvPr>
+            <p:ph type="title"/>
+          </p:nvPr>
+        </p:nvSpPr>
+        <p:spPr/>
+        <p:txBody>
+          <a:bodyPr/>
+          <a:lstStyle/>
+          <a:p>
+            <a:r>
+              <a:rPr lang="en-US" altLang="ko-KR" dirty="0" smtClean="0"/>
+              <a:t>Connection Future</a:t>
+            </a:r>
+            <a:endParaRPr lang="ko-KR" altLang="en-US" dirty="0"/>
+          </a:p>
+        </p:txBody>
+      </p:sp>
+      <p:sp>
+        <p:nvSpPr>
+          <p:cNvPr id="3" name="내용 개체 틀 2"/>
+          <p:cNvSpPr>
+            <a:spLocks noGrp="1"/>
+          </p:cNvSpPr>
+          <p:nvPr>
+            <p:ph idx="1"/>
+          </p:nvPr>
+        </p:nvSpPr>
+        <p:spPr/>
+        <p:txBody>
+          <a:bodyPr/>
+          <a:lstStyle/>
+          <a:p>
+            <a:r>
+              <a:rPr lang="en-US" altLang="ko-KR" dirty="0" smtClean="0"/>
+              <a:t>Receive connection future</a:t>
+            </a:r>
+          </a:p>
+          <a:p>
+            <a:r>
+              <a:rPr lang="en-US" altLang="ko-KR" dirty="0" smtClean="0"/>
+              <a:t>Update slave list </a:t>
+            </a:r>
+            <a:endParaRPr lang="ko-KR" altLang="en-US" dirty="0"/>
+          </a:p>
+        </p:txBody>
+      </p:sp>
+    </p:spTree>
+    <p:extLst>
+      <p:ext uri="{BB962C8B-B14F-4D97-AF65-F5344CB8AC3E}">
+        <p14:creationId xmlns:p14="http://schemas.microsoft.com/office/powerpoint/2010/main" val="3918754546"/>
+      </p:ext>
+    </p:extLst>
+  </p:cSld>
+  <p:clrMapOvr>
+    <a:masterClrMapping/>
+  </p:clrMapOvr>
+</p:sld>
+</file>
+
+<file path=ppt/slides/slide14.xml><?xml version="1.0" encoding="utf-8"?>
+<p:sld xmlns:a="http://schemas.openxmlformats.org/drawingml/2006/main" xmlns:r="http://schemas.openxmlformats.org/officeDocument/2006/relationships" xmlns:p="http://schemas.openxmlformats.org/presentationml/2006/main">
+  <p:cSld>
+    <p:spTree>
+      <p:nvGrpSpPr>
+        <p:cNvPr id="1" name=""/>
+        <p:cNvGrpSpPr/>
+        <p:nvPr/>
+      </p:nvGrpSpPr>
+      <p:grpSpPr>
+        <a:xfrm>
+          <a:off x="0" y="0"/>
+          <a:ext cx="0" cy="0"/>
+          <a:chOff x="0" y="0"/>
+          <a:chExt cx="0" cy="0"/>
+        </a:xfrm>
+      </p:grpSpPr>
+      <p:sp>
+        <p:nvSpPr>
+          <p:cNvPr id="2" name="제목 1"/>
+          <p:cNvSpPr>
+            <a:spLocks noGrp="1"/>
+          </p:cNvSpPr>
+          <p:nvPr>
+            <p:ph type="title"/>
+          </p:nvPr>
+        </p:nvSpPr>
+        <p:spPr/>
+        <p:txBody>
+          <a:bodyPr/>
+          <a:lstStyle/>
+          <a:p>
+            <a:r>
+              <a:rPr lang="en-US" altLang="ko-KR" dirty="0" smtClean="0"/>
+              <a:t>Sampling Future</a:t>
+            </a:r>
+            <a:endParaRPr lang="ko-KR" altLang="en-US" dirty="0"/>
+          </a:p>
+        </p:txBody>
+      </p:sp>
+      <p:sp>
+        <p:nvSpPr>
+          <p:cNvPr id="3" name="내용 개체 틀 2"/>
+          <p:cNvSpPr>
+            <a:spLocks noGrp="1"/>
+          </p:cNvSpPr>
+          <p:nvPr>
+            <p:ph idx="1"/>
+          </p:nvPr>
+        </p:nvSpPr>
+        <p:spPr/>
+        <p:txBody>
+          <a:bodyPr/>
+          <a:lstStyle/>
+          <a:p>
+            <a:r>
+              <a:rPr lang="en-US" altLang="ko-KR" dirty="0" smtClean="0"/>
+              <a:t>Receive samples from slave</a:t>
+            </a:r>
+          </a:p>
+          <a:p>
+            <a:endParaRPr lang="ko-KR" altLang="en-US" dirty="0"/>
+          </a:p>
+        </p:txBody>
+      </p:sp>
+    </p:spTree>
+    <p:extLst>
+      <p:ext uri="{BB962C8B-B14F-4D97-AF65-F5344CB8AC3E}">
+        <p14:creationId xmlns:p14="http://schemas.microsoft.com/office/powerpoint/2010/main" val="1253369"/>
+      </p:ext>
+    </p:extLst>
+  </p:cSld>
+  <p:clrMapOvr>
+    <a:masterClrMapping/>
+  </p:clrMapOvr>
+</p:sld>
+</file>
+
+<file path=ppt/slides/slide15.xml><?xml version="1.0" encoding="utf-8"?>
+<p:sld xmlns:a="http://schemas.openxmlformats.org/drawingml/2006/main" xmlns:r="http://schemas.openxmlformats.org/officeDocument/2006/relationships" xmlns:p="http://schemas.openxmlformats.org/presentationml/2006/main">
+  <p:cSld>
+    <p:spTree>
+      <p:nvGrpSpPr>
+        <p:cNvPr id="1" name=""/>
+        <p:cNvGrpSpPr/>
+        <p:nvPr/>
+      </p:nvGrpSpPr>
+      <p:grpSpPr>
+        <a:xfrm>
+          <a:off x="0" y="0"/>
+          <a:ext cx="0" cy="0"/>
+          <a:chOff x="0" y="0"/>
+          <a:chExt cx="0" cy="0"/>
+        </a:xfrm>
+      </p:grpSpPr>
+      <p:sp>
+        <p:nvSpPr>
+          <p:cNvPr id="2" name="제목 1"/>
+          <p:cNvSpPr>
+            <a:spLocks noGrp="1"/>
+          </p:cNvSpPr>
+          <p:nvPr>
+            <p:ph type="title"/>
+          </p:nvPr>
+        </p:nvSpPr>
+        <p:spPr/>
+        <p:txBody>
+          <a:bodyPr/>
+          <a:lstStyle/>
+          <a:p>
+            <a:r>
+              <a:rPr lang="en-US" altLang="ko-KR" dirty="0" smtClean="0"/>
+              <a:t>Master </a:t>
+            </a:r>
+            <a:r>
+              <a:rPr lang="en-US" altLang="ko-KR" dirty="0" err="1" smtClean="0"/>
+              <a:t>Calc</a:t>
+            </a:r>
+            <a:endParaRPr lang="ko-KR" altLang="en-US" dirty="0"/>
+          </a:p>
+        </p:txBody>
+      </p:sp>
+      <p:sp>
+        <p:nvSpPr>
+          <p:cNvPr id="3" name="내용 개체 틀 2"/>
+          <p:cNvSpPr>
+            <a:spLocks noGrp="1"/>
+          </p:cNvSpPr>
+          <p:nvPr>
+            <p:ph idx="1"/>
+          </p:nvPr>
+        </p:nvSpPr>
+        <p:spPr/>
+        <p:txBody>
+          <a:bodyPr/>
+          <a:lstStyle/>
+          <a:p>
+            <a:r>
+              <a:rPr lang="en-US" altLang="ko-KR" dirty="0" smtClean="0"/>
+              <a:t>Gather Keys from futures</a:t>
+            </a:r>
+          </a:p>
+          <a:p>
+            <a:r>
+              <a:rPr lang="en-US" altLang="ko-KR" dirty="0" smtClean="0"/>
+              <a:t>Calculate pivot values</a:t>
+            </a:r>
+          </a:p>
+          <a:p>
+            <a:pPr lvl="1"/>
+            <a:r>
+              <a:rPr lang="en-US" altLang="ko-KR" dirty="0" smtClean="0"/>
+              <a:t>Choose values from 1/n, 2/n, …, (n-1)/n position </a:t>
+            </a:r>
+          </a:p>
+          <a:p>
+            <a:r>
+              <a:rPr lang="en-US" altLang="ko-KR" dirty="0" smtClean="0"/>
+              <a:t>Make compute future</a:t>
+            </a:r>
+            <a:endParaRPr lang="ko-KR" altLang="en-US" dirty="0"/>
+          </a:p>
+        </p:txBody>
+      </p:sp>
+    </p:spTree>
+    <p:extLst>
+      <p:ext uri="{BB962C8B-B14F-4D97-AF65-F5344CB8AC3E}">
+        <p14:creationId xmlns:p14="http://schemas.microsoft.com/office/powerpoint/2010/main" val="1534592386"/>
+      </p:ext>
+    </p:extLst>
+  </p:cSld>
+  <p:clrMapOvr>
+    <a:masterClrMapping/>
+  </p:clrMapOvr>
+</p:sld>
+</file>
+
+<file path=ppt/slides/slide16.xml><?xml version="1.0" encoding="utf-8"?>
+<p:sld xmlns:a="http://schemas.openxmlformats.org/drawingml/2006/main" xmlns:r="http://schemas.openxmlformats.org/officeDocument/2006/relationships" xmlns:p="http://schemas.openxmlformats.org/presentationml/2006/main">
+  <p:cSld>
+    <p:spTree>
+      <p:nvGrpSpPr>
+        <p:cNvPr id="1" name=""/>
+        <p:cNvGrpSpPr/>
+        <p:nvPr/>
+      </p:nvGrpSpPr>
+      <p:grpSpPr>
+        <a:xfrm>
+          <a:off x="0" y="0"/>
+          <a:ext cx="0" cy="0"/>
+          <a:chOff x="0" y="0"/>
+          <a:chExt cx="0" cy="0"/>
+        </a:xfrm>
+      </p:grpSpPr>
+      <p:sp>
+        <p:nvSpPr>
+          <p:cNvPr id="2" name="제목 1"/>
+          <p:cNvSpPr>
+            <a:spLocks noGrp="1"/>
+          </p:cNvSpPr>
+          <p:nvPr>
+            <p:ph type="title"/>
+          </p:nvPr>
+        </p:nvSpPr>
+        <p:spPr/>
+        <p:txBody>
+          <a:bodyPr/>
+          <a:lstStyle/>
+          <a:p>
+            <a:r>
+              <a:rPr lang="en-US" altLang="ko-KR" dirty="0" smtClean="0"/>
+              <a:t>Master Compute</a:t>
+            </a:r>
+            <a:endParaRPr lang="ko-KR" altLang="en-US" dirty="0"/>
+          </a:p>
+        </p:txBody>
+      </p:sp>
+      <p:sp>
+        <p:nvSpPr>
+          <p:cNvPr id="3" name="내용 개체 틀 2"/>
+          <p:cNvSpPr>
+            <a:spLocks noGrp="1"/>
+          </p:cNvSpPr>
+          <p:nvPr>
+            <p:ph idx="1"/>
+          </p:nvPr>
+        </p:nvSpPr>
+        <p:spPr/>
+        <p:txBody>
+          <a:bodyPr/>
+          <a:lstStyle/>
+          <a:p>
+            <a:r>
+              <a:rPr lang="en-US" altLang="ko-KR" dirty="0" smtClean="0"/>
+              <a:t>Send </a:t>
+            </a:r>
+            <a:r>
+              <a:rPr lang="en-US" altLang="ko-KR" dirty="0" err="1" smtClean="0"/>
+              <a:t>SlaveInfoMsg</a:t>
+            </a:r>
+            <a:endParaRPr lang="en-US" altLang="ko-KR" dirty="0" smtClean="0"/>
+          </a:p>
+          <a:p>
+            <a:r>
+              <a:rPr lang="en-US" altLang="ko-KR" dirty="0" smtClean="0"/>
+              <a:t>Wait </a:t>
+            </a:r>
+            <a:r>
+              <a:rPr lang="en-US" altLang="ko-KR" dirty="0" err="1" smtClean="0"/>
+              <a:t>doneMsg</a:t>
+            </a:r>
+            <a:endParaRPr lang="ko-KR" altLang="en-US" dirty="0"/>
+          </a:p>
+        </p:txBody>
+      </p:sp>
+    </p:spTree>
+    <p:extLst>
+      <p:ext uri="{BB962C8B-B14F-4D97-AF65-F5344CB8AC3E}">
+        <p14:creationId xmlns:p14="http://schemas.microsoft.com/office/powerpoint/2010/main" val="1447580139"/>
+      </p:ext>
+    </p:extLst>
+  </p:cSld>
+  <p:clrMapOvr>
+    <a:masterClrMapping/>
+  </p:clrMapOvr>
+</p:sld>
+</file>
+
+<file path=ppt/slides/slide17.xml><?xml version="1.0" encoding="utf-8"?>
+<p:sld xmlns:a="http://schemas.openxmlformats.org/drawingml/2006/main" xmlns:r="http://schemas.openxmlformats.org/officeDocument/2006/relationships" xmlns:p="http://schemas.openxmlformats.org/presentationml/2006/main">
+  <p:cSld>
+    <p:spTree>
+      <p:nvGrpSpPr>
+        <p:cNvPr id="1" name=""/>
+        <p:cNvGrpSpPr/>
+        <p:nvPr/>
+      </p:nvGrpSpPr>
+      <p:grpSpPr>
+        <a:xfrm>
+          <a:off x="0" y="0"/>
+          <a:ext cx="0" cy="0"/>
+          <a:chOff x="0" y="0"/>
+          <a:chExt cx="0" cy="0"/>
+        </a:xfrm>
+      </p:grpSpPr>
+      <p:sp>
+        <p:nvSpPr>
+          <p:cNvPr id="2" name="제목 1"/>
+          <p:cNvSpPr>
+            <a:spLocks noGrp="1"/>
+          </p:cNvSpPr>
+          <p:nvPr>
+            <p:ph type="title"/>
+          </p:nvPr>
+        </p:nvSpPr>
+        <p:spPr/>
+        <p:txBody>
+          <a:bodyPr/>
+          <a:lstStyle/>
+          <a:p>
+            <a:r>
+              <a:rPr lang="en-US" altLang="ko-KR" dirty="0" smtClean="0"/>
+              <a:t>Master Success</a:t>
+            </a:r>
+            <a:endParaRPr lang="ko-KR" altLang="en-US" dirty="0"/>
+          </a:p>
+        </p:txBody>
+      </p:sp>
+      <p:sp>
+        <p:nvSpPr>
+          <p:cNvPr id="3" name="내용 개체 틀 2"/>
+          <p:cNvSpPr>
+            <a:spLocks noGrp="1"/>
+          </p:cNvSpPr>
+          <p:nvPr>
+            <p:ph idx="1"/>
+          </p:nvPr>
+        </p:nvSpPr>
+        <p:spPr/>
+        <p:txBody>
+          <a:bodyPr/>
+          <a:lstStyle/>
+          <a:p>
+            <a:r>
+              <a:rPr lang="en-US" altLang="ko-KR" dirty="0" smtClean="0"/>
+              <a:t>Close all sockets</a:t>
+            </a:r>
+            <a:endParaRPr lang="ko-KR" altLang="en-US" dirty="0"/>
+          </a:p>
+        </p:txBody>
+      </p:sp>
+    </p:spTree>
+    <p:extLst>
+      <p:ext uri="{BB962C8B-B14F-4D97-AF65-F5344CB8AC3E}">
+        <p14:creationId xmlns:p14="http://schemas.microsoft.com/office/powerpoint/2010/main" val="3790057209"/>
+      </p:ext>
+    </p:extLst>
+  </p:cSld>
+  <p:clrMapOvr>
+    <a:masterClrMapping/>
+  </p:clrMapOvr>
+</p:sld>
+</file>
+
+<file path=ppt/slides/slide18.xml><?xml version="1.0" encoding="utf-8"?>
+<p:sld xmlns:a="http://schemas.openxmlformats.org/drawingml/2006/main" xmlns:r="http://schemas.openxmlformats.org/officeDocument/2006/relationships" xmlns:p="http://schemas.openxmlformats.org/presentationml/2006/main">
+  <p:cSld>
+    <p:spTree>
+      <p:nvGrpSpPr>
+        <p:cNvPr id="1" name=""/>
+        <p:cNvGrpSpPr/>
+        <p:nvPr/>
+      </p:nvGrpSpPr>
+      <p:grpSpPr>
+        <a:xfrm>
+          <a:off x="0" y="0"/>
+          <a:ext cx="0" cy="0"/>
+          <a:chOff x="0" y="0"/>
+          <a:chExt cx="0" cy="0"/>
+        </a:xfrm>
+      </p:grpSpPr>
+      <p:sp>
+        <p:nvSpPr>
+          <p:cNvPr id="2" name="제목 1"/>
+          <p:cNvSpPr>
+            <a:spLocks noGrp="1"/>
+          </p:cNvSpPr>
+          <p:nvPr>
+            <p:ph type="title"/>
+          </p:nvPr>
+        </p:nvSpPr>
+        <p:spPr/>
+        <p:txBody>
+          <a:bodyPr/>
+          <a:lstStyle/>
+          <a:p>
+            <a:r>
+              <a:rPr lang="en-US" altLang="ko-KR" dirty="0" smtClean="0"/>
+              <a:t>Client Connect</a:t>
+            </a:r>
+            <a:endParaRPr lang="ko-KR" altLang="en-US" dirty="0"/>
+          </a:p>
+        </p:txBody>
+      </p:sp>
+      <p:sp>
+        <p:nvSpPr>
+          <p:cNvPr id="3" name="내용 개체 틀 2"/>
+          <p:cNvSpPr>
+            <a:spLocks noGrp="1"/>
+          </p:cNvSpPr>
+          <p:nvPr>
+            <p:ph idx="1"/>
+          </p:nvPr>
+        </p:nvSpPr>
+        <p:spPr/>
+        <p:txBody>
+          <a:bodyPr/>
+          <a:lstStyle/>
+          <a:p>
+            <a:r>
+              <a:rPr lang="en-US" altLang="ko-KR" dirty="0" smtClean="0"/>
+              <a:t>Make socket connection with Master</a:t>
+            </a:r>
+          </a:p>
+          <a:p>
+            <a:r>
+              <a:rPr lang="en-US" altLang="ko-KR" dirty="0" smtClean="0"/>
+              <a:t>Get number of key-value pairs</a:t>
+            </a:r>
+          </a:p>
+          <a:p>
+            <a:r>
+              <a:rPr lang="en-US" altLang="ko-KR" dirty="0" smtClean="0"/>
+              <a:t>Send </a:t>
+            </a:r>
+            <a:r>
+              <a:rPr lang="en-US" altLang="ko-KR" dirty="0" err="1" smtClean="0"/>
+              <a:t>ConnectMsg</a:t>
+            </a:r>
+            <a:endParaRPr lang="en-US" altLang="ko-KR" dirty="0" smtClean="0"/>
+          </a:p>
+          <a:p>
+            <a:endParaRPr lang="ko-KR" altLang="en-US" dirty="0"/>
+          </a:p>
+        </p:txBody>
+      </p:sp>
+    </p:spTree>
+    <p:extLst>
+      <p:ext uri="{BB962C8B-B14F-4D97-AF65-F5344CB8AC3E}">
+        <p14:creationId xmlns:p14="http://schemas.microsoft.com/office/powerpoint/2010/main" val="633923706"/>
+      </p:ext>
+    </p:extLst>
+  </p:cSld>
+  <p:clrMapOvr>
+    <a:masterClrMapping/>
+  </p:clrMapOvr>
+</p:sld>
+</file>
+
+<file path=ppt/slides/slide19.xml><?xml version="1.0" encoding="utf-8"?>
+<p:sld xmlns:a="http://schemas.openxmlformats.org/drawingml/2006/main" xmlns:r="http://schemas.openxmlformats.org/officeDocument/2006/relationships" xmlns:p="http://schemas.openxmlformats.org/presentationml/2006/main">
+  <p:cSld>
+    <p:spTree>
+      <p:nvGrpSpPr>
+        <p:cNvPr id="1" name=""/>
+        <p:cNvGrpSpPr/>
+        <p:nvPr/>
+      </p:nvGrpSpPr>
+      <p:grpSpPr>
+        <a:xfrm>
+          <a:off x="0" y="0"/>
+          <a:ext cx="0" cy="0"/>
+          <a:chOff x="0" y="0"/>
+          <a:chExt cx="0" cy="0"/>
+        </a:xfrm>
+      </p:grpSpPr>
+      <p:sp>
+        <p:nvSpPr>
+          <p:cNvPr id="2" name="제목 1"/>
+          <p:cNvSpPr>
+            <a:spLocks noGrp="1"/>
+          </p:cNvSpPr>
+          <p:nvPr>
+            <p:ph type="title"/>
+          </p:nvPr>
+        </p:nvSpPr>
+        <p:spPr/>
+        <p:txBody>
+          <a:bodyPr/>
+          <a:lstStyle/>
+          <a:p>
+            <a:r>
+              <a:rPr lang="en-US" altLang="ko-KR" dirty="0" smtClean="0"/>
+              <a:t>Client Sample</a:t>
+            </a:r>
+            <a:endParaRPr lang="ko-KR" altLang="en-US" dirty="0"/>
+          </a:p>
+        </p:txBody>
+      </p:sp>
+      <p:sp>
+        <p:nvSpPr>
+          <p:cNvPr id="3" name="내용 개체 틀 2"/>
+          <p:cNvSpPr>
+            <a:spLocks noGrp="1"/>
+          </p:cNvSpPr>
+          <p:nvPr>
+            <p:ph idx="1"/>
+          </p:nvPr>
+        </p:nvSpPr>
+        <p:spPr/>
+        <p:txBody>
+          <a:bodyPr/>
+          <a:lstStyle/>
+          <a:p>
+            <a:r>
+              <a:rPr lang="en-US" altLang="ko-KR" dirty="0" smtClean="0"/>
+              <a:t>Sample from data (Sample size is </a:t>
+            </a:r>
+            <a:r>
+              <a:rPr lang="en-US" altLang="ko-KR" dirty="0" err="1" smtClean="0"/>
+              <a:t>proposional</a:t>
+            </a:r>
+            <a:r>
+              <a:rPr lang="en-US" altLang="ko-KR" dirty="0" smtClean="0"/>
+              <a:t> to data size)</a:t>
+            </a:r>
+          </a:p>
+          <a:p>
+            <a:r>
+              <a:rPr lang="en-US" altLang="ko-KR" dirty="0" smtClean="0"/>
+              <a:t>Send samples to master</a:t>
+            </a:r>
+          </a:p>
+          <a:p>
+            <a:endParaRPr lang="en-US" altLang="ko-KR" dirty="0"/>
+          </a:p>
+          <a:p>
+            <a:r>
+              <a:rPr lang="en-US" altLang="ko-KR" dirty="0" smtClean="0"/>
+              <a:t>Wait </a:t>
+            </a:r>
+            <a:r>
+              <a:rPr lang="en-US" altLang="ko-KR" dirty="0" err="1" smtClean="0"/>
+              <a:t>SlaveInfoMsg</a:t>
+            </a:r>
+            <a:endParaRPr lang="ko-KR" altLang="en-US" dirty="0"/>
+          </a:p>
+        </p:txBody>
+      </p:sp>
+    </p:spTree>
+    <p:extLst>
+      <p:ext uri="{BB962C8B-B14F-4D97-AF65-F5344CB8AC3E}">
+        <p14:creationId xmlns:p14="http://schemas.microsoft.com/office/powerpoint/2010/main" val="1566732067"/>
+      </p:ext>
+    </p:extLst>
+  </p:cSld>
+  <p:clrMapOvr>
+    <a:masterClrMapping/>
+  </p:clrMapOvr>
+</p:sld>
+</file>
+
+<file path=ppt/slides/slide2.xml><?xml version="1.0" encoding="utf-8"?>
+<p:sld xmlns:a="http://schemas.openxmlformats.org/drawingml/2006/main" xmlns:r="http://schemas.openxmlformats.org/officeDocument/2006/relationships" xmlns:p="http://schemas.openxmlformats.org/presentationml/2006/main">
+  <p:cSld>
+    <p:spTree>
+      <p:nvGrpSpPr>
+        <p:cNvPr id="1" name=""/>
+        <p:cNvGrpSpPr/>
+        <p:nvPr/>
+      </p:nvGrpSpPr>
+      <p:grpSpPr>
+        <a:xfrm>
+          <a:off x="0" y="0"/>
+          <a:ext cx="0" cy="0"/>
+          <a:chOff x="0" y="0"/>
+          <a:chExt cx="0" cy="0"/>
+        </a:xfrm>
+      </p:grpSpPr>
+      <p:sp>
+        <p:nvSpPr>
+          <p:cNvPr id="2" name="제목 1"/>
+          <p:cNvSpPr>
+            <a:spLocks noGrp="1"/>
+          </p:cNvSpPr>
+          <p:nvPr>
+            <p:ph type="title"/>
+          </p:nvPr>
+        </p:nvSpPr>
+        <p:spPr>
+          <a:xfrm>
+            <a:off x="197117" y="2763371"/>
+            <a:ext cx="11876248" cy="1325563"/>
+          </a:xfrm>
+        </p:spPr>
+        <p:txBody>
+          <a:bodyPr/>
+          <a:lstStyle/>
+          <a:p>
+            <a:pPr algn="ctr"/>
+            <a:r>
+              <a:rPr lang="en-US" altLang="ko-KR" dirty="0" smtClean="0"/>
+              <a:t>Conventions</a:t>
+            </a:r>
+            <a:endParaRPr lang="ko-KR" altLang="en-US" dirty="0"/>
+          </a:p>
+        </p:txBody>
+      </p:sp>
+    </p:spTree>
+    <p:extLst>
+      <p:ext uri="{BB962C8B-B14F-4D97-AF65-F5344CB8AC3E}">
+        <p14:creationId xmlns:p14="http://schemas.microsoft.com/office/powerpoint/2010/main" val="2859998143"/>
+      </p:ext>
+    </p:extLst>
+  </p:cSld>
+  <p:clrMapOvr>
+    <a:masterClrMapping/>
+  </p:clrMapOvr>
+  <p:timing>
+    <p:tnLst>
+      <p:par>
+        <p:cTn id="1" dur="indefinite" restart="never" nodeType="tmRoot"/>
+      </p:par>
+    </p:tnLst>
+  </p:timing>
+</p:sld>
+</file>
+
+<file path=ppt/slides/slide20.xml><?xml version="1.0" encoding="utf-8"?>
+<p:sld xmlns:a="http://schemas.openxmlformats.org/drawingml/2006/main" xmlns:r="http://schemas.openxmlformats.org/officeDocument/2006/relationships" xmlns:p="http://schemas.openxmlformats.org/presentationml/2006/main">
+  <p:cSld>
+    <p:spTree>
+      <p:nvGrpSpPr>
+        <p:cNvPr id="1" name=""/>
+        <p:cNvGrpSpPr/>
+        <p:nvPr/>
+      </p:nvGrpSpPr>
+      <p:grpSpPr>
+        <a:xfrm>
+          <a:off x="0" y="0"/>
+          <a:ext cx="0" cy="0"/>
+          <a:chOff x="0" y="0"/>
+          <a:chExt cx="0" cy="0"/>
+        </a:xfrm>
+      </p:grpSpPr>
+      <p:sp>
+        <p:nvSpPr>
+          <p:cNvPr id="2" name="제목 1"/>
+          <p:cNvSpPr>
+            <a:spLocks noGrp="1"/>
+          </p:cNvSpPr>
+          <p:nvPr>
+            <p:ph type="title"/>
+          </p:nvPr>
+        </p:nvSpPr>
+        <p:spPr/>
+        <p:txBody>
+          <a:bodyPr/>
+          <a:lstStyle/>
+          <a:p>
+            <a:r>
+              <a:rPr lang="en-US" altLang="ko-KR" dirty="0" smtClean="0"/>
+              <a:t>Client Compute</a:t>
+            </a:r>
+            <a:endParaRPr lang="ko-KR" altLang="en-US" dirty="0"/>
+          </a:p>
+        </p:txBody>
+      </p:sp>
+      <p:sp>
+        <p:nvSpPr>
+          <p:cNvPr id="3" name="내용 개체 틀 2"/>
+          <p:cNvSpPr>
+            <a:spLocks noGrp="1"/>
+          </p:cNvSpPr>
+          <p:nvPr>
+            <p:ph idx="1"/>
+          </p:nvPr>
+        </p:nvSpPr>
+        <p:spPr/>
+        <p:txBody>
+          <a:bodyPr/>
+          <a:lstStyle/>
+          <a:p>
+            <a:r>
+              <a:rPr lang="en-US" altLang="ko-KR" dirty="0" smtClean="0"/>
+              <a:t>Listen and Partition/Sort concurrently</a:t>
+            </a:r>
+          </a:p>
+          <a:p>
+            <a:endParaRPr lang="en-US" altLang="ko-KR" dirty="0" smtClean="0"/>
+          </a:p>
+          <a:p>
+            <a:r>
+              <a:rPr lang="en-US" altLang="ko-KR" dirty="0" smtClean="0"/>
+              <a:t>Shuffle starts after Sort and Listen are completed </a:t>
+            </a:r>
+          </a:p>
+          <a:p>
+            <a:r>
+              <a:rPr lang="en-US" altLang="ko-KR" dirty="0" smtClean="0"/>
+              <a:t>Send starts after Sort is completed</a:t>
+            </a:r>
+          </a:p>
+          <a:p>
+            <a:endParaRPr lang="en-US" altLang="ko-KR" dirty="0"/>
+          </a:p>
+          <a:p>
+            <a:r>
+              <a:rPr lang="en-US" altLang="ko-KR" dirty="0" smtClean="0"/>
+              <a:t>Send </a:t>
+            </a:r>
+            <a:r>
+              <a:rPr lang="en-US" altLang="ko-KR" dirty="0" err="1" smtClean="0"/>
+              <a:t>DoneMsg</a:t>
+            </a:r>
+            <a:r>
+              <a:rPr lang="en-US" altLang="ko-KR" dirty="0" smtClean="0"/>
+              <a:t> after shuffling is finished</a:t>
+            </a:r>
+          </a:p>
+          <a:p>
+            <a:endParaRPr lang="ko-KR" altLang="en-US" dirty="0"/>
+          </a:p>
+        </p:txBody>
+      </p:sp>
+    </p:spTree>
+    <p:extLst>
+      <p:ext uri="{BB962C8B-B14F-4D97-AF65-F5344CB8AC3E}">
+        <p14:creationId xmlns:p14="http://schemas.microsoft.com/office/powerpoint/2010/main" val="608558083"/>
+      </p:ext>
+    </p:extLst>
+  </p:cSld>
+  <p:clrMapOvr>
+    <a:masterClrMapping/>
+  </p:clrMapOvr>
+</p:sld>
+</file>
+
+<file path=ppt/slides/slide21.xml><?xml version="1.0" encoding="utf-8"?>
+<p:sld xmlns:a="http://schemas.openxmlformats.org/drawingml/2006/main" xmlns:r="http://schemas.openxmlformats.org/officeDocument/2006/relationships" xmlns:p="http://schemas.openxmlformats.org/presentationml/2006/main">
+  <p:cSld>
+    <p:spTree>
+      <p:nvGrpSpPr>
+        <p:cNvPr id="1" name=""/>
+        <p:cNvGrpSpPr/>
+        <p:nvPr/>
+      </p:nvGrpSpPr>
+      <p:grpSpPr>
+        <a:xfrm>
+          <a:off x="0" y="0"/>
+          <a:ext cx="0" cy="0"/>
+          <a:chOff x="0" y="0"/>
+          <a:chExt cx="0" cy="0"/>
+        </a:xfrm>
+      </p:grpSpPr>
+      <p:sp>
+        <p:nvSpPr>
+          <p:cNvPr id="2" name="제목 1"/>
+          <p:cNvSpPr>
+            <a:spLocks noGrp="1"/>
+          </p:cNvSpPr>
+          <p:nvPr>
+            <p:ph type="title"/>
+          </p:nvPr>
+        </p:nvSpPr>
+        <p:spPr>
+          <a:xfrm>
+            <a:off x="6061323" y="343223"/>
+            <a:ext cx="5683516" cy="1325563"/>
+          </a:xfrm>
+        </p:spPr>
+        <p:txBody>
+          <a:bodyPr/>
+          <a:lstStyle/>
+          <a:p>
+            <a:r>
+              <a:rPr lang="en-US" altLang="ko-KR" dirty="0" smtClean="0"/>
+              <a:t>Slave </a:t>
+            </a:r>
+            <a:r>
+              <a:rPr lang="en-US" altLang="ko-KR" dirty="0" smtClean="0"/>
+              <a:t>Compute</a:t>
+            </a:r>
+            <a:r>
+              <a:rPr lang="en-US" altLang="ko-KR" dirty="0" smtClean="0"/>
+              <a:t> Order</a:t>
+            </a:r>
+            <a:endParaRPr lang="ko-KR" altLang="en-US" dirty="0"/>
+          </a:p>
+        </p:txBody>
+      </p:sp>
+      <p:sp>
+        <p:nvSpPr>
+          <p:cNvPr id="3" name="모서리가 둥근 직사각형 2"/>
+          <p:cNvSpPr/>
+          <p:nvPr/>
+        </p:nvSpPr>
+        <p:spPr>
+          <a:xfrm>
+            <a:off x="865121" y="2054962"/>
+            <a:ext cx="1653586" cy="832268"/>
+          </a:xfrm>
+          <a:prstGeom prst="roundRect">
+            <a:avLst/>
+          </a:prstGeom>
+        </p:spPr>
+        <p:style>
+          <a:lnRef idx="1">
+            <a:schemeClr val="accent1"/>
+          </a:lnRef>
+          <a:fillRef idx="2">
+            <a:schemeClr val="accent1"/>
+          </a:fillRef>
+          <a:effectRef idx="1">
+            <a:schemeClr val="accent1"/>
+          </a:effectRef>
+          <a:fontRef idx="minor">
+            <a:schemeClr val="dk1"/>
+          </a:fontRef>
+        </p:style>
+        <p:txBody>
+          <a:bodyPr rtlCol="0" anchor="ctr"/>
+          <a:lstStyle/>
+          <a:p>
+            <a:pPr algn="ctr"/>
+            <a:r>
+              <a:rPr lang="en-US" altLang="ko-KR" dirty="0" smtClean="0"/>
+              <a:t>Listen</a:t>
+            </a:r>
+            <a:endParaRPr lang="ko-KR" altLang="en-US" dirty="0"/>
+          </a:p>
+        </p:txBody>
+      </p:sp>
+      <p:sp>
+        <p:nvSpPr>
+          <p:cNvPr id="23" name="모서리가 둥근 직사각형 22"/>
+          <p:cNvSpPr/>
+          <p:nvPr/>
+        </p:nvSpPr>
+        <p:spPr>
+          <a:xfrm>
+            <a:off x="865121" y="4937943"/>
+            <a:ext cx="1653586" cy="832268"/>
+          </a:xfrm>
+          <a:prstGeom prst="roundRect">
+            <a:avLst/>
+          </a:prstGeom>
+        </p:spPr>
+        <p:style>
+          <a:lnRef idx="1">
+            <a:schemeClr val="accent1"/>
+          </a:lnRef>
+          <a:fillRef idx="2">
+            <a:schemeClr val="accent1"/>
+          </a:fillRef>
+          <a:effectRef idx="1">
+            <a:schemeClr val="accent1"/>
+          </a:effectRef>
+          <a:fontRef idx="minor">
+            <a:schemeClr val="dk1"/>
+          </a:fontRef>
+        </p:style>
+        <p:txBody>
+          <a:bodyPr rtlCol="0" anchor="ctr"/>
+          <a:lstStyle/>
+          <a:p>
+            <a:pPr algn="ctr"/>
+            <a:r>
+              <a:rPr lang="en-US" altLang="ko-KR" dirty="0" smtClean="0"/>
+              <a:t>Partition</a:t>
+            </a:r>
+            <a:endParaRPr lang="ko-KR" altLang="en-US" dirty="0"/>
+          </a:p>
+        </p:txBody>
+      </p:sp>
+      <p:sp>
+        <p:nvSpPr>
+          <p:cNvPr id="24" name="모서리가 둥근 직사각형 23"/>
+          <p:cNvSpPr/>
+          <p:nvPr/>
+        </p:nvSpPr>
+        <p:spPr>
+          <a:xfrm>
+            <a:off x="3475998" y="4937943"/>
+            <a:ext cx="1653586" cy="832268"/>
+          </a:xfrm>
+          <a:prstGeom prst="roundRect">
+            <a:avLst/>
+          </a:prstGeom>
+        </p:spPr>
+        <p:style>
+          <a:lnRef idx="1">
+            <a:schemeClr val="accent1"/>
+          </a:lnRef>
+          <a:fillRef idx="2">
+            <a:schemeClr val="accent1"/>
+          </a:fillRef>
+          <a:effectRef idx="1">
+            <a:schemeClr val="accent1"/>
+          </a:effectRef>
+          <a:fontRef idx="minor">
+            <a:schemeClr val="dk1"/>
+          </a:fontRef>
+        </p:style>
+        <p:txBody>
+          <a:bodyPr rtlCol="0" anchor="ctr"/>
+          <a:lstStyle/>
+          <a:p>
+            <a:pPr algn="ctr"/>
+            <a:r>
+              <a:rPr lang="en-US" altLang="ko-KR" dirty="0" smtClean="0"/>
+              <a:t>Sort</a:t>
+            </a:r>
+            <a:endParaRPr lang="ko-KR" altLang="en-US" dirty="0"/>
+          </a:p>
+        </p:txBody>
+      </p:sp>
+      <p:sp>
+        <p:nvSpPr>
+          <p:cNvPr id="25" name="모서리가 둥근 직사각형 24"/>
+          <p:cNvSpPr/>
+          <p:nvPr/>
+        </p:nvSpPr>
+        <p:spPr>
+          <a:xfrm>
+            <a:off x="6431829" y="4937943"/>
+            <a:ext cx="1653586" cy="832268"/>
+          </a:xfrm>
+          <a:prstGeom prst="roundRect">
+            <a:avLst/>
+          </a:prstGeom>
+        </p:spPr>
+        <p:style>
+          <a:lnRef idx="1">
+            <a:schemeClr val="accent1"/>
+          </a:lnRef>
+          <a:fillRef idx="2">
+            <a:schemeClr val="accent1"/>
+          </a:fillRef>
+          <a:effectRef idx="1">
+            <a:schemeClr val="accent1"/>
+          </a:effectRef>
+          <a:fontRef idx="minor">
+            <a:schemeClr val="dk1"/>
+          </a:fontRef>
+        </p:style>
+        <p:txBody>
+          <a:bodyPr rtlCol="0" anchor="ctr"/>
+          <a:lstStyle/>
+          <a:p>
+            <a:pPr algn="ctr"/>
+            <a:r>
+              <a:rPr lang="en-US" altLang="ko-KR" dirty="0" smtClean="0"/>
+              <a:t>Send</a:t>
+            </a:r>
+            <a:endParaRPr lang="ko-KR" altLang="en-US" dirty="0"/>
+          </a:p>
+        </p:txBody>
+      </p:sp>
+      <p:sp>
+        <p:nvSpPr>
+          <p:cNvPr id="26" name="모서리가 둥근 직사각형 25"/>
+          <p:cNvSpPr/>
+          <p:nvPr/>
+        </p:nvSpPr>
+        <p:spPr>
+          <a:xfrm>
+            <a:off x="6475633" y="2054962"/>
+            <a:ext cx="1653586" cy="832268"/>
+          </a:xfrm>
+          <a:prstGeom prst="roundRect">
+            <a:avLst/>
+          </a:prstGeom>
+        </p:spPr>
+        <p:style>
+          <a:lnRef idx="1">
+            <a:schemeClr val="accent1"/>
+          </a:lnRef>
+          <a:fillRef idx="2">
+            <a:schemeClr val="accent1"/>
+          </a:fillRef>
+          <a:effectRef idx="1">
+            <a:schemeClr val="accent1"/>
+          </a:effectRef>
+          <a:fontRef idx="minor">
+            <a:schemeClr val="dk1"/>
+          </a:fontRef>
+        </p:style>
+        <p:txBody>
+          <a:bodyPr rtlCol="0" anchor="ctr"/>
+          <a:lstStyle/>
+          <a:p>
+            <a:pPr algn="ctr"/>
+            <a:r>
+              <a:rPr lang="en-US" altLang="ko-KR" dirty="0" smtClean="0"/>
+              <a:t>Shuffle</a:t>
+            </a:r>
+            <a:endParaRPr lang="ko-KR" altLang="en-US" dirty="0"/>
+          </a:p>
+        </p:txBody>
+      </p:sp>
+      <p:cxnSp>
+        <p:nvCxnSpPr>
+          <p:cNvPr id="5" name="직선 화살표 연결선 4"/>
+          <p:cNvCxnSpPr>
+            <a:stCxn id="23" idx="3"/>
+            <a:endCxn id="24" idx="1"/>
+          </p:cNvCxnSpPr>
+          <p:nvPr/>
+        </p:nvCxnSpPr>
+        <p:spPr>
+          <a:xfrm>
+            <a:off x="2518707" y="5354077"/>
+            <a:ext cx="957291" cy="0"/>
+          </a:xfrm>
+          <a:prstGeom prst="straightConnector1">
+            <a:avLst/>
+          </a:prstGeom>
+          <a:ln>
+            <a:tailEnd type="triangle"/>
+          </a:ln>
+        </p:spPr>
+        <p:style>
+          <a:lnRef idx="1">
+            <a:schemeClr val="accent1"/>
+          </a:lnRef>
+          <a:fillRef idx="0">
+            <a:schemeClr val="accent1"/>
+          </a:fillRef>
+          <a:effectRef idx="0">
+            <a:schemeClr val="accent1"/>
+          </a:effectRef>
+          <a:fontRef idx="minor">
+            <a:schemeClr val="tx1"/>
+          </a:fontRef>
+        </p:style>
+      </p:cxnSp>
+      <p:cxnSp>
+        <p:nvCxnSpPr>
+          <p:cNvPr id="7" name="구부러진 연결선 6"/>
+          <p:cNvCxnSpPr>
+            <a:stCxn id="24" idx="3"/>
+            <a:endCxn id="25" idx="1"/>
+          </p:cNvCxnSpPr>
+          <p:nvPr/>
+        </p:nvCxnSpPr>
+        <p:spPr>
+          <a:xfrm>
+            <a:off x="5129584" y="5354077"/>
+            <a:ext cx="1302245" cy="12700"/>
+          </a:xfrm>
+          <a:prstGeom prst="curvedConnector3">
+            <a:avLst/>
+          </a:prstGeom>
+          <a:ln>
+            <a:tailEnd type="triangle"/>
+          </a:ln>
+        </p:spPr>
+        <p:style>
+          <a:lnRef idx="1">
+            <a:schemeClr val="accent1"/>
+          </a:lnRef>
+          <a:fillRef idx="0">
+            <a:schemeClr val="accent1"/>
+          </a:fillRef>
+          <a:effectRef idx="0">
+            <a:schemeClr val="accent1"/>
+          </a:effectRef>
+          <a:fontRef idx="minor">
+            <a:schemeClr val="tx1"/>
+          </a:fontRef>
+        </p:style>
+      </p:cxnSp>
+      <p:cxnSp>
+        <p:nvCxnSpPr>
+          <p:cNvPr id="31" name="구부러진 연결선 30"/>
+          <p:cNvCxnSpPr>
+            <a:stCxn id="24" idx="3"/>
+            <a:endCxn id="26" idx="1"/>
+          </p:cNvCxnSpPr>
+          <p:nvPr/>
+        </p:nvCxnSpPr>
+        <p:spPr>
+          <a:xfrm flipV="1">
+            <a:off x="5129584" y="2471096"/>
+            <a:ext cx="1346049" cy="2882981"/>
+          </a:xfrm>
+          <a:prstGeom prst="curvedConnector3">
+            <a:avLst/>
+          </a:prstGeom>
+          <a:ln>
+            <a:tailEnd type="triangle"/>
+          </a:ln>
+        </p:spPr>
+        <p:style>
+          <a:lnRef idx="1">
+            <a:schemeClr val="accent1"/>
+          </a:lnRef>
+          <a:fillRef idx="0">
+            <a:schemeClr val="accent1"/>
+          </a:fillRef>
+          <a:effectRef idx="0">
+            <a:schemeClr val="accent1"/>
+          </a:effectRef>
+          <a:fontRef idx="minor">
+            <a:schemeClr val="tx1"/>
+          </a:fontRef>
+        </p:style>
+      </p:cxnSp>
+      <p:cxnSp>
+        <p:nvCxnSpPr>
+          <p:cNvPr id="34" name="구부러진 연결선 33"/>
+          <p:cNvCxnSpPr>
+            <a:stCxn id="3" idx="3"/>
+            <a:endCxn id="26" idx="1"/>
+          </p:cNvCxnSpPr>
+          <p:nvPr/>
+        </p:nvCxnSpPr>
+        <p:spPr>
+          <a:xfrm>
+            <a:off x="2518707" y="2471096"/>
+            <a:ext cx="3956926" cy="12700"/>
+          </a:xfrm>
+          <a:prstGeom prst="curvedConnector3">
+            <a:avLst/>
+          </a:prstGeom>
+          <a:ln>
+            <a:tailEnd type="triangle"/>
+          </a:ln>
+        </p:spPr>
+        <p:style>
+          <a:lnRef idx="1">
+            <a:schemeClr val="accent1"/>
+          </a:lnRef>
+          <a:fillRef idx="0">
+            <a:schemeClr val="accent1"/>
+          </a:fillRef>
+          <a:effectRef idx="0">
+            <a:schemeClr val="accent1"/>
+          </a:effectRef>
+          <a:fontRef idx="minor">
+            <a:schemeClr val="tx1"/>
+          </a:fontRef>
+        </p:style>
+      </p:cxnSp>
+      <p:sp>
+        <p:nvSpPr>
+          <p:cNvPr id="41" name="모서리가 둥근 직사각형 40"/>
+          <p:cNvSpPr/>
+          <p:nvPr/>
+        </p:nvSpPr>
+        <p:spPr>
+          <a:xfrm>
+            <a:off x="9020804" y="2054962"/>
+            <a:ext cx="1653586" cy="832268"/>
+          </a:xfrm>
+          <a:prstGeom prst="roundRect">
+            <a:avLst/>
+          </a:prstGeom>
+        </p:spPr>
+        <p:style>
+          <a:lnRef idx="1">
+            <a:schemeClr val="accent1"/>
+          </a:lnRef>
+          <a:fillRef idx="2">
+            <a:schemeClr val="accent1"/>
+          </a:fillRef>
+          <a:effectRef idx="1">
+            <a:schemeClr val="accent1"/>
+          </a:effectRef>
+          <a:fontRef idx="minor">
+            <a:schemeClr val="dk1"/>
+          </a:fontRef>
+        </p:style>
+        <p:txBody>
+          <a:bodyPr rtlCol="0" anchor="ctr"/>
+          <a:lstStyle/>
+          <a:p>
+            <a:pPr algn="ctr"/>
+            <a:r>
+              <a:rPr lang="en-US" altLang="ko-KR" dirty="0" smtClean="0"/>
+              <a:t>Done</a:t>
+            </a:r>
+            <a:endParaRPr lang="ko-KR" altLang="en-US" dirty="0"/>
+          </a:p>
+        </p:txBody>
+      </p:sp>
+      <p:cxnSp>
+        <p:nvCxnSpPr>
+          <p:cNvPr id="17" name="구부러진 연결선 16"/>
+          <p:cNvCxnSpPr>
+            <a:stCxn id="26" idx="3"/>
+            <a:endCxn id="41" idx="1"/>
+          </p:cNvCxnSpPr>
+          <p:nvPr/>
+        </p:nvCxnSpPr>
+        <p:spPr>
+          <a:xfrm>
+            <a:off x="8129219" y="2471096"/>
+            <a:ext cx="891585" cy="12700"/>
+          </a:xfrm>
+          <a:prstGeom prst="curvedConnector3">
+            <a:avLst/>
+          </a:prstGeom>
+          <a:ln>
+            <a:tailEnd type="triangle"/>
+          </a:ln>
+        </p:spPr>
+        <p:style>
+          <a:lnRef idx="1">
+            <a:schemeClr val="accent1"/>
+          </a:lnRef>
+          <a:fillRef idx="0">
+            <a:schemeClr val="accent1"/>
+          </a:fillRef>
+          <a:effectRef idx="0">
+            <a:schemeClr val="accent1"/>
+          </a:effectRef>
+          <a:fontRef idx="minor">
+            <a:schemeClr val="tx1"/>
+          </a:fontRef>
+        </p:style>
+      </p:cxnSp>
+      <p:sp>
+        <p:nvSpPr>
+          <p:cNvPr id="53" name="모서리가 둥근 직사각형 52"/>
+          <p:cNvSpPr/>
+          <p:nvPr/>
+        </p:nvSpPr>
+        <p:spPr>
+          <a:xfrm>
+            <a:off x="9693372" y="3496452"/>
+            <a:ext cx="1653586" cy="832268"/>
+          </a:xfrm>
+          <a:prstGeom prst="roundRect">
+            <a:avLst/>
+          </a:prstGeom>
+        </p:spPr>
+        <p:style>
+          <a:lnRef idx="1">
+            <a:schemeClr val="accent1"/>
+          </a:lnRef>
+          <a:fillRef idx="2">
+            <a:schemeClr val="accent1"/>
+          </a:fillRef>
+          <a:effectRef idx="1">
+            <a:schemeClr val="accent1"/>
+          </a:effectRef>
+          <a:fontRef idx="minor">
+            <a:schemeClr val="dk1"/>
+          </a:fontRef>
+        </p:style>
+        <p:txBody>
+          <a:bodyPr rtlCol="0" anchor="ctr"/>
+          <a:lstStyle/>
+          <a:p>
+            <a:pPr algn="ctr"/>
+            <a:r>
+              <a:rPr lang="en-US" altLang="ko-KR" dirty="0" smtClean="0"/>
+              <a:t>Terminate</a:t>
+            </a:r>
+            <a:endParaRPr lang="ko-KR" altLang="en-US" dirty="0"/>
+          </a:p>
+        </p:txBody>
+      </p:sp>
+      <p:cxnSp>
+        <p:nvCxnSpPr>
+          <p:cNvPr id="33" name="구부러진 연결선 32"/>
+          <p:cNvCxnSpPr>
+            <a:stCxn id="41" idx="2"/>
+            <a:endCxn id="53" idx="0"/>
+          </p:cNvCxnSpPr>
+          <p:nvPr/>
+        </p:nvCxnSpPr>
+        <p:spPr>
+          <a:xfrm rot="16200000" flipH="1">
+            <a:off x="9879270" y="2855557"/>
+            <a:ext cx="609222" cy="672568"/>
+          </a:xfrm>
+          <a:prstGeom prst="curvedConnector3">
+            <a:avLst/>
+          </a:prstGeom>
+          <a:ln>
+            <a:tailEnd type="triangle"/>
+          </a:ln>
+        </p:spPr>
+        <p:style>
+          <a:lnRef idx="1">
+            <a:schemeClr val="accent1"/>
+          </a:lnRef>
+          <a:fillRef idx="0">
+            <a:schemeClr val="accent1"/>
+          </a:fillRef>
+          <a:effectRef idx="0">
+            <a:schemeClr val="accent1"/>
+          </a:effectRef>
+          <a:fontRef idx="minor">
+            <a:schemeClr val="tx1"/>
+          </a:fontRef>
+        </p:style>
+      </p:cxnSp>
+      <p:cxnSp>
+        <p:nvCxnSpPr>
+          <p:cNvPr id="44" name="구부러진 연결선 43"/>
+          <p:cNvCxnSpPr>
+            <a:stCxn id="25" idx="3"/>
+            <a:endCxn id="53" idx="2"/>
+          </p:cNvCxnSpPr>
+          <p:nvPr/>
+        </p:nvCxnSpPr>
+        <p:spPr>
+          <a:xfrm flipV="1">
+            <a:off x="8085415" y="4328720"/>
+            <a:ext cx="2434750" cy="1025357"/>
+          </a:xfrm>
+          <a:prstGeom prst="curvedConnector2">
+            <a:avLst/>
+          </a:prstGeom>
+          <a:ln>
+            <a:tailEnd type="triangle"/>
+          </a:ln>
+        </p:spPr>
+        <p:style>
+          <a:lnRef idx="1">
+            <a:schemeClr val="accent1"/>
+          </a:lnRef>
+          <a:fillRef idx="0">
+            <a:schemeClr val="accent1"/>
+          </a:fillRef>
+          <a:effectRef idx="0">
+            <a:schemeClr val="accent1"/>
+          </a:effectRef>
+          <a:fontRef idx="minor">
+            <a:schemeClr val="tx1"/>
+          </a:fontRef>
+        </p:style>
+      </p:cxnSp>
+    </p:spTree>
+    <p:extLst>
+      <p:ext uri="{BB962C8B-B14F-4D97-AF65-F5344CB8AC3E}">
+        <p14:creationId xmlns:p14="http://schemas.microsoft.com/office/powerpoint/2010/main" val="3038135300"/>
+      </p:ext>
+    </p:extLst>
+  </p:cSld>
+  <p:clrMapOvr>
+    <a:masterClrMapping/>
+  </p:clrMapOvr>
+  <p:timing>
+    <p:tnLst>
+      <p:par>
+        <p:cTn id="1" dur="indefinite" restart="never" nodeType="tmRoot"/>
+      </p:par>
+    </p:tnLst>
+  </p:timing>
+</p:sld>
+</file>
+
+<file path=ppt/slides/slide22.xml><?xml version="1.0" encoding="utf-8"?>
+<p:sld xmlns:a="http://schemas.openxmlformats.org/drawingml/2006/main" xmlns:r="http://schemas.openxmlformats.org/officeDocument/2006/relationships" xmlns:p="http://schemas.openxmlformats.org/presentationml/2006/main">
+  <p:cSld>
+    <p:spTree>
+      <p:nvGrpSpPr>
+        <p:cNvPr id="1" name=""/>
+        <p:cNvGrpSpPr/>
+        <p:nvPr/>
+      </p:nvGrpSpPr>
+      <p:grpSpPr>
+        <a:xfrm>
+          <a:off x="0" y="0"/>
+          <a:ext cx="0" cy="0"/>
+          <a:chOff x="0" y="0"/>
+          <a:chExt cx="0" cy="0"/>
+        </a:xfrm>
+      </p:grpSpPr>
+      <p:sp>
+        <p:nvSpPr>
+          <p:cNvPr id="2" name="제목 1"/>
+          <p:cNvSpPr>
+            <a:spLocks noGrp="1"/>
+          </p:cNvSpPr>
+          <p:nvPr>
+            <p:ph type="title"/>
+          </p:nvPr>
+        </p:nvSpPr>
+        <p:spPr>
+          <a:xfrm>
+            <a:off x="197117" y="2763371"/>
+            <a:ext cx="11876248" cy="1325563"/>
+          </a:xfrm>
+        </p:spPr>
+        <p:txBody>
+          <a:bodyPr/>
+          <a:lstStyle/>
+          <a:p>
+            <a:pPr algn="ctr"/>
+            <a:r>
+              <a:rPr lang="en-US" altLang="ko-KR" dirty="0" smtClean="0"/>
+              <a:t>Classes</a:t>
+            </a:r>
+            <a:endParaRPr lang="ko-KR" altLang="en-US" dirty="0"/>
+          </a:p>
+        </p:txBody>
+      </p:sp>
+    </p:spTree>
+    <p:extLst>
+      <p:ext uri="{BB962C8B-B14F-4D97-AF65-F5344CB8AC3E}">
+        <p14:creationId xmlns:p14="http://schemas.microsoft.com/office/powerpoint/2010/main" val="2521189219"/>
+      </p:ext>
+    </p:extLst>
+  </p:cSld>
+  <p:clrMapOvr>
+    <a:masterClrMapping/>
+  </p:clrMapOvr>
+  <p:timing>
+    <p:tnLst>
+      <p:par>
+        <p:cTn id="1" dur="indefinite" restart="never" nodeType="tmRoot"/>
+      </p:par>
+    </p:tnLst>
+  </p:timing>
+</p:sld>
+</file>
+
+<file path=ppt/slides/slide23.xml><?xml version="1.0" encoding="utf-8"?>
+<p:sld xmlns:a="http://schemas.openxmlformats.org/drawingml/2006/main" xmlns:r="http://schemas.openxmlformats.org/officeDocument/2006/relationships" xmlns:p="http://schemas.openxmlformats.org/presentationml/2006/main">
+  <p:cSld>
+    <p:spTree>
+      <p:nvGrpSpPr>
+        <p:cNvPr id="1" name=""/>
+        <p:cNvGrpSpPr/>
+        <p:nvPr/>
+      </p:nvGrpSpPr>
+      <p:grpSpPr>
+        <a:xfrm>
+          <a:off x="0" y="0"/>
+          <a:ext cx="0" cy="0"/>
+          <a:chOff x="0" y="0"/>
+          <a:chExt cx="0" cy="0"/>
+        </a:xfrm>
+      </p:grpSpPr>
+      <p:sp>
+        <p:nvSpPr>
+          <p:cNvPr id="2" name="제목 1"/>
+          <p:cNvSpPr>
+            <a:spLocks noGrp="1"/>
+          </p:cNvSpPr>
+          <p:nvPr>
+            <p:ph type="title"/>
+          </p:nvPr>
+        </p:nvSpPr>
+        <p:spPr/>
+        <p:txBody>
+          <a:bodyPr/>
+          <a:lstStyle/>
+          <a:p>
+            <a:r>
+              <a:rPr lang="en-US" altLang="ko-KR" dirty="0" smtClean="0"/>
+              <a:t>Messages</a:t>
+            </a:r>
+            <a:endParaRPr lang="ko-KR" altLang="en-US" dirty="0"/>
+          </a:p>
+        </p:txBody>
+      </p:sp>
+      <p:sp>
+        <p:nvSpPr>
+          <p:cNvPr id="3" name="내용 개체 틀 2"/>
+          <p:cNvSpPr>
+            <a:spLocks noGrp="1"/>
+          </p:cNvSpPr>
+          <p:nvPr>
+            <p:ph idx="1"/>
+          </p:nvPr>
+        </p:nvSpPr>
         <p:spPr>
           <a:xfrm>
             <a:off x="838200" y="1978024"/>
@@ -4398,7 +5998,6 @@
               <a:rPr lang="en-US" altLang="ko-KR" sz="1600" dirty="0" smtClean="0"/>
               <a:t>]</a:t>
             </a:r>
-            <a:endParaRPr lang="en-US" altLang="ko-KR" sz="1600" dirty="0" smtClean="0"/>
           </a:p>
           <a:p>
             <a:r>
@@ -4470,7 +6069,7 @@
         <p:spPr>
           <a:xfrm>
             <a:off x="5768385" y="1978024"/>
-            <a:ext cx="6096000" cy="4462760"/>
+            <a:ext cx="6096000" cy="4708981"/>
           </a:xfrm>
           <a:prstGeom prst="rect">
             <a:avLst/>
@@ -4491,8 +6090,8 @@
               <a:t>class </a:t>
             </a:r>
             <a:r>
-              <a:rPr lang="en-US" altLang="ko-KR" sz="2000" dirty="0" err="1" smtClean="0"/>
-              <a:t>SlaveInfo</a:t>
+              <a:rPr lang="en-US" altLang="ko-KR" sz="2000" dirty="0" smtClean="0"/>
+              <a:t>Slave</a:t>
             </a:r>
             <a:endParaRPr lang="en-US" altLang="ko-KR" sz="2000" dirty="0"/>
           </a:p>
@@ -4502,9 +6101,36 @@
               <a:buChar char="-"/>
             </a:pPr>
             <a:r>
+              <a:rPr lang="en-US" altLang="ko-KR" sz="1600" dirty="0" err="1"/>
+              <a:t>i</a:t>
+            </a:r>
+            <a:r>
+              <a:rPr lang="en-US" altLang="ko-KR" sz="1600" dirty="0" err="1" smtClean="0"/>
+              <a:t>p</a:t>
+            </a:r>
+            <a:r>
               <a:rPr lang="en-US" altLang="ko-KR" sz="1600" dirty="0" smtClean="0"/>
-              <a:t>socket: Socket</a:t>
-            </a:r>
+              <a:t>: String</a:t>
+            </a:r>
+          </a:p>
+          <a:p>
+            <a:pPr marL="742950" lvl="1" indent="-285750">
+              <a:buFontTx/>
+              <a:buChar char="-"/>
+            </a:pPr>
+            <a:r>
+              <a:rPr lang="en-US" altLang="ko-KR" sz="1600" dirty="0"/>
+              <a:t>p</a:t>
+            </a:r>
+            <a:r>
+              <a:rPr lang="en-US" altLang="ko-KR" sz="1600" dirty="0" smtClean="0"/>
+              <a:t>ort: </a:t>
+            </a:r>
+            <a:r>
+              <a:rPr lang="en-US" altLang="ko-KR" sz="1600" dirty="0" err="1" smtClean="0"/>
+              <a:t>Int</a:t>
+            </a:r>
+            <a:endParaRPr lang="en-US" altLang="ko-KR" sz="1600" dirty="0" smtClean="0"/>
           </a:p>
           <a:p>
             <a:pPr marL="742950" lvl="1" indent="-285750">
@@ -4622,16 +6248,9 @@
             </a:r>
             <a:r>
               <a:rPr lang="en-US" altLang="ko-KR" sz="1600" dirty="0" smtClean="0"/>
-              <a:t>Vector[</a:t>
-            </a:r>
-            <a:r>
-              <a:rPr lang="en-US" altLang="ko-KR" sz="1600" dirty="0" err="1" smtClean="0"/>
-              <a:t>SlaveInfo</a:t>
-            </a:r>
-            <a:r>
-              <a:rPr lang="en-US" altLang="ko-KR" sz="1600" dirty="0" smtClean="0"/>
-              <a:t>]</a:t>
-            </a:r>
+              <a:t>Vector[Slave]</a:t>
+            </a:r>
+            <a:endParaRPr lang="en-US" altLang="ko-KR" sz="1600" dirty="0" smtClean="0"/>
           </a:p>
           <a:p>
             <a:pPr marL="742950" lvl="1" indent="-285750">
@@ -4692,11 +6311,7 @@
             </a:r>
             <a:r>
               <a:rPr lang="en-US" altLang="ko-KR" sz="1600" dirty="0" smtClean="0"/>
-              <a:t>]</a:t>
-            </a:r>
-            <a:r>
-              <a:rPr lang="en-US" altLang="ko-KR" sz="1600" dirty="0" smtClean="0"/>
-              <a:t>): </a:t>
+              <a:t>]): </a:t>
             </a:r>
             <a:r>
               <a:rPr lang="en-US" altLang="ko-KR" sz="1600" dirty="0" err="1" smtClean="0"/>
@@ -4711,15 +6326,11 @@
             </a:pPr>
             <a:r>
               <a:rPr lang="en-US" altLang="ko-KR" sz="1600" dirty="0" smtClean="0"/>
-              <a:t>apply(Vector[</a:t>
-            </a:r>
-            <a:r>
-              <a:rPr lang="en-US" altLang="ko-KR" sz="1600" dirty="0" err="1" smtClean="0"/>
-              <a:t>SlaveInfo</a:t>
+              <a:t>apply(Vector[Slave], </a:t>
             </a:r>
             <a:r>
               <a:rPr lang="en-US" altLang="ko-KR" sz="1600" dirty="0" smtClean="0"/>
-              <a:t>], Vector[</a:t>
+              <a:t>Vector[</a:t>
             </a:r>
             <a:r>
               <a:rPr lang="en-US" altLang="ko-KR" sz="1600" dirty="0" err="1" smtClean="0"/>
@@ -5005,7 +6616,7 @@
 </p:sld>
 </file>
 
-<file path=ppt/slides/slide13.xml><?xml version="1.0" encoding="utf-8"?>
+<file path=ppt/slides/slide24.xml><?xml version="1.0" encoding="utf-8"?>
 <p:sld xmlns:a="http://schemas.openxmlformats.org/drawingml/2006/main" xmlns:r="http://schemas.openxmlformats.org/officeDocument/2006/relationships" xmlns:p="http://schemas.openxmlformats.org/presentationml/2006/main">
   <p:cSld>
     <p:spTree>
@@ -5076,11 +6687,7 @@
             </a:r>
             <a:r>
               <a:rPr lang="en-US" altLang="ko-KR" sz="2000" dirty="0" err="1" smtClean="0"/>
-              <a:t>Sample</a:t>
-            </a:r>
-            <a:r>
-              <a:rPr lang="en-US" altLang="ko-KR" sz="2000" dirty="0" err="1" smtClean="0"/>
-              <a:t>Message</a:t>
+              <a:t>SampleMessage</a:t>
             </a:r>
             <a:endParaRPr lang="en-US" altLang="ko-KR" sz="2000" dirty="0" smtClean="0"/>
           </a:p>
@@ -5120,7 +6727,6 @@
               <a:rPr lang="en-US" altLang="ko-KR" sz="1600" dirty="0"/>
               <a:t>Array[byte]</a:t>
             </a:r>
-            <a:endParaRPr lang="en-US" altLang="ko-KR" sz="1600" dirty="0"/>
           </a:p>
           <a:p>
             <a:pPr marL="742950" lvl="1" indent="-285750">
@@ -5140,11 +6746,7 @@
             </a:r>
             <a:r>
               <a:rPr lang="en-US" altLang="ko-KR" sz="2000" dirty="0" err="1" smtClean="0"/>
-              <a:t>Sample</a:t>
-            </a:r>
-            <a:r>
-              <a:rPr lang="en-US" altLang="ko-KR" sz="2000" dirty="0" err="1" smtClean="0"/>
-              <a:t>Message</a:t>
+              <a:t>SampleMessage</a:t>
             </a:r>
             <a:endParaRPr lang="en-US" altLang="ko-KR" sz="2000" dirty="0"/>
           </a:p>
@@ -5163,11 +6765,7 @@
             </a:r>
             <a:r>
               <a:rPr lang="en-US" altLang="ko-KR" sz="1600" dirty="0" err="1" smtClean="0"/>
-              <a:t>Sample</a:t>
-            </a:r>
-            <a:r>
-              <a:rPr lang="en-US" altLang="ko-KR" sz="1600" dirty="0" err="1" smtClean="0"/>
-              <a:t>Message</a:t>
+              <a:t>SampleMessage</a:t>
             </a:r>
             <a:endParaRPr lang="en-US" altLang="ko-KR" sz="1600" dirty="0" smtClean="0"/>
           </a:p>
@@ -5194,11 +6792,7 @@
             </a:r>
             <a:r>
               <a:rPr lang="en-US" altLang="ko-KR" sz="1600" dirty="0" err="1" smtClean="0"/>
-              <a:t>Sample</a:t>
-            </a:r>
-            <a:r>
-              <a:rPr lang="en-US" altLang="ko-KR" sz="1600" dirty="0" err="1" smtClean="0"/>
-              <a:t>Message</a:t>
+              <a:t>SampleMessage</a:t>
             </a:r>
             <a:endParaRPr lang="en-US" altLang="ko-KR" sz="1600" dirty="0" smtClean="0"/>
           </a:p>
@@ -5452,11 +7046,7 @@
             </a:pPr>
             <a:r>
               <a:rPr lang="en-US" altLang="ko-KR" sz="1600" dirty="0" smtClean="0"/>
-              <a:t>size</a:t>
-            </a:r>
-            <a:r>
-              <a:rPr lang="en-US" altLang="ko-KR" sz="1600" dirty="0" smtClean="0"/>
-              <a:t>: Vector[</a:t>
+              <a:t>size: Vector[</a:t>
             </a:r>
             <a:r>
               <a:rPr lang="en-US" altLang="ko-KR" sz="1600" dirty="0" err="1" smtClean="0"/>
@@ -5512,11 +7102,7 @@
             </a:pPr>
             <a:r>
               <a:rPr lang="en-US" altLang="ko-KR" sz="1600" dirty="0" smtClean="0"/>
-              <a:t>a</a:t>
-            </a:r>
-            <a:r>
-              <a:rPr lang="en-US" altLang="ko-KR" sz="1600" dirty="0" smtClean="0"/>
-              <a:t>pply(Vector[</a:t>
+              <a:t>apply(Vector[</a:t>
             </a:r>
             <a:r>
               <a:rPr lang="en-US" altLang="ko-KR" sz="1600" dirty="0" err="1" smtClean="0"/>
@@ -5690,11 +7276,7 @@
             </a:pPr>
             <a:r>
               <a:rPr lang="en-US" altLang="ko-KR" sz="1600" dirty="0" smtClean="0"/>
-              <a:t>a</a:t>
-            </a:r>
-            <a:r>
-              <a:rPr lang="en-US" altLang="ko-KR" sz="1600" dirty="0" smtClean="0"/>
-              <a:t>pply(</a:t>
+              <a:t>apply(</a:t>
             </a:r>
             <a:r>
               <a:rPr lang="en-US" altLang="ko-KR" sz="1600" dirty="0" err="1" smtClean="0"/>
@@ -5759,7 +7341,7 @@
 </p:sld>
 </file>
 
-<file path=ppt/slides/slide14.xml><?xml version="1.0" encoding="utf-8"?>
+<file path=ppt/slides/slide25.xml><?xml version="1.0" encoding="utf-8"?>
 <p:sld xmlns:a="http://schemas.openxmlformats.org/drawingml/2006/main" xmlns:r="http://schemas.openxmlformats.org/officeDocument/2006/relationships" xmlns:p="http://schemas.openxmlformats.org/presentationml/2006/main">
   <p:cSld>
     <p:spTree>
@@ -5849,29 +7431,22 @@
               <a:buChar char="-"/>
             </a:pPr>
             <a:r>
+              <a:rPr lang="en-US" altLang="ko-KR" sz="1600" dirty="0" err="1"/>
+              <a:t>v</a:t>
+            </a:r>
+            <a:r>
               <a:rPr lang="en-US" altLang="ko-KR" sz="1600" dirty="0" err="1" smtClean="0"/>
-              <a:t>var</a:t>
+              <a:t>ar</a:t>
             </a:r>
             <a:r>
               <a:rPr lang="en-US" altLang="ko-KR" sz="1600" dirty="0" smtClean="0"/>
-              <a:t> </a:t>
+              <a:t> socket: </a:t>
             </a:r>
             <a:r>
               <a:rPr lang="en-US" altLang="ko-KR" sz="1600" dirty="0" err="1" smtClean="0"/>
-              <a:t>slaveInfoList</a:t>
-            </a:r>
-            <a:r>
-              <a:rPr lang="en-US" altLang="ko-KR" sz="1600" dirty="0" smtClean="0"/>
-              <a:t>: List[</a:t>
-            </a:r>
-            <a:r>
-              <a:rPr lang="en-US" altLang="ko-KR" sz="1600" dirty="0" err="1" smtClean="0"/>
-              <a:t>SlaveInfo</a:t>
-            </a:r>
-            <a:r>
-              <a:rPr lang="en-US" altLang="ko-KR" sz="1600" dirty="0" smtClean="0"/>
-              <a:t>]</a:t>
-            </a:r>
+              <a:t>ServerSocket</a:t>
+            </a:r>
+            <a:endParaRPr lang="en-US" altLang="ko-KR" sz="1600" dirty="0" smtClean="0"/>
           </a:p>
           <a:p>
             <a:pPr lvl="1">
@@ -5880,6 +7455,59 @@
             </a:pPr>
             <a:r>
               <a:rPr lang="en-US" altLang="ko-KR" sz="1600" dirty="0" err="1" smtClean="0"/>
+              <a:t>var</a:t>
+            </a:r>
+            <a:r>
+              <a:rPr lang="en-US" altLang="ko-KR" sz="1600" dirty="0" smtClean="0"/>
+              <a:t> </a:t>
+            </a:r>
+            <a:r>
+              <a:rPr lang="en-US" altLang="ko-KR" sz="1600" dirty="0" err="1" smtClean="0"/>
+              <a:t>slaveList</a:t>
+            </a:r>
+            <a:r>
+              <a:rPr lang="en-US" altLang="ko-KR" sz="1600" dirty="0" smtClean="0"/>
+              <a:t>: </a:t>
+            </a:r>
+            <a:r>
+              <a:rPr lang="en-US" altLang="ko-KR" sz="1600" dirty="0" smtClean="0"/>
+              <a:t>List[Slave]</a:t>
+            </a:r>
+            <a:endParaRPr lang="en-US" altLang="ko-KR" sz="1600" dirty="0" smtClean="0"/>
+          </a:p>
+          <a:p>
+            <a:pPr lvl="1">
+              <a:buFontTx/>
+              <a:buChar char="-"/>
+            </a:pPr>
+            <a:r>
+              <a:rPr lang="en-US" altLang="ko-KR" sz="1600" dirty="0" err="1"/>
+              <a:t>v</a:t>
+            </a:r>
+            <a:r>
+              <a:rPr lang="en-US" altLang="ko-KR" sz="1600" dirty="0" err="1" smtClean="0"/>
+              <a:t>ar</a:t>
+            </a:r>
+            <a:r>
+              <a:rPr lang="en-US" altLang="ko-KR" sz="1600" dirty="0" smtClean="0"/>
+              <a:t> </a:t>
+            </a:r>
+            <a:r>
+              <a:rPr lang="en-US" altLang="ko-KR" sz="1600" dirty="0" err="1" smtClean="0"/>
+              <a:t>slaveSocketMap</a:t>
+            </a:r>
+            <a:r>
+              <a:rPr lang="en-US" altLang="ko-KR" sz="1600" dirty="0" smtClean="0"/>
+              <a:t>: Map[Slave, Socket]</a:t>
+            </a:r>
+          </a:p>
+          <a:p>
+            <a:pPr lvl="1">
+              <a:buFontTx/>
+              <a:buChar char="-"/>
+            </a:pPr>
+            <a:r>
+              <a:rPr lang="en-US" altLang="ko-KR" sz="1600" dirty="0" err="1" smtClean="0"/>
               <a:t>numSlave</a:t>
             </a:r>
             <a:r>
@@ -5911,9 +7539,10 @@
               <a:t>Init</a:t>
             </a:r>
             <a:r>
-              <a:rPr lang="en-US" altLang="ko-KR" sz="1600" dirty="0"/>
+              <a:rPr lang="en-US" altLang="ko-KR" sz="1600" dirty="0" smtClean="0"/>
               <a:t>)</a:t>
             </a:r>
+            <a:endParaRPr lang="en-US" altLang="ko-KR" sz="1600" dirty="0"/>
           </a:p>
           <a:p>
             <a:pPr lvl="1">
@@ -5922,7 +7551,7 @@
             </a:pPr>
             <a:r>
               <a:rPr lang="en-US" altLang="ko-KR" sz="1600" dirty="0" err="1" smtClean="0"/>
-              <a:t>init</a:t>
+              <a:t>initServerSocket</a:t>
             </a:r>
             <a:r>
               <a:rPr lang="en-US" altLang="ko-KR" sz="1600" dirty="0" smtClean="0"/>
@@ -5936,6 +7565,43 @@
             </a:pPr>
             <a:r>
               <a:rPr lang="en-US" altLang="ko-KR" sz="1600" dirty="0" err="1" smtClean="0"/>
+              <a:t>acceptConnections</a:t>
+            </a:r>
+            <a:r>
+              <a:rPr lang="en-US" altLang="ko-KR" sz="1600" dirty="0" smtClean="0"/>
+              <a:t>(</a:t>
+            </a:r>
+            <a:r>
+              <a:rPr lang="en-US" altLang="ko-KR" sz="1600" dirty="0" err="1" smtClean="0"/>
+              <a:t>Int</a:t>
+            </a:r>
+            <a:r>
+              <a:rPr lang="en-US" altLang="ko-KR" sz="1600" dirty="0" smtClean="0"/>
+              <a:t>): List[Future[List[Key]]]</a:t>
+            </a:r>
+          </a:p>
+          <a:p>
+            <a:pPr lvl="1">
+              <a:buFontTx/>
+              <a:buChar char="-"/>
+            </a:pPr>
+            <a:r>
+              <a:rPr lang="en-US" altLang="ko-KR" sz="1600" dirty="0" err="1" smtClean="0"/>
+              <a:t>connectionFuture</a:t>
+            </a:r>
+            <a:r>
+              <a:rPr lang="en-US" altLang="ko-KR" sz="1600" dirty="0" smtClean="0"/>
+              <a:t>(Socket): Future[Socket]</a:t>
+            </a:r>
+            <a:endParaRPr lang="en-US" altLang="ko-KR" sz="1600" dirty="0" smtClean="0"/>
+          </a:p>
+          <a:p>
+            <a:pPr lvl="1">
+              <a:buFontTx/>
+              <a:buChar char="-"/>
+            </a:pPr>
+            <a:r>
+              <a:rPr lang="en-US" altLang="ko-KR" sz="1600" dirty="0" err="1" smtClean="0"/>
               <a:t>samplingFuture</a:t>
             </a:r>
             <a:r>
@@ -5951,14 +7617,36 @@
             <a:endParaRPr lang="en-US" altLang="ko-KR" sz="1600" dirty="0" smtClean="0"/>
           </a:p>
           <a:p>
-            <a:pPr marL="457200" lvl="1" indent="0">
-              <a:buNone/>
-            </a:pPr>
-            <a:r>
-              <a:rPr lang="en-US" altLang="ko-KR" sz="1600" dirty="0" smtClean="0"/>
+            <a:endParaRPr lang="ko-KR" altLang="en-US" dirty="0"/>
+          </a:p>
+        </p:txBody>
+      </p:sp>
+      <p:sp>
+        <p:nvSpPr>
+          <p:cNvPr id="4" name="직사각형 3"/>
+          <p:cNvSpPr/>
+          <p:nvPr/>
+        </p:nvSpPr>
+        <p:spPr>
+          <a:xfrm>
+            <a:off x="6209159" y="735518"/>
+            <a:ext cx="6096000" cy="4770537"/>
+          </a:xfrm>
+          <a:prstGeom prst="rect">
+            <a:avLst/>
+          </a:prstGeom>
+        </p:spPr>
+        <p:txBody>
+          <a:bodyPr>
+            <a:spAutoFit/>
+          </a:bodyPr>
+          <a:lstStyle/>
+          <a:p>
+            <a:pPr lvl="1"/>
+            <a:r>
+              <a:rPr lang="en-US" altLang="ko-KR" sz="1600" dirty="0"/>
               <a:t>(Connect)</a:t>
             </a:r>
-            <a:endParaRPr lang="en-US" altLang="ko-KR" sz="1600" dirty="0"/>
           </a:p>
           <a:p>
             <a:pPr lvl="1">
@@ -5966,20 +7654,20 @@
               <a:buChar char="-"/>
             </a:pPr>
             <a:r>
+              <a:rPr lang="en-US" altLang="ko-KR" sz="1600" dirty="0" smtClean="0"/>
+              <a:t> </a:t>
+            </a:r>
+            <a:r>
               <a:rPr lang="en-US" altLang="ko-KR" sz="1600" dirty="0" err="1" smtClean="0"/>
               <a:t>recvConnectionMsg</a:t>
             </a:r>
             <a:r>
               <a:rPr lang="en-US" altLang="ko-KR" sz="1600" dirty="0" smtClean="0"/>
-              <a:t>(Socket): Future[</a:t>
-            </a:r>
-            <a:r>
-              <a:rPr lang="en-US" altLang="ko-KR" sz="1600" dirty="0" err="1" smtClean="0"/>
-              <a:t>SlaveInfo</a:t>
-            </a:r>
-            <a:r>
-              <a:rPr lang="en-US" altLang="ko-KR" sz="1600" dirty="0" smtClean="0"/>
-              <a:t>]</a:t>
+              <a:t>(Socket</a:t>
+            </a:r>
+            <a:r>
+              <a:rPr lang="en-US" altLang="ko-KR" sz="1600" dirty="0"/>
+              <a:t>): Future[Slave]</a:t>
             </a:r>
           </a:p>
           <a:p>
@@ -5988,60 +7676,40 @@
               <a:buChar char="-"/>
             </a:pPr>
             <a:r>
+              <a:rPr lang="en-US" altLang="ko-KR" sz="1600" dirty="0" smtClean="0"/>
+              <a:t> </a:t>
+            </a:r>
+            <a:r>
               <a:rPr lang="en-US" altLang="ko-KR" sz="1600" dirty="0" err="1" smtClean="0"/>
-              <a:t>addSlaveInfo</a:t>
+              <a:t>updateSlaveInfo</a:t>
             </a:r>
             <a:r>
               <a:rPr lang="en-US" altLang="ko-KR" sz="1600" dirty="0" smtClean="0"/>
-              <a:t>(Socket, </a:t>
-            </a:r>
-            <a:r>
-              <a:rPr lang="en-US" altLang="ko-KR" sz="1600" dirty="0" err="1" smtClean="0"/>
-              <a:t>Int</a:t>
+              <a:t>(Socket</a:t>
+            </a:r>
+            <a:r>
+              <a:rPr lang="en-US" altLang="ko-KR" sz="1600" dirty="0"/>
+              <a:t>, Slave): </a:t>
             </a:r>
             <a:r>
               <a:rPr lang="en-US" altLang="ko-KR" sz="1600" dirty="0" smtClean="0"/>
-              <a:t>): Unit</a:t>
-            </a:r>
+              <a:t>Unit</a:t>
+            </a:r>
+            <a:endParaRPr lang="en-US" altLang="ko-KR" sz="1600" dirty="0" smtClean="0"/>
+          </a:p>
+          <a:p>
+            <a:pPr lvl="1"/>
             <a:endParaRPr lang="en-US" altLang="ko-KR" sz="1600" dirty="0"/>
           </a:p>
           <a:p>
-            <a:pPr lvl="1">
-              <a:buFontTx/>
-              <a:buChar char="-"/>
-            </a:pPr>
-            <a:endParaRPr lang="en-US" altLang="ko-KR" sz="1600" dirty="0" smtClean="0"/>
-          </a:p>
-          <a:p>
-            <a:endParaRPr lang="ko-KR" altLang="en-US" dirty="0"/>
-          </a:p>
-        </p:txBody>
-      </p:sp>
-      <p:sp>
-        <p:nvSpPr>
-          <p:cNvPr id="4" name="직사각형 3"/>
-          <p:cNvSpPr/>
-          <p:nvPr/>
-        </p:nvSpPr>
-        <p:spPr>
-          <a:xfrm>
-            <a:off x="6209159" y="735518"/>
-            <a:ext cx="6096000" cy="2800767"/>
-          </a:xfrm>
-          <a:prstGeom prst="rect">
-            <a:avLst/>
-          </a:prstGeom>
-        </p:spPr>
-        <p:txBody>
-          <a:bodyPr>
-            <a:spAutoFit/>
-          </a:bodyPr>
-          <a:lstStyle/>
-          <a:p>
             <a:pPr lvl="1"/>
             <a:r>
               <a:rPr lang="en-US" altLang="ko-KR" sz="1600" dirty="0" smtClean="0"/>
-              <a:t>(Sample)</a:t>
+              <a:t>(</a:t>
+            </a:r>
+            <a:r>
+              <a:rPr lang="en-US" altLang="ko-KR" sz="1600" dirty="0" smtClean="0"/>
+              <a:t>Sample)</a:t>
             </a:r>
           </a:p>
           <a:p>
@@ -6100,6 +7768,22 @@
             </a:r>
             <a:r>
               <a:rPr lang="en-US" altLang="ko-KR" sz="1600" dirty="0" err="1" smtClean="0"/>
+              <a:t>waitSamples</a:t>
+            </a:r>
+            <a:r>
+              <a:rPr lang="en-US" altLang="ko-KR" sz="1600" dirty="0" smtClean="0"/>
+              <a:t>(List[Future[List[Key]]]): List[Key]</a:t>
+            </a:r>
+            <a:endParaRPr lang="en-US" altLang="ko-KR" sz="1600" dirty="0" smtClean="0"/>
+          </a:p>
+          <a:p>
+            <a:pPr lvl="1"/>
+            <a:r>
+              <a:rPr lang="en-US" altLang="ko-KR" sz="1600" dirty="0" smtClean="0"/>
+              <a:t>- </a:t>
+            </a:r>
+            <a:r>
+              <a:rPr lang="en-US" altLang="ko-KR" sz="1600" dirty="0" err="1" smtClean="0"/>
               <a:t>calcPivots</a:t>
             </a:r>
             <a:r>
@@ -6118,7 +7802,7 @@
             </a:r>
             <a:r>
               <a:rPr lang="en-US" altLang="ko-KR" sz="1600" dirty="0" err="1" smtClean="0"/>
-              <a:t>makeEvalFuture</a:t>
+              <a:t>makeComputeFuture</a:t>
             </a:r>
             <a:r>
               <a:rPr lang="en-US" altLang="ko-KR" sz="1600" dirty="0" smtClean="0"/>
@@ -6139,13 +7823,14 @@
               <a:t>(</a:t>
             </a:r>
             <a:r>
-              <a:rPr lang="en-US" altLang="ko-KR" sz="1600" dirty="0" err="1" smtClean="0"/>
-              <a:t>Eval</a:t>
+              <a:rPr lang="en-US" altLang="ko-KR" sz="1600" dirty="0" smtClean="0"/>
+              <a:t>Compute</a:t>
             </a:r>
             <a:r>
               <a:rPr lang="en-US" altLang="ko-KR" sz="1600" dirty="0" smtClean="0"/>
               <a:t>)</a:t>
             </a:r>
+            <a:endParaRPr lang="en-US" altLang="ko-KR" sz="1600" dirty="0" smtClean="0"/>
           </a:p>
           <a:p>
             <a:pPr lvl="1"/>
@@ -6166,20 +7851,53 @@
           <a:p>
             <a:pPr lvl="1"/>
             <a:r>
+              <a:rPr lang="en-US" altLang="ko-KR" sz="1600" dirty="0" smtClean="0"/>
+              <a:t>- </a:t>
+            </a:r>
+            <a:r>
+              <a:rPr lang="en-US" altLang="ko-KR" sz="1600" dirty="0" err="1" smtClean="0"/>
+              <a:t>waitDoneMessage</a:t>
+            </a:r>
+            <a:r>
+              <a:rPr lang="en-US" altLang="ko-KR" sz="1600" dirty="0" smtClean="0"/>
+              <a:t>(): </a:t>
+            </a:r>
+            <a:r>
               <a:rPr lang="en-US" altLang="ko-KR" sz="1600" dirty="0"/>
-              <a:t>- </a:t>
-            </a:r>
-            <a:r>
-              <a:rPr lang="en-US" altLang="ko-KR" sz="1600" dirty="0" err="1"/>
-              <a:t>waitDoneMessage</a:t>
-            </a:r>
-            <a:r>
-              <a:rPr lang="en-US" altLang="ko-KR" sz="1600" dirty="0"/>
-              <a:t>(List[Key): Future[Unit</a:t>
+              <a:t>Future[Unit</a:t>
             </a:r>
             <a:r>
               <a:rPr lang="en-US" altLang="ko-KR" sz="1600" dirty="0" smtClean="0"/>
               <a:t>]</a:t>
+            </a:r>
+          </a:p>
+          <a:p>
+            <a:pPr marL="742950" lvl="1" indent="-285750">
+              <a:buFontTx/>
+              <a:buChar char="-"/>
+            </a:pPr>
+            <a:endParaRPr lang="en-US" altLang="ko-KR" sz="1600" dirty="0"/>
+          </a:p>
+          <a:p>
+            <a:pPr lvl="1"/>
+            <a:r>
+              <a:rPr lang="en-US" altLang="ko-KR" sz="1600" dirty="0" smtClean="0"/>
+              <a:t>(Success)</a:t>
+            </a:r>
+          </a:p>
+          <a:p>
+            <a:pPr lvl="1"/>
+            <a:r>
+              <a:rPr lang="en-US" altLang="ko-KR" sz="1600" dirty="0" smtClean="0"/>
+              <a:t>- </a:t>
+            </a:r>
+            <a:r>
+              <a:rPr lang="en-US" altLang="ko-KR" sz="1600" dirty="0" err="1" smtClean="0"/>
+              <a:t>closeAllSocket</a:t>
+            </a:r>
+            <a:r>
+              <a:rPr lang="en-US" altLang="ko-KR" sz="1600" dirty="0" smtClean="0"/>
+              <a:t>(): Unit</a:t>
             </a:r>
             <a:endParaRPr lang="en-US" altLang="ko-KR" sz="1600" dirty="0"/>
           </a:p>
@@ -6209,7 +7927,7 @@
 </p:sld>
 </file>
 
-<file path=ppt/slides/slide15.xml><?xml version="1.0" encoding="utf-8"?>
+<file path=ppt/slides/slide26.xml><?xml version="1.0" encoding="utf-8"?>
 <p:sld xmlns:a="http://schemas.openxmlformats.org/drawingml/2006/main" xmlns:r="http://schemas.openxmlformats.org/officeDocument/2006/relationships" xmlns:p="http://schemas.openxmlformats.org/presentationml/2006/main">
   <p:cSld>
     <p:spTree>
@@ -6261,18 +7979,25 @@
         </p:nvSpPr>
         <p:spPr>
           <a:xfrm>
-            <a:off x="838200" y="1978024"/>
-            <a:ext cx="4856267" cy="4755865"/>
-          </a:xfrm>
-        </p:spPr>
-        <p:txBody>
-          <a:bodyPr/>
+            <a:off x="838199" y="1978024"/>
+            <a:ext cx="5650207" cy="4755865"/>
+          </a:xfrm>
+        </p:spPr>
+        <p:txBody>
+          <a:bodyPr>
+            <a:normAutofit/>
+          </a:bodyPr>
           <a:lstStyle/>
           <a:p>
             <a:r>
               <a:rPr lang="en-US" altLang="ko-KR" sz="2000" dirty="0"/>
-              <a:t>class Slave:</a:t>
-            </a:r>
+              <a:t>class Slave</a:t>
+            </a:r>
+            <a:r>
+              <a:rPr lang="en-US" altLang="ko-KR" sz="2000" dirty="0" smtClean="0"/>
+              <a:t>:</a:t>
+            </a:r>
+            <a:endParaRPr lang="en-US" altLang="ko-KR" sz="2000" dirty="0"/>
           </a:p>
           <a:p>
             <a:pPr lvl="1">
@@ -6347,16 +8072,32 @@
             </a:r>
             <a:r>
               <a:rPr lang="en-US" altLang="ko-KR" sz="1600" dirty="0" smtClean="0"/>
-              <a:t> slaves: List[</a:t>
+              <a:t> socket: Socket</a:t>
+            </a:r>
+            <a:endParaRPr lang="en-US" altLang="ko-KR" sz="1600" dirty="0" smtClean="0"/>
+          </a:p>
+          <a:p>
+            <a:pPr lvl="1">
+              <a:buFontTx/>
+              <a:buChar char="-"/>
+            </a:pPr>
+            <a:r>
+              <a:rPr lang="en-US" altLang="ko-KR" sz="1600" dirty="0" err="1"/>
+              <a:t>v</a:t>
             </a:r>
             <a:r>
               <a:rPr lang="en-US" altLang="ko-KR" sz="1600" dirty="0" err="1" smtClean="0"/>
-              <a:t>SlaveInfo</a:t>
+              <a:t>ar</a:t>
             </a:r>
             <a:r>
               <a:rPr lang="en-US" altLang="ko-KR" sz="1600" dirty="0" smtClean="0"/>
-              <a:t>]</a:t>
-            </a:r>
+              <a:t> slaves: </a:t>
+            </a:r>
+            <a:r>
+              <a:rPr lang="en-US" altLang="ko-KR" sz="1600" dirty="0" smtClean="0"/>
+              <a:t>List[Slave]</a:t>
+            </a:r>
+            <a:endParaRPr lang="en-US" altLang="ko-KR" sz="1600" dirty="0" smtClean="0"/>
           </a:p>
           <a:p>
             <a:pPr lvl="1">
@@ -6392,13 +8133,43 @@
             <a:endParaRPr lang="en-US" altLang="ko-KR" sz="1600" dirty="0"/>
           </a:p>
           <a:p>
+            <a:pPr marL="457200" lvl="1" indent="0">
+              <a:buNone/>
+            </a:pPr>
+            <a:r>
+              <a:rPr lang="en-US" altLang="ko-KR" sz="1600" dirty="0" smtClean="0"/>
+              <a:t>(connect</a:t>
+            </a:r>
+            <a:r>
+              <a:rPr lang="en-US" altLang="ko-KR" sz="1600" dirty="0" smtClean="0"/>
+              <a:t>)</a:t>
+            </a:r>
+            <a:endParaRPr lang="en-US" altLang="ko-KR" sz="1600" dirty="0" smtClean="0"/>
+          </a:p>
+          <a:p>
             <a:pPr lvl="1">
               <a:buFontTx/>
               <a:buChar char="-"/>
             </a:pPr>
             <a:r>
+              <a:rPr lang="en-US" altLang="ko-KR" sz="1600" dirty="0" err="1" smtClean="0"/>
+              <a:t>connectToMaster</a:t>
+            </a:r>
+            <a:r>
               <a:rPr lang="en-US" altLang="ko-KR" sz="1600" dirty="0" smtClean="0"/>
-              <a:t>(connect)</a:t>
+              <a:t>(String, </a:t>
+            </a:r>
+            <a:r>
+              <a:rPr lang="en-US" altLang="ko-KR" sz="1600" dirty="0" err="1" smtClean="0"/>
+              <a:t>Int</a:t>
+            </a:r>
+            <a:r>
+              <a:rPr lang="en-US" altLang="ko-KR" sz="1600" dirty="0" smtClean="0"/>
+              <a:t>): </a:t>
+            </a:r>
+            <a:r>
+              <a:rPr lang="en-US" altLang="ko-KR" sz="1600" dirty="0" smtClean="0"/>
+              <a:t>Socket</a:t>
             </a:r>
           </a:p>
           <a:p>
@@ -6407,17 +8178,18 @@
               <a:buChar char="-"/>
             </a:pPr>
             <a:r>
-              <a:rPr lang="en-US" altLang="ko-KR" sz="1600" dirty="0" err="1"/>
-              <a:t>i</a:t>
-            </a:r>
-            <a:r>
               <a:rPr lang="en-US" altLang="ko-KR" sz="1600" dirty="0" err="1" smtClean="0"/>
-              <a:t>nit</a:t>
+              <a:t>getDataSize</a:t>
             </a:r>
             <a:r>
               <a:rPr lang="en-US" altLang="ko-KR" sz="1600" dirty="0" smtClean="0"/>
-              <a:t>(): Unit</a:t>
-            </a:r>
+              <a:t>(): </a:t>
+            </a:r>
+            <a:r>
+              <a:rPr lang="en-US" altLang="ko-KR" sz="1600" dirty="0" err="1" smtClean="0"/>
+              <a:t>Int</a:t>
+            </a:r>
+            <a:endParaRPr lang="en-US" altLang="ko-KR" sz="1600" dirty="0" smtClean="0"/>
           </a:p>
           <a:p>
             <a:pPr lvl="1">
@@ -6426,20 +8198,13 @@
             </a:pPr>
             <a:r>
               <a:rPr lang="en-US" altLang="ko-KR" sz="1600" dirty="0" err="1" smtClean="0"/>
-              <a:t>connectToMaster</a:t>
+              <a:t>sendConnectMsg</a:t>
             </a:r>
             <a:r>
               <a:rPr lang="en-US" altLang="ko-KR" sz="1600" dirty="0" smtClean="0"/>
-              <a:t>(String, </a:t>
-            </a:r>
-            <a:r>
-              <a:rPr lang="en-US" altLang="ko-KR" sz="1600" dirty="0" err="1" smtClean="0"/>
-              <a:t>Int</a:t>
-            </a:r>
-            <a:r>
-              <a:rPr lang="en-US" altLang="ko-KR" sz="1600" dirty="0" smtClean="0"/>
-              <a:t>): Socket</a:t>
-            </a:r>
+              <a:t>(): Socket</a:t>
+            </a:r>
+            <a:endParaRPr lang="en-US" altLang="ko-KR" sz="1600" dirty="0" smtClean="0"/>
           </a:p>
           <a:p>
             <a:pPr lvl="1">
@@ -6449,13 +8214,55 @@
             <a:endParaRPr lang="en-US" altLang="ko-KR" sz="1600" dirty="0"/>
           </a:p>
           <a:p>
+            <a:pPr marL="457200" lvl="1" indent="0">
+              <a:buNone/>
+            </a:pPr>
+            <a:endParaRPr lang="en-US" altLang="ko-KR" dirty="0"/>
+          </a:p>
+          <a:p>
+            <a:endParaRPr lang="ko-KR" altLang="en-US" dirty="0"/>
+          </a:p>
+        </p:txBody>
+      </p:sp>
+      <p:sp>
+        <p:nvSpPr>
+          <p:cNvPr id="4" name="직사각형 3"/>
+          <p:cNvSpPr/>
+          <p:nvPr/>
+        </p:nvSpPr>
+        <p:spPr>
+          <a:xfrm>
+            <a:off x="5829528" y="510917"/>
+            <a:ext cx="6096000" cy="5755422"/>
+          </a:xfrm>
+          <a:prstGeom prst="rect">
+            <a:avLst/>
+          </a:prstGeom>
+        </p:spPr>
+        <p:txBody>
+          <a:bodyPr>
+            <a:spAutoFit/>
+          </a:bodyPr>
+          <a:lstStyle/>
+          <a:p>
+            <a:pPr lvl="1"/>
+            <a:r>
+              <a:rPr lang="en-US" altLang="ko-KR" sz="1600" dirty="0"/>
+              <a:t>(sample)</a:t>
+            </a:r>
+          </a:p>
+          <a:p>
             <a:pPr lvl="1">
               <a:buFontTx/>
               <a:buChar char="-"/>
             </a:pPr>
             <a:r>
               <a:rPr lang="en-US" altLang="ko-KR" sz="1600" dirty="0" smtClean="0"/>
-              <a:t>(sample)</a:t>
+              <a:t> sample</a:t>
+            </a:r>
+            <a:r>
+              <a:rPr lang="en-US" altLang="ko-KR" sz="1600" dirty="0"/>
+              <a:t>(): List[Key]</a:t>
             </a:r>
           </a:p>
           <a:p>
@@ -6464,12 +8271,16 @@
               <a:buChar char="-"/>
             </a:pPr>
             <a:r>
+              <a:rPr lang="en-US" altLang="ko-KR" sz="1600" dirty="0" smtClean="0"/>
+              <a:t> </a:t>
+            </a:r>
+            <a:r>
+              <a:rPr lang="en-US" altLang="ko-KR" sz="1600" dirty="0" err="1" smtClean="0"/>
+              <a:t>sampleSingleFile</a:t>
+            </a:r>
+            <a:r>
               <a:rPr lang="en-US" altLang="ko-KR" sz="1600" dirty="0"/>
-              <a:t>s</a:t>
-            </a:r>
-            <a:r>
-              <a:rPr lang="en-US" altLang="ko-KR" sz="1600" dirty="0" smtClean="0"/>
-              <a:t>ample(): List[Key]</a:t>
+              <a:t>(): List[Key]</a:t>
             </a:r>
           </a:p>
           <a:p>
@@ -6478,12 +8289,16 @@
               <a:buChar char="-"/>
             </a:pPr>
             <a:r>
+              <a:rPr lang="en-US" altLang="ko-KR" sz="1600" dirty="0" smtClean="0"/>
+              <a:t> </a:t>
+            </a:r>
+            <a:r>
               <a:rPr lang="en-US" altLang="ko-KR" sz="1600" dirty="0" err="1" smtClean="0"/>
-              <a:t>sampleSingleFile</a:t>
-            </a:r>
-            <a:r>
-              <a:rPr lang="en-US" altLang="ko-KR" sz="1600" dirty="0" smtClean="0"/>
-              <a:t>(): List[Key]</a:t>
+              <a:t>sendSampleMsg</a:t>
+            </a:r>
+            <a:r>
+              <a:rPr lang="en-US" altLang="ko-KR" sz="1600" dirty="0"/>
+              <a:t>(): Unit</a:t>
             </a:r>
           </a:p>
           <a:p>
@@ -6492,12 +8307,24 @@
               <a:buChar char="-"/>
             </a:pPr>
             <a:r>
+              <a:rPr lang="en-US" altLang="ko-KR" sz="1600" dirty="0" smtClean="0"/>
+              <a:t> </a:t>
+            </a:r>
+            <a:r>
               <a:rPr lang="en-US" altLang="ko-KR" sz="1600" dirty="0" err="1" smtClean="0"/>
-              <a:t>sendSampleMsg</a:t>
-            </a:r>
-            <a:r>
-              <a:rPr lang="en-US" altLang="ko-KR" sz="1600" dirty="0" smtClean="0"/>
-              <a:t>(): Unit</a:t>
+              <a:t>recvSlaveInfoMsg</a:t>
+            </a:r>
+            <a:r>
+              <a:rPr lang="en-US" altLang="ko-KR" sz="1600" dirty="0"/>
+              <a:t>(): Future[</a:t>
+            </a:r>
+            <a:r>
+              <a:rPr lang="en-US" altLang="ko-KR" sz="1600" dirty="0" err="1"/>
+              <a:t>SlaveInfoMsg</a:t>
+            </a:r>
+            <a:r>
+              <a:rPr lang="en-US" altLang="ko-KR" sz="1600" dirty="0"/>
+              <a:t>]</a:t>
             </a:r>
           </a:p>
           <a:p>
@@ -6506,17 +8333,247 @@
               <a:buChar char="-"/>
             </a:pPr>
             <a:r>
+              <a:rPr lang="en-US" altLang="ko-KR" sz="1600" dirty="0" smtClean="0"/>
+              <a:t> </a:t>
+            </a:r>
+            <a:r>
               <a:rPr lang="en-US" altLang="ko-KR" sz="1600" dirty="0" err="1" smtClean="0"/>
-              <a:t>recvSlaveInfoMsg</a:t>
+              <a:t>updateSlaveInfo</a:t>
             </a:r>
             <a:r>
               <a:rPr lang="en-US" altLang="ko-KR" sz="1600" dirty="0" smtClean="0"/>
-              <a:t>(): Future[]</a:t>
-            </a:r>
-            <a:endParaRPr lang="en-US" altLang="ko-KR" dirty="0"/>
-          </a:p>
-          <a:p>
-            <a:endParaRPr lang="ko-KR" altLang="en-US" dirty="0"/>
+              <a:t>(</a:t>
+            </a:r>
+            <a:r>
+              <a:rPr lang="en-US" altLang="ko-KR" sz="1600" dirty="0" err="1" smtClean="0"/>
+              <a:t>SlaveInfoMsg</a:t>
+            </a:r>
+            <a:r>
+              <a:rPr lang="en-US" altLang="ko-KR" sz="1600" dirty="0"/>
+              <a:t>): </a:t>
+            </a:r>
+            <a:r>
+              <a:rPr lang="en-US" altLang="ko-KR" sz="1600" dirty="0" smtClean="0"/>
+              <a:t>Unit</a:t>
+            </a:r>
+          </a:p>
+          <a:p>
+            <a:pPr lvl="1">
+              <a:buFontTx/>
+              <a:buChar char="-"/>
+            </a:pPr>
+            <a:endParaRPr lang="en-US" altLang="ko-KR" sz="1600" dirty="0" smtClean="0"/>
+          </a:p>
+          <a:p>
+            <a:pPr lvl="1"/>
+            <a:r>
+              <a:rPr lang="en-US" altLang="ko-KR" sz="1600" dirty="0" smtClean="0"/>
+              <a:t>(Compute)</a:t>
+            </a:r>
+            <a:endParaRPr lang="en-US" altLang="ko-KR" sz="1600" dirty="0"/>
+          </a:p>
+          <a:p>
+            <a:pPr lvl="1">
+              <a:buFontTx/>
+              <a:buChar char="-"/>
+            </a:pPr>
+            <a:r>
+              <a:rPr lang="en-US" altLang="ko-KR" sz="1600" dirty="0" smtClean="0"/>
+              <a:t> </a:t>
+            </a:r>
+            <a:r>
+              <a:rPr lang="en-US" altLang="ko-KR" sz="1600" dirty="0" err="1" smtClean="0"/>
+              <a:t>recvPartitions</a:t>
+            </a:r>
+            <a:r>
+              <a:rPr lang="en-US" altLang="ko-KR" sz="1600" dirty="0" smtClean="0"/>
+              <a:t>(): Future[Unit]</a:t>
+            </a:r>
+          </a:p>
+          <a:p>
+            <a:pPr lvl="1">
+              <a:buFontTx/>
+              <a:buChar char="-"/>
+            </a:pPr>
+            <a:r>
+              <a:rPr lang="en-US" altLang="ko-KR" sz="1600" dirty="0" smtClean="0"/>
+              <a:t> </a:t>
+            </a:r>
+            <a:r>
+              <a:rPr lang="en-US" altLang="ko-KR" sz="1600" dirty="0" err="1" smtClean="0"/>
+              <a:t>recvFromSingleSlave</a:t>
+            </a:r>
+            <a:r>
+              <a:rPr lang="en-US" altLang="ko-KR" sz="1600" dirty="0" smtClean="0"/>
+              <a:t>(): Future[Unit]</a:t>
+            </a:r>
+          </a:p>
+          <a:p>
+            <a:pPr lvl="1">
+              <a:buFontTx/>
+              <a:buChar char="-"/>
+            </a:pPr>
+            <a:endParaRPr lang="en-US" altLang="ko-KR" sz="1600" dirty="0"/>
+          </a:p>
+          <a:p>
+            <a:pPr lvl="1">
+              <a:buFontTx/>
+              <a:buChar char="-"/>
+            </a:pPr>
+            <a:r>
+              <a:rPr lang="en-US" altLang="ko-KR" sz="1600" dirty="0" smtClean="0"/>
+              <a:t> </a:t>
+            </a:r>
+            <a:r>
+              <a:rPr lang="en-US" altLang="ko-KR" sz="1600" dirty="0"/>
+              <a:t>p</a:t>
+            </a:r>
+            <a:r>
+              <a:rPr lang="en-US" altLang="ko-KR" sz="1600" dirty="0" smtClean="0"/>
+              <a:t>artition(): Future[Unit]</a:t>
+            </a:r>
+          </a:p>
+          <a:p>
+            <a:pPr lvl="1">
+              <a:buFontTx/>
+              <a:buChar char="-"/>
+            </a:pPr>
+            <a:r>
+              <a:rPr lang="en-US" altLang="ko-KR" sz="1600" dirty="0"/>
+              <a:t> </a:t>
+            </a:r>
+            <a:r>
+              <a:rPr lang="en-US" altLang="ko-KR" sz="1600" dirty="0" err="1" smtClean="0"/>
+              <a:t>partitionSingleFile</a:t>
+            </a:r>
+            <a:r>
+              <a:rPr lang="en-US" altLang="ko-KR" sz="1600" dirty="0" smtClean="0"/>
+              <a:t>(String): Unit</a:t>
+            </a:r>
+          </a:p>
+          <a:p>
+            <a:pPr lvl="1">
+              <a:buFontTx/>
+              <a:buChar char="-"/>
+            </a:pPr>
+            <a:endParaRPr lang="en-US" altLang="ko-KR" sz="1600" dirty="0"/>
+          </a:p>
+          <a:p>
+            <a:pPr lvl="1">
+              <a:buFontTx/>
+              <a:buChar char="-"/>
+            </a:pPr>
+            <a:r>
+              <a:rPr lang="en-US" altLang="ko-KR" sz="1600" dirty="0" smtClean="0"/>
+              <a:t> sort(): Future[Unit]</a:t>
+            </a:r>
+          </a:p>
+          <a:p>
+            <a:pPr lvl="1">
+              <a:buFontTx/>
+              <a:buChar char="-"/>
+            </a:pPr>
+            <a:r>
+              <a:rPr lang="en-US" altLang="ko-KR" sz="1600" dirty="0"/>
+              <a:t> </a:t>
+            </a:r>
+            <a:r>
+              <a:rPr lang="en-US" altLang="ko-KR" sz="1600" dirty="0" err="1" smtClean="0"/>
+              <a:t>sortSingleFile</a:t>
+            </a:r>
+            <a:r>
+              <a:rPr lang="en-US" altLang="ko-KR" sz="1600" dirty="0" smtClean="0"/>
+              <a:t>(String): Unit</a:t>
+            </a:r>
+          </a:p>
+          <a:p>
+            <a:pPr lvl="1">
+              <a:buFontTx/>
+              <a:buChar char="-"/>
+            </a:pPr>
+            <a:endParaRPr lang="en-US" altLang="ko-KR" sz="1600" dirty="0"/>
+          </a:p>
+          <a:p>
+            <a:pPr lvl="1">
+              <a:buFontTx/>
+              <a:buChar char="-"/>
+            </a:pPr>
+            <a:r>
+              <a:rPr lang="en-US" altLang="ko-KR" sz="1600" dirty="0"/>
+              <a:t> </a:t>
+            </a:r>
+            <a:r>
+              <a:rPr lang="en-US" altLang="ko-KR" sz="1600" dirty="0" smtClean="0"/>
+              <a:t>shuffle(): Future[Unit]</a:t>
+            </a:r>
+          </a:p>
+          <a:p>
+            <a:pPr lvl="1">
+              <a:buFontTx/>
+              <a:buChar char="-"/>
+            </a:pPr>
+            <a:endParaRPr lang="en-US" altLang="ko-KR" sz="1600" dirty="0"/>
+          </a:p>
+          <a:p>
+            <a:pPr lvl="1">
+              <a:buFontTx/>
+              <a:buChar char="-"/>
+            </a:pPr>
+            <a:r>
+              <a:rPr lang="en-US" altLang="ko-KR" sz="1600" dirty="0"/>
+              <a:t> </a:t>
+            </a:r>
+            <a:r>
+              <a:rPr lang="en-US" altLang="ko-KR" sz="1600" dirty="0" err="1" smtClean="0"/>
+              <a:t>sendPartitions</a:t>
+            </a:r>
+            <a:r>
+              <a:rPr lang="en-US" altLang="ko-KR" sz="1600" dirty="0" smtClean="0"/>
+              <a:t>(): Future[Unit]</a:t>
+            </a:r>
+          </a:p>
+          <a:p>
+            <a:pPr lvl="1">
+              <a:buFontTx/>
+              <a:buChar char="-"/>
+            </a:pPr>
+            <a:r>
+              <a:rPr lang="en-US" altLang="ko-KR" sz="1600" dirty="0" smtClean="0"/>
+              <a:t> </a:t>
+            </a:r>
+            <a:r>
+              <a:rPr lang="en-US" altLang="ko-KR" sz="1600" dirty="0" err="1" smtClean="0"/>
+              <a:t>sendPartitionTo</a:t>
+            </a:r>
+            <a:r>
+              <a:rPr lang="en-US" altLang="ko-KR" sz="1600" dirty="0" smtClean="0"/>
+              <a:t>(Slave): Unit</a:t>
+            </a:r>
+          </a:p>
+          <a:p>
+            <a:pPr lvl="1">
+              <a:buFontTx/>
+              <a:buChar char="-"/>
+            </a:pPr>
+            <a:endParaRPr lang="en-US" altLang="ko-KR" sz="1600" dirty="0"/>
+          </a:p>
+          <a:p>
+            <a:pPr lvl="1">
+              <a:buFontTx/>
+              <a:buChar char="-"/>
+            </a:pPr>
+            <a:r>
+              <a:rPr lang="en-US" altLang="ko-KR" sz="1600" dirty="0"/>
+              <a:t> </a:t>
+            </a:r>
+            <a:r>
+              <a:rPr lang="en-US" altLang="ko-KR" sz="1600" dirty="0" err="1" smtClean="0"/>
+              <a:t>sendDoneMsg</a:t>
+            </a:r>
+            <a:r>
+              <a:rPr lang="en-US" altLang="ko-KR" sz="1600" dirty="0" smtClean="0"/>
+              <a:t>(): Unit</a:t>
+            </a:r>
           </a:p>
         </p:txBody>
       </p:sp>
@@ -6524,72 +8581,6 @@
     <p:extLst>
       <p:ext uri="{BB962C8B-B14F-4D97-AF65-F5344CB8AC3E}">
         <p14:creationId xmlns:p14="http://schemas.microsoft.com/office/powerpoint/2010/main" val="4159145072"/>
-      </p:ext>
-    </p:extLst>
-  </p:cSld>
-  <p:clrMapOvr>
-    <a:masterClrMapping/>
-  </p:clrMapOvr>
-  <p:timing>
-    <p:tnLst>
-      <p:par>
-        <p:cTn id="1" dur="indefinite" restart="never" nodeType="tmRoot"/>
-      </p:par>
-    </p:tnLst>
-  </p:timing>
-</p:sld>
-</file>
-
-<file path=ppt/slides/slide2.xml><?xml version="1.0" encoding="utf-8"?>
-<p:sld xmlns:a="http://schemas.openxmlformats.org/drawingml/2006/main" xmlns:r="http://schemas.openxmlformats.org/officeDocument/2006/relationships" xmlns:p="http://schemas.openxmlformats.org/presentationml/2006/main">
-  <p:cSld>
-    <p:spTree>
-      <p:nvGrpSpPr>
-        <p:cNvPr id="1" name=""/>
-        <p:cNvGrpSpPr/>
-        <p:nvPr/>
-      </p:nvGrpSpPr>
-      <p:grpSpPr>
-        <a:xfrm>
-          <a:off x="0" y="0"/>
-          <a:ext cx="0" cy="0"/>
-          <a:chOff x="0" y="0"/>
-          <a:chExt cx="0" cy="0"/>
-        </a:xfrm>
-      </p:grpSpPr>
-      <p:sp>
-        <p:nvSpPr>
-          <p:cNvPr id="2" name="제목 1"/>
-          <p:cNvSpPr>
-            <a:spLocks noGrp="1"/>
-          </p:cNvSpPr>
-          <p:nvPr>
-            <p:ph type="title"/>
-          </p:nvPr>
-        </p:nvSpPr>
-        <p:spPr>
-          <a:xfrm>
-            <a:off x="197117" y="2763371"/>
-            <a:ext cx="11876248" cy="1325563"/>
-          </a:xfrm>
-        </p:spPr>
-        <p:txBody>
-          <a:bodyPr/>
-          <a:lstStyle/>
-          <a:p>
-            <a:pPr algn="ctr"/>
-            <a:r>
-              <a:rPr lang="en-US" altLang="ko-KR" dirty="0" smtClean="0"/>
-              <a:t>Conventions</a:t>
-            </a:r>
-            <a:endParaRPr lang="ko-KR" altLang="en-US" dirty="0"/>
-          </a:p>
-        </p:txBody>
-      </p:sp>
-    </p:spTree>
-    <p:extLst>
-      <p:ext uri="{BB962C8B-B14F-4D97-AF65-F5344CB8AC3E}">
-        <p14:creationId xmlns:p14="http://schemas.microsoft.com/office/powerpoint/2010/main" val="2859998143"/>
       </p:ext>
     </p:extLst>
   </p:cSld>
@@ -7078,13 +9069,8 @@
                       </a:pPr>
                       <a:r>
                         <a:rPr lang="en-US" altLang="ko-KR" sz="1400" baseline="0" dirty="0" smtClean="0"/>
-                        <a:t>IP (16 bytes, </a:t>
+                        <a:t>IP (16 bytes, Array[byte])</a:t>
                       </a:r>
-                      <a:r>
-                        <a:rPr lang="en-US" altLang="ko-KR" sz="1400" baseline="0" dirty="0" smtClean="0"/>
-                        <a:t>Array[byte])</a:t>
-                      </a:r>
-                      <a:endParaRPr lang="en-US" altLang="ko-KR" sz="1400" baseline="0" dirty="0" smtClean="0"/>
                     </a:p>
                     <a:p>
                       <a:pPr marL="285750" indent="-285750" latinLnBrk="1">
@@ -7093,15 +9079,7 @@
                       </a:pPr>
                       <a:r>
                         <a:rPr lang="en-US" altLang="ko-KR" sz="1400" baseline="0" dirty="0" smtClean="0"/>
-                        <a:t>Port (4 bytes, Integer</a:t>
-                      </a:r>
-                      <a:r>
-                        <a:rPr lang="en-US" altLang="ko-KR" sz="1400" baseline="0" dirty="0" smtClean="0"/>
-                        <a:t>)               * </a:t>
-                      </a:r>
-                      <a:r>
-                        <a:rPr lang="en-US" altLang="ko-KR" sz="1400" baseline="0" dirty="0" smtClean="0"/>
-                        <a:t>(# of slaves)</a:t>
+                        <a:t>Port (4 bytes, Integer)               * (# of slaves)</a:t>
                       </a:r>
                     </a:p>
                     <a:p>
@@ -8828,14 +10806,14 @@
           <p:nvPr/>
         </p:nvCxnSpPr>
         <p:spPr>
-          <a:xfrm rot="16200000" flipH="1">
-            <a:off x="6890264" y="5241685"/>
-            <a:ext cx="12700" cy="1835722"/>
+          <a:xfrm rot="5400000" flipH="1" flipV="1">
+            <a:off x="6888567" y="5232556"/>
+            <a:ext cx="10825" cy="1843155"/>
           </a:xfrm>
           <a:prstGeom prst="curvedConnector4">
             <a:avLst>
-              <a:gd name="adj1" fmla="val -1800000"/>
-              <a:gd name="adj2" fmla="val 55925"/>
+              <a:gd name="adj1" fmla="val -2111778"/>
+              <a:gd name="adj2" fmla="val 55902"/>
             </a:avLst>
           </a:prstGeom>
           <a:ln>
@@ -9758,8 +11736,8 @@
         </p:nvSpPr>
         <p:spPr>
           <a:xfrm>
-            <a:off x="7808125" y="5576411"/>
-            <a:ext cx="1485530" cy="1166270"/>
+            <a:off x="7815558" y="5565586"/>
+            <a:ext cx="1632893" cy="1166270"/>
           </a:xfrm>
           <a:prstGeom prst="ellipse">
             <a:avLst/>
@@ -9785,8 +11763,8 @@
           <a:p>
             <a:pPr algn="ctr"/>
             <a:r>
-              <a:rPr lang="en-US" altLang="ko-KR" dirty="0" err="1" smtClean="0"/>
-              <a:t>Eval</a:t>
+              <a:rPr lang="en-US" altLang="ko-KR" dirty="0" smtClean="0"/>
+              <a:t>Compute</a:t>
             </a:r>
             <a:endParaRPr lang="ko-KR" altLang="en-US" dirty="0"/>
           </a:p>
@@ -9803,8 +11781,8 @@
         </p:nvCxnSpPr>
         <p:spPr>
           <a:xfrm flipV="1">
-            <a:off x="9293655" y="5694847"/>
-            <a:ext cx="1041431" cy="464699"/>
+            <a:off x="9448451" y="5694847"/>
+            <a:ext cx="886635" cy="453874"/>
           </a:xfrm>
           <a:prstGeom prst="curvedConnector2">
             <a:avLst/>
@@ -9828,61 +11806,19 @@
           </a:fontRef>
         </p:style>
       </p:cxnSp>
-      <p:sp>
-        <p:nvSpPr>
-          <p:cNvPr id="110" name="타원 109"/>
-          <p:cNvSpPr/>
-          <p:nvPr/>
-        </p:nvSpPr>
-        <p:spPr>
-          <a:xfrm>
-            <a:off x="8456777" y="3617186"/>
-            <a:ext cx="1485530" cy="1166270"/>
-          </a:xfrm>
-          <a:prstGeom prst="ellipse">
-            <a:avLst/>
-          </a:prstGeom>
-        </p:spPr>
-        <p:style>
-          <a:lnRef idx="1">
-            <a:schemeClr val="accent4"/>
-          </a:lnRef>
-          <a:fillRef idx="2">
-            <a:schemeClr val="accent4"/>
-          </a:fillRef>
-          <a:effectRef idx="1">
-            <a:schemeClr val="accent4"/>
-          </a:effectRef>
-          <a:fontRef idx="minor">
-            <a:schemeClr val="dk1"/>
-          </a:fontRef>
-        </p:style>
-        <p:txBody>
-          <a:bodyPr rtlCol="0" anchor="ctr"/>
-          <a:lstStyle/>
-          <a:p>
-            <a:pPr algn="ctr"/>
-            <a:r>
-              <a:rPr lang="en-US" altLang="ko-KR" dirty="0" err="1" smtClean="0"/>
-              <a:t>Eval</a:t>
-            </a:r>
-            <a:endParaRPr lang="ko-KR" altLang="en-US" dirty="0"/>
-          </a:p>
-        </p:txBody>
-      </p:sp>
       <p:cxnSp>
         <p:nvCxnSpPr>
           <p:cNvPr id="130" name="구부러진 연결선 129"/>
           <p:cNvCxnSpPr>
-            <a:stCxn id="110" idx="5"/>
+            <a:stCxn id="54" idx="5"/>
             <a:endCxn id="41" idx="2"/>
           </p:cNvCxnSpPr>
           <p:nvPr/>
         </p:nvCxnSpPr>
         <p:spPr>
           <a:xfrm rot="16200000" flipH="1">
-            <a:off x="9586221" y="4751194"/>
-            <a:ext cx="669848" cy="392779"/>
+            <a:off x="9505310" y="4670282"/>
+            <a:ext cx="957453" cy="266997"/>
           </a:xfrm>
           <a:prstGeom prst="curvedConnector2">
             <a:avLst/>
@@ -9917,12 +11853,12 @@
         </p:nvCxnSpPr>
         <p:spPr>
           <a:xfrm flipH="1" flipV="1">
-            <a:off x="8550890" y="5576411"/>
-            <a:ext cx="742765" cy="583135"/>
+            <a:off x="8632005" y="5565586"/>
+            <a:ext cx="816446" cy="583135"/>
           </a:xfrm>
           <a:prstGeom prst="curvedConnector4">
             <a:avLst>
-              <a:gd name="adj1" fmla="val -30777"/>
+              <a:gd name="adj1" fmla="val -27999"/>
               <a:gd name="adj2" fmla="val 139202"/>
             </a:avLst>
           </a:prstGeom>
@@ -10202,14 +12138,14 @@
           <p:cNvPr id="128" name="구부러진 연결선 127"/>
           <p:cNvCxnSpPr>
             <a:stCxn id="40" idx="6"/>
-            <a:endCxn id="110" idx="2"/>
+            <a:endCxn id="54" idx="2"/>
           </p:cNvCxnSpPr>
           <p:nvPr/>
         </p:nvCxnSpPr>
         <p:spPr>
           <a:xfrm flipV="1">
-            <a:off x="6189954" y="4200321"/>
-            <a:ext cx="2266823" cy="1546886"/>
+            <a:off x="6189954" y="3912716"/>
+            <a:ext cx="2266823" cy="1834491"/>
           </a:xfrm>
           <a:prstGeom prst="curvedConnector3">
             <a:avLst>
@@ -10274,6 +12210,48 @@
               <a:t>PivotCalcDone</a:t>
             </a:r>
             <a:endParaRPr lang="ko-KR" altLang="en-US" sz="1400" dirty="0"/>
+          </a:p>
+        </p:txBody>
+      </p:sp>
+      <p:sp>
+        <p:nvSpPr>
+          <p:cNvPr id="54" name="타원 53"/>
+          <p:cNvSpPr/>
+          <p:nvPr/>
+        </p:nvSpPr>
+        <p:spPr>
+          <a:xfrm>
+            <a:off x="8456777" y="3329581"/>
+            <a:ext cx="1632893" cy="1166270"/>
+          </a:xfrm>
+          <a:prstGeom prst="ellipse">
+            <a:avLst/>
+          </a:prstGeom>
+        </p:spPr>
+        <p:style>
+          <a:lnRef idx="1">
+            <a:schemeClr val="accent4"/>
+          </a:lnRef>
+          <a:fillRef idx="2">
+            <a:schemeClr val="accent4"/>
+          </a:fillRef>
+          <a:effectRef idx="1">
+            <a:schemeClr val="accent4"/>
+          </a:effectRef>
+          <a:fontRef idx="minor">
+            <a:schemeClr val="dk1"/>
+          </a:fontRef>
+        </p:style>
+        <p:txBody>
+          <a:bodyPr rtlCol="0" anchor="ctr"/>
+          <a:lstStyle/>
+          <a:p>
+            <a:pPr algn="ctr"/>
+            <a:r>
+              <a:rPr lang="en-US" altLang="ko-KR" dirty="0" smtClean="0"/>
+              <a:t>Compute</a:t>
+            </a:r>
+            <a:endParaRPr lang="ko-KR" altLang="en-US" dirty="0"/>
           </a:p>
         </p:txBody>
       </p:sp>
@@ -10434,8 +12412,8 @@
         </p:nvSpPr>
         <p:spPr>
           <a:xfrm>
-            <a:off x="5671938" y="5113918"/>
-            <a:ext cx="1485530" cy="1166270"/>
+            <a:off x="5530204" y="5113918"/>
+            <a:ext cx="1627264" cy="1166270"/>
           </a:xfrm>
           <a:prstGeom prst="ellipse">
             <a:avLst/>
@@ -10461,8 +12439,8 @@
           <a:p>
             <a:pPr algn="ctr"/>
             <a:r>
-              <a:rPr lang="en-US" altLang="ko-KR" dirty="0" err="1" smtClean="0"/>
-              <a:t>Eval</a:t>
+              <a:rPr lang="en-US" altLang="ko-KR" dirty="0"/>
+              <a:t>Compute</a:t>
             </a:r>
             <a:endParaRPr lang="ko-KR" altLang="en-US" dirty="0"/>
           </a:p>
@@ -10515,8 +12493,8 @@
         </p:nvCxnSpPr>
         <p:spPr>
           <a:xfrm rot="16200000" flipH="1">
-            <a:off x="3863290" y="3888404"/>
-            <a:ext cx="1180721" cy="2436576"/>
+            <a:off x="3792423" y="3959271"/>
+            <a:ext cx="1180721" cy="2294842"/>
           </a:xfrm>
           <a:prstGeom prst="curvedConnector2">
             <a:avLst/>

--- a/project.pptx
+++ b/project.pptx
@@ -17,20 +17,21 @@
     <p:sldId id="274" r:id="rId11"/>
     <p:sldId id="285" r:id="rId12"/>
     <p:sldId id="286" r:id="rId13"/>
-    <p:sldId id="287" r:id="rId14"/>
-    <p:sldId id="288" r:id="rId15"/>
-    <p:sldId id="291" r:id="rId16"/>
-    <p:sldId id="292" r:id="rId17"/>
-    <p:sldId id="293" r:id="rId18"/>
-    <p:sldId id="289" r:id="rId19"/>
-    <p:sldId id="290" r:id="rId20"/>
-    <p:sldId id="294" r:id="rId21"/>
-    <p:sldId id="284" r:id="rId22"/>
-    <p:sldId id="277" r:id="rId23"/>
-    <p:sldId id="278" r:id="rId24"/>
-    <p:sldId id="283" r:id="rId25"/>
-    <p:sldId id="281" r:id="rId26"/>
-    <p:sldId id="282" r:id="rId27"/>
+    <p:sldId id="288" r:id="rId14"/>
+    <p:sldId id="291" r:id="rId15"/>
+    <p:sldId id="292" r:id="rId16"/>
+    <p:sldId id="293" r:id="rId17"/>
+    <p:sldId id="289" r:id="rId18"/>
+    <p:sldId id="290" r:id="rId19"/>
+    <p:sldId id="294" r:id="rId20"/>
+    <p:sldId id="284" r:id="rId21"/>
+    <p:sldId id="277" r:id="rId22"/>
+    <p:sldId id="278" r:id="rId23"/>
+    <p:sldId id="283" r:id="rId24"/>
+    <p:sldId id="281" r:id="rId25"/>
+    <p:sldId id="282" r:id="rId26"/>
+    <p:sldId id="295" r:id="rId27"/>
+    <p:sldId id="296" r:id="rId28"/>
   </p:sldIdLst>
   <p:sldSz cx="12192000" cy="6858000"/>
   <p:notesSz cx="6858000" cy="9144000"/>
@@ -268,7 +269,7 @@
           <a:p>
             <a:fld id="{33CC212C-81FB-40F3-BD5E-91ADD12CE53F}" type="datetimeFigureOut">
               <a:rPr lang="ko-KR" altLang="en-US" smtClean="0"/>
-              <a:t>2016-10-18</a:t>
+              <a:t>2016-10-21</a:t>
             </a:fld>
             <a:endParaRPr lang="ko-KR" altLang="en-US"/>
           </a:p>
@@ -438,7 +439,7 @@
           <a:p>
             <a:fld id="{33CC212C-81FB-40F3-BD5E-91ADD12CE53F}" type="datetimeFigureOut">
               <a:rPr lang="ko-KR" altLang="en-US" smtClean="0"/>
-              <a:t>2016-10-18</a:t>
+              <a:t>2016-10-21</a:t>
             </a:fld>
             <a:endParaRPr lang="ko-KR" altLang="en-US"/>
           </a:p>
@@ -618,7 +619,7 @@
           <a:p>
             <a:fld id="{33CC212C-81FB-40F3-BD5E-91ADD12CE53F}" type="datetimeFigureOut">
               <a:rPr lang="ko-KR" altLang="en-US" smtClean="0"/>
-              <a:t>2016-10-18</a:t>
+              <a:t>2016-10-21</a:t>
             </a:fld>
             <a:endParaRPr lang="ko-KR" altLang="en-US"/>
           </a:p>
@@ -788,7 +789,7 @@
           <a:p>
             <a:fld id="{33CC212C-81FB-40F3-BD5E-91ADD12CE53F}" type="datetimeFigureOut">
               <a:rPr lang="ko-KR" altLang="en-US" smtClean="0"/>
-              <a:t>2016-10-18</a:t>
+              <a:t>2016-10-21</a:t>
             </a:fld>
             <a:endParaRPr lang="ko-KR" altLang="en-US"/>
           </a:p>
@@ -1034,7 +1035,7 @@
           <a:p>
             <a:fld id="{33CC212C-81FB-40F3-BD5E-91ADD12CE53F}" type="datetimeFigureOut">
               <a:rPr lang="ko-KR" altLang="en-US" smtClean="0"/>
-              <a:t>2016-10-18</a:t>
+              <a:t>2016-10-21</a:t>
             </a:fld>
             <a:endParaRPr lang="ko-KR" altLang="en-US"/>
           </a:p>
@@ -1266,7 +1267,7 @@
           <a:p>
             <a:fld id="{33CC212C-81FB-40F3-BD5E-91ADD12CE53F}" type="datetimeFigureOut">
               <a:rPr lang="ko-KR" altLang="en-US" smtClean="0"/>
-              <a:t>2016-10-18</a:t>
+              <a:t>2016-10-21</a:t>
             </a:fld>
             <a:endParaRPr lang="ko-KR" altLang="en-US"/>
           </a:p>
@@ -1633,7 +1634,7 @@
           <a:p>
             <a:fld id="{33CC212C-81FB-40F3-BD5E-91ADD12CE53F}" type="datetimeFigureOut">
               <a:rPr lang="ko-KR" altLang="en-US" smtClean="0"/>
-              <a:t>2016-10-18</a:t>
+              <a:t>2016-10-21</a:t>
             </a:fld>
             <a:endParaRPr lang="ko-KR" altLang="en-US"/>
           </a:p>
@@ -1751,7 +1752,7 @@
           <a:p>
             <a:fld id="{33CC212C-81FB-40F3-BD5E-91ADD12CE53F}" type="datetimeFigureOut">
               <a:rPr lang="ko-KR" altLang="en-US" smtClean="0"/>
-              <a:t>2016-10-18</a:t>
+              <a:t>2016-10-21</a:t>
             </a:fld>
             <a:endParaRPr lang="ko-KR" altLang="en-US"/>
           </a:p>
@@ -1846,7 +1847,7 @@
           <a:p>
             <a:fld id="{33CC212C-81FB-40F3-BD5E-91ADD12CE53F}" type="datetimeFigureOut">
               <a:rPr lang="ko-KR" altLang="en-US" smtClean="0"/>
-              <a:t>2016-10-18</a:t>
+              <a:t>2016-10-21</a:t>
             </a:fld>
             <a:endParaRPr lang="ko-KR" altLang="en-US"/>
           </a:p>
@@ -2123,7 +2124,7 @@
           <a:p>
             <a:fld id="{33CC212C-81FB-40F3-BD5E-91ADD12CE53F}" type="datetimeFigureOut">
               <a:rPr lang="ko-KR" altLang="en-US" smtClean="0"/>
-              <a:t>2016-10-18</a:t>
+              <a:t>2016-10-21</a:t>
             </a:fld>
             <a:endParaRPr lang="ko-KR" altLang="en-US"/>
           </a:p>
@@ -2376,7 +2377,7 @@
           <a:p>
             <a:fld id="{33CC212C-81FB-40F3-BD5E-91ADD12CE53F}" type="datetimeFigureOut">
               <a:rPr lang="ko-KR" altLang="en-US" smtClean="0"/>
-              <a:t>2016-10-18</a:t>
+              <a:t>2016-10-21</a:t>
             </a:fld>
             <a:endParaRPr lang="ko-KR" altLang="en-US"/>
           </a:p>
@@ -2589,7 +2590,7 @@
           <a:p>
             <a:fld id="{33CC212C-81FB-40F3-BD5E-91ADD12CE53F}" type="datetimeFigureOut">
               <a:rPr lang="ko-KR" altLang="en-US" smtClean="0"/>
-              <a:t>2016-10-18</a:t>
+              <a:t>2016-10-21</a:t>
             </a:fld>
             <a:endParaRPr lang="ko-KR" altLang="en-US"/>
           </a:p>
@@ -3393,13 +3394,13 @@
       </p:sp>
       <p:sp>
         <p:nvSpPr>
-          <p:cNvPr id="5" name="타원 4"/>
+          <p:cNvPr id="6" name="타원 5"/>
           <p:cNvSpPr/>
           <p:nvPr/>
         </p:nvSpPr>
         <p:spPr>
           <a:xfrm>
-            <a:off x="3332373" y="1053763"/>
+            <a:off x="9548117" y="1053763"/>
             <a:ext cx="1485530" cy="1166270"/>
           </a:xfrm>
           <a:prstGeom prst="ellipse">
@@ -3427,7 +3428,7 @@
             <a:pPr algn="ctr"/>
             <a:r>
               <a:rPr lang="en-US" altLang="ko-KR" dirty="0" smtClean="0"/>
-              <a:t>Connect</a:t>
+              <a:t>Success</a:t>
             </a:r>
             <a:endParaRPr lang="ko-KR" altLang="en-US" dirty="0"/>
           </a:p>
@@ -3435,14 +3436,14 @@
       </p:sp>
       <p:sp>
         <p:nvSpPr>
-          <p:cNvPr id="6" name="타원 5"/>
+          <p:cNvPr id="7" name="타원 6"/>
           <p:cNvSpPr/>
           <p:nvPr/>
         </p:nvSpPr>
         <p:spPr>
           <a:xfrm>
-            <a:off x="10226030" y="1053763"/>
-            <a:ext cx="1485530" cy="1166270"/>
+            <a:off x="7478143" y="1053763"/>
+            <a:ext cx="1631682" cy="1166270"/>
           </a:xfrm>
           <a:prstGeom prst="ellipse">
             <a:avLst/>
@@ -3469,7 +3470,7 @@
             <a:pPr algn="ctr"/>
             <a:r>
               <a:rPr lang="en-US" altLang="ko-KR" dirty="0" smtClean="0"/>
-              <a:t>Success</a:t>
+              <a:t>Compute</a:t>
             </a:r>
             <a:endParaRPr lang="ko-KR" altLang="en-US" dirty="0"/>
           </a:p>
@@ -3477,14 +3478,14 @@
       </p:sp>
       <p:sp>
         <p:nvSpPr>
-          <p:cNvPr id="7" name="타원 6"/>
+          <p:cNvPr id="8" name="타원 7"/>
           <p:cNvSpPr/>
           <p:nvPr/>
         </p:nvSpPr>
         <p:spPr>
           <a:xfrm>
-            <a:off x="8361013" y="1053763"/>
-            <a:ext cx="1631682" cy="1166270"/>
+            <a:off x="3529489" y="1053763"/>
+            <a:ext cx="1485530" cy="1166270"/>
           </a:xfrm>
           <a:prstGeom prst="ellipse">
             <a:avLst/>
@@ -3511,7 +3512,7 @@
             <a:pPr algn="ctr"/>
             <a:r>
               <a:rPr lang="en-US" altLang="ko-KR" dirty="0" smtClean="0"/>
-              <a:t>Compute</a:t>
+              <a:t>Sample</a:t>
             </a:r>
             <a:endParaRPr lang="ko-KR" altLang="en-US" dirty="0"/>
           </a:p>
@@ -3519,13 +3520,13 @@
       </p:sp>
       <p:sp>
         <p:nvSpPr>
-          <p:cNvPr id="8" name="타원 7"/>
+          <p:cNvPr id="9" name="타원 8"/>
           <p:cNvSpPr/>
           <p:nvPr/>
         </p:nvSpPr>
         <p:spPr>
           <a:xfrm>
-            <a:off x="4982660" y="1041893"/>
+            <a:off x="2704659" y="4077984"/>
             <a:ext cx="1485530" cy="1166270"/>
           </a:xfrm>
           <a:prstGeom prst="ellipse">
@@ -3553,7 +3554,7 @@
             <a:pPr algn="ctr"/>
             <a:r>
               <a:rPr lang="en-US" altLang="ko-KR" dirty="0" smtClean="0"/>
-              <a:t>Sample</a:t>
+              <a:t>Connect</a:t>
             </a:r>
             <a:endParaRPr lang="ko-KR" altLang="en-US" dirty="0"/>
           </a:p>
@@ -3561,13 +3562,13 @@
       </p:sp>
       <p:sp>
         <p:nvSpPr>
-          <p:cNvPr id="9" name="타원 8"/>
+          <p:cNvPr id="10" name="타원 9"/>
           <p:cNvSpPr/>
           <p:nvPr/>
         </p:nvSpPr>
         <p:spPr>
           <a:xfrm>
-            <a:off x="2704659" y="4077984"/>
+            <a:off x="4922217" y="4077984"/>
             <a:ext cx="1485530" cy="1166270"/>
           </a:xfrm>
           <a:prstGeom prst="ellipse">
@@ -3595,7 +3596,7 @@
             <a:pPr algn="ctr"/>
             <a:r>
               <a:rPr lang="en-US" altLang="ko-KR" dirty="0" smtClean="0"/>
-              <a:t>Connect</a:t>
+              <a:t>Sample</a:t>
             </a:r>
             <a:endParaRPr lang="ko-KR" altLang="en-US" dirty="0"/>
           </a:p>
@@ -3603,13 +3604,13 @@
       </p:sp>
       <p:sp>
         <p:nvSpPr>
-          <p:cNvPr id="10" name="타원 9"/>
+          <p:cNvPr id="12" name="타원 11"/>
           <p:cNvSpPr/>
           <p:nvPr/>
         </p:nvSpPr>
         <p:spPr>
           <a:xfrm>
-            <a:off x="4922217" y="4077984"/>
+            <a:off x="8070599" y="4077984"/>
             <a:ext cx="1485530" cy="1166270"/>
           </a:xfrm>
           <a:prstGeom prst="ellipse">
@@ -3636,48 +3637,6 @@
           <a:p>
             <a:pPr algn="ctr"/>
             <a:r>
-              <a:rPr lang="en-US" altLang="ko-KR" dirty="0" smtClean="0"/>
-              <a:t>Sample</a:t>
-            </a:r>
-            <a:endParaRPr lang="ko-KR" altLang="en-US" dirty="0"/>
-          </a:p>
-        </p:txBody>
-      </p:sp>
-      <p:sp>
-        <p:nvSpPr>
-          <p:cNvPr id="12" name="타원 11"/>
-          <p:cNvSpPr/>
-          <p:nvPr/>
-        </p:nvSpPr>
-        <p:spPr>
-          <a:xfrm>
-            <a:off x="8070599" y="4077984"/>
-            <a:ext cx="1485530" cy="1166270"/>
-          </a:xfrm>
-          <a:prstGeom prst="ellipse">
-            <a:avLst/>
-          </a:prstGeom>
-        </p:spPr>
-        <p:style>
-          <a:lnRef idx="1">
-            <a:schemeClr val="accent4"/>
-          </a:lnRef>
-          <a:fillRef idx="2">
-            <a:schemeClr val="accent4"/>
-          </a:fillRef>
-          <a:effectRef idx="1">
-            <a:schemeClr val="accent4"/>
-          </a:effectRef>
-          <a:fontRef idx="minor">
-            <a:schemeClr val="dk1"/>
-          </a:fontRef>
-        </p:style>
-        <p:txBody>
-          <a:bodyPr rtlCol="0" anchor="ctr"/>
-          <a:lstStyle/>
-          <a:p>
-            <a:pPr algn="ctr"/>
-            <a:r>
               <a:rPr lang="en-US" altLang="ko-KR" dirty="0" err="1" smtClean="0"/>
               <a:t>Eval</a:t>
             </a:r>
@@ -3747,17 +3706,17 @@
       </p:sp>
       <p:cxnSp>
         <p:nvCxnSpPr>
-          <p:cNvPr id="17" name="직선 화살표 연결선 16"/>
+          <p:cNvPr id="27" name="직선 화살표 연결선 26"/>
           <p:cNvCxnSpPr>
-            <a:stCxn id="9" idx="0"/>
-            <a:endCxn id="5" idx="3"/>
+            <a:stCxn id="10" idx="0"/>
+            <a:endCxn id="8" idx="4"/>
           </p:cNvCxnSpPr>
           <p:nvPr/>
         </p:nvCxnSpPr>
         <p:spPr>
-          <a:xfrm flipV="1">
-            <a:off x="3447424" y="2049237"/>
-            <a:ext cx="102500" cy="2028747"/>
+          <a:xfrm flipH="1" flipV="1">
+            <a:off x="4272254" y="2220033"/>
+            <a:ext cx="1392728" cy="1857951"/>
           </a:xfrm>
           <a:prstGeom prst="straightConnector1">
             <a:avLst/>
@@ -3783,91 +3742,13 @@
       </p:cxnSp>
       <p:sp>
         <p:nvSpPr>
-          <p:cNvPr id="22" name="모서리가 둥근 직사각형 21"/>
-          <p:cNvSpPr/>
-          <p:nvPr/>
-        </p:nvSpPr>
-        <p:spPr>
-          <a:xfrm>
-            <a:off x="2683007" y="3397516"/>
-            <a:ext cx="1507182" cy="272247"/>
-          </a:xfrm>
-          <a:prstGeom prst="roundRect">
-            <a:avLst/>
-          </a:prstGeom>
-        </p:spPr>
-        <p:style>
-          <a:lnRef idx="1">
-            <a:schemeClr val="accent6"/>
-          </a:lnRef>
-          <a:fillRef idx="2">
-            <a:schemeClr val="accent6"/>
-          </a:fillRef>
-          <a:effectRef idx="1">
-            <a:schemeClr val="accent6"/>
-          </a:effectRef>
-          <a:fontRef idx="minor">
-            <a:schemeClr val="dk1"/>
-          </a:fontRef>
-        </p:style>
-        <p:txBody>
-          <a:bodyPr rtlCol="0" anchor="ctr"/>
-          <a:lstStyle/>
-          <a:p>
-            <a:pPr algn="ctr"/>
-            <a:r>
-              <a:rPr lang="en-US" altLang="ko-KR" sz="1400" dirty="0" err="1" smtClean="0"/>
-              <a:t>ConnectMsg</a:t>
-            </a:r>
-            <a:endParaRPr lang="ko-KR" altLang="en-US" sz="1400" dirty="0"/>
-          </a:p>
-        </p:txBody>
-      </p:sp>
-      <p:cxnSp>
-        <p:nvCxnSpPr>
-          <p:cNvPr id="27" name="직선 화살표 연결선 26"/>
-          <p:cNvCxnSpPr>
-            <a:stCxn id="10" idx="0"/>
-            <a:endCxn id="8" idx="3"/>
-          </p:cNvCxnSpPr>
-          <p:nvPr/>
-        </p:nvCxnSpPr>
-        <p:spPr>
-          <a:xfrm flipH="1" flipV="1">
-            <a:off x="5200211" y="2037367"/>
-            <a:ext cx="464771" cy="2040617"/>
-          </a:xfrm>
-          <a:prstGeom prst="straightConnector1">
-            <a:avLst/>
-          </a:prstGeom>
-          <a:ln>
-            <a:tailEnd type="triangle"/>
-          </a:ln>
-        </p:spPr>
-        <p:style>
-          <a:lnRef idx="1">
-            <a:schemeClr val="accent1"/>
-          </a:lnRef>
-          <a:fillRef idx="0">
-            <a:schemeClr val="accent1"/>
-          </a:fillRef>
-          <a:effectRef idx="0">
-            <a:schemeClr val="accent1"/>
-          </a:effectRef>
-          <a:fontRef idx="minor">
-            <a:schemeClr val="tx1"/>
-          </a:fontRef>
-        </p:style>
-      </p:cxnSp>
-      <p:sp>
-        <p:nvSpPr>
           <p:cNvPr id="30" name="모서리가 둥근 직사각형 29"/>
           <p:cNvSpPr/>
           <p:nvPr/>
         </p:nvSpPr>
         <p:spPr>
           <a:xfrm>
-            <a:off x="4855130" y="3397516"/>
+            <a:off x="4612122" y="3488486"/>
             <a:ext cx="1507182" cy="272247"/>
           </a:xfrm>
           <a:prstGeom prst="roundRect">
@@ -3912,8 +3793,8 @@
         </p:nvCxnSpPr>
         <p:spPr>
           <a:xfrm rot="5400000">
-            <a:off x="6197916" y="2259068"/>
-            <a:ext cx="2611882" cy="2192220"/>
+            <a:off x="5756481" y="2700503"/>
+            <a:ext cx="2611882" cy="1309350"/>
           </a:xfrm>
           <a:prstGeom prst="curvedConnector2">
             <a:avLst/>
@@ -4028,9 +3909,9 @@
           <p:nvPr/>
         </p:nvCxnSpPr>
         <p:spPr>
-          <a:xfrm flipV="1">
-            <a:off x="8813364" y="2220033"/>
-            <a:ext cx="363490" cy="1857951"/>
+          <a:xfrm flipH="1" flipV="1">
+            <a:off x="8293984" y="2220033"/>
+            <a:ext cx="519380" cy="1857951"/>
           </a:xfrm>
           <a:prstGeom prst="straightConnector1">
             <a:avLst/>
@@ -4062,7 +3943,7 @@
         </p:nvSpPr>
         <p:spPr>
           <a:xfrm>
-            <a:off x="8581783" y="3494455"/>
+            <a:off x="8191485" y="3624610"/>
             <a:ext cx="1507182" cy="272247"/>
           </a:xfrm>
           <a:prstGeom prst="roundRect">
@@ -4146,7 +4027,7 @@
         </p:nvSpPr>
         <p:spPr>
           <a:xfrm>
-            <a:off x="6649235" y="1053763"/>
+            <a:off x="5566667" y="1053763"/>
             <a:ext cx="1485530" cy="1166270"/>
           </a:xfrm>
           <a:prstGeom prst="ellipse">
@@ -4188,7 +4069,7 @@
         </p:nvSpPr>
         <p:spPr>
           <a:xfrm>
-            <a:off x="7212794" y="2534284"/>
+            <a:off x="6732634" y="2635160"/>
             <a:ext cx="1507182" cy="272247"/>
           </a:xfrm>
           <a:prstGeom prst="roundRect">
@@ -4217,6 +4098,84 @@
             <a:r>
               <a:rPr lang="en-US" altLang="ko-KR" sz="1400" dirty="0" err="1" smtClean="0"/>
               <a:t>SlavesInfoMsg</a:t>
+            </a:r>
+            <a:endParaRPr lang="ko-KR" altLang="en-US" sz="1400" dirty="0"/>
+          </a:p>
+        </p:txBody>
+      </p:sp>
+      <p:cxnSp>
+        <p:nvCxnSpPr>
+          <p:cNvPr id="36" name="직선 화살표 연결선 35"/>
+          <p:cNvCxnSpPr>
+            <a:stCxn id="9" idx="0"/>
+            <a:endCxn id="4" idx="4"/>
+          </p:cNvCxnSpPr>
+          <p:nvPr/>
+        </p:nvCxnSpPr>
+        <p:spPr>
+          <a:xfrm flipH="1" flipV="1">
+            <a:off x="2347072" y="2220033"/>
+            <a:ext cx="1100352" cy="1857951"/>
+          </a:xfrm>
+          <a:prstGeom prst="straightConnector1">
+            <a:avLst/>
+          </a:prstGeom>
+          <a:ln>
+            <a:tailEnd type="triangle"/>
+          </a:ln>
+        </p:spPr>
+        <p:style>
+          <a:lnRef idx="1">
+            <a:schemeClr val="accent1"/>
+          </a:lnRef>
+          <a:fillRef idx="0">
+            <a:schemeClr val="accent1"/>
+          </a:fillRef>
+          <a:effectRef idx="0">
+            <a:schemeClr val="accent1"/>
+          </a:effectRef>
+          <a:fontRef idx="minor">
+            <a:schemeClr val="tx1"/>
+          </a:fontRef>
+        </p:style>
+      </p:cxnSp>
+      <p:sp>
+        <p:nvSpPr>
+          <p:cNvPr id="38" name="모서리가 둥근 직사각형 37"/>
+          <p:cNvSpPr/>
+          <p:nvPr/>
+        </p:nvSpPr>
+        <p:spPr>
+          <a:xfrm>
+            <a:off x="2374324" y="3492043"/>
+            <a:ext cx="1727996" cy="272247"/>
+          </a:xfrm>
+          <a:prstGeom prst="roundRect">
+            <a:avLst/>
+          </a:prstGeom>
+        </p:spPr>
+        <p:style>
+          <a:lnRef idx="2">
+            <a:schemeClr val="dk1"/>
+          </a:lnRef>
+          <a:fillRef idx="1">
+            <a:schemeClr val="lt1"/>
+          </a:fillRef>
+          <a:effectRef idx="0">
+            <a:schemeClr val="dk1"/>
+          </a:effectRef>
+          <a:fontRef idx="minor">
+            <a:schemeClr val="dk1"/>
+          </a:fontRef>
+        </p:style>
+        <p:txBody>
+          <a:bodyPr rtlCol="0" anchor="ctr"/>
+          <a:lstStyle/>
+          <a:p>
+            <a:pPr algn="ctr"/>
+            <a:r>
+              <a:rPr lang="en-US" altLang="ko-KR" sz="1400" dirty="0" err="1" smtClean="0"/>
+              <a:t>SocketConnectReq</a:t>
             </a:r>
             <a:endParaRPr lang="ko-KR" altLang="en-US" sz="1400" dirty="0"/>
           </a:p>
@@ -4369,8 +4328,15 @@
           <a:p>
             <a:r>
               <a:rPr lang="en-US" altLang="ko-KR" dirty="0" smtClean="0"/>
-              <a:t>Open socket</a:t>
-            </a:r>
+              <a:t>Open </a:t>
+            </a:r>
+            <a:r>
+              <a:rPr lang="en-US" altLang="ko-KR" dirty="0" smtClean="0"/>
+              <a:t>socket</a:t>
+            </a:r>
+          </a:p>
+          <a:p>
+            <a:endParaRPr lang="en-US" altLang="ko-KR" dirty="0" smtClean="0"/>
           </a:p>
           <a:p>
             <a:r>
@@ -4381,21 +4347,21 @@
           <a:p>
             <a:r>
               <a:rPr lang="en-US" altLang="ko-KR" dirty="0" smtClean="0"/>
-              <a:t>Whenever client connected, create connection future and sampling future for client</a:t>
-            </a:r>
-          </a:p>
-          <a:p>
-            <a:pPr marL="0" indent="0">
-              <a:buNone/>
-            </a:pPr>
-            <a:endParaRPr lang="en-US" altLang="ko-KR" dirty="0"/>
-          </a:p>
-          <a:p>
+              <a:t>Whenever client connected, create </a:t>
+            </a:r>
             <a:r>
               <a:rPr lang="en-US" altLang="ko-KR" dirty="0" smtClean="0"/>
-              <a:t>Sampling future is continued by connection future</a:t>
-            </a:r>
-            <a:endParaRPr lang="ko-KR" altLang="en-US" dirty="0"/>
+              <a:t>sampling </a:t>
+            </a:r>
+            <a:r>
+              <a:rPr lang="en-US" altLang="ko-KR" dirty="0" smtClean="0"/>
+              <a:t>future for </a:t>
+            </a:r>
+            <a:r>
+              <a:rPr lang="en-US" altLang="ko-KR" dirty="0" smtClean="0"/>
+              <a:t>client</a:t>
+            </a:r>
+            <a:endParaRPr lang="en-US" altLang="ko-KR" dirty="0" smtClean="0"/>
           </a:p>
         </p:txBody>
       </p:sp>
@@ -4446,7 +4412,7 @@
           <a:p>
             <a:r>
               <a:rPr lang="en-US" altLang="ko-KR" dirty="0" smtClean="0"/>
-              <a:t>Connection Future</a:t>
+              <a:t>Sampling Future</a:t>
             </a:r>
             <a:endParaRPr lang="ko-KR" altLang="en-US" dirty="0"/>
           </a:p>
@@ -4469,14 +4435,21 @@
           <a:p>
             <a:r>
               <a:rPr lang="en-US" altLang="ko-KR" dirty="0" smtClean="0"/>
-              <a:t>Receive connection future</a:t>
-            </a:r>
-          </a:p>
-          <a:p>
+              <a:t>Receive samples from </a:t>
+            </a:r>
             <a:r>
               <a:rPr lang="en-US" altLang="ko-KR" dirty="0" smtClean="0"/>
-              <a:t>Update slave list </a:t>
-            </a:r>
+              <a:t>slave</a:t>
+            </a:r>
+          </a:p>
+          <a:p>
+            <a:r>
+              <a:rPr lang="en-US" altLang="ko-KR" dirty="0" smtClean="0"/>
+              <a:t>Update slaves list</a:t>
+            </a:r>
+            <a:endParaRPr lang="en-US" altLang="ko-KR" dirty="0" smtClean="0"/>
+          </a:p>
+          <a:p>
             <a:endParaRPr lang="ko-KR" altLang="en-US" dirty="0"/>
           </a:p>
         </p:txBody>
@@ -4484,7 +4457,7 @@
     </p:spTree>
     <p:extLst>
       <p:ext uri="{BB962C8B-B14F-4D97-AF65-F5344CB8AC3E}">
-        <p14:creationId xmlns:p14="http://schemas.microsoft.com/office/powerpoint/2010/main" val="3918754546"/>
+        <p14:creationId xmlns:p14="http://schemas.microsoft.com/office/powerpoint/2010/main" val="1253369"/>
       </p:ext>
     </p:extLst>
   </p:cSld>
@@ -4528,7 +4501,11 @@
           <a:p>
             <a:r>
               <a:rPr lang="en-US" altLang="ko-KR" dirty="0" smtClean="0"/>
-              <a:t>Sampling Future</a:t>
+              <a:t>Master </a:t>
+            </a:r>
+            <a:r>
+              <a:rPr lang="en-US" altLang="ko-KR" dirty="0" err="1" smtClean="0"/>
+              <a:t>Calc</a:t>
             </a:r>
             <a:endParaRPr lang="ko-KR" altLang="en-US" dirty="0"/>
           </a:p>
@@ -4551,10 +4528,27 @@
           <a:p>
             <a:r>
               <a:rPr lang="en-US" altLang="ko-KR" dirty="0" smtClean="0"/>
-              <a:t>Receive samples from slave</a:t>
-            </a:r>
-          </a:p>
-          <a:p>
+              <a:t>Gather Keys from futures</a:t>
+            </a:r>
+          </a:p>
+          <a:p>
+            <a:r>
+              <a:rPr lang="en-US" altLang="ko-KR" dirty="0" smtClean="0"/>
+              <a:t>Calculate pivot values</a:t>
+            </a:r>
+          </a:p>
+          <a:p>
+            <a:pPr lvl="1"/>
+            <a:r>
+              <a:rPr lang="en-US" altLang="ko-KR" dirty="0" smtClean="0"/>
+              <a:t>Choose values from 1/n, 2/n, …, (n-1)/n position </a:t>
+            </a:r>
+          </a:p>
+          <a:p>
+            <a:r>
+              <a:rPr lang="en-US" altLang="ko-KR" dirty="0" smtClean="0"/>
+              <a:t>Make compute future</a:t>
+            </a:r>
             <a:endParaRPr lang="ko-KR" altLang="en-US" dirty="0"/>
           </a:p>
         </p:txBody>
@@ -4562,7 +4556,7 @@
     </p:spTree>
     <p:extLst>
       <p:ext uri="{BB962C8B-B14F-4D97-AF65-F5344CB8AC3E}">
-        <p14:creationId xmlns:p14="http://schemas.microsoft.com/office/powerpoint/2010/main" val="1253369"/>
+        <p14:creationId xmlns:p14="http://schemas.microsoft.com/office/powerpoint/2010/main" val="1534592386"/>
       </p:ext>
     </p:extLst>
   </p:cSld>
@@ -4606,11 +4600,7 @@
           <a:p>
             <a:r>
               <a:rPr lang="en-US" altLang="ko-KR" dirty="0" smtClean="0"/>
-              <a:t>Master </a:t>
-            </a:r>
-            <a:r>
-              <a:rPr lang="en-US" altLang="ko-KR" dirty="0" err="1" smtClean="0"/>
-              <a:t>Calc</a:t>
+              <a:t>Master Compute</a:t>
             </a:r>
             <a:endParaRPr lang="ko-KR" altLang="en-US" dirty="0"/>
           </a:p>
@@ -4633,26 +4623,22 @@
           <a:p>
             <a:r>
               <a:rPr lang="en-US" altLang="ko-KR" dirty="0" smtClean="0"/>
-              <a:t>Gather Keys from futures</a:t>
-            </a:r>
+              <a:t>Send </a:t>
+            </a:r>
+            <a:r>
+              <a:rPr lang="en-US" altLang="ko-KR" dirty="0" err="1" smtClean="0"/>
+              <a:t>SlaveInfoMsg</a:t>
+            </a:r>
+            <a:endParaRPr lang="en-US" altLang="ko-KR" dirty="0" smtClean="0"/>
           </a:p>
           <a:p>
             <a:r>
               <a:rPr lang="en-US" altLang="ko-KR" dirty="0" smtClean="0"/>
-              <a:t>Calculate pivot values</a:t>
-            </a:r>
-          </a:p>
-          <a:p>
-            <a:pPr lvl="1"/>
-            <a:r>
-              <a:rPr lang="en-US" altLang="ko-KR" dirty="0" smtClean="0"/>
-              <a:t>Choose values from 1/n, 2/n, …, (n-1)/n position </a:t>
-            </a:r>
-          </a:p>
-          <a:p>
-            <a:r>
-              <a:rPr lang="en-US" altLang="ko-KR" dirty="0" smtClean="0"/>
-              <a:t>Make compute future</a:t>
+              <a:t>Wait </a:t>
+            </a:r>
+            <a:r>
+              <a:rPr lang="en-US" altLang="ko-KR" dirty="0" err="1" smtClean="0"/>
+              <a:t>doneMsg</a:t>
             </a:r>
             <a:endParaRPr lang="ko-KR" altLang="en-US" dirty="0"/>
           </a:p>
@@ -4661,7 +4647,7 @@
     </p:spTree>
     <p:extLst>
       <p:ext uri="{BB962C8B-B14F-4D97-AF65-F5344CB8AC3E}">
-        <p14:creationId xmlns:p14="http://schemas.microsoft.com/office/powerpoint/2010/main" val="1534592386"/>
+        <p14:creationId xmlns:p14="http://schemas.microsoft.com/office/powerpoint/2010/main" val="1447580139"/>
       </p:ext>
     </p:extLst>
   </p:cSld>
@@ -4705,7 +4691,7 @@
           <a:p>
             <a:r>
               <a:rPr lang="en-US" altLang="ko-KR" dirty="0" smtClean="0"/>
-              <a:t>Master Compute</a:t>
+              <a:t>Master Success</a:t>
             </a:r>
             <a:endParaRPr lang="ko-KR" altLang="en-US" dirty="0"/>
           </a:p>
@@ -4728,22 +4714,7 @@
           <a:p>
             <a:r>
               <a:rPr lang="en-US" altLang="ko-KR" dirty="0" smtClean="0"/>
-              <a:t>Send </a:t>
-            </a:r>
-            <a:r>
-              <a:rPr lang="en-US" altLang="ko-KR" dirty="0" err="1" smtClean="0"/>
-              <a:t>SlaveInfoMsg</a:t>
-            </a:r>
-            <a:endParaRPr lang="en-US" altLang="ko-KR" dirty="0" smtClean="0"/>
-          </a:p>
-          <a:p>
-            <a:r>
-              <a:rPr lang="en-US" altLang="ko-KR" dirty="0" smtClean="0"/>
-              <a:t>Wait </a:t>
-            </a:r>
-            <a:r>
-              <a:rPr lang="en-US" altLang="ko-KR" dirty="0" err="1" smtClean="0"/>
-              <a:t>doneMsg</a:t>
+              <a:t>Close all sockets</a:t>
             </a:r>
             <a:endParaRPr lang="ko-KR" altLang="en-US" dirty="0"/>
           </a:p>
@@ -4752,7 +4723,7 @@
     </p:spTree>
     <p:extLst>
       <p:ext uri="{BB962C8B-B14F-4D97-AF65-F5344CB8AC3E}">
-        <p14:creationId xmlns:p14="http://schemas.microsoft.com/office/powerpoint/2010/main" val="1447580139"/>
+        <p14:creationId xmlns:p14="http://schemas.microsoft.com/office/powerpoint/2010/main" val="3790057209"/>
       </p:ext>
     </p:extLst>
   </p:cSld>
@@ -4796,7 +4767,7 @@
           <a:p>
             <a:r>
               <a:rPr lang="en-US" altLang="ko-KR" dirty="0" smtClean="0"/>
-              <a:t>Master Success</a:t>
+              <a:t>Client Connect</a:t>
             </a:r>
             <a:endParaRPr lang="ko-KR" altLang="en-US" dirty="0"/>
           </a:p>
@@ -4819,16 +4790,20 @@
           <a:p>
             <a:r>
               <a:rPr lang="en-US" altLang="ko-KR" dirty="0" smtClean="0"/>
-              <a:t>Close all sockets</a:t>
-            </a:r>
-            <a:endParaRPr lang="ko-KR" altLang="en-US" dirty="0"/>
+              <a:t>Make socket connection with </a:t>
+            </a:r>
+            <a:r>
+              <a:rPr lang="en-US" altLang="ko-KR" dirty="0" smtClean="0"/>
+              <a:t>Master</a:t>
+            </a:r>
+            <a:endParaRPr lang="en-US" altLang="ko-KR" dirty="0" smtClean="0"/>
           </a:p>
         </p:txBody>
       </p:sp>
     </p:spTree>
     <p:extLst>
       <p:ext uri="{BB962C8B-B14F-4D97-AF65-F5344CB8AC3E}">
-        <p14:creationId xmlns:p14="http://schemas.microsoft.com/office/powerpoint/2010/main" val="3790057209"/>
+        <p14:creationId xmlns:p14="http://schemas.microsoft.com/office/powerpoint/2010/main" val="633923706"/>
       </p:ext>
     </p:extLst>
   </p:cSld>
@@ -4872,7 +4847,7 @@
           <a:p>
             <a:r>
               <a:rPr lang="en-US" altLang="ko-KR" dirty="0" smtClean="0"/>
-              <a:t>Client Connect</a:t>
+              <a:t>Client Sample</a:t>
             </a:r>
             <a:endParaRPr lang="ko-KR" altLang="en-US" dirty="0"/>
           </a:p>
@@ -4894,28 +4869,51 @@
           <a:lstStyle/>
           <a:p>
             <a:r>
+              <a:rPr lang="en-US" altLang="ko-KR" dirty="0"/>
+              <a:t>Get number of key-value </a:t>
+            </a:r>
+            <a:r>
               <a:rPr lang="en-US" altLang="ko-KR" dirty="0" smtClean="0"/>
-              <a:t>Make socket connection with Master</a:t>
-            </a:r>
+              <a:t>pairs</a:t>
+            </a:r>
+            <a:endParaRPr lang="en-US" altLang="ko-KR" dirty="0" smtClean="0"/>
           </a:p>
           <a:p>
             <a:r>
               <a:rPr lang="en-US" altLang="ko-KR" dirty="0" smtClean="0"/>
-              <a:t>Get number of key-value pairs</a:t>
-            </a:r>
-          </a:p>
-          <a:p>
+              <a:t>Sample </a:t>
+            </a:r>
             <a:r>
               <a:rPr lang="en-US" altLang="ko-KR" dirty="0" smtClean="0"/>
-              <a:t>Send </a:t>
+              <a:t>from data (Sample size is </a:t>
             </a:r>
             <a:r>
               <a:rPr lang="en-US" altLang="ko-KR" dirty="0" err="1" smtClean="0"/>
-              <a:t>ConnectMsg</a:t>
-            </a:r>
-            <a:endParaRPr lang="en-US" altLang="ko-KR" dirty="0" smtClean="0"/>
-          </a:p>
-          <a:p>
+              <a:t>proposional</a:t>
+            </a:r>
+            <a:r>
+              <a:rPr lang="en-US" altLang="ko-KR" dirty="0" smtClean="0"/>
+              <a:t> to data size)</a:t>
+            </a:r>
+          </a:p>
+          <a:p>
+            <a:r>
+              <a:rPr lang="en-US" altLang="ko-KR" dirty="0" smtClean="0"/>
+              <a:t>Send samples to master</a:t>
+            </a:r>
+          </a:p>
+          <a:p>
+            <a:endParaRPr lang="en-US" altLang="ko-KR" dirty="0"/>
+          </a:p>
+          <a:p>
+            <a:r>
+              <a:rPr lang="en-US" altLang="ko-KR" dirty="0" smtClean="0"/>
+              <a:t>Wait </a:t>
+            </a:r>
+            <a:r>
+              <a:rPr lang="en-US" altLang="ko-KR" dirty="0" err="1" smtClean="0"/>
+              <a:t>SlaveInfoMsg</a:t>
+            </a:r>
             <a:endParaRPr lang="ko-KR" altLang="en-US" dirty="0"/>
           </a:p>
         </p:txBody>
@@ -4923,7 +4921,7 @@
     </p:spTree>
     <p:extLst>
       <p:ext uri="{BB962C8B-B14F-4D97-AF65-F5344CB8AC3E}">
-        <p14:creationId xmlns:p14="http://schemas.microsoft.com/office/powerpoint/2010/main" val="633923706"/>
+        <p14:creationId xmlns:p14="http://schemas.microsoft.com/office/powerpoint/2010/main" val="1566732067"/>
       </p:ext>
     </p:extLst>
   </p:cSld>
@@ -4967,7 +4965,7 @@
           <a:p>
             <a:r>
               <a:rPr lang="en-US" altLang="ko-KR" dirty="0" smtClean="0"/>
-              <a:t>Client Sample</a:t>
+              <a:t>Client Compute</a:t>
             </a:r>
             <a:endParaRPr lang="ko-KR" altLang="en-US" dirty="0"/>
           </a:p>
@@ -4990,35 +4988,42 @@
           <a:p>
             <a:r>
               <a:rPr lang="en-US" altLang="ko-KR" dirty="0" smtClean="0"/>
-              <a:t>Sample from data (Sample size is </a:t>
+              <a:t>Listen and Partition/Sort concurrently</a:t>
+            </a:r>
+          </a:p>
+          <a:p>
+            <a:endParaRPr lang="en-US" altLang="ko-KR" dirty="0" smtClean="0"/>
+          </a:p>
+          <a:p>
+            <a:r>
+              <a:rPr lang="en-US" altLang="ko-KR" dirty="0" smtClean="0"/>
+              <a:t>Shuffle starts after Sort and Listen are completed </a:t>
+            </a:r>
+          </a:p>
+          <a:p>
+            <a:r>
+              <a:rPr lang="en-US" altLang="ko-KR" dirty="0" smtClean="0"/>
+              <a:t>Send starts after Sort is completed</a:t>
+            </a:r>
+          </a:p>
+          <a:p>
+            <a:endParaRPr lang="en-US" altLang="ko-KR" dirty="0"/>
+          </a:p>
+          <a:p>
+            <a:r>
+              <a:rPr lang="en-US" altLang="ko-KR" dirty="0" smtClean="0"/>
+              <a:t>Send </a:t>
             </a:r>
             <a:r>
               <a:rPr lang="en-US" altLang="ko-KR" dirty="0" err="1" smtClean="0"/>
-              <a:t>proposional</a:t>
+              <a:t>DoneMsg</a:t>
             </a:r>
             <a:r>
               <a:rPr lang="en-US" altLang="ko-KR" dirty="0" smtClean="0"/>
-              <a:t> to data size)</a:t>
-            </a:r>
-          </a:p>
-          <a:p>
-            <a:r>
-              <a:rPr lang="en-US" altLang="ko-KR" dirty="0" smtClean="0"/>
-              <a:t>Send samples to master</a:t>
-            </a:r>
-          </a:p>
-          <a:p>
-            <a:endParaRPr lang="en-US" altLang="ko-KR" dirty="0"/>
-          </a:p>
-          <a:p>
-            <a:r>
-              <a:rPr lang="en-US" altLang="ko-KR" dirty="0" smtClean="0"/>
-              <a:t>Wait </a:t>
-            </a:r>
-            <a:r>
-              <a:rPr lang="en-US" altLang="ko-KR" dirty="0" err="1" smtClean="0"/>
-              <a:t>SlaveInfoMsg</a:t>
-            </a:r>
+              <a:t> after shuffling is finished</a:t>
+            </a:r>
+          </a:p>
+          <a:p>
             <a:endParaRPr lang="ko-KR" altLang="en-US" dirty="0"/>
           </a:p>
         </p:txBody>
@@ -5026,7 +5031,7 @@
     </p:spTree>
     <p:extLst>
       <p:ext uri="{BB962C8B-B14F-4D97-AF65-F5344CB8AC3E}">
-        <p14:creationId xmlns:p14="http://schemas.microsoft.com/office/powerpoint/2010/main" val="1566732067"/>
+        <p14:creationId xmlns:p14="http://schemas.microsoft.com/office/powerpoint/2010/main" val="608558083"/>
       </p:ext>
     </p:extLst>
   </p:cSld>
@@ -5129,116 +5134,6 @@
             <p:ph type="title"/>
           </p:nvPr>
         </p:nvSpPr>
-        <p:spPr/>
-        <p:txBody>
-          <a:bodyPr/>
-          <a:lstStyle/>
-          <a:p>
-            <a:r>
-              <a:rPr lang="en-US" altLang="ko-KR" dirty="0" smtClean="0"/>
-              <a:t>Client Compute</a:t>
-            </a:r>
-            <a:endParaRPr lang="ko-KR" altLang="en-US" dirty="0"/>
-          </a:p>
-        </p:txBody>
-      </p:sp>
-      <p:sp>
-        <p:nvSpPr>
-          <p:cNvPr id="3" name="내용 개체 틀 2"/>
-          <p:cNvSpPr>
-            <a:spLocks noGrp="1"/>
-          </p:cNvSpPr>
-          <p:nvPr>
-            <p:ph idx="1"/>
-          </p:nvPr>
-        </p:nvSpPr>
-        <p:spPr/>
-        <p:txBody>
-          <a:bodyPr/>
-          <a:lstStyle/>
-          <a:p>
-            <a:r>
-              <a:rPr lang="en-US" altLang="ko-KR" dirty="0" smtClean="0"/>
-              <a:t>Listen and Partition/Sort concurrently</a:t>
-            </a:r>
-          </a:p>
-          <a:p>
-            <a:endParaRPr lang="en-US" altLang="ko-KR" dirty="0" smtClean="0"/>
-          </a:p>
-          <a:p>
-            <a:r>
-              <a:rPr lang="en-US" altLang="ko-KR" dirty="0" smtClean="0"/>
-              <a:t>Shuffle starts after Sort and Listen are completed </a:t>
-            </a:r>
-          </a:p>
-          <a:p>
-            <a:r>
-              <a:rPr lang="en-US" altLang="ko-KR" dirty="0" smtClean="0"/>
-              <a:t>Send starts after Sort is completed</a:t>
-            </a:r>
-          </a:p>
-          <a:p>
-            <a:endParaRPr lang="en-US" altLang="ko-KR" dirty="0"/>
-          </a:p>
-          <a:p>
-            <a:r>
-              <a:rPr lang="en-US" altLang="ko-KR" dirty="0" smtClean="0"/>
-              <a:t>Send </a:t>
-            </a:r>
-            <a:r>
-              <a:rPr lang="en-US" altLang="ko-KR" dirty="0" err="1" smtClean="0"/>
-              <a:t>DoneMsg</a:t>
-            </a:r>
-            <a:r>
-              <a:rPr lang="en-US" altLang="ko-KR" dirty="0" smtClean="0"/>
-              <a:t> after shuffling is finished</a:t>
-            </a:r>
-          </a:p>
-          <a:p>
-            <a:endParaRPr lang="ko-KR" altLang="en-US" dirty="0"/>
-          </a:p>
-        </p:txBody>
-      </p:sp>
-    </p:spTree>
-    <p:extLst>
-      <p:ext uri="{BB962C8B-B14F-4D97-AF65-F5344CB8AC3E}">
-        <p14:creationId xmlns:p14="http://schemas.microsoft.com/office/powerpoint/2010/main" val="608558083"/>
-      </p:ext>
-    </p:extLst>
-  </p:cSld>
-  <p:clrMapOvr>
-    <a:masterClrMapping/>
-  </p:clrMapOvr>
-</p:sld>
-</file>
-
-<file path=ppt/slides/slide21.xml><?xml version="1.0" encoding="utf-8"?>
-<p:sld xmlns:a="http://schemas.openxmlformats.org/drawingml/2006/main" xmlns:r="http://schemas.openxmlformats.org/officeDocument/2006/relationships" xmlns:p="http://schemas.openxmlformats.org/presentationml/2006/main">
-  <p:cSld>
-    <p:spTree>
-      <p:nvGrpSpPr>
-        <p:cNvPr id="1" name=""/>
-        <p:cNvGrpSpPr/>
-        <p:nvPr/>
-      </p:nvGrpSpPr>
-      <p:grpSpPr>
-        <a:xfrm>
-          <a:off x="0" y="0"/>
-          <a:ext cx="0" cy="0"/>
-          <a:chOff x="0" y="0"/>
-          <a:chExt cx="0" cy="0"/>
-        </a:xfrm>
-      </p:grpSpPr>
-      <p:sp>
-        <p:nvSpPr>
-          <p:cNvPr id="2" name="제목 1"/>
-          <p:cNvSpPr>
-            <a:spLocks noGrp="1"/>
-          </p:cNvSpPr>
-          <p:nvPr>
-            <p:ph type="title"/>
-          </p:nvPr>
-        </p:nvSpPr>
         <p:spPr>
           <a:xfrm>
             <a:off x="6061323" y="343223"/>
@@ -5251,15 +5146,7 @@
           <a:p>
             <a:r>
               <a:rPr lang="en-US" altLang="ko-KR" dirty="0" smtClean="0"/>
-              <a:t>Slave </a:t>
-            </a:r>
-            <a:r>
-              <a:rPr lang="en-US" altLang="ko-KR" dirty="0" smtClean="0"/>
-              <a:t>Compute</a:t>
-            </a:r>
-            <a:r>
-              <a:rPr lang="en-US" altLang="ko-KR" dirty="0" smtClean="0"/>
-              <a:t> Order</a:t>
+              <a:t>Slave Compute Order</a:t>
             </a:r>
             <a:endParaRPr lang="ko-KR" altLang="en-US" dirty="0"/>
           </a:p>
@@ -5831,7 +5718,7 @@
 </p:sld>
 </file>
 
-<file path=ppt/slides/slide22.xml><?xml version="1.0" encoding="utf-8"?>
+<file path=ppt/slides/slide21.xml><?xml version="1.0" encoding="utf-8"?>
 <p:sld xmlns:a="http://schemas.openxmlformats.org/drawingml/2006/main" xmlns:r="http://schemas.openxmlformats.org/officeDocument/2006/relationships" xmlns:p="http://schemas.openxmlformats.org/presentationml/2006/main">
   <p:cSld>
     <p:spTree>
@@ -5897,7 +5784,7 @@
 </p:sld>
 </file>
 
-<file path=ppt/slides/slide23.xml><?xml version="1.0" encoding="utf-8"?>
+<file path=ppt/slides/slide22.xml><?xml version="1.0" encoding="utf-8"?>
 <p:sld xmlns:a="http://schemas.openxmlformats.org/drawingml/2006/main" xmlns:r="http://schemas.openxmlformats.org/officeDocument/2006/relationships" xmlns:p="http://schemas.openxmlformats.org/presentationml/2006/main">
   <p:cSld>
     <p:spTree>
@@ -6087,11 +5974,7 @@
             </a:pPr>
             <a:r>
               <a:rPr lang="en-US" altLang="ko-KR" sz="2000" dirty="0" smtClean="0"/>
-              <a:t>class </a:t>
-            </a:r>
-            <a:r>
-              <a:rPr lang="en-US" altLang="ko-KR" sz="2000" dirty="0" smtClean="0"/>
-              <a:t>Slave</a:t>
+              <a:t>class Slave</a:t>
             </a:r>
             <a:endParaRPr lang="en-US" altLang="ko-KR" sz="2000" dirty="0"/>
           </a:p>
@@ -6250,7 +6133,6 @@
               <a:rPr lang="en-US" altLang="ko-KR" sz="1600" dirty="0" smtClean="0"/>
               <a:t>Vector[Slave]</a:t>
             </a:r>
-            <a:endParaRPr lang="en-US" altLang="ko-KR" sz="1600" dirty="0" smtClean="0"/>
           </a:p>
           <a:p>
             <a:pPr marL="742950" lvl="1" indent="-285750">
@@ -6263,16 +6145,13 @@
             </a:r>
             <a:r>
               <a:rPr lang="en-US" altLang="ko-KR" sz="1600" dirty="0"/>
-              <a:t>: Vector[</a:t>
-            </a:r>
-            <a:r>
-              <a:rPr lang="en-US" altLang="ko-KR" sz="1600" dirty="0" err="1"/>
-              <a:t>Int</a:t>
-            </a:r>
-            <a:r>
-              <a:rPr lang="en-US" altLang="ko-KR" sz="1600" dirty="0"/>
-              <a:t>]</a:t>
-            </a:r>
+              <a:t>: </a:t>
+            </a:r>
+            <a:r>
+              <a:rPr lang="en-US" altLang="ko-KR" sz="1600" dirty="0" smtClean="0"/>
+              <a:t>Vector[Key]</a:t>
+            </a:r>
+            <a:endParaRPr lang="en-US" altLang="ko-KR" sz="1600" dirty="0"/>
           </a:p>
           <a:p>
             <a:pPr marL="742950" lvl="1" indent="-285750">
@@ -6326,11 +6205,7 @@
             </a:pPr>
             <a:r>
               <a:rPr lang="en-US" altLang="ko-KR" sz="1600" dirty="0" smtClean="0"/>
-              <a:t>apply(Vector[Slave], </a:t>
-            </a:r>
-            <a:r>
-              <a:rPr lang="en-US" altLang="ko-KR" sz="1600" dirty="0" smtClean="0"/>
-              <a:t>Vector[</a:t>
+              <a:t>apply(Vector[Slave], Vector[</a:t>
             </a:r>
             <a:r>
               <a:rPr lang="en-US" altLang="ko-KR" sz="1600" dirty="0" err="1" smtClean="0"/>
@@ -6616,6 +6491,650 @@
 </p:sld>
 </file>
 
+<file path=ppt/slides/slide23.xml><?xml version="1.0" encoding="utf-8"?>
+<p:sld xmlns:a="http://schemas.openxmlformats.org/drawingml/2006/main" xmlns:r="http://schemas.openxmlformats.org/officeDocument/2006/relationships" xmlns:p="http://schemas.openxmlformats.org/presentationml/2006/main">
+  <p:cSld>
+    <p:spTree>
+      <p:nvGrpSpPr>
+        <p:cNvPr id="1" name=""/>
+        <p:cNvGrpSpPr/>
+        <p:nvPr/>
+      </p:nvGrpSpPr>
+      <p:grpSpPr>
+        <a:xfrm>
+          <a:off x="0" y="0"/>
+          <a:ext cx="0" cy="0"/>
+          <a:chOff x="0" y="0"/>
+          <a:chExt cx="0" cy="0"/>
+        </a:xfrm>
+      </p:grpSpPr>
+      <p:sp>
+        <p:nvSpPr>
+          <p:cNvPr id="2" name="제목 1"/>
+          <p:cNvSpPr>
+            <a:spLocks noGrp="1"/>
+          </p:cNvSpPr>
+          <p:nvPr>
+            <p:ph type="title"/>
+          </p:nvPr>
+        </p:nvSpPr>
+        <p:spPr/>
+        <p:txBody>
+          <a:bodyPr/>
+          <a:lstStyle/>
+          <a:p>
+            <a:r>
+              <a:rPr lang="en-US" altLang="ko-KR" dirty="0" smtClean="0"/>
+              <a:t>Messages</a:t>
+            </a:r>
+            <a:endParaRPr lang="ko-KR" altLang="en-US" dirty="0"/>
+          </a:p>
+        </p:txBody>
+      </p:sp>
+      <p:sp>
+        <p:nvSpPr>
+          <p:cNvPr id="6" name="직사각형 5"/>
+          <p:cNvSpPr/>
+          <p:nvPr/>
+        </p:nvSpPr>
+        <p:spPr>
+          <a:xfrm>
+            <a:off x="838200" y="1924306"/>
+            <a:ext cx="6096000" cy="3416320"/>
+          </a:xfrm>
+          <a:prstGeom prst="rect">
+            <a:avLst/>
+          </a:prstGeom>
+        </p:spPr>
+        <p:txBody>
+          <a:bodyPr>
+            <a:spAutoFit/>
+          </a:bodyPr>
+          <a:lstStyle/>
+          <a:p>
+            <a:pPr marL="342900" indent="-342900">
+              <a:buFont typeface="Arial" panose="020B0604020202020204" pitchFamily="34" charset="0"/>
+              <a:buChar char="•"/>
+            </a:pPr>
+            <a:r>
+              <a:rPr lang="en-US" altLang="ko-KR" sz="2000" dirty="0" smtClean="0"/>
+              <a:t>class </a:t>
+            </a:r>
+            <a:r>
+              <a:rPr lang="en-US" altLang="ko-KR" sz="2000" dirty="0" err="1" smtClean="0"/>
+              <a:t>SampleMessage</a:t>
+            </a:r>
+            <a:endParaRPr lang="en-US" altLang="ko-KR" sz="2000" dirty="0" smtClean="0"/>
+          </a:p>
+          <a:p>
+            <a:pPr marL="742950" lvl="1" indent="-285750">
+              <a:buFontTx/>
+              <a:buChar char="-"/>
+            </a:pPr>
+            <a:r>
+              <a:rPr lang="en-US" altLang="ko-KR" sz="1600" dirty="0"/>
+              <a:t>type Key = </a:t>
+            </a:r>
+            <a:r>
+              <a:rPr lang="en-US" altLang="ko-KR" sz="1600" dirty="0" smtClean="0"/>
+              <a:t>Array[Byte]</a:t>
+            </a:r>
+            <a:endParaRPr lang="en-US" altLang="ko-KR" sz="1600" dirty="0" smtClean="0"/>
+          </a:p>
+          <a:p>
+            <a:pPr marL="742950" lvl="1" indent="-285750">
+              <a:buFontTx/>
+              <a:buChar char="-"/>
+            </a:pPr>
+            <a:endParaRPr lang="en-US" altLang="ko-KR" sz="1600" dirty="0"/>
+          </a:p>
+          <a:p>
+            <a:pPr marL="742950" lvl="1" indent="-285750">
+              <a:buFontTx/>
+              <a:buChar char="-"/>
+            </a:pPr>
+            <a:r>
+              <a:rPr lang="en-US" altLang="ko-KR" sz="1600" dirty="0" err="1" smtClean="0"/>
+              <a:t>dataSize</a:t>
+            </a:r>
+            <a:r>
+              <a:rPr lang="en-US" altLang="ko-KR" sz="1600" dirty="0" smtClean="0"/>
+              <a:t>: Long</a:t>
+            </a:r>
+            <a:endParaRPr lang="en-US" altLang="ko-KR" sz="1600" dirty="0" smtClean="0"/>
+          </a:p>
+          <a:p>
+            <a:pPr marL="742950" lvl="1" indent="-285750">
+              <a:buFontTx/>
+              <a:buChar char="-"/>
+            </a:pPr>
+            <a:r>
+              <a:rPr lang="en-US" altLang="ko-KR" sz="1600" dirty="0" err="1" smtClean="0"/>
+              <a:t>sampleSize</a:t>
+            </a:r>
+            <a:r>
+              <a:rPr lang="en-US" altLang="ko-KR" sz="1600" dirty="0" smtClean="0"/>
+              <a:t>: </a:t>
+            </a:r>
+            <a:r>
+              <a:rPr lang="en-US" altLang="ko-KR" sz="1600" dirty="0" err="1" smtClean="0"/>
+              <a:t>Int</a:t>
+            </a:r>
+            <a:endParaRPr lang="en-US" altLang="ko-KR" sz="1600" dirty="0" smtClean="0"/>
+          </a:p>
+          <a:p>
+            <a:pPr marL="742950" lvl="1" indent="-285750">
+              <a:buFontTx/>
+              <a:buChar char="-"/>
+            </a:pPr>
+            <a:r>
+              <a:rPr lang="en-US" altLang="ko-KR" sz="1600" dirty="0"/>
+              <a:t>s</a:t>
+            </a:r>
+            <a:r>
+              <a:rPr lang="en-US" altLang="ko-KR" sz="1600" dirty="0" smtClean="0"/>
+              <a:t>amples: </a:t>
+            </a:r>
+            <a:r>
+              <a:rPr lang="en-US" altLang="ko-KR" sz="1600" dirty="0" smtClean="0"/>
+              <a:t>List[Key</a:t>
+            </a:r>
+            <a:r>
+              <a:rPr lang="en-US" altLang="ko-KR" sz="1600" dirty="0" smtClean="0"/>
+              <a:t>]</a:t>
+            </a:r>
+            <a:endParaRPr lang="en-US" altLang="ko-KR" sz="1600" dirty="0"/>
+          </a:p>
+          <a:p>
+            <a:pPr marL="742950" lvl="1" indent="-285750">
+              <a:buFontTx/>
+              <a:buChar char="-"/>
+            </a:pPr>
+            <a:endParaRPr lang="en-US" altLang="ko-KR" sz="1600" dirty="0" smtClean="0"/>
+          </a:p>
+          <a:p>
+            <a:pPr marL="342900" indent="-342900">
+              <a:buFont typeface="Arial" panose="020B0604020202020204" pitchFamily="34" charset="0"/>
+              <a:buChar char="•"/>
+            </a:pPr>
+            <a:r>
+              <a:rPr lang="en-US" altLang="ko-KR" sz="2000" dirty="0" smtClean="0"/>
+              <a:t>object </a:t>
+            </a:r>
+            <a:r>
+              <a:rPr lang="en-US" altLang="ko-KR" sz="2000" dirty="0" err="1" smtClean="0"/>
+              <a:t>SampleMessage</a:t>
+            </a:r>
+            <a:endParaRPr lang="en-US" altLang="ko-KR" sz="2000" dirty="0"/>
+          </a:p>
+          <a:p>
+            <a:pPr marL="742950" lvl="1" indent="-285750">
+              <a:buFontTx/>
+              <a:buChar char="-"/>
+            </a:pPr>
+            <a:r>
+              <a:rPr lang="en-US" altLang="ko-KR" sz="1600" dirty="0" err="1"/>
+              <a:t>analyzeMessage</a:t>
+            </a:r>
+            <a:r>
+              <a:rPr lang="en-US" altLang="ko-KR" sz="1600" dirty="0"/>
+              <a:t>(Array[byte]): </a:t>
+            </a:r>
+            <a:r>
+              <a:rPr lang="en-US" altLang="ko-KR" sz="1600" dirty="0" err="1" smtClean="0"/>
+              <a:t>SampleMessage</a:t>
+            </a:r>
+            <a:endParaRPr lang="en-US" altLang="ko-KR" sz="1600" dirty="0" smtClean="0"/>
+          </a:p>
+          <a:p>
+            <a:pPr marL="742950" lvl="1" indent="-285750">
+              <a:buFontTx/>
+              <a:buChar char="-"/>
+            </a:pPr>
+            <a:r>
+              <a:rPr lang="en-US" altLang="ko-KR" sz="1600" dirty="0" smtClean="0"/>
+              <a:t>apply(Long, </a:t>
+            </a:r>
+            <a:r>
+              <a:rPr lang="en-US" altLang="ko-KR" sz="1600" dirty="0" err="1" smtClean="0"/>
+              <a:t>Int</a:t>
+            </a:r>
+            <a:r>
+              <a:rPr lang="en-US" altLang="ko-KR" sz="1600" dirty="0"/>
+              <a:t>, Array[byte]): </a:t>
+            </a:r>
+            <a:r>
+              <a:rPr lang="en-US" altLang="ko-KR" sz="1600" dirty="0" err="1" smtClean="0"/>
+              <a:t>SampleMessage</a:t>
+            </a:r>
+            <a:endParaRPr lang="en-US" altLang="ko-KR" sz="1600" dirty="0" smtClean="0"/>
+          </a:p>
+          <a:p>
+            <a:pPr marL="742950" lvl="1" indent="-285750">
+              <a:buFontTx/>
+              <a:buChar char="-"/>
+            </a:pPr>
+            <a:endParaRPr lang="en-US" altLang="ko-KR" sz="1600" dirty="0" smtClean="0"/>
+          </a:p>
+          <a:p>
+            <a:pPr lvl="1"/>
+            <a:endParaRPr lang="en-US" altLang="ko-KR" sz="1600" dirty="0" smtClean="0"/>
+          </a:p>
+          <a:p>
+            <a:pPr lvl="1"/>
+            <a:endParaRPr lang="en-US" altLang="ko-KR" sz="1600" dirty="0" smtClean="0"/>
+          </a:p>
+        </p:txBody>
+      </p:sp>
+      <p:sp>
+        <p:nvSpPr>
+          <p:cNvPr id="8" name="직사각형 7"/>
+          <p:cNvSpPr/>
+          <p:nvPr/>
+        </p:nvSpPr>
+        <p:spPr>
+          <a:xfrm>
+            <a:off x="838200" y="5270785"/>
+            <a:ext cx="6096000" cy="1138773"/>
+          </a:xfrm>
+          <a:prstGeom prst="rect">
+            <a:avLst/>
+          </a:prstGeom>
+        </p:spPr>
+        <p:txBody>
+          <a:bodyPr>
+            <a:spAutoFit/>
+          </a:bodyPr>
+          <a:lstStyle/>
+          <a:p>
+            <a:pPr marL="342900" indent="-342900">
+              <a:buFont typeface="Arial" panose="020B0604020202020204" pitchFamily="34" charset="0"/>
+              <a:buChar char="•"/>
+            </a:pPr>
+            <a:r>
+              <a:rPr lang="en-US" altLang="ko-KR" sz="2000" dirty="0"/>
+              <a:t>o</a:t>
+            </a:r>
+            <a:r>
+              <a:rPr lang="en-US" altLang="ko-KR" sz="2000" dirty="0" smtClean="0"/>
+              <a:t>bject </a:t>
+            </a:r>
+            <a:r>
+              <a:rPr lang="en-US" altLang="ko-KR" sz="2000" dirty="0" err="1" smtClean="0"/>
+              <a:t>DoneMessage</a:t>
+            </a:r>
+            <a:endParaRPr lang="en-US" altLang="ko-KR" sz="1600" dirty="0" smtClean="0"/>
+          </a:p>
+          <a:p>
+            <a:pPr marL="742950" lvl="1" indent="-285750">
+              <a:buFontTx/>
+              <a:buChar char="-"/>
+            </a:pPr>
+            <a:endParaRPr lang="en-US" altLang="ko-KR" sz="1600" dirty="0" smtClean="0"/>
+          </a:p>
+          <a:p>
+            <a:pPr lvl="1"/>
+            <a:endParaRPr lang="en-US" altLang="ko-KR" sz="1600" dirty="0" smtClean="0"/>
+          </a:p>
+          <a:p>
+            <a:pPr lvl="1"/>
+            <a:endParaRPr lang="en-US" altLang="ko-KR" sz="1600" dirty="0" smtClean="0"/>
+          </a:p>
+        </p:txBody>
+      </p:sp>
+      <p:sp>
+        <p:nvSpPr>
+          <p:cNvPr id="11" name="직사각형 10"/>
+          <p:cNvSpPr/>
+          <p:nvPr/>
+        </p:nvSpPr>
+        <p:spPr>
+          <a:xfrm>
+            <a:off x="6009305" y="1730263"/>
+            <a:ext cx="6096000" cy="2492990"/>
+          </a:xfrm>
+          <a:prstGeom prst="rect">
+            <a:avLst/>
+          </a:prstGeom>
+        </p:spPr>
+        <p:txBody>
+          <a:bodyPr>
+            <a:spAutoFit/>
+          </a:bodyPr>
+          <a:lstStyle/>
+          <a:p>
+            <a:pPr marL="342900" indent="-342900">
+              <a:buFont typeface="Arial" panose="020B0604020202020204" pitchFamily="34" charset="0"/>
+              <a:buChar char="•"/>
+            </a:pPr>
+            <a:r>
+              <a:rPr lang="en-US" altLang="ko-KR" sz="2000" dirty="0" smtClean="0"/>
+              <a:t>class </a:t>
+            </a:r>
+            <a:r>
+              <a:rPr lang="en-US" altLang="ko-KR" sz="2000" dirty="0" err="1" smtClean="0"/>
+              <a:t>DataInfoMessage</a:t>
+            </a:r>
+            <a:endParaRPr lang="en-US" altLang="ko-KR" sz="2000" dirty="0" smtClean="0"/>
+          </a:p>
+          <a:p>
+            <a:pPr marL="742950" lvl="1" indent="-285750">
+              <a:buFontTx/>
+              <a:buChar char="-"/>
+            </a:pPr>
+            <a:r>
+              <a:rPr lang="en-US" altLang="ko-KR" sz="1600" dirty="0" smtClean="0"/>
+              <a:t>size: Vector[</a:t>
+            </a:r>
+            <a:r>
+              <a:rPr lang="en-US" altLang="ko-KR" sz="1600" dirty="0" err="1" smtClean="0"/>
+              <a:t>Int</a:t>
+            </a:r>
+            <a:r>
+              <a:rPr lang="en-US" altLang="ko-KR" sz="1600" dirty="0" smtClean="0"/>
+              <a:t>]</a:t>
+            </a:r>
+          </a:p>
+          <a:p>
+            <a:pPr lvl="1"/>
+            <a:endParaRPr lang="en-US" altLang="ko-KR" sz="1600" dirty="0" smtClean="0"/>
+          </a:p>
+          <a:p>
+            <a:pPr marL="342900" indent="-342900">
+              <a:buFont typeface="Arial" panose="020B0604020202020204" pitchFamily="34" charset="0"/>
+              <a:buChar char="•"/>
+            </a:pPr>
+            <a:r>
+              <a:rPr lang="en-US" altLang="ko-KR" sz="2000" dirty="0" smtClean="0"/>
+              <a:t>object </a:t>
+            </a:r>
+            <a:r>
+              <a:rPr lang="en-US" altLang="ko-KR" sz="2000" dirty="0" err="1"/>
+              <a:t>DataInfoMessage</a:t>
+            </a:r>
+            <a:endParaRPr lang="en-US" altLang="ko-KR" sz="2000" dirty="0"/>
+          </a:p>
+          <a:p>
+            <a:pPr marL="742950" lvl="1" indent="-285750">
+              <a:buFontTx/>
+              <a:buChar char="-"/>
+            </a:pPr>
+            <a:r>
+              <a:rPr lang="en-US" altLang="ko-KR" sz="1600" dirty="0" err="1" smtClean="0"/>
+              <a:t>analyzeMessage</a:t>
+            </a:r>
+            <a:r>
+              <a:rPr lang="en-US" altLang="ko-KR" sz="1600" dirty="0" smtClean="0"/>
+              <a:t>(Array[Byte</a:t>
+            </a:r>
+            <a:r>
+              <a:rPr lang="en-US" altLang="ko-KR" sz="1600" dirty="0"/>
+              <a:t>]): </a:t>
+            </a:r>
+            <a:r>
+              <a:rPr lang="en-US" altLang="ko-KR" sz="1600" dirty="0" err="1"/>
+              <a:t>DataInfoMessage</a:t>
+            </a:r>
+            <a:endParaRPr lang="en-US" altLang="ko-KR" sz="1600" dirty="0" smtClean="0"/>
+          </a:p>
+          <a:p>
+            <a:pPr marL="742950" lvl="1" indent="-285750">
+              <a:buFontTx/>
+              <a:buChar char="-"/>
+            </a:pPr>
+            <a:r>
+              <a:rPr lang="en-US" altLang="ko-KR" sz="1600" dirty="0" smtClean="0"/>
+              <a:t>apply(Vector[</a:t>
+            </a:r>
+            <a:r>
+              <a:rPr lang="en-US" altLang="ko-KR" sz="1600" dirty="0" err="1" smtClean="0"/>
+              <a:t>Int</a:t>
+            </a:r>
+            <a:r>
+              <a:rPr lang="en-US" altLang="ko-KR" sz="1600" dirty="0"/>
+              <a:t>]): </a:t>
+            </a:r>
+            <a:r>
+              <a:rPr lang="en-US" altLang="ko-KR" sz="1600" dirty="0" err="1"/>
+              <a:t>DataInfoMessage</a:t>
+            </a:r>
+            <a:endParaRPr lang="en-US" altLang="ko-KR" sz="1600" dirty="0" smtClean="0"/>
+          </a:p>
+          <a:p>
+            <a:pPr marL="742950" lvl="1" indent="-285750">
+              <a:buFontTx/>
+              <a:buChar char="-"/>
+            </a:pPr>
+            <a:endParaRPr lang="en-US" altLang="ko-KR" sz="1600" dirty="0" smtClean="0"/>
+          </a:p>
+          <a:p>
+            <a:pPr lvl="1"/>
+            <a:endParaRPr lang="en-US" altLang="ko-KR" sz="1600" dirty="0" smtClean="0"/>
+          </a:p>
+          <a:p>
+            <a:pPr lvl="1"/>
+            <a:endParaRPr lang="en-US" altLang="ko-KR" sz="1600" dirty="0" smtClean="0"/>
+          </a:p>
+        </p:txBody>
+      </p:sp>
+      <p:sp>
+        <p:nvSpPr>
+          <p:cNvPr id="12" name="직사각형 11"/>
+          <p:cNvSpPr/>
+          <p:nvPr/>
+        </p:nvSpPr>
+        <p:spPr>
+          <a:xfrm>
+            <a:off x="6009305" y="3965654"/>
+            <a:ext cx="6096000" cy="2923877"/>
+          </a:xfrm>
+          <a:prstGeom prst="rect">
+            <a:avLst/>
+          </a:prstGeom>
+        </p:spPr>
+        <p:txBody>
+          <a:bodyPr>
+            <a:spAutoFit/>
+          </a:bodyPr>
+          <a:lstStyle/>
+          <a:p>
+            <a:pPr marL="342900" indent="-342900">
+              <a:buFont typeface="Arial" panose="020B0604020202020204" pitchFamily="34" charset="0"/>
+              <a:buChar char="•"/>
+            </a:pPr>
+            <a:r>
+              <a:rPr lang="en-US" altLang="ko-KR" sz="2000" dirty="0" smtClean="0"/>
+              <a:t>class </a:t>
+            </a:r>
+            <a:r>
+              <a:rPr lang="en-US" altLang="ko-KR" sz="2000" dirty="0" err="1" smtClean="0"/>
+              <a:t>DataMessage</a:t>
+            </a:r>
+            <a:endParaRPr lang="en-US" altLang="ko-KR" sz="2000" dirty="0" smtClean="0"/>
+          </a:p>
+          <a:p>
+            <a:pPr marL="742950" lvl="1" indent="-285750">
+              <a:buFontTx/>
+              <a:buChar char="-"/>
+            </a:pPr>
+            <a:r>
+              <a:rPr lang="en-US" altLang="ko-KR" sz="1600" dirty="0" err="1" smtClean="0"/>
+              <a:t>partitionNum</a:t>
+            </a:r>
+            <a:r>
+              <a:rPr lang="en-US" altLang="ko-KR" sz="1600" dirty="0" smtClean="0"/>
+              <a:t>: </a:t>
+            </a:r>
+            <a:r>
+              <a:rPr lang="en-US" altLang="ko-KR" sz="1600" dirty="0" err="1" smtClean="0"/>
+              <a:t>Int</a:t>
+            </a:r>
+            <a:endParaRPr lang="en-US" altLang="ko-KR" sz="1600" dirty="0" smtClean="0"/>
+          </a:p>
+          <a:p>
+            <a:pPr marL="742950" lvl="1" indent="-285750">
+              <a:buFontTx/>
+              <a:buChar char="-"/>
+            </a:pPr>
+            <a:r>
+              <a:rPr lang="en-US" altLang="ko-KR" sz="1600" dirty="0" err="1"/>
+              <a:t>i</a:t>
+            </a:r>
+            <a:r>
+              <a:rPr lang="en-US" altLang="ko-KR" sz="1600" dirty="0" err="1" smtClean="0"/>
+              <a:t>dx</a:t>
+            </a:r>
+            <a:r>
+              <a:rPr lang="en-US" altLang="ko-KR" sz="1600" dirty="0" smtClean="0"/>
+              <a:t>: </a:t>
+            </a:r>
+            <a:r>
+              <a:rPr lang="en-US" altLang="ko-KR" sz="1600" dirty="0" err="1" smtClean="0"/>
+              <a:t>Int</a:t>
+            </a:r>
+            <a:endParaRPr lang="en-US" altLang="ko-KR" sz="1600" dirty="0" smtClean="0"/>
+          </a:p>
+          <a:p>
+            <a:pPr marL="742950" lvl="1" indent="-285750">
+              <a:buFontTx/>
+              <a:buChar char="-"/>
+            </a:pPr>
+            <a:r>
+              <a:rPr lang="en-US" altLang="ko-KR" sz="1600" dirty="0"/>
+              <a:t>d</a:t>
+            </a:r>
+            <a:r>
+              <a:rPr lang="en-US" altLang="ko-KR" sz="1600" dirty="0" smtClean="0"/>
+              <a:t>ata</a:t>
+            </a:r>
+            <a:r>
+              <a:rPr lang="en-US" altLang="ko-KR" sz="1600" dirty="0"/>
+              <a:t>: Array[byte]</a:t>
+            </a:r>
+            <a:endParaRPr lang="en-US" altLang="ko-KR" sz="1600" dirty="0" smtClean="0"/>
+          </a:p>
+          <a:p>
+            <a:pPr lvl="1"/>
+            <a:endParaRPr lang="en-US" altLang="ko-KR" sz="1600" dirty="0" smtClean="0"/>
+          </a:p>
+          <a:p>
+            <a:pPr marL="342900" indent="-342900">
+              <a:buFont typeface="Arial" panose="020B0604020202020204" pitchFamily="34" charset="0"/>
+              <a:buChar char="•"/>
+            </a:pPr>
+            <a:r>
+              <a:rPr lang="en-US" altLang="ko-KR" sz="2000" dirty="0" smtClean="0"/>
+              <a:t>object </a:t>
+            </a:r>
+            <a:r>
+              <a:rPr lang="en-US" altLang="ko-KR" sz="2000" dirty="0" err="1" smtClean="0"/>
+              <a:t>DataMessage</a:t>
+            </a:r>
+            <a:endParaRPr lang="en-US" altLang="ko-KR" sz="2000" dirty="0"/>
+          </a:p>
+          <a:p>
+            <a:pPr marL="742950" lvl="1" indent="-285750">
+              <a:buFontTx/>
+              <a:buChar char="-"/>
+            </a:pPr>
+            <a:r>
+              <a:rPr lang="en-US" altLang="ko-KR" sz="1600" dirty="0" err="1" smtClean="0"/>
+              <a:t>analyzeMessage</a:t>
+            </a:r>
+            <a:r>
+              <a:rPr lang="en-US" altLang="ko-KR" sz="1600" dirty="0" smtClean="0"/>
+              <a:t>(Array[Byte</a:t>
+            </a:r>
+            <a:r>
+              <a:rPr lang="en-US" altLang="ko-KR" sz="1600" dirty="0"/>
+              <a:t>]): </a:t>
+            </a:r>
+            <a:r>
+              <a:rPr lang="en-US" altLang="ko-KR" sz="1600" dirty="0" err="1" smtClean="0"/>
+              <a:t>DataMessage</a:t>
+            </a:r>
+            <a:endParaRPr lang="en-US" altLang="ko-KR" sz="1600" dirty="0" smtClean="0"/>
+          </a:p>
+          <a:p>
+            <a:pPr marL="742950" lvl="1" indent="-285750">
+              <a:buFontTx/>
+              <a:buChar char="-"/>
+            </a:pPr>
+            <a:r>
+              <a:rPr lang="en-US" altLang="ko-KR" sz="1600" dirty="0" smtClean="0"/>
+              <a:t>apply(</a:t>
+            </a:r>
+            <a:r>
+              <a:rPr lang="en-US" altLang="ko-KR" sz="1600" dirty="0" err="1" smtClean="0"/>
+              <a:t>Int</a:t>
+            </a:r>
+            <a:r>
+              <a:rPr lang="en-US" altLang="ko-KR" sz="1600" dirty="0" smtClean="0"/>
+              <a:t>, </a:t>
+            </a:r>
+            <a:r>
+              <a:rPr lang="en-US" altLang="ko-KR" sz="1600" dirty="0" err="1" smtClean="0"/>
+              <a:t>Int</a:t>
+            </a:r>
+            <a:r>
+              <a:rPr lang="en-US" altLang="ko-KR" sz="1600" dirty="0"/>
+              <a:t>, </a:t>
+            </a:r>
+            <a:r>
+              <a:rPr lang="en-US" altLang="ko-KR" sz="1600" dirty="0" smtClean="0"/>
+              <a:t>Array[Byte</a:t>
+            </a:r>
+            <a:r>
+              <a:rPr lang="en-US" altLang="ko-KR" sz="1600" dirty="0"/>
+              <a:t>]</a:t>
+            </a:r>
+            <a:r>
+              <a:rPr lang="en-US" altLang="ko-KR" sz="1600" dirty="0" smtClean="0"/>
+              <a:t>): </a:t>
+            </a:r>
+            <a:r>
+              <a:rPr lang="en-US" altLang="ko-KR" sz="1600" dirty="0" err="1" smtClean="0"/>
+              <a:t>DataMessage</a:t>
+            </a:r>
+            <a:endParaRPr lang="en-US" altLang="ko-KR" sz="1600" dirty="0" smtClean="0"/>
+          </a:p>
+          <a:p>
+            <a:pPr marL="742950" lvl="1" indent="-285750">
+              <a:buFontTx/>
+              <a:buChar char="-"/>
+            </a:pPr>
+            <a:endParaRPr lang="en-US" altLang="ko-KR" sz="1600" dirty="0" smtClean="0"/>
+          </a:p>
+          <a:p>
+            <a:pPr lvl="1"/>
+            <a:endParaRPr lang="en-US" altLang="ko-KR" sz="1600" dirty="0" smtClean="0"/>
+          </a:p>
+          <a:p>
+            <a:pPr lvl="1"/>
+            <a:endParaRPr lang="en-US" altLang="ko-KR" sz="1600" dirty="0" smtClean="0"/>
+          </a:p>
+        </p:txBody>
+      </p:sp>
+    </p:spTree>
+    <p:extLst>
+      <p:ext uri="{BB962C8B-B14F-4D97-AF65-F5344CB8AC3E}">
+        <p14:creationId xmlns:p14="http://schemas.microsoft.com/office/powerpoint/2010/main" val="1291798499"/>
+      </p:ext>
+    </p:extLst>
+  </p:cSld>
+  <p:clrMapOvr>
+    <a:masterClrMapping/>
+  </p:clrMapOvr>
+  <p:timing>
+    <p:tnLst>
+      <p:par>
+        <p:cTn id="1" dur="indefinite" restart="never" nodeType="tmRoot"/>
+      </p:par>
+    </p:tnLst>
+  </p:timing>
+</p:sld>
+</file>
+
 <file path=ppt/slides/slide24.xml><?xml version="1.0" encoding="utf-8"?>
 <p:sld xmlns:a="http://schemas.openxmlformats.org/drawingml/2006/main" xmlns:r="http://schemas.openxmlformats.org/officeDocument/2006/relationships" xmlns:p="http://schemas.openxmlformats.org/presentationml/2006/main">
   <p:cSld>
@@ -6650,7 +7169,7 @@
           <a:p>
             <a:r>
               <a:rPr lang="en-US" altLang="ko-KR" dirty="0" smtClean="0"/>
-              <a:t>Messages</a:t>
+              <a:t>Master</a:t>
             </a:r>
             <a:endParaRPr lang="ko-KR" altLang="en-US" dirty="0"/>
           </a:p>
@@ -6658,14 +7177,227 @@
       </p:sp>
       <p:sp>
         <p:nvSpPr>
-          <p:cNvPr id="6" name="직사각형 5"/>
+          <p:cNvPr id="3" name="내용 개체 틀 2"/>
+          <p:cNvSpPr>
+            <a:spLocks noGrp="1"/>
+          </p:cNvSpPr>
+          <p:nvPr>
+            <p:ph idx="1"/>
+          </p:nvPr>
+        </p:nvSpPr>
+        <p:spPr>
+          <a:xfrm>
+            <a:off x="838200" y="1978024"/>
+            <a:ext cx="5370959" cy="4755865"/>
+          </a:xfrm>
+        </p:spPr>
+        <p:txBody>
+          <a:bodyPr>
+            <a:normAutofit/>
+          </a:bodyPr>
+          <a:lstStyle/>
+          <a:p>
+            <a:r>
+              <a:rPr lang="en-US" altLang="ko-KR" sz="2000" dirty="0" smtClean="0"/>
+              <a:t>class </a:t>
+            </a:r>
+            <a:r>
+              <a:rPr lang="en-US" altLang="ko-KR" sz="2000" dirty="0" smtClean="0"/>
+              <a:t>Master</a:t>
+            </a:r>
+            <a:endParaRPr lang="en-US" altLang="ko-KR" sz="1600" dirty="0" smtClean="0"/>
+          </a:p>
+          <a:p>
+            <a:pPr lvl="1">
+              <a:buFontTx/>
+              <a:buChar char="-"/>
+            </a:pPr>
+            <a:r>
+              <a:rPr lang="en-US" altLang="ko-KR" sz="1600" dirty="0" err="1"/>
+              <a:t>v</a:t>
+            </a:r>
+            <a:r>
+              <a:rPr lang="en-US" altLang="ko-KR" sz="1600" dirty="0" err="1" smtClean="0"/>
+              <a:t>ar</a:t>
+            </a:r>
+            <a:r>
+              <a:rPr lang="en-US" altLang="ko-KR" sz="1600" dirty="0" smtClean="0"/>
+              <a:t> socket: </a:t>
+            </a:r>
+            <a:r>
+              <a:rPr lang="en-US" altLang="ko-KR" sz="1600" dirty="0" err="1" smtClean="0"/>
+              <a:t>ServerSocket</a:t>
+            </a:r>
+            <a:endParaRPr lang="en-US" altLang="ko-KR" sz="1600" dirty="0" smtClean="0"/>
+          </a:p>
+          <a:p>
+            <a:pPr lvl="1">
+              <a:buFontTx/>
+              <a:buChar char="-"/>
+            </a:pPr>
+            <a:r>
+              <a:rPr lang="en-US" altLang="ko-KR" sz="1600" dirty="0" err="1" smtClean="0"/>
+              <a:t>var</a:t>
+            </a:r>
+            <a:r>
+              <a:rPr lang="en-US" altLang="ko-KR" sz="1600" dirty="0" smtClean="0"/>
+              <a:t> </a:t>
+            </a:r>
+            <a:r>
+              <a:rPr lang="en-US" altLang="ko-KR" sz="1600" dirty="0" err="1" smtClean="0"/>
+              <a:t>slaveList</a:t>
+            </a:r>
+            <a:r>
+              <a:rPr lang="en-US" altLang="ko-KR" sz="1600" dirty="0" smtClean="0"/>
+              <a:t>: List[Slave]</a:t>
+            </a:r>
+          </a:p>
+          <a:p>
+            <a:pPr lvl="1">
+              <a:buFontTx/>
+              <a:buChar char="-"/>
+            </a:pPr>
+            <a:r>
+              <a:rPr lang="en-US" altLang="ko-KR" sz="1600" dirty="0" err="1"/>
+              <a:t>v</a:t>
+            </a:r>
+            <a:r>
+              <a:rPr lang="en-US" altLang="ko-KR" sz="1600" dirty="0" err="1" smtClean="0"/>
+              <a:t>ar</a:t>
+            </a:r>
+            <a:r>
+              <a:rPr lang="en-US" altLang="ko-KR" sz="1600" dirty="0" smtClean="0"/>
+              <a:t> </a:t>
+            </a:r>
+            <a:r>
+              <a:rPr lang="en-US" altLang="ko-KR" sz="1600" dirty="0" err="1" smtClean="0"/>
+              <a:t>slaveSocketMap</a:t>
+            </a:r>
+            <a:r>
+              <a:rPr lang="en-US" altLang="ko-KR" sz="1600" dirty="0" smtClean="0"/>
+              <a:t>: Map[Slave, Socket]</a:t>
+            </a:r>
+          </a:p>
+          <a:p>
+            <a:pPr lvl="1">
+              <a:buFontTx/>
+              <a:buChar char="-"/>
+            </a:pPr>
+            <a:r>
+              <a:rPr lang="en-US" altLang="ko-KR" sz="1600" dirty="0" err="1" smtClean="0"/>
+              <a:t>numSlave</a:t>
+            </a:r>
+            <a:r>
+              <a:rPr lang="en-US" altLang="ko-KR" sz="1600" dirty="0" smtClean="0"/>
+              <a:t>: </a:t>
+            </a:r>
+            <a:r>
+              <a:rPr lang="en-US" altLang="ko-KR" sz="1600" dirty="0" err="1" smtClean="0"/>
+              <a:t>Int</a:t>
+            </a:r>
+            <a:endParaRPr lang="en-US" altLang="ko-KR" sz="1600" dirty="0"/>
+          </a:p>
+          <a:p>
+            <a:pPr marL="457200" lvl="1" indent="0">
+              <a:buNone/>
+            </a:pPr>
+            <a:endParaRPr lang="en-US" altLang="ko-KR" sz="1600" dirty="0" smtClean="0"/>
+          </a:p>
+          <a:p>
+            <a:pPr marL="457200" lvl="1" indent="0">
+              <a:buNone/>
+            </a:pPr>
+            <a:r>
+              <a:rPr lang="en-US" altLang="ko-KR" sz="1600" dirty="0" smtClean="0"/>
+              <a:t>(</a:t>
+            </a:r>
+            <a:r>
+              <a:rPr lang="en-US" altLang="ko-KR" sz="1600" dirty="0" err="1" smtClean="0"/>
+              <a:t>Init</a:t>
+            </a:r>
+            <a:r>
+              <a:rPr lang="en-US" altLang="ko-KR" sz="1600" dirty="0" smtClean="0"/>
+              <a:t>)</a:t>
+            </a:r>
+            <a:endParaRPr lang="en-US" altLang="ko-KR" sz="1600" dirty="0"/>
+          </a:p>
+          <a:p>
+            <a:pPr lvl="1">
+              <a:buFontTx/>
+              <a:buChar char="-"/>
+            </a:pPr>
+            <a:r>
+              <a:rPr lang="en-US" altLang="ko-KR" sz="1600" dirty="0" err="1" smtClean="0"/>
+              <a:t>initServerSocket</a:t>
+            </a:r>
+            <a:r>
+              <a:rPr lang="en-US" altLang="ko-KR" sz="1600" dirty="0" smtClean="0"/>
+              <a:t>(): Unit</a:t>
+            </a:r>
+          </a:p>
+          <a:p>
+            <a:pPr lvl="1">
+              <a:buFontTx/>
+              <a:buChar char="-"/>
+            </a:pPr>
+            <a:r>
+              <a:rPr lang="en-US" altLang="ko-KR" sz="1600" dirty="0" err="1" smtClean="0"/>
+              <a:t>acceptConnections</a:t>
+            </a:r>
+            <a:r>
+              <a:rPr lang="en-US" altLang="ko-KR" sz="1600" dirty="0" smtClean="0"/>
+              <a:t>(</a:t>
+            </a:r>
+            <a:r>
+              <a:rPr lang="en-US" altLang="ko-KR" sz="1600" dirty="0" err="1" smtClean="0"/>
+              <a:t>Int</a:t>
+            </a:r>
+            <a:r>
+              <a:rPr lang="en-US" altLang="ko-KR" sz="1600" dirty="0" smtClean="0"/>
+              <a:t>): List[Future[List[Key</a:t>
+            </a:r>
+            <a:r>
+              <a:rPr lang="en-US" altLang="ko-KR" sz="1600" dirty="0" smtClean="0"/>
+              <a:t>]]]</a:t>
+            </a:r>
+            <a:endParaRPr lang="en-US" altLang="ko-KR" sz="1600" dirty="0" smtClean="0"/>
+          </a:p>
+          <a:p>
+            <a:pPr lvl="1">
+              <a:buFontTx/>
+              <a:buChar char="-"/>
+            </a:pPr>
+            <a:r>
+              <a:rPr lang="en-US" altLang="ko-KR" sz="1600" dirty="0" err="1" smtClean="0"/>
+              <a:t>samplingFuture</a:t>
+            </a:r>
+            <a:r>
+              <a:rPr lang="en-US" altLang="ko-KR" sz="1600" dirty="0" smtClean="0"/>
+              <a:t>(Socket): Future[List[Key]]</a:t>
+            </a:r>
+            <a:endParaRPr lang="en-US" altLang="ko-KR" sz="1600" dirty="0"/>
+          </a:p>
+          <a:p>
+            <a:pPr marL="457200" lvl="1" indent="0">
+              <a:buNone/>
+            </a:pPr>
+            <a:endParaRPr lang="en-US" altLang="ko-KR" sz="1600" dirty="0" smtClean="0"/>
+          </a:p>
+          <a:p>
+            <a:endParaRPr lang="ko-KR" altLang="en-US" dirty="0"/>
+          </a:p>
+        </p:txBody>
+      </p:sp>
+      <p:sp>
+        <p:nvSpPr>
+          <p:cNvPr id="4" name="직사각형 3"/>
           <p:cNvSpPr/>
           <p:nvPr/>
         </p:nvSpPr>
         <p:spPr>
           <a:xfrm>
-            <a:off x="838200" y="4140894"/>
-            <a:ext cx="6096000" cy="2677656"/>
+            <a:off x="6209159" y="735518"/>
+            <a:ext cx="6096000" cy="4031873"/>
           </a:xfrm>
           <a:prstGeom prst="rect">
             <a:avLst/>
@@ -6677,654 +7409,237 @@
           </a:bodyPr>
           <a:lstStyle/>
           <a:p>
-            <a:pPr marL="342900" indent="-342900">
-              <a:buFont typeface="Arial" panose="020B0604020202020204" pitchFamily="34" charset="0"/>
-              <a:buChar char="•"/>
+            <a:pPr lvl="1"/>
+            <a:r>
+              <a:rPr lang="en-US" altLang="ko-KR" sz="1600" dirty="0" smtClean="0"/>
+              <a:t>(</a:t>
+            </a:r>
+            <a:r>
+              <a:rPr lang="en-US" altLang="ko-KR" sz="1600" dirty="0" smtClean="0"/>
+              <a:t>Sample)</a:t>
+            </a:r>
+          </a:p>
+          <a:p>
+            <a:pPr lvl="1">
+              <a:buFontTx/>
+              <a:buChar char="-"/>
             </a:pPr>
             <a:r>
-              <a:rPr lang="en-US" altLang="ko-KR" sz="2000" dirty="0" smtClean="0"/>
-              <a:t>class </a:t>
-            </a:r>
-            <a:r>
-              <a:rPr lang="en-US" altLang="ko-KR" sz="2000" dirty="0" err="1" smtClean="0"/>
-              <a:t>SampleMessage</a:t>
-            </a:r>
-            <a:endParaRPr lang="en-US" altLang="ko-KR" sz="2000" dirty="0" smtClean="0"/>
+              <a:rPr lang="en-US" altLang="ko-KR" sz="1600" dirty="0" smtClean="0"/>
+              <a:t> </a:t>
+            </a:r>
+            <a:r>
+              <a:rPr lang="en-US" altLang="ko-KR" sz="1600" dirty="0" err="1" smtClean="0"/>
+              <a:t>recvSampleMsg</a:t>
+            </a:r>
+            <a:r>
+              <a:rPr lang="en-US" altLang="ko-KR" sz="1600" dirty="0" smtClean="0"/>
+              <a:t>(Socket</a:t>
+            </a:r>
+            <a:r>
+              <a:rPr lang="en-US" altLang="ko-KR" sz="1600" dirty="0"/>
+              <a:t>): </a:t>
+            </a:r>
+            <a:r>
+              <a:rPr lang="en-US" altLang="ko-KR" sz="1600" dirty="0" smtClean="0"/>
+              <a:t>Future[</a:t>
+            </a:r>
+            <a:r>
+              <a:rPr lang="en-US" altLang="ko-KR" sz="1600" dirty="0" err="1" smtClean="0"/>
+              <a:t>SampleMsg</a:t>
+            </a:r>
+            <a:r>
+              <a:rPr lang="en-US" altLang="ko-KR" sz="1600" dirty="0" smtClean="0"/>
+              <a:t>]</a:t>
+            </a:r>
+            <a:endParaRPr lang="en-US" altLang="ko-KR" sz="1600" dirty="0" smtClean="0"/>
+          </a:p>
+          <a:p>
+            <a:pPr lvl="1">
+              <a:buFontTx/>
+              <a:buChar char="-"/>
+            </a:pPr>
+            <a:r>
+              <a:rPr lang="en-US" altLang="ko-KR" sz="1600" dirty="0"/>
+              <a:t> </a:t>
+            </a:r>
+            <a:r>
+              <a:rPr lang="en-US" altLang="ko-KR" sz="1600" dirty="0" err="1"/>
+              <a:t>updateSlaveInfo</a:t>
+            </a:r>
+            <a:r>
+              <a:rPr lang="en-US" altLang="ko-KR" sz="1600" dirty="0"/>
+              <a:t>(Socket, Slave): </a:t>
+            </a:r>
+            <a:r>
+              <a:rPr lang="en-US" altLang="ko-KR" sz="1600" dirty="0" smtClean="0"/>
+              <a:t>Unit</a:t>
+            </a:r>
+            <a:endParaRPr lang="en-US" altLang="ko-KR" sz="1600" dirty="0" smtClean="0"/>
+          </a:p>
+          <a:p>
+            <a:pPr lvl="1">
+              <a:buFontTx/>
+              <a:buChar char="-"/>
+            </a:pPr>
+            <a:endParaRPr lang="en-US" altLang="ko-KR" sz="1600" dirty="0"/>
+          </a:p>
+          <a:p>
+            <a:pPr lvl="1"/>
+            <a:r>
+              <a:rPr lang="en-US" altLang="ko-KR" sz="1600" dirty="0" smtClean="0"/>
+              <a:t>(</a:t>
+            </a:r>
+            <a:r>
+              <a:rPr lang="en-US" altLang="ko-KR" sz="1600" dirty="0" err="1" smtClean="0"/>
+              <a:t>Calc</a:t>
+            </a:r>
+            <a:r>
+              <a:rPr lang="en-US" altLang="ko-KR" sz="1600" dirty="0" smtClean="0"/>
+              <a:t>)</a:t>
+            </a:r>
+          </a:p>
+          <a:p>
+            <a:pPr lvl="1"/>
+            <a:r>
+              <a:rPr lang="en-US" altLang="ko-KR" sz="1600" dirty="0" smtClean="0"/>
+              <a:t>- </a:t>
+            </a:r>
+            <a:r>
+              <a:rPr lang="en-US" altLang="ko-KR" sz="1600" dirty="0" err="1" smtClean="0"/>
+              <a:t>waitSamples</a:t>
+            </a:r>
+            <a:r>
+              <a:rPr lang="en-US" altLang="ko-KR" sz="1600" dirty="0" smtClean="0"/>
+              <a:t>(List[Future[List[Key]]]): List[Key]</a:t>
+            </a:r>
+          </a:p>
+          <a:p>
+            <a:pPr lvl="1"/>
+            <a:r>
+              <a:rPr lang="en-US" altLang="ko-KR" sz="1600" dirty="0" smtClean="0"/>
+              <a:t>- </a:t>
+            </a:r>
+            <a:r>
+              <a:rPr lang="en-US" altLang="ko-KR" sz="1600" dirty="0" err="1" smtClean="0"/>
+              <a:t>calcPivots</a:t>
+            </a:r>
+            <a:r>
+              <a:rPr lang="en-US" altLang="ko-KR" sz="1600" dirty="0" smtClean="0"/>
+              <a:t>(): List[Key]</a:t>
+            </a:r>
+          </a:p>
+          <a:p>
+            <a:pPr lvl="1">
+              <a:buFontTx/>
+              <a:buChar char="-"/>
+            </a:pPr>
+            <a:r>
+              <a:rPr lang="en-US" altLang="ko-KR" sz="1600" dirty="0" smtClean="0"/>
+              <a:t> </a:t>
+            </a:r>
+            <a:r>
+              <a:rPr lang="en-US" altLang="ko-KR" sz="1600" dirty="0" err="1" smtClean="0"/>
+              <a:t>makeComputeFuture</a:t>
+            </a:r>
+            <a:r>
+              <a:rPr lang="en-US" altLang="ko-KR" sz="1600" dirty="0" smtClean="0"/>
+              <a:t>(): Future[Unit]</a:t>
+            </a:r>
+          </a:p>
+          <a:p>
+            <a:pPr lvl="1">
+              <a:buFontTx/>
+              <a:buChar char="-"/>
+            </a:pPr>
+            <a:endParaRPr lang="en-US" altLang="ko-KR" sz="1600" dirty="0"/>
+          </a:p>
+          <a:p>
+            <a:pPr lvl="1"/>
+            <a:r>
+              <a:rPr lang="en-US" altLang="ko-KR" sz="1600" dirty="0" smtClean="0"/>
+              <a:t>(Compute)</a:t>
+            </a:r>
+          </a:p>
+          <a:p>
+            <a:pPr lvl="1"/>
+            <a:r>
+              <a:rPr lang="en-US" altLang="ko-KR" sz="1600" dirty="0" smtClean="0"/>
+              <a:t>- </a:t>
+            </a:r>
+            <a:r>
+              <a:rPr lang="en-US" altLang="ko-KR" sz="1600" dirty="0" err="1" smtClean="0"/>
+              <a:t>sendSlavesInfoMsg</a:t>
+            </a:r>
+            <a:r>
+              <a:rPr lang="en-US" altLang="ko-KR" sz="1600" dirty="0" smtClean="0"/>
+              <a:t>(): Future[Unit]</a:t>
+            </a:r>
+            <a:endParaRPr lang="en-US" altLang="ko-KR" sz="1600" dirty="0"/>
+          </a:p>
+          <a:p>
+            <a:pPr lvl="1"/>
+            <a:r>
+              <a:rPr lang="en-US" altLang="ko-KR" sz="1600" dirty="0" smtClean="0"/>
+              <a:t>- </a:t>
+            </a:r>
+            <a:r>
+              <a:rPr lang="en-US" altLang="ko-KR" sz="1600" dirty="0" err="1" smtClean="0"/>
+              <a:t>waitDoneMessage</a:t>
+            </a:r>
+            <a:r>
+              <a:rPr lang="en-US" altLang="ko-KR" sz="1600" dirty="0" smtClean="0"/>
+              <a:t>(): </a:t>
+            </a:r>
+            <a:r>
+              <a:rPr lang="en-US" altLang="ko-KR" sz="1600" dirty="0"/>
+              <a:t>Future[Unit</a:t>
+            </a:r>
+            <a:r>
+              <a:rPr lang="en-US" altLang="ko-KR" sz="1600" dirty="0" smtClean="0"/>
+              <a:t>]</a:t>
+            </a:r>
           </a:p>
           <a:p>
             <a:pPr marL="742950" lvl="1" indent="-285750">
               <a:buFontTx/>
               <a:buChar char="-"/>
             </a:pPr>
+            <a:endParaRPr lang="en-US" altLang="ko-KR" sz="1600" dirty="0"/>
+          </a:p>
+          <a:p>
+            <a:pPr lvl="1"/>
+            <a:r>
+              <a:rPr lang="en-US" altLang="ko-KR" sz="1600" dirty="0" smtClean="0"/>
+              <a:t>(Success)</a:t>
+            </a:r>
+          </a:p>
+          <a:p>
+            <a:pPr lvl="1"/>
+            <a:r>
+              <a:rPr lang="en-US" altLang="ko-KR" sz="1600" dirty="0" smtClean="0"/>
+              <a:t>- </a:t>
+            </a:r>
             <a:r>
               <a:rPr lang="en-US" altLang="ko-KR" sz="1600" dirty="0" err="1" smtClean="0"/>
-              <a:t>sampleSize</a:t>
+              <a:t>closeAllSocket</a:t>
             </a:r>
             <a:r>
               <a:rPr lang="en-US" altLang="ko-KR" sz="1600" dirty="0" smtClean="0"/>
-              <a:t>: </a:t>
-            </a:r>
-            <a:r>
-              <a:rPr lang="en-US" altLang="ko-KR" sz="1600" dirty="0" err="1" smtClean="0"/>
-              <a:t>Int</a:t>
-            </a:r>
-            <a:endParaRPr lang="en-US" altLang="ko-KR" sz="1600" dirty="0" smtClean="0"/>
-          </a:p>
-          <a:p>
-            <a:pPr marL="742950" lvl="1" indent="-285750">
-              <a:buFontTx/>
-              <a:buChar char="-"/>
-            </a:pPr>
-            <a:r>
-              <a:rPr lang="en-US" altLang="ko-KR" sz="1600" dirty="0"/>
-              <a:t>s</a:t>
-            </a:r>
-            <a:r>
-              <a:rPr lang="en-US" altLang="ko-KR" sz="1600" dirty="0" smtClean="0"/>
-              <a:t>amples: </a:t>
-            </a:r>
-            <a:r>
-              <a:rPr lang="en-US" altLang="ko-KR" sz="1600" dirty="0"/>
-              <a:t>Array[byte]</a:t>
-            </a:r>
-          </a:p>
-          <a:p>
-            <a:pPr marL="742950" lvl="1" indent="-285750">
-              <a:buFontTx/>
-              <a:buChar char="-"/>
-            </a:pPr>
-            <a:endParaRPr lang="en-US" altLang="ko-KR" sz="1600" dirty="0" smtClean="0"/>
-          </a:p>
-          <a:p>
-            <a:pPr marL="342900" indent="-342900">
-              <a:buFont typeface="Arial" panose="020B0604020202020204" pitchFamily="34" charset="0"/>
-              <a:buChar char="•"/>
-            </a:pPr>
-            <a:r>
-              <a:rPr lang="en-US" altLang="ko-KR" sz="2000" dirty="0" smtClean="0"/>
-              <a:t>object </a:t>
-            </a:r>
-            <a:r>
-              <a:rPr lang="en-US" altLang="ko-KR" sz="2000" dirty="0" err="1" smtClean="0"/>
-              <a:t>SampleMessage</a:t>
-            </a:r>
-            <a:endParaRPr lang="en-US" altLang="ko-KR" sz="2000" dirty="0"/>
-          </a:p>
-          <a:p>
-            <a:pPr marL="742950" lvl="1" indent="-285750">
-              <a:buFontTx/>
-              <a:buChar char="-"/>
-            </a:pPr>
-            <a:r>
-              <a:rPr lang="en-US" altLang="ko-KR" sz="1600" dirty="0" err="1"/>
-              <a:t>analyzeMessage</a:t>
-            </a:r>
-            <a:r>
-              <a:rPr lang="en-US" altLang="ko-KR" sz="1600" dirty="0"/>
-              <a:t>(Array[byte]): </a:t>
-            </a:r>
-            <a:r>
-              <a:rPr lang="en-US" altLang="ko-KR" sz="1600" dirty="0" err="1" smtClean="0"/>
-              <a:t>SampleMessage</a:t>
-            </a:r>
-            <a:endParaRPr lang="en-US" altLang="ko-KR" sz="1600" dirty="0" smtClean="0"/>
-          </a:p>
-          <a:p>
-            <a:pPr marL="742950" lvl="1" indent="-285750">
-              <a:buFontTx/>
-              <a:buChar char="-"/>
-            </a:pPr>
-            <a:r>
-              <a:rPr lang="en-US" altLang="ko-KR" sz="1600" dirty="0"/>
-              <a:t>a</a:t>
-            </a:r>
-            <a:r>
-              <a:rPr lang="en-US" altLang="ko-KR" sz="1600" dirty="0" smtClean="0"/>
-              <a:t>pply(</a:t>
-            </a:r>
-            <a:r>
-              <a:rPr lang="en-US" altLang="ko-KR" sz="1600" dirty="0" err="1" smtClean="0"/>
-              <a:t>Int</a:t>
-            </a:r>
-            <a:r>
-              <a:rPr lang="en-US" altLang="ko-KR" sz="1600" dirty="0"/>
-              <a:t>, Array[byte]): </a:t>
-            </a:r>
-            <a:r>
-              <a:rPr lang="en-US" altLang="ko-KR" sz="1600" dirty="0" err="1" smtClean="0"/>
-              <a:t>SampleMessage</a:t>
-            </a:r>
-            <a:endParaRPr lang="en-US" altLang="ko-KR" sz="1600" dirty="0" smtClean="0"/>
-          </a:p>
-          <a:p>
-            <a:pPr marL="742950" lvl="1" indent="-285750">
-              <a:buFontTx/>
-              <a:buChar char="-"/>
-            </a:pPr>
-            <a:endParaRPr lang="en-US" altLang="ko-KR" sz="1600" dirty="0" smtClean="0"/>
+              <a:t>(): Unit</a:t>
+            </a:r>
+            <a:endParaRPr lang="en-US" altLang="ko-KR" sz="1600" dirty="0"/>
           </a:p>
           <a:p>
             <a:pPr lvl="1"/>
-            <a:endParaRPr lang="en-US" altLang="ko-KR" sz="1600" dirty="0" smtClean="0"/>
-          </a:p>
-          <a:p>
-            <a:pPr lvl="1"/>
-            <a:endParaRPr lang="en-US" altLang="ko-KR" sz="1600" dirty="0" smtClean="0"/>
-          </a:p>
-        </p:txBody>
-      </p:sp>
-      <p:sp>
-        <p:nvSpPr>
-          <p:cNvPr id="7" name="직사각형 6"/>
-          <p:cNvSpPr/>
-          <p:nvPr/>
-        </p:nvSpPr>
-        <p:spPr>
-          <a:xfrm>
-            <a:off x="838200" y="1905998"/>
-            <a:ext cx="6096000" cy="2431435"/>
-          </a:xfrm>
-          <a:prstGeom prst="rect">
-            <a:avLst/>
-          </a:prstGeom>
-        </p:spPr>
-        <p:txBody>
-          <a:bodyPr>
-            <a:spAutoFit/>
-          </a:bodyPr>
-          <a:lstStyle/>
-          <a:p>
-            <a:pPr marL="342900" indent="-342900">
-              <a:buFont typeface="Arial" panose="020B0604020202020204" pitchFamily="34" charset="0"/>
-              <a:buChar char="•"/>
-            </a:pPr>
-            <a:r>
-              <a:rPr lang="en-US" altLang="ko-KR" sz="2000" dirty="0" smtClean="0"/>
-              <a:t>class </a:t>
-            </a:r>
-            <a:r>
-              <a:rPr lang="en-US" altLang="ko-KR" sz="2000" dirty="0" err="1" smtClean="0"/>
-              <a:t>ConnectMessage</a:t>
-            </a:r>
-            <a:endParaRPr lang="en-US" altLang="ko-KR" sz="2000" dirty="0" smtClean="0"/>
-          </a:p>
-          <a:p>
-            <a:pPr marL="742950" lvl="1" indent="-285750">
-              <a:buFontTx/>
-              <a:buChar char="-"/>
-            </a:pPr>
-            <a:r>
-              <a:rPr lang="en-US" altLang="ko-KR" sz="1600" dirty="0" err="1" smtClean="0"/>
-              <a:t>dataSize</a:t>
-            </a:r>
-            <a:r>
-              <a:rPr lang="en-US" altLang="ko-KR" sz="1600" dirty="0" smtClean="0"/>
-              <a:t>: </a:t>
-            </a:r>
-            <a:r>
-              <a:rPr lang="en-US" altLang="ko-KR" sz="1600" dirty="0" err="1" smtClean="0"/>
-              <a:t>Int</a:t>
-            </a:r>
             <a:endParaRPr lang="en-US" altLang="ko-KR" sz="1600" dirty="0"/>
-          </a:p>
-          <a:p>
-            <a:pPr marL="742950" lvl="1" indent="-285750">
-              <a:buFontTx/>
-              <a:buChar char="-"/>
-            </a:pPr>
-            <a:endParaRPr lang="en-US" altLang="ko-KR" sz="1600" dirty="0" smtClean="0"/>
-          </a:p>
-          <a:p>
-            <a:pPr marL="342900" indent="-342900">
-              <a:buFont typeface="Arial" panose="020B0604020202020204" pitchFamily="34" charset="0"/>
-              <a:buChar char="•"/>
-            </a:pPr>
-            <a:r>
-              <a:rPr lang="en-US" altLang="ko-KR" sz="2000" dirty="0" smtClean="0"/>
-              <a:t>object </a:t>
-            </a:r>
-            <a:r>
-              <a:rPr lang="en-US" altLang="ko-KR" sz="2000" dirty="0" err="1" smtClean="0"/>
-              <a:t>ConnectMessage</a:t>
-            </a:r>
-            <a:endParaRPr lang="en-US" altLang="ko-KR" sz="2000" dirty="0"/>
-          </a:p>
-          <a:p>
-            <a:pPr marL="742950" lvl="1" indent="-285750">
-              <a:buFontTx/>
-              <a:buChar char="-"/>
-            </a:pPr>
-            <a:r>
-              <a:rPr lang="en-US" altLang="ko-KR" sz="1600" dirty="0" err="1" smtClean="0"/>
-              <a:t>analyzeMessage</a:t>
-            </a:r>
-            <a:r>
-              <a:rPr lang="en-US" altLang="ko-KR" sz="1600" dirty="0" smtClean="0"/>
-              <a:t>(</a:t>
-            </a:r>
-            <a:r>
-              <a:rPr lang="en-US" altLang="ko-KR" sz="1600" dirty="0"/>
-              <a:t>Array[byte]): </a:t>
-            </a:r>
-            <a:r>
-              <a:rPr lang="en-US" altLang="ko-KR" sz="1600" dirty="0" err="1" smtClean="0"/>
-              <a:t>ConnectMessage</a:t>
-            </a:r>
-            <a:endParaRPr lang="en-US" altLang="ko-KR" sz="1600" dirty="0" smtClean="0"/>
-          </a:p>
-          <a:p>
-            <a:pPr marL="742950" lvl="1" indent="-285750">
-              <a:buFontTx/>
-              <a:buChar char="-"/>
-            </a:pPr>
-            <a:r>
-              <a:rPr lang="en-US" altLang="ko-KR" sz="1600" dirty="0" smtClean="0"/>
-              <a:t>apply(</a:t>
-            </a:r>
-            <a:r>
-              <a:rPr lang="en-US" altLang="ko-KR" sz="1600" dirty="0" err="1" smtClean="0"/>
-              <a:t>Int</a:t>
-            </a:r>
-            <a:r>
-              <a:rPr lang="en-US" altLang="ko-KR" sz="1600" dirty="0" smtClean="0"/>
-              <a:t>): </a:t>
-            </a:r>
-            <a:r>
-              <a:rPr lang="en-US" altLang="ko-KR" sz="1600" dirty="0" err="1" smtClean="0"/>
-              <a:t>ConnectMessage</a:t>
-            </a:r>
-            <a:endParaRPr lang="en-US" altLang="ko-KR" sz="1600" dirty="0" smtClean="0"/>
-          </a:p>
-          <a:p>
-            <a:pPr marL="742950" lvl="1" indent="-285750">
-              <a:buFontTx/>
-              <a:buChar char="-"/>
-            </a:pPr>
-            <a:endParaRPr lang="en-US" altLang="ko-KR" sz="1600" dirty="0" smtClean="0"/>
-          </a:p>
-          <a:p>
-            <a:pPr lvl="1"/>
-            <a:endParaRPr lang="en-US" altLang="ko-KR" sz="1600" dirty="0" smtClean="0"/>
-          </a:p>
-          <a:p>
-            <a:pPr lvl="1"/>
-            <a:endParaRPr lang="en-US" altLang="ko-KR" sz="1600" dirty="0" smtClean="0"/>
-          </a:p>
-        </p:txBody>
-      </p:sp>
-      <p:sp>
-        <p:nvSpPr>
-          <p:cNvPr id="8" name="직사각형 7"/>
-          <p:cNvSpPr/>
-          <p:nvPr/>
-        </p:nvSpPr>
-        <p:spPr>
-          <a:xfrm>
-            <a:off x="6010674" y="575329"/>
-            <a:ext cx="6096000" cy="1138773"/>
-          </a:xfrm>
-          <a:prstGeom prst="rect">
-            <a:avLst/>
-          </a:prstGeom>
-        </p:spPr>
-        <p:txBody>
-          <a:bodyPr>
-            <a:spAutoFit/>
-          </a:bodyPr>
-          <a:lstStyle/>
-          <a:p>
-            <a:pPr marL="342900" indent="-342900">
-              <a:buFont typeface="Arial" panose="020B0604020202020204" pitchFamily="34" charset="0"/>
-              <a:buChar char="•"/>
-            </a:pPr>
-            <a:r>
-              <a:rPr lang="en-US" altLang="ko-KR" sz="2000" dirty="0" smtClean="0"/>
-              <a:t>Object </a:t>
-            </a:r>
-            <a:r>
-              <a:rPr lang="en-US" altLang="ko-KR" sz="2000" dirty="0" err="1" smtClean="0"/>
-              <a:t>DoneMessage</a:t>
-            </a:r>
-            <a:endParaRPr lang="en-US" altLang="ko-KR" sz="1600" dirty="0" smtClean="0"/>
-          </a:p>
-          <a:p>
-            <a:pPr marL="742950" lvl="1" indent="-285750">
-              <a:buFontTx/>
-              <a:buChar char="-"/>
-            </a:pPr>
-            <a:endParaRPr lang="en-US" altLang="ko-KR" sz="1600" dirty="0" smtClean="0"/>
-          </a:p>
-          <a:p>
-            <a:pPr lvl="1"/>
-            <a:endParaRPr lang="en-US" altLang="ko-KR" sz="1600" dirty="0" smtClean="0"/>
-          </a:p>
-          <a:p>
-            <a:pPr lvl="1"/>
-            <a:endParaRPr lang="en-US" altLang="ko-KR" sz="1600" dirty="0" smtClean="0"/>
-          </a:p>
-        </p:txBody>
-      </p:sp>
-      <p:sp>
-        <p:nvSpPr>
-          <p:cNvPr id="11" name="직사각형 10"/>
-          <p:cNvSpPr/>
-          <p:nvPr/>
-        </p:nvSpPr>
-        <p:spPr>
-          <a:xfrm>
-            <a:off x="6009305" y="1730263"/>
-            <a:ext cx="6096000" cy="2492990"/>
-          </a:xfrm>
-          <a:prstGeom prst="rect">
-            <a:avLst/>
-          </a:prstGeom>
-        </p:spPr>
-        <p:txBody>
-          <a:bodyPr>
-            <a:spAutoFit/>
-          </a:bodyPr>
-          <a:lstStyle/>
-          <a:p>
-            <a:pPr marL="342900" indent="-342900">
-              <a:buFont typeface="Arial" panose="020B0604020202020204" pitchFamily="34" charset="0"/>
-              <a:buChar char="•"/>
-            </a:pPr>
-            <a:r>
-              <a:rPr lang="en-US" altLang="ko-KR" sz="2000" dirty="0" smtClean="0"/>
-              <a:t>class </a:t>
-            </a:r>
-            <a:r>
-              <a:rPr lang="en-US" altLang="ko-KR" sz="2000" dirty="0" err="1" smtClean="0"/>
-              <a:t>DataInfoMessage</a:t>
-            </a:r>
-            <a:endParaRPr lang="en-US" altLang="ko-KR" sz="2000" dirty="0" smtClean="0"/>
-          </a:p>
-          <a:p>
-            <a:pPr marL="742950" lvl="1" indent="-285750">
-              <a:buFontTx/>
-              <a:buChar char="-"/>
-            </a:pPr>
-            <a:r>
-              <a:rPr lang="en-US" altLang="ko-KR" sz="1600" dirty="0" smtClean="0"/>
-              <a:t>size: Vector[</a:t>
-            </a:r>
-            <a:r>
-              <a:rPr lang="en-US" altLang="ko-KR" sz="1600" dirty="0" err="1" smtClean="0"/>
-              <a:t>Int</a:t>
-            </a:r>
-            <a:r>
-              <a:rPr lang="en-US" altLang="ko-KR" sz="1600" dirty="0" smtClean="0"/>
-              <a:t>]</a:t>
-            </a:r>
-          </a:p>
-          <a:p>
-            <a:pPr lvl="1"/>
-            <a:endParaRPr lang="en-US" altLang="ko-KR" sz="1600" dirty="0" smtClean="0"/>
-          </a:p>
-          <a:p>
-            <a:pPr marL="342900" indent="-342900">
-              <a:buFont typeface="Arial" panose="020B0604020202020204" pitchFamily="34" charset="0"/>
-              <a:buChar char="•"/>
-            </a:pPr>
-            <a:r>
-              <a:rPr lang="en-US" altLang="ko-KR" sz="2000" dirty="0" smtClean="0"/>
-              <a:t>object </a:t>
-            </a:r>
-            <a:r>
-              <a:rPr lang="en-US" altLang="ko-KR" sz="2000" dirty="0" err="1"/>
-              <a:t>DataInfoMessage</a:t>
-            </a:r>
-            <a:endParaRPr lang="en-US" altLang="ko-KR" sz="2000" dirty="0"/>
-          </a:p>
-          <a:p>
-            <a:pPr marL="742950" lvl="1" indent="-285750">
-              <a:buFontTx/>
-              <a:buChar char="-"/>
-            </a:pPr>
-            <a:r>
-              <a:rPr lang="en-US" altLang="ko-KR" sz="1600" dirty="0" err="1"/>
-              <a:t>analyzeMessage</a:t>
-            </a:r>
-            <a:r>
-              <a:rPr lang="en-US" altLang="ko-KR" sz="1600" dirty="0"/>
-              <a:t>(Array[byte]): </a:t>
-            </a:r>
-            <a:r>
-              <a:rPr lang="en-US" altLang="ko-KR" sz="1600" dirty="0" err="1"/>
-              <a:t>DataInfoMessage</a:t>
-            </a:r>
-            <a:endParaRPr lang="en-US" altLang="ko-KR" sz="1600" dirty="0" smtClean="0"/>
-          </a:p>
-          <a:p>
-            <a:pPr marL="742950" lvl="1" indent="-285750">
-              <a:buFontTx/>
-              <a:buChar char="-"/>
-            </a:pPr>
-            <a:r>
-              <a:rPr lang="en-US" altLang="ko-KR" sz="1600" dirty="0" smtClean="0"/>
-              <a:t>apply(Vector[</a:t>
-            </a:r>
-            <a:r>
-              <a:rPr lang="en-US" altLang="ko-KR" sz="1600" dirty="0" err="1" smtClean="0"/>
-              <a:t>Int</a:t>
-            </a:r>
-            <a:r>
-              <a:rPr lang="en-US" altLang="ko-KR" sz="1600" dirty="0"/>
-              <a:t>]): </a:t>
-            </a:r>
-            <a:r>
-              <a:rPr lang="en-US" altLang="ko-KR" sz="1600" dirty="0" err="1"/>
-              <a:t>DataInfoMessage</a:t>
-            </a:r>
-            <a:endParaRPr lang="en-US" altLang="ko-KR" sz="1600" dirty="0" smtClean="0"/>
-          </a:p>
-          <a:p>
-            <a:pPr marL="742950" lvl="1" indent="-285750">
-              <a:buFontTx/>
-              <a:buChar char="-"/>
-            </a:pPr>
-            <a:endParaRPr lang="en-US" altLang="ko-KR" sz="1600" dirty="0" smtClean="0"/>
-          </a:p>
-          <a:p>
-            <a:pPr lvl="1"/>
-            <a:endParaRPr lang="en-US" altLang="ko-KR" sz="1600" dirty="0" smtClean="0"/>
-          </a:p>
-          <a:p>
-            <a:pPr lvl="1"/>
-            <a:endParaRPr lang="en-US" altLang="ko-KR" sz="1600" dirty="0" smtClean="0"/>
-          </a:p>
-        </p:txBody>
-      </p:sp>
-      <p:sp>
-        <p:nvSpPr>
-          <p:cNvPr id="12" name="직사각형 11"/>
-          <p:cNvSpPr/>
-          <p:nvPr/>
-        </p:nvSpPr>
-        <p:spPr>
-          <a:xfrm>
-            <a:off x="6009305" y="3934123"/>
-            <a:ext cx="6096000" cy="2923877"/>
-          </a:xfrm>
-          <a:prstGeom prst="rect">
-            <a:avLst/>
-          </a:prstGeom>
-        </p:spPr>
-        <p:txBody>
-          <a:bodyPr>
-            <a:spAutoFit/>
-          </a:bodyPr>
-          <a:lstStyle/>
-          <a:p>
-            <a:pPr marL="342900" indent="-342900">
-              <a:buFont typeface="Arial" panose="020B0604020202020204" pitchFamily="34" charset="0"/>
-              <a:buChar char="•"/>
-            </a:pPr>
-            <a:r>
-              <a:rPr lang="en-US" altLang="ko-KR" sz="2000" dirty="0" smtClean="0"/>
-              <a:t>class </a:t>
-            </a:r>
-            <a:r>
-              <a:rPr lang="en-US" altLang="ko-KR" sz="2000" dirty="0" err="1" smtClean="0"/>
-              <a:t>DataMessage</a:t>
-            </a:r>
-            <a:endParaRPr lang="en-US" altLang="ko-KR" sz="2000" dirty="0" smtClean="0"/>
-          </a:p>
-          <a:p>
-            <a:pPr marL="742950" lvl="1" indent="-285750">
-              <a:buFontTx/>
-              <a:buChar char="-"/>
-            </a:pPr>
-            <a:r>
-              <a:rPr lang="en-US" altLang="ko-KR" sz="1600" dirty="0" err="1" smtClean="0"/>
-              <a:t>partitionNum</a:t>
-            </a:r>
-            <a:r>
-              <a:rPr lang="en-US" altLang="ko-KR" sz="1600" dirty="0" smtClean="0"/>
-              <a:t>: </a:t>
-            </a:r>
-            <a:r>
-              <a:rPr lang="en-US" altLang="ko-KR" sz="1600" dirty="0" err="1" smtClean="0"/>
-              <a:t>Int</a:t>
-            </a:r>
-            <a:endParaRPr lang="en-US" altLang="ko-KR" sz="1600" dirty="0" smtClean="0"/>
-          </a:p>
-          <a:p>
-            <a:pPr marL="742950" lvl="1" indent="-285750">
-              <a:buFontTx/>
-              <a:buChar char="-"/>
-            </a:pPr>
-            <a:r>
-              <a:rPr lang="en-US" altLang="ko-KR" sz="1600" dirty="0" err="1"/>
-              <a:t>i</a:t>
-            </a:r>
-            <a:r>
-              <a:rPr lang="en-US" altLang="ko-KR" sz="1600" dirty="0" err="1" smtClean="0"/>
-              <a:t>dx</a:t>
-            </a:r>
-            <a:r>
-              <a:rPr lang="en-US" altLang="ko-KR" sz="1600" dirty="0" smtClean="0"/>
-              <a:t>: </a:t>
-            </a:r>
-            <a:r>
-              <a:rPr lang="en-US" altLang="ko-KR" sz="1600" dirty="0" err="1" smtClean="0"/>
-              <a:t>Int</a:t>
-            </a:r>
-            <a:endParaRPr lang="en-US" altLang="ko-KR" sz="1600" dirty="0" smtClean="0"/>
-          </a:p>
-          <a:p>
-            <a:pPr marL="742950" lvl="1" indent="-285750">
-              <a:buFontTx/>
-              <a:buChar char="-"/>
-            </a:pPr>
-            <a:r>
-              <a:rPr lang="en-US" altLang="ko-KR" sz="1600" dirty="0"/>
-              <a:t>d</a:t>
-            </a:r>
-            <a:r>
-              <a:rPr lang="en-US" altLang="ko-KR" sz="1600" dirty="0" smtClean="0"/>
-              <a:t>ata</a:t>
-            </a:r>
-            <a:r>
-              <a:rPr lang="en-US" altLang="ko-KR" sz="1600" dirty="0"/>
-              <a:t>: Array[byte]</a:t>
-            </a:r>
-            <a:endParaRPr lang="en-US" altLang="ko-KR" sz="1600" dirty="0" smtClean="0"/>
-          </a:p>
-          <a:p>
-            <a:pPr lvl="1"/>
-            <a:endParaRPr lang="en-US" altLang="ko-KR" sz="1600" dirty="0" smtClean="0"/>
-          </a:p>
-          <a:p>
-            <a:pPr marL="342900" indent="-342900">
-              <a:buFont typeface="Arial" panose="020B0604020202020204" pitchFamily="34" charset="0"/>
-              <a:buChar char="•"/>
-            </a:pPr>
-            <a:r>
-              <a:rPr lang="en-US" altLang="ko-KR" sz="2000" dirty="0" smtClean="0"/>
-              <a:t>object </a:t>
-            </a:r>
-            <a:r>
-              <a:rPr lang="en-US" altLang="ko-KR" sz="2000" dirty="0" err="1" smtClean="0"/>
-              <a:t>DataMessage</a:t>
-            </a:r>
-            <a:endParaRPr lang="en-US" altLang="ko-KR" sz="2000" dirty="0"/>
-          </a:p>
-          <a:p>
-            <a:pPr marL="742950" lvl="1" indent="-285750">
-              <a:buFontTx/>
-              <a:buChar char="-"/>
-            </a:pPr>
-            <a:r>
-              <a:rPr lang="en-US" altLang="ko-KR" sz="1600" dirty="0" err="1"/>
-              <a:t>analyzeMessage</a:t>
-            </a:r>
-            <a:r>
-              <a:rPr lang="en-US" altLang="ko-KR" sz="1600" dirty="0"/>
-              <a:t>(Array[byte]): </a:t>
-            </a:r>
-            <a:r>
-              <a:rPr lang="en-US" altLang="ko-KR" sz="1600" dirty="0" err="1" smtClean="0"/>
-              <a:t>DataMessage</a:t>
-            </a:r>
-            <a:endParaRPr lang="en-US" altLang="ko-KR" sz="1600" dirty="0" smtClean="0"/>
-          </a:p>
-          <a:p>
-            <a:pPr marL="742950" lvl="1" indent="-285750">
-              <a:buFontTx/>
-              <a:buChar char="-"/>
-            </a:pPr>
-            <a:r>
-              <a:rPr lang="en-US" altLang="ko-KR" sz="1600" dirty="0" smtClean="0"/>
-              <a:t>apply(</a:t>
-            </a:r>
-            <a:r>
-              <a:rPr lang="en-US" altLang="ko-KR" sz="1600" dirty="0" err="1" smtClean="0"/>
-              <a:t>Int</a:t>
-            </a:r>
-            <a:r>
-              <a:rPr lang="en-US" altLang="ko-KR" sz="1600" dirty="0" smtClean="0"/>
-              <a:t>, </a:t>
-            </a:r>
-            <a:r>
-              <a:rPr lang="en-US" altLang="ko-KR" sz="1600" dirty="0" err="1" smtClean="0"/>
-              <a:t>Int</a:t>
-            </a:r>
-            <a:r>
-              <a:rPr lang="en-US" altLang="ko-KR" sz="1600" dirty="0"/>
-              <a:t>, Array[byte]</a:t>
-            </a:r>
-            <a:r>
-              <a:rPr lang="en-US" altLang="ko-KR" sz="1600" dirty="0" smtClean="0"/>
-              <a:t>): </a:t>
-            </a:r>
-            <a:r>
-              <a:rPr lang="en-US" altLang="ko-KR" sz="1600" dirty="0" err="1" smtClean="0"/>
-              <a:t>DataMessage</a:t>
-            </a:r>
-            <a:endParaRPr lang="en-US" altLang="ko-KR" sz="1600" dirty="0" smtClean="0"/>
-          </a:p>
-          <a:p>
-            <a:pPr marL="742950" lvl="1" indent="-285750">
-              <a:buFontTx/>
-              <a:buChar char="-"/>
-            </a:pPr>
-            <a:endParaRPr lang="en-US" altLang="ko-KR" sz="1600" dirty="0" smtClean="0"/>
-          </a:p>
-          <a:p>
-            <a:pPr lvl="1"/>
-            <a:endParaRPr lang="en-US" altLang="ko-KR" sz="1600" dirty="0" smtClean="0"/>
-          </a:p>
-          <a:p>
-            <a:pPr lvl="1"/>
-            <a:endParaRPr lang="en-US" altLang="ko-KR" sz="1600" dirty="0" smtClean="0"/>
           </a:p>
         </p:txBody>
       </p:sp>
     </p:spTree>
     <p:extLst>
       <p:ext uri="{BB962C8B-B14F-4D97-AF65-F5344CB8AC3E}">
-        <p14:creationId xmlns:p14="http://schemas.microsoft.com/office/powerpoint/2010/main" val="1291798499"/>
+        <p14:creationId xmlns:p14="http://schemas.microsoft.com/office/powerpoint/2010/main" val="1516983984"/>
       </p:ext>
     </p:extLst>
   </p:cSld>
@@ -7375,7 +7690,7 @@
           <a:p>
             <a:r>
               <a:rPr lang="en-US" altLang="ko-KR" dirty="0" smtClean="0"/>
-              <a:t>Master</a:t>
+              <a:t>Slave</a:t>
             </a:r>
             <a:endParaRPr lang="ko-KR" altLang="en-US" dirty="0"/>
           </a:p>
@@ -7393,20 +7708,25 @@
         </p:nvSpPr>
         <p:spPr>
           <a:xfrm>
-            <a:off x="838200" y="1978024"/>
-            <a:ext cx="5370959" cy="4755865"/>
+            <a:off x="838199" y="1978024"/>
+            <a:ext cx="5650207" cy="4755865"/>
           </a:xfrm>
         </p:spPr>
         <p:txBody>
           <a:bodyPr>
-            <a:normAutofit/>
+            <a:normAutofit lnSpcReduction="10000"/>
           </a:bodyPr>
           <a:lstStyle/>
           <a:p>
             <a:r>
+              <a:rPr lang="en-US" altLang="ko-KR" sz="2000" dirty="0"/>
+              <a:t>class Slave</a:t>
+            </a:r>
+            <a:r>
               <a:rPr lang="en-US" altLang="ko-KR" sz="2000" dirty="0" smtClean="0"/>
-              <a:t>class Master</a:t>
-            </a:r>
+              <a:t>:</a:t>
+            </a:r>
+            <a:endParaRPr lang="en-US" altLang="ko-KR" sz="1600" dirty="0"/>
           </a:p>
           <a:p>
             <a:pPr lvl="1">
@@ -7414,15 +7734,52 @@
               <a:buChar char="-"/>
             </a:pPr>
             <a:r>
+              <a:rPr lang="en-US" altLang="ko-KR" sz="1600" dirty="0" err="1" smtClean="0"/>
+              <a:t>var</a:t>
+            </a:r>
+            <a:r>
+              <a:rPr lang="en-US" altLang="ko-KR" sz="1600" dirty="0" smtClean="0"/>
+              <a:t> </a:t>
+            </a:r>
+            <a:r>
+              <a:rPr lang="en-US" altLang="ko-KR" sz="1600" dirty="0" err="1" smtClean="0"/>
+              <a:t>slaveNumber</a:t>
+            </a:r>
+            <a:r>
               <a:rPr lang="en-US" altLang="ko-KR" sz="1600" dirty="0"/>
-              <a:t>type Key = Array[Byte]</a:t>
-            </a:r>
+              <a:t>: </a:t>
+            </a:r>
+            <a:r>
+              <a:rPr lang="en-US" altLang="ko-KR" sz="1600" dirty="0" err="1" smtClean="0"/>
+              <a:t>Int</a:t>
+            </a:r>
+            <a:endParaRPr lang="en-US" altLang="ko-KR" sz="1600" dirty="0" smtClean="0"/>
           </a:p>
           <a:p>
             <a:pPr lvl="1">
               <a:buFontTx/>
               <a:buChar char="-"/>
             </a:pPr>
+            <a:r>
+              <a:rPr lang="en-US" altLang="ko-KR" sz="1600" dirty="0" err="1" smtClean="0"/>
+              <a:t>var</a:t>
+            </a:r>
+            <a:r>
+              <a:rPr lang="en-US" altLang="ko-KR" sz="1600" dirty="0" smtClean="0"/>
+              <a:t> </a:t>
+            </a:r>
+            <a:r>
+              <a:rPr lang="en-US" altLang="ko-KR" sz="1600" dirty="0" err="1" smtClean="0"/>
+              <a:t>partitionSize</a:t>
+            </a:r>
+            <a:r>
+              <a:rPr lang="en-US" altLang="ko-KR" sz="1600" dirty="0" smtClean="0"/>
+              <a:t>: </a:t>
+            </a:r>
+            <a:r>
+              <a:rPr lang="en-US" altLang="ko-KR" sz="1600" dirty="0" err="1" smtClean="0"/>
+              <a:t>Int</a:t>
+            </a:r>
             <a:endParaRPr lang="en-US" altLang="ko-KR" sz="1600" dirty="0" smtClean="0"/>
           </a:p>
           <a:p>
@@ -7440,13 +7797,8 @@
             </a:r>
             <a:r>
               <a:rPr lang="en-US" altLang="ko-KR" sz="1600" dirty="0" smtClean="0"/>
-              <a:t> socket: </a:t>
-            </a:r>
-            <a:r>
-              <a:rPr lang="en-US" altLang="ko-KR" sz="1600" dirty="0" err="1" smtClean="0"/>
-              <a:t>ServerSocket</a:t>
-            </a:r>
-            <a:endParaRPr lang="en-US" altLang="ko-KR" sz="1600" dirty="0" smtClean="0"/>
+              <a:t> socket: Socket</a:t>
+            </a:r>
           </a:p>
           <a:p>
             <a:pPr lvl="1">
@@ -7454,26 +7806,17 @@
               <a:buChar char="-"/>
             </a:pPr>
             <a:r>
+              <a:rPr lang="en-US" altLang="ko-KR" sz="1600" dirty="0" err="1"/>
+              <a:t>v</a:t>
+            </a:r>
+            <a:r>
               <a:rPr lang="en-US" altLang="ko-KR" sz="1600" dirty="0" err="1" smtClean="0"/>
-              <a:t>var</a:t>
+              <a:t>ar</a:t>
             </a:r>
             <a:r>
               <a:rPr lang="en-US" altLang="ko-KR" sz="1600" dirty="0" smtClean="0"/>
-              <a:t> </a:t>
-            </a:r>
-            <a:r>
-              <a:rPr lang="en-US" altLang="ko-KR" sz="1600" dirty="0" err="1" smtClean="0"/>
-              <a:t>slaveList</a:t>
-            </a:r>
-            <a:r>
-              <a:rPr lang="en-US" altLang="ko-KR" sz="1600" dirty="0" smtClean="0"/>
-              <a:t>: </a:t>
-            </a:r>
-            <a:r>
-              <a:rPr lang="en-US" altLang="ko-KR" sz="1600" dirty="0" smtClean="0"/>
-              <a:t>List[Slave]</a:t>
-            </a:r>
-            <a:endParaRPr lang="en-US" altLang="ko-KR" sz="1600" dirty="0" smtClean="0"/>
+              <a:t> slaves: List[Slave]</a:t>
+            </a:r>
           </a:p>
           <a:p>
             <a:pPr lvl="1">
@@ -7490,252 +7833,15 @@
             </a:r>
             <a:r>
               <a:rPr lang="en-US" altLang="ko-KR" sz="1600" dirty="0" smtClean="0"/>
-              <a:t> </a:t>
-            </a:r>
-            <a:r>
-              <a:rPr lang="en-US" altLang="ko-KR" sz="1600" dirty="0" err="1" smtClean="0"/>
-              <a:t>slaveSocketMap</a:t>
-            </a:r>
-            <a:r>
-              <a:rPr lang="en-US" altLang="ko-KR" sz="1600" dirty="0" smtClean="0"/>
-              <a:t>: Map[Slave, Socket]</a:t>
-            </a:r>
-          </a:p>
-          <a:p>
-            <a:pPr lvl="1">
-              <a:buFontTx/>
-              <a:buChar char="-"/>
-            </a:pPr>
-            <a:r>
-              <a:rPr lang="en-US" altLang="ko-KR" sz="1600" dirty="0" err="1" smtClean="0"/>
-              <a:t>numSlave</a:t>
-            </a:r>
-            <a:r>
-              <a:rPr lang="en-US" altLang="ko-KR" sz="1600" dirty="0" smtClean="0"/>
-              <a:t>: </a:t>
+              <a:t> pivots: List[</a:t>
             </a:r>
             <a:r>
               <a:rPr lang="en-US" altLang="ko-KR" sz="1600" dirty="0" err="1" smtClean="0"/>
               <a:t>Int</a:t>
             </a:r>
-            <a:endParaRPr lang="en-US" altLang="ko-KR" sz="1600" dirty="0"/>
-          </a:p>
-          <a:p>
-            <a:pPr marL="457200" lvl="1" indent="0">
-              <a:buNone/>
-            </a:pPr>
-            <a:endParaRPr lang="en-US" altLang="ko-KR" sz="1600" dirty="0" smtClean="0"/>
-          </a:p>
-          <a:p>
-            <a:pPr marL="457200" lvl="1" indent="0">
-              <a:buNone/>
-            </a:pPr>
             <a:r>
               <a:rPr lang="en-US" altLang="ko-KR" sz="1600" dirty="0" smtClean="0"/>
-              <a:t>(</a:t>
-            </a:r>
-            <a:r>
-              <a:rPr lang="en-US" altLang="ko-KR" sz="1600" dirty="0" err="1" smtClean="0"/>
-              <a:t>Init</a:t>
-            </a:r>
-            <a:r>
-              <a:rPr lang="en-US" altLang="ko-KR" sz="1600" dirty="0" smtClean="0"/>
-              <a:t>)</a:t>
-            </a:r>
-            <a:endParaRPr lang="en-US" altLang="ko-KR" sz="1600" dirty="0"/>
-          </a:p>
-          <a:p>
-            <a:pPr lvl="1">
-              <a:buFontTx/>
-              <a:buChar char="-"/>
-            </a:pPr>
-            <a:r>
-              <a:rPr lang="en-US" altLang="ko-KR" sz="1600" dirty="0" err="1" smtClean="0"/>
-              <a:t>initServerSocket</a:t>
-            </a:r>
-            <a:r>
-              <a:rPr lang="en-US" altLang="ko-KR" sz="1600" dirty="0" smtClean="0"/>
-              <a:t>(): Unit</a:t>
-            </a:r>
-          </a:p>
-          <a:p>
-            <a:pPr lvl="1">
-              <a:buFontTx/>
-              <a:buChar char="-"/>
-            </a:pPr>
-            <a:r>
-              <a:rPr lang="en-US" altLang="ko-KR" sz="1600" dirty="0" err="1" smtClean="0"/>
-              <a:t>acceptConnections</a:t>
-            </a:r>
-            <a:r>
-              <a:rPr lang="en-US" altLang="ko-KR" sz="1600" dirty="0" smtClean="0"/>
-              <a:t>(</a:t>
-            </a:r>
-            <a:r>
-              <a:rPr lang="en-US" altLang="ko-KR" sz="1600" dirty="0" err="1" smtClean="0"/>
-              <a:t>Int</a:t>
-            </a:r>
-            <a:r>
-              <a:rPr lang="en-US" altLang="ko-KR" sz="1600" dirty="0" smtClean="0"/>
-              <a:t>): List[Future[List[Key]]]</a:t>
-            </a:r>
-          </a:p>
-          <a:p>
-            <a:pPr lvl="1">
-              <a:buFontTx/>
-              <a:buChar char="-"/>
-            </a:pPr>
-            <a:r>
-              <a:rPr lang="en-US" altLang="ko-KR" sz="1600" dirty="0" err="1" smtClean="0"/>
-              <a:t>connectionFuture</a:t>
-            </a:r>
-            <a:r>
-              <a:rPr lang="en-US" altLang="ko-KR" sz="1600" dirty="0" smtClean="0"/>
-              <a:t>(Socket): Future[Socket]</a:t>
-            </a:r>
-            <a:endParaRPr lang="en-US" altLang="ko-KR" sz="1600" dirty="0" smtClean="0"/>
-          </a:p>
-          <a:p>
-            <a:pPr lvl="1">
-              <a:buFontTx/>
-              <a:buChar char="-"/>
-            </a:pPr>
-            <a:r>
-              <a:rPr lang="en-US" altLang="ko-KR" sz="1600" dirty="0" err="1" smtClean="0"/>
-              <a:t>samplingFuture</a:t>
-            </a:r>
-            <a:r>
-              <a:rPr lang="en-US" altLang="ko-KR" sz="1600" dirty="0" smtClean="0"/>
-              <a:t>(Socket): Future[List[Key]]</a:t>
-            </a:r>
-            <a:endParaRPr lang="en-US" altLang="ko-KR" sz="1600" dirty="0"/>
-          </a:p>
-          <a:p>
-            <a:pPr marL="457200" lvl="1" indent="0">
-              <a:buNone/>
-            </a:pPr>
-            <a:endParaRPr lang="en-US" altLang="ko-KR" sz="1600" dirty="0" smtClean="0"/>
-          </a:p>
-          <a:p>
-            <a:endParaRPr lang="ko-KR" altLang="en-US" dirty="0"/>
-          </a:p>
-        </p:txBody>
-      </p:sp>
-      <p:sp>
-        <p:nvSpPr>
-          <p:cNvPr id="4" name="직사각형 3"/>
-          <p:cNvSpPr/>
-          <p:nvPr/>
-        </p:nvSpPr>
-        <p:spPr>
-          <a:xfrm>
-            <a:off x="6209159" y="735518"/>
-            <a:ext cx="6096000" cy="4770537"/>
-          </a:xfrm>
-          <a:prstGeom prst="rect">
-            <a:avLst/>
-          </a:prstGeom>
-        </p:spPr>
-        <p:txBody>
-          <a:bodyPr>
-            <a:spAutoFit/>
-          </a:bodyPr>
-          <a:lstStyle/>
-          <a:p>
-            <a:pPr lvl="1"/>
-            <a:r>
-              <a:rPr lang="en-US" altLang="ko-KR" sz="1600" dirty="0"/>
-              <a:t>(Connect)</a:t>
-            </a:r>
-          </a:p>
-          <a:p>
-            <a:pPr lvl="1">
-              <a:buFontTx/>
-              <a:buChar char="-"/>
-            </a:pPr>
-            <a:r>
-              <a:rPr lang="en-US" altLang="ko-KR" sz="1600" dirty="0" smtClean="0"/>
-              <a:t> </a:t>
-            </a:r>
-            <a:r>
-              <a:rPr lang="en-US" altLang="ko-KR" sz="1600" dirty="0" err="1" smtClean="0"/>
-              <a:t>recvConnectionMsg</a:t>
-            </a:r>
-            <a:r>
-              <a:rPr lang="en-US" altLang="ko-KR" sz="1600" dirty="0" smtClean="0"/>
-              <a:t>(Socket</a:t>
-            </a:r>
-            <a:r>
-              <a:rPr lang="en-US" altLang="ko-KR" sz="1600" dirty="0"/>
-              <a:t>): Future[Slave]</a:t>
-            </a:r>
-          </a:p>
-          <a:p>
-            <a:pPr lvl="1">
-              <a:buFontTx/>
-              <a:buChar char="-"/>
-            </a:pPr>
-            <a:r>
-              <a:rPr lang="en-US" altLang="ko-KR" sz="1600" dirty="0" smtClean="0"/>
-              <a:t> </a:t>
-            </a:r>
-            <a:r>
-              <a:rPr lang="en-US" altLang="ko-KR" sz="1600" dirty="0" err="1" smtClean="0"/>
-              <a:t>updateSlaveInfo</a:t>
-            </a:r>
-            <a:r>
-              <a:rPr lang="en-US" altLang="ko-KR" sz="1600" dirty="0" smtClean="0"/>
-              <a:t>(Socket</a:t>
-            </a:r>
-            <a:r>
-              <a:rPr lang="en-US" altLang="ko-KR" sz="1600" dirty="0"/>
-              <a:t>, Slave): </a:t>
-            </a:r>
-            <a:r>
-              <a:rPr lang="en-US" altLang="ko-KR" sz="1600" dirty="0" smtClean="0"/>
-              <a:t>Unit</a:t>
-            </a:r>
-            <a:endParaRPr lang="en-US" altLang="ko-KR" sz="1600" dirty="0" smtClean="0"/>
-          </a:p>
-          <a:p>
-            <a:pPr lvl="1"/>
-            <a:endParaRPr lang="en-US" altLang="ko-KR" sz="1600" dirty="0"/>
-          </a:p>
-          <a:p>
-            <a:pPr lvl="1"/>
-            <a:r>
-              <a:rPr lang="en-US" altLang="ko-KR" sz="1600" dirty="0" smtClean="0"/>
-              <a:t>(</a:t>
-            </a:r>
-            <a:r>
-              <a:rPr lang="en-US" altLang="ko-KR" sz="1600" dirty="0" smtClean="0"/>
-              <a:t>Sample)</a:t>
-            </a:r>
-          </a:p>
-          <a:p>
-            <a:pPr lvl="1">
-              <a:buFontTx/>
-              <a:buChar char="-"/>
-            </a:pPr>
-            <a:r>
-              <a:rPr lang="en-US" altLang="ko-KR" sz="1600" dirty="0" smtClean="0"/>
-              <a:t> </a:t>
-            </a:r>
-            <a:r>
-              <a:rPr lang="en-US" altLang="ko-KR" sz="1600" dirty="0" err="1" smtClean="0"/>
-              <a:t>recvSampleMsg</a:t>
-            </a:r>
-            <a:r>
-              <a:rPr lang="en-US" altLang="ko-KR" sz="1600" dirty="0" smtClean="0"/>
-              <a:t>(Socket</a:t>
-            </a:r>
-            <a:r>
-              <a:rPr lang="en-US" altLang="ko-KR" sz="1600" dirty="0"/>
-              <a:t>): </a:t>
-            </a:r>
-            <a:r>
-              <a:rPr lang="en-US" altLang="ko-KR" sz="1600" dirty="0" smtClean="0"/>
-              <a:t>Future[List[Key]]</a:t>
+              <a:t>]</a:t>
             </a:r>
           </a:p>
           <a:p>
@@ -7746,49 +7852,12 @@
             <a:endParaRPr lang="en-US" altLang="ko-KR" sz="1600" dirty="0"/>
           </a:p>
           <a:p>
-            <a:pPr lvl="1"/>
+            <a:pPr marL="457200" lvl="1" indent="0">
+              <a:buNone/>
+            </a:pPr>
             <a:r>
               <a:rPr lang="en-US" altLang="ko-KR" sz="1600" dirty="0" smtClean="0"/>
-              <a:t>(</a:t>
-            </a:r>
-            <a:r>
-              <a:rPr lang="en-US" altLang="ko-KR" sz="1600" dirty="0" err="1" smtClean="0"/>
-              <a:t>Calc</a:t>
-            </a:r>
-            <a:r>
-              <a:rPr lang="en-US" altLang="ko-KR" sz="1600" dirty="0" smtClean="0"/>
-              <a:t>)</a:t>
-            </a:r>
-          </a:p>
-          <a:p>
-            <a:pPr lvl="1"/>
-            <a:r>
-              <a:rPr lang="en-US" altLang="ko-KR" sz="1600" dirty="0" smtClean="0"/>
-              <a:t>- </a:t>
-            </a:r>
-            <a:r>
-              <a:rPr lang="en-US" altLang="ko-KR" sz="1600" dirty="0" err="1" smtClean="0"/>
-              <a:t>waitSamples</a:t>
-            </a:r>
-            <a:r>
-              <a:rPr lang="en-US" altLang="ko-KR" sz="1600" dirty="0" smtClean="0"/>
-              <a:t>(List[Future[List[Key]]]): List[Key]</a:t>
-            </a:r>
-            <a:endParaRPr lang="en-US" altLang="ko-KR" sz="1600" dirty="0" smtClean="0"/>
-          </a:p>
-          <a:p>
-            <a:pPr lvl="1"/>
-            <a:r>
-              <a:rPr lang="en-US" altLang="ko-KR" sz="1600" dirty="0" smtClean="0"/>
-              <a:t>- </a:t>
-            </a:r>
-            <a:r>
-              <a:rPr lang="en-US" altLang="ko-KR" sz="1600" dirty="0" err="1" smtClean="0"/>
-              <a:t>calcPivots</a:t>
-            </a:r>
-            <a:r>
-              <a:rPr lang="en-US" altLang="ko-KR" sz="1600" dirty="0" smtClean="0"/>
-              <a:t>(): List[Key]</a:t>
+              <a:t>(connect)</a:t>
             </a:r>
           </a:p>
           <a:p>
@@ -7797,17 +7866,26 @@
               <a:buChar char="-"/>
             </a:pPr>
             <a:r>
+              <a:rPr lang="en-US" altLang="ko-KR" sz="1600" dirty="0" err="1" smtClean="0"/>
+              <a:t>connectToMaster</a:t>
+            </a:r>
+            <a:r>
               <a:rPr lang="en-US" altLang="ko-KR" sz="1600" dirty="0" smtClean="0"/>
-              <a:t> </a:t>
+              <a:t>(String, </a:t>
             </a:r>
             <a:r>
               <a:rPr lang="en-US" altLang="ko-KR" sz="1600" dirty="0" err="1" smtClean="0"/>
-              <a:t>makeComputeFuture</a:t>
+              <a:t>Int</a:t>
             </a:r>
             <a:r>
               <a:rPr lang="en-US" altLang="ko-KR" sz="1600" dirty="0" smtClean="0"/>
-              <a:t>(): Future[Unit]</a:t>
-            </a:r>
+              <a:t>): </a:t>
+            </a:r>
+            <a:r>
+              <a:rPr lang="en-US" altLang="ko-KR" sz="1600" dirty="0" smtClean="0"/>
+              <a:t>Unit</a:t>
+            </a:r>
+            <a:endParaRPr lang="en-US" altLang="ko-KR" sz="1600" dirty="0" smtClean="0"/>
           </a:p>
           <a:p>
             <a:pPr lvl="1">
@@ -7817,100 +7895,372 @@
             <a:endParaRPr lang="en-US" altLang="ko-KR" sz="1600" dirty="0"/>
           </a:p>
           <a:p>
-            <a:pPr lvl="1"/>
+            <a:pPr marL="457200" lvl="1" indent="0">
+              <a:buNone/>
+            </a:pPr>
+            <a:r>
+              <a:rPr lang="en-US" altLang="ko-KR" sz="1600" dirty="0"/>
+              <a:t>(sample)</a:t>
+            </a:r>
+          </a:p>
+          <a:p>
+            <a:pPr lvl="1">
+              <a:buFontTx/>
+              <a:buChar char="-"/>
+            </a:pPr>
+            <a:r>
+              <a:rPr lang="en-US" altLang="ko-KR" sz="1600" dirty="0" err="1" smtClean="0"/>
+              <a:t>getDataSize</a:t>
+            </a:r>
+            <a:r>
+              <a:rPr lang="en-US" altLang="ko-KR" sz="1600" dirty="0"/>
+              <a:t>(): </a:t>
+            </a:r>
+            <a:r>
+              <a:rPr lang="en-US" altLang="ko-KR" sz="1600" dirty="0" smtClean="0"/>
+              <a:t>Long</a:t>
+            </a:r>
+            <a:endParaRPr lang="en-US" altLang="ko-KR" sz="1600" dirty="0"/>
+          </a:p>
+          <a:p>
+            <a:pPr lvl="1">
+              <a:buFontTx/>
+              <a:buChar char="-"/>
+            </a:pPr>
+            <a:r>
+              <a:rPr lang="en-US" altLang="ko-KR" sz="1600" dirty="0" smtClean="0"/>
+              <a:t>sample</a:t>
+            </a:r>
+            <a:r>
+              <a:rPr lang="en-US" altLang="ko-KR" sz="1600" dirty="0"/>
+              <a:t>(): List[Key]</a:t>
+            </a:r>
+          </a:p>
+          <a:p>
+            <a:pPr lvl="1">
+              <a:buFontTx/>
+              <a:buChar char="-"/>
+            </a:pPr>
+            <a:r>
+              <a:rPr lang="en-US" altLang="ko-KR" sz="1600" dirty="0" err="1" smtClean="0"/>
+              <a:t>sampleSingleFile</a:t>
+            </a:r>
+            <a:r>
+              <a:rPr lang="en-US" altLang="ko-KR" sz="1600" dirty="0"/>
+              <a:t>(): List[Key]</a:t>
+            </a:r>
+          </a:p>
+          <a:p>
+            <a:pPr lvl="1">
+              <a:buFontTx/>
+              <a:buChar char="-"/>
+            </a:pPr>
+            <a:r>
+              <a:rPr lang="en-US" altLang="ko-KR" sz="1600" dirty="0" err="1" smtClean="0"/>
+              <a:t>sendSampleMsg</a:t>
+            </a:r>
+            <a:r>
+              <a:rPr lang="en-US" altLang="ko-KR" sz="1600" dirty="0"/>
+              <a:t>(): Unit</a:t>
+            </a:r>
+          </a:p>
+          <a:p>
+            <a:pPr lvl="1">
+              <a:buFontTx/>
+              <a:buChar char="-"/>
+            </a:pPr>
+            <a:r>
+              <a:rPr lang="en-US" altLang="ko-KR" sz="1600" dirty="0" err="1" smtClean="0"/>
+              <a:t>recvSlaveInfoMsg</a:t>
+            </a:r>
+            <a:r>
+              <a:rPr lang="en-US" altLang="ko-KR" sz="1600" dirty="0"/>
+              <a:t>(): Future[</a:t>
+            </a:r>
+            <a:r>
+              <a:rPr lang="en-US" altLang="ko-KR" sz="1600" dirty="0" err="1"/>
+              <a:t>SlaveInfoMsg</a:t>
+            </a:r>
+            <a:r>
+              <a:rPr lang="en-US" altLang="ko-KR" sz="1600" dirty="0"/>
+              <a:t>]</a:t>
+            </a:r>
+          </a:p>
+          <a:p>
+            <a:pPr lvl="1">
+              <a:buFontTx/>
+              <a:buChar char="-"/>
+            </a:pPr>
+            <a:r>
+              <a:rPr lang="en-US" altLang="ko-KR" sz="1600" dirty="0" err="1" smtClean="0"/>
+              <a:t>updateSlaveInfo</a:t>
+            </a:r>
             <a:r>
               <a:rPr lang="en-US" altLang="ko-KR" sz="1600" dirty="0" smtClean="0"/>
               <a:t>(</a:t>
             </a:r>
             <a:r>
+              <a:rPr lang="en-US" altLang="ko-KR" sz="1600" dirty="0" err="1" smtClean="0"/>
+              <a:t>SlaveInfoMsg</a:t>
+            </a:r>
+            <a:r>
+              <a:rPr lang="en-US" altLang="ko-KR" sz="1600" dirty="0"/>
+              <a:t>): Unit</a:t>
+            </a:r>
+          </a:p>
+          <a:p>
+            <a:pPr lvl="1">
+              <a:buFontTx/>
+              <a:buChar char="-"/>
+            </a:pPr>
+            <a:endParaRPr lang="en-US" altLang="ko-KR" dirty="0"/>
+          </a:p>
+          <a:p>
+            <a:endParaRPr lang="ko-KR" altLang="en-US" dirty="0"/>
+          </a:p>
+        </p:txBody>
+      </p:sp>
+      <p:sp>
+        <p:nvSpPr>
+          <p:cNvPr id="4" name="직사각형 3"/>
+          <p:cNvSpPr/>
+          <p:nvPr/>
+        </p:nvSpPr>
+        <p:spPr>
+          <a:xfrm>
+            <a:off x="5829528" y="510917"/>
+            <a:ext cx="6096000" cy="4031873"/>
+          </a:xfrm>
+          <a:prstGeom prst="rect">
+            <a:avLst/>
+          </a:prstGeom>
+        </p:spPr>
+        <p:txBody>
+          <a:bodyPr>
+            <a:spAutoFit/>
+          </a:bodyPr>
+          <a:lstStyle/>
+          <a:p>
+            <a:pPr lvl="1"/>
+            <a:r>
               <a:rPr lang="en-US" altLang="ko-KR" sz="1600" dirty="0" smtClean="0"/>
-              <a:t>Compute</a:t>
+              <a:t>(</a:t>
             </a:r>
             <a:r>
               <a:rPr lang="en-US" altLang="ko-KR" sz="1600" dirty="0" smtClean="0"/>
-              <a:t>)</a:t>
-            </a:r>
-            <a:endParaRPr lang="en-US" altLang="ko-KR" sz="1600" dirty="0" smtClean="0"/>
-          </a:p>
-          <a:p>
-            <a:pPr lvl="1"/>
+              <a:t>Compute)</a:t>
+            </a:r>
+            <a:endParaRPr lang="en-US" altLang="ko-KR" sz="1600" dirty="0"/>
+          </a:p>
+          <a:p>
+            <a:pPr lvl="1">
+              <a:buFontTx/>
+              <a:buChar char="-"/>
+            </a:pPr>
             <a:r>
               <a:rPr lang="en-US" altLang="ko-KR" sz="1600" dirty="0" smtClean="0"/>
-              <a:t>- </a:t>
+              <a:t> </a:t>
             </a:r>
             <a:r>
               <a:rPr lang="en-US" altLang="ko-KR" sz="1600" dirty="0" err="1" smtClean="0"/>
-              <a:t>sendSlavesInfoMsg</a:t>
+              <a:t>recvPartitions</a:t>
             </a:r>
             <a:r>
               <a:rPr lang="en-US" altLang="ko-KR" sz="1600" dirty="0" smtClean="0"/>
               <a:t>(): Future[Unit]</a:t>
             </a:r>
-            <a:endParaRPr lang="en-US" altLang="ko-KR" sz="1600" dirty="0"/>
-          </a:p>
-          <a:p>
-            <a:pPr lvl="1"/>
+          </a:p>
+          <a:p>
+            <a:pPr lvl="1">
+              <a:buFontTx/>
+              <a:buChar char="-"/>
+            </a:pPr>
             <a:r>
               <a:rPr lang="en-US" altLang="ko-KR" sz="1600" dirty="0" smtClean="0"/>
-              <a:t>- </a:t>
+              <a:t> </a:t>
             </a:r>
             <a:r>
               <a:rPr lang="en-US" altLang="ko-KR" sz="1600" dirty="0" err="1" smtClean="0"/>
-              <a:t>waitDoneMessage</a:t>
+              <a:t>recvFromSingleSlave</a:t>
             </a:r>
             <a:r>
               <a:rPr lang="en-US" altLang="ko-KR" sz="1600" dirty="0" smtClean="0"/>
-              <a:t>(): </a:t>
-            </a:r>
-            <a:r>
-              <a:rPr lang="en-US" altLang="ko-KR" sz="1600" dirty="0"/>
-              <a:t>Future[Unit</a:t>
-            </a:r>
-            <a:r>
-              <a:rPr lang="en-US" altLang="ko-KR" sz="1600" dirty="0" smtClean="0"/>
-              <a:t>]</a:t>
-            </a:r>
-          </a:p>
-          <a:p>
-            <a:pPr marL="742950" lvl="1" indent="-285750">
+              <a:t>(): Future[Unit]</a:t>
+            </a:r>
+          </a:p>
+          <a:p>
+            <a:pPr lvl="1">
               <a:buFontTx/>
               <a:buChar char="-"/>
             </a:pPr>
             <a:endParaRPr lang="en-US" altLang="ko-KR" sz="1600" dirty="0"/>
           </a:p>
           <a:p>
-            <a:pPr lvl="1"/>
+            <a:pPr lvl="1">
+              <a:buFontTx/>
+              <a:buChar char="-"/>
+            </a:pPr>
             <a:r>
               <a:rPr lang="en-US" altLang="ko-KR" sz="1600" dirty="0" smtClean="0"/>
-              <a:t>(Success)</a:t>
-            </a:r>
-          </a:p>
-          <a:p>
-            <a:pPr lvl="1"/>
+              <a:t> </a:t>
+            </a:r>
+            <a:r>
+              <a:rPr lang="en-US" altLang="ko-KR" sz="1600" dirty="0"/>
+              <a:t>p</a:t>
+            </a:r>
             <a:r>
               <a:rPr lang="en-US" altLang="ko-KR" sz="1600" dirty="0" smtClean="0"/>
-              <a:t>- </a:t>
+              <a:t>artition(): Future[Unit]</a:t>
+            </a:r>
+          </a:p>
+          <a:p>
+            <a:pPr lvl="1">
+              <a:buFontTx/>
+              <a:buChar char="-"/>
+            </a:pPr>
+            <a:r>
+              <a:rPr lang="en-US" altLang="ko-KR" sz="1600" dirty="0"/>
+              <a:t> </a:t>
             </a:r>
             <a:r>
               <a:rPr lang="en-US" altLang="ko-KR" sz="1600" dirty="0" err="1" smtClean="0"/>
-              <a:t>closeAllSocket</a:t>
+              <a:t>partitionSingleFile</a:t>
+            </a:r>
+            <a:r>
+              <a:rPr lang="en-US" altLang="ko-KR" sz="1600" dirty="0" smtClean="0"/>
+              <a:t>(String): Unit</a:t>
+            </a:r>
+          </a:p>
+          <a:p>
+            <a:pPr lvl="1">
+              <a:buFontTx/>
+              <a:buChar char="-"/>
+            </a:pPr>
+            <a:endParaRPr lang="en-US" altLang="ko-KR" sz="1600" dirty="0"/>
+          </a:p>
+          <a:p>
+            <a:pPr lvl="1">
+              <a:buFontTx/>
+              <a:buChar char="-"/>
+            </a:pPr>
+            <a:r>
+              <a:rPr lang="en-US" altLang="ko-KR" sz="1600" dirty="0" smtClean="0"/>
+              <a:t> sort(): Future[Unit]</a:t>
+            </a:r>
+          </a:p>
+          <a:p>
+            <a:pPr lvl="1">
+              <a:buFontTx/>
+              <a:buChar char="-"/>
+            </a:pPr>
+            <a:r>
+              <a:rPr lang="en-US" altLang="ko-KR" sz="1600" dirty="0"/>
+              <a:t> </a:t>
+            </a:r>
+            <a:r>
+              <a:rPr lang="en-US" altLang="ko-KR" sz="1600" dirty="0" err="1" smtClean="0"/>
+              <a:t>sortSingleFile</a:t>
+            </a:r>
+            <a:r>
+              <a:rPr lang="en-US" altLang="ko-KR" sz="1600" dirty="0" smtClean="0"/>
+              <a:t>(String): Unit</a:t>
+            </a:r>
+          </a:p>
+          <a:p>
+            <a:pPr lvl="1">
+              <a:buFontTx/>
+              <a:buChar char="-"/>
+            </a:pPr>
+            <a:endParaRPr lang="en-US" altLang="ko-KR" sz="1600" dirty="0"/>
+          </a:p>
+          <a:p>
+            <a:pPr lvl="1">
+              <a:buFontTx/>
+              <a:buChar char="-"/>
+            </a:pPr>
+            <a:r>
+              <a:rPr lang="en-US" altLang="ko-KR" sz="1600" dirty="0"/>
+              <a:t> </a:t>
+            </a:r>
+            <a:r>
+              <a:rPr lang="en-US" altLang="ko-KR" sz="1600" dirty="0" smtClean="0"/>
+              <a:t>shuffle(): Future[Unit]</a:t>
+            </a:r>
+          </a:p>
+          <a:p>
+            <a:pPr lvl="1">
+              <a:buFontTx/>
+              <a:buChar char="-"/>
+            </a:pPr>
+            <a:endParaRPr lang="en-US" altLang="ko-KR" sz="1600" dirty="0"/>
+          </a:p>
+          <a:p>
+            <a:pPr lvl="1">
+              <a:buFontTx/>
+              <a:buChar char="-"/>
+            </a:pPr>
+            <a:r>
+              <a:rPr lang="en-US" altLang="ko-KR" sz="1600" dirty="0"/>
+              <a:t> </a:t>
+            </a:r>
+            <a:r>
+              <a:rPr lang="en-US" altLang="ko-KR" sz="1600" dirty="0" err="1" smtClean="0"/>
+              <a:t>sendPartitions</a:t>
+            </a:r>
+            <a:r>
+              <a:rPr lang="en-US" altLang="ko-KR" sz="1600" dirty="0" smtClean="0"/>
+              <a:t>(): Future[Unit]</a:t>
+            </a:r>
+          </a:p>
+          <a:p>
+            <a:pPr lvl="1">
+              <a:buFontTx/>
+              <a:buChar char="-"/>
+            </a:pPr>
+            <a:r>
+              <a:rPr lang="en-US" altLang="ko-KR" sz="1600" dirty="0" smtClean="0"/>
+              <a:t> </a:t>
+            </a:r>
+            <a:r>
+              <a:rPr lang="en-US" altLang="ko-KR" sz="1600" dirty="0" err="1" smtClean="0"/>
+              <a:t>sendPartitionTo</a:t>
+            </a:r>
+            <a:r>
+              <a:rPr lang="en-US" altLang="ko-KR" sz="1600" dirty="0" smtClean="0"/>
+              <a:t>(Slave): Unit</a:t>
+            </a:r>
+          </a:p>
+          <a:p>
+            <a:pPr lvl="1">
+              <a:buFontTx/>
+              <a:buChar char="-"/>
+            </a:pPr>
+            <a:endParaRPr lang="en-US" altLang="ko-KR" sz="1600" dirty="0"/>
+          </a:p>
+          <a:p>
+            <a:pPr lvl="1">
+              <a:buFontTx/>
+              <a:buChar char="-"/>
+            </a:pPr>
+            <a:r>
+              <a:rPr lang="en-US" altLang="ko-KR" sz="1600" dirty="0"/>
+              <a:t> </a:t>
+            </a:r>
+            <a:r>
+              <a:rPr lang="en-US" altLang="ko-KR" sz="1600" dirty="0" err="1" smtClean="0"/>
+              <a:t>sendDoneMsg</a:t>
             </a:r>
             <a:r>
               <a:rPr lang="en-US" altLang="ko-KR" sz="1600" dirty="0" smtClean="0"/>
               <a:t>(): Unit</a:t>
             </a:r>
-            <a:endParaRPr lang="en-US" altLang="ko-KR" sz="1600" dirty="0"/>
-          </a:p>
-          <a:p>
-            <a:pPr lvl="1"/>
-            <a:endParaRPr lang="en-US" altLang="ko-KR" sz="1600" dirty="0"/>
           </a:p>
         </p:txBody>
       </p:sp>
     </p:spTree>
     <p:extLst>
       <p:ext uri="{BB962C8B-B14F-4D97-AF65-F5344CB8AC3E}">
-        <p14:creationId xmlns:p14="http://schemas.microsoft.com/office/powerpoint/2010/main" val="1516983984"/>
+        <p14:creationId xmlns:p14="http://schemas.microsoft.com/office/powerpoint/2010/main" val="4159145072"/>
       </p:ext>
     </p:extLst>
   </p:cSld>
@@ -7954,633 +8304,29 @@
             <p:ph type="title"/>
           </p:nvPr>
         </p:nvSpPr>
-        <p:spPr/>
+        <p:spPr>
+          <a:xfrm>
+            <a:off x="197117" y="2763371"/>
+            <a:ext cx="11876248" cy="1325563"/>
+          </a:xfrm>
+        </p:spPr>
         <p:txBody>
           <a:bodyPr/>
           <a:lstStyle/>
           <a:p>
+            <a:pPr algn="ctr"/>
             <a:r>
               <a:rPr lang="en-US" altLang="ko-KR" dirty="0" smtClean="0"/>
-              <a:t>Slave</a:t>
+              <a:t>Tests</a:t>
             </a:r>
             <a:endParaRPr lang="ko-KR" altLang="en-US" dirty="0"/>
-          </a:p>
-        </p:txBody>
-      </p:sp>
-      <p:sp>
-        <p:nvSpPr>
-          <p:cNvPr id="3" name="내용 개체 틀 2"/>
-          <p:cNvSpPr>
-            <a:spLocks noGrp="1"/>
-          </p:cNvSpPr>
-          <p:nvPr>
-            <p:ph idx="1"/>
-          </p:nvPr>
-        </p:nvSpPr>
-        <p:spPr>
-          <a:xfrm>
-            <a:off x="838199" y="1978024"/>
-            <a:ext cx="5650207" cy="4755865"/>
-          </a:xfrm>
-        </p:spPr>
-        <p:txBody>
-          <a:bodyPr>
-            <a:normAutofit/>
-          </a:bodyPr>
-          <a:lstStyle/>
-          <a:p>
-            <a:r>
-              <a:rPr lang="en-US" altLang="ko-KR" sz="2000" dirty="0"/>
-              <a:t>class Slave</a:t>
-            </a:r>
-            <a:r>
-              <a:rPr lang="en-US" altLang="ko-KR" sz="2000" dirty="0" smtClean="0"/>
-              <a:t>:</a:t>
-            </a:r>
-            <a:endParaRPr lang="en-US" altLang="ko-KR" sz="2000" dirty="0"/>
-          </a:p>
-          <a:p>
-            <a:pPr lvl="1">
-              <a:buFontTx/>
-              <a:buChar char="-"/>
-            </a:pPr>
-            <a:r>
-              <a:rPr lang="en-US" altLang="ko-KR" sz="1600" dirty="0" err="1"/>
-              <a:t>v</a:t>
-            </a:r>
-            <a:r>
-              <a:rPr lang="en-US" altLang="ko-KR" sz="1600" dirty="0" err="1" smtClean="0"/>
-              <a:t>ar</a:t>
-            </a:r>
-            <a:r>
-              <a:rPr lang="en-US" altLang="ko-KR" sz="1600" dirty="0" smtClean="0"/>
-              <a:t> </a:t>
-            </a:r>
-            <a:r>
-              <a:rPr lang="en-US" altLang="ko-KR" sz="1600" dirty="0" err="1" smtClean="0"/>
-              <a:t>slaveNumber</a:t>
-            </a:r>
-            <a:r>
-              <a:rPr lang="en-US" altLang="ko-KR" sz="1600" dirty="0"/>
-              <a:t>: </a:t>
-            </a:r>
-            <a:r>
-              <a:rPr lang="en-US" altLang="ko-KR" sz="1600" dirty="0" err="1" smtClean="0"/>
-              <a:t>Int</a:t>
-            </a:r>
-            <a:endParaRPr lang="en-US" altLang="ko-KR" sz="1600" dirty="0" smtClean="0"/>
-          </a:p>
-          <a:p>
-            <a:pPr lvl="1">
-              <a:buFontTx/>
-              <a:buChar char="-"/>
-            </a:pPr>
-            <a:r>
-              <a:rPr lang="en-US" altLang="ko-KR" sz="1600" dirty="0" err="1" smtClean="0"/>
-              <a:t>var</a:t>
-            </a:r>
-            <a:r>
-              <a:rPr lang="en-US" altLang="ko-KR" sz="1600" dirty="0" smtClean="0"/>
-              <a:t> </a:t>
-            </a:r>
-            <a:r>
-              <a:rPr lang="en-US" altLang="ko-KR" sz="1600" dirty="0" err="1" smtClean="0"/>
-              <a:t>partitionSize</a:t>
-            </a:r>
-            <a:r>
-              <a:rPr lang="en-US" altLang="ko-KR" sz="1600" dirty="0" smtClean="0"/>
-              <a:t>: </a:t>
-            </a:r>
-            <a:r>
-              <a:rPr lang="en-US" altLang="ko-KR" sz="1600" dirty="0" err="1" smtClean="0"/>
-              <a:t>Int</a:t>
-            </a:r>
-            <a:endParaRPr lang="en-US" altLang="ko-KR" sz="1600" dirty="0" smtClean="0"/>
-          </a:p>
-          <a:p>
-            <a:pPr lvl="1">
-              <a:buFontTx/>
-              <a:buChar char="-"/>
-            </a:pPr>
-            <a:r>
-              <a:rPr lang="en-US" altLang="ko-KR" sz="1600" dirty="0" err="1"/>
-              <a:t>v</a:t>
-            </a:r>
-            <a:r>
-              <a:rPr lang="en-US" altLang="ko-KR" sz="1600" dirty="0" err="1" smtClean="0"/>
-              <a:t>ar</a:t>
-            </a:r>
-            <a:r>
-              <a:rPr lang="en-US" altLang="ko-KR" sz="1600" dirty="0" smtClean="0"/>
-              <a:t> socket: Socket</a:t>
-            </a:r>
-            <a:endParaRPr lang="en-US" altLang="ko-KR" sz="1600" dirty="0" smtClean="0"/>
-          </a:p>
-          <a:p>
-            <a:pPr lvl="1">
-              <a:buFontTx/>
-              <a:buChar char="-"/>
-            </a:pPr>
-            <a:r>
-              <a:rPr lang="en-US" altLang="ko-KR" sz="1600" dirty="0" err="1"/>
-              <a:t>v</a:t>
-            </a:r>
-            <a:r>
-              <a:rPr lang="en-US" altLang="ko-KR" sz="1600" dirty="0" err="1" smtClean="0"/>
-              <a:t>ar</a:t>
-            </a:r>
-            <a:r>
-              <a:rPr lang="en-US" altLang="ko-KR" sz="1600" dirty="0" smtClean="0"/>
-              <a:t> slaves: </a:t>
-            </a:r>
-            <a:r>
-              <a:rPr lang="en-US" altLang="ko-KR" sz="1600" dirty="0" smtClean="0"/>
-              <a:t>List[Slave]</a:t>
-            </a:r>
-            <a:endParaRPr lang="en-US" altLang="ko-KR" sz="1600" dirty="0" smtClean="0"/>
-          </a:p>
-          <a:p>
-            <a:pPr lvl="1">
-              <a:buFontTx/>
-              <a:buChar char="-"/>
-            </a:pPr>
-            <a:r>
-              <a:rPr lang="en-US" altLang="ko-KR" sz="1600" dirty="0" err="1"/>
-              <a:t>v</a:t>
-            </a:r>
-            <a:r>
-              <a:rPr lang="en-US" altLang="ko-KR" sz="1600" dirty="0" err="1" smtClean="0"/>
-              <a:t>ar</a:t>
-            </a:r>
-            <a:r>
-              <a:rPr lang="en-US" altLang="ko-KR" sz="1600" dirty="0" smtClean="0"/>
-              <a:t> pivots: List[</a:t>
-            </a:r>
-            <a:r>
-              <a:rPr lang="en-US" altLang="ko-KR" sz="1600" dirty="0" err="1" smtClean="0"/>
-              <a:t>Int</a:t>
-            </a:r>
-            <a:r>
-              <a:rPr lang="en-US" altLang="ko-KR" sz="1600" dirty="0" smtClean="0"/>
-              <a:t>]</a:t>
-            </a:r>
-          </a:p>
-          <a:p>
-            <a:pPr lvl="1">
-              <a:buFontTx/>
-              <a:buChar char="-"/>
-            </a:pPr>
-            <a:endParaRPr lang="en-US" altLang="ko-KR" sz="1600" dirty="0"/>
-          </a:p>
-          <a:p>
-            <a:pPr marL="457200" lvl="1" indent="0">
-              <a:buNone/>
-            </a:pPr>
-            <a:r>
-              <a:rPr lang="en-US" altLang="ko-KR" sz="1600" dirty="0" smtClean="0"/>
-              <a:t>(connect</a:t>
-            </a:r>
-            <a:r>
-              <a:rPr lang="en-US" altLang="ko-KR" sz="1600" dirty="0" smtClean="0"/>
-              <a:t>)</a:t>
-            </a:r>
-            <a:endParaRPr lang="en-US" altLang="ko-KR" sz="1600" dirty="0" smtClean="0"/>
-          </a:p>
-          <a:p>
-            <a:pPr lvl="1">
-              <a:buFontTx/>
-              <a:buChar char="-"/>
-            </a:pPr>
-            <a:r>
-              <a:rPr lang="en-US" altLang="ko-KR" sz="1600" dirty="0" err="1" smtClean="0"/>
-              <a:t>connectToMaster</a:t>
-            </a:r>
-            <a:r>
-              <a:rPr lang="en-US" altLang="ko-KR" sz="1600" dirty="0" smtClean="0"/>
-              <a:t>(String, </a:t>
-            </a:r>
-            <a:r>
-              <a:rPr lang="en-US" altLang="ko-KR" sz="1600" dirty="0" err="1" smtClean="0"/>
-              <a:t>Int</a:t>
-            </a:r>
-            <a:r>
-              <a:rPr lang="en-US" altLang="ko-KR" sz="1600" dirty="0" smtClean="0"/>
-              <a:t>): </a:t>
-            </a:r>
-            <a:r>
-              <a:rPr lang="en-US" altLang="ko-KR" sz="1600" dirty="0" smtClean="0"/>
-              <a:t>Socket</a:t>
-            </a:r>
-          </a:p>
-          <a:p>
-            <a:pPr lvl="1">
-              <a:buFontTx/>
-              <a:buChar char="-"/>
-            </a:pPr>
-            <a:r>
-              <a:rPr lang="en-US" altLang="ko-KR" sz="1600" dirty="0" err="1" smtClean="0"/>
-              <a:t>getDataSize</a:t>
-            </a:r>
-            <a:r>
-              <a:rPr lang="en-US" altLang="ko-KR" sz="1600" dirty="0" smtClean="0"/>
-              <a:t>(): </a:t>
-            </a:r>
-            <a:r>
-              <a:rPr lang="en-US" altLang="ko-KR" sz="1600" dirty="0" err="1" smtClean="0"/>
-              <a:t>Int</a:t>
-            </a:r>
-            <a:endParaRPr lang="en-US" altLang="ko-KR" sz="1600" dirty="0" smtClean="0"/>
-          </a:p>
-          <a:p>
-            <a:pPr lvl="1">
-              <a:buFontTx/>
-              <a:buChar char="-"/>
-            </a:pPr>
-            <a:r>
-              <a:rPr lang="en-US" altLang="ko-KR" sz="1600" dirty="0" err="1" smtClean="0"/>
-              <a:t>sendConnectMsg</a:t>
-            </a:r>
-            <a:r>
-              <a:rPr lang="en-US" altLang="ko-KR" sz="1600" dirty="0" smtClean="0"/>
-              <a:t>(): Socket</a:t>
-            </a:r>
-            <a:endParaRPr lang="en-US" altLang="ko-KR" sz="1600" dirty="0" smtClean="0"/>
-          </a:p>
-          <a:p>
-            <a:pPr lvl="1">
-              <a:buFontTx/>
-              <a:buChar char="-"/>
-            </a:pPr>
-            <a:endParaRPr lang="en-US" altLang="ko-KR" sz="1600" dirty="0"/>
-          </a:p>
-          <a:p>
-            <a:pPr marL="457200" lvl="1" indent="0">
-              <a:buNone/>
-            </a:pPr>
-            <a:endParaRPr lang="en-US" altLang="ko-KR" dirty="0"/>
-          </a:p>
-          <a:p>
-            <a:endParaRPr lang="ko-KR" altLang="en-US" dirty="0"/>
-          </a:p>
-        </p:txBody>
-      </p:sp>
-      <p:sp>
-        <p:nvSpPr>
-          <p:cNvPr id="4" name="직사각형 3"/>
-          <p:cNvSpPr/>
-          <p:nvPr/>
-        </p:nvSpPr>
-        <p:spPr>
-          <a:xfrm>
-            <a:off x="5829528" y="510917"/>
-            <a:ext cx="6096000" cy="5755422"/>
-          </a:xfrm>
-          <a:prstGeom prst="rect">
-            <a:avLst/>
-          </a:prstGeom>
-        </p:spPr>
-        <p:txBody>
-          <a:bodyPr>
-            <a:spAutoFit/>
-          </a:bodyPr>
-          <a:lstStyle/>
-          <a:p>
-            <a:pPr lvl="1"/>
-            <a:r>
-              <a:rPr lang="en-US" altLang="ko-KR" sz="1600" dirty="0"/>
-              <a:t>(sample)</a:t>
-            </a:r>
-          </a:p>
-          <a:p>
-            <a:pPr lvl="1">
-              <a:buFontTx/>
-              <a:buChar char="-"/>
-            </a:pPr>
-            <a:r>
-              <a:rPr lang="en-US" altLang="ko-KR" sz="1600" dirty="0" smtClean="0"/>
-              <a:t> sample</a:t>
-            </a:r>
-            <a:r>
-              <a:rPr lang="en-US" altLang="ko-KR" sz="1600" dirty="0"/>
-              <a:t>(): List[Key]</a:t>
-            </a:r>
-          </a:p>
-          <a:p>
-            <a:pPr lvl="1">
-              <a:buFontTx/>
-              <a:buChar char="-"/>
-            </a:pPr>
-            <a:r>
-              <a:rPr lang="en-US" altLang="ko-KR" sz="1600" dirty="0" smtClean="0"/>
-              <a:t> </a:t>
-            </a:r>
-            <a:r>
-              <a:rPr lang="en-US" altLang="ko-KR" sz="1600" dirty="0" err="1" smtClean="0"/>
-              <a:t>sampleSingleFile</a:t>
-            </a:r>
-            <a:r>
-              <a:rPr lang="en-US" altLang="ko-KR" sz="1600" dirty="0"/>
-              <a:t>(): List[Key]</a:t>
-            </a:r>
-          </a:p>
-          <a:p>
-            <a:pPr lvl="1">
-              <a:buFontTx/>
-              <a:buChar char="-"/>
-            </a:pPr>
-            <a:r>
-              <a:rPr lang="en-US" altLang="ko-KR" sz="1600" dirty="0" smtClean="0"/>
-              <a:t> </a:t>
-            </a:r>
-            <a:r>
-              <a:rPr lang="en-US" altLang="ko-KR" sz="1600" dirty="0" err="1" smtClean="0"/>
-              <a:t>sendSampleMsg</a:t>
-            </a:r>
-            <a:r>
-              <a:rPr lang="en-US" altLang="ko-KR" sz="1600" dirty="0"/>
-              <a:t>(): Unit</a:t>
-            </a:r>
-          </a:p>
-          <a:p>
-            <a:pPr lvl="1">
-              <a:buFontTx/>
-              <a:buChar char="-"/>
-            </a:pPr>
-            <a:r>
-              <a:rPr lang="en-US" altLang="ko-KR" sz="1600" dirty="0" smtClean="0"/>
-              <a:t> </a:t>
-            </a:r>
-            <a:r>
-              <a:rPr lang="en-US" altLang="ko-KR" sz="1600" dirty="0" err="1" smtClean="0"/>
-              <a:t>recvSlaveInfoMsg</a:t>
-            </a:r>
-            <a:r>
-              <a:rPr lang="en-US" altLang="ko-KR" sz="1600" dirty="0"/>
-              <a:t>(): Future[</a:t>
-            </a:r>
-            <a:r>
-              <a:rPr lang="en-US" altLang="ko-KR" sz="1600" dirty="0" err="1"/>
-              <a:t>SlaveInfoMsg</a:t>
-            </a:r>
-            <a:r>
-              <a:rPr lang="en-US" altLang="ko-KR" sz="1600" dirty="0"/>
-              <a:t>]</a:t>
-            </a:r>
-          </a:p>
-          <a:p>
-            <a:pPr lvl="1">
-              <a:buFontTx/>
-              <a:buChar char="-"/>
-            </a:pPr>
-            <a:r>
-              <a:rPr lang="en-US" altLang="ko-KR" sz="1600" dirty="0" smtClean="0"/>
-              <a:t> </a:t>
-            </a:r>
-            <a:r>
-              <a:rPr lang="en-US" altLang="ko-KR" sz="1600" dirty="0" err="1" smtClean="0"/>
-              <a:t>updateSlaveInfo</a:t>
-            </a:r>
-            <a:r>
-              <a:rPr lang="en-US" altLang="ko-KR" sz="1600" dirty="0" smtClean="0"/>
-              <a:t>(</a:t>
-            </a:r>
-            <a:r>
-              <a:rPr lang="en-US" altLang="ko-KR" sz="1600" dirty="0" err="1" smtClean="0"/>
-              <a:t>SlaveInfoMsg</a:t>
-            </a:r>
-            <a:r>
-              <a:rPr lang="en-US" altLang="ko-KR" sz="1600" dirty="0"/>
-              <a:t>): </a:t>
-            </a:r>
-            <a:r>
-              <a:rPr lang="en-US" altLang="ko-KR" sz="1600" dirty="0" smtClean="0"/>
-              <a:t>Unit</a:t>
-            </a:r>
-          </a:p>
-          <a:p>
-            <a:pPr lvl="1">
-              <a:buFontTx/>
-              <a:buChar char="-"/>
-            </a:pPr>
-            <a:endParaRPr lang="en-US" altLang="ko-KR" sz="1600" dirty="0" smtClean="0"/>
-          </a:p>
-          <a:p>
-            <a:pPr lvl="1"/>
-            <a:r>
-              <a:rPr lang="en-US" altLang="ko-KR" sz="1600" dirty="0" smtClean="0"/>
-              <a:t>(Compute)</a:t>
-            </a:r>
-            <a:endParaRPr lang="en-US" altLang="ko-KR" sz="1600" dirty="0"/>
-          </a:p>
-          <a:p>
-            <a:pPr lvl="1">
-              <a:buFontTx/>
-              <a:buChar char="-"/>
-            </a:pPr>
-            <a:r>
-              <a:rPr lang="en-US" altLang="ko-KR" sz="1600" dirty="0" smtClean="0"/>
-              <a:t> </a:t>
-            </a:r>
-            <a:r>
-              <a:rPr lang="en-US" altLang="ko-KR" sz="1600" dirty="0" err="1" smtClean="0"/>
-              <a:t>recvPartitions</a:t>
-            </a:r>
-            <a:r>
-              <a:rPr lang="en-US" altLang="ko-KR" sz="1600" dirty="0" smtClean="0"/>
-              <a:t>(): Future[Unit]</a:t>
-            </a:r>
-          </a:p>
-          <a:p>
-            <a:pPr lvl="1">
-              <a:buFontTx/>
-              <a:buChar char="-"/>
-            </a:pPr>
-            <a:r>
-              <a:rPr lang="en-US" altLang="ko-KR" sz="1600" dirty="0" smtClean="0"/>
-              <a:t> </a:t>
-            </a:r>
-            <a:r>
-              <a:rPr lang="en-US" altLang="ko-KR" sz="1600" dirty="0" err="1" smtClean="0"/>
-              <a:t>recvFromSingleSlave</a:t>
-            </a:r>
-            <a:r>
-              <a:rPr lang="en-US" altLang="ko-KR" sz="1600" dirty="0" smtClean="0"/>
-              <a:t>(): Future[Unit]</a:t>
-            </a:r>
-          </a:p>
-          <a:p>
-            <a:pPr lvl="1">
-              <a:buFontTx/>
-              <a:buChar char="-"/>
-            </a:pPr>
-            <a:endParaRPr lang="en-US" altLang="ko-KR" sz="1600" dirty="0"/>
-          </a:p>
-          <a:p>
-            <a:pPr lvl="1">
-              <a:buFontTx/>
-              <a:buChar char="-"/>
-            </a:pPr>
-            <a:r>
-              <a:rPr lang="en-US" altLang="ko-KR" sz="1600" dirty="0" smtClean="0"/>
-              <a:t> </a:t>
-            </a:r>
-            <a:r>
-              <a:rPr lang="en-US" altLang="ko-KR" sz="1600" dirty="0"/>
-              <a:t>p</a:t>
-            </a:r>
-            <a:r>
-              <a:rPr lang="en-US" altLang="ko-KR" sz="1600" dirty="0" smtClean="0"/>
-              <a:t>artition(): Future[Unit]</a:t>
-            </a:r>
-          </a:p>
-          <a:p>
-            <a:pPr lvl="1">
-              <a:buFontTx/>
-              <a:buChar char="-"/>
-            </a:pPr>
-            <a:r>
-              <a:rPr lang="en-US" altLang="ko-KR" sz="1600" dirty="0"/>
-              <a:t> </a:t>
-            </a:r>
-            <a:r>
-              <a:rPr lang="en-US" altLang="ko-KR" sz="1600" dirty="0" err="1" smtClean="0"/>
-              <a:t>partitionSingleFile</a:t>
-            </a:r>
-            <a:r>
-              <a:rPr lang="en-US" altLang="ko-KR" sz="1600" dirty="0" smtClean="0"/>
-              <a:t>(String): Unit</a:t>
-            </a:r>
-          </a:p>
-          <a:p>
-            <a:pPr lvl="1">
-              <a:buFontTx/>
-              <a:buChar char="-"/>
-            </a:pPr>
-            <a:endParaRPr lang="en-US" altLang="ko-KR" sz="1600" dirty="0"/>
-          </a:p>
-          <a:p>
-            <a:pPr lvl="1">
-              <a:buFontTx/>
-              <a:buChar char="-"/>
-            </a:pPr>
-            <a:r>
-              <a:rPr lang="en-US" altLang="ko-KR" sz="1600" dirty="0" smtClean="0"/>
-              <a:t> sort(): Future[Unit]</a:t>
-            </a:r>
-          </a:p>
-          <a:p>
-            <a:pPr lvl="1">
-              <a:buFontTx/>
-              <a:buChar char="-"/>
-            </a:pPr>
-            <a:r>
-              <a:rPr lang="en-US" altLang="ko-KR" sz="1600" dirty="0"/>
-              <a:t> </a:t>
-            </a:r>
-            <a:r>
-              <a:rPr lang="en-US" altLang="ko-KR" sz="1600" dirty="0" err="1" smtClean="0"/>
-              <a:t>sortSingleFile</a:t>
-            </a:r>
-            <a:r>
-              <a:rPr lang="en-US" altLang="ko-KR" sz="1600" dirty="0" smtClean="0"/>
-              <a:t>(String): Unit</a:t>
-            </a:r>
-          </a:p>
-          <a:p>
-            <a:pPr lvl="1">
-              <a:buFontTx/>
-              <a:buChar char="-"/>
-            </a:pPr>
-            <a:endParaRPr lang="en-US" altLang="ko-KR" sz="1600" dirty="0"/>
-          </a:p>
-          <a:p>
-            <a:pPr lvl="1">
-              <a:buFontTx/>
-              <a:buChar char="-"/>
-            </a:pPr>
-            <a:r>
-              <a:rPr lang="en-US" altLang="ko-KR" sz="1600" dirty="0"/>
-              <a:t> </a:t>
-            </a:r>
-            <a:r>
-              <a:rPr lang="en-US" altLang="ko-KR" sz="1600" dirty="0" smtClean="0"/>
-              <a:t>shuffle(): Future[Unit]</a:t>
-            </a:r>
-          </a:p>
-          <a:p>
-            <a:pPr lvl="1">
-              <a:buFontTx/>
-              <a:buChar char="-"/>
-            </a:pPr>
-            <a:endParaRPr lang="en-US" altLang="ko-KR" sz="1600" dirty="0"/>
-          </a:p>
-          <a:p>
-            <a:pPr lvl="1">
-              <a:buFontTx/>
-              <a:buChar char="-"/>
-            </a:pPr>
-            <a:r>
-              <a:rPr lang="en-US" altLang="ko-KR" sz="1600" dirty="0"/>
-              <a:t> </a:t>
-            </a:r>
-            <a:r>
-              <a:rPr lang="en-US" altLang="ko-KR" sz="1600" dirty="0" err="1" smtClean="0"/>
-              <a:t>sendPartitions</a:t>
-            </a:r>
-            <a:r>
-              <a:rPr lang="en-US" altLang="ko-KR" sz="1600" dirty="0" smtClean="0"/>
-              <a:t>(): Future[Unit]</a:t>
-            </a:r>
-          </a:p>
-          <a:p>
-            <a:pPr lvl="1">
-              <a:buFontTx/>
-              <a:buChar char="-"/>
-            </a:pPr>
-            <a:r>
-              <a:rPr lang="en-US" altLang="ko-KR" sz="1600" dirty="0" smtClean="0"/>
-              <a:t> </a:t>
-            </a:r>
-            <a:r>
-              <a:rPr lang="en-US" altLang="ko-KR" sz="1600" dirty="0" err="1" smtClean="0"/>
-              <a:t>sendPartitionTo</a:t>
-            </a:r>
-            <a:r>
-              <a:rPr lang="en-US" altLang="ko-KR" sz="1600" dirty="0" smtClean="0"/>
-              <a:t>(Slave): Unit</a:t>
-            </a:r>
-          </a:p>
-          <a:p>
-            <a:pPr lvl="1">
-              <a:buFontTx/>
-              <a:buChar char="-"/>
-            </a:pPr>
-            <a:endParaRPr lang="en-US" altLang="ko-KR" sz="1600" dirty="0"/>
-          </a:p>
-          <a:p>
-            <a:pPr lvl="1">
-              <a:buFontTx/>
-              <a:buChar char="-"/>
-            </a:pPr>
-            <a:r>
-              <a:rPr lang="en-US" altLang="ko-KR" sz="1600" dirty="0"/>
-              <a:t> </a:t>
-            </a:r>
-            <a:r>
-              <a:rPr lang="en-US" altLang="ko-KR" sz="1600" dirty="0" err="1" smtClean="0"/>
-              <a:t>sendDoneMsg</a:t>
-            </a:r>
-            <a:r>
-              <a:rPr lang="en-US" altLang="ko-KR" sz="1600" dirty="0" smtClean="0"/>
-              <a:t>(): Unit</a:t>
-            </a:r>
           </a:p>
         </p:txBody>
       </p:sp>
     </p:spTree>
     <p:extLst>
       <p:ext uri="{BB962C8B-B14F-4D97-AF65-F5344CB8AC3E}">
-        <p14:creationId xmlns:p14="http://schemas.microsoft.com/office/powerpoint/2010/main" val="4159145072"/>
+        <p14:creationId xmlns:p14="http://schemas.microsoft.com/office/powerpoint/2010/main" val="946132181"/>
       </p:ext>
     </p:extLst>
   </p:cSld>
@@ -8594,6 +8340,74 @@
       </p:par>
     </p:tnLst>
   </p:timing>
+</p:sld>
+</file>
+
+<file path=ppt/slides/slide27.xml><?xml version="1.0" encoding="utf-8"?>
+<p:sld xmlns:a="http://schemas.openxmlformats.org/drawingml/2006/main" xmlns:r="http://schemas.openxmlformats.org/officeDocument/2006/relationships" xmlns:p="http://schemas.openxmlformats.org/presentationml/2006/main">
+  <p:cSld>
+    <p:spTree>
+      <p:nvGrpSpPr>
+        <p:cNvPr id="1" name=""/>
+        <p:cNvGrpSpPr/>
+        <p:nvPr/>
+      </p:nvGrpSpPr>
+      <p:grpSpPr>
+        <a:xfrm>
+          <a:off x="0" y="0"/>
+          <a:ext cx="0" cy="0"/>
+          <a:chOff x="0" y="0"/>
+          <a:chExt cx="0" cy="0"/>
+        </a:xfrm>
+      </p:grpSpPr>
+      <p:sp>
+        <p:nvSpPr>
+          <p:cNvPr id="2" name="제목 1"/>
+          <p:cNvSpPr>
+            <a:spLocks noGrp="1"/>
+          </p:cNvSpPr>
+          <p:nvPr>
+            <p:ph type="title"/>
+          </p:nvPr>
+        </p:nvSpPr>
+        <p:spPr/>
+        <p:txBody>
+          <a:bodyPr/>
+          <a:lstStyle/>
+          <a:p>
+            <a:endParaRPr lang="ko-KR" altLang="en-US"/>
+          </a:p>
+        </p:txBody>
+      </p:sp>
+      <p:sp>
+        <p:nvSpPr>
+          <p:cNvPr id="3" name="내용 개체 틀 2"/>
+          <p:cNvSpPr>
+            <a:spLocks noGrp="1"/>
+          </p:cNvSpPr>
+          <p:nvPr>
+            <p:ph idx="1"/>
+          </p:nvPr>
+        </p:nvSpPr>
+        <p:spPr/>
+        <p:txBody>
+          <a:bodyPr/>
+          <a:lstStyle/>
+          <a:p>
+            <a:endParaRPr lang="ko-KR" altLang="en-US"/>
+          </a:p>
+        </p:txBody>
+      </p:sp>
+    </p:spTree>
+    <p:extLst>
+      <p:ext uri="{BB962C8B-B14F-4D97-AF65-F5344CB8AC3E}">
+        <p14:creationId xmlns:p14="http://schemas.microsoft.com/office/powerpoint/2010/main" val="3215969989"/>
+      </p:ext>
+    </p:extLst>
+  </p:cSld>
+  <p:clrMapOvr>
+    <a:masterClrMapping/>
+  </p:clrMapOvr>
 </p:sld>
 </file>
 
@@ -8658,7 +8472,11 @@
             </a:r>
             <a:r>
               <a:rPr lang="en-US" altLang="ko-KR" dirty="0" smtClean="0"/>
-              <a:t> as byte[]</a:t>
+              <a:t> as </a:t>
+            </a:r>
+            <a:r>
+              <a:rPr lang="en-US" altLang="ko-KR" dirty="0" smtClean="0"/>
+              <a:t>Array[Byte]</a:t>
             </a:r>
             <a:endParaRPr lang="ko-KR" altLang="en-US" dirty="0"/>
           </a:p>
@@ -8775,7 +8593,7 @@
           <p:nvPr>
             <p:extLst>
               <p:ext uri="{D42A27DB-BD31-4B8C-83A1-F6EECF244321}">
-                <p14:modId xmlns:p14="http://schemas.microsoft.com/office/powerpoint/2010/main" val="2164592567"/>
+                <p14:modId xmlns:p14="http://schemas.microsoft.com/office/powerpoint/2010/main" val="990635603"/>
               </p:ext>
             </p:extLst>
           </p:nvPr>
@@ -9107,7 +8925,23 @@
                       </a:r>
                       <a:r>
                         <a:rPr lang="en-US" altLang="ko-KR" sz="1400" baseline="0" dirty="0" smtClean="0"/>
-                        <a:t> (4 bytes, Integer) * ((# of slaves) - 1)</a:t>
+                        <a:t> </a:t>
+                      </a:r>
+                      <a:r>
+                        <a:rPr lang="en-US" altLang="ko-KR" sz="1400" baseline="0" dirty="0" smtClean="0"/>
+                        <a:t>(10 </a:t>
+                      </a:r>
+                      <a:r>
+                        <a:rPr lang="en-US" altLang="ko-KR" sz="1400" baseline="0" dirty="0" smtClean="0"/>
+                        <a:t>bytes, </a:t>
+                      </a:r>
+                      <a:r>
+                        <a:rPr lang="en-US" altLang="ko-KR" sz="1400" baseline="0" dirty="0" smtClean="0"/>
+                        <a:t>Key) </a:t>
+                      </a:r>
+                      <a:r>
+                        <a:rPr lang="en-US" altLang="ko-KR" sz="1400" baseline="0" dirty="0" smtClean="0"/>
+                        <a:t>* ((# of slaves) - 1)</a:t>
                       </a:r>
                       <a:endParaRPr lang="ko-KR" altLang="en-US" sz="1400" b="0" dirty="0"/>
                     </a:p>
@@ -9245,55 +9079,13 @@
       </p:sp>
       <p:sp>
         <p:nvSpPr>
-          <p:cNvPr id="4" name="모서리가 둥근 직사각형 3"/>
-          <p:cNvSpPr/>
-          <p:nvPr/>
-        </p:nvSpPr>
-        <p:spPr>
-          <a:xfrm>
-            <a:off x="2264218" y="1699047"/>
-            <a:ext cx="1507182" cy="272247"/>
-          </a:xfrm>
-          <a:prstGeom prst="roundRect">
-            <a:avLst/>
-          </a:prstGeom>
-        </p:spPr>
-        <p:style>
-          <a:lnRef idx="1">
-            <a:schemeClr val="accent6"/>
-          </a:lnRef>
-          <a:fillRef idx="2">
-            <a:schemeClr val="accent6"/>
-          </a:fillRef>
-          <a:effectRef idx="1">
-            <a:schemeClr val="accent6"/>
-          </a:effectRef>
-          <a:fontRef idx="minor">
-            <a:schemeClr val="dk1"/>
-          </a:fontRef>
-        </p:style>
-        <p:txBody>
-          <a:bodyPr rtlCol="0" anchor="ctr"/>
-          <a:lstStyle/>
-          <a:p>
-            <a:pPr algn="ctr"/>
-            <a:r>
-              <a:rPr lang="en-US" altLang="ko-KR" sz="1400" dirty="0" err="1" smtClean="0"/>
-              <a:t>ConnectMsg</a:t>
-            </a:r>
-            <a:endParaRPr lang="ko-KR" altLang="en-US" sz="1400" dirty="0"/>
-          </a:p>
-        </p:txBody>
-      </p:sp>
-      <p:sp>
-        <p:nvSpPr>
           <p:cNvPr id="5" name="모서리가 둥근 직사각형 4"/>
           <p:cNvSpPr/>
           <p:nvPr/>
         </p:nvSpPr>
         <p:spPr>
           <a:xfrm>
-            <a:off x="5253814" y="1699046"/>
+            <a:off x="1885248" y="1662412"/>
             <a:ext cx="1507182" cy="272247"/>
           </a:xfrm>
           <a:prstGeom prst="roundRect">
@@ -9335,7 +9127,7 @@
         </p:nvSpPr>
         <p:spPr>
           <a:xfrm>
-            <a:off x="8243411" y="1663010"/>
+            <a:off x="6530219" y="1663010"/>
             <a:ext cx="1507182" cy="272247"/>
           </a:xfrm>
           <a:prstGeom prst="roundRect">
@@ -9378,14 +9170,14 @@
           <p:nvPr>
             <p:extLst>
               <p:ext uri="{D42A27DB-BD31-4B8C-83A1-F6EECF244321}">
-                <p14:modId xmlns:p14="http://schemas.microsoft.com/office/powerpoint/2010/main" val="287554252"/>
+                <p14:modId xmlns:p14="http://schemas.microsoft.com/office/powerpoint/2010/main" val="2590230371"/>
               </p:ext>
             </p:extLst>
           </p:nvPr>
         </p:nvGraphicFramePr>
         <p:xfrm>
-          <a:off x="753948" y="2179228"/>
-          <a:ext cx="10408373" cy="4499679"/>
+          <a:off x="753947" y="2179228"/>
+          <a:ext cx="10418551" cy="4499679"/>
         </p:xfrm>
         <a:graphic>
           <a:graphicData uri="http://schemas.openxmlformats.org/drawingml/2006/table">
@@ -9394,31 +9186,24 @@
                 <a:tableStyleId>{8799B23B-EC83-4686-B30A-512413B5E67A}</a:tableStyleId>
               </a:tblPr>
               <a:tblGrid>
-                <a:gridCol w="1488866">
+                <a:gridCol w="1101129">
                   <a:extLst>
                     <a:ext uri="{9D8B030D-6E8A-4147-A177-3AD203B41FA5}">
                       <a16:colId xmlns:a16="http://schemas.microsoft.com/office/drawing/2014/main" val="604446546"/>
                     </a:ext>
                   </a:extLst>
                 </a:gridCol>
-                <a:gridCol w="2973169">
+                <a:gridCol w="4658711">
                   <a:extLst>
                     <a:ext uri="{9D8B030D-6E8A-4147-A177-3AD203B41FA5}">
                       <a16:colId xmlns:a16="http://schemas.microsoft.com/office/drawing/2014/main" val="2603215225"/>
                     </a:ext>
                   </a:extLst>
                 </a:gridCol>
-                <a:gridCol w="2973169">
+                <a:gridCol w="4658711">
                   <a:extLst>
                     <a:ext uri="{9D8B030D-6E8A-4147-A177-3AD203B41FA5}">
-                      <a16:colId xmlns:a16="http://schemas.microsoft.com/office/drawing/2014/main" val="2966114200"/>
-                    </a:ext>
-                  </a:extLst>
-                </a:gridCol>
-                <a:gridCol w="2973169">
-                  <a:extLst>
-                    <a:ext uri="{9D8B030D-6E8A-4147-A177-3AD203B41FA5}">
-                      <a16:colId xmlns:a16="http://schemas.microsoft.com/office/drawing/2014/main" val="299043731"/>
+                      <a16:colId xmlns:a16="http://schemas.microsoft.com/office/drawing/2014/main" val="4118218168"/>
                     </a:ext>
                   </a:extLst>
                 </a:gridCol>
@@ -9435,20 +9220,6 @@
                         <a:t>Purpose</a:t>
                       </a:r>
                       <a:endParaRPr lang="ko-KR" altLang="en-US" sz="1400" b="0" dirty="0"/>
-                    </a:p>
-                  </a:txBody>
-                  <a:tcPr/>
-                </a:tc>
-                <a:tc>
-                  <a:txBody>
-                    <a:bodyPr/>
-                    <a:lstStyle/>
-                    <a:p>
-                      <a:pPr latinLnBrk="1"/>
-                      <a:r>
-                        <a:rPr lang="en-US" altLang="ko-KR" sz="1400" b="0" baseline="0" dirty="0" smtClean="0"/>
-                        <a:t>Connect to master</a:t>
-                      </a:r>
                     </a:p>
                   </a:txBody>
                   <a:tcPr/>
@@ -9502,21 +9273,6 @@
                       <a:r>
                         <a:rPr lang="en-US" altLang="ko-KR" sz="1400" b="0" dirty="0" smtClean="0"/>
                         <a:t>When</a:t>
-                      </a:r>
-                      <a:endParaRPr lang="ko-KR" altLang="en-US" sz="1400" b="0" dirty="0"/>
-                    </a:p>
-                  </a:txBody>
-                  <a:tcPr/>
-                </a:tc>
-                <a:tc>
-                  <a:txBody>
-                    <a:bodyPr/>
-                    <a:lstStyle/>
-                    <a:p>
-                      <a:pPr latinLnBrk="1"/>
-                      <a:r>
-                        <a:rPr lang="en-US" altLang="ko-KR" sz="1400" b="0" dirty="0" smtClean="0"/>
-                        <a:t>Try to connect to master</a:t>
                       </a:r>
                       <a:endParaRPr lang="ko-KR" altLang="en-US" sz="1400" b="0" dirty="0"/>
                     </a:p>
@@ -9586,17 +9342,9 @@
                       </a:pPr>
                       <a:r>
                         <a:rPr lang="en-US" altLang="ko-KR" sz="1400" b="0" dirty="0" smtClean="0"/>
-                        <a:t>Size of data</a:t>
+                        <a:t># of data</a:t>
                       </a:r>
-                      <a:endParaRPr lang="ko-KR" altLang="en-US" sz="1400" b="0" dirty="0"/>
                     </a:p>
-                  </a:txBody>
-                  <a:tcPr/>
-                </a:tc>
-                <a:tc>
-                  <a:txBody>
-                    <a:bodyPr/>
-                    <a:lstStyle/>
                     <a:p>
                       <a:pPr marL="285750" indent="-285750" latinLnBrk="1">
                         <a:buFontTx/>
@@ -9604,7 +9352,11 @@
                       </a:pPr>
                       <a:r>
                         <a:rPr lang="en-US" altLang="ko-KR" sz="1400" b="0" dirty="0" smtClean="0"/>
-                        <a:t># of samples</a:t>
+                        <a:t># </a:t>
+                      </a:r>
+                      <a:r>
+                        <a:rPr lang="en-US" altLang="ko-KR" sz="1400" b="0" dirty="0" smtClean="0"/>
+                        <a:t>of samples</a:t>
                       </a:r>
                     </a:p>
                     <a:p>
@@ -9691,47 +9443,8 @@
                         <a:buChar char="-"/>
                       </a:pPr>
                       <a:r>
-                        <a:rPr lang="en-US" altLang="ko-KR" sz="1400" b="0" dirty="0" smtClean="0"/>
-                        <a:t>Size</a:t>
-                      </a:r>
-                      <a:r>
                         <a:rPr lang="en-US" altLang="ko-KR" sz="1400" b="0" baseline="0" dirty="0" smtClean="0"/>
-                        <a:t> (4 bytes, Integer)</a:t>
-                      </a:r>
-                      <a:endParaRPr lang="ko-KR" altLang="en-US" sz="1400" b="0" dirty="0"/>
-                    </a:p>
-                  </a:txBody>
-                  <a:tcPr/>
-                </a:tc>
-                <a:tc>
-                  <a:txBody>
-                    <a:bodyPr/>
-                    <a:lstStyle/>
-                    <a:p>
-                      <a:pPr marL="285750" marR="0" indent="-285750" algn="l" defTabSz="914400" rtl="0" eaLnBrk="1" fontAlgn="auto" latinLnBrk="1" hangingPunct="1">
-                        <a:lnSpc>
-                          <a:spcPct val="100000"/>
-                        </a:lnSpc>
-                        <a:spcBef>
-                          <a:spcPts val="0"/>
-                        </a:spcBef>
-                        <a:spcAft>
-                          <a:spcPts val="0"/>
-                        </a:spcAft>
-                        <a:buClrTx/>
-                        <a:buSzTx/>
-                        <a:buFontTx/>
-                        <a:buChar char="-"/>
-                        <a:tabLst/>
-                        <a:defRPr/>
-                      </a:pPr>
-                      <a:r>
-                        <a:rPr lang="en-US" altLang="ko-KR" sz="1400" dirty="0" smtClean="0"/>
-                        <a:t>Message</a:t>
-                      </a:r>
-                      <a:r>
-                        <a:rPr lang="en-US" altLang="ko-KR" sz="1400" baseline="0" dirty="0" smtClean="0"/>
-                        <a:t> type (4 bytes, Integer)</a:t>
+                        <a:t># of data (8 bytes, Long)</a:t>
                       </a:r>
                     </a:p>
                     <a:p>
@@ -9741,7 +9454,11 @@
                       </a:pPr>
                       <a:r>
                         <a:rPr lang="en-US" altLang="ko-KR" sz="1400" b="0" baseline="0" dirty="0" smtClean="0"/>
-                        <a:t># of samples (4 bytes, Integer)</a:t>
+                        <a:t># </a:t>
+                      </a:r>
+                      <a:r>
+                        <a:rPr lang="en-US" altLang="ko-KR" sz="1400" b="0" baseline="0" dirty="0" smtClean="0"/>
+                        <a:t>of samples (4 bytes, Integer)</a:t>
                       </a:r>
                     </a:p>
                     <a:p>
@@ -9777,13 +9494,6 @@
                         <a:buNone/>
                       </a:pPr>
                       <a:endParaRPr lang="ko-KR" altLang="en-US" sz="1400" b="0" dirty="0" smtClean="0"/>
-                    </a:p>
-                    <a:p>
-                      <a:pPr marL="285750" indent="-285750" latinLnBrk="1">
-                        <a:buFontTx/>
-                        <a:buChar char="-"/>
-                      </a:pPr>
-                      <a:endParaRPr lang="ko-KR" altLang="en-US" sz="1400" b="0" dirty="0"/>
                     </a:p>
                   </a:txBody>
                   <a:tcPr/>
@@ -10519,13 +10229,13 @@
       </p:sp>
       <p:sp>
         <p:nvSpPr>
-          <p:cNvPr id="38" name="타원 37"/>
+          <p:cNvPr id="39" name="타원 38"/>
           <p:cNvSpPr/>
           <p:nvPr/>
         </p:nvSpPr>
         <p:spPr>
           <a:xfrm>
-            <a:off x="964877" y="2587846"/>
+            <a:off x="878384" y="2902149"/>
             <a:ext cx="1485530" cy="1166270"/>
           </a:xfrm>
           <a:prstGeom prst="ellipse">
@@ -10553,7 +10263,7 @@
             <a:pPr algn="ctr"/>
             <a:r>
               <a:rPr lang="en-US" altLang="ko-KR" dirty="0" smtClean="0"/>
-              <a:t>Connect</a:t>
+              <a:t>Sample</a:t>
             </a:r>
             <a:endParaRPr lang="ko-KR" altLang="en-US" dirty="0"/>
           </a:p>
@@ -10561,13 +10271,13 @@
       </p:sp>
       <p:sp>
         <p:nvSpPr>
-          <p:cNvPr id="39" name="타원 38"/>
+          <p:cNvPr id="40" name="타원 39"/>
           <p:cNvSpPr/>
           <p:nvPr/>
         </p:nvSpPr>
         <p:spPr>
           <a:xfrm>
-            <a:off x="2372763" y="4187962"/>
+            <a:off x="3558732" y="4399316"/>
             <a:ext cx="1485530" cy="1166270"/>
           </a:xfrm>
           <a:prstGeom prst="ellipse">
@@ -10594,8 +10304,8 @@
           <a:p>
             <a:pPr algn="ctr"/>
             <a:r>
-              <a:rPr lang="en-US" altLang="ko-KR" dirty="0" smtClean="0"/>
-              <a:t>Sample</a:t>
+              <a:rPr lang="en-US" altLang="ko-KR" dirty="0" err="1" smtClean="0"/>
+              <a:t>Calc</a:t>
             </a:r>
             <a:endParaRPr lang="ko-KR" altLang="en-US" dirty="0"/>
           </a:p>
@@ -10603,13 +10313,13 @@
       </p:sp>
       <p:sp>
         <p:nvSpPr>
-          <p:cNvPr id="40" name="타원 39"/>
+          <p:cNvPr id="41" name="타원 40"/>
           <p:cNvSpPr/>
           <p:nvPr/>
         </p:nvSpPr>
         <p:spPr>
           <a:xfrm>
-            <a:off x="4704424" y="5164072"/>
+            <a:off x="10117535" y="4699373"/>
             <a:ext cx="1485530" cy="1166270"/>
           </a:xfrm>
           <a:prstGeom prst="ellipse">
@@ -10636,48 +10346,6 @@
           <a:p>
             <a:pPr algn="ctr"/>
             <a:r>
-              <a:rPr lang="en-US" altLang="ko-KR" dirty="0" err="1" smtClean="0"/>
-              <a:t>Calc</a:t>
-            </a:r>
-            <a:endParaRPr lang="ko-KR" altLang="en-US" dirty="0"/>
-          </a:p>
-        </p:txBody>
-      </p:sp>
-      <p:sp>
-        <p:nvSpPr>
-          <p:cNvPr id="41" name="타원 40"/>
-          <p:cNvSpPr/>
-          <p:nvPr/>
-        </p:nvSpPr>
-        <p:spPr>
-          <a:xfrm>
-            <a:off x="10117535" y="4699373"/>
-            <a:ext cx="1485530" cy="1166270"/>
-          </a:xfrm>
-          <a:prstGeom prst="ellipse">
-            <a:avLst/>
-          </a:prstGeom>
-        </p:spPr>
-        <p:style>
-          <a:lnRef idx="1">
-            <a:schemeClr val="accent4"/>
-          </a:lnRef>
-          <a:fillRef idx="2">
-            <a:schemeClr val="accent4"/>
-          </a:fillRef>
-          <a:effectRef idx="1">
-            <a:schemeClr val="accent4"/>
-          </a:effectRef>
-          <a:fontRef idx="minor">
-            <a:schemeClr val="dk1"/>
-          </a:fontRef>
-        </p:style>
-        <p:txBody>
-          <a:bodyPr rtlCol="0" anchor="ctr"/>
-          <a:lstStyle/>
-          <a:p>
-            <a:pPr algn="ctr"/>
-            <a:r>
               <a:rPr lang="en-US" altLang="ko-KR" dirty="0" smtClean="0"/>
               <a:t>Success</a:t>
             </a:r>
@@ -10690,7 +10358,6 @@
           <p:cNvPr id="13" name="구부러진 연결선 12"/>
           <p:cNvCxnSpPr>
             <a:stCxn id="7" idx="4"/>
-            <a:endCxn id="38" idx="2"/>
           </p:cNvCxnSpPr>
           <p:nvPr/>
         </p:nvCxnSpPr>
@@ -10704,42 +10371,6 @@
               <a:gd name="adj1" fmla="val 30591"/>
               <a:gd name="adj2" fmla="val 152504"/>
             </a:avLst>
-          </a:prstGeom>
-          <a:ln>
-            <a:tailEnd type="triangle"/>
-          </a:ln>
-        </p:spPr>
-        <p:style>
-          <a:lnRef idx="1">
-            <a:schemeClr val="accent1"/>
-          </a:lnRef>
-          <a:fillRef idx="0">
-            <a:schemeClr val="accent1"/>
-          </a:fillRef>
-          <a:effectRef idx="0">
-            <a:schemeClr val="accent1"/>
-          </a:effectRef>
-          <a:fontRef idx="minor">
-            <a:schemeClr val="tx1"/>
-          </a:fontRef>
-        </p:style>
-      </p:cxnSp>
-      <p:cxnSp>
-        <p:nvCxnSpPr>
-          <p:cNvPr id="48" name="구부러진 연결선 47"/>
-          <p:cNvCxnSpPr>
-            <a:stCxn id="38" idx="4"/>
-            <a:endCxn id="39" idx="2"/>
-          </p:cNvCxnSpPr>
-          <p:nvPr/>
-        </p:nvCxnSpPr>
-        <p:spPr>
-          <a:xfrm rot="16200000" flipH="1">
-            <a:off x="1531712" y="3930045"/>
-            <a:ext cx="1016981" cy="665121"/>
-          </a:xfrm>
-          <a:prstGeom prst="curvedConnector2">
-            <a:avLst/>
           </a:prstGeom>
           <a:ln>
             <a:tailEnd type="triangle"/>
@@ -10771,8 +10402,8 @@
         </p:nvCxnSpPr>
         <p:spPr>
           <a:xfrm rot="16200000" flipH="1">
-            <a:off x="3890698" y="4933480"/>
-            <a:ext cx="563771" cy="1063682"/>
+            <a:off x="2310133" y="3733852"/>
+            <a:ext cx="1084828" cy="1412369"/>
           </a:xfrm>
           <a:prstGeom prst="curvedConnector2">
             <a:avLst/>
@@ -10806,15 +10437,12 @@
           <p:nvPr/>
         </p:nvCxnSpPr>
         <p:spPr>
-          <a:xfrm rot="5400000" flipH="1" flipV="1">
-            <a:off x="6888567" y="5232556"/>
-            <a:ext cx="10825" cy="1843155"/>
-          </a:xfrm>
-          <a:prstGeom prst="curvedConnector4">
-            <a:avLst>
-              <a:gd name="adj1" fmla="val -2111778"/>
-              <a:gd name="adj2" fmla="val 55902"/>
-            </a:avLst>
+          <a:xfrm rot="16200000" flipH="1">
+            <a:off x="5241889" y="4979611"/>
+            <a:ext cx="753931" cy="1584287"/>
+          </a:xfrm>
+          <a:prstGeom prst="curvedConnector2">
+            <a:avLst/>
           </a:prstGeom>
           <a:ln>
             <a:tailEnd type="triangle"/>
@@ -10876,45 +10504,6 @@
       </p:cxnSp>
       <p:cxnSp>
         <p:nvCxnSpPr>
-          <p:cNvPr id="89" name="구부러진 연결선 88"/>
-          <p:cNvCxnSpPr>
-            <a:stCxn id="38" idx="6"/>
-            <a:endCxn id="38" idx="0"/>
-          </p:cNvCxnSpPr>
-          <p:nvPr/>
-        </p:nvCxnSpPr>
-        <p:spPr>
-          <a:xfrm flipH="1" flipV="1">
-            <a:off x="1707642" y="2587846"/>
-            <a:ext cx="742765" cy="583135"/>
-          </a:xfrm>
-          <a:prstGeom prst="curvedConnector4">
-            <a:avLst>
-              <a:gd name="adj1" fmla="val -30777"/>
-              <a:gd name="adj2" fmla="val 139202"/>
-            </a:avLst>
-          </a:prstGeom>
-          <a:ln>
-            <a:tailEnd type="triangle"/>
-          </a:ln>
-        </p:spPr>
-        <p:style>
-          <a:lnRef idx="1">
-            <a:schemeClr val="accent1"/>
-          </a:lnRef>
-          <a:fillRef idx="0">
-            <a:schemeClr val="accent1"/>
-          </a:fillRef>
-          <a:effectRef idx="0">
-            <a:schemeClr val="accent1"/>
-          </a:effectRef>
-          <a:fontRef idx="minor">
-            <a:schemeClr val="tx1"/>
-          </a:fontRef>
-        </p:style>
-      </p:cxnSp>
-      <p:cxnSp>
-        <p:nvCxnSpPr>
           <p:cNvPr id="92" name="구부러진 연결선 91"/>
           <p:cNvCxnSpPr>
             <a:stCxn id="39" idx="6"/>
@@ -10924,7 +10513,7 @@
         </p:nvCxnSpPr>
         <p:spPr>
           <a:xfrm flipH="1" flipV="1">
-            <a:off x="3115528" y="4187962"/>
+            <a:off x="1621149" y="2902149"/>
             <a:ext cx="742765" cy="583135"/>
           </a:xfrm>
           <a:prstGeom prst="curvedConnector4">
@@ -10963,7 +10552,7 @@
         </p:nvCxnSpPr>
         <p:spPr>
           <a:xfrm flipH="1" flipV="1">
-            <a:off x="5447189" y="5164072"/>
+            <a:off x="4301497" y="4399316"/>
             <a:ext cx="742765" cy="583135"/>
           </a:xfrm>
           <a:prstGeom prst="curvedConnector4">
@@ -10993,90 +10582,6 @@
       </p:cxnSp>
       <p:sp>
         <p:nvSpPr>
-          <p:cNvPr id="97" name="모서리가 둥근 직사각형 96"/>
-          <p:cNvSpPr/>
-          <p:nvPr/>
-        </p:nvSpPr>
-        <p:spPr>
-          <a:xfrm>
-            <a:off x="3215454" y="3521532"/>
-            <a:ext cx="1507182" cy="272247"/>
-          </a:xfrm>
-          <a:prstGeom prst="roundRect">
-            <a:avLst/>
-          </a:prstGeom>
-        </p:spPr>
-        <p:style>
-          <a:lnRef idx="1">
-            <a:schemeClr val="accent6"/>
-          </a:lnRef>
-          <a:fillRef idx="2">
-            <a:schemeClr val="accent6"/>
-          </a:fillRef>
-          <a:effectRef idx="1">
-            <a:schemeClr val="accent6"/>
-          </a:effectRef>
-          <a:fontRef idx="minor">
-            <a:schemeClr val="dk1"/>
-          </a:fontRef>
-        </p:style>
-        <p:txBody>
-          <a:bodyPr rtlCol="0" anchor="ctr"/>
-          <a:lstStyle/>
-          <a:p>
-            <a:pPr algn="ctr"/>
-            <a:r>
-              <a:rPr lang="en-US" altLang="ko-KR" sz="1400" dirty="0" err="1" smtClean="0"/>
-              <a:t>ConnectMsg</a:t>
-            </a:r>
-            <a:endParaRPr lang="ko-KR" altLang="en-US" sz="1400" dirty="0"/>
-          </a:p>
-        </p:txBody>
-      </p:sp>
-      <p:sp>
-        <p:nvSpPr>
-          <p:cNvPr id="99" name="모서리가 둥근 직사각형 98"/>
-          <p:cNvSpPr/>
-          <p:nvPr/>
-        </p:nvSpPr>
-        <p:spPr>
-          <a:xfrm>
-            <a:off x="1018067" y="4077139"/>
-            <a:ext cx="1507182" cy="272247"/>
-          </a:xfrm>
-          <a:prstGeom prst="roundRect">
-            <a:avLst/>
-          </a:prstGeom>
-        </p:spPr>
-        <p:style>
-          <a:lnRef idx="1">
-            <a:schemeClr val="accent6"/>
-          </a:lnRef>
-          <a:fillRef idx="2">
-            <a:schemeClr val="accent6"/>
-          </a:fillRef>
-          <a:effectRef idx="1">
-            <a:schemeClr val="accent6"/>
-          </a:effectRef>
-          <a:fontRef idx="minor">
-            <a:schemeClr val="dk1"/>
-          </a:fontRef>
-        </p:style>
-        <p:txBody>
-          <a:bodyPr rtlCol="0" anchor="ctr"/>
-          <a:lstStyle/>
-          <a:p>
-            <a:pPr algn="ctr"/>
-            <a:r>
-              <a:rPr lang="en-US" altLang="ko-KR" sz="1400" dirty="0" err="1" smtClean="0"/>
-              <a:t>ConnectMsg</a:t>
-            </a:r>
-            <a:endParaRPr lang="ko-KR" altLang="en-US" sz="1400" dirty="0"/>
-          </a:p>
-        </p:txBody>
-      </p:sp>
-      <p:sp>
-        <p:nvSpPr>
           <p:cNvPr id="100" name="모서리가 둥근 직사각형 99"/>
           <p:cNvSpPr/>
           <p:nvPr/>
@@ -11119,13 +10624,13 @@
       </p:sp>
       <p:sp>
         <p:nvSpPr>
-          <p:cNvPr id="101" name="모서리가 둥근 직사각형 100"/>
+          <p:cNvPr id="102" name="모서리가 둥근 직사각형 101"/>
           <p:cNvSpPr/>
           <p:nvPr/>
         </p:nvSpPr>
         <p:spPr>
           <a:xfrm>
-            <a:off x="2514737" y="2552424"/>
+            <a:off x="1864899" y="4325054"/>
             <a:ext cx="1507182" cy="272247"/>
           </a:xfrm>
           <a:prstGeom prst="roundRect">
@@ -11161,48 +10666,6 @@
       </p:sp>
       <p:sp>
         <p:nvSpPr>
-          <p:cNvPr id="102" name="모서리가 둥근 직사각형 101"/>
-          <p:cNvSpPr/>
-          <p:nvPr/>
-        </p:nvSpPr>
-        <p:spPr>
-          <a:xfrm>
-            <a:off x="2774476" y="5492508"/>
-            <a:ext cx="1507182" cy="272247"/>
-          </a:xfrm>
-          <a:prstGeom prst="roundRect">
-            <a:avLst/>
-          </a:prstGeom>
-        </p:spPr>
-        <p:style>
-          <a:lnRef idx="1">
-            <a:schemeClr val="accent3"/>
-          </a:lnRef>
-          <a:fillRef idx="2">
-            <a:schemeClr val="accent3"/>
-          </a:fillRef>
-          <a:effectRef idx="1">
-            <a:schemeClr val="accent3"/>
-          </a:effectRef>
-          <a:fontRef idx="minor">
-            <a:schemeClr val="dk1"/>
-          </a:fontRef>
-        </p:style>
-        <p:txBody>
-          <a:bodyPr rtlCol="0" anchor="ctr"/>
-          <a:lstStyle/>
-          <a:p>
-            <a:pPr algn="ctr"/>
-            <a:r>
-              <a:rPr lang="en-US" altLang="ko-KR" sz="1400" dirty="0" err="1" smtClean="0"/>
-              <a:t>SampleMsg</a:t>
-            </a:r>
-            <a:endParaRPr lang="ko-KR" altLang="en-US" sz="1400" dirty="0"/>
-          </a:p>
-        </p:txBody>
-      </p:sp>
-      <p:sp>
-        <p:nvSpPr>
           <p:cNvPr id="105" name="모서리가 둥근 직사각형 104"/>
           <p:cNvSpPr/>
           <p:nvPr/>
@@ -11245,55 +10708,13 @@
       </p:sp>
       <p:sp>
         <p:nvSpPr>
-          <p:cNvPr id="106" name="모서리가 둥근 직사각형 105"/>
-          <p:cNvSpPr/>
-          <p:nvPr/>
-        </p:nvSpPr>
-        <p:spPr>
-          <a:xfrm>
-            <a:off x="2507924" y="2824671"/>
-            <a:ext cx="1507182" cy="272247"/>
-          </a:xfrm>
-          <a:prstGeom prst="roundRect">
-            <a:avLst/>
-          </a:prstGeom>
-        </p:spPr>
-        <p:style>
-          <a:lnRef idx="1">
-            <a:schemeClr val="accent2"/>
-          </a:lnRef>
-          <a:fillRef idx="2">
-            <a:schemeClr val="accent2"/>
-          </a:fillRef>
-          <a:effectRef idx="1">
-            <a:schemeClr val="accent2"/>
-          </a:effectRef>
-          <a:fontRef idx="minor">
-            <a:schemeClr val="dk1"/>
-          </a:fontRef>
-        </p:style>
-        <p:txBody>
-          <a:bodyPr rtlCol="0" anchor="ctr"/>
-          <a:lstStyle/>
-          <a:p>
-            <a:pPr algn="ctr"/>
-            <a:r>
-              <a:rPr lang="en-US" altLang="ko-KR" sz="1400" dirty="0" err="1" smtClean="0"/>
-              <a:t>DoneMsg</a:t>
-            </a:r>
-            <a:endParaRPr lang="ko-KR" altLang="en-US" sz="1400" dirty="0"/>
-          </a:p>
-        </p:txBody>
-      </p:sp>
-      <p:sp>
-        <p:nvSpPr>
           <p:cNvPr id="107" name="모서리가 둥근 직사각형 106"/>
           <p:cNvSpPr/>
           <p:nvPr/>
         </p:nvSpPr>
         <p:spPr>
           <a:xfrm>
-            <a:off x="3215454" y="3796172"/>
+            <a:off x="2247076" y="2778521"/>
             <a:ext cx="1507182" cy="272247"/>
           </a:xfrm>
           <a:prstGeom prst="roundRect">
@@ -11368,48 +10789,6 @@
       </p:cxnSp>
       <p:sp>
         <p:nvSpPr>
-          <p:cNvPr id="120" name="모서리가 둥근 직사각형 119"/>
-          <p:cNvSpPr/>
-          <p:nvPr/>
-        </p:nvSpPr>
-        <p:spPr>
-          <a:xfrm>
-            <a:off x="10489587" y="3752691"/>
-            <a:ext cx="1507182" cy="272247"/>
-          </a:xfrm>
-          <a:prstGeom prst="roundRect">
-            <a:avLst/>
-          </a:prstGeom>
-        </p:spPr>
-        <p:style>
-          <a:lnRef idx="1">
-            <a:schemeClr val="accent6"/>
-          </a:lnRef>
-          <a:fillRef idx="2">
-            <a:schemeClr val="accent6"/>
-          </a:fillRef>
-          <a:effectRef idx="1">
-            <a:schemeClr val="accent6"/>
-          </a:effectRef>
-          <a:fontRef idx="minor">
-            <a:schemeClr val="dk1"/>
-          </a:fontRef>
-        </p:style>
-        <p:txBody>
-          <a:bodyPr rtlCol="0" anchor="ctr"/>
-          <a:lstStyle/>
-          <a:p>
-            <a:pPr algn="ctr"/>
-            <a:r>
-              <a:rPr lang="en-US" altLang="ko-KR" sz="1400" dirty="0" err="1" smtClean="0"/>
-              <a:t>ConnectMsg</a:t>
-            </a:r>
-            <a:endParaRPr lang="ko-KR" altLang="en-US" sz="1400" dirty="0"/>
-          </a:p>
-        </p:txBody>
-      </p:sp>
-      <p:sp>
-        <p:nvSpPr>
           <p:cNvPr id="121" name="모서리가 둥근 직사각형 120"/>
           <p:cNvSpPr/>
           <p:nvPr/>
@@ -11536,7 +10915,7 @@
       </p:sp>
       <p:sp>
         <p:nvSpPr>
-          <p:cNvPr id="37" name="타원 36"/>
+          <p:cNvPr id="42" name="타원 41"/>
           <p:cNvSpPr/>
           <p:nvPr/>
         </p:nvSpPr>
@@ -11570,48 +10949,6 @@
             <a:pPr algn="ctr"/>
             <a:r>
               <a:rPr lang="en-US" altLang="ko-KR" dirty="0" smtClean="0"/>
-              <a:t>Connect</a:t>
-            </a:r>
-            <a:endParaRPr lang="ko-KR" altLang="en-US" dirty="0"/>
-          </a:p>
-        </p:txBody>
-      </p:sp>
-      <p:sp>
-        <p:nvSpPr>
-          <p:cNvPr id="42" name="타원 41"/>
-          <p:cNvSpPr/>
-          <p:nvPr/>
-        </p:nvSpPr>
-        <p:spPr>
-          <a:xfrm>
-            <a:off x="5269916" y="1938178"/>
-            <a:ext cx="1485530" cy="1166270"/>
-          </a:xfrm>
-          <a:prstGeom prst="ellipse">
-            <a:avLst/>
-          </a:prstGeom>
-        </p:spPr>
-        <p:style>
-          <a:lnRef idx="1">
-            <a:schemeClr val="accent4"/>
-          </a:lnRef>
-          <a:fillRef idx="2">
-            <a:schemeClr val="accent4"/>
-          </a:fillRef>
-          <a:effectRef idx="1">
-            <a:schemeClr val="accent4"/>
-          </a:effectRef>
-          <a:fontRef idx="minor">
-            <a:schemeClr val="dk1"/>
-          </a:fontRef>
-        </p:style>
-        <p:txBody>
-          <a:bodyPr rtlCol="0" anchor="ctr"/>
-          <a:lstStyle/>
-          <a:p>
-            <a:pPr algn="ctr"/>
-            <a:r>
-              <a:rPr lang="en-US" altLang="ko-KR" dirty="0" smtClean="0"/>
               <a:t>Sample</a:t>
             </a:r>
             <a:endParaRPr lang="ko-KR" altLang="en-US" dirty="0"/>
@@ -11623,7 +10960,6 @@
           <p:cNvPr id="5" name="구부러진 연결선 4"/>
           <p:cNvCxnSpPr>
             <a:stCxn id="7" idx="6"/>
-            <a:endCxn id="37" idx="2"/>
           </p:cNvCxnSpPr>
           <p:nvPr/>
         </p:nvCxnSpPr>
@@ -11631,42 +10967,6 @@
           <a:xfrm>
             <a:off x="2143041" y="1085651"/>
             <a:ext cx="1715252" cy="122790"/>
-          </a:xfrm>
-          <a:prstGeom prst="curvedConnector3">
-            <a:avLst/>
-          </a:prstGeom>
-          <a:ln>
-            <a:tailEnd type="triangle"/>
-          </a:ln>
-        </p:spPr>
-        <p:style>
-          <a:lnRef idx="1">
-            <a:schemeClr val="accent1"/>
-          </a:lnRef>
-          <a:fillRef idx="0">
-            <a:schemeClr val="accent1"/>
-          </a:fillRef>
-          <a:effectRef idx="0">
-            <a:schemeClr val="accent1"/>
-          </a:effectRef>
-          <a:fontRef idx="minor">
-            <a:schemeClr val="tx1"/>
-          </a:fontRef>
-        </p:style>
-      </p:cxnSp>
-      <p:cxnSp>
-        <p:nvCxnSpPr>
-          <p:cNvPr id="8" name="구부러진 연결선 7"/>
-          <p:cNvCxnSpPr>
-            <a:stCxn id="37" idx="4"/>
-            <a:endCxn id="42" idx="1"/>
-          </p:cNvCxnSpPr>
-          <p:nvPr/>
-        </p:nvCxnSpPr>
-        <p:spPr>
-          <a:xfrm rot="16200000" flipH="1">
-            <a:off x="4885563" y="1507070"/>
-            <a:ext cx="317398" cy="886409"/>
           </a:xfrm>
           <a:prstGeom prst="curvedConnector3">
             <a:avLst/>
@@ -11701,8 +11001,8 @@
         </p:nvCxnSpPr>
         <p:spPr>
           <a:xfrm rot="5400000">
-            <a:off x="4352118" y="3674305"/>
-            <a:ext cx="2230420" cy="1090706"/>
+            <a:off x="2799403" y="2768457"/>
+            <a:ext cx="2778536" cy="824775"/>
           </a:xfrm>
           <a:prstGeom prst="curvedConnector3">
             <a:avLst>
@@ -11736,7 +11036,7 @@
         </p:nvSpPr>
         <p:spPr>
           <a:xfrm>
-            <a:off x="7815558" y="5565586"/>
+            <a:off x="6410998" y="5565586"/>
             <a:ext cx="1632893" cy="1166270"/>
           </a:xfrm>
           <a:prstGeom prst="ellipse">
@@ -11781,8 +11081,8 @@
         </p:nvCxnSpPr>
         <p:spPr>
           <a:xfrm flipV="1">
-            <a:off x="9448451" y="5694847"/>
-            <a:ext cx="886635" cy="453874"/>
+            <a:off x="8043891" y="5694847"/>
+            <a:ext cx="2291195" cy="453874"/>
           </a:xfrm>
           <a:prstGeom prst="curvedConnector2">
             <a:avLst/>
@@ -11817,8 +11117,8 @@
         </p:nvCxnSpPr>
         <p:spPr>
           <a:xfrm rot="16200000" flipH="1">
-            <a:off x="9505310" y="4670282"/>
-            <a:ext cx="957453" cy="266997"/>
+            <a:off x="9100566" y="4265538"/>
+            <a:ext cx="606977" cy="1426961"/>
           </a:xfrm>
           <a:prstGeom prst="curvedConnector2">
             <a:avLst/>
@@ -11853,7 +11153,7 @@
         </p:nvCxnSpPr>
         <p:spPr>
           <a:xfrm flipH="1" flipV="1">
-            <a:off x="8632005" y="5565586"/>
+            <a:off x="7227445" y="5565586"/>
             <a:ext cx="816446" cy="583135"/>
           </a:xfrm>
           <a:prstGeom prst="curvedConnector4">
@@ -11883,55 +11183,13 @@
       </p:cxnSp>
       <p:sp>
         <p:nvSpPr>
-          <p:cNvPr id="133" name="모서리가 둥근 직사각형 132"/>
-          <p:cNvSpPr/>
-          <p:nvPr/>
-        </p:nvSpPr>
-        <p:spPr>
-          <a:xfrm>
-            <a:off x="8053404" y="4871369"/>
-            <a:ext cx="1507182" cy="272247"/>
-          </a:xfrm>
-          <a:prstGeom prst="roundRect">
-            <a:avLst/>
-          </a:prstGeom>
-        </p:spPr>
-        <p:style>
-          <a:lnRef idx="1">
-            <a:schemeClr val="accent6"/>
-          </a:lnRef>
-          <a:fillRef idx="2">
-            <a:schemeClr val="accent6"/>
-          </a:fillRef>
-          <a:effectRef idx="1">
-            <a:schemeClr val="accent6"/>
-          </a:effectRef>
-          <a:fontRef idx="minor">
-            <a:schemeClr val="dk1"/>
-          </a:fontRef>
-        </p:style>
-        <p:txBody>
-          <a:bodyPr rtlCol="0" anchor="ctr"/>
-          <a:lstStyle/>
-          <a:p>
-            <a:pPr algn="ctr"/>
-            <a:r>
-              <a:rPr lang="en-US" altLang="ko-KR" sz="1400" dirty="0" err="1" smtClean="0"/>
-              <a:t>ConnectMsg</a:t>
-            </a:r>
-            <a:endParaRPr lang="ko-KR" altLang="en-US" sz="1400" dirty="0"/>
-          </a:p>
-        </p:txBody>
-      </p:sp>
-      <p:sp>
-        <p:nvSpPr>
           <p:cNvPr id="134" name="모서리가 둥근 직사각형 133"/>
           <p:cNvSpPr/>
           <p:nvPr/>
         </p:nvSpPr>
         <p:spPr>
           <a:xfrm>
-            <a:off x="8053404" y="5143616"/>
+            <a:off x="6648844" y="5143616"/>
             <a:ext cx="1507182" cy="272247"/>
           </a:xfrm>
           <a:prstGeom prst="roundRect">
@@ -11973,7 +11231,7 @@
         </p:nvSpPr>
         <p:spPr>
           <a:xfrm>
-            <a:off x="9735996" y="6013029"/>
+            <a:off x="8537817" y="5876473"/>
             <a:ext cx="1507182" cy="272247"/>
           </a:xfrm>
           <a:prstGeom prst="roundRect">
@@ -12009,55 +11267,13 @@
       </p:sp>
       <p:sp>
         <p:nvSpPr>
-          <p:cNvPr id="98" name="모서리가 둥근 직사각형 97"/>
-          <p:cNvSpPr/>
-          <p:nvPr/>
-        </p:nvSpPr>
-        <p:spPr>
-          <a:xfrm>
-            <a:off x="5552734" y="4308690"/>
-            <a:ext cx="1507182" cy="272247"/>
-          </a:xfrm>
-          <a:prstGeom prst="roundRect">
-            <a:avLst/>
-          </a:prstGeom>
-        </p:spPr>
-        <p:style>
-          <a:lnRef idx="1">
-            <a:schemeClr val="accent6"/>
-          </a:lnRef>
-          <a:fillRef idx="2">
-            <a:schemeClr val="accent6"/>
-          </a:fillRef>
-          <a:effectRef idx="1">
-            <a:schemeClr val="accent6"/>
-          </a:effectRef>
-          <a:fontRef idx="minor">
-            <a:schemeClr val="dk1"/>
-          </a:fontRef>
-        </p:style>
-        <p:txBody>
-          <a:bodyPr rtlCol="0" anchor="ctr"/>
-          <a:lstStyle/>
-          <a:p>
-            <a:pPr algn="ctr"/>
-            <a:r>
-              <a:rPr lang="en-US" altLang="ko-KR" sz="1400" dirty="0" err="1" smtClean="0"/>
-              <a:t>ConnectMsg</a:t>
-            </a:r>
-            <a:endParaRPr lang="ko-KR" altLang="en-US" sz="1400" dirty="0"/>
-          </a:p>
-        </p:txBody>
-      </p:sp>
-      <p:sp>
-        <p:nvSpPr>
           <p:cNvPr id="104" name="모서리가 둥근 직사각형 103"/>
           <p:cNvSpPr/>
           <p:nvPr/>
         </p:nvSpPr>
         <p:spPr>
           <a:xfrm>
-            <a:off x="5552734" y="4580937"/>
+            <a:off x="4690588" y="3854819"/>
             <a:ext cx="1507182" cy="272247"/>
           </a:xfrm>
           <a:prstGeom prst="roundRect">
@@ -12099,7 +11315,7 @@
         </p:nvSpPr>
         <p:spPr>
           <a:xfrm>
-            <a:off x="5553985" y="4853187"/>
+            <a:off x="4691839" y="4127069"/>
             <a:ext cx="1507182" cy="272247"/>
           </a:xfrm>
           <a:prstGeom prst="roundRect">
@@ -12144,8 +11360,8 @@
         </p:nvCxnSpPr>
         <p:spPr>
           <a:xfrm flipV="1">
-            <a:off x="6189954" y="3912716"/>
-            <a:ext cx="2266823" cy="1834491"/>
+            <a:off x="5044262" y="4263192"/>
+            <a:ext cx="2252551" cy="719259"/>
           </a:xfrm>
           <a:prstGeom prst="curvedConnector3">
             <a:avLst>
@@ -12179,7 +11395,7 @@
         </p:nvSpPr>
         <p:spPr>
           <a:xfrm>
-            <a:off x="6132465" y="6084963"/>
+            <a:off x="4727905" y="6084963"/>
             <a:ext cx="1528297" cy="272247"/>
           </a:xfrm>
           <a:prstGeom prst="roundRect">
@@ -12221,7 +11437,7 @@
         </p:nvSpPr>
         <p:spPr>
           <a:xfrm>
-            <a:off x="8456777" y="3329581"/>
+            <a:off x="7296813" y="3680057"/>
             <a:ext cx="1632893" cy="1166270"/>
           </a:xfrm>
           <a:prstGeom prst="ellipse">

--- a/project.pptx
+++ b/project.pptx
@@ -27,11 +27,14 @@
     <p:sldId id="284" r:id="rId21"/>
     <p:sldId id="277" r:id="rId22"/>
     <p:sldId id="278" r:id="rId23"/>
-    <p:sldId id="283" r:id="rId24"/>
+    <p:sldId id="297" r:id="rId24"/>
     <p:sldId id="281" r:id="rId25"/>
     <p:sldId id="282" r:id="rId26"/>
     <p:sldId id="295" r:id="rId27"/>
     <p:sldId id="296" r:id="rId28"/>
+    <p:sldId id="300" r:id="rId29"/>
+    <p:sldId id="298" r:id="rId30"/>
+    <p:sldId id="299" r:id="rId31"/>
   </p:sldIdLst>
   <p:sldSz cx="12192000" cy="6858000"/>
   <p:notesSz cx="6858000" cy="9144000"/>
@@ -269,7 +272,7 @@
           <a:p>
             <a:fld id="{33CC212C-81FB-40F3-BD5E-91ADD12CE53F}" type="datetimeFigureOut">
               <a:rPr lang="ko-KR" altLang="en-US" smtClean="0"/>
-              <a:t>2016-10-21</a:t>
+              <a:t>2016-10-24</a:t>
             </a:fld>
             <a:endParaRPr lang="ko-KR" altLang="en-US"/>
           </a:p>
@@ -439,7 +442,7 @@
           <a:p>
             <a:fld id="{33CC212C-81FB-40F3-BD5E-91ADD12CE53F}" type="datetimeFigureOut">
               <a:rPr lang="ko-KR" altLang="en-US" smtClean="0"/>
-              <a:t>2016-10-21</a:t>
+              <a:t>2016-10-24</a:t>
             </a:fld>
             <a:endParaRPr lang="ko-KR" altLang="en-US"/>
           </a:p>
@@ -619,7 +622,7 @@
           <a:p>
             <a:fld id="{33CC212C-81FB-40F3-BD5E-91ADD12CE53F}" type="datetimeFigureOut">
               <a:rPr lang="ko-KR" altLang="en-US" smtClean="0"/>
-              <a:t>2016-10-21</a:t>
+              <a:t>2016-10-24</a:t>
             </a:fld>
             <a:endParaRPr lang="ko-KR" altLang="en-US"/>
           </a:p>
@@ -789,7 +792,7 @@
           <a:p>
             <a:fld id="{33CC212C-81FB-40F3-BD5E-91ADD12CE53F}" type="datetimeFigureOut">
               <a:rPr lang="ko-KR" altLang="en-US" smtClean="0"/>
-              <a:t>2016-10-21</a:t>
+              <a:t>2016-10-24</a:t>
             </a:fld>
             <a:endParaRPr lang="ko-KR" altLang="en-US"/>
           </a:p>
@@ -1035,7 +1038,7 @@
           <a:p>
             <a:fld id="{33CC212C-81FB-40F3-BD5E-91ADD12CE53F}" type="datetimeFigureOut">
               <a:rPr lang="ko-KR" altLang="en-US" smtClean="0"/>
-              <a:t>2016-10-21</a:t>
+              <a:t>2016-10-24</a:t>
             </a:fld>
             <a:endParaRPr lang="ko-KR" altLang="en-US"/>
           </a:p>
@@ -1267,7 +1270,7 @@
           <a:p>
             <a:fld id="{33CC212C-81FB-40F3-BD5E-91ADD12CE53F}" type="datetimeFigureOut">
               <a:rPr lang="ko-KR" altLang="en-US" smtClean="0"/>
-              <a:t>2016-10-21</a:t>
+              <a:t>2016-10-24</a:t>
             </a:fld>
             <a:endParaRPr lang="ko-KR" altLang="en-US"/>
           </a:p>
@@ -1634,7 +1637,7 @@
           <a:p>
             <a:fld id="{33CC212C-81FB-40F3-BD5E-91ADD12CE53F}" type="datetimeFigureOut">
               <a:rPr lang="ko-KR" altLang="en-US" smtClean="0"/>
-              <a:t>2016-10-21</a:t>
+              <a:t>2016-10-24</a:t>
             </a:fld>
             <a:endParaRPr lang="ko-KR" altLang="en-US"/>
           </a:p>
@@ -1752,7 +1755,7 @@
           <a:p>
             <a:fld id="{33CC212C-81FB-40F3-BD5E-91ADD12CE53F}" type="datetimeFigureOut">
               <a:rPr lang="ko-KR" altLang="en-US" smtClean="0"/>
-              <a:t>2016-10-21</a:t>
+              <a:t>2016-10-24</a:t>
             </a:fld>
             <a:endParaRPr lang="ko-KR" altLang="en-US"/>
           </a:p>
@@ -1847,7 +1850,7 @@
           <a:p>
             <a:fld id="{33CC212C-81FB-40F3-BD5E-91ADD12CE53F}" type="datetimeFigureOut">
               <a:rPr lang="ko-KR" altLang="en-US" smtClean="0"/>
-              <a:t>2016-10-21</a:t>
+              <a:t>2016-10-24</a:t>
             </a:fld>
             <a:endParaRPr lang="ko-KR" altLang="en-US"/>
           </a:p>
@@ -2124,7 +2127,7 @@
           <a:p>
             <a:fld id="{33CC212C-81FB-40F3-BD5E-91ADD12CE53F}" type="datetimeFigureOut">
               <a:rPr lang="ko-KR" altLang="en-US" smtClean="0"/>
-              <a:t>2016-10-21</a:t>
+              <a:t>2016-10-24</a:t>
             </a:fld>
             <a:endParaRPr lang="ko-KR" altLang="en-US"/>
           </a:p>
@@ -2377,7 +2380,7 @@
           <a:p>
             <a:fld id="{33CC212C-81FB-40F3-BD5E-91ADD12CE53F}" type="datetimeFigureOut">
               <a:rPr lang="ko-KR" altLang="en-US" smtClean="0"/>
-              <a:t>2016-10-21</a:t>
+              <a:t>2016-10-24</a:t>
             </a:fld>
             <a:endParaRPr lang="ko-KR" altLang="en-US"/>
           </a:p>
@@ -2590,7 +2593,7 @@
           <a:p>
             <a:fld id="{33CC212C-81FB-40F3-BD5E-91ADD12CE53F}" type="datetimeFigureOut">
               <a:rPr lang="ko-KR" altLang="en-US" smtClean="0"/>
-              <a:t>2016-10-21</a:t>
+              <a:t>2016-10-24</a:t>
             </a:fld>
             <a:endParaRPr lang="ko-KR" altLang="en-US"/>
           </a:p>
@@ -3512,7 +3515,7 @@
             <a:pPr algn="ctr"/>
             <a:r>
               <a:rPr lang="en-US" altLang="ko-KR" dirty="0" smtClean="0"/>
-              <a:t>Sample</a:t>
+              <a:t>Connect</a:t>
             </a:r>
             <a:endParaRPr lang="ko-KR" altLang="en-US" dirty="0"/>
           </a:p>
@@ -4054,8 +4057,8 @@
           <a:p>
             <a:pPr algn="ctr"/>
             <a:r>
-              <a:rPr lang="en-US" altLang="ko-KR" dirty="0" err="1" smtClean="0"/>
-              <a:t>Calc</a:t>
+              <a:rPr lang="en-US" altLang="ko-KR" dirty="0" smtClean="0"/>
+              <a:t>Sample</a:t>
             </a:r>
             <a:endParaRPr lang="ko-KR" altLang="en-US" dirty="0"/>
           </a:p>
@@ -4328,11 +4331,7 @@
           <a:p>
             <a:r>
               <a:rPr lang="en-US" altLang="ko-KR" dirty="0" smtClean="0"/>
-              <a:t>Open </a:t>
-            </a:r>
-            <a:r>
-              <a:rPr lang="en-US" altLang="ko-KR" dirty="0" smtClean="0"/>
-              <a:t>socket</a:t>
+              <a:t>Open socket</a:t>
             </a:r>
           </a:p>
           <a:p>
@@ -4347,21 +4346,44 @@
           <a:p>
             <a:r>
               <a:rPr lang="en-US" altLang="ko-KR" dirty="0" smtClean="0"/>
-              <a:t>Whenever client connected, create </a:t>
+              <a:t>Whenever client </a:t>
             </a:r>
             <a:r>
               <a:rPr lang="en-US" altLang="ko-KR" dirty="0" smtClean="0"/>
-              <a:t>sampling </a:t>
+              <a:t>connected</a:t>
+            </a:r>
+          </a:p>
+          <a:p>
+            <a:pPr lvl="1">
+              <a:buFontTx/>
+              <a:buChar char="-"/>
+            </a:pPr>
+            <a:r>
+              <a:rPr lang="en-US" altLang="ko-KR" dirty="0"/>
+              <a:t>C</a:t>
             </a:r>
             <a:r>
               <a:rPr lang="en-US" altLang="ko-KR" dirty="0" smtClean="0"/>
-              <a:t>future for </a:t>
+              <a:t>reate </a:t>
+            </a:r>
+            <a:r>
+              <a:rPr lang="en-US" altLang="ko-KR" dirty="0" smtClean="0"/>
+              <a:t>sampling future for </a:t>
             </a:r>
             <a:r>
               <a:rPr lang="en-US" altLang="ko-KR" dirty="0" smtClean="0"/>
               <a:t>client</a:t>
             </a:r>
-            <a:endParaRPr lang="en-US" altLang="ko-KR" dirty="0" smtClean="0"/>
+          </a:p>
+          <a:p>
+            <a:pPr lvl="1">
+              <a:buFontTx/>
+              <a:buChar char="-"/>
+            </a:pPr>
+            <a:r>
+              <a:rPr lang="en-US" altLang="ko-KR" dirty="0" smtClean="0"/>
+              <a:t>Update slaves list</a:t>
+            </a:r>
           </a:p>
         </p:txBody>
       </p:sp>
@@ -4412,7 +4434,7 @@
           <a:p>
             <a:r>
               <a:rPr lang="en-US" altLang="ko-KR" dirty="0" smtClean="0"/>
-              <a:t>Sampling Future</a:t>
+              <a:t>Master Connect (Sampling Future)</a:t>
             </a:r>
             <a:endParaRPr lang="ko-KR" altLang="en-US" dirty="0"/>
           </a:p>
@@ -4441,16 +4463,7 @@
               <a:rPr lang="en-US" altLang="ko-KR" dirty="0" smtClean="0"/>
               <a:t>slave</a:t>
             </a:r>
-          </a:p>
-          <a:p>
-            <a:r>
-              <a:rPr lang="en-US" altLang="ko-KR" dirty="0" smtClean="0"/>
-              <a:t>Update slaves list</a:t>
-            </a:r>
             <a:endParaRPr lang="en-US" altLang="ko-KR" dirty="0" smtClean="0"/>
-          </a:p>
-          <a:p>
-            <a:endParaRPr lang="ko-KR" altLang="en-US" dirty="0"/>
           </a:p>
         </p:txBody>
       </p:sp>
@@ -4501,11 +4514,7 @@
           <a:p>
             <a:r>
               <a:rPr lang="en-US" altLang="ko-KR" dirty="0" smtClean="0"/>
-              <a:t>Master </a:t>
-            </a:r>
-            <a:r>
-              <a:rPr lang="en-US" altLang="ko-KR" dirty="0" err="1" smtClean="0"/>
-              <a:t>Calc</a:t>
+              <a:t>Master Sample</a:t>
             </a:r>
             <a:endParaRPr lang="ko-KR" altLang="en-US" dirty="0"/>
           </a:p>
@@ -4790,13 +4799,8 @@
           <a:p>
             <a:r>
               <a:rPr lang="en-US" altLang="ko-KR" dirty="0" smtClean="0"/>
-              <a:t>Make socket connection with </a:t>
-            </a:r>
-            <a:r>
-              <a:rPr lang="en-US" altLang="ko-KR" dirty="0" smtClean="0"/>
-              <a:t>Master</a:t>
-            </a:r>
-            <a:endParaRPr lang="en-US" altLang="ko-KR" dirty="0" smtClean="0"/>
+              <a:t>Make socket connection with Master</a:t>
+            </a:r>
           </a:p>
         </p:txBody>
       </p:sp>
@@ -4876,24 +4880,19 @@
               <a:rPr lang="en-US" altLang="ko-KR" dirty="0" smtClean="0"/>
               <a:t>pairs</a:t>
             </a:r>
-            <a:endParaRPr lang="en-US" altLang="ko-KR" dirty="0" smtClean="0"/>
           </a:p>
           <a:p>
             <a:r>
               <a:rPr lang="en-US" altLang="ko-KR" dirty="0" smtClean="0"/>
-              <a:t>Sample </a:t>
+              <a:t>Sample from data (Sample size is </a:t>
             </a:r>
             <a:r>
               <a:rPr lang="en-US" altLang="ko-KR" dirty="0" smtClean="0"/>
-              <a:t>from data (Sample size is </a:t>
-            </a:r>
-            <a:r>
-              <a:rPr lang="en-US" altLang="ko-KR" dirty="0" err="1" smtClean="0"/>
-              <a:t>proposional</a:t>
+              <a:t>proportional </a:t>
             </a:r>
             <a:r>
               <a:rPr lang="en-US" altLang="ko-KR" dirty="0" smtClean="0"/>
-              <a:t> to data size)</a:t>
+              <a:t>to data size)</a:t>
             </a:r>
           </a:p>
           <a:p>
@@ -5837,7 +5836,7 @@
         <p:spPr>
           <a:xfrm>
             <a:off x="838200" y="1978024"/>
-            <a:ext cx="4856267" cy="4755865"/>
+            <a:ext cx="8957441" cy="4755865"/>
           </a:xfrm>
         </p:spPr>
         <p:txBody>
@@ -5846,7 +5845,15 @@
           <a:p>
             <a:r>
               <a:rPr lang="en-US" altLang="ko-KR" sz="2000" dirty="0" smtClean="0"/>
-              <a:t>trait Message</a:t>
+              <a:t>abstract class</a:t>
+            </a:r>
+            <a:r>
+              <a:rPr lang="en-US" altLang="ko-KR" sz="2000" dirty="0" smtClean="0"/>
+              <a:t> </a:t>
+            </a:r>
+            <a:r>
+              <a:rPr lang="en-US" altLang="ko-KR" sz="2000" dirty="0" smtClean="0"/>
+              <a:t>Message</a:t>
             </a:r>
           </a:p>
           <a:p>
@@ -5855,14 +5862,39 @@
               <a:buChar char="-"/>
             </a:pPr>
             <a:r>
+              <a:rPr lang="en-US" altLang="ko-KR" sz="1600" dirty="0" err="1" smtClean="0"/>
+              <a:t>toByteArray</a:t>
+            </a:r>
+            <a:r>
               <a:rPr lang="en-US" altLang="ko-KR" sz="1600" dirty="0" smtClean="0"/>
-              <a:t>type: </a:t>
-            </a:r>
-            <a:r>
-              <a:rPr lang="en-US" altLang="ko-KR" sz="1600" dirty="0" err="1" smtClean="0"/>
-              <a:t>MessageType</a:t>
-            </a:r>
-            <a:endParaRPr lang="en-US" altLang="ko-KR" sz="1600" dirty="0" smtClean="0"/>
+              <a:t>(Message</a:t>
+            </a:r>
+            <a:r>
+              <a:rPr lang="en-US" altLang="ko-KR" sz="1600" dirty="0" smtClean="0"/>
+              <a:t>): </a:t>
+            </a:r>
+            <a:r>
+              <a:rPr lang="en-US" altLang="ko-KR" sz="1600" dirty="0"/>
+              <a:t>Array[byte</a:t>
+            </a:r>
+            <a:r>
+              <a:rPr lang="en-US" altLang="ko-KR" sz="1600" dirty="0" smtClean="0"/>
+              <a:t>]</a:t>
+            </a:r>
+          </a:p>
+          <a:p>
+            <a:endParaRPr lang="en-US" altLang="ko-KR" sz="2000" dirty="0" smtClean="0"/>
+          </a:p>
+          <a:p>
+            <a:r>
+              <a:rPr lang="en-US" altLang="ko-KR" sz="2000" dirty="0" smtClean="0"/>
+              <a:t>object </a:t>
+            </a:r>
+            <a:r>
+              <a:rPr lang="en-US" altLang="ko-KR" sz="2000" dirty="0" err="1" smtClean="0"/>
+              <a:t>MessageInterpreter</a:t>
+            </a:r>
+            <a:endParaRPr lang="en-US" altLang="ko-KR" sz="2000" dirty="0" smtClean="0"/>
           </a:p>
           <a:p>
             <a:pPr lvl="1">
@@ -5871,26 +5903,13 @@
             </a:pPr>
             <a:r>
               <a:rPr lang="en-US" altLang="ko-KR" sz="1600" dirty="0" err="1" smtClean="0"/>
-              <a:t>toByteArray</a:t>
+              <a:t>interpretMessage</a:t>
             </a:r>
             <a:r>
               <a:rPr lang="en-US" altLang="ko-KR" sz="1600" dirty="0" smtClean="0"/>
-              <a:t>(Message): </a:t>
-            </a:r>
-            <a:r>
-              <a:rPr lang="en-US" altLang="ko-KR" sz="1600" dirty="0"/>
-              <a:t>Array[byte</a:t>
-            </a:r>
-            <a:r>
-              <a:rPr lang="en-US" altLang="ko-KR" sz="1600" dirty="0" smtClean="0"/>
-              <a:t>]</a:t>
-            </a:r>
-          </a:p>
-          <a:p>
-            <a:r>
-              <a:rPr lang="en-US" altLang="ko-KR" sz="2000" dirty="0" smtClean="0"/>
-              <a:t>object Message</a:t>
-            </a:r>
+              <a:t>(Array[Byte]): Message</a:t>
+            </a:r>
+            <a:endParaRPr lang="en-US" altLang="ko-KR" sz="2000" dirty="0"/>
           </a:p>
           <a:p>
             <a:pPr lvl="1">
@@ -5899,31 +5918,73 @@
             </a:pPr>
             <a:r>
               <a:rPr lang="en-US" altLang="ko-KR" sz="1600" dirty="0" err="1" smtClean="0"/>
-              <a:t>getMessageType</a:t>
+              <a:t>interpretSlaveInfoMessage</a:t>
             </a:r>
             <a:r>
               <a:rPr lang="en-US" altLang="ko-KR" sz="1600" dirty="0" smtClean="0"/>
-              <a:t>(</a:t>
-            </a:r>
-            <a:r>
-              <a:rPr lang="en-US" altLang="ko-KR" sz="1600" dirty="0"/>
-              <a:t>Array[byte</a:t>
-            </a:r>
-            <a:r>
-              <a:rPr lang="en-US" altLang="ko-KR" sz="1600" dirty="0" smtClean="0"/>
-              <a:t>]): </a:t>
+              <a:t>(Array[Byte]): </a:t>
             </a:r>
             <a:r>
               <a:rPr lang="en-US" altLang="ko-KR" sz="1600" dirty="0" err="1" smtClean="0"/>
-              <a:t>MessageType</a:t>
-            </a:r>
-            <a:endParaRPr lang="en-US" altLang="ko-KR" sz="2000" dirty="0"/>
+              <a:t>SlaveInfoMessage</a:t>
+            </a:r>
+            <a:endParaRPr lang="en-US" altLang="ko-KR" sz="1600" dirty="0" smtClean="0"/>
           </a:p>
           <a:p>
             <a:pPr lvl="1">
               <a:buFontTx/>
               <a:buChar char="-"/>
             </a:pPr>
+            <a:r>
+              <a:rPr lang="en-US" altLang="ko-KR" sz="1600" dirty="0" err="1" smtClean="0"/>
+              <a:t>interpretSampleMessage</a:t>
+            </a:r>
+            <a:r>
+              <a:rPr lang="en-US" altLang="ko-KR" sz="1600" dirty="0" smtClean="0"/>
+              <a:t>(Array[Byte]): </a:t>
+            </a:r>
+            <a:r>
+              <a:rPr lang="en-US" altLang="ko-KR" sz="1600" dirty="0" err="1" smtClean="0"/>
+              <a:t>SampleMessage</a:t>
+            </a:r>
+            <a:endParaRPr lang="en-US" altLang="ko-KR" sz="1600" dirty="0" smtClean="0"/>
+          </a:p>
+          <a:p>
+            <a:pPr lvl="1">
+              <a:buFontTx/>
+              <a:buChar char="-"/>
+            </a:pPr>
+            <a:r>
+              <a:rPr lang="en-US" altLang="ko-KR" sz="1600" dirty="0" err="1" smtClean="0"/>
+              <a:t>InterpretDataInfoMessage</a:t>
+            </a:r>
+            <a:r>
+              <a:rPr lang="en-US" altLang="ko-KR" sz="1600" dirty="0" smtClean="0"/>
+              <a:t>(Array[Byte]): </a:t>
+            </a:r>
+            <a:r>
+              <a:rPr lang="en-US" altLang="ko-KR" sz="1600" dirty="0" err="1" smtClean="0"/>
+              <a:t>DataInfoMessage</a:t>
+            </a:r>
+            <a:endParaRPr lang="en-US" altLang="ko-KR" sz="1600" dirty="0" smtClean="0"/>
+          </a:p>
+          <a:p>
+            <a:pPr lvl="1">
+              <a:buFontTx/>
+              <a:buChar char="-"/>
+            </a:pPr>
+            <a:r>
+              <a:rPr lang="en-US" altLang="ko-KR" sz="1600" dirty="0" err="1" smtClean="0"/>
+              <a:t>interpretDataMessage</a:t>
+            </a:r>
+            <a:r>
+              <a:rPr lang="en-US" altLang="ko-KR" sz="1600" dirty="0" smtClean="0"/>
+              <a:t>(Array[Byte]): </a:t>
+            </a:r>
+            <a:r>
+              <a:rPr lang="en-US" altLang="ko-KR" sz="1600" dirty="0" err="1" smtClean="0"/>
+              <a:t>DataMessage</a:t>
+            </a:r>
             <a:endParaRPr lang="en-US" altLang="ko-KR" sz="1600" dirty="0"/>
           </a:p>
           <a:p>
@@ -5938,530 +5999,6 @@
           </a:p>
           <a:p>
             <a:pPr marL="457200" lvl="1" indent="0">
-              <a:buNone/>
-            </a:pPr>
-            <a:endParaRPr lang="en-US" altLang="ko-KR" dirty="0" smtClean="0"/>
-          </a:p>
-          <a:p>
-            <a:endParaRPr lang="ko-KR" altLang="en-US" dirty="0"/>
-          </a:p>
-        </p:txBody>
-      </p:sp>
-      <p:sp>
-        <p:nvSpPr>
-          <p:cNvPr id="5" name="직사각형 4"/>
-          <p:cNvSpPr/>
-          <p:nvPr/>
-        </p:nvSpPr>
-        <p:spPr>
-          <a:xfrm>
-            <a:off x="5768385" y="1978024"/>
-            <a:ext cx="6096000" cy="4708981"/>
-          </a:xfrm>
-          <a:prstGeom prst="rect">
-            <a:avLst/>
-          </a:prstGeom>
-        </p:spPr>
-        <p:txBody>
-          <a:bodyPr>
-            <a:spAutoFit/>
-          </a:bodyPr>
-          <a:lstStyle/>
-          <a:p>
-            <a:pPr marL="342900" indent="-342900">
-              <a:buFont typeface="Arial" panose="020B0604020202020204" pitchFamily="34" charset="0"/>
-              <a:buChar char="•"/>
-            </a:pPr>
-            <a:r>
-              <a:rPr lang="en-US" altLang="ko-KR" sz="2000" dirty="0" smtClean="0"/>
-              <a:t>class Slave</a:t>
-            </a:r>
-            <a:endParaRPr lang="en-US" altLang="ko-KR" sz="2000" dirty="0"/>
-          </a:p>
-          <a:p>
-            <a:pPr marL="742950" lvl="1" indent="-285750">
-              <a:buFontTx/>
-              <a:buChar char="-"/>
-            </a:pPr>
-            <a:r>
-              <a:rPr lang="en-US" altLang="ko-KR" sz="1600" dirty="0" err="1"/>
-              <a:t>i</a:t>
-            </a:r>
-            <a:r>
-              <a:rPr lang="en-US" altLang="ko-KR" sz="1600" dirty="0" err="1" smtClean="0"/>
-              <a:t>p</a:t>
-            </a:r>
-            <a:r>
-              <a:rPr lang="en-US" altLang="ko-KR" sz="1600" dirty="0" smtClean="0"/>
-              <a:t>: String</a:t>
-            </a:r>
-          </a:p>
-          <a:p>
-            <a:pPr marL="742950" lvl="1" indent="-285750">
-              <a:buFontTx/>
-              <a:buChar char="-"/>
-            </a:pPr>
-            <a:r>
-              <a:rPr lang="en-US" altLang="ko-KR" sz="1600" dirty="0"/>
-              <a:t>p</a:t>
-            </a:r>
-            <a:r>
-              <a:rPr lang="en-US" altLang="ko-KR" sz="1600" dirty="0" smtClean="0"/>
-              <a:t>ort: </a:t>
-            </a:r>
-            <a:r>
-              <a:rPr lang="en-US" altLang="ko-KR" sz="1600" dirty="0" err="1" smtClean="0"/>
-              <a:t>Int</a:t>
-            </a:r>
-            <a:endParaRPr lang="en-US" altLang="ko-KR" sz="1600" dirty="0" smtClean="0"/>
-          </a:p>
-          <a:p>
-            <a:pPr marL="742950" lvl="1" indent="-285750">
-              <a:buFontTx/>
-              <a:buChar char="-"/>
-            </a:pPr>
-            <a:r>
-              <a:rPr lang="en-US" altLang="ko-KR" sz="1600" dirty="0" err="1" smtClean="0"/>
-              <a:t>dataSize</a:t>
-            </a:r>
-            <a:r>
-              <a:rPr lang="en-US" altLang="ko-KR" sz="1600" dirty="0" smtClean="0"/>
-              <a:t>: </a:t>
-            </a:r>
-            <a:r>
-              <a:rPr lang="en-US" altLang="ko-KR" sz="1600" dirty="0" err="1" smtClean="0"/>
-              <a:t>Int</a:t>
-            </a:r>
-            <a:endParaRPr lang="en-US" altLang="ko-KR" sz="1600" dirty="0" smtClean="0"/>
-          </a:p>
-          <a:p>
-            <a:pPr marL="742950" lvl="1" indent="-285750">
-              <a:buFontTx/>
-              <a:buChar char="-"/>
-            </a:pPr>
-            <a:r>
-              <a:rPr lang="en-US" altLang="ko-KR" sz="1600" dirty="0" err="1" smtClean="0"/>
-              <a:t>toByteArray</a:t>
-            </a:r>
-            <a:r>
-              <a:rPr lang="en-US" altLang="ko-KR" sz="1600" dirty="0" smtClean="0"/>
-              <a:t>(): </a:t>
-            </a:r>
-            <a:r>
-              <a:rPr lang="en-US" altLang="ko-KR" sz="1600" dirty="0"/>
-              <a:t>Array[byte</a:t>
-            </a:r>
-            <a:r>
-              <a:rPr lang="en-US" altLang="ko-KR" sz="1600" dirty="0" smtClean="0"/>
-              <a:t>]</a:t>
-            </a:r>
-          </a:p>
-          <a:p>
-            <a:pPr marL="742950" lvl="1" indent="-285750">
-              <a:buFontTx/>
-              <a:buChar char="-"/>
-            </a:pPr>
-            <a:endParaRPr lang="en-US" altLang="ko-KR" sz="1600" dirty="0"/>
-          </a:p>
-          <a:p>
-            <a:pPr marL="342900" indent="-342900">
-              <a:buFont typeface="Arial" panose="020B0604020202020204" pitchFamily="34" charset="0"/>
-              <a:buChar char="•"/>
-            </a:pPr>
-            <a:r>
-              <a:rPr lang="en-US" altLang="ko-KR" sz="2000" dirty="0" smtClean="0"/>
-              <a:t>class </a:t>
-            </a:r>
-            <a:r>
-              <a:rPr lang="en-US" altLang="ko-KR" sz="2000" dirty="0" err="1" smtClean="0"/>
-              <a:t>SlaveInfoMessage</a:t>
-            </a:r>
-            <a:endParaRPr lang="en-US" altLang="ko-KR" sz="2000" dirty="0" smtClean="0"/>
-          </a:p>
-          <a:p>
-            <a:pPr marL="742950" lvl="1" indent="-285750">
-              <a:buFontTx/>
-              <a:buChar char="-"/>
-            </a:pPr>
-            <a:r>
-              <a:rPr lang="en-US" altLang="ko-KR" sz="1600" dirty="0" err="1" smtClean="0"/>
-              <a:t>numOfSlave</a:t>
-            </a:r>
-            <a:r>
-              <a:rPr lang="en-US" altLang="ko-KR" sz="1600" dirty="0"/>
-              <a:t>: </a:t>
-            </a:r>
-            <a:r>
-              <a:rPr lang="en-US" altLang="ko-KR" sz="1600" dirty="0" err="1" smtClean="0"/>
-              <a:t>Int</a:t>
-            </a:r>
-            <a:endParaRPr lang="en-US" altLang="ko-KR" sz="1600" dirty="0"/>
-          </a:p>
-          <a:p>
-            <a:pPr marL="742950" lvl="1" indent="-285750">
-              <a:buFontTx/>
-              <a:buChar char="-"/>
-            </a:pPr>
-            <a:r>
-              <a:rPr lang="en-US" altLang="ko-KR" sz="1600" dirty="0" err="1" smtClean="0"/>
-              <a:t>numOfPartition</a:t>
-            </a:r>
-            <a:r>
-              <a:rPr lang="en-US" altLang="ko-KR" sz="1600" dirty="0"/>
-              <a:t>: </a:t>
-            </a:r>
-            <a:r>
-              <a:rPr lang="en-US" altLang="ko-KR" sz="1600" dirty="0" err="1" smtClean="0"/>
-              <a:t>Int</a:t>
-            </a:r>
-            <a:endParaRPr lang="en-US" altLang="ko-KR" sz="1600" dirty="0" smtClean="0"/>
-          </a:p>
-          <a:p>
-            <a:pPr marL="742950" lvl="1" indent="-285750">
-              <a:buFontTx/>
-              <a:buChar char="-"/>
-            </a:pPr>
-            <a:r>
-              <a:rPr lang="en-US" altLang="ko-KR" sz="1600" dirty="0" err="1" smtClean="0"/>
-              <a:t>slaveInfos</a:t>
-            </a:r>
-            <a:r>
-              <a:rPr lang="en-US" altLang="ko-KR" sz="1600" dirty="0"/>
-              <a:t>: </a:t>
-            </a:r>
-            <a:r>
-              <a:rPr lang="en-US" altLang="ko-KR" sz="1600" dirty="0" smtClean="0"/>
-              <a:t>Vector[Slave]</a:t>
-            </a:r>
-          </a:p>
-          <a:p>
-            <a:pPr marL="742950" lvl="1" indent="-285750">
-              <a:buFontTx/>
-              <a:buChar char="-"/>
-            </a:pPr>
-            <a:r>
-              <a:rPr lang="en-US" altLang="ko-KR" sz="1600" dirty="0" err="1" smtClean="0"/>
-              <a:t>pivotValues</a:t>
-            </a:r>
-            <a:r>
-              <a:rPr lang="en-US" altLang="ko-KR" sz="1600" dirty="0"/>
-              <a:t>: </a:t>
-            </a:r>
-            <a:r>
-              <a:rPr lang="en-US" altLang="ko-KR" sz="1600" dirty="0" smtClean="0"/>
-              <a:t>Vector[Key]</a:t>
-            </a:r>
-            <a:endParaRPr lang="en-US" altLang="ko-KR" sz="1600" dirty="0"/>
-          </a:p>
-          <a:p>
-            <a:pPr marL="742950" lvl="1" indent="-285750">
-              <a:buFontTx/>
-              <a:buChar char="-"/>
-            </a:pPr>
-            <a:endParaRPr lang="en-US" altLang="ko-KR" sz="1600" dirty="0" smtClean="0"/>
-          </a:p>
-          <a:p>
-            <a:pPr marL="342900" indent="-342900">
-              <a:buFont typeface="Arial" panose="020B0604020202020204" pitchFamily="34" charset="0"/>
-              <a:buChar char="•"/>
-            </a:pPr>
-            <a:r>
-              <a:rPr lang="en-US" altLang="ko-KR" sz="2000" dirty="0" smtClean="0"/>
-              <a:t>object </a:t>
-            </a:r>
-            <a:r>
-              <a:rPr lang="en-US" altLang="ko-KR" sz="2000" dirty="0" err="1"/>
-              <a:t>SlaveInfoMessage</a:t>
-            </a:r>
-            <a:endParaRPr lang="en-US" altLang="ko-KR" sz="2000" dirty="0"/>
-          </a:p>
-          <a:p>
-            <a:pPr marL="742950" lvl="1" indent="-285750">
-              <a:buFontTx/>
-              <a:buChar char="-"/>
-            </a:pPr>
-            <a:r>
-              <a:rPr lang="en-US" altLang="ko-KR" sz="1600" dirty="0" err="1"/>
-              <a:t>analyzeMessage</a:t>
-            </a:r>
-            <a:r>
-              <a:rPr lang="en-US" altLang="ko-KR" sz="1600" dirty="0"/>
-              <a:t>(Array[byte</a:t>
-            </a:r>
-            <a:r>
-              <a:rPr lang="en-US" altLang="ko-KR" sz="1600" dirty="0" smtClean="0"/>
-              <a:t>]): </a:t>
-            </a:r>
-            <a:r>
-              <a:rPr lang="en-US" altLang="ko-KR" sz="1600" dirty="0" err="1" smtClean="0"/>
-              <a:t>SlaveInfoMessage</a:t>
-            </a:r>
-            <a:endParaRPr lang="en-US" altLang="ko-KR" sz="1600" dirty="0" smtClean="0"/>
-          </a:p>
-          <a:p>
-            <a:pPr marL="742950" lvl="1" indent="-285750">
-              <a:buFontTx/>
-              <a:buChar char="-"/>
-            </a:pPr>
-            <a:r>
-              <a:rPr lang="en-US" altLang="ko-KR" sz="1600" dirty="0" smtClean="0"/>
-              <a:t>apply(Vector[Slave], Vector[</a:t>
-            </a:r>
-            <a:r>
-              <a:rPr lang="en-US" altLang="ko-KR" sz="1600" dirty="0" err="1" smtClean="0"/>
-              <a:t>Int</a:t>
-            </a:r>
-            <a:r>
-              <a:rPr lang="en-US" altLang="ko-KR" sz="1600" dirty="0" smtClean="0"/>
-              <a:t>]): </a:t>
-            </a:r>
-            <a:r>
-              <a:rPr lang="en-US" altLang="ko-KR" sz="1600" dirty="0" err="1" smtClean="0"/>
-              <a:t>SlaveInfoMessage</a:t>
-            </a:r>
-            <a:endParaRPr lang="en-US" altLang="ko-KR" sz="1600" dirty="0" smtClean="0"/>
-          </a:p>
-          <a:p>
-            <a:pPr marL="742950" lvl="1" indent="-285750">
-              <a:buFontTx/>
-              <a:buChar char="-"/>
-            </a:pPr>
-            <a:endParaRPr lang="en-US" altLang="ko-KR" sz="1600" dirty="0" smtClean="0"/>
-          </a:p>
-          <a:p>
-            <a:pPr lvl="1"/>
-            <a:endParaRPr lang="en-US" altLang="ko-KR" sz="1600" dirty="0" smtClean="0"/>
-          </a:p>
-          <a:p>
-            <a:pPr lvl="1"/>
-            <a:endParaRPr lang="en-US" altLang="ko-KR" sz="1600" dirty="0" smtClean="0"/>
-          </a:p>
-        </p:txBody>
-      </p:sp>
-      <p:sp>
-        <p:nvSpPr>
-          <p:cNvPr id="6" name="내용 개체 틀 2"/>
-          <p:cNvSpPr txBox="1">
-            <a:spLocks/>
-          </p:cNvSpPr>
-          <p:nvPr/>
-        </p:nvSpPr>
-        <p:spPr>
-          <a:xfrm>
-            <a:off x="838199" y="4209404"/>
-            <a:ext cx="4856267" cy="4755865"/>
-          </a:xfrm>
-          <a:prstGeom prst="rect">
-            <a:avLst/>
-          </a:prstGeom>
-        </p:spPr>
-        <p:txBody>
-          <a:bodyPr vert="horz" lIns="91440" tIns="45720" rIns="91440" bIns="45720" rtlCol="0">
-            <a:normAutofit/>
-          </a:bodyPr>
-          <a:lstStyle>
-            <a:lvl1pPr marL="228600" indent="-228600" algn="l" defTabSz="914400" rtl="0" eaLnBrk="1" latinLnBrk="1" hangingPunct="1">
-              <a:lnSpc>
-                <a:spcPct val="90000"/>
-              </a:lnSpc>
-              <a:spcBef>
-                <a:spcPts val="1000"/>
-              </a:spcBef>
-              <a:buFont typeface="Arial" panose="020B0604020202020204" pitchFamily="34" charset="0"/>
-              <a:buChar char="•"/>
-              <a:defRPr sz="2800" kern="1200">
-                <a:solidFill>
-                  <a:schemeClr val="tx1"/>
-                </a:solidFill>
-                <a:latin typeface="+mn-lt"/>
-                <a:ea typeface="+mn-ea"/>
-                <a:cs typeface="+mn-cs"/>
-              </a:defRPr>
-            </a:lvl1pPr>
-            <a:lvl2pPr marL="685800" indent="-228600" algn="l" defTabSz="914400" rtl="0" eaLnBrk="1" latinLnBrk="1" hangingPunct="1">
-              <a:lnSpc>
-                <a:spcPct val="90000"/>
-              </a:lnSpc>
-              <a:spcBef>
-                <a:spcPts val="500"/>
-              </a:spcBef>
-              <a:buFont typeface="Arial" panose="020B0604020202020204" pitchFamily="34" charset="0"/>
-              <a:buChar char="•"/>
-              <a:defRPr sz="2400" kern="1200">
-                <a:solidFill>
-                  <a:schemeClr val="tx1"/>
-                </a:solidFill>
-                <a:latin typeface="+mn-lt"/>
-                <a:ea typeface="+mn-ea"/>
-                <a:cs typeface="+mn-cs"/>
-              </a:defRPr>
-            </a:lvl2pPr>
-            <a:lvl3pPr marL="1143000" indent="-228600" algn="l" defTabSz="914400" rtl="0" eaLnBrk="1" latinLnBrk="1" hangingPunct="1">
-              <a:lnSpc>
-                <a:spcPct val="90000"/>
-              </a:lnSpc>
-              <a:spcBef>
-                <a:spcPts val="500"/>
-              </a:spcBef>
-              <a:buFont typeface="Arial" panose="020B0604020202020204" pitchFamily="34" charset="0"/>
-              <a:buChar char="•"/>
-              <a:defRPr sz="2000" kern="1200">
-                <a:solidFill>
-                  <a:schemeClr val="tx1"/>
-                </a:solidFill>
-                <a:latin typeface="+mn-lt"/>
-                <a:ea typeface="+mn-ea"/>
-                <a:cs typeface="+mn-cs"/>
-              </a:defRPr>
-            </a:lvl3pPr>
-            <a:lvl4pPr marL="1600200" indent="-228600" algn="l" defTabSz="914400" rtl="0" eaLnBrk="1" latinLnBrk="1" hangingPunct="1">
-              <a:lnSpc>
-                <a:spcPct val="90000"/>
-              </a:lnSpc>
-              <a:spcBef>
-                <a:spcPts val="500"/>
-              </a:spcBef>
-              <a:buFont typeface="Arial" panose="020B0604020202020204" pitchFamily="34" charset="0"/>
-              <a:buChar char="•"/>
-              <a:defRPr sz="1800" kern="1200">
-                <a:solidFill>
-                  <a:schemeClr val="tx1"/>
-                </a:solidFill>
-                <a:latin typeface="+mn-lt"/>
-                <a:ea typeface="+mn-ea"/>
-                <a:cs typeface="+mn-cs"/>
-              </a:defRPr>
-            </a:lvl4pPr>
-            <a:lvl5pPr marL="2057400" indent="-228600" algn="l" defTabSz="914400" rtl="0" eaLnBrk="1" latinLnBrk="1" hangingPunct="1">
-              <a:lnSpc>
-                <a:spcPct val="90000"/>
-              </a:lnSpc>
-              <a:spcBef>
-                <a:spcPts val="500"/>
-              </a:spcBef>
-              <a:buFont typeface="Arial" panose="020B0604020202020204" pitchFamily="34" charset="0"/>
-              <a:buChar char="•"/>
-              <a:defRPr sz="1800" kern="1200">
-                <a:solidFill>
-                  <a:schemeClr val="tx1"/>
-                </a:solidFill>
-                <a:latin typeface="+mn-lt"/>
-                <a:ea typeface="+mn-ea"/>
-                <a:cs typeface="+mn-cs"/>
-              </a:defRPr>
-            </a:lvl5pPr>
-            <a:lvl6pPr marL="2514600" indent="-228600" algn="l" defTabSz="914400" rtl="0" eaLnBrk="1" latinLnBrk="1" hangingPunct="1">
-              <a:lnSpc>
-                <a:spcPct val="90000"/>
-              </a:lnSpc>
-              <a:spcBef>
-                <a:spcPts val="500"/>
-              </a:spcBef>
-              <a:buFont typeface="Arial" panose="020B0604020202020204" pitchFamily="34" charset="0"/>
-              <a:buChar char="•"/>
-              <a:defRPr sz="1800" kern="1200">
-                <a:solidFill>
-                  <a:schemeClr val="tx1"/>
-                </a:solidFill>
-                <a:latin typeface="+mn-lt"/>
-                <a:ea typeface="+mn-ea"/>
-                <a:cs typeface="+mn-cs"/>
-              </a:defRPr>
-            </a:lvl6pPr>
-            <a:lvl7pPr marL="2971800" indent="-228600" algn="l" defTabSz="914400" rtl="0" eaLnBrk="1" latinLnBrk="1" hangingPunct="1">
-              <a:lnSpc>
-                <a:spcPct val="90000"/>
-              </a:lnSpc>
-              <a:spcBef>
-                <a:spcPts val="500"/>
-              </a:spcBef>
-              <a:buFont typeface="Arial" panose="020B0604020202020204" pitchFamily="34" charset="0"/>
-              <a:buChar char="•"/>
-              <a:defRPr sz="1800" kern="1200">
-                <a:solidFill>
-                  <a:schemeClr val="tx1"/>
-                </a:solidFill>
-                <a:latin typeface="+mn-lt"/>
-                <a:ea typeface="+mn-ea"/>
-                <a:cs typeface="+mn-cs"/>
-              </a:defRPr>
-            </a:lvl7pPr>
-            <a:lvl8pPr marL="3429000" indent="-228600" algn="l" defTabSz="914400" rtl="0" eaLnBrk="1" latinLnBrk="1" hangingPunct="1">
-              <a:lnSpc>
-                <a:spcPct val="90000"/>
-              </a:lnSpc>
-              <a:spcBef>
-                <a:spcPts val="500"/>
-              </a:spcBef>
-              <a:buFont typeface="Arial" panose="020B0604020202020204" pitchFamily="34" charset="0"/>
-              <a:buChar char="•"/>
-              <a:defRPr sz="1800" kern="1200">
-                <a:solidFill>
-                  <a:schemeClr val="tx1"/>
-                </a:solidFill>
-                <a:latin typeface="+mn-lt"/>
-                <a:ea typeface="+mn-ea"/>
-                <a:cs typeface="+mn-cs"/>
-              </a:defRPr>
-            </a:lvl8pPr>
-            <a:lvl9pPr marL="3886200" indent="-228600" algn="l" defTabSz="914400" rtl="0" eaLnBrk="1" latinLnBrk="1" hangingPunct="1">
-              <a:lnSpc>
-                <a:spcPct val="90000"/>
-              </a:lnSpc>
-              <a:spcBef>
-                <a:spcPts val="500"/>
-              </a:spcBef>
-              <a:buFont typeface="Arial" panose="020B0604020202020204" pitchFamily="34" charset="0"/>
-              <a:buChar char="•"/>
-              <a:defRPr sz="1800" kern="1200">
-                <a:solidFill>
-                  <a:schemeClr val="tx1"/>
-                </a:solidFill>
-                <a:latin typeface="+mn-lt"/>
-                <a:ea typeface="+mn-ea"/>
-                <a:cs typeface="+mn-cs"/>
-              </a:defRPr>
-            </a:lvl9pPr>
-          </a:lstStyle>
-          <a:p>
-            <a:r>
-              <a:rPr lang="en-US" altLang="ko-KR" sz="2000" dirty="0"/>
-              <a:t>a</a:t>
-            </a:r>
-            <a:r>
-              <a:rPr lang="en-US" altLang="ko-KR" sz="2000" dirty="0" smtClean="0"/>
-              <a:t>bstract class </a:t>
-            </a:r>
-            <a:r>
-              <a:rPr lang="en-US" altLang="ko-KR" sz="2000" dirty="0" err="1" smtClean="0"/>
-              <a:t>MessageType</a:t>
-            </a:r>
-            <a:endParaRPr lang="en-US" altLang="ko-KR" sz="2000" dirty="0" smtClean="0"/>
-          </a:p>
-          <a:p>
-            <a:r>
-              <a:rPr lang="en-US" altLang="ko-KR" sz="2000" dirty="0"/>
-              <a:t>c</a:t>
-            </a:r>
-            <a:r>
-              <a:rPr lang="en-US" altLang="ko-KR" sz="2000" dirty="0" smtClean="0"/>
-              <a:t>ase class …Message</a:t>
-            </a:r>
-            <a:endParaRPr lang="en-US" altLang="ko-KR" sz="1600" dirty="0" smtClean="0"/>
-          </a:p>
-          <a:p>
-            <a:endParaRPr lang="en-US" altLang="ko-KR" sz="2000" dirty="0" smtClean="0"/>
-          </a:p>
-          <a:p>
-            <a:pPr lvl="1">
-              <a:buFontTx/>
-              <a:buChar char="-"/>
-            </a:pPr>
-            <a:endParaRPr lang="en-US" altLang="ko-KR" sz="1600" dirty="0" smtClean="0"/>
-          </a:p>
-          <a:p>
-            <a:pPr marL="457200" lvl="1" indent="0">
-              <a:buFont typeface="Arial" panose="020B0604020202020204" pitchFamily="34" charset="0"/>
               <a:buNone/>
             </a:pPr>
             <a:endParaRPr lang="en-US" altLang="ko-KR" dirty="0" smtClean="0"/>
@@ -6533,21 +6070,21 @@
       </p:sp>
       <p:sp>
         <p:nvSpPr>
-          <p:cNvPr id="6" name="직사각형 5"/>
+          <p:cNvPr id="5" name="직사각형 4"/>
           <p:cNvSpPr/>
           <p:nvPr/>
         </p:nvSpPr>
         <p:spPr>
           <a:xfrm>
-            <a:off x="838200" y="1924306"/>
-            <a:ext cx="6096000" cy="3416320"/>
+            <a:off x="970412" y="2020066"/>
+            <a:ext cx="10383387" cy="4616648"/>
           </a:xfrm>
           <a:prstGeom prst="rect">
             <a:avLst/>
           </a:prstGeom>
         </p:spPr>
         <p:txBody>
-          <a:bodyPr>
+          <a:bodyPr wrap="square">
             <a:spAutoFit/>
           </a:bodyPr>
           <a:lstStyle/>
@@ -6558,13 +6095,9 @@
             </a:pPr>
             <a:r>
               <a:rPr lang="en-US" altLang="ko-KR" sz="2000" dirty="0" smtClean="0"/>
-              <a:t>class </a:t>
-            </a:r>
-            <a:r>
-              <a:rPr lang="en-US" altLang="ko-KR" sz="2000" dirty="0" err="1" smtClean="0"/>
-              <a:t>SampleMessage</a:t>
-            </a:r>
-            <a:endParaRPr lang="en-US" altLang="ko-KR" sz="2000" dirty="0" smtClean="0"/>
+              <a:t>class Slave</a:t>
+            </a:r>
+            <a:endParaRPr lang="en-US" altLang="ko-KR" sz="2000" dirty="0"/>
           </a:p>
           <a:p>
             <a:pPr marL="742950" lvl="1" indent="-285750">
@@ -6572,14 +6105,73 @@
               <a:buChar char="-"/>
             </a:pPr>
             <a:r>
+              <a:rPr lang="en-US" altLang="ko-KR" sz="1600" dirty="0" err="1"/>
+              <a:t>i</a:t>
+            </a:r>
+            <a:r>
+              <a:rPr lang="en-US" altLang="ko-KR" sz="1600" dirty="0" err="1" smtClean="0"/>
+              <a:t>p</a:t>
+            </a:r>
+            <a:r>
+              <a:rPr lang="en-US" altLang="ko-KR" sz="1600" dirty="0" smtClean="0"/>
+              <a:t>: String</a:t>
+            </a:r>
+          </a:p>
+          <a:p>
+            <a:pPr marL="742950" lvl="1" indent="-285750">
+              <a:buFontTx/>
+              <a:buChar char="-"/>
+            </a:pPr>
+            <a:r>
               <a:rPr lang="en-US" altLang="ko-KR" sz="1600" dirty="0"/>
-              <a:t>type Key = </a:t>
+              <a:t>p</a:t>
             </a:r>
             <a:r>
               <a:rPr lang="en-US" altLang="ko-KR" sz="1600" dirty="0" smtClean="0"/>
-              <a:t>Array[Byte]</a:t>
+              <a:t>ort: </a:t>
+            </a:r>
+            <a:r>
+              <a:rPr lang="en-US" altLang="ko-KR" sz="1600" dirty="0" err="1" smtClean="0"/>
+              <a:t>Int</a:t>
             </a:r>
             <a:endParaRPr lang="en-US" altLang="ko-KR" sz="1600" dirty="0" smtClean="0"/>
+          </a:p>
+          <a:p>
+            <a:pPr marL="742950" lvl="1" indent="-285750">
+              <a:buFontTx/>
+              <a:buChar char="-"/>
+            </a:pPr>
+            <a:r>
+              <a:rPr lang="en-US" altLang="ko-KR" sz="1600" dirty="0" err="1" smtClean="0"/>
+              <a:t>dataSize</a:t>
+            </a:r>
+            <a:r>
+              <a:rPr lang="en-US" altLang="ko-KR" sz="1600" dirty="0" smtClean="0"/>
+              <a:t>: </a:t>
+            </a:r>
+            <a:r>
+              <a:rPr lang="en-US" altLang="ko-KR" sz="1600" dirty="0" err="1" smtClean="0"/>
+              <a:t>Int</a:t>
+            </a:r>
+            <a:endParaRPr lang="en-US" altLang="ko-KR" sz="1600" dirty="0" smtClean="0"/>
+          </a:p>
+          <a:p>
+            <a:pPr marL="742950" lvl="1" indent="-285750">
+              <a:buFontTx/>
+              <a:buChar char="-"/>
+            </a:pPr>
+            <a:r>
+              <a:rPr lang="en-US" altLang="ko-KR" sz="1600" dirty="0" err="1" smtClean="0"/>
+              <a:t>toByteArray</a:t>
+            </a:r>
+            <a:r>
+              <a:rPr lang="en-US" altLang="ko-KR" sz="1600" dirty="0" smtClean="0"/>
+              <a:t>(): </a:t>
+            </a:r>
+            <a:r>
+              <a:rPr lang="en-US" altLang="ko-KR" sz="1600" dirty="0" smtClean="0"/>
+              <a:t>Array[byte]</a:t>
+            </a:r>
           </a:p>
           <a:p>
             <a:pPr marL="742950" lvl="1" indent="-285750">
@@ -6589,68 +6181,31 @@
             <a:endParaRPr lang="en-US" altLang="ko-KR" sz="1600" dirty="0"/>
           </a:p>
           <a:p>
-            <a:pPr marL="742950" lvl="1" indent="-285750">
-              <a:buFontTx/>
-              <a:buChar char="-"/>
+            <a:pPr marL="285750" indent="-285750">
+              <a:buFont typeface="Arial" panose="020B0604020202020204" pitchFamily="34" charset="0"/>
+              <a:buChar char="•"/>
             </a:pPr>
             <a:r>
-              <a:rPr lang="en-US" altLang="ko-KR" sz="1600" dirty="0" err="1" smtClean="0"/>
-              <a:t>dataSize</a:t>
-            </a:r>
-            <a:r>
-              <a:rPr lang="en-US" altLang="ko-KR" sz="1600" dirty="0" smtClean="0"/>
-              <a:t>: Long</a:t>
-            </a:r>
-            <a:endParaRPr lang="en-US" altLang="ko-KR" sz="1600" dirty="0" smtClean="0"/>
-          </a:p>
-          <a:p>
-            <a:pPr marL="742950" lvl="1" indent="-285750">
-              <a:buFontTx/>
-              <a:buChar char="-"/>
-            </a:pPr>
-            <a:r>
-              <a:rPr lang="en-US" altLang="ko-KR" sz="1600" dirty="0" err="1" smtClean="0"/>
-              <a:t>sampleSize</a:t>
-            </a:r>
-            <a:r>
-              <a:rPr lang="en-US" altLang="ko-KR" sz="1600" dirty="0" smtClean="0"/>
-              <a:t>: </a:t>
-            </a:r>
-            <a:r>
-              <a:rPr lang="en-US" altLang="ko-KR" sz="1600" dirty="0" err="1" smtClean="0"/>
-              <a:t>Int</a:t>
-            </a:r>
-            <a:endParaRPr lang="en-US" altLang="ko-KR" sz="1600" dirty="0" smtClean="0"/>
-          </a:p>
-          <a:p>
-            <a:pPr marL="742950" lvl="1" indent="-285750">
-              <a:buFontTx/>
-              <a:buChar char="-"/>
-            </a:pPr>
-            <a:r>
-              <a:rPr lang="en-US" altLang="ko-KR" sz="1600" dirty="0"/>
-              <a:t>s</a:t>
-            </a:r>
-            <a:r>
-              <a:rPr lang="en-US" altLang="ko-KR" sz="1600" dirty="0" smtClean="0"/>
-              <a:t>amples: </a:t>
-            </a:r>
-            <a:r>
-              <a:rPr lang="en-US" altLang="ko-KR" sz="1600" dirty="0" smtClean="0"/>
-              <a:t>List[Key</a:t>
-            </a:r>
-            <a:r>
-              <a:rPr lang="en-US" altLang="ko-KR" sz="1600" dirty="0" smtClean="0"/>
+              <a:rPr lang="en-US" altLang="ko-KR" sz="2000" dirty="0" smtClean="0"/>
+              <a:t>type </a:t>
+            </a:r>
+            <a:r>
+              <a:rPr lang="en-US" altLang="ko-KR" sz="2000" dirty="0"/>
+              <a:t>Key = Array[Byte</a:t>
+            </a:r>
+            <a:r>
+              <a:rPr lang="en-US" altLang="ko-KR" sz="2000" dirty="0" smtClean="0"/>
               <a:t>]</a:t>
             </a:r>
+            <a:endParaRPr lang="en-US" altLang="ko-KR" sz="2000" dirty="0"/>
+          </a:p>
+          <a:p>
+            <a:pPr lvl="1"/>
             <a:endParaRPr lang="en-US" altLang="ko-KR" sz="1600" dirty="0"/>
           </a:p>
           <a:p>
-            <a:pPr marL="742950" lvl="1" indent="-285750">
-              <a:buFontTx/>
-              <a:buChar char="-"/>
-            </a:pPr>
-            <a:endParaRPr lang="en-US" altLang="ko-KR" sz="1600" dirty="0" smtClean="0"/>
+            <a:pPr lvl="1"/>
+            <a:endParaRPr lang="en-US" altLang="ko-KR" sz="1600" dirty="0"/>
           </a:p>
           <a:p>
             <a:pPr marL="342900" indent="-342900">
@@ -6658,186 +6213,129 @@
               <a:buChar char="•"/>
             </a:pPr>
             <a:r>
-              <a:rPr lang="en-US" altLang="ko-KR" sz="2000" dirty="0" smtClean="0"/>
-              <a:t>object </a:t>
-            </a:r>
-            <a:r>
-              <a:rPr lang="en-US" altLang="ko-KR" sz="2000" dirty="0" err="1" smtClean="0"/>
-              <a:t>SampleMessage</a:t>
-            </a:r>
-            <a:endParaRPr lang="en-US" altLang="ko-KR" sz="2000" dirty="0"/>
-          </a:p>
-          <a:p>
-            <a:pPr marL="742950" lvl="1" indent="-285750">
-              <a:buFontTx/>
-              <a:buChar char="-"/>
-            </a:pPr>
-            <a:r>
-              <a:rPr lang="en-US" altLang="ko-KR" sz="1600" dirty="0" err="1"/>
-              <a:t>analyzeMessage</a:t>
-            </a:r>
-            <a:r>
-              <a:rPr lang="en-US" altLang="ko-KR" sz="1600" dirty="0"/>
-              <a:t>(Array[byte]): </a:t>
-            </a:r>
-            <a:r>
-              <a:rPr lang="en-US" altLang="ko-KR" sz="1600" dirty="0" err="1" smtClean="0"/>
-              <a:t>SampleMessage</a:t>
-            </a:r>
-            <a:endParaRPr lang="en-US" altLang="ko-KR" sz="1600" dirty="0" smtClean="0"/>
-          </a:p>
-          <a:p>
-            <a:pPr marL="742950" lvl="1" indent="-285750">
-              <a:buFontTx/>
-              <a:buChar char="-"/>
-            </a:pPr>
-            <a:r>
-              <a:rPr lang="en-US" altLang="ko-KR" sz="1600" dirty="0" smtClean="0"/>
-              <a:t>apply(Long, </a:t>
-            </a:r>
-            <a:r>
-              <a:rPr lang="en-US" altLang="ko-KR" sz="1600" dirty="0" err="1" smtClean="0"/>
-              <a:t>Int</a:t>
-            </a:r>
-            <a:r>
-              <a:rPr lang="en-US" altLang="ko-KR" sz="1600" dirty="0"/>
-              <a:t>, Array[byte]): </a:t>
-            </a:r>
-            <a:r>
-              <a:rPr lang="en-US" altLang="ko-KR" sz="1600" dirty="0" err="1" smtClean="0"/>
-              <a:t>SampleMessage</a:t>
-            </a:r>
-            <a:endParaRPr lang="en-US" altLang="ko-KR" sz="1600" dirty="0" smtClean="0"/>
-          </a:p>
-          <a:p>
-            <a:pPr marL="742950" lvl="1" indent="-285750">
-              <a:buFontTx/>
-              <a:buChar char="-"/>
-            </a:pPr>
-            <a:endParaRPr lang="en-US" altLang="ko-KR" sz="1600" dirty="0" smtClean="0"/>
-          </a:p>
-          <a:p>
-            <a:pPr lvl="1"/>
-            <a:endParaRPr lang="en-US" altLang="ko-KR" sz="1600" dirty="0" smtClean="0"/>
-          </a:p>
-          <a:p>
-            <a:pPr lvl="1"/>
-            <a:endParaRPr lang="en-US" altLang="ko-KR" sz="1600" dirty="0" smtClean="0"/>
-          </a:p>
-        </p:txBody>
-      </p:sp>
-      <p:sp>
-        <p:nvSpPr>
-          <p:cNvPr id="8" name="직사각형 7"/>
-          <p:cNvSpPr/>
-          <p:nvPr/>
-        </p:nvSpPr>
-        <p:spPr>
-          <a:xfrm>
-            <a:off x="838200" y="5270785"/>
-            <a:ext cx="6096000" cy="1138773"/>
-          </a:xfrm>
-          <a:prstGeom prst="rect">
-            <a:avLst/>
-          </a:prstGeom>
-        </p:spPr>
-        <p:txBody>
-          <a:bodyPr>
-            <a:spAutoFit/>
-          </a:bodyPr>
-          <a:lstStyle/>
+              <a:rPr lang="en-US" altLang="ko-KR" dirty="0"/>
+              <a:t>c</a:t>
+            </a:r>
+            <a:r>
+              <a:rPr lang="en-US" altLang="ko-KR" dirty="0" smtClean="0"/>
+              <a:t>ase class </a:t>
+            </a:r>
+            <a:r>
+              <a:rPr lang="en-US" altLang="ko-KR" dirty="0" err="1" smtClean="0"/>
+              <a:t>SlaveInfoMessage</a:t>
+            </a:r>
+            <a:r>
+              <a:rPr lang="en-US" altLang="ko-KR" dirty="0" smtClean="0"/>
+              <a:t>(</a:t>
+            </a:r>
+            <a:r>
+              <a:rPr lang="en-US" altLang="ko-KR" dirty="0" err="1" smtClean="0"/>
+              <a:t>val</a:t>
+            </a:r>
+            <a:r>
+              <a:rPr lang="en-US" altLang="ko-KR" dirty="0" smtClean="0"/>
+              <a:t> </a:t>
+            </a:r>
+            <a:r>
+              <a:rPr lang="en-US" altLang="ko-KR" dirty="0" err="1" smtClean="0"/>
+              <a:t>slaveInfos</a:t>
+            </a:r>
+            <a:r>
+              <a:rPr lang="en-US" altLang="ko-KR" dirty="0" smtClean="0"/>
+              <a:t>: Vector[Slave], </a:t>
+            </a:r>
+            <a:r>
+              <a:rPr lang="en-US" altLang="ko-KR" dirty="0" err="1" smtClean="0"/>
+              <a:t>val</a:t>
+            </a:r>
+            <a:r>
+              <a:rPr lang="en-US" altLang="ko-KR" dirty="0" smtClean="0"/>
+              <a:t> </a:t>
+            </a:r>
+            <a:r>
+              <a:rPr lang="en-US" altLang="ko-KR" dirty="0" err="1" smtClean="0"/>
+              <a:t>pivotValues</a:t>
+            </a:r>
+            <a:r>
+              <a:rPr lang="en-US" altLang="ko-KR" dirty="0" smtClean="0"/>
+              <a:t>) extends Message</a:t>
+            </a:r>
+          </a:p>
           <a:p>
             <a:pPr marL="342900" indent="-342900">
               <a:buFont typeface="Arial" panose="020B0604020202020204" pitchFamily="34" charset="0"/>
               <a:buChar char="•"/>
             </a:pPr>
             <a:r>
-              <a:rPr lang="en-US" altLang="ko-KR" sz="2000" dirty="0"/>
-              <a:t>o</a:t>
-            </a:r>
-            <a:r>
-              <a:rPr lang="en-US" altLang="ko-KR" sz="2000" dirty="0" smtClean="0"/>
-              <a:t>bject </a:t>
-            </a:r>
-            <a:r>
-              <a:rPr lang="en-US" altLang="ko-KR" sz="2000" dirty="0" err="1" smtClean="0"/>
-              <a:t>DoneMessage</a:t>
-            </a:r>
-            <a:endParaRPr lang="en-US" altLang="ko-KR" sz="1600" dirty="0" smtClean="0"/>
-          </a:p>
-          <a:p>
-            <a:pPr marL="742950" lvl="1" indent="-285750">
-              <a:buFontTx/>
-              <a:buChar char="-"/>
-            </a:pPr>
-            <a:endParaRPr lang="en-US" altLang="ko-KR" sz="1600" dirty="0" smtClean="0"/>
-          </a:p>
-          <a:p>
-            <a:pPr lvl="1"/>
-            <a:endParaRPr lang="en-US" altLang="ko-KR" sz="1600" dirty="0" smtClean="0"/>
-          </a:p>
-          <a:p>
-            <a:pPr lvl="1"/>
-            <a:endParaRPr lang="en-US" altLang="ko-KR" sz="1600" dirty="0" smtClean="0"/>
-          </a:p>
-        </p:txBody>
-      </p:sp>
-      <p:sp>
-        <p:nvSpPr>
-          <p:cNvPr id="11" name="직사각형 10"/>
-          <p:cNvSpPr/>
-          <p:nvPr/>
-        </p:nvSpPr>
-        <p:spPr>
-          <a:xfrm>
-            <a:off x="6009305" y="1730263"/>
-            <a:ext cx="6096000" cy="2492990"/>
-          </a:xfrm>
-          <a:prstGeom prst="rect">
-            <a:avLst/>
-          </a:prstGeom>
-        </p:spPr>
-        <p:txBody>
-          <a:bodyPr>
-            <a:spAutoFit/>
-          </a:bodyPr>
-          <a:lstStyle/>
+              <a:rPr lang="en-US" altLang="ko-KR" dirty="0"/>
+              <a:t>c</a:t>
+            </a:r>
+            <a:r>
+              <a:rPr lang="en-US" altLang="ko-KR" dirty="0" smtClean="0"/>
+              <a:t>ase class </a:t>
+            </a:r>
+            <a:r>
+              <a:rPr lang="en-US" altLang="ko-KR" dirty="0" err="1" smtClean="0"/>
+              <a:t>SampleMessage</a:t>
+            </a:r>
+            <a:r>
+              <a:rPr lang="en-US" altLang="ko-KR" dirty="0" smtClean="0"/>
+              <a:t>(</a:t>
+            </a:r>
+            <a:r>
+              <a:rPr lang="en-US" altLang="ko-KR" dirty="0" err="1" smtClean="0"/>
+              <a:t>val</a:t>
+            </a:r>
+            <a:r>
+              <a:rPr lang="en-US" altLang="ko-KR" dirty="0" smtClean="0"/>
+              <a:t> </a:t>
+            </a:r>
+            <a:r>
+              <a:rPr lang="en-US" altLang="ko-KR" dirty="0" err="1" smtClean="0"/>
+              <a:t>dataSize</a:t>
+            </a:r>
+            <a:r>
+              <a:rPr lang="en-US" altLang="ko-KR" dirty="0" smtClean="0"/>
+              <a:t>: </a:t>
+            </a:r>
+            <a:r>
+              <a:rPr lang="en-US" altLang="ko-KR" dirty="0" err="1" smtClean="0"/>
+              <a:t>Int</a:t>
+            </a:r>
+            <a:r>
+              <a:rPr lang="en-US" altLang="ko-KR" dirty="0" smtClean="0"/>
+              <a:t>, </a:t>
+            </a:r>
+            <a:r>
+              <a:rPr lang="en-US" altLang="ko-KR" dirty="0" err="1" smtClean="0"/>
+              <a:t>val</a:t>
+            </a:r>
+            <a:r>
+              <a:rPr lang="en-US" altLang="ko-KR" dirty="0" smtClean="0"/>
+              <a:t> samples: Vector[Key]) extends Message</a:t>
+            </a:r>
+          </a:p>
           <a:p>
             <a:pPr marL="342900" indent="-342900">
               <a:buFont typeface="Arial" panose="020B0604020202020204" pitchFamily="34" charset="0"/>
               <a:buChar char="•"/>
             </a:pPr>
             <a:r>
-              <a:rPr lang="en-US" altLang="ko-KR" sz="2000" dirty="0" smtClean="0"/>
-              <a:t>class </a:t>
-            </a:r>
-            <a:r>
-              <a:rPr lang="en-US" altLang="ko-KR" sz="2000" dirty="0" err="1" smtClean="0"/>
-              <a:t>DataInfoMessage</a:t>
-            </a:r>
-            <a:endParaRPr lang="en-US" altLang="ko-KR" sz="2000" dirty="0" smtClean="0"/>
-          </a:p>
-          <a:p>
-            <a:pPr marL="742950" lvl="1" indent="-285750">
-              <a:buFontTx/>
-              <a:buChar char="-"/>
-            </a:pPr>
-            <a:r>
-              <a:rPr lang="en-US" altLang="ko-KR" sz="1600" dirty="0" smtClean="0"/>
-              <a:t>size: Vector[</a:t>
-            </a:r>
-            <a:r>
-              <a:rPr lang="en-US" altLang="ko-KR" sz="1600" dirty="0" err="1" smtClean="0"/>
-              <a:t>Int</a:t>
-            </a:r>
-            <a:r>
-              <a:rPr lang="en-US" altLang="ko-KR" sz="1600" dirty="0" smtClean="0"/>
-              <a:t>]</a:t>
-            </a:r>
-          </a:p>
-          <a:p>
-            <a:pPr lvl="1"/>
-            <a:endParaRPr lang="en-US" altLang="ko-KR" sz="1600" dirty="0" smtClean="0"/>
+              <a:rPr lang="en-US" altLang="ko-KR" dirty="0" smtClean="0"/>
+              <a:t>object</a:t>
+            </a:r>
+            <a:r>
+              <a:rPr lang="en-US" altLang="ko-KR" dirty="0" smtClean="0"/>
+              <a:t> </a:t>
+            </a:r>
+            <a:r>
+              <a:rPr lang="en-US" altLang="ko-KR" dirty="0" err="1" smtClean="0"/>
+              <a:t>DoneMessage</a:t>
+            </a:r>
+            <a:r>
+              <a:rPr lang="en-US" altLang="ko-KR" dirty="0" smtClean="0"/>
+              <a:t> extends Message</a:t>
+            </a:r>
           </a:p>
           <a:p>
             <a:pPr marL="342900" indent="-342900">
@@ -6845,269 +6343,121 @@
               <a:buChar char="•"/>
             </a:pPr>
             <a:r>
-              <a:rPr lang="en-US" altLang="ko-KR" sz="2000" dirty="0" smtClean="0"/>
-              <a:t>object </a:t>
-            </a:r>
-            <a:r>
-              <a:rPr lang="en-US" altLang="ko-KR" sz="2000" dirty="0" err="1"/>
+              <a:rPr lang="en-US" altLang="ko-KR" dirty="0"/>
+              <a:t>c</a:t>
+            </a:r>
+            <a:r>
+              <a:rPr lang="en-US" altLang="ko-KR" dirty="0" smtClean="0"/>
+              <a:t>ase class </a:t>
+            </a:r>
+            <a:r>
+              <a:rPr lang="en-US" altLang="ko-KR" dirty="0" err="1" smtClean="0"/>
               <a:t>DataInfoMessage</a:t>
             </a:r>
-            <a:endParaRPr lang="en-US" altLang="ko-KR" sz="2000" dirty="0"/>
-          </a:p>
-          <a:p>
-            <a:pPr marL="742950" lvl="1" indent="-285750">
-              <a:buFontTx/>
-              <a:buChar char="-"/>
-            </a:pPr>
-            <a:r>
-              <a:rPr lang="en-US" altLang="ko-KR" sz="1600" dirty="0" err="1" smtClean="0"/>
-              <a:t>analyzeMessage</a:t>
-            </a:r>
-            <a:r>
-              <a:rPr lang="en-US" altLang="ko-KR" sz="1600" dirty="0" smtClean="0"/>
-              <a:t>(Array[Byte</a:t>
-            </a:r>
-            <a:r>
-              <a:rPr lang="en-US" altLang="ko-KR" sz="1600" dirty="0"/>
-              <a:t>]): </a:t>
-            </a:r>
-            <a:r>
-              <a:rPr lang="en-US" altLang="ko-KR" sz="1600" dirty="0" err="1"/>
-              <a:t>DataInfoMessage</a:t>
-            </a:r>
-            <a:endParaRPr lang="en-US" altLang="ko-KR" sz="1600" dirty="0" smtClean="0"/>
-          </a:p>
-          <a:p>
-            <a:pPr marL="742950" lvl="1" indent="-285750">
-              <a:buFontTx/>
-              <a:buChar char="-"/>
-            </a:pPr>
-            <a:r>
-              <a:rPr lang="en-US" altLang="ko-KR" sz="1600" dirty="0" smtClean="0"/>
-              <a:t>apply(Vector[</a:t>
-            </a:r>
-            <a:r>
-              <a:rPr lang="en-US" altLang="ko-KR" sz="1600" dirty="0" err="1" smtClean="0"/>
+            <a:r>
+              <a:rPr lang="en-US" altLang="ko-KR" dirty="0" smtClean="0"/>
+              <a:t>(</a:t>
+            </a:r>
+            <a:r>
+              <a:rPr lang="en-US" altLang="ko-KR" dirty="0" err="1" smtClean="0"/>
+              <a:t>val</a:t>
+            </a:r>
+            <a:r>
+              <a:rPr lang="en-US" altLang="ko-KR" dirty="0" smtClean="0"/>
+              <a:t> sizes: Vector[</a:t>
+            </a:r>
+            <a:r>
+              <a:rPr lang="en-US" altLang="ko-KR" dirty="0" err="1" smtClean="0"/>
               <a:t>Int</a:t>
             </a:r>
             <a:r>
-              <a:rPr lang="en-US" altLang="ko-KR" sz="1600" dirty="0"/>
-              <a:t>]): </a:t>
-            </a:r>
-            <a:r>
-              <a:rPr lang="en-US" altLang="ko-KR" sz="1600" dirty="0" err="1"/>
-              <a:t>DataInfoMessage</a:t>
-            </a:r>
-            <a:endParaRPr lang="en-US" altLang="ko-KR" sz="1600" dirty="0" smtClean="0"/>
-          </a:p>
-          <a:p>
-            <a:pPr marL="742950" lvl="1" indent="-285750">
-              <a:buFontTx/>
-              <a:buChar char="-"/>
-            </a:pPr>
-            <a:endParaRPr lang="en-US" altLang="ko-KR" sz="1600" dirty="0" smtClean="0"/>
-          </a:p>
-          <a:p>
-            <a:pPr lvl="1"/>
-            <a:endParaRPr lang="en-US" altLang="ko-KR" sz="1600" dirty="0" smtClean="0"/>
-          </a:p>
-          <a:p>
-            <a:pPr lvl="1"/>
-            <a:endParaRPr lang="en-US" altLang="ko-KR" sz="1600" dirty="0" smtClean="0"/>
-          </a:p>
-        </p:txBody>
-      </p:sp>
-      <p:sp>
-        <p:nvSpPr>
-          <p:cNvPr id="12" name="직사각형 11"/>
-          <p:cNvSpPr/>
-          <p:nvPr/>
-        </p:nvSpPr>
-        <p:spPr>
-          <a:xfrm>
-            <a:off x="6009305" y="3965654"/>
-            <a:ext cx="6096000" cy="2923877"/>
-          </a:xfrm>
-          <a:prstGeom prst="rect">
-            <a:avLst/>
-          </a:prstGeom>
-        </p:spPr>
-        <p:txBody>
-          <a:bodyPr>
-            <a:spAutoFit/>
-          </a:bodyPr>
-          <a:lstStyle/>
+              <a:rPr lang="en-US" altLang="ko-KR" dirty="0" smtClean="0"/>
+              <a:t>]) extends Message</a:t>
+            </a:r>
+          </a:p>
           <a:p>
             <a:pPr marL="342900" indent="-342900">
               <a:buFont typeface="Arial" panose="020B0604020202020204" pitchFamily="34" charset="0"/>
               <a:buChar char="•"/>
             </a:pPr>
             <a:r>
-              <a:rPr lang="en-US" altLang="ko-KR" sz="2000" dirty="0" smtClean="0"/>
-              <a:t>class </a:t>
-            </a:r>
-            <a:r>
-              <a:rPr lang="en-US" altLang="ko-KR" sz="2000" dirty="0" err="1" smtClean="0"/>
+              <a:rPr lang="en-US" altLang="ko-KR" dirty="0"/>
+              <a:t>c</a:t>
+            </a:r>
+            <a:r>
+              <a:rPr lang="en-US" altLang="ko-KR" dirty="0" smtClean="0"/>
+              <a:t>ase class </a:t>
+            </a:r>
+            <a:r>
+              <a:rPr lang="en-US" altLang="ko-KR" dirty="0" err="1" smtClean="0"/>
               <a:t>DataMessage</a:t>
             </a:r>
-            <a:endParaRPr lang="en-US" altLang="ko-KR" sz="2000" dirty="0" smtClean="0"/>
-          </a:p>
-          <a:p>
-            <a:pPr marL="742950" lvl="1" indent="-285750">
-              <a:buFontTx/>
-              <a:buChar char="-"/>
-            </a:pPr>
-            <a:r>
-              <a:rPr lang="en-US" altLang="ko-KR" sz="1600" dirty="0" err="1" smtClean="0"/>
+            <a:r>
+              <a:rPr lang="en-US" altLang="ko-KR" dirty="0" smtClean="0"/>
+              <a:t>(</a:t>
+            </a:r>
+            <a:r>
+              <a:rPr lang="en-US" altLang="ko-KR" dirty="0" err="1" smtClean="0"/>
+              <a:t>val</a:t>
+            </a:r>
+            <a:r>
+              <a:rPr lang="en-US" altLang="ko-KR" dirty="0" smtClean="0"/>
+              <a:t> </a:t>
+            </a:r>
+            <a:r>
+              <a:rPr lang="en-US" altLang="ko-KR" dirty="0" err="1" smtClean="0"/>
               <a:t>partitionNum</a:t>
             </a:r>
             <a:r>
-              <a:rPr lang="en-US" altLang="ko-KR" sz="1600" dirty="0" smtClean="0"/>
+              <a:rPr lang="en-US" altLang="ko-KR" dirty="0" smtClean="0"/>
               <a:t>: </a:t>
             </a:r>
             <a:r>
-              <a:rPr lang="en-US" altLang="ko-KR" sz="1600" dirty="0" err="1" smtClean="0"/>
+              <a:rPr lang="en-US" altLang="ko-KR" dirty="0" err="1" smtClean="0"/>
               <a:t>Int</a:t>
             </a:r>
-            <a:endParaRPr lang="en-US" altLang="ko-KR" sz="1600" dirty="0" smtClean="0"/>
-          </a:p>
-          <a:p>
-            <a:pPr marL="742950" lvl="1" indent="-285750">
-              <a:buFontTx/>
-              <a:buChar char="-"/>
-            </a:pPr>
-            <a:r>
-              <a:rPr lang="en-US" altLang="ko-KR" sz="1600" dirty="0" err="1"/>
-              <a:t>i</a:t>
-            </a:r>
-            <a:r>
-              <a:rPr lang="en-US" altLang="ko-KR" sz="1600" dirty="0" err="1" smtClean="0"/>
-              <a:t>dx</a:t>
-            </a:r>
-            <a:r>
-              <a:rPr lang="en-US" altLang="ko-KR" sz="1600" dirty="0" smtClean="0"/>
+            <a:r>
+              <a:rPr lang="en-US" altLang="ko-KR" dirty="0" smtClean="0"/>
+              <a:t>, </a:t>
+            </a:r>
+            <a:r>
+              <a:rPr lang="en-US" altLang="ko-KR" dirty="0" err="1" smtClean="0"/>
+              <a:t>val</a:t>
+            </a:r>
+            <a:r>
+              <a:rPr lang="en-US" altLang="ko-KR" dirty="0" smtClean="0"/>
+              <a:t> </a:t>
+            </a:r>
+            <a:r>
+              <a:rPr lang="en-US" altLang="ko-KR" dirty="0" err="1" smtClean="0"/>
+              <a:t>idx</a:t>
+            </a:r>
+            <a:r>
+              <a:rPr lang="en-US" altLang="ko-KR" dirty="0" smtClean="0"/>
               <a:t>: </a:t>
             </a:r>
             <a:r>
-              <a:rPr lang="en-US" altLang="ko-KR" sz="1600" dirty="0" err="1" smtClean="0"/>
+              <a:rPr lang="en-US" altLang="ko-KR" dirty="0" err="1" smtClean="0"/>
               <a:t>Int</a:t>
             </a:r>
-            <a:endParaRPr lang="en-US" altLang="ko-KR" sz="1600" dirty="0" smtClean="0"/>
-          </a:p>
-          <a:p>
-            <a:pPr marL="742950" lvl="1" indent="-285750">
-              <a:buFontTx/>
-              <a:buChar char="-"/>
-            </a:pPr>
-            <a:r>
-              <a:rPr lang="en-US" altLang="ko-KR" sz="1600" dirty="0"/>
-              <a:t>d</a:t>
-            </a:r>
-            <a:r>
-              <a:rPr lang="en-US" altLang="ko-KR" sz="1600" dirty="0" smtClean="0"/>
-              <a:t>ata</a:t>
-            </a:r>
-            <a:r>
-              <a:rPr lang="en-US" altLang="ko-KR" sz="1600" dirty="0"/>
-              <a:t>: Array[byte]</a:t>
-            </a:r>
-            <a:endParaRPr lang="en-US" altLang="ko-KR" sz="1600" dirty="0" smtClean="0"/>
-          </a:p>
-          <a:p>
-            <a:pPr lvl="1"/>
-            <a:endParaRPr lang="en-US" altLang="ko-KR" sz="1600" dirty="0" smtClean="0"/>
+            <a:r>
+              <a:rPr lang="en-US" altLang="ko-KR" dirty="0" smtClean="0"/>
+              <a:t>, data: Array[Byte]) extends Message</a:t>
+            </a:r>
           </a:p>
           <a:p>
             <a:pPr marL="342900" indent="-342900">
               <a:buFont typeface="Arial" panose="020B0604020202020204" pitchFamily="34" charset="0"/>
               <a:buChar char="•"/>
             </a:pPr>
-            <a:r>
-              <a:rPr lang="en-US" altLang="ko-KR" sz="2000" dirty="0" smtClean="0"/>
-              <a:t>object </a:t>
-            </a:r>
-            <a:r>
-              <a:rPr lang="en-US" altLang="ko-KR" sz="2000" dirty="0" err="1" smtClean="0"/>
-              <a:t>DataMessage</a:t>
-            </a:r>
-            <a:endParaRPr lang="en-US" altLang="ko-KR" sz="2000" dirty="0"/>
-          </a:p>
-          <a:p>
-            <a:pPr marL="742950" lvl="1" indent="-285750">
-              <a:buFontTx/>
-              <a:buChar char="-"/>
+            <a:endParaRPr lang="en-US" altLang="ko-KR" dirty="0" smtClean="0"/>
+          </a:p>
+          <a:p>
+            <a:pPr marL="342900" indent="-342900">
+              <a:buFont typeface="Arial" panose="020B0604020202020204" pitchFamily="34" charset="0"/>
+              <a:buChar char="•"/>
             </a:pPr>
-            <a:r>
-              <a:rPr lang="en-US" altLang="ko-KR" sz="1600" dirty="0" err="1" smtClean="0"/>
-              <a:t>analyzeMessage</a:t>
-            </a:r>
-            <a:r>
-              <a:rPr lang="en-US" altLang="ko-KR" sz="1600" dirty="0" smtClean="0"/>
-              <a:t>(Array[Byte</a:t>
-            </a:r>
-            <a:r>
-              <a:rPr lang="en-US" altLang="ko-KR" sz="1600" dirty="0"/>
-              <a:t>]): </a:t>
-            </a:r>
-            <a:r>
-              <a:rPr lang="en-US" altLang="ko-KR" sz="1600" dirty="0" err="1" smtClean="0"/>
-              <a:t>DataMessage</a:t>
-            </a:r>
-            <a:endParaRPr lang="en-US" altLang="ko-KR" sz="1600" dirty="0" smtClean="0"/>
-          </a:p>
-          <a:p>
-            <a:pPr marL="742950" lvl="1" indent="-285750">
-              <a:buFontTx/>
-              <a:buChar char="-"/>
-            </a:pPr>
-            <a:r>
-              <a:rPr lang="en-US" altLang="ko-KR" sz="1600" dirty="0" smtClean="0"/>
-              <a:t>apply(</a:t>
-            </a:r>
-            <a:r>
-              <a:rPr lang="en-US" altLang="ko-KR" sz="1600" dirty="0" err="1" smtClean="0"/>
-              <a:t>Int</a:t>
-            </a:r>
-            <a:r>
-              <a:rPr lang="en-US" altLang="ko-KR" sz="1600" dirty="0" smtClean="0"/>
-              <a:t>, </a:t>
-            </a:r>
-            <a:r>
-              <a:rPr lang="en-US" altLang="ko-KR" sz="1600" dirty="0" err="1" smtClean="0"/>
-              <a:t>Int</a:t>
-            </a:r>
-            <a:r>
-              <a:rPr lang="en-US" altLang="ko-KR" sz="1600" dirty="0"/>
-              <a:t>, </a:t>
-            </a:r>
-            <a:r>
-              <a:rPr lang="en-US" altLang="ko-KR" sz="1600" dirty="0" smtClean="0"/>
-              <a:t>Array[Byte</a:t>
-            </a:r>
-            <a:r>
-              <a:rPr lang="en-US" altLang="ko-KR" sz="1600" dirty="0"/>
-              <a:t>]</a:t>
-            </a:r>
-            <a:r>
-              <a:rPr lang="en-US" altLang="ko-KR" sz="1600" dirty="0" smtClean="0"/>
-              <a:t>): </a:t>
-            </a:r>
-            <a:r>
-              <a:rPr lang="en-US" altLang="ko-KR" sz="1600" dirty="0" err="1" smtClean="0"/>
-              <a:t>DataMessage</a:t>
-            </a:r>
-            <a:endParaRPr lang="en-US" altLang="ko-KR" sz="1600" dirty="0" smtClean="0"/>
-          </a:p>
-          <a:p>
-            <a:pPr marL="742950" lvl="1" indent="-285750">
-              <a:buFontTx/>
-              <a:buChar char="-"/>
-            </a:pPr>
-            <a:endParaRPr lang="en-US" altLang="ko-KR" sz="1600" dirty="0" smtClean="0"/>
-          </a:p>
-          <a:p>
-            <a:pPr lvl="1"/>
-            <a:endParaRPr lang="en-US" altLang="ko-KR" sz="1600" dirty="0" smtClean="0"/>
+            <a:endParaRPr lang="en-US" altLang="ko-KR" dirty="0" smtClean="0"/>
           </a:p>
           <a:p>
             <a:pPr lvl="1"/>
@@ -7118,7 +6468,7 @@
     </p:spTree>
     <p:extLst>
       <p:ext uri="{BB962C8B-B14F-4D97-AF65-F5344CB8AC3E}">
-        <p14:creationId xmlns:p14="http://schemas.microsoft.com/office/powerpoint/2010/main" val="1291798499"/>
+        <p14:creationId xmlns:p14="http://schemas.microsoft.com/office/powerpoint/2010/main" val="1055633754"/>
       </p:ext>
     </p:extLst>
   </p:cSld>
@@ -7199,11 +6549,7 @@
           <a:p>
             <a:r>
               <a:rPr lang="en-US" altLang="ko-KR" sz="2000" dirty="0" smtClean="0"/>
-              <a:t>class </a:t>
-            </a:r>
-            <a:r>
-              <a:rPr lang="en-US" altLang="ko-KR" sz="2000" dirty="0" smtClean="0"/>
-              <a:t>Master</a:t>
+              <a:t>class Master</a:t>
             </a:r>
             <a:endParaRPr lang="en-US" altLang="ko-KR" sz="1600" dirty="0" smtClean="0"/>
           </a:p>
@@ -7354,13 +6700,8 @@
             </a:r>
             <a:r>
               <a:rPr lang="en-US" altLang="ko-KR" sz="1600" dirty="0" smtClean="0"/>
-              <a:t>): List[Future[List[Key</a:t>
-            </a:r>
-            <a:r>
-              <a:rPr lang="en-US" altLang="ko-KR" sz="1600" dirty="0" smtClean="0"/>
-              <a:t>]]]</a:t>
-            </a:r>
-            <a:endParaRPr lang="en-US" altLang="ko-KR" sz="1600" dirty="0" smtClean="0"/>
+              <a:t>): List[Future[List[Key]]]</a:t>
+            </a:r>
           </a:p>
           <a:p>
             <a:pPr lvl="1">
@@ -7373,50 +6714,11 @@
             </a:r>
             <a:r>
               <a:rPr lang="en-US" altLang="ko-KR" sz="1600" dirty="0" smtClean="0"/>
-              <a:t>(Socket): Future[List[Key]]</a:t>
-            </a:r>
-            <a:endParaRPr lang="en-US" altLang="ko-KR" sz="1600" dirty="0"/>
-          </a:p>
-          <a:p>
-            <a:pPr marL="457200" lvl="1" indent="0">
-              <a:buNone/>
-            </a:pPr>
-            <a:endParaRPr lang="en-US" altLang="ko-KR" sz="1600" dirty="0" smtClean="0"/>
-          </a:p>
-          <a:p>
-            <a:endParaRPr lang="ko-KR" altLang="en-US" dirty="0"/>
-          </a:p>
-        </p:txBody>
-      </p:sp>
-      <p:sp>
-        <p:nvSpPr>
-          <p:cNvPr id="4" name="직사각형 3"/>
-          <p:cNvSpPr/>
-          <p:nvPr/>
-        </p:nvSpPr>
-        <p:spPr>
-          <a:xfrm>
-            <a:off x="6209159" y="735518"/>
-            <a:ext cx="6096000" cy="4031873"/>
-          </a:xfrm>
-          <a:prstGeom prst="rect">
-            <a:avLst/>
-          </a:prstGeom>
-        </p:spPr>
-        <p:txBody>
-          <a:bodyPr>
-            <a:spAutoFit/>
-          </a:bodyPr>
-          <a:lstStyle/>
-          <a:p>
-            <a:pPr lvl="1"/>
+              <a:t>(Socket): Future[List[Key</a:t>
+            </a:r>
             <a:r>
               <a:rPr lang="en-US" altLang="ko-KR" sz="1600" dirty="0" smtClean="0"/>
-              <a:t>(</a:t>
-            </a:r>
-            <a:r>
-              <a:rPr lang="en-US" altLang="ko-KR" sz="1600" dirty="0" smtClean="0"/>
-              <a:t>Sample)</a:t>
+              <a:t>]]</a:t>
             </a:r>
           </a:p>
           <a:p>
@@ -7425,12 +6727,8 @@
               <a:buChar char="-"/>
             </a:pPr>
             <a:r>
-              <a:rPr lang="en-US" altLang="ko-KR" sz="1600" dirty="0" smtClean="0"/>
-              <a:t> </a:t>
-            </a:r>
-            <a:r>
               <a:rPr lang="en-US" altLang="ko-KR" sz="1600" dirty="0" err="1" smtClean="0"/>
-              <a:t>recvSampleMsg</a:t>
+              <a:t>updateSlaveInfo</a:t>
             </a:r>
             <a:r>
               <a:rPr lang="en-US" altLang="ko-KR" sz="1600" dirty="0" smtClean="0"/>
@@ -7438,44 +6736,8 @@
             </a:r>
             <a:r>
               <a:rPr lang="en-US" altLang="ko-KR" sz="1600" dirty="0"/>
-              <a:t>): </a:t>
-            </a:r>
-            <a:r>
-              <a:rPr lang="en-US" altLang="ko-KR" sz="1600" dirty="0" smtClean="0"/>
-              <a:t>Future[</a:t>
-            </a:r>
-            <a:r>
-              <a:rPr lang="en-US" altLang="ko-KR" sz="1600" dirty="0" err="1" smtClean="0"/>
-              <a:t>SampleMsg</a:t>
-            </a:r>
-            <a:r>
-              <a:rPr lang="en-US" altLang="ko-KR" sz="1600" dirty="0" smtClean="0"/>
-              <a:t>]</a:t>
-            </a:r>
-            <a:endParaRPr lang="en-US" altLang="ko-KR" sz="1600" dirty="0" smtClean="0"/>
-          </a:p>
-          <a:p>
-            <a:pPr lvl="1">
-              <a:buFontTx/>
-              <a:buChar char="-"/>
-            </a:pPr>
-            <a:r>
-              <a:rPr lang="en-US" altLang="ko-KR" sz="1600" dirty="0"/>
-              <a:t> </a:t>
-            </a:r>
-            <a:r>
-              <a:rPr lang="en-US" altLang="ko-KR" sz="1600" dirty="0" err="1"/>
-              <a:t>updateSlaveInfo</a:t>
-            </a:r>
-            <a:r>
-              <a:rPr lang="en-US" altLang="ko-KR" sz="1600" dirty="0"/>
-              <a:t>(Socket, Slave): </a:t>
-            </a:r>
-            <a:r>
-              <a:rPr lang="en-US" altLang="ko-KR" sz="1600" dirty="0" smtClean="0"/>
-              <a:t>Unit</a:t>
-            </a:r>
-            <a:endParaRPr lang="en-US" altLang="ko-KR" sz="1600" dirty="0" smtClean="0"/>
+              <a:t>, Slave): Unit</a:t>
+            </a:r>
           </a:p>
           <a:p>
             <a:pPr lvl="1">
@@ -7485,18 +6747,79 @@
             <a:endParaRPr lang="en-US" altLang="ko-KR" sz="1600" dirty="0"/>
           </a:p>
           <a:p>
+            <a:pPr marL="457200" lvl="1" indent="0">
+              <a:buNone/>
+            </a:pPr>
+            <a:endParaRPr lang="en-US" altLang="ko-KR" sz="1600" dirty="0" smtClean="0"/>
+          </a:p>
+          <a:p>
+            <a:endParaRPr lang="ko-KR" altLang="en-US" dirty="0"/>
+          </a:p>
+        </p:txBody>
+      </p:sp>
+      <p:sp>
+        <p:nvSpPr>
+          <p:cNvPr id="4" name="직사각형 3"/>
+          <p:cNvSpPr/>
+          <p:nvPr/>
+        </p:nvSpPr>
+        <p:spPr>
+          <a:xfrm>
+            <a:off x="6209159" y="735518"/>
+            <a:ext cx="6096000" cy="3785652"/>
+          </a:xfrm>
+          <a:prstGeom prst="rect">
+            <a:avLst/>
+          </a:prstGeom>
+        </p:spPr>
+        <p:txBody>
+          <a:bodyPr>
+            <a:spAutoFit/>
+          </a:bodyPr>
+          <a:lstStyle/>
+          <a:p>
             <a:pPr lvl="1"/>
             <a:r>
               <a:rPr lang="en-US" altLang="ko-KR" sz="1600" dirty="0" smtClean="0"/>
-              <a:t>(</a:t>
+              <a:t>(Connect)</a:t>
+            </a:r>
+          </a:p>
+          <a:p>
+            <a:pPr lvl="1">
+              <a:buFontTx/>
+              <a:buChar char="-"/>
+            </a:pPr>
+            <a:r>
+              <a:rPr lang="en-US" altLang="ko-KR" sz="1600" dirty="0" smtClean="0"/>
+              <a:t> </a:t>
             </a:r>
             <a:r>
               <a:rPr lang="en-US" altLang="ko-KR" sz="1600" dirty="0" err="1" smtClean="0"/>
-              <a:t>Calc</a:t>
+              <a:t>recvSampleMsg</a:t>
             </a:r>
             <a:r>
               <a:rPr lang="en-US" altLang="ko-KR" sz="1600" dirty="0" smtClean="0"/>
-              <a:t>)</a:t>
+              <a:t>(Socket</a:t>
+            </a:r>
+            <a:r>
+              <a:rPr lang="en-US" altLang="ko-KR" sz="1600" dirty="0"/>
+              <a:t>): </a:t>
+            </a:r>
+            <a:r>
+              <a:rPr lang="en-US" altLang="ko-KR" sz="1600" dirty="0" err="1" smtClean="0"/>
+              <a:t>SampleMsg</a:t>
+            </a:r>
+            <a:endParaRPr lang="en-US" altLang="ko-KR" sz="1600" dirty="0" smtClean="0"/>
+          </a:p>
+          <a:p>
+            <a:pPr lvl="1"/>
+            <a:endParaRPr lang="en-US" altLang="ko-KR" sz="1600" dirty="0"/>
+          </a:p>
+          <a:p>
+            <a:pPr lvl="1"/>
+            <a:r>
+              <a:rPr lang="en-US" altLang="ko-KR" sz="1600" dirty="0" smtClean="0"/>
+              <a:t>(Sample)</a:t>
             </a:r>
           </a:p>
           <a:p>
@@ -7573,7 +6896,11 @@
             </a:r>
             <a:r>
               <a:rPr lang="en-US" altLang="ko-KR" sz="1600" dirty="0" smtClean="0"/>
-              <a:t>(): Future[Unit]</a:t>
+              <a:t>(): </a:t>
+            </a:r>
+            <a:r>
+              <a:rPr lang="en-US" altLang="ko-KR" sz="1600" dirty="0" smtClean="0"/>
+              <a:t>Unit</a:t>
             </a:r>
             <a:endParaRPr lang="en-US" altLang="ko-KR" sz="1600" dirty="0"/>
           </a:p>
@@ -7592,13 +6919,10 @@
               <a:t>(): </a:t>
             </a:r>
             <a:r>
-              <a:rPr lang="en-US" altLang="ko-KR" sz="1600" dirty="0"/>
-              <a:t>Future[Unit</a:t>
-            </a:r>
-            <a:r>
               <a:rPr lang="en-US" altLang="ko-KR" sz="1600" dirty="0" smtClean="0"/>
-              <a:t>]</a:t>
-            </a:r>
+              <a:t>Unit</a:t>
+            </a:r>
+            <a:endParaRPr lang="en-US" altLang="ko-KR" sz="1600" dirty="0" smtClean="0"/>
           </a:p>
           <a:p>
             <a:pPr marL="742950" lvl="1" indent="-285750">
@@ -7879,13 +7203,8 @@
             </a:r>
             <a:r>
               <a:rPr lang="en-US" altLang="ko-KR" sz="1600" dirty="0" smtClean="0"/>
-              <a:t>): </a:t>
-            </a:r>
-            <a:r>
-              <a:rPr lang="en-US" altLang="ko-KR" sz="1600" dirty="0" smtClean="0"/>
-              <a:t>Unit</a:t>
-            </a:r>
-            <a:endParaRPr lang="en-US" altLang="ko-KR" sz="1600" dirty="0" smtClean="0"/>
+              <a:t>): Unit</a:t>
+            </a:r>
           </a:p>
           <a:p>
             <a:pPr lvl="1">
@@ -7975,16 +7294,13 @@
             </a:r>
             <a:r>
               <a:rPr lang="en-US" altLang="ko-KR" sz="1600" dirty="0"/>
-              <a:t>(): Future[</a:t>
-            </a:r>
-            <a:r>
-              <a:rPr lang="en-US" altLang="ko-KR" sz="1600" dirty="0" err="1"/>
+              <a:t>(): </a:t>
+            </a:r>
+            <a:r>
+              <a:rPr lang="en-US" altLang="ko-KR" sz="1600" dirty="0" err="1" smtClean="0"/>
               <a:t>SlaveInfoMsg</a:t>
             </a:r>
-            <a:r>
-              <a:rPr lang="en-US" altLang="ko-KR" sz="1600" dirty="0"/>
-              <a:t>]</a:t>
-            </a:r>
+            <a:endParaRPr lang="en-US" altLang="ko-KR" sz="1600" dirty="0"/>
           </a:p>
           <a:p>
             <a:pPr lvl="1">
@@ -8044,11 +7360,7 @@
             <a:pPr lvl="1"/>
             <a:r>
               <a:rPr lang="en-US" altLang="ko-KR" sz="1600" dirty="0" smtClean="0"/>
-              <a:t>(</a:t>
-            </a:r>
-            <a:r>
-              <a:rPr lang="en-US" altLang="ko-KR" sz="1600" dirty="0" smtClean="0"/>
-              <a:t>Compute)</a:t>
+              <a:t>(Compute)</a:t>
             </a:r>
             <a:endParaRPr lang="en-US" altLang="ko-KR" sz="1600" dirty="0"/>
           </a:p>
@@ -8375,7 +7687,11 @@
           <a:bodyPr/>
           <a:lstStyle/>
           <a:p>
-            <a:endParaRPr lang="ko-KR" altLang="en-US"/>
+            <a:r>
+              <a:rPr lang="en-US" altLang="ko-KR" dirty="0" smtClean="0"/>
+              <a:t>Message</a:t>
+            </a:r>
+            <a:endParaRPr lang="ko-KR" altLang="en-US" dirty="0"/>
           </a:p>
         </p:txBody>
       </p:sp>
@@ -8394,14 +7710,236 @@
           <a:bodyPr/>
           <a:lstStyle/>
           <a:p>
-            <a:endParaRPr lang="ko-KR" altLang="en-US"/>
+            <a:r>
+              <a:rPr lang="en-US" altLang="ko-KR" dirty="0" smtClean="0"/>
+              <a:t>…</a:t>
+            </a:r>
+            <a:r>
+              <a:rPr lang="en-US" altLang="ko-KR" dirty="0" err="1" smtClean="0"/>
+              <a:t>MsgEqualsToInterpretationOfItsByteArray</a:t>
+            </a:r>
+            <a:endParaRPr lang="ko-KR" altLang="en-US" dirty="0"/>
           </a:p>
         </p:txBody>
       </p:sp>
     </p:spTree>
     <p:extLst>
       <p:ext uri="{BB962C8B-B14F-4D97-AF65-F5344CB8AC3E}">
-        <p14:creationId xmlns:p14="http://schemas.microsoft.com/office/powerpoint/2010/main" val="3215969989"/>
+        <p14:creationId xmlns:p14="http://schemas.microsoft.com/office/powerpoint/2010/main" val="462376432"/>
+      </p:ext>
+    </p:extLst>
+  </p:cSld>
+  <p:clrMapOvr>
+    <a:masterClrMapping/>
+  </p:clrMapOvr>
+</p:sld>
+</file>
+
+<file path=ppt/slides/slide28.xml><?xml version="1.0" encoding="utf-8"?>
+<p:sld xmlns:a="http://schemas.openxmlformats.org/drawingml/2006/main" xmlns:r="http://schemas.openxmlformats.org/officeDocument/2006/relationships" xmlns:p="http://schemas.openxmlformats.org/presentationml/2006/main">
+  <p:cSld>
+    <p:spTree>
+      <p:nvGrpSpPr>
+        <p:cNvPr id="1" name=""/>
+        <p:cNvGrpSpPr/>
+        <p:nvPr/>
+      </p:nvGrpSpPr>
+      <p:grpSpPr>
+        <a:xfrm>
+          <a:off x="0" y="0"/>
+          <a:ext cx="0" cy="0"/>
+          <a:chOff x="0" y="0"/>
+          <a:chExt cx="0" cy="0"/>
+        </a:xfrm>
+      </p:grpSpPr>
+      <p:sp>
+        <p:nvSpPr>
+          <p:cNvPr id="2" name="제목 1"/>
+          <p:cNvSpPr>
+            <a:spLocks noGrp="1"/>
+          </p:cNvSpPr>
+          <p:nvPr>
+            <p:ph type="title"/>
+          </p:nvPr>
+        </p:nvSpPr>
+        <p:spPr/>
+        <p:txBody>
+          <a:bodyPr/>
+          <a:lstStyle/>
+          <a:p>
+            <a:r>
+              <a:rPr lang="en-US" altLang="ko-KR" dirty="0" smtClean="0"/>
+              <a:t>State</a:t>
+            </a:r>
+            <a:endParaRPr lang="ko-KR" altLang="en-US" dirty="0"/>
+          </a:p>
+        </p:txBody>
+      </p:sp>
+      <p:sp>
+        <p:nvSpPr>
+          <p:cNvPr id="3" name="내용 개체 틀 2"/>
+          <p:cNvSpPr>
+            <a:spLocks noGrp="1"/>
+          </p:cNvSpPr>
+          <p:nvPr>
+            <p:ph idx="1"/>
+          </p:nvPr>
+        </p:nvSpPr>
+        <p:spPr/>
+        <p:txBody>
+          <a:bodyPr/>
+          <a:lstStyle/>
+          <a:p>
+            <a:r>
+              <a:rPr lang="en-US" altLang="ko-KR" dirty="0" err="1" smtClean="0"/>
+              <a:t>SlaveListUpdatedAfterConnection</a:t>
+            </a:r>
+            <a:endParaRPr lang="en-US" altLang="ko-KR" dirty="0" smtClean="0"/>
+          </a:p>
+          <a:p>
+            <a:endParaRPr lang="ko-KR" altLang="en-US" dirty="0"/>
+          </a:p>
+        </p:txBody>
+      </p:sp>
+    </p:spTree>
+    <p:extLst>
+      <p:ext uri="{BB962C8B-B14F-4D97-AF65-F5344CB8AC3E}">
+        <p14:creationId xmlns:p14="http://schemas.microsoft.com/office/powerpoint/2010/main" val="1484116259"/>
+      </p:ext>
+    </p:extLst>
+  </p:cSld>
+  <p:clrMapOvr>
+    <a:masterClrMapping/>
+  </p:clrMapOvr>
+</p:sld>
+</file>
+
+<file path=ppt/slides/slide29.xml><?xml version="1.0" encoding="utf-8"?>
+<p:sld xmlns:a="http://schemas.openxmlformats.org/drawingml/2006/main" xmlns:r="http://schemas.openxmlformats.org/officeDocument/2006/relationships" xmlns:p="http://schemas.openxmlformats.org/presentationml/2006/main">
+  <p:cSld>
+    <p:spTree>
+      <p:nvGrpSpPr>
+        <p:cNvPr id="1" name=""/>
+        <p:cNvGrpSpPr/>
+        <p:nvPr/>
+      </p:nvGrpSpPr>
+      <p:grpSpPr>
+        <a:xfrm>
+          <a:off x="0" y="0"/>
+          <a:ext cx="0" cy="0"/>
+          <a:chOff x="0" y="0"/>
+          <a:chExt cx="0" cy="0"/>
+        </a:xfrm>
+      </p:grpSpPr>
+      <p:sp>
+        <p:nvSpPr>
+          <p:cNvPr id="2" name="제목 1"/>
+          <p:cNvSpPr>
+            <a:spLocks noGrp="1"/>
+          </p:cNvSpPr>
+          <p:nvPr>
+            <p:ph type="title"/>
+          </p:nvPr>
+        </p:nvSpPr>
+        <p:spPr/>
+        <p:txBody>
+          <a:bodyPr/>
+          <a:lstStyle/>
+          <a:p>
+            <a:r>
+              <a:rPr lang="en-US" altLang="ko-KR" dirty="0" smtClean="0"/>
+              <a:t>Futures</a:t>
+            </a:r>
+            <a:endParaRPr lang="ko-KR" altLang="en-US" dirty="0"/>
+          </a:p>
+        </p:txBody>
+      </p:sp>
+      <p:sp>
+        <p:nvSpPr>
+          <p:cNvPr id="3" name="내용 개체 틀 2"/>
+          <p:cNvSpPr>
+            <a:spLocks noGrp="1"/>
+          </p:cNvSpPr>
+          <p:nvPr>
+            <p:ph idx="1"/>
+          </p:nvPr>
+        </p:nvSpPr>
+        <p:spPr/>
+        <p:txBody>
+          <a:bodyPr/>
+          <a:lstStyle/>
+          <a:p>
+            <a:r>
+              <a:rPr lang="en-US" altLang="ko-KR" dirty="0" err="1" smtClean="0"/>
+              <a:t>samplingFutureCompletesAfterSampleMsg</a:t>
+            </a:r>
+            <a:endParaRPr lang="en-US" altLang="ko-KR" dirty="0" smtClean="0"/>
+          </a:p>
+          <a:p>
+            <a:r>
+              <a:rPr lang="en-US" altLang="ko-KR" dirty="0" err="1" smtClean="0"/>
+              <a:t>samplingFutureDoesNotCompletesAfter</a:t>
+            </a:r>
+            <a:r>
+              <a:rPr lang="en-US" altLang="ko-KR" dirty="0" smtClean="0"/>
+              <a:t>…</a:t>
+            </a:r>
+            <a:r>
+              <a:rPr lang="en-US" altLang="ko-KR" dirty="0" err="1" smtClean="0"/>
+              <a:t>Msg</a:t>
+            </a:r>
+            <a:endParaRPr lang="en-US" altLang="ko-KR" dirty="0"/>
+          </a:p>
+          <a:p>
+            <a:endParaRPr lang="en-US" altLang="ko-KR" dirty="0" smtClean="0"/>
+          </a:p>
+          <a:p>
+            <a:r>
+              <a:rPr lang="en-US" altLang="ko-KR" dirty="0" err="1" smtClean="0"/>
+              <a:t>computeFuture</a:t>
+            </a:r>
+            <a:r>
+              <a:rPr lang="en-US" altLang="ko-KR" dirty="0" err="1"/>
+              <a:t>Complete</a:t>
+            </a:r>
+            <a:r>
+              <a:rPr lang="en-US" altLang="ko-KR" dirty="0" err="1" smtClean="0"/>
+              <a:t>sAfterDoneMsg</a:t>
+            </a:r>
+            <a:endParaRPr lang="en-US" altLang="ko-KR" dirty="0" smtClean="0"/>
+          </a:p>
+          <a:p>
+            <a:r>
+              <a:rPr lang="en-US" altLang="ko-KR" dirty="0" err="1" smtClean="0"/>
+              <a:t>computeFutureDoesNot</a:t>
+            </a:r>
+            <a:r>
+              <a:rPr lang="en-US" altLang="ko-KR" dirty="0" err="1"/>
+              <a:t>Complete</a:t>
+            </a:r>
+            <a:r>
+              <a:rPr lang="en-US" altLang="ko-KR" dirty="0" err="1" smtClean="0"/>
+              <a:t>sAfter</a:t>
+            </a:r>
+            <a:r>
+              <a:rPr lang="en-US" altLang="ko-KR" dirty="0" smtClean="0"/>
+              <a:t>…</a:t>
+            </a:r>
+            <a:r>
+              <a:rPr lang="en-US" altLang="ko-KR" dirty="0" err="1" smtClean="0"/>
+              <a:t>Msg</a:t>
+            </a:r>
+            <a:endParaRPr lang="en-US" altLang="ko-KR" dirty="0"/>
+          </a:p>
+          <a:p>
+            <a:endParaRPr lang="ko-KR" altLang="en-US" dirty="0"/>
+          </a:p>
+        </p:txBody>
+      </p:sp>
+    </p:spTree>
+    <p:extLst>
+      <p:ext uri="{BB962C8B-B14F-4D97-AF65-F5344CB8AC3E}">
+        <p14:creationId xmlns:p14="http://schemas.microsoft.com/office/powerpoint/2010/main" val="363375175"/>
       </p:ext>
     </p:extLst>
   </p:cSld>
@@ -8472,11 +8010,7 @@
             </a:r>
             <a:r>
               <a:rPr lang="en-US" altLang="ko-KR" dirty="0" smtClean="0"/>
-              <a:t> as </a:t>
-            </a:r>
-            <a:r>
-              <a:rPr lang="en-US" altLang="ko-KR" dirty="0" smtClean="0"/>
-              <a:t>Array[Byte]</a:t>
+              <a:t> as Array[Byte]</a:t>
             </a:r>
             <a:endParaRPr lang="ko-KR" altLang="en-US" dirty="0"/>
           </a:p>
@@ -8499,6 +8033,82 @@
       </p:par>
     </p:tnLst>
   </p:timing>
+</p:sld>
+</file>
+
+<file path=ppt/slides/slide30.xml><?xml version="1.0" encoding="utf-8"?>
+<p:sld xmlns:a="http://schemas.openxmlformats.org/drawingml/2006/main" xmlns:r="http://schemas.openxmlformats.org/officeDocument/2006/relationships" xmlns:p="http://schemas.openxmlformats.org/presentationml/2006/main">
+  <p:cSld>
+    <p:spTree>
+      <p:nvGrpSpPr>
+        <p:cNvPr id="1" name=""/>
+        <p:cNvGrpSpPr/>
+        <p:nvPr/>
+      </p:nvGrpSpPr>
+      <p:grpSpPr>
+        <a:xfrm>
+          <a:off x="0" y="0"/>
+          <a:ext cx="0" cy="0"/>
+          <a:chOff x="0" y="0"/>
+          <a:chExt cx="0" cy="0"/>
+        </a:xfrm>
+      </p:grpSpPr>
+      <p:sp>
+        <p:nvSpPr>
+          <p:cNvPr id="2" name="제목 1"/>
+          <p:cNvSpPr>
+            <a:spLocks noGrp="1"/>
+          </p:cNvSpPr>
+          <p:nvPr>
+            <p:ph type="title"/>
+          </p:nvPr>
+        </p:nvSpPr>
+        <p:spPr/>
+        <p:txBody>
+          <a:bodyPr/>
+          <a:lstStyle/>
+          <a:p>
+            <a:r>
+              <a:rPr lang="en-US" altLang="ko-KR" dirty="0" smtClean="0"/>
+              <a:t>Sample Calculation</a:t>
+            </a:r>
+            <a:endParaRPr lang="ko-KR" altLang="en-US" dirty="0"/>
+          </a:p>
+        </p:txBody>
+      </p:sp>
+      <p:sp>
+        <p:nvSpPr>
+          <p:cNvPr id="3" name="내용 개체 틀 2"/>
+          <p:cNvSpPr>
+            <a:spLocks noGrp="1"/>
+          </p:cNvSpPr>
+          <p:nvPr>
+            <p:ph idx="1"/>
+          </p:nvPr>
+        </p:nvSpPr>
+        <p:spPr/>
+        <p:txBody>
+          <a:bodyPr/>
+          <a:lstStyle/>
+          <a:p>
+            <a:r>
+              <a:rPr lang="en-US" altLang="ko-KR" dirty="0" err="1" smtClean="0"/>
+              <a:t>calculatesCorrectPivot</a:t>
+            </a:r>
+            <a:endParaRPr lang="ko-KR" altLang="en-US" dirty="0"/>
+          </a:p>
+        </p:txBody>
+      </p:sp>
+    </p:spTree>
+    <p:extLst>
+      <p:ext uri="{BB962C8B-B14F-4D97-AF65-F5344CB8AC3E}">
+        <p14:creationId xmlns:p14="http://schemas.microsoft.com/office/powerpoint/2010/main" val="81598223"/>
+      </p:ext>
+    </p:extLst>
+  </p:cSld>
+  <p:clrMapOvr>
+    <a:masterClrMapping/>
+  </p:clrMapOvr>
 </p:sld>
 </file>
 
@@ -8925,23 +8535,7 @@
                       </a:r>
                       <a:r>
                         <a:rPr lang="en-US" altLang="ko-KR" sz="1400" baseline="0" dirty="0" smtClean="0"/>
-                        <a:t> </a:t>
-                      </a:r>
-                      <a:r>
-                        <a:rPr lang="en-US" altLang="ko-KR" sz="1400" baseline="0" dirty="0" smtClean="0"/>
-                        <a:t>(10 </a:t>
-                      </a:r>
-                      <a:r>
-                        <a:rPr lang="en-US" altLang="ko-KR" sz="1400" baseline="0" dirty="0" smtClean="0"/>
-                        <a:t>bytes, </a:t>
-                      </a:r>
-                      <a:r>
-                        <a:rPr lang="en-US" altLang="ko-KR" sz="1400" baseline="0" dirty="0" smtClean="0"/>
-                        <a:t>Key) </a:t>
-                      </a:r>
-                      <a:r>
-                        <a:rPr lang="en-US" altLang="ko-KR" sz="1400" baseline="0" dirty="0" smtClean="0"/>
-                        <a:t>* ((# of slaves) - 1)</a:t>
+                        <a:t> (10 bytes, Key) * ((# of slaves) - 1)</a:t>
                       </a:r>
                       <a:endParaRPr lang="ko-KR" altLang="en-US" sz="1400" b="0" dirty="0"/>
                     </a:p>
@@ -9352,11 +8946,7 @@
                       </a:pPr>
                       <a:r>
                         <a:rPr lang="en-US" altLang="ko-KR" sz="1400" b="0" dirty="0" smtClean="0"/>
-                        <a:t># </a:t>
-                      </a:r>
-                      <a:r>
-                        <a:rPr lang="en-US" altLang="ko-KR" sz="1400" b="0" dirty="0" smtClean="0"/>
-                        <a:t>of samples</a:t>
+                        <a:t># of samples</a:t>
                       </a:r>
                     </a:p>
                     <a:p>
@@ -9454,11 +9044,7 @@
                       </a:pPr>
                       <a:r>
                         <a:rPr lang="en-US" altLang="ko-KR" sz="1400" b="0" baseline="0" dirty="0" smtClean="0"/>
-                        <a:t># </a:t>
-                      </a:r>
-                      <a:r>
-                        <a:rPr lang="en-US" altLang="ko-KR" sz="1400" b="0" baseline="0" dirty="0" smtClean="0"/>
-                        <a:t>of samples (4 bytes, Integer)</a:t>
+                        <a:t># of samples (4 bytes, Integer)</a:t>
                       </a:r>
                     </a:p>
                     <a:p>
@@ -9634,7 +9220,7 @@
           <p:nvPr>
             <p:extLst>
               <p:ext uri="{D42A27DB-BD31-4B8C-83A1-F6EECF244321}">
-                <p14:modId xmlns:p14="http://schemas.microsoft.com/office/powerpoint/2010/main" val="2999418484"/>
+                <p14:modId xmlns:p14="http://schemas.microsoft.com/office/powerpoint/2010/main" val="1933420308"/>
               </p:ext>
             </p:extLst>
           </p:nvPr>
@@ -9987,7 +9573,15 @@
                       </a:pPr>
                       <a:r>
                         <a:rPr lang="en-US" altLang="ko-KR" sz="1400" b="0" baseline="0" dirty="0" smtClean="0"/>
-                        <a:t>Data (1000 bytes, </a:t>
+                        <a:t>Data </a:t>
+                      </a:r>
+                      <a:r>
+                        <a:rPr lang="en-US" altLang="ko-KR" sz="1400" b="0" baseline="0" dirty="0" smtClean="0"/>
+                        <a:t>(4000 </a:t>
+                      </a:r>
+                      <a:r>
+                        <a:rPr lang="en-US" altLang="ko-KR" sz="1400" b="0" baseline="0" dirty="0" smtClean="0"/>
+                        <a:t>bytes, </a:t>
                       </a:r>
                       <a:r>
                         <a:rPr lang="en-US" altLang="ko-KR" sz="1400" baseline="0" dirty="0" smtClean="0"/>
@@ -10263,7 +9857,7 @@
             <a:pPr algn="ctr"/>
             <a:r>
               <a:rPr lang="en-US" altLang="ko-KR" dirty="0" smtClean="0"/>
-              <a:t>Sample</a:t>
+              <a:t>Connect</a:t>
             </a:r>
             <a:endParaRPr lang="ko-KR" altLang="en-US" dirty="0"/>
           </a:p>
@@ -10304,8 +9898,8 @@
           <a:p>
             <a:pPr algn="ctr"/>
             <a:r>
-              <a:rPr lang="en-US" altLang="ko-KR" dirty="0" err="1" smtClean="0"/>
-              <a:t>Calc</a:t>
+              <a:rPr lang="en-US" altLang="ko-KR" dirty="0" smtClean="0"/>
+              <a:t>Sample</a:t>
             </a:r>
             <a:endParaRPr lang="ko-KR" altLang="en-US" dirty="0"/>
           </a:p>
@@ -10949,7 +10543,7 @@
             <a:pPr algn="ctr"/>
             <a:r>
               <a:rPr lang="en-US" altLang="ko-KR" dirty="0" smtClean="0"/>
-              <a:t>Sample</a:t>
+              <a:t>Connect</a:t>
             </a:r>
             <a:endParaRPr lang="ko-KR" altLang="en-US" dirty="0"/>
           </a:p>

--- a/project.pptx
+++ b/project.pptx
@@ -272,7 +272,7 @@
           <a:p>
             <a:fld id="{33CC212C-81FB-40F3-BD5E-91ADD12CE53F}" type="datetimeFigureOut">
               <a:rPr lang="ko-KR" altLang="en-US" smtClean="0"/>
-              <a:t>2016-10-24</a:t>
+              <a:t>2016-10-27</a:t>
             </a:fld>
             <a:endParaRPr lang="ko-KR" altLang="en-US"/>
           </a:p>
@@ -442,7 +442,7 @@
           <a:p>
             <a:fld id="{33CC212C-81FB-40F3-BD5E-91ADD12CE53F}" type="datetimeFigureOut">
               <a:rPr lang="ko-KR" altLang="en-US" smtClean="0"/>
-              <a:t>2016-10-24</a:t>
+              <a:t>2016-10-27</a:t>
             </a:fld>
             <a:endParaRPr lang="ko-KR" altLang="en-US"/>
           </a:p>
@@ -622,7 +622,7 @@
           <a:p>
             <a:fld id="{33CC212C-81FB-40F3-BD5E-91ADD12CE53F}" type="datetimeFigureOut">
               <a:rPr lang="ko-KR" altLang="en-US" smtClean="0"/>
-              <a:t>2016-10-24</a:t>
+              <a:t>2016-10-27</a:t>
             </a:fld>
             <a:endParaRPr lang="ko-KR" altLang="en-US"/>
           </a:p>
@@ -792,7 +792,7 @@
           <a:p>
             <a:fld id="{33CC212C-81FB-40F3-BD5E-91ADD12CE53F}" type="datetimeFigureOut">
               <a:rPr lang="ko-KR" altLang="en-US" smtClean="0"/>
-              <a:t>2016-10-24</a:t>
+              <a:t>2016-10-27</a:t>
             </a:fld>
             <a:endParaRPr lang="ko-KR" altLang="en-US"/>
           </a:p>
@@ -1038,7 +1038,7 @@
           <a:p>
             <a:fld id="{33CC212C-81FB-40F3-BD5E-91ADD12CE53F}" type="datetimeFigureOut">
               <a:rPr lang="ko-KR" altLang="en-US" smtClean="0"/>
-              <a:t>2016-10-24</a:t>
+              <a:t>2016-10-27</a:t>
             </a:fld>
             <a:endParaRPr lang="ko-KR" altLang="en-US"/>
           </a:p>
@@ -1270,7 +1270,7 @@
           <a:p>
             <a:fld id="{33CC212C-81FB-40F3-BD5E-91ADD12CE53F}" type="datetimeFigureOut">
               <a:rPr lang="ko-KR" altLang="en-US" smtClean="0"/>
-              <a:t>2016-10-24</a:t>
+              <a:t>2016-10-27</a:t>
             </a:fld>
             <a:endParaRPr lang="ko-KR" altLang="en-US"/>
           </a:p>
@@ -1637,7 +1637,7 @@
           <a:p>
             <a:fld id="{33CC212C-81FB-40F3-BD5E-91ADD12CE53F}" type="datetimeFigureOut">
               <a:rPr lang="ko-KR" altLang="en-US" smtClean="0"/>
-              <a:t>2016-10-24</a:t>
+              <a:t>2016-10-27</a:t>
             </a:fld>
             <a:endParaRPr lang="ko-KR" altLang="en-US"/>
           </a:p>
@@ -1755,7 +1755,7 @@
           <a:p>
             <a:fld id="{33CC212C-81FB-40F3-BD5E-91ADD12CE53F}" type="datetimeFigureOut">
               <a:rPr lang="ko-KR" altLang="en-US" smtClean="0"/>
-              <a:t>2016-10-24</a:t>
+              <a:t>2016-10-27</a:t>
             </a:fld>
             <a:endParaRPr lang="ko-KR" altLang="en-US"/>
           </a:p>
@@ -1850,7 +1850,7 @@
           <a:p>
             <a:fld id="{33CC212C-81FB-40F3-BD5E-91ADD12CE53F}" type="datetimeFigureOut">
               <a:rPr lang="ko-KR" altLang="en-US" smtClean="0"/>
-              <a:t>2016-10-24</a:t>
+              <a:t>2016-10-27</a:t>
             </a:fld>
             <a:endParaRPr lang="ko-KR" altLang="en-US"/>
           </a:p>
@@ -2127,7 +2127,7 @@
           <a:p>
             <a:fld id="{33CC212C-81FB-40F3-BD5E-91ADD12CE53F}" type="datetimeFigureOut">
               <a:rPr lang="ko-KR" altLang="en-US" smtClean="0"/>
-              <a:t>2016-10-24</a:t>
+              <a:t>2016-10-27</a:t>
             </a:fld>
             <a:endParaRPr lang="ko-KR" altLang="en-US"/>
           </a:p>
@@ -2380,7 +2380,7 @@
           <a:p>
             <a:fld id="{33CC212C-81FB-40F3-BD5E-91ADD12CE53F}" type="datetimeFigureOut">
               <a:rPr lang="ko-KR" altLang="en-US" smtClean="0"/>
-              <a:t>2016-10-24</a:t>
+              <a:t>2016-10-27</a:t>
             </a:fld>
             <a:endParaRPr lang="ko-KR" altLang="en-US"/>
           </a:p>
@@ -2593,7 +2593,7 @@
           <a:p>
             <a:fld id="{33CC212C-81FB-40F3-BD5E-91ADD12CE53F}" type="datetimeFigureOut">
               <a:rPr lang="ko-KR" altLang="en-US" smtClean="0"/>
-              <a:t>2016-10-24</a:t>
+              <a:t>2016-10-27</a:t>
             </a:fld>
             <a:endParaRPr lang="ko-KR" altLang="en-US"/>
           </a:p>
@@ -4340,17 +4340,11 @@
           <a:p>
             <a:r>
               <a:rPr lang="en-US" altLang="ko-KR" dirty="0" smtClean="0"/>
-              <a:t>Accept connection with loop</a:t>
-            </a:r>
-          </a:p>
-          <a:p>
-            <a:r>
-              <a:rPr lang="en-US" altLang="ko-KR" dirty="0" smtClean="0"/>
-              <a:t>Whenever client </a:t>
-            </a:r>
-            <a:r>
-              <a:rPr lang="en-US" altLang="ko-KR" dirty="0" smtClean="0"/>
-              <a:t>connected</a:t>
+              <a:t>Accept connection with </a:t>
+            </a:r>
+            <a:r>
+              <a:rPr lang="en-US" altLang="ko-KR" dirty="0" smtClean="0"/>
+              <a:t>loop</a:t>
             </a:r>
           </a:p>
           <a:p>
@@ -4359,31 +4353,70 @@
               <a:buChar char="-"/>
             </a:pPr>
             <a:r>
-              <a:rPr lang="en-US" altLang="ko-KR" dirty="0"/>
-              <a:t>C</a:t>
-            </a:r>
-            <a:r>
-              <a:rPr lang="en-US" altLang="ko-KR" dirty="0" smtClean="0"/>
-              <a:t>reate </a:t>
-            </a:r>
-            <a:r>
-              <a:rPr lang="en-US" altLang="ko-KR" dirty="0" smtClean="0"/>
-              <a:t>sampling future for </a:t>
-            </a:r>
-            <a:r>
-              <a:rPr lang="en-US" altLang="ko-KR" dirty="0" smtClean="0"/>
-              <a:t>client</a:t>
-            </a:r>
+              <a:rPr lang="en-US" altLang="ko-KR" dirty="0" smtClean="0"/>
+              <a:t>Terminates after (</a:t>
+            </a:r>
+            <a:r>
+              <a:rPr lang="en-US" altLang="ko-KR" dirty="0" err="1" smtClean="0"/>
+              <a:t>numSlaveExpected</a:t>
+            </a:r>
+            <a:r>
+              <a:rPr lang="en-US" altLang="ko-KR" dirty="0" smtClean="0"/>
+              <a:t>) connection is </a:t>
+            </a:r>
+            <a:r>
+              <a:rPr lang="en-US" altLang="ko-KR" dirty="0" err="1" smtClean="0"/>
+              <a:t>occured</a:t>
+            </a:r>
+            <a:endParaRPr lang="en-US" altLang="ko-KR" dirty="0" smtClean="0"/>
           </a:p>
           <a:p>
             <a:pPr lvl="1">
               <a:buFontTx/>
               <a:buChar char="-"/>
             </a:pPr>
-            <a:r>
-              <a:rPr lang="en-US" altLang="ko-KR" dirty="0" smtClean="0"/>
-              <a:t>Update slaves list</a:t>
-            </a:r>
+            <a:endParaRPr lang="en-US" altLang="ko-KR" dirty="0" smtClean="0"/>
+          </a:p>
+          <a:p>
+            <a:r>
+              <a:rPr lang="en-US" altLang="ko-KR" dirty="0" smtClean="0"/>
+              <a:t>Whenever client connected</a:t>
+            </a:r>
+          </a:p>
+          <a:p>
+            <a:pPr lvl="1">
+              <a:buFontTx/>
+              <a:buChar char="-"/>
+            </a:pPr>
+            <a:r>
+              <a:rPr lang="en-US" altLang="ko-KR" dirty="0"/>
+              <a:t>C</a:t>
+            </a:r>
+            <a:r>
+              <a:rPr lang="en-US" altLang="ko-KR" dirty="0" smtClean="0"/>
+              <a:t>reate sampling future for client</a:t>
+            </a:r>
+          </a:p>
+          <a:p>
+            <a:pPr lvl="1">
+              <a:buFontTx/>
+              <a:buChar char="-"/>
+            </a:pPr>
+            <a:r>
+              <a:rPr lang="en-US" altLang="ko-KR" dirty="0" smtClean="0"/>
+              <a:t>Update slaves </a:t>
+            </a:r>
+            <a:r>
+              <a:rPr lang="en-US" altLang="ko-KR" dirty="0" smtClean="0"/>
+              <a:t>list</a:t>
+            </a:r>
+          </a:p>
+          <a:p>
+            <a:pPr lvl="1">
+              <a:buFontTx/>
+              <a:buChar char="-"/>
+            </a:pPr>
+            <a:endParaRPr lang="en-US" altLang="ko-KR" dirty="0"/>
           </a:p>
         </p:txBody>
       </p:sp>
@@ -4463,6 +4496,24 @@
               <a:rPr lang="en-US" altLang="ko-KR" dirty="0" smtClean="0"/>
               <a:t>slave</a:t>
             </a:r>
+          </a:p>
+          <a:p>
+            <a:r>
+              <a:rPr lang="en-US" altLang="ko-KR" dirty="0" smtClean="0"/>
+              <a:t>Check whether received message is </a:t>
+            </a:r>
+            <a:r>
+              <a:rPr lang="en-US" altLang="ko-KR" dirty="0" err="1" smtClean="0"/>
+              <a:t>SampleMsg</a:t>
+            </a:r>
+            <a:endParaRPr lang="en-US" altLang="ko-KR" dirty="0" smtClean="0"/>
+          </a:p>
+          <a:p>
+            <a:pPr lvl="1"/>
+            <a:r>
+              <a:rPr lang="en-US" altLang="ko-KR" dirty="0" smtClean="0"/>
+              <a:t>And return interpreted value</a:t>
+            </a:r>
             <a:endParaRPr lang="en-US" altLang="ko-KR" dirty="0" smtClean="0"/>
           </a:p>
         </p:txBody>
@@ -4882,26 +4933,68 @@
             </a:r>
           </a:p>
           <a:p>
-            <a:r>
-              <a:rPr lang="en-US" altLang="ko-KR" dirty="0" smtClean="0"/>
-              <a:t>Sample from data (Sample size is </a:t>
-            </a:r>
-            <a:r>
-              <a:rPr lang="en-US" altLang="ko-KR" dirty="0" smtClean="0"/>
-              <a:t>proportional </a:t>
-            </a:r>
-            <a:r>
-              <a:rPr lang="en-US" altLang="ko-KR" dirty="0" smtClean="0"/>
-              <a:t>to data size)</a:t>
-            </a:r>
-          </a:p>
-          <a:p>
-            <a:r>
-              <a:rPr lang="en-US" altLang="ko-KR" dirty="0" smtClean="0"/>
-              <a:t>Send samples to master</a:t>
-            </a:r>
-          </a:p>
-          <a:p>
+            <a:pPr lvl="1">
+              <a:buFontTx/>
+              <a:buChar char="-"/>
+            </a:pPr>
+            <a:r>
+              <a:rPr lang="en-US" altLang="ko-KR" dirty="0" smtClean="0"/>
+              <a:t>From file size</a:t>
+            </a:r>
+          </a:p>
+          <a:p>
+            <a:pPr marL="457200" lvl="1" indent="0">
+              <a:buNone/>
+            </a:pPr>
+            <a:endParaRPr lang="en-US" altLang="ko-KR" dirty="0" smtClean="0"/>
+          </a:p>
+          <a:p>
+            <a:r>
+              <a:rPr lang="en-US" altLang="ko-KR" dirty="0" smtClean="0"/>
+              <a:t>Sample </a:t>
+            </a:r>
+            <a:r>
+              <a:rPr lang="en-US" altLang="ko-KR" dirty="0" smtClean="0"/>
+              <a:t>from data (Sample size is proportional to data size</a:t>
+            </a:r>
+            <a:r>
+              <a:rPr lang="en-US" altLang="ko-KR" dirty="0" smtClean="0"/>
+              <a:t>)</a:t>
+            </a:r>
+          </a:p>
+          <a:p>
+            <a:pPr lvl="1">
+              <a:buFontTx/>
+              <a:buChar char="-"/>
+            </a:pPr>
+            <a:r>
+              <a:rPr lang="en-US" altLang="ko-KR" dirty="0" smtClean="0"/>
+              <a:t>Does not open all the files (Just some files)</a:t>
+            </a:r>
+          </a:p>
+          <a:p>
+            <a:pPr lvl="1">
+              <a:buFontTx/>
+              <a:buChar char="-"/>
+            </a:pPr>
+            <a:r>
+              <a:rPr lang="en-US" altLang="ko-KR" dirty="0" smtClean="0"/>
+              <a:t>Sample by random access</a:t>
+            </a:r>
+          </a:p>
+          <a:p>
+            <a:pPr lvl="1"/>
+            <a:endParaRPr lang="en-US" altLang="ko-KR" dirty="0" smtClean="0"/>
+          </a:p>
+          <a:p>
+            <a:r>
+              <a:rPr lang="en-US" altLang="ko-KR" dirty="0" smtClean="0"/>
+              <a:t>Send samples to </a:t>
+            </a:r>
+            <a:r>
+              <a:rPr lang="en-US" altLang="ko-KR" dirty="0" smtClean="0"/>
+              <a:t>master</a:t>
+            </a:r>
             <a:endParaRPr lang="en-US" altLang="ko-KR" dirty="0"/>
           </a:p>
           <a:p>
@@ -5845,15 +5938,7 @@
           <a:p>
             <a:r>
               <a:rPr lang="en-US" altLang="ko-KR" sz="2000" dirty="0" smtClean="0"/>
-              <a:t>abstract class</a:t>
-            </a:r>
-            <a:r>
-              <a:rPr lang="en-US" altLang="ko-KR" sz="2000" dirty="0" smtClean="0"/>
-              <a:t> </a:t>
-            </a:r>
-            <a:r>
-              <a:rPr lang="en-US" altLang="ko-KR" sz="2000" dirty="0" smtClean="0"/>
-              <a:t>Message</a:t>
+              <a:t>abstract class Message</a:t>
             </a:r>
           </a:p>
           <a:p>
@@ -5867,11 +5952,7 @@
             </a:r>
             <a:r>
               <a:rPr lang="en-US" altLang="ko-KR" sz="1600" dirty="0" smtClean="0"/>
-              <a:t>(Message</a:t>
-            </a:r>
-            <a:r>
-              <a:rPr lang="en-US" altLang="ko-KR" sz="1600" dirty="0" smtClean="0"/>
-              <a:t>): </a:t>
+              <a:t>(Message): </a:t>
             </a:r>
             <a:r>
               <a:rPr lang="en-US" altLang="ko-KR" sz="1600" dirty="0"/>
@@ -6166,11 +6247,7 @@
             </a:r>
             <a:r>
               <a:rPr lang="en-US" altLang="ko-KR" sz="1600" dirty="0" smtClean="0"/>
-              <a:t>(): </a:t>
-            </a:r>
-            <a:r>
-              <a:rPr lang="en-US" altLang="ko-KR" sz="1600" dirty="0" smtClean="0"/>
-              <a:t>Array[byte]</a:t>
+              <a:t>(): Array[byte]</a:t>
             </a:r>
           </a:p>
           <a:p>
@@ -6322,11 +6399,7 @@
             </a:pPr>
             <a:r>
               <a:rPr lang="en-US" altLang="ko-KR" dirty="0" smtClean="0"/>
-              <a:t>object</a:t>
-            </a:r>
-            <a:r>
-              <a:rPr lang="en-US" altLang="ko-KR" dirty="0" smtClean="0"/>
-              <a:t> </a:t>
+              <a:t>object </a:t>
             </a:r>
             <a:r>
               <a:rPr lang="en-US" altLang="ko-KR" dirty="0" err="1" smtClean="0"/>
@@ -6714,11 +6787,7 @@
             </a:r>
             <a:r>
               <a:rPr lang="en-US" altLang="ko-KR" sz="1600" dirty="0" smtClean="0"/>
-              <a:t>(Socket): Future[List[Key</a:t>
-            </a:r>
-            <a:r>
-              <a:rPr lang="en-US" altLang="ko-KR" sz="1600" dirty="0" smtClean="0"/>
-              <a:t>]]</a:t>
+              <a:t>(Socket): Future[List[Key]]</a:t>
             </a:r>
           </a:p>
           <a:p>
@@ -6896,11 +6965,7 @@
             </a:r>
             <a:r>
               <a:rPr lang="en-US" altLang="ko-KR" sz="1600" dirty="0" smtClean="0"/>
-              <a:t>(): </a:t>
-            </a:r>
-            <a:r>
-              <a:rPr lang="en-US" altLang="ko-KR" sz="1600" dirty="0" smtClean="0"/>
-              <a:t>Unit</a:t>
+              <a:t>(): Unit</a:t>
             </a:r>
             <a:endParaRPr lang="en-US" altLang="ko-KR" sz="1600" dirty="0"/>
           </a:p>
@@ -6916,13 +6981,8 @@
             </a:r>
             <a:r>
               <a:rPr lang="en-US" altLang="ko-KR" sz="1600" dirty="0" smtClean="0"/>
-              <a:t>(): </a:t>
-            </a:r>
-            <a:r>
-              <a:rPr lang="en-US" altLang="ko-KR" sz="1600" dirty="0" smtClean="0"/>
-              <a:t>Unit</a:t>
-            </a:r>
-            <a:endParaRPr lang="en-US" altLang="ko-KR" sz="1600" dirty="0" smtClean="0"/>
+              <a:t>(): Unit</a:t>
+            </a:r>
           </a:p>
           <a:p>
             <a:pPr marL="742950" lvl="1" indent="-285750">
@@ -7716,7 +7776,7 @@
             </a:r>
             <a:r>
               <a:rPr lang="en-US" altLang="ko-KR" dirty="0" err="1" smtClean="0"/>
-              <a:t>MsgEqualsToInterpretationOfItsByteArray</a:t>
+              <a:t>MsgEqualsToInterpretation</a:t>
             </a:r>
             <a:endParaRPr lang="ko-KR" altLang="en-US" dirty="0"/>
           </a:p>
@@ -7793,6 +7853,13 @@
             <a:r>
               <a:rPr lang="en-US" altLang="ko-KR" dirty="0" err="1" smtClean="0"/>
               <a:t>SlaveListUpdatedAfterConnection</a:t>
+            </a:r>
+            <a:endParaRPr lang="en-US" altLang="ko-KR" dirty="0" smtClean="0"/>
+          </a:p>
+          <a:p>
+            <a:r>
+              <a:rPr lang="en-US" altLang="ko-KR" dirty="0" err="1" smtClean="0"/>
+              <a:t>AcceptLoopTerminatesAfterExpectedNumOfConnections</a:t>
             </a:r>
             <a:endParaRPr lang="en-US" altLang="ko-KR" dirty="0" smtClean="0"/>
           </a:p>
@@ -9573,15 +9640,7 @@
                       </a:pPr>
                       <a:r>
                         <a:rPr lang="en-US" altLang="ko-KR" sz="1400" b="0" baseline="0" dirty="0" smtClean="0"/>
-                        <a:t>Data </a:t>
-                      </a:r>
-                      <a:r>
-                        <a:rPr lang="en-US" altLang="ko-KR" sz="1400" b="0" baseline="0" dirty="0" smtClean="0"/>
-                        <a:t>(4000 </a:t>
-                      </a:r>
-                      <a:r>
-                        <a:rPr lang="en-US" altLang="ko-KR" sz="1400" b="0" baseline="0" dirty="0" smtClean="0"/>
-                        <a:t>bytes, </a:t>
+                        <a:t>Data (4000 bytes, </a:t>
                       </a:r>
                       <a:r>
                         <a:rPr lang="en-US" altLang="ko-KR" sz="1400" baseline="0" dirty="0" smtClean="0"/>

--- a/project.pptx
+++ b/project.pptx
@@ -25,18 +25,17 @@
     <p:sldId id="257" r:id="rId19"/>
     <p:sldId id="307" r:id="rId20"/>
     <p:sldId id="285" r:id="rId21"/>
-    <p:sldId id="291" r:id="rId22"/>
-    <p:sldId id="290" r:id="rId23"/>
-    <p:sldId id="284" r:id="rId24"/>
-    <p:sldId id="277" r:id="rId25"/>
-    <p:sldId id="278" r:id="rId26"/>
-    <p:sldId id="297" r:id="rId27"/>
-    <p:sldId id="281" r:id="rId28"/>
-    <p:sldId id="282" r:id="rId29"/>
-    <p:sldId id="295" r:id="rId30"/>
-    <p:sldId id="300" r:id="rId31"/>
-    <p:sldId id="298" r:id="rId32"/>
-    <p:sldId id="299" r:id="rId33"/>
+    <p:sldId id="316" r:id="rId22"/>
+    <p:sldId id="291" r:id="rId23"/>
+    <p:sldId id="290" r:id="rId24"/>
+    <p:sldId id="284" r:id="rId25"/>
+    <p:sldId id="277" r:id="rId26"/>
+    <p:sldId id="278" r:id="rId27"/>
+    <p:sldId id="297" r:id="rId28"/>
+    <p:sldId id="281" r:id="rId29"/>
+    <p:sldId id="282" r:id="rId30"/>
+    <p:sldId id="295" r:id="rId31"/>
+    <p:sldId id="299" r:id="rId32"/>
   </p:sldIdLst>
   <p:sldSz cx="12192000" cy="6858000"/>
   <p:notesSz cx="6858000" cy="9144000"/>
@@ -274,7 +273,7 @@
           <a:p>
             <a:fld id="{33CC212C-81FB-40F3-BD5E-91ADD12CE53F}" type="datetimeFigureOut">
               <a:rPr lang="ko-KR" altLang="en-US" smtClean="0"/>
-              <a:t>2016-10-28</a:t>
+              <a:t>2016-10-29</a:t>
             </a:fld>
             <a:endParaRPr lang="ko-KR" altLang="en-US"/>
           </a:p>
@@ -444,7 +443,7 @@
           <a:p>
             <a:fld id="{33CC212C-81FB-40F3-BD5E-91ADD12CE53F}" type="datetimeFigureOut">
               <a:rPr lang="ko-KR" altLang="en-US" smtClean="0"/>
-              <a:t>2016-10-28</a:t>
+              <a:t>2016-10-29</a:t>
             </a:fld>
             <a:endParaRPr lang="ko-KR" altLang="en-US"/>
           </a:p>
@@ -624,7 +623,7 @@
           <a:p>
             <a:fld id="{33CC212C-81FB-40F3-BD5E-91ADD12CE53F}" type="datetimeFigureOut">
               <a:rPr lang="ko-KR" altLang="en-US" smtClean="0"/>
-              <a:t>2016-10-28</a:t>
+              <a:t>2016-10-29</a:t>
             </a:fld>
             <a:endParaRPr lang="ko-KR" altLang="en-US"/>
           </a:p>
@@ -794,7 +793,7 @@
           <a:p>
             <a:fld id="{33CC212C-81FB-40F3-BD5E-91ADD12CE53F}" type="datetimeFigureOut">
               <a:rPr lang="ko-KR" altLang="en-US" smtClean="0"/>
-              <a:t>2016-10-28</a:t>
+              <a:t>2016-10-29</a:t>
             </a:fld>
             <a:endParaRPr lang="ko-KR" altLang="en-US"/>
           </a:p>
@@ -1040,7 +1039,7 @@
           <a:p>
             <a:fld id="{33CC212C-81FB-40F3-BD5E-91ADD12CE53F}" type="datetimeFigureOut">
               <a:rPr lang="ko-KR" altLang="en-US" smtClean="0"/>
-              <a:t>2016-10-28</a:t>
+              <a:t>2016-10-29</a:t>
             </a:fld>
             <a:endParaRPr lang="ko-KR" altLang="en-US"/>
           </a:p>
@@ -1272,7 +1271,7 @@
           <a:p>
             <a:fld id="{33CC212C-81FB-40F3-BD5E-91ADD12CE53F}" type="datetimeFigureOut">
               <a:rPr lang="ko-KR" altLang="en-US" smtClean="0"/>
-              <a:t>2016-10-28</a:t>
+              <a:t>2016-10-29</a:t>
             </a:fld>
             <a:endParaRPr lang="ko-KR" altLang="en-US"/>
           </a:p>
@@ -1639,7 +1638,7 @@
           <a:p>
             <a:fld id="{33CC212C-81FB-40F3-BD5E-91ADD12CE53F}" type="datetimeFigureOut">
               <a:rPr lang="ko-KR" altLang="en-US" smtClean="0"/>
-              <a:t>2016-10-28</a:t>
+              <a:t>2016-10-29</a:t>
             </a:fld>
             <a:endParaRPr lang="ko-KR" altLang="en-US"/>
           </a:p>
@@ -1757,7 +1756,7 @@
           <a:p>
             <a:fld id="{33CC212C-81FB-40F3-BD5E-91ADD12CE53F}" type="datetimeFigureOut">
               <a:rPr lang="ko-KR" altLang="en-US" smtClean="0"/>
-              <a:t>2016-10-28</a:t>
+              <a:t>2016-10-29</a:t>
             </a:fld>
             <a:endParaRPr lang="ko-KR" altLang="en-US"/>
           </a:p>
@@ -1852,7 +1851,7 @@
           <a:p>
             <a:fld id="{33CC212C-81FB-40F3-BD5E-91ADD12CE53F}" type="datetimeFigureOut">
               <a:rPr lang="ko-KR" altLang="en-US" smtClean="0"/>
-              <a:t>2016-10-28</a:t>
+              <a:t>2016-10-29</a:t>
             </a:fld>
             <a:endParaRPr lang="ko-KR" altLang="en-US"/>
           </a:p>
@@ -2129,7 +2128,7 @@
           <a:p>
             <a:fld id="{33CC212C-81FB-40F3-BD5E-91ADD12CE53F}" type="datetimeFigureOut">
               <a:rPr lang="ko-KR" altLang="en-US" smtClean="0"/>
-              <a:t>2016-10-28</a:t>
+              <a:t>2016-10-29</a:t>
             </a:fld>
             <a:endParaRPr lang="ko-KR" altLang="en-US"/>
           </a:p>
@@ -2382,7 +2381,7 @@
           <a:p>
             <a:fld id="{33CC212C-81FB-40F3-BD5E-91ADD12CE53F}" type="datetimeFigureOut">
               <a:rPr lang="ko-KR" altLang="en-US" smtClean="0"/>
-              <a:t>2016-10-28</a:t>
+              <a:t>2016-10-29</a:t>
             </a:fld>
             <a:endParaRPr lang="ko-KR" altLang="en-US"/>
           </a:p>
@@ -2595,7 +2594,7 @@
           <a:p>
             <a:fld id="{33CC212C-81FB-40F3-BD5E-91ADD12CE53F}" type="datetimeFigureOut">
               <a:rPr lang="ko-KR" altLang="en-US" smtClean="0"/>
-              <a:t>2016-10-28</a:t>
+              <a:t>2016-10-29</a:t>
             </a:fld>
             <a:endParaRPr lang="ko-KR" altLang="en-US"/>
           </a:p>
@@ -4186,13 +4185,12 @@
               <a:rPr lang="en-US" altLang="ko-KR" sz="1200" dirty="0" smtClean="0"/>
               <a:t>Slave</a:t>
             </a:r>
-            <a:endParaRPr lang="en-US" altLang="ko-KR" sz="1200" dirty="0" smtClean="0"/>
           </a:p>
           <a:p>
             <a:pPr algn="ctr"/>
             <a:r>
               <a:rPr lang="en-US" altLang="ko-KR" sz="1200" dirty="0" smtClean="0"/>
-              <a:t>Listener</a:t>
+              <a:t>Handler</a:t>
             </a:r>
             <a:endParaRPr lang="ko-KR" altLang="en-US" sz="1200" dirty="0"/>
           </a:p>
@@ -4236,13 +4234,12 @@
               <a:rPr lang="en-US" altLang="ko-KR" sz="1200" dirty="0" smtClean="0"/>
               <a:t>Slave</a:t>
             </a:r>
-            <a:endParaRPr lang="en-US" altLang="ko-KR" sz="1200" dirty="0" smtClean="0"/>
           </a:p>
           <a:p>
             <a:pPr algn="ctr"/>
             <a:r>
               <a:rPr lang="en-US" altLang="ko-KR" sz="1200" dirty="0" smtClean="0"/>
-              <a:t>Listener</a:t>
+              <a:t>Handler</a:t>
             </a:r>
             <a:endParaRPr lang="ko-KR" altLang="en-US" sz="1200" dirty="0"/>
           </a:p>
@@ -5394,7 +5391,6 @@
               <a:rPr lang="en-US" altLang="ko-KR" sz="1600" dirty="0" smtClean="0"/>
               <a:t>Internal (Appending Message to queue)</a:t>
             </a:r>
-            <a:endParaRPr lang="en-US" altLang="ko-KR" sz="1600" dirty="0" smtClean="0"/>
           </a:p>
           <a:p>
             <a:r>
@@ -5569,13 +5565,12 @@
               <a:rPr lang="en-US" altLang="ko-KR" sz="1200" dirty="0" smtClean="0"/>
               <a:t>Slave</a:t>
             </a:r>
-            <a:endParaRPr lang="en-US" altLang="ko-KR" sz="1200" dirty="0" smtClean="0"/>
           </a:p>
           <a:p>
             <a:pPr algn="ctr"/>
             <a:r>
               <a:rPr lang="en-US" altLang="ko-KR" sz="1200" dirty="0" smtClean="0"/>
-              <a:t>Listener</a:t>
+              <a:t>Handler</a:t>
             </a:r>
             <a:endParaRPr lang="ko-KR" altLang="en-US" sz="1200" dirty="0"/>
           </a:p>
@@ -5619,13 +5614,12 @@
               <a:rPr lang="en-US" altLang="ko-KR" sz="1200" dirty="0" smtClean="0"/>
               <a:t>Slave</a:t>
             </a:r>
-            <a:endParaRPr lang="en-US" altLang="ko-KR" sz="1200" dirty="0" smtClean="0"/>
           </a:p>
           <a:p>
             <a:pPr algn="ctr"/>
             <a:r>
               <a:rPr lang="en-US" altLang="ko-KR" sz="1200" dirty="0" smtClean="0"/>
-              <a:t>Listener</a:t>
+              <a:t>Handler</a:t>
             </a:r>
             <a:endParaRPr lang="ko-KR" altLang="en-US" sz="1200" dirty="0"/>
           </a:p>
@@ -6014,7 +6008,6 @@
               <a:rPr lang="en-US" altLang="ko-KR" sz="1200" dirty="0" smtClean="0"/>
               <a:t>Partition</a:t>
             </a:r>
-            <a:endParaRPr lang="en-US" altLang="ko-KR" sz="1200" dirty="0" smtClean="0"/>
           </a:p>
           <a:p>
             <a:pPr algn="ctr"/>
@@ -6064,7 +6057,6 @@
               <a:rPr lang="en-US" altLang="ko-KR" sz="1200" dirty="0" smtClean="0"/>
               <a:t>Partition</a:t>
             </a:r>
-            <a:endParaRPr lang="en-US" altLang="ko-KR" sz="1200" dirty="0" smtClean="0"/>
           </a:p>
           <a:p>
             <a:pPr algn="ctr"/>
@@ -8004,7 +7996,6 @@
               <a:rPr lang="en-US" altLang="ko-KR" sz="1100" dirty="0" smtClean="0"/>
               <a:t>~~~</a:t>
             </a:r>
-            <a:endParaRPr lang="en-US" altLang="ko-KR" sz="1100" dirty="0" smtClean="0"/>
           </a:p>
         </p:txBody>
       </p:sp>
@@ -8054,7 +8045,6 @@
               <a:rPr lang="en-US" altLang="ko-KR" sz="1100" dirty="0" smtClean="0"/>
               <a:t>…</a:t>
             </a:r>
-            <a:endParaRPr lang="en-US" altLang="ko-KR" sz="1100" dirty="0" smtClean="0"/>
           </a:p>
         </p:txBody>
       </p:sp>
@@ -8204,7 +8194,7 @@
             </a:r>
             <a:r>
               <a:rPr lang="en-US" altLang="ko-KR" sz="1100" dirty="0" err="1" smtClean="0"/>
-              <a:t>SlaveListener</a:t>
+              <a:t>SlaveHandler</a:t>
             </a:r>
             <a:endParaRPr lang="en-US" altLang="ko-KR" sz="1100" dirty="0" smtClean="0"/>
           </a:p>
@@ -8217,7 +8207,6 @@
               <a:rPr lang="en-US" altLang="ko-KR" sz="1100" dirty="0" smtClean="0"/>
               <a:t>Append to connected</a:t>
             </a:r>
-            <a:endParaRPr lang="en-US" altLang="ko-KR" sz="1100" dirty="0" smtClean="0"/>
           </a:p>
         </p:txBody>
       </p:sp>
@@ -8315,27 +8304,45 @@
             <a:pPr algn="ctr"/>
             <a:r>
               <a:rPr lang="en-US" altLang="ko-KR" sz="1100" dirty="0" smtClean="0"/>
-              <a:t>connected: Set[</a:t>
+              <a:t>connected: </a:t>
+            </a:r>
+            <a:r>
+              <a:rPr lang="en-US" altLang="ko-KR" sz="1100" dirty="0" smtClean="0"/>
+              <a:t>Set[</a:t>
             </a:r>
             <a:r>
               <a:rPr lang="en-US" altLang="ko-KR" sz="1100" dirty="0" err="1" smtClean="0"/>
-              <a:t>SlaveListener</a:t>
+              <a:t>SlaveHandler</a:t>
             </a:r>
             <a:r>
               <a:rPr lang="en-US" altLang="ko-KR" sz="1100" dirty="0" smtClean="0"/>
               <a:t>]</a:t>
             </a:r>
+            <a:endParaRPr lang="en-US" altLang="ko-KR" sz="1100" dirty="0" smtClean="0"/>
           </a:p>
           <a:p>
             <a:pPr algn="ctr"/>
             <a:r>
               <a:rPr lang="en-US" altLang="ko-KR" sz="1100" dirty="0" smtClean="0"/>
-              <a:t>slaves</a:t>
+              <a:t>slaves: </a:t>
             </a:r>
             <a:r>
               <a:rPr lang="en-US" altLang="ko-KR" sz="1100" dirty="0" smtClean="0"/>
-              <a:t>: Map[Socket, Slave]</a:t>
-            </a:r>
+              <a:t>Set</a:t>
+            </a:r>
+            <a:r>
+              <a:rPr lang="en-US" altLang="ko-KR" sz="1100" dirty="0" smtClean="0"/>
+              <a:t>[</a:t>
+            </a:r>
+            <a:r>
+              <a:rPr lang="en-US" altLang="ko-KR" sz="1100" dirty="0" err="1" smtClean="0"/>
+              <a:t>SlaveHandler</a:t>
+            </a:r>
+            <a:r>
+              <a:rPr lang="en-US" altLang="ko-KR" sz="1100" dirty="0" smtClean="0"/>
+              <a:t>]</a:t>
+            </a:r>
+            <a:endParaRPr lang="en-US" altLang="ko-KR" sz="1100" dirty="0" smtClean="0"/>
           </a:p>
         </p:txBody>
       </p:sp>
@@ -8525,7 +8532,6 @@
               <a:rPr lang="en-US" altLang="ko-KR" sz="1100" dirty="0" smtClean="0"/>
               <a:t>and elements of connected</a:t>
             </a:r>
-            <a:endParaRPr lang="en-US" altLang="ko-KR" sz="1100" dirty="0" smtClean="0"/>
           </a:p>
         </p:txBody>
       </p:sp>
@@ -8620,11 +8626,7 @@
             </a:pPr>
             <a:r>
               <a:rPr lang="en-US" altLang="ko-KR" sz="1100" dirty="0" smtClean="0"/>
-              <a:t>Append to </a:t>
-            </a:r>
-            <a:r>
-              <a:rPr lang="en-US" altLang="ko-KR" sz="1100" dirty="0" smtClean="0"/>
-              <a:t>slaves</a:t>
+              <a:t>Append to slaves</a:t>
             </a:r>
           </a:p>
           <a:p>
@@ -8636,7 +8638,6 @@
               <a:rPr lang="en-US" altLang="ko-KR" sz="1100" dirty="0" smtClean="0"/>
               <a:t>Remove from connected</a:t>
             </a:r>
-            <a:endParaRPr lang="en-US" altLang="ko-KR" sz="1100" dirty="0" smtClean="0"/>
           </a:p>
         </p:txBody>
       </p:sp>
@@ -9067,19 +9068,7 @@
             </a:r>
             <a:r>
               <a:rPr lang="en-US" altLang="ko-KR" sz="1100" dirty="0" smtClean="0"/>
-              <a:t>: </a:t>
-            </a:r>
-            <a:r>
-              <a:rPr lang="en-US" altLang="ko-KR" sz="1100" dirty="0" smtClean="0"/>
-              <a:t>Set</a:t>
-            </a:r>
-            <a:r>
-              <a:rPr lang="en-US" altLang="ko-KR" sz="1100" dirty="0" smtClean="0"/>
-              <a:t>[Slave</a:t>
-            </a:r>
-            <a:r>
-              <a:rPr lang="en-US" altLang="ko-KR" sz="1100" dirty="0" smtClean="0"/>
-              <a:t>]</a:t>
+              <a:t>: Set[Slave]</a:t>
             </a:r>
           </a:p>
         </p:txBody>
@@ -9288,11 +9277,7 @@
             <a:pPr algn="ctr"/>
             <a:r>
               <a:rPr lang="en-US" altLang="ko-KR" sz="1100" dirty="0" smtClean="0"/>
-              <a:t>Close all </a:t>
-            </a:r>
-            <a:r>
-              <a:rPr lang="en-US" altLang="ko-KR" sz="1100" dirty="0" smtClean="0"/>
-              <a:t>sockets</a:t>
+              <a:t>Close all sockets</a:t>
             </a:r>
           </a:p>
           <a:p>
@@ -9522,12 +9507,20 @@
               <a:t>! (</a:t>
             </a:r>
             <a:r>
-              <a:rPr lang="en-US" altLang="ko-KR" sz="1100" dirty="0" err="1" smtClean="0"/>
-              <a:t>slaves.Keys</a:t>
-            </a:r>
-            <a:r>
               <a:rPr lang="en-US" altLang="ko-KR" sz="1100" dirty="0" smtClean="0"/>
-              <a:t> contains socket) </a:t>
+              <a:t>slaves </a:t>
+            </a:r>
+            <a:r>
+              <a:rPr lang="en-US" altLang="ko-KR" sz="1100" dirty="0" smtClean="0"/>
+              <a:t>contains </a:t>
+            </a:r>
+            <a:r>
+              <a:rPr lang="en-US" altLang="ko-KR" sz="1100" dirty="0" smtClean="0"/>
+              <a:t>handler</a:t>
+            </a:r>
+            <a:r>
+              <a:rPr lang="en-US" altLang="ko-KR" sz="1100" dirty="0" smtClean="0"/>
+              <a:t>) </a:t>
             </a:r>
             <a:endParaRPr lang="en-US" altLang="ko-KR" sz="1100" dirty="0" smtClean="0"/>
           </a:p>
@@ -11515,46 +11508,699 @@
           <a:lstStyle/>
           <a:p>
             <a:r>
-              <a:rPr lang="en-US" altLang="ko-KR" dirty="0" smtClean="0"/>
-              <a:t>Master Sample</a:t>
+              <a:rPr lang="en-US" altLang="ko-KR" dirty="0" err="1" smtClean="0"/>
+              <a:t>Init</a:t>
+            </a:r>
+            <a:r>
+              <a:rPr lang="en-US" altLang="ko-KR" smtClean="0"/>
+              <a:t>(Master)</a:t>
             </a:r>
             <a:endParaRPr lang="ko-KR" altLang="en-US" dirty="0"/>
           </a:p>
         </p:txBody>
       </p:sp>
-      <p:sp>
-        <p:nvSpPr>
-          <p:cNvPr id="3" name="내용 개체 틀 2"/>
-          <p:cNvSpPr>
-            <a:spLocks noGrp="1"/>
-          </p:cNvSpPr>
+      <p:graphicFrame>
+        <p:nvGraphicFramePr>
+          <p:cNvPr id="4" name="표 3"/>
+          <p:cNvGraphicFramePr>
+            <a:graphicFrameLocks noGrp="1"/>
+          </p:cNvGraphicFramePr>
           <p:nvPr>
-            <p:ph idx="1"/>
+            <p:extLst>
+              <p:ext uri="{D42A27DB-BD31-4B8C-83A1-F6EECF244321}">
+                <p14:modId xmlns:p14="http://schemas.microsoft.com/office/powerpoint/2010/main" val="810934048"/>
+              </p:ext>
+            </p:extLst>
           </p:nvPr>
-        </p:nvSpPr>
-        <p:spPr/>
-        <p:txBody>
-          <a:bodyPr/>
-          <a:lstStyle/>
-          <a:p>
-            <a:r>
-              <a:rPr lang="en-US" altLang="ko-KR" dirty="0" smtClean="0"/>
-              <a:t>Calculate pivot values</a:t>
-            </a:r>
-          </a:p>
-          <a:p>
-            <a:pPr lvl="1"/>
-            <a:r>
-              <a:rPr lang="en-US" altLang="ko-KR" dirty="0" smtClean="0"/>
-              <a:t>Choose values from 1/n, 2/n, …, (n-1)/n position </a:t>
-            </a:r>
-          </a:p>
-        </p:txBody>
-      </p:sp>
+        </p:nvGraphicFramePr>
+        <p:xfrm>
+          <a:off x="1288676" y="3286757"/>
+          <a:ext cx="3660228" cy="2215795"/>
+        </p:xfrm>
+        <a:graphic>
+          <a:graphicData uri="http://schemas.openxmlformats.org/drawingml/2006/table">
+            <a:tbl>
+              <a:tblPr firstRow="1" bandRow="1">
+                <a:tableStyleId>{5940675A-B579-460E-94D1-54222C63F5DA}</a:tableStyleId>
+              </a:tblPr>
+              <a:tblGrid>
+                <a:gridCol w="3660228">
+                  <a:extLst>
+                    <a:ext uri="{9D8B030D-6E8A-4147-A177-3AD203B41FA5}">
+                      <a16:colId xmlns:a16="http://schemas.microsoft.com/office/drawing/2014/main" val="2126203183"/>
+                    </a:ext>
+                  </a:extLst>
+                </a:gridCol>
+              </a:tblGrid>
+              <a:tr h="478513">
+                <a:tc>
+                  <a:txBody>
+                    <a:bodyPr/>
+                    <a:lstStyle/>
+                    <a:p>
+                      <a:pPr algn="ctr" latinLnBrk="1"/>
+                      <a:r>
+                        <a:rPr lang="en-US" altLang="ko-KR" dirty="0" smtClean="0"/>
+                        <a:t>Master</a:t>
+                      </a:r>
+                      <a:endParaRPr lang="ko-KR" altLang="en-US" dirty="0"/>
+                    </a:p>
+                  </a:txBody>
+                  <a:tcPr/>
+                </a:tc>
+                <a:extLst>
+                  <a:ext uri="{0D108BD9-81ED-4DB2-BD59-A6C34878D82A}">
+                    <a16:rowId xmlns:a16="http://schemas.microsoft.com/office/drawing/2014/main" val="577715411"/>
+                  </a:ext>
+                </a:extLst>
+              </a:tr>
+              <a:tr h="807642">
+                <a:tc>
+                  <a:txBody>
+                    <a:bodyPr/>
+                    <a:lstStyle/>
+                    <a:p>
+                      <a:pPr marL="171450" indent="-171450" latinLnBrk="1">
+                        <a:buFontTx/>
+                        <a:buChar char="-"/>
+                      </a:pPr>
+                      <a:r>
+                        <a:rPr lang="en-US" altLang="ko-KR" sz="1100" dirty="0" err="1" smtClean="0"/>
+                        <a:t>connectionListener</a:t>
+                      </a:r>
+                      <a:r>
+                        <a:rPr lang="en-US" altLang="ko-KR" sz="1100" dirty="0" smtClean="0"/>
+                        <a:t>: </a:t>
+                      </a:r>
+                      <a:r>
+                        <a:rPr lang="en-US" altLang="ko-KR" sz="1100" dirty="0" err="1" smtClean="0"/>
+                        <a:t>ConnectionListener</a:t>
+                      </a:r>
+                      <a:endParaRPr lang="en-US" altLang="ko-KR" sz="1100" dirty="0" smtClean="0"/>
+                    </a:p>
+                    <a:p>
+                      <a:pPr marL="171450" indent="-171450" latinLnBrk="1">
+                        <a:buFontTx/>
+                        <a:buChar char="-"/>
+                      </a:pPr>
+                      <a:r>
+                        <a:rPr lang="en-US" altLang="ko-KR" sz="1100" dirty="0" err="1" smtClean="0"/>
+                        <a:t>numSlave</a:t>
+                      </a:r>
+                      <a:r>
+                        <a:rPr lang="en-US" altLang="ko-KR" sz="1100" dirty="0" smtClean="0"/>
+                        <a:t>: </a:t>
+                      </a:r>
+                      <a:r>
+                        <a:rPr lang="en-US" altLang="ko-KR" sz="1100" dirty="0" err="1" smtClean="0"/>
+                        <a:t>Int</a:t>
+                      </a:r>
+                      <a:endParaRPr lang="en-US" altLang="ko-KR" sz="1100" dirty="0" smtClean="0"/>
+                    </a:p>
+                    <a:p>
+                      <a:pPr marL="171450" indent="-171450" latinLnBrk="1">
+                        <a:buFontTx/>
+                        <a:buChar char="-"/>
+                      </a:pPr>
+                      <a:r>
+                        <a:rPr lang="en-US" altLang="ko-KR" sz="1100" dirty="0" smtClean="0"/>
+                        <a:t>connected: Set[</a:t>
+                      </a:r>
+                      <a:r>
+                        <a:rPr lang="en-US" altLang="ko-KR" sz="1100" dirty="0" err="1" smtClean="0"/>
+                        <a:t>SlaveHandler</a:t>
+                      </a:r>
+                      <a:r>
+                        <a:rPr lang="en-US" altLang="ko-KR" sz="1100" dirty="0" smtClean="0"/>
+                        <a:t>] </a:t>
+                      </a:r>
+                    </a:p>
+                    <a:p>
+                      <a:pPr marL="171450" indent="-171450" latinLnBrk="1">
+                        <a:buFontTx/>
+                        <a:buChar char="-"/>
+                      </a:pPr>
+                      <a:r>
+                        <a:rPr lang="en-US" altLang="ko-KR" sz="1100" dirty="0" smtClean="0"/>
+                        <a:t>slaves: Set[</a:t>
+                      </a:r>
+                      <a:r>
+                        <a:rPr lang="en-US" altLang="ko-KR" sz="1100" dirty="0" err="1" smtClean="0"/>
+                        <a:t>SlaveHandler</a:t>
+                      </a:r>
+                      <a:r>
+                        <a:rPr lang="en-US" altLang="ko-KR" sz="1100" dirty="0" smtClean="0"/>
+                        <a:t>]</a:t>
+                      </a:r>
+                    </a:p>
+                    <a:p>
+                      <a:pPr marL="171450" indent="-171450" latinLnBrk="1">
+                        <a:buFontTx/>
+                        <a:buChar char="-"/>
+                      </a:pPr>
+                      <a:r>
+                        <a:rPr lang="en-US" altLang="ko-KR" sz="1100" dirty="0" err="1" smtClean="0"/>
+                        <a:t>messageQueue</a:t>
+                      </a:r>
+                      <a:r>
+                        <a:rPr lang="en-US" altLang="ko-KR" sz="1100" dirty="0" smtClean="0"/>
+                        <a:t>: Queue[(Message, </a:t>
+                      </a:r>
+                      <a:r>
+                        <a:rPr lang="en-US" altLang="ko-KR" sz="1100" dirty="0" err="1" smtClean="0"/>
+                        <a:t>SlaveHandler</a:t>
+                      </a:r>
+                      <a:r>
+                        <a:rPr lang="en-US" altLang="ko-KR" sz="1100" dirty="0" smtClean="0"/>
+                        <a:t>)]</a:t>
+                      </a:r>
+                      <a:endParaRPr lang="ko-KR" altLang="en-US" sz="1100" dirty="0"/>
+                    </a:p>
+                  </a:txBody>
+                  <a:tcPr/>
+                </a:tc>
+                <a:extLst>
+                  <a:ext uri="{0D108BD9-81ED-4DB2-BD59-A6C34878D82A}">
+                    <a16:rowId xmlns:a16="http://schemas.microsoft.com/office/drawing/2014/main" val="3982541449"/>
+                  </a:ext>
+                </a:extLst>
+              </a:tr>
+              <a:tr h="807642">
+                <a:tc>
+                  <a:txBody>
+                    <a:bodyPr/>
+                    <a:lstStyle/>
+                    <a:p>
+                      <a:pPr latinLnBrk="1"/>
+                      <a:r>
+                        <a:rPr lang="en-US" altLang="ko-KR" sz="1100" baseline="0" dirty="0" smtClean="0"/>
+                        <a:t>+ </a:t>
+                      </a:r>
+                      <a:r>
+                        <a:rPr lang="en-US" altLang="ko-KR" sz="1100" baseline="0" dirty="0" err="1" smtClean="0"/>
+                        <a:t>addMessage</a:t>
+                      </a:r>
+                      <a:r>
+                        <a:rPr lang="en-US" altLang="ko-KR" sz="1100" baseline="0" dirty="0" smtClean="0"/>
+                        <a:t>(Message, </a:t>
+                      </a:r>
+                      <a:r>
+                        <a:rPr lang="en-US" altLang="ko-KR" sz="1100" baseline="0" dirty="0" err="1" smtClean="0"/>
+                        <a:t>SlaveHandler</a:t>
+                      </a:r>
+                      <a:r>
+                        <a:rPr lang="en-US" altLang="ko-KR" sz="1100" baseline="0" dirty="0" smtClean="0"/>
+                        <a:t>): Unit</a:t>
+                      </a:r>
+                    </a:p>
+                    <a:p>
+                      <a:pPr marL="171450" indent="-171450" latinLnBrk="1">
+                        <a:buFontTx/>
+                        <a:buChar char="-"/>
+                      </a:pPr>
+                      <a:r>
+                        <a:rPr lang="en-US" altLang="ko-KR" sz="1100" dirty="0" err="1" smtClean="0"/>
+                        <a:t>createSlaveHandler</a:t>
+                      </a:r>
+                      <a:r>
+                        <a:rPr lang="en-US" altLang="ko-KR" sz="1100" dirty="0" smtClean="0"/>
+                        <a:t>(Socket): </a:t>
+                      </a:r>
+                      <a:r>
+                        <a:rPr lang="en-US" altLang="ko-KR" sz="1100" dirty="0" smtClean="0"/>
+                        <a:t>Unit</a:t>
+                      </a:r>
+                    </a:p>
+                    <a:p>
+                      <a:pPr marL="171450" indent="-171450" latinLnBrk="1">
+                        <a:buFontTx/>
+                        <a:buChar char="-"/>
+                      </a:pPr>
+                      <a:r>
+                        <a:rPr lang="en-US" altLang="ko-KR" sz="1100" dirty="0" err="1" smtClean="0"/>
+                        <a:t>addSlave</a:t>
+                      </a:r>
+                      <a:r>
+                        <a:rPr lang="en-US" altLang="ko-KR" sz="1100" dirty="0" smtClean="0"/>
+                        <a:t>(</a:t>
+                      </a:r>
+                      <a:r>
+                        <a:rPr lang="en-US" altLang="ko-KR" sz="1100" dirty="0" err="1" smtClean="0"/>
+                        <a:t>SlaveHandler</a:t>
+                      </a:r>
+                      <a:r>
+                        <a:rPr lang="en-US" altLang="ko-KR" sz="1100" dirty="0" smtClean="0"/>
+                        <a:t>): Unit</a:t>
+                      </a:r>
+                      <a:endParaRPr lang="en-US" altLang="ko-KR" sz="1100" dirty="0" smtClean="0"/>
+                    </a:p>
+                    <a:p>
+                      <a:pPr marL="171450" indent="-171450" latinLnBrk="1">
+                        <a:buFontTx/>
+                        <a:buChar char="-"/>
+                      </a:pPr>
+                      <a:r>
+                        <a:rPr lang="en-US" altLang="ko-KR" sz="1100" dirty="0" err="1" smtClean="0"/>
+                        <a:t>closeSocketExceptSlaves</a:t>
+                      </a:r>
+                      <a:r>
+                        <a:rPr lang="en-US" altLang="ko-KR" sz="1100" dirty="0" smtClean="0"/>
+                        <a:t>(): Unit</a:t>
+                      </a:r>
+                    </a:p>
+                  </a:txBody>
+                  <a:tcPr/>
+                </a:tc>
+                <a:extLst>
+                  <a:ext uri="{0D108BD9-81ED-4DB2-BD59-A6C34878D82A}">
+                    <a16:rowId xmlns:a16="http://schemas.microsoft.com/office/drawing/2014/main" val="72870468"/>
+                  </a:ext>
+                </a:extLst>
+              </a:tr>
+            </a:tbl>
+          </a:graphicData>
+        </a:graphic>
+      </p:graphicFrame>
+      <p:graphicFrame>
+        <p:nvGraphicFramePr>
+          <p:cNvPr id="5" name="표 4"/>
+          <p:cNvGraphicFramePr>
+            <a:graphicFrameLocks noGrp="1"/>
+          </p:cNvGraphicFramePr>
+          <p:nvPr>
+            <p:extLst>
+              <p:ext uri="{D42A27DB-BD31-4B8C-83A1-F6EECF244321}">
+                <p14:modId xmlns:p14="http://schemas.microsoft.com/office/powerpoint/2010/main" val="4007993012"/>
+              </p:ext>
+            </p:extLst>
+          </p:nvPr>
+        </p:nvGraphicFramePr>
+        <p:xfrm>
+          <a:off x="7782370" y="1988302"/>
+          <a:ext cx="3660228" cy="1650417"/>
+        </p:xfrm>
+        <a:graphic>
+          <a:graphicData uri="http://schemas.openxmlformats.org/drawingml/2006/table">
+            <a:tbl>
+              <a:tblPr firstRow="1" bandRow="1">
+                <a:tableStyleId>{5940675A-B579-460E-94D1-54222C63F5DA}</a:tableStyleId>
+              </a:tblPr>
+              <a:tblGrid>
+                <a:gridCol w="3660228">
+                  <a:extLst>
+                    <a:ext uri="{9D8B030D-6E8A-4147-A177-3AD203B41FA5}">
+                      <a16:colId xmlns:a16="http://schemas.microsoft.com/office/drawing/2014/main" val="2126203183"/>
+                    </a:ext>
+                  </a:extLst>
+                </a:gridCol>
+              </a:tblGrid>
+              <a:tr h="412018">
+                <a:tc>
+                  <a:txBody>
+                    <a:bodyPr/>
+                    <a:lstStyle/>
+                    <a:p>
+                      <a:pPr algn="ctr" latinLnBrk="1"/>
+                      <a:r>
+                        <a:rPr lang="en-US" altLang="ko-KR" dirty="0" err="1" smtClean="0"/>
+                        <a:t>ConnectionListener</a:t>
+                      </a:r>
+                      <a:endParaRPr lang="ko-KR" altLang="en-US" dirty="0"/>
+                    </a:p>
+                  </a:txBody>
+                  <a:tcPr/>
+                </a:tc>
+                <a:extLst>
+                  <a:ext uri="{0D108BD9-81ED-4DB2-BD59-A6C34878D82A}">
+                    <a16:rowId xmlns:a16="http://schemas.microsoft.com/office/drawing/2014/main" val="577715411"/>
+                  </a:ext>
+                </a:extLst>
+              </a:tr>
+              <a:tr h="542989">
+                <a:tc>
+                  <a:txBody>
+                    <a:bodyPr/>
+                    <a:lstStyle/>
+                    <a:p>
+                      <a:pPr marL="171450" indent="-171450" latinLnBrk="1">
+                        <a:buFontTx/>
+                        <a:buChar char="-"/>
+                      </a:pPr>
+                      <a:r>
+                        <a:rPr lang="en-US" altLang="ko-KR" sz="1100" dirty="0" err="1" smtClean="0"/>
+                        <a:t>serverSocket</a:t>
+                      </a:r>
+                      <a:r>
+                        <a:rPr lang="en-US" altLang="ko-KR" sz="1100" dirty="0" smtClean="0"/>
+                        <a:t>: </a:t>
+                      </a:r>
+                      <a:r>
+                        <a:rPr lang="en-US" altLang="ko-KR" sz="1100" dirty="0" err="1" smtClean="0"/>
+                        <a:t>ServerSocket</a:t>
+                      </a:r>
+                      <a:endParaRPr lang="en-US" altLang="ko-KR" sz="1100" dirty="0" smtClean="0"/>
+                    </a:p>
+                    <a:p>
+                      <a:pPr marL="171450" indent="-171450" latinLnBrk="1">
+                        <a:buFontTx/>
+                        <a:buChar char="-"/>
+                      </a:pPr>
+                      <a:r>
+                        <a:rPr lang="en-US" altLang="ko-KR" sz="1100" dirty="0" smtClean="0"/>
+                        <a:t>master: Master</a:t>
+                      </a:r>
+                      <a:endParaRPr lang="ko-KR" altLang="en-US" sz="1100" dirty="0"/>
+                    </a:p>
+                  </a:txBody>
+                  <a:tcPr/>
+                </a:tc>
+                <a:extLst>
+                  <a:ext uri="{0D108BD9-81ED-4DB2-BD59-A6C34878D82A}">
+                    <a16:rowId xmlns:a16="http://schemas.microsoft.com/office/drawing/2014/main" val="3982541449"/>
+                  </a:ext>
+                </a:extLst>
+              </a:tr>
+              <a:tr h="695410">
+                <a:tc>
+                  <a:txBody>
+                    <a:bodyPr/>
+                    <a:lstStyle/>
+                    <a:p>
+                      <a:pPr latinLnBrk="1"/>
+                      <a:r>
+                        <a:rPr lang="en-US" altLang="ko-KR" sz="1100" baseline="0" dirty="0" smtClean="0"/>
+                        <a:t>+ </a:t>
+                      </a:r>
+                      <a:r>
+                        <a:rPr lang="en-US" altLang="ko-KR" sz="1100" baseline="0" dirty="0" smtClean="0"/>
+                        <a:t>start(): Unit</a:t>
+                      </a:r>
+                      <a:endParaRPr lang="en-US" altLang="ko-KR" sz="1100" baseline="0" dirty="0" smtClean="0"/>
+                    </a:p>
+                    <a:p>
+                      <a:pPr marL="0" indent="0" latinLnBrk="1">
+                        <a:buFontTx/>
+                        <a:buNone/>
+                      </a:pPr>
+                      <a:r>
+                        <a:rPr lang="en-US" altLang="ko-KR" sz="1100" dirty="0" smtClean="0"/>
+                        <a:t>+</a:t>
+                      </a:r>
+                      <a:r>
+                        <a:rPr lang="en-US" altLang="ko-KR" sz="1100" baseline="0" dirty="0" smtClean="0"/>
+                        <a:t> </a:t>
+                      </a:r>
+                      <a:r>
+                        <a:rPr lang="en-US" altLang="ko-KR" sz="1100" dirty="0" smtClean="0"/>
+                        <a:t>terminate(): Unit</a:t>
+                      </a:r>
+                    </a:p>
+                    <a:p>
+                      <a:pPr marL="0" indent="0" latinLnBrk="1">
+                        <a:buFontTx/>
+                        <a:buNone/>
+                      </a:pPr>
+                      <a:r>
+                        <a:rPr lang="en-US" altLang="ko-KR" sz="1100" dirty="0" smtClean="0"/>
+                        <a:t>- </a:t>
+                      </a:r>
+                      <a:r>
+                        <a:rPr lang="en-US" altLang="ko-KR" sz="1100" dirty="0" err="1" smtClean="0"/>
+                        <a:t>addConnectionMessage</a:t>
+                      </a:r>
+                      <a:r>
+                        <a:rPr lang="en-US" altLang="ko-KR" sz="1100" dirty="0" smtClean="0"/>
+                        <a:t>(Socket):</a:t>
+                      </a:r>
+                      <a:r>
+                        <a:rPr lang="en-US" altLang="ko-KR" sz="1100" baseline="0" dirty="0" smtClean="0"/>
+                        <a:t> Unit</a:t>
+                      </a:r>
+                      <a:endParaRPr lang="en-US" altLang="ko-KR" sz="1100" dirty="0" smtClean="0"/>
+                    </a:p>
+                  </a:txBody>
+                  <a:tcPr/>
+                </a:tc>
+                <a:extLst>
+                  <a:ext uri="{0D108BD9-81ED-4DB2-BD59-A6C34878D82A}">
+                    <a16:rowId xmlns:a16="http://schemas.microsoft.com/office/drawing/2014/main" val="72870468"/>
+                  </a:ext>
+                </a:extLst>
+              </a:tr>
+            </a:tbl>
+          </a:graphicData>
+        </a:graphic>
+      </p:graphicFrame>
+      <p:graphicFrame>
+        <p:nvGraphicFramePr>
+          <p:cNvPr id="6" name="표 5"/>
+          <p:cNvGraphicFramePr>
+            <a:graphicFrameLocks noGrp="1"/>
+          </p:cNvGraphicFramePr>
+          <p:nvPr>
+            <p:extLst>
+              <p:ext uri="{D42A27DB-BD31-4B8C-83A1-F6EECF244321}">
+                <p14:modId xmlns:p14="http://schemas.microsoft.com/office/powerpoint/2010/main" val="3235039128"/>
+              </p:ext>
+            </p:extLst>
+          </p:nvPr>
+        </p:nvGraphicFramePr>
+        <p:xfrm>
+          <a:off x="7782370" y="4394655"/>
+          <a:ext cx="3660228" cy="1916776"/>
+        </p:xfrm>
+        <a:graphic>
+          <a:graphicData uri="http://schemas.openxmlformats.org/drawingml/2006/table">
+            <a:tbl>
+              <a:tblPr firstRow="1" bandRow="1">
+                <a:tableStyleId>{5940675A-B579-460E-94D1-54222C63F5DA}</a:tableStyleId>
+              </a:tblPr>
+              <a:tblGrid>
+                <a:gridCol w="3660228">
+                  <a:extLst>
+                    <a:ext uri="{9D8B030D-6E8A-4147-A177-3AD203B41FA5}">
+                      <a16:colId xmlns:a16="http://schemas.microsoft.com/office/drawing/2014/main" val="2126203183"/>
+                    </a:ext>
+                  </a:extLst>
+                </a:gridCol>
+              </a:tblGrid>
+              <a:tr h="478513">
+                <a:tc>
+                  <a:txBody>
+                    <a:bodyPr/>
+                    <a:lstStyle/>
+                    <a:p>
+                      <a:pPr algn="ctr" latinLnBrk="1"/>
+                      <a:r>
+                        <a:rPr lang="en-US" altLang="ko-KR" dirty="0" err="1" smtClean="0"/>
+                        <a:t>SlaveHandler</a:t>
+                      </a:r>
+                      <a:endParaRPr lang="ko-KR" altLang="en-US" dirty="0"/>
+                    </a:p>
+                  </a:txBody>
+                  <a:tcPr/>
+                </a:tc>
+                <a:extLst>
+                  <a:ext uri="{0D108BD9-81ED-4DB2-BD59-A6C34878D82A}">
+                    <a16:rowId xmlns:a16="http://schemas.microsoft.com/office/drawing/2014/main" val="577715411"/>
+                  </a:ext>
+                </a:extLst>
+              </a:tr>
+              <a:tr h="630621">
+                <a:tc>
+                  <a:txBody>
+                    <a:bodyPr/>
+                    <a:lstStyle/>
+                    <a:p>
+                      <a:pPr marL="171450" indent="-171450" latinLnBrk="1">
+                        <a:buFontTx/>
+                        <a:buChar char="-"/>
+                      </a:pPr>
+                      <a:r>
+                        <a:rPr lang="en-US" altLang="ko-KR" sz="1100" dirty="0" smtClean="0"/>
+                        <a:t>socket: Socket</a:t>
+                      </a:r>
+                    </a:p>
+                    <a:p>
+                      <a:pPr marL="171450" indent="-171450" latinLnBrk="1">
+                        <a:buFontTx/>
+                        <a:buChar char="-"/>
+                      </a:pPr>
+                      <a:r>
+                        <a:rPr lang="en-US" altLang="ko-KR" sz="1100" dirty="0" smtClean="0"/>
+                        <a:t>master: Master</a:t>
+                      </a:r>
+                    </a:p>
+                    <a:p>
+                      <a:pPr marL="171450" indent="-171450" latinLnBrk="1">
+                        <a:buFontTx/>
+                        <a:buChar char="-"/>
+                      </a:pPr>
+                      <a:endParaRPr lang="ko-KR" altLang="en-US" sz="1100" dirty="0"/>
+                    </a:p>
+                  </a:txBody>
+                  <a:tcPr/>
+                </a:tc>
+                <a:extLst>
+                  <a:ext uri="{0D108BD9-81ED-4DB2-BD59-A6C34878D82A}">
+                    <a16:rowId xmlns:a16="http://schemas.microsoft.com/office/drawing/2014/main" val="3982541449"/>
+                  </a:ext>
+                </a:extLst>
+              </a:tr>
+              <a:tr h="807642">
+                <a:tc>
+                  <a:txBody>
+                    <a:bodyPr/>
+                    <a:lstStyle/>
+                    <a:p>
+                      <a:pPr latinLnBrk="1"/>
+                      <a:r>
+                        <a:rPr lang="en-US" altLang="ko-KR" sz="1100" baseline="0" dirty="0" smtClean="0"/>
+                        <a:t>+ </a:t>
+                      </a:r>
+                      <a:r>
+                        <a:rPr lang="en-US" altLang="ko-KR" sz="1100" baseline="0" dirty="0" err="1" smtClean="0"/>
+                        <a:t>startListen</a:t>
+                      </a:r>
+                      <a:r>
+                        <a:rPr lang="en-US" altLang="ko-KR" sz="1100" baseline="0" dirty="0" smtClean="0"/>
+                        <a:t>(): </a:t>
+                      </a:r>
+                      <a:r>
+                        <a:rPr lang="en-US" altLang="ko-KR" sz="1100" baseline="0" dirty="0" smtClean="0"/>
+                        <a:t>Unit</a:t>
+                      </a:r>
+                    </a:p>
+                    <a:p>
+                      <a:pPr marL="0" indent="0" latinLnBrk="1">
+                        <a:buFontTx/>
+                        <a:buNone/>
+                      </a:pPr>
+                      <a:r>
+                        <a:rPr lang="en-US" altLang="ko-KR" sz="1100" dirty="0" smtClean="0"/>
+                        <a:t>+ terminate(): Unit</a:t>
+                      </a:r>
+                    </a:p>
+                    <a:p>
+                      <a:pPr marL="0" indent="0" latinLnBrk="1">
+                        <a:buFontTx/>
+                        <a:buNone/>
+                      </a:pPr>
+                      <a:r>
+                        <a:rPr lang="en-US" altLang="ko-KR" sz="1100" dirty="0" smtClean="0"/>
+                        <a:t>+ </a:t>
+                      </a:r>
+                      <a:r>
+                        <a:rPr lang="en-US" altLang="ko-KR" sz="1100" dirty="0" err="1" smtClean="0"/>
+                        <a:t>sendMessage</a:t>
+                      </a:r>
+                      <a:r>
+                        <a:rPr lang="en-US" altLang="ko-KR" sz="1100" dirty="0" smtClean="0"/>
+                        <a:t>(Message): Unit</a:t>
+                      </a:r>
+                    </a:p>
+                    <a:p>
+                      <a:pPr marL="171450" indent="-171450" latinLnBrk="1">
+                        <a:buFontTx/>
+                        <a:buChar char="-"/>
+                      </a:pPr>
+                      <a:r>
+                        <a:rPr lang="en-US" altLang="ko-KR" sz="1100" baseline="0" dirty="0" err="1" smtClean="0"/>
+                        <a:t>redirectMessage</a:t>
+                      </a:r>
+                      <a:r>
+                        <a:rPr lang="en-US" altLang="ko-KR" sz="1100" baseline="0" dirty="0" smtClean="0"/>
+                        <a:t>(Message): Unit</a:t>
+                      </a:r>
+                      <a:endParaRPr lang="en-US" altLang="ko-KR" sz="1100" dirty="0" smtClean="0"/>
+                    </a:p>
+                  </a:txBody>
+                  <a:tcPr/>
+                </a:tc>
+                <a:extLst>
+                  <a:ext uri="{0D108BD9-81ED-4DB2-BD59-A6C34878D82A}">
+                    <a16:rowId xmlns:a16="http://schemas.microsoft.com/office/drawing/2014/main" val="72870468"/>
+                  </a:ext>
+                </a:extLst>
+              </a:tr>
+            </a:tbl>
+          </a:graphicData>
+        </a:graphic>
+      </p:graphicFrame>
+      <p:cxnSp>
+        <p:nvCxnSpPr>
+          <p:cNvPr id="32" name="직선 화살표 연결선 31"/>
+          <p:cNvCxnSpPr/>
+          <p:nvPr/>
+        </p:nvCxnSpPr>
+        <p:spPr>
+          <a:xfrm flipV="1">
+            <a:off x="4948904" y="3395383"/>
+            <a:ext cx="2833466" cy="6724"/>
+          </a:xfrm>
+          <a:prstGeom prst="straightConnector1">
+            <a:avLst/>
+          </a:prstGeom>
+          <a:ln>
+            <a:headEnd type="triangle"/>
+            <a:tailEnd type="triangle"/>
+          </a:ln>
+        </p:spPr>
+        <p:style>
+          <a:lnRef idx="1">
+            <a:schemeClr val="accent1"/>
+          </a:lnRef>
+          <a:fillRef idx="0">
+            <a:schemeClr val="accent1"/>
+          </a:fillRef>
+          <a:effectRef idx="0">
+            <a:schemeClr val="accent1"/>
+          </a:effectRef>
+          <a:fontRef idx="minor">
+            <a:schemeClr val="tx1"/>
+          </a:fontRef>
+        </p:style>
+      </p:cxnSp>
+      <p:cxnSp>
+        <p:nvCxnSpPr>
+          <p:cNvPr id="33" name="직선 화살표 연결선 32"/>
+          <p:cNvCxnSpPr>
+            <a:endCxn id="6" idx="1"/>
+          </p:cNvCxnSpPr>
+          <p:nvPr/>
+        </p:nvCxnSpPr>
+        <p:spPr>
+          <a:xfrm>
+            <a:off x="4948904" y="5353043"/>
+            <a:ext cx="2833466" cy="0"/>
+          </a:xfrm>
+          <a:prstGeom prst="straightConnector1">
+            <a:avLst/>
+          </a:prstGeom>
+          <a:ln>
+            <a:headEnd type="triangle"/>
+            <a:tailEnd type="triangle"/>
+          </a:ln>
+        </p:spPr>
+        <p:style>
+          <a:lnRef idx="1">
+            <a:schemeClr val="accent1"/>
+          </a:lnRef>
+          <a:fillRef idx="0">
+            <a:schemeClr val="accent1"/>
+          </a:fillRef>
+          <a:effectRef idx="0">
+            <a:schemeClr val="accent1"/>
+          </a:effectRef>
+          <a:fontRef idx="minor">
+            <a:schemeClr val="tx1"/>
+          </a:fontRef>
+        </p:style>
+      </p:cxnSp>
     </p:spTree>
     <p:extLst>
       <p:ext uri="{BB962C8B-B14F-4D97-AF65-F5344CB8AC3E}">
-        <p14:creationId xmlns:p14="http://schemas.microsoft.com/office/powerpoint/2010/main" val="1534592386"/>
+        <p14:creationId xmlns:p14="http://schemas.microsoft.com/office/powerpoint/2010/main" val="3147397412"/>
       </p:ext>
     </p:extLst>
   </p:cSld>
@@ -11598,6 +12244,88 @@
           <a:p>
             <a:r>
               <a:rPr lang="en-US" altLang="ko-KR" dirty="0" smtClean="0"/>
+              <a:t>Master Sample</a:t>
+            </a:r>
+            <a:endParaRPr lang="ko-KR" altLang="en-US" dirty="0"/>
+          </a:p>
+        </p:txBody>
+      </p:sp>
+      <p:sp>
+        <p:nvSpPr>
+          <p:cNvPr id="3" name="내용 개체 틀 2"/>
+          <p:cNvSpPr>
+            <a:spLocks noGrp="1"/>
+          </p:cNvSpPr>
+          <p:nvPr>
+            <p:ph idx="1"/>
+          </p:nvPr>
+        </p:nvSpPr>
+        <p:spPr/>
+        <p:txBody>
+          <a:bodyPr/>
+          <a:lstStyle/>
+          <a:p>
+            <a:r>
+              <a:rPr lang="en-US" altLang="ko-KR" dirty="0" smtClean="0"/>
+              <a:t>Calculate pivot values</a:t>
+            </a:r>
+          </a:p>
+          <a:p>
+            <a:pPr lvl="1"/>
+            <a:r>
+              <a:rPr lang="en-US" altLang="ko-KR" dirty="0" smtClean="0"/>
+              <a:t>Choose values from 1/n, 2/n, …, (n-1)/n position </a:t>
+            </a:r>
+          </a:p>
+        </p:txBody>
+      </p:sp>
+    </p:spTree>
+    <p:extLst>
+      <p:ext uri="{BB962C8B-B14F-4D97-AF65-F5344CB8AC3E}">
+        <p14:creationId xmlns:p14="http://schemas.microsoft.com/office/powerpoint/2010/main" val="1534592386"/>
+      </p:ext>
+    </p:extLst>
+  </p:cSld>
+  <p:clrMapOvr>
+    <a:masterClrMapping/>
+  </p:clrMapOvr>
+</p:sld>
+</file>
+
+<file path=ppt/slides/slide23.xml><?xml version="1.0" encoding="utf-8"?>
+<p:sld xmlns:a="http://schemas.openxmlformats.org/drawingml/2006/main" xmlns:r="http://schemas.openxmlformats.org/officeDocument/2006/relationships" xmlns:p="http://schemas.openxmlformats.org/presentationml/2006/main">
+  <p:cSld>
+    <p:spTree>
+      <p:nvGrpSpPr>
+        <p:cNvPr id="1" name=""/>
+        <p:cNvGrpSpPr/>
+        <p:nvPr/>
+      </p:nvGrpSpPr>
+      <p:grpSpPr>
+        <a:xfrm>
+          <a:off x="0" y="0"/>
+          <a:ext cx="0" cy="0"/>
+          <a:chOff x="0" y="0"/>
+          <a:chExt cx="0" cy="0"/>
+        </a:xfrm>
+      </p:grpSpPr>
+      <p:sp>
+        <p:nvSpPr>
+          <p:cNvPr id="2" name="제목 1"/>
+          <p:cNvSpPr>
+            <a:spLocks noGrp="1"/>
+          </p:cNvSpPr>
+          <p:nvPr>
+            <p:ph type="title"/>
+          </p:nvPr>
+        </p:nvSpPr>
+        <p:spPr/>
+        <p:txBody>
+          <a:bodyPr/>
+          <a:lstStyle/>
+          <a:p>
+            <a:r>
+              <a:rPr lang="en-US" altLang="ko-KR" dirty="0" smtClean="0"/>
               <a:t>Client Sample</a:t>
             </a:r>
             <a:endParaRPr lang="ko-KR" altLang="en-US" dirty="0"/>
@@ -11707,7 +12435,7 @@
 </p:sld>
 </file>
 
-<file path=ppt/slides/slide23.xml><?xml version="1.0" encoding="utf-8"?>
+<file path=ppt/slides/slide24.xml><?xml version="1.0" encoding="utf-8"?>
 <p:sld xmlns:a="http://schemas.openxmlformats.org/drawingml/2006/main" xmlns:r="http://schemas.openxmlformats.org/officeDocument/2006/relationships" xmlns:p="http://schemas.openxmlformats.org/presentationml/2006/main">
   <p:cSld>
     <p:spTree>
@@ -12240,72 +12968,6 @@
 </p:sld>
 </file>
 
-<file path=ppt/slides/slide24.xml><?xml version="1.0" encoding="utf-8"?>
-<p:sld xmlns:a="http://schemas.openxmlformats.org/drawingml/2006/main" xmlns:r="http://schemas.openxmlformats.org/officeDocument/2006/relationships" xmlns:p="http://schemas.openxmlformats.org/presentationml/2006/main">
-  <p:cSld>
-    <p:spTree>
-      <p:nvGrpSpPr>
-        <p:cNvPr id="1" name=""/>
-        <p:cNvGrpSpPr/>
-        <p:nvPr/>
-      </p:nvGrpSpPr>
-      <p:grpSpPr>
-        <a:xfrm>
-          <a:off x="0" y="0"/>
-          <a:ext cx="0" cy="0"/>
-          <a:chOff x="0" y="0"/>
-          <a:chExt cx="0" cy="0"/>
-        </a:xfrm>
-      </p:grpSpPr>
-      <p:sp>
-        <p:nvSpPr>
-          <p:cNvPr id="2" name="제목 1"/>
-          <p:cNvSpPr>
-            <a:spLocks noGrp="1"/>
-          </p:cNvSpPr>
-          <p:nvPr>
-            <p:ph type="title"/>
-          </p:nvPr>
-        </p:nvSpPr>
-        <p:spPr>
-          <a:xfrm>
-            <a:off x="197117" y="2763371"/>
-            <a:ext cx="11876248" cy="1325563"/>
-          </a:xfrm>
-        </p:spPr>
-        <p:txBody>
-          <a:bodyPr/>
-          <a:lstStyle/>
-          <a:p>
-            <a:pPr algn="ctr"/>
-            <a:r>
-              <a:rPr lang="en-US" altLang="ko-KR" dirty="0" smtClean="0"/>
-              <a:t>Classes</a:t>
-            </a:r>
-            <a:endParaRPr lang="ko-KR" altLang="en-US" dirty="0"/>
-          </a:p>
-        </p:txBody>
-      </p:sp>
-    </p:spTree>
-    <p:extLst>
-      <p:ext uri="{BB962C8B-B14F-4D97-AF65-F5344CB8AC3E}">
-        <p14:creationId xmlns:p14="http://schemas.microsoft.com/office/powerpoint/2010/main" val="2521189219"/>
-      </p:ext>
-    </p:extLst>
-  </p:cSld>
-  <p:clrMapOvr>
-    <a:masterClrMapping/>
-  </p:clrMapOvr>
-  <p:timing>
-    <p:tnLst>
-      <p:par>
-        <p:cTn id="1" dur="indefinite" restart="never" nodeType="tmRoot"/>
-      </p:par>
-    </p:tnLst>
-  </p:timing>
-</p:sld>
-</file>
-
 <file path=ppt/slides/slide25.xml><?xml version="1.0" encoding="utf-8"?>
 <p:sld xmlns:a="http://schemas.openxmlformats.org/drawingml/2006/main" xmlns:r="http://schemas.openxmlformats.org/officeDocument/2006/relationships" xmlns:p="http://schemas.openxmlformats.org/presentationml/2006/main">
   <p:cSld>
@@ -12333,127 +12995,21 @@
             <p:ph type="title"/>
           </p:nvPr>
         </p:nvSpPr>
-        <p:spPr/>
+        <p:spPr>
+          <a:xfrm>
+            <a:off x="197117" y="2763371"/>
+            <a:ext cx="11876248" cy="1325563"/>
+          </a:xfrm>
+        </p:spPr>
         <p:txBody>
           <a:bodyPr/>
           <a:lstStyle/>
           <a:p>
+            <a:pPr algn="ctr"/>
             <a:r>
               <a:rPr lang="en-US" altLang="ko-KR" dirty="0" smtClean="0"/>
-              <a:t>Messages</a:t>
-            </a:r>
-            <a:endParaRPr lang="ko-KR" altLang="en-US" dirty="0"/>
-          </a:p>
-        </p:txBody>
-      </p:sp>
-      <p:sp>
-        <p:nvSpPr>
-          <p:cNvPr id="3" name="내용 개체 틀 2"/>
-          <p:cNvSpPr>
-            <a:spLocks noGrp="1"/>
-          </p:cNvSpPr>
-          <p:nvPr>
-            <p:ph idx="1"/>
-          </p:nvPr>
-        </p:nvSpPr>
-        <p:spPr>
-          <a:xfrm>
-            <a:off x="838200" y="1978024"/>
-            <a:ext cx="8957441" cy="4755865"/>
-          </a:xfrm>
-        </p:spPr>
-        <p:txBody>
-          <a:bodyPr/>
-          <a:lstStyle/>
-          <a:p>
-            <a:r>
-              <a:rPr lang="en-US" altLang="ko-KR" sz="2000" dirty="0" smtClean="0"/>
-              <a:t>abstract class Message</a:t>
-            </a:r>
-          </a:p>
-          <a:p>
-            <a:pPr lvl="1">
-              <a:buFontTx/>
-              <a:buChar char="-"/>
-            </a:pPr>
-            <a:endParaRPr lang="en-US" altLang="ko-KR" sz="1600" dirty="0" smtClean="0"/>
-          </a:p>
-          <a:p>
-            <a:pPr marL="342900" indent="-342900"/>
-            <a:r>
-              <a:rPr lang="en-US" altLang="ko-KR" sz="2000" dirty="0"/>
-              <a:t>class Slave</a:t>
-            </a:r>
-          </a:p>
-          <a:p>
-            <a:pPr marL="742950" lvl="1" indent="-285750">
-              <a:buFontTx/>
-              <a:buChar char="-"/>
-            </a:pPr>
-            <a:r>
-              <a:rPr lang="en-US" altLang="ko-KR" sz="1600" dirty="0" err="1"/>
-              <a:t>ip</a:t>
-            </a:r>
-            <a:r>
-              <a:rPr lang="en-US" altLang="ko-KR" sz="1600" dirty="0"/>
-              <a:t>: String</a:t>
-            </a:r>
-          </a:p>
-          <a:p>
-            <a:pPr marL="742950" lvl="1" indent="-285750">
-              <a:buFontTx/>
-              <a:buChar char="-"/>
-            </a:pPr>
-            <a:r>
-              <a:rPr lang="en-US" altLang="ko-KR" sz="1600" dirty="0"/>
-              <a:t>port: </a:t>
-            </a:r>
-            <a:r>
-              <a:rPr lang="en-US" altLang="ko-KR" sz="1600" dirty="0" err="1"/>
-              <a:t>Int</a:t>
-            </a:r>
-            <a:endParaRPr lang="en-US" altLang="ko-KR" sz="1600" dirty="0"/>
-          </a:p>
-          <a:p>
-            <a:pPr marL="742950" lvl="1" indent="-285750">
-              <a:buFontTx/>
-              <a:buChar char="-"/>
-            </a:pPr>
-            <a:r>
-              <a:rPr lang="en-US" altLang="ko-KR" sz="1600" dirty="0" err="1"/>
-              <a:t>dataSize</a:t>
-            </a:r>
-            <a:r>
-              <a:rPr lang="en-US" altLang="ko-KR" sz="1600" dirty="0"/>
-              <a:t>: </a:t>
-            </a:r>
-            <a:r>
-              <a:rPr lang="en-US" altLang="ko-KR" sz="1600" dirty="0" err="1"/>
-              <a:t>Int</a:t>
-            </a:r>
-            <a:endParaRPr lang="en-US" altLang="ko-KR" sz="1600" dirty="0"/>
-          </a:p>
-          <a:p>
-            <a:pPr marL="742950" lvl="1" indent="-285750">
-              <a:buFontTx/>
-              <a:buChar char="-"/>
-            </a:pPr>
-            <a:r>
-              <a:rPr lang="en-US" altLang="ko-KR" sz="1600" dirty="0" err="1"/>
-              <a:t>toByteArray</a:t>
-            </a:r>
-            <a:r>
-              <a:rPr lang="en-US" altLang="ko-KR" sz="1600" dirty="0"/>
-              <a:t>(): Array[byte]</a:t>
-            </a:r>
-          </a:p>
-          <a:p>
-            <a:pPr marL="457200" lvl="1" indent="0">
-              <a:buNone/>
-            </a:pPr>
-            <a:endParaRPr lang="en-US" altLang="ko-KR" dirty="0" smtClean="0"/>
-          </a:p>
-          <a:p>
+              <a:t>Classes</a:t>
+            </a:r>
             <a:endParaRPr lang="ko-KR" altLang="en-US" dirty="0"/>
           </a:p>
         </p:txBody>
@@ -12461,7 +13017,7 @@
     </p:spTree>
     <p:extLst>
       <p:ext uri="{BB962C8B-B14F-4D97-AF65-F5344CB8AC3E}">
-        <p14:creationId xmlns:p14="http://schemas.microsoft.com/office/powerpoint/2010/main" val="758274163"/>
+        <p14:creationId xmlns:p14="http://schemas.microsoft.com/office/powerpoint/2010/main" val="2521189219"/>
       </p:ext>
     </p:extLst>
   </p:cSld>
@@ -12520,284 +13076,120 @@
       </p:sp>
       <p:sp>
         <p:nvSpPr>
-          <p:cNvPr id="5" name="직사각형 4"/>
-          <p:cNvSpPr/>
-          <p:nvPr/>
-        </p:nvSpPr>
-        <p:spPr>
-          <a:xfrm>
-            <a:off x="970412" y="2020066"/>
-            <a:ext cx="10383387" cy="3077766"/>
-          </a:xfrm>
-          <a:prstGeom prst="rect">
-            <a:avLst/>
-          </a:prstGeom>
-        </p:spPr>
-        <p:txBody>
-          <a:bodyPr wrap="square">
-            <a:spAutoFit/>
-          </a:bodyPr>
-          <a:lstStyle/>
-          <a:p>
-            <a:pPr marL="285750" indent="-285750">
-              <a:buFont typeface="Arial" panose="020B0604020202020204" pitchFamily="34" charset="0"/>
-              <a:buChar char="•"/>
+          <p:cNvPr id="3" name="내용 개체 틀 2"/>
+          <p:cNvSpPr>
+            <a:spLocks noGrp="1"/>
+          </p:cNvSpPr>
+          <p:nvPr>
+            <p:ph idx="1"/>
+          </p:nvPr>
+        </p:nvSpPr>
+        <p:spPr>
+          <a:xfrm>
+            <a:off x="838200" y="1978024"/>
+            <a:ext cx="8957441" cy="4755865"/>
+          </a:xfrm>
+        </p:spPr>
+        <p:txBody>
+          <a:bodyPr/>
+          <a:lstStyle/>
+          <a:p>
+            <a:r>
+              <a:rPr lang="en-US" altLang="ko-KR" sz="2000" dirty="0" smtClean="0"/>
+              <a:t>abstract class Message</a:t>
+            </a:r>
+          </a:p>
+          <a:p>
+            <a:pPr lvl="1">
+              <a:buFontTx/>
+              <a:buChar char="-"/>
             </a:pPr>
-            <a:r>
-              <a:rPr lang="en-US" altLang="ko-KR" sz="2000" dirty="0" smtClean="0"/>
-              <a:t>type Key = Array[Byte]</a:t>
-            </a:r>
-          </a:p>
-          <a:p>
-            <a:pPr lvl="1"/>
             <a:endParaRPr lang="en-US" altLang="ko-KR" sz="1600" dirty="0" smtClean="0"/>
           </a:p>
           <a:p>
-            <a:pPr lvl="1"/>
-            <a:endParaRPr lang="en-US" altLang="ko-KR" sz="1600" dirty="0" smtClean="0"/>
-          </a:p>
-          <a:p>
-            <a:pPr marL="342900" indent="-342900">
-              <a:buFont typeface="Arial" panose="020B0604020202020204" pitchFamily="34" charset="0"/>
-              <a:buChar char="•"/>
+            <a:pPr marL="342900" indent="-342900"/>
+            <a:r>
+              <a:rPr lang="en-US" altLang="ko-KR" sz="2000" dirty="0"/>
+              <a:t>class Slave</a:t>
+            </a:r>
+          </a:p>
+          <a:p>
+            <a:pPr marL="742950" lvl="1" indent="-285750">
+              <a:buFontTx/>
+              <a:buChar char="-"/>
             </a:pPr>
             <a:r>
-              <a:rPr lang="en-US" altLang="ko-KR" dirty="0" smtClean="0"/>
-              <a:t>case class </a:t>
-            </a:r>
-            <a:r>
-              <a:rPr lang="en-US" altLang="ko-KR" dirty="0" err="1" smtClean="0"/>
-              <a:t>SlaveInfoMessage</a:t>
-            </a:r>
-            <a:r>
-              <a:rPr lang="en-US" altLang="ko-KR" dirty="0" smtClean="0"/>
-              <a:t>(</a:t>
-            </a:r>
-            <a:r>
-              <a:rPr lang="en-US" altLang="ko-KR" dirty="0" err="1" smtClean="0"/>
-              <a:t>val</a:t>
-            </a:r>
-            <a:r>
-              <a:rPr lang="en-US" altLang="ko-KR" dirty="0" smtClean="0"/>
-              <a:t> </a:t>
-            </a:r>
-            <a:r>
-              <a:rPr lang="en-US" altLang="ko-KR" dirty="0" err="1" smtClean="0"/>
-              <a:t>slaveInfos</a:t>
-            </a:r>
-            <a:r>
-              <a:rPr lang="en-US" altLang="ko-KR" dirty="0" smtClean="0"/>
-              <a:t>: Vector[Slave], </a:t>
-            </a:r>
-            <a:r>
-              <a:rPr lang="en-US" altLang="ko-KR" dirty="0" err="1" smtClean="0"/>
-              <a:t>val</a:t>
-            </a:r>
-            <a:r>
-              <a:rPr lang="en-US" altLang="ko-KR" dirty="0" smtClean="0"/>
-              <a:t> </a:t>
-            </a:r>
-            <a:r>
-              <a:rPr lang="en-US" altLang="ko-KR" dirty="0" err="1" smtClean="0"/>
-              <a:t>pivotValues</a:t>
-            </a:r>
-            <a:r>
-              <a:rPr lang="en-US" altLang="ko-KR" dirty="0" smtClean="0"/>
-              <a:t>) extends Message</a:t>
-            </a:r>
-          </a:p>
-          <a:p>
-            <a:pPr marL="342900" indent="-342900">
-              <a:buFont typeface="Arial" panose="020B0604020202020204" pitchFamily="34" charset="0"/>
-              <a:buChar char="•"/>
+              <a:rPr lang="en-US" altLang="ko-KR" sz="1600" dirty="0" err="1"/>
+              <a:t>ip</a:t>
+            </a:r>
+            <a:r>
+              <a:rPr lang="en-US" altLang="ko-KR" sz="1600" dirty="0"/>
+              <a:t>: String</a:t>
+            </a:r>
+          </a:p>
+          <a:p>
+            <a:pPr marL="742950" lvl="1" indent="-285750">
+              <a:buFontTx/>
+              <a:buChar char="-"/>
             </a:pPr>
             <a:r>
-              <a:rPr lang="en-US" altLang="ko-KR" dirty="0" smtClean="0"/>
-              <a:t>case class </a:t>
-            </a:r>
-            <a:r>
-              <a:rPr lang="en-US" altLang="ko-KR" dirty="0" err="1" smtClean="0"/>
-              <a:t>SampleMessage</a:t>
-            </a:r>
-            <a:r>
-              <a:rPr lang="en-US" altLang="ko-KR" dirty="0" smtClean="0"/>
-              <a:t>(</a:t>
-            </a:r>
-            <a:r>
-              <a:rPr lang="en-US" altLang="ko-KR" dirty="0" err="1" smtClean="0"/>
-              <a:t>val</a:t>
-            </a:r>
-            <a:r>
-              <a:rPr lang="en-US" altLang="ko-KR" dirty="0" smtClean="0"/>
-              <a:t> </a:t>
-            </a:r>
-            <a:r>
-              <a:rPr lang="en-US" altLang="ko-KR" dirty="0" err="1" smtClean="0"/>
+              <a:rPr lang="en-US" altLang="ko-KR" sz="1600" dirty="0"/>
+              <a:t>port: </a:t>
+            </a:r>
+            <a:r>
+              <a:rPr lang="en-US" altLang="ko-KR" sz="1600" dirty="0" err="1"/>
+              <a:t>Int</a:t>
+            </a:r>
+            <a:endParaRPr lang="en-US" altLang="ko-KR" sz="1600" dirty="0"/>
+          </a:p>
+          <a:p>
+            <a:pPr marL="742950" lvl="1" indent="-285750">
+              <a:buFontTx/>
+              <a:buChar char="-"/>
+            </a:pPr>
+            <a:r>
+              <a:rPr lang="en-US" altLang="ko-KR" sz="1600" dirty="0" err="1"/>
               <a:t>dataSize</a:t>
             </a:r>
             <a:r>
-              <a:rPr lang="en-US" altLang="ko-KR" dirty="0" smtClean="0"/>
+              <a:rPr lang="en-US" altLang="ko-KR" sz="1600" dirty="0"/>
               <a:t>: </a:t>
             </a:r>
             <a:r>
-              <a:rPr lang="en-US" altLang="ko-KR" dirty="0" err="1" smtClean="0"/>
+              <a:rPr lang="en-US" altLang="ko-KR" sz="1600" dirty="0" err="1"/>
               <a:t>Int</a:t>
             </a:r>
-            <a:r>
-              <a:rPr lang="en-US" altLang="ko-KR" dirty="0" smtClean="0"/>
-              <a:t>, </a:t>
-            </a:r>
-            <a:r>
-              <a:rPr lang="en-US" altLang="ko-KR" dirty="0" err="1" smtClean="0"/>
-              <a:t>val</a:t>
-            </a:r>
-            <a:r>
-              <a:rPr lang="en-US" altLang="ko-KR" dirty="0" smtClean="0"/>
-              <a:t> samples: Vector[Key]) extends Message</a:t>
-            </a:r>
-          </a:p>
-          <a:p>
-            <a:pPr marL="342900" indent="-342900">
-              <a:buFont typeface="Arial" panose="020B0604020202020204" pitchFamily="34" charset="0"/>
-              <a:buChar char="•"/>
+            <a:endParaRPr lang="en-US" altLang="ko-KR" sz="1600" dirty="0"/>
+          </a:p>
+          <a:p>
+            <a:pPr marL="742950" lvl="1" indent="-285750">
+              <a:buFontTx/>
+              <a:buChar char="-"/>
             </a:pPr>
             <a:r>
-              <a:rPr lang="en-US" altLang="ko-KR" dirty="0" smtClean="0"/>
-              <a:t>object </a:t>
-            </a:r>
-            <a:r>
-              <a:rPr lang="en-US" altLang="ko-KR" dirty="0" err="1" smtClean="0"/>
-              <a:t>DoneMessage</a:t>
-            </a:r>
-            <a:r>
-              <a:rPr lang="en-US" altLang="ko-KR" dirty="0" smtClean="0"/>
-              <a:t> extends Message</a:t>
-            </a:r>
-          </a:p>
-          <a:p>
-            <a:pPr marL="342900" indent="-342900">
-              <a:buFont typeface="Arial" panose="020B0604020202020204" pitchFamily="34" charset="0"/>
-              <a:buChar char="•"/>
-            </a:pPr>
-            <a:r>
-              <a:rPr lang="en-US" altLang="ko-KR" dirty="0" smtClean="0"/>
-              <a:t>case class </a:t>
-            </a:r>
-            <a:r>
-              <a:rPr lang="en-US" altLang="ko-KR" dirty="0" err="1" smtClean="0"/>
-              <a:t>DataInfoMessage</a:t>
-            </a:r>
-            <a:r>
-              <a:rPr lang="en-US" altLang="ko-KR" dirty="0" smtClean="0"/>
-              <a:t>(</a:t>
-            </a:r>
-            <a:r>
-              <a:rPr lang="en-US" altLang="ko-KR" dirty="0" err="1" smtClean="0"/>
-              <a:t>val</a:t>
-            </a:r>
-            <a:r>
-              <a:rPr lang="en-US" altLang="ko-KR" dirty="0" smtClean="0"/>
-              <a:t> sizes: Vector[</a:t>
-            </a:r>
-            <a:r>
-              <a:rPr lang="en-US" altLang="ko-KR" dirty="0" err="1" smtClean="0"/>
-              <a:t>Int</a:t>
-            </a:r>
-            <a:r>
-              <a:rPr lang="en-US" altLang="ko-KR" dirty="0" smtClean="0"/>
-              <a:t>]) extends Message</a:t>
-            </a:r>
-          </a:p>
-          <a:p>
-            <a:pPr marL="342900" indent="-342900">
-              <a:buFont typeface="Arial" panose="020B0604020202020204" pitchFamily="34" charset="0"/>
-              <a:buChar char="•"/>
-            </a:pPr>
-            <a:r>
-              <a:rPr lang="en-US" altLang="ko-KR" dirty="0" smtClean="0"/>
-              <a:t>case class </a:t>
-            </a:r>
-            <a:r>
-              <a:rPr lang="en-US" altLang="ko-KR" dirty="0" err="1" smtClean="0"/>
-              <a:t>DataMessage</a:t>
-            </a:r>
-            <a:r>
-              <a:rPr lang="en-US" altLang="ko-KR" dirty="0" smtClean="0"/>
-              <a:t>(</a:t>
-            </a:r>
-            <a:r>
-              <a:rPr lang="en-US" altLang="ko-KR" dirty="0" err="1" smtClean="0"/>
-              <a:t>val</a:t>
-            </a:r>
-            <a:r>
-              <a:rPr lang="en-US" altLang="ko-KR" dirty="0" smtClean="0"/>
-              <a:t> </a:t>
-            </a:r>
-            <a:r>
-              <a:rPr lang="en-US" altLang="ko-KR" dirty="0" err="1" smtClean="0"/>
-              <a:t>partitionNum</a:t>
-            </a:r>
-            <a:r>
-              <a:rPr lang="en-US" altLang="ko-KR" dirty="0" smtClean="0"/>
-              <a:t>: </a:t>
-            </a:r>
-            <a:r>
-              <a:rPr lang="en-US" altLang="ko-KR" dirty="0" err="1" smtClean="0"/>
-              <a:t>Int</a:t>
-            </a:r>
-            <a:r>
-              <a:rPr lang="en-US" altLang="ko-KR" dirty="0" smtClean="0"/>
-              <a:t>, </a:t>
-            </a:r>
-            <a:r>
-              <a:rPr lang="en-US" altLang="ko-KR" dirty="0" err="1" smtClean="0"/>
-              <a:t>val</a:t>
-            </a:r>
-            <a:r>
-              <a:rPr lang="en-US" altLang="ko-KR" dirty="0" smtClean="0"/>
-              <a:t> </a:t>
-            </a:r>
-            <a:r>
-              <a:rPr lang="en-US" altLang="ko-KR" dirty="0" err="1" smtClean="0"/>
-              <a:t>idx</a:t>
-            </a:r>
-            <a:r>
-              <a:rPr lang="en-US" altLang="ko-KR" dirty="0" smtClean="0"/>
-              <a:t>: </a:t>
-            </a:r>
-            <a:r>
-              <a:rPr lang="en-US" altLang="ko-KR" dirty="0" err="1" smtClean="0"/>
-              <a:t>Int</a:t>
-            </a:r>
-            <a:r>
-              <a:rPr lang="en-US" altLang="ko-KR" dirty="0" smtClean="0"/>
-              <a:t>, data: Array[Byte]) extends Message</a:t>
-            </a:r>
-          </a:p>
-          <a:p>
-            <a:pPr marL="342900" indent="-342900">
-              <a:buFont typeface="Arial" panose="020B0604020202020204" pitchFamily="34" charset="0"/>
-              <a:buChar char="•"/>
+              <a:rPr lang="en-US" altLang="ko-KR" sz="1600" dirty="0" err="1"/>
+              <a:t>toByteArray</a:t>
+            </a:r>
+            <a:r>
+              <a:rPr lang="en-US" altLang="ko-KR" sz="1600" dirty="0"/>
+              <a:t>(): Array[byte]</a:t>
+            </a:r>
+          </a:p>
+          <a:p>
+            <a:pPr marL="457200" lvl="1" indent="0">
+              <a:buNone/>
             </a:pPr>
             <a:endParaRPr lang="en-US" altLang="ko-KR" dirty="0" smtClean="0"/>
           </a:p>
           <a:p>
-            <a:pPr marL="342900" indent="-342900">
-              <a:buFont typeface="Arial" panose="020B0604020202020204" pitchFamily="34" charset="0"/>
-              <a:buChar char="•"/>
-            </a:pPr>
-            <a:endParaRPr lang="en-US" altLang="ko-KR" dirty="0" smtClean="0"/>
-          </a:p>
-          <a:p>
-            <a:pPr lvl="1"/>
-            <a:endParaRPr lang="en-US" altLang="ko-KR" sz="1600" dirty="0" smtClean="0"/>
+            <a:endParaRPr lang="ko-KR" altLang="en-US" dirty="0"/>
           </a:p>
         </p:txBody>
       </p:sp>
     </p:spTree>
     <p:extLst>
       <p:ext uri="{BB962C8B-B14F-4D97-AF65-F5344CB8AC3E}">
-        <p14:creationId xmlns:p14="http://schemas.microsoft.com/office/powerpoint/2010/main" val="1055633754"/>
+        <p14:creationId xmlns:p14="http://schemas.microsoft.com/office/powerpoint/2010/main" val="758274163"/>
       </p:ext>
     </p:extLst>
   </p:cSld>
@@ -12848,7 +13240,7 @@
           <a:p>
             <a:r>
               <a:rPr lang="en-US" altLang="ko-KR" dirty="0" smtClean="0"/>
-              <a:t>Master</a:t>
+              <a:t>Messages</a:t>
             </a:r>
             <a:endParaRPr lang="ko-KR" altLang="en-US" dirty="0"/>
           </a:p>
@@ -12856,430 +13248,284 @@
       </p:sp>
       <p:sp>
         <p:nvSpPr>
-          <p:cNvPr id="3" name="내용 개체 틀 2"/>
-          <p:cNvSpPr>
-            <a:spLocks noGrp="1"/>
-          </p:cNvSpPr>
-          <p:nvPr>
-            <p:ph idx="1"/>
-          </p:nvPr>
-        </p:nvSpPr>
-        <p:spPr>
-          <a:xfrm>
-            <a:off x="838200" y="1978024"/>
-            <a:ext cx="5370959" cy="4755865"/>
-          </a:xfrm>
-        </p:spPr>
-        <p:txBody>
-          <a:bodyPr>
-            <a:normAutofit/>
-          </a:bodyPr>
-          <a:lstStyle/>
-          <a:p>
-            <a:r>
-              <a:rPr lang="en-US" altLang="ko-KR" sz="2000" dirty="0" smtClean="0"/>
-              <a:t>class Master</a:t>
-            </a:r>
-            <a:endParaRPr lang="en-US" altLang="ko-KR" sz="1600" dirty="0" smtClean="0"/>
-          </a:p>
-          <a:p>
-            <a:pPr lvl="1">
-              <a:buFontTx/>
-              <a:buChar char="-"/>
-            </a:pPr>
-            <a:r>
-              <a:rPr lang="en-US" altLang="ko-KR" sz="1600" dirty="0" err="1"/>
-              <a:t>v</a:t>
-            </a:r>
-            <a:r>
-              <a:rPr lang="en-US" altLang="ko-KR" sz="1600" dirty="0" err="1" smtClean="0"/>
-              <a:t>ar</a:t>
-            </a:r>
-            <a:r>
-              <a:rPr lang="en-US" altLang="ko-KR" sz="1600" dirty="0" smtClean="0"/>
-              <a:t> socket: </a:t>
-            </a:r>
-            <a:r>
-              <a:rPr lang="en-US" altLang="ko-KR" sz="1600" dirty="0" err="1" smtClean="0"/>
-              <a:t>ServerSocket</a:t>
-            </a:r>
-            <a:endParaRPr lang="en-US" altLang="ko-KR" sz="1600" dirty="0" smtClean="0"/>
-          </a:p>
-          <a:p>
-            <a:pPr lvl="1">
-              <a:buFontTx/>
-              <a:buChar char="-"/>
-            </a:pPr>
-            <a:r>
-              <a:rPr lang="en-US" altLang="ko-KR" sz="1600" dirty="0" err="1" smtClean="0"/>
-              <a:t>var</a:t>
-            </a:r>
-            <a:r>
-              <a:rPr lang="en-US" altLang="ko-KR" sz="1600" dirty="0" smtClean="0"/>
-              <a:t> </a:t>
-            </a:r>
-            <a:r>
-              <a:rPr lang="en-US" altLang="ko-KR" sz="1600" dirty="0" err="1" smtClean="0"/>
-              <a:t>slaveList</a:t>
-            </a:r>
-            <a:r>
-              <a:rPr lang="en-US" altLang="ko-KR" sz="1600" dirty="0" smtClean="0"/>
-              <a:t>: List[Slave]</a:t>
-            </a:r>
-          </a:p>
-          <a:p>
-            <a:pPr lvl="1">
-              <a:buFontTx/>
-              <a:buChar char="-"/>
-            </a:pPr>
-            <a:r>
-              <a:rPr lang="en-US" altLang="ko-KR" sz="1600" dirty="0" err="1"/>
-              <a:t>v</a:t>
-            </a:r>
-            <a:r>
-              <a:rPr lang="en-US" altLang="ko-KR" sz="1600" dirty="0" err="1" smtClean="0"/>
-              <a:t>ar</a:t>
-            </a:r>
-            <a:r>
-              <a:rPr lang="en-US" altLang="ko-KR" sz="1600" dirty="0" smtClean="0"/>
-              <a:t> </a:t>
-            </a:r>
-            <a:r>
-              <a:rPr lang="en-US" altLang="ko-KR" sz="1600" dirty="0" err="1" smtClean="0"/>
-              <a:t>slaveSocketMap</a:t>
-            </a:r>
-            <a:r>
-              <a:rPr lang="en-US" altLang="ko-KR" sz="1600" dirty="0" smtClean="0"/>
-              <a:t>: Map[Slave, Socket]</a:t>
-            </a:r>
-          </a:p>
-          <a:p>
-            <a:pPr lvl="1">
-              <a:buFontTx/>
-              <a:buChar char="-"/>
-            </a:pPr>
-            <a:r>
-              <a:rPr lang="en-US" altLang="ko-KR" sz="1600" dirty="0" err="1" smtClean="0"/>
-              <a:t>numSlave</a:t>
-            </a:r>
-            <a:r>
-              <a:rPr lang="en-US" altLang="ko-KR" sz="1600" dirty="0" smtClean="0"/>
-              <a:t>: </a:t>
-            </a:r>
-            <a:r>
-              <a:rPr lang="en-US" altLang="ko-KR" sz="1600" dirty="0" err="1" smtClean="0"/>
-              <a:t>Int</a:t>
-            </a:r>
-            <a:endParaRPr lang="en-US" altLang="ko-KR" sz="1600" dirty="0"/>
-          </a:p>
-          <a:p>
-            <a:pPr marL="457200" lvl="1" indent="0">
-              <a:buNone/>
-            </a:pPr>
-            <a:endParaRPr lang="en-US" altLang="ko-KR" sz="1600" dirty="0" smtClean="0"/>
-          </a:p>
-          <a:p>
-            <a:pPr marL="457200" lvl="1" indent="0">
-              <a:buNone/>
-            </a:pPr>
-            <a:r>
-              <a:rPr lang="en-US" altLang="ko-KR" sz="1600" dirty="0" smtClean="0"/>
-              <a:t>(</a:t>
-            </a:r>
-            <a:r>
-              <a:rPr lang="en-US" altLang="ko-KR" sz="1600" dirty="0" err="1" smtClean="0"/>
-              <a:t>Init</a:t>
-            </a:r>
-            <a:r>
-              <a:rPr lang="en-US" altLang="ko-KR" sz="1600" dirty="0" smtClean="0"/>
-              <a:t>)</a:t>
-            </a:r>
-            <a:endParaRPr lang="en-US" altLang="ko-KR" sz="1600" dirty="0"/>
-          </a:p>
-          <a:p>
-            <a:pPr lvl="1">
-              <a:buFontTx/>
-              <a:buChar char="-"/>
-            </a:pPr>
-            <a:r>
-              <a:rPr lang="en-US" altLang="ko-KR" sz="1600" dirty="0" err="1" smtClean="0"/>
-              <a:t>initServerSocket</a:t>
-            </a:r>
-            <a:r>
-              <a:rPr lang="en-US" altLang="ko-KR" sz="1600" dirty="0" smtClean="0"/>
-              <a:t>(): Unit</a:t>
-            </a:r>
-          </a:p>
-          <a:p>
-            <a:pPr lvl="1">
-              <a:buFontTx/>
-              <a:buChar char="-"/>
-            </a:pPr>
-            <a:r>
-              <a:rPr lang="en-US" altLang="ko-KR" sz="1600" dirty="0" err="1" smtClean="0"/>
-              <a:t>acceptConnections</a:t>
-            </a:r>
-            <a:r>
-              <a:rPr lang="en-US" altLang="ko-KR" sz="1600" dirty="0" smtClean="0"/>
-              <a:t>(</a:t>
-            </a:r>
-            <a:r>
-              <a:rPr lang="en-US" altLang="ko-KR" sz="1600" dirty="0" err="1" smtClean="0"/>
-              <a:t>Int</a:t>
-            </a:r>
-            <a:r>
-              <a:rPr lang="en-US" altLang="ko-KR" sz="1600" dirty="0" smtClean="0"/>
-              <a:t>): List[Future[List[Key]]]</a:t>
-            </a:r>
-          </a:p>
-          <a:p>
-            <a:pPr lvl="1">
-              <a:buFontTx/>
-              <a:buChar char="-"/>
-            </a:pPr>
-            <a:r>
-              <a:rPr lang="en-US" altLang="ko-KR" sz="1600" dirty="0" err="1" smtClean="0"/>
-              <a:t>samplingFuture</a:t>
-            </a:r>
-            <a:r>
-              <a:rPr lang="en-US" altLang="ko-KR" sz="1600" dirty="0" smtClean="0"/>
-              <a:t>(Socket): Future[List[Key]]</a:t>
-            </a:r>
-          </a:p>
-          <a:p>
-            <a:pPr lvl="1">
-              <a:buFontTx/>
-              <a:buChar char="-"/>
-            </a:pPr>
-            <a:r>
-              <a:rPr lang="en-US" altLang="ko-KR" sz="1600" dirty="0" err="1" smtClean="0"/>
-              <a:t>updateSlaveInfo</a:t>
-            </a:r>
-            <a:r>
-              <a:rPr lang="en-US" altLang="ko-KR" sz="1600" dirty="0" smtClean="0"/>
-              <a:t>(Socket</a:t>
-            </a:r>
-            <a:r>
-              <a:rPr lang="en-US" altLang="ko-KR" sz="1600" dirty="0"/>
-              <a:t>, Slave): Unit</a:t>
-            </a:r>
-          </a:p>
-          <a:p>
-            <a:pPr lvl="1">
-              <a:buFontTx/>
-              <a:buChar char="-"/>
-            </a:pPr>
-            <a:endParaRPr lang="en-US" altLang="ko-KR" sz="1600" dirty="0"/>
-          </a:p>
-          <a:p>
-            <a:pPr marL="457200" lvl="1" indent="0">
-              <a:buNone/>
-            </a:pPr>
-            <a:endParaRPr lang="en-US" altLang="ko-KR" sz="1600" dirty="0" smtClean="0"/>
-          </a:p>
-          <a:p>
-            <a:endParaRPr lang="ko-KR" altLang="en-US" dirty="0"/>
-          </a:p>
-        </p:txBody>
-      </p:sp>
-      <p:sp>
-        <p:nvSpPr>
-          <p:cNvPr id="4" name="직사각형 3"/>
+          <p:cNvPr id="5" name="직사각형 4"/>
           <p:cNvSpPr/>
           <p:nvPr/>
         </p:nvSpPr>
         <p:spPr>
           <a:xfrm>
-            <a:off x="6209159" y="735518"/>
-            <a:ext cx="6096000" cy="3785652"/>
+            <a:off x="970412" y="2020066"/>
+            <a:ext cx="10383387" cy="3077766"/>
           </a:xfrm>
           <a:prstGeom prst="rect">
             <a:avLst/>
           </a:prstGeom>
         </p:spPr>
         <p:txBody>
-          <a:bodyPr>
+          <a:bodyPr wrap="square">
             <a:spAutoFit/>
           </a:bodyPr>
           <a:lstStyle/>
           <a:p>
+            <a:pPr marL="285750" indent="-285750">
+              <a:buFont typeface="Arial" panose="020B0604020202020204" pitchFamily="34" charset="0"/>
+              <a:buChar char="•"/>
+            </a:pPr>
+            <a:r>
+              <a:rPr lang="en-US" altLang="ko-KR" sz="2000" dirty="0" smtClean="0"/>
+              <a:t>type Key = Array[Byte]</a:t>
+            </a:r>
+          </a:p>
+          <a:p>
             <a:pPr lvl="1"/>
-            <a:r>
-              <a:rPr lang="en-US" altLang="ko-KR" sz="1600" dirty="0" smtClean="0"/>
-              <a:t>(Connect)</a:t>
-            </a:r>
-          </a:p>
-          <a:p>
-            <a:pPr lvl="1">
-              <a:buFontTx/>
-              <a:buChar char="-"/>
+            <a:endParaRPr lang="en-US" altLang="ko-KR" sz="1600" dirty="0" smtClean="0"/>
+          </a:p>
+          <a:p>
+            <a:pPr lvl="1"/>
+            <a:endParaRPr lang="en-US" altLang="ko-KR" sz="1600" dirty="0" smtClean="0"/>
+          </a:p>
+          <a:p>
+            <a:pPr marL="342900" indent="-342900">
+              <a:buFont typeface="Arial" panose="020B0604020202020204" pitchFamily="34" charset="0"/>
+              <a:buChar char="•"/>
             </a:pPr>
             <a:r>
-              <a:rPr lang="en-US" altLang="ko-KR" sz="1600" dirty="0" smtClean="0"/>
+              <a:rPr lang="en-US" altLang="ko-KR" dirty="0" smtClean="0"/>
+              <a:t>case class </a:t>
+            </a:r>
+            <a:r>
+              <a:rPr lang="en-US" altLang="ko-KR" dirty="0" err="1" smtClean="0"/>
+              <a:t>SlaveInfoMessage</a:t>
+            </a:r>
+            <a:r>
+              <a:rPr lang="en-US" altLang="ko-KR" dirty="0" smtClean="0"/>
+              <a:t>(</a:t>
+            </a:r>
+            <a:r>
+              <a:rPr lang="en-US" altLang="ko-KR" dirty="0" err="1" smtClean="0"/>
+              <a:t>val</a:t>
+            </a:r>
+            <a:r>
+              <a:rPr lang="en-US" altLang="ko-KR" dirty="0" smtClean="0"/>
               <a:t> </a:t>
             </a:r>
             <a:r>
-              <a:rPr lang="en-US" altLang="ko-KR" sz="1600" dirty="0" err="1" smtClean="0"/>
-              <a:t>recvSampleMsg</a:t>
-            </a:r>
-            <a:r>
-              <a:rPr lang="en-US" altLang="ko-KR" sz="1600" dirty="0" smtClean="0"/>
-              <a:t>(Socket</a:t>
-            </a:r>
-            <a:r>
-              <a:rPr lang="en-US" altLang="ko-KR" sz="1600" dirty="0"/>
-              <a:t>): </a:t>
-            </a:r>
-            <a:r>
-              <a:rPr lang="en-US" altLang="ko-KR" sz="1600" dirty="0" err="1" smtClean="0"/>
-              <a:t>SampleMsg</a:t>
-            </a:r>
+              <a:rPr lang="en-US" altLang="ko-KR" dirty="0" err="1" smtClean="0"/>
+              <a:t>slaveInfos</a:t>
+            </a:r>
+            <a:r>
+              <a:rPr lang="en-US" altLang="ko-KR" dirty="0" smtClean="0"/>
+              <a:t>: Vector[Slave], </a:t>
+            </a:r>
+            <a:r>
+              <a:rPr lang="en-US" altLang="ko-KR" dirty="0" err="1" smtClean="0"/>
+              <a:t>val</a:t>
+            </a:r>
+            <a:r>
+              <a:rPr lang="en-US" altLang="ko-KR" dirty="0" smtClean="0"/>
+              <a:t> </a:t>
+            </a:r>
+            <a:r>
+              <a:rPr lang="en-US" altLang="ko-KR" dirty="0" err="1" smtClean="0"/>
+              <a:t>pivotValues</a:t>
+            </a:r>
+            <a:r>
+              <a:rPr lang="en-US" altLang="ko-KR" dirty="0" smtClean="0"/>
+              <a:t>) extends Message</a:t>
+            </a:r>
+          </a:p>
+          <a:p>
+            <a:pPr marL="342900" indent="-342900">
+              <a:buFont typeface="Arial" panose="020B0604020202020204" pitchFamily="34" charset="0"/>
+              <a:buChar char="•"/>
+            </a:pPr>
+            <a:r>
+              <a:rPr lang="en-US" altLang="ko-KR" dirty="0" smtClean="0"/>
+              <a:t>case class </a:t>
+            </a:r>
+            <a:r>
+              <a:rPr lang="en-US" altLang="ko-KR" dirty="0" err="1" smtClean="0"/>
+              <a:t>SampleMessage</a:t>
+            </a:r>
+            <a:r>
+              <a:rPr lang="en-US" altLang="ko-KR" dirty="0" smtClean="0"/>
+              <a:t>(</a:t>
+            </a:r>
+            <a:r>
+              <a:rPr lang="en-US" altLang="ko-KR" dirty="0" err="1" smtClean="0"/>
+              <a:t>val</a:t>
+            </a:r>
+            <a:r>
+              <a:rPr lang="en-US" altLang="ko-KR" dirty="0" smtClean="0"/>
+              <a:t> </a:t>
+            </a:r>
+            <a:r>
+              <a:rPr lang="en-US" altLang="ko-KR" dirty="0" err="1" smtClean="0"/>
+              <a:t>dataSize</a:t>
+            </a:r>
+            <a:r>
+              <a:rPr lang="en-US" altLang="ko-KR" dirty="0" smtClean="0"/>
+              <a:t>: </a:t>
+            </a:r>
+            <a:r>
+              <a:rPr lang="en-US" altLang="ko-KR" dirty="0" err="1" smtClean="0"/>
+              <a:t>Int</a:t>
+            </a:r>
+            <a:r>
+              <a:rPr lang="en-US" altLang="ko-KR" dirty="0" smtClean="0"/>
+              <a:t>, </a:t>
+            </a:r>
+            <a:r>
+              <a:rPr lang="en-US" altLang="ko-KR" dirty="0" err="1" smtClean="0"/>
+              <a:t>val</a:t>
+            </a:r>
+            <a:r>
+              <a:rPr lang="en-US" altLang="ko-KR" dirty="0" smtClean="0"/>
+              <a:t> samples: Vector[Key]) extends Message</a:t>
+            </a:r>
+          </a:p>
+          <a:p>
+            <a:pPr marL="342900" indent="-342900">
+              <a:buFont typeface="Arial" panose="020B0604020202020204" pitchFamily="34" charset="0"/>
+              <a:buChar char="•"/>
+            </a:pPr>
+            <a:r>
+              <a:rPr lang="en-US" altLang="ko-KR" dirty="0" smtClean="0"/>
+              <a:t>object </a:t>
+            </a:r>
+            <a:r>
+              <a:rPr lang="en-US" altLang="ko-KR" dirty="0" err="1" smtClean="0"/>
+              <a:t>DoneMessage</a:t>
+            </a:r>
+            <a:r>
+              <a:rPr lang="en-US" altLang="ko-KR" dirty="0" smtClean="0"/>
+              <a:t> extends Message</a:t>
+            </a:r>
+          </a:p>
+          <a:p>
+            <a:pPr marL="342900" indent="-342900">
+              <a:buFont typeface="Arial" panose="020B0604020202020204" pitchFamily="34" charset="0"/>
+              <a:buChar char="•"/>
+            </a:pPr>
+            <a:r>
+              <a:rPr lang="en-US" altLang="ko-KR" dirty="0" smtClean="0"/>
+              <a:t>case class </a:t>
+            </a:r>
+            <a:r>
+              <a:rPr lang="en-US" altLang="ko-KR" dirty="0" err="1" smtClean="0"/>
+              <a:t>DataInfoMessage</a:t>
+            </a:r>
+            <a:r>
+              <a:rPr lang="en-US" altLang="ko-KR" dirty="0" smtClean="0"/>
+              <a:t>(</a:t>
+            </a:r>
+            <a:r>
+              <a:rPr lang="en-US" altLang="ko-KR" dirty="0" err="1" smtClean="0"/>
+              <a:t>val</a:t>
+            </a:r>
+            <a:r>
+              <a:rPr lang="en-US" altLang="ko-KR" dirty="0" smtClean="0"/>
+              <a:t> sizes: Vector[</a:t>
+            </a:r>
+            <a:r>
+              <a:rPr lang="en-US" altLang="ko-KR" dirty="0" err="1" smtClean="0"/>
+              <a:t>Int</a:t>
+            </a:r>
+            <a:r>
+              <a:rPr lang="en-US" altLang="ko-KR" dirty="0" smtClean="0"/>
+              <a:t>]) extends Message</a:t>
+            </a:r>
+          </a:p>
+          <a:p>
+            <a:pPr marL="342900" indent="-342900">
+              <a:buFont typeface="Arial" panose="020B0604020202020204" pitchFamily="34" charset="0"/>
+              <a:buChar char="•"/>
+            </a:pPr>
+            <a:r>
+              <a:rPr lang="en-US" altLang="ko-KR" dirty="0" smtClean="0"/>
+              <a:t>case class </a:t>
+            </a:r>
+            <a:r>
+              <a:rPr lang="en-US" altLang="ko-KR" dirty="0" err="1" smtClean="0"/>
+              <a:t>DataMessage</a:t>
+            </a:r>
+            <a:r>
+              <a:rPr lang="en-US" altLang="ko-KR" dirty="0" smtClean="0"/>
+              <a:t>(</a:t>
+            </a:r>
+            <a:r>
+              <a:rPr lang="en-US" altLang="ko-KR" dirty="0" err="1" smtClean="0"/>
+              <a:t>val</a:t>
+            </a:r>
+            <a:r>
+              <a:rPr lang="en-US" altLang="ko-KR" dirty="0" smtClean="0"/>
+              <a:t> </a:t>
+            </a:r>
+            <a:r>
+              <a:rPr lang="en-US" altLang="ko-KR" dirty="0" err="1" smtClean="0"/>
+              <a:t>partitionNum</a:t>
+            </a:r>
+            <a:r>
+              <a:rPr lang="en-US" altLang="ko-KR" dirty="0" smtClean="0"/>
+              <a:t>: </a:t>
+            </a:r>
+            <a:r>
+              <a:rPr lang="en-US" altLang="ko-KR" dirty="0" err="1" smtClean="0"/>
+              <a:t>Int</a:t>
+            </a:r>
+            <a:r>
+              <a:rPr lang="en-US" altLang="ko-KR" dirty="0" smtClean="0"/>
+              <a:t>, </a:t>
+            </a:r>
+            <a:r>
+              <a:rPr lang="en-US" altLang="ko-KR" dirty="0" err="1" smtClean="0"/>
+              <a:t>val</a:t>
+            </a:r>
+            <a:r>
+              <a:rPr lang="en-US" altLang="ko-KR" dirty="0" smtClean="0"/>
+              <a:t> </a:t>
+            </a:r>
+            <a:r>
+              <a:rPr lang="en-US" altLang="ko-KR" dirty="0" err="1" smtClean="0"/>
+              <a:t>idx</a:t>
+            </a:r>
+            <a:r>
+              <a:rPr lang="en-US" altLang="ko-KR" dirty="0" smtClean="0"/>
+              <a:t>: </a:t>
+            </a:r>
+            <a:r>
+              <a:rPr lang="en-US" altLang="ko-KR" dirty="0" err="1" smtClean="0"/>
+              <a:t>Int</a:t>
+            </a:r>
+            <a:r>
+              <a:rPr lang="en-US" altLang="ko-KR" dirty="0" smtClean="0"/>
+              <a:t>, data: Array[Byte]) extends Message</a:t>
+            </a:r>
+          </a:p>
+          <a:p>
+            <a:pPr marL="342900" indent="-342900">
+              <a:buFont typeface="Arial" panose="020B0604020202020204" pitchFamily="34" charset="0"/>
+              <a:buChar char="•"/>
+            </a:pPr>
+            <a:endParaRPr lang="en-US" altLang="ko-KR" dirty="0" smtClean="0"/>
+          </a:p>
+          <a:p>
+            <a:pPr marL="342900" indent="-342900">
+              <a:buFont typeface="Arial" panose="020B0604020202020204" pitchFamily="34" charset="0"/>
+              <a:buChar char="•"/>
+            </a:pPr>
+            <a:endParaRPr lang="en-US" altLang="ko-KR" dirty="0" smtClean="0"/>
+          </a:p>
+          <a:p>
+            <a:pPr lvl="1"/>
             <a:endParaRPr lang="en-US" altLang="ko-KR" sz="1600" dirty="0" smtClean="0"/>
-          </a:p>
-          <a:p>
-            <a:pPr lvl="1"/>
-            <a:endParaRPr lang="en-US" altLang="ko-KR" sz="1600" dirty="0"/>
-          </a:p>
-          <a:p>
-            <a:pPr lvl="1"/>
-            <a:r>
-              <a:rPr lang="en-US" altLang="ko-KR" sz="1600" dirty="0" smtClean="0"/>
-              <a:t>(Sample)</a:t>
-            </a:r>
-          </a:p>
-          <a:p>
-            <a:pPr lvl="1"/>
-            <a:r>
-              <a:rPr lang="en-US" altLang="ko-KR" sz="1600" dirty="0" smtClean="0"/>
-              <a:t>- </a:t>
-            </a:r>
-            <a:r>
-              <a:rPr lang="en-US" altLang="ko-KR" sz="1600" dirty="0" err="1" smtClean="0"/>
-              <a:t>waitSamples</a:t>
-            </a:r>
-            <a:r>
-              <a:rPr lang="en-US" altLang="ko-KR" sz="1600" dirty="0" smtClean="0"/>
-              <a:t>(List[Future[List[Key]]]): List[Key]</a:t>
-            </a:r>
-          </a:p>
-          <a:p>
-            <a:pPr lvl="1"/>
-            <a:r>
-              <a:rPr lang="en-US" altLang="ko-KR" sz="1600" dirty="0" smtClean="0"/>
-              <a:t>- </a:t>
-            </a:r>
-            <a:r>
-              <a:rPr lang="en-US" altLang="ko-KR" sz="1600" dirty="0" err="1" smtClean="0"/>
-              <a:t>calcPivots</a:t>
-            </a:r>
-            <a:r>
-              <a:rPr lang="en-US" altLang="ko-KR" sz="1600" dirty="0" smtClean="0"/>
-              <a:t>(): List[Key]</a:t>
-            </a:r>
-          </a:p>
-          <a:p>
-            <a:pPr lvl="1">
-              <a:buFontTx/>
-              <a:buChar char="-"/>
-            </a:pPr>
-            <a:r>
-              <a:rPr lang="en-US" altLang="ko-KR" sz="1600" dirty="0" smtClean="0"/>
-              <a:t> </a:t>
-            </a:r>
-            <a:r>
-              <a:rPr lang="en-US" altLang="ko-KR" sz="1600" dirty="0" err="1" smtClean="0"/>
-              <a:t>makeComputeFuture</a:t>
-            </a:r>
-            <a:r>
-              <a:rPr lang="en-US" altLang="ko-KR" sz="1600" dirty="0" smtClean="0"/>
-              <a:t>(): Future[Unit]</a:t>
-            </a:r>
-          </a:p>
-          <a:p>
-            <a:pPr lvl="1">
-              <a:buFontTx/>
-              <a:buChar char="-"/>
-            </a:pPr>
-            <a:endParaRPr lang="en-US" altLang="ko-KR" sz="1600" dirty="0"/>
-          </a:p>
-          <a:p>
-            <a:pPr lvl="1"/>
-            <a:r>
-              <a:rPr lang="en-US" altLang="ko-KR" sz="1600" dirty="0" smtClean="0"/>
-              <a:t>(Compute)</a:t>
-            </a:r>
-          </a:p>
-          <a:p>
-            <a:pPr lvl="1"/>
-            <a:r>
-              <a:rPr lang="en-US" altLang="ko-KR" sz="1600" dirty="0" smtClean="0"/>
-              <a:t>- </a:t>
-            </a:r>
-            <a:r>
-              <a:rPr lang="en-US" altLang="ko-KR" sz="1600" dirty="0" err="1" smtClean="0"/>
-              <a:t>sendSlavesInfoMsg</a:t>
-            </a:r>
-            <a:r>
-              <a:rPr lang="en-US" altLang="ko-KR" sz="1600" dirty="0" smtClean="0"/>
-              <a:t>(): Unit</a:t>
-            </a:r>
-            <a:endParaRPr lang="en-US" altLang="ko-KR" sz="1600" dirty="0"/>
-          </a:p>
-          <a:p>
-            <a:pPr lvl="1"/>
-            <a:r>
-              <a:rPr lang="en-US" altLang="ko-KR" sz="1600" dirty="0" smtClean="0"/>
-              <a:t>- </a:t>
-            </a:r>
-            <a:r>
-              <a:rPr lang="en-US" altLang="ko-KR" sz="1600" dirty="0" err="1" smtClean="0"/>
-              <a:t>waitDoneMessage</a:t>
-            </a:r>
-            <a:r>
-              <a:rPr lang="en-US" altLang="ko-KR" sz="1600" dirty="0" smtClean="0"/>
-              <a:t>(): Unit</a:t>
-            </a:r>
-          </a:p>
-          <a:p>
-            <a:pPr marL="742950" lvl="1" indent="-285750">
-              <a:buFontTx/>
-              <a:buChar char="-"/>
-            </a:pPr>
-            <a:endParaRPr lang="en-US" altLang="ko-KR" sz="1600" dirty="0"/>
-          </a:p>
-          <a:p>
-            <a:pPr lvl="1"/>
-            <a:r>
-              <a:rPr lang="en-US" altLang="ko-KR" sz="1600" dirty="0" smtClean="0"/>
-              <a:t>(Success)</a:t>
-            </a:r>
-          </a:p>
-          <a:p>
-            <a:pPr lvl="1"/>
-            <a:r>
-              <a:rPr lang="en-US" altLang="ko-KR" sz="1600" dirty="0" smtClean="0"/>
-              <a:t>- </a:t>
-            </a:r>
-            <a:r>
-              <a:rPr lang="en-US" altLang="ko-KR" sz="1600" dirty="0" err="1" smtClean="0"/>
-              <a:t>closeAllSocket</a:t>
-            </a:r>
-            <a:r>
-              <a:rPr lang="en-US" altLang="ko-KR" sz="1600" dirty="0" smtClean="0"/>
-              <a:t>(): Unit</a:t>
-            </a:r>
-            <a:endParaRPr lang="en-US" altLang="ko-KR" sz="1600" dirty="0"/>
-          </a:p>
-          <a:p>
-            <a:pPr lvl="1"/>
-            <a:endParaRPr lang="en-US" altLang="ko-KR" sz="1600" dirty="0"/>
           </a:p>
         </p:txBody>
       </p:sp>
     </p:spTree>
     <p:extLst>
       <p:ext uri="{BB962C8B-B14F-4D97-AF65-F5344CB8AC3E}">
-        <p14:creationId xmlns:p14="http://schemas.microsoft.com/office/powerpoint/2010/main" val="1516983984"/>
+        <p14:creationId xmlns:p14="http://schemas.microsoft.com/office/powerpoint/2010/main" val="1055633754"/>
       </p:ext>
     </p:extLst>
   </p:cSld>
@@ -13330,7 +13576,7 @@
           <a:p>
             <a:r>
               <a:rPr lang="en-US" altLang="ko-KR" dirty="0" smtClean="0"/>
-              <a:t>Slave</a:t>
+              <a:t>Master</a:t>
             </a:r>
             <a:endParaRPr lang="ko-KR" altLang="en-US" dirty="0"/>
           </a:p>
@@ -13348,25 +13594,21 @@
         </p:nvSpPr>
         <p:spPr>
           <a:xfrm>
-            <a:off x="838199" y="1978024"/>
-            <a:ext cx="5650207" cy="4755865"/>
+            <a:off x="838200" y="1978024"/>
+            <a:ext cx="5370959" cy="4755865"/>
           </a:xfrm>
         </p:spPr>
         <p:txBody>
           <a:bodyPr>
-            <a:normAutofit lnSpcReduction="10000"/>
+            <a:normAutofit/>
           </a:bodyPr>
           <a:lstStyle/>
           <a:p>
             <a:r>
-              <a:rPr lang="en-US" altLang="ko-KR" sz="2000" dirty="0"/>
-              <a:t>class Slave</a:t>
-            </a:r>
-            <a:r>
               <a:rPr lang="en-US" altLang="ko-KR" sz="2000" dirty="0" smtClean="0"/>
-              <a:t>:</a:t>
-            </a:r>
-            <a:endParaRPr lang="en-US" altLang="ko-KR" sz="1600" dirty="0"/>
+              <a:t>class Master</a:t>
+            </a:r>
+            <a:endParaRPr lang="en-US" altLang="ko-KR" sz="1600" dirty="0" smtClean="0"/>
           </a:p>
           <a:p>
             <a:pPr lvl="1">
@@ -13374,115 +13616,18 @@
               <a:buChar char="-"/>
             </a:pPr>
             <a:r>
+              <a:rPr lang="en-US" altLang="ko-KR" sz="1600" dirty="0"/>
+              <a:t>s</a:t>
+            </a:r>
+            <a:r>
+              <a:rPr lang="en-US" altLang="ko-KR" sz="1600" dirty="0" smtClean="0"/>
+              <a:t>tate: </a:t>
+            </a:r>
+            <a:r>
               <a:rPr lang="en-US" altLang="ko-KR" sz="1600" dirty="0" err="1" smtClean="0"/>
-              <a:t>var</a:t>
-            </a:r>
-            <a:r>
-              <a:rPr lang="en-US" altLang="ko-KR" sz="1600" dirty="0" smtClean="0"/>
-              <a:t> </a:t>
-            </a:r>
-            <a:r>
-              <a:rPr lang="en-US" altLang="ko-KR" sz="1600" dirty="0" err="1" smtClean="0"/>
-              <a:t>slaveNumber</a:t>
-            </a:r>
-            <a:r>
-              <a:rPr lang="en-US" altLang="ko-KR" sz="1600" dirty="0"/>
-              <a:t>: </a:t>
-            </a:r>
-            <a:r>
-              <a:rPr lang="en-US" altLang="ko-KR" sz="1600" dirty="0" err="1" smtClean="0"/>
-              <a:t>Int</a:t>
+              <a:t>MasterState</a:t>
             </a:r>
             <a:endParaRPr lang="en-US" altLang="ko-KR" sz="1600" dirty="0" smtClean="0"/>
-          </a:p>
-          <a:p>
-            <a:pPr lvl="1">
-              <a:buFontTx/>
-              <a:buChar char="-"/>
-            </a:pPr>
-            <a:r>
-              <a:rPr lang="en-US" altLang="ko-KR" sz="1600" dirty="0" err="1" smtClean="0"/>
-              <a:t>var</a:t>
-            </a:r>
-            <a:r>
-              <a:rPr lang="en-US" altLang="ko-KR" sz="1600" dirty="0" smtClean="0"/>
-              <a:t> </a:t>
-            </a:r>
-            <a:r>
-              <a:rPr lang="en-US" altLang="ko-KR" sz="1600" dirty="0" err="1" smtClean="0"/>
-              <a:t>partitionSize</a:t>
-            </a:r>
-            <a:r>
-              <a:rPr lang="en-US" altLang="ko-KR" sz="1600" dirty="0" smtClean="0"/>
-              <a:t>: </a:t>
-            </a:r>
-            <a:r>
-              <a:rPr lang="en-US" altLang="ko-KR" sz="1600" dirty="0" err="1" smtClean="0"/>
-              <a:t>Int</a:t>
-            </a:r>
-            <a:endParaRPr lang="en-US" altLang="ko-KR" sz="1600" dirty="0" smtClean="0"/>
-          </a:p>
-          <a:p>
-            <a:pPr lvl="1">
-              <a:buFontTx/>
-              <a:buChar char="-"/>
-            </a:pPr>
-            <a:r>
-              <a:rPr lang="en-US" altLang="ko-KR" sz="1600" dirty="0" err="1"/>
-              <a:t>v</a:t>
-            </a:r>
-            <a:r>
-              <a:rPr lang="en-US" altLang="ko-KR" sz="1600" dirty="0" err="1" smtClean="0"/>
-              <a:t>ar</a:t>
-            </a:r>
-            <a:r>
-              <a:rPr lang="en-US" altLang="ko-KR" sz="1600" dirty="0" smtClean="0"/>
-              <a:t> socket: Socket</a:t>
-            </a:r>
-          </a:p>
-          <a:p>
-            <a:pPr lvl="1">
-              <a:buFontTx/>
-              <a:buChar char="-"/>
-            </a:pPr>
-            <a:r>
-              <a:rPr lang="en-US" altLang="ko-KR" sz="1600" dirty="0" err="1"/>
-              <a:t>v</a:t>
-            </a:r>
-            <a:r>
-              <a:rPr lang="en-US" altLang="ko-KR" sz="1600" dirty="0" err="1" smtClean="0"/>
-              <a:t>ar</a:t>
-            </a:r>
-            <a:r>
-              <a:rPr lang="en-US" altLang="ko-KR" sz="1600" dirty="0" smtClean="0"/>
-              <a:t> slaves: List[Slave]</a:t>
-            </a:r>
-          </a:p>
-          <a:p>
-            <a:pPr lvl="1">
-              <a:buFontTx/>
-              <a:buChar char="-"/>
-            </a:pPr>
-            <a:r>
-              <a:rPr lang="en-US" altLang="ko-KR" sz="1600" dirty="0" err="1"/>
-              <a:t>v</a:t>
-            </a:r>
-            <a:r>
-              <a:rPr lang="en-US" altLang="ko-KR" sz="1600" dirty="0" err="1" smtClean="0"/>
-              <a:t>ar</a:t>
-            </a:r>
-            <a:r>
-              <a:rPr lang="en-US" altLang="ko-KR" sz="1600" dirty="0" smtClean="0"/>
-              <a:t> pivots: List[</a:t>
-            </a:r>
-            <a:r>
-              <a:rPr lang="en-US" altLang="ko-KR" sz="1600" dirty="0" err="1" smtClean="0"/>
-              <a:t>Int</a:t>
-            </a:r>
-            <a:r>
-              <a:rPr lang="en-US" altLang="ko-KR" sz="1600" dirty="0" smtClean="0"/>
-              <a:t>]</a:t>
-            </a:r>
           </a:p>
           <a:p>
             <a:pPr lvl="1">
@@ -13492,26 +13637,172 @@
             <a:endParaRPr lang="en-US" altLang="ko-KR" sz="1600" dirty="0"/>
           </a:p>
           <a:p>
-            <a:pPr marL="457200" lvl="1" indent="0">
-              <a:buNone/>
-            </a:pPr>
-            <a:r>
-              <a:rPr lang="en-US" altLang="ko-KR" sz="1600" dirty="0" smtClean="0"/>
-              <a:t>(connect)</a:t>
-            </a:r>
-          </a:p>
-          <a:p>
             <a:pPr lvl="1">
               <a:buFontTx/>
               <a:buChar char="-"/>
             </a:pPr>
             <a:r>
               <a:rPr lang="en-US" altLang="ko-KR" sz="1600" dirty="0" err="1" smtClean="0"/>
-              <a:t>connectToMaster</a:t>
+              <a:t>connectionListener</a:t>
             </a:r>
             <a:r>
               <a:rPr lang="en-US" altLang="ko-KR" sz="1600" dirty="0" smtClean="0"/>
-              <a:t>(String, </a:t>
+              <a:t>: </a:t>
+            </a:r>
+            <a:r>
+              <a:rPr lang="en-US" altLang="ko-KR" sz="1600" dirty="0" err="1" smtClean="0"/>
+              <a:t>ConnectionListener</a:t>
+            </a:r>
+            <a:endParaRPr lang="en-US" altLang="ko-KR" sz="1600" dirty="0" smtClean="0"/>
+          </a:p>
+          <a:p>
+            <a:pPr lvl="1">
+              <a:buFontTx/>
+              <a:buChar char="-"/>
+            </a:pPr>
+            <a:r>
+              <a:rPr lang="en-US" altLang="ko-KR" sz="1600" dirty="0" err="1"/>
+              <a:t>numSlave</a:t>
+            </a:r>
+            <a:r>
+              <a:rPr lang="en-US" altLang="ko-KR" sz="1600" dirty="0"/>
+              <a:t>: </a:t>
+            </a:r>
+            <a:r>
+              <a:rPr lang="en-US" altLang="ko-KR" sz="1600" dirty="0" err="1"/>
+              <a:t>Int</a:t>
+            </a:r>
+            <a:endParaRPr lang="en-US" altLang="ko-KR" sz="1600" dirty="0"/>
+          </a:p>
+          <a:p>
+            <a:pPr lvl="1">
+              <a:buFontTx/>
+              <a:buChar char="-"/>
+            </a:pPr>
+            <a:endParaRPr lang="en-US" altLang="ko-KR" sz="1600" dirty="0" smtClean="0"/>
+          </a:p>
+          <a:p>
+            <a:pPr lvl="1">
+              <a:buFontTx/>
+              <a:buChar char="-"/>
+            </a:pPr>
+            <a:r>
+              <a:rPr lang="en-US" altLang="ko-KR" sz="1600" dirty="0" err="1" smtClean="0"/>
+              <a:t>v</a:t>
+            </a:r>
+            <a:r>
+              <a:rPr lang="en-US" altLang="ko-KR" sz="1600" dirty="0" err="1" smtClean="0"/>
+              <a:t>ar</a:t>
+            </a:r>
+            <a:r>
+              <a:rPr lang="en-US" altLang="ko-KR" sz="1600" dirty="0" smtClean="0"/>
+              <a:t> connected: Set[</a:t>
+            </a:r>
+            <a:r>
+              <a:rPr lang="en-US" altLang="ko-KR" sz="1600" dirty="0" err="1" smtClean="0"/>
+              <a:t>SlaveListener</a:t>
+            </a:r>
+            <a:r>
+              <a:rPr lang="en-US" altLang="ko-KR" sz="1600" dirty="0" smtClean="0"/>
+              <a:t>]</a:t>
+            </a:r>
+            <a:endParaRPr lang="en-US" altLang="ko-KR" sz="1600" dirty="0" smtClean="0"/>
+          </a:p>
+          <a:p>
+            <a:pPr lvl="1">
+              <a:buFontTx/>
+              <a:buChar char="-"/>
+            </a:pPr>
+            <a:r>
+              <a:rPr lang="en-US" altLang="ko-KR" sz="1600" dirty="0" err="1" smtClean="0"/>
+              <a:t>var</a:t>
+            </a:r>
+            <a:r>
+              <a:rPr lang="en-US" altLang="ko-KR" sz="1600" dirty="0" smtClean="0"/>
+              <a:t> </a:t>
+            </a:r>
+            <a:r>
+              <a:rPr lang="en-US" altLang="ko-KR" sz="1600" dirty="0" smtClean="0"/>
+              <a:t>slaves: Map[Socket, Slave]</a:t>
+            </a:r>
+          </a:p>
+          <a:p>
+            <a:pPr lvl="1">
+              <a:buFontTx/>
+              <a:buChar char="-"/>
+            </a:pPr>
+            <a:r>
+              <a:rPr lang="en-US" altLang="ko-KR" sz="1600" dirty="0" err="1"/>
+              <a:t>v</a:t>
+            </a:r>
+            <a:r>
+              <a:rPr lang="en-US" altLang="ko-KR" sz="1600" dirty="0" err="1" smtClean="0"/>
+              <a:t>ar</a:t>
+            </a:r>
+            <a:r>
+              <a:rPr lang="en-US" altLang="ko-KR" sz="1600" dirty="0" smtClean="0"/>
+              <a:t> </a:t>
+            </a:r>
+            <a:r>
+              <a:rPr lang="en-US" altLang="ko-KR" sz="1600" dirty="0" err="1" smtClean="0"/>
+              <a:t>messageQueue</a:t>
+            </a:r>
+            <a:r>
+              <a:rPr lang="en-US" altLang="ko-KR" sz="1600" dirty="0" smtClean="0"/>
+              <a:t>: Queue[(Message, Socket)]</a:t>
+            </a:r>
+            <a:endParaRPr lang="en-US" altLang="ko-KR" sz="1600" dirty="0" smtClean="0"/>
+          </a:p>
+          <a:p>
+            <a:pPr marL="457200" lvl="1" indent="0">
+              <a:buNone/>
+            </a:pPr>
+            <a:endParaRPr lang="en-US" altLang="ko-KR" sz="1600" dirty="0" smtClean="0"/>
+          </a:p>
+          <a:p>
+            <a:pPr marL="457200" lvl="1" indent="0">
+              <a:buNone/>
+            </a:pPr>
+            <a:r>
+              <a:rPr lang="en-US" altLang="ko-KR" sz="1600" dirty="0" smtClean="0"/>
+              <a:t>(</a:t>
+            </a:r>
+            <a:r>
+              <a:rPr lang="en-US" altLang="ko-KR" sz="1600" dirty="0" err="1" smtClean="0"/>
+              <a:t>Init</a:t>
+            </a:r>
+            <a:r>
+              <a:rPr lang="en-US" altLang="ko-KR" sz="1600" dirty="0" smtClean="0"/>
+              <a:t>)</a:t>
+            </a:r>
+            <a:endParaRPr lang="en-US" altLang="ko-KR" sz="1600" dirty="0"/>
+          </a:p>
+          <a:p>
+            <a:pPr lvl="1">
+              <a:buFontTx/>
+              <a:buChar char="-"/>
+            </a:pPr>
+            <a:r>
+              <a:rPr lang="en-US" altLang="ko-KR" sz="1600" dirty="0" err="1" smtClean="0"/>
+              <a:t>initServerSocket</a:t>
+            </a:r>
+            <a:r>
+              <a:rPr lang="en-US" altLang="ko-KR" sz="1600" dirty="0" smtClean="0"/>
+              <a:t>(): Unit</a:t>
+            </a:r>
+          </a:p>
+          <a:p>
+            <a:pPr lvl="1">
+              <a:buFontTx/>
+              <a:buChar char="-"/>
+            </a:pPr>
+            <a:r>
+              <a:rPr lang="en-US" altLang="ko-KR" sz="1600" dirty="0" err="1" smtClean="0"/>
+              <a:t>acceptConnections</a:t>
+            </a:r>
+            <a:r>
+              <a:rPr lang="en-US" altLang="ko-KR" sz="1600" dirty="0" smtClean="0"/>
+              <a:t>(</a:t>
             </a:r>
             <a:r>
               <a:rPr lang="en-US" altLang="ko-KR" sz="1600" dirty="0" err="1" smtClean="0"/>
@@ -13519,7 +13810,39 @@
             </a:r>
             <a:r>
               <a:rPr lang="en-US" altLang="ko-KR" sz="1600" dirty="0" smtClean="0"/>
-              <a:t>): Unit</a:t>
+              <a:t>): List[Future[List[Key]]]</a:t>
+            </a:r>
+          </a:p>
+          <a:p>
+            <a:pPr lvl="1">
+              <a:buFontTx/>
+              <a:buChar char="-"/>
+            </a:pPr>
+            <a:r>
+              <a:rPr lang="en-US" altLang="ko-KR" sz="1600" dirty="0" err="1" smtClean="0"/>
+              <a:t>samplingFuture</a:t>
+            </a:r>
+            <a:r>
+              <a:rPr lang="en-US" altLang="ko-KR" sz="1600" dirty="0" smtClean="0"/>
+              <a:t>(Socket): Future[List[Key]]</a:t>
+            </a:r>
+          </a:p>
+          <a:p>
+            <a:pPr lvl="1">
+              <a:buFontTx/>
+              <a:buChar char="-"/>
+            </a:pPr>
+            <a:r>
+              <a:rPr lang="en-US" altLang="ko-KR" sz="1600" dirty="0" err="1" smtClean="0"/>
+              <a:t>updateSlaveInfo</a:t>
+            </a:r>
+            <a:r>
+              <a:rPr lang="en-US" altLang="ko-KR" sz="1600" dirty="0" smtClean="0"/>
+              <a:t>(Socket</a:t>
+            </a:r>
+            <a:r>
+              <a:rPr lang="en-US" altLang="ko-KR" sz="1600" dirty="0"/>
+              <a:t>, Slave): Unit</a:t>
             </a:r>
           </a:p>
           <a:p>
@@ -13533,9 +13856,38 @@
             <a:pPr marL="457200" lvl="1" indent="0">
               <a:buNone/>
             </a:pPr>
-            <a:r>
-              <a:rPr lang="en-US" altLang="ko-KR" sz="1600" dirty="0"/>
-              <a:t>(sample)</a:t>
+            <a:endParaRPr lang="en-US" altLang="ko-KR" sz="1600" dirty="0" smtClean="0"/>
+          </a:p>
+          <a:p>
+            <a:endParaRPr lang="ko-KR" altLang="en-US" dirty="0"/>
+          </a:p>
+        </p:txBody>
+      </p:sp>
+      <p:sp>
+        <p:nvSpPr>
+          <p:cNvPr id="4" name="직사각형 3"/>
+          <p:cNvSpPr/>
+          <p:nvPr/>
+        </p:nvSpPr>
+        <p:spPr>
+          <a:xfrm>
+            <a:off x="6209159" y="735518"/>
+            <a:ext cx="6096000" cy="3785652"/>
+          </a:xfrm>
+          <a:prstGeom prst="rect">
+            <a:avLst/>
+          </a:prstGeom>
+        </p:spPr>
+        <p:txBody>
+          <a:bodyPr>
+            <a:spAutoFit/>
+          </a:bodyPr>
+          <a:lstStyle/>
+          <a:p>
+            <a:pPr lvl="1"/>
+            <a:r>
+              <a:rPr lang="en-US" altLang="ko-KR" sz="1600" dirty="0" smtClean="0"/>
+              <a:t>(Connect)</a:t>
             </a:r>
           </a:p>
           <a:p>
@@ -13544,18 +13896,67 @@
               <a:buChar char="-"/>
             </a:pPr>
             <a:r>
+              <a:rPr lang="en-US" altLang="ko-KR" sz="1600" dirty="0" smtClean="0"/>
+              <a:t> </a:t>
+            </a:r>
+            <a:r>
               <a:rPr lang="en-US" altLang="ko-KR" sz="1600" dirty="0" err="1" smtClean="0"/>
-              <a:t>getDataSize</a:t>
+              <a:t>recvSampleMsg</a:t>
+            </a:r>
+            <a:r>
+              <a:rPr lang="en-US" altLang="ko-KR" sz="1600" dirty="0" smtClean="0"/>
+              <a:t>(Socket</a:t>
             </a:r>
             <a:r>
               <a:rPr lang="en-US" altLang="ko-KR" sz="1600" dirty="0"/>
-              <a:t>(): </a:t>
-            </a:r>
+              <a:t>): </a:t>
+            </a:r>
+            <a:r>
+              <a:rPr lang="en-US" altLang="ko-KR" sz="1600" dirty="0" err="1" smtClean="0"/>
+              <a:t>SampleMsg</a:t>
+            </a:r>
+            <a:endParaRPr lang="en-US" altLang="ko-KR" sz="1600" dirty="0" smtClean="0"/>
+          </a:p>
+          <a:p>
+            <a:pPr lvl="1"/>
+            <a:endParaRPr lang="en-US" altLang="ko-KR" sz="1600" dirty="0"/>
+          </a:p>
+          <a:p>
+            <a:pPr lvl="1"/>
             <a:r>
               <a:rPr lang="en-US" altLang="ko-KR" sz="1600" dirty="0" smtClean="0"/>
-              <a:t>Long</a:t>
-            </a:r>
-            <a:endParaRPr lang="en-US" altLang="ko-KR" sz="1600" dirty="0"/>
+              <a:t>(Sample)</a:t>
+            </a:r>
+          </a:p>
+          <a:p>
+            <a:pPr lvl="1"/>
+            <a:r>
+              <a:rPr lang="en-US" altLang="ko-KR" sz="1600" dirty="0" smtClean="0"/>
+              <a:t>- </a:t>
+            </a:r>
+            <a:r>
+              <a:rPr lang="en-US" altLang="ko-KR" sz="1600" dirty="0" err="1" smtClean="0"/>
+              <a:t>waitSamples</a:t>
+            </a:r>
+            <a:r>
+              <a:rPr lang="en-US" altLang="ko-KR" sz="1600" dirty="0" smtClean="0"/>
+              <a:t>(List[Future[List[Key]]]): List[Key]</a:t>
+            </a:r>
+          </a:p>
+          <a:p>
+            <a:pPr lvl="1"/>
+            <a:r>
+              <a:rPr lang="en-US" altLang="ko-KR" sz="1600" dirty="0" smtClean="0"/>
+              <a:t>- </a:t>
+            </a:r>
+            <a:r>
+              <a:rPr lang="en-US" altLang="ko-KR" sz="1600" dirty="0" err="1" smtClean="0"/>
+              <a:t>calcPivots</a:t>
+            </a:r>
+            <a:r>
+              <a:rPr lang="en-US" altLang="ko-KR" sz="1600" dirty="0" smtClean="0"/>
+              <a:t>(): List[Key]</a:t>
+            </a:r>
           </a:p>
           <a:p>
             <a:pPr lvl="1">
@@ -13564,152 +13965,11 @@
             </a:pPr>
             <a:r>
               <a:rPr lang="en-US" altLang="ko-KR" sz="1600" dirty="0" smtClean="0"/>
-              <a:t>sample</a:t>
-            </a:r>
-            <a:r>
-              <a:rPr lang="en-US" altLang="ko-KR" sz="1600" dirty="0"/>
-              <a:t>(): List[Key]</a:t>
-            </a:r>
-          </a:p>
-          <a:p>
-            <a:pPr lvl="1">
-              <a:buFontTx/>
-              <a:buChar char="-"/>
-            </a:pPr>
+              <a:t> </a:t>
+            </a:r>
             <a:r>
               <a:rPr lang="en-US" altLang="ko-KR" sz="1600" dirty="0" err="1" smtClean="0"/>
-              <a:t>sampleSingleFile</a:t>
-            </a:r>
-            <a:r>
-              <a:rPr lang="en-US" altLang="ko-KR" sz="1600" dirty="0"/>
-              <a:t>(): List[Key]</a:t>
-            </a:r>
-          </a:p>
-          <a:p>
-            <a:pPr lvl="1">
-              <a:buFontTx/>
-              <a:buChar char="-"/>
-            </a:pPr>
-            <a:r>
-              <a:rPr lang="en-US" altLang="ko-KR" sz="1600" dirty="0" err="1" smtClean="0"/>
-              <a:t>sendSampleMsg</a:t>
-            </a:r>
-            <a:r>
-              <a:rPr lang="en-US" altLang="ko-KR" sz="1600" dirty="0"/>
-              <a:t>(): Unit</a:t>
-            </a:r>
-          </a:p>
-          <a:p>
-            <a:pPr lvl="1">
-              <a:buFontTx/>
-              <a:buChar char="-"/>
-            </a:pPr>
-            <a:r>
-              <a:rPr lang="en-US" altLang="ko-KR" sz="1600" dirty="0" err="1" smtClean="0"/>
-              <a:t>recvSlaveInfoMsg</a:t>
-            </a:r>
-            <a:r>
-              <a:rPr lang="en-US" altLang="ko-KR" sz="1600" dirty="0"/>
-              <a:t>(): </a:t>
-            </a:r>
-            <a:r>
-              <a:rPr lang="en-US" altLang="ko-KR" sz="1600" dirty="0" err="1" smtClean="0"/>
-              <a:t>SlaveInfoMsg</a:t>
-            </a:r>
-            <a:endParaRPr lang="en-US" altLang="ko-KR" sz="1600" dirty="0"/>
-          </a:p>
-          <a:p>
-            <a:pPr lvl="1">
-              <a:buFontTx/>
-              <a:buChar char="-"/>
-            </a:pPr>
-            <a:r>
-              <a:rPr lang="en-US" altLang="ko-KR" sz="1600" dirty="0" err="1" smtClean="0"/>
-              <a:t>updateSlaveInfo</a:t>
-            </a:r>
-            <a:r>
-              <a:rPr lang="en-US" altLang="ko-KR" sz="1600" dirty="0" smtClean="0"/>
-              <a:t>(</a:t>
-            </a:r>
-            <a:r>
-              <a:rPr lang="en-US" altLang="ko-KR" sz="1600" dirty="0" err="1" smtClean="0"/>
-              <a:t>SlaveInfoMsg</a:t>
-            </a:r>
-            <a:r>
-              <a:rPr lang="en-US" altLang="ko-KR" sz="1600" dirty="0"/>
-              <a:t>): Unit</a:t>
-            </a:r>
-          </a:p>
-          <a:p>
-            <a:pPr lvl="1">
-              <a:buFontTx/>
-              <a:buChar char="-"/>
-            </a:pPr>
-            <a:endParaRPr lang="en-US" altLang="ko-KR" dirty="0"/>
-          </a:p>
-          <a:p>
-            <a:endParaRPr lang="ko-KR" altLang="en-US" dirty="0"/>
-          </a:p>
-        </p:txBody>
-      </p:sp>
-      <p:sp>
-        <p:nvSpPr>
-          <p:cNvPr id="4" name="직사각형 3"/>
-          <p:cNvSpPr/>
-          <p:nvPr/>
-        </p:nvSpPr>
-        <p:spPr>
-          <a:xfrm>
-            <a:off x="5829528" y="510917"/>
-            <a:ext cx="6096000" cy="4031873"/>
-          </a:xfrm>
-          <a:prstGeom prst="rect">
-            <a:avLst/>
-          </a:prstGeom>
-        </p:spPr>
-        <p:txBody>
-          <a:bodyPr>
-            <a:spAutoFit/>
-          </a:bodyPr>
-          <a:lstStyle/>
-          <a:p>
-            <a:pPr lvl="1"/>
-            <a:r>
-              <a:rPr lang="en-US" altLang="ko-KR" sz="1600" dirty="0" smtClean="0"/>
-              <a:t>(Compute)</a:t>
-            </a:r>
-            <a:endParaRPr lang="en-US" altLang="ko-KR" sz="1600" dirty="0"/>
-          </a:p>
-          <a:p>
-            <a:pPr lvl="1">
-              <a:buFontTx/>
-              <a:buChar char="-"/>
-            </a:pPr>
-            <a:r>
-              <a:rPr lang="en-US" altLang="ko-KR" sz="1600" dirty="0" smtClean="0"/>
-              <a:t> </a:t>
-            </a:r>
-            <a:r>
-              <a:rPr lang="en-US" altLang="ko-KR" sz="1600" dirty="0" err="1" smtClean="0"/>
-              <a:t>recvPartitions</a:t>
-            </a:r>
-            <a:r>
-              <a:rPr lang="en-US" altLang="ko-KR" sz="1600" dirty="0" smtClean="0"/>
-              <a:t>(): Future[Unit]</a:t>
-            </a:r>
-          </a:p>
-          <a:p>
-            <a:pPr lvl="1">
-              <a:buFontTx/>
-              <a:buChar char="-"/>
-            </a:pPr>
-            <a:r>
-              <a:rPr lang="en-US" altLang="ko-KR" sz="1600" dirty="0" smtClean="0"/>
-              <a:t> </a:t>
-            </a:r>
-            <a:r>
-              <a:rPr lang="en-US" altLang="ko-KR" sz="1600" dirty="0" err="1" smtClean="0"/>
-              <a:t>recvFromSingleSlave</a:t>
+              <a:t>makeComputeFuture</a:t>
             </a:r>
             <a:r>
               <a:rPr lang="en-US" altLang="ko-KR" sz="1600" dirty="0" smtClean="0"/>
@@ -13724,171 +13984,83 @@
             <a:endParaRPr lang="en-US" altLang="ko-KR" sz="1600" dirty="0"/>
           </a:p>
           <a:p>
-            <a:pPr lvl="1">
-              <a:buFontTx/>
-              <a:buChar char="-"/>
-            </a:pPr>
+            <a:pPr lvl="1"/>
             <a:r>
               <a:rPr lang="en-US" altLang="ko-KR" sz="1600" dirty="0" smtClean="0"/>
-              <a:t> </a:t>
-            </a:r>
-            <a:r>
-              <a:rPr lang="en-US" altLang="ko-KR" sz="1600" dirty="0"/>
-              <a:t>p</a:t>
-            </a:r>
+              <a:t>(Compute)</a:t>
+            </a:r>
+          </a:p>
+          <a:p>
+            <a:pPr lvl="1"/>
             <a:r>
               <a:rPr lang="en-US" altLang="ko-KR" sz="1600" dirty="0" smtClean="0"/>
-              <a:t>artition(): Future[Unit]</a:t>
-            </a:r>
-          </a:p>
-          <a:p>
-            <a:pPr lvl="1">
-              <a:buFontTx/>
-              <a:buChar char="-"/>
-            </a:pPr>
-            <a:r>
-              <a:rPr lang="en-US" altLang="ko-KR" sz="1600" dirty="0"/>
-              <a:t> </a:t>
+              <a:t>- </a:t>
             </a:r>
             <a:r>
               <a:rPr lang="en-US" altLang="ko-KR" sz="1600" dirty="0" err="1" smtClean="0"/>
-              <a:t>partitionSingleFile</a:t>
+              <a:t>sendSlavesInfoMsg</a:t>
             </a:r>
             <a:r>
               <a:rPr lang="en-US" altLang="ko-KR" sz="1600" dirty="0" smtClean="0"/>
-              <a:t>(String): Unit</a:t>
-            </a:r>
-          </a:p>
-          <a:p>
-            <a:pPr lvl="1">
+              <a:t>(): Unit</a:t>
+            </a:r>
+            <a:endParaRPr lang="en-US" altLang="ko-KR" sz="1600" dirty="0"/>
+          </a:p>
+          <a:p>
+            <a:pPr lvl="1"/>
+            <a:r>
+              <a:rPr lang="en-US" altLang="ko-KR" sz="1600" dirty="0" smtClean="0"/>
+              <a:t>- </a:t>
+            </a:r>
+            <a:r>
+              <a:rPr lang="en-US" altLang="ko-KR" sz="1600" dirty="0" err="1" smtClean="0"/>
+              <a:t>waitDoneMessage</a:t>
+            </a:r>
+            <a:r>
+              <a:rPr lang="en-US" altLang="ko-KR" sz="1600" dirty="0" smtClean="0"/>
+              <a:t>(): Unit</a:t>
+            </a:r>
+          </a:p>
+          <a:p>
+            <a:pPr marL="742950" lvl="1" indent="-285750">
               <a:buFontTx/>
               <a:buChar char="-"/>
             </a:pPr>
             <a:endParaRPr lang="en-US" altLang="ko-KR" sz="1600" dirty="0"/>
           </a:p>
           <a:p>
-            <a:pPr lvl="1">
-              <a:buFontTx/>
-              <a:buChar char="-"/>
-            </a:pPr>
+            <a:pPr lvl="1"/>
             <a:r>
               <a:rPr lang="en-US" altLang="ko-KR" sz="1600" dirty="0" smtClean="0"/>
-              <a:t> sort(): Future[Unit]</a:t>
-            </a:r>
-          </a:p>
-          <a:p>
-            <a:pPr lvl="1">
-              <a:buFontTx/>
-              <a:buChar char="-"/>
-            </a:pPr>
-            <a:r>
-              <a:rPr lang="en-US" altLang="ko-KR" sz="1600" dirty="0"/>
-              <a:t> </a:t>
+              <a:t>(Success)</a:t>
+            </a:r>
+          </a:p>
+          <a:p>
+            <a:pPr lvl="1"/>
+            <a:r>
+              <a:rPr lang="en-US" altLang="ko-KR" sz="1600" dirty="0" smtClean="0"/>
+              <a:t>- </a:t>
             </a:r>
             <a:r>
               <a:rPr lang="en-US" altLang="ko-KR" sz="1600" dirty="0" err="1" smtClean="0"/>
-              <a:t>sortSingleFile</a:t>
-            </a:r>
-            <a:r>
-              <a:rPr lang="en-US" altLang="ko-KR" sz="1600" dirty="0" smtClean="0"/>
-              <a:t>(String): Unit</a:t>
-            </a:r>
-          </a:p>
-          <a:p>
-            <a:pPr lvl="1">
-              <a:buFontTx/>
-              <a:buChar char="-"/>
-            </a:pPr>
-            <a:endParaRPr lang="en-US" altLang="ko-KR" sz="1600" dirty="0"/>
-          </a:p>
-          <a:p>
-            <a:pPr lvl="1">
-              <a:buFontTx/>
-              <a:buChar char="-"/>
-            </a:pPr>
-            <a:r>
-              <a:rPr lang="en-US" altLang="ko-KR" sz="1600" dirty="0"/>
-              <a:t> </a:t>
-            </a:r>
-            <a:r>
-              <a:rPr lang="en-US" altLang="ko-KR" sz="1600" dirty="0" smtClean="0"/>
-              <a:t>shuffle(): Future[Unit]</a:t>
-            </a:r>
-          </a:p>
-          <a:p>
-            <a:pPr lvl="1">
-              <a:buFontTx/>
-              <a:buChar char="-"/>
-            </a:pPr>
-            <a:endParaRPr lang="en-US" altLang="ko-KR" sz="1600" dirty="0"/>
-          </a:p>
-          <a:p>
-            <a:pPr lvl="1">
-              <a:buFontTx/>
-              <a:buChar char="-"/>
-            </a:pPr>
-            <a:r>
-              <a:rPr lang="en-US" altLang="ko-KR" sz="1600" dirty="0"/>
-              <a:t> </a:t>
-            </a:r>
-            <a:r>
-              <a:rPr lang="en-US" altLang="ko-KR" sz="1600" dirty="0" err="1" smtClean="0"/>
-              <a:t>sendPartitions</a:t>
-            </a:r>
-            <a:r>
-              <a:rPr lang="en-US" altLang="ko-KR" sz="1600" dirty="0" smtClean="0"/>
-              <a:t>(): Future[Unit]</a:t>
-            </a:r>
-          </a:p>
-          <a:p>
-            <a:pPr lvl="1">
-              <a:buFontTx/>
-              <a:buChar char="-"/>
-            </a:pPr>
-            <a:r>
-              <a:rPr lang="en-US" altLang="ko-KR" sz="1600" dirty="0" smtClean="0"/>
-              <a:t> </a:t>
-            </a:r>
-            <a:r>
-              <a:rPr lang="en-US" altLang="ko-KR" sz="1600" dirty="0" err="1" smtClean="0"/>
-              <a:t>sendPartitionTo</a:t>
-            </a:r>
-            <a:r>
-              <a:rPr lang="en-US" altLang="ko-KR" sz="1600" dirty="0" smtClean="0"/>
-              <a:t>(Slave): Unit</a:t>
-            </a:r>
-          </a:p>
-          <a:p>
-            <a:pPr lvl="1">
-              <a:buFontTx/>
-              <a:buChar char="-"/>
-            </a:pPr>
-            <a:endParaRPr lang="en-US" altLang="ko-KR" sz="1600" dirty="0"/>
-          </a:p>
-          <a:p>
-            <a:pPr lvl="1">
-              <a:buFontTx/>
-              <a:buChar char="-"/>
-            </a:pPr>
-            <a:r>
-              <a:rPr lang="en-US" altLang="ko-KR" sz="1600" dirty="0"/>
-              <a:t> </a:t>
-            </a:r>
-            <a:r>
-              <a:rPr lang="en-US" altLang="ko-KR" sz="1600" dirty="0" err="1" smtClean="0"/>
-              <a:t>sendDoneMsg</a:t>
+              <a:t>closeAllSocket</a:t>
             </a:r>
             <a:r>
               <a:rPr lang="en-US" altLang="ko-KR" sz="1600" dirty="0" smtClean="0"/>
               <a:t>(): Unit</a:t>
             </a:r>
+            <a:endParaRPr lang="en-US" altLang="ko-KR" sz="1600" dirty="0"/>
+          </a:p>
+          <a:p>
+            <a:pPr lvl="1"/>
+            <a:endParaRPr lang="en-US" altLang="ko-KR" sz="1600" dirty="0"/>
           </a:p>
         </p:txBody>
       </p:sp>
     </p:spTree>
     <p:extLst>
       <p:ext uri="{BB962C8B-B14F-4D97-AF65-F5344CB8AC3E}">
-        <p14:creationId xmlns:p14="http://schemas.microsoft.com/office/powerpoint/2010/main" val="4159145072"/>
+        <p14:creationId xmlns:p14="http://schemas.microsoft.com/office/powerpoint/2010/main" val="1516983984"/>
       </p:ext>
     </p:extLst>
   </p:cSld>
@@ -13932,29 +14104,572 @@
             <p:ph type="title"/>
           </p:nvPr>
         </p:nvSpPr>
-        <p:spPr>
-          <a:xfrm>
-            <a:off x="197117" y="2763371"/>
-            <a:ext cx="11876248" cy="1325563"/>
-          </a:xfrm>
-        </p:spPr>
+        <p:spPr/>
         <p:txBody>
           <a:bodyPr/>
           <a:lstStyle/>
           <a:p>
-            <a:pPr algn="ctr"/>
             <a:r>
               <a:rPr lang="en-US" altLang="ko-KR" dirty="0" smtClean="0"/>
-              <a:t>Tests</a:t>
+              <a:t>Slave</a:t>
             </a:r>
             <a:endParaRPr lang="ko-KR" altLang="en-US" dirty="0"/>
+          </a:p>
+        </p:txBody>
+      </p:sp>
+      <p:sp>
+        <p:nvSpPr>
+          <p:cNvPr id="3" name="내용 개체 틀 2"/>
+          <p:cNvSpPr>
+            <a:spLocks noGrp="1"/>
+          </p:cNvSpPr>
+          <p:nvPr>
+            <p:ph idx="1"/>
+          </p:nvPr>
+        </p:nvSpPr>
+        <p:spPr>
+          <a:xfrm>
+            <a:off x="838199" y="1978024"/>
+            <a:ext cx="5650207" cy="4755865"/>
+          </a:xfrm>
+        </p:spPr>
+        <p:txBody>
+          <a:bodyPr>
+            <a:normAutofit lnSpcReduction="10000"/>
+          </a:bodyPr>
+          <a:lstStyle/>
+          <a:p>
+            <a:r>
+              <a:rPr lang="en-US" altLang="ko-KR" sz="2000" dirty="0"/>
+              <a:t>class Slave</a:t>
+            </a:r>
+            <a:r>
+              <a:rPr lang="en-US" altLang="ko-KR" sz="2000" dirty="0" smtClean="0"/>
+              <a:t>:</a:t>
+            </a:r>
+            <a:endParaRPr lang="en-US" altLang="ko-KR" sz="1600" dirty="0"/>
+          </a:p>
+          <a:p>
+            <a:pPr lvl="1">
+              <a:buFontTx/>
+              <a:buChar char="-"/>
+            </a:pPr>
+            <a:r>
+              <a:rPr lang="en-US" altLang="ko-KR" sz="1600" dirty="0" err="1" smtClean="0"/>
+              <a:t>var</a:t>
+            </a:r>
+            <a:r>
+              <a:rPr lang="en-US" altLang="ko-KR" sz="1600" dirty="0" smtClean="0"/>
+              <a:t> </a:t>
+            </a:r>
+            <a:r>
+              <a:rPr lang="en-US" altLang="ko-KR" sz="1600" dirty="0" err="1" smtClean="0"/>
+              <a:t>slaveNumber</a:t>
+            </a:r>
+            <a:r>
+              <a:rPr lang="en-US" altLang="ko-KR" sz="1600" dirty="0"/>
+              <a:t>: </a:t>
+            </a:r>
+            <a:r>
+              <a:rPr lang="en-US" altLang="ko-KR" sz="1600" dirty="0" err="1" smtClean="0"/>
+              <a:t>Int</a:t>
+            </a:r>
+            <a:endParaRPr lang="en-US" altLang="ko-KR" sz="1600" dirty="0" smtClean="0"/>
+          </a:p>
+          <a:p>
+            <a:pPr lvl="1">
+              <a:buFontTx/>
+              <a:buChar char="-"/>
+            </a:pPr>
+            <a:r>
+              <a:rPr lang="en-US" altLang="ko-KR" sz="1600" dirty="0" err="1" smtClean="0"/>
+              <a:t>var</a:t>
+            </a:r>
+            <a:r>
+              <a:rPr lang="en-US" altLang="ko-KR" sz="1600" dirty="0" smtClean="0"/>
+              <a:t> </a:t>
+            </a:r>
+            <a:r>
+              <a:rPr lang="en-US" altLang="ko-KR" sz="1600" dirty="0" err="1" smtClean="0"/>
+              <a:t>partitionSize</a:t>
+            </a:r>
+            <a:r>
+              <a:rPr lang="en-US" altLang="ko-KR" sz="1600" dirty="0" smtClean="0"/>
+              <a:t>: </a:t>
+            </a:r>
+            <a:r>
+              <a:rPr lang="en-US" altLang="ko-KR" sz="1600" dirty="0" err="1" smtClean="0"/>
+              <a:t>Int</a:t>
+            </a:r>
+            <a:endParaRPr lang="en-US" altLang="ko-KR" sz="1600" dirty="0" smtClean="0"/>
+          </a:p>
+          <a:p>
+            <a:pPr lvl="1">
+              <a:buFontTx/>
+              <a:buChar char="-"/>
+            </a:pPr>
+            <a:r>
+              <a:rPr lang="en-US" altLang="ko-KR" sz="1600" dirty="0" err="1"/>
+              <a:t>v</a:t>
+            </a:r>
+            <a:r>
+              <a:rPr lang="en-US" altLang="ko-KR" sz="1600" dirty="0" err="1" smtClean="0"/>
+              <a:t>ar</a:t>
+            </a:r>
+            <a:r>
+              <a:rPr lang="en-US" altLang="ko-KR" sz="1600" dirty="0" smtClean="0"/>
+              <a:t> socket: Socket</a:t>
+            </a:r>
+          </a:p>
+          <a:p>
+            <a:pPr lvl="1">
+              <a:buFontTx/>
+              <a:buChar char="-"/>
+            </a:pPr>
+            <a:r>
+              <a:rPr lang="en-US" altLang="ko-KR" sz="1600" dirty="0" err="1"/>
+              <a:t>v</a:t>
+            </a:r>
+            <a:r>
+              <a:rPr lang="en-US" altLang="ko-KR" sz="1600" dirty="0" err="1" smtClean="0"/>
+              <a:t>ar</a:t>
+            </a:r>
+            <a:r>
+              <a:rPr lang="en-US" altLang="ko-KR" sz="1600" dirty="0" smtClean="0"/>
+              <a:t> slaves: List[Slave]</a:t>
+            </a:r>
+          </a:p>
+          <a:p>
+            <a:pPr lvl="1">
+              <a:buFontTx/>
+              <a:buChar char="-"/>
+            </a:pPr>
+            <a:r>
+              <a:rPr lang="en-US" altLang="ko-KR" sz="1600" dirty="0" err="1"/>
+              <a:t>v</a:t>
+            </a:r>
+            <a:r>
+              <a:rPr lang="en-US" altLang="ko-KR" sz="1600" dirty="0" err="1" smtClean="0"/>
+              <a:t>ar</a:t>
+            </a:r>
+            <a:r>
+              <a:rPr lang="en-US" altLang="ko-KR" sz="1600" dirty="0" smtClean="0"/>
+              <a:t> pivots: List[</a:t>
+            </a:r>
+            <a:r>
+              <a:rPr lang="en-US" altLang="ko-KR" sz="1600" dirty="0" err="1" smtClean="0"/>
+              <a:t>Int</a:t>
+            </a:r>
+            <a:r>
+              <a:rPr lang="en-US" altLang="ko-KR" sz="1600" dirty="0" smtClean="0"/>
+              <a:t>]</a:t>
+            </a:r>
+          </a:p>
+          <a:p>
+            <a:pPr lvl="1">
+              <a:buFontTx/>
+              <a:buChar char="-"/>
+            </a:pPr>
+            <a:endParaRPr lang="en-US" altLang="ko-KR" sz="1600" dirty="0"/>
+          </a:p>
+          <a:p>
+            <a:pPr marL="457200" lvl="1" indent="0">
+              <a:buNone/>
+            </a:pPr>
+            <a:r>
+              <a:rPr lang="en-US" altLang="ko-KR" sz="1600" dirty="0" smtClean="0"/>
+              <a:t>(connect)</a:t>
+            </a:r>
+          </a:p>
+          <a:p>
+            <a:pPr lvl="1">
+              <a:buFontTx/>
+              <a:buChar char="-"/>
+            </a:pPr>
+            <a:r>
+              <a:rPr lang="en-US" altLang="ko-KR" sz="1600" dirty="0" err="1" smtClean="0"/>
+              <a:t>connectToMaster</a:t>
+            </a:r>
+            <a:r>
+              <a:rPr lang="en-US" altLang="ko-KR" sz="1600" dirty="0" smtClean="0"/>
+              <a:t>(String, </a:t>
+            </a:r>
+            <a:r>
+              <a:rPr lang="en-US" altLang="ko-KR" sz="1600" dirty="0" err="1" smtClean="0"/>
+              <a:t>Int</a:t>
+            </a:r>
+            <a:r>
+              <a:rPr lang="en-US" altLang="ko-KR" sz="1600" dirty="0" smtClean="0"/>
+              <a:t>): Unit</a:t>
+            </a:r>
+          </a:p>
+          <a:p>
+            <a:pPr lvl="1">
+              <a:buFontTx/>
+              <a:buChar char="-"/>
+            </a:pPr>
+            <a:endParaRPr lang="en-US" altLang="ko-KR" sz="1600" dirty="0"/>
+          </a:p>
+          <a:p>
+            <a:pPr marL="457200" lvl="1" indent="0">
+              <a:buNone/>
+            </a:pPr>
+            <a:r>
+              <a:rPr lang="en-US" altLang="ko-KR" sz="1600" dirty="0"/>
+              <a:t>(sample)</a:t>
+            </a:r>
+          </a:p>
+          <a:p>
+            <a:pPr lvl="1">
+              <a:buFontTx/>
+              <a:buChar char="-"/>
+            </a:pPr>
+            <a:r>
+              <a:rPr lang="en-US" altLang="ko-KR" sz="1600" dirty="0" err="1" smtClean="0"/>
+              <a:t>getDataSize</a:t>
+            </a:r>
+            <a:r>
+              <a:rPr lang="en-US" altLang="ko-KR" sz="1600" dirty="0"/>
+              <a:t>(): </a:t>
+            </a:r>
+            <a:r>
+              <a:rPr lang="en-US" altLang="ko-KR" sz="1600" dirty="0" smtClean="0"/>
+              <a:t>Long</a:t>
+            </a:r>
+            <a:endParaRPr lang="en-US" altLang="ko-KR" sz="1600" dirty="0"/>
+          </a:p>
+          <a:p>
+            <a:pPr lvl="1">
+              <a:buFontTx/>
+              <a:buChar char="-"/>
+            </a:pPr>
+            <a:r>
+              <a:rPr lang="en-US" altLang="ko-KR" sz="1600" dirty="0" smtClean="0"/>
+              <a:t>sample</a:t>
+            </a:r>
+            <a:r>
+              <a:rPr lang="en-US" altLang="ko-KR" sz="1600" dirty="0"/>
+              <a:t>(): List[Key]</a:t>
+            </a:r>
+          </a:p>
+          <a:p>
+            <a:pPr lvl="1">
+              <a:buFontTx/>
+              <a:buChar char="-"/>
+            </a:pPr>
+            <a:r>
+              <a:rPr lang="en-US" altLang="ko-KR" sz="1600" dirty="0" err="1" smtClean="0"/>
+              <a:t>sampleSingleFile</a:t>
+            </a:r>
+            <a:r>
+              <a:rPr lang="en-US" altLang="ko-KR" sz="1600" dirty="0"/>
+              <a:t>(): List[Key]</a:t>
+            </a:r>
+          </a:p>
+          <a:p>
+            <a:pPr lvl="1">
+              <a:buFontTx/>
+              <a:buChar char="-"/>
+            </a:pPr>
+            <a:r>
+              <a:rPr lang="en-US" altLang="ko-KR" sz="1600" dirty="0" err="1" smtClean="0"/>
+              <a:t>sendSampleMsg</a:t>
+            </a:r>
+            <a:r>
+              <a:rPr lang="en-US" altLang="ko-KR" sz="1600" dirty="0"/>
+              <a:t>(): Unit</a:t>
+            </a:r>
+          </a:p>
+          <a:p>
+            <a:pPr lvl="1">
+              <a:buFontTx/>
+              <a:buChar char="-"/>
+            </a:pPr>
+            <a:r>
+              <a:rPr lang="en-US" altLang="ko-KR" sz="1600" dirty="0" err="1" smtClean="0"/>
+              <a:t>recvSlaveInfoMsg</a:t>
+            </a:r>
+            <a:r>
+              <a:rPr lang="en-US" altLang="ko-KR" sz="1600" dirty="0"/>
+              <a:t>(): </a:t>
+            </a:r>
+            <a:r>
+              <a:rPr lang="en-US" altLang="ko-KR" sz="1600" dirty="0" err="1" smtClean="0"/>
+              <a:t>SlaveInfoMsg</a:t>
+            </a:r>
+            <a:endParaRPr lang="en-US" altLang="ko-KR" sz="1600" dirty="0"/>
+          </a:p>
+          <a:p>
+            <a:pPr lvl="1">
+              <a:buFontTx/>
+              <a:buChar char="-"/>
+            </a:pPr>
+            <a:r>
+              <a:rPr lang="en-US" altLang="ko-KR" sz="1600" dirty="0" err="1" smtClean="0"/>
+              <a:t>updateSlaveInfo</a:t>
+            </a:r>
+            <a:r>
+              <a:rPr lang="en-US" altLang="ko-KR" sz="1600" dirty="0" smtClean="0"/>
+              <a:t>(</a:t>
+            </a:r>
+            <a:r>
+              <a:rPr lang="en-US" altLang="ko-KR" sz="1600" dirty="0" err="1" smtClean="0"/>
+              <a:t>SlaveInfoMsg</a:t>
+            </a:r>
+            <a:r>
+              <a:rPr lang="en-US" altLang="ko-KR" sz="1600" dirty="0"/>
+              <a:t>): Unit</a:t>
+            </a:r>
+          </a:p>
+          <a:p>
+            <a:pPr lvl="1">
+              <a:buFontTx/>
+              <a:buChar char="-"/>
+            </a:pPr>
+            <a:endParaRPr lang="en-US" altLang="ko-KR" dirty="0"/>
+          </a:p>
+          <a:p>
+            <a:endParaRPr lang="ko-KR" altLang="en-US" dirty="0"/>
+          </a:p>
+        </p:txBody>
+      </p:sp>
+      <p:sp>
+        <p:nvSpPr>
+          <p:cNvPr id="4" name="직사각형 3"/>
+          <p:cNvSpPr/>
+          <p:nvPr/>
+        </p:nvSpPr>
+        <p:spPr>
+          <a:xfrm>
+            <a:off x="5829528" y="510917"/>
+            <a:ext cx="6096000" cy="4031873"/>
+          </a:xfrm>
+          <a:prstGeom prst="rect">
+            <a:avLst/>
+          </a:prstGeom>
+        </p:spPr>
+        <p:txBody>
+          <a:bodyPr>
+            <a:spAutoFit/>
+          </a:bodyPr>
+          <a:lstStyle/>
+          <a:p>
+            <a:pPr lvl="1"/>
+            <a:r>
+              <a:rPr lang="en-US" altLang="ko-KR" sz="1600" dirty="0" smtClean="0"/>
+              <a:t>(Compute)</a:t>
+            </a:r>
+            <a:endParaRPr lang="en-US" altLang="ko-KR" sz="1600" dirty="0"/>
+          </a:p>
+          <a:p>
+            <a:pPr lvl="1">
+              <a:buFontTx/>
+              <a:buChar char="-"/>
+            </a:pPr>
+            <a:r>
+              <a:rPr lang="en-US" altLang="ko-KR" sz="1600" dirty="0" smtClean="0"/>
+              <a:t> </a:t>
+            </a:r>
+            <a:r>
+              <a:rPr lang="en-US" altLang="ko-KR" sz="1600" dirty="0" err="1" smtClean="0"/>
+              <a:t>recvPartitions</a:t>
+            </a:r>
+            <a:r>
+              <a:rPr lang="en-US" altLang="ko-KR" sz="1600" dirty="0" smtClean="0"/>
+              <a:t>(): Future[Unit]</a:t>
+            </a:r>
+          </a:p>
+          <a:p>
+            <a:pPr lvl="1">
+              <a:buFontTx/>
+              <a:buChar char="-"/>
+            </a:pPr>
+            <a:r>
+              <a:rPr lang="en-US" altLang="ko-KR" sz="1600" dirty="0" smtClean="0"/>
+              <a:t> </a:t>
+            </a:r>
+            <a:r>
+              <a:rPr lang="en-US" altLang="ko-KR" sz="1600" dirty="0" err="1" smtClean="0"/>
+              <a:t>recvFromSingleSlave</a:t>
+            </a:r>
+            <a:r>
+              <a:rPr lang="en-US" altLang="ko-KR" sz="1600" dirty="0" smtClean="0"/>
+              <a:t>(): Future[Unit]</a:t>
+            </a:r>
+          </a:p>
+          <a:p>
+            <a:pPr lvl="1">
+              <a:buFontTx/>
+              <a:buChar char="-"/>
+            </a:pPr>
+            <a:endParaRPr lang="en-US" altLang="ko-KR" sz="1600" dirty="0"/>
+          </a:p>
+          <a:p>
+            <a:pPr lvl="1">
+              <a:buFontTx/>
+              <a:buChar char="-"/>
+            </a:pPr>
+            <a:r>
+              <a:rPr lang="en-US" altLang="ko-KR" sz="1600" dirty="0" smtClean="0"/>
+              <a:t> </a:t>
+            </a:r>
+            <a:r>
+              <a:rPr lang="en-US" altLang="ko-KR" sz="1600" dirty="0"/>
+              <a:t>p</a:t>
+            </a:r>
+            <a:r>
+              <a:rPr lang="en-US" altLang="ko-KR" sz="1600" dirty="0" smtClean="0"/>
+              <a:t>artition(): Future[Unit]</a:t>
+            </a:r>
+          </a:p>
+          <a:p>
+            <a:pPr lvl="1">
+              <a:buFontTx/>
+              <a:buChar char="-"/>
+            </a:pPr>
+            <a:r>
+              <a:rPr lang="en-US" altLang="ko-KR" sz="1600" dirty="0"/>
+              <a:t> </a:t>
+            </a:r>
+            <a:r>
+              <a:rPr lang="en-US" altLang="ko-KR" sz="1600" dirty="0" err="1" smtClean="0"/>
+              <a:t>partitionSingleFile</a:t>
+            </a:r>
+            <a:r>
+              <a:rPr lang="en-US" altLang="ko-KR" sz="1600" dirty="0" smtClean="0"/>
+              <a:t>(String): Unit</a:t>
+            </a:r>
+          </a:p>
+          <a:p>
+            <a:pPr lvl="1">
+              <a:buFontTx/>
+              <a:buChar char="-"/>
+            </a:pPr>
+            <a:endParaRPr lang="en-US" altLang="ko-KR" sz="1600" dirty="0"/>
+          </a:p>
+          <a:p>
+            <a:pPr lvl="1">
+              <a:buFontTx/>
+              <a:buChar char="-"/>
+            </a:pPr>
+            <a:r>
+              <a:rPr lang="en-US" altLang="ko-KR" sz="1600" dirty="0" smtClean="0"/>
+              <a:t> sort(): Future[Unit]</a:t>
+            </a:r>
+          </a:p>
+          <a:p>
+            <a:pPr lvl="1">
+              <a:buFontTx/>
+              <a:buChar char="-"/>
+            </a:pPr>
+            <a:r>
+              <a:rPr lang="en-US" altLang="ko-KR" sz="1600" dirty="0"/>
+              <a:t> </a:t>
+            </a:r>
+            <a:r>
+              <a:rPr lang="en-US" altLang="ko-KR" sz="1600" dirty="0" err="1" smtClean="0"/>
+              <a:t>sortSingleFile</a:t>
+            </a:r>
+            <a:r>
+              <a:rPr lang="en-US" altLang="ko-KR" sz="1600" dirty="0" smtClean="0"/>
+              <a:t>(String): Unit</a:t>
+            </a:r>
+          </a:p>
+          <a:p>
+            <a:pPr lvl="1">
+              <a:buFontTx/>
+              <a:buChar char="-"/>
+            </a:pPr>
+            <a:endParaRPr lang="en-US" altLang="ko-KR" sz="1600" dirty="0"/>
+          </a:p>
+          <a:p>
+            <a:pPr lvl="1">
+              <a:buFontTx/>
+              <a:buChar char="-"/>
+            </a:pPr>
+            <a:r>
+              <a:rPr lang="en-US" altLang="ko-KR" sz="1600" dirty="0"/>
+              <a:t> </a:t>
+            </a:r>
+            <a:r>
+              <a:rPr lang="en-US" altLang="ko-KR" sz="1600" dirty="0" smtClean="0"/>
+              <a:t>shuffle(): Future[Unit]</a:t>
+            </a:r>
+          </a:p>
+          <a:p>
+            <a:pPr lvl="1">
+              <a:buFontTx/>
+              <a:buChar char="-"/>
+            </a:pPr>
+            <a:endParaRPr lang="en-US" altLang="ko-KR" sz="1600" dirty="0"/>
+          </a:p>
+          <a:p>
+            <a:pPr lvl="1">
+              <a:buFontTx/>
+              <a:buChar char="-"/>
+            </a:pPr>
+            <a:r>
+              <a:rPr lang="en-US" altLang="ko-KR" sz="1600" dirty="0"/>
+              <a:t> </a:t>
+            </a:r>
+            <a:r>
+              <a:rPr lang="en-US" altLang="ko-KR" sz="1600" dirty="0" err="1" smtClean="0"/>
+              <a:t>sendPartitions</a:t>
+            </a:r>
+            <a:r>
+              <a:rPr lang="en-US" altLang="ko-KR" sz="1600" dirty="0" smtClean="0"/>
+              <a:t>(): Future[Unit]</a:t>
+            </a:r>
+          </a:p>
+          <a:p>
+            <a:pPr lvl="1">
+              <a:buFontTx/>
+              <a:buChar char="-"/>
+            </a:pPr>
+            <a:r>
+              <a:rPr lang="en-US" altLang="ko-KR" sz="1600" dirty="0" smtClean="0"/>
+              <a:t> </a:t>
+            </a:r>
+            <a:r>
+              <a:rPr lang="en-US" altLang="ko-KR" sz="1600" dirty="0" err="1" smtClean="0"/>
+              <a:t>sendPartitionTo</a:t>
+            </a:r>
+            <a:r>
+              <a:rPr lang="en-US" altLang="ko-KR" sz="1600" dirty="0" smtClean="0"/>
+              <a:t>(Slave): Unit</a:t>
+            </a:r>
+          </a:p>
+          <a:p>
+            <a:pPr lvl="1">
+              <a:buFontTx/>
+              <a:buChar char="-"/>
+            </a:pPr>
+            <a:endParaRPr lang="en-US" altLang="ko-KR" sz="1600" dirty="0"/>
+          </a:p>
+          <a:p>
+            <a:pPr lvl="1">
+              <a:buFontTx/>
+              <a:buChar char="-"/>
+            </a:pPr>
+            <a:r>
+              <a:rPr lang="en-US" altLang="ko-KR" sz="1600" dirty="0"/>
+              <a:t> </a:t>
+            </a:r>
+            <a:r>
+              <a:rPr lang="en-US" altLang="ko-KR" sz="1600" dirty="0" err="1" smtClean="0"/>
+              <a:t>sendDoneMsg</a:t>
+            </a:r>
+            <a:r>
+              <a:rPr lang="en-US" altLang="ko-KR" sz="1600" dirty="0" smtClean="0"/>
+              <a:t>(): Unit</a:t>
+            </a:r>
           </a:p>
         </p:txBody>
       </p:sp>
     </p:spTree>
     <p:extLst>
       <p:ext uri="{BB962C8B-B14F-4D97-AF65-F5344CB8AC3E}">
-        <p14:creationId xmlns:p14="http://schemas.microsoft.com/office/powerpoint/2010/main" val="946132181"/>
+        <p14:creationId xmlns:p14="http://schemas.microsoft.com/office/powerpoint/2010/main" val="4159145072"/>
       </p:ext>
     </p:extLst>
   </p:cSld>
@@ -14056,17 +14771,8 @@
             </a:r>
             <a:r>
               <a:rPr lang="en-US" altLang="ko-KR" dirty="0" smtClean="0"/>
-              <a:t> </a:t>
-            </a:r>
-            <a:r>
-              <a:rPr lang="en-US" altLang="ko-KR" dirty="0" smtClean="0"/>
-              <a:t>to </a:t>
-            </a:r>
-            <a:r>
-              <a:rPr lang="en-US" altLang="ko-KR" dirty="0" smtClean="0"/>
-              <a:t>master</a:t>
-            </a:r>
-            <a:endParaRPr lang="en-US" altLang="ko-KR" dirty="0" smtClean="0"/>
+              <a:t> to master</a:t>
+            </a:r>
           </a:p>
         </p:txBody>
       </p:sp>
@@ -14117,48 +14823,21 @@
             <p:ph type="title"/>
           </p:nvPr>
         </p:nvSpPr>
-        <p:spPr/>
+        <p:spPr>
+          <a:xfrm>
+            <a:off x="197117" y="2763371"/>
+            <a:ext cx="11876248" cy="1325563"/>
+          </a:xfrm>
+        </p:spPr>
         <p:txBody>
           <a:bodyPr/>
           <a:lstStyle/>
           <a:p>
+            <a:pPr algn="ctr"/>
             <a:r>
               <a:rPr lang="en-US" altLang="ko-KR" dirty="0" smtClean="0"/>
-              <a:t>State</a:t>
-            </a:r>
-            <a:endParaRPr lang="ko-KR" altLang="en-US" dirty="0"/>
-          </a:p>
-        </p:txBody>
-      </p:sp>
-      <p:sp>
-        <p:nvSpPr>
-          <p:cNvPr id="3" name="내용 개체 틀 2"/>
-          <p:cNvSpPr>
-            <a:spLocks noGrp="1"/>
-          </p:cNvSpPr>
-          <p:nvPr>
-            <p:ph idx="1"/>
-          </p:nvPr>
-        </p:nvSpPr>
-        <p:spPr/>
-        <p:txBody>
-          <a:bodyPr/>
-          <a:lstStyle/>
-          <a:p>
-            <a:r>
-              <a:rPr lang="en-US" altLang="ko-KR" dirty="0" err="1" smtClean="0"/>
-              <a:t>SlaveListUpdatedAfterConnection</a:t>
-            </a:r>
-            <a:endParaRPr lang="en-US" altLang="ko-KR" dirty="0" smtClean="0"/>
-          </a:p>
-          <a:p>
-            <a:r>
-              <a:rPr lang="en-US" altLang="ko-KR" dirty="0" err="1" smtClean="0"/>
-              <a:t>AcceptLoopTerminatesAfterExpectedNumOfConnections</a:t>
-            </a:r>
-            <a:endParaRPr lang="en-US" altLang="ko-KR" dirty="0" smtClean="0"/>
-          </a:p>
-          <a:p>
+              <a:t>Tests</a:t>
+            </a:r>
             <a:endParaRPr lang="ko-KR" altLang="en-US" dirty="0"/>
           </a:p>
         </p:txBody>
@@ -14166,152 +14845,24 @@
     </p:spTree>
     <p:extLst>
       <p:ext uri="{BB962C8B-B14F-4D97-AF65-F5344CB8AC3E}">
-        <p14:creationId xmlns:p14="http://schemas.microsoft.com/office/powerpoint/2010/main" val="1484116259"/>
+        <p14:creationId xmlns:p14="http://schemas.microsoft.com/office/powerpoint/2010/main" val="946132181"/>
       </p:ext>
     </p:extLst>
   </p:cSld>
   <p:clrMapOvr>
     <a:masterClrMapping/>
   </p:clrMapOvr>
+  <p:timing>
+    <p:tnLst>
+      <p:par>
+        <p:cTn id="1" dur="indefinite" restart="never" nodeType="tmRoot"/>
+      </p:par>
+    </p:tnLst>
+  </p:timing>
 </p:sld>
 </file>
 
 <file path=ppt/slides/slide31.xml><?xml version="1.0" encoding="utf-8"?>
-<p:sld xmlns:a="http://schemas.openxmlformats.org/drawingml/2006/main" xmlns:r="http://schemas.openxmlformats.org/officeDocument/2006/relationships" xmlns:p="http://schemas.openxmlformats.org/presentationml/2006/main">
-  <p:cSld>
-    <p:spTree>
-      <p:nvGrpSpPr>
-        <p:cNvPr id="1" name=""/>
-        <p:cNvGrpSpPr/>
-        <p:nvPr/>
-      </p:nvGrpSpPr>
-      <p:grpSpPr>
-        <a:xfrm>
-          <a:off x="0" y="0"/>
-          <a:ext cx="0" cy="0"/>
-          <a:chOff x="0" y="0"/>
-          <a:chExt cx="0" cy="0"/>
-        </a:xfrm>
-      </p:grpSpPr>
-      <p:sp>
-        <p:nvSpPr>
-          <p:cNvPr id="2" name="제목 1"/>
-          <p:cNvSpPr>
-            <a:spLocks noGrp="1"/>
-          </p:cNvSpPr>
-          <p:nvPr>
-            <p:ph type="title"/>
-          </p:nvPr>
-        </p:nvSpPr>
-        <p:spPr/>
-        <p:txBody>
-          <a:bodyPr/>
-          <a:lstStyle/>
-          <a:p>
-            <a:r>
-              <a:rPr lang="en-US" altLang="ko-KR" dirty="0" smtClean="0"/>
-              <a:t>Futures</a:t>
-            </a:r>
-            <a:endParaRPr lang="ko-KR" altLang="en-US" dirty="0"/>
-          </a:p>
-        </p:txBody>
-      </p:sp>
-      <p:sp>
-        <p:nvSpPr>
-          <p:cNvPr id="3" name="내용 개체 틀 2"/>
-          <p:cNvSpPr>
-            <a:spLocks noGrp="1"/>
-          </p:cNvSpPr>
-          <p:nvPr>
-            <p:ph idx="1"/>
-          </p:nvPr>
-        </p:nvSpPr>
-        <p:spPr/>
-        <p:txBody>
-          <a:bodyPr/>
-          <a:lstStyle/>
-          <a:p>
-            <a:r>
-              <a:rPr lang="en-US" altLang="ko-KR" dirty="0" err="1" smtClean="0"/>
-              <a:t>samplingFutureCompletesAfterSampleMsg</a:t>
-            </a:r>
-            <a:endParaRPr lang="en-US" altLang="ko-KR" dirty="0" smtClean="0"/>
-          </a:p>
-          <a:p>
-            <a:r>
-              <a:rPr lang="en-US" altLang="ko-KR" dirty="0" err="1" smtClean="0"/>
-              <a:t>samplingFutureDoesNotCompletesAfter</a:t>
-            </a:r>
-            <a:r>
-              <a:rPr lang="en-US" altLang="ko-KR" dirty="0" smtClean="0"/>
-              <a:t>…</a:t>
-            </a:r>
-            <a:r>
-              <a:rPr lang="en-US" altLang="ko-KR" dirty="0" err="1" smtClean="0"/>
-              <a:t>Msg</a:t>
-            </a:r>
-            <a:endParaRPr lang="en-US" altLang="ko-KR" dirty="0"/>
-          </a:p>
-          <a:p>
-            <a:endParaRPr lang="en-US" altLang="ko-KR" dirty="0" smtClean="0"/>
-          </a:p>
-          <a:p>
-            <a:r>
-              <a:rPr lang="en-US" altLang="ko-KR" dirty="0" err="1" smtClean="0"/>
-              <a:t>computeFuture</a:t>
-            </a:r>
-            <a:r>
-              <a:rPr lang="en-US" altLang="ko-KR" dirty="0" err="1"/>
-              <a:t>Complete</a:t>
-            </a:r>
-            <a:r>
-              <a:rPr lang="en-US" altLang="ko-KR" dirty="0" err="1" smtClean="0"/>
-              <a:t>sAfterDoneMsg</a:t>
-            </a:r>
-            <a:endParaRPr lang="en-US" altLang="ko-KR" dirty="0" smtClean="0"/>
-          </a:p>
-          <a:p>
-            <a:r>
-              <a:rPr lang="en-US" altLang="ko-KR" dirty="0" err="1" smtClean="0"/>
-              <a:t>computeFutureDoesNot</a:t>
-            </a:r>
-            <a:r>
-              <a:rPr lang="en-US" altLang="ko-KR" dirty="0" err="1"/>
-              <a:t>Complete</a:t>
-            </a:r>
-            <a:r>
-              <a:rPr lang="en-US" altLang="ko-KR" dirty="0" err="1" smtClean="0"/>
-              <a:t>sAfter</a:t>
-            </a:r>
-            <a:r>
-              <a:rPr lang="en-US" altLang="ko-KR" dirty="0" smtClean="0"/>
-              <a:t>…</a:t>
-            </a:r>
-            <a:r>
-              <a:rPr lang="en-US" altLang="ko-KR" dirty="0" err="1" smtClean="0"/>
-              <a:t>Msg</a:t>
-            </a:r>
-            <a:endParaRPr lang="en-US" altLang="ko-KR" dirty="0"/>
-          </a:p>
-          <a:p>
-            <a:endParaRPr lang="ko-KR" altLang="en-US" dirty="0"/>
-          </a:p>
-        </p:txBody>
-      </p:sp>
-    </p:spTree>
-    <p:extLst>
-      <p:ext uri="{BB962C8B-B14F-4D97-AF65-F5344CB8AC3E}">
-        <p14:creationId xmlns:p14="http://schemas.microsoft.com/office/powerpoint/2010/main" val="363375175"/>
-      </p:ext>
-    </p:extLst>
-  </p:cSld>
-  <p:clrMapOvr>
-    <a:masterClrMapping/>
-  </p:clrMapOvr>
-</p:sld>
-</file>
-
-<file path=ppt/slides/slide32.xml><?xml version="1.0" encoding="utf-8"?>
 <p:sld xmlns:a="http://schemas.openxmlformats.org/drawingml/2006/main" xmlns:r="http://schemas.openxmlformats.org/officeDocument/2006/relationships" xmlns:p="http://schemas.openxmlformats.org/presentationml/2006/main">
   <p:cSld>
     <p:spTree>
@@ -14421,7 +14972,19 @@
           <a:p>
             <a:r>
               <a:rPr lang="en-US" altLang="ko-KR" dirty="0" smtClean="0"/>
-              <a:t>Slave -&gt; Master (Listener)</a:t>
+              <a:t>Slave -&gt; </a:t>
+            </a:r>
+            <a:r>
+              <a:rPr lang="en-US" altLang="ko-KR" dirty="0" smtClean="0"/>
+              <a:t>Master (</a:t>
+            </a:r>
+            <a:r>
+              <a:rPr lang="en-US" altLang="ko-KR" dirty="0" err="1" smtClean="0"/>
+              <a:t>SlaveHandler</a:t>
+            </a:r>
+            <a:r>
+              <a:rPr lang="en-US" altLang="ko-KR" dirty="0" smtClean="0"/>
+              <a:t>)</a:t>
             </a:r>
             <a:endParaRPr lang="ko-KR" altLang="en-US" dirty="0"/>
           </a:p>

--- a/project.pptx
+++ b/project.pptx
@@ -4343,84 +4343,6 @@
           </a:p>
         </p:txBody>
       </p:sp>
-      <p:cxnSp>
-        <p:nvCxnSpPr>
-          <p:cNvPr id="17" name="직선 화살표 연결선 16"/>
-          <p:cNvCxnSpPr>
-            <a:stCxn id="48" idx="2"/>
-            <a:endCxn id="33" idx="6"/>
-          </p:cNvCxnSpPr>
-          <p:nvPr/>
-        </p:nvCxnSpPr>
-        <p:spPr>
-          <a:xfrm flipH="1">
-            <a:off x="3597544" y="3015622"/>
-            <a:ext cx="3116530" cy="407793"/>
-          </a:xfrm>
-          <a:prstGeom prst="straightConnector1">
-            <a:avLst/>
-          </a:prstGeom>
-          <a:ln>
-            <a:solidFill>
-              <a:srgbClr val="7030A0"/>
-            </a:solidFill>
-            <a:tailEnd type="triangle"/>
-          </a:ln>
-        </p:spPr>
-        <p:style>
-          <a:lnRef idx="1">
-            <a:schemeClr val="accent1"/>
-          </a:lnRef>
-          <a:fillRef idx="0">
-            <a:schemeClr val="accent1"/>
-          </a:fillRef>
-          <a:effectRef idx="0">
-            <a:schemeClr val="accent1"/>
-          </a:effectRef>
-          <a:fontRef idx="minor">
-            <a:schemeClr val="tx1"/>
-          </a:fontRef>
-        </p:style>
-      </p:cxnSp>
-      <p:cxnSp>
-        <p:nvCxnSpPr>
-          <p:cNvPr id="52" name="직선 화살표 연결선 51"/>
-          <p:cNvCxnSpPr>
-            <a:stCxn id="49" idx="2"/>
-            <a:endCxn id="35" idx="6"/>
-          </p:cNvCxnSpPr>
-          <p:nvPr/>
-        </p:nvCxnSpPr>
-        <p:spPr>
-          <a:xfrm flipH="1" flipV="1">
-            <a:off x="3597544" y="5346659"/>
-            <a:ext cx="3006638" cy="389076"/>
-          </a:xfrm>
-          <a:prstGeom prst="straightConnector1">
-            <a:avLst/>
-          </a:prstGeom>
-          <a:ln>
-            <a:solidFill>
-              <a:srgbClr val="7030A0"/>
-            </a:solidFill>
-            <a:tailEnd type="triangle"/>
-          </a:ln>
-        </p:spPr>
-        <p:style>
-          <a:lnRef idx="1">
-            <a:schemeClr val="accent1"/>
-          </a:lnRef>
-          <a:fillRef idx="0">
-            <a:schemeClr val="accent1"/>
-          </a:fillRef>
-          <a:effectRef idx="0">
-            <a:schemeClr val="accent1"/>
-          </a:effectRef>
-          <a:fontRef idx="minor">
-            <a:schemeClr val="tx1"/>
-          </a:fontRef>
-        </p:style>
-      </p:cxnSp>
       <p:sp>
         <p:nvSpPr>
           <p:cNvPr id="23" name="타원 22"/>
@@ -4429,7 +4351,7 @@
         </p:nvSpPr>
         <p:spPr>
           <a:xfrm>
-            <a:off x="5132652" y="4724699"/>
+            <a:off x="4990721" y="4981759"/>
             <a:ext cx="1152659" cy="714777"/>
           </a:xfrm>
           <a:prstGeom prst="ellipse">
@@ -4456,16 +4378,15 @@
           <a:p>
             <a:pPr algn="ctr"/>
             <a:r>
-              <a:rPr lang="en-US" altLang="ko-KR" sz="1200" dirty="0" err="1" smtClean="0"/>
-              <a:t>SlaveInfo</a:t>
-            </a:r>
-            <a:endParaRPr lang="en-US" altLang="ko-KR" sz="1200" dirty="0" smtClean="0"/>
+              <a:rPr lang="en-US" altLang="ko-KR" sz="1200" dirty="0" smtClean="0"/>
+              <a:t>Master</a:t>
+            </a:r>
           </a:p>
           <a:p>
             <a:pPr algn="ctr"/>
             <a:r>
               <a:rPr lang="en-US" altLang="ko-KR" sz="1200" dirty="0" smtClean="0"/>
-              <a:t>Listener</a:t>
+              <a:t>Handler</a:t>
             </a:r>
             <a:endParaRPr lang="ko-KR" altLang="en-US" sz="1200" dirty="0"/>
           </a:p>
@@ -4551,7 +4472,7 @@
         </p:nvSpPr>
         <p:spPr>
           <a:xfrm>
-            <a:off x="5193146" y="3320382"/>
+            <a:off x="5092486" y="3058515"/>
             <a:ext cx="1152659" cy="714777"/>
           </a:xfrm>
           <a:prstGeom prst="ellipse">
@@ -4578,171 +4499,20 @@
           <a:p>
             <a:pPr algn="ctr"/>
             <a:r>
-              <a:rPr lang="en-US" altLang="ko-KR" sz="1200" dirty="0" err="1" smtClean="0"/>
-              <a:t>SlaveInfo</a:t>
-            </a:r>
-            <a:endParaRPr lang="en-US" altLang="ko-KR" sz="1200" dirty="0" smtClean="0"/>
+              <a:rPr lang="en-US" altLang="ko-KR" sz="1200" dirty="0" smtClean="0"/>
+              <a:t>Master</a:t>
+            </a:r>
           </a:p>
           <a:p>
             <a:pPr algn="ctr"/>
             <a:r>
               <a:rPr lang="en-US" altLang="ko-KR" sz="1200" dirty="0" smtClean="0"/>
-              <a:t>Listener</a:t>
+              <a:t>Handler</a:t>
             </a:r>
             <a:endParaRPr lang="ko-KR" altLang="en-US" sz="1200" dirty="0"/>
           </a:p>
         </p:txBody>
       </p:sp>
-      <p:cxnSp>
-        <p:nvCxnSpPr>
-          <p:cNvPr id="37" name="직선 화살표 연결선 36"/>
-          <p:cNvCxnSpPr>
-            <a:stCxn id="23" idx="5"/>
-            <a:endCxn id="49" idx="1"/>
-          </p:cNvCxnSpPr>
-          <p:nvPr/>
-        </p:nvCxnSpPr>
-        <p:spPr>
-          <a:xfrm>
-            <a:off x="6116508" y="5334799"/>
-            <a:ext cx="635779" cy="153536"/>
-          </a:xfrm>
-          <a:prstGeom prst="straightConnector1">
-            <a:avLst/>
-          </a:prstGeom>
-          <a:ln>
-            <a:tailEnd type="triangle"/>
-          </a:ln>
-        </p:spPr>
-        <p:style>
-          <a:lnRef idx="1">
-            <a:schemeClr val="accent1"/>
-          </a:lnRef>
-          <a:fillRef idx="0">
-            <a:schemeClr val="accent1"/>
-          </a:fillRef>
-          <a:effectRef idx="0">
-            <a:schemeClr val="accent1"/>
-          </a:effectRef>
-          <a:fontRef idx="minor">
-            <a:schemeClr val="tx1"/>
-          </a:fontRef>
-        </p:style>
-      </p:cxnSp>
-      <p:cxnSp>
-        <p:nvCxnSpPr>
-          <p:cNvPr id="73" name="직선 화살표 연결선 72"/>
-          <p:cNvCxnSpPr>
-            <a:stCxn id="68" idx="7"/>
-            <a:endCxn id="48" idx="3"/>
-          </p:cNvCxnSpPr>
-          <p:nvPr/>
-        </p:nvCxnSpPr>
-        <p:spPr>
-          <a:xfrm flipV="1">
-            <a:off x="6177002" y="3263022"/>
-            <a:ext cx="685177" cy="162037"/>
-          </a:xfrm>
-          <a:prstGeom prst="straightConnector1">
-            <a:avLst/>
-          </a:prstGeom>
-          <a:ln>
-            <a:tailEnd type="triangle"/>
-          </a:ln>
-        </p:spPr>
-        <p:style>
-          <a:lnRef idx="1">
-            <a:schemeClr val="accent1"/>
-          </a:lnRef>
-          <a:fillRef idx="0">
-            <a:schemeClr val="accent1"/>
-          </a:fillRef>
-          <a:effectRef idx="0">
-            <a:schemeClr val="accent1"/>
-          </a:effectRef>
-          <a:fontRef idx="minor">
-            <a:schemeClr val="tx1"/>
-          </a:fontRef>
-        </p:style>
-      </p:cxnSp>
-      <p:cxnSp>
-        <p:nvCxnSpPr>
-          <p:cNvPr id="77" name="직선 화살표 연결선 76"/>
-          <p:cNvCxnSpPr>
-            <a:stCxn id="3" idx="6"/>
-            <a:endCxn id="23" idx="2"/>
-          </p:cNvCxnSpPr>
-          <p:nvPr/>
-        </p:nvCxnSpPr>
-        <p:spPr>
-          <a:xfrm>
-            <a:off x="2315199" y="4385036"/>
-            <a:ext cx="2817453" cy="697052"/>
-          </a:xfrm>
-          <a:prstGeom prst="straightConnector1">
-            <a:avLst/>
-          </a:prstGeom>
-          <a:ln>
-            <a:solidFill>
-              <a:srgbClr val="FF0000"/>
-            </a:solidFill>
-            <a:tailEnd type="triangle"/>
-          </a:ln>
-        </p:spPr>
-        <p:style>
-          <a:lnRef idx="1">
-            <a:schemeClr val="accent1"/>
-          </a:lnRef>
-          <a:fillRef idx="0">
-            <a:schemeClr val="accent1"/>
-          </a:fillRef>
-          <a:effectRef idx="0">
-            <a:schemeClr val="accent1"/>
-          </a:effectRef>
-          <a:fontRef idx="minor">
-            <a:schemeClr val="tx1"/>
-          </a:fontRef>
-        </p:style>
-      </p:cxnSp>
-      <p:cxnSp>
-        <p:nvCxnSpPr>
-          <p:cNvPr id="80" name="직선 화살표 연결선 79"/>
-          <p:cNvCxnSpPr>
-            <a:stCxn id="3" idx="6"/>
-            <a:endCxn id="68" idx="2"/>
-          </p:cNvCxnSpPr>
-          <p:nvPr/>
-        </p:nvCxnSpPr>
-        <p:spPr>
-          <a:xfrm flipV="1">
-            <a:off x="2315199" y="3677771"/>
-            <a:ext cx="2877947" cy="707265"/>
-          </a:xfrm>
-          <a:prstGeom prst="straightConnector1">
-            <a:avLst/>
-          </a:prstGeom>
-          <a:ln>
-            <a:solidFill>
-              <a:srgbClr val="FF0000"/>
-            </a:solidFill>
-            <a:tailEnd type="triangle"/>
-          </a:ln>
-        </p:spPr>
-        <p:style>
-          <a:lnRef idx="1">
-            <a:schemeClr val="accent1"/>
-          </a:lnRef>
-          <a:fillRef idx="0">
-            <a:schemeClr val="accent1"/>
-          </a:fillRef>
-          <a:effectRef idx="0">
-            <a:schemeClr val="accent1"/>
-          </a:effectRef>
-          <a:fontRef idx="minor">
-            <a:schemeClr val="tx1"/>
-          </a:fontRef>
-        </p:style>
-      </p:cxnSp>
       <p:sp>
         <p:nvSpPr>
           <p:cNvPr id="83" name="타원 82"/>
@@ -5262,42 +5032,6 @@
       </p:cxnSp>
       <p:cxnSp>
         <p:nvCxnSpPr>
-          <p:cNvPr id="161" name="직선 화살표 연결선 160"/>
-          <p:cNvCxnSpPr/>
-          <p:nvPr/>
-        </p:nvCxnSpPr>
-        <p:spPr>
-          <a:xfrm flipV="1">
-            <a:off x="556559" y="1018551"/>
-            <a:ext cx="527152" cy="8537"/>
-          </a:xfrm>
-          <a:prstGeom prst="straightConnector1">
-            <a:avLst/>
-          </a:prstGeom>
-          <a:ln>
-            <a:solidFill>
-              <a:srgbClr val="7030A0"/>
-            </a:solidFill>
-            <a:tailEnd type="triangle"/>
-          </a:ln>
-        </p:spPr>
-        <p:style>
-          <a:lnRef idx="1">
-            <a:schemeClr val="accent1"/>
-          </a:lnRef>
-          <a:fillRef idx="0">
-            <a:schemeClr val="accent1"/>
-          </a:fillRef>
-          <a:effectRef idx="0">
-            <a:schemeClr val="accent1"/>
-          </a:effectRef>
-          <a:fontRef idx="minor">
-            <a:schemeClr val="tx1"/>
-          </a:fontRef>
-        </p:style>
-      </p:cxnSp>
-      <p:cxnSp>
-        <p:nvCxnSpPr>
           <p:cNvPr id="164" name="직선 화살표 연결선 163"/>
           <p:cNvCxnSpPr/>
           <p:nvPr/>
@@ -5337,7 +5071,7 @@
         </p:nvCxnSpPr>
         <p:spPr>
           <a:xfrm flipV="1">
-            <a:off x="556558" y="1521888"/>
+            <a:off x="556558" y="1011826"/>
             <a:ext cx="527153" cy="21987"/>
           </a:xfrm>
           <a:prstGeom prst="straightConnector1">
@@ -5374,7 +5108,7 @@
         <p:spPr>
           <a:xfrm>
             <a:off x="1223582" y="604115"/>
-            <a:ext cx="3919022" cy="1077218"/>
+            <a:ext cx="3919022" cy="830997"/>
           </a:xfrm>
           <a:prstGeom prst="rect">
             <a:avLst/>
@@ -5395,24 +5129,184 @@
           <a:p>
             <a:r>
               <a:rPr lang="en-US" altLang="ko-KR" sz="1600" dirty="0" smtClean="0"/>
-              <a:t>Slave -&gt; Master</a:t>
-            </a:r>
-          </a:p>
-          <a:p>
+              <a:t>Slave </a:t>
+            </a:r>
             <a:r>
               <a:rPr lang="en-US" altLang="ko-KR" sz="1600" dirty="0" smtClean="0"/>
-              <a:t>Slave -&gt; Slave</a:t>
-            </a:r>
-          </a:p>
-          <a:p>
+              <a:t>&lt;-&gt; </a:t>
+            </a:r>
             <a:r>
               <a:rPr lang="en-US" altLang="ko-KR" sz="1600" dirty="0" smtClean="0"/>
-              <a:t>Master -&gt; Slave</a:t>
-            </a:r>
-            <a:endParaRPr lang="ko-KR" altLang="en-US" sz="1600" dirty="0"/>
-          </a:p>
-        </p:txBody>
-      </p:sp>
+              <a:t>Master</a:t>
+            </a:r>
+          </a:p>
+          <a:p>
+            <a:r>
+              <a:rPr lang="en-US" altLang="ko-KR" sz="1600" dirty="0" smtClean="0"/>
+              <a:t>Slave -&gt; </a:t>
+            </a:r>
+            <a:r>
+              <a:rPr lang="en-US" altLang="ko-KR" sz="1600" dirty="0" smtClean="0"/>
+              <a:t>Slave</a:t>
+            </a:r>
+            <a:endParaRPr lang="en-US" altLang="ko-KR" sz="1600" dirty="0" smtClean="0"/>
+          </a:p>
+        </p:txBody>
+      </p:sp>
+      <p:cxnSp>
+        <p:nvCxnSpPr>
+          <p:cNvPr id="7" name="직선 화살표 연결선 6"/>
+          <p:cNvCxnSpPr>
+            <a:stCxn id="33" idx="6"/>
+            <a:endCxn id="68" idx="2"/>
+          </p:cNvCxnSpPr>
+          <p:nvPr/>
+        </p:nvCxnSpPr>
+        <p:spPr>
+          <a:xfrm flipV="1">
+            <a:off x="3597544" y="3415904"/>
+            <a:ext cx="1494942" cy="7511"/>
+          </a:xfrm>
+          <a:prstGeom prst="straightConnector1">
+            <a:avLst/>
+          </a:prstGeom>
+          <a:ln>
+            <a:solidFill>
+              <a:srgbClr val="FF0000"/>
+            </a:solidFill>
+            <a:headEnd type="triangle"/>
+            <a:tailEnd type="triangle"/>
+          </a:ln>
+        </p:spPr>
+        <p:style>
+          <a:lnRef idx="1">
+            <a:schemeClr val="accent1"/>
+          </a:lnRef>
+          <a:fillRef idx="0">
+            <a:schemeClr val="accent1"/>
+          </a:fillRef>
+          <a:effectRef idx="0">
+            <a:schemeClr val="accent1"/>
+          </a:effectRef>
+          <a:fontRef idx="minor">
+            <a:schemeClr val="tx1"/>
+          </a:fontRef>
+        </p:style>
+      </p:cxnSp>
+      <p:cxnSp>
+        <p:nvCxnSpPr>
+          <p:cNvPr id="38" name="직선 화살표 연결선 37"/>
+          <p:cNvCxnSpPr>
+            <a:stCxn id="35" idx="6"/>
+            <a:endCxn id="23" idx="2"/>
+          </p:cNvCxnSpPr>
+          <p:nvPr/>
+        </p:nvCxnSpPr>
+        <p:spPr>
+          <a:xfrm flipV="1">
+            <a:off x="3597544" y="5339148"/>
+            <a:ext cx="1393177" cy="7511"/>
+          </a:xfrm>
+          <a:prstGeom prst="straightConnector1">
+            <a:avLst/>
+          </a:prstGeom>
+          <a:ln>
+            <a:solidFill>
+              <a:srgbClr val="FF0000"/>
+            </a:solidFill>
+            <a:headEnd type="triangle"/>
+            <a:tailEnd type="triangle"/>
+          </a:ln>
+        </p:spPr>
+        <p:style>
+          <a:lnRef idx="1">
+            <a:schemeClr val="accent1"/>
+          </a:lnRef>
+          <a:fillRef idx="0">
+            <a:schemeClr val="accent1"/>
+          </a:fillRef>
+          <a:effectRef idx="0">
+            <a:schemeClr val="accent1"/>
+          </a:effectRef>
+          <a:fontRef idx="minor">
+            <a:schemeClr val="tx1"/>
+          </a:fontRef>
+        </p:style>
+      </p:cxnSp>
+      <p:cxnSp>
+        <p:nvCxnSpPr>
+          <p:cNvPr id="11" name="직선 화살표 연결선 10"/>
+          <p:cNvCxnSpPr>
+            <a:stCxn id="68" idx="6"/>
+            <a:endCxn id="48" idx="3"/>
+          </p:cNvCxnSpPr>
+          <p:nvPr/>
+        </p:nvCxnSpPr>
+        <p:spPr>
+          <a:xfrm flipV="1">
+            <a:off x="6245145" y="3263022"/>
+            <a:ext cx="617034" cy="152882"/>
+          </a:xfrm>
+          <a:prstGeom prst="straightConnector1">
+            <a:avLst/>
+          </a:prstGeom>
+          <a:ln>
+            <a:headEnd type="triangle"/>
+            <a:tailEnd type="triangle"/>
+          </a:ln>
+        </p:spPr>
+        <p:style>
+          <a:lnRef idx="1">
+            <a:schemeClr val="accent1"/>
+          </a:lnRef>
+          <a:fillRef idx="0">
+            <a:schemeClr val="accent1"/>
+          </a:fillRef>
+          <a:effectRef idx="0">
+            <a:schemeClr val="accent1"/>
+          </a:effectRef>
+          <a:fontRef idx="minor">
+            <a:schemeClr val="tx1"/>
+          </a:fontRef>
+        </p:style>
+      </p:cxnSp>
+      <p:cxnSp>
+        <p:nvCxnSpPr>
+          <p:cNvPr id="43" name="직선 화살표 연결선 42"/>
+          <p:cNvCxnSpPr>
+            <a:stCxn id="23" idx="6"/>
+            <a:endCxn id="49" idx="1"/>
+          </p:cNvCxnSpPr>
+          <p:nvPr/>
+        </p:nvCxnSpPr>
+        <p:spPr>
+          <a:xfrm>
+            <a:off x="6143380" y="5339148"/>
+            <a:ext cx="608907" cy="149187"/>
+          </a:xfrm>
+          <a:prstGeom prst="straightConnector1">
+            <a:avLst/>
+          </a:prstGeom>
+          <a:ln>
+            <a:headEnd type="triangle"/>
+            <a:tailEnd type="triangle"/>
+          </a:ln>
+        </p:spPr>
+        <p:style>
+          <a:lnRef idx="1">
+            <a:schemeClr val="accent1"/>
+          </a:lnRef>
+          <a:fillRef idx="0">
+            <a:schemeClr val="accent1"/>
+          </a:fillRef>
+          <a:effectRef idx="0">
+            <a:schemeClr val="accent1"/>
+          </a:effectRef>
+          <a:fontRef idx="minor">
+            <a:schemeClr val="tx1"/>
+          </a:fontRef>
+        </p:style>
+      </p:cxnSp>
     </p:spTree>
     <p:extLst>
       <p:ext uri="{BB962C8B-B14F-4D97-AF65-F5344CB8AC3E}">
@@ -6211,16 +6105,15 @@
           <a:p>
             <a:pPr algn="ctr"/>
             <a:r>
-              <a:rPr lang="en-US" altLang="ko-KR" sz="1200" dirty="0" err="1" smtClean="0"/>
-              <a:t>SlaveInfo</a:t>
-            </a:r>
-            <a:endParaRPr lang="en-US" altLang="ko-KR" sz="1200" dirty="0" smtClean="0"/>
+              <a:rPr lang="en-US" altLang="ko-KR" sz="1200" dirty="0" smtClean="0"/>
+              <a:t>Master</a:t>
+            </a:r>
           </a:p>
           <a:p>
             <a:pPr algn="ctr"/>
             <a:r>
               <a:rPr lang="en-US" altLang="ko-KR" sz="1200" dirty="0" smtClean="0"/>
-              <a:t>Listener</a:t>
+              <a:t>Handler</a:t>
             </a:r>
             <a:endParaRPr lang="ko-KR" altLang="en-US" sz="1200" dirty="0"/>
           </a:p>
@@ -8304,11 +8197,7 @@
             <a:pPr algn="ctr"/>
             <a:r>
               <a:rPr lang="en-US" altLang="ko-KR" sz="1100" dirty="0" smtClean="0"/>
-              <a:t>connected: </a:t>
-            </a:r>
-            <a:r>
-              <a:rPr lang="en-US" altLang="ko-KR" sz="1100" dirty="0" smtClean="0"/>
-              <a:t>Set[</a:t>
+              <a:t>connected: Set[</a:t>
             </a:r>
             <a:r>
               <a:rPr lang="en-US" altLang="ko-KR" sz="1100" dirty="0" err="1" smtClean="0"/>
@@ -8318,21 +8207,12 @@
               <a:rPr lang="en-US" altLang="ko-KR" sz="1100" dirty="0" smtClean="0"/>
               <a:t>]</a:t>
             </a:r>
-            <a:endParaRPr lang="en-US" altLang="ko-KR" sz="1100" dirty="0" smtClean="0"/>
           </a:p>
           <a:p>
             <a:pPr algn="ctr"/>
             <a:r>
               <a:rPr lang="en-US" altLang="ko-KR" sz="1100" dirty="0" smtClean="0"/>
-              <a:t>slaves: </a:t>
-            </a:r>
-            <a:r>
-              <a:rPr lang="en-US" altLang="ko-KR" sz="1100" dirty="0" smtClean="0"/>
-              <a:t>Set</a:t>
-            </a:r>
-            <a:r>
-              <a:rPr lang="en-US" altLang="ko-KR" sz="1100" dirty="0" smtClean="0"/>
-              <a:t>[</a:t>
+              <a:t>slaves: Set[</a:t>
             </a:r>
             <a:r>
               <a:rPr lang="en-US" altLang="ko-KR" sz="1100" dirty="0" err="1" smtClean="0"/>
@@ -8342,7 +8222,6 @@
               <a:rPr lang="en-US" altLang="ko-KR" sz="1100" dirty="0" smtClean="0"/>
               <a:t>]</a:t>
             </a:r>
-            <a:endParaRPr lang="en-US" altLang="ko-KR" sz="1100" dirty="0" smtClean="0"/>
           </a:p>
         </p:txBody>
       </p:sp>
@@ -9504,25 +9383,8 @@
             <a:pPr algn="ctr"/>
             <a:r>
               <a:rPr lang="en-US" altLang="ko-KR" sz="1100" dirty="0" smtClean="0"/>
-              <a:t>! (</a:t>
-            </a:r>
-            <a:r>
-              <a:rPr lang="en-US" altLang="ko-KR" sz="1100" dirty="0" smtClean="0"/>
-              <a:t>slaves </a:t>
-            </a:r>
-            <a:r>
-              <a:rPr lang="en-US" altLang="ko-KR" sz="1100" dirty="0" smtClean="0"/>
-              <a:t>contains </a:t>
-            </a:r>
-            <a:r>
-              <a:rPr lang="en-US" altLang="ko-KR" sz="1100" dirty="0" smtClean="0"/>
-              <a:t>handler</a:t>
-            </a:r>
-            <a:r>
-              <a:rPr lang="en-US" altLang="ko-KR" sz="1100" dirty="0" smtClean="0"/>
-              <a:t>) </a:t>
-            </a:r>
-            <a:endParaRPr lang="en-US" altLang="ko-KR" sz="1100" dirty="0" smtClean="0"/>
+              <a:t>! (slaves contains handler) </a:t>
+            </a:r>
           </a:p>
         </p:txBody>
       </p:sp>
@@ -11724,11 +11586,7 @@
                       </a:r>
                       <a:r>
                         <a:rPr lang="en-US" altLang="ko-KR" sz="1100" dirty="0" smtClean="0"/>
-                        <a:t>(Socket): </a:t>
-                      </a:r>
-                      <a:r>
-                        <a:rPr lang="en-US" altLang="ko-KR" sz="1100" dirty="0" smtClean="0"/>
-                        <a:t>Unit</a:t>
+                        <a:t>(Socket): Unit</a:t>
                       </a:r>
                     </a:p>
                     <a:p>
@@ -11752,7 +11610,6 @@
                         <a:rPr lang="en-US" altLang="ko-KR" sz="1100" dirty="0" smtClean="0"/>
                         <a:t>): Unit</a:t>
                       </a:r>
-                      <a:endParaRPr lang="en-US" altLang="ko-KR" sz="1100" dirty="0" smtClean="0"/>
                     </a:p>
                     <a:p>
                       <a:pPr marL="171450" indent="-171450" latinLnBrk="1">
@@ -11889,13 +11746,8 @@
                       <a:pPr latinLnBrk="1"/>
                       <a:r>
                         <a:rPr lang="en-US" altLang="ko-KR" sz="1100" baseline="0" dirty="0" smtClean="0"/>
-                        <a:t>+ </a:t>
+                        <a:t>+ start(): Unit</a:t>
                       </a:r>
-                      <a:r>
-                        <a:rPr lang="en-US" altLang="ko-KR" sz="1100" baseline="0" dirty="0" smtClean="0"/>
-                        <a:t>start(): Unit</a:t>
-                      </a:r>
-                      <a:endParaRPr lang="en-US" altLang="ko-KR" sz="1100" baseline="0" dirty="0" smtClean="0"/>
                     </a:p>
                     <a:p>
                       <a:pPr marL="0" indent="0" latinLnBrk="1">
@@ -12064,11 +11916,7 @@
                       </a:r>
                       <a:r>
                         <a:rPr lang="en-US" altLang="ko-KR" sz="1100" baseline="0" dirty="0" smtClean="0"/>
-                        <a:t>(): </a:t>
-                      </a:r>
-                      <a:r>
-                        <a:rPr lang="en-US" altLang="ko-KR" sz="1100" baseline="0" dirty="0" smtClean="0"/>
-                        <a:t>Unit</a:t>
+                        <a:t>(): Unit</a:t>
                       </a:r>
                     </a:p>
                     <a:p>
@@ -13688,11 +13536,7 @@
             </a:pPr>
             <a:r>
               <a:rPr lang="en-US" altLang="ko-KR" sz="1600" dirty="0" err="1" smtClean="0"/>
-              <a:t>v</a:t>
-            </a:r>
-            <a:r>
-              <a:rPr lang="en-US" altLang="ko-KR" sz="1600" dirty="0" err="1" smtClean="0"/>
-              <a:t>ar</a:t>
+              <a:t>var</a:t>
             </a:r>
             <a:r>
               <a:rPr lang="en-US" altLang="ko-KR" sz="1600" dirty="0" smtClean="0"/>
@@ -13706,7 +13550,6 @@
               <a:rPr lang="en-US" altLang="ko-KR" sz="1600" dirty="0" smtClean="0"/>
               <a:t>]</a:t>
             </a:r>
-            <a:endParaRPr lang="en-US" altLang="ko-KR" sz="1600" dirty="0" smtClean="0"/>
           </a:p>
           <a:p>
             <a:pPr lvl="1">
@@ -13719,11 +13562,7 @@
             </a:r>
             <a:r>
               <a:rPr lang="en-US" altLang="ko-KR" sz="1600" dirty="0" smtClean="0"/>
-              <a:t> </a:t>
-            </a:r>
-            <a:r>
-              <a:rPr lang="en-US" altLang="ko-KR" sz="1600" dirty="0" smtClean="0"/>
-              <a:t>slaves: Map[Socket, Slave]</a:t>
+              <a:t> slaves: Map[Socket, Slave]</a:t>
             </a:r>
           </a:p>
           <a:p>
@@ -13751,7 +13590,6 @@
               <a:rPr lang="en-US" altLang="ko-KR" sz="1600" dirty="0" smtClean="0"/>
               <a:t>: Queue[(Message, Socket)]</a:t>
             </a:r>
-            <a:endParaRPr lang="en-US" altLang="ko-KR" sz="1600" dirty="0" smtClean="0"/>
           </a:p>
           <a:p>
             <a:pPr marL="457200" lvl="1" indent="0">
@@ -14972,11 +14810,7 @@
           <a:p>
             <a:r>
               <a:rPr lang="en-US" altLang="ko-KR" dirty="0" smtClean="0"/>
-              <a:t>Slave -&gt; </a:t>
-            </a:r>
-            <a:r>
-              <a:rPr lang="en-US" altLang="ko-KR" dirty="0" smtClean="0"/>
-              <a:t>Master (</a:t>
+              <a:t>Slave -&gt; Master (</a:t>
             </a:r>
             <a:r>
               <a:rPr lang="en-US" altLang="ko-KR" dirty="0" err="1" smtClean="0"/>

--- a/project.pptx
+++ b/project.pptx
@@ -26,16 +26,17 @@
     <p:sldId id="307" r:id="rId20"/>
     <p:sldId id="285" r:id="rId21"/>
     <p:sldId id="316" r:id="rId22"/>
-    <p:sldId id="291" r:id="rId23"/>
-    <p:sldId id="290" r:id="rId24"/>
-    <p:sldId id="284" r:id="rId25"/>
-    <p:sldId id="277" r:id="rId26"/>
-    <p:sldId id="278" r:id="rId27"/>
-    <p:sldId id="297" r:id="rId28"/>
-    <p:sldId id="281" r:id="rId29"/>
-    <p:sldId id="282" r:id="rId30"/>
-    <p:sldId id="295" r:id="rId31"/>
-    <p:sldId id="299" r:id="rId32"/>
+    <p:sldId id="317" r:id="rId23"/>
+    <p:sldId id="291" r:id="rId24"/>
+    <p:sldId id="290" r:id="rId25"/>
+    <p:sldId id="284" r:id="rId26"/>
+    <p:sldId id="277" r:id="rId27"/>
+    <p:sldId id="278" r:id="rId28"/>
+    <p:sldId id="297" r:id="rId29"/>
+    <p:sldId id="281" r:id="rId30"/>
+    <p:sldId id="282" r:id="rId31"/>
+    <p:sldId id="295" r:id="rId32"/>
+    <p:sldId id="299" r:id="rId33"/>
   </p:sldIdLst>
   <p:sldSz cx="12192000" cy="6858000"/>
   <p:notesSz cx="6858000" cy="9144000"/>
@@ -5071,8 +5072,8 @@
         </p:nvCxnSpPr>
         <p:spPr>
           <a:xfrm flipV="1">
-            <a:off x="556558" y="1011826"/>
-            <a:ext cx="527153" cy="21987"/>
+            <a:off x="556558" y="1011827"/>
+            <a:ext cx="527153" cy="12640"/>
           </a:xfrm>
           <a:prstGeom prst="straightConnector1">
             <a:avLst/>
@@ -5129,27 +5130,14 @@
           <a:p>
             <a:r>
               <a:rPr lang="en-US" altLang="ko-KR" sz="1600" dirty="0" smtClean="0"/>
-              <a:t>Slave </a:t>
-            </a:r>
+              <a:t>Slave &lt;-&gt; Master</a:t>
+            </a:r>
+          </a:p>
+          <a:p>
             <a:r>
               <a:rPr lang="en-US" altLang="ko-KR" sz="1600" dirty="0" smtClean="0"/>
-              <a:t>&lt;-&gt; </a:t>
-            </a:r>
-            <a:r>
-              <a:rPr lang="en-US" altLang="ko-KR" sz="1600" dirty="0" smtClean="0"/>
-              <a:t>Master</a:t>
-            </a:r>
-          </a:p>
-          <a:p>
-            <a:r>
-              <a:rPr lang="en-US" altLang="ko-KR" sz="1600" dirty="0" smtClean="0"/>
-              <a:t>Slave -&gt; </a:t>
-            </a:r>
-            <a:r>
-              <a:rPr lang="en-US" altLang="ko-KR" sz="1600" dirty="0" smtClean="0"/>
-              <a:t>Slave</a:t>
-            </a:r>
-            <a:endParaRPr lang="en-US" altLang="ko-KR" sz="1600" dirty="0" smtClean="0"/>
+              <a:t>Slave -&gt; Slave</a:t>
+            </a:r>
           </a:p>
         </p:txBody>
       </p:sp>
@@ -9475,8 +9463,8 @@
         </p:nvSpPr>
         <p:spPr>
           <a:xfrm>
-            <a:off x="560540" y="1373164"/>
-            <a:ext cx="1404180" cy="275808"/>
+            <a:off x="458858" y="1354527"/>
+            <a:ext cx="1607545" cy="275808"/>
           </a:xfrm>
           <a:prstGeom prst="roundRect">
             <a:avLst/>
@@ -9509,8 +9497,13 @@
             <a:pPr algn="ctr"/>
             <a:r>
               <a:rPr lang="en-US" altLang="ko-KR" sz="1100" dirty="0" smtClean="0"/>
-              <a:t>Connect to Master</a:t>
-            </a:r>
+              <a:t>Create </a:t>
+            </a:r>
+            <a:r>
+              <a:rPr lang="en-US" altLang="ko-KR" sz="1100" dirty="0" err="1" smtClean="0"/>
+              <a:t>MasterHandler</a:t>
+            </a:r>
+            <a:endParaRPr lang="en-US" altLang="ko-KR" sz="1100" dirty="0" smtClean="0"/>
           </a:p>
         </p:txBody>
       </p:sp>
@@ -9550,8 +9543,8 @@
         </p:nvSpPr>
         <p:spPr>
           <a:xfrm>
-            <a:off x="676141" y="989459"/>
-            <a:ext cx="1172978" cy="347739"/>
+            <a:off x="893236" y="982611"/>
+            <a:ext cx="738787" cy="347739"/>
           </a:xfrm>
           <a:prstGeom prst="roundRect">
             <a:avLst/>
@@ -9581,8 +9574,8 @@
           <a:p>
             <a:pPr algn="ctr"/>
             <a:r>
-              <a:rPr lang="en-US" altLang="ko-KR" dirty="0" smtClean="0"/>
-              <a:t>Connect</a:t>
+              <a:rPr lang="en-US" altLang="ko-KR" dirty="0" err="1" smtClean="0"/>
+              <a:t>Init</a:t>
             </a:r>
             <a:endParaRPr lang="ko-KR" altLang="en-US" dirty="0"/>
           </a:p>
@@ -9645,8 +9638,8 @@
         </p:nvCxnSpPr>
         <p:spPr>
           <a:xfrm>
-            <a:off x="1849119" y="1163329"/>
-            <a:ext cx="1432141" cy="745423"/>
+            <a:off x="1632023" y="1156481"/>
+            <a:ext cx="1649237" cy="752271"/>
           </a:xfrm>
           <a:prstGeom prst="curvedConnector3">
             <a:avLst/>
@@ -9678,7 +9671,7 @@
         </p:nvSpPr>
         <p:spPr>
           <a:xfrm>
-            <a:off x="2073828" y="1340766"/>
+            <a:off x="2140853" y="1330350"/>
             <a:ext cx="1432160" cy="361436"/>
           </a:xfrm>
           <a:prstGeom prst="roundRect">
@@ -10741,7 +10734,7 @@
         <p:spPr>
           <a:xfrm>
             <a:off x="5641770" y="5798613"/>
-            <a:ext cx="2216876" cy="602630"/>
+            <a:ext cx="2216876" cy="423375"/>
           </a:xfrm>
           <a:prstGeom prst="roundRect">
             <a:avLst/>
@@ -10773,18 +10766,6 @@
           <a:p>
             <a:pPr algn="ctr"/>
             <a:r>
-              <a:rPr lang="en-US" altLang="ko-KR" sz="1100" dirty="0" smtClean="0"/>
-              <a:t>Create </a:t>
-            </a:r>
-            <a:r>
-              <a:rPr lang="en-US" altLang="ko-KR" sz="1100" dirty="0" err="1" smtClean="0"/>
-              <a:t>SlaveInfoListener</a:t>
-            </a:r>
-            <a:endParaRPr lang="en-US" altLang="ko-KR" sz="1100" dirty="0" smtClean="0"/>
-          </a:p>
-          <a:p>
-            <a:pPr algn="ctr"/>
-            <a:r>
               <a:rPr lang="en-US" altLang="ko-KR" sz="1100" dirty="0" err="1" smtClean="0"/>
               <a:t>sortingFinished</a:t>
             </a:r>
@@ -11014,7 +10995,7 @@
         </p:nvSpPr>
         <p:spPr>
           <a:xfrm>
-            <a:off x="5655947" y="6427648"/>
+            <a:off x="5649597" y="6258295"/>
             <a:ext cx="2201222" cy="386819"/>
           </a:xfrm>
           <a:prstGeom prst="roundRect">
@@ -11374,8 +11355,8 @@
               <a:t>Init</a:t>
             </a:r>
             <a:r>
-              <a:rPr lang="en-US" altLang="ko-KR" smtClean="0"/>
-              <a:t>(Master)</a:t>
+              <a:rPr lang="en-US" altLang="ko-KR" dirty="0" smtClean="0"/>
+              <a:t> (Master)</a:t>
             </a:r>
             <a:endParaRPr lang="ko-KR" altLang="en-US" dirty="0"/>
           </a:p>
@@ -11390,14 +11371,14 @@
           <p:nvPr>
             <p:extLst>
               <p:ext uri="{D42A27DB-BD31-4B8C-83A1-F6EECF244321}">
-                <p14:modId xmlns:p14="http://schemas.microsoft.com/office/powerpoint/2010/main" val="810934048"/>
+                <p14:modId xmlns:p14="http://schemas.microsoft.com/office/powerpoint/2010/main" val="818837580"/>
               </p:ext>
             </p:extLst>
           </p:nvPr>
         </p:nvGraphicFramePr>
         <p:xfrm>
-          <a:off x="1288676" y="3286757"/>
-          <a:ext cx="3660228" cy="2215795"/>
+          <a:off x="1267647" y="3854804"/>
+          <a:ext cx="3660228" cy="2337793"/>
         </p:xfrm>
         <a:graphic>
           <a:graphicData uri="http://schemas.openxmlformats.org/drawingml/2006/table">
@@ -11422,8 +11403,8 @@
                     <a:p>
                       <a:pPr algn="ctr" latinLnBrk="1"/>
                       <a:r>
-                        <a:rPr lang="en-US" altLang="ko-KR" dirty="0" smtClean="0"/>
-                        <a:t>Master</a:t>
+                        <a:rPr lang="en-US" altLang="ko-KR" dirty="0" err="1" smtClean="0"/>
+                        <a:t>MasterStateManager</a:t>
                       </a:r>
                       <a:endParaRPr lang="ko-KR" altLang="en-US" dirty="0"/>
                     </a:p>
@@ -11486,11 +11467,15 @@
                       </a:pPr>
                       <a:r>
                         <a:rPr lang="en-US" altLang="ko-KR" sz="1100" dirty="0" smtClean="0"/>
-                        <a:t>connected: Set[</a:t>
+                        <a:t>connected: </a:t>
+                      </a:r>
+                      <a:r>
+                        <a:rPr lang="en-US" altLang="ko-KR" sz="1100" dirty="0" smtClean="0"/>
+                        <a:t>Set[</a:t>
                       </a:r>
                       <a:r>
                         <a:rPr lang="en-US" altLang="ko-KR" sz="1100" dirty="0" err="1" smtClean="0"/>
-                        <a:t>SlaveHandler</a:t>
+                        <a:t>SocketHandler</a:t>
                       </a:r>
                       <a:r>
                         <a:rPr lang="en-US" altLang="ko-KR" sz="1100" dirty="0" smtClean="0"/>
@@ -11504,11 +11489,15 @@
                       </a:pPr>
                       <a:r>
                         <a:rPr lang="en-US" altLang="ko-KR" sz="1100" dirty="0" smtClean="0"/>
-                        <a:t>slaves: Set[</a:t>
+                        <a:t>slaves: </a:t>
+                      </a:r>
+                      <a:r>
+                        <a:rPr lang="en-US" altLang="ko-KR" sz="1100" dirty="0" smtClean="0"/>
+                        <a:t>Set[</a:t>
                       </a:r>
                       <a:r>
                         <a:rPr lang="en-US" altLang="ko-KR" sz="1100" dirty="0" err="1" smtClean="0"/>
-                        <a:t>SlaveHandler</a:t>
+                        <a:t>SocketHandler</a:t>
                       </a:r>
                       <a:r>
                         <a:rPr lang="en-US" altLang="ko-KR" sz="1100" dirty="0" smtClean="0"/>
@@ -11521,22 +11510,14 @@
                         <a:buChar char="-"/>
                       </a:pPr>
                       <a:r>
+                        <a:rPr lang="en-US" altLang="ko-KR" sz="1100" dirty="0" smtClean="0"/>
+                        <a:t>State: </a:t>
+                      </a:r>
+                      <a:r>
                         <a:rPr lang="en-US" altLang="ko-KR" sz="1100" dirty="0" err="1" smtClean="0"/>
-                        <a:t>messageQueue</a:t>
-                      </a:r>
-                      <a:r>
-                        <a:rPr lang="en-US" altLang="ko-KR" sz="1100" dirty="0" smtClean="0"/>
-                        <a:t>: Queue[(Message, </a:t>
-                      </a:r>
-                      <a:r>
-                        <a:rPr lang="en-US" altLang="ko-KR" sz="1100" dirty="0" err="1" smtClean="0"/>
-                        <a:t>SlaveHandler</a:t>
-                      </a:r>
-                      <a:r>
-                        <a:rPr lang="en-US" altLang="ko-KR" sz="1100" dirty="0" smtClean="0"/>
-                        <a:t>)]</a:t>
-                      </a:r>
-                      <a:endParaRPr lang="ko-KR" altLang="en-US" sz="1100" dirty="0"/>
+                        <a:t>MasterState</a:t>
+                      </a:r>
+                      <a:endParaRPr lang="en-US" altLang="ko-KR" sz="1100" dirty="0" smtClean="0"/>
                     </a:p>
                   </a:txBody>
                   <a:tcPr/>
@@ -11553,25 +11534,20 @@
                     <a:bodyPr/>
                     <a:lstStyle/>
                     <a:p>
-                      <a:pPr latinLnBrk="1"/>
-                      <a:r>
-                        <a:rPr lang="en-US" altLang="ko-KR" sz="1100" baseline="0" dirty="0" smtClean="0"/>
-                        <a:t>+ </a:t>
-                      </a:r>
-                      <a:r>
-                        <a:rPr lang="en-US" altLang="ko-KR" sz="1100" baseline="0" dirty="0" err="1" smtClean="0"/>
-                        <a:t>addMessage</a:t>
-                      </a:r>
-                      <a:r>
-                        <a:rPr lang="en-US" altLang="ko-KR" sz="1100" baseline="0" dirty="0" smtClean="0"/>
-                        <a:t>(Message, </a:t>
-                      </a:r>
-                      <a:r>
-                        <a:rPr lang="en-US" altLang="ko-KR" sz="1100" baseline="0" dirty="0" err="1" smtClean="0"/>
-                        <a:t>SlaveHandler</a:t>
-                      </a:r>
-                      <a:r>
-                        <a:rPr lang="en-US" altLang="ko-KR" sz="1100" baseline="0" dirty="0" smtClean="0"/>
+                      <a:pPr marL="171450" indent="-171450" latinLnBrk="1">
+                        <a:buFontTx/>
+                        <a:buChar char="-"/>
+                      </a:pPr>
+                      <a:r>
+                        <a:rPr lang="en-US" altLang="ko-KR" sz="1100" dirty="0" err="1" smtClean="0"/>
+                        <a:t>createSlaveHandler</a:t>
+                      </a:r>
+                      <a:r>
+                        <a:rPr lang="en-US" altLang="ko-KR" sz="1100" dirty="0" smtClean="0"/>
+                        <a:t>(Socket</a:t>
+                      </a:r>
+                      <a:r>
+                        <a:rPr lang="en-US" altLang="ko-KR" sz="1100" dirty="0" smtClean="0"/>
                         <a:t>): Unit</a:t>
                       </a:r>
                     </a:p>
@@ -11582,11 +11558,19 @@
                       </a:pPr>
                       <a:r>
                         <a:rPr lang="en-US" altLang="ko-KR" sz="1100" dirty="0" err="1" smtClean="0"/>
-                        <a:t>createSlaveHandler</a:t>
+                        <a:t>addSlave</a:t>
                       </a:r>
                       <a:r>
                         <a:rPr lang="en-US" altLang="ko-KR" sz="1100" dirty="0" smtClean="0"/>
-                        <a:t>(Socket): Unit</a:t>
+                        <a:t>(</a:t>
+                      </a:r>
+                      <a:r>
+                        <a:rPr lang="en-US" altLang="ko-KR" sz="1100" dirty="0" err="1" smtClean="0"/>
+                        <a:t>SlaveHandler</a:t>
+                      </a:r>
+                      <a:r>
+                        <a:rPr lang="en-US" altLang="ko-KR" sz="1100" dirty="0" smtClean="0"/>
+                        <a:t>): Unit</a:t>
                       </a:r>
                     </a:p>
                     <a:p>
@@ -11596,19 +11580,46 @@
                       </a:pPr>
                       <a:r>
                         <a:rPr lang="en-US" altLang="ko-KR" sz="1100" dirty="0" err="1" smtClean="0"/>
-                        <a:t>addSlave</a:t>
+                        <a:t>closeSocketExceptSlaves</a:t>
                       </a:r>
                       <a:r>
                         <a:rPr lang="en-US" altLang="ko-KR" sz="1100" dirty="0" smtClean="0"/>
-                        <a:t>(</a:t>
-                      </a:r>
-                      <a:r>
-                        <a:rPr lang="en-US" altLang="ko-KR" sz="1100" dirty="0" err="1" smtClean="0"/>
-                        <a:t>SlaveHandler</a:t>
+                        <a:t>(): </a:t>
                       </a:r>
                       <a:r>
                         <a:rPr lang="en-US" altLang="ko-KR" sz="1100" dirty="0" smtClean="0"/>
-                        <a:t>): Unit</a:t>
+                        <a:t>Unit</a:t>
+                      </a:r>
+                    </a:p>
+                    <a:p>
+                      <a:pPr marL="0" marR="0" indent="0" algn="l" defTabSz="914400" rtl="0" eaLnBrk="1" fontAlgn="auto" latinLnBrk="1" hangingPunct="1">
+                        <a:lnSpc>
+                          <a:spcPct val="100000"/>
+                        </a:lnSpc>
+                        <a:spcBef>
+                          <a:spcPts val="0"/>
+                        </a:spcBef>
+                        <a:spcAft>
+                          <a:spcPts val="0"/>
+                        </a:spcAft>
+                        <a:buClrTx/>
+                        <a:buSzTx/>
+                        <a:buFontTx/>
+                        <a:buNone/>
+                        <a:tabLst/>
+                        <a:defRPr/>
+                      </a:pPr>
+                      <a:r>
+                        <a:rPr lang="en-US" altLang="ko-KR" sz="1100" baseline="0" dirty="0" smtClean="0"/>
+                        <a:t># </a:t>
+                      </a:r>
+                      <a:r>
+                        <a:rPr lang="en-US" altLang="ko-KR" sz="1100" baseline="0" dirty="0" err="1" smtClean="0"/>
+                        <a:t>handleMessage</a:t>
+                      </a:r>
+                      <a:r>
+                        <a:rPr lang="en-US" altLang="ko-KR" sz="1100" baseline="0" dirty="0" smtClean="0"/>
+                        <a:t>(Message): Unit</a:t>
                       </a:r>
                     </a:p>
                     <a:p>
@@ -11616,14 +11627,7 @@
                         <a:buFontTx/>
                         <a:buChar char="-"/>
                       </a:pPr>
-                      <a:r>
-                        <a:rPr lang="en-US" altLang="ko-KR" sz="1100" dirty="0" err="1" smtClean="0"/>
-                        <a:t>closeSocketExceptSlaves</a:t>
-                      </a:r>
-                      <a:r>
-                        <a:rPr lang="en-US" altLang="ko-KR" sz="1100" dirty="0" smtClean="0"/>
-                        <a:t>(): Unit</a:t>
-                      </a:r>
+                      <a:endParaRPr lang="en-US" altLang="ko-KR" sz="1100" dirty="0" smtClean="0"/>
                     </a:p>
                   </a:txBody>
                   <a:tcPr/>
@@ -11647,13 +11651,13 @@
           <p:nvPr>
             <p:extLst>
               <p:ext uri="{D42A27DB-BD31-4B8C-83A1-F6EECF244321}">
-                <p14:modId xmlns:p14="http://schemas.microsoft.com/office/powerpoint/2010/main" val="4007993012"/>
+                <p14:modId xmlns:p14="http://schemas.microsoft.com/office/powerpoint/2010/main" val="3428902932"/>
               </p:ext>
             </p:extLst>
           </p:nvPr>
         </p:nvGraphicFramePr>
         <p:xfrm>
-          <a:off x="7782370" y="1988302"/>
+          <a:off x="7761341" y="1027906"/>
           <a:ext cx="3660228" cy="1650417"/>
         </p:xfrm>
         <a:graphic>
@@ -11803,23 +11807,266 @@
           </a:graphicData>
         </a:graphic>
       </p:graphicFrame>
+      <p:cxnSp>
+        <p:nvCxnSpPr>
+          <p:cNvPr id="33" name="직선 화살표 연결선 32"/>
+          <p:cNvCxnSpPr/>
+          <p:nvPr/>
+        </p:nvCxnSpPr>
+        <p:spPr>
+          <a:xfrm>
+            <a:off x="4927875" y="4852728"/>
+            <a:ext cx="2833466" cy="0"/>
+          </a:xfrm>
+          <a:prstGeom prst="straightConnector1">
+            <a:avLst/>
+          </a:prstGeom>
+          <a:ln>
+            <a:headEnd type="triangle"/>
+            <a:tailEnd type="triangle"/>
+          </a:ln>
+        </p:spPr>
+        <p:style>
+          <a:lnRef idx="1">
+            <a:schemeClr val="dk1"/>
+          </a:lnRef>
+          <a:fillRef idx="0">
+            <a:schemeClr val="dk1"/>
+          </a:fillRef>
+          <a:effectRef idx="0">
+            <a:schemeClr val="dk1"/>
+          </a:effectRef>
+          <a:fontRef idx="minor">
+            <a:schemeClr val="tx1"/>
+          </a:fontRef>
+        </p:style>
+      </p:cxnSp>
       <p:graphicFrame>
         <p:nvGraphicFramePr>
-          <p:cNvPr id="6" name="표 5"/>
+          <p:cNvPr id="8" name="표 7"/>
           <p:cNvGraphicFramePr>
             <a:graphicFrameLocks noGrp="1"/>
           </p:cNvGraphicFramePr>
           <p:nvPr>
             <p:extLst>
               <p:ext uri="{D42A27DB-BD31-4B8C-83A1-F6EECF244321}">
-                <p14:modId xmlns:p14="http://schemas.microsoft.com/office/powerpoint/2010/main" val="3235039128"/>
+                <p14:modId xmlns:p14="http://schemas.microsoft.com/office/powerpoint/2010/main" val="1810005434"/>
               </p:ext>
             </p:extLst>
           </p:nvPr>
         </p:nvGraphicFramePr>
         <p:xfrm>
-          <a:off x="7782370" y="4394655"/>
-          <a:ext cx="3660228" cy="1916776"/>
+          <a:off x="7761341" y="4455422"/>
+          <a:ext cx="3660228" cy="1615177"/>
+        </p:xfrm>
+        <a:graphic>
+          <a:graphicData uri="http://schemas.openxmlformats.org/drawingml/2006/table">
+            <a:tbl>
+              <a:tblPr firstRow="1" bandRow="1">
+                <a:tableStyleId>{5940675A-B579-460E-94D1-54222C63F5DA}</a:tableStyleId>
+              </a:tblPr>
+              <a:tblGrid>
+                <a:gridCol w="3660228">
+                  <a:extLst>
+                    <a:ext uri="{9D8B030D-6E8A-4147-A177-3AD203B41FA5}">
+                      <a16:colId xmlns:a16="http://schemas.microsoft.com/office/drawing/2014/main" val="2126203183"/>
+                    </a:ext>
+                  </a:extLst>
+                </a:gridCol>
+              </a:tblGrid>
+              <a:tr h="482584">
+                <a:tc>
+                  <a:txBody>
+                    <a:bodyPr/>
+                    <a:lstStyle/>
+                    <a:p>
+                      <a:pPr marL="0" marR="0" indent="0" algn="ctr" defTabSz="914400" rtl="0" eaLnBrk="1" fontAlgn="auto" latinLnBrk="1" hangingPunct="1">
+                        <a:lnSpc>
+                          <a:spcPct val="100000"/>
+                        </a:lnSpc>
+                        <a:spcBef>
+                          <a:spcPts val="0"/>
+                        </a:spcBef>
+                        <a:spcAft>
+                          <a:spcPts val="0"/>
+                        </a:spcAft>
+                        <a:buClrTx/>
+                        <a:buSzTx/>
+                        <a:buFontTx/>
+                        <a:buNone/>
+                        <a:tabLst/>
+                        <a:defRPr/>
+                      </a:pPr>
+                      <a:r>
+                        <a:rPr lang="en-US" altLang="ko-KR" dirty="0" err="1" smtClean="0"/>
+                        <a:t>SocketHandler</a:t>
+                      </a:r>
+                      <a:endParaRPr lang="ko-KR" altLang="en-US" dirty="0"/>
+                    </a:p>
+                  </a:txBody>
+                  <a:tcPr/>
+                </a:tc>
+                <a:extLst>
+                  <a:ext uri="{0D108BD9-81ED-4DB2-BD59-A6C34878D82A}">
+                    <a16:rowId xmlns:a16="http://schemas.microsoft.com/office/drawing/2014/main" val="577715411"/>
+                  </a:ext>
+                </a:extLst>
+              </a:tr>
+              <a:tr h="318081">
+                <a:tc>
+                  <a:txBody>
+                    <a:bodyPr/>
+                    <a:lstStyle/>
+                    <a:p>
+                      <a:pPr marL="171450" indent="-171450" latinLnBrk="1">
+                        <a:buFontTx/>
+                        <a:buChar char="-"/>
+                      </a:pPr>
+                      <a:r>
+                        <a:rPr lang="en-US" altLang="ko-KR" sz="1100" dirty="0" smtClean="0"/>
+                        <a:t>socket: </a:t>
+                      </a:r>
+                      <a:r>
+                        <a:rPr lang="en-US" altLang="ko-KR" sz="1100" dirty="0" smtClean="0"/>
+                        <a:t>Socket</a:t>
+                      </a:r>
+                      <a:endParaRPr lang="en-US" altLang="ko-KR" sz="1100" dirty="0" smtClean="0"/>
+                    </a:p>
+                  </a:txBody>
+                  <a:tcPr/>
+                </a:tc>
+                <a:extLst>
+                  <a:ext uri="{0D108BD9-81ED-4DB2-BD59-A6C34878D82A}">
+                    <a16:rowId xmlns:a16="http://schemas.microsoft.com/office/drawing/2014/main" val="3982541449"/>
+                  </a:ext>
+                </a:extLst>
+              </a:tr>
+              <a:tr h="814512">
+                <a:tc>
+                  <a:txBody>
+                    <a:bodyPr/>
+                    <a:lstStyle/>
+                    <a:p>
+                      <a:pPr latinLnBrk="1"/>
+                      <a:r>
+                        <a:rPr lang="en-US" altLang="ko-KR" sz="1100" baseline="0" dirty="0" smtClean="0"/>
+                        <a:t>+ </a:t>
+                      </a:r>
+                      <a:r>
+                        <a:rPr lang="en-US" altLang="ko-KR" sz="1100" baseline="0" dirty="0" err="1" smtClean="0"/>
+                        <a:t>startListen</a:t>
+                      </a:r>
+                      <a:r>
+                        <a:rPr lang="en-US" altLang="ko-KR" sz="1100" baseline="0" dirty="0" smtClean="0"/>
+                        <a:t>(Message =&gt; Unit): </a:t>
+                      </a:r>
+                      <a:r>
+                        <a:rPr lang="en-US" altLang="ko-KR" sz="1100" baseline="0" dirty="0" smtClean="0"/>
+                        <a:t>Unit</a:t>
+                      </a:r>
+                    </a:p>
+                    <a:p>
+                      <a:pPr marL="0" indent="0" latinLnBrk="1">
+                        <a:buFontTx/>
+                        <a:buNone/>
+                      </a:pPr>
+                      <a:r>
+                        <a:rPr lang="en-US" altLang="ko-KR" sz="1100" dirty="0" smtClean="0"/>
+                        <a:t>+ </a:t>
+                      </a:r>
+                      <a:r>
+                        <a:rPr lang="en-US" altLang="ko-KR" sz="1100" dirty="0" smtClean="0"/>
+                        <a:t>terminate(): Unit</a:t>
+                      </a:r>
+                    </a:p>
+                    <a:p>
+                      <a:pPr marL="0" indent="0" latinLnBrk="1">
+                        <a:buFontTx/>
+                        <a:buNone/>
+                      </a:pPr>
+                      <a:r>
+                        <a:rPr lang="en-US" altLang="ko-KR" sz="1100" dirty="0" smtClean="0"/>
+                        <a:t>+ </a:t>
+                      </a:r>
+                      <a:r>
+                        <a:rPr lang="en-US" altLang="ko-KR" sz="1100" dirty="0" err="1" smtClean="0"/>
+                        <a:t>sendMessage</a:t>
+                      </a:r>
+                      <a:r>
+                        <a:rPr lang="en-US" altLang="ko-KR" sz="1100" dirty="0" smtClean="0"/>
+                        <a:t>(Message): </a:t>
+                      </a:r>
+                      <a:r>
+                        <a:rPr lang="en-US" altLang="ko-KR" sz="1100" dirty="0" smtClean="0"/>
+                        <a:t>Unit</a:t>
+                      </a:r>
+                    </a:p>
+                  </a:txBody>
+                  <a:tcPr/>
+                </a:tc>
+                <a:extLst>
+                  <a:ext uri="{0D108BD9-81ED-4DB2-BD59-A6C34878D82A}">
+                    <a16:rowId xmlns:a16="http://schemas.microsoft.com/office/drawing/2014/main" val="72870468"/>
+                  </a:ext>
+                </a:extLst>
+              </a:tr>
+            </a:tbl>
+          </a:graphicData>
+        </a:graphic>
+      </p:graphicFrame>
+      <p:cxnSp>
+        <p:nvCxnSpPr>
+          <p:cNvPr id="7" name="꺾인 연결선 6"/>
+          <p:cNvCxnSpPr>
+            <a:endCxn id="5" idx="1"/>
+          </p:cNvCxnSpPr>
+          <p:nvPr/>
+        </p:nvCxnSpPr>
+        <p:spPr>
+          <a:xfrm flipV="1">
+            <a:off x="4927875" y="1853114"/>
+            <a:ext cx="2833466" cy="2602308"/>
+          </a:xfrm>
+          <a:prstGeom prst="bentConnector3">
+            <a:avLst/>
+          </a:prstGeom>
+          <a:ln>
+            <a:headEnd type="triangle"/>
+            <a:tailEnd type="triangle"/>
+          </a:ln>
+        </p:spPr>
+        <p:style>
+          <a:lnRef idx="1">
+            <a:schemeClr val="dk1"/>
+          </a:lnRef>
+          <a:fillRef idx="0">
+            <a:schemeClr val="dk1"/>
+          </a:fillRef>
+          <a:effectRef idx="0">
+            <a:schemeClr val="dk1"/>
+          </a:effectRef>
+          <a:fontRef idx="minor">
+            <a:schemeClr val="tx1"/>
+          </a:fontRef>
+        </p:style>
+      </p:cxnSp>
+      <p:graphicFrame>
+        <p:nvGraphicFramePr>
+          <p:cNvPr id="13" name="표 12"/>
+          <p:cNvGraphicFramePr>
+            <a:graphicFrameLocks noGrp="1"/>
+          </p:cNvGraphicFramePr>
+          <p:nvPr>
+            <p:extLst>
+              <p:ext uri="{D42A27DB-BD31-4B8C-83A1-F6EECF244321}">
+                <p14:modId xmlns:p14="http://schemas.microsoft.com/office/powerpoint/2010/main" val="1671817729"/>
+              </p:ext>
+            </p:extLst>
+          </p:nvPr>
+        </p:nvGraphicFramePr>
+        <p:xfrm>
+          <a:off x="1267647" y="1570425"/>
+          <a:ext cx="3660228" cy="1803317"/>
         </p:xfrm>
         <a:graphic>
           <a:graphicData uri="http://schemas.openxmlformats.org/drawingml/2006/table">
@@ -11844,8 +12091,15 @@
                     <a:p>
                       <a:pPr algn="ctr" latinLnBrk="1"/>
                       <a:r>
+                        <a:rPr lang="en-US" altLang="ko-KR" dirty="0" smtClean="0"/>
+                        <a:t>《abstract》</a:t>
+                      </a:r>
+                    </a:p>
+                    <a:p>
+                      <a:pPr algn="ctr" latinLnBrk="1"/>
+                      <a:r>
                         <a:rPr lang="en-US" altLang="ko-KR" dirty="0" err="1" smtClean="0"/>
-                        <a:t>SlaveHandler</a:t>
+                        <a:t>StateManager</a:t>
                       </a:r>
                       <a:endParaRPr lang="ko-KR" altLang="en-US" dirty="0"/>
                     </a:p>
@@ -11858,7 +12112,7 @@
                   </a:ext>
                 </a:extLst>
               </a:tr>
-              <a:tr h="630621">
+              <a:tr h="355595">
                 <a:tc>
                   <a:txBody>
                     <a:bodyPr/>
@@ -11869,25 +12123,21 @@
                         <a:buChar char="-"/>
                       </a:pPr>
                       <a:r>
+                        <a:rPr lang="en-US" altLang="ko-KR" sz="1100" dirty="0" err="1" smtClean="0"/>
+                        <a:t>messageQueue</a:t>
+                      </a:r>
+                      <a:r>
                         <a:rPr lang="en-US" altLang="ko-KR" sz="1100" dirty="0" smtClean="0"/>
-                        <a:t>socket: Socket</a:t>
-                      </a:r>
-                    </a:p>
-                    <a:p>
-                      <a:pPr marL="171450" indent="-171450" latinLnBrk="1">
-                        <a:buFontTx/>
-                        <a:buChar char="-"/>
-                      </a:pPr>
+                        <a:t>: Queue[(Message, </a:t>
+                      </a:r>
+                      <a:r>
+                        <a:rPr lang="en-US" altLang="ko-KR" sz="1100" dirty="0" err="1" smtClean="0"/>
+                        <a:t>SlaveHandler</a:t>
+                      </a:r>
                       <a:r>
                         <a:rPr lang="en-US" altLang="ko-KR" sz="1100" dirty="0" smtClean="0"/>
-                        <a:t>master: Master</a:t>
-                      </a:r>
-                    </a:p>
-                    <a:p>
-                      <a:pPr marL="171450" indent="-171450" latinLnBrk="1">
-                        <a:buFontTx/>
-                        <a:buChar char="-"/>
-                      </a:pPr>
+                        <a:t>)]</a:t>
+                      </a:r>
                       <a:endParaRPr lang="ko-KR" altLang="en-US" sz="1100" dirty="0"/>
                     </a:p>
                   </a:txBody>
@@ -11912,55 +12162,46 @@
                       </a:r>
                       <a:r>
                         <a:rPr lang="en-US" altLang="ko-KR" sz="1100" baseline="0" dirty="0" err="1" smtClean="0"/>
-                        <a:t>startListen</a:t>
+                        <a:t>addMessage</a:t>
                       </a:r>
                       <a:r>
                         <a:rPr lang="en-US" altLang="ko-KR" sz="1100" baseline="0" dirty="0" smtClean="0"/>
-                        <a:t>(): Unit</a:t>
+                        <a:t>(Message, </a:t>
+                      </a:r>
+                      <a:r>
+                        <a:rPr lang="en-US" altLang="ko-KR" sz="1100" baseline="0" dirty="0" err="1" smtClean="0"/>
+                        <a:t>SlaveHandler</a:t>
+                      </a:r>
+                      <a:r>
+                        <a:rPr lang="en-US" altLang="ko-KR" sz="1100" baseline="0" dirty="0" smtClean="0"/>
+                        <a:t>): </a:t>
+                      </a:r>
+                      <a:r>
+                        <a:rPr lang="en-US" altLang="ko-KR" sz="1100" baseline="0" dirty="0" smtClean="0"/>
+                        <a:t>Unit</a:t>
                       </a:r>
                     </a:p>
                     <a:p>
-                      <a:pPr marL="0" indent="0" latinLnBrk="1">
-                        <a:buFontTx/>
-                        <a:buNone/>
-                      </a:pPr>
-                      <a:r>
-                        <a:rPr lang="en-US" altLang="ko-KR" sz="1100" dirty="0" smtClean="0"/>
-                        <a:t>+ terminate(): Unit</a:t>
+                      <a:pPr latinLnBrk="1"/>
+                      <a:r>
+                        <a:rPr lang="en-US" altLang="ko-KR" sz="1100" baseline="0" dirty="0" smtClean="0"/>
+                        <a:t>+ start(): Unit</a:t>
                       </a:r>
                     </a:p>
                     <a:p>
-                      <a:pPr marL="0" indent="0" latinLnBrk="1">
-                        <a:buFontTx/>
-                        <a:buNone/>
-                      </a:pPr>
-                      <a:r>
-                        <a:rPr lang="en-US" altLang="ko-KR" sz="1100" dirty="0" smtClean="0"/>
-                        <a:t>+ </a:t>
-                      </a:r>
-                      <a:r>
-                        <a:rPr lang="en-US" altLang="ko-KR" sz="1100" dirty="0" err="1" smtClean="0"/>
-                        <a:t>sendMessage</a:t>
-                      </a:r>
-                      <a:r>
-                        <a:rPr lang="en-US" altLang="ko-KR" sz="1100" dirty="0" smtClean="0"/>
-                        <a:t>(Message): Unit</a:t>
-                      </a:r>
-                    </a:p>
-                    <a:p>
-                      <a:pPr marL="171450" indent="-171450" latinLnBrk="1">
-                        <a:buFontTx/>
-                        <a:buChar char="-"/>
-                      </a:pPr>
+                      <a:pPr latinLnBrk="1"/>
+                      <a:r>
+                        <a:rPr lang="en-US" altLang="ko-KR" sz="1100" baseline="0" dirty="0" smtClean="0"/>
+                        <a:t># </a:t>
+                      </a:r>
                       <a:r>
                         <a:rPr lang="en-US" altLang="ko-KR" sz="1100" baseline="0" dirty="0" err="1" smtClean="0"/>
-                        <a:t>redirectMessage</a:t>
+                        <a:t>handleMessage</a:t>
                       </a:r>
                       <a:r>
                         <a:rPr lang="en-US" altLang="ko-KR" sz="1100" baseline="0" dirty="0" smtClean="0"/>
                         <a:t>(Message): Unit</a:t>
                       </a:r>
-                      <a:endParaRPr lang="en-US" altLang="ko-KR" sz="1100" dirty="0" smtClean="0"/>
                     </a:p>
                   </a:txBody>
                   <a:tcPr/>
@@ -11977,68 +12218,34 @@
       </p:graphicFrame>
       <p:cxnSp>
         <p:nvCxnSpPr>
-          <p:cNvPr id="32" name="직선 화살표 연결선 31"/>
-          <p:cNvCxnSpPr/>
-          <p:nvPr/>
-        </p:nvCxnSpPr>
-        <p:spPr>
-          <a:xfrm flipV="1">
-            <a:off x="4948904" y="3395383"/>
-            <a:ext cx="2833466" cy="6724"/>
-          </a:xfrm>
-          <a:prstGeom prst="straightConnector1">
-            <a:avLst/>
-          </a:prstGeom>
-          <a:ln>
-            <a:headEnd type="triangle"/>
-            <a:tailEnd type="triangle"/>
-          </a:ln>
-        </p:spPr>
-        <p:style>
-          <a:lnRef idx="1">
-            <a:schemeClr val="accent1"/>
-          </a:lnRef>
-          <a:fillRef idx="0">
-            <a:schemeClr val="accent1"/>
-          </a:fillRef>
-          <a:effectRef idx="0">
-            <a:schemeClr val="accent1"/>
-          </a:effectRef>
-          <a:fontRef idx="minor">
-            <a:schemeClr val="tx1"/>
-          </a:fontRef>
-        </p:style>
-      </p:cxnSp>
-      <p:cxnSp>
-        <p:nvCxnSpPr>
-          <p:cNvPr id="33" name="직선 화살표 연결선 32"/>
+          <p:cNvPr id="12" name="직선 화살표 연결선 11"/>
           <p:cNvCxnSpPr>
-            <a:endCxn id="6" idx="1"/>
+            <a:endCxn id="13" idx="2"/>
           </p:cNvCxnSpPr>
           <p:nvPr/>
         </p:nvCxnSpPr>
         <p:spPr>
-          <a:xfrm>
-            <a:off x="4948904" y="5353043"/>
-            <a:ext cx="2833466" cy="0"/>
+          <a:xfrm flipV="1">
+            <a:off x="3090333" y="3373742"/>
+            <a:ext cx="7428" cy="481062"/>
           </a:xfrm>
           <a:prstGeom prst="straightConnector1">
             <a:avLst/>
           </a:prstGeom>
           <a:ln>
-            <a:headEnd type="triangle"/>
-            <a:tailEnd type="triangle"/>
+            <a:headEnd w="lg" len="lg"/>
+            <a:tailEnd type="triangle" w="lg" len="lg"/>
           </a:ln>
         </p:spPr>
         <p:style>
           <a:lnRef idx="1">
-            <a:schemeClr val="accent1"/>
+            <a:schemeClr val="dk1"/>
           </a:lnRef>
           <a:fillRef idx="0">
-            <a:schemeClr val="accent1"/>
+            <a:schemeClr val="dk1"/>
           </a:fillRef>
           <a:effectRef idx="0">
-            <a:schemeClr val="accent1"/>
+            <a:schemeClr val="dk1"/>
           </a:effectRef>
           <a:fontRef idx="minor">
             <a:schemeClr val="tx1"/>
@@ -12091,46 +12298,659 @@
           <a:lstStyle/>
           <a:p>
             <a:r>
+              <a:rPr lang="en-US" altLang="ko-KR" dirty="0" err="1" smtClean="0"/>
+              <a:t>Init</a:t>
+            </a:r>
+            <a:r>
               <a:rPr lang="en-US" altLang="ko-KR" dirty="0" smtClean="0"/>
-              <a:t>Master Sample</a:t>
+              <a:t> (Slave)</a:t>
             </a:r>
             <a:endParaRPr lang="ko-KR" altLang="en-US" dirty="0"/>
           </a:p>
         </p:txBody>
       </p:sp>
-      <p:sp>
-        <p:nvSpPr>
-          <p:cNvPr id="3" name="내용 개체 틀 2"/>
-          <p:cNvSpPr>
-            <a:spLocks noGrp="1"/>
-          </p:cNvSpPr>
+      <p:graphicFrame>
+        <p:nvGraphicFramePr>
+          <p:cNvPr id="4" name="표 3"/>
+          <p:cNvGraphicFramePr>
+            <a:graphicFrameLocks noGrp="1"/>
+          </p:cNvGraphicFramePr>
           <p:nvPr>
-            <p:ph idx="1"/>
+            <p:extLst>
+              <p:ext uri="{D42A27DB-BD31-4B8C-83A1-F6EECF244321}">
+                <p14:modId xmlns:p14="http://schemas.microsoft.com/office/powerpoint/2010/main" val="3598746724"/>
+              </p:ext>
+            </p:extLst>
           </p:nvPr>
-        </p:nvSpPr>
-        <p:spPr/>
-        <p:txBody>
-          <a:bodyPr/>
-          <a:lstStyle/>
-          <a:p>
-            <a:r>
-              <a:rPr lang="en-US" altLang="ko-KR" dirty="0" smtClean="0"/>
-              <a:t>Calculate pivot values</a:t>
-            </a:r>
-          </a:p>
-          <a:p>
-            <a:pPr lvl="1"/>
-            <a:r>
-              <a:rPr lang="en-US" altLang="ko-KR" dirty="0" smtClean="0"/>
-              <a:t>Choose values from 1/n, 2/n, …, (n-1)/n position </a:t>
-            </a:r>
-          </a:p>
-        </p:txBody>
-      </p:sp>
+        </p:nvGraphicFramePr>
+        <p:xfrm>
+          <a:off x="1335329" y="3799940"/>
+          <a:ext cx="3660228" cy="2215795"/>
+        </p:xfrm>
+        <a:graphic>
+          <a:graphicData uri="http://schemas.openxmlformats.org/drawingml/2006/table">
+            <a:tbl>
+              <a:tblPr firstRow="1" bandRow="1">
+                <a:tableStyleId>{5940675A-B579-460E-94D1-54222C63F5DA}</a:tableStyleId>
+              </a:tblPr>
+              <a:tblGrid>
+                <a:gridCol w="3660228">
+                  <a:extLst>
+                    <a:ext uri="{9D8B030D-6E8A-4147-A177-3AD203B41FA5}">
+                      <a16:colId xmlns:a16="http://schemas.microsoft.com/office/drawing/2014/main" val="2126203183"/>
+                    </a:ext>
+                  </a:extLst>
+                </a:gridCol>
+              </a:tblGrid>
+              <a:tr h="478513">
+                <a:tc>
+                  <a:txBody>
+                    <a:bodyPr/>
+                    <a:lstStyle/>
+                    <a:p>
+                      <a:pPr algn="ctr" latinLnBrk="1"/>
+                      <a:r>
+                        <a:rPr lang="en-US" altLang="ko-KR" dirty="0" err="1" smtClean="0"/>
+                        <a:t>SlaveStateManager</a:t>
+                      </a:r>
+                      <a:endParaRPr lang="ko-KR" altLang="en-US" dirty="0"/>
+                    </a:p>
+                  </a:txBody>
+                  <a:tcPr/>
+                </a:tc>
+                <a:extLst>
+                  <a:ext uri="{0D108BD9-81ED-4DB2-BD59-A6C34878D82A}">
+                    <a16:rowId xmlns:a16="http://schemas.microsoft.com/office/drawing/2014/main" val="577715411"/>
+                  </a:ext>
+                </a:extLst>
+              </a:tr>
+              <a:tr h="807642">
+                <a:tc>
+                  <a:txBody>
+                    <a:bodyPr/>
+                    <a:lstStyle/>
+                    <a:p>
+                      <a:pPr marL="171450" indent="-171450" latinLnBrk="1">
+                        <a:buFontTx/>
+                        <a:buChar char="-"/>
+                      </a:pPr>
+                      <a:r>
+                        <a:rPr lang="en-US" altLang="ko-KR" sz="1100" dirty="0" err="1" smtClean="0"/>
+                        <a:t>masterSocketHandler</a:t>
+                      </a:r>
+                      <a:r>
+                        <a:rPr lang="en-US" altLang="ko-KR" sz="1100" dirty="0" smtClean="0"/>
+                        <a:t>:</a:t>
+                      </a:r>
+                      <a:r>
+                        <a:rPr lang="en-US" altLang="ko-KR" sz="1100" baseline="0" dirty="0" smtClean="0"/>
+                        <a:t> </a:t>
+                      </a:r>
+                      <a:r>
+                        <a:rPr lang="en-US" altLang="ko-KR" sz="1100" baseline="0" dirty="0" err="1" smtClean="0"/>
+                        <a:t>Socket</a:t>
+                      </a:r>
+                      <a:r>
+                        <a:rPr lang="en-US" altLang="ko-KR" sz="1100" dirty="0" err="1" smtClean="0"/>
+                        <a:t>Handler</a:t>
+                      </a:r>
+                      <a:endParaRPr lang="en-US" altLang="ko-KR" sz="1100" dirty="0" smtClean="0"/>
+                    </a:p>
+                    <a:p>
+                      <a:pPr marL="171450" indent="-171450" latinLnBrk="1">
+                        <a:buFontTx/>
+                        <a:buChar char="-"/>
+                      </a:pPr>
+                      <a:r>
+                        <a:rPr lang="en-US" altLang="ko-KR" sz="1100" dirty="0" smtClean="0"/>
+                        <a:t>state: </a:t>
+                      </a:r>
+                      <a:r>
+                        <a:rPr lang="en-US" altLang="ko-KR" sz="1100" dirty="0" err="1" smtClean="0"/>
+                        <a:t>SlaveState</a:t>
+                      </a:r>
+                      <a:endParaRPr lang="en-US" altLang="ko-KR" sz="1100" dirty="0" smtClean="0"/>
+                    </a:p>
+                  </a:txBody>
+                  <a:tcPr/>
+                </a:tc>
+                <a:extLst>
+                  <a:ext uri="{0D108BD9-81ED-4DB2-BD59-A6C34878D82A}">
+                    <a16:rowId xmlns:a16="http://schemas.microsoft.com/office/drawing/2014/main" val="3982541449"/>
+                  </a:ext>
+                </a:extLst>
+              </a:tr>
+              <a:tr h="807642">
+                <a:tc>
+                  <a:txBody>
+                    <a:bodyPr/>
+                    <a:lstStyle/>
+                    <a:p>
+                      <a:pPr marL="171450" indent="-171450" latinLnBrk="1">
+                        <a:buFontTx/>
+                        <a:buChar char="-"/>
+                      </a:pPr>
+                      <a:r>
+                        <a:rPr lang="en-US" altLang="ko-KR" sz="1100" dirty="0" err="1" smtClean="0"/>
+                        <a:t>createMasterHandler</a:t>
+                      </a:r>
+                      <a:r>
+                        <a:rPr lang="en-US" altLang="ko-KR" sz="1100" dirty="0" smtClean="0"/>
+                        <a:t>(Socket</a:t>
+                      </a:r>
+                      <a:r>
+                        <a:rPr lang="en-US" altLang="ko-KR" sz="1100" dirty="0" smtClean="0"/>
+                        <a:t>): Unit</a:t>
+                      </a:r>
+                    </a:p>
+                    <a:p>
+                      <a:pPr marL="171450" indent="-171450" latinLnBrk="1">
+                        <a:buFontTx/>
+                        <a:buChar char="-"/>
+                      </a:pPr>
+                      <a:r>
+                        <a:rPr lang="en-US" altLang="ko-KR" sz="1100" dirty="0" err="1" smtClean="0"/>
+                        <a:t>addSlave</a:t>
+                      </a:r>
+                      <a:r>
+                        <a:rPr lang="en-US" altLang="ko-KR" sz="1100" dirty="0" smtClean="0"/>
+                        <a:t>(</a:t>
+                      </a:r>
+                      <a:r>
+                        <a:rPr lang="en-US" altLang="ko-KR" sz="1100" dirty="0" err="1" smtClean="0"/>
+                        <a:t>SlaveHandler</a:t>
+                      </a:r>
+                      <a:r>
+                        <a:rPr lang="en-US" altLang="ko-KR" sz="1100" dirty="0" smtClean="0"/>
+                        <a:t>): Unit</a:t>
+                      </a:r>
+                    </a:p>
+                    <a:p>
+                      <a:pPr marL="171450" indent="-171450" latinLnBrk="1">
+                        <a:buFontTx/>
+                        <a:buChar char="-"/>
+                      </a:pPr>
+                      <a:r>
+                        <a:rPr lang="en-US" altLang="ko-KR" sz="1100" dirty="0" err="1" smtClean="0"/>
+                        <a:t>closeSocketExceptSlaves</a:t>
+                      </a:r>
+                      <a:r>
+                        <a:rPr lang="en-US" altLang="ko-KR" sz="1100" dirty="0" smtClean="0"/>
+                        <a:t>(): </a:t>
+                      </a:r>
+                      <a:r>
+                        <a:rPr lang="en-US" altLang="ko-KR" sz="1100" dirty="0" smtClean="0"/>
+                        <a:t>Unit</a:t>
+                      </a:r>
+                    </a:p>
+                    <a:p>
+                      <a:pPr marL="171450" marR="0" indent="-171450" algn="l" defTabSz="914400" rtl="0" eaLnBrk="1" fontAlgn="auto" latinLnBrk="1" hangingPunct="1">
+                        <a:lnSpc>
+                          <a:spcPct val="100000"/>
+                        </a:lnSpc>
+                        <a:spcBef>
+                          <a:spcPts val="0"/>
+                        </a:spcBef>
+                        <a:spcAft>
+                          <a:spcPts val="0"/>
+                        </a:spcAft>
+                        <a:buClrTx/>
+                        <a:buSzTx/>
+                        <a:buFontTx/>
+                        <a:buChar char="-"/>
+                        <a:tabLst/>
+                        <a:defRPr/>
+                      </a:pPr>
+                      <a:r>
+                        <a:rPr lang="en-US" altLang="ko-KR" sz="1100" baseline="0" dirty="0" smtClean="0"/>
+                        <a:t># </a:t>
+                      </a:r>
+                      <a:r>
+                        <a:rPr lang="en-US" altLang="ko-KR" sz="1100" baseline="0" dirty="0" err="1" smtClean="0"/>
+                        <a:t>handleMessage</a:t>
+                      </a:r>
+                      <a:r>
+                        <a:rPr lang="en-US" altLang="ko-KR" sz="1100" baseline="0" dirty="0" smtClean="0"/>
+                        <a:t>(Message): Unit</a:t>
+                      </a:r>
+                    </a:p>
+                    <a:p>
+                      <a:pPr marL="171450" indent="-171450" latinLnBrk="1">
+                        <a:buFontTx/>
+                        <a:buChar char="-"/>
+                      </a:pPr>
+                      <a:endParaRPr lang="en-US" altLang="ko-KR" sz="1100" dirty="0" smtClean="0"/>
+                    </a:p>
+                  </a:txBody>
+                  <a:tcPr/>
+                </a:tc>
+                <a:extLst>
+                  <a:ext uri="{0D108BD9-81ED-4DB2-BD59-A6C34878D82A}">
+                    <a16:rowId xmlns:a16="http://schemas.microsoft.com/office/drawing/2014/main" val="72870468"/>
+                  </a:ext>
+                </a:extLst>
+              </a:tr>
+            </a:tbl>
+          </a:graphicData>
+        </a:graphic>
+      </p:graphicFrame>
+      <p:cxnSp>
+        <p:nvCxnSpPr>
+          <p:cNvPr id="33" name="직선 화살표 연결선 32"/>
+          <p:cNvCxnSpPr>
+            <a:stCxn id="4" idx="3"/>
+            <a:endCxn id="7" idx="1"/>
+          </p:cNvCxnSpPr>
+          <p:nvPr/>
+        </p:nvCxnSpPr>
+        <p:spPr>
+          <a:xfrm flipV="1">
+            <a:off x="4995557" y="4907836"/>
+            <a:ext cx="2894147" cy="1"/>
+          </a:xfrm>
+          <a:prstGeom prst="straightConnector1">
+            <a:avLst/>
+          </a:prstGeom>
+          <a:ln>
+            <a:headEnd type="triangle"/>
+            <a:tailEnd type="triangle"/>
+          </a:ln>
+        </p:spPr>
+        <p:style>
+          <a:lnRef idx="1">
+            <a:schemeClr val="dk1"/>
+          </a:lnRef>
+          <a:fillRef idx="0">
+            <a:schemeClr val="dk1"/>
+          </a:fillRef>
+          <a:effectRef idx="0">
+            <a:schemeClr val="dk1"/>
+          </a:effectRef>
+          <a:fontRef idx="minor">
+            <a:schemeClr val="tx1"/>
+          </a:fontRef>
+        </p:style>
+      </p:cxnSp>
+      <p:graphicFrame>
+        <p:nvGraphicFramePr>
+          <p:cNvPr id="7" name="표 6"/>
+          <p:cNvGraphicFramePr>
+            <a:graphicFrameLocks noGrp="1"/>
+          </p:cNvGraphicFramePr>
+          <p:nvPr>
+            <p:extLst>
+              <p:ext uri="{D42A27DB-BD31-4B8C-83A1-F6EECF244321}">
+                <p14:modId xmlns:p14="http://schemas.microsoft.com/office/powerpoint/2010/main" val="2642244707"/>
+              </p:ext>
+            </p:extLst>
+          </p:nvPr>
+        </p:nvGraphicFramePr>
+        <p:xfrm>
+          <a:off x="7889704" y="4100248"/>
+          <a:ext cx="3660228" cy="1615177"/>
+        </p:xfrm>
+        <a:graphic>
+          <a:graphicData uri="http://schemas.openxmlformats.org/drawingml/2006/table">
+            <a:tbl>
+              <a:tblPr firstRow="1" bandRow="1">
+                <a:tableStyleId>{5940675A-B579-460E-94D1-54222C63F5DA}</a:tableStyleId>
+              </a:tblPr>
+              <a:tblGrid>
+                <a:gridCol w="3660228">
+                  <a:extLst>
+                    <a:ext uri="{9D8B030D-6E8A-4147-A177-3AD203B41FA5}">
+                      <a16:colId xmlns:a16="http://schemas.microsoft.com/office/drawing/2014/main" val="2126203183"/>
+                    </a:ext>
+                  </a:extLst>
+                </a:gridCol>
+              </a:tblGrid>
+              <a:tr h="482584">
+                <a:tc>
+                  <a:txBody>
+                    <a:bodyPr/>
+                    <a:lstStyle/>
+                    <a:p>
+                      <a:pPr marL="0" marR="0" indent="0" algn="ctr" defTabSz="914400" rtl="0" eaLnBrk="1" fontAlgn="auto" latinLnBrk="1" hangingPunct="1">
+                        <a:lnSpc>
+                          <a:spcPct val="100000"/>
+                        </a:lnSpc>
+                        <a:spcBef>
+                          <a:spcPts val="0"/>
+                        </a:spcBef>
+                        <a:spcAft>
+                          <a:spcPts val="0"/>
+                        </a:spcAft>
+                        <a:buClrTx/>
+                        <a:buSzTx/>
+                        <a:buFontTx/>
+                        <a:buNone/>
+                        <a:tabLst/>
+                        <a:defRPr/>
+                      </a:pPr>
+                      <a:r>
+                        <a:rPr lang="en-US" altLang="ko-KR" dirty="0" err="1" smtClean="0"/>
+                        <a:t>SocketHandler</a:t>
+                      </a:r>
+                      <a:endParaRPr lang="ko-KR" altLang="en-US" dirty="0"/>
+                    </a:p>
+                  </a:txBody>
+                  <a:tcPr/>
+                </a:tc>
+                <a:extLst>
+                  <a:ext uri="{0D108BD9-81ED-4DB2-BD59-A6C34878D82A}">
+                    <a16:rowId xmlns:a16="http://schemas.microsoft.com/office/drawing/2014/main" val="577715411"/>
+                  </a:ext>
+                </a:extLst>
+              </a:tr>
+              <a:tr h="318081">
+                <a:tc>
+                  <a:txBody>
+                    <a:bodyPr/>
+                    <a:lstStyle/>
+                    <a:p>
+                      <a:pPr marL="171450" indent="-171450" latinLnBrk="1">
+                        <a:buFontTx/>
+                        <a:buChar char="-"/>
+                      </a:pPr>
+                      <a:r>
+                        <a:rPr lang="en-US" altLang="ko-KR" sz="1100" dirty="0" smtClean="0"/>
+                        <a:t>socket: </a:t>
+                      </a:r>
+                      <a:r>
+                        <a:rPr lang="en-US" altLang="ko-KR" sz="1100" dirty="0" smtClean="0"/>
+                        <a:t>Socket</a:t>
+                      </a:r>
+                      <a:endParaRPr lang="en-US" altLang="ko-KR" sz="1100" dirty="0" smtClean="0"/>
+                    </a:p>
+                  </a:txBody>
+                  <a:tcPr/>
+                </a:tc>
+                <a:extLst>
+                  <a:ext uri="{0D108BD9-81ED-4DB2-BD59-A6C34878D82A}">
+                    <a16:rowId xmlns:a16="http://schemas.microsoft.com/office/drawing/2014/main" val="3982541449"/>
+                  </a:ext>
+                </a:extLst>
+              </a:tr>
+              <a:tr h="814512">
+                <a:tc>
+                  <a:txBody>
+                    <a:bodyPr/>
+                    <a:lstStyle/>
+                    <a:p>
+                      <a:pPr latinLnBrk="1"/>
+                      <a:r>
+                        <a:rPr lang="en-US" altLang="ko-KR" sz="1100" baseline="0" dirty="0" smtClean="0"/>
+                        <a:t>+ </a:t>
+                      </a:r>
+                      <a:r>
+                        <a:rPr lang="en-US" altLang="ko-KR" sz="1100" baseline="0" dirty="0" err="1" smtClean="0"/>
+                        <a:t>startListen</a:t>
+                      </a:r>
+                      <a:r>
+                        <a:rPr lang="en-US" altLang="ko-KR" sz="1100" baseline="0" dirty="0" smtClean="0"/>
+                        <a:t>(Message =&gt; Unit): </a:t>
+                      </a:r>
+                      <a:r>
+                        <a:rPr lang="en-US" altLang="ko-KR" sz="1100" baseline="0" dirty="0" smtClean="0"/>
+                        <a:t>Unit</a:t>
+                      </a:r>
+                    </a:p>
+                    <a:p>
+                      <a:pPr marL="0" indent="0" latinLnBrk="1">
+                        <a:buFontTx/>
+                        <a:buNone/>
+                      </a:pPr>
+                      <a:r>
+                        <a:rPr lang="en-US" altLang="ko-KR" sz="1100" dirty="0" smtClean="0"/>
+                        <a:t>+ </a:t>
+                      </a:r>
+                      <a:r>
+                        <a:rPr lang="en-US" altLang="ko-KR" sz="1100" dirty="0" smtClean="0"/>
+                        <a:t>terminate(): Unit</a:t>
+                      </a:r>
+                    </a:p>
+                    <a:p>
+                      <a:pPr marL="0" indent="0" latinLnBrk="1">
+                        <a:buFontTx/>
+                        <a:buNone/>
+                      </a:pPr>
+                      <a:r>
+                        <a:rPr lang="en-US" altLang="ko-KR" sz="1100" dirty="0" smtClean="0"/>
+                        <a:t>+ </a:t>
+                      </a:r>
+                      <a:r>
+                        <a:rPr lang="en-US" altLang="ko-KR" sz="1100" dirty="0" err="1" smtClean="0"/>
+                        <a:t>sendMessage</a:t>
+                      </a:r>
+                      <a:r>
+                        <a:rPr lang="en-US" altLang="ko-KR" sz="1100" dirty="0" smtClean="0"/>
+                        <a:t>(Message): </a:t>
+                      </a:r>
+                      <a:r>
+                        <a:rPr lang="en-US" altLang="ko-KR" sz="1100" dirty="0" smtClean="0"/>
+                        <a:t>Unit</a:t>
+                      </a:r>
+                    </a:p>
+                  </a:txBody>
+                  <a:tcPr/>
+                </a:tc>
+                <a:extLst>
+                  <a:ext uri="{0D108BD9-81ED-4DB2-BD59-A6C34878D82A}">
+                    <a16:rowId xmlns:a16="http://schemas.microsoft.com/office/drawing/2014/main" val="72870468"/>
+                  </a:ext>
+                </a:extLst>
+              </a:tr>
+            </a:tbl>
+          </a:graphicData>
+        </a:graphic>
+      </p:graphicFrame>
+      <p:graphicFrame>
+        <p:nvGraphicFramePr>
+          <p:cNvPr id="8" name="표 7"/>
+          <p:cNvGraphicFramePr>
+            <a:graphicFrameLocks noGrp="1"/>
+          </p:cNvGraphicFramePr>
+          <p:nvPr>
+            <p:extLst>
+              <p:ext uri="{D42A27DB-BD31-4B8C-83A1-F6EECF244321}">
+                <p14:modId xmlns:p14="http://schemas.microsoft.com/office/powerpoint/2010/main" val="749959091"/>
+              </p:ext>
+            </p:extLst>
+          </p:nvPr>
+        </p:nvGraphicFramePr>
+        <p:xfrm>
+          <a:off x="1335329" y="1618414"/>
+          <a:ext cx="3660228" cy="1803317"/>
+        </p:xfrm>
+        <a:graphic>
+          <a:graphicData uri="http://schemas.openxmlformats.org/drawingml/2006/table">
+            <a:tbl>
+              <a:tblPr firstRow="1" bandRow="1">
+                <a:tableStyleId>{5940675A-B579-460E-94D1-54222C63F5DA}</a:tableStyleId>
+              </a:tblPr>
+              <a:tblGrid>
+                <a:gridCol w="3660228">
+                  <a:extLst>
+                    <a:ext uri="{9D8B030D-6E8A-4147-A177-3AD203B41FA5}">
+                      <a16:colId xmlns:a16="http://schemas.microsoft.com/office/drawing/2014/main" val="2126203183"/>
+                    </a:ext>
+                  </a:extLst>
+                </a:gridCol>
+              </a:tblGrid>
+              <a:tr h="478513">
+                <a:tc>
+                  <a:txBody>
+                    <a:bodyPr/>
+                    <a:lstStyle/>
+                    <a:p>
+                      <a:pPr algn="ctr" latinLnBrk="1"/>
+                      <a:r>
+                        <a:rPr lang="en-US" altLang="ko-KR" dirty="0" smtClean="0"/>
+                        <a:t>《abstract》</a:t>
+                      </a:r>
+                    </a:p>
+                    <a:p>
+                      <a:pPr algn="ctr" latinLnBrk="1"/>
+                      <a:r>
+                        <a:rPr lang="en-US" altLang="ko-KR" dirty="0" err="1" smtClean="0"/>
+                        <a:t>StateManager</a:t>
+                      </a:r>
+                      <a:endParaRPr lang="ko-KR" altLang="en-US" dirty="0"/>
+                    </a:p>
+                  </a:txBody>
+                  <a:tcPr/>
+                </a:tc>
+                <a:extLst>
+                  <a:ext uri="{0D108BD9-81ED-4DB2-BD59-A6C34878D82A}">
+                    <a16:rowId xmlns:a16="http://schemas.microsoft.com/office/drawing/2014/main" val="577715411"/>
+                  </a:ext>
+                </a:extLst>
+              </a:tr>
+              <a:tr h="355595">
+                <a:tc>
+                  <a:txBody>
+                    <a:bodyPr/>
+                    <a:lstStyle/>
+                    <a:p>
+                      <a:pPr marL="171450" indent="-171450" latinLnBrk="1">
+                        <a:buFontTx/>
+                        <a:buChar char="-"/>
+                      </a:pPr>
+                      <a:r>
+                        <a:rPr lang="en-US" altLang="ko-KR" sz="1100" dirty="0" err="1" smtClean="0"/>
+                        <a:t>messageQueue</a:t>
+                      </a:r>
+                      <a:r>
+                        <a:rPr lang="en-US" altLang="ko-KR" sz="1100" dirty="0" smtClean="0"/>
+                        <a:t>: Queue[(Message, </a:t>
+                      </a:r>
+                      <a:r>
+                        <a:rPr lang="en-US" altLang="ko-KR" sz="1100" dirty="0" err="1" smtClean="0"/>
+                        <a:t>SlaveHandler</a:t>
+                      </a:r>
+                      <a:r>
+                        <a:rPr lang="en-US" altLang="ko-KR" sz="1100" dirty="0" smtClean="0"/>
+                        <a:t>)]</a:t>
+                      </a:r>
+                      <a:endParaRPr lang="ko-KR" altLang="en-US" sz="1100" dirty="0"/>
+                    </a:p>
+                  </a:txBody>
+                  <a:tcPr/>
+                </a:tc>
+                <a:extLst>
+                  <a:ext uri="{0D108BD9-81ED-4DB2-BD59-A6C34878D82A}">
+                    <a16:rowId xmlns:a16="http://schemas.microsoft.com/office/drawing/2014/main" val="3982541449"/>
+                  </a:ext>
+                </a:extLst>
+              </a:tr>
+              <a:tr h="807642">
+                <a:tc>
+                  <a:txBody>
+                    <a:bodyPr/>
+                    <a:lstStyle/>
+                    <a:p>
+                      <a:pPr latinLnBrk="1"/>
+                      <a:r>
+                        <a:rPr lang="en-US" altLang="ko-KR" sz="1100" baseline="0" dirty="0" smtClean="0"/>
+                        <a:t>+ </a:t>
+                      </a:r>
+                      <a:r>
+                        <a:rPr lang="en-US" altLang="ko-KR" sz="1100" baseline="0" dirty="0" err="1" smtClean="0"/>
+                        <a:t>addMessage</a:t>
+                      </a:r>
+                      <a:r>
+                        <a:rPr lang="en-US" altLang="ko-KR" sz="1100" baseline="0" dirty="0" smtClean="0"/>
+                        <a:t>(Message, </a:t>
+                      </a:r>
+                      <a:r>
+                        <a:rPr lang="en-US" altLang="ko-KR" sz="1100" baseline="0" dirty="0" err="1" smtClean="0"/>
+                        <a:t>SlaveHandler</a:t>
+                      </a:r>
+                      <a:r>
+                        <a:rPr lang="en-US" altLang="ko-KR" sz="1100" baseline="0" dirty="0" smtClean="0"/>
+                        <a:t>): </a:t>
+                      </a:r>
+                      <a:r>
+                        <a:rPr lang="en-US" altLang="ko-KR" sz="1100" baseline="0" dirty="0" smtClean="0"/>
+                        <a:t>Unit</a:t>
+                      </a:r>
+                    </a:p>
+                    <a:p>
+                      <a:pPr latinLnBrk="1"/>
+                      <a:r>
+                        <a:rPr lang="en-US" altLang="ko-KR" sz="1100" baseline="0" dirty="0" smtClean="0"/>
+                        <a:t>+ start(): Unit</a:t>
+                      </a:r>
+                    </a:p>
+                    <a:p>
+                      <a:pPr latinLnBrk="1"/>
+                      <a:r>
+                        <a:rPr lang="en-US" altLang="ko-KR" sz="1100" baseline="0" dirty="0" smtClean="0"/>
+                        <a:t># </a:t>
+                      </a:r>
+                      <a:r>
+                        <a:rPr lang="en-US" altLang="ko-KR" sz="1100" baseline="0" dirty="0" err="1" smtClean="0"/>
+                        <a:t>handleMessage</a:t>
+                      </a:r>
+                      <a:r>
+                        <a:rPr lang="en-US" altLang="ko-KR" sz="1100" baseline="0" dirty="0" smtClean="0"/>
+                        <a:t>(Message): Unit</a:t>
+                      </a:r>
+                    </a:p>
+                  </a:txBody>
+                  <a:tcPr/>
+                </a:tc>
+                <a:extLst>
+                  <a:ext uri="{0D108BD9-81ED-4DB2-BD59-A6C34878D82A}">
+                    <a16:rowId xmlns:a16="http://schemas.microsoft.com/office/drawing/2014/main" val="72870468"/>
+                  </a:ext>
+                </a:extLst>
+              </a:tr>
+            </a:tbl>
+          </a:graphicData>
+        </a:graphic>
+      </p:graphicFrame>
+      <p:cxnSp>
+        <p:nvCxnSpPr>
+          <p:cNvPr id="9" name="직선 화살표 연결선 8"/>
+          <p:cNvCxnSpPr>
+            <a:stCxn id="4" idx="0"/>
+            <a:endCxn id="8" idx="2"/>
+          </p:cNvCxnSpPr>
+          <p:nvPr/>
+        </p:nvCxnSpPr>
+        <p:spPr>
+          <a:xfrm flipV="1">
+            <a:off x="3165443" y="3421731"/>
+            <a:ext cx="0" cy="378209"/>
+          </a:xfrm>
+          <a:prstGeom prst="straightConnector1">
+            <a:avLst/>
+          </a:prstGeom>
+          <a:ln>
+            <a:headEnd w="lg" len="lg"/>
+            <a:tailEnd type="triangle" w="lg" len="lg"/>
+          </a:ln>
+        </p:spPr>
+        <p:style>
+          <a:lnRef idx="1">
+            <a:schemeClr val="dk1"/>
+          </a:lnRef>
+          <a:fillRef idx="0">
+            <a:schemeClr val="dk1"/>
+          </a:fillRef>
+          <a:effectRef idx="0">
+            <a:schemeClr val="dk1"/>
+          </a:effectRef>
+          <a:fontRef idx="minor">
+            <a:schemeClr val="tx1"/>
+          </a:fontRef>
+        </p:style>
+      </p:cxnSp>
     </p:spTree>
     <p:extLst>
       <p:ext uri="{BB962C8B-B14F-4D97-AF65-F5344CB8AC3E}">
-        <p14:creationId xmlns:p14="http://schemas.microsoft.com/office/powerpoint/2010/main" val="1534592386"/>
+        <p14:creationId xmlns:p14="http://schemas.microsoft.com/office/powerpoint/2010/main" val="223963608"/>
       </p:ext>
     </p:extLst>
   </p:cSld>
@@ -12174,6 +12994,88 @@
           <a:p>
             <a:r>
               <a:rPr lang="en-US" altLang="ko-KR" dirty="0" smtClean="0"/>
+              <a:t>Master Sample</a:t>
+            </a:r>
+            <a:endParaRPr lang="ko-KR" altLang="en-US" dirty="0"/>
+          </a:p>
+        </p:txBody>
+      </p:sp>
+      <p:sp>
+        <p:nvSpPr>
+          <p:cNvPr id="3" name="내용 개체 틀 2"/>
+          <p:cNvSpPr>
+            <a:spLocks noGrp="1"/>
+          </p:cNvSpPr>
+          <p:nvPr>
+            <p:ph idx="1"/>
+          </p:nvPr>
+        </p:nvSpPr>
+        <p:spPr/>
+        <p:txBody>
+          <a:bodyPr/>
+          <a:lstStyle/>
+          <a:p>
+            <a:r>
+              <a:rPr lang="en-US" altLang="ko-KR" dirty="0" smtClean="0"/>
+              <a:t>Calculate pivot values</a:t>
+            </a:r>
+          </a:p>
+          <a:p>
+            <a:pPr lvl="1"/>
+            <a:r>
+              <a:rPr lang="en-US" altLang="ko-KR" dirty="0" smtClean="0"/>
+              <a:t>Choose values from 1/n, 2/n, …, (n-1)/n position </a:t>
+            </a:r>
+          </a:p>
+        </p:txBody>
+      </p:sp>
+    </p:spTree>
+    <p:extLst>
+      <p:ext uri="{BB962C8B-B14F-4D97-AF65-F5344CB8AC3E}">
+        <p14:creationId xmlns:p14="http://schemas.microsoft.com/office/powerpoint/2010/main" val="1534592386"/>
+      </p:ext>
+    </p:extLst>
+  </p:cSld>
+  <p:clrMapOvr>
+    <a:masterClrMapping/>
+  </p:clrMapOvr>
+</p:sld>
+</file>
+
+<file path=ppt/slides/slide24.xml><?xml version="1.0" encoding="utf-8"?>
+<p:sld xmlns:a="http://schemas.openxmlformats.org/drawingml/2006/main" xmlns:r="http://schemas.openxmlformats.org/officeDocument/2006/relationships" xmlns:p="http://schemas.openxmlformats.org/presentationml/2006/main">
+  <p:cSld>
+    <p:spTree>
+      <p:nvGrpSpPr>
+        <p:cNvPr id="1" name=""/>
+        <p:cNvGrpSpPr/>
+        <p:nvPr/>
+      </p:nvGrpSpPr>
+      <p:grpSpPr>
+        <a:xfrm>
+          <a:off x="0" y="0"/>
+          <a:ext cx="0" cy="0"/>
+          <a:chOff x="0" y="0"/>
+          <a:chExt cx="0" cy="0"/>
+        </a:xfrm>
+      </p:grpSpPr>
+      <p:sp>
+        <p:nvSpPr>
+          <p:cNvPr id="2" name="제목 1"/>
+          <p:cNvSpPr>
+            <a:spLocks noGrp="1"/>
+          </p:cNvSpPr>
+          <p:nvPr>
+            <p:ph type="title"/>
+          </p:nvPr>
+        </p:nvSpPr>
+        <p:spPr/>
+        <p:txBody>
+          <a:bodyPr/>
+          <a:lstStyle/>
+          <a:p>
+            <a:r>
+              <a:rPr lang="en-US" altLang="ko-KR" dirty="0" smtClean="0"/>
               <a:t>Client Sample</a:t>
             </a:r>
             <a:endParaRPr lang="ko-KR" altLang="en-US" dirty="0"/>
@@ -12283,7 +13185,7 @@
 </p:sld>
 </file>
 
-<file path=ppt/slides/slide24.xml><?xml version="1.0" encoding="utf-8"?>
+<file path=ppt/slides/slide25.xml><?xml version="1.0" encoding="utf-8"?>
 <p:sld xmlns:a="http://schemas.openxmlformats.org/drawingml/2006/main" xmlns:r="http://schemas.openxmlformats.org/officeDocument/2006/relationships" xmlns:p="http://schemas.openxmlformats.org/presentationml/2006/main">
   <p:cSld>
     <p:spTree>
@@ -12816,72 +13718,6 @@
 </p:sld>
 </file>
 
-<file path=ppt/slides/slide25.xml><?xml version="1.0" encoding="utf-8"?>
-<p:sld xmlns:a="http://schemas.openxmlformats.org/drawingml/2006/main" xmlns:r="http://schemas.openxmlformats.org/officeDocument/2006/relationships" xmlns:p="http://schemas.openxmlformats.org/presentationml/2006/main">
-  <p:cSld>
-    <p:spTree>
-      <p:nvGrpSpPr>
-        <p:cNvPr id="1" name=""/>
-        <p:cNvGrpSpPr/>
-        <p:nvPr/>
-      </p:nvGrpSpPr>
-      <p:grpSpPr>
-        <a:xfrm>
-          <a:off x="0" y="0"/>
-          <a:ext cx="0" cy="0"/>
-          <a:chOff x="0" y="0"/>
-          <a:chExt cx="0" cy="0"/>
-        </a:xfrm>
-      </p:grpSpPr>
-      <p:sp>
-        <p:nvSpPr>
-          <p:cNvPr id="2" name="제목 1"/>
-          <p:cNvSpPr>
-            <a:spLocks noGrp="1"/>
-          </p:cNvSpPr>
-          <p:nvPr>
-            <p:ph type="title"/>
-          </p:nvPr>
-        </p:nvSpPr>
-        <p:spPr>
-          <a:xfrm>
-            <a:off x="197117" y="2763371"/>
-            <a:ext cx="11876248" cy="1325563"/>
-          </a:xfrm>
-        </p:spPr>
-        <p:txBody>
-          <a:bodyPr/>
-          <a:lstStyle/>
-          <a:p>
-            <a:pPr algn="ctr"/>
-            <a:r>
-              <a:rPr lang="en-US" altLang="ko-KR" dirty="0" smtClean="0"/>
-              <a:t>Classes</a:t>
-            </a:r>
-            <a:endParaRPr lang="ko-KR" altLang="en-US" dirty="0"/>
-          </a:p>
-        </p:txBody>
-      </p:sp>
-    </p:spTree>
-    <p:extLst>
-      <p:ext uri="{BB962C8B-B14F-4D97-AF65-F5344CB8AC3E}">
-        <p14:creationId xmlns:p14="http://schemas.microsoft.com/office/powerpoint/2010/main" val="2521189219"/>
-      </p:ext>
-    </p:extLst>
-  </p:cSld>
-  <p:clrMapOvr>
-    <a:masterClrMapping/>
-  </p:clrMapOvr>
-  <p:timing>
-    <p:tnLst>
-      <p:par>
-        <p:cTn id="1" dur="indefinite" restart="never" nodeType="tmRoot"/>
-      </p:par>
-    </p:tnLst>
-  </p:timing>
-</p:sld>
-</file>
-
 <file path=ppt/slides/slide26.xml><?xml version="1.0" encoding="utf-8"?>
 <p:sld xmlns:a="http://schemas.openxmlformats.org/drawingml/2006/main" xmlns:r="http://schemas.openxmlformats.org/officeDocument/2006/relationships" xmlns:p="http://schemas.openxmlformats.org/presentationml/2006/main">
   <p:cSld>
@@ -12909,127 +13745,21 @@
             <p:ph type="title"/>
           </p:nvPr>
         </p:nvSpPr>
-        <p:spPr/>
+        <p:spPr>
+          <a:xfrm>
+            <a:off x="197117" y="2763371"/>
+            <a:ext cx="11876248" cy="1325563"/>
+          </a:xfrm>
+        </p:spPr>
         <p:txBody>
           <a:bodyPr/>
           <a:lstStyle/>
           <a:p>
+            <a:pPr algn="ctr"/>
             <a:r>
               <a:rPr lang="en-US" altLang="ko-KR" dirty="0" smtClean="0"/>
-              <a:t>Messages</a:t>
-            </a:r>
-            <a:endParaRPr lang="ko-KR" altLang="en-US" dirty="0"/>
-          </a:p>
-        </p:txBody>
-      </p:sp>
-      <p:sp>
-        <p:nvSpPr>
-          <p:cNvPr id="3" name="내용 개체 틀 2"/>
-          <p:cNvSpPr>
-            <a:spLocks noGrp="1"/>
-          </p:cNvSpPr>
-          <p:nvPr>
-            <p:ph idx="1"/>
-          </p:nvPr>
-        </p:nvSpPr>
-        <p:spPr>
-          <a:xfrm>
-            <a:off x="838200" y="1978024"/>
-            <a:ext cx="8957441" cy="4755865"/>
-          </a:xfrm>
-        </p:spPr>
-        <p:txBody>
-          <a:bodyPr/>
-          <a:lstStyle/>
-          <a:p>
-            <a:r>
-              <a:rPr lang="en-US" altLang="ko-KR" sz="2000" dirty="0" smtClean="0"/>
-              <a:t>abstract class Message</a:t>
-            </a:r>
-          </a:p>
-          <a:p>
-            <a:pPr lvl="1">
-              <a:buFontTx/>
-              <a:buChar char="-"/>
-            </a:pPr>
-            <a:endParaRPr lang="en-US" altLang="ko-KR" sz="1600" dirty="0" smtClean="0"/>
-          </a:p>
-          <a:p>
-            <a:pPr marL="342900" indent="-342900"/>
-            <a:r>
-              <a:rPr lang="en-US" altLang="ko-KR" sz="2000" dirty="0"/>
-              <a:t>class Slave</a:t>
-            </a:r>
-          </a:p>
-          <a:p>
-            <a:pPr marL="742950" lvl="1" indent="-285750">
-              <a:buFontTx/>
-              <a:buChar char="-"/>
-            </a:pPr>
-            <a:r>
-              <a:rPr lang="en-US" altLang="ko-KR" sz="1600" dirty="0" err="1"/>
-              <a:t>ip</a:t>
-            </a:r>
-            <a:r>
-              <a:rPr lang="en-US" altLang="ko-KR" sz="1600" dirty="0"/>
-              <a:t>: String</a:t>
-            </a:r>
-          </a:p>
-          <a:p>
-            <a:pPr marL="742950" lvl="1" indent="-285750">
-              <a:buFontTx/>
-              <a:buChar char="-"/>
-            </a:pPr>
-            <a:r>
-              <a:rPr lang="en-US" altLang="ko-KR" sz="1600" dirty="0"/>
-              <a:t>port: </a:t>
-            </a:r>
-            <a:r>
-              <a:rPr lang="en-US" altLang="ko-KR" sz="1600" dirty="0" err="1"/>
-              <a:t>Int</a:t>
-            </a:r>
-            <a:endParaRPr lang="en-US" altLang="ko-KR" sz="1600" dirty="0"/>
-          </a:p>
-          <a:p>
-            <a:pPr marL="742950" lvl="1" indent="-285750">
-              <a:buFontTx/>
-              <a:buChar char="-"/>
-            </a:pPr>
-            <a:r>
-              <a:rPr lang="en-US" altLang="ko-KR" sz="1600" dirty="0" err="1"/>
-              <a:t>dataSize</a:t>
-            </a:r>
-            <a:r>
-              <a:rPr lang="en-US" altLang="ko-KR" sz="1600" dirty="0"/>
-              <a:t>: </a:t>
-            </a:r>
-            <a:r>
-              <a:rPr lang="en-US" altLang="ko-KR" sz="1600" dirty="0" err="1"/>
-              <a:t>Int</a:t>
-            </a:r>
-            <a:endParaRPr lang="en-US" altLang="ko-KR" sz="1600" dirty="0"/>
-          </a:p>
-          <a:p>
-            <a:pPr marL="742950" lvl="1" indent="-285750">
-              <a:buFontTx/>
-              <a:buChar char="-"/>
-            </a:pPr>
-            <a:r>
-              <a:rPr lang="en-US" altLang="ko-KR" sz="1600" dirty="0" err="1"/>
-              <a:t>toByteArray</a:t>
-            </a:r>
-            <a:r>
-              <a:rPr lang="en-US" altLang="ko-KR" sz="1600" dirty="0"/>
-              <a:t>(): Array[byte]</a:t>
-            </a:r>
-          </a:p>
-          <a:p>
-            <a:pPr marL="457200" lvl="1" indent="0">
-              <a:buNone/>
-            </a:pPr>
-            <a:endParaRPr lang="en-US" altLang="ko-KR" dirty="0" smtClean="0"/>
-          </a:p>
-          <a:p>
+              <a:t>Classes</a:t>
+            </a:r>
             <a:endParaRPr lang="ko-KR" altLang="en-US" dirty="0"/>
           </a:p>
         </p:txBody>
@@ -13037,7 +13767,7 @@
     </p:spTree>
     <p:extLst>
       <p:ext uri="{BB962C8B-B14F-4D97-AF65-F5344CB8AC3E}">
-        <p14:creationId xmlns:p14="http://schemas.microsoft.com/office/powerpoint/2010/main" val="758274163"/>
+        <p14:creationId xmlns:p14="http://schemas.microsoft.com/office/powerpoint/2010/main" val="2521189219"/>
       </p:ext>
     </p:extLst>
   </p:cSld>
@@ -13096,284 +13826,120 @@
       </p:sp>
       <p:sp>
         <p:nvSpPr>
-          <p:cNvPr id="5" name="직사각형 4"/>
-          <p:cNvSpPr/>
-          <p:nvPr/>
-        </p:nvSpPr>
-        <p:spPr>
-          <a:xfrm>
-            <a:off x="970412" y="2020066"/>
-            <a:ext cx="10383387" cy="3077766"/>
-          </a:xfrm>
-          <a:prstGeom prst="rect">
-            <a:avLst/>
-          </a:prstGeom>
-        </p:spPr>
-        <p:txBody>
-          <a:bodyPr wrap="square">
-            <a:spAutoFit/>
-          </a:bodyPr>
-          <a:lstStyle/>
-          <a:p>
-            <a:pPr marL="285750" indent="-285750">
-              <a:buFont typeface="Arial" panose="020B0604020202020204" pitchFamily="34" charset="0"/>
-              <a:buChar char="•"/>
+          <p:cNvPr id="3" name="내용 개체 틀 2"/>
+          <p:cNvSpPr>
+            <a:spLocks noGrp="1"/>
+          </p:cNvSpPr>
+          <p:nvPr>
+            <p:ph idx="1"/>
+          </p:nvPr>
+        </p:nvSpPr>
+        <p:spPr>
+          <a:xfrm>
+            <a:off x="838200" y="1978024"/>
+            <a:ext cx="8957441" cy="4755865"/>
+          </a:xfrm>
+        </p:spPr>
+        <p:txBody>
+          <a:bodyPr/>
+          <a:lstStyle/>
+          <a:p>
+            <a:r>
+              <a:rPr lang="en-US" altLang="ko-KR" sz="2000" dirty="0" smtClean="0"/>
+              <a:t>abstract class Message</a:t>
+            </a:r>
+          </a:p>
+          <a:p>
+            <a:pPr lvl="1">
+              <a:buFontTx/>
+              <a:buChar char="-"/>
             </a:pPr>
-            <a:r>
-              <a:rPr lang="en-US" altLang="ko-KR" sz="2000" dirty="0" smtClean="0"/>
-              <a:t>type Key = Array[Byte]</a:t>
-            </a:r>
-          </a:p>
-          <a:p>
-            <a:pPr lvl="1"/>
             <a:endParaRPr lang="en-US" altLang="ko-KR" sz="1600" dirty="0" smtClean="0"/>
           </a:p>
           <a:p>
-            <a:pPr lvl="1"/>
-            <a:endParaRPr lang="en-US" altLang="ko-KR" sz="1600" dirty="0" smtClean="0"/>
-          </a:p>
-          <a:p>
-            <a:pPr marL="342900" indent="-342900">
-              <a:buFont typeface="Arial" panose="020B0604020202020204" pitchFamily="34" charset="0"/>
-              <a:buChar char="•"/>
+            <a:pPr marL="342900" indent="-342900"/>
+            <a:r>
+              <a:rPr lang="en-US" altLang="ko-KR" sz="2000" dirty="0"/>
+              <a:t>class Slave</a:t>
+            </a:r>
+          </a:p>
+          <a:p>
+            <a:pPr marL="742950" lvl="1" indent="-285750">
+              <a:buFontTx/>
+              <a:buChar char="-"/>
             </a:pPr>
             <a:r>
-              <a:rPr lang="en-US" altLang="ko-KR" dirty="0" smtClean="0"/>
-              <a:t>case class </a:t>
-            </a:r>
-            <a:r>
-              <a:rPr lang="en-US" altLang="ko-KR" dirty="0" err="1" smtClean="0"/>
-              <a:t>SlaveInfoMessage</a:t>
-            </a:r>
-            <a:r>
-              <a:rPr lang="en-US" altLang="ko-KR" dirty="0" smtClean="0"/>
-              <a:t>(</a:t>
-            </a:r>
-            <a:r>
-              <a:rPr lang="en-US" altLang="ko-KR" dirty="0" err="1" smtClean="0"/>
-              <a:t>val</a:t>
-            </a:r>
-            <a:r>
-              <a:rPr lang="en-US" altLang="ko-KR" dirty="0" smtClean="0"/>
-              <a:t> </a:t>
-            </a:r>
-            <a:r>
-              <a:rPr lang="en-US" altLang="ko-KR" dirty="0" err="1" smtClean="0"/>
-              <a:t>slaveInfos</a:t>
-            </a:r>
-            <a:r>
-              <a:rPr lang="en-US" altLang="ko-KR" dirty="0" smtClean="0"/>
-              <a:t>: Vector[Slave], </a:t>
-            </a:r>
-            <a:r>
-              <a:rPr lang="en-US" altLang="ko-KR" dirty="0" err="1" smtClean="0"/>
-              <a:t>val</a:t>
-            </a:r>
-            <a:r>
-              <a:rPr lang="en-US" altLang="ko-KR" dirty="0" smtClean="0"/>
-              <a:t> </a:t>
-            </a:r>
-            <a:r>
-              <a:rPr lang="en-US" altLang="ko-KR" dirty="0" err="1" smtClean="0"/>
-              <a:t>pivotValues</a:t>
-            </a:r>
-            <a:r>
-              <a:rPr lang="en-US" altLang="ko-KR" dirty="0" smtClean="0"/>
-              <a:t>) extends Message</a:t>
-            </a:r>
-          </a:p>
-          <a:p>
-            <a:pPr marL="342900" indent="-342900">
-              <a:buFont typeface="Arial" panose="020B0604020202020204" pitchFamily="34" charset="0"/>
-              <a:buChar char="•"/>
+              <a:rPr lang="en-US" altLang="ko-KR" sz="1600" dirty="0" err="1"/>
+              <a:t>ip</a:t>
+            </a:r>
+            <a:r>
+              <a:rPr lang="en-US" altLang="ko-KR" sz="1600" dirty="0"/>
+              <a:t>: String</a:t>
+            </a:r>
+          </a:p>
+          <a:p>
+            <a:pPr marL="742950" lvl="1" indent="-285750">
+              <a:buFontTx/>
+              <a:buChar char="-"/>
             </a:pPr>
             <a:r>
-              <a:rPr lang="en-US" altLang="ko-KR" dirty="0" smtClean="0"/>
-              <a:t>case class </a:t>
-            </a:r>
-            <a:r>
-              <a:rPr lang="en-US" altLang="ko-KR" dirty="0" err="1" smtClean="0"/>
-              <a:t>SampleMessage</a:t>
-            </a:r>
-            <a:r>
-              <a:rPr lang="en-US" altLang="ko-KR" dirty="0" smtClean="0"/>
-              <a:t>(</a:t>
-            </a:r>
-            <a:r>
-              <a:rPr lang="en-US" altLang="ko-KR" dirty="0" err="1" smtClean="0"/>
-              <a:t>val</a:t>
-            </a:r>
-            <a:r>
-              <a:rPr lang="en-US" altLang="ko-KR" dirty="0" smtClean="0"/>
-              <a:t> </a:t>
-            </a:r>
-            <a:r>
-              <a:rPr lang="en-US" altLang="ko-KR" dirty="0" err="1" smtClean="0"/>
+              <a:rPr lang="en-US" altLang="ko-KR" sz="1600" dirty="0"/>
+              <a:t>port: </a:t>
+            </a:r>
+            <a:r>
+              <a:rPr lang="en-US" altLang="ko-KR" sz="1600" dirty="0" err="1"/>
+              <a:t>Int</a:t>
+            </a:r>
+            <a:endParaRPr lang="en-US" altLang="ko-KR" sz="1600" dirty="0"/>
+          </a:p>
+          <a:p>
+            <a:pPr marL="742950" lvl="1" indent="-285750">
+              <a:buFontTx/>
+              <a:buChar char="-"/>
+            </a:pPr>
+            <a:r>
+              <a:rPr lang="en-US" altLang="ko-KR" sz="1600" dirty="0" err="1"/>
               <a:t>dataSize</a:t>
             </a:r>
             <a:r>
-              <a:rPr lang="en-US" altLang="ko-KR" dirty="0" smtClean="0"/>
+              <a:rPr lang="en-US" altLang="ko-KR" sz="1600" dirty="0"/>
               <a:t>: </a:t>
             </a:r>
             <a:r>
-              <a:rPr lang="en-US" altLang="ko-KR" dirty="0" err="1" smtClean="0"/>
+              <a:rPr lang="en-US" altLang="ko-KR" sz="1600" dirty="0" err="1"/>
               <a:t>Int</a:t>
             </a:r>
-            <a:r>
-              <a:rPr lang="en-US" altLang="ko-KR" dirty="0" smtClean="0"/>
-              <a:t>, </a:t>
-            </a:r>
-            <a:r>
-              <a:rPr lang="en-US" altLang="ko-KR" dirty="0" err="1" smtClean="0"/>
-              <a:t>val</a:t>
-            </a:r>
-            <a:r>
-              <a:rPr lang="en-US" altLang="ko-KR" dirty="0" smtClean="0"/>
-              <a:t> samples: Vector[Key]) extends Message</a:t>
-            </a:r>
-          </a:p>
-          <a:p>
-            <a:pPr marL="342900" indent="-342900">
-              <a:buFont typeface="Arial" panose="020B0604020202020204" pitchFamily="34" charset="0"/>
-              <a:buChar char="•"/>
+            <a:endParaRPr lang="en-US" altLang="ko-KR" sz="1600" dirty="0"/>
+          </a:p>
+          <a:p>
+            <a:pPr marL="742950" lvl="1" indent="-285750">
+              <a:buFontTx/>
+              <a:buChar char="-"/>
             </a:pPr>
             <a:r>
-              <a:rPr lang="en-US" altLang="ko-KR" dirty="0" smtClean="0"/>
-              <a:t>object </a:t>
-            </a:r>
-            <a:r>
-              <a:rPr lang="en-US" altLang="ko-KR" dirty="0" err="1" smtClean="0"/>
-              <a:t>DoneMessage</a:t>
-            </a:r>
-            <a:r>
-              <a:rPr lang="en-US" altLang="ko-KR" dirty="0" smtClean="0"/>
-              <a:t> extends Message</a:t>
-            </a:r>
-          </a:p>
-          <a:p>
-            <a:pPr marL="342900" indent="-342900">
-              <a:buFont typeface="Arial" panose="020B0604020202020204" pitchFamily="34" charset="0"/>
-              <a:buChar char="•"/>
-            </a:pPr>
-            <a:r>
-              <a:rPr lang="en-US" altLang="ko-KR" dirty="0" smtClean="0"/>
-              <a:t>case class </a:t>
-            </a:r>
-            <a:r>
-              <a:rPr lang="en-US" altLang="ko-KR" dirty="0" err="1" smtClean="0"/>
-              <a:t>DataInfoMessage</a:t>
-            </a:r>
-            <a:r>
-              <a:rPr lang="en-US" altLang="ko-KR" dirty="0" smtClean="0"/>
-              <a:t>(</a:t>
-            </a:r>
-            <a:r>
-              <a:rPr lang="en-US" altLang="ko-KR" dirty="0" err="1" smtClean="0"/>
-              <a:t>val</a:t>
-            </a:r>
-            <a:r>
-              <a:rPr lang="en-US" altLang="ko-KR" dirty="0" smtClean="0"/>
-              <a:t> sizes: Vector[</a:t>
-            </a:r>
-            <a:r>
-              <a:rPr lang="en-US" altLang="ko-KR" dirty="0" err="1" smtClean="0"/>
-              <a:t>Int</a:t>
-            </a:r>
-            <a:r>
-              <a:rPr lang="en-US" altLang="ko-KR" dirty="0" smtClean="0"/>
-              <a:t>]) extends Message</a:t>
-            </a:r>
-          </a:p>
-          <a:p>
-            <a:pPr marL="342900" indent="-342900">
-              <a:buFont typeface="Arial" panose="020B0604020202020204" pitchFamily="34" charset="0"/>
-              <a:buChar char="•"/>
-            </a:pPr>
-            <a:r>
-              <a:rPr lang="en-US" altLang="ko-KR" dirty="0" smtClean="0"/>
-              <a:t>case class </a:t>
-            </a:r>
-            <a:r>
-              <a:rPr lang="en-US" altLang="ko-KR" dirty="0" err="1" smtClean="0"/>
-              <a:t>DataMessage</a:t>
-            </a:r>
-            <a:r>
-              <a:rPr lang="en-US" altLang="ko-KR" dirty="0" smtClean="0"/>
-              <a:t>(</a:t>
-            </a:r>
-            <a:r>
-              <a:rPr lang="en-US" altLang="ko-KR" dirty="0" err="1" smtClean="0"/>
-              <a:t>val</a:t>
-            </a:r>
-            <a:r>
-              <a:rPr lang="en-US" altLang="ko-KR" dirty="0" smtClean="0"/>
-              <a:t> </a:t>
-            </a:r>
-            <a:r>
-              <a:rPr lang="en-US" altLang="ko-KR" dirty="0" err="1" smtClean="0"/>
-              <a:t>partitionNum</a:t>
-            </a:r>
-            <a:r>
-              <a:rPr lang="en-US" altLang="ko-KR" dirty="0" smtClean="0"/>
-              <a:t>: </a:t>
-            </a:r>
-            <a:r>
-              <a:rPr lang="en-US" altLang="ko-KR" dirty="0" err="1" smtClean="0"/>
-              <a:t>Int</a:t>
-            </a:r>
-            <a:r>
-              <a:rPr lang="en-US" altLang="ko-KR" dirty="0" smtClean="0"/>
-              <a:t>, </a:t>
-            </a:r>
-            <a:r>
-              <a:rPr lang="en-US" altLang="ko-KR" dirty="0" err="1" smtClean="0"/>
-              <a:t>val</a:t>
-            </a:r>
-            <a:r>
-              <a:rPr lang="en-US" altLang="ko-KR" dirty="0" smtClean="0"/>
-              <a:t> </a:t>
-            </a:r>
-            <a:r>
-              <a:rPr lang="en-US" altLang="ko-KR" dirty="0" err="1" smtClean="0"/>
-              <a:t>idx</a:t>
-            </a:r>
-            <a:r>
-              <a:rPr lang="en-US" altLang="ko-KR" dirty="0" smtClean="0"/>
-              <a:t>: </a:t>
-            </a:r>
-            <a:r>
-              <a:rPr lang="en-US" altLang="ko-KR" dirty="0" err="1" smtClean="0"/>
-              <a:t>Int</a:t>
-            </a:r>
-            <a:r>
-              <a:rPr lang="en-US" altLang="ko-KR" dirty="0" smtClean="0"/>
-              <a:t>, data: Array[Byte]) extends Message</a:t>
-            </a:r>
-          </a:p>
-          <a:p>
-            <a:pPr marL="342900" indent="-342900">
-              <a:buFont typeface="Arial" panose="020B0604020202020204" pitchFamily="34" charset="0"/>
-              <a:buChar char="•"/>
+              <a:rPr lang="en-US" altLang="ko-KR" sz="1600" dirty="0" err="1"/>
+              <a:t>toByteArray</a:t>
+            </a:r>
+            <a:r>
+              <a:rPr lang="en-US" altLang="ko-KR" sz="1600" dirty="0"/>
+              <a:t>(): Array[byte]</a:t>
+            </a:r>
+          </a:p>
+          <a:p>
+            <a:pPr marL="457200" lvl="1" indent="0">
+              <a:buNone/>
             </a:pPr>
             <a:endParaRPr lang="en-US" altLang="ko-KR" dirty="0" smtClean="0"/>
           </a:p>
           <a:p>
-            <a:pPr marL="342900" indent="-342900">
-              <a:buFont typeface="Arial" panose="020B0604020202020204" pitchFamily="34" charset="0"/>
-              <a:buChar char="•"/>
-            </a:pPr>
-            <a:endParaRPr lang="en-US" altLang="ko-KR" dirty="0" smtClean="0"/>
-          </a:p>
-          <a:p>
-            <a:pPr lvl="1"/>
-            <a:endParaRPr lang="en-US" altLang="ko-KR" sz="1600" dirty="0" smtClean="0"/>
+            <a:endParaRPr lang="ko-KR" altLang="en-US" dirty="0"/>
           </a:p>
         </p:txBody>
       </p:sp>
     </p:spTree>
     <p:extLst>
       <p:ext uri="{BB962C8B-B14F-4D97-AF65-F5344CB8AC3E}">
-        <p14:creationId xmlns:p14="http://schemas.microsoft.com/office/powerpoint/2010/main" val="1055633754"/>
+        <p14:creationId xmlns:p14="http://schemas.microsoft.com/office/powerpoint/2010/main" val="758274163"/>
       </p:ext>
     </p:extLst>
   </p:cSld>
@@ -13424,7 +13990,7 @@
           <a:p>
             <a:r>
               <a:rPr lang="en-US" altLang="ko-KR" dirty="0" smtClean="0"/>
-              <a:t>Master</a:t>
+              <a:t>Messages</a:t>
             </a:r>
             <a:endParaRPr lang="ko-KR" altLang="en-US" dirty="0"/>
           </a:p>
@@ -13432,473 +13998,284 @@
       </p:sp>
       <p:sp>
         <p:nvSpPr>
-          <p:cNvPr id="3" name="내용 개체 틀 2"/>
-          <p:cNvSpPr>
-            <a:spLocks noGrp="1"/>
-          </p:cNvSpPr>
-          <p:nvPr>
-            <p:ph idx="1"/>
-          </p:nvPr>
-        </p:nvSpPr>
-        <p:spPr>
-          <a:xfrm>
-            <a:off x="838200" y="1978024"/>
-            <a:ext cx="5370959" cy="4755865"/>
-          </a:xfrm>
-        </p:spPr>
-        <p:txBody>
-          <a:bodyPr>
-            <a:normAutofit/>
-          </a:bodyPr>
-          <a:lstStyle/>
-          <a:p>
-            <a:r>
-              <a:rPr lang="en-US" altLang="ko-KR" sz="2000" dirty="0" smtClean="0"/>
-              <a:t>class Master</a:t>
-            </a:r>
-            <a:endParaRPr lang="en-US" altLang="ko-KR" sz="1600" dirty="0" smtClean="0"/>
-          </a:p>
-          <a:p>
-            <a:pPr lvl="1">
-              <a:buFontTx/>
-              <a:buChar char="-"/>
-            </a:pPr>
-            <a:r>
-              <a:rPr lang="en-US" altLang="ko-KR" sz="1600" dirty="0"/>
-              <a:t>s</a:t>
-            </a:r>
-            <a:r>
-              <a:rPr lang="en-US" altLang="ko-KR" sz="1600" dirty="0" smtClean="0"/>
-              <a:t>tate: </a:t>
-            </a:r>
-            <a:r>
-              <a:rPr lang="en-US" altLang="ko-KR" sz="1600" dirty="0" err="1" smtClean="0"/>
-              <a:t>MasterState</a:t>
-            </a:r>
-            <a:endParaRPr lang="en-US" altLang="ko-KR" sz="1600" dirty="0" smtClean="0"/>
-          </a:p>
-          <a:p>
-            <a:pPr lvl="1">
-              <a:buFontTx/>
-              <a:buChar char="-"/>
-            </a:pPr>
-            <a:endParaRPr lang="en-US" altLang="ko-KR" sz="1600" dirty="0"/>
-          </a:p>
-          <a:p>
-            <a:pPr lvl="1">
-              <a:buFontTx/>
-              <a:buChar char="-"/>
-            </a:pPr>
-            <a:r>
-              <a:rPr lang="en-US" altLang="ko-KR" sz="1600" dirty="0" err="1" smtClean="0"/>
-              <a:t>connectionListener</a:t>
-            </a:r>
-            <a:r>
-              <a:rPr lang="en-US" altLang="ko-KR" sz="1600" dirty="0" smtClean="0"/>
-              <a:t>: </a:t>
-            </a:r>
-            <a:r>
-              <a:rPr lang="en-US" altLang="ko-KR" sz="1600" dirty="0" err="1" smtClean="0"/>
-              <a:t>ConnectionListener</a:t>
-            </a:r>
-            <a:endParaRPr lang="en-US" altLang="ko-KR" sz="1600" dirty="0" smtClean="0"/>
-          </a:p>
-          <a:p>
-            <a:pPr lvl="1">
-              <a:buFontTx/>
-              <a:buChar char="-"/>
-            </a:pPr>
-            <a:r>
-              <a:rPr lang="en-US" altLang="ko-KR" sz="1600" dirty="0" err="1"/>
-              <a:t>numSlave</a:t>
-            </a:r>
-            <a:r>
-              <a:rPr lang="en-US" altLang="ko-KR" sz="1600" dirty="0"/>
-              <a:t>: </a:t>
-            </a:r>
-            <a:r>
-              <a:rPr lang="en-US" altLang="ko-KR" sz="1600" dirty="0" err="1"/>
-              <a:t>Int</a:t>
-            </a:r>
-            <a:endParaRPr lang="en-US" altLang="ko-KR" sz="1600" dirty="0"/>
-          </a:p>
-          <a:p>
-            <a:pPr lvl="1">
-              <a:buFontTx/>
-              <a:buChar char="-"/>
-            </a:pPr>
-            <a:endParaRPr lang="en-US" altLang="ko-KR" sz="1600" dirty="0" smtClean="0"/>
-          </a:p>
-          <a:p>
-            <a:pPr lvl="1">
-              <a:buFontTx/>
-              <a:buChar char="-"/>
-            </a:pPr>
-            <a:r>
-              <a:rPr lang="en-US" altLang="ko-KR" sz="1600" dirty="0" err="1" smtClean="0"/>
-              <a:t>var</a:t>
-            </a:r>
-            <a:r>
-              <a:rPr lang="en-US" altLang="ko-KR" sz="1600" dirty="0" smtClean="0"/>
-              <a:t> connected: Set[</a:t>
-            </a:r>
-            <a:r>
-              <a:rPr lang="en-US" altLang="ko-KR" sz="1600" dirty="0" err="1" smtClean="0"/>
-              <a:t>SlaveListener</a:t>
-            </a:r>
-            <a:r>
-              <a:rPr lang="en-US" altLang="ko-KR" sz="1600" dirty="0" smtClean="0"/>
-              <a:t>]</a:t>
-            </a:r>
-          </a:p>
-          <a:p>
-            <a:pPr lvl="1">
-              <a:buFontTx/>
-              <a:buChar char="-"/>
-            </a:pPr>
-            <a:r>
-              <a:rPr lang="en-US" altLang="ko-KR" sz="1600" dirty="0" err="1" smtClean="0"/>
-              <a:t>var</a:t>
-            </a:r>
-            <a:r>
-              <a:rPr lang="en-US" altLang="ko-KR" sz="1600" dirty="0" smtClean="0"/>
-              <a:t> slaves: Map[Socket, Slave]</a:t>
-            </a:r>
-          </a:p>
-          <a:p>
-            <a:pPr lvl="1">
-              <a:buFontTx/>
-              <a:buChar char="-"/>
-            </a:pPr>
-            <a:r>
-              <a:rPr lang="en-US" altLang="ko-KR" sz="1600" dirty="0" err="1"/>
-              <a:t>v</a:t>
-            </a:r>
-            <a:r>
-              <a:rPr lang="en-US" altLang="ko-KR" sz="1600" dirty="0" err="1" smtClean="0"/>
-              <a:t>ar</a:t>
-            </a:r>
-            <a:r>
-              <a:rPr lang="en-US" altLang="ko-KR" sz="1600" dirty="0" smtClean="0"/>
-              <a:t> </a:t>
-            </a:r>
-            <a:r>
-              <a:rPr lang="en-US" altLang="ko-KR" sz="1600" dirty="0" err="1" smtClean="0"/>
-              <a:t>messageQueue</a:t>
-            </a:r>
-            <a:r>
-              <a:rPr lang="en-US" altLang="ko-KR" sz="1600" dirty="0" smtClean="0"/>
-              <a:t>: Queue[(Message, Socket)]</a:t>
-            </a:r>
-          </a:p>
-          <a:p>
-            <a:pPr marL="457200" lvl="1" indent="0">
-              <a:buNone/>
-            </a:pPr>
-            <a:endParaRPr lang="en-US" altLang="ko-KR" sz="1600" dirty="0" smtClean="0"/>
-          </a:p>
-          <a:p>
-            <a:pPr marL="457200" lvl="1" indent="0">
-              <a:buNone/>
-            </a:pPr>
-            <a:r>
-              <a:rPr lang="en-US" altLang="ko-KR" sz="1600" dirty="0" smtClean="0"/>
-              <a:t>(</a:t>
-            </a:r>
-            <a:r>
-              <a:rPr lang="en-US" altLang="ko-KR" sz="1600" dirty="0" err="1" smtClean="0"/>
-              <a:t>Init</a:t>
-            </a:r>
-            <a:r>
-              <a:rPr lang="en-US" altLang="ko-KR" sz="1600" dirty="0" smtClean="0"/>
-              <a:t>)</a:t>
-            </a:r>
-            <a:endParaRPr lang="en-US" altLang="ko-KR" sz="1600" dirty="0"/>
-          </a:p>
-          <a:p>
-            <a:pPr lvl="1">
-              <a:buFontTx/>
-              <a:buChar char="-"/>
-            </a:pPr>
-            <a:r>
-              <a:rPr lang="en-US" altLang="ko-KR" sz="1600" dirty="0" err="1" smtClean="0"/>
-              <a:t>initServerSocket</a:t>
-            </a:r>
-            <a:r>
-              <a:rPr lang="en-US" altLang="ko-KR" sz="1600" dirty="0" smtClean="0"/>
-              <a:t>(): Unit</a:t>
-            </a:r>
-          </a:p>
-          <a:p>
-            <a:pPr lvl="1">
-              <a:buFontTx/>
-              <a:buChar char="-"/>
-            </a:pPr>
-            <a:r>
-              <a:rPr lang="en-US" altLang="ko-KR" sz="1600" dirty="0" err="1" smtClean="0"/>
-              <a:t>acceptConnections</a:t>
-            </a:r>
-            <a:r>
-              <a:rPr lang="en-US" altLang="ko-KR" sz="1600" dirty="0" smtClean="0"/>
-              <a:t>(</a:t>
-            </a:r>
-            <a:r>
-              <a:rPr lang="en-US" altLang="ko-KR" sz="1600" dirty="0" err="1" smtClean="0"/>
-              <a:t>Int</a:t>
-            </a:r>
-            <a:r>
-              <a:rPr lang="en-US" altLang="ko-KR" sz="1600" dirty="0" smtClean="0"/>
-              <a:t>): List[Future[List[Key]]]</a:t>
-            </a:r>
-          </a:p>
-          <a:p>
-            <a:pPr lvl="1">
-              <a:buFontTx/>
-              <a:buChar char="-"/>
-            </a:pPr>
-            <a:r>
-              <a:rPr lang="en-US" altLang="ko-KR" sz="1600" dirty="0" err="1" smtClean="0"/>
-              <a:t>samplingFuture</a:t>
-            </a:r>
-            <a:r>
-              <a:rPr lang="en-US" altLang="ko-KR" sz="1600" dirty="0" smtClean="0"/>
-              <a:t>(Socket): Future[List[Key]]</a:t>
-            </a:r>
-          </a:p>
-          <a:p>
-            <a:pPr lvl="1">
-              <a:buFontTx/>
-              <a:buChar char="-"/>
-            </a:pPr>
-            <a:r>
-              <a:rPr lang="en-US" altLang="ko-KR" sz="1600" dirty="0" err="1" smtClean="0"/>
-              <a:t>updateSlaveInfo</a:t>
-            </a:r>
-            <a:r>
-              <a:rPr lang="en-US" altLang="ko-KR" sz="1600" dirty="0" smtClean="0"/>
-              <a:t>(Socket</a:t>
-            </a:r>
-            <a:r>
-              <a:rPr lang="en-US" altLang="ko-KR" sz="1600" dirty="0"/>
-              <a:t>, Slave): Unit</a:t>
-            </a:r>
-          </a:p>
-          <a:p>
-            <a:pPr lvl="1">
-              <a:buFontTx/>
-              <a:buChar char="-"/>
-            </a:pPr>
-            <a:endParaRPr lang="en-US" altLang="ko-KR" sz="1600" dirty="0"/>
-          </a:p>
-          <a:p>
-            <a:pPr marL="457200" lvl="1" indent="0">
-              <a:buNone/>
-            </a:pPr>
-            <a:endParaRPr lang="en-US" altLang="ko-KR" sz="1600" dirty="0" smtClean="0"/>
-          </a:p>
-          <a:p>
-            <a:endParaRPr lang="ko-KR" altLang="en-US" dirty="0"/>
-          </a:p>
-        </p:txBody>
-      </p:sp>
-      <p:sp>
-        <p:nvSpPr>
-          <p:cNvPr id="4" name="직사각형 3"/>
+          <p:cNvPr id="5" name="직사각형 4"/>
           <p:cNvSpPr/>
           <p:nvPr/>
         </p:nvSpPr>
         <p:spPr>
           <a:xfrm>
-            <a:off x="6209159" y="735518"/>
-            <a:ext cx="6096000" cy="3785652"/>
+            <a:off x="970412" y="2020066"/>
+            <a:ext cx="10383387" cy="3077766"/>
           </a:xfrm>
           <a:prstGeom prst="rect">
             <a:avLst/>
           </a:prstGeom>
         </p:spPr>
         <p:txBody>
-          <a:bodyPr>
+          <a:bodyPr wrap="square">
             <a:spAutoFit/>
           </a:bodyPr>
           <a:lstStyle/>
           <a:p>
+            <a:pPr marL="285750" indent="-285750">
+              <a:buFont typeface="Arial" panose="020B0604020202020204" pitchFamily="34" charset="0"/>
+              <a:buChar char="•"/>
+            </a:pPr>
+            <a:r>
+              <a:rPr lang="en-US" altLang="ko-KR" sz="2000" dirty="0" smtClean="0"/>
+              <a:t>type Key = Array[Byte]</a:t>
+            </a:r>
+          </a:p>
+          <a:p>
             <a:pPr lvl="1"/>
-            <a:r>
-              <a:rPr lang="en-US" altLang="ko-KR" sz="1600" dirty="0" smtClean="0"/>
-              <a:t>(Connect)</a:t>
-            </a:r>
-          </a:p>
-          <a:p>
-            <a:pPr lvl="1">
-              <a:buFontTx/>
-              <a:buChar char="-"/>
+            <a:endParaRPr lang="en-US" altLang="ko-KR" sz="1600" dirty="0" smtClean="0"/>
+          </a:p>
+          <a:p>
+            <a:pPr lvl="1"/>
+            <a:endParaRPr lang="en-US" altLang="ko-KR" sz="1600" dirty="0" smtClean="0"/>
+          </a:p>
+          <a:p>
+            <a:pPr marL="342900" indent="-342900">
+              <a:buFont typeface="Arial" panose="020B0604020202020204" pitchFamily="34" charset="0"/>
+              <a:buChar char="•"/>
             </a:pPr>
             <a:r>
-              <a:rPr lang="en-US" altLang="ko-KR" sz="1600" dirty="0" smtClean="0"/>
+              <a:rPr lang="en-US" altLang="ko-KR" dirty="0" smtClean="0"/>
+              <a:t>case class </a:t>
+            </a:r>
+            <a:r>
+              <a:rPr lang="en-US" altLang="ko-KR" dirty="0" err="1" smtClean="0"/>
+              <a:t>SlaveInfoMessage</a:t>
+            </a:r>
+            <a:r>
+              <a:rPr lang="en-US" altLang="ko-KR" dirty="0" smtClean="0"/>
+              <a:t>(</a:t>
+            </a:r>
+            <a:r>
+              <a:rPr lang="en-US" altLang="ko-KR" dirty="0" err="1" smtClean="0"/>
+              <a:t>val</a:t>
+            </a:r>
+            <a:r>
+              <a:rPr lang="en-US" altLang="ko-KR" dirty="0" smtClean="0"/>
               <a:t> </a:t>
             </a:r>
             <a:r>
-              <a:rPr lang="en-US" altLang="ko-KR" sz="1600" dirty="0" err="1" smtClean="0"/>
-              <a:t>recvSampleMsg</a:t>
-            </a:r>
-            <a:r>
-              <a:rPr lang="en-US" altLang="ko-KR" sz="1600" dirty="0" smtClean="0"/>
-              <a:t>(Socket</a:t>
-            </a:r>
-            <a:r>
-              <a:rPr lang="en-US" altLang="ko-KR" sz="1600" dirty="0"/>
-              <a:t>): </a:t>
-            </a:r>
-            <a:r>
-              <a:rPr lang="en-US" altLang="ko-KR" sz="1600" dirty="0" err="1" smtClean="0"/>
-              <a:t>SampleMsg</a:t>
-            </a:r>
+              <a:rPr lang="en-US" altLang="ko-KR" dirty="0" err="1" smtClean="0"/>
+              <a:t>slaveInfos</a:t>
+            </a:r>
+            <a:r>
+              <a:rPr lang="en-US" altLang="ko-KR" dirty="0" smtClean="0"/>
+              <a:t>: Vector[Slave], </a:t>
+            </a:r>
+            <a:r>
+              <a:rPr lang="en-US" altLang="ko-KR" dirty="0" err="1" smtClean="0"/>
+              <a:t>val</a:t>
+            </a:r>
+            <a:r>
+              <a:rPr lang="en-US" altLang="ko-KR" dirty="0" smtClean="0"/>
+              <a:t> </a:t>
+            </a:r>
+            <a:r>
+              <a:rPr lang="en-US" altLang="ko-KR" dirty="0" err="1" smtClean="0"/>
+              <a:t>pivotValues</a:t>
+            </a:r>
+            <a:r>
+              <a:rPr lang="en-US" altLang="ko-KR" dirty="0" smtClean="0"/>
+              <a:t>) extends Message</a:t>
+            </a:r>
+          </a:p>
+          <a:p>
+            <a:pPr marL="342900" indent="-342900">
+              <a:buFont typeface="Arial" panose="020B0604020202020204" pitchFamily="34" charset="0"/>
+              <a:buChar char="•"/>
+            </a:pPr>
+            <a:r>
+              <a:rPr lang="en-US" altLang="ko-KR" dirty="0" smtClean="0"/>
+              <a:t>case class </a:t>
+            </a:r>
+            <a:r>
+              <a:rPr lang="en-US" altLang="ko-KR" dirty="0" err="1" smtClean="0"/>
+              <a:t>SampleMessage</a:t>
+            </a:r>
+            <a:r>
+              <a:rPr lang="en-US" altLang="ko-KR" dirty="0" smtClean="0"/>
+              <a:t>(</a:t>
+            </a:r>
+            <a:r>
+              <a:rPr lang="en-US" altLang="ko-KR" dirty="0" err="1" smtClean="0"/>
+              <a:t>val</a:t>
+            </a:r>
+            <a:r>
+              <a:rPr lang="en-US" altLang="ko-KR" dirty="0" smtClean="0"/>
+              <a:t> </a:t>
+            </a:r>
+            <a:r>
+              <a:rPr lang="en-US" altLang="ko-KR" dirty="0" err="1" smtClean="0"/>
+              <a:t>dataSize</a:t>
+            </a:r>
+            <a:r>
+              <a:rPr lang="en-US" altLang="ko-KR" dirty="0" smtClean="0"/>
+              <a:t>: </a:t>
+            </a:r>
+            <a:r>
+              <a:rPr lang="en-US" altLang="ko-KR" dirty="0" err="1" smtClean="0"/>
+              <a:t>Int</a:t>
+            </a:r>
+            <a:r>
+              <a:rPr lang="en-US" altLang="ko-KR" dirty="0" smtClean="0"/>
+              <a:t>, </a:t>
+            </a:r>
+            <a:r>
+              <a:rPr lang="en-US" altLang="ko-KR" dirty="0" err="1" smtClean="0"/>
+              <a:t>val</a:t>
+            </a:r>
+            <a:r>
+              <a:rPr lang="en-US" altLang="ko-KR" dirty="0" smtClean="0"/>
+              <a:t> samples: Vector[Key]) extends Message</a:t>
+            </a:r>
+          </a:p>
+          <a:p>
+            <a:pPr marL="342900" indent="-342900">
+              <a:buFont typeface="Arial" panose="020B0604020202020204" pitchFamily="34" charset="0"/>
+              <a:buChar char="•"/>
+            </a:pPr>
+            <a:r>
+              <a:rPr lang="en-US" altLang="ko-KR" dirty="0" smtClean="0"/>
+              <a:t>object </a:t>
+            </a:r>
+            <a:r>
+              <a:rPr lang="en-US" altLang="ko-KR" dirty="0" err="1" smtClean="0"/>
+              <a:t>DoneMessage</a:t>
+            </a:r>
+            <a:r>
+              <a:rPr lang="en-US" altLang="ko-KR" dirty="0" smtClean="0"/>
+              <a:t> extends Message</a:t>
+            </a:r>
+          </a:p>
+          <a:p>
+            <a:pPr marL="342900" indent="-342900">
+              <a:buFont typeface="Arial" panose="020B0604020202020204" pitchFamily="34" charset="0"/>
+              <a:buChar char="•"/>
+            </a:pPr>
+            <a:r>
+              <a:rPr lang="en-US" altLang="ko-KR" dirty="0" smtClean="0"/>
+              <a:t>case class </a:t>
+            </a:r>
+            <a:r>
+              <a:rPr lang="en-US" altLang="ko-KR" dirty="0" err="1" smtClean="0"/>
+              <a:t>DataInfoMessage</a:t>
+            </a:r>
+            <a:r>
+              <a:rPr lang="en-US" altLang="ko-KR" dirty="0" smtClean="0"/>
+              <a:t>(</a:t>
+            </a:r>
+            <a:r>
+              <a:rPr lang="en-US" altLang="ko-KR" dirty="0" err="1" smtClean="0"/>
+              <a:t>val</a:t>
+            </a:r>
+            <a:r>
+              <a:rPr lang="en-US" altLang="ko-KR" dirty="0" smtClean="0"/>
+              <a:t> sizes: Vector[</a:t>
+            </a:r>
+            <a:r>
+              <a:rPr lang="en-US" altLang="ko-KR" dirty="0" err="1" smtClean="0"/>
+              <a:t>Int</a:t>
+            </a:r>
+            <a:r>
+              <a:rPr lang="en-US" altLang="ko-KR" dirty="0" smtClean="0"/>
+              <a:t>]) extends Message</a:t>
+            </a:r>
+          </a:p>
+          <a:p>
+            <a:pPr marL="342900" indent="-342900">
+              <a:buFont typeface="Arial" panose="020B0604020202020204" pitchFamily="34" charset="0"/>
+              <a:buChar char="•"/>
+            </a:pPr>
+            <a:r>
+              <a:rPr lang="en-US" altLang="ko-KR" dirty="0" smtClean="0"/>
+              <a:t>case class </a:t>
+            </a:r>
+            <a:r>
+              <a:rPr lang="en-US" altLang="ko-KR" dirty="0" err="1" smtClean="0"/>
+              <a:t>DataMessage</a:t>
+            </a:r>
+            <a:r>
+              <a:rPr lang="en-US" altLang="ko-KR" dirty="0" smtClean="0"/>
+              <a:t>(</a:t>
+            </a:r>
+            <a:r>
+              <a:rPr lang="en-US" altLang="ko-KR" dirty="0" err="1" smtClean="0"/>
+              <a:t>val</a:t>
+            </a:r>
+            <a:r>
+              <a:rPr lang="en-US" altLang="ko-KR" dirty="0" smtClean="0"/>
+              <a:t> </a:t>
+            </a:r>
+            <a:r>
+              <a:rPr lang="en-US" altLang="ko-KR" dirty="0" err="1" smtClean="0"/>
+              <a:t>partitionNum</a:t>
+            </a:r>
+            <a:r>
+              <a:rPr lang="en-US" altLang="ko-KR" dirty="0" smtClean="0"/>
+              <a:t>: </a:t>
+            </a:r>
+            <a:r>
+              <a:rPr lang="en-US" altLang="ko-KR" dirty="0" err="1" smtClean="0"/>
+              <a:t>Int</a:t>
+            </a:r>
+            <a:r>
+              <a:rPr lang="en-US" altLang="ko-KR" dirty="0" smtClean="0"/>
+              <a:t>, </a:t>
+            </a:r>
+            <a:r>
+              <a:rPr lang="en-US" altLang="ko-KR" dirty="0" err="1" smtClean="0"/>
+              <a:t>val</a:t>
+            </a:r>
+            <a:r>
+              <a:rPr lang="en-US" altLang="ko-KR" dirty="0" smtClean="0"/>
+              <a:t> </a:t>
+            </a:r>
+            <a:r>
+              <a:rPr lang="en-US" altLang="ko-KR" dirty="0" err="1" smtClean="0"/>
+              <a:t>idx</a:t>
+            </a:r>
+            <a:r>
+              <a:rPr lang="en-US" altLang="ko-KR" dirty="0" smtClean="0"/>
+              <a:t>: </a:t>
+            </a:r>
+            <a:r>
+              <a:rPr lang="en-US" altLang="ko-KR" dirty="0" err="1" smtClean="0"/>
+              <a:t>Int</a:t>
+            </a:r>
+            <a:r>
+              <a:rPr lang="en-US" altLang="ko-KR" dirty="0" smtClean="0"/>
+              <a:t>, data: Array[Byte]) extends Message</a:t>
+            </a:r>
+          </a:p>
+          <a:p>
+            <a:pPr marL="342900" indent="-342900">
+              <a:buFont typeface="Arial" panose="020B0604020202020204" pitchFamily="34" charset="0"/>
+              <a:buChar char="•"/>
+            </a:pPr>
+            <a:endParaRPr lang="en-US" altLang="ko-KR" dirty="0" smtClean="0"/>
+          </a:p>
+          <a:p>
+            <a:pPr marL="342900" indent="-342900">
+              <a:buFont typeface="Arial" panose="020B0604020202020204" pitchFamily="34" charset="0"/>
+              <a:buChar char="•"/>
+            </a:pPr>
+            <a:endParaRPr lang="en-US" altLang="ko-KR" dirty="0" smtClean="0"/>
+          </a:p>
+          <a:p>
+            <a:pPr lvl="1"/>
             <a:endParaRPr lang="en-US" altLang="ko-KR" sz="1600" dirty="0" smtClean="0"/>
-          </a:p>
-          <a:p>
-            <a:pPr lvl="1"/>
-            <a:endParaRPr lang="en-US" altLang="ko-KR" sz="1600" dirty="0"/>
-          </a:p>
-          <a:p>
-            <a:pPr lvl="1"/>
-            <a:r>
-              <a:rPr lang="en-US" altLang="ko-KR" sz="1600" dirty="0" smtClean="0"/>
-              <a:t>(Sample)</a:t>
-            </a:r>
-          </a:p>
-          <a:p>
-            <a:pPr lvl="1"/>
-            <a:r>
-              <a:rPr lang="en-US" altLang="ko-KR" sz="1600" dirty="0" smtClean="0"/>
-              <a:t>- </a:t>
-            </a:r>
-            <a:r>
-              <a:rPr lang="en-US" altLang="ko-KR" sz="1600" dirty="0" err="1" smtClean="0"/>
-              <a:t>waitSamples</a:t>
-            </a:r>
-            <a:r>
-              <a:rPr lang="en-US" altLang="ko-KR" sz="1600" dirty="0" smtClean="0"/>
-              <a:t>(List[Future[List[Key]]]): List[Key]</a:t>
-            </a:r>
-          </a:p>
-          <a:p>
-            <a:pPr lvl="1"/>
-            <a:r>
-              <a:rPr lang="en-US" altLang="ko-KR" sz="1600" dirty="0" smtClean="0"/>
-              <a:t>- </a:t>
-            </a:r>
-            <a:r>
-              <a:rPr lang="en-US" altLang="ko-KR" sz="1600" dirty="0" err="1" smtClean="0"/>
-              <a:t>calcPivots</a:t>
-            </a:r>
-            <a:r>
-              <a:rPr lang="en-US" altLang="ko-KR" sz="1600" dirty="0" smtClean="0"/>
-              <a:t>(): List[Key]</a:t>
-            </a:r>
-          </a:p>
-          <a:p>
-            <a:pPr lvl="1">
-              <a:buFontTx/>
-              <a:buChar char="-"/>
-            </a:pPr>
-            <a:r>
-              <a:rPr lang="en-US" altLang="ko-KR" sz="1600" dirty="0" smtClean="0"/>
-              <a:t> </a:t>
-            </a:r>
-            <a:r>
-              <a:rPr lang="en-US" altLang="ko-KR" sz="1600" dirty="0" err="1" smtClean="0"/>
-              <a:t>makeComputeFuture</a:t>
-            </a:r>
-            <a:r>
-              <a:rPr lang="en-US" altLang="ko-KR" sz="1600" dirty="0" smtClean="0"/>
-              <a:t>(): Future[Unit]</a:t>
-            </a:r>
-          </a:p>
-          <a:p>
-            <a:pPr lvl="1">
-              <a:buFontTx/>
-              <a:buChar char="-"/>
-            </a:pPr>
-            <a:endParaRPr lang="en-US" altLang="ko-KR" sz="1600" dirty="0"/>
-          </a:p>
-          <a:p>
-            <a:pPr lvl="1"/>
-            <a:r>
-              <a:rPr lang="en-US" altLang="ko-KR" sz="1600" dirty="0" smtClean="0"/>
-              <a:t>(Compute)</a:t>
-            </a:r>
-          </a:p>
-          <a:p>
-            <a:pPr lvl="1"/>
-            <a:r>
-              <a:rPr lang="en-US" altLang="ko-KR" sz="1600" dirty="0" smtClean="0"/>
-              <a:t>- </a:t>
-            </a:r>
-            <a:r>
-              <a:rPr lang="en-US" altLang="ko-KR" sz="1600" dirty="0" err="1" smtClean="0"/>
-              <a:t>sendSlavesInfoMsg</a:t>
-            </a:r>
-            <a:r>
-              <a:rPr lang="en-US" altLang="ko-KR" sz="1600" dirty="0" smtClean="0"/>
-              <a:t>(): Unit</a:t>
-            </a:r>
-            <a:endParaRPr lang="en-US" altLang="ko-KR" sz="1600" dirty="0"/>
-          </a:p>
-          <a:p>
-            <a:pPr lvl="1"/>
-            <a:r>
-              <a:rPr lang="en-US" altLang="ko-KR" sz="1600" dirty="0" smtClean="0"/>
-              <a:t>- </a:t>
-            </a:r>
-            <a:r>
-              <a:rPr lang="en-US" altLang="ko-KR" sz="1600" dirty="0" err="1" smtClean="0"/>
-              <a:t>waitDoneMessage</a:t>
-            </a:r>
-            <a:r>
-              <a:rPr lang="en-US" altLang="ko-KR" sz="1600" dirty="0" smtClean="0"/>
-              <a:t>(): Unit</a:t>
-            </a:r>
-          </a:p>
-          <a:p>
-            <a:pPr marL="742950" lvl="1" indent="-285750">
-              <a:buFontTx/>
-              <a:buChar char="-"/>
-            </a:pPr>
-            <a:endParaRPr lang="en-US" altLang="ko-KR" sz="1600" dirty="0"/>
-          </a:p>
-          <a:p>
-            <a:pPr lvl="1"/>
-            <a:r>
-              <a:rPr lang="en-US" altLang="ko-KR" sz="1600" dirty="0" smtClean="0"/>
-              <a:t>(Success)</a:t>
-            </a:r>
-          </a:p>
-          <a:p>
-            <a:pPr lvl="1"/>
-            <a:r>
-              <a:rPr lang="en-US" altLang="ko-KR" sz="1600" dirty="0" smtClean="0"/>
-              <a:t>- </a:t>
-            </a:r>
-            <a:r>
-              <a:rPr lang="en-US" altLang="ko-KR" sz="1600" dirty="0" err="1" smtClean="0"/>
-              <a:t>closeAllSocket</a:t>
-            </a:r>
-            <a:r>
-              <a:rPr lang="en-US" altLang="ko-KR" sz="1600" dirty="0" smtClean="0"/>
-              <a:t>(): Unit</a:t>
-            </a:r>
-            <a:endParaRPr lang="en-US" altLang="ko-KR" sz="1600" dirty="0"/>
-          </a:p>
-          <a:p>
-            <a:pPr lvl="1"/>
-            <a:endParaRPr lang="en-US" altLang="ko-KR" sz="1600" dirty="0"/>
           </a:p>
         </p:txBody>
       </p:sp>
     </p:spTree>
     <p:extLst>
       <p:ext uri="{BB962C8B-B14F-4D97-AF65-F5344CB8AC3E}">
-        <p14:creationId xmlns:p14="http://schemas.microsoft.com/office/powerpoint/2010/main" val="1516983984"/>
+        <p14:creationId xmlns:p14="http://schemas.microsoft.com/office/powerpoint/2010/main" val="1055633754"/>
       </p:ext>
     </p:extLst>
   </p:cSld>
@@ -13949,7 +14326,7 @@
           <a:p>
             <a:r>
               <a:rPr lang="en-US" altLang="ko-KR" dirty="0" smtClean="0"/>
-              <a:t>Slave</a:t>
+              <a:t>Master</a:t>
             </a:r>
             <a:endParaRPr lang="ko-KR" altLang="en-US" dirty="0"/>
           </a:p>
@@ -13967,25 +14344,21 @@
         </p:nvSpPr>
         <p:spPr>
           <a:xfrm>
-            <a:off x="838199" y="1978024"/>
-            <a:ext cx="5650207" cy="4755865"/>
+            <a:off x="838200" y="1978024"/>
+            <a:ext cx="5370959" cy="4755865"/>
           </a:xfrm>
         </p:spPr>
         <p:txBody>
           <a:bodyPr>
-            <a:normAutofit lnSpcReduction="10000"/>
+            <a:normAutofit/>
           </a:bodyPr>
           <a:lstStyle/>
           <a:p>
             <a:r>
-              <a:rPr lang="en-US" altLang="ko-KR" sz="2000" dirty="0"/>
-              <a:t>class Slave</a:t>
-            </a:r>
-            <a:r>
               <a:rPr lang="en-US" altLang="ko-KR" sz="2000" dirty="0" smtClean="0"/>
-              <a:t>:</a:t>
-            </a:r>
-            <a:endParaRPr lang="en-US" altLang="ko-KR" sz="1600" dirty="0"/>
+              <a:t>class Master</a:t>
+            </a:r>
+            <a:endParaRPr lang="en-US" altLang="ko-KR" sz="1600" dirty="0" smtClean="0"/>
           </a:p>
           <a:p>
             <a:pPr lvl="1">
@@ -13993,115 +14366,18 @@
               <a:buChar char="-"/>
             </a:pPr>
             <a:r>
+              <a:rPr lang="en-US" altLang="ko-KR" sz="1600" dirty="0"/>
+              <a:t>s</a:t>
+            </a:r>
+            <a:r>
+              <a:rPr lang="en-US" altLang="ko-KR" sz="1600" dirty="0" smtClean="0"/>
+              <a:t>tate: </a:t>
+            </a:r>
+            <a:r>
               <a:rPr lang="en-US" altLang="ko-KR" sz="1600" dirty="0" err="1" smtClean="0"/>
-              <a:t>var</a:t>
-            </a:r>
-            <a:r>
-              <a:rPr lang="en-US" altLang="ko-KR" sz="1600" dirty="0" smtClean="0"/>
-              <a:t> </a:t>
-            </a:r>
-            <a:r>
-              <a:rPr lang="en-US" altLang="ko-KR" sz="1600" dirty="0" err="1" smtClean="0"/>
-              <a:t>slaveNumber</a:t>
-            </a:r>
-            <a:r>
-              <a:rPr lang="en-US" altLang="ko-KR" sz="1600" dirty="0"/>
-              <a:t>: </a:t>
-            </a:r>
-            <a:r>
-              <a:rPr lang="en-US" altLang="ko-KR" sz="1600" dirty="0" err="1" smtClean="0"/>
-              <a:t>Int</a:t>
+              <a:t>MasterState</a:t>
             </a:r>
             <a:endParaRPr lang="en-US" altLang="ko-KR" sz="1600" dirty="0" smtClean="0"/>
-          </a:p>
-          <a:p>
-            <a:pPr lvl="1">
-              <a:buFontTx/>
-              <a:buChar char="-"/>
-            </a:pPr>
-            <a:r>
-              <a:rPr lang="en-US" altLang="ko-KR" sz="1600" dirty="0" err="1" smtClean="0"/>
-              <a:t>var</a:t>
-            </a:r>
-            <a:r>
-              <a:rPr lang="en-US" altLang="ko-KR" sz="1600" dirty="0" smtClean="0"/>
-              <a:t> </a:t>
-            </a:r>
-            <a:r>
-              <a:rPr lang="en-US" altLang="ko-KR" sz="1600" dirty="0" err="1" smtClean="0"/>
-              <a:t>partitionSize</a:t>
-            </a:r>
-            <a:r>
-              <a:rPr lang="en-US" altLang="ko-KR" sz="1600" dirty="0" smtClean="0"/>
-              <a:t>: </a:t>
-            </a:r>
-            <a:r>
-              <a:rPr lang="en-US" altLang="ko-KR" sz="1600" dirty="0" err="1" smtClean="0"/>
-              <a:t>Int</a:t>
-            </a:r>
-            <a:endParaRPr lang="en-US" altLang="ko-KR" sz="1600" dirty="0" smtClean="0"/>
-          </a:p>
-          <a:p>
-            <a:pPr lvl="1">
-              <a:buFontTx/>
-              <a:buChar char="-"/>
-            </a:pPr>
-            <a:r>
-              <a:rPr lang="en-US" altLang="ko-KR" sz="1600" dirty="0" err="1"/>
-              <a:t>v</a:t>
-            </a:r>
-            <a:r>
-              <a:rPr lang="en-US" altLang="ko-KR" sz="1600" dirty="0" err="1" smtClean="0"/>
-              <a:t>ar</a:t>
-            </a:r>
-            <a:r>
-              <a:rPr lang="en-US" altLang="ko-KR" sz="1600" dirty="0" smtClean="0"/>
-              <a:t> socket: Socket</a:t>
-            </a:r>
-          </a:p>
-          <a:p>
-            <a:pPr lvl="1">
-              <a:buFontTx/>
-              <a:buChar char="-"/>
-            </a:pPr>
-            <a:r>
-              <a:rPr lang="en-US" altLang="ko-KR" sz="1600" dirty="0" err="1"/>
-              <a:t>v</a:t>
-            </a:r>
-            <a:r>
-              <a:rPr lang="en-US" altLang="ko-KR" sz="1600" dirty="0" err="1" smtClean="0"/>
-              <a:t>ar</a:t>
-            </a:r>
-            <a:r>
-              <a:rPr lang="en-US" altLang="ko-KR" sz="1600" dirty="0" smtClean="0"/>
-              <a:t> slaves: List[Slave]</a:t>
-            </a:r>
-          </a:p>
-          <a:p>
-            <a:pPr lvl="1">
-              <a:buFontTx/>
-              <a:buChar char="-"/>
-            </a:pPr>
-            <a:r>
-              <a:rPr lang="en-US" altLang="ko-KR" sz="1600" dirty="0" err="1"/>
-              <a:t>v</a:t>
-            </a:r>
-            <a:r>
-              <a:rPr lang="en-US" altLang="ko-KR" sz="1600" dirty="0" err="1" smtClean="0"/>
-              <a:t>ar</a:t>
-            </a:r>
-            <a:r>
-              <a:rPr lang="en-US" altLang="ko-KR" sz="1600" dirty="0" smtClean="0"/>
-              <a:t> pivots: List[</a:t>
-            </a:r>
-            <a:r>
-              <a:rPr lang="en-US" altLang="ko-KR" sz="1600" dirty="0" err="1" smtClean="0"/>
-              <a:t>Int</a:t>
-            </a:r>
-            <a:r>
-              <a:rPr lang="en-US" altLang="ko-KR" sz="1600" dirty="0" smtClean="0"/>
-              <a:t>]</a:t>
-            </a:r>
           </a:p>
           <a:p>
             <a:pPr lvl="1">
@@ -14111,26 +14387,161 @@
             <a:endParaRPr lang="en-US" altLang="ko-KR" sz="1600" dirty="0"/>
           </a:p>
           <a:p>
-            <a:pPr marL="457200" lvl="1" indent="0">
-              <a:buNone/>
-            </a:pPr>
-            <a:r>
-              <a:rPr lang="en-US" altLang="ko-KR" sz="1600" dirty="0" smtClean="0"/>
-              <a:t>(connect)</a:t>
-            </a:r>
-          </a:p>
-          <a:p>
             <a:pPr lvl="1">
               <a:buFontTx/>
               <a:buChar char="-"/>
             </a:pPr>
             <a:r>
               <a:rPr lang="en-US" altLang="ko-KR" sz="1600" dirty="0" err="1" smtClean="0"/>
-              <a:t>connectToMaster</a:t>
+              <a:t>connectionListener</a:t>
             </a:r>
             <a:r>
               <a:rPr lang="en-US" altLang="ko-KR" sz="1600" dirty="0" smtClean="0"/>
-              <a:t>(String, </a:t>
+              <a:t>: </a:t>
+            </a:r>
+            <a:r>
+              <a:rPr lang="en-US" altLang="ko-KR" sz="1600" dirty="0" err="1" smtClean="0"/>
+              <a:t>ConnectionListener</a:t>
+            </a:r>
+            <a:endParaRPr lang="en-US" altLang="ko-KR" sz="1600" dirty="0" smtClean="0"/>
+          </a:p>
+          <a:p>
+            <a:pPr lvl="1">
+              <a:buFontTx/>
+              <a:buChar char="-"/>
+            </a:pPr>
+            <a:r>
+              <a:rPr lang="en-US" altLang="ko-KR" sz="1600" dirty="0" err="1"/>
+              <a:t>numSlave</a:t>
+            </a:r>
+            <a:r>
+              <a:rPr lang="en-US" altLang="ko-KR" sz="1600" dirty="0"/>
+              <a:t>: </a:t>
+            </a:r>
+            <a:r>
+              <a:rPr lang="en-US" altLang="ko-KR" sz="1600" dirty="0" err="1"/>
+              <a:t>Int</a:t>
+            </a:r>
+            <a:endParaRPr lang="en-US" altLang="ko-KR" sz="1600" dirty="0"/>
+          </a:p>
+          <a:p>
+            <a:pPr lvl="1">
+              <a:buFontTx/>
+              <a:buChar char="-"/>
+            </a:pPr>
+            <a:endParaRPr lang="en-US" altLang="ko-KR" sz="1600" dirty="0" smtClean="0"/>
+          </a:p>
+          <a:p>
+            <a:pPr lvl="1">
+              <a:buFontTx/>
+              <a:buChar char="-"/>
+            </a:pPr>
+            <a:r>
+              <a:rPr lang="en-US" altLang="ko-KR" sz="1600" dirty="0" err="1" smtClean="0"/>
+              <a:t>var</a:t>
+            </a:r>
+            <a:r>
+              <a:rPr lang="en-US" altLang="ko-KR" sz="1600" dirty="0" smtClean="0"/>
+              <a:t> connected: Set[</a:t>
+            </a:r>
+            <a:r>
+              <a:rPr lang="en-US" altLang="ko-KR" sz="1600" dirty="0" err="1" smtClean="0"/>
+              <a:t>SlaveListener</a:t>
+            </a:r>
+            <a:r>
+              <a:rPr lang="en-US" altLang="ko-KR" sz="1600" dirty="0" smtClean="0"/>
+              <a:t>]</a:t>
+            </a:r>
+          </a:p>
+          <a:p>
+            <a:pPr lvl="1">
+              <a:buFontTx/>
+              <a:buChar char="-"/>
+            </a:pPr>
+            <a:r>
+              <a:rPr lang="en-US" altLang="ko-KR" sz="1600" dirty="0" err="1" smtClean="0"/>
+              <a:t>var</a:t>
+            </a:r>
+            <a:r>
+              <a:rPr lang="en-US" altLang="ko-KR" sz="1600" dirty="0" smtClean="0"/>
+              <a:t> slaves: Map[Socket, Slave]</a:t>
+            </a:r>
+          </a:p>
+          <a:p>
+            <a:pPr lvl="1">
+              <a:buFontTx/>
+              <a:buChar char="-"/>
+            </a:pPr>
+            <a:r>
+              <a:rPr lang="en-US" altLang="ko-KR" sz="1600" dirty="0" err="1"/>
+              <a:t>v</a:t>
+            </a:r>
+            <a:r>
+              <a:rPr lang="en-US" altLang="ko-KR" sz="1600" dirty="0" err="1" smtClean="0"/>
+              <a:t>ar</a:t>
+            </a:r>
+            <a:r>
+              <a:rPr lang="en-US" altLang="ko-KR" sz="1600" dirty="0" smtClean="0"/>
+              <a:t> </a:t>
+            </a:r>
+            <a:r>
+              <a:rPr lang="en-US" altLang="ko-KR" sz="1600" dirty="0" err="1" smtClean="0"/>
+              <a:t>messageQueue</a:t>
+            </a:r>
+            <a:r>
+              <a:rPr lang="en-US" altLang="ko-KR" sz="1600" dirty="0" smtClean="0"/>
+              <a:t>: Queue[(Message, Socket)]</a:t>
+            </a:r>
+          </a:p>
+          <a:p>
+            <a:pPr marL="457200" lvl="1" indent="0">
+              <a:buNone/>
+            </a:pPr>
+            <a:endParaRPr lang="en-US" altLang="ko-KR" sz="1600" dirty="0" smtClean="0"/>
+          </a:p>
+          <a:p>
+            <a:pPr marL="457200" lvl="1" indent="0">
+              <a:buNone/>
+            </a:pPr>
+            <a:r>
+              <a:rPr lang="en-US" altLang="ko-KR" sz="1600" dirty="0" smtClean="0"/>
+              <a:t>(</a:t>
+            </a:r>
+            <a:r>
+              <a:rPr lang="en-US" altLang="ko-KR" sz="1600" dirty="0" err="1" smtClean="0"/>
+              <a:t>Init</a:t>
+            </a:r>
+            <a:r>
+              <a:rPr lang="en-US" altLang="ko-KR" sz="1600" dirty="0" smtClean="0"/>
+              <a:t>)</a:t>
+            </a:r>
+          </a:p>
+          <a:p>
+            <a:pPr lvl="1">
+              <a:buFontTx/>
+              <a:buChar char="-"/>
+            </a:pPr>
+            <a:r>
+              <a:rPr lang="en-US" altLang="ko-KR" sz="1600" dirty="0" err="1" smtClean="0"/>
+              <a:t>initServerSocket</a:t>
+            </a:r>
+            <a:r>
+              <a:rPr lang="en-US" altLang="ko-KR" sz="1600" dirty="0" smtClean="0"/>
+              <a:t>(): Unit</a:t>
+            </a:r>
+          </a:p>
+          <a:p>
+            <a:pPr lvl="1">
+              <a:buFontTx/>
+              <a:buChar char="-"/>
+            </a:pPr>
+            <a:r>
+              <a:rPr lang="en-US" altLang="ko-KR" sz="1600" dirty="0" err="1" smtClean="0"/>
+              <a:t>acceptConnections</a:t>
+            </a:r>
+            <a:r>
+              <a:rPr lang="en-US" altLang="ko-KR" sz="1600" dirty="0" smtClean="0"/>
+              <a:t>(</a:t>
             </a:r>
             <a:r>
               <a:rPr lang="en-US" altLang="ko-KR" sz="1600" dirty="0" err="1" smtClean="0"/>
@@ -14138,7 +14549,166 @@
             </a:r>
             <a:r>
               <a:rPr lang="en-US" altLang="ko-KR" sz="1600" dirty="0" smtClean="0"/>
-              <a:t>): Unit</a:t>
+              <a:t>): List[Future[List[Key]]]</a:t>
+            </a:r>
+          </a:p>
+          <a:p>
+            <a:pPr lvl="1">
+              <a:buFontTx/>
+              <a:buChar char="-"/>
+            </a:pPr>
+            <a:r>
+              <a:rPr lang="en-US" altLang="ko-KR" sz="1600" dirty="0" err="1" smtClean="0"/>
+              <a:t>samplingFuture</a:t>
+            </a:r>
+            <a:r>
+              <a:rPr lang="en-US" altLang="ko-KR" sz="1600" dirty="0" smtClean="0"/>
+              <a:t>(Socket): Future[List[Key]]</a:t>
+            </a:r>
+          </a:p>
+          <a:p>
+            <a:pPr lvl="1">
+              <a:buFontTx/>
+              <a:buChar char="-"/>
+            </a:pPr>
+            <a:r>
+              <a:rPr lang="en-US" altLang="ko-KR" sz="1600" dirty="0" err="1" smtClean="0"/>
+              <a:t>updateSlaveInfo</a:t>
+            </a:r>
+            <a:r>
+              <a:rPr lang="en-US" altLang="ko-KR" sz="1600" dirty="0" smtClean="0"/>
+              <a:t>(Socket, Slave): Unit</a:t>
+            </a:r>
+          </a:p>
+          <a:p>
+            <a:pPr lvl="1">
+              <a:buFontTx/>
+              <a:buChar char="-"/>
+            </a:pPr>
+            <a:endParaRPr lang="en-US" altLang="ko-KR" sz="1600" dirty="0" smtClean="0"/>
+          </a:p>
+          <a:p>
+            <a:pPr marL="457200" lvl="1" indent="0">
+              <a:buNone/>
+            </a:pPr>
+            <a:endParaRPr lang="en-US" altLang="ko-KR" sz="1600" dirty="0" smtClean="0"/>
+          </a:p>
+          <a:p>
+            <a:endParaRPr lang="ko-KR" altLang="en-US" dirty="0"/>
+          </a:p>
+        </p:txBody>
+      </p:sp>
+      <p:sp>
+        <p:nvSpPr>
+          <p:cNvPr id="4" name="직사각형 3"/>
+          <p:cNvSpPr/>
+          <p:nvPr/>
+        </p:nvSpPr>
+        <p:spPr>
+          <a:xfrm>
+            <a:off x="6209159" y="735518"/>
+            <a:ext cx="6096000" cy="3785652"/>
+          </a:xfrm>
+          <a:prstGeom prst="rect">
+            <a:avLst/>
+          </a:prstGeom>
+        </p:spPr>
+        <p:txBody>
+          <a:bodyPr>
+            <a:spAutoFit/>
+          </a:bodyPr>
+          <a:lstStyle/>
+          <a:p>
+            <a:pPr lvl="1"/>
+            <a:r>
+              <a:rPr lang="en-US" altLang="ko-KR" sz="1600" dirty="0" smtClean="0"/>
+              <a:t>(Connect)</a:t>
+            </a:r>
+          </a:p>
+          <a:p>
+            <a:pPr lvl="1">
+              <a:buFontTx/>
+              <a:buChar char="-"/>
+            </a:pPr>
+            <a:r>
+              <a:rPr lang="en-US" altLang="ko-KR" sz="1600" dirty="0" smtClean="0"/>
+              <a:t> </a:t>
+            </a:r>
+            <a:r>
+              <a:rPr lang="en-US" altLang="ko-KR" sz="1600" dirty="0" err="1" smtClean="0"/>
+              <a:t>recvSampleMsg</a:t>
+            </a:r>
+            <a:r>
+              <a:rPr lang="en-US" altLang="ko-KR" sz="1600" dirty="0" smtClean="0"/>
+              <a:t>(Socket</a:t>
+            </a:r>
+            <a:r>
+              <a:rPr lang="en-US" altLang="ko-KR" sz="1600" dirty="0"/>
+              <a:t>): </a:t>
+            </a:r>
+            <a:r>
+              <a:rPr lang="en-US" altLang="ko-KR" sz="1600" dirty="0" err="1" smtClean="0"/>
+              <a:t>SampleMsg</a:t>
+            </a:r>
+            <a:endParaRPr lang="en-US" altLang="ko-KR" sz="1600" dirty="0" smtClean="0"/>
+          </a:p>
+          <a:p>
+            <a:pPr lvl="1"/>
+            <a:endParaRPr lang="en-US" altLang="ko-KR" sz="1600" dirty="0"/>
+          </a:p>
+          <a:p>
+            <a:pPr lvl="1"/>
+            <a:r>
+              <a:rPr lang="en-US" altLang="ko-KR" sz="1600" dirty="0" smtClean="0"/>
+              <a:t>(Sample)</a:t>
+            </a:r>
+          </a:p>
+          <a:p>
+            <a:pPr lvl="1"/>
+            <a:r>
+              <a:rPr lang="en-US" altLang="ko-KR" sz="1600" dirty="0" smtClean="0"/>
+              <a:t>- </a:t>
+            </a:r>
+            <a:r>
+              <a:rPr lang="en-US" altLang="ko-KR" sz="1600" dirty="0" err="1" smtClean="0"/>
+              <a:t>waitSamples</a:t>
+            </a:r>
+            <a:r>
+              <a:rPr lang="en-US" altLang="ko-KR" sz="1600" dirty="0" smtClean="0"/>
+              <a:t>(List[Future[List[Key]]]): List[Key]</a:t>
+            </a:r>
+          </a:p>
+          <a:p>
+            <a:pPr lvl="1"/>
+            <a:r>
+              <a:rPr lang="en-US" altLang="ko-KR" sz="1600" dirty="0" smtClean="0"/>
+              <a:t>- </a:t>
+            </a:r>
+            <a:r>
+              <a:rPr lang="en-US" altLang="ko-KR" sz="1600" dirty="0" err="1" smtClean="0"/>
+              <a:t>calcPivots</a:t>
+            </a:r>
+            <a:r>
+              <a:rPr lang="en-US" altLang="ko-KR" sz="1600" dirty="0" smtClean="0"/>
+              <a:t>(): List[Key]</a:t>
+            </a:r>
+          </a:p>
+          <a:p>
+            <a:pPr lvl="1">
+              <a:buFontTx/>
+              <a:buChar char="-"/>
+            </a:pPr>
+            <a:r>
+              <a:rPr lang="en-US" altLang="ko-KR" sz="1600" dirty="0" smtClean="0"/>
+              <a:t> </a:t>
+            </a:r>
+            <a:r>
+              <a:rPr lang="en-US" altLang="ko-KR" sz="1600" dirty="0" err="1" smtClean="0"/>
+              <a:t>makeComputeFuture</a:t>
+            </a:r>
+            <a:r>
+              <a:rPr lang="en-US" altLang="ko-KR" sz="1600" dirty="0" smtClean="0"/>
+              <a:t>(): Future[Unit]</a:t>
             </a:r>
           </a:p>
           <a:p>
@@ -14149,365 +14719,83 @@
             <a:endParaRPr lang="en-US" altLang="ko-KR" sz="1600" dirty="0"/>
           </a:p>
           <a:p>
-            <a:pPr marL="457200" lvl="1" indent="0">
-              <a:buNone/>
-            </a:pPr>
-            <a:r>
-              <a:rPr lang="en-US" altLang="ko-KR" sz="1600" dirty="0"/>
-              <a:t>(sample)</a:t>
-            </a:r>
-          </a:p>
-          <a:p>
-            <a:pPr lvl="1">
-              <a:buFontTx/>
-              <a:buChar char="-"/>
-            </a:pPr>
-            <a:r>
-              <a:rPr lang="en-US" altLang="ko-KR" sz="1600" dirty="0" err="1" smtClean="0"/>
-              <a:t>getDataSize</a:t>
-            </a:r>
-            <a:r>
-              <a:rPr lang="en-US" altLang="ko-KR" sz="1600" dirty="0"/>
-              <a:t>(): </a:t>
-            </a:r>
-            <a:r>
-              <a:rPr lang="en-US" altLang="ko-KR" sz="1600" dirty="0" smtClean="0"/>
-              <a:t>Long</a:t>
-            </a:r>
-            <a:endParaRPr lang="en-US" altLang="ko-KR" sz="1600" dirty="0"/>
-          </a:p>
-          <a:p>
-            <a:pPr lvl="1">
-              <a:buFontTx/>
-              <a:buChar char="-"/>
-            </a:pPr>
-            <a:r>
-              <a:rPr lang="en-US" altLang="ko-KR" sz="1600" dirty="0" smtClean="0"/>
-              <a:t>sample</a:t>
-            </a:r>
-            <a:r>
-              <a:rPr lang="en-US" altLang="ko-KR" sz="1600" dirty="0"/>
-              <a:t>(): List[Key]</a:t>
-            </a:r>
-          </a:p>
-          <a:p>
-            <a:pPr lvl="1">
-              <a:buFontTx/>
-              <a:buChar char="-"/>
-            </a:pPr>
-            <a:r>
-              <a:rPr lang="en-US" altLang="ko-KR" sz="1600" dirty="0" err="1" smtClean="0"/>
-              <a:t>sampleSingleFile</a:t>
-            </a:r>
-            <a:r>
-              <a:rPr lang="en-US" altLang="ko-KR" sz="1600" dirty="0"/>
-              <a:t>(): List[Key]</a:t>
-            </a:r>
-          </a:p>
-          <a:p>
-            <a:pPr lvl="1">
-              <a:buFontTx/>
-              <a:buChar char="-"/>
-            </a:pPr>
-            <a:r>
-              <a:rPr lang="en-US" altLang="ko-KR" sz="1600" dirty="0" err="1" smtClean="0"/>
-              <a:t>sendSampleMsg</a:t>
-            </a:r>
-            <a:r>
-              <a:rPr lang="en-US" altLang="ko-KR" sz="1600" dirty="0"/>
-              <a:t>(): Unit</a:t>
-            </a:r>
-          </a:p>
-          <a:p>
-            <a:pPr lvl="1">
-              <a:buFontTx/>
-              <a:buChar char="-"/>
-            </a:pPr>
-            <a:r>
-              <a:rPr lang="en-US" altLang="ko-KR" sz="1600" dirty="0" err="1" smtClean="0"/>
-              <a:t>recvSlaveInfoMsg</a:t>
-            </a:r>
-            <a:r>
-              <a:rPr lang="en-US" altLang="ko-KR" sz="1600" dirty="0"/>
-              <a:t>(): </a:t>
-            </a:r>
-            <a:r>
-              <a:rPr lang="en-US" altLang="ko-KR" sz="1600" dirty="0" err="1" smtClean="0"/>
-              <a:t>SlaveInfoMsg</a:t>
-            </a:r>
-            <a:endParaRPr lang="en-US" altLang="ko-KR" sz="1600" dirty="0"/>
-          </a:p>
-          <a:p>
-            <a:pPr lvl="1">
-              <a:buFontTx/>
-              <a:buChar char="-"/>
-            </a:pPr>
-            <a:r>
-              <a:rPr lang="en-US" altLang="ko-KR" sz="1600" dirty="0" err="1" smtClean="0"/>
-              <a:t>updateSlaveInfo</a:t>
-            </a:r>
-            <a:r>
-              <a:rPr lang="en-US" altLang="ko-KR" sz="1600" dirty="0" smtClean="0"/>
-              <a:t>(</a:t>
-            </a:r>
-            <a:r>
-              <a:rPr lang="en-US" altLang="ko-KR" sz="1600" dirty="0" err="1" smtClean="0"/>
-              <a:t>SlaveInfoMsg</a:t>
-            </a:r>
-            <a:r>
-              <a:rPr lang="en-US" altLang="ko-KR" sz="1600" dirty="0"/>
-              <a:t>): Unit</a:t>
-            </a:r>
-          </a:p>
-          <a:p>
-            <a:pPr lvl="1">
-              <a:buFontTx/>
-              <a:buChar char="-"/>
-            </a:pPr>
-            <a:endParaRPr lang="en-US" altLang="ko-KR" dirty="0"/>
-          </a:p>
-          <a:p>
-            <a:endParaRPr lang="ko-KR" altLang="en-US" dirty="0"/>
-          </a:p>
-        </p:txBody>
-      </p:sp>
-      <p:sp>
-        <p:nvSpPr>
-          <p:cNvPr id="4" name="직사각형 3"/>
-          <p:cNvSpPr/>
-          <p:nvPr/>
-        </p:nvSpPr>
-        <p:spPr>
-          <a:xfrm>
-            <a:off x="5829528" y="510917"/>
-            <a:ext cx="6096000" cy="4031873"/>
-          </a:xfrm>
-          <a:prstGeom prst="rect">
-            <a:avLst/>
-          </a:prstGeom>
-        </p:spPr>
-        <p:txBody>
-          <a:bodyPr>
-            <a:spAutoFit/>
-          </a:bodyPr>
-          <a:lstStyle/>
-          <a:p>
             <a:pPr lvl="1"/>
             <a:r>
               <a:rPr lang="en-US" altLang="ko-KR" sz="1600" dirty="0" smtClean="0"/>
               <a:t>(Compute)</a:t>
             </a:r>
+          </a:p>
+          <a:p>
+            <a:pPr lvl="1"/>
+            <a:r>
+              <a:rPr lang="en-US" altLang="ko-KR" sz="1600" dirty="0" smtClean="0"/>
+              <a:t>- </a:t>
+            </a:r>
+            <a:r>
+              <a:rPr lang="en-US" altLang="ko-KR" sz="1600" dirty="0" err="1" smtClean="0"/>
+              <a:t>sendSlavesInfoMsg</a:t>
+            </a:r>
+            <a:r>
+              <a:rPr lang="en-US" altLang="ko-KR" sz="1600" dirty="0" smtClean="0"/>
+              <a:t>(): Unit</a:t>
+            </a:r>
             <a:endParaRPr lang="en-US" altLang="ko-KR" sz="1600" dirty="0"/>
           </a:p>
           <a:p>
-            <a:pPr lvl="1">
-              <a:buFontTx/>
-              <a:buChar char="-"/>
-            </a:pPr>
+            <a:pPr lvl="1"/>
             <a:r>
               <a:rPr lang="en-US" altLang="ko-KR" sz="1600" dirty="0" smtClean="0"/>
-              <a:t> </a:t>
+              <a:t>- </a:t>
             </a:r>
             <a:r>
               <a:rPr lang="en-US" altLang="ko-KR" sz="1600" dirty="0" err="1" smtClean="0"/>
-              <a:t>recvPartitions</a:t>
+              <a:t>waitDoneMessage</a:t>
             </a:r>
             <a:r>
               <a:rPr lang="en-US" altLang="ko-KR" sz="1600" dirty="0" smtClean="0"/>
-              <a:t>(): Future[Unit]</a:t>
-            </a:r>
-          </a:p>
-          <a:p>
-            <a:pPr lvl="1">
-              <a:buFontTx/>
-              <a:buChar char="-"/>
-            </a:pPr>
-            <a:r>
-              <a:rPr lang="en-US" altLang="ko-KR" sz="1600" dirty="0" smtClean="0"/>
-              <a:t> </a:t>
-            </a:r>
-            <a:r>
-              <a:rPr lang="en-US" altLang="ko-KR" sz="1600" dirty="0" err="1" smtClean="0"/>
-              <a:t>recvFromSingleSlave</a:t>
-            </a:r>
-            <a:r>
-              <a:rPr lang="en-US" altLang="ko-KR" sz="1600" dirty="0" smtClean="0"/>
-              <a:t>(): Future[Unit]</a:t>
-            </a:r>
-          </a:p>
-          <a:p>
-            <a:pPr lvl="1">
+              <a:t>(): Unit</a:t>
+            </a:r>
+          </a:p>
+          <a:p>
+            <a:pPr marL="742950" lvl="1" indent="-285750">
               <a:buFontTx/>
               <a:buChar char="-"/>
             </a:pPr>
             <a:endParaRPr lang="en-US" altLang="ko-KR" sz="1600" dirty="0"/>
           </a:p>
           <a:p>
-            <a:pPr lvl="1">
-              <a:buFontTx/>
-              <a:buChar char="-"/>
-            </a:pPr>
+            <a:pPr lvl="1"/>
             <a:r>
               <a:rPr lang="en-US" altLang="ko-KR" sz="1600" dirty="0" smtClean="0"/>
-              <a:t> </a:t>
-            </a:r>
-            <a:r>
-              <a:rPr lang="en-US" altLang="ko-KR" sz="1600" dirty="0"/>
-              <a:t>p</a:t>
-            </a:r>
+              <a:t>(Success)</a:t>
+            </a:r>
+          </a:p>
+          <a:p>
+            <a:pPr lvl="1"/>
             <a:r>
               <a:rPr lang="en-US" altLang="ko-KR" sz="1600" dirty="0" smtClean="0"/>
-              <a:t>artition(): Future[Unit]</a:t>
-            </a:r>
-          </a:p>
-          <a:p>
-            <a:pPr lvl="1">
-              <a:buFontTx/>
-              <a:buChar char="-"/>
-            </a:pPr>
-            <a:r>
-              <a:rPr lang="en-US" altLang="ko-KR" sz="1600" dirty="0"/>
-              <a:t> </a:t>
+              <a:t>- </a:t>
             </a:r>
             <a:r>
               <a:rPr lang="en-US" altLang="ko-KR" sz="1600" dirty="0" err="1" smtClean="0"/>
-              <a:t>partitionSingleFile</a:t>
-            </a:r>
-            <a:r>
-              <a:rPr lang="en-US" altLang="ko-KR" sz="1600" dirty="0" smtClean="0"/>
-              <a:t>(String): Unit</a:t>
-            </a:r>
-          </a:p>
-          <a:p>
-            <a:pPr lvl="1">
-              <a:buFontTx/>
-              <a:buChar char="-"/>
-            </a:pPr>
-            <a:endParaRPr lang="en-US" altLang="ko-KR" sz="1600" dirty="0"/>
-          </a:p>
-          <a:p>
-            <a:pPr lvl="1">
-              <a:buFontTx/>
-              <a:buChar char="-"/>
-            </a:pPr>
-            <a:r>
-              <a:rPr lang="en-US" altLang="ko-KR" sz="1600" dirty="0" smtClean="0"/>
-              <a:t> sort(): Future[Unit]</a:t>
-            </a:r>
-          </a:p>
-          <a:p>
-            <a:pPr lvl="1">
-              <a:buFontTx/>
-              <a:buChar char="-"/>
-            </a:pPr>
-            <a:r>
-              <a:rPr lang="en-US" altLang="ko-KR" sz="1600" dirty="0"/>
-              <a:t> </a:t>
-            </a:r>
-            <a:r>
-              <a:rPr lang="en-US" altLang="ko-KR" sz="1600" dirty="0" err="1" smtClean="0"/>
-              <a:t>sortSingleFile</a:t>
-            </a:r>
-            <a:r>
-              <a:rPr lang="en-US" altLang="ko-KR" sz="1600" dirty="0" smtClean="0"/>
-              <a:t>(String): Unit</a:t>
-            </a:r>
-          </a:p>
-          <a:p>
-            <a:pPr lvl="1">
-              <a:buFontTx/>
-              <a:buChar char="-"/>
-            </a:pPr>
-            <a:endParaRPr lang="en-US" altLang="ko-KR" sz="1600" dirty="0"/>
-          </a:p>
-          <a:p>
-            <a:pPr lvl="1">
-              <a:buFontTx/>
-              <a:buChar char="-"/>
-            </a:pPr>
-            <a:r>
-              <a:rPr lang="en-US" altLang="ko-KR" sz="1600" dirty="0"/>
-              <a:t> </a:t>
-            </a:r>
-            <a:r>
-              <a:rPr lang="en-US" altLang="ko-KR" sz="1600" dirty="0" smtClean="0"/>
-              <a:t>shuffle(): Future[Unit]</a:t>
-            </a:r>
-          </a:p>
-          <a:p>
-            <a:pPr lvl="1">
-              <a:buFontTx/>
-              <a:buChar char="-"/>
-            </a:pPr>
-            <a:endParaRPr lang="en-US" altLang="ko-KR" sz="1600" dirty="0"/>
-          </a:p>
-          <a:p>
-            <a:pPr lvl="1">
-              <a:buFontTx/>
-              <a:buChar char="-"/>
-            </a:pPr>
-            <a:r>
-              <a:rPr lang="en-US" altLang="ko-KR" sz="1600" dirty="0"/>
-              <a:t> </a:t>
-            </a:r>
-            <a:r>
-              <a:rPr lang="en-US" altLang="ko-KR" sz="1600" dirty="0" err="1" smtClean="0"/>
-              <a:t>sendPartitions</a:t>
-            </a:r>
-            <a:r>
-              <a:rPr lang="en-US" altLang="ko-KR" sz="1600" dirty="0" smtClean="0"/>
-              <a:t>(): Future[Unit]</a:t>
-            </a:r>
-          </a:p>
-          <a:p>
-            <a:pPr lvl="1">
-              <a:buFontTx/>
-              <a:buChar char="-"/>
-            </a:pPr>
-            <a:r>
-              <a:rPr lang="en-US" altLang="ko-KR" sz="1600" dirty="0" smtClean="0"/>
-              <a:t> </a:t>
-            </a:r>
-            <a:r>
-              <a:rPr lang="en-US" altLang="ko-KR" sz="1600" dirty="0" err="1" smtClean="0"/>
-              <a:t>sendPartitionTo</a:t>
-            </a:r>
-            <a:r>
-              <a:rPr lang="en-US" altLang="ko-KR" sz="1600" dirty="0" smtClean="0"/>
-              <a:t>(Slave): Unit</a:t>
-            </a:r>
-          </a:p>
-          <a:p>
-            <a:pPr lvl="1">
-              <a:buFontTx/>
-              <a:buChar char="-"/>
-            </a:pPr>
-            <a:endParaRPr lang="en-US" altLang="ko-KR" sz="1600" dirty="0"/>
-          </a:p>
-          <a:p>
-            <a:pPr lvl="1">
-              <a:buFontTx/>
-              <a:buChar char="-"/>
-            </a:pPr>
-            <a:r>
-              <a:rPr lang="en-US" altLang="ko-KR" sz="1600" dirty="0"/>
-              <a:t> </a:t>
-            </a:r>
-            <a:r>
-              <a:rPr lang="en-US" altLang="ko-KR" sz="1600" dirty="0" err="1" smtClean="0"/>
-              <a:t>sendDoneMsg</a:t>
+              <a:t>closeAllSocket</a:t>
             </a:r>
             <a:r>
               <a:rPr lang="en-US" altLang="ko-KR" sz="1600" dirty="0" smtClean="0"/>
               <a:t>(): Unit</a:t>
             </a:r>
+            <a:endParaRPr lang="en-US" altLang="ko-KR" sz="1600" dirty="0"/>
+          </a:p>
+          <a:p>
+            <a:pPr lvl="1"/>
+            <a:endParaRPr lang="en-US" altLang="ko-KR" sz="1600" dirty="0"/>
           </a:p>
         </p:txBody>
       </p:sp>
     </p:spTree>
     <p:extLst>
       <p:ext uri="{BB962C8B-B14F-4D97-AF65-F5344CB8AC3E}">
-        <p14:creationId xmlns:p14="http://schemas.microsoft.com/office/powerpoint/2010/main" val="4159145072"/>
+        <p14:creationId xmlns:p14="http://schemas.microsoft.com/office/powerpoint/2010/main" val="1516983984"/>
       </p:ext>
     </p:extLst>
   </p:cSld>
@@ -14661,29 +14949,572 @@
             <p:ph type="title"/>
           </p:nvPr>
         </p:nvSpPr>
-        <p:spPr>
-          <a:xfrm>
-            <a:off x="197117" y="2763371"/>
-            <a:ext cx="11876248" cy="1325563"/>
-          </a:xfrm>
-        </p:spPr>
+        <p:spPr/>
         <p:txBody>
           <a:bodyPr/>
           <a:lstStyle/>
           <a:p>
-            <a:pPr algn="ctr"/>
             <a:r>
               <a:rPr lang="en-US" altLang="ko-KR" dirty="0" smtClean="0"/>
-              <a:t>Tests</a:t>
+              <a:t>Slave</a:t>
             </a:r>
             <a:endParaRPr lang="ko-KR" altLang="en-US" dirty="0"/>
+          </a:p>
+        </p:txBody>
+      </p:sp>
+      <p:sp>
+        <p:nvSpPr>
+          <p:cNvPr id="3" name="내용 개체 틀 2"/>
+          <p:cNvSpPr>
+            <a:spLocks noGrp="1"/>
+          </p:cNvSpPr>
+          <p:nvPr>
+            <p:ph idx="1"/>
+          </p:nvPr>
+        </p:nvSpPr>
+        <p:spPr>
+          <a:xfrm>
+            <a:off x="838199" y="1978024"/>
+            <a:ext cx="5650207" cy="4755865"/>
+          </a:xfrm>
+        </p:spPr>
+        <p:txBody>
+          <a:bodyPr>
+            <a:normAutofit lnSpcReduction="10000"/>
+          </a:bodyPr>
+          <a:lstStyle/>
+          <a:p>
+            <a:r>
+              <a:rPr lang="en-US" altLang="ko-KR" sz="2000" dirty="0"/>
+              <a:t>class Slave</a:t>
+            </a:r>
+            <a:r>
+              <a:rPr lang="en-US" altLang="ko-KR" sz="2000" dirty="0" smtClean="0"/>
+              <a:t>:</a:t>
+            </a:r>
+            <a:endParaRPr lang="en-US" altLang="ko-KR" sz="1600" dirty="0"/>
+          </a:p>
+          <a:p>
+            <a:pPr lvl="1">
+              <a:buFontTx/>
+              <a:buChar char="-"/>
+            </a:pPr>
+            <a:r>
+              <a:rPr lang="en-US" altLang="ko-KR" sz="1600" dirty="0" err="1" smtClean="0"/>
+              <a:t>var</a:t>
+            </a:r>
+            <a:r>
+              <a:rPr lang="en-US" altLang="ko-KR" sz="1600" dirty="0" smtClean="0"/>
+              <a:t> </a:t>
+            </a:r>
+            <a:r>
+              <a:rPr lang="en-US" altLang="ko-KR" sz="1600" dirty="0" err="1" smtClean="0"/>
+              <a:t>slaveNumber</a:t>
+            </a:r>
+            <a:r>
+              <a:rPr lang="en-US" altLang="ko-KR" sz="1600" dirty="0"/>
+              <a:t>: </a:t>
+            </a:r>
+            <a:r>
+              <a:rPr lang="en-US" altLang="ko-KR" sz="1600" dirty="0" err="1" smtClean="0"/>
+              <a:t>Int</a:t>
+            </a:r>
+            <a:endParaRPr lang="en-US" altLang="ko-KR" sz="1600" dirty="0" smtClean="0"/>
+          </a:p>
+          <a:p>
+            <a:pPr lvl="1">
+              <a:buFontTx/>
+              <a:buChar char="-"/>
+            </a:pPr>
+            <a:r>
+              <a:rPr lang="en-US" altLang="ko-KR" sz="1600" dirty="0" err="1" smtClean="0"/>
+              <a:t>var</a:t>
+            </a:r>
+            <a:r>
+              <a:rPr lang="en-US" altLang="ko-KR" sz="1600" dirty="0" smtClean="0"/>
+              <a:t> </a:t>
+            </a:r>
+            <a:r>
+              <a:rPr lang="en-US" altLang="ko-KR" sz="1600" dirty="0" err="1" smtClean="0"/>
+              <a:t>partitionSize</a:t>
+            </a:r>
+            <a:r>
+              <a:rPr lang="en-US" altLang="ko-KR" sz="1600" dirty="0" smtClean="0"/>
+              <a:t>: </a:t>
+            </a:r>
+            <a:r>
+              <a:rPr lang="en-US" altLang="ko-KR" sz="1600" dirty="0" err="1" smtClean="0"/>
+              <a:t>Int</a:t>
+            </a:r>
+            <a:endParaRPr lang="en-US" altLang="ko-KR" sz="1600" dirty="0" smtClean="0"/>
+          </a:p>
+          <a:p>
+            <a:pPr lvl="1">
+              <a:buFontTx/>
+              <a:buChar char="-"/>
+            </a:pPr>
+            <a:r>
+              <a:rPr lang="en-US" altLang="ko-KR" sz="1600" dirty="0" err="1"/>
+              <a:t>v</a:t>
+            </a:r>
+            <a:r>
+              <a:rPr lang="en-US" altLang="ko-KR" sz="1600" dirty="0" err="1" smtClean="0"/>
+              <a:t>ar</a:t>
+            </a:r>
+            <a:r>
+              <a:rPr lang="en-US" altLang="ko-KR" sz="1600" dirty="0" smtClean="0"/>
+              <a:t> socket: Socket</a:t>
+            </a:r>
+          </a:p>
+          <a:p>
+            <a:pPr lvl="1">
+              <a:buFontTx/>
+              <a:buChar char="-"/>
+            </a:pPr>
+            <a:r>
+              <a:rPr lang="en-US" altLang="ko-KR" sz="1600" dirty="0" err="1"/>
+              <a:t>v</a:t>
+            </a:r>
+            <a:r>
+              <a:rPr lang="en-US" altLang="ko-KR" sz="1600" dirty="0" err="1" smtClean="0"/>
+              <a:t>ar</a:t>
+            </a:r>
+            <a:r>
+              <a:rPr lang="en-US" altLang="ko-KR" sz="1600" dirty="0" smtClean="0"/>
+              <a:t> slaves: List[Slave]</a:t>
+            </a:r>
+          </a:p>
+          <a:p>
+            <a:pPr lvl="1">
+              <a:buFontTx/>
+              <a:buChar char="-"/>
+            </a:pPr>
+            <a:r>
+              <a:rPr lang="en-US" altLang="ko-KR" sz="1600" dirty="0" err="1"/>
+              <a:t>v</a:t>
+            </a:r>
+            <a:r>
+              <a:rPr lang="en-US" altLang="ko-KR" sz="1600" dirty="0" err="1" smtClean="0"/>
+              <a:t>ar</a:t>
+            </a:r>
+            <a:r>
+              <a:rPr lang="en-US" altLang="ko-KR" sz="1600" dirty="0" smtClean="0"/>
+              <a:t> pivots: List[</a:t>
+            </a:r>
+            <a:r>
+              <a:rPr lang="en-US" altLang="ko-KR" sz="1600" dirty="0" err="1" smtClean="0"/>
+              <a:t>Int</a:t>
+            </a:r>
+            <a:r>
+              <a:rPr lang="en-US" altLang="ko-KR" sz="1600" dirty="0" smtClean="0"/>
+              <a:t>]</a:t>
+            </a:r>
+          </a:p>
+          <a:p>
+            <a:pPr lvl="1">
+              <a:buFontTx/>
+              <a:buChar char="-"/>
+            </a:pPr>
+            <a:endParaRPr lang="en-US" altLang="ko-KR" sz="1600" dirty="0"/>
+          </a:p>
+          <a:p>
+            <a:pPr marL="457200" lvl="1" indent="0">
+              <a:buNone/>
+            </a:pPr>
+            <a:r>
+              <a:rPr lang="en-US" altLang="ko-KR" sz="1600" dirty="0" smtClean="0"/>
+              <a:t>(connect)</a:t>
+            </a:r>
+          </a:p>
+          <a:p>
+            <a:pPr lvl="1">
+              <a:buFontTx/>
+              <a:buChar char="-"/>
+            </a:pPr>
+            <a:r>
+              <a:rPr lang="en-US" altLang="ko-KR" sz="1600" dirty="0" err="1" smtClean="0"/>
+              <a:t>connectToMaster</a:t>
+            </a:r>
+            <a:r>
+              <a:rPr lang="en-US" altLang="ko-KR" sz="1600" dirty="0" smtClean="0"/>
+              <a:t>(String, </a:t>
+            </a:r>
+            <a:r>
+              <a:rPr lang="en-US" altLang="ko-KR" sz="1600" dirty="0" err="1" smtClean="0"/>
+              <a:t>Int</a:t>
+            </a:r>
+            <a:r>
+              <a:rPr lang="en-US" altLang="ko-KR" sz="1600" dirty="0" smtClean="0"/>
+              <a:t>): Unit</a:t>
+            </a:r>
+          </a:p>
+          <a:p>
+            <a:pPr lvl="1">
+              <a:buFontTx/>
+              <a:buChar char="-"/>
+            </a:pPr>
+            <a:endParaRPr lang="en-US" altLang="ko-KR" sz="1600" dirty="0"/>
+          </a:p>
+          <a:p>
+            <a:pPr marL="457200" lvl="1" indent="0">
+              <a:buNone/>
+            </a:pPr>
+            <a:r>
+              <a:rPr lang="en-US" altLang="ko-KR" sz="1600" dirty="0"/>
+              <a:t>(sample)</a:t>
+            </a:r>
+          </a:p>
+          <a:p>
+            <a:pPr lvl="1">
+              <a:buFontTx/>
+              <a:buChar char="-"/>
+            </a:pPr>
+            <a:r>
+              <a:rPr lang="en-US" altLang="ko-KR" sz="1600" dirty="0" err="1" smtClean="0"/>
+              <a:t>getDataSize</a:t>
+            </a:r>
+            <a:r>
+              <a:rPr lang="en-US" altLang="ko-KR" sz="1600" dirty="0"/>
+              <a:t>(): </a:t>
+            </a:r>
+            <a:r>
+              <a:rPr lang="en-US" altLang="ko-KR" sz="1600" dirty="0" smtClean="0"/>
+              <a:t>Long</a:t>
+            </a:r>
+            <a:endParaRPr lang="en-US" altLang="ko-KR" sz="1600" dirty="0"/>
+          </a:p>
+          <a:p>
+            <a:pPr lvl="1">
+              <a:buFontTx/>
+              <a:buChar char="-"/>
+            </a:pPr>
+            <a:r>
+              <a:rPr lang="en-US" altLang="ko-KR" sz="1600" dirty="0" smtClean="0"/>
+              <a:t>sample</a:t>
+            </a:r>
+            <a:r>
+              <a:rPr lang="en-US" altLang="ko-KR" sz="1600" dirty="0"/>
+              <a:t>(): List[Key]</a:t>
+            </a:r>
+          </a:p>
+          <a:p>
+            <a:pPr lvl="1">
+              <a:buFontTx/>
+              <a:buChar char="-"/>
+            </a:pPr>
+            <a:r>
+              <a:rPr lang="en-US" altLang="ko-KR" sz="1600" dirty="0" err="1" smtClean="0"/>
+              <a:t>sampleSingleFile</a:t>
+            </a:r>
+            <a:r>
+              <a:rPr lang="en-US" altLang="ko-KR" sz="1600" dirty="0"/>
+              <a:t>(): List[Key]</a:t>
+            </a:r>
+          </a:p>
+          <a:p>
+            <a:pPr lvl="1">
+              <a:buFontTx/>
+              <a:buChar char="-"/>
+            </a:pPr>
+            <a:r>
+              <a:rPr lang="en-US" altLang="ko-KR" sz="1600" dirty="0" err="1" smtClean="0"/>
+              <a:t>sendSampleMsg</a:t>
+            </a:r>
+            <a:r>
+              <a:rPr lang="en-US" altLang="ko-KR" sz="1600" dirty="0"/>
+              <a:t>(): Unit</a:t>
+            </a:r>
+          </a:p>
+          <a:p>
+            <a:pPr lvl="1">
+              <a:buFontTx/>
+              <a:buChar char="-"/>
+            </a:pPr>
+            <a:r>
+              <a:rPr lang="en-US" altLang="ko-KR" sz="1600" dirty="0" err="1" smtClean="0"/>
+              <a:t>recvSlaveInfoMsg</a:t>
+            </a:r>
+            <a:r>
+              <a:rPr lang="en-US" altLang="ko-KR" sz="1600" dirty="0"/>
+              <a:t>(): </a:t>
+            </a:r>
+            <a:r>
+              <a:rPr lang="en-US" altLang="ko-KR" sz="1600" dirty="0" err="1" smtClean="0"/>
+              <a:t>SlaveInfoMsg</a:t>
+            </a:r>
+            <a:endParaRPr lang="en-US" altLang="ko-KR" sz="1600" dirty="0"/>
+          </a:p>
+          <a:p>
+            <a:pPr lvl="1">
+              <a:buFontTx/>
+              <a:buChar char="-"/>
+            </a:pPr>
+            <a:r>
+              <a:rPr lang="en-US" altLang="ko-KR" sz="1600" dirty="0" err="1" smtClean="0"/>
+              <a:t>updateSlaveInfo</a:t>
+            </a:r>
+            <a:r>
+              <a:rPr lang="en-US" altLang="ko-KR" sz="1600" dirty="0" smtClean="0"/>
+              <a:t>(</a:t>
+            </a:r>
+            <a:r>
+              <a:rPr lang="en-US" altLang="ko-KR" sz="1600" dirty="0" err="1" smtClean="0"/>
+              <a:t>SlaveInfoMsg</a:t>
+            </a:r>
+            <a:r>
+              <a:rPr lang="en-US" altLang="ko-KR" sz="1600" dirty="0"/>
+              <a:t>): Unit</a:t>
+            </a:r>
+          </a:p>
+          <a:p>
+            <a:pPr lvl="1">
+              <a:buFontTx/>
+              <a:buChar char="-"/>
+            </a:pPr>
+            <a:endParaRPr lang="en-US" altLang="ko-KR" dirty="0"/>
+          </a:p>
+          <a:p>
+            <a:endParaRPr lang="ko-KR" altLang="en-US" dirty="0"/>
+          </a:p>
+        </p:txBody>
+      </p:sp>
+      <p:sp>
+        <p:nvSpPr>
+          <p:cNvPr id="4" name="직사각형 3"/>
+          <p:cNvSpPr/>
+          <p:nvPr/>
+        </p:nvSpPr>
+        <p:spPr>
+          <a:xfrm>
+            <a:off x="5829528" y="510917"/>
+            <a:ext cx="6096000" cy="4031873"/>
+          </a:xfrm>
+          <a:prstGeom prst="rect">
+            <a:avLst/>
+          </a:prstGeom>
+        </p:spPr>
+        <p:txBody>
+          <a:bodyPr>
+            <a:spAutoFit/>
+          </a:bodyPr>
+          <a:lstStyle/>
+          <a:p>
+            <a:pPr lvl="1"/>
+            <a:r>
+              <a:rPr lang="en-US" altLang="ko-KR" sz="1600" dirty="0" smtClean="0"/>
+              <a:t>(Compute)</a:t>
+            </a:r>
+            <a:endParaRPr lang="en-US" altLang="ko-KR" sz="1600" dirty="0"/>
+          </a:p>
+          <a:p>
+            <a:pPr lvl="1">
+              <a:buFontTx/>
+              <a:buChar char="-"/>
+            </a:pPr>
+            <a:r>
+              <a:rPr lang="en-US" altLang="ko-KR" sz="1600" dirty="0" smtClean="0"/>
+              <a:t> </a:t>
+            </a:r>
+            <a:r>
+              <a:rPr lang="en-US" altLang="ko-KR" sz="1600" dirty="0" err="1" smtClean="0"/>
+              <a:t>recvPartitions</a:t>
+            </a:r>
+            <a:r>
+              <a:rPr lang="en-US" altLang="ko-KR" sz="1600" dirty="0" smtClean="0"/>
+              <a:t>(): Future[Unit]</a:t>
+            </a:r>
+          </a:p>
+          <a:p>
+            <a:pPr lvl="1">
+              <a:buFontTx/>
+              <a:buChar char="-"/>
+            </a:pPr>
+            <a:r>
+              <a:rPr lang="en-US" altLang="ko-KR" sz="1600" dirty="0" smtClean="0"/>
+              <a:t> </a:t>
+            </a:r>
+            <a:r>
+              <a:rPr lang="en-US" altLang="ko-KR" sz="1600" dirty="0" err="1" smtClean="0"/>
+              <a:t>recvFromSingleSlave</a:t>
+            </a:r>
+            <a:r>
+              <a:rPr lang="en-US" altLang="ko-KR" sz="1600" dirty="0" smtClean="0"/>
+              <a:t>(): Future[Unit]</a:t>
+            </a:r>
+          </a:p>
+          <a:p>
+            <a:pPr lvl="1">
+              <a:buFontTx/>
+              <a:buChar char="-"/>
+            </a:pPr>
+            <a:endParaRPr lang="en-US" altLang="ko-KR" sz="1600" dirty="0"/>
+          </a:p>
+          <a:p>
+            <a:pPr lvl="1">
+              <a:buFontTx/>
+              <a:buChar char="-"/>
+            </a:pPr>
+            <a:r>
+              <a:rPr lang="en-US" altLang="ko-KR" sz="1600" dirty="0" smtClean="0"/>
+              <a:t> </a:t>
+            </a:r>
+            <a:r>
+              <a:rPr lang="en-US" altLang="ko-KR" sz="1600" dirty="0"/>
+              <a:t>p</a:t>
+            </a:r>
+            <a:r>
+              <a:rPr lang="en-US" altLang="ko-KR" sz="1600" dirty="0" smtClean="0"/>
+              <a:t>artition(): Future[Unit]</a:t>
+            </a:r>
+          </a:p>
+          <a:p>
+            <a:pPr lvl="1">
+              <a:buFontTx/>
+              <a:buChar char="-"/>
+            </a:pPr>
+            <a:r>
+              <a:rPr lang="en-US" altLang="ko-KR" sz="1600" dirty="0"/>
+              <a:t> </a:t>
+            </a:r>
+            <a:r>
+              <a:rPr lang="en-US" altLang="ko-KR" sz="1600" dirty="0" err="1" smtClean="0"/>
+              <a:t>partitionSingleFile</a:t>
+            </a:r>
+            <a:r>
+              <a:rPr lang="en-US" altLang="ko-KR" sz="1600" dirty="0" smtClean="0"/>
+              <a:t>(String): Unit</a:t>
+            </a:r>
+          </a:p>
+          <a:p>
+            <a:pPr lvl="1">
+              <a:buFontTx/>
+              <a:buChar char="-"/>
+            </a:pPr>
+            <a:endParaRPr lang="en-US" altLang="ko-KR" sz="1600" dirty="0"/>
+          </a:p>
+          <a:p>
+            <a:pPr lvl="1">
+              <a:buFontTx/>
+              <a:buChar char="-"/>
+            </a:pPr>
+            <a:r>
+              <a:rPr lang="en-US" altLang="ko-KR" sz="1600" dirty="0" smtClean="0"/>
+              <a:t> sort(): Future[Unit]</a:t>
+            </a:r>
+          </a:p>
+          <a:p>
+            <a:pPr lvl="1">
+              <a:buFontTx/>
+              <a:buChar char="-"/>
+            </a:pPr>
+            <a:r>
+              <a:rPr lang="en-US" altLang="ko-KR" sz="1600" dirty="0"/>
+              <a:t> </a:t>
+            </a:r>
+            <a:r>
+              <a:rPr lang="en-US" altLang="ko-KR" sz="1600" dirty="0" err="1" smtClean="0"/>
+              <a:t>sortSingleFile</a:t>
+            </a:r>
+            <a:r>
+              <a:rPr lang="en-US" altLang="ko-KR" sz="1600" dirty="0" smtClean="0"/>
+              <a:t>(String): Unit</a:t>
+            </a:r>
+          </a:p>
+          <a:p>
+            <a:pPr lvl="1">
+              <a:buFontTx/>
+              <a:buChar char="-"/>
+            </a:pPr>
+            <a:endParaRPr lang="en-US" altLang="ko-KR" sz="1600" dirty="0"/>
+          </a:p>
+          <a:p>
+            <a:pPr lvl="1">
+              <a:buFontTx/>
+              <a:buChar char="-"/>
+            </a:pPr>
+            <a:r>
+              <a:rPr lang="en-US" altLang="ko-KR" sz="1600" dirty="0"/>
+              <a:t> </a:t>
+            </a:r>
+            <a:r>
+              <a:rPr lang="en-US" altLang="ko-KR" sz="1600" dirty="0" smtClean="0"/>
+              <a:t>shuffle(): Future[Unit]</a:t>
+            </a:r>
+          </a:p>
+          <a:p>
+            <a:pPr lvl="1">
+              <a:buFontTx/>
+              <a:buChar char="-"/>
+            </a:pPr>
+            <a:endParaRPr lang="en-US" altLang="ko-KR" sz="1600" dirty="0"/>
+          </a:p>
+          <a:p>
+            <a:pPr lvl="1">
+              <a:buFontTx/>
+              <a:buChar char="-"/>
+            </a:pPr>
+            <a:r>
+              <a:rPr lang="en-US" altLang="ko-KR" sz="1600" dirty="0"/>
+              <a:t> </a:t>
+            </a:r>
+            <a:r>
+              <a:rPr lang="en-US" altLang="ko-KR" sz="1600" dirty="0" err="1" smtClean="0"/>
+              <a:t>sendPartitions</a:t>
+            </a:r>
+            <a:r>
+              <a:rPr lang="en-US" altLang="ko-KR" sz="1600" dirty="0" smtClean="0"/>
+              <a:t>(): Future[Unit]</a:t>
+            </a:r>
+          </a:p>
+          <a:p>
+            <a:pPr lvl="1">
+              <a:buFontTx/>
+              <a:buChar char="-"/>
+            </a:pPr>
+            <a:r>
+              <a:rPr lang="en-US" altLang="ko-KR" sz="1600" dirty="0" smtClean="0"/>
+              <a:t> </a:t>
+            </a:r>
+            <a:r>
+              <a:rPr lang="en-US" altLang="ko-KR" sz="1600" dirty="0" err="1" smtClean="0"/>
+              <a:t>sendPartitionTo</a:t>
+            </a:r>
+            <a:r>
+              <a:rPr lang="en-US" altLang="ko-KR" sz="1600" dirty="0" smtClean="0"/>
+              <a:t>(Slave): Unit</a:t>
+            </a:r>
+          </a:p>
+          <a:p>
+            <a:pPr lvl="1">
+              <a:buFontTx/>
+              <a:buChar char="-"/>
+            </a:pPr>
+            <a:endParaRPr lang="en-US" altLang="ko-KR" sz="1600" dirty="0"/>
+          </a:p>
+          <a:p>
+            <a:pPr lvl="1">
+              <a:buFontTx/>
+              <a:buChar char="-"/>
+            </a:pPr>
+            <a:r>
+              <a:rPr lang="en-US" altLang="ko-KR" sz="1600" dirty="0"/>
+              <a:t> </a:t>
+            </a:r>
+            <a:r>
+              <a:rPr lang="en-US" altLang="ko-KR" sz="1600" dirty="0" err="1" smtClean="0"/>
+              <a:t>sendDoneMsg</a:t>
+            </a:r>
+            <a:r>
+              <a:rPr lang="en-US" altLang="ko-KR" sz="1600" dirty="0" smtClean="0"/>
+              <a:t>(): Unit</a:t>
+            </a:r>
           </a:p>
         </p:txBody>
       </p:sp>
     </p:spTree>
     <p:extLst>
       <p:ext uri="{BB962C8B-B14F-4D97-AF65-F5344CB8AC3E}">
-        <p14:creationId xmlns:p14="http://schemas.microsoft.com/office/powerpoint/2010/main" val="946132181"/>
+        <p14:creationId xmlns:p14="http://schemas.microsoft.com/office/powerpoint/2010/main" val="4159145072"/>
       </p:ext>
     </p:extLst>
   </p:cSld>
@@ -14727,6 +15558,72 @@
             <p:ph type="title"/>
           </p:nvPr>
         </p:nvSpPr>
+        <p:spPr>
+          <a:xfrm>
+            <a:off x="197117" y="2763371"/>
+            <a:ext cx="11876248" cy="1325563"/>
+          </a:xfrm>
+        </p:spPr>
+        <p:txBody>
+          <a:bodyPr/>
+          <a:lstStyle/>
+          <a:p>
+            <a:pPr algn="ctr"/>
+            <a:r>
+              <a:rPr lang="en-US" altLang="ko-KR" dirty="0" smtClean="0"/>
+              <a:t>Tests</a:t>
+            </a:r>
+            <a:endParaRPr lang="ko-KR" altLang="en-US" dirty="0"/>
+          </a:p>
+        </p:txBody>
+      </p:sp>
+    </p:spTree>
+    <p:extLst>
+      <p:ext uri="{BB962C8B-B14F-4D97-AF65-F5344CB8AC3E}">
+        <p14:creationId xmlns:p14="http://schemas.microsoft.com/office/powerpoint/2010/main" val="946132181"/>
+      </p:ext>
+    </p:extLst>
+  </p:cSld>
+  <p:clrMapOvr>
+    <a:masterClrMapping/>
+  </p:clrMapOvr>
+  <p:timing>
+    <p:tnLst>
+      <p:par>
+        <p:cTn id="1" dur="indefinite" restart="never" nodeType="tmRoot"/>
+      </p:par>
+    </p:tnLst>
+  </p:timing>
+</p:sld>
+</file>
+
+<file path=ppt/slides/slide32.xml><?xml version="1.0" encoding="utf-8"?>
+<p:sld xmlns:a="http://schemas.openxmlformats.org/drawingml/2006/main" xmlns:r="http://schemas.openxmlformats.org/officeDocument/2006/relationships" xmlns:p="http://schemas.openxmlformats.org/presentationml/2006/main">
+  <p:cSld>
+    <p:spTree>
+      <p:nvGrpSpPr>
+        <p:cNvPr id="1" name=""/>
+        <p:cNvGrpSpPr/>
+        <p:nvPr/>
+      </p:nvGrpSpPr>
+      <p:grpSpPr>
+        <a:xfrm>
+          <a:off x="0" y="0"/>
+          <a:ext cx="0" cy="0"/>
+          <a:chOff x="0" y="0"/>
+          <a:chExt cx="0" cy="0"/>
+        </a:xfrm>
+      </p:grpSpPr>
+      <p:sp>
+        <p:nvSpPr>
+          <p:cNvPr id="2" name="제목 1"/>
+          <p:cNvSpPr>
+            <a:spLocks noGrp="1"/>
+          </p:cNvSpPr>
+          <p:nvPr>
+            <p:ph type="title"/>
+          </p:nvPr>
+        </p:nvSpPr>
         <p:spPr/>
         <p:txBody>
           <a:bodyPr/>
@@ -14917,7 +15814,7 @@
           <p:nvPr>
             <p:extLst>
               <p:ext uri="{D42A27DB-BD31-4B8C-83A1-F6EECF244321}">
-                <p14:modId xmlns:p14="http://schemas.microsoft.com/office/powerpoint/2010/main" val="3875033890"/>
+                <p14:modId xmlns:p14="http://schemas.microsoft.com/office/powerpoint/2010/main" val="1326626042"/>
               </p:ext>
             </p:extLst>
           </p:nvPr>
@@ -15109,7 +16006,29 @@
                       </a:pPr>
                       <a:r>
                         <a:rPr lang="en-US" altLang="ko-KR" sz="1400" b="0" dirty="0" smtClean="0"/>
-                        <a:t>Sample data</a:t>
+                        <a:t>Sample </a:t>
+                      </a:r>
+                      <a:r>
+                        <a:rPr lang="en-US" altLang="ko-KR" sz="1400" b="0" dirty="0" smtClean="0"/>
+                        <a:t>data</a:t>
+                      </a:r>
+                    </a:p>
+                    <a:p>
+                      <a:pPr marL="285750" indent="-285750" latinLnBrk="1">
+                        <a:buFontTx/>
+                        <a:buChar char="-"/>
+                      </a:pPr>
+                      <a:r>
+                        <a:rPr lang="en-US" altLang="ko-KR" sz="1400" b="0" dirty="0" err="1" smtClean="0"/>
+                        <a:t>SocketHandler</a:t>
+                      </a:r>
+                      <a:r>
+                        <a:rPr lang="en-US" altLang="ko-KR" sz="1400" b="0" dirty="0" smtClean="0"/>
+                        <a:t> (null at sender side</a:t>
+                      </a:r>
+                      <a:r>
+                        <a:rPr lang="en-US" altLang="ko-KR" sz="1400" b="0" baseline="0" dirty="0" smtClean="0"/>
+                        <a:t>)</a:t>
                       </a:r>
                       <a:endParaRPr lang="ko-KR" altLang="en-US" sz="1400" b="0" dirty="0"/>
                     </a:p>
@@ -15120,6 +16039,57 @@
                   <a:txBody>
                     <a:bodyPr/>
                     <a:lstStyle/>
+                    <a:p>
+                      <a:pPr marL="285750" marR="0" indent="-285750" algn="l" defTabSz="914400" rtl="0" eaLnBrk="1" fontAlgn="auto" latinLnBrk="1" hangingPunct="1">
+                        <a:lnSpc>
+                          <a:spcPct val="100000"/>
+                        </a:lnSpc>
+                        <a:spcBef>
+                          <a:spcPts val="0"/>
+                        </a:spcBef>
+                        <a:spcAft>
+                          <a:spcPts val="0"/>
+                        </a:spcAft>
+                        <a:buClrTx/>
+                        <a:buSzTx/>
+                        <a:buFontTx/>
+                        <a:buChar char="-"/>
+                        <a:tabLst/>
+                        <a:defRPr/>
+                      </a:pPr>
+                      <a:r>
+                        <a:rPr lang="en-US" altLang="ko-KR" sz="1400" b="0" dirty="0" err="1" smtClean="0"/>
+                        <a:t>SocketHandler</a:t>
+                      </a:r>
+                      <a:r>
+                        <a:rPr lang="en-US" altLang="ko-KR" sz="1400" b="0" dirty="0" smtClean="0"/>
+                        <a:t> (null at sender side</a:t>
+                      </a:r>
+                      <a:r>
+                        <a:rPr lang="en-US" altLang="ko-KR" sz="1400" b="0" baseline="0" dirty="0" smtClean="0"/>
+                        <a:t>)</a:t>
+                      </a:r>
+                    </a:p>
+                    <a:p>
+                      <a:pPr marL="285750" marR="0" indent="-285750" algn="l" defTabSz="914400" rtl="0" eaLnBrk="1" fontAlgn="auto" latinLnBrk="1" hangingPunct="1">
+                        <a:lnSpc>
+                          <a:spcPct val="100000"/>
+                        </a:lnSpc>
+                        <a:spcBef>
+                          <a:spcPts val="0"/>
+                        </a:spcBef>
+                        <a:spcAft>
+                          <a:spcPts val="0"/>
+                        </a:spcAft>
+                        <a:buClrTx/>
+                        <a:buSzTx/>
+                        <a:buFontTx/>
+                        <a:buChar char="-"/>
+                        <a:tabLst/>
+                        <a:defRPr/>
+                      </a:pPr>
+                      <a:endParaRPr lang="ko-KR" altLang="en-US" sz="1400" b="0" dirty="0" smtClean="0"/>
+                    </a:p>
                     <a:p>
                       <a:pPr latinLnBrk="1"/>
                       <a:endParaRPr lang="ko-KR" altLang="en-US" sz="1400" b="0" dirty="0"/>

--- a/project.pptx
+++ b/project.pptx
@@ -274,7 +274,7 @@
           <a:p>
             <a:fld id="{33CC212C-81FB-40F3-BD5E-91ADD12CE53F}" type="datetimeFigureOut">
               <a:rPr lang="ko-KR" altLang="en-US" smtClean="0"/>
-              <a:t>2016-10-29</a:t>
+              <a:t>2016-10-30</a:t>
             </a:fld>
             <a:endParaRPr lang="ko-KR" altLang="en-US"/>
           </a:p>
@@ -444,7 +444,7 @@
           <a:p>
             <a:fld id="{33CC212C-81FB-40F3-BD5E-91ADD12CE53F}" type="datetimeFigureOut">
               <a:rPr lang="ko-KR" altLang="en-US" smtClean="0"/>
-              <a:t>2016-10-29</a:t>
+              <a:t>2016-10-30</a:t>
             </a:fld>
             <a:endParaRPr lang="ko-KR" altLang="en-US"/>
           </a:p>
@@ -624,7 +624,7 @@
           <a:p>
             <a:fld id="{33CC212C-81FB-40F3-BD5E-91ADD12CE53F}" type="datetimeFigureOut">
               <a:rPr lang="ko-KR" altLang="en-US" smtClean="0"/>
-              <a:t>2016-10-29</a:t>
+              <a:t>2016-10-30</a:t>
             </a:fld>
             <a:endParaRPr lang="ko-KR" altLang="en-US"/>
           </a:p>
@@ -794,7 +794,7 @@
           <a:p>
             <a:fld id="{33CC212C-81FB-40F3-BD5E-91ADD12CE53F}" type="datetimeFigureOut">
               <a:rPr lang="ko-KR" altLang="en-US" smtClean="0"/>
-              <a:t>2016-10-29</a:t>
+              <a:t>2016-10-30</a:t>
             </a:fld>
             <a:endParaRPr lang="ko-KR" altLang="en-US"/>
           </a:p>
@@ -1040,7 +1040,7 @@
           <a:p>
             <a:fld id="{33CC212C-81FB-40F3-BD5E-91ADD12CE53F}" type="datetimeFigureOut">
               <a:rPr lang="ko-KR" altLang="en-US" smtClean="0"/>
-              <a:t>2016-10-29</a:t>
+              <a:t>2016-10-30</a:t>
             </a:fld>
             <a:endParaRPr lang="ko-KR" altLang="en-US"/>
           </a:p>
@@ -1272,7 +1272,7 @@
           <a:p>
             <a:fld id="{33CC212C-81FB-40F3-BD5E-91ADD12CE53F}" type="datetimeFigureOut">
               <a:rPr lang="ko-KR" altLang="en-US" smtClean="0"/>
-              <a:t>2016-10-29</a:t>
+              <a:t>2016-10-30</a:t>
             </a:fld>
             <a:endParaRPr lang="ko-KR" altLang="en-US"/>
           </a:p>
@@ -1639,7 +1639,7 @@
           <a:p>
             <a:fld id="{33CC212C-81FB-40F3-BD5E-91ADD12CE53F}" type="datetimeFigureOut">
               <a:rPr lang="ko-KR" altLang="en-US" smtClean="0"/>
-              <a:t>2016-10-29</a:t>
+              <a:t>2016-10-30</a:t>
             </a:fld>
             <a:endParaRPr lang="ko-KR" altLang="en-US"/>
           </a:p>
@@ -1757,7 +1757,7 @@
           <a:p>
             <a:fld id="{33CC212C-81FB-40F3-BD5E-91ADD12CE53F}" type="datetimeFigureOut">
               <a:rPr lang="ko-KR" altLang="en-US" smtClean="0"/>
-              <a:t>2016-10-29</a:t>
+              <a:t>2016-10-30</a:t>
             </a:fld>
             <a:endParaRPr lang="ko-KR" altLang="en-US"/>
           </a:p>
@@ -1852,7 +1852,7 @@
           <a:p>
             <a:fld id="{33CC212C-81FB-40F3-BD5E-91ADD12CE53F}" type="datetimeFigureOut">
               <a:rPr lang="ko-KR" altLang="en-US" smtClean="0"/>
-              <a:t>2016-10-29</a:t>
+              <a:t>2016-10-30</a:t>
             </a:fld>
             <a:endParaRPr lang="ko-KR" altLang="en-US"/>
           </a:p>
@@ -2129,7 +2129,7 @@
           <a:p>
             <a:fld id="{33CC212C-81FB-40F3-BD5E-91ADD12CE53F}" type="datetimeFigureOut">
               <a:rPr lang="ko-KR" altLang="en-US" smtClean="0"/>
-              <a:t>2016-10-29</a:t>
+              <a:t>2016-10-30</a:t>
             </a:fld>
             <a:endParaRPr lang="ko-KR" altLang="en-US"/>
           </a:p>
@@ -2382,7 +2382,7 @@
           <a:p>
             <a:fld id="{33CC212C-81FB-40F3-BD5E-91ADD12CE53F}" type="datetimeFigureOut">
               <a:rPr lang="ko-KR" altLang="en-US" smtClean="0"/>
-              <a:t>2016-10-29</a:t>
+              <a:t>2016-10-30</a:t>
             </a:fld>
             <a:endParaRPr lang="ko-KR" altLang="en-US"/>
           </a:p>
@@ -2595,7 +2595,7 @@
           <a:p>
             <a:fld id="{33CC212C-81FB-40F3-BD5E-91ADD12CE53F}" type="datetimeFigureOut">
               <a:rPr lang="ko-KR" altLang="en-US" smtClean="0"/>
-              <a:t>2016-10-29</a:t>
+              <a:t>2016-10-30</a:t>
             </a:fld>
             <a:endParaRPr lang="ko-KR" altLang="en-US"/>
           </a:p>
@@ -5444,8 +5444,8 @@
           <a:p>
             <a:pPr algn="ctr"/>
             <a:r>
-              <a:rPr lang="en-US" altLang="ko-KR" sz="1200" dirty="0" smtClean="0"/>
-              <a:t>Slave</a:t>
+              <a:rPr lang="en-US" altLang="ko-KR" sz="1200" dirty="0"/>
+              <a:t>Socket</a:t>
             </a:r>
           </a:p>
           <a:p>
@@ -5494,8 +5494,9 @@
             <a:pPr algn="ctr"/>
             <a:r>
               <a:rPr lang="en-US" altLang="ko-KR" sz="1200" dirty="0" smtClean="0"/>
-              <a:t>Slave</a:t>
-            </a:r>
+              <a:t>Socket</a:t>
+            </a:r>
+            <a:endParaRPr lang="en-US" altLang="ko-KR" sz="1200" dirty="0"/>
           </a:p>
           <a:p>
             <a:pPr algn="ctr"/>
@@ -6093,8 +6094,8 @@
           <a:p>
             <a:pPr algn="ctr"/>
             <a:r>
-              <a:rPr lang="en-US" altLang="ko-KR" sz="1200" dirty="0" smtClean="0"/>
-              <a:t>Master</a:t>
+              <a:rPr lang="en-US" altLang="ko-KR" sz="1200" dirty="0"/>
+              <a:t>Socket</a:t>
             </a:r>
           </a:p>
           <a:p>
@@ -11371,7 +11372,7 @@
           <p:nvPr>
             <p:extLst>
               <p:ext uri="{D42A27DB-BD31-4B8C-83A1-F6EECF244321}">
-                <p14:modId xmlns:p14="http://schemas.microsoft.com/office/powerpoint/2010/main" val="818837580"/>
+                <p14:modId xmlns:p14="http://schemas.microsoft.com/office/powerpoint/2010/main" val="2533778926"/>
               </p:ext>
             </p:extLst>
           </p:nvPr>
@@ -11467,11 +11468,7 @@
                       </a:pPr>
                       <a:r>
                         <a:rPr lang="en-US" altLang="ko-KR" sz="1100" dirty="0" smtClean="0"/>
-                        <a:t>connected: </a:t>
-                      </a:r>
-                      <a:r>
-                        <a:rPr lang="en-US" altLang="ko-KR" sz="1100" dirty="0" smtClean="0"/>
-                        <a:t>Set[</a:t>
+                        <a:t>connected: Set[</a:t>
                       </a:r>
                       <a:r>
                         <a:rPr lang="en-US" altLang="ko-KR" sz="1100" dirty="0" err="1" smtClean="0"/>
@@ -11489,11 +11486,7 @@
                       </a:pPr>
                       <a:r>
                         <a:rPr lang="en-US" altLang="ko-KR" sz="1100" dirty="0" smtClean="0"/>
-                        <a:t>slaves: </a:t>
-                      </a:r>
-                      <a:r>
-                        <a:rPr lang="en-US" altLang="ko-KR" sz="1100" dirty="0" smtClean="0"/>
-                        <a:t>Set[</a:t>
+                        <a:t>slaves: Set[</a:t>
                       </a:r>
                       <a:r>
                         <a:rPr lang="en-US" altLang="ko-KR" sz="1100" dirty="0" err="1" smtClean="0"/>
@@ -11511,7 +11504,11 @@
                       </a:pPr>
                       <a:r>
                         <a:rPr lang="en-US" altLang="ko-KR" sz="1100" dirty="0" smtClean="0"/>
-                        <a:t>State: </a:t>
+                        <a:t>state</a:t>
+                      </a:r>
+                      <a:r>
+                        <a:rPr lang="en-US" altLang="ko-KR" sz="1100" dirty="0" smtClean="0"/>
+                        <a:t>: </a:t>
                       </a:r>
                       <a:r>
                         <a:rPr lang="en-US" altLang="ko-KR" sz="1100" dirty="0" err="1" smtClean="0"/>
@@ -11544,11 +11541,7 @@
                       </a:r>
                       <a:r>
                         <a:rPr lang="en-US" altLang="ko-KR" sz="1100" dirty="0" smtClean="0"/>
-                        <a:t>(Socket</a:t>
-                      </a:r>
-                      <a:r>
-                        <a:rPr lang="en-US" altLang="ko-KR" sz="1100" dirty="0" smtClean="0"/>
-                        <a:t>): Unit</a:t>
+                        <a:t>(Socket): Unit</a:t>
                       </a:r>
                     </a:p>
                     <a:p>
@@ -11584,11 +11577,7 @@
                       </a:r>
                       <a:r>
                         <a:rPr lang="en-US" altLang="ko-KR" sz="1100" dirty="0" smtClean="0"/>
-                        <a:t>(): </a:t>
-                      </a:r>
-                      <a:r>
-                        <a:rPr lang="en-US" altLang="ko-KR" sz="1100" dirty="0" smtClean="0"/>
-                        <a:t>Unit</a:t>
+                        <a:t>(): Unit</a:t>
                       </a:r>
                     </a:p>
                     <a:p>
@@ -11651,7 +11640,7 @@
           <p:nvPr>
             <p:extLst>
               <p:ext uri="{D42A27DB-BD31-4B8C-83A1-F6EECF244321}">
-                <p14:modId xmlns:p14="http://schemas.microsoft.com/office/powerpoint/2010/main" val="3428902932"/>
+                <p14:modId xmlns:p14="http://schemas.microsoft.com/office/powerpoint/2010/main" val="4166414408"/>
               </p:ext>
             </p:extLst>
           </p:nvPr>
@@ -11749,8 +11738,16 @@
                     <a:p>
                       <a:pPr latinLnBrk="1"/>
                       <a:r>
+                        <a:rPr lang="en-US" altLang="ko-KR" sz="1100" baseline="0" smtClean="0"/>
+                        <a:t>+ </a:t>
+                      </a:r>
+                      <a:r>
+                        <a:rPr lang="en-US" altLang="ko-KR" sz="1100" baseline="0" smtClean="0"/>
+                        <a:t>start(): </a:t>
+                      </a:r>
+                      <a:r>
                         <a:rPr lang="en-US" altLang="ko-KR" sz="1100" baseline="0" dirty="0" smtClean="0"/>
-                        <a:t>+ start(): Unit</a:t>
+                        <a:t>Unit</a:t>
                       </a:r>
                     </a:p>
                     <a:p>
@@ -11764,11 +11761,15 @@
                       </a:r>
                       <a:r>
                         <a:rPr lang="en-US" altLang="ko-KR" sz="1100" baseline="0" dirty="0" smtClean="0"/>
-                        <a:t> </a:t>
+                        <a:t> terminate</a:t>
                       </a:r>
                       <a:r>
                         <a:rPr lang="en-US" altLang="ko-KR" sz="1100" dirty="0" smtClean="0"/>
-                        <a:t>terminate(): Unit</a:t>
+                        <a:t>(): </a:t>
+                      </a:r>
+                      <a:r>
+                        <a:rPr lang="en-US" altLang="ko-KR" sz="1100" dirty="0" smtClean="0"/>
+                        <a:t>Unit</a:t>
                       </a:r>
                     </a:p>
                     <a:p>
@@ -11924,13 +11925,8 @@
                       </a:pPr>
                       <a:r>
                         <a:rPr lang="en-US" altLang="ko-KR" sz="1100" dirty="0" smtClean="0"/>
-                        <a:t>socket: </a:t>
-                      </a:r>
-                      <a:r>
-                        <a:rPr lang="en-US" altLang="ko-KR" sz="1100" dirty="0" smtClean="0"/>
-                        <a:t>Socket</a:t>
-                      </a:r>
-                      <a:endParaRPr lang="en-US" altLang="ko-KR" sz="1100" dirty="0" smtClean="0"/>
+                        <a:t>socket: Socket</a:t>
+                      </a:r>
                     </a:p>
                   </a:txBody>
                   <a:tcPr/>
@@ -11958,11 +11954,7 @@
                       </a:r>
                       <a:r>
                         <a:rPr lang="en-US" altLang="ko-KR" sz="1100" baseline="0" dirty="0" smtClean="0"/>
-                        <a:t>(Message =&gt; Unit): </a:t>
-                      </a:r>
-                      <a:r>
-                        <a:rPr lang="en-US" altLang="ko-KR" sz="1100" baseline="0" dirty="0" smtClean="0"/>
-                        <a:t>Unit</a:t>
+                        <a:t>(Message =&gt; Unit): Unit</a:t>
                       </a:r>
                     </a:p>
                     <a:p>
@@ -11972,11 +11964,7 @@
                       </a:pPr>
                       <a:r>
                         <a:rPr lang="en-US" altLang="ko-KR" sz="1100" dirty="0" smtClean="0"/>
-                        <a:t>+ </a:t>
-                      </a:r>
-                      <a:r>
-                        <a:rPr lang="en-US" altLang="ko-KR" sz="1100" dirty="0" smtClean="0"/>
-                        <a:t>terminate(): Unit</a:t>
+                        <a:t>+ terminate(): Unit</a:t>
                       </a:r>
                     </a:p>
                     <a:p>
@@ -11994,11 +11982,7 @@
                       </a:r>
                       <a:r>
                         <a:rPr lang="en-US" altLang="ko-KR" sz="1100" dirty="0" smtClean="0"/>
-                        <a:t>(Message): </a:t>
-                      </a:r>
-                      <a:r>
-                        <a:rPr lang="en-US" altLang="ko-KR" sz="1100" dirty="0" smtClean="0"/>
-                        <a:t>Unit</a:t>
+                        <a:t>(Message): Unit</a:t>
                       </a:r>
                     </a:p>
                   </a:txBody>
@@ -12059,7 +12043,7 @@
           <p:nvPr>
             <p:extLst>
               <p:ext uri="{D42A27DB-BD31-4B8C-83A1-F6EECF244321}">
-                <p14:modId xmlns:p14="http://schemas.microsoft.com/office/powerpoint/2010/main" val="1671817729"/>
+                <p14:modId xmlns:p14="http://schemas.microsoft.com/office/powerpoint/2010/main" val="400996349"/>
               </p:ext>
             </p:extLst>
           </p:nvPr>
@@ -12118,25 +12102,29 @@
                     <a:bodyPr/>
                     <a:lstStyle/>
                     <a:p>
-                      <a:pPr marL="171450" indent="-171450" latinLnBrk="1">
+                      <a:pPr marL="0" indent="0" latinLnBrk="1">
                         <a:buFontTx/>
-                        <a:buChar char="-"/>
+                        <a:buNone/>
                       </a:pPr>
+                      <a:r>
+                        <a:rPr lang="en-US" altLang="ko-KR" sz="1100" dirty="0" smtClean="0"/>
+                        <a:t># </a:t>
+                      </a:r>
                       <a:r>
                         <a:rPr lang="en-US" altLang="ko-KR" sz="1100" dirty="0" err="1" smtClean="0"/>
                         <a:t>messageQueue</a:t>
                       </a:r>
                       <a:r>
                         <a:rPr lang="en-US" altLang="ko-KR" sz="1100" dirty="0" smtClean="0"/>
-                        <a:t>: Queue[(Message, </a:t>
+                        <a:t>: </a:t>
                       </a:r>
                       <a:r>
                         <a:rPr lang="en-US" altLang="ko-KR" sz="1100" dirty="0" err="1" smtClean="0"/>
-                        <a:t>SlaveHandler</a:t>
+                        <a:t>BlockingQueue</a:t>
                       </a:r>
                       <a:r>
                         <a:rPr lang="en-US" altLang="ko-KR" sz="1100" dirty="0" smtClean="0"/>
-                        <a:t>)]</a:t>
+                        <a:t>[Message]</a:t>
                       </a:r>
                       <a:endParaRPr lang="ko-KR" altLang="en-US" sz="1100" dirty="0"/>
                     </a:p>
@@ -12166,15 +12154,7 @@
                       </a:r>
                       <a:r>
                         <a:rPr lang="en-US" altLang="ko-KR" sz="1100" baseline="0" dirty="0" smtClean="0"/>
-                        <a:t>(Message, </a:t>
-                      </a:r>
-                      <a:r>
-                        <a:rPr lang="en-US" altLang="ko-KR" sz="1100" baseline="0" dirty="0" err="1" smtClean="0"/>
-                        <a:t>SlaveHandler</a:t>
-                      </a:r>
-                      <a:r>
-                        <a:rPr lang="en-US" altLang="ko-KR" sz="1100" baseline="0" dirty="0" smtClean="0"/>
-                        <a:t>): </a:t>
+                        <a:t>(Message): </a:t>
                       </a:r>
                       <a:r>
                         <a:rPr lang="en-US" altLang="ko-KR" sz="1100" baseline="0" dirty="0" smtClean="0"/>
@@ -12185,7 +12165,15 @@
                       <a:pPr latinLnBrk="1"/>
                       <a:r>
                         <a:rPr lang="en-US" altLang="ko-KR" sz="1100" baseline="0" dirty="0" smtClean="0"/>
-                        <a:t>+ start(): Unit</a:t>
+                        <a:t>+ </a:t>
+                      </a:r>
+                      <a:r>
+                        <a:rPr lang="en-US" altLang="ko-KR" sz="1100" baseline="0" dirty="0" smtClean="0"/>
+                        <a:t>run(): </a:t>
+                      </a:r>
+                      <a:r>
+                        <a:rPr lang="en-US" altLang="ko-KR" sz="1100" baseline="0" dirty="0" smtClean="0"/>
+                        <a:t>Unit</a:t>
                       </a:r>
                     </a:p>
                     <a:p>
@@ -12318,7 +12306,7 @@
           <p:nvPr>
             <p:extLst>
               <p:ext uri="{D42A27DB-BD31-4B8C-83A1-F6EECF244321}">
-                <p14:modId xmlns:p14="http://schemas.microsoft.com/office/powerpoint/2010/main" val="3598746724"/>
+                <p14:modId xmlns:p14="http://schemas.microsoft.com/office/powerpoint/2010/main" val="106987130"/>
               </p:ext>
             </p:extLst>
           </p:nvPr>
@@ -12436,11 +12424,7 @@
                       </a:r>
                       <a:r>
                         <a:rPr lang="en-US" altLang="ko-KR" sz="1100" dirty="0" smtClean="0"/>
-                        <a:t>(Socket</a:t>
-                      </a:r>
-                      <a:r>
-                        <a:rPr lang="en-US" altLang="ko-KR" sz="1100" dirty="0" smtClean="0"/>
-                        <a:t>): Unit</a:t>
+                        <a:t>(Socket): Unit</a:t>
                       </a:r>
                     </a:p>
                     <a:p>
@@ -12476,15 +12460,11 @@
                       </a:r>
                       <a:r>
                         <a:rPr lang="en-US" altLang="ko-KR" sz="1100" dirty="0" smtClean="0"/>
-                        <a:t>(): </a:t>
-                      </a:r>
-                      <a:r>
-                        <a:rPr lang="en-US" altLang="ko-KR" sz="1100" dirty="0" smtClean="0"/>
-                        <a:t>Unit</a:t>
+                        <a:t>(): Unit</a:t>
                       </a:r>
                     </a:p>
                     <a:p>
-                      <a:pPr marL="171450" marR="0" indent="-171450" algn="l" defTabSz="914400" rtl="0" eaLnBrk="1" fontAlgn="auto" latinLnBrk="1" hangingPunct="1">
+                      <a:pPr marL="0" marR="0" indent="0" algn="l" defTabSz="914400" rtl="0" eaLnBrk="1" fontAlgn="auto" latinLnBrk="1" hangingPunct="1">
                         <a:lnSpc>
                           <a:spcPct val="100000"/>
                         </a:lnSpc>
@@ -12497,7 +12477,7 @@
                         <a:buClrTx/>
                         <a:buSzTx/>
                         <a:buFontTx/>
-                        <a:buChar char="-"/>
+                        <a:buNone/>
                         <a:tabLst/>
                         <a:defRPr/>
                       </a:pPr>
@@ -12654,13 +12634,8 @@
                       </a:pPr>
                       <a:r>
                         <a:rPr lang="en-US" altLang="ko-KR" sz="1100" dirty="0" smtClean="0"/>
-                        <a:t>socket: </a:t>
-                      </a:r>
-                      <a:r>
-                        <a:rPr lang="en-US" altLang="ko-KR" sz="1100" dirty="0" smtClean="0"/>
-                        <a:t>Socket</a:t>
-                      </a:r>
-                      <a:endParaRPr lang="en-US" altLang="ko-KR" sz="1100" dirty="0" smtClean="0"/>
+                        <a:t>socket: Socket</a:t>
+                      </a:r>
                     </a:p>
                   </a:txBody>
                   <a:tcPr/>
@@ -12688,11 +12663,7 @@
                       </a:r>
                       <a:r>
                         <a:rPr lang="en-US" altLang="ko-KR" sz="1100" baseline="0" dirty="0" smtClean="0"/>
-                        <a:t>(Message =&gt; Unit): </a:t>
-                      </a:r>
-                      <a:r>
-                        <a:rPr lang="en-US" altLang="ko-KR" sz="1100" baseline="0" dirty="0" smtClean="0"/>
-                        <a:t>Unit</a:t>
+                        <a:t>(Message =&gt; Unit): Unit</a:t>
                       </a:r>
                     </a:p>
                     <a:p>
@@ -12702,11 +12673,7 @@
                       </a:pPr>
                       <a:r>
                         <a:rPr lang="en-US" altLang="ko-KR" sz="1100" dirty="0" smtClean="0"/>
-                        <a:t>+ </a:t>
-                      </a:r>
-                      <a:r>
-                        <a:rPr lang="en-US" altLang="ko-KR" sz="1100" dirty="0" smtClean="0"/>
-                        <a:t>terminate(): Unit</a:t>
+                        <a:t>+ terminate(): Unit</a:t>
                       </a:r>
                     </a:p>
                     <a:p>
@@ -12724,11 +12691,7 @@
                       </a:r>
                       <a:r>
                         <a:rPr lang="en-US" altLang="ko-KR" sz="1100" dirty="0" smtClean="0"/>
-                        <a:t>(Message): </a:t>
-                      </a:r>
-                      <a:r>
-                        <a:rPr lang="en-US" altLang="ko-KR" sz="1100" dirty="0" smtClean="0"/>
-                        <a:t>Unit</a:t>
+                        <a:t>(Message): Unit</a:t>
                       </a:r>
                     </a:p>
                   </a:txBody>
@@ -12753,7 +12716,7 @@
           <p:nvPr>
             <p:extLst>
               <p:ext uri="{D42A27DB-BD31-4B8C-83A1-F6EECF244321}">
-                <p14:modId xmlns:p14="http://schemas.microsoft.com/office/powerpoint/2010/main" val="749959091"/>
+                <p14:modId xmlns:p14="http://schemas.microsoft.com/office/powerpoint/2010/main" val="3583876410"/>
               </p:ext>
             </p:extLst>
           </p:nvPr>
@@ -12812,25 +12775,29 @@
                     <a:bodyPr/>
                     <a:lstStyle/>
                     <a:p>
-                      <a:pPr marL="171450" indent="-171450" latinLnBrk="1">
+                      <a:pPr marL="0" indent="0" latinLnBrk="1">
                         <a:buFontTx/>
-                        <a:buChar char="-"/>
+                        <a:buNone/>
                       </a:pPr>
+                      <a:r>
+                        <a:rPr lang="en-US" altLang="ko-KR" sz="1100" dirty="0" smtClean="0"/>
+                        <a:t># </a:t>
+                      </a:r>
                       <a:r>
                         <a:rPr lang="en-US" altLang="ko-KR" sz="1100" dirty="0" err="1" smtClean="0"/>
                         <a:t>messageQueue</a:t>
                       </a:r>
                       <a:r>
                         <a:rPr lang="en-US" altLang="ko-KR" sz="1100" dirty="0" smtClean="0"/>
-                        <a:t>: Queue[(Message, </a:t>
+                        <a:t>: </a:t>
                       </a:r>
                       <a:r>
                         <a:rPr lang="en-US" altLang="ko-KR" sz="1100" dirty="0" err="1" smtClean="0"/>
-                        <a:t>SlaveHandler</a:t>
+                        <a:t>BlockingQueue</a:t>
                       </a:r>
                       <a:r>
                         <a:rPr lang="en-US" altLang="ko-KR" sz="1100" dirty="0" smtClean="0"/>
-                        <a:t>)]</a:t>
+                        <a:t>[Message]</a:t>
                       </a:r>
                       <a:endParaRPr lang="ko-KR" altLang="en-US" sz="1100" dirty="0"/>
                     </a:p>
@@ -12860,15 +12827,7 @@
                       </a:r>
                       <a:r>
                         <a:rPr lang="en-US" altLang="ko-KR" sz="1100" baseline="0" dirty="0" smtClean="0"/>
-                        <a:t>(Message, </a:t>
-                      </a:r>
-                      <a:r>
-                        <a:rPr lang="en-US" altLang="ko-KR" sz="1100" baseline="0" dirty="0" err="1" smtClean="0"/>
-                        <a:t>SlaveHandler</a:t>
-                      </a:r>
-                      <a:r>
-                        <a:rPr lang="en-US" altLang="ko-KR" sz="1100" baseline="0" dirty="0" smtClean="0"/>
-                        <a:t>): </a:t>
+                        <a:t>(Message): </a:t>
                       </a:r>
                       <a:r>
                         <a:rPr lang="en-US" altLang="ko-KR" sz="1100" baseline="0" dirty="0" smtClean="0"/>
@@ -12879,7 +12838,15 @@
                       <a:pPr latinLnBrk="1"/>
                       <a:r>
                         <a:rPr lang="en-US" altLang="ko-KR" sz="1100" baseline="0" dirty="0" smtClean="0"/>
-                        <a:t>+ start(): Unit</a:t>
+                        <a:t>+ </a:t>
+                      </a:r>
+                      <a:r>
+                        <a:rPr lang="en-US" altLang="ko-KR" sz="1100" baseline="0" dirty="0" smtClean="0"/>
+                        <a:t>run(): </a:t>
+                      </a:r>
+                      <a:r>
+                        <a:rPr lang="en-US" altLang="ko-KR" sz="1100" baseline="0" dirty="0" smtClean="0"/>
+                        <a:t>Unit</a:t>
                       </a:r>
                     </a:p>
                     <a:p>
@@ -16006,11 +15973,7 @@
                       </a:pPr>
                       <a:r>
                         <a:rPr lang="en-US" altLang="ko-KR" sz="1400" b="0" dirty="0" smtClean="0"/>
-                        <a:t>Sample </a:t>
-                      </a:r>
-                      <a:r>
-                        <a:rPr lang="en-US" altLang="ko-KR" sz="1400" b="0" dirty="0" smtClean="0"/>
-                        <a:t>data</a:t>
+                        <a:t>Sample data</a:t>
                       </a:r>
                     </a:p>
                     <a:p>

--- a/project.pptx
+++ b/project.pptx
@@ -31,12 +31,9 @@
     <p:sldId id="290" r:id="rId25"/>
     <p:sldId id="284" r:id="rId26"/>
     <p:sldId id="277" r:id="rId27"/>
-    <p:sldId id="278" r:id="rId28"/>
-    <p:sldId id="297" r:id="rId29"/>
-    <p:sldId id="281" r:id="rId30"/>
-    <p:sldId id="282" r:id="rId31"/>
-    <p:sldId id="295" r:id="rId32"/>
-    <p:sldId id="299" r:id="rId33"/>
+    <p:sldId id="297" r:id="rId28"/>
+    <p:sldId id="295" r:id="rId29"/>
+    <p:sldId id="299" r:id="rId30"/>
   </p:sldIdLst>
   <p:sldSz cx="12192000" cy="6858000"/>
   <p:notesSz cx="6858000" cy="9144000"/>
@@ -7999,7 +7996,7 @@
         </p:nvCxnSpPr>
         <p:spPr>
           <a:xfrm rot="16200000" flipH="1">
-            <a:off x="1743245" y="1629504"/>
+            <a:off x="1664418" y="1656024"/>
             <a:ext cx="37796" cy="354254"/>
           </a:xfrm>
           <a:prstGeom prst="curvedConnector4">
@@ -8036,7 +8033,7 @@
         <p:spPr>
           <a:xfrm>
             <a:off x="2399492" y="739070"/>
-            <a:ext cx="2066489" cy="401433"/>
+            <a:ext cx="2066489" cy="259609"/>
           </a:xfrm>
           <a:prstGeom prst="roundRect">
             <a:avLst/>
@@ -8080,16 +8077,6 @@
             </a:r>
             <a:endParaRPr lang="en-US" altLang="ko-KR" sz="1100" dirty="0" smtClean="0"/>
           </a:p>
-          <a:p>
-            <a:pPr marL="171450" indent="-171450">
-              <a:buFontTx/>
-              <a:buChar char="-"/>
-            </a:pPr>
-            <a:r>
-              <a:rPr lang="en-US" altLang="ko-KR" sz="1100" dirty="0" smtClean="0"/>
-              <a:t>Append to connected</a:t>
-            </a:r>
-          </a:p>
         </p:txBody>
       </p:sp>
       <p:sp>
@@ -8100,8 +8087,8 @@
         </p:nvSpPr>
         <p:spPr>
           <a:xfrm>
-            <a:off x="477924" y="2610445"/>
-            <a:ext cx="2201222" cy="275808"/>
+            <a:off x="198384" y="2939073"/>
+            <a:ext cx="2453174" cy="275808"/>
           </a:xfrm>
           <a:prstGeom prst="roundRect">
             <a:avLst/>
@@ -8152,8 +8139,8 @@
         </p:nvSpPr>
         <p:spPr>
           <a:xfrm>
-            <a:off x="484405" y="2177356"/>
-            <a:ext cx="2201222" cy="419785"/>
+            <a:off x="225973" y="2177356"/>
+            <a:ext cx="2425586" cy="746353"/>
           </a:xfrm>
           <a:prstGeom prst="roundRect">
             <a:avLst/>
@@ -8186,11 +8173,30 @@
             <a:pPr algn="ctr"/>
             <a:r>
               <a:rPr lang="en-US" altLang="ko-KR" sz="1100" dirty="0" smtClean="0"/>
-              <a:t>connected: Set[</a:t>
+              <a:t>connected</a:t>
+            </a:r>
+          </a:p>
+          <a:p>
+            <a:pPr algn="ctr"/>
+            <a:r>
+              <a:rPr lang="en-US" altLang="ko-KR" sz="1100" dirty="0" smtClean="0"/>
+              <a:t>: </a:t>
             </a:r>
             <a:r>
               <a:rPr lang="en-US" altLang="ko-KR" sz="1100" dirty="0" err="1" smtClean="0"/>
-              <a:t>SlaveHandler</a:t>
+              <a:t>Mutable</a:t>
+            </a:r>
+            <a:r>
+              <a:rPr lang="en-US" altLang="ko-KR" sz="1100" dirty="0" err="1" smtClean="0"/>
+              <a:t>List</a:t>
+            </a:r>
+            <a:r>
+              <a:rPr lang="en-US" altLang="ko-KR" sz="1100" dirty="0" smtClean="0"/>
+              <a:t>[</a:t>
+            </a:r>
+            <a:r>
+              <a:rPr lang="en-US" altLang="ko-KR" sz="1100" dirty="0" err="1" smtClean="0"/>
+              <a:t>SocketHandler</a:t>
             </a:r>
             <a:r>
               <a:rPr lang="en-US" altLang="ko-KR" sz="1100" dirty="0" smtClean="0"/>
@@ -8201,15 +8207,54 @@
             <a:pPr algn="ctr"/>
             <a:r>
               <a:rPr lang="en-US" altLang="ko-KR" sz="1100" dirty="0" smtClean="0"/>
-              <a:t>slaves: Set[</a:t>
+              <a:t>slaves</a:t>
+            </a:r>
+            <a:r>
+              <a:rPr lang="en-US" altLang="ko-KR" sz="1100" dirty="0" smtClean="0"/>
+              <a:t>: </a:t>
             </a:r>
             <a:r>
               <a:rPr lang="en-US" altLang="ko-KR" sz="1100" dirty="0" err="1" smtClean="0"/>
-              <a:t>SlaveHandler</a:t>
+              <a:t>Mutable</a:t>
+            </a:r>
+            <a:r>
+              <a:rPr lang="en-US" altLang="ko-KR" sz="1100" dirty="0" err="1" smtClean="0"/>
+              <a:t>List</a:t>
+            </a:r>
+            <a:r>
+              <a:rPr lang="en-US" altLang="ko-KR" sz="1100" dirty="0" smtClean="0"/>
+              <a:t>[</a:t>
+            </a:r>
+            <a:r>
+              <a:rPr lang="en-US" altLang="ko-KR" sz="1100" dirty="0" err="1" smtClean="0"/>
+              <a:t>Socket</a:t>
+            </a:r>
+            <a:r>
+              <a:rPr lang="en-US" altLang="ko-KR" sz="1100" dirty="0" err="1" smtClean="0"/>
+              <a:t>Handler</a:t>
             </a:r>
             <a:r>
               <a:rPr lang="en-US" altLang="ko-KR" sz="1100" dirty="0" smtClean="0"/>
               <a:t>]</a:t>
+            </a:r>
+          </a:p>
+          <a:p>
+            <a:pPr algn="ctr"/>
+            <a:r>
+              <a:rPr lang="en-US" altLang="ko-KR" sz="1100" dirty="0"/>
+              <a:t>s</a:t>
+            </a:r>
+            <a:r>
+              <a:rPr lang="en-US" altLang="ko-KR" sz="1100" dirty="0" smtClean="0"/>
+              <a:t>amples: </a:t>
+            </a:r>
+            <a:r>
+              <a:rPr lang="en-US" altLang="ko-KR" sz="1100" dirty="0" err="1" smtClean="0"/>
+              <a:t>MutableList</a:t>
+            </a:r>
+            <a:r>
+              <a:rPr lang="en-US" altLang="ko-KR" sz="1100" dirty="0" smtClean="0"/>
+              <a:t>[Key]</a:t>
             </a:r>
           </a:p>
         </p:txBody>
@@ -8250,7 +8295,7 @@
         </p:nvSpPr>
         <p:spPr>
           <a:xfrm>
-            <a:off x="1230761" y="1787733"/>
+            <a:off x="1151934" y="1814253"/>
             <a:ext cx="708509" cy="347739"/>
           </a:xfrm>
           <a:prstGeom prst="roundRect">
@@ -8296,8 +8341,8 @@
         </p:nvSpPr>
         <p:spPr>
           <a:xfrm>
-            <a:off x="477924" y="3401660"/>
-            <a:ext cx="2201222" cy="253230"/>
+            <a:off x="198384" y="3730288"/>
+            <a:ext cx="2453174" cy="253230"/>
           </a:xfrm>
           <a:prstGeom prst="roundRect">
             <a:avLst/>
@@ -8352,8 +8397,8 @@
         </p:nvSpPr>
         <p:spPr>
           <a:xfrm>
-            <a:off x="477924" y="2904339"/>
-            <a:ext cx="2201222" cy="466593"/>
+            <a:off x="198384" y="3232967"/>
+            <a:ext cx="2453174" cy="466593"/>
           </a:xfrm>
           <a:prstGeom prst="roundRect">
             <a:avLst/>
@@ -8457,8 +8502,8 @@
         </p:nvSpPr>
         <p:spPr>
           <a:xfrm>
-            <a:off x="2399493" y="1625182"/>
-            <a:ext cx="2066489" cy="415483"/>
+            <a:off x="2399492" y="1374209"/>
+            <a:ext cx="2545625" cy="582964"/>
           </a:xfrm>
           <a:prstGeom prst="roundRect">
             <a:avLst/>
@@ -8494,7 +8539,15 @@
             </a:pPr>
             <a:r>
               <a:rPr lang="en-US" altLang="ko-KR" sz="1100" dirty="0" smtClean="0"/>
-              <a:t>Append to slaves</a:t>
+              <a:t>Append handler </a:t>
+            </a:r>
+            <a:r>
+              <a:rPr lang="en-US" altLang="ko-KR" sz="1100" dirty="0" smtClean="0"/>
+              <a:t>to </a:t>
+            </a:r>
+            <a:r>
+              <a:rPr lang="en-US" altLang="ko-KR" sz="1100" dirty="0" smtClean="0"/>
+              <a:t>slaves</a:t>
             </a:r>
           </a:p>
           <a:p>
@@ -8504,7 +8557,22 @@
             </a:pPr>
             <a:r>
               <a:rPr lang="en-US" altLang="ko-KR" sz="1100" dirty="0" smtClean="0"/>
-              <a:t>Remove from connected</a:t>
+              <a:t>Append sample to samples</a:t>
+            </a:r>
+            <a:endParaRPr lang="en-US" altLang="ko-KR" sz="1100" dirty="0" smtClean="0"/>
+          </a:p>
+          <a:p>
+            <a:pPr marL="171450" indent="-171450">
+              <a:buFontTx/>
+              <a:buChar char="-"/>
+            </a:pPr>
+            <a:r>
+              <a:rPr lang="en-US" altLang="ko-KR" sz="1100" dirty="0" smtClean="0"/>
+              <a:t>Remove handler </a:t>
+            </a:r>
+            <a:r>
+              <a:rPr lang="en-US" altLang="ko-KR" sz="1100" dirty="0" smtClean="0"/>
+              <a:t>from connected</a:t>
             </a:r>
           </a:p>
         </p:txBody>
@@ -8562,8 +8630,8 @@
         </p:nvCxnSpPr>
         <p:spPr>
           <a:xfrm>
-            <a:off x="1939270" y="1961603"/>
-            <a:ext cx="2061722" cy="1135976"/>
+            <a:off x="1860443" y="1988123"/>
+            <a:ext cx="2140549" cy="1109456"/>
           </a:xfrm>
           <a:prstGeom prst="curvedConnector3">
             <a:avLst/>
@@ -9325,55 +9393,6 @@
               <a:t>SlavesInfoMsg</a:t>
             </a:r>
             <a:endParaRPr lang="ko-KR" altLang="en-US" sz="1100" dirty="0"/>
-          </a:p>
-        </p:txBody>
-      </p:sp>
-      <p:sp>
-        <p:nvSpPr>
-          <p:cNvPr id="33" name="모서리가 둥근 직사각형 32"/>
-          <p:cNvSpPr/>
-          <p:nvPr/>
-        </p:nvSpPr>
-        <p:spPr>
-          <a:xfrm>
-            <a:off x="2399492" y="1396418"/>
-            <a:ext cx="2066489" cy="250633"/>
-          </a:xfrm>
-          <a:prstGeom prst="roundRect">
-            <a:avLst/>
-          </a:prstGeom>
-          <a:solidFill>
-            <a:schemeClr val="accent4">
-              <a:lumMod val="75000"/>
-            </a:schemeClr>
-          </a:solidFill>
-          <a:ln>
-            <a:noFill/>
-          </a:ln>
-        </p:spPr>
-        <p:style>
-          <a:lnRef idx="0">
-            <a:scrgbClr r="0" g="0" b="0"/>
-          </a:lnRef>
-          <a:fillRef idx="0">
-            <a:scrgbClr r="0" g="0" b="0"/>
-          </a:fillRef>
-          <a:effectRef idx="0">
-            <a:scrgbClr r="0" g="0" b="0"/>
-          </a:effectRef>
-          <a:fontRef idx="minor">
-            <a:schemeClr val="lt1"/>
-          </a:fontRef>
-        </p:style>
-        <p:txBody>
-          <a:bodyPr rtlCol="0" anchor="ctr"/>
-          <a:lstStyle/>
-          <a:p>
-            <a:pPr algn="ctr"/>
-            <a:r>
-              <a:rPr lang="en-US" altLang="ko-KR" sz="1100" dirty="0" smtClean="0"/>
-              <a:t>! (slaves contains handler) </a:t>
-            </a:r>
           </a:p>
         </p:txBody>
       </p:sp>
@@ -9458,14 +9477,88 @@
       </p:grpSpPr>
       <p:sp>
         <p:nvSpPr>
-          <p:cNvPr id="38" name="모서리가 둥근 직사각형 37"/>
+          <p:cNvPr id="2" name="제목 1"/>
+          <p:cNvSpPr>
+            <a:spLocks noGrp="1"/>
+          </p:cNvSpPr>
+          <p:nvPr>
+            <p:ph type="title"/>
+          </p:nvPr>
+        </p:nvSpPr>
+        <p:spPr>
+          <a:xfrm>
+            <a:off x="9733411" y="264500"/>
+            <a:ext cx="2026619" cy="1325563"/>
+          </a:xfrm>
+        </p:spPr>
+        <p:txBody>
+          <a:bodyPr/>
+          <a:lstStyle/>
+          <a:p>
+            <a:r>
+              <a:rPr lang="en-US" altLang="ko-KR" dirty="0" smtClean="0"/>
+              <a:t>Slave</a:t>
+            </a:r>
+            <a:endParaRPr lang="ko-KR" altLang="en-US" dirty="0"/>
+          </a:p>
+        </p:txBody>
+      </p:sp>
+      <p:sp>
+        <p:nvSpPr>
+          <p:cNvPr id="58" name="모서리가 둥근 직사각형 57"/>
           <p:cNvSpPr/>
           <p:nvPr/>
         </p:nvSpPr>
         <p:spPr>
           <a:xfrm>
-            <a:off x="458858" y="1354527"/>
-            <a:ext cx="1607545" cy="275808"/>
+            <a:off x="2083080" y="1782178"/>
+            <a:ext cx="986561" cy="347739"/>
+          </a:xfrm>
+          <a:prstGeom prst="roundRect">
+            <a:avLst/>
+          </a:prstGeom>
+          <a:ln>
+            <a:headEnd type="none" w="med" len="med"/>
+            <a:tailEnd type="none" w="med" len="med"/>
+          </a:ln>
+        </p:spPr>
+        <p:style>
+          <a:lnRef idx="2">
+            <a:schemeClr val="accent3"/>
+          </a:lnRef>
+          <a:fillRef idx="1">
+            <a:schemeClr val="lt1"/>
+          </a:fillRef>
+          <a:effectRef idx="0">
+            <a:schemeClr val="accent3"/>
+          </a:effectRef>
+          <a:fontRef idx="minor">
+            <a:schemeClr val="dk1"/>
+          </a:fontRef>
+        </p:style>
+        <p:txBody>
+          <a:bodyPr rtlCol="0" anchor="ctr"/>
+          <a:lstStyle/>
+          <a:p>
+            <a:pPr algn="ctr"/>
+            <a:r>
+              <a:rPr lang="en-US" altLang="ko-KR" dirty="0" smtClean="0"/>
+              <a:t>Sample</a:t>
+            </a:r>
+            <a:endParaRPr lang="ko-KR" altLang="en-US" dirty="0"/>
+          </a:p>
+        </p:txBody>
+      </p:sp>
+      <p:sp>
+        <p:nvSpPr>
+          <p:cNvPr id="111" name="모서리가 둥근 직사각형 110"/>
+          <p:cNvSpPr/>
+          <p:nvPr/>
+        </p:nvSpPr>
+        <p:spPr>
+          <a:xfrm>
+            <a:off x="1735818" y="2161170"/>
+            <a:ext cx="1681083" cy="423206"/>
           </a:xfrm>
           <a:prstGeom prst="roundRect">
             <a:avLst/>
@@ -9506,141 +9599,32 @@
             </a:r>
             <a:endParaRPr lang="en-US" altLang="ko-KR" sz="1100" dirty="0" smtClean="0"/>
           </a:p>
-        </p:txBody>
-      </p:sp>
-      <p:sp>
-        <p:nvSpPr>
-          <p:cNvPr id="2" name="제목 1"/>
-          <p:cNvSpPr>
-            <a:spLocks noGrp="1"/>
-          </p:cNvSpPr>
-          <p:nvPr>
-            <p:ph type="title"/>
-          </p:nvPr>
-        </p:nvSpPr>
-        <p:spPr>
-          <a:xfrm>
-            <a:off x="9733411" y="264500"/>
-            <a:ext cx="2026619" cy="1325563"/>
-          </a:xfrm>
-        </p:spPr>
-        <p:txBody>
-          <a:bodyPr/>
-          <a:lstStyle/>
-          <a:p>
-            <a:r>
-              <a:rPr lang="en-US" altLang="ko-KR" dirty="0" smtClean="0"/>
-              <a:t>Slave</a:t>
-            </a:r>
-            <a:endParaRPr lang="ko-KR" altLang="en-US" dirty="0"/>
-          </a:p>
-        </p:txBody>
-      </p:sp>
-      <p:sp>
-        <p:nvSpPr>
-          <p:cNvPr id="4" name="모서리가 둥근 직사각형 3"/>
-          <p:cNvSpPr/>
-          <p:nvPr/>
-        </p:nvSpPr>
-        <p:spPr>
-          <a:xfrm>
-            <a:off x="893236" y="982611"/>
-            <a:ext cx="738787" cy="347739"/>
-          </a:xfrm>
-          <a:prstGeom prst="roundRect">
-            <a:avLst/>
-          </a:prstGeom>
-          <a:ln>
-            <a:headEnd type="none" w="med" len="med"/>
-            <a:tailEnd type="none" w="med" len="med"/>
-          </a:ln>
-        </p:spPr>
-        <p:style>
-          <a:lnRef idx="2">
-            <a:schemeClr val="accent3"/>
-          </a:lnRef>
-          <a:fillRef idx="1">
-            <a:schemeClr val="lt1"/>
-          </a:fillRef>
-          <a:effectRef idx="0">
-            <a:schemeClr val="accent3"/>
-          </a:effectRef>
-          <a:fontRef idx="minor">
-            <a:schemeClr val="dk1"/>
-          </a:fontRef>
-        </p:style>
-        <p:txBody>
-          <a:bodyPr rtlCol="0" anchor="ctr"/>
-          <a:lstStyle/>
           <a:p>
             <a:pPr algn="ctr"/>
             <a:r>
-              <a:rPr lang="en-US" altLang="ko-KR" dirty="0" err="1" smtClean="0"/>
-              <a:t>Init</a:t>
-            </a:r>
-            <a:endParaRPr lang="ko-KR" altLang="en-US" dirty="0"/>
-          </a:p>
-        </p:txBody>
-      </p:sp>
-      <p:sp>
-        <p:nvSpPr>
-          <p:cNvPr id="58" name="모서리가 둥근 직사각형 57"/>
-          <p:cNvSpPr/>
-          <p:nvPr/>
-        </p:nvSpPr>
-        <p:spPr>
-          <a:xfrm>
-            <a:off x="3281260" y="1734882"/>
-            <a:ext cx="986561" cy="347739"/>
-          </a:xfrm>
-          <a:prstGeom prst="roundRect">
-            <a:avLst/>
-          </a:prstGeom>
-          <a:ln>
-            <a:headEnd type="none" w="med" len="med"/>
-            <a:tailEnd type="none" w="med" len="med"/>
-          </a:ln>
-        </p:spPr>
-        <p:style>
-          <a:lnRef idx="2">
-            <a:schemeClr val="accent3"/>
-          </a:lnRef>
-          <a:fillRef idx="1">
-            <a:schemeClr val="lt1"/>
-          </a:fillRef>
-          <a:effectRef idx="0">
-            <a:schemeClr val="accent3"/>
-          </a:effectRef>
-          <a:fontRef idx="minor">
-            <a:schemeClr val="dk1"/>
-          </a:fontRef>
-        </p:style>
-        <p:txBody>
-          <a:bodyPr rtlCol="0" anchor="ctr"/>
-          <a:lstStyle/>
-          <a:p>
-            <a:pPr algn="ctr"/>
-            <a:r>
-              <a:rPr lang="en-US" altLang="ko-KR" dirty="0" smtClean="0"/>
-              <a:t>Sample</a:t>
-            </a:r>
-            <a:endParaRPr lang="ko-KR" altLang="en-US" dirty="0"/>
+              <a:rPr lang="en-US" altLang="ko-KR" sz="1100" dirty="0" smtClean="0"/>
+              <a:t>Create </a:t>
+            </a:r>
+            <a:r>
+              <a:rPr lang="en-US" altLang="ko-KR" sz="1100" dirty="0" smtClean="0"/>
+              <a:t>Sampler</a:t>
+            </a:r>
           </a:p>
         </p:txBody>
       </p:sp>
       <p:cxnSp>
         <p:nvCxnSpPr>
-          <p:cNvPr id="72" name="구부러진 연결선 71"/>
+          <p:cNvPr id="123" name="구부러진 연결선 122"/>
           <p:cNvCxnSpPr>
-            <a:stCxn id="4" idx="3"/>
-            <a:endCxn id="58" idx="1"/>
+            <a:stCxn id="58" idx="3"/>
+            <a:endCxn id="124" idx="1"/>
           </p:cNvCxnSpPr>
           <p:nvPr/>
         </p:nvCxnSpPr>
         <p:spPr>
           <a:xfrm>
-            <a:off x="1632023" y="1156481"/>
-            <a:ext cx="1649237" cy="752271"/>
+            <a:off x="3069641" y="1956048"/>
+            <a:ext cx="1888939" cy="2931303"/>
           </a:xfrm>
           <a:prstGeom prst="curvedConnector3">
             <a:avLst/>
@@ -9666,39 +9650,35 @@
       </p:cxnSp>
       <p:sp>
         <p:nvSpPr>
-          <p:cNvPr id="110" name="모서리가 둥근 직사각형 109"/>
+          <p:cNvPr id="124" name="모서리가 둥근 직사각형 123"/>
           <p:cNvSpPr/>
           <p:nvPr/>
         </p:nvSpPr>
         <p:spPr>
           <a:xfrm>
-            <a:off x="2140853" y="1330350"/>
-            <a:ext cx="1432160" cy="361436"/>
+            <a:off x="4958580" y="4713481"/>
+            <a:ext cx="1186896" cy="347739"/>
           </a:xfrm>
           <a:prstGeom prst="roundRect">
             <a:avLst/>
           </a:prstGeom>
-          <a:solidFill>
-            <a:schemeClr val="accent4">
-              <a:lumMod val="75000"/>
-            </a:schemeClr>
-          </a:solidFill>
           <a:ln>
-            <a:noFill/>
+            <a:headEnd type="none" w="med" len="med"/>
+            <a:tailEnd type="none" w="med" len="med"/>
           </a:ln>
         </p:spPr>
         <p:style>
-          <a:lnRef idx="0">
-            <a:scrgbClr r="0" g="0" b="0"/>
+          <a:lnRef idx="2">
+            <a:schemeClr val="accent3"/>
           </a:lnRef>
-          <a:fillRef idx="0">
-            <a:scrgbClr r="0" g="0" b="0"/>
+          <a:fillRef idx="1">
+            <a:schemeClr val="lt1"/>
           </a:fillRef>
           <a:effectRef idx="0">
-            <a:scrgbClr r="0" g="0" b="0"/>
+            <a:schemeClr val="accent3"/>
           </a:effectRef>
           <a:fontRef idx="minor">
-            <a:schemeClr val="lt1"/>
+            <a:schemeClr val="dk1"/>
           </a:fontRef>
         </p:style>
         <p:txBody>
@@ -9707,82 +9687,31 @@
           <a:p>
             <a:pPr algn="ctr"/>
             <a:r>
-              <a:rPr lang="en-US" altLang="ko-KR" sz="1100" dirty="0" smtClean="0"/>
-              <a:t>Socket connection</a:t>
-            </a:r>
-          </a:p>
-          <a:p>
-            <a:pPr algn="ctr"/>
-            <a:r>
-              <a:rPr lang="en-US" altLang="ko-KR" sz="1100" dirty="0" smtClean="0"/>
-              <a:t>succeed</a:t>
-            </a:r>
-          </a:p>
-        </p:txBody>
-      </p:sp>
-      <p:sp>
-        <p:nvSpPr>
-          <p:cNvPr id="111" name="모서리가 둥근 직사각형 110"/>
-          <p:cNvSpPr/>
-          <p:nvPr/>
-        </p:nvSpPr>
-        <p:spPr>
-          <a:xfrm>
-            <a:off x="3069593" y="2109787"/>
-            <a:ext cx="1400924" cy="275808"/>
-          </a:xfrm>
-          <a:prstGeom prst="roundRect">
-            <a:avLst/>
-          </a:prstGeom>
-          <a:solidFill>
-            <a:schemeClr val="accent6">
-              <a:lumMod val="75000"/>
-            </a:schemeClr>
-          </a:solidFill>
-          <a:ln/>
-        </p:spPr>
-        <p:style>
-          <a:lnRef idx="3">
-            <a:schemeClr val="lt1"/>
-          </a:lnRef>
-          <a:fillRef idx="1">
-            <a:schemeClr val="accent1"/>
-          </a:fillRef>
-          <a:effectRef idx="1">
-            <a:schemeClr val="accent1"/>
-          </a:effectRef>
-          <a:fontRef idx="minor">
-            <a:schemeClr val="lt1"/>
-          </a:fontRef>
-        </p:style>
-        <p:txBody>
-          <a:bodyPr rtlCol="0" anchor="ctr"/>
-          <a:lstStyle/>
-          <a:p>
-            <a:pPr algn="ctr"/>
-            <a:r>
-              <a:rPr lang="en-US" altLang="ko-KR" sz="1100" dirty="0" smtClean="0"/>
-              <a:t>Create Sampler</a:t>
-            </a:r>
+              <a:rPr lang="en-US" altLang="ko-KR" dirty="0" smtClean="0"/>
+              <a:t>Compute</a:t>
+            </a:r>
+            <a:endParaRPr lang="ko-KR" altLang="en-US" dirty="0"/>
           </a:p>
         </p:txBody>
       </p:sp>
       <p:cxnSp>
         <p:nvCxnSpPr>
-          <p:cNvPr id="123" name="구부러진 연결선 122"/>
+          <p:cNvPr id="135" name="구부러진 연결선 134"/>
           <p:cNvCxnSpPr>
-            <a:stCxn id="58" idx="3"/>
-            <a:endCxn id="124" idx="1"/>
+            <a:stCxn id="124" idx="0"/>
           </p:cNvCxnSpPr>
           <p:nvPr/>
         </p:nvCxnSpPr>
         <p:spPr>
-          <a:xfrm>
-            <a:off x="4267821" y="1908752"/>
-            <a:ext cx="1888939" cy="2931303"/>
-          </a:xfrm>
-          <a:prstGeom prst="curvedConnector3">
-            <a:avLst/>
+          <a:xfrm rot="5400000" flipH="1" flipV="1">
+            <a:off x="5848752" y="4416757"/>
+            <a:ext cx="12700" cy="593448"/>
+          </a:xfrm>
+          <a:prstGeom prst="curvedConnector4">
+            <a:avLst>
+              <a:gd name="adj1" fmla="val 31157748"/>
+              <a:gd name="adj2" fmla="val 316131"/>
+            </a:avLst>
           </a:prstGeom>
           <a:ln>
             <a:tailEnd type="triangle"/>
@@ -9805,13 +9734,13 @@
       </p:cxnSp>
       <p:sp>
         <p:nvSpPr>
-          <p:cNvPr id="124" name="모서리가 둥근 직사각형 123"/>
+          <p:cNvPr id="139" name="모서리가 둥근 직사각형 138"/>
           <p:cNvSpPr/>
           <p:nvPr/>
         </p:nvSpPr>
         <p:spPr>
           <a:xfrm>
-            <a:off x="6156760" y="4666185"/>
+            <a:off x="8848445" y="5708978"/>
             <a:ext cx="1186896" cy="347739"/>
           </a:xfrm>
           <a:prstGeom prst="roundRect">
@@ -9843,7 +9772,7 @@
             <a:pPr algn="ctr"/>
             <a:r>
               <a:rPr lang="en-US" altLang="ko-KR" dirty="0" smtClean="0"/>
-              <a:t>Compute</a:t>
+              <a:t>Success</a:t>
             </a:r>
             <a:endParaRPr lang="ko-KR" altLang="en-US" dirty="0"/>
           </a:p>
@@ -9851,22 +9780,20 @@
       </p:sp>
       <p:cxnSp>
         <p:nvCxnSpPr>
-          <p:cNvPr id="135" name="구부러진 연결선 134"/>
+          <p:cNvPr id="140" name="구부러진 연결선 139"/>
           <p:cNvCxnSpPr>
-            <a:stCxn id="124" idx="0"/>
+            <a:stCxn id="124" idx="3"/>
+            <a:endCxn id="139" idx="1"/>
           </p:cNvCxnSpPr>
           <p:nvPr/>
         </p:nvCxnSpPr>
         <p:spPr>
-          <a:xfrm rot="5400000" flipH="1" flipV="1">
-            <a:off x="7046932" y="4369461"/>
-            <a:ext cx="12700" cy="593448"/>
-          </a:xfrm>
-          <a:prstGeom prst="curvedConnector4">
-            <a:avLst>
-              <a:gd name="adj1" fmla="val 31157748"/>
-              <a:gd name="adj2" fmla="val 316131"/>
-            </a:avLst>
+          <a:xfrm>
+            <a:off x="6145476" y="4887351"/>
+            <a:ext cx="2702969" cy="995497"/>
+          </a:xfrm>
+          <a:prstGeom prst="curvedConnector3">
+            <a:avLst/>
           </a:prstGeom>
           <a:ln>
             <a:tailEnd type="triangle"/>
@@ -9889,95 +9816,13 @@
       </p:cxnSp>
       <p:sp>
         <p:nvSpPr>
-          <p:cNvPr id="139" name="모서리가 둥근 직사각형 138"/>
-          <p:cNvSpPr/>
-          <p:nvPr/>
-        </p:nvSpPr>
-        <p:spPr>
-          <a:xfrm>
-            <a:off x="10046625" y="5661682"/>
-            <a:ext cx="1186896" cy="347739"/>
-          </a:xfrm>
-          <a:prstGeom prst="roundRect">
-            <a:avLst/>
-          </a:prstGeom>
-          <a:ln>
-            <a:headEnd type="none" w="med" len="med"/>
-            <a:tailEnd type="none" w="med" len="med"/>
-          </a:ln>
-        </p:spPr>
-        <p:style>
-          <a:lnRef idx="2">
-            <a:schemeClr val="accent3"/>
-          </a:lnRef>
-          <a:fillRef idx="1">
-            <a:schemeClr val="lt1"/>
-          </a:fillRef>
-          <a:effectRef idx="0">
-            <a:schemeClr val="accent3"/>
-          </a:effectRef>
-          <a:fontRef idx="minor">
-            <a:schemeClr val="dk1"/>
-          </a:fontRef>
-        </p:style>
-        <p:txBody>
-          <a:bodyPr rtlCol="0" anchor="ctr"/>
-          <a:lstStyle/>
-          <a:p>
-            <a:pPr algn="ctr"/>
-            <a:r>
-              <a:rPr lang="en-US" altLang="ko-KR" dirty="0" smtClean="0"/>
-              <a:t>Success</a:t>
-            </a:r>
-            <a:endParaRPr lang="ko-KR" altLang="en-US" dirty="0"/>
-          </a:p>
-        </p:txBody>
-      </p:sp>
-      <p:cxnSp>
-        <p:nvCxnSpPr>
-          <p:cNvPr id="140" name="구부러진 연결선 139"/>
-          <p:cNvCxnSpPr>
-            <a:stCxn id="124" idx="3"/>
-            <a:endCxn id="139" idx="1"/>
-          </p:cNvCxnSpPr>
-          <p:nvPr/>
-        </p:nvCxnSpPr>
-        <p:spPr>
-          <a:xfrm>
-            <a:off x="7343656" y="4840055"/>
-            <a:ext cx="2702969" cy="995497"/>
-          </a:xfrm>
-          <a:prstGeom prst="curvedConnector3">
-            <a:avLst/>
-          </a:prstGeom>
-          <a:ln>
-            <a:tailEnd type="triangle"/>
-          </a:ln>
-        </p:spPr>
-        <p:style>
-          <a:lnRef idx="1">
-            <a:schemeClr val="accent1"/>
-          </a:lnRef>
-          <a:fillRef idx="0">
-            <a:schemeClr val="accent1"/>
-          </a:fillRef>
-          <a:effectRef idx="0">
-            <a:schemeClr val="accent1"/>
-          </a:effectRef>
-          <a:fontRef idx="minor">
-            <a:schemeClr val="tx1"/>
-          </a:fontRef>
-        </p:style>
-      </p:cxnSp>
-      <p:sp>
-        <p:nvSpPr>
           <p:cNvPr id="144" name="모서리가 둥근 직사각형 143"/>
           <p:cNvSpPr/>
           <p:nvPr/>
         </p:nvSpPr>
         <p:spPr>
           <a:xfrm>
-            <a:off x="9701213" y="6038569"/>
+            <a:off x="8503033" y="6085865"/>
             <a:ext cx="1877720" cy="275808"/>
           </a:xfrm>
           <a:prstGeom prst="roundRect">
@@ -10024,7 +9869,7 @@
         </p:nvSpPr>
         <p:spPr>
           <a:xfrm>
-            <a:off x="4335694" y="2653255"/>
+            <a:off x="3137514" y="2700551"/>
             <a:ext cx="2134950" cy="268755"/>
           </a:xfrm>
           <a:prstGeom prst="roundRect">
@@ -10078,7 +9923,7 @@
         </p:nvSpPr>
         <p:spPr>
           <a:xfrm>
-            <a:off x="4649578" y="2472490"/>
+            <a:off x="3451398" y="2519786"/>
             <a:ext cx="1507182" cy="228208"/>
           </a:xfrm>
           <a:prstGeom prst="roundRect">
@@ -10120,7 +9965,7 @@
         </p:nvSpPr>
         <p:spPr>
           <a:xfrm>
-            <a:off x="7638004" y="1084892"/>
+            <a:off x="6439824" y="1132188"/>
             <a:ext cx="2106360" cy="398692"/>
           </a:xfrm>
           <a:prstGeom prst="roundRect">
@@ -10193,7 +10038,7 @@
         </p:nvSpPr>
         <p:spPr>
           <a:xfrm>
-            <a:off x="7857169" y="871666"/>
+            <a:off x="6658989" y="918962"/>
             <a:ext cx="1507182" cy="235585"/>
           </a:xfrm>
           <a:prstGeom prst="roundRect">
@@ -10235,7 +10080,7 @@
         </p:nvSpPr>
         <p:spPr>
           <a:xfrm>
-            <a:off x="7638004" y="2405384"/>
+            <a:off x="6439824" y="2452680"/>
             <a:ext cx="2106360" cy="263393"/>
           </a:xfrm>
           <a:prstGeom prst="roundRect">
@@ -10285,7 +10130,7 @@
         </p:nvSpPr>
         <p:spPr>
           <a:xfrm>
-            <a:off x="7638005" y="2177175"/>
+            <a:off x="6439825" y="2224471"/>
             <a:ext cx="2106360" cy="241416"/>
           </a:xfrm>
           <a:prstGeom prst="roundRect">
@@ -10335,7 +10180,7 @@
         </p:nvSpPr>
         <p:spPr>
           <a:xfrm>
-            <a:off x="7638005" y="1776745"/>
+            <a:off x="6439825" y="1824041"/>
             <a:ext cx="2106360" cy="400430"/>
           </a:xfrm>
           <a:prstGeom prst="roundRect">
@@ -10408,7 +10253,7 @@
         </p:nvSpPr>
         <p:spPr>
           <a:xfrm>
-            <a:off x="7857170" y="1579340"/>
+            <a:off x="6658990" y="1626636"/>
             <a:ext cx="1507182" cy="229231"/>
           </a:xfrm>
           <a:prstGeom prst="roundRect">
@@ -10450,7 +10295,7 @@
         </p:nvSpPr>
         <p:spPr>
           <a:xfrm>
-            <a:off x="7626181" y="3439529"/>
+            <a:off x="6428001" y="3486825"/>
             <a:ext cx="2366957" cy="263393"/>
           </a:xfrm>
           <a:prstGeom prst="roundRect">
@@ -10500,7 +10345,7 @@
         </p:nvSpPr>
         <p:spPr>
           <a:xfrm>
-            <a:off x="7626182" y="3211320"/>
+            <a:off x="6428002" y="3258616"/>
             <a:ext cx="2366957" cy="241416"/>
           </a:xfrm>
           <a:prstGeom prst="roundRect">
@@ -10550,7 +10395,7 @@
         </p:nvSpPr>
         <p:spPr>
           <a:xfrm>
-            <a:off x="7626182" y="2971996"/>
+            <a:off x="6428002" y="3019292"/>
             <a:ext cx="2366958" cy="263393"/>
           </a:xfrm>
           <a:prstGeom prst="roundRect">
@@ -10608,7 +10453,7 @@
         </p:nvSpPr>
         <p:spPr>
           <a:xfrm>
-            <a:off x="7781298" y="2787195"/>
+            <a:off x="6583118" y="2834491"/>
             <a:ext cx="1796130" cy="221108"/>
           </a:xfrm>
           <a:prstGeom prst="roundRect">
@@ -10650,7 +10495,7 @@
         </p:nvSpPr>
         <p:spPr>
           <a:xfrm>
-            <a:off x="5655947" y="5062407"/>
+            <a:off x="4457767" y="5109703"/>
             <a:ext cx="2201222" cy="707277"/>
           </a:xfrm>
           <a:prstGeom prst="roundRect">
@@ -10734,7 +10579,7 @@
         </p:nvSpPr>
         <p:spPr>
           <a:xfrm>
-            <a:off x="5641770" y="5798613"/>
+            <a:off x="4443590" y="5845909"/>
             <a:ext cx="2216876" cy="423375"/>
           </a:xfrm>
           <a:prstGeom prst="roundRect">
@@ -10796,7 +10641,7 @@
         </p:nvSpPr>
         <p:spPr>
           <a:xfrm>
-            <a:off x="7614360" y="3984566"/>
+            <a:off x="6416180" y="4031862"/>
             <a:ext cx="2366958" cy="263393"/>
           </a:xfrm>
           <a:prstGeom prst="roundRect">
@@ -10854,7 +10699,7 @@
         </p:nvSpPr>
         <p:spPr>
           <a:xfrm>
-            <a:off x="7781298" y="3789982"/>
+            <a:off x="6583118" y="3837278"/>
             <a:ext cx="1796130" cy="231914"/>
           </a:xfrm>
           <a:prstGeom prst="roundRect">
@@ -10896,7 +10741,7 @@
         </p:nvSpPr>
         <p:spPr>
           <a:xfrm>
-            <a:off x="7626180" y="4536679"/>
+            <a:off x="6428000" y="4583975"/>
             <a:ext cx="2366958" cy="263393"/>
           </a:xfrm>
           <a:prstGeom prst="roundRect">
@@ -10954,7 +10799,7 @@
         </p:nvSpPr>
         <p:spPr>
           <a:xfrm>
-            <a:off x="7781298" y="4319422"/>
+            <a:off x="6583118" y="4366718"/>
             <a:ext cx="1796130" cy="231913"/>
           </a:xfrm>
           <a:prstGeom prst="roundRect">
@@ -10996,7 +10841,7 @@
         </p:nvSpPr>
         <p:spPr>
           <a:xfrm>
-            <a:off x="5649597" y="6258295"/>
+            <a:off x="4451417" y="6305591"/>
             <a:ext cx="2201222" cy="386819"/>
           </a:xfrm>
           <a:prstGeom prst="roundRect">
@@ -11059,7 +10904,7 @@
         </p:nvSpPr>
         <p:spPr>
           <a:xfrm>
-            <a:off x="8081758" y="5256275"/>
+            <a:off x="6883578" y="5303571"/>
             <a:ext cx="2614146" cy="284934"/>
           </a:xfrm>
           <a:prstGeom prst="roundRect">
@@ -11117,7 +10962,7 @@
         </p:nvSpPr>
         <p:spPr>
           <a:xfrm>
-            <a:off x="8081758" y="5021339"/>
+            <a:off x="6883578" y="5068635"/>
             <a:ext cx="2298613" cy="263570"/>
           </a:xfrm>
           <a:prstGeom prst="roundRect">
@@ -11357,7 +11202,11 @@
             </a:r>
             <a:r>
               <a:rPr lang="en-US" altLang="ko-KR" dirty="0" smtClean="0"/>
-              <a:t> (Master)</a:t>
+              <a:t> - Connection </a:t>
+            </a:r>
+            <a:r>
+              <a:rPr lang="en-US" altLang="ko-KR" dirty="0" smtClean="0"/>
+              <a:t>(Master)</a:t>
             </a:r>
             <a:endParaRPr lang="ko-KR" altLang="en-US" dirty="0"/>
           </a:p>
@@ -11372,14 +11221,14 @@
           <p:nvPr>
             <p:extLst>
               <p:ext uri="{D42A27DB-BD31-4B8C-83A1-F6EECF244321}">
-                <p14:modId xmlns:p14="http://schemas.microsoft.com/office/powerpoint/2010/main" val="2533778926"/>
+                <p14:modId xmlns:p14="http://schemas.microsoft.com/office/powerpoint/2010/main" val="2320935001"/>
               </p:ext>
             </p:extLst>
           </p:nvPr>
         </p:nvGraphicFramePr>
         <p:xfrm>
           <a:off x="1267647" y="3854804"/>
-          <a:ext cx="3660228" cy="2337793"/>
+          <a:ext cx="3660228" cy="2673073"/>
         </p:xfrm>
         <a:graphic>
           <a:graphicData uri="http://schemas.openxmlformats.org/drawingml/2006/table">
@@ -11468,7 +11317,15 @@
                       </a:pPr>
                       <a:r>
                         <a:rPr lang="en-US" altLang="ko-KR" sz="1100" dirty="0" smtClean="0"/>
-                        <a:t>connected: Set[</a:t>
+                        <a:t>connected: </a:t>
+                      </a:r>
+                      <a:r>
+                        <a:rPr lang="en-US" altLang="ko-KR" sz="1100" dirty="0" err="1" smtClean="0"/>
+                        <a:t>MutableList</a:t>
+                      </a:r>
+                      <a:r>
+                        <a:rPr lang="en-US" altLang="ko-KR" sz="1100" dirty="0" smtClean="0"/>
+                        <a:t>[</a:t>
                       </a:r>
                       <a:r>
                         <a:rPr lang="en-US" altLang="ko-KR" sz="1100" dirty="0" err="1" smtClean="0"/>
@@ -11476,8 +11333,9 @@
                       </a:r>
                       <a:r>
                         <a:rPr lang="en-US" altLang="ko-KR" sz="1100" dirty="0" smtClean="0"/>
-                        <a:t>] </a:t>
-                      </a:r>
+                        <a:t>]</a:t>
+                      </a:r>
+                      <a:endParaRPr lang="en-US" altLang="ko-KR" sz="1100" dirty="0" smtClean="0"/>
                     </a:p>
                     <a:p>
                       <a:pPr marL="171450" indent="-171450" latinLnBrk="1">
@@ -11486,7 +11344,19 @@
                       </a:pPr>
                       <a:r>
                         <a:rPr lang="en-US" altLang="ko-KR" sz="1100" dirty="0" smtClean="0"/>
-                        <a:t>slaves: Set[</a:t>
+                        <a:t>slaves</a:t>
+                      </a:r>
+                      <a:r>
+                        <a:rPr lang="en-US" altLang="ko-KR" sz="1100" dirty="0" smtClean="0"/>
+                        <a:t>: </a:t>
+                      </a:r>
+                      <a:r>
+                        <a:rPr lang="en-US" altLang="ko-KR" sz="1100" dirty="0" err="1" smtClean="0"/>
+                        <a:t>MutableList</a:t>
+                      </a:r>
+                      <a:r>
+                        <a:rPr lang="en-US" altLang="ko-KR" sz="1100" dirty="0" smtClean="0"/>
+                        <a:t>[</a:t>
                       </a:r>
                       <a:r>
                         <a:rPr lang="en-US" altLang="ko-KR" sz="1100" dirty="0" err="1" smtClean="0"/>
@@ -11504,11 +11374,26 @@
                       </a:pPr>
                       <a:r>
                         <a:rPr lang="en-US" altLang="ko-KR" sz="1100" dirty="0" smtClean="0"/>
-                        <a:t>state</a:t>
+                        <a:t>samples: </a:t>
+                      </a:r>
+                      <a:r>
+                        <a:rPr lang="en-US" altLang="ko-KR" sz="1100" dirty="0" err="1" smtClean="0"/>
+                        <a:t>MutableList</a:t>
                       </a:r>
                       <a:r>
                         <a:rPr lang="en-US" altLang="ko-KR" sz="1100" dirty="0" smtClean="0"/>
-                        <a:t>: </a:t>
+                        <a:t>[Key]</a:t>
+                      </a:r>
+                      <a:endParaRPr lang="en-US" altLang="ko-KR" sz="1100" dirty="0" smtClean="0"/>
+                    </a:p>
+                    <a:p>
+                      <a:pPr marL="171450" indent="-171450" latinLnBrk="1">
+                        <a:buFontTx/>
+                        <a:buChar char="-"/>
+                      </a:pPr>
+                      <a:r>
+                        <a:rPr lang="en-US" altLang="ko-KR" sz="1100" dirty="0" smtClean="0"/>
+                        <a:t>state: </a:t>
                       </a:r>
                       <a:r>
                         <a:rPr lang="en-US" altLang="ko-KR" sz="1100" dirty="0" err="1" smtClean="0"/>
@@ -11567,17 +11452,65 @@
                       </a:r>
                     </a:p>
                     <a:p>
-                      <a:pPr marL="171450" indent="-171450" latinLnBrk="1">
+                      <a:pPr marL="0" marR="0" indent="0" algn="l" defTabSz="914400" rtl="0" eaLnBrk="1" fontAlgn="auto" latinLnBrk="1" hangingPunct="1">
+                        <a:lnSpc>
+                          <a:spcPct val="100000"/>
+                        </a:lnSpc>
+                        <a:spcBef>
+                          <a:spcPts val="0"/>
+                        </a:spcBef>
+                        <a:spcAft>
+                          <a:spcPts val="0"/>
+                        </a:spcAft>
+                        <a:buClrTx/>
+                        <a:buSzTx/>
+                        <a:buFontTx/>
+                        <a:buNone/>
+                        <a:tabLst/>
+                        <a:defRPr/>
+                      </a:pPr>
+                      <a:r>
+                        <a:rPr lang="en-US" altLang="ko-KR" sz="1100" baseline="0" dirty="0" smtClean="0"/>
+                        <a:t># </a:t>
+                      </a:r>
+                      <a:r>
+                        <a:rPr lang="en-US" altLang="ko-KR" sz="1100" baseline="0" dirty="0" err="1" smtClean="0"/>
+                        <a:t>handleMessage</a:t>
+                      </a:r>
+                      <a:r>
+                        <a:rPr lang="en-US" altLang="ko-KR" sz="1100" baseline="0" dirty="0" smtClean="0"/>
+                        <a:t>(Message): </a:t>
+                      </a:r>
+                      <a:r>
+                        <a:rPr lang="en-US" altLang="ko-KR" sz="1100" baseline="0" dirty="0" smtClean="0"/>
+                        <a:t>Unit</a:t>
+                      </a:r>
+                    </a:p>
+                    <a:p>
+                      <a:pPr marL="171450" marR="0" indent="-171450" algn="l" defTabSz="914400" rtl="0" eaLnBrk="1" fontAlgn="auto" latinLnBrk="1" hangingPunct="1">
+                        <a:lnSpc>
+                          <a:spcPct val="100000"/>
+                        </a:lnSpc>
+                        <a:spcBef>
+                          <a:spcPts val="0"/>
+                        </a:spcBef>
+                        <a:spcAft>
+                          <a:spcPts val="0"/>
+                        </a:spcAft>
+                        <a:buClrTx/>
+                        <a:buSzTx/>
                         <a:buFontTx/>
                         <a:buChar char="-"/>
+                        <a:tabLst/>
+                        <a:defRPr/>
                       </a:pPr>
                       <a:r>
-                        <a:rPr lang="en-US" altLang="ko-KR" sz="1100" dirty="0" err="1" smtClean="0"/>
-                        <a:t>closeSocketExceptSlaves</a:t>
-                      </a:r>
-                      <a:r>
-                        <a:rPr lang="en-US" altLang="ko-KR" sz="1100" dirty="0" smtClean="0"/>
-                        <a:t>(): Unit</a:t>
+                        <a:rPr lang="en-US" altLang="ko-KR" sz="1100" baseline="0" dirty="0" err="1" smtClean="0"/>
+                        <a:t>handleConnectionMessage</a:t>
+                      </a:r>
+                      <a:r>
+                        <a:rPr lang="en-US" altLang="ko-KR" sz="1100" baseline="0" dirty="0" smtClean="0"/>
+                        <a:t>(Socket): Unit</a:t>
                       </a:r>
                     </a:p>
                     <a:p>
@@ -11600,15 +11533,23 @@
                       </a:pPr>
                       <a:r>
                         <a:rPr lang="en-US" altLang="ko-KR" sz="1100" baseline="0" dirty="0" smtClean="0"/>
-                        <a:t># </a:t>
+                        <a:t>+ </a:t>
                       </a:r>
                       <a:r>
                         <a:rPr lang="en-US" altLang="ko-KR" sz="1100" baseline="0" dirty="0" err="1" smtClean="0"/>
-                        <a:t>handleMessage</a:t>
+                        <a:t>socketMessageHandler</a:t>
                       </a:r>
                       <a:r>
                         <a:rPr lang="en-US" altLang="ko-KR" sz="1100" baseline="0" dirty="0" smtClean="0"/>
-                        <a:t>(Message): Unit</a:t>
+                        <a:t>(</a:t>
+                      </a:r>
+                      <a:r>
+                        <a:rPr lang="en-US" altLang="ko-KR" sz="1100" baseline="0" dirty="0" err="1" smtClean="0"/>
+                        <a:t>SendableMessage</a:t>
+                      </a:r>
+                      <a:r>
+                        <a:rPr lang="en-US" altLang="ko-KR" sz="1100" baseline="0" dirty="0" smtClean="0"/>
+                        <a:t>): Unit</a:t>
                       </a:r>
                     </a:p>
                     <a:p>
@@ -11739,11 +11680,7 @@
                       <a:pPr latinLnBrk="1"/>
                       <a:r>
                         <a:rPr lang="en-US" altLang="ko-KR" sz="1100" baseline="0" smtClean="0"/>
-                        <a:t>+ </a:t>
-                      </a:r>
-                      <a:r>
-                        <a:rPr lang="en-US" altLang="ko-KR" sz="1100" baseline="0" smtClean="0"/>
-                        <a:t>start(): </a:t>
+                        <a:t>+ start(): </a:t>
                       </a:r>
                       <a:r>
                         <a:rPr lang="en-US" altLang="ko-KR" sz="1100" baseline="0" dirty="0" smtClean="0"/>
@@ -11765,11 +11702,7 @@
                       </a:r>
                       <a:r>
                         <a:rPr lang="en-US" altLang="ko-KR" sz="1100" dirty="0" smtClean="0"/>
-                        <a:t>(): </a:t>
-                      </a:r>
-                      <a:r>
-                        <a:rPr lang="en-US" altLang="ko-KR" sz="1100" dirty="0" smtClean="0"/>
-                        <a:t>Unit</a:t>
+                        <a:t>(): Unit</a:t>
                       </a:r>
                     </a:p>
                     <a:p>
@@ -11851,14 +11784,14 @@
           <p:nvPr>
             <p:extLst>
               <p:ext uri="{D42A27DB-BD31-4B8C-83A1-F6EECF244321}">
-                <p14:modId xmlns:p14="http://schemas.microsoft.com/office/powerpoint/2010/main" val="1810005434"/>
+                <p14:modId xmlns:p14="http://schemas.microsoft.com/office/powerpoint/2010/main" val="2544227105"/>
               </p:ext>
             </p:extLst>
           </p:nvPr>
         </p:nvGraphicFramePr>
         <p:xfrm>
           <a:off x="7761341" y="4455422"/>
-          <a:ext cx="3660228" cy="1615177"/>
+          <a:ext cx="3660228" cy="1723816"/>
         </p:xfrm>
         <a:graphic>
           <a:graphicData uri="http://schemas.openxmlformats.org/drawingml/2006/table">
@@ -11925,8 +11858,35 @@
                       </a:pPr>
                       <a:r>
                         <a:rPr lang="en-US" altLang="ko-KR" sz="1100" dirty="0" smtClean="0"/>
-                        <a:t>socket: Socket</a:t>
-                      </a:r>
+                        <a:t>socket: </a:t>
+                      </a:r>
+                      <a:r>
+                        <a:rPr lang="en-US" altLang="ko-KR" sz="1100" dirty="0" smtClean="0"/>
+                        <a:t>Socket</a:t>
+                      </a:r>
+                    </a:p>
+                    <a:p>
+                      <a:pPr marL="171450" indent="-171450" latinLnBrk="1">
+                        <a:buFontTx/>
+                        <a:buChar char="-"/>
+                      </a:pPr>
+                      <a:r>
+                        <a:rPr lang="en-US" altLang="ko-KR" sz="1100" dirty="0" err="1" smtClean="0"/>
+                        <a:t>messageHandler</a:t>
+                      </a:r>
+                      <a:r>
+                        <a:rPr lang="en-US" altLang="ko-KR" sz="1100" dirty="0" smtClean="0"/>
+                        <a:t>: </a:t>
+                      </a:r>
+                      <a:r>
+                        <a:rPr lang="en-US" altLang="ko-KR" sz="1100" dirty="0" err="1" smtClean="0"/>
+                        <a:t>SendableMessage</a:t>
+                      </a:r>
+                      <a:r>
+                        <a:rPr lang="en-US" altLang="ko-KR" sz="1100" baseline="0" dirty="0" smtClean="0"/>
+                        <a:t> =&gt; Unit</a:t>
+                      </a:r>
+                      <a:endParaRPr lang="en-US" altLang="ko-KR" sz="1100" dirty="0" smtClean="0"/>
                     </a:p>
                   </a:txBody>
                   <a:tcPr/>
@@ -11949,12 +11909,12 @@
                         <a:t>+ </a:t>
                       </a:r>
                       <a:r>
-                        <a:rPr lang="en-US" altLang="ko-KR" sz="1100" baseline="0" dirty="0" err="1" smtClean="0"/>
-                        <a:t>startListen</a:t>
-                      </a:r>
-                      <a:r>
                         <a:rPr lang="en-US" altLang="ko-KR" sz="1100" baseline="0" dirty="0" smtClean="0"/>
-                        <a:t>(Message =&gt; Unit): Unit</a:t>
+                        <a:t>run(): </a:t>
+                      </a:r>
+                      <a:r>
+                        <a:rPr lang="en-US" altLang="ko-KR" sz="1100" baseline="0" dirty="0" smtClean="0"/>
+                        <a:t>Unit</a:t>
                       </a:r>
                     </a:p>
                     <a:p>
@@ -11982,7 +11942,15 @@
                       </a:r>
                       <a:r>
                         <a:rPr lang="en-US" altLang="ko-KR" sz="1100" dirty="0" smtClean="0"/>
-                        <a:t>(Message): Unit</a:t>
+                        <a:t>(</a:t>
+                      </a:r>
+                      <a:r>
+                        <a:rPr lang="en-US" altLang="ko-KR" sz="1100" dirty="0" err="1" smtClean="0"/>
+                        <a:t>SendableMessage</a:t>
+                      </a:r>
+                      <a:r>
+                        <a:rPr lang="en-US" altLang="ko-KR" sz="1100" dirty="0" smtClean="0"/>
+                        <a:t>): Unit</a:t>
                       </a:r>
                     </a:p>
                   </a:txBody>
@@ -12043,7 +12011,7 @@
           <p:nvPr>
             <p:extLst>
               <p:ext uri="{D42A27DB-BD31-4B8C-83A1-F6EECF244321}">
-                <p14:modId xmlns:p14="http://schemas.microsoft.com/office/powerpoint/2010/main" val="400996349"/>
+                <p14:modId xmlns:p14="http://schemas.microsoft.com/office/powerpoint/2010/main" val="1565093731"/>
               </p:ext>
             </p:extLst>
           </p:nvPr>
@@ -12120,11 +12088,15 @@
                       </a:r>
                       <a:r>
                         <a:rPr lang="en-US" altLang="ko-KR" sz="1100" dirty="0" err="1" smtClean="0"/>
-                        <a:t>BlockingQueue</a:t>
+                        <a:t>LinkedBlockingQueue</a:t>
                       </a:r>
                       <a:r>
                         <a:rPr lang="en-US" altLang="ko-KR" sz="1100" dirty="0" smtClean="0"/>
-                        <a:t>[Message]</a:t>
+                        <a:t>[Message</a:t>
+                      </a:r>
+                      <a:r>
+                        <a:rPr lang="en-US" altLang="ko-KR" sz="1100" dirty="0" smtClean="0"/>
+                        <a:t>]</a:t>
                       </a:r>
                       <a:endParaRPr lang="ko-KR" altLang="en-US" sz="1100" dirty="0"/>
                     </a:p>
@@ -12154,26 +12126,14 @@
                       </a:r>
                       <a:r>
                         <a:rPr lang="en-US" altLang="ko-KR" sz="1100" baseline="0" dirty="0" smtClean="0"/>
-                        <a:t>(Message): </a:t>
-                      </a:r>
-                      <a:r>
-                        <a:rPr lang="en-US" altLang="ko-KR" sz="1100" baseline="0" dirty="0" smtClean="0"/>
-                        <a:t>Unit</a:t>
+                        <a:t>(Message): Unit</a:t>
                       </a:r>
                     </a:p>
                     <a:p>
                       <a:pPr latinLnBrk="1"/>
                       <a:r>
                         <a:rPr lang="en-US" altLang="ko-KR" sz="1100" baseline="0" dirty="0" smtClean="0"/>
-                        <a:t>+ </a:t>
-                      </a:r>
-                      <a:r>
-                        <a:rPr lang="en-US" altLang="ko-KR" sz="1100" baseline="0" dirty="0" smtClean="0"/>
-                        <a:t>run(): </a:t>
-                      </a:r>
-                      <a:r>
-                        <a:rPr lang="en-US" altLang="ko-KR" sz="1100" baseline="0" dirty="0" smtClean="0"/>
-                        <a:t>Unit</a:t>
+                        <a:t>+ run(): Unit</a:t>
                       </a:r>
                     </a:p>
                     <a:p>
@@ -12286,12 +12246,12 @@
           <a:lstStyle/>
           <a:p>
             <a:r>
-              <a:rPr lang="en-US" altLang="ko-KR" dirty="0" err="1" smtClean="0"/>
-              <a:t>Init</a:t>
-            </a:r>
-            <a:r>
               <a:rPr lang="en-US" altLang="ko-KR" dirty="0" smtClean="0"/>
-              <a:t> (Slave)</a:t>
+              <a:t>Sample – Connection </a:t>
+            </a:r>
+            <a:r>
+              <a:rPr lang="en-US" altLang="ko-KR" dirty="0" smtClean="0"/>
+              <a:t>(Slave)</a:t>
             </a:r>
             <a:endParaRPr lang="ko-KR" altLang="en-US" dirty="0"/>
           </a:p>
@@ -12306,14 +12266,14 @@
           <p:nvPr>
             <p:extLst>
               <p:ext uri="{D42A27DB-BD31-4B8C-83A1-F6EECF244321}">
-                <p14:modId xmlns:p14="http://schemas.microsoft.com/office/powerpoint/2010/main" val="106987130"/>
+                <p14:modId xmlns:p14="http://schemas.microsoft.com/office/powerpoint/2010/main" val="2668726897"/>
               </p:ext>
             </p:extLst>
           </p:nvPr>
         </p:nvGraphicFramePr>
         <p:xfrm>
           <a:off x="1335329" y="3799940"/>
-          <a:ext cx="3660228" cy="2215795"/>
+          <a:ext cx="3660228" cy="2383435"/>
         </p:xfrm>
         <a:graphic>
           <a:graphicData uri="http://schemas.openxmlformats.org/drawingml/2006/table">
@@ -12399,6 +12359,39 @@
                       </a:r>
                       <a:endParaRPr lang="en-US" altLang="ko-KR" sz="1100" dirty="0" smtClean="0"/>
                     </a:p>
+                    <a:p>
+                      <a:pPr marL="171450" indent="-171450" latinLnBrk="1">
+                        <a:buFontTx/>
+                        <a:buChar char="-"/>
+                      </a:pPr>
+                      <a:r>
+                        <a:rPr lang="en-US" altLang="ko-KR" sz="1100" dirty="0" err="1" smtClean="0"/>
+                        <a:t>masterIP</a:t>
+                      </a:r>
+                      <a:r>
+                        <a:rPr lang="en-US" altLang="ko-KR" sz="1100" baseline="0" dirty="0" smtClean="0"/>
+                        <a:t>: String</a:t>
+                      </a:r>
+                    </a:p>
+                    <a:p>
+                      <a:pPr marL="171450" indent="-171450" latinLnBrk="1">
+                        <a:buFontTx/>
+                        <a:buChar char="-"/>
+                      </a:pPr>
+                      <a:r>
+                        <a:rPr lang="en-US" altLang="ko-KR" sz="1100" baseline="0" dirty="0" err="1" smtClean="0"/>
+                        <a:t>masterPort</a:t>
+                      </a:r>
+                      <a:r>
+                        <a:rPr lang="en-US" altLang="ko-KR" sz="1100" baseline="0" dirty="0" smtClean="0"/>
+                        <a:t>: </a:t>
+                      </a:r>
+                      <a:r>
+                        <a:rPr lang="en-US" altLang="ko-KR" sz="1100" baseline="0" dirty="0" err="1" smtClean="0"/>
+                        <a:t>Int</a:t>
+                      </a:r>
+                      <a:endParaRPr lang="en-US" altLang="ko-KR" sz="1100" baseline="0" dirty="0" smtClean="0"/>
+                    </a:p>
                   </a:txBody>
                   <a:tcPr/>
                 </a:tc>
@@ -12491,8 +12484,52 @@
                       </a:r>
                       <a:r>
                         <a:rPr lang="en-US" altLang="ko-KR" sz="1100" baseline="0" dirty="0" smtClean="0"/>
-                        <a:t>(Message): Unit</a:t>
-                      </a:r>
+                        <a:t>(Message): </a:t>
+                      </a:r>
+                      <a:r>
+                        <a:rPr lang="en-US" altLang="ko-KR" sz="1100" baseline="0" dirty="0" smtClean="0"/>
+                        <a:t>Unit</a:t>
+                      </a:r>
+                    </a:p>
+                    <a:p>
+                      <a:pPr marL="0" marR="0" indent="0" algn="l" defTabSz="914400" rtl="0" eaLnBrk="1" fontAlgn="auto" latinLnBrk="1" hangingPunct="1">
+                        <a:lnSpc>
+                          <a:spcPct val="100000"/>
+                        </a:lnSpc>
+                        <a:spcBef>
+                          <a:spcPts val="0"/>
+                        </a:spcBef>
+                        <a:spcAft>
+                          <a:spcPts val="0"/>
+                        </a:spcAft>
+                        <a:buClrTx/>
+                        <a:buSzTx/>
+                        <a:buFontTx/>
+                        <a:buNone/>
+                        <a:tabLst/>
+                        <a:defRPr/>
+                      </a:pPr>
+                      <a:r>
+                        <a:rPr lang="en-US" altLang="ko-KR" sz="1100" baseline="0" dirty="0" smtClean="0"/>
+                        <a:t>+ </a:t>
+                      </a:r>
+                      <a:r>
+                        <a:rPr lang="en-US" altLang="ko-KR" sz="1100" baseline="0" dirty="0" err="1" smtClean="0"/>
+                        <a:t>socketMessageHandler</a:t>
+                      </a:r>
+                      <a:r>
+                        <a:rPr lang="en-US" altLang="ko-KR" sz="1100" baseline="0" dirty="0" smtClean="0"/>
+                        <a:t>(</a:t>
+                      </a:r>
+                      <a:r>
+                        <a:rPr lang="en-US" altLang="ko-KR" sz="1100" baseline="0" dirty="0" err="1" smtClean="0"/>
+                        <a:t>SendableMessage</a:t>
+                      </a:r>
+                      <a:r>
+                        <a:rPr lang="en-US" altLang="ko-KR" sz="1100" baseline="0" dirty="0" smtClean="0"/>
+                        <a:t>): Unit</a:t>
+                      </a:r>
+                      <a:endParaRPr lang="en-US" altLang="ko-KR" sz="1100" baseline="0" dirty="0" smtClean="0"/>
                     </a:p>
                     <a:p>
                       <a:pPr marL="171450" indent="-171450" latinLnBrk="1">
@@ -12525,8 +12562,8 @@
         </p:nvCxnSpPr>
         <p:spPr>
           <a:xfrm flipV="1">
-            <a:off x="4995557" y="4907836"/>
-            <a:ext cx="2894147" cy="1"/>
+            <a:off x="4995557" y="4962156"/>
+            <a:ext cx="2894147" cy="29501"/>
           </a:xfrm>
           <a:prstGeom prst="straightConnector1">
             <a:avLst/>
@@ -12560,14 +12597,14 @@
           <p:nvPr>
             <p:extLst>
               <p:ext uri="{D42A27DB-BD31-4B8C-83A1-F6EECF244321}">
-                <p14:modId xmlns:p14="http://schemas.microsoft.com/office/powerpoint/2010/main" val="2642244707"/>
+                <p14:modId xmlns:p14="http://schemas.microsoft.com/office/powerpoint/2010/main" val="3937551536"/>
               </p:ext>
             </p:extLst>
           </p:nvPr>
         </p:nvGraphicFramePr>
         <p:xfrm>
           <a:off x="7889704" y="4100248"/>
-          <a:ext cx="3660228" cy="1615177"/>
+          <a:ext cx="3660228" cy="1723816"/>
         </p:xfrm>
         <a:graphic>
           <a:graphicData uri="http://schemas.openxmlformats.org/drawingml/2006/table">
@@ -12634,8 +12671,48 @@
                       </a:pPr>
                       <a:r>
                         <a:rPr lang="en-US" altLang="ko-KR" sz="1100" dirty="0" smtClean="0"/>
-                        <a:t>socket: Socket</a:t>
-                      </a:r>
+                        <a:t>socket: </a:t>
+                      </a:r>
+                      <a:r>
+                        <a:rPr lang="en-US" altLang="ko-KR" sz="1100" dirty="0" smtClean="0"/>
+                        <a:t>Socket</a:t>
+                      </a:r>
+                    </a:p>
+                    <a:p>
+                      <a:pPr marL="171450" marR="0" indent="-171450" algn="l" defTabSz="914400" rtl="0" eaLnBrk="1" fontAlgn="auto" latinLnBrk="1" hangingPunct="1">
+                        <a:lnSpc>
+                          <a:spcPct val="100000"/>
+                        </a:lnSpc>
+                        <a:spcBef>
+                          <a:spcPts val="0"/>
+                        </a:spcBef>
+                        <a:spcAft>
+                          <a:spcPts val="0"/>
+                        </a:spcAft>
+                        <a:buClrTx/>
+                        <a:buSzTx/>
+                        <a:buFontTx/>
+                        <a:buChar char="-"/>
+                        <a:tabLst/>
+                        <a:defRPr/>
+                      </a:pPr>
+                      <a:r>
+                        <a:rPr lang="en-US" altLang="ko-KR" sz="1100" dirty="0" err="1" smtClean="0"/>
+                        <a:t>messageHandler</a:t>
+                      </a:r>
+                      <a:r>
+                        <a:rPr lang="en-US" altLang="ko-KR" sz="1100" dirty="0" smtClean="0"/>
+                        <a:t>: </a:t>
+                      </a:r>
+                      <a:r>
+                        <a:rPr lang="en-US" altLang="ko-KR" sz="1100" dirty="0" err="1" smtClean="0"/>
+                        <a:t>SendableMessage</a:t>
+                      </a:r>
+                      <a:r>
+                        <a:rPr lang="en-US" altLang="ko-KR" sz="1100" baseline="0" dirty="0" smtClean="0"/>
+                        <a:t> =&gt; Unit</a:t>
+                      </a:r>
+                      <a:endParaRPr lang="en-US" altLang="ko-KR" sz="1100" dirty="0" smtClean="0"/>
                     </a:p>
                   </a:txBody>
                   <a:tcPr/>
@@ -12658,12 +12735,12 @@
                         <a:t>+ </a:t>
                       </a:r>
                       <a:r>
-                        <a:rPr lang="en-US" altLang="ko-KR" sz="1100" baseline="0" dirty="0" err="1" smtClean="0"/>
-                        <a:t>startListen</a:t>
-                      </a:r>
-                      <a:r>
                         <a:rPr lang="en-US" altLang="ko-KR" sz="1100" baseline="0" dirty="0" smtClean="0"/>
-                        <a:t>(Message =&gt; Unit): Unit</a:t>
+                        <a:t>run(): </a:t>
+                      </a:r>
+                      <a:r>
+                        <a:rPr lang="en-US" altLang="ko-KR" sz="1100" baseline="0" dirty="0" smtClean="0"/>
+                        <a:t>Unit</a:t>
                       </a:r>
                     </a:p>
                     <a:p>
@@ -12691,7 +12768,15 @@
                       </a:r>
                       <a:r>
                         <a:rPr lang="en-US" altLang="ko-KR" sz="1100" dirty="0" smtClean="0"/>
-                        <a:t>(Message): Unit</a:t>
+                        <a:t>(</a:t>
+                      </a:r>
+                      <a:r>
+                        <a:rPr lang="en-US" altLang="ko-KR" sz="1100" dirty="0" err="1" smtClean="0"/>
+                        <a:t>SendableMessage</a:t>
+                      </a:r>
+                      <a:r>
+                        <a:rPr lang="en-US" altLang="ko-KR" sz="1100" dirty="0" smtClean="0"/>
+                        <a:t>): Unit</a:t>
                       </a:r>
                     </a:p>
                   </a:txBody>
@@ -12716,7 +12801,7 @@
           <p:nvPr>
             <p:extLst>
               <p:ext uri="{D42A27DB-BD31-4B8C-83A1-F6EECF244321}">
-                <p14:modId xmlns:p14="http://schemas.microsoft.com/office/powerpoint/2010/main" val="3583876410"/>
+                <p14:modId xmlns:p14="http://schemas.microsoft.com/office/powerpoint/2010/main" val="110015719"/>
               </p:ext>
             </p:extLst>
           </p:nvPr>
@@ -12793,11 +12878,15 @@
                       </a:r>
                       <a:r>
                         <a:rPr lang="en-US" altLang="ko-KR" sz="1100" dirty="0" err="1" smtClean="0"/>
-                        <a:t>BlockingQueue</a:t>
+                        <a:t>LinkedBlockingQueue</a:t>
                       </a:r>
                       <a:r>
                         <a:rPr lang="en-US" altLang="ko-KR" sz="1100" dirty="0" smtClean="0"/>
-                        <a:t>[Message]</a:t>
+                        <a:t>[Message</a:t>
+                      </a:r>
+                      <a:r>
+                        <a:rPr lang="en-US" altLang="ko-KR" sz="1100" dirty="0" smtClean="0"/>
+                        <a:t>]</a:t>
                       </a:r>
                       <a:endParaRPr lang="ko-KR" altLang="en-US" sz="1100" dirty="0"/>
                     </a:p>
@@ -12827,26 +12916,14 @@
                       </a:r>
                       <a:r>
                         <a:rPr lang="en-US" altLang="ko-KR" sz="1100" baseline="0" dirty="0" smtClean="0"/>
-                        <a:t>(Message): </a:t>
-                      </a:r>
-                      <a:r>
-                        <a:rPr lang="en-US" altLang="ko-KR" sz="1100" baseline="0" dirty="0" smtClean="0"/>
-                        <a:t>Unit</a:t>
+                        <a:t>(Message): Unit</a:t>
                       </a:r>
                     </a:p>
                     <a:p>
                       <a:pPr latinLnBrk="1"/>
                       <a:r>
                         <a:rPr lang="en-US" altLang="ko-KR" sz="1100" baseline="0" dirty="0" smtClean="0"/>
-                        <a:t>+ </a:t>
-                      </a:r>
-                      <a:r>
-                        <a:rPr lang="en-US" altLang="ko-KR" sz="1100" baseline="0" dirty="0" smtClean="0"/>
-                        <a:t>run(): </a:t>
-                      </a:r>
-                      <a:r>
-                        <a:rPr lang="en-US" altLang="ko-KR" sz="1100" baseline="0" dirty="0" smtClean="0"/>
-                        <a:t>Unit</a:t>
+                        <a:t>+ run(): Unit</a:t>
                       </a:r>
                     </a:p>
                     <a:p>
@@ -13793,120 +13870,519 @@
       </p:sp>
       <p:sp>
         <p:nvSpPr>
-          <p:cNvPr id="3" name="내용 개체 틀 2"/>
-          <p:cNvSpPr>
-            <a:spLocks noGrp="1"/>
-          </p:cNvSpPr>
-          <p:nvPr>
-            <p:ph idx="1"/>
-          </p:nvPr>
-        </p:nvSpPr>
-        <p:spPr>
-          <a:xfrm>
-            <a:off x="838200" y="1978024"/>
-            <a:ext cx="8957441" cy="4755865"/>
-          </a:xfrm>
-        </p:spPr>
-        <p:txBody>
-          <a:bodyPr/>
-          <a:lstStyle/>
-          <a:p>
-            <a:r>
-              <a:rPr lang="en-US" altLang="ko-KR" sz="2000" dirty="0" smtClean="0"/>
-              <a:t>abstract class Message</a:t>
-            </a:r>
-          </a:p>
-          <a:p>
-            <a:pPr lvl="1">
-              <a:buFontTx/>
-              <a:buChar char="-"/>
+          <p:cNvPr id="5" name="직사각형 4"/>
+          <p:cNvSpPr/>
+          <p:nvPr/>
+        </p:nvSpPr>
+        <p:spPr>
+          <a:xfrm>
+            <a:off x="970412" y="2020066"/>
+            <a:ext cx="10383387" cy="1877437"/>
+          </a:xfrm>
+          <a:prstGeom prst="rect">
+            <a:avLst/>
+          </a:prstGeom>
+        </p:spPr>
+        <p:txBody>
+          <a:bodyPr wrap="square">
+            <a:spAutoFit/>
+          </a:bodyPr>
+          <a:lstStyle/>
+          <a:p>
+            <a:pPr lvl="0" eaLnBrk="0" fontAlgn="base" latinLnBrk="0" hangingPunct="0">
+              <a:spcBef>
+                <a:spcPct val="0"/>
+              </a:spcBef>
+              <a:spcAft>
+                <a:spcPct val="0"/>
+              </a:spcAft>
             </a:pPr>
-            <a:endParaRPr lang="en-US" altLang="ko-KR" sz="1600" dirty="0" smtClean="0"/>
-          </a:p>
-          <a:p>
-            <a:pPr marL="342900" indent="-342900"/>
-            <a:r>
-              <a:rPr lang="en-US" altLang="ko-KR" sz="2000" dirty="0"/>
-              <a:t>class Slave</a:t>
-            </a:r>
-          </a:p>
-          <a:p>
-            <a:pPr marL="742950" lvl="1" indent="-285750">
-              <a:buFontTx/>
-              <a:buChar char="-"/>
+            <a:r>
+              <a:rPr lang="ko-KR" altLang="ko-KR" sz="1400" dirty="0" err="1">
+                <a:latin typeface="+mn-ea"/>
+              </a:rPr>
+              <a:t>abstract</a:t>
+            </a:r>
+            <a:r>
+              <a:rPr lang="ko-KR" altLang="ko-KR" sz="1400" dirty="0">
+                <a:latin typeface="+mn-ea"/>
+              </a:rPr>
+              <a:t> </a:t>
+            </a:r>
+            <a:r>
+              <a:rPr lang="ko-KR" altLang="ko-KR" sz="1400" dirty="0" err="1">
+                <a:latin typeface="+mn-ea"/>
+              </a:rPr>
+              <a:t>class</a:t>
+            </a:r>
+            <a:r>
+              <a:rPr lang="ko-KR" altLang="ko-KR" sz="1400" dirty="0">
+                <a:latin typeface="+mn-ea"/>
+              </a:rPr>
+              <a:t> </a:t>
+            </a:r>
+            <a:r>
+              <a:rPr lang="ko-KR" altLang="ko-KR" sz="1400" dirty="0" err="1" smtClean="0">
+                <a:latin typeface="+mn-ea"/>
+              </a:rPr>
+              <a:t>Message</a:t>
+            </a:r>
+            <a:r>
+              <a:rPr lang="ko-KR" altLang="ko-KR" sz="1400" dirty="0">
+                <a:latin typeface="+mn-ea"/>
+              </a:rPr>
+              <a:t/>
+            </a:r>
+            <a:br>
+              <a:rPr lang="ko-KR" altLang="ko-KR" sz="1400" dirty="0">
+                <a:latin typeface="+mn-ea"/>
+              </a:rPr>
+            </a:br>
+            <a:r>
+              <a:rPr lang="ko-KR" altLang="ko-KR" sz="1400" dirty="0" err="1">
+                <a:latin typeface="+mn-ea"/>
+              </a:rPr>
+              <a:t>case</a:t>
+            </a:r>
+            <a:r>
+              <a:rPr lang="ko-KR" altLang="ko-KR" sz="1400" dirty="0">
+                <a:latin typeface="+mn-ea"/>
+              </a:rPr>
+              <a:t> </a:t>
+            </a:r>
+            <a:r>
+              <a:rPr lang="ko-KR" altLang="ko-KR" sz="1400" dirty="0" err="1">
+                <a:latin typeface="+mn-ea"/>
+              </a:rPr>
+              <a:t>class</a:t>
+            </a:r>
+            <a:r>
+              <a:rPr lang="ko-KR" altLang="ko-KR" sz="1400" dirty="0">
+                <a:latin typeface="+mn-ea"/>
+              </a:rPr>
+              <a:t> </a:t>
+            </a:r>
+            <a:r>
+              <a:rPr lang="ko-KR" altLang="ko-KR" sz="1400" dirty="0" err="1">
+                <a:latin typeface="+mn-ea"/>
+              </a:rPr>
+              <a:t>ConnectionMessage</a:t>
+            </a:r>
+            <a:r>
+              <a:rPr lang="ko-KR" altLang="ko-KR" sz="1400" dirty="0">
+                <a:latin typeface="+mn-ea"/>
+              </a:rPr>
+              <a:t>(</a:t>
+            </a:r>
+            <a:r>
+              <a:rPr lang="ko-KR" altLang="ko-KR" sz="1400" dirty="0" err="1">
+                <a:latin typeface="+mn-ea"/>
+              </a:rPr>
+              <a:t>socket</a:t>
+            </a:r>
+            <a:r>
+              <a:rPr lang="ko-KR" altLang="ko-KR" sz="1400" dirty="0">
+                <a:latin typeface="+mn-ea"/>
+              </a:rPr>
+              <a:t>: </a:t>
+            </a:r>
+            <a:r>
+              <a:rPr lang="ko-KR" altLang="ko-KR" sz="1400" dirty="0" err="1">
+                <a:latin typeface="+mn-ea"/>
+              </a:rPr>
+              <a:t>Socket</a:t>
+            </a:r>
+            <a:r>
+              <a:rPr lang="ko-KR" altLang="ko-KR" sz="1400" dirty="0">
+                <a:latin typeface="+mn-ea"/>
+              </a:rPr>
+              <a:t>) </a:t>
+            </a:r>
+            <a:r>
+              <a:rPr lang="ko-KR" altLang="ko-KR" sz="1400" dirty="0" err="1">
+                <a:latin typeface="+mn-ea"/>
+              </a:rPr>
+              <a:t>extends</a:t>
+            </a:r>
+            <a:r>
+              <a:rPr lang="ko-KR" altLang="ko-KR" sz="1400" dirty="0">
+                <a:latin typeface="+mn-ea"/>
+              </a:rPr>
+              <a:t> </a:t>
+            </a:r>
+            <a:r>
+              <a:rPr lang="ko-KR" altLang="ko-KR" sz="1400" dirty="0" err="1">
+                <a:latin typeface="+mn-ea"/>
+              </a:rPr>
+              <a:t>Message</a:t>
+            </a:r>
+            <a:r>
+              <a:rPr lang="ko-KR" altLang="ko-KR" sz="1400" dirty="0">
+                <a:latin typeface="+mn-ea"/>
+              </a:rPr>
+              <a:t/>
+            </a:r>
+            <a:br>
+              <a:rPr lang="ko-KR" altLang="ko-KR" sz="1400" dirty="0">
+                <a:latin typeface="+mn-ea"/>
+              </a:rPr>
+            </a:br>
+            <a:r>
+              <a:rPr lang="ko-KR" altLang="ko-KR" sz="1400" dirty="0" err="1">
+                <a:latin typeface="+mn-ea"/>
+              </a:rPr>
+              <a:t>case</a:t>
+            </a:r>
+            <a:r>
+              <a:rPr lang="ko-KR" altLang="ko-KR" sz="1400" dirty="0">
+                <a:latin typeface="+mn-ea"/>
+              </a:rPr>
+              <a:t> </a:t>
+            </a:r>
+            <a:r>
+              <a:rPr lang="ko-KR" altLang="ko-KR" sz="1400" dirty="0" err="1">
+                <a:latin typeface="+mn-ea"/>
+              </a:rPr>
+              <a:t>class</a:t>
+            </a:r>
+            <a:r>
+              <a:rPr lang="ko-KR" altLang="ko-KR" sz="1400" dirty="0">
+                <a:latin typeface="+mn-ea"/>
+              </a:rPr>
+              <a:t> </a:t>
+            </a:r>
+            <a:r>
+              <a:rPr lang="ko-KR" altLang="ko-KR" sz="1400" dirty="0" err="1">
+                <a:latin typeface="+mn-ea"/>
+              </a:rPr>
+              <a:t>SampleMessage</a:t>
+            </a:r>
+            <a:r>
+              <a:rPr lang="ko-KR" altLang="ko-KR" sz="1400" dirty="0">
+                <a:latin typeface="+mn-ea"/>
+              </a:rPr>
+              <a:t>(</a:t>
+            </a:r>
+            <a:r>
+              <a:rPr lang="ko-KR" altLang="ko-KR" sz="1400" dirty="0" err="1">
+                <a:latin typeface="+mn-ea"/>
+              </a:rPr>
+              <a:t>numData</a:t>
+            </a:r>
+            <a:r>
+              <a:rPr lang="ko-KR" altLang="ko-KR" sz="1400" dirty="0">
+                <a:latin typeface="+mn-ea"/>
+              </a:rPr>
+              <a:t>: </a:t>
+            </a:r>
+            <a:r>
+              <a:rPr lang="ko-KR" altLang="ko-KR" sz="1400" dirty="0" err="1">
+                <a:latin typeface="+mn-ea"/>
+              </a:rPr>
+              <a:t>Int</a:t>
+            </a:r>
+            <a:r>
+              <a:rPr lang="ko-KR" altLang="ko-KR" sz="1400" dirty="0">
+                <a:latin typeface="+mn-ea"/>
+              </a:rPr>
+              <a:t>, </a:t>
+            </a:r>
+            <a:r>
+              <a:rPr lang="ko-KR" altLang="ko-KR" sz="1400" dirty="0" err="1">
+                <a:latin typeface="+mn-ea"/>
+              </a:rPr>
+              <a:t>keys</a:t>
+            </a:r>
+            <a:r>
+              <a:rPr lang="ko-KR" altLang="ko-KR" sz="1400" dirty="0">
+                <a:latin typeface="+mn-ea"/>
+              </a:rPr>
+              <a:t>: </a:t>
+            </a:r>
+            <a:r>
+              <a:rPr lang="ko-KR" altLang="ko-KR" sz="1400" dirty="0" err="1">
+                <a:latin typeface="+mn-ea"/>
+              </a:rPr>
+              <a:t>Array</a:t>
+            </a:r>
+            <a:r>
+              <a:rPr lang="ko-KR" altLang="ko-KR" sz="1400" dirty="0">
+                <a:latin typeface="+mn-ea"/>
+              </a:rPr>
+              <a:t>[</a:t>
+            </a:r>
+            <a:r>
+              <a:rPr lang="ko-KR" altLang="ko-KR" sz="1400" dirty="0" err="1">
+                <a:latin typeface="+mn-ea"/>
+              </a:rPr>
+              <a:t>Key</a:t>
+            </a:r>
+            <a:r>
+              <a:rPr lang="ko-KR" altLang="ko-KR" sz="1400" dirty="0">
+                <a:latin typeface="+mn-ea"/>
+              </a:rPr>
+              <a:t>], </a:t>
+            </a:r>
+            <a:r>
+              <a:rPr lang="ko-KR" altLang="ko-KR" sz="1400" dirty="0" err="1">
+                <a:latin typeface="+mn-ea"/>
+              </a:rPr>
+              <a:t>handler</a:t>
+            </a:r>
+            <a:r>
+              <a:rPr lang="ko-KR" altLang="ko-KR" sz="1400" dirty="0">
+                <a:latin typeface="+mn-ea"/>
+              </a:rPr>
+              <a:t>: </a:t>
+            </a:r>
+            <a:r>
+              <a:rPr lang="ko-KR" altLang="ko-KR" sz="1400" dirty="0" err="1" smtClean="0">
+                <a:latin typeface="+mn-ea"/>
+              </a:rPr>
+              <a:t>SocketHandler</a:t>
+            </a:r>
+            <a:r>
+              <a:rPr lang="ko-KR" altLang="ko-KR" sz="1400" dirty="0" smtClean="0">
+                <a:latin typeface="+mn-ea"/>
+              </a:rPr>
+              <a:t>) </a:t>
+            </a:r>
+            <a:r>
+              <a:rPr lang="ko-KR" altLang="ko-KR" sz="1400" dirty="0" err="1">
+                <a:latin typeface="+mn-ea"/>
+              </a:rPr>
+              <a:t>extends</a:t>
+            </a:r>
+            <a:r>
+              <a:rPr lang="ko-KR" altLang="ko-KR" sz="1400" dirty="0">
+                <a:latin typeface="+mn-ea"/>
+              </a:rPr>
+              <a:t> </a:t>
+            </a:r>
+            <a:r>
+              <a:rPr lang="ko-KR" altLang="ko-KR" sz="1400" dirty="0" err="1" smtClean="0">
+                <a:latin typeface="+mn-ea"/>
+              </a:rPr>
+              <a:t>Message</a:t>
+            </a:r>
+            <a:endParaRPr lang="en-US" altLang="ko-KR" sz="1400" dirty="0" smtClean="0">
+              <a:latin typeface="+mn-ea"/>
+            </a:endParaRPr>
+          </a:p>
+          <a:p>
+            <a:pPr lvl="0" eaLnBrk="0" fontAlgn="base" latinLnBrk="0" hangingPunct="0">
+              <a:spcBef>
+                <a:spcPct val="0"/>
+              </a:spcBef>
+              <a:spcAft>
+                <a:spcPct val="0"/>
+              </a:spcAft>
             </a:pPr>
-            <a:r>
-              <a:rPr lang="en-US" altLang="ko-KR" sz="1600" dirty="0" err="1"/>
-              <a:t>ip</a:t>
-            </a:r>
-            <a:r>
-              <a:rPr lang="en-US" altLang="ko-KR" sz="1600" dirty="0"/>
-              <a:t>: String</a:t>
-            </a:r>
-          </a:p>
-          <a:p>
-            <a:pPr marL="742950" lvl="1" indent="-285750">
-              <a:buFontTx/>
-              <a:buChar char="-"/>
+            <a:endParaRPr lang="en-US" altLang="ko-KR" sz="1400" dirty="0">
+              <a:latin typeface="+mn-ea"/>
+            </a:endParaRPr>
+          </a:p>
+          <a:p>
+            <a:pPr lvl="0" eaLnBrk="0" fontAlgn="base" latinLnBrk="0" hangingPunct="0">
+              <a:spcBef>
+                <a:spcPct val="0"/>
+              </a:spcBef>
+              <a:spcAft>
+                <a:spcPct val="0"/>
+              </a:spcAft>
             </a:pPr>
             <a:r>
-              <a:rPr lang="en-US" altLang="ko-KR" sz="1600" dirty="0"/>
-              <a:t>port: </a:t>
-            </a:r>
-            <a:r>
-              <a:rPr lang="en-US" altLang="ko-KR" sz="1600" dirty="0" err="1"/>
+              <a:rPr lang="ko-KR" altLang="ko-KR" sz="1400" dirty="0" err="1">
+                <a:latin typeface="+mn-ea"/>
+              </a:rPr>
+              <a:t>abstract</a:t>
+            </a:r>
+            <a:r>
+              <a:rPr lang="ko-KR" altLang="ko-KR" sz="1400" dirty="0">
+                <a:latin typeface="+mn-ea"/>
+              </a:rPr>
+              <a:t> </a:t>
+            </a:r>
+            <a:r>
+              <a:rPr lang="ko-KR" altLang="ko-KR" sz="1400" dirty="0" err="1">
+                <a:latin typeface="+mn-ea"/>
+              </a:rPr>
+              <a:t>class</a:t>
+            </a:r>
+            <a:r>
+              <a:rPr lang="ko-KR" altLang="ko-KR" sz="1400" dirty="0">
+                <a:latin typeface="+mn-ea"/>
+              </a:rPr>
+              <a:t> </a:t>
+            </a:r>
+            <a:r>
+              <a:rPr lang="en-US" altLang="ko-KR" sz="1400" dirty="0" err="1" smtClean="0">
+                <a:latin typeface="+mn-ea"/>
+              </a:rPr>
+              <a:t>PicklableMessage</a:t>
+            </a:r>
+            <a:endParaRPr lang="en-US" altLang="ko-KR" sz="1400" dirty="0">
+              <a:latin typeface="+mn-ea"/>
+            </a:endParaRPr>
+          </a:p>
+          <a:p>
+            <a:pPr lvl="0" eaLnBrk="0" fontAlgn="base" latinLnBrk="0" hangingPunct="0">
+              <a:spcBef>
+                <a:spcPct val="0"/>
+              </a:spcBef>
+              <a:spcAft>
+                <a:spcPct val="0"/>
+              </a:spcAft>
+            </a:pPr>
+            <a:r>
+              <a:rPr lang="ko-KR" altLang="ko-KR" sz="1400" dirty="0" err="1" smtClean="0">
+                <a:latin typeface="+mn-ea"/>
+              </a:rPr>
+              <a:t>case</a:t>
+            </a:r>
+            <a:r>
+              <a:rPr lang="ko-KR" altLang="ko-KR" sz="1400" dirty="0" smtClean="0">
+                <a:latin typeface="+mn-ea"/>
+              </a:rPr>
+              <a:t> </a:t>
+            </a:r>
+            <a:r>
+              <a:rPr lang="ko-KR" altLang="ko-KR" sz="1400" dirty="0" err="1">
+                <a:latin typeface="+mn-ea"/>
+              </a:rPr>
+              <a:t>class</a:t>
+            </a:r>
+            <a:r>
+              <a:rPr lang="ko-KR" altLang="ko-KR" sz="1400" dirty="0">
+                <a:latin typeface="+mn-ea"/>
+              </a:rPr>
+              <a:t> </a:t>
+            </a:r>
+            <a:r>
+              <a:rPr lang="en-US" altLang="ko-KR" sz="1400" dirty="0" err="1" smtClean="0">
+                <a:latin typeface="+mn-ea"/>
+              </a:rPr>
+              <a:t>Picklable</a:t>
+            </a:r>
+            <a:r>
+              <a:rPr lang="ko-KR" altLang="ko-KR" sz="1400" dirty="0" err="1" smtClean="0">
+                <a:latin typeface="+mn-ea"/>
+              </a:rPr>
+              <a:t>SampleMessage</a:t>
+            </a:r>
+            <a:r>
+              <a:rPr lang="ko-KR" altLang="ko-KR" sz="1400" dirty="0" smtClean="0">
+                <a:latin typeface="+mn-ea"/>
+              </a:rPr>
+              <a:t>(</a:t>
+            </a:r>
+            <a:r>
+              <a:rPr lang="ko-KR" altLang="ko-KR" sz="1400" dirty="0" err="1" smtClean="0">
+                <a:latin typeface="+mn-ea"/>
+              </a:rPr>
+              <a:t>numData</a:t>
+            </a:r>
+            <a:r>
+              <a:rPr lang="ko-KR" altLang="ko-KR" sz="1400" dirty="0">
+                <a:latin typeface="+mn-ea"/>
+              </a:rPr>
+              <a:t>: </a:t>
+            </a:r>
+            <a:r>
+              <a:rPr lang="ko-KR" altLang="ko-KR" sz="1400" dirty="0" err="1">
+                <a:latin typeface="+mn-ea"/>
+              </a:rPr>
               <a:t>Int</a:t>
             </a:r>
-            <a:endParaRPr lang="en-US" altLang="ko-KR" sz="1600" dirty="0"/>
-          </a:p>
-          <a:p>
-            <a:pPr marL="742950" lvl="1" indent="-285750">
-              <a:buFontTx/>
-              <a:buChar char="-"/>
+            <a:r>
+              <a:rPr lang="ko-KR" altLang="ko-KR" sz="1400" dirty="0">
+                <a:latin typeface="+mn-ea"/>
+              </a:rPr>
+              <a:t>, </a:t>
+            </a:r>
+            <a:r>
+              <a:rPr lang="ko-KR" altLang="ko-KR" sz="1400" dirty="0" err="1">
+                <a:latin typeface="+mn-ea"/>
+              </a:rPr>
+              <a:t>keys</a:t>
+            </a:r>
+            <a:r>
+              <a:rPr lang="ko-KR" altLang="ko-KR" sz="1400" dirty="0">
+                <a:latin typeface="+mn-ea"/>
+              </a:rPr>
+              <a:t>: </a:t>
+            </a:r>
+            <a:r>
+              <a:rPr lang="ko-KR" altLang="ko-KR" sz="1400" dirty="0" err="1" smtClean="0">
+                <a:latin typeface="+mn-ea"/>
+              </a:rPr>
+              <a:t>Array</a:t>
+            </a:r>
+            <a:r>
+              <a:rPr lang="ko-KR" altLang="ko-KR" sz="1400" dirty="0" smtClean="0">
+                <a:latin typeface="+mn-ea"/>
+              </a:rPr>
+              <a:t>[</a:t>
+            </a:r>
+            <a:r>
+              <a:rPr lang="ko-KR" altLang="ko-KR" sz="1400" dirty="0" err="1" smtClean="0">
+                <a:latin typeface="+mn-ea"/>
+              </a:rPr>
+              <a:t>Key</a:t>
+            </a:r>
+            <a:r>
+              <a:rPr lang="ko-KR" altLang="ko-KR" sz="1400" dirty="0" smtClean="0">
+                <a:latin typeface="+mn-ea"/>
+              </a:rPr>
+              <a:t>]) </a:t>
+            </a:r>
+            <a:r>
+              <a:rPr lang="ko-KR" altLang="ko-KR" sz="1400" dirty="0" err="1">
+                <a:latin typeface="+mn-ea"/>
+              </a:rPr>
+              <a:t>extends</a:t>
+            </a:r>
+            <a:r>
+              <a:rPr lang="ko-KR" altLang="ko-KR" sz="1400" dirty="0">
+                <a:latin typeface="+mn-ea"/>
+              </a:rPr>
+              <a:t> </a:t>
+            </a:r>
+            <a:r>
+              <a:rPr lang="en-US" altLang="ko-KR" sz="1400" dirty="0" err="1" smtClean="0">
+                <a:latin typeface="+mn-ea"/>
+              </a:rPr>
+              <a:t>Picklable</a:t>
+            </a:r>
+            <a:r>
+              <a:rPr lang="ko-KR" altLang="ko-KR" sz="1400" dirty="0" err="1" smtClean="0">
+                <a:latin typeface="+mn-ea"/>
+              </a:rPr>
+              <a:t>Message</a:t>
+            </a:r>
+            <a:endParaRPr lang="ko-KR" altLang="ko-KR" sz="1400" dirty="0">
+              <a:latin typeface="+mn-ea"/>
+            </a:endParaRPr>
+          </a:p>
+          <a:p>
+            <a:pPr lvl="0" eaLnBrk="0" fontAlgn="base" latinLnBrk="0" hangingPunct="0">
+              <a:spcBef>
+                <a:spcPct val="0"/>
+              </a:spcBef>
+              <a:spcAft>
+                <a:spcPct val="0"/>
+              </a:spcAft>
             </a:pPr>
-            <a:r>
-              <a:rPr lang="en-US" altLang="ko-KR" sz="1600" dirty="0" err="1"/>
-              <a:t>dataSize</a:t>
-            </a:r>
-            <a:r>
-              <a:rPr lang="en-US" altLang="ko-KR" sz="1600" dirty="0"/>
-              <a:t>: </a:t>
-            </a:r>
-            <a:r>
-              <a:rPr lang="en-US" altLang="ko-KR" sz="1600" dirty="0" err="1"/>
-              <a:t>Int</a:t>
-            </a:r>
-            <a:endParaRPr lang="en-US" altLang="ko-KR" sz="1600" dirty="0"/>
-          </a:p>
-          <a:p>
-            <a:pPr marL="742950" lvl="1" indent="-285750">
-              <a:buFontTx/>
-              <a:buChar char="-"/>
-            </a:pPr>
-            <a:r>
-              <a:rPr lang="en-US" altLang="ko-KR" sz="1600" dirty="0" err="1"/>
-              <a:t>toByteArray</a:t>
-            </a:r>
-            <a:r>
-              <a:rPr lang="en-US" altLang="ko-KR" sz="1600" dirty="0"/>
-              <a:t>(): Array[byte]</a:t>
-            </a:r>
-          </a:p>
-          <a:p>
-            <a:pPr marL="457200" lvl="1" indent="0">
-              <a:buNone/>
-            </a:pPr>
-            <a:endParaRPr lang="en-US" altLang="ko-KR" dirty="0" smtClean="0"/>
-          </a:p>
-          <a:p>
-            <a:endParaRPr lang="ko-KR" altLang="en-US" dirty="0"/>
+            <a:endParaRPr lang="ko-KR" altLang="ko-KR" sz="3200" dirty="0">
+              <a:latin typeface="+mn-ea"/>
+            </a:endParaRPr>
           </a:p>
         </p:txBody>
       </p:sp>
     </p:spTree>
     <p:extLst>
       <p:ext uri="{BB962C8B-B14F-4D97-AF65-F5344CB8AC3E}">
-        <p14:creationId xmlns:p14="http://schemas.microsoft.com/office/powerpoint/2010/main" val="758274163"/>
+        <p14:creationId xmlns:p14="http://schemas.microsoft.com/office/powerpoint/2010/main" val="1055633754"/>
       </p:ext>
     </p:extLst>
   </p:cSld>
@@ -13950,299 +14426,29 @@
             <p:ph type="title"/>
           </p:nvPr>
         </p:nvSpPr>
-        <p:spPr/>
+        <p:spPr>
+          <a:xfrm>
+            <a:off x="197117" y="2763371"/>
+            <a:ext cx="11876248" cy="1325563"/>
+          </a:xfrm>
+        </p:spPr>
         <p:txBody>
           <a:bodyPr/>
           <a:lstStyle/>
           <a:p>
+            <a:pPr algn="ctr"/>
             <a:r>
               <a:rPr lang="en-US" altLang="ko-KR" dirty="0" smtClean="0"/>
-              <a:t>Messages</a:t>
+              <a:t>Tests</a:t>
             </a:r>
             <a:endParaRPr lang="ko-KR" altLang="en-US" dirty="0"/>
-          </a:p>
-        </p:txBody>
-      </p:sp>
-      <p:sp>
-        <p:nvSpPr>
-          <p:cNvPr id="5" name="직사각형 4"/>
-          <p:cNvSpPr/>
-          <p:nvPr/>
-        </p:nvSpPr>
-        <p:spPr>
-          <a:xfrm>
-            <a:off x="970412" y="2020066"/>
-            <a:ext cx="10383387" cy="3077766"/>
-          </a:xfrm>
-          <a:prstGeom prst="rect">
-            <a:avLst/>
-          </a:prstGeom>
-        </p:spPr>
-        <p:txBody>
-          <a:bodyPr wrap="square">
-            <a:spAutoFit/>
-          </a:bodyPr>
-          <a:lstStyle/>
-          <a:p>
-            <a:pPr marL="285750" indent="-285750">
-              <a:buFont typeface="Arial" panose="020B0604020202020204" pitchFamily="34" charset="0"/>
-              <a:buChar char="•"/>
-            </a:pPr>
-            <a:r>
-              <a:rPr lang="en-US" altLang="ko-KR" sz="2000" dirty="0" smtClean="0"/>
-              <a:t>type Key = Array[Byte]</a:t>
-            </a:r>
-          </a:p>
-          <a:p>
-            <a:pPr lvl="1"/>
-            <a:endParaRPr lang="en-US" altLang="ko-KR" sz="1600" dirty="0" smtClean="0"/>
-          </a:p>
-          <a:p>
-            <a:pPr lvl="1"/>
-            <a:endParaRPr lang="en-US" altLang="ko-KR" sz="1600" dirty="0" smtClean="0"/>
-          </a:p>
-          <a:p>
-            <a:pPr marL="342900" indent="-342900">
-              <a:buFont typeface="Arial" panose="020B0604020202020204" pitchFamily="34" charset="0"/>
-              <a:buChar char="•"/>
-            </a:pPr>
-            <a:r>
-              <a:rPr lang="en-US" altLang="ko-KR" dirty="0" smtClean="0"/>
-              <a:t>case class </a:t>
-            </a:r>
-            <a:r>
-              <a:rPr lang="en-US" altLang="ko-KR" dirty="0" err="1" smtClean="0"/>
-              <a:t>SlaveInfoMessage</a:t>
-            </a:r>
-            <a:r>
-              <a:rPr lang="en-US" altLang="ko-KR" dirty="0" smtClean="0"/>
-              <a:t>(</a:t>
-            </a:r>
-            <a:r>
-              <a:rPr lang="en-US" altLang="ko-KR" dirty="0" err="1" smtClean="0"/>
-              <a:t>val</a:t>
-            </a:r>
-            <a:r>
-              <a:rPr lang="en-US" altLang="ko-KR" dirty="0" smtClean="0"/>
-              <a:t> </a:t>
-            </a:r>
-            <a:r>
-              <a:rPr lang="en-US" altLang="ko-KR" dirty="0" err="1" smtClean="0"/>
-              <a:t>slaveInfos</a:t>
-            </a:r>
-            <a:r>
-              <a:rPr lang="en-US" altLang="ko-KR" dirty="0" smtClean="0"/>
-              <a:t>: Vector[Slave], </a:t>
-            </a:r>
-            <a:r>
-              <a:rPr lang="en-US" altLang="ko-KR" dirty="0" err="1" smtClean="0"/>
-              <a:t>val</a:t>
-            </a:r>
-            <a:r>
-              <a:rPr lang="en-US" altLang="ko-KR" dirty="0" smtClean="0"/>
-              <a:t> </a:t>
-            </a:r>
-            <a:r>
-              <a:rPr lang="en-US" altLang="ko-KR" dirty="0" err="1" smtClean="0"/>
-              <a:t>pivotValues</a:t>
-            </a:r>
-            <a:r>
-              <a:rPr lang="en-US" altLang="ko-KR" dirty="0" smtClean="0"/>
-              <a:t>) extends Message</a:t>
-            </a:r>
-          </a:p>
-          <a:p>
-            <a:pPr marL="342900" indent="-342900">
-              <a:buFont typeface="Arial" panose="020B0604020202020204" pitchFamily="34" charset="0"/>
-              <a:buChar char="•"/>
-            </a:pPr>
-            <a:r>
-              <a:rPr lang="en-US" altLang="ko-KR" dirty="0" smtClean="0"/>
-              <a:t>case class </a:t>
-            </a:r>
-            <a:r>
-              <a:rPr lang="en-US" altLang="ko-KR" dirty="0" err="1" smtClean="0"/>
-              <a:t>SampleMessage</a:t>
-            </a:r>
-            <a:r>
-              <a:rPr lang="en-US" altLang="ko-KR" dirty="0" smtClean="0"/>
-              <a:t>(</a:t>
-            </a:r>
-            <a:r>
-              <a:rPr lang="en-US" altLang="ko-KR" dirty="0" err="1" smtClean="0"/>
-              <a:t>val</a:t>
-            </a:r>
-            <a:r>
-              <a:rPr lang="en-US" altLang="ko-KR" dirty="0" smtClean="0"/>
-              <a:t> </a:t>
-            </a:r>
-            <a:r>
-              <a:rPr lang="en-US" altLang="ko-KR" dirty="0" err="1" smtClean="0"/>
-              <a:t>dataSize</a:t>
-            </a:r>
-            <a:r>
-              <a:rPr lang="en-US" altLang="ko-KR" dirty="0" smtClean="0"/>
-              <a:t>: </a:t>
-            </a:r>
-            <a:r>
-              <a:rPr lang="en-US" altLang="ko-KR" dirty="0" err="1" smtClean="0"/>
-              <a:t>Int</a:t>
-            </a:r>
-            <a:r>
-              <a:rPr lang="en-US" altLang="ko-KR" dirty="0" smtClean="0"/>
-              <a:t>, </a:t>
-            </a:r>
-            <a:r>
-              <a:rPr lang="en-US" altLang="ko-KR" dirty="0" err="1" smtClean="0"/>
-              <a:t>val</a:t>
-            </a:r>
-            <a:r>
-              <a:rPr lang="en-US" altLang="ko-KR" dirty="0" smtClean="0"/>
-              <a:t> samples: Vector[Key]) extends Message</a:t>
-            </a:r>
-          </a:p>
-          <a:p>
-            <a:pPr marL="342900" indent="-342900">
-              <a:buFont typeface="Arial" panose="020B0604020202020204" pitchFamily="34" charset="0"/>
-              <a:buChar char="•"/>
-            </a:pPr>
-            <a:r>
-              <a:rPr lang="en-US" altLang="ko-KR" dirty="0" smtClean="0"/>
-              <a:t>object </a:t>
-            </a:r>
-            <a:r>
-              <a:rPr lang="en-US" altLang="ko-KR" dirty="0" err="1" smtClean="0"/>
-              <a:t>DoneMessage</a:t>
-            </a:r>
-            <a:r>
-              <a:rPr lang="en-US" altLang="ko-KR" dirty="0" smtClean="0"/>
-              <a:t> extends Message</a:t>
-            </a:r>
-          </a:p>
-          <a:p>
-            <a:pPr marL="342900" indent="-342900">
-              <a:buFont typeface="Arial" panose="020B0604020202020204" pitchFamily="34" charset="0"/>
-              <a:buChar char="•"/>
-            </a:pPr>
-            <a:r>
-              <a:rPr lang="en-US" altLang="ko-KR" dirty="0" smtClean="0"/>
-              <a:t>case class </a:t>
-            </a:r>
-            <a:r>
-              <a:rPr lang="en-US" altLang="ko-KR" dirty="0" err="1" smtClean="0"/>
-              <a:t>DataInfoMessage</a:t>
-            </a:r>
-            <a:r>
-              <a:rPr lang="en-US" altLang="ko-KR" dirty="0" smtClean="0"/>
-              <a:t>(</a:t>
-            </a:r>
-            <a:r>
-              <a:rPr lang="en-US" altLang="ko-KR" dirty="0" err="1" smtClean="0"/>
-              <a:t>val</a:t>
-            </a:r>
-            <a:r>
-              <a:rPr lang="en-US" altLang="ko-KR" dirty="0" smtClean="0"/>
-              <a:t> sizes: Vector[</a:t>
-            </a:r>
-            <a:r>
-              <a:rPr lang="en-US" altLang="ko-KR" dirty="0" err="1" smtClean="0"/>
-              <a:t>Int</a:t>
-            </a:r>
-            <a:r>
-              <a:rPr lang="en-US" altLang="ko-KR" dirty="0" smtClean="0"/>
-              <a:t>]) extends Message</a:t>
-            </a:r>
-          </a:p>
-          <a:p>
-            <a:pPr marL="342900" indent="-342900">
-              <a:buFont typeface="Arial" panose="020B0604020202020204" pitchFamily="34" charset="0"/>
-              <a:buChar char="•"/>
-            </a:pPr>
-            <a:r>
-              <a:rPr lang="en-US" altLang="ko-KR" dirty="0" smtClean="0"/>
-              <a:t>case class </a:t>
-            </a:r>
-            <a:r>
-              <a:rPr lang="en-US" altLang="ko-KR" dirty="0" err="1" smtClean="0"/>
-              <a:t>DataMessage</a:t>
-            </a:r>
-            <a:r>
-              <a:rPr lang="en-US" altLang="ko-KR" dirty="0" smtClean="0"/>
-              <a:t>(</a:t>
-            </a:r>
-            <a:r>
-              <a:rPr lang="en-US" altLang="ko-KR" dirty="0" err="1" smtClean="0"/>
-              <a:t>val</a:t>
-            </a:r>
-            <a:r>
-              <a:rPr lang="en-US" altLang="ko-KR" dirty="0" smtClean="0"/>
-              <a:t> </a:t>
-            </a:r>
-            <a:r>
-              <a:rPr lang="en-US" altLang="ko-KR" dirty="0" err="1" smtClean="0"/>
-              <a:t>partitionNum</a:t>
-            </a:r>
-            <a:r>
-              <a:rPr lang="en-US" altLang="ko-KR" dirty="0" smtClean="0"/>
-              <a:t>: </a:t>
-            </a:r>
-            <a:r>
-              <a:rPr lang="en-US" altLang="ko-KR" dirty="0" err="1" smtClean="0"/>
-              <a:t>Int</a:t>
-            </a:r>
-            <a:r>
-              <a:rPr lang="en-US" altLang="ko-KR" dirty="0" smtClean="0"/>
-              <a:t>, </a:t>
-            </a:r>
-            <a:r>
-              <a:rPr lang="en-US" altLang="ko-KR" dirty="0" err="1" smtClean="0"/>
-              <a:t>val</a:t>
-            </a:r>
-            <a:r>
-              <a:rPr lang="en-US" altLang="ko-KR" dirty="0" smtClean="0"/>
-              <a:t> </a:t>
-            </a:r>
-            <a:r>
-              <a:rPr lang="en-US" altLang="ko-KR" dirty="0" err="1" smtClean="0"/>
-              <a:t>idx</a:t>
-            </a:r>
-            <a:r>
-              <a:rPr lang="en-US" altLang="ko-KR" dirty="0" smtClean="0"/>
-              <a:t>: </a:t>
-            </a:r>
-            <a:r>
-              <a:rPr lang="en-US" altLang="ko-KR" dirty="0" err="1" smtClean="0"/>
-              <a:t>Int</a:t>
-            </a:r>
-            <a:r>
-              <a:rPr lang="en-US" altLang="ko-KR" dirty="0" smtClean="0"/>
-              <a:t>, data: Array[Byte]) extends Message</a:t>
-            </a:r>
-          </a:p>
-          <a:p>
-            <a:pPr marL="342900" indent="-342900">
-              <a:buFont typeface="Arial" panose="020B0604020202020204" pitchFamily="34" charset="0"/>
-              <a:buChar char="•"/>
-            </a:pPr>
-            <a:endParaRPr lang="en-US" altLang="ko-KR" dirty="0" smtClean="0"/>
-          </a:p>
-          <a:p>
-            <a:pPr marL="342900" indent="-342900">
-              <a:buFont typeface="Arial" panose="020B0604020202020204" pitchFamily="34" charset="0"/>
-              <a:buChar char="•"/>
-            </a:pPr>
-            <a:endParaRPr lang="en-US" altLang="ko-KR" dirty="0" smtClean="0"/>
-          </a:p>
-          <a:p>
-            <a:pPr lvl="1"/>
-            <a:endParaRPr lang="en-US" altLang="ko-KR" sz="1600" dirty="0" smtClean="0"/>
           </a:p>
         </p:txBody>
       </p:sp>
     </p:spTree>
     <p:extLst>
       <p:ext uri="{BB962C8B-B14F-4D97-AF65-F5344CB8AC3E}">
-        <p14:creationId xmlns:p14="http://schemas.microsoft.com/office/powerpoint/2010/main" val="1055633754"/>
+        <p14:creationId xmlns:p14="http://schemas.microsoft.com/office/powerpoint/2010/main" val="946132181"/>
       </p:ext>
     </p:extLst>
   </p:cSld>
@@ -14293,7 +14499,7 @@
           <a:p>
             <a:r>
               <a:rPr lang="en-US" altLang="ko-KR" dirty="0" smtClean="0"/>
-              <a:t>Master</a:t>
+              <a:t>Sample Calculation</a:t>
             </a:r>
             <a:endParaRPr lang="ko-KR" altLang="en-US" dirty="0"/>
           </a:p>
@@ -14309,473 +14515,29 @@
             <p:ph idx="1"/>
           </p:nvPr>
         </p:nvSpPr>
-        <p:spPr>
-          <a:xfrm>
-            <a:off x="838200" y="1978024"/>
-            <a:ext cx="5370959" cy="4755865"/>
-          </a:xfrm>
-        </p:spPr>
-        <p:txBody>
-          <a:bodyPr>
-            <a:normAutofit/>
-          </a:bodyPr>
-          <a:lstStyle/>
-          <a:p>
-            <a:r>
-              <a:rPr lang="en-US" altLang="ko-KR" sz="2000" dirty="0" smtClean="0"/>
-              <a:t>class Master</a:t>
-            </a:r>
-            <a:endParaRPr lang="en-US" altLang="ko-KR" sz="1600" dirty="0" smtClean="0"/>
-          </a:p>
-          <a:p>
-            <a:pPr lvl="1">
-              <a:buFontTx/>
-              <a:buChar char="-"/>
-            </a:pPr>
-            <a:r>
-              <a:rPr lang="en-US" altLang="ko-KR" sz="1600" dirty="0"/>
-              <a:t>s</a:t>
-            </a:r>
-            <a:r>
-              <a:rPr lang="en-US" altLang="ko-KR" sz="1600" dirty="0" smtClean="0"/>
-              <a:t>tate: </a:t>
-            </a:r>
-            <a:r>
-              <a:rPr lang="en-US" altLang="ko-KR" sz="1600" dirty="0" err="1" smtClean="0"/>
-              <a:t>MasterState</a:t>
-            </a:r>
-            <a:endParaRPr lang="en-US" altLang="ko-KR" sz="1600" dirty="0" smtClean="0"/>
-          </a:p>
-          <a:p>
-            <a:pPr lvl="1">
-              <a:buFontTx/>
-              <a:buChar char="-"/>
-            </a:pPr>
-            <a:endParaRPr lang="en-US" altLang="ko-KR" sz="1600" dirty="0"/>
-          </a:p>
-          <a:p>
-            <a:pPr lvl="1">
-              <a:buFontTx/>
-              <a:buChar char="-"/>
-            </a:pPr>
-            <a:r>
-              <a:rPr lang="en-US" altLang="ko-KR" sz="1600" dirty="0" err="1" smtClean="0"/>
-              <a:t>connectionListener</a:t>
-            </a:r>
-            <a:r>
-              <a:rPr lang="en-US" altLang="ko-KR" sz="1600" dirty="0" smtClean="0"/>
-              <a:t>: </a:t>
-            </a:r>
-            <a:r>
-              <a:rPr lang="en-US" altLang="ko-KR" sz="1600" dirty="0" err="1" smtClean="0"/>
-              <a:t>ConnectionListener</a:t>
-            </a:r>
-            <a:endParaRPr lang="en-US" altLang="ko-KR" sz="1600" dirty="0" smtClean="0"/>
-          </a:p>
-          <a:p>
-            <a:pPr lvl="1">
-              <a:buFontTx/>
-              <a:buChar char="-"/>
-            </a:pPr>
-            <a:r>
-              <a:rPr lang="en-US" altLang="ko-KR" sz="1600" dirty="0" err="1"/>
-              <a:t>numSlave</a:t>
-            </a:r>
-            <a:r>
-              <a:rPr lang="en-US" altLang="ko-KR" sz="1600" dirty="0"/>
-              <a:t>: </a:t>
-            </a:r>
-            <a:r>
-              <a:rPr lang="en-US" altLang="ko-KR" sz="1600" dirty="0" err="1"/>
-              <a:t>Int</a:t>
-            </a:r>
-            <a:endParaRPr lang="en-US" altLang="ko-KR" sz="1600" dirty="0"/>
-          </a:p>
-          <a:p>
-            <a:pPr lvl="1">
-              <a:buFontTx/>
-              <a:buChar char="-"/>
-            </a:pPr>
-            <a:endParaRPr lang="en-US" altLang="ko-KR" sz="1600" dirty="0" smtClean="0"/>
-          </a:p>
-          <a:p>
-            <a:pPr lvl="1">
-              <a:buFontTx/>
-              <a:buChar char="-"/>
-            </a:pPr>
-            <a:r>
-              <a:rPr lang="en-US" altLang="ko-KR" sz="1600" dirty="0" err="1" smtClean="0"/>
-              <a:t>var</a:t>
-            </a:r>
-            <a:r>
-              <a:rPr lang="en-US" altLang="ko-KR" sz="1600" dirty="0" smtClean="0"/>
-              <a:t> connected: Set[</a:t>
-            </a:r>
-            <a:r>
-              <a:rPr lang="en-US" altLang="ko-KR" sz="1600" dirty="0" err="1" smtClean="0"/>
-              <a:t>SlaveListener</a:t>
-            </a:r>
-            <a:r>
-              <a:rPr lang="en-US" altLang="ko-KR" sz="1600" dirty="0" smtClean="0"/>
-              <a:t>]</a:t>
-            </a:r>
-          </a:p>
-          <a:p>
-            <a:pPr lvl="1">
-              <a:buFontTx/>
-              <a:buChar char="-"/>
-            </a:pPr>
-            <a:r>
-              <a:rPr lang="en-US" altLang="ko-KR" sz="1600" dirty="0" err="1" smtClean="0"/>
-              <a:t>var</a:t>
-            </a:r>
-            <a:r>
-              <a:rPr lang="en-US" altLang="ko-KR" sz="1600" dirty="0" smtClean="0"/>
-              <a:t> slaves: Map[Socket, Slave]</a:t>
-            </a:r>
-          </a:p>
-          <a:p>
-            <a:pPr lvl="1">
-              <a:buFontTx/>
-              <a:buChar char="-"/>
-            </a:pPr>
-            <a:r>
-              <a:rPr lang="en-US" altLang="ko-KR" sz="1600" dirty="0" err="1"/>
-              <a:t>v</a:t>
-            </a:r>
-            <a:r>
-              <a:rPr lang="en-US" altLang="ko-KR" sz="1600" dirty="0" err="1" smtClean="0"/>
-              <a:t>ar</a:t>
-            </a:r>
-            <a:r>
-              <a:rPr lang="en-US" altLang="ko-KR" sz="1600" dirty="0" smtClean="0"/>
-              <a:t> </a:t>
-            </a:r>
-            <a:r>
-              <a:rPr lang="en-US" altLang="ko-KR" sz="1600" dirty="0" err="1" smtClean="0"/>
-              <a:t>messageQueue</a:t>
-            </a:r>
-            <a:r>
-              <a:rPr lang="en-US" altLang="ko-KR" sz="1600" dirty="0" smtClean="0"/>
-              <a:t>: Queue[(Message, Socket)]</a:t>
-            </a:r>
-          </a:p>
-          <a:p>
-            <a:pPr marL="457200" lvl="1" indent="0">
-              <a:buNone/>
-            </a:pPr>
-            <a:endParaRPr lang="en-US" altLang="ko-KR" sz="1600" dirty="0" smtClean="0"/>
-          </a:p>
-          <a:p>
-            <a:pPr marL="457200" lvl="1" indent="0">
-              <a:buNone/>
-            </a:pPr>
-            <a:r>
-              <a:rPr lang="en-US" altLang="ko-KR" sz="1600" dirty="0" smtClean="0"/>
-              <a:t>(</a:t>
-            </a:r>
-            <a:r>
-              <a:rPr lang="en-US" altLang="ko-KR" sz="1600" dirty="0" err="1" smtClean="0"/>
-              <a:t>Init</a:t>
-            </a:r>
-            <a:r>
-              <a:rPr lang="en-US" altLang="ko-KR" sz="1600" dirty="0" smtClean="0"/>
-              <a:t>)</a:t>
-            </a:r>
-          </a:p>
-          <a:p>
-            <a:pPr lvl="1">
-              <a:buFontTx/>
-              <a:buChar char="-"/>
-            </a:pPr>
-            <a:r>
-              <a:rPr lang="en-US" altLang="ko-KR" sz="1600" dirty="0" err="1" smtClean="0"/>
-              <a:t>initServerSocket</a:t>
-            </a:r>
-            <a:r>
-              <a:rPr lang="en-US" altLang="ko-KR" sz="1600" dirty="0" smtClean="0"/>
-              <a:t>(): Unit</a:t>
-            </a:r>
-          </a:p>
-          <a:p>
-            <a:pPr lvl="1">
-              <a:buFontTx/>
-              <a:buChar char="-"/>
-            </a:pPr>
-            <a:r>
-              <a:rPr lang="en-US" altLang="ko-KR" sz="1600" dirty="0" err="1" smtClean="0"/>
-              <a:t>acceptConnections</a:t>
-            </a:r>
-            <a:r>
-              <a:rPr lang="en-US" altLang="ko-KR" sz="1600" dirty="0" smtClean="0"/>
-              <a:t>(</a:t>
-            </a:r>
-            <a:r>
-              <a:rPr lang="en-US" altLang="ko-KR" sz="1600" dirty="0" err="1" smtClean="0"/>
-              <a:t>Int</a:t>
-            </a:r>
-            <a:r>
-              <a:rPr lang="en-US" altLang="ko-KR" sz="1600" dirty="0" smtClean="0"/>
-              <a:t>): List[Future[List[Key]]]</a:t>
-            </a:r>
-          </a:p>
-          <a:p>
-            <a:pPr lvl="1">
-              <a:buFontTx/>
-              <a:buChar char="-"/>
-            </a:pPr>
-            <a:r>
-              <a:rPr lang="en-US" altLang="ko-KR" sz="1600" dirty="0" err="1" smtClean="0"/>
-              <a:t>samplingFuture</a:t>
-            </a:r>
-            <a:r>
-              <a:rPr lang="en-US" altLang="ko-KR" sz="1600" dirty="0" smtClean="0"/>
-              <a:t>(Socket): Future[List[Key]]</a:t>
-            </a:r>
-          </a:p>
-          <a:p>
-            <a:pPr lvl="1">
-              <a:buFontTx/>
-              <a:buChar char="-"/>
-            </a:pPr>
-            <a:r>
-              <a:rPr lang="en-US" altLang="ko-KR" sz="1600" dirty="0" err="1" smtClean="0"/>
-              <a:t>updateSlaveInfo</a:t>
-            </a:r>
-            <a:r>
-              <a:rPr lang="en-US" altLang="ko-KR" sz="1600" dirty="0" smtClean="0"/>
-              <a:t>(Socket, Slave): Unit</a:t>
-            </a:r>
-          </a:p>
-          <a:p>
-            <a:pPr lvl="1">
-              <a:buFontTx/>
-              <a:buChar char="-"/>
-            </a:pPr>
-            <a:endParaRPr lang="en-US" altLang="ko-KR" sz="1600" dirty="0" smtClean="0"/>
-          </a:p>
-          <a:p>
-            <a:pPr marL="457200" lvl="1" indent="0">
-              <a:buNone/>
-            </a:pPr>
-            <a:endParaRPr lang="en-US" altLang="ko-KR" sz="1600" dirty="0" smtClean="0"/>
-          </a:p>
-          <a:p>
+        <p:spPr/>
+        <p:txBody>
+          <a:bodyPr/>
+          <a:lstStyle/>
+          <a:p>
+            <a:r>
+              <a:rPr lang="en-US" altLang="ko-KR" dirty="0" err="1" smtClean="0"/>
+              <a:t>calculatesCorrectPivot</a:t>
+            </a:r>
             <a:endParaRPr lang="ko-KR" altLang="en-US" dirty="0"/>
-          </a:p>
-        </p:txBody>
-      </p:sp>
-      <p:sp>
-        <p:nvSpPr>
-          <p:cNvPr id="4" name="직사각형 3"/>
-          <p:cNvSpPr/>
-          <p:nvPr/>
-        </p:nvSpPr>
-        <p:spPr>
-          <a:xfrm>
-            <a:off x="6209159" y="735518"/>
-            <a:ext cx="6096000" cy="3785652"/>
-          </a:xfrm>
-          <a:prstGeom prst="rect">
-            <a:avLst/>
-          </a:prstGeom>
-        </p:spPr>
-        <p:txBody>
-          <a:bodyPr>
-            <a:spAutoFit/>
-          </a:bodyPr>
-          <a:lstStyle/>
-          <a:p>
-            <a:pPr lvl="1"/>
-            <a:r>
-              <a:rPr lang="en-US" altLang="ko-KR" sz="1600" dirty="0" smtClean="0"/>
-              <a:t>(Connect)</a:t>
-            </a:r>
-          </a:p>
-          <a:p>
-            <a:pPr lvl="1">
-              <a:buFontTx/>
-              <a:buChar char="-"/>
-            </a:pPr>
-            <a:r>
-              <a:rPr lang="en-US" altLang="ko-KR" sz="1600" dirty="0" smtClean="0"/>
-              <a:t> </a:t>
-            </a:r>
-            <a:r>
-              <a:rPr lang="en-US" altLang="ko-KR" sz="1600" dirty="0" err="1" smtClean="0"/>
-              <a:t>recvSampleMsg</a:t>
-            </a:r>
-            <a:r>
-              <a:rPr lang="en-US" altLang="ko-KR" sz="1600" dirty="0" smtClean="0"/>
-              <a:t>(Socket</a:t>
-            </a:r>
-            <a:r>
-              <a:rPr lang="en-US" altLang="ko-KR" sz="1600" dirty="0"/>
-              <a:t>): </a:t>
-            </a:r>
-            <a:r>
-              <a:rPr lang="en-US" altLang="ko-KR" sz="1600" dirty="0" err="1" smtClean="0"/>
-              <a:t>SampleMsg</a:t>
-            </a:r>
-            <a:endParaRPr lang="en-US" altLang="ko-KR" sz="1600" dirty="0" smtClean="0"/>
-          </a:p>
-          <a:p>
-            <a:pPr lvl="1"/>
-            <a:endParaRPr lang="en-US" altLang="ko-KR" sz="1600" dirty="0"/>
-          </a:p>
-          <a:p>
-            <a:pPr lvl="1"/>
-            <a:r>
-              <a:rPr lang="en-US" altLang="ko-KR" sz="1600" dirty="0" smtClean="0"/>
-              <a:t>(Sample)</a:t>
-            </a:r>
-          </a:p>
-          <a:p>
-            <a:pPr lvl="1"/>
-            <a:r>
-              <a:rPr lang="en-US" altLang="ko-KR" sz="1600" dirty="0" smtClean="0"/>
-              <a:t>- </a:t>
-            </a:r>
-            <a:r>
-              <a:rPr lang="en-US" altLang="ko-KR" sz="1600" dirty="0" err="1" smtClean="0"/>
-              <a:t>waitSamples</a:t>
-            </a:r>
-            <a:r>
-              <a:rPr lang="en-US" altLang="ko-KR" sz="1600" dirty="0" smtClean="0"/>
-              <a:t>(List[Future[List[Key]]]): List[Key]</a:t>
-            </a:r>
-          </a:p>
-          <a:p>
-            <a:pPr lvl="1"/>
-            <a:r>
-              <a:rPr lang="en-US" altLang="ko-KR" sz="1600" dirty="0" smtClean="0"/>
-              <a:t>- </a:t>
-            </a:r>
-            <a:r>
-              <a:rPr lang="en-US" altLang="ko-KR" sz="1600" dirty="0" err="1" smtClean="0"/>
-              <a:t>calcPivots</a:t>
-            </a:r>
-            <a:r>
-              <a:rPr lang="en-US" altLang="ko-KR" sz="1600" dirty="0" smtClean="0"/>
-              <a:t>(): List[Key]</a:t>
-            </a:r>
-          </a:p>
-          <a:p>
-            <a:pPr lvl="1">
-              <a:buFontTx/>
-              <a:buChar char="-"/>
-            </a:pPr>
-            <a:r>
-              <a:rPr lang="en-US" altLang="ko-KR" sz="1600" dirty="0" smtClean="0"/>
-              <a:t> </a:t>
-            </a:r>
-            <a:r>
-              <a:rPr lang="en-US" altLang="ko-KR" sz="1600" dirty="0" err="1" smtClean="0"/>
-              <a:t>makeComputeFuture</a:t>
-            </a:r>
-            <a:r>
-              <a:rPr lang="en-US" altLang="ko-KR" sz="1600" dirty="0" smtClean="0"/>
-              <a:t>(): Future[Unit]</a:t>
-            </a:r>
-          </a:p>
-          <a:p>
-            <a:pPr lvl="1">
-              <a:buFontTx/>
-              <a:buChar char="-"/>
-            </a:pPr>
-            <a:endParaRPr lang="en-US" altLang="ko-KR" sz="1600" dirty="0"/>
-          </a:p>
-          <a:p>
-            <a:pPr lvl="1"/>
-            <a:r>
-              <a:rPr lang="en-US" altLang="ko-KR" sz="1600" dirty="0" smtClean="0"/>
-              <a:t>(Compute)</a:t>
-            </a:r>
-          </a:p>
-          <a:p>
-            <a:pPr lvl="1"/>
-            <a:r>
-              <a:rPr lang="en-US" altLang="ko-KR" sz="1600" dirty="0" smtClean="0"/>
-              <a:t>- </a:t>
-            </a:r>
-            <a:r>
-              <a:rPr lang="en-US" altLang="ko-KR" sz="1600" dirty="0" err="1" smtClean="0"/>
-              <a:t>sendSlavesInfoMsg</a:t>
-            </a:r>
-            <a:r>
-              <a:rPr lang="en-US" altLang="ko-KR" sz="1600" dirty="0" smtClean="0"/>
-              <a:t>(): Unit</a:t>
-            </a:r>
-            <a:endParaRPr lang="en-US" altLang="ko-KR" sz="1600" dirty="0"/>
-          </a:p>
-          <a:p>
-            <a:pPr lvl="1"/>
-            <a:r>
-              <a:rPr lang="en-US" altLang="ko-KR" sz="1600" dirty="0" smtClean="0"/>
-              <a:t>- </a:t>
-            </a:r>
-            <a:r>
-              <a:rPr lang="en-US" altLang="ko-KR" sz="1600" dirty="0" err="1" smtClean="0"/>
-              <a:t>waitDoneMessage</a:t>
-            </a:r>
-            <a:r>
-              <a:rPr lang="en-US" altLang="ko-KR" sz="1600" dirty="0" smtClean="0"/>
-              <a:t>(): Unit</a:t>
-            </a:r>
-          </a:p>
-          <a:p>
-            <a:pPr marL="742950" lvl="1" indent="-285750">
-              <a:buFontTx/>
-              <a:buChar char="-"/>
-            </a:pPr>
-            <a:endParaRPr lang="en-US" altLang="ko-KR" sz="1600" dirty="0"/>
-          </a:p>
-          <a:p>
-            <a:pPr lvl="1"/>
-            <a:r>
-              <a:rPr lang="en-US" altLang="ko-KR" sz="1600" dirty="0" smtClean="0"/>
-              <a:t>(Success)</a:t>
-            </a:r>
-          </a:p>
-          <a:p>
-            <a:pPr lvl="1"/>
-            <a:r>
-              <a:rPr lang="en-US" altLang="ko-KR" sz="1600" dirty="0" smtClean="0"/>
-              <a:t>- </a:t>
-            </a:r>
-            <a:r>
-              <a:rPr lang="en-US" altLang="ko-KR" sz="1600" dirty="0" err="1" smtClean="0"/>
-              <a:t>closeAllSocket</a:t>
-            </a:r>
-            <a:r>
-              <a:rPr lang="en-US" altLang="ko-KR" sz="1600" dirty="0" smtClean="0"/>
-              <a:t>(): Unit</a:t>
-            </a:r>
-            <a:endParaRPr lang="en-US" altLang="ko-KR" sz="1600" dirty="0"/>
-          </a:p>
-          <a:p>
-            <a:pPr lvl="1"/>
-            <a:endParaRPr lang="en-US" altLang="ko-KR" sz="1600" dirty="0"/>
           </a:p>
         </p:txBody>
       </p:sp>
     </p:spTree>
     <p:extLst>
       <p:ext uri="{BB962C8B-B14F-4D97-AF65-F5344CB8AC3E}">
-        <p14:creationId xmlns:p14="http://schemas.microsoft.com/office/powerpoint/2010/main" val="1516983984"/>
+        <p14:creationId xmlns:p14="http://schemas.microsoft.com/office/powerpoint/2010/main" val="81598223"/>
       </p:ext>
     </p:extLst>
   </p:cSld>
   <p:clrMapOvr>
     <a:masterClrMapping/>
   </p:clrMapOvr>
-  <p:timing>
-    <p:tnLst>
-      <p:par>
-        <p:cTn id="1" dur="indefinite" restart="never" nodeType="tmRoot"/>
-      </p:par>
-    </p:tnLst>
-  </p:timing>
 </p:sld>
 </file>
 
@@ -14889,757 +14651,6 @@
 </p:sld>
 </file>
 
-<file path=ppt/slides/slide30.xml><?xml version="1.0" encoding="utf-8"?>
-<p:sld xmlns:a="http://schemas.openxmlformats.org/drawingml/2006/main" xmlns:r="http://schemas.openxmlformats.org/officeDocument/2006/relationships" xmlns:p="http://schemas.openxmlformats.org/presentationml/2006/main">
-  <p:cSld>
-    <p:spTree>
-      <p:nvGrpSpPr>
-        <p:cNvPr id="1" name=""/>
-        <p:cNvGrpSpPr/>
-        <p:nvPr/>
-      </p:nvGrpSpPr>
-      <p:grpSpPr>
-        <a:xfrm>
-          <a:off x="0" y="0"/>
-          <a:ext cx="0" cy="0"/>
-          <a:chOff x="0" y="0"/>
-          <a:chExt cx="0" cy="0"/>
-        </a:xfrm>
-      </p:grpSpPr>
-      <p:sp>
-        <p:nvSpPr>
-          <p:cNvPr id="2" name="제목 1"/>
-          <p:cNvSpPr>
-            <a:spLocks noGrp="1"/>
-          </p:cNvSpPr>
-          <p:nvPr>
-            <p:ph type="title"/>
-          </p:nvPr>
-        </p:nvSpPr>
-        <p:spPr/>
-        <p:txBody>
-          <a:bodyPr/>
-          <a:lstStyle/>
-          <a:p>
-            <a:r>
-              <a:rPr lang="en-US" altLang="ko-KR" dirty="0" smtClean="0"/>
-              <a:t>Slave</a:t>
-            </a:r>
-            <a:endParaRPr lang="ko-KR" altLang="en-US" dirty="0"/>
-          </a:p>
-        </p:txBody>
-      </p:sp>
-      <p:sp>
-        <p:nvSpPr>
-          <p:cNvPr id="3" name="내용 개체 틀 2"/>
-          <p:cNvSpPr>
-            <a:spLocks noGrp="1"/>
-          </p:cNvSpPr>
-          <p:nvPr>
-            <p:ph idx="1"/>
-          </p:nvPr>
-        </p:nvSpPr>
-        <p:spPr>
-          <a:xfrm>
-            <a:off x="838199" y="1978024"/>
-            <a:ext cx="5650207" cy="4755865"/>
-          </a:xfrm>
-        </p:spPr>
-        <p:txBody>
-          <a:bodyPr>
-            <a:normAutofit lnSpcReduction="10000"/>
-          </a:bodyPr>
-          <a:lstStyle/>
-          <a:p>
-            <a:r>
-              <a:rPr lang="en-US" altLang="ko-KR" sz="2000" dirty="0"/>
-              <a:t>class Slave</a:t>
-            </a:r>
-            <a:r>
-              <a:rPr lang="en-US" altLang="ko-KR" sz="2000" dirty="0" smtClean="0"/>
-              <a:t>:</a:t>
-            </a:r>
-            <a:endParaRPr lang="en-US" altLang="ko-KR" sz="1600" dirty="0"/>
-          </a:p>
-          <a:p>
-            <a:pPr lvl="1">
-              <a:buFontTx/>
-              <a:buChar char="-"/>
-            </a:pPr>
-            <a:r>
-              <a:rPr lang="en-US" altLang="ko-KR" sz="1600" dirty="0" err="1" smtClean="0"/>
-              <a:t>var</a:t>
-            </a:r>
-            <a:r>
-              <a:rPr lang="en-US" altLang="ko-KR" sz="1600" dirty="0" smtClean="0"/>
-              <a:t> </a:t>
-            </a:r>
-            <a:r>
-              <a:rPr lang="en-US" altLang="ko-KR" sz="1600" dirty="0" err="1" smtClean="0"/>
-              <a:t>slaveNumber</a:t>
-            </a:r>
-            <a:r>
-              <a:rPr lang="en-US" altLang="ko-KR" sz="1600" dirty="0"/>
-              <a:t>: </a:t>
-            </a:r>
-            <a:r>
-              <a:rPr lang="en-US" altLang="ko-KR" sz="1600" dirty="0" err="1" smtClean="0"/>
-              <a:t>Int</a:t>
-            </a:r>
-            <a:endParaRPr lang="en-US" altLang="ko-KR" sz="1600" dirty="0" smtClean="0"/>
-          </a:p>
-          <a:p>
-            <a:pPr lvl="1">
-              <a:buFontTx/>
-              <a:buChar char="-"/>
-            </a:pPr>
-            <a:r>
-              <a:rPr lang="en-US" altLang="ko-KR" sz="1600" dirty="0" err="1" smtClean="0"/>
-              <a:t>var</a:t>
-            </a:r>
-            <a:r>
-              <a:rPr lang="en-US" altLang="ko-KR" sz="1600" dirty="0" smtClean="0"/>
-              <a:t> </a:t>
-            </a:r>
-            <a:r>
-              <a:rPr lang="en-US" altLang="ko-KR" sz="1600" dirty="0" err="1" smtClean="0"/>
-              <a:t>partitionSize</a:t>
-            </a:r>
-            <a:r>
-              <a:rPr lang="en-US" altLang="ko-KR" sz="1600" dirty="0" smtClean="0"/>
-              <a:t>: </a:t>
-            </a:r>
-            <a:r>
-              <a:rPr lang="en-US" altLang="ko-KR" sz="1600" dirty="0" err="1" smtClean="0"/>
-              <a:t>Int</a:t>
-            </a:r>
-            <a:endParaRPr lang="en-US" altLang="ko-KR" sz="1600" dirty="0" smtClean="0"/>
-          </a:p>
-          <a:p>
-            <a:pPr lvl="1">
-              <a:buFontTx/>
-              <a:buChar char="-"/>
-            </a:pPr>
-            <a:r>
-              <a:rPr lang="en-US" altLang="ko-KR" sz="1600" dirty="0" err="1"/>
-              <a:t>v</a:t>
-            </a:r>
-            <a:r>
-              <a:rPr lang="en-US" altLang="ko-KR" sz="1600" dirty="0" err="1" smtClean="0"/>
-              <a:t>ar</a:t>
-            </a:r>
-            <a:r>
-              <a:rPr lang="en-US" altLang="ko-KR" sz="1600" dirty="0" smtClean="0"/>
-              <a:t> socket: Socket</a:t>
-            </a:r>
-          </a:p>
-          <a:p>
-            <a:pPr lvl="1">
-              <a:buFontTx/>
-              <a:buChar char="-"/>
-            </a:pPr>
-            <a:r>
-              <a:rPr lang="en-US" altLang="ko-KR" sz="1600" dirty="0" err="1"/>
-              <a:t>v</a:t>
-            </a:r>
-            <a:r>
-              <a:rPr lang="en-US" altLang="ko-KR" sz="1600" dirty="0" err="1" smtClean="0"/>
-              <a:t>ar</a:t>
-            </a:r>
-            <a:r>
-              <a:rPr lang="en-US" altLang="ko-KR" sz="1600" dirty="0" smtClean="0"/>
-              <a:t> slaves: List[Slave]</a:t>
-            </a:r>
-          </a:p>
-          <a:p>
-            <a:pPr lvl="1">
-              <a:buFontTx/>
-              <a:buChar char="-"/>
-            </a:pPr>
-            <a:r>
-              <a:rPr lang="en-US" altLang="ko-KR" sz="1600" dirty="0" err="1"/>
-              <a:t>v</a:t>
-            </a:r>
-            <a:r>
-              <a:rPr lang="en-US" altLang="ko-KR" sz="1600" dirty="0" err="1" smtClean="0"/>
-              <a:t>ar</a:t>
-            </a:r>
-            <a:r>
-              <a:rPr lang="en-US" altLang="ko-KR" sz="1600" dirty="0" smtClean="0"/>
-              <a:t> pivots: List[</a:t>
-            </a:r>
-            <a:r>
-              <a:rPr lang="en-US" altLang="ko-KR" sz="1600" dirty="0" err="1" smtClean="0"/>
-              <a:t>Int</a:t>
-            </a:r>
-            <a:r>
-              <a:rPr lang="en-US" altLang="ko-KR" sz="1600" dirty="0" smtClean="0"/>
-              <a:t>]</a:t>
-            </a:r>
-          </a:p>
-          <a:p>
-            <a:pPr lvl="1">
-              <a:buFontTx/>
-              <a:buChar char="-"/>
-            </a:pPr>
-            <a:endParaRPr lang="en-US" altLang="ko-KR" sz="1600" dirty="0"/>
-          </a:p>
-          <a:p>
-            <a:pPr marL="457200" lvl="1" indent="0">
-              <a:buNone/>
-            </a:pPr>
-            <a:r>
-              <a:rPr lang="en-US" altLang="ko-KR" sz="1600" dirty="0" smtClean="0"/>
-              <a:t>(connect)</a:t>
-            </a:r>
-          </a:p>
-          <a:p>
-            <a:pPr lvl="1">
-              <a:buFontTx/>
-              <a:buChar char="-"/>
-            </a:pPr>
-            <a:r>
-              <a:rPr lang="en-US" altLang="ko-KR" sz="1600" dirty="0" err="1" smtClean="0"/>
-              <a:t>connectToMaster</a:t>
-            </a:r>
-            <a:r>
-              <a:rPr lang="en-US" altLang="ko-KR" sz="1600" dirty="0" smtClean="0"/>
-              <a:t>(String, </a:t>
-            </a:r>
-            <a:r>
-              <a:rPr lang="en-US" altLang="ko-KR" sz="1600" dirty="0" err="1" smtClean="0"/>
-              <a:t>Int</a:t>
-            </a:r>
-            <a:r>
-              <a:rPr lang="en-US" altLang="ko-KR" sz="1600" dirty="0" smtClean="0"/>
-              <a:t>): Unit</a:t>
-            </a:r>
-          </a:p>
-          <a:p>
-            <a:pPr lvl="1">
-              <a:buFontTx/>
-              <a:buChar char="-"/>
-            </a:pPr>
-            <a:endParaRPr lang="en-US" altLang="ko-KR" sz="1600" dirty="0"/>
-          </a:p>
-          <a:p>
-            <a:pPr marL="457200" lvl="1" indent="0">
-              <a:buNone/>
-            </a:pPr>
-            <a:r>
-              <a:rPr lang="en-US" altLang="ko-KR" sz="1600" dirty="0"/>
-              <a:t>(sample)</a:t>
-            </a:r>
-          </a:p>
-          <a:p>
-            <a:pPr lvl="1">
-              <a:buFontTx/>
-              <a:buChar char="-"/>
-            </a:pPr>
-            <a:r>
-              <a:rPr lang="en-US" altLang="ko-KR" sz="1600" dirty="0" err="1" smtClean="0"/>
-              <a:t>getDataSize</a:t>
-            </a:r>
-            <a:r>
-              <a:rPr lang="en-US" altLang="ko-KR" sz="1600" dirty="0"/>
-              <a:t>(): </a:t>
-            </a:r>
-            <a:r>
-              <a:rPr lang="en-US" altLang="ko-KR" sz="1600" dirty="0" smtClean="0"/>
-              <a:t>Long</a:t>
-            </a:r>
-            <a:endParaRPr lang="en-US" altLang="ko-KR" sz="1600" dirty="0"/>
-          </a:p>
-          <a:p>
-            <a:pPr lvl="1">
-              <a:buFontTx/>
-              <a:buChar char="-"/>
-            </a:pPr>
-            <a:r>
-              <a:rPr lang="en-US" altLang="ko-KR" sz="1600" dirty="0" smtClean="0"/>
-              <a:t>sample</a:t>
-            </a:r>
-            <a:r>
-              <a:rPr lang="en-US" altLang="ko-KR" sz="1600" dirty="0"/>
-              <a:t>(): List[Key]</a:t>
-            </a:r>
-          </a:p>
-          <a:p>
-            <a:pPr lvl="1">
-              <a:buFontTx/>
-              <a:buChar char="-"/>
-            </a:pPr>
-            <a:r>
-              <a:rPr lang="en-US" altLang="ko-KR" sz="1600" dirty="0" err="1" smtClean="0"/>
-              <a:t>sampleSingleFile</a:t>
-            </a:r>
-            <a:r>
-              <a:rPr lang="en-US" altLang="ko-KR" sz="1600" dirty="0"/>
-              <a:t>(): List[Key]</a:t>
-            </a:r>
-          </a:p>
-          <a:p>
-            <a:pPr lvl="1">
-              <a:buFontTx/>
-              <a:buChar char="-"/>
-            </a:pPr>
-            <a:r>
-              <a:rPr lang="en-US" altLang="ko-KR" sz="1600" dirty="0" err="1" smtClean="0"/>
-              <a:t>sendSampleMsg</a:t>
-            </a:r>
-            <a:r>
-              <a:rPr lang="en-US" altLang="ko-KR" sz="1600" dirty="0"/>
-              <a:t>(): Unit</a:t>
-            </a:r>
-          </a:p>
-          <a:p>
-            <a:pPr lvl="1">
-              <a:buFontTx/>
-              <a:buChar char="-"/>
-            </a:pPr>
-            <a:r>
-              <a:rPr lang="en-US" altLang="ko-KR" sz="1600" dirty="0" err="1" smtClean="0"/>
-              <a:t>recvSlaveInfoMsg</a:t>
-            </a:r>
-            <a:r>
-              <a:rPr lang="en-US" altLang="ko-KR" sz="1600" dirty="0"/>
-              <a:t>(): </a:t>
-            </a:r>
-            <a:r>
-              <a:rPr lang="en-US" altLang="ko-KR" sz="1600" dirty="0" err="1" smtClean="0"/>
-              <a:t>SlaveInfoMsg</a:t>
-            </a:r>
-            <a:endParaRPr lang="en-US" altLang="ko-KR" sz="1600" dirty="0"/>
-          </a:p>
-          <a:p>
-            <a:pPr lvl="1">
-              <a:buFontTx/>
-              <a:buChar char="-"/>
-            </a:pPr>
-            <a:r>
-              <a:rPr lang="en-US" altLang="ko-KR" sz="1600" dirty="0" err="1" smtClean="0"/>
-              <a:t>updateSlaveInfo</a:t>
-            </a:r>
-            <a:r>
-              <a:rPr lang="en-US" altLang="ko-KR" sz="1600" dirty="0" smtClean="0"/>
-              <a:t>(</a:t>
-            </a:r>
-            <a:r>
-              <a:rPr lang="en-US" altLang="ko-KR" sz="1600" dirty="0" err="1" smtClean="0"/>
-              <a:t>SlaveInfoMsg</a:t>
-            </a:r>
-            <a:r>
-              <a:rPr lang="en-US" altLang="ko-KR" sz="1600" dirty="0"/>
-              <a:t>): Unit</a:t>
-            </a:r>
-          </a:p>
-          <a:p>
-            <a:pPr lvl="1">
-              <a:buFontTx/>
-              <a:buChar char="-"/>
-            </a:pPr>
-            <a:endParaRPr lang="en-US" altLang="ko-KR" dirty="0"/>
-          </a:p>
-          <a:p>
-            <a:endParaRPr lang="ko-KR" altLang="en-US" dirty="0"/>
-          </a:p>
-        </p:txBody>
-      </p:sp>
-      <p:sp>
-        <p:nvSpPr>
-          <p:cNvPr id="4" name="직사각형 3"/>
-          <p:cNvSpPr/>
-          <p:nvPr/>
-        </p:nvSpPr>
-        <p:spPr>
-          <a:xfrm>
-            <a:off x="5829528" y="510917"/>
-            <a:ext cx="6096000" cy="4031873"/>
-          </a:xfrm>
-          <a:prstGeom prst="rect">
-            <a:avLst/>
-          </a:prstGeom>
-        </p:spPr>
-        <p:txBody>
-          <a:bodyPr>
-            <a:spAutoFit/>
-          </a:bodyPr>
-          <a:lstStyle/>
-          <a:p>
-            <a:pPr lvl="1"/>
-            <a:r>
-              <a:rPr lang="en-US" altLang="ko-KR" sz="1600" dirty="0" smtClean="0"/>
-              <a:t>(Compute)</a:t>
-            </a:r>
-            <a:endParaRPr lang="en-US" altLang="ko-KR" sz="1600" dirty="0"/>
-          </a:p>
-          <a:p>
-            <a:pPr lvl="1">
-              <a:buFontTx/>
-              <a:buChar char="-"/>
-            </a:pPr>
-            <a:r>
-              <a:rPr lang="en-US" altLang="ko-KR" sz="1600" dirty="0" smtClean="0"/>
-              <a:t> </a:t>
-            </a:r>
-            <a:r>
-              <a:rPr lang="en-US" altLang="ko-KR" sz="1600" dirty="0" err="1" smtClean="0"/>
-              <a:t>recvPartitions</a:t>
-            </a:r>
-            <a:r>
-              <a:rPr lang="en-US" altLang="ko-KR" sz="1600" dirty="0" smtClean="0"/>
-              <a:t>(): Future[Unit]</a:t>
-            </a:r>
-          </a:p>
-          <a:p>
-            <a:pPr lvl="1">
-              <a:buFontTx/>
-              <a:buChar char="-"/>
-            </a:pPr>
-            <a:r>
-              <a:rPr lang="en-US" altLang="ko-KR" sz="1600" dirty="0" smtClean="0"/>
-              <a:t> </a:t>
-            </a:r>
-            <a:r>
-              <a:rPr lang="en-US" altLang="ko-KR" sz="1600" dirty="0" err="1" smtClean="0"/>
-              <a:t>recvFromSingleSlave</a:t>
-            </a:r>
-            <a:r>
-              <a:rPr lang="en-US" altLang="ko-KR" sz="1600" dirty="0" smtClean="0"/>
-              <a:t>(): Future[Unit]</a:t>
-            </a:r>
-          </a:p>
-          <a:p>
-            <a:pPr lvl="1">
-              <a:buFontTx/>
-              <a:buChar char="-"/>
-            </a:pPr>
-            <a:endParaRPr lang="en-US" altLang="ko-KR" sz="1600" dirty="0"/>
-          </a:p>
-          <a:p>
-            <a:pPr lvl="1">
-              <a:buFontTx/>
-              <a:buChar char="-"/>
-            </a:pPr>
-            <a:r>
-              <a:rPr lang="en-US" altLang="ko-KR" sz="1600" dirty="0" smtClean="0"/>
-              <a:t> </a:t>
-            </a:r>
-            <a:r>
-              <a:rPr lang="en-US" altLang="ko-KR" sz="1600" dirty="0"/>
-              <a:t>p</a:t>
-            </a:r>
-            <a:r>
-              <a:rPr lang="en-US" altLang="ko-KR" sz="1600" dirty="0" smtClean="0"/>
-              <a:t>artition(): Future[Unit]</a:t>
-            </a:r>
-          </a:p>
-          <a:p>
-            <a:pPr lvl="1">
-              <a:buFontTx/>
-              <a:buChar char="-"/>
-            </a:pPr>
-            <a:r>
-              <a:rPr lang="en-US" altLang="ko-KR" sz="1600" dirty="0"/>
-              <a:t> </a:t>
-            </a:r>
-            <a:r>
-              <a:rPr lang="en-US" altLang="ko-KR" sz="1600" dirty="0" err="1" smtClean="0"/>
-              <a:t>partitionSingleFile</a:t>
-            </a:r>
-            <a:r>
-              <a:rPr lang="en-US" altLang="ko-KR" sz="1600" dirty="0" smtClean="0"/>
-              <a:t>(String): Unit</a:t>
-            </a:r>
-          </a:p>
-          <a:p>
-            <a:pPr lvl="1">
-              <a:buFontTx/>
-              <a:buChar char="-"/>
-            </a:pPr>
-            <a:endParaRPr lang="en-US" altLang="ko-KR" sz="1600" dirty="0"/>
-          </a:p>
-          <a:p>
-            <a:pPr lvl="1">
-              <a:buFontTx/>
-              <a:buChar char="-"/>
-            </a:pPr>
-            <a:r>
-              <a:rPr lang="en-US" altLang="ko-KR" sz="1600" dirty="0" smtClean="0"/>
-              <a:t> sort(): Future[Unit]</a:t>
-            </a:r>
-          </a:p>
-          <a:p>
-            <a:pPr lvl="1">
-              <a:buFontTx/>
-              <a:buChar char="-"/>
-            </a:pPr>
-            <a:r>
-              <a:rPr lang="en-US" altLang="ko-KR" sz="1600" dirty="0"/>
-              <a:t> </a:t>
-            </a:r>
-            <a:r>
-              <a:rPr lang="en-US" altLang="ko-KR" sz="1600" dirty="0" err="1" smtClean="0"/>
-              <a:t>sortSingleFile</a:t>
-            </a:r>
-            <a:r>
-              <a:rPr lang="en-US" altLang="ko-KR" sz="1600" dirty="0" smtClean="0"/>
-              <a:t>(String): Unit</a:t>
-            </a:r>
-          </a:p>
-          <a:p>
-            <a:pPr lvl="1">
-              <a:buFontTx/>
-              <a:buChar char="-"/>
-            </a:pPr>
-            <a:endParaRPr lang="en-US" altLang="ko-KR" sz="1600" dirty="0"/>
-          </a:p>
-          <a:p>
-            <a:pPr lvl="1">
-              <a:buFontTx/>
-              <a:buChar char="-"/>
-            </a:pPr>
-            <a:r>
-              <a:rPr lang="en-US" altLang="ko-KR" sz="1600" dirty="0"/>
-              <a:t> </a:t>
-            </a:r>
-            <a:r>
-              <a:rPr lang="en-US" altLang="ko-KR" sz="1600" dirty="0" smtClean="0"/>
-              <a:t>shuffle(): Future[Unit]</a:t>
-            </a:r>
-          </a:p>
-          <a:p>
-            <a:pPr lvl="1">
-              <a:buFontTx/>
-              <a:buChar char="-"/>
-            </a:pPr>
-            <a:endParaRPr lang="en-US" altLang="ko-KR" sz="1600" dirty="0"/>
-          </a:p>
-          <a:p>
-            <a:pPr lvl="1">
-              <a:buFontTx/>
-              <a:buChar char="-"/>
-            </a:pPr>
-            <a:r>
-              <a:rPr lang="en-US" altLang="ko-KR" sz="1600" dirty="0"/>
-              <a:t> </a:t>
-            </a:r>
-            <a:r>
-              <a:rPr lang="en-US" altLang="ko-KR" sz="1600" dirty="0" err="1" smtClean="0"/>
-              <a:t>sendPartitions</a:t>
-            </a:r>
-            <a:r>
-              <a:rPr lang="en-US" altLang="ko-KR" sz="1600" dirty="0" smtClean="0"/>
-              <a:t>(): Future[Unit]</a:t>
-            </a:r>
-          </a:p>
-          <a:p>
-            <a:pPr lvl="1">
-              <a:buFontTx/>
-              <a:buChar char="-"/>
-            </a:pPr>
-            <a:r>
-              <a:rPr lang="en-US" altLang="ko-KR" sz="1600" dirty="0" smtClean="0"/>
-              <a:t> </a:t>
-            </a:r>
-            <a:r>
-              <a:rPr lang="en-US" altLang="ko-KR" sz="1600" dirty="0" err="1" smtClean="0"/>
-              <a:t>sendPartitionTo</a:t>
-            </a:r>
-            <a:r>
-              <a:rPr lang="en-US" altLang="ko-KR" sz="1600" dirty="0" smtClean="0"/>
-              <a:t>(Slave): Unit</a:t>
-            </a:r>
-          </a:p>
-          <a:p>
-            <a:pPr lvl="1">
-              <a:buFontTx/>
-              <a:buChar char="-"/>
-            </a:pPr>
-            <a:endParaRPr lang="en-US" altLang="ko-KR" sz="1600" dirty="0"/>
-          </a:p>
-          <a:p>
-            <a:pPr lvl="1">
-              <a:buFontTx/>
-              <a:buChar char="-"/>
-            </a:pPr>
-            <a:r>
-              <a:rPr lang="en-US" altLang="ko-KR" sz="1600" dirty="0"/>
-              <a:t> </a:t>
-            </a:r>
-            <a:r>
-              <a:rPr lang="en-US" altLang="ko-KR" sz="1600" dirty="0" err="1" smtClean="0"/>
-              <a:t>sendDoneMsg</a:t>
-            </a:r>
-            <a:r>
-              <a:rPr lang="en-US" altLang="ko-KR" sz="1600" dirty="0" smtClean="0"/>
-              <a:t>(): Unit</a:t>
-            </a:r>
-          </a:p>
-        </p:txBody>
-      </p:sp>
-    </p:spTree>
-    <p:extLst>
-      <p:ext uri="{BB962C8B-B14F-4D97-AF65-F5344CB8AC3E}">
-        <p14:creationId xmlns:p14="http://schemas.microsoft.com/office/powerpoint/2010/main" val="4159145072"/>
-      </p:ext>
-    </p:extLst>
-  </p:cSld>
-  <p:clrMapOvr>
-    <a:masterClrMapping/>
-  </p:clrMapOvr>
-  <p:timing>
-    <p:tnLst>
-      <p:par>
-        <p:cTn id="1" dur="indefinite" restart="never" nodeType="tmRoot"/>
-      </p:par>
-    </p:tnLst>
-  </p:timing>
-</p:sld>
-</file>
-
-<file path=ppt/slides/slide31.xml><?xml version="1.0" encoding="utf-8"?>
-<p:sld xmlns:a="http://schemas.openxmlformats.org/drawingml/2006/main" xmlns:r="http://schemas.openxmlformats.org/officeDocument/2006/relationships" xmlns:p="http://schemas.openxmlformats.org/presentationml/2006/main">
-  <p:cSld>
-    <p:spTree>
-      <p:nvGrpSpPr>
-        <p:cNvPr id="1" name=""/>
-        <p:cNvGrpSpPr/>
-        <p:nvPr/>
-      </p:nvGrpSpPr>
-      <p:grpSpPr>
-        <a:xfrm>
-          <a:off x="0" y="0"/>
-          <a:ext cx="0" cy="0"/>
-          <a:chOff x="0" y="0"/>
-          <a:chExt cx="0" cy="0"/>
-        </a:xfrm>
-      </p:grpSpPr>
-      <p:sp>
-        <p:nvSpPr>
-          <p:cNvPr id="2" name="제목 1"/>
-          <p:cNvSpPr>
-            <a:spLocks noGrp="1"/>
-          </p:cNvSpPr>
-          <p:nvPr>
-            <p:ph type="title"/>
-          </p:nvPr>
-        </p:nvSpPr>
-        <p:spPr>
-          <a:xfrm>
-            <a:off x="197117" y="2763371"/>
-            <a:ext cx="11876248" cy="1325563"/>
-          </a:xfrm>
-        </p:spPr>
-        <p:txBody>
-          <a:bodyPr/>
-          <a:lstStyle/>
-          <a:p>
-            <a:pPr algn="ctr"/>
-            <a:r>
-              <a:rPr lang="en-US" altLang="ko-KR" dirty="0" smtClean="0"/>
-              <a:t>Tests</a:t>
-            </a:r>
-            <a:endParaRPr lang="ko-KR" altLang="en-US" dirty="0"/>
-          </a:p>
-        </p:txBody>
-      </p:sp>
-    </p:spTree>
-    <p:extLst>
-      <p:ext uri="{BB962C8B-B14F-4D97-AF65-F5344CB8AC3E}">
-        <p14:creationId xmlns:p14="http://schemas.microsoft.com/office/powerpoint/2010/main" val="946132181"/>
-      </p:ext>
-    </p:extLst>
-  </p:cSld>
-  <p:clrMapOvr>
-    <a:masterClrMapping/>
-  </p:clrMapOvr>
-  <p:timing>
-    <p:tnLst>
-      <p:par>
-        <p:cTn id="1" dur="indefinite" restart="never" nodeType="tmRoot"/>
-      </p:par>
-    </p:tnLst>
-  </p:timing>
-</p:sld>
-</file>
-
-<file path=ppt/slides/slide32.xml><?xml version="1.0" encoding="utf-8"?>
-<p:sld xmlns:a="http://schemas.openxmlformats.org/drawingml/2006/main" xmlns:r="http://schemas.openxmlformats.org/officeDocument/2006/relationships" xmlns:p="http://schemas.openxmlformats.org/presentationml/2006/main">
-  <p:cSld>
-    <p:spTree>
-      <p:nvGrpSpPr>
-        <p:cNvPr id="1" name=""/>
-        <p:cNvGrpSpPr/>
-        <p:nvPr/>
-      </p:nvGrpSpPr>
-      <p:grpSpPr>
-        <a:xfrm>
-          <a:off x="0" y="0"/>
-          <a:ext cx="0" cy="0"/>
-          <a:chOff x="0" y="0"/>
-          <a:chExt cx="0" cy="0"/>
-        </a:xfrm>
-      </p:grpSpPr>
-      <p:sp>
-        <p:nvSpPr>
-          <p:cNvPr id="2" name="제목 1"/>
-          <p:cNvSpPr>
-            <a:spLocks noGrp="1"/>
-          </p:cNvSpPr>
-          <p:nvPr>
-            <p:ph type="title"/>
-          </p:nvPr>
-        </p:nvSpPr>
-        <p:spPr/>
-        <p:txBody>
-          <a:bodyPr/>
-          <a:lstStyle/>
-          <a:p>
-            <a:r>
-              <a:rPr lang="en-US" altLang="ko-KR" dirty="0" smtClean="0"/>
-              <a:t>Sample Calculation</a:t>
-            </a:r>
-            <a:endParaRPr lang="ko-KR" altLang="en-US" dirty="0"/>
-          </a:p>
-        </p:txBody>
-      </p:sp>
-      <p:sp>
-        <p:nvSpPr>
-          <p:cNvPr id="3" name="내용 개체 틀 2"/>
-          <p:cNvSpPr>
-            <a:spLocks noGrp="1"/>
-          </p:cNvSpPr>
-          <p:nvPr>
-            <p:ph idx="1"/>
-          </p:nvPr>
-        </p:nvSpPr>
-        <p:spPr/>
-        <p:txBody>
-          <a:bodyPr/>
-          <a:lstStyle/>
-          <a:p>
-            <a:r>
-              <a:rPr lang="en-US" altLang="ko-KR" dirty="0" err="1" smtClean="0"/>
-              <a:t>calculatesCorrectPivot</a:t>
-            </a:r>
-            <a:endParaRPr lang="ko-KR" altLang="en-US" dirty="0"/>
-          </a:p>
-        </p:txBody>
-      </p:sp>
-    </p:spTree>
-    <p:extLst>
-      <p:ext uri="{BB962C8B-B14F-4D97-AF65-F5344CB8AC3E}">
-        <p14:creationId xmlns:p14="http://schemas.microsoft.com/office/powerpoint/2010/main" val="81598223"/>
-      </p:ext>
-    </p:extLst>
-  </p:cSld>
-  <p:clrMapOvr>
-    <a:masterClrMapping/>
-  </p:clrMapOvr>
-</p:sld>
-</file>
-
 <file path=ppt/slides/slide4.xml><?xml version="1.0" encoding="utf-8"?>
 <p:sld xmlns:a="http://schemas.openxmlformats.org/drawingml/2006/main" xmlns:r="http://schemas.openxmlformats.org/officeDocument/2006/relationships" xmlns:p="http://schemas.openxmlformats.org/presentationml/2006/main">
   <p:cSld>
@@ -15781,7 +14792,7 @@
           <p:nvPr>
             <p:extLst>
               <p:ext uri="{D42A27DB-BD31-4B8C-83A1-F6EECF244321}">
-                <p14:modId xmlns:p14="http://schemas.microsoft.com/office/powerpoint/2010/main" val="1326626042"/>
+                <p14:modId xmlns:p14="http://schemas.microsoft.com/office/powerpoint/2010/main" val="1473431304"/>
               </p:ext>
             </p:extLst>
           </p:nvPr>
@@ -15953,8 +14964,13 @@
                       </a:pPr>
                       <a:r>
                         <a:rPr lang="en-US" altLang="ko-KR" sz="1400" b="0" dirty="0" smtClean="0"/>
-                        <a:t># of data</a:t>
-                      </a:r>
+                        <a:t># of </a:t>
+                      </a:r>
+                      <a:r>
+                        <a:rPr lang="en-US" altLang="ko-KR" sz="1400" b="0" dirty="0" smtClean="0"/>
+                        <a:t>data</a:t>
+                      </a:r>
+                      <a:endParaRPr lang="en-US" altLang="ko-KR" sz="1400" b="0" dirty="0" smtClean="0"/>
                     </a:p>
                     <a:p>
                       <a:pPr marL="285750" indent="-285750" latinLnBrk="1">
@@ -15963,7 +14979,7 @@
                       </a:pPr>
                       <a:r>
                         <a:rPr lang="en-US" altLang="ko-KR" sz="1400" b="0" dirty="0" smtClean="0"/>
-                        <a:t># of samples</a:t>
+                        <a:t>Sample data</a:t>
                       </a:r>
                     </a:p>
                     <a:p>
@@ -15972,26 +14988,8 @@
                         <a:buChar char="-"/>
                       </a:pPr>
                       <a:r>
-                        <a:rPr lang="en-US" altLang="ko-KR" sz="1400" b="0" dirty="0" smtClean="0"/>
-                        <a:t>Sample data</a:t>
-                      </a:r>
-                    </a:p>
-                    <a:p>
-                      <a:pPr marL="285750" indent="-285750" latinLnBrk="1">
-                        <a:buFontTx/>
-                        <a:buChar char="-"/>
-                      </a:pPr>
-                      <a:r>
                         <a:rPr lang="en-US" altLang="ko-KR" sz="1400" b="0" dirty="0" err="1" smtClean="0"/>
                         <a:t>SocketHandler</a:t>
-                      </a:r>
-                      <a:r>
-                        <a:rPr lang="en-US" altLang="ko-KR" sz="1400" b="0" dirty="0" smtClean="0"/>
-                        <a:t> (null at sender side</a:t>
-                      </a:r>
-                      <a:r>
-                        <a:rPr lang="en-US" altLang="ko-KR" sz="1400" b="0" baseline="0" dirty="0" smtClean="0"/>
-                        <a:t>)</a:t>
                       </a:r>
                       <a:endParaRPr lang="ko-KR" altLang="en-US" sz="1400" b="0" dirty="0"/>
                     </a:p>
@@ -16024,33 +15022,6 @@
                         <a:rPr lang="en-US" altLang="ko-KR" sz="1400" b="0" dirty="0" err="1" smtClean="0"/>
                         <a:t>SocketHandler</a:t>
                       </a:r>
-                      <a:r>
-                        <a:rPr lang="en-US" altLang="ko-KR" sz="1400" b="0" dirty="0" smtClean="0"/>
-                        <a:t> (null at sender side</a:t>
-                      </a:r>
-                      <a:r>
-                        <a:rPr lang="en-US" altLang="ko-KR" sz="1400" b="0" baseline="0" dirty="0" smtClean="0"/>
-                        <a:t>)</a:t>
-                      </a:r>
-                    </a:p>
-                    <a:p>
-                      <a:pPr marL="285750" marR="0" indent="-285750" algn="l" defTabSz="914400" rtl="0" eaLnBrk="1" fontAlgn="auto" latinLnBrk="1" hangingPunct="1">
-                        <a:lnSpc>
-                          <a:spcPct val="100000"/>
-                        </a:lnSpc>
-                        <a:spcBef>
-                          <a:spcPts val="0"/>
-                        </a:spcBef>
-                        <a:spcAft>
-                          <a:spcPts val="0"/>
-                        </a:spcAft>
-                        <a:buClrTx/>
-                        <a:buSzTx/>
-                        <a:buFontTx/>
-                        <a:buChar char="-"/>
-                        <a:tabLst/>
-                        <a:defRPr/>
-                      </a:pPr>
                       <a:endParaRPr lang="ko-KR" altLang="en-US" sz="1400" b="0" dirty="0" smtClean="0"/>
                     </a:p>
                     <a:p>
@@ -16073,10 +15044,6 @@
                     <a:lstStyle/>
                     <a:p>
                       <a:pPr latinLnBrk="1"/>
-                      <a:r>
-                        <a:rPr lang="en-US" altLang="ko-KR" sz="1400" b="0" dirty="0" smtClean="0"/>
-                        <a:t>Format</a:t>
-                      </a:r>
                       <a:endParaRPr lang="ko-KR" altLang="en-US" sz="1400" b="0" dirty="0"/>
                     </a:p>
                   </a:txBody>
@@ -16086,80 +15053,6 @@
                   <a:txBody>
                     <a:bodyPr/>
                     <a:lstStyle/>
-                    <a:p>
-                      <a:pPr marL="285750" marR="0" indent="-285750" algn="l" defTabSz="914400" rtl="0" eaLnBrk="1" fontAlgn="auto" latinLnBrk="1" hangingPunct="1">
-                        <a:lnSpc>
-                          <a:spcPct val="100000"/>
-                        </a:lnSpc>
-                        <a:spcBef>
-                          <a:spcPts val="0"/>
-                        </a:spcBef>
-                        <a:spcAft>
-                          <a:spcPts val="0"/>
-                        </a:spcAft>
-                        <a:buClrTx/>
-                        <a:buSzTx/>
-                        <a:buFontTx/>
-                        <a:buChar char="-"/>
-                        <a:tabLst/>
-                        <a:defRPr/>
-                      </a:pPr>
-                      <a:r>
-                        <a:rPr lang="en-US" altLang="ko-KR" sz="1400" dirty="0" smtClean="0"/>
-                        <a:t>Message</a:t>
-                      </a:r>
-                      <a:r>
-                        <a:rPr lang="en-US" altLang="ko-KR" sz="1400" baseline="0" dirty="0" smtClean="0"/>
-                        <a:t> type (4 bytes, Integer)</a:t>
-                      </a:r>
-                    </a:p>
-                    <a:p>
-                      <a:pPr marL="285750" indent="-285750" latinLnBrk="1">
-                        <a:buFontTx/>
-                        <a:buChar char="-"/>
-                      </a:pPr>
-                      <a:r>
-                        <a:rPr lang="en-US" altLang="ko-KR" sz="1400" b="0" baseline="0" dirty="0" smtClean="0"/>
-                        <a:t># of data (8 bytes, Long)</a:t>
-                      </a:r>
-                    </a:p>
-                    <a:p>
-                      <a:pPr marL="285750" indent="-285750" latinLnBrk="1">
-                        <a:buFontTx/>
-                        <a:buChar char="-"/>
-                      </a:pPr>
-                      <a:r>
-                        <a:rPr lang="en-US" altLang="ko-KR" sz="1400" b="0" baseline="0" dirty="0" smtClean="0"/>
-                        <a:t># of samples (4 bytes, Integer)</a:t>
-                      </a:r>
-                    </a:p>
-                    <a:p>
-                      <a:pPr marL="285750" indent="-285750" latinLnBrk="1">
-                        <a:buFontTx/>
-                        <a:buChar char="-"/>
-                      </a:pPr>
-                      <a:endParaRPr lang="en-US" altLang="ko-KR" sz="1400" b="0" baseline="0" dirty="0" smtClean="0"/>
-                    </a:p>
-                    <a:p>
-                      <a:pPr marL="285750" indent="-285750" latinLnBrk="1">
-                        <a:buFontTx/>
-                        <a:buChar char="-"/>
-                      </a:pPr>
-                      <a:r>
-                        <a:rPr lang="en-US" altLang="ko-KR" sz="1400" b="0" baseline="0" dirty="0" smtClean="0"/>
-                        <a:t>Sample data (10 bytes)</a:t>
-                      </a:r>
-                    </a:p>
-                    <a:p>
-                      <a:pPr marL="0" indent="0" latinLnBrk="1">
-                        <a:buFontTx/>
-                        <a:buNone/>
-                      </a:pPr>
-                      <a:r>
-                        <a:rPr lang="en-US" altLang="ko-KR" sz="1400" b="0" baseline="0" dirty="0" smtClean="0"/>
-                        <a:t>     * (# of samples)</a:t>
-                      </a:r>
-                    </a:p>
                     <a:p>
                       <a:pPr marL="0" indent="0" latinLnBrk="1">
                         <a:buFontTx/>
@@ -16664,7 +15557,7 @@
           <p:nvPr>
             <p:extLst>
               <p:ext uri="{D42A27DB-BD31-4B8C-83A1-F6EECF244321}">
-                <p14:modId xmlns:p14="http://schemas.microsoft.com/office/powerpoint/2010/main" val="3043231580"/>
+                <p14:modId xmlns:p14="http://schemas.microsoft.com/office/powerpoint/2010/main" val="1685193548"/>
               </p:ext>
             </p:extLst>
           </p:nvPr>
@@ -16832,8 +15725,21 @@
                       </a:pPr>
                       <a:r>
                         <a:rPr lang="en-US" altLang="ko-KR" sz="1400" dirty="0" smtClean="0"/>
-                        <a:t># of slaves</a:t>
-                      </a:r>
+                        <a:t>IP</a:t>
+                      </a:r>
+                      <a:r>
+                        <a:rPr lang="en-US" altLang="ko-KR" sz="1400" baseline="0" dirty="0" smtClean="0"/>
+                        <a:t> </a:t>
+                      </a:r>
+                      <a:r>
+                        <a:rPr lang="en-US" altLang="ko-KR" sz="1400" baseline="0" dirty="0" smtClean="0"/>
+                        <a:t>of </a:t>
+                      </a:r>
+                      <a:r>
+                        <a:rPr lang="en-US" altLang="ko-KR" sz="1400" baseline="0" dirty="0" smtClean="0"/>
+                        <a:t>slaves</a:t>
+                      </a:r>
+                      <a:endParaRPr lang="en-US" altLang="ko-KR" sz="1400" baseline="0" dirty="0" smtClean="0"/>
                     </a:p>
                     <a:p>
                       <a:pPr marL="285750" indent="-285750" latinLnBrk="1">
@@ -16841,32 +15747,12 @@
                         <a:buChar char="-"/>
                       </a:pPr>
                       <a:r>
-                        <a:rPr lang="en-US" altLang="ko-KR" sz="1400" dirty="0" smtClean="0"/>
-                        <a:t>IP, Port</a:t>
-                      </a:r>
-                      <a:r>
                         <a:rPr lang="en-US" altLang="ko-KR" sz="1400" baseline="0" dirty="0" smtClean="0"/>
-                        <a:t> of slaves</a:t>
-                      </a:r>
-                    </a:p>
-                    <a:p>
-                      <a:pPr marL="285750" indent="-285750" latinLnBrk="1">
-                        <a:buFontTx/>
-                        <a:buChar char="-"/>
-                      </a:pPr>
+                        <a:t>Pivot </a:t>
+                      </a:r>
                       <a:r>
                         <a:rPr lang="en-US" altLang="ko-KR" sz="1400" baseline="0" dirty="0" smtClean="0"/>
-                        <a:t>Assigned partition # for each slave</a:t>
-                      </a:r>
-                    </a:p>
-                    <a:p>
-                      <a:pPr marL="285750" indent="-285750" latinLnBrk="1">
-                        <a:buFontTx/>
-                        <a:buChar char="-"/>
-                      </a:pPr>
-                      <a:r>
-                        <a:rPr lang="en-US" altLang="ko-KR" sz="1400" baseline="0" dirty="0" smtClean="0"/>
-                        <a:t>Pivot values for each partition </a:t>
+                        <a:t>values</a:t>
                       </a:r>
                       <a:endParaRPr lang="ko-KR" altLang="en-US" sz="1400" b="0" dirty="0"/>
                     </a:p>
@@ -16897,10 +15783,6 @@
                     <a:lstStyle/>
                     <a:p>
                       <a:pPr latinLnBrk="1"/>
-                      <a:r>
-                        <a:rPr lang="en-US" altLang="ko-KR" sz="1400" dirty="0" smtClean="0"/>
-                        <a:t>Format</a:t>
-                      </a:r>
                       <a:endParaRPr lang="ko-KR" altLang="en-US" sz="1400" b="0" dirty="0"/>
                     </a:p>
                   </a:txBody>
@@ -16911,93 +15793,10 @@
                     <a:bodyPr/>
                     <a:lstStyle/>
                     <a:p>
-                      <a:pPr marL="285750" indent="-285750" latinLnBrk="1">
-                        <a:buFontTx/>
-                        <a:buChar char="-"/>
-                      </a:pPr>
-                      <a:r>
-                        <a:rPr lang="en-US" altLang="ko-KR" sz="1400" dirty="0" smtClean="0"/>
-                        <a:t>Message</a:t>
-                      </a:r>
-                      <a:r>
-                        <a:rPr lang="en-US" altLang="ko-KR" sz="1400" baseline="0" dirty="0" smtClean="0"/>
-                        <a:t> type (4 bytes, Integer)</a:t>
-                      </a:r>
-                    </a:p>
-                    <a:p>
-                      <a:pPr marL="285750" indent="-285750" latinLnBrk="1">
-                        <a:buFontTx/>
-                        <a:buChar char="-"/>
-                      </a:pPr>
-                      <a:r>
-                        <a:rPr lang="en-US" altLang="ko-KR" sz="1400" baseline="0" dirty="0" smtClean="0"/>
-                        <a:t># of slaves (4 bytes, Integer)</a:t>
-                      </a:r>
-                    </a:p>
-                    <a:p>
-                      <a:pPr marL="285750" indent="-285750" latinLnBrk="1">
-                        <a:buFontTx/>
-                        <a:buChar char="-"/>
-                      </a:pPr>
-                      <a:r>
-                        <a:rPr lang="en-US" altLang="ko-KR" sz="1400" baseline="0" dirty="0" smtClean="0"/>
-                        <a:t># of partitions (4 bytes, Integer)</a:t>
-                      </a:r>
-                    </a:p>
-                    <a:p>
                       <a:pPr marL="0" indent="0" latinLnBrk="1">
                         <a:buFontTx/>
                         <a:buNone/>
                       </a:pPr>
-                      <a:endParaRPr lang="en-US" altLang="ko-KR" sz="1400" baseline="0" dirty="0" smtClean="0"/>
-                    </a:p>
-                    <a:p>
-                      <a:pPr marL="285750" indent="-285750" latinLnBrk="1">
-                        <a:buFontTx/>
-                        <a:buChar char="-"/>
-                      </a:pPr>
-                      <a:r>
-                        <a:rPr lang="en-US" altLang="ko-KR" sz="1400" baseline="0" dirty="0" smtClean="0"/>
-                        <a:t>IP (16 bytes, Array[byte])</a:t>
-                      </a:r>
-                    </a:p>
-                    <a:p>
-                      <a:pPr marL="285750" indent="-285750" latinLnBrk="1">
-                        <a:buFontTx/>
-                        <a:buChar char="-"/>
-                      </a:pPr>
-                      <a:r>
-                        <a:rPr lang="en-US" altLang="ko-KR" sz="1400" baseline="0" dirty="0" smtClean="0"/>
-                        <a:t>Port (4 bytes, Integer)               * (# of slaves)</a:t>
-                      </a:r>
-                    </a:p>
-                    <a:p>
-                      <a:pPr marL="285750" indent="-285750" latinLnBrk="1">
-                        <a:buFontTx/>
-                        <a:buChar char="-"/>
-                      </a:pPr>
-                      <a:endParaRPr lang="en-US" altLang="ko-KR" sz="1400" dirty="0" smtClean="0"/>
-                    </a:p>
-                    <a:p>
-                      <a:pPr marL="285750" indent="-285750" latinLnBrk="1">
-                        <a:buFontTx/>
-                        <a:buChar char="-"/>
-                      </a:pPr>
-                      <a:endParaRPr lang="en-US" altLang="ko-KR" sz="1400" dirty="0" smtClean="0"/>
-                    </a:p>
-                    <a:p>
-                      <a:pPr marL="285750" indent="-285750" latinLnBrk="1">
-                        <a:buFontTx/>
-                        <a:buChar char="-"/>
-                      </a:pPr>
-                      <a:r>
-                        <a:rPr lang="en-US" altLang="ko-KR" sz="1400" dirty="0" smtClean="0"/>
-                        <a:t>Pivots</a:t>
-                      </a:r>
-                      <a:r>
-                        <a:rPr lang="en-US" altLang="ko-KR" sz="1400" baseline="0" dirty="0" smtClean="0"/>
-                        <a:t> (10 bytes, Key) * ((# of slaves) - 1)</a:t>
-                      </a:r>
                       <a:endParaRPr lang="ko-KR" altLang="en-US" sz="1400" b="0" dirty="0"/>
                     </a:p>
                   </a:txBody>
@@ -17024,54 +15823,6 @@
           </a:graphicData>
         </a:graphic>
       </p:graphicFrame>
-      <p:sp>
-        <p:nvSpPr>
-          <p:cNvPr id="8" name="모서리가 둥근 직사각형 7"/>
-          <p:cNvSpPr/>
-          <p:nvPr/>
-        </p:nvSpPr>
-        <p:spPr>
-          <a:xfrm>
-            <a:off x="2294213" y="5126265"/>
-            <a:ext cx="2901988" cy="513448"/>
-          </a:xfrm>
-          <a:prstGeom prst="roundRect">
-            <a:avLst/>
-          </a:prstGeom>
-          <a:noFill/>
-          <a:ln w="9525" cap="flat" cmpd="sng" algn="ctr">
-            <a:solidFill>
-              <a:schemeClr val="dk1"/>
-            </a:solidFill>
-            <a:prstDash val="solid"/>
-            <a:round/>
-            <a:headEnd type="none" w="med" len="med"/>
-            <a:tailEnd type="none" w="med" len="med"/>
-          </a:ln>
-        </p:spPr>
-        <p:style>
-          <a:lnRef idx="0">
-            <a:scrgbClr r="0" g="0" b="0"/>
-          </a:lnRef>
-          <a:fillRef idx="0">
-            <a:scrgbClr r="0" g="0" b="0"/>
-          </a:fillRef>
-          <a:effectRef idx="0">
-            <a:scrgbClr r="0" g="0" b="0"/>
-          </a:effectRef>
-          <a:fontRef idx="minor">
-            <a:schemeClr val="dk1"/>
-          </a:fontRef>
-        </p:style>
-        <p:txBody>
-          <a:bodyPr rtlCol="0" anchor="ctr"/>
-          <a:lstStyle/>
-          <a:p>
-            <a:pPr algn="ctr"/>
-            <a:endParaRPr lang="ko-KR" altLang="en-US"/>
-          </a:p>
-        </p:txBody>
-      </p:sp>
     </p:spTree>
     <p:extLst>
       <p:ext uri="{BB962C8B-B14F-4D97-AF65-F5344CB8AC3E}">

--- a/project.pptx
+++ b/project.pptx
@@ -271,7 +271,7 @@
           <a:p>
             <a:fld id="{33CC212C-81FB-40F3-BD5E-91ADD12CE53F}" type="datetimeFigureOut">
               <a:rPr lang="ko-KR" altLang="en-US" smtClean="0"/>
-              <a:t>2016-10-30</a:t>
+              <a:t>2016-10-31</a:t>
             </a:fld>
             <a:endParaRPr lang="ko-KR" altLang="en-US"/>
           </a:p>
@@ -441,7 +441,7 @@
           <a:p>
             <a:fld id="{33CC212C-81FB-40F3-BD5E-91ADD12CE53F}" type="datetimeFigureOut">
               <a:rPr lang="ko-KR" altLang="en-US" smtClean="0"/>
-              <a:t>2016-10-30</a:t>
+              <a:t>2016-10-31</a:t>
             </a:fld>
             <a:endParaRPr lang="ko-KR" altLang="en-US"/>
           </a:p>
@@ -621,7 +621,7 @@
           <a:p>
             <a:fld id="{33CC212C-81FB-40F3-BD5E-91ADD12CE53F}" type="datetimeFigureOut">
               <a:rPr lang="ko-KR" altLang="en-US" smtClean="0"/>
-              <a:t>2016-10-30</a:t>
+              <a:t>2016-10-31</a:t>
             </a:fld>
             <a:endParaRPr lang="ko-KR" altLang="en-US"/>
           </a:p>
@@ -791,7 +791,7 @@
           <a:p>
             <a:fld id="{33CC212C-81FB-40F3-BD5E-91ADD12CE53F}" type="datetimeFigureOut">
               <a:rPr lang="ko-KR" altLang="en-US" smtClean="0"/>
-              <a:t>2016-10-30</a:t>
+              <a:t>2016-10-31</a:t>
             </a:fld>
             <a:endParaRPr lang="ko-KR" altLang="en-US"/>
           </a:p>
@@ -1037,7 +1037,7 @@
           <a:p>
             <a:fld id="{33CC212C-81FB-40F3-BD5E-91ADD12CE53F}" type="datetimeFigureOut">
               <a:rPr lang="ko-KR" altLang="en-US" smtClean="0"/>
-              <a:t>2016-10-30</a:t>
+              <a:t>2016-10-31</a:t>
             </a:fld>
             <a:endParaRPr lang="ko-KR" altLang="en-US"/>
           </a:p>
@@ -1269,7 +1269,7 @@
           <a:p>
             <a:fld id="{33CC212C-81FB-40F3-BD5E-91ADD12CE53F}" type="datetimeFigureOut">
               <a:rPr lang="ko-KR" altLang="en-US" smtClean="0"/>
-              <a:t>2016-10-30</a:t>
+              <a:t>2016-10-31</a:t>
             </a:fld>
             <a:endParaRPr lang="ko-KR" altLang="en-US"/>
           </a:p>
@@ -1636,7 +1636,7 @@
           <a:p>
             <a:fld id="{33CC212C-81FB-40F3-BD5E-91ADD12CE53F}" type="datetimeFigureOut">
               <a:rPr lang="ko-KR" altLang="en-US" smtClean="0"/>
-              <a:t>2016-10-30</a:t>
+              <a:t>2016-10-31</a:t>
             </a:fld>
             <a:endParaRPr lang="ko-KR" altLang="en-US"/>
           </a:p>
@@ -1754,7 +1754,7 @@
           <a:p>
             <a:fld id="{33CC212C-81FB-40F3-BD5E-91ADD12CE53F}" type="datetimeFigureOut">
               <a:rPr lang="ko-KR" altLang="en-US" smtClean="0"/>
-              <a:t>2016-10-30</a:t>
+              <a:t>2016-10-31</a:t>
             </a:fld>
             <a:endParaRPr lang="ko-KR" altLang="en-US"/>
           </a:p>
@@ -1849,7 +1849,7 @@
           <a:p>
             <a:fld id="{33CC212C-81FB-40F3-BD5E-91ADD12CE53F}" type="datetimeFigureOut">
               <a:rPr lang="ko-KR" altLang="en-US" smtClean="0"/>
-              <a:t>2016-10-30</a:t>
+              <a:t>2016-10-31</a:t>
             </a:fld>
             <a:endParaRPr lang="ko-KR" altLang="en-US"/>
           </a:p>
@@ -2126,7 +2126,7 @@
           <a:p>
             <a:fld id="{33CC212C-81FB-40F3-BD5E-91ADD12CE53F}" type="datetimeFigureOut">
               <a:rPr lang="ko-KR" altLang="en-US" smtClean="0"/>
-              <a:t>2016-10-30</a:t>
+              <a:t>2016-10-31</a:t>
             </a:fld>
             <a:endParaRPr lang="ko-KR" altLang="en-US"/>
           </a:p>
@@ -2379,7 +2379,7 @@
           <a:p>
             <a:fld id="{33CC212C-81FB-40F3-BD5E-91ADD12CE53F}" type="datetimeFigureOut">
               <a:rPr lang="ko-KR" altLang="en-US" smtClean="0"/>
-              <a:t>2016-10-30</a:t>
+              <a:t>2016-10-31</a:t>
             </a:fld>
             <a:endParaRPr lang="ko-KR" altLang="en-US"/>
           </a:p>
@@ -2592,7 +2592,7 @@
           <a:p>
             <a:fld id="{33CC212C-81FB-40F3-BD5E-91ADD12CE53F}" type="datetimeFigureOut">
               <a:rPr lang="ko-KR" altLang="en-US" smtClean="0"/>
-              <a:t>2016-10-30</a:t>
+              <a:t>2016-10-31</a:t>
             </a:fld>
             <a:endParaRPr lang="ko-KR" altLang="en-US"/>
           </a:p>
@@ -8184,11 +8184,7 @@
             </a:r>
             <a:r>
               <a:rPr lang="en-US" altLang="ko-KR" sz="1100" dirty="0" err="1" smtClean="0"/>
-              <a:t>Mutable</a:t>
-            </a:r>
-            <a:r>
-              <a:rPr lang="en-US" altLang="ko-KR" sz="1100" dirty="0" err="1" smtClean="0"/>
-              <a:t>List</a:t>
+              <a:t>MutableList</a:t>
             </a:r>
             <a:r>
               <a:rPr lang="en-US" altLang="ko-KR" sz="1100" dirty="0" smtClean="0"/>
@@ -8207,19 +8203,11 @@
             <a:pPr algn="ctr"/>
             <a:r>
               <a:rPr lang="en-US" altLang="ko-KR" sz="1100" dirty="0" smtClean="0"/>
-              <a:t>slaves</a:t>
-            </a:r>
-            <a:r>
-              <a:rPr lang="en-US" altLang="ko-KR" sz="1100" dirty="0" smtClean="0"/>
-              <a:t>: </a:t>
+              <a:t>slaves: </a:t>
             </a:r>
             <a:r>
               <a:rPr lang="en-US" altLang="ko-KR" sz="1100" dirty="0" err="1" smtClean="0"/>
-              <a:t>Mutable</a:t>
-            </a:r>
-            <a:r>
-              <a:rPr lang="en-US" altLang="ko-KR" sz="1100" dirty="0" err="1" smtClean="0"/>
-              <a:t>List</a:t>
+              <a:t>MutableList</a:t>
             </a:r>
             <a:r>
               <a:rPr lang="en-US" altLang="ko-KR" sz="1100" dirty="0" smtClean="0"/>
@@ -8227,11 +8215,7 @@
             </a:r>
             <a:r>
               <a:rPr lang="en-US" altLang="ko-KR" sz="1100" dirty="0" err="1" smtClean="0"/>
-              <a:t>Socket</a:t>
-            </a:r>
-            <a:r>
-              <a:rPr lang="en-US" altLang="ko-KR" sz="1100" dirty="0" err="1" smtClean="0"/>
-              <a:t>Handler</a:t>
+              <a:t>SocketHandler</a:t>
             </a:r>
             <a:r>
               <a:rPr lang="en-US" altLang="ko-KR" sz="1100" dirty="0" smtClean="0"/>
@@ -8539,15 +8523,7 @@
             </a:pPr>
             <a:r>
               <a:rPr lang="en-US" altLang="ko-KR" sz="1100" dirty="0" smtClean="0"/>
-              <a:t>Append handler </a:t>
-            </a:r>
-            <a:r>
-              <a:rPr lang="en-US" altLang="ko-KR" sz="1100" dirty="0" smtClean="0"/>
-              <a:t>to </a:t>
-            </a:r>
-            <a:r>
-              <a:rPr lang="en-US" altLang="ko-KR" sz="1100" dirty="0" smtClean="0"/>
-              <a:t>slaves</a:t>
+              <a:t>Append handler to slaves</a:t>
             </a:r>
           </a:p>
           <a:p>
@@ -8559,7 +8535,6 @@
               <a:rPr lang="en-US" altLang="ko-KR" sz="1100" dirty="0" smtClean="0"/>
               <a:t>Append sample to samples</a:t>
             </a:r>
-            <a:endParaRPr lang="en-US" altLang="ko-KR" sz="1100" dirty="0" smtClean="0"/>
           </a:p>
           <a:p>
             <a:pPr marL="171450" indent="-171450">
@@ -8568,11 +8543,7 @@
             </a:pPr>
             <a:r>
               <a:rPr lang="en-US" altLang="ko-KR" sz="1100" dirty="0" smtClean="0"/>
-              <a:t>Remove handler </a:t>
-            </a:r>
-            <a:r>
-              <a:rPr lang="en-US" altLang="ko-KR" sz="1100" dirty="0" smtClean="0"/>
-              <a:t>from connected</a:t>
+              <a:t>Remove handler from connected</a:t>
             </a:r>
           </a:p>
         </p:txBody>
@@ -9603,11 +9574,7 @@
             <a:pPr algn="ctr"/>
             <a:r>
               <a:rPr lang="en-US" altLang="ko-KR" sz="1100" dirty="0" smtClean="0"/>
-              <a:t>Create </a:t>
-            </a:r>
-            <a:r>
-              <a:rPr lang="en-US" altLang="ko-KR" sz="1100" dirty="0" smtClean="0"/>
-              <a:t>Sampler</a:t>
+              <a:t>Create Sampler</a:t>
             </a:r>
           </a:p>
         </p:txBody>
@@ -11202,11 +11169,7 @@
             </a:r>
             <a:r>
               <a:rPr lang="en-US" altLang="ko-KR" dirty="0" smtClean="0"/>
-              <a:t> - Connection </a:t>
-            </a:r>
-            <a:r>
-              <a:rPr lang="en-US" altLang="ko-KR" dirty="0" smtClean="0"/>
-              <a:t>(Master)</a:t>
+              <a:t> - Connection (Master)</a:t>
             </a:r>
             <a:endParaRPr lang="ko-KR" altLang="en-US" dirty="0"/>
           </a:p>
@@ -11335,7 +11298,6 @@
                         <a:rPr lang="en-US" altLang="ko-KR" sz="1100" dirty="0" smtClean="0"/>
                         <a:t>]</a:t>
                       </a:r>
-                      <a:endParaRPr lang="en-US" altLang="ko-KR" sz="1100" dirty="0" smtClean="0"/>
                     </a:p>
                     <a:p>
                       <a:pPr marL="171450" indent="-171450" latinLnBrk="1">
@@ -11344,11 +11306,7 @@
                       </a:pPr>
                       <a:r>
                         <a:rPr lang="en-US" altLang="ko-KR" sz="1100" dirty="0" smtClean="0"/>
-                        <a:t>slaves</a:t>
-                      </a:r>
-                      <a:r>
-                        <a:rPr lang="en-US" altLang="ko-KR" sz="1100" dirty="0" smtClean="0"/>
-                        <a:t>: </a:t>
+                        <a:t>slaves: </a:t>
                       </a:r>
                       <a:r>
                         <a:rPr lang="en-US" altLang="ko-KR" sz="1100" dirty="0" err="1" smtClean="0"/>
@@ -11384,7 +11342,6 @@
                         <a:rPr lang="en-US" altLang="ko-KR" sz="1100" dirty="0" smtClean="0"/>
                         <a:t>[Key]</a:t>
                       </a:r>
-                      <a:endParaRPr lang="en-US" altLang="ko-KR" sz="1100" dirty="0" smtClean="0"/>
                     </a:p>
                     <a:p>
                       <a:pPr marL="171450" indent="-171450" latinLnBrk="1">
@@ -11479,11 +11436,7 @@
                       </a:r>
                       <a:r>
                         <a:rPr lang="en-US" altLang="ko-KR" sz="1100" baseline="0" dirty="0" smtClean="0"/>
-                        <a:t>(Message): </a:t>
-                      </a:r>
-                      <a:r>
-                        <a:rPr lang="en-US" altLang="ko-KR" sz="1100" baseline="0" dirty="0" smtClean="0"/>
-                        <a:t>Unit</a:t>
+                        <a:t>(Message): Unit</a:t>
                       </a:r>
                     </a:p>
                     <a:p>
@@ -11858,11 +11811,7 @@
                       </a:pPr>
                       <a:r>
                         <a:rPr lang="en-US" altLang="ko-KR" sz="1100" dirty="0" smtClean="0"/>
-                        <a:t>socket: </a:t>
-                      </a:r>
-                      <a:r>
-                        <a:rPr lang="en-US" altLang="ko-KR" sz="1100" dirty="0" smtClean="0"/>
-                        <a:t>Socket</a:t>
+                        <a:t>socket: Socket</a:t>
                       </a:r>
                     </a:p>
                     <a:p>
@@ -11906,15 +11855,7 @@
                       <a:pPr latinLnBrk="1"/>
                       <a:r>
                         <a:rPr lang="en-US" altLang="ko-KR" sz="1100" baseline="0" dirty="0" smtClean="0"/>
-                        <a:t>+ </a:t>
-                      </a:r>
-                      <a:r>
-                        <a:rPr lang="en-US" altLang="ko-KR" sz="1100" baseline="0" dirty="0" smtClean="0"/>
-                        <a:t>run(): </a:t>
-                      </a:r>
-                      <a:r>
-                        <a:rPr lang="en-US" altLang="ko-KR" sz="1100" baseline="0" dirty="0" smtClean="0"/>
-                        <a:t>Unit</a:t>
+                        <a:t>+ run(): Unit</a:t>
                       </a:r>
                     </a:p>
                     <a:p>
@@ -12092,11 +12033,7 @@
                       </a:r>
                       <a:r>
                         <a:rPr lang="en-US" altLang="ko-KR" sz="1100" dirty="0" smtClean="0"/>
-                        <a:t>[Message</a:t>
-                      </a:r>
-                      <a:r>
-                        <a:rPr lang="en-US" altLang="ko-KR" sz="1100" dirty="0" smtClean="0"/>
-                        <a:t>]</a:t>
+                        <a:t>[Message]</a:t>
                       </a:r>
                       <a:endParaRPr lang="ko-KR" altLang="en-US" sz="1100" dirty="0"/>
                     </a:p>
@@ -12247,11 +12184,7 @@
           <a:p>
             <a:r>
               <a:rPr lang="en-US" altLang="ko-KR" dirty="0" smtClean="0"/>
-              <a:t>Sample – Connection </a:t>
-            </a:r>
-            <a:r>
-              <a:rPr lang="en-US" altLang="ko-KR" dirty="0" smtClean="0"/>
-              <a:t>(Slave)</a:t>
+              <a:t>Sample – Connection (Slave)</a:t>
             </a:r>
             <a:endParaRPr lang="ko-KR" altLang="en-US" dirty="0"/>
           </a:p>
@@ -12266,7 +12199,7 @@
           <p:nvPr>
             <p:extLst>
               <p:ext uri="{D42A27DB-BD31-4B8C-83A1-F6EECF244321}">
-                <p14:modId xmlns:p14="http://schemas.microsoft.com/office/powerpoint/2010/main" val="2668726897"/>
+                <p14:modId xmlns:p14="http://schemas.microsoft.com/office/powerpoint/2010/main" val="3470942168"/>
               </p:ext>
             </p:extLst>
           </p:nvPr>
@@ -12407,53 +12340,115 @@
                     <a:bodyPr/>
                     <a:lstStyle/>
                     <a:p>
-                      <a:pPr marL="171450" indent="-171450" latinLnBrk="1">
+                      <a:pPr marL="0" marR="0" indent="0" algn="l" defTabSz="914400" rtl="0" eaLnBrk="1" fontAlgn="auto" latinLnBrk="1" hangingPunct="1">
+                        <a:lnSpc>
+                          <a:spcPct val="100000"/>
+                        </a:lnSpc>
+                        <a:spcBef>
+                          <a:spcPts val="0"/>
+                        </a:spcBef>
+                        <a:spcAft>
+                          <a:spcPts val="0"/>
+                        </a:spcAft>
+                        <a:buClrTx/>
+                        <a:buSzTx/>
+                        <a:buFontTx/>
+                        <a:buNone/>
+                        <a:tabLst/>
+                        <a:defRPr/>
+                      </a:pPr>
+                      <a:r>
+                        <a:rPr lang="en-US" altLang="ko-KR" sz="1100" baseline="0" dirty="0" smtClean="0"/>
+                        <a:t># </a:t>
+                      </a:r>
+                      <a:r>
+                        <a:rPr lang="en-US" altLang="ko-KR" sz="1100" baseline="0" dirty="0" err="1" smtClean="0"/>
+                        <a:t>handleMessage</a:t>
+                      </a:r>
+                      <a:r>
+                        <a:rPr lang="en-US" altLang="ko-KR" sz="1100" baseline="0" dirty="0" smtClean="0"/>
+                        <a:t>(Message): Unit</a:t>
+                      </a:r>
+                    </a:p>
+                    <a:p>
+                      <a:pPr marL="171450" marR="0" indent="-171450" algn="l" defTabSz="914400" rtl="0" eaLnBrk="1" fontAlgn="auto" latinLnBrk="1" hangingPunct="1">
+                        <a:lnSpc>
+                          <a:spcPct val="100000"/>
+                        </a:lnSpc>
+                        <a:spcBef>
+                          <a:spcPts val="0"/>
+                        </a:spcBef>
+                        <a:spcAft>
+                          <a:spcPts val="0"/>
+                        </a:spcAft>
+                        <a:buClrTx/>
+                        <a:buSzTx/>
                         <a:buFontTx/>
                         <a:buChar char="-"/>
+                        <a:tabLst/>
+                        <a:defRPr/>
                       </a:pPr>
                       <a:r>
-                        <a:rPr lang="en-US" altLang="ko-KR" sz="1100" dirty="0" err="1" smtClean="0"/>
-                        <a:t>createMasterHandler</a:t>
-                      </a:r>
-                      <a:r>
-                        <a:rPr lang="en-US" altLang="ko-KR" sz="1100" dirty="0" smtClean="0"/>
-                        <a:t>(Socket): Unit</a:t>
+                        <a:rPr lang="en-US" altLang="ko-KR" sz="1100" baseline="0" dirty="0" err="1" smtClean="0"/>
+                        <a:t>initHandleMessage</a:t>
+                      </a:r>
+                      <a:r>
+                        <a:rPr lang="en-US" altLang="ko-KR" sz="1100" baseline="0" dirty="0" smtClean="0"/>
+                        <a:t>(Message): Unit</a:t>
                       </a:r>
                     </a:p>
                     <a:p>
-                      <a:pPr marL="171450" indent="-171450" latinLnBrk="1">
+                      <a:pPr marL="171450" marR="0" indent="-171450" algn="l" defTabSz="914400" rtl="0" eaLnBrk="1" fontAlgn="auto" latinLnBrk="1" hangingPunct="1">
+                        <a:lnSpc>
+                          <a:spcPct val="100000"/>
+                        </a:lnSpc>
+                        <a:spcBef>
+                          <a:spcPts val="0"/>
+                        </a:spcBef>
+                        <a:spcAft>
+                          <a:spcPts val="0"/>
+                        </a:spcAft>
+                        <a:buClrTx/>
+                        <a:buSzTx/>
                         <a:buFontTx/>
                         <a:buChar char="-"/>
+                        <a:tabLst/>
+                        <a:defRPr/>
                       </a:pPr>
                       <a:r>
-                        <a:rPr lang="en-US" altLang="ko-KR" sz="1100" dirty="0" err="1" smtClean="0"/>
-                        <a:t>addSlave</a:t>
-                      </a:r>
-                      <a:r>
-                        <a:rPr lang="en-US" altLang="ko-KR" sz="1100" dirty="0" smtClean="0"/>
-                        <a:t>(</a:t>
-                      </a:r>
-                      <a:r>
-                        <a:rPr lang="en-US" altLang="ko-KR" sz="1100" dirty="0" err="1" smtClean="0"/>
-                        <a:t>SlaveHandler</a:t>
-                      </a:r>
-                      <a:r>
-                        <a:rPr lang="en-US" altLang="ko-KR" sz="1100" dirty="0" smtClean="0"/>
-                        <a:t>): Unit</a:t>
+                        <a:rPr lang="en-US" altLang="ko-KR" sz="1100" baseline="0" dirty="0" err="1" smtClean="0"/>
+                        <a:t>handleConnectionMessage</a:t>
+                      </a:r>
+                      <a:r>
+                        <a:rPr lang="en-US" altLang="ko-KR" sz="1100" baseline="0" dirty="0" smtClean="0"/>
+                        <a:t>(Message): Unit</a:t>
                       </a:r>
                     </a:p>
                     <a:p>
-                      <a:pPr marL="171450" indent="-171450" latinLnBrk="1">
+                      <a:pPr marL="171450" marR="0" indent="-171450" algn="l" defTabSz="914400" rtl="0" eaLnBrk="1" fontAlgn="auto" latinLnBrk="1" hangingPunct="1">
+                        <a:lnSpc>
+                          <a:spcPct val="100000"/>
+                        </a:lnSpc>
+                        <a:spcBef>
+                          <a:spcPts val="0"/>
+                        </a:spcBef>
+                        <a:spcAft>
+                          <a:spcPts val="0"/>
+                        </a:spcAft>
+                        <a:buClrTx/>
+                        <a:buSzTx/>
                         <a:buFontTx/>
                         <a:buChar char="-"/>
+                        <a:tabLst/>
+                        <a:defRPr/>
                       </a:pPr>
                       <a:r>
-                        <a:rPr lang="en-US" altLang="ko-KR" sz="1100" dirty="0" err="1" smtClean="0"/>
-                        <a:t>closeSocketExceptSlaves</a:t>
-                      </a:r>
-                      <a:r>
-                        <a:rPr lang="en-US" altLang="ko-KR" sz="1100" dirty="0" smtClean="0"/>
-                        <a:t>(): Unit</a:t>
+                        <a:rPr lang="en-US" altLang="ko-KR" sz="1100" baseline="0" dirty="0" err="1" smtClean="0"/>
+                        <a:t>handleSampleMessage</a:t>
+                      </a:r>
+                      <a:r>
+                        <a:rPr lang="en-US" altLang="ko-KR" sz="1100" baseline="0" smtClean="0"/>
+                        <a:t>(Message): Unit</a:t>
                       </a:r>
                     </a:p>
                     <a:p>
@@ -12476,41 +12471,6 @@
                       </a:pPr>
                       <a:r>
                         <a:rPr lang="en-US" altLang="ko-KR" sz="1100" baseline="0" dirty="0" smtClean="0"/>
-                        <a:t># </a:t>
-                      </a:r>
-                      <a:r>
-                        <a:rPr lang="en-US" altLang="ko-KR" sz="1100" baseline="0" dirty="0" err="1" smtClean="0"/>
-                        <a:t>handleMessage</a:t>
-                      </a:r>
-                      <a:r>
-                        <a:rPr lang="en-US" altLang="ko-KR" sz="1100" baseline="0" dirty="0" smtClean="0"/>
-                        <a:t>(Message): </a:t>
-                      </a:r>
-                      <a:r>
-                        <a:rPr lang="en-US" altLang="ko-KR" sz="1100" baseline="0" dirty="0" smtClean="0"/>
-                        <a:t>Unit</a:t>
-                      </a:r>
-                    </a:p>
-                    <a:p>
-                      <a:pPr marL="0" marR="0" indent="0" algn="l" defTabSz="914400" rtl="0" eaLnBrk="1" fontAlgn="auto" latinLnBrk="1" hangingPunct="1">
-                        <a:lnSpc>
-                          <a:spcPct val="100000"/>
-                        </a:lnSpc>
-                        <a:spcBef>
-                          <a:spcPts val="0"/>
-                        </a:spcBef>
-                        <a:spcAft>
-                          <a:spcPts val="0"/>
-                        </a:spcAft>
-                        <a:buClrTx/>
-                        <a:buSzTx/>
-                        <a:buFontTx/>
-                        <a:buNone/>
-                        <a:tabLst/>
-                        <a:defRPr/>
-                      </a:pPr>
-                      <a:r>
-                        <a:rPr lang="en-US" altLang="ko-KR" sz="1100" baseline="0" dirty="0" smtClean="0"/>
                         <a:t>+ </a:t>
                       </a:r>
                       <a:r>
@@ -12529,7 +12489,6 @@
                         <a:rPr lang="en-US" altLang="ko-KR" sz="1100" baseline="0" dirty="0" smtClean="0"/>
                         <a:t>): Unit</a:t>
                       </a:r>
-                      <a:endParaRPr lang="en-US" altLang="ko-KR" sz="1100" baseline="0" dirty="0" smtClean="0"/>
                     </a:p>
                     <a:p>
                       <a:pPr marL="171450" indent="-171450" latinLnBrk="1">
@@ -12671,11 +12630,7 @@
                       </a:pPr>
                       <a:r>
                         <a:rPr lang="en-US" altLang="ko-KR" sz="1100" dirty="0" smtClean="0"/>
-                        <a:t>socket: </a:t>
-                      </a:r>
-                      <a:r>
-                        <a:rPr lang="en-US" altLang="ko-KR" sz="1100" dirty="0" smtClean="0"/>
-                        <a:t>Socket</a:t>
+                        <a:t>socket: Socket</a:t>
                       </a:r>
                     </a:p>
                     <a:p>
@@ -12732,15 +12687,7 @@
                       <a:pPr latinLnBrk="1"/>
                       <a:r>
                         <a:rPr lang="en-US" altLang="ko-KR" sz="1100" baseline="0" dirty="0" smtClean="0"/>
-                        <a:t>+ </a:t>
-                      </a:r>
-                      <a:r>
-                        <a:rPr lang="en-US" altLang="ko-KR" sz="1100" baseline="0" dirty="0" smtClean="0"/>
-                        <a:t>run(): </a:t>
-                      </a:r>
-                      <a:r>
-                        <a:rPr lang="en-US" altLang="ko-KR" sz="1100" baseline="0" dirty="0" smtClean="0"/>
-                        <a:t>Unit</a:t>
+                        <a:t>+ run(): Unit</a:t>
                       </a:r>
                     </a:p>
                     <a:p>
@@ -12882,11 +12829,7 @@
                       </a:r>
                       <a:r>
                         <a:rPr lang="en-US" altLang="ko-KR" sz="1100" dirty="0" smtClean="0"/>
-                        <a:t>[Message</a:t>
-                      </a:r>
-                      <a:r>
-                        <a:rPr lang="en-US" altLang="ko-KR" sz="1100" dirty="0" smtClean="0"/>
-                        <a:t>]</a:t>
+                        <a:t>[Message]</a:t>
                       </a:r>
                       <a:endParaRPr lang="ko-KR" altLang="en-US" sz="1100" dirty="0"/>
                     </a:p>
@@ -14219,7 +14162,13 @@
               <a:rPr lang="en-US" altLang="ko-KR" sz="1400" dirty="0" err="1" smtClean="0">
                 <a:latin typeface="+mn-ea"/>
               </a:rPr>
-              <a:t>PicklableMessage</a:t>
+              <a:t>Send</a:t>
+            </a:r>
+            <a:r>
+              <a:rPr lang="en-US" altLang="ko-KR" sz="1400" dirty="0" err="1" smtClean="0">
+                <a:latin typeface="+mn-ea"/>
+              </a:rPr>
+              <a:t>ableMessage</a:t>
             </a:r>
             <a:endParaRPr lang="en-US" altLang="ko-KR" sz="1400" dirty="0">
               <a:latin typeface="+mn-ea"/>
@@ -14247,10 +14196,88 @@
               <a:t> </a:t>
             </a:r>
             <a:r>
+              <a:rPr lang="ko-KR" altLang="ko-KR" sz="1400" dirty="0" err="1" smtClean="0">
+                <a:latin typeface="+mn-ea"/>
+              </a:rPr>
+              <a:t>class</a:t>
+            </a:r>
+            <a:r>
+              <a:rPr lang="en-US" altLang="ko-KR" sz="1400" dirty="0">
+                <a:latin typeface="+mn-ea"/>
+              </a:rPr>
+              <a:t> </a:t>
+            </a:r>
+            <a:r>
+              <a:rPr lang="en-US" altLang="ko-KR" sz="1400" dirty="0" err="1" smtClean="0">
+                <a:latin typeface="+mn-ea"/>
+              </a:rPr>
+              <a:t>Sendable</a:t>
+            </a:r>
+            <a:r>
+              <a:rPr lang="ko-KR" altLang="ko-KR" sz="1400" dirty="0" err="1" smtClean="0">
+                <a:latin typeface="+mn-ea"/>
+              </a:rPr>
+              <a:t>SampleMessage</a:t>
+            </a:r>
+            <a:r>
+              <a:rPr lang="ko-KR" altLang="ko-KR" sz="1400" dirty="0" smtClean="0">
+                <a:latin typeface="+mn-ea"/>
+              </a:rPr>
+              <a:t>(</a:t>
+            </a:r>
+            <a:r>
+              <a:rPr lang="ko-KR" altLang="ko-KR" sz="1400" dirty="0" err="1" smtClean="0">
+                <a:latin typeface="+mn-ea"/>
+              </a:rPr>
+              <a:t>numData</a:t>
+            </a:r>
+            <a:r>
+              <a:rPr lang="ko-KR" altLang="ko-KR" sz="1400" dirty="0">
+                <a:latin typeface="+mn-ea"/>
+              </a:rPr>
+              <a:t>: </a:t>
+            </a:r>
+            <a:r>
               <a:rPr lang="ko-KR" altLang="ko-KR" sz="1400" dirty="0" err="1">
                 <a:latin typeface="+mn-ea"/>
               </a:rPr>
-              <a:t>class</a:t>
+              <a:t>Int</a:t>
+            </a:r>
+            <a:r>
+              <a:rPr lang="ko-KR" altLang="ko-KR" sz="1400" dirty="0">
+                <a:latin typeface="+mn-ea"/>
+              </a:rPr>
+              <a:t>, </a:t>
+            </a:r>
+            <a:r>
+              <a:rPr lang="ko-KR" altLang="ko-KR" sz="1400" dirty="0" err="1">
+                <a:latin typeface="+mn-ea"/>
+              </a:rPr>
+              <a:t>keys</a:t>
+            </a:r>
+            <a:r>
+              <a:rPr lang="ko-KR" altLang="ko-KR" sz="1400" dirty="0">
+                <a:latin typeface="+mn-ea"/>
+              </a:rPr>
+              <a:t>: </a:t>
+            </a:r>
+            <a:r>
+              <a:rPr lang="en-US" altLang="ko-KR" sz="1400" dirty="0" smtClean="0">
+                <a:latin typeface="+mn-ea"/>
+              </a:rPr>
+              <a:t>String</a:t>
+            </a:r>
+            <a:r>
+              <a:rPr lang="ko-KR" altLang="ko-KR" sz="1400" dirty="0" smtClean="0">
+                <a:latin typeface="+mn-ea"/>
+              </a:rPr>
+              <a:t>) </a:t>
+            </a:r>
+            <a:r>
+              <a:rPr lang="ko-KR" altLang="ko-KR" sz="1400" dirty="0" err="1">
+                <a:latin typeface="+mn-ea"/>
+              </a:rPr>
+              <a:t>extends</a:t>
             </a:r>
             <a:r>
               <a:rPr lang="ko-KR" altLang="ko-KR" sz="1400" dirty="0">
@@ -14262,97 +14289,13 @@
               <a:rPr lang="en-US" altLang="ko-KR" sz="1400" dirty="0" err="1" smtClean="0">
                 <a:latin typeface="+mn-ea"/>
               </a:rPr>
-              <a:t>Picklable</a:t>
-            </a:r>
-            <a:r>
-              <a:rPr lang="ko-KR" altLang="ko-KR" sz="1400" dirty="0" err="1" smtClean="0">
-                <a:latin typeface="+mn-ea"/>
-              </a:rPr>
-              <a:t>SampleMessage</a:t>
-            </a:r>
-            <a:r>
-              <a:rPr lang="ko-KR" altLang="ko-KR" sz="1400" dirty="0" smtClean="0">
-                <a:latin typeface="+mn-ea"/>
-              </a:rPr>
-              <a:t>(</a:t>
-            </a:r>
-            <a:r>
-              <a:rPr lang="ko-KR" altLang="ko-KR" sz="1400" dirty="0" err="1" smtClean="0">
-                <a:latin typeface="+mn-ea"/>
-              </a:rPr>
-              <a:t>numData</a:t>
-            </a:r>
-            <a:r>
-              <a:rPr lang="ko-KR" altLang="ko-KR" sz="1400" dirty="0">
-                <a:latin typeface="+mn-ea"/>
-              </a:rPr>
-              <a:t>: </a:t>
-            </a:r>
-            <a:r>
-              <a:rPr lang="ko-KR" altLang="ko-KR" sz="1400" dirty="0" err="1">
-                <a:latin typeface="+mn-ea"/>
-              </a:rPr>
-              <a:t>Int</a:t>
-            </a:r>
-            <a:r>
-              <a:rPr lang="ko-KR" altLang="ko-KR" sz="1400" dirty="0">
-                <a:latin typeface="+mn-ea"/>
-              </a:rPr>
-              <a:t>, </a:t>
-            </a:r>
-            <a:r>
-              <a:rPr lang="ko-KR" altLang="ko-KR" sz="1400" dirty="0" err="1">
-                <a:latin typeface="+mn-ea"/>
-              </a:rPr>
-              <a:t>keys</a:t>
-            </a:r>
-            <a:r>
-              <a:rPr lang="ko-KR" altLang="ko-KR" sz="1400" dirty="0">
-                <a:latin typeface="+mn-ea"/>
-              </a:rPr>
-              <a:t>: </a:t>
-            </a:r>
-            <a:r>
-              <a:rPr lang="ko-KR" altLang="ko-KR" sz="1400" dirty="0" err="1" smtClean="0">
-                <a:latin typeface="+mn-ea"/>
-              </a:rPr>
-              <a:t>Array</a:t>
-            </a:r>
-            <a:r>
-              <a:rPr lang="ko-KR" altLang="ko-KR" sz="1400" dirty="0" smtClean="0">
-                <a:latin typeface="+mn-ea"/>
-              </a:rPr>
-              <a:t>[</a:t>
-            </a:r>
-            <a:r>
-              <a:rPr lang="ko-KR" altLang="ko-KR" sz="1400" dirty="0" err="1" smtClean="0">
-                <a:latin typeface="+mn-ea"/>
-              </a:rPr>
-              <a:t>Key</a:t>
-            </a:r>
-            <a:r>
-              <a:rPr lang="ko-KR" altLang="ko-KR" sz="1400" dirty="0" smtClean="0">
-                <a:latin typeface="+mn-ea"/>
-              </a:rPr>
-              <a:t>]) </a:t>
-            </a:r>
-            <a:r>
-              <a:rPr lang="ko-KR" altLang="ko-KR" sz="1400" dirty="0" err="1">
-                <a:latin typeface="+mn-ea"/>
-              </a:rPr>
-              <a:t>extends</a:t>
-            </a:r>
-            <a:r>
-              <a:rPr lang="ko-KR" altLang="ko-KR" sz="1400" dirty="0">
-                <a:latin typeface="+mn-ea"/>
-              </a:rPr>
-              <a:t> </a:t>
+              <a:t>Send</a:t>
             </a:r>
             <a:r>
               <a:rPr lang="en-US" altLang="ko-KR" sz="1400" dirty="0" err="1" smtClean="0">
                 <a:latin typeface="+mn-ea"/>
               </a:rPr>
-              <a:t>Picklable</a:t>
+              <a:t>able</a:t>
             </a:r>
             <a:r>
               <a:rPr lang="ko-KR" altLang="ko-KR" sz="1400" dirty="0" err="1" smtClean="0">
@@ -14964,13 +14907,8 @@
                       </a:pPr>
                       <a:r>
                         <a:rPr lang="en-US" altLang="ko-KR" sz="1400" b="0" dirty="0" smtClean="0"/>
-                        <a:t># of </a:t>
-                      </a:r>
-                      <a:r>
-                        <a:rPr lang="en-US" altLang="ko-KR" sz="1400" b="0" dirty="0" smtClean="0"/>
-                        <a:t>data</a:t>
-                      </a:r>
-                      <a:endParaRPr lang="en-US" altLang="ko-KR" sz="1400" b="0" dirty="0" smtClean="0"/>
+                        <a:t># of data</a:t>
+                      </a:r>
                     </a:p>
                     <a:p>
                       <a:pPr marL="285750" indent="-285750" latinLnBrk="1">
@@ -15729,17 +15667,8 @@
                       </a:r>
                       <a:r>
                         <a:rPr lang="en-US" altLang="ko-KR" sz="1400" baseline="0" dirty="0" smtClean="0"/>
-                        <a:t> </a:t>
-                      </a:r>
-                      <a:r>
-                        <a:rPr lang="en-US" altLang="ko-KR" sz="1400" baseline="0" dirty="0" smtClean="0"/>
-                        <a:t>of </a:t>
-                      </a:r>
-                      <a:r>
-                        <a:rPr lang="en-US" altLang="ko-KR" sz="1400" baseline="0" dirty="0" smtClean="0"/>
-                        <a:t>slaves</a:t>
-                      </a:r>
-                      <a:endParaRPr lang="en-US" altLang="ko-KR" sz="1400" baseline="0" dirty="0" smtClean="0"/>
+                        <a:t> of slaves</a:t>
+                      </a:r>
                     </a:p>
                     <a:p>
                       <a:pPr marL="285750" indent="-285750" latinLnBrk="1">
@@ -15748,11 +15677,7 @@
                       </a:pPr>
                       <a:r>
                         <a:rPr lang="en-US" altLang="ko-KR" sz="1400" baseline="0" dirty="0" smtClean="0"/>
-                        <a:t>Pivot </a:t>
-                      </a:r>
-                      <a:r>
-                        <a:rPr lang="en-US" altLang="ko-KR" sz="1400" baseline="0" dirty="0" smtClean="0"/>
-                        <a:t>values</a:t>
+                        <a:t>Pivot values</a:t>
                       </a:r>
                       <a:endParaRPr lang="ko-KR" altLang="en-US" sz="1400" b="0" dirty="0"/>
                     </a:p>

--- a/project.pptx
+++ b/project.pptx
@@ -11,29 +11,30 @@
     <p:sldId id="265" r:id="rId5"/>
     <p:sldId id="305" r:id="rId6"/>
     <p:sldId id="267" r:id="rId7"/>
-    <p:sldId id="308" r:id="rId8"/>
-    <p:sldId id="309" r:id="rId9"/>
-    <p:sldId id="310" r:id="rId10"/>
-    <p:sldId id="311" r:id="rId11"/>
-    <p:sldId id="272" r:id="rId12"/>
-    <p:sldId id="312" r:id="rId13"/>
-    <p:sldId id="313" r:id="rId14"/>
-    <p:sldId id="314" r:id="rId15"/>
-    <p:sldId id="315" r:id="rId16"/>
-    <p:sldId id="275" r:id="rId17"/>
-    <p:sldId id="304" r:id="rId18"/>
-    <p:sldId id="257" r:id="rId19"/>
-    <p:sldId id="307" r:id="rId20"/>
-    <p:sldId id="285" r:id="rId21"/>
-    <p:sldId id="316" r:id="rId22"/>
-    <p:sldId id="317" r:id="rId23"/>
-    <p:sldId id="291" r:id="rId24"/>
-    <p:sldId id="290" r:id="rId25"/>
-    <p:sldId id="284" r:id="rId26"/>
-    <p:sldId id="277" r:id="rId27"/>
-    <p:sldId id="297" r:id="rId28"/>
-    <p:sldId id="295" r:id="rId29"/>
-    <p:sldId id="299" r:id="rId30"/>
+    <p:sldId id="318" r:id="rId8"/>
+    <p:sldId id="308" r:id="rId9"/>
+    <p:sldId id="309" r:id="rId10"/>
+    <p:sldId id="310" r:id="rId11"/>
+    <p:sldId id="311" r:id="rId12"/>
+    <p:sldId id="272" r:id="rId13"/>
+    <p:sldId id="312" r:id="rId14"/>
+    <p:sldId id="313" r:id="rId15"/>
+    <p:sldId id="314" r:id="rId16"/>
+    <p:sldId id="315" r:id="rId17"/>
+    <p:sldId id="275" r:id="rId18"/>
+    <p:sldId id="304" r:id="rId19"/>
+    <p:sldId id="257" r:id="rId20"/>
+    <p:sldId id="307" r:id="rId21"/>
+    <p:sldId id="285" r:id="rId22"/>
+    <p:sldId id="316" r:id="rId23"/>
+    <p:sldId id="317" r:id="rId24"/>
+    <p:sldId id="291" r:id="rId25"/>
+    <p:sldId id="290" r:id="rId26"/>
+    <p:sldId id="284" r:id="rId27"/>
+    <p:sldId id="277" r:id="rId28"/>
+    <p:sldId id="297" r:id="rId29"/>
+    <p:sldId id="295" r:id="rId30"/>
+    <p:sldId id="299" r:id="rId31"/>
   </p:sldIdLst>
   <p:sldSz cx="12192000" cy="6858000"/>
   <p:notesSz cx="6858000" cy="9144000"/>
@@ -271,7 +272,7 @@
           <a:p>
             <a:fld id="{33CC212C-81FB-40F3-BD5E-91ADD12CE53F}" type="datetimeFigureOut">
               <a:rPr lang="ko-KR" altLang="en-US" smtClean="0"/>
-              <a:t>2016-10-31</a:t>
+              <a:t>2016-11-02</a:t>
             </a:fld>
             <a:endParaRPr lang="ko-KR" altLang="en-US"/>
           </a:p>
@@ -441,7 +442,7 @@
           <a:p>
             <a:fld id="{33CC212C-81FB-40F3-BD5E-91ADD12CE53F}" type="datetimeFigureOut">
               <a:rPr lang="ko-KR" altLang="en-US" smtClean="0"/>
-              <a:t>2016-10-31</a:t>
+              <a:t>2016-11-02</a:t>
             </a:fld>
             <a:endParaRPr lang="ko-KR" altLang="en-US"/>
           </a:p>
@@ -621,7 +622,7 @@
           <a:p>
             <a:fld id="{33CC212C-81FB-40F3-BD5E-91ADD12CE53F}" type="datetimeFigureOut">
               <a:rPr lang="ko-KR" altLang="en-US" smtClean="0"/>
-              <a:t>2016-10-31</a:t>
+              <a:t>2016-11-02</a:t>
             </a:fld>
             <a:endParaRPr lang="ko-KR" altLang="en-US"/>
           </a:p>
@@ -791,7 +792,7 @@
           <a:p>
             <a:fld id="{33CC212C-81FB-40F3-BD5E-91ADD12CE53F}" type="datetimeFigureOut">
               <a:rPr lang="ko-KR" altLang="en-US" smtClean="0"/>
-              <a:t>2016-10-31</a:t>
+              <a:t>2016-11-02</a:t>
             </a:fld>
             <a:endParaRPr lang="ko-KR" altLang="en-US"/>
           </a:p>
@@ -1037,7 +1038,7 @@
           <a:p>
             <a:fld id="{33CC212C-81FB-40F3-BD5E-91ADD12CE53F}" type="datetimeFigureOut">
               <a:rPr lang="ko-KR" altLang="en-US" smtClean="0"/>
-              <a:t>2016-10-31</a:t>
+              <a:t>2016-11-02</a:t>
             </a:fld>
             <a:endParaRPr lang="ko-KR" altLang="en-US"/>
           </a:p>
@@ -1269,7 +1270,7 @@
           <a:p>
             <a:fld id="{33CC212C-81FB-40F3-BD5E-91ADD12CE53F}" type="datetimeFigureOut">
               <a:rPr lang="ko-KR" altLang="en-US" smtClean="0"/>
-              <a:t>2016-10-31</a:t>
+              <a:t>2016-11-02</a:t>
             </a:fld>
             <a:endParaRPr lang="ko-KR" altLang="en-US"/>
           </a:p>
@@ -1636,7 +1637,7 @@
           <a:p>
             <a:fld id="{33CC212C-81FB-40F3-BD5E-91ADD12CE53F}" type="datetimeFigureOut">
               <a:rPr lang="ko-KR" altLang="en-US" smtClean="0"/>
-              <a:t>2016-10-31</a:t>
+              <a:t>2016-11-02</a:t>
             </a:fld>
             <a:endParaRPr lang="ko-KR" altLang="en-US"/>
           </a:p>
@@ -1754,7 +1755,7 @@
           <a:p>
             <a:fld id="{33CC212C-81FB-40F3-BD5E-91ADD12CE53F}" type="datetimeFigureOut">
               <a:rPr lang="ko-KR" altLang="en-US" smtClean="0"/>
-              <a:t>2016-10-31</a:t>
+              <a:t>2016-11-02</a:t>
             </a:fld>
             <a:endParaRPr lang="ko-KR" altLang="en-US"/>
           </a:p>
@@ -1849,7 +1850,7 @@
           <a:p>
             <a:fld id="{33CC212C-81FB-40F3-BD5E-91ADD12CE53F}" type="datetimeFigureOut">
               <a:rPr lang="ko-KR" altLang="en-US" smtClean="0"/>
-              <a:t>2016-10-31</a:t>
+              <a:t>2016-11-02</a:t>
             </a:fld>
             <a:endParaRPr lang="ko-KR" altLang="en-US"/>
           </a:p>
@@ -2126,7 +2127,7 @@
           <a:p>
             <a:fld id="{33CC212C-81FB-40F3-BD5E-91ADD12CE53F}" type="datetimeFigureOut">
               <a:rPr lang="ko-KR" altLang="en-US" smtClean="0"/>
-              <a:t>2016-10-31</a:t>
+              <a:t>2016-11-02</a:t>
             </a:fld>
             <a:endParaRPr lang="ko-KR" altLang="en-US"/>
           </a:p>
@@ -2379,7 +2380,7 @@
           <a:p>
             <a:fld id="{33CC212C-81FB-40F3-BD5E-91ADD12CE53F}" type="datetimeFigureOut">
               <a:rPr lang="ko-KR" altLang="en-US" smtClean="0"/>
-              <a:t>2016-10-31</a:t>
+              <a:t>2016-11-02</a:t>
             </a:fld>
             <a:endParaRPr lang="ko-KR" altLang="en-US"/>
           </a:p>
@@ -2592,7 +2593,7 @@
           <a:p>
             <a:fld id="{33CC212C-81FB-40F3-BD5E-91ADD12CE53F}" type="datetimeFigureOut">
               <a:rPr lang="ko-KR" altLang="en-US" smtClean="0"/>
-              <a:t>2016-10-31</a:t>
+              <a:t>2016-11-02</a:t>
             </a:fld>
             <a:endParaRPr lang="ko-KR" altLang="en-US"/>
           </a:p>
@@ -3116,6 +3117,376 @@
           <a:lstStyle/>
           <a:p>
             <a:r>
+              <a:rPr lang="en-US" altLang="ko-KR" dirty="0" err="1" smtClean="0"/>
+              <a:t>PartitionSender</a:t>
+            </a:r>
+            <a:r>
+              <a:rPr lang="en-US" altLang="ko-KR" dirty="0" smtClean="0"/>
+              <a:t> -&gt; Slave</a:t>
+            </a:r>
+            <a:endParaRPr lang="ko-KR" altLang="en-US" dirty="0"/>
+          </a:p>
+        </p:txBody>
+      </p:sp>
+      <p:sp>
+        <p:nvSpPr>
+          <p:cNvPr id="5" name="모서리가 둥근 직사각형 4"/>
+          <p:cNvSpPr/>
+          <p:nvPr/>
+        </p:nvSpPr>
+        <p:spPr>
+          <a:xfrm>
+            <a:off x="2280033" y="1648872"/>
+            <a:ext cx="1796130" cy="272247"/>
+          </a:xfrm>
+          <a:prstGeom prst="roundRect">
+            <a:avLst/>
+          </a:prstGeom>
+        </p:spPr>
+        <p:style>
+          <a:lnRef idx="1">
+            <a:schemeClr val="accent4"/>
+          </a:lnRef>
+          <a:fillRef idx="2">
+            <a:schemeClr val="accent4"/>
+          </a:fillRef>
+          <a:effectRef idx="1">
+            <a:schemeClr val="accent4"/>
+          </a:effectRef>
+          <a:fontRef idx="minor">
+            <a:schemeClr val="dk1"/>
+          </a:fontRef>
+        </p:style>
+        <p:txBody>
+          <a:bodyPr rtlCol="0" anchor="ctr"/>
+          <a:lstStyle/>
+          <a:p>
+            <a:pPr algn="ctr"/>
+            <a:r>
+              <a:rPr lang="en-US" altLang="ko-KR" sz="1100" dirty="0" err="1" smtClean="0"/>
+              <a:t>SendedAllPartitionMsg</a:t>
+            </a:r>
+            <a:endParaRPr lang="ko-KR" altLang="en-US" sz="1100" dirty="0"/>
+          </a:p>
+        </p:txBody>
+      </p:sp>
+      <p:graphicFrame>
+        <p:nvGraphicFramePr>
+          <p:cNvPr id="10" name="표 9"/>
+          <p:cNvGraphicFramePr>
+            <a:graphicFrameLocks noGrp="1"/>
+          </p:cNvGraphicFramePr>
+          <p:nvPr>
+            <p:extLst>
+              <p:ext uri="{D42A27DB-BD31-4B8C-83A1-F6EECF244321}">
+                <p14:modId xmlns:p14="http://schemas.microsoft.com/office/powerpoint/2010/main" val="4269262365"/>
+              </p:ext>
+            </p:extLst>
+          </p:nvPr>
+        </p:nvGraphicFramePr>
+        <p:xfrm>
+          <a:off x="753948" y="2179228"/>
+          <a:ext cx="10408374" cy="4499679"/>
+        </p:xfrm>
+        <a:graphic>
+          <a:graphicData uri="http://schemas.openxmlformats.org/drawingml/2006/table">
+            <a:tbl>
+              <a:tblPr firstRow="1" bandRow="1">
+                <a:tableStyleId>{8799B23B-EC83-4686-B30A-512413B5E67A}</a:tableStyleId>
+              </a:tblPr>
+              <a:tblGrid>
+                <a:gridCol w="1488866">
+                  <a:extLst>
+                    <a:ext uri="{9D8B030D-6E8A-4147-A177-3AD203B41FA5}">
+                      <a16:colId xmlns:a16="http://schemas.microsoft.com/office/drawing/2014/main" val="604446546"/>
+                    </a:ext>
+                  </a:extLst>
+                </a:gridCol>
+                <a:gridCol w="4459754">
+                  <a:extLst>
+                    <a:ext uri="{9D8B030D-6E8A-4147-A177-3AD203B41FA5}">
+                      <a16:colId xmlns:a16="http://schemas.microsoft.com/office/drawing/2014/main" val="2603215225"/>
+                    </a:ext>
+                  </a:extLst>
+                </a:gridCol>
+                <a:gridCol w="4459754">
+                  <a:extLst>
+                    <a:ext uri="{9D8B030D-6E8A-4147-A177-3AD203B41FA5}">
+                      <a16:colId xmlns:a16="http://schemas.microsoft.com/office/drawing/2014/main" val="2966114200"/>
+                    </a:ext>
+                  </a:extLst>
+                </a:gridCol>
+              </a:tblGrid>
+              <a:tr h="413578">
+                <a:tc>
+                  <a:txBody>
+                    <a:bodyPr/>
+                    <a:lstStyle/>
+                    <a:p>
+                      <a:pPr latinLnBrk="1"/>
+                      <a:r>
+                        <a:rPr lang="en-US" altLang="ko-KR" sz="1400" b="0" dirty="0" smtClean="0"/>
+                        <a:t>Purpose</a:t>
+                      </a:r>
+                      <a:endParaRPr lang="ko-KR" altLang="en-US" sz="1400" b="0" dirty="0"/>
+                    </a:p>
+                  </a:txBody>
+                  <a:tcPr/>
+                </a:tc>
+                <a:tc>
+                  <a:txBody>
+                    <a:bodyPr/>
+                    <a:lstStyle/>
+                    <a:p>
+                      <a:pPr latinLnBrk="1"/>
+                      <a:r>
+                        <a:rPr lang="en-US" altLang="ko-KR" sz="1400" b="0" baseline="0" dirty="0" smtClean="0"/>
+                        <a:t>Notify termination of </a:t>
+                      </a:r>
+                      <a:r>
+                        <a:rPr lang="en-US" altLang="ko-KR" sz="1400" b="0" baseline="0" dirty="0" err="1" smtClean="0"/>
+                        <a:t>PartitionSender</a:t>
+                      </a:r>
+                      <a:endParaRPr lang="en-US" altLang="ko-KR" sz="1400" b="0" baseline="0" dirty="0" smtClean="0"/>
+                    </a:p>
+                  </a:txBody>
+                  <a:tcPr/>
+                </a:tc>
+                <a:tc>
+                  <a:txBody>
+                    <a:bodyPr/>
+                    <a:lstStyle/>
+                    <a:p>
+                      <a:pPr latinLnBrk="1"/>
+                      <a:endParaRPr lang="en-US" altLang="ko-KR" sz="1400" b="0" baseline="0" dirty="0" smtClean="0"/>
+                    </a:p>
+                  </a:txBody>
+                  <a:tcPr/>
+                </a:tc>
+                <a:extLst>
+                  <a:ext uri="{0D108BD9-81ED-4DB2-BD59-A6C34878D82A}">
+                    <a16:rowId xmlns:a16="http://schemas.microsoft.com/office/drawing/2014/main" val="2250892085"/>
+                  </a:ext>
+                </a:extLst>
+              </a:tr>
+              <a:tr h="413578">
+                <a:tc>
+                  <a:txBody>
+                    <a:bodyPr/>
+                    <a:lstStyle/>
+                    <a:p>
+                      <a:pPr latinLnBrk="1"/>
+                      <a:r>
+                        <a:rPr lang="en-US" altLang="ko-KR" sz="1400" b="0" dirty="0" smtClean="0"/>
+                        <a:t>When</a:t>
+                      </a:r>
+                      <a:endParaRPr lang="ko-KR" altLang="en-US" sz="1400" b="0" dirty="0"/>
+                    </a:p>
+                  </a:txBody>
+                  <a:tcPr/>
+                </a:tc>
+                <a:tc>
+                  <a:txBody>
+                    <a:bodyPr/>
+                    <a:lstStyle/>
+                    <a:p>
+                      <a:pPr latinLnBrk="1"/>
+                      <a:r>
+                        <a:rPr lang="en-US" altLang="ko-KR" sz="1400" b="0" dirty="0" err="1" smtClean="0"/>
+                        <a:t>Sended</a:t>
+                      </a:r>
+                      <a:r>
+                        <a:rPr lang="en-US" altLang="ko-KR" sz="1400" b="0" dirty="0" smtClean="0"/>
+                        <a:t> partitions to all other slaves</a:t>
+                      </a:r>
+                      <a:endParaRPr lang="ko-KR" altLang="en-US" sz="1400" b="0" dirty="0"/>
+                    </a:p>
+                  </a:txBody>
+                  <a:tcPr/>
+                </a:tc>
+                <a:tc>
+                  <a:txBody>
+                    <a:bodyPr/>
+                    <a:lstStyle/>
+                    <a:p>
+                      <a:pPr latinLnBrk="1"/>
+                      <a:endParaRPr lang="ko-KR" altLang="en-US" sz="1400" b="0" dirty="0"/>
+                    </a:p>
+                  </a:txBody>
+                  <a:tcPr/>
+                </a:tc>
+                <a:extLst>
+                  <a:ext uri="{0D108BD9-81ED-4DB2-BD59-A6C34878D82A}">
+                    <a16:rowId xmlns:a16="http://schemas.microsoft.com/office/drawing/2014/main" val="3127575327"/>
+                  </a:ext>
+                </a:extLst>
+              </a:tr>
+              <a:tr h="1243586">
+                <a:tc>
+                  <a:txBody>
+                    <a:bodyPr/>
+                    <a:lstStyle/>
+                    <a:p>
+                      <a:pPr latinLnBrk="1"/>
+                      <a:r>
+                        <a:rPr lang="en-US" altLang="ko-KR" sz="1400" b="0" dirty="0" smtClean="0"/>
+                        <a:t>Content</a:t>
+                      </a:r>
+                      <a:endParaRPr lang="ko-KR" altLang="en-US" sz="1400" b="0" dirty="0"/>
+                    </a:p>
+                  </a:txBody>
+                  <a:tcPr/>
+                </a:tc>
+                <a:tc>
+                  <a:txBody>
+                    <a:bodyPr/>
+                    <a:lstStyle/>
+                    <a:p>
+                      <a:pPr marL="285750" indent="-285750" latinLnBrk="1">
+                        <a:buFontTx/>
+                        <a:buChar char="-"/>
+                      </a:pPr>
+                      <a:endParaRPr lang="en-US" altLang="ko-KR" sz="1400" b="0" baseline="0" dirty="0" smtClean="0"/>
+                    </a:p>
+                  </a:txBody>
+                  <a:tcPr/>
+                </a:tc>
+                <a:tc>
+                  <a:txBody>
+                    <a:bodyPr/>
+                    <a:lstStyle/>
+                    <a:p>
+                      <a:pPr marL="285750" indent="-285750" latinLnBrk="1">
+                        <a:buFontTx/>
+                        <a:buChar char="-"/>
+                      </a:pPr>
+                      <a:endParaRPr lang="ko-KR" altLang="en-US" sz="1400" b="0" dirty="0"/>
+                    </a:p>
+                  </a:txBody>
+                  <a:tcPr/>
+                </a:tc>
+                <a:extLst>
+                  <a:ext uri="{0D108BD9-81ED-4DB2-BD59-A6C34878D82A}">
+                    <a16:rowId xmlns:a16="http://schemas.microsoft.com/office/drawing/2014/main" val="627956601"/>
+                  </a:ext>
+                </a:extLst>
+              </a:tr>
+              <a:tr h="2428937">
+                <a:tc>
+                  <a:txBody>
+                    <a:bodyPr/>
+                    <a:lstStyle/>
+                    <a:p>
+                      <a:pPr latinLnBrk="1"/>
+                      <a:endParaRPr lang="ko-KR" altLang="en-US" sz="1400" b="0" dirty="0"/>
+                    </a:p>
+                  </a:txBody>
+                  <a:tcPr/>
+                </a:tc>
+                <a:tc>
+                  <a:txBody>
+                    <a:bodyPr/>
+                    <a:lstStyle/>
+                    <a:p>
+                      <a:pPr marL="0" marR="0" indent="0" algn="l" defTabSz="914400" rtl="0" eaLnBrk="1" fontAlgn="auto" latinLnBrk="1" hangingPunct="1">
+                        <a:lnSpc>
+                          <a:spcPct val="100000"/>
+                        </a:lnSpc>
+                        <a:spcBef>
+                          <a:spcPts val="0"/>
+                        </a:spcBef>
+                        <a:spcAft>
+                          <a:spcPts val="0"/>
+                        </a:spcAft>
+                        <a:buClrTx/>
+                        <a:buSzTx/>
+                        <a:buFontTx/>
+                        <a:buNone/>
+                        <a:tabLst/>
+                        <a:defRPr/>
+                      </a:pPr>
+                      <a:endParaRPr lang="en-US" altLang="ko-KR" sz="1400" b="0" baseline="0" dirty="0" smtClean="0"/>
+                    </a:p>
+                  </a:txBody>
+                  <a:tcPr/>
+                </a:tc>
+                <a:tc>
+                  <a:txBody>
+                    <a:bodyPr/>
+                    <a:lstStyle/>
+                    <a:p>
+                      <a:pPr marL="285750" indent="-285750" latinLnBrk="1">
+                        <a:buFontTx/>
+                        <a:buChar char="-"/>
+                      </a:pPr>
+                      <a:endParaRPr lang="ko-KR" altLang="en-US" sz="1400" b="0" dirty="0"/>
+                    </a:p>
+                  </a:txBody>
+                  <a:tcPr/>
+                </a:tc>
+                <a:extLst>
+                  <a:ext uri="{0D108BD9-81ED-4DB2-BD59-A6C34878D82A}">
+                    <a16:rowId xmlns:a16="http://schemas.microsoft.com/office/drawing/2014/main" val="3515173202"/>
+                  </a:ext>
+                </a:extLst>
+              </a:tr>
+            </a:tbl>
+          </a:graphicData>
+        </a:graphic>
+      </p:graphicFrame>
+    </p:spTree>
+    <p:extLst>
+      <p:ext uri="{BB962C8B-B14F-4D97-AF65-F5344CB8AC3E}">
+        <p14:creationId xmlns:p14="http://schemas.microsoft.com/office/powerpoint/2010/main" val="592811777"/>
+      </p:ext>
+    </p:extLst>
+  </p:cSld>
+  <p:clrMapOvr>
+    <a:masterClrMapping/>
+  </p:clrMapOvr>
+  <p:timing>
+    <p:tnLst>
+      <p:par>
+        <p:cTn id="1" dur="indefinite" restart="never" nodeType="tmRoot"/>
+      </p:par>
+    </p:tnLst>
+  </p:timing>
+</p:sld>
+</file>
+
+<file path=ppt/slides/slide11.xml><?xml version="1.0" encoding="utf-8"?>
+<p:sld xmlns:a="http://schemas.openxmlformats.org/drawingml/2006/main" xmlns:r="http://schemas.openxmlformats.org/officeDocument/2006/relationships" xmlns:p="http://schemas.openxmlformats.org/presentationml/2006/main">
+  <p:cSld>
+    <p:spTree>
+      <p:nvGrpSpPr>
+        <p:cNvPr id="1" name=""/>
+        <p:cNvGrpSpPr/>
+        <p:nvPr/>
+      </p:nvGrpSpPr>
+      <p:grpSpPr>
+        <a:xfrm>
+          <a:off x="0" y="0"/>
+          <a:ext cx="0" cy="0"/>
+          <a:chOff x="0" y="0"/>
+          <a:chExt cx="0" cy="0"/>
+        </a:xfrm>
+      </p:grpSpPr>
+      <p:sp>
+        <p:nvSpPr>
+          <p:cNvPr id="2" name="제목 1"/>
+          <p:cNvSpPr>
+            <a:spLocks noGrp="1"/>
+          </p:cNvSpPr>
+          <p:nvPr>
+            <p:ph type="title"/>
+          </p:nvPr>
+        </p:nvSpPr>
+        <p:spPr/>
+        <p:txBody>
+          <a:bodyPr/>
+          <a:lstStyle/>
+          <a:p>
+            <a:r>
               <a:rPr lang="en-US" altLang="ko-KR" dirty="0" smtClean="0"/>
               <a:t>Shuffler -&gt; Slave</a:t>
             </a:r>
@@ -3444,7 +3815,7 @@
 </p:sld>
 </file>
 
-<file path=ppt/slides/slide11.xml><?xml version="1.0" encoding="utf-8"?>
+<file path=ppt/slides/slide12.xml><?xml version="1.0" encoding="utf-8"?>
 <p:sld xmlns:a="http://schemas.openxmlformats.org/drawingml/2006/main" xmlns:r="http://schemas.openxmlformats.org/officeDocument/2006/relationships" xmlns:p="http://schemas.openxmlformats.org/presentationml/2006/main">
   <p:cSld>
     <p:spTree>
@@ -3983,7 +4354,7 @@
 </p:sld>
 </file>
 
-<file path=ppt/slides/slide12.xml><?xml version="1.0" encoding="utf-8"?>
+<file path=ppt/slides/slide13.xml><?xml version="1.0" encoding="utf-8"?>
 <p:sld xmlns:a="http://schemas.openxmlformats.org/drawingml/2006/main" xmlns:r="http://schemas.openxmlformats.org/officeDocument/2006/relationships" xmlns:p="http://schemas.openxmlformats.org/presentationml/2006/main">
   <p:cSld>
     <p:spTree>
@@ -4049,7 +4420,7 @@
 </p:sld>
 </file>
 
-<file path=ppt/slides/slide13.xml><?xml version="1.0" encoding="utf-8"?>
+<file path=ppt/slides/slide14.xml><?xml version="1.0" encoding="utf-8"?>
 <p:sld xmlns:a="http://schemas.openxmlformats.org/drawingml/2006/main" xmlns:r="http://schemas.openxmlformats.org/officeDocument/2006/relationships" xmlns:p="http://schemas.openxmlformats.org/presentationml/2006/main">
   <p:cSld>
     <p:spTree>
@@ -5312,7 +5683,7 @@
 </p:sld>
 </file>
 
-<file path=ppt/slides/slide14.xml><?xml version="1.0" encoding="utf-8"?>
+<file path=ppt/slides/slide15.xml><?xml version="1.0" encoding="utf-8"?>
 <p:sld xmlns:a="http://schemas.openxmlformats.org/drawingml/2006/main" xmlns:r="http://schemas.openxmlformats.org/officeDocument/2006/relationships" xmlns:p="http://schemas.openxmlformats.org/presentationml/2006/main">
   <p:cSld>
     <p:spTree>
@@ -5755,7 +6126,7 @@
 </p:sld>
 </file>
 
-<file path=ppt/slides/slide15.xml><?xml version="1.0" encoding="utf-8"?>
+<file path=ppt/slides/slide16.xml><?xml version="1.0" encoding="utf-8"?>
 <p:sld xmlns:a="http://schemas.openxmlformats.org/drawingml/2006/main" xmlns:r="http://schemas.openxmlformats.org/officeDocument/2006/relationships" xmlns:p="http://schemas.openxmlformats.org/presentationml/2006/main">
   <p:cSld>
     <p:spTree>
@@ -7086,7 +7457,7 @@
 </p:sld>
 </file>
 
-<file path=ppt/slides/slide16.xml><?xml version="1.0" encoding="utf-8"?>
+<file path=ppt/slides/slide17.xml><?xml version="1.0" encoding="utf-8"?>
 <p:sld xmlns:a="http://schemas.openxmlformats.org/drawingml/2006/main" xmlns:r="http://schemas.openxmlformats.org/officeDocument/2006/relationships" xmlns:p="http://schemas.openxmlformats.org/presentationml/2006/main">
   <p:cSld>
     <p:spTree>
@@ -7152,7 +7523,7 @@
 </p:sld>
 </file>
 
-<file path=ppt/slides/slide17.xml><?xml version="1.0" encoding="utf-8"?>
+<file path=ppt/slides/slide18.xml><?xml version="1.0" encoding="utf-8"?>
 <p:sld xmlns:a="http://schemas.openxmlformats.org/drawingml/2006/main" xmlns:r="http://schemas.openxmlformats.org/officeDocument/2006/relationships" xmlns:p="http://schemas.openxmlformats.org/presentationml/2006/main">
   <p:cSld>
     <p:spTree>
@@ -7969,7 +8340,7 @@
 </p:sld>
 </file>
 
-<file path=ppt/slides/slide18.xml><?xml version="1.0" encoding="utf-8"?>
+<file path=ppt/slides/slide19.xml><?xml version="1.0" encoding="utf-8"?>
 <p:sld xmlns:a="http://schemas.openxmlformats.org/drawingml/2006/main" xmlns:r="http://schemas.openxmlformats.org/officeDocument/2006/relationships" xmlns:p="http://schemas.openxmlformats.org/presentationml/2006/main">
   <p:cSld>
     <p:spTree>
@@ -9361,7 +9732,11 @@
             <a:pPr algn="ctr"/>
             <a:r>
               <a:rPr lang="en-US" altLang="ko-KR" sz="1100" dirty="0" err="1" smtClean="0"/>
-              <a:t>SlavesInfoMsg</a:t>
+              <a:t>Pivot</a:t>
+            </a:r>
+            <a:r>
+              <a:rPr lang="en-US" altLang="ko-KR" sz="1100" dirty="0" err="1" smtClean="0"/>
+              <a:t>Msg</a:t>
             </a:r>
             <a:endParaRPr lang="ko-KR" altLang="en-US" sz="1100" dirty="0"/>
           </a:p>
@@ -9413,1576 +9788,6 @@
     <p:extLst>
       <p:ext uri="{BB962C8B-B14F-4D97-AF65-F5344CB8AC3E}">
         <p14:creationId xmlns:p14="http://schemas.microsoft.com/office/powerpoint/2010/main" val="2837381795"/>
-      </p:ext>
-    </p:extLst>
-  </p:cSld>
-  <p:clrMapOvr>
-    <a:masterClrMapping/>
-  </p:clrMapOvr>
-  <p:timing>
-    <p:tnLst>
-      <p:par>
-        <p:cTn id="1" dur="indefinite" restart="never" nodeType="tmRoot"/>
-      </p:par>
-    </p:tnLst>
-  </p:timing>
-</p:sld>
-</file>
-
-<file path=ppt/slides/slide19.xml><?xml version="1.0" encoding="utf-8"?>
-<p:sld xmlns:a="http://schemas.openxmlformats.org/drawingml/2006/main" xmlns:r="http://schemas.openxmlformats.org/officeDocument/2006/relationships" xmlns:p="http://schemas.openxmlformats.org/presentationml/2006/main">
-  <p:cSld>
-    <p:spTree>
-      <p:nvGrpSpPr>
-        <p:cNvPr id="1" name=""/>
-        <p:cNvGrpSpPr/>
-        <p:nvPr/>
-      </p:nvGrpSpPr>
-      <p:grpSpPr>
-        <a:xfrm>
-          <a:off x="0" y="0"/>
-          <a:ext cx="0" cy="0"/>
-          <a:chOff x="0" y="0"/>
-          <a:chExt cx="0" cy="0"/>
-        </a:xfrm>
-      </p:grpSpPr>
-      <p:sp>
-        <p:nvSpPr>
-          <p:cNvPr id="2" name="제목 1"/>
-          <p:cNvSpPr>
-            <a:spLocks noGrp="1"/>
-          </p:cNvSpPr>
-          <p:nvPr>
-            <p:ph type="title"/>
-          </p:nvPr>
-        </p:nvSpPr>
-        <p:spPr>
-          <a:xfrm>
-            <a:off x="9733411" y="264500"/>
-            <a:ext cx="2026619" cy="1325563"/>
-          </a:xfrm>
-        </p:spPr>
-        <p:txBody>
-          <a:bodyPr/>
-          <a:lstStyle/>
-          <a:p>
-            <a:r>
-              <a:rPr lang="en-US" altLang="ko-KR" dirty="0" smtClean="0"/>
-              <a:t>Slave</a:t>
-            </a:r>
-            <a:endParaRPr lang="ko-KR" altLang="en-US" dirty="0"/>
-          </a:p>
-        </p:txBody>
-      </p:sp>
-      <p:sp>
-        <p:nvSpPr>
-          <p:cNvPr id="58" name="모서리가 둥근 직사각형 57"/>
-          <p:cNvSpPr/>
-          <p:nvPr/>
-        </p:nvSpPr>
-        <p:spPr>
-          <a:xfrm>
-            <a:off x="2083080" y="1782178"/>
-            <a:ext cx="986561" cy="347739"/>
-          </a:xfrm>
-          <a:prstGeom prst="roundRect">
-            <a:avLst/>
-          </a:prstGeom>
-          <a:ln>
-            <a:headEnd type="none" w="med" len="med"/>
-            <a:tailEnd type="none" w="med" len="med"/>
-          </a:ln>
-        </p:spPr>
-        <p:style>
-          <a:lnRef idx="2">
-            <a:schemeClr val="accent3"/>
-          </a:lnRef>
-          <a:fillRef idx="1">
-            <a:schemeClr val="lt1"/>
-          </a:fillRef>
-          <a:effectRef idx="0">
-            <a:schemeClr val="accent3"/>
-          </a:effectRef>
-          <a:fontRef idx="minor">
-            <a:schemeClr val="dk1"/>
-          </a:fontRef>
-        </p:style>
-        <p:txBody>
-          <a:bodyPr rtlCol="0" anchor="ctr"/>
-          <a:lstStyle/>
-          <a:p>
-            <a:pPr algn="ctr"/>
-            <a:r>
-              <a:rPr lang="en-US" altLang="ko-KR" dirty="0" smtClean="0"/>
-              <a:t>Sample</a:t>
-            </a:r>
-            <a:endParaRPr lang="ko-KR" altLang="en-US" dirty="0"/>
-          </a:p>
-        </p:txBody>
-      </p:sp>
-      <p:sp>
-        <p:nvSpPr>
-          <p:cNvPr id="111" name="모서리가 둥근 직사각형 110"/>
-          <p:cNvSpPr/>
-          <p:nvPr/>
-        </p:nvSpPr>
-        <p:spPr>
-          <a:xfrm>
-            <a:off x="1735818" y="2161170"/>
-            <a:ext cx="1681083" cy="423206"/>
-          </a:xfrm>
-          <a:prstGeom prst="roundRect">
-            <a:avLst/>
-          </a:prstGeom>
-          <a:solidFill>
-            <a:schemeClr val="accent6">
-              <a:lumMod val="75000"/>
-            </a:schemeClr>
-          </a:solidFill>
-          <a:ln/>
-        </p:spPr>
-        <p:style>
-          <a:lnRef idx="3">
-            <a:schemeClr val="lt1"/>
-          </a:lnRef>
-          <a:fillRef idx="1">
-            <a:schemeClr val="accent1"/>
-          </a:fillRef>
-          <a:effectRef idx="1">
-            <a:schemeClr val="accent1"/>
-          </a:effectRef>
-          <a:fontRef idx="minor">
-            <a:schemeClr val="lt1"/>
-          </a:fontRef>
-        </p:style>
-        <p:txBody>
-          <a:bodyPr rtlCol="0" anchor="ctr"/>
-          <a:lstStyle/>
-          <a:p>
-            <a:pPr algn="ctr"/>
-            <a:r>
-              <a:rPr lang="en-US" altLang="ko-KR" sz="1100" dirty="0" smtClean="0"/>
-              <a:t>Create </a:t>
-            </a:r>
-            <a:r>
-              <a:rPr lang="en-US" altLang="ko-KR" sz="1100" dirty="0" err="1" smtClean="0"/>
-              <a:t>MasterHandler</a:t>
-            </a:r>
-            <a:endParaRPr lang="en-US" altLang="ko-KR" sz="1100" dirty="0" smtClean="0"/>
-          </a:p>
-          <a:p>
-            <a:pPr algn="ctr"/>
-            <a:r>
-              <a:rPr lang="en-US" altLang="ko-KR" sz="1100" dirty="0" smtClean="0"/>
-              <a:t>Create Sampler</a:t>
-            </a:r>
-          </a:p>
-        </p:txBody>
-      </p:sp>
-      <p:cxnSp>
-        <p:nvCxnSpPr>
-          <p:cNvPr id="123" name="구부러진 연결선 122"/>
-          <p:cNvCxnSpPr>
-            <a:stCxn id="58" idx="3"/>
-            <a:endCxn id="124" idx="1"/>
-          </p:cNvCxnSpPr>
-          <p:nvPr/>
-        </p:nvCxnSpPr>
-        <p:spPr>
-          <a:xfrm>
-            <a:off x="3069641" y="1956048"/>
-            <a:ext cx="1888939" cy="2931303"/>
-          </a:xfrm>
-          <a:prstGeom prst="curvedConnector3">
-            <a:avLst/>
-          </a:prstGeom>
-          <a:ln>
-            <a:tailEnd type="triangle"/>
-          </a:ln>
-        </p:spPr>
-        <p:style>
-          <a:lnRef idx="1">
-            <a:schemeClr val="accent1"/>
-          </a:lnRef>
-          <a:fillRef idx="0">
-            <a:schemeClr val="accent1"/>
-          </a:fillRef>
-          <a:effectRef idx="0">
-            <a:schemeClr val="accent1"/>
-          </a:effectRef>
-          <a:fontRef idx="minor">
-            <a:schemeClr val="tx1"/>
-          </a:fontRef>
-        </p:style>
-      </p:cxnSp>
-      <p:sp>
-        <p:nvSpPr>
-          <p:cNvPr id="124" name="모서리가 둥근 직사각형 123"/>
-          <p:cNvSpPr/>
-          <p:nvPr/>
-        </p:nvSpPr>
-        <p:spPr>
-          <a:xfrm>
-            <a:off x="4958580" y="4713481"/>
-            <a:ext cx="1186896" cy="347739"/>
-          </a:xfrm>
-          <a:prstGeom prst="roundRect">
-            <a:avLst/>
-          </a:prstGeom>
-          <a:ln>
-            <a:headEnd type="none" w="med" len="med"/>
-            <a:tailEnd type="none" w="med" len="med"/>
-          </a:ln>
-        </p:spPr>
-        <p:style>
-          <a:lnRef idx="2">
-            <a:schemeClr val="accent3"/>
-          </a:lnRef>
-          <a:fillRef idx="1">
-            <a:schemeClr val="lt1"/>
-          </a:fillRef>
-          <a:effectRef idx="0">
-            <a:schemeClr val="accent3"/>
-          </a:effectRef>
-          <a:fontRef idx="minor">
-            <a:schemeClr val="dk1"/>
-          </a:fontRef>
-        </p:style>
-        <p:txBody>
-          <a:bodyPr rtlCol="0" anchor="ctr"/>
-          <a:lstStyle/>
-          <a:p>
-            <a:pPr algn="ctr"/>
-            <a:r>
-              <a:rPr lang="en-US" altLang="ko-KR" dirty="0" smtClean="0"/>
-              <a:t>Compute</a:t>
-            </a:r>
-            <a:endParaRPr lang="ko-KR" altLang="en-US" dirty="0"/>
-          </a:p>
-        </p:txBody>
-      </p:sp>
-      <p:cxnSp>
-        <p:nvCxnSpPr>
-          <p:cNvPr id="135" name="구부러진 연결선 134"/>
-          <p:cNvCxnSpPr>
-            <a:stCxn id="124" idx="0"/>
-          </p:cNvCxnSpPr>
-          <p:nvPr/>
-        </p:nvCxnSpPr>
-        <p:spPr>
-          <a:xfrm rot="5400000" flipH="1" flipV="1">
-            <a:off x="5848752" y="4416757"/>
-            <a:ext cx="12700" cy="593448"/>
-          </a:xfrm>
-          <a:prstGeom prst="curvedConnector4">
-            <a:avLst>
-              <a:gd name="adj1" fmla="val 31157748"/>
-              <a:gd name="adj2" fmla="val 316131"/>
-            </a:avLst>
-          </a:prstGeom>
-          <a:ln>
-            <a:tailEnd type="triangle"/>
-          </a:ln>
-        </p:spPr>
-        <p:style>
-          <a:lnRef idx="1">
-            <a:schemeClr val="accent1"/>
-          </a:lnRef>
-          <a:fillRef idx="0">
-            <a:schemeClr val="accent1"/>
-          </a:fillRef>
-          <a:effectRef idx="0">
-            <a:schemeClr val="accent1"/>
-          </a:effectRef>
-          <a:fontRef idx="minor">
-            <a:schemeClr val="tx1"/>
-          </a:fontRef>
-        </p:style>
-      </p:cxnSp>
-      <p:sp>
-        <p:nvSpPr>
-          <p:cNvPr id="139" name="모서리가 둥근 직사각형 138"/>
-          <p:cNvSpPr/>
-          <p:nvPr/>
-        </p:nvSpPr>
-        <p:spPr>
-          <a:xfrm>
-            <a:off x="8848445" y="5708978"/>
-            <a:ext cx="1186896" cy="347739"/>
-          </a:xfrm>
-          <a:prstGeom prst="roundRect">
-            <a:avLst/>
-          </a:prstGeom>
-          <a:ln>
-            <a:headEnd type="none" w="med" len="med"/>
-            <a:tailEnd type="none" w="med" len="med"/>
-          </a:ln>
-        </p:spPr>
-        <p:style>
-          <a:lnRef idx="2">
-            <a:schemeClr val="accent3"/>
-          </a:lnRef>
-          <a:fillRef idx="1">
-            <a:schemeClr val="lt1"/>
-          </a:fillRef>
-          <a:effectRef idx="0">
-            <a:schemeClr val="accent3"/>
-          </a:effectRef>
-          <a:fontRef idx="minor">
-            <a:schemeClr val="dk1"/>
-          </a:fontRef>
-        </p:style>
-        <p:txBody>
-          <a:bodyPr rtlCol="0" anchor="ctr"/>
-          <a:lstStyle/>
-          <a:p>
-            <a:pPr algn="ctr"/>
-            <a:r>
-              <a:rPr lang="en-US" altLang="ko-KR" dirty="0" smtClean="0"/>
-              <a:t>Success</a:t>
-            </a:r>
-            <a:endParaRPr lang="ko-KR" altLang="en-US" dirty="0"/>
-          </a:p>
-        </p:txBody>
-      </p:sp>
-      <p:cxnSp>
-        <p:nvCxnSpPr>
-          <p:cNvPr id="140" name="구부러진 연결선 139"/>
-          <p:cNvCxnSpPr>
-            <a:stCxn id="124" idx="3"/>
-            <a:endCxn id="139" idx="1"/>
-          </p:cNvCxnSpPr>
-          <p:nvPr/>
-        </p:nvCxnSpPr>
-        <p:spPr>
-          <a:xfrm>
-            <a:off x="6145476" y="4887351"/>
-            <a:ext cx="2702969" cy="995497"/>
-          </a:xfrm>
-          <a:prstGeom prst="curvedConnector3">
-            <a:avLst/>
-          </a:prstGeom>
-          <a:ln>
-            <a:tailEnd type="triangle"/>
-          </a:ln>
-        </p:spPr>
-        <p:style>
-          <a:lnRef idx="1">
-            <a:schemeClr val="accent1"/>
-          </a:lnRef>
-          <a:fillRef idx="0">
-            <a:schemeClr val="accent1"/>
-          </a:fillRef>
-          <a:effectRef idx="0">
-            <a:schemeClr val="accent1"/>
-          </a:effectRef>
-          <a:fontRef idx="minor">
-            <a:schemeClr val="tx1"/>
-          </a:fontRef>
-        </p:style>
-      </p:cxnSp>
-      <p:sp>
-        <p:nvSpPr>
-          <p:cNvPr id="144" name="모서리가 둥근 직사각형 143"/>
-          <p:cNvSpPr/>
-          <p:nvPr/>
-        </p:nvSpPr>
-        <p:spPr>
-          <a:xfrm>
-            <a:off x="8503033" y="6085865"/>
-            <a:ext cx="1877720" cy="275808"/>
-          </a:xfrm>
-          <a:prstGeom prst="roundRect">
-            <a:avLst/>
-          </a:prstGeom>
-          <a:solidFill>
-            <a:schemeClr val="accent6">
-              <a:lumMod val="75000"/>
-            </a:schemeClr>
-          </a:solidFill>
-          <a:ln/>
-        </p:spPr>
-        <p:style>
-          <a:lnRef idx="3">
-            <a:schemeClr val="lt1"/>
-          </a:lnRef>
-          <a:fillRef idx="1">
-            <a:schemeClr val="accent1"/>
-          </a:fillRef>
-          <a:effectRef idx="1">
-            <a:schemeClr val="accent1"/>
-          </a:effectRef>
-          <a:fontRef idx="minor">
-            <a:schemeClr val="lt1"/>
-          </a:fontRef>
-        </p:style>
-        <p:txBody>
-          <a:bodyPr rtlCol="0" anchor="ctr"/>
-          <a:lstStyle/>
-          <a:p>
-            <a:pPr algn="ctr"/>
-            <a:r>
-              <a:rPr lang="en-US" altLang="ko-KR" sz="1100" dirty="0" smtClean="0"/>
-              <a:t>Close all sockets</a:t>
-            </a:r>
-          </a:p>
-        </p:txBody>
-      </p:sp>
-      <p:sp>
-        <p:nvSpPr>
-          <p:cNvPr id="47" name="모서리가 둥근 직사각형 46"/>
-          <p:cNvSpPr/>
-          <p:nvPr/>
-        </p:nvSpPr>
-        <p:spPr>
-          <a:xfrm>
-            <a:off x="3137514" y="2700551"/>
-            <a:ext cx="2134950" cy="268755"/>
-          </a:xfrm>
-          <a:prstGeom prst="roundRect">
-            <a:avLst/>
-          </a:prstGeom>
-          <a:solidFill>
-            <a:srgbClr val="00B050"/>
-          </a:solidFill>
-          <a:ln>
-            <a:noFill/>
-          </a:ln>
-        </p:spPr>
-        <p:style>
-          <a:lnRef idx="0">
-            <a:scrgbClr r="0" g="0" b="0"/>
-          </a:lnRef>
-          <a:fillRef idx="0">
-            <a:scrgbClr r="0" g="0" b="0"/>
-          </a:fillRef>
-          <a:effectRef idx="0">
-            <a:scrgbClr r="0" g="0" b="0"/>
-          </a:effectRef>
-          <a:fontRef idx="minor">
-            <a:schemeClr val="lt1"/>
-          </a:fontRef>
-        </p:style>
-        <p:txBody>
-          <a:bodyPr rtlCol="0" anchor="ctr"/>
-          <a:lstStyle/>
-          <a:p>
-            <a:r>
-              <a:rPr lang="en-US" altLang="ko-KR" sz="1100" dirty="0" smtClean="0"/>
-              <a:t>- Send </a:t>
-            </a:r>
-            <a:r>
-              <a:rPr lang="en-US" altLang="ko-KR" sz="1100" dirty="0" err="1" smtClean="0"/>
-              <a:t>SampleMsg</a:t>
-            </a:r>
-            <a:r>
-              <a:rPr lang="en-US" altLang="ko-KR" sz="1100" dirty="0" smtClean="0"/>
-              <a:t> to Master</a:t>
-            </a:r>
-          </a:p>
-        </p:txBody>
-      </p:sp>
-      <p:sp>
-        <p:nvSpPr>
-          <p:cNvPr id="46" name="모서리가 둥근 직사각형 45"/>
-          <p:cNvSpPr/>
-          <p:nvPr/>
-        </p:nvSpPr>
-        <p:spPr>
-          <a:xfrm>
-            <a:off x="3451398" y="2519786"/>
-            <a:ext cx="1507182" cy="228208"/>
-          </a:xfrm>
-          <a:prstGeom prst="roundRect">
-            <a:avLst/>
-          </a:prstGeom>
-        </p:spPr>
-        <p:style>
-          <a:lnRef idx="1">
-            <a:schemeClr val="accent3"/>
-          </a:lnRef>
-          <a:fillRef idx="2">
-            <a:schemeClr val="accent3"/>
-          </a:fillRef>
-          <a:effectRef idx="1">
-            <a:schemeClr val="accent3"/>
-          </a:effectRef>
-          <a:fontRef idx="minor">
-            <a:schemeClr val="dk1"/>
-          </a:fontRef>
-        </p:style>
-        <p:txBody>
-          <a:bodyPr rtlCol="0" anchor="ctr"/>
-          <a:lstStyle/>
-          <a:p>
-            <a:pPr algn="ctr"/>
-            <a:r>
-              <a:rPr lang="en-US" altLang="ko-KR" sz="1100" dirty="0" err="1" smtClean="0"/>
-              <a:t>SampleMsg</a:t>
-            </a:r>
-            <a:endParaRPr lang="ko-KR" altLang="en-US" sz="1100" dirty="0"/>
-          </a:p>
-        </p:txBody>
-      </p:sp>
-      <p:sp>
-        <p:nvSpPr>
-          <p:cNvPr id="117" name="모서리가 둥근 직사각형 116"/>
-          <p:cNvSpPr/>
-          <p:nvPr/>
-        </p:nvSpPr>
-        <p:spPr>
-          <a:xfrm>
-            <a:off x="6439824" y="1132188"/>
-            <a:ext cx="2106360" cy="398692"/>
-          </a:xfrm>
-          <a:prstGeom prst="roundRect">
-            <a:avLst/>
-          </a:prstGeom>
-          <a:solidFill>
-            <a:srgbClr val="00B050"/>
-          </a:solidFill>
-          <a:ln>
-            <a:noFill/>
-          </a:ln>
-        </p:spPr>
-        <p:style>
-          <a:lnRef idx="0">
-            <a:scrgbClr r="0" g="0" b="0"/>
-          </a:lnRef>
-          <a:fillRef idx="0">
-            <a:scrgbClr r="0" g="0" b="0"/>
-          </a:fillRef>
-          <a:effectRef idx="0">
-            <a:scrgbClr r="0" g="0" b="0"/>
-          </a:effectRef>
-          <a:fontRef idx="minor">
-            <a:schemeClr val="lt1"/>
-          </a:fontRef>
-        </p:style>
-        <p:txBody>
-          <a:bodyPr rtlCol="0" anchor="ctr"/>
-          <a:lstStyle/>
-          <a:p>
-            <a:pPr marL="171450" indent="-171450">
-              <a:buFontTx/>
-              <a:buChar char="-"/>
-            </a:pPr>
-            <a:r>
-              <a:rPr lang="en-US" altLang="ko-KR" sz="1100" dirty="0" smtClean="0"/>
-              <a:t>Create </a:t>
-            </a:r>
-            <a:r>
-              <a:rPr lang="en-US" altLang="ko-KR" sz="1100" dirty="0" err="1" smtClean="0"/>
-              <a:t>PartitionListener</a:t>
-            </a:r>
-            <a:endParaRPr lang="en-US" altLang="ko-KR" sz="1100" dirty="0" smtClean="0"/>
-          </a:p>
-          <a:p>
-            <a:pPr marL="171450" indent="-171450">
-              <a:buFontTx/>
-              <a:buChar char="-"/>
-            </a:pPr>
-            <a:r>
-              <a:rPr lang="en-US" altLang="ko-KR" sz="1100" dirty="0" smtClean="0"/>
-              <a:t>Create </a:t>
-            </a:r>
-            <a:r>
-              <a:rPr lang="en-US" altLang="ko-KR" sz="1100" dirty="0" err="1" smtClean="0"/>
-              <a:t>Partitioner</a:t>
-            </a:r>
-            <a:r>
-              <a:rPr lang="en-US" altLang="ko-KR" sz="1100" dirty="0" smtClean="0"/>
-              <a:t> + Sorter</a:t>
-            </a:r>
-          </a:p>
-        </p:txBody>
-      </p:sp>
-      <p:sp>
-        <p:nvSpPr>
-          <p:cNvPr id="54" name="모서리가 둥근 직사각형 53"/>
-          <p:cNvSpPr/>
-          <p:nvPr/>
-        </p:nvSpPr>
-        <p:spPr>
-          <a:xfrm>
-            <a:off x="6658989" y="918962"/>
-            <a:ext cx="1507182" cy="235585"/>
-          </a:xfrm>
-          <a:prstGeom prst="roundRect">
-            <a:avLst/>
-          </a:prstGeom>
-        </p:spPr>
-        <p:style>
-          <a:lnRef idx="1">
-            <a:schemeClr val="accent1"/>
-          </a:lnRef>
-          <a:fillRef idx="2">
-            <a:schemeClr val="accent1"/>
-          </a:fillRef>
-          <a:effectRef idx="1">
-            <a:schemeClr val="accent1"/>
-          </a:effectRef>
-          <a:fontRef idx="minor">
-            <a:schemeClr val="dk1"/>
-          </a:fontRef>
-        </p:style>
-        <p:txBody>
-          <a:bodyPr rtlCol="0" anchor="ctr"/>
-          <a:lstStyle/>
-          <a:p>
-            <a:pPr algn="ctr"/>
-            <a:r>
-              <a:rPr lang="en-US" altLang="ko-KR" sz="1100" dirty="0" err="1" smtClean="0"/>
-              <a:t>SlavesInfoMsg</a:t>
-            </a:r>
-            <a:endParaRPr lang="ko-KR" altLang="en-US" sz="1100" dirty="0"/>
-          </a:p>
-        </p:txBody>
-      </p:sp>
-      <p:sp>
-        <p:nvSpPr>
-          <p:cNvPr id="70" name="모서리가 둥근 직사각형 69"/>
-          <p:cNvSpPr/>
-          <p:nvPr/>
-        </p:nvSpPr>
-        <p:spPr>
-          <a:xfrm>
-            <a:off x="6439824" y="2452680"/>
-            <a:ext cx="2106360" cy="263393"/>
-          </a:xfrm>
-          <a:prstGeom prst="roundRect">
-            <a:avLst/>
-          </a:prstGeom>
-          <a:solidFill>
-            <a:srgbClr val="00B050"/>
-          </a:solidFill>
-          <a:ln>
-            <a:noFill/>
-          </a:ln>
-        </p:spPr>
-        <p:style>
-          <a:lnRef idx="0">
-            <a:scrgbClr r="0" g="0" b="0"/>
-          </a:lnRef>
-          <a:fillRef idx="0">
-            <a:scrgbClr r="0" g="0" b="0"/>
-          </a:fillRef>
-          <a:effectRef idx="0">
-            <a:scrgbClr r="0" g="0" b="0"/>
-          </a:effectRef>
-          <a:fontRef idx="minor">
-            <a:schemeClr val="lt1"/>
-          </a:fontRef>
-        </p:style>
-        <p:txBody>
-          <a:bodyPr rtlCol="0" anchor="ctr"/>
-          <a:lstStyle/>
-          <a:p>
-            <a:pPr marL="171450" indent="-171450">
-              <a:buFontTx/>
-              <a:buChar char="-"/>
-            </a:pPr>
-            <a:r>
-              <a:rPr lang="en-US" altLang="ko-KR" sz="1100" dirty="0" smtClean="0"/>
-              <a:t>Create Shuffler</a:t>
-            </a:r>
-          </a:p>
-        </p:txBody>
-      </p:sp>
-      <p:sp>
-        <p:nvSpPr>
-          <p:cNvPr id="68" name="모서리가 둥근 직사각형 67"/>
-          <p:cNvSpPr/>
-          <p:nvPr/>
-        </p:nvSpPr>
-        <p:spPr>
-          <a:xfrm>
-            <a:off x="6439825" y="2224471"/>
-            <a:ext cx="2106360" cy="241416"/>
-          </a:xfrm>
-          <a:prstGeom prst="roundRect">
-            <a:avLst/>
-          </a:prstGeom>
-          <a:solidFill>
-            <a:schemeClr val="accent4">
-              <a:lumMod val="75000"/>
-            </a:schemeClr>
-          </a:solidFill>
-          <a:ln>
-            <a:noFill/>
-          </a:ln>
-        </p:spPr>
-        <p:style>
-          <a:lnRef idx="0">
-            <a:scrgbClr r="0" g="0" b="0"/>
-          </a:lnRef>
-          <a:fillRef idx="0">
-            <a:scrgbClr r="0" g="0" b="0"/>
-          </a:fillRef>
-          <a:effectRef idx="0">
-            <a:scrgbClr r="0" g="0" b="0"/>
-          </a:effectRef>
-          <a:fontRef idx="minor">
-            <a:schemeClr val="lt1"/>
-          </a:fontRef>
-        </p:style>
-        <p:txBody>
-          <a:bodyPr rtlCol="0" anchor="ctr"/>
-          <a:lstStyle/>
-          <a:p>
-            <a:pPr algn="ctr"/>
-            <a:r>
-              <a:rPr lang="en-US" altLang="ko-KR" sz="1100" dirty="0" err="1" smtClean="0"/>
-              <a:t>ReceivedAllPartition</a:t>
-            </a:r>
-            <a:endParaRPr lang="en-US" altLang="ko-KR" sz="1100" dirty="0" smtClean="0"/>
-          </a:p>
-        </p:txBody>
-      </p:sp>
-      <p:sp>
-        <p:nvSpPr>
-          <p:cNvPr id="69" name="모서리가 둥근 직사각형 68"/>
-          <p:cNvSpPr/>
-          <p:nvPr/>
-        </p:nvSpPr>
-        <p:spPr>
-          <a:xfrm>
-            <a:off x="6439825" y="1824041"/>
-            <a:ext cx="2106360" cy="400430"/>
-          </a:xfrm>
-          <a:prstGeom prst="roundRect">
-            <a:avLst/>
-          </a:prstGeom>
-          <a:solidFill>
-            <a:srgbClr val="00B050"/>
-          </a:solidFill>
-          <a:ln>
-            <a:noFill/>
-          </a:ln>
-        </p:spPr>
-        <p:style>
-          <a:lnRef idx="0">
-            <a:scrgbClr r="0" g="0" b="0"/>
-          </a:lnRef>
-          <a:fillRef idx="0">
-            <a:scrgbClr r="0" g="0" b="0"/>
-          </a:fillRef>
-          <a:effectRef idx="0">
-            <a:scrgbClr r="0" g="0" b="0"/>
-          </a:effectRef>
-          <a:fontRef idx="minor">
-            <a:schemeClr val="lt1"/>
-          </a:fontRef>
-        </p:style>
-        <p:txBody>
-          <a:bodyPr rtlCol="0" anchor="ctr"/>
-          <a:lstStyle/>
-          <a:p>
-            <a:pPr marL="171450" indent="-171450">
-              <a:buFontTx/>
-              <a:buChar char="-"/>
-            </a:pPr>
-            <a:r>
-              <a:rPr lang="en-US" altLang="ko-KR" sz="1100" dirty="0" smtClean="0"/>
-              <a:t>Create </a:t>
-            </a:r>
-            <a:r>
-              <a:rPr lang="en-US" altLang="ko-KR" sz="1100" dirty="0" err="1" smtClean="0"/>
-              <a:t>PartitionSender</a:t>
-            </a:r>
-            <a:endParaRPr lang="en-US" altLang="ko-KR" sz="1100" dirty="0" smtClean="0"/>
-          </a:p>
-          <a:p>
-            <a:pPr marL="171450" indent="-171450">
-              <a:buFontTx/>
-              <a:buChar char="-"/>
-            </a:pPr>
-            <a:r>
-              <a:rPr lang="en-US" altLang="ko-KR" sz="1100" dirty="0" smtClean="0"/>
-              <a:t>Set </a:t>
-            </a:r>
-            <a:r>
-              <a:rPr lang="en-US" altLang="ko-KR" sz="1100" dirty="0" err="1" smtClean="0"/>
-              <a:t>sortingFinished</a:t>
-            </a:r>
-            <a:r>
-              <a:rPr lang="en-US" altLang="ko-KR" sz="1100" dirty="0" smtClean="0"/>
-              <a:t> = True</a:t>
-            </a:r>
-          </a:p>
-        </p:txBody>
-      </p:sp>
-      <p:sp>
-        <p:nvSpPr>
-          <p:cNvPr id="67" name="모서리가 둥근 직사각형 66"/>
-          <p:cNvSpPr/>
-          <p:nvPr/>
-        </p:nvSpPr>
-        <p:spPr>
-          <a:xfrm>
-            <a:off x="6658990" y="1626636"/>
-            <a:ext cx="1507182" cy="229231"/>
-          </a:xfrm>
-          <a:prstGeom prst="roundRect">
-            <a:avLst/>
-          </a:prstGeom>
-        </p:spPr>
-        <p:style>
-          <a:lnRef idx="1">
-            <a:schemeClr val="accent6"/>
-          </a:lnRef>
-          <a:fillRef idx="2">
-            <a:schemeClr val="accent6"/>
-          </a:fillRef>
-          <a:effectRef idx="1">
-            <a:schemeClr val="accent6"/>
-          </a:effectRef>
-          <a:fontRef idx="minor">
-            <a:schemeClr val="dk1"/>
-          </a:fontRef>
-        </p:style>
-        <p:txBody>
-          <a:bodyPr rtlCol="0" anchor="ctr"/>
-          <a:lstStyle/>
-          <a:p>
-            <a:pPr algn="ctr"/>
-            <a:r>
-              <a:rPr lang="en-US" altLang="ko-KR" sz="1100" dirty="0" err="1" smtClean="0"/>
-              <a:t>SortDoneMsg</a:t>
-            </a:r>
-            <a:endParaRPr lang="ko-KR" altLang="en-US" sz="1100" dirty="0"/>
-          </a:p>
-        </p:txBody>
-      </p:sp>
-      <p:sp>
-        <p:nvSpPr>
-          <p:cNvPr id="71" name="모서리가 둥근 직사각형 70"/>
-          <p:cNvSpPr/>
-          <p:nvPr/>
-        </p:nvSpPr>
-        <p:spPr>
-          <a:xfrm>
-            <a:off x="6428001" y="3486825"/>
-            <a:ext cx="2366957" cy="263393"/>
-          </a:xfrm>
-          <a:prstGeom prst="roundRect">
-            <a:avLst/>
-          </a:prstGeom>
-          <a:solidFill>
-            <a:srgbClr val="00B050"/>
-          </a:solidFill>
-          <a:ln>
-            <a:noFill/>
-          </a:ln>
-        </p:spPr>
-        <p:style>
-          <a:lnRef idx="0">
-            <a:scrgbClr r="0" g="0" b="0"/>
-          </a:lnRef>
-          <a:fillRef idx="0">
-            <a:scrgbClr r="0" g="0" b="0"/>
-          </a:fillRef>
-          <a:effectRef idx="0">
-            <a:scrgbClr r="0" g="0" b="0"/>
-          </a:effectRef>
-          <a:fontRef idx="minor">
-            <a:schemeClr val="lt1"/>
-          </a:fontRef>
-        </p:style>
-        <p:txBody>
-          <a:bodyPr rtlCol="0" anchor="ctr"/>
-          <a:lstStyle/>
-          <a:p>
-            <a:pPr marL="171450" indent="-171450">
-              <a:buFontTx/>
-              <a:buChar char="-"/>
-            </a:pPr>
-            <a:r>
-              <a:rPr lang="en-US" altLang="ko-KR" sz="1100" dirty="0" smtClean="0"/>
-              <a:t>Create Shuffler</a:t>
-            </a:r>
-          </a:p>
-        </p:txBody>
-      </p:sp>
-      <p:sp>
-        <p:nvSpPr>
-          <p:cNvPr id="73" name="모서리가 둥근 직사각형 72"/>
-          <p:cNvSpPr/>
-          <p:nvPr/>
-        </p:nvSpPr>
-        <p:spPr>
-          <a:xfrm>
-            <a:off x="6428002" y="3258616"/>
-            <a:ext cx="2366957" cy="241416"/>
-          </a:xfrm>
-          <a:prstGeom prst="roundRect">
-            <a:avLst/>
-          </a:prstGeom>
-          <a:solidFill>
-            <a:schemeClr val="accent4">
-              <a:lumMod val="75000"/>
-            </a:schemeClr>
-          </a:solidFill>
-          <a:ln>
-            <a:noFill/>
-          </a:ln>
-        </p:spPr>
-        <p:style>
-          <a:lnRef idx="0">
-            <a:scrgbClr r="0" g="0" b="0"/>
-          </a:lnRef>
-          <a:fillRef idx="0">
-            <a:scrgbClr r="0" g="0" b="0"/>
-          </a:fillRef>
-          <a:effectRef idx="0">
-            <a:scrgbClr r="0" g="0" b="0"/>
-          </a:effectRef>
-          <a:fontRef idx="minor">
-            <a:schemeClr val="lt1"/>
-          </a:fontRef>
-        </p:style>
-        <p:txBody>
-          <a:bodyPr rtlCol="0" anchor="ctr"/>
-          <a:lstStyle/>
-          <a:p>
-            <a:pPr algn="ctr"/>
-            <a:r>
-              <a:rPr lang="en-US" altLang="ko-KR" sz="1100" dirty="0" err="1" smtClean="0"/>
-              <a:t>sortingFinished</a:t>
-            </a:r>
-            <a:endParaRPr lang="en-US" altLang="ko-KR" sz="1100" dirty="0" smtClean="0"/>
-          </a:p>
-        </p:txBody>
-      </p:sp>
-      <p:sp>
-        <p:nvSpPr>
-          <p:cNvPr id="78" name="모서리가 둥근 직사각형 77"/>
-          <p:cNvSpPr/>
-          <p:nvPr/>
-        </p:nvSpPr>
-        <p:spPr>
-          <a:xfrm>
-            <a:off x="6428002" y="3019292"/>
-            <a:ext cx="2366958" cy="263393"/>
-          </a:xfrm>
-          <a:prstGeom prst="roundRect">
-            <a:avLst/>
-          </a:prstGeom>
-          <a:solidFill>
-            <a:srgbClr val="00B050"/>
-          </a:solidFill>
-          <a:ln>
-            <a:noFill/>
-          </a:ln>
-        </p:spPr>
-        <p:style>
-          <a:lnRef idx="0">
-            <a:scrgbClr r="0" g="0" b="0"/>
-          </a:lnRef>
-          <a:fillRef idx="0">
-            <a:scrgbClr r="0" g="0" b="0"/>
-          </a:fillRef>
-          <a:effectRef idx="0">
-            <a:scrgbClr r="0" g="0" b="0"/>
-          </a:effectRef>
-          <a:fontRef idx="minor">
-            <a:schemeClr val="lt1"/>
-          </a:fontRef>
-        </p:style>
-        <p:txBody>
-          <a:bodyPr rtlCol="0" anchor="ctr"/>
-          <a:lstStyle/>
-          <a:p>
-            <a:pPr marL="171450" indent="-171450">
-              <a:buFontTx/>
-              <a:buChar char="-"/>
-            </a:pPr>
-            <a:r>
-              <a:rPr lang="en-US" altLang="ko-KR" sz="1100" dirty="0" smtClean="0"/>
-              <a:t>Set </a:t>
-            </a:r>
-            <a:r>
-              <a:rPr lang="en-US" altLang="ko-KR" sz="1100" dirty="0" err="1" smtClean="0"/>
-              <a:t>receivedAllPartition</a:t>
-            </a:r>
-            <a:r>
-              <a:rPr lang="en-US" altLang="ko-KR" sz="1100" dirty="0" smtClean="0"/>
-              <a:t> = True</a:t>
-            </a:r>
-          </a:p>
-        </p:txBody>
-      </p:sp>
-      <p:sp>
-        <p:nvSpPr>
-          <p:cNvPr id="77" name="모서리가 둥근 직사각형 76"/>
-          <p:cNvSpPr/>
-          <p:nvPr/>
-        </p:nvSpPr>
-        <p:spPr>
-          <a:xfrm>
-            <a:off x="6583118" y="2834491"/>
-            <a:ext cx="1796130" cy="221108"/>
-          </a:xfrm>
-          <a:prstGeom prst="roundRect">
-            <a:avLst/>
-          </a:prstGeom>
-        </p:spPr>
-        <p:style>
-          <a:lnRef idx="1">
-            <a:schemeClr val="accent2"/>
-          </a:lnRef>
-          <a:fillRef idx="2">
-            <a:schemeClr val="accent2"/>
-          </a:fillRef>
-          <a:effectRef idx="1">
-            <a:schemeClr val="accent2"/>
-          </a:effectRef>
-          <a:fontRef idx="minor">
-            <a:schemeClr val="dk1"/>
-          </a:fontRef>
-        </p:style>
-        <p:txBody>
-          <a:bodyPr rtlCol="0" anchor="ctr"/>
-          <a:lstStyle/>
-          <a:p>
-            <a:pPr algn="ctr"/>
-            <a:r>
-              <a:rPr lang="en-US" altLang="ko-KR" sz="1100" dirty="0" err="1" smtClean="0"/>
-              <a:t>ReceivedAllPartitionMsg</a:t>
-            </a:r>
-            <a:endParaRPr lang="ko-KR" altLang="en-US" sz="1100" dirty="0"/>
-          </a:p>
-        </p:txBody>
-      </p:sp>
-      <p:sp>
-        <p:nvSpPr>
-          <p:cNvPr id="79" name="모서리가 둥근 직사각형 78"/>
-          <p:cNvSpPr/>
-          <p:nvPr/>
-        </p:nvSpPr>
-        <p:spPr>
-          <a:xfrm>
-            <a:off x="4457767" y="5109703"/>
-            <a:ext cx="2201222" cy="707277"/>
-          </a:xfrm>
-          <a:prstGeom prst="roundRect">
-            <a:avLst/>
-          </a:prstGeom>
-          <a:solidFill>
-            <a:schemeClr val="accent3"/>
-          </a:solidFill>
-          <a:ln>
-            <a:noFill/>
-          </a:ln>
-        </p:spPr>
-        <p:style>
-          <a:lnRef idx="0">
-            <a:scrgbClr r="0" g="0" b="0"/>
-          </a:lnRef>
-          <a:fillRef idx="0">
-            <a:scrgbClr r="0" g="0" b="0"/>
-          </a:fillRef>
-          <a:effectRef idx="0">
-            <a:scrgbClr r="0" g="0" b="0"/>
-          </a:effectRef>
-          <a:fontRef idx="minor">
-            <a:schemeClr val="lt1"/>
-          </a:fontRef>
-        </p:style>
-        <p:txBody>
-          <a:bodyPr rtlCol="0" anchor="ctr"/>
-          <a:lstStyle/>
-          <a:p>
-            <a:pPr algn="ctr"/>
-            <a:r>
-              <a:rPr lang="en-US" altLang="ko-KR" sz="1100" dirty="0" err="1" smtClean="0"/>
-              <a:t>sortingFinished</a:t>
-            </a:r>
-            <a:r>
-              <a:rPr lang="en-US" altLang="ko-KR" sz="1100" dirty="0" smtClean="0"/>
-              <a:t>: Boolean</a:t>
-            </a:r>
-          </a:p>
-          <a:p>
-            <a:pPr algn="ctr"/>
-            <a:r>
-              <a:rPr lang="en-US" altLang="ko-KR" sz="1100" dirty="0" err="1" smtClean="0"/>
-              <a:t>receivedAllPartition</a:t>
-            </a:r>
-            <a:r>
-              <a:rPr lang="en-US" altLang="ko-KR" sz="1100" dirty="0" smtClean="0"/>
-              <a:t>: Boolean</a:t>
-            </a:r>
-          </a:p>
-          <a:p>
-            <a:pPr algn="ctr"/>
-            <a:r>
-              <a:rPr lang="en-US" altLang="ko-KR" sz="1100" dirty="0" err="1" smtClean="0"/>
-              <a:t>sendedAll</a:t>
-            </a:r>
-            <a:r>
-              <a:rPr lang="en-US" altLang="ko-KR" sz="1100" dirty="0" smtClean="0"/>
-              <a:t>: Boolean</a:t>
-            </a:r>
-          </a:p>
-          <a:p>
-            <a:pPr algn="ctr"/>
-            <a:r>
-              <a:rPr lang="en-US" altLang="ko-KR" sz="1100" dirty="0" err="1" smtClean="0"/>
-              <a:t>shufflingFinished</a:t>
-            </a:r>
-            <a:r>
-              <a:rPr lang="en-US" altLang="ko-KR" sz="1100" dirty="0" smtClean="0"/>
-              <a:t>: Boolean</a:t>
-            </a:r>
-          </a:p>
-        </p:txBody>
-      </p:sp>
-      <p:sp>
-        <p:nvSpPr>
-          <p:cNvPr id="80" name="모서리가 둥근 직사각형 79"/>
-          <p:cNvSpPr/>
-          <p:nvPr/>
-        </p:nvSpPr>
-        <p:spPr>
-          <a:xfrm>
-            <a:off x="4443590" y="5845909"/>
-            <a:ext cx="2216876" cy="423375"/>
-          </a:xfrm>
-          <a:prstGeom prst="roundRect">
-            <a:avLst/>
-          </a:prstGeom>
-          <a:solidFill>
-            <a:schemeClr val="accent6">
-              <a:lumMod val="75000"/>
-            </a:schemeClr>
-          </a:solidFill>
-          <a:ln/>
-        </p:spPr>
-        <p:style>
-          <a:lnRef idx="3">
-            <a:schemeClr val="lt1"/>
-          </a:lnRef>
-          <a:fillRef idx="1">
-            <a:schemeClr val="accent1"/>
-          </a:fillRef>
-          <a:effectRef idx="1">
-            <a:schemeClr val="accent1"/>
-          </a:effectRef>
-          <a:fontRef idx="minor">
-            <a:schemeClr val="lt1"/>
-          </a:fontRef>
-        </p:style>
-        <p:txBody>
-          <a:bodyPr rtlCol="0" anchor="ctr"/>
-          <a:lstStyle/>
-          <a:p>
-            <a:pPr algn="ctr"/>
-            <a:r>
-              <a:rPr lang="en-US" altLang="ko-KR" sz="1100" dirty="0" err="1" smtClean="0"/>
-              <a:t>sortingFinished</a:t>
-            </a:r>
-            <a:r>
-              <a:rPr lang="en-US" altLang="ko-KR" sz="1100" dirty="0" smtClean="0"/>
-              <a:t> = False</a:t>
-            </a:r>
-          </a:p>
-          <a:p>
-            <a:pPr algn="ctr"/>
-            <a:r>
-              <a:rPr lang="en-US" altLang="ko-KR" sz="1100" dirty="0" err="1" smtClean="0"/>
-              <a:t>receivedAllPartition</a:t>
-            </a:r>
-            <a:r>
-              <a:rPr lang="en-US" altLang="ko-KR" sz="1100" dirty="0" smtClean="0"/>
-              <a:t> = False</a:t>
-            </a:r>
-          </a:p>
-        </p:txBody>
-      </p:sp>
-      <p:sp>
-        <p:nvSpPr>
-          <p:cNvPr id="84" name="모서리가 둥근 직사각형 83"/>
-          <p:cNvSpPr/>
-          <p:nvPr/>
-        </p:nvSpPr>
-        <p:spPr>
-          <a:xfrm>
-            <a:off x="6416180" y="4031862"/>
-            <a:ext cx="2366958" cy="263393"/>
-          </a:xfrm>
-          <a:prstGeom prst="roundRect">
-            <a:avLst/>
-          </a:prstGeom>
-          <a:solidFill>
-            <a:srgbClr val="00B050"/>
-          </a:solidFill>
-          <a:ln>
-            <a:noFill/>
-          </a:ln>
-        </p:spPr>
-        <p:style>
-          <a:lnRef idx="0">
-            <a:scrgbClr r="0" g="0" b="0"/>
-          </a:lnRef>
-          <a:fillRef idx="0">
-            <a:scrgbClr r="0" g="0" b="0"/>
-          </a:fillRef>
-          <a:effectRef idx="0">
-            <a:scrgbClr r="0" g="0" b="0"/>
-          </a:effectRef>
-          <a:fontRef idx="minor">
-            <a:schemeClr val="lt1"/>
-          </a:fontRef>
-        </p:style>
-        <p:txBody>
-          <a:bodyPr rtlCol="0" anchor="ctr"/>
-          <a:lstStyle/>
-          <a:p>
-            <a:pPr marL="171450" indent="-171450">
-              <a:buFontTx/>
-              <a:buChar char="-"/>
-            </a:pPr>
-            <a:r>
-              <a:rPr lang="en-US" altLang="ko-KR" sz="1100" dirty="0" smtClean="0"/>
-              <a:t>Set </a:t>
-            </a:r>
-            <a:r>
-              <a:rPr lang="en-US" altLang="ko-KR" sz="1100" dirty="0" err="1" smtClean="0"/>
-              <a:t>sendedAll</a:t>
-            </a:r>
-            <a:r>
-              <a:rPr lang="en-US" altLang="ko-KR" sz="1100" dirty="0" smtClean="0"/>
-              <a:t> = True</a:t>
-            </a:r>
-          </a:p>
-        </p:txBody>
-      </p:sp>
-      <p:sp>
-        <p:nvSpPr>
-          <p:cNvPr id="82" name="모서리가 둥근 직사각형 81"/>
-          <p:cNvSpPr/>
-          <p:nvPr/>
-        </p:nvSpPr>
-        <p:spPr>
-          <a:xfrm>
-            <a:off x="6583118" y="3837278"/>
-            <a:ext cx="1796130" cy="231914"/>
-          </a:xfrm>
-          <a:prstGeom prst="roundRect">
-            <a:avLst/>
-          </a:prstGeom>
-        </p:spPr>
-        <p:style>
-          <a:lnRef idx="1">
-            <a:schemeClr val="accent4"/>
-          </a:lnRef>
-          <a:fillRef idx="2">
-            <a:schemeClr val="accent4"/>
-          </a:fillRef>
-          <a:effectRef idx="1">
-            <a:schemeClr val="accent4"/>
-          </a:effectRef>
-          <a:fontRef idx="minor">
-            <a:schemeClr val="dk1"/>
-          </a:fontRef>
-        </p:style>
-        <p:txBody>
-          <a:bodyPr rtlCol="0" anchor="ctr"/>
-          <a:lstStyle/>
-          <a:p>
-            <a:pPr algn="ctr"/>
-            <a:r>
-              <a:rPr lang="en-US" altLang="ko-KR" sz="1100" dirty="0" err="1" smtClean="0"/>
-              <a:t>SendedAllPartitionMsg</a:t>
-            </a:r>
-            <a:endParaRPr lang="ko-KR" altLang="en-US" sz="1100" dirty="0"/>
-          </a:p>
-        </p:txBody>
-      </p:sp>
-      <p:sp>
-        <p:nvSpPr>
-          <p:cNvPr id="85" name="모서리가 둥근 직사각형 84"/>
-          <p:cNvSpPr/>
-          <p:nvPr/>
-        </p:nvSpPr>
-        <p:spPr>
-          <a:xfrm>
-            <a:off x="6428000" y="4583975"/>
-            <a:ext cx="2366958" cy="263393"/>
-          </a:xfrm>
-          <a:prstGeom prst="roundRect">
-            <a:avLst/>
-          </a:prstGeom>
-          <a:solidFill>
-            <a:srgbClr val="00B050"/>
-          </a:solidFill>
-          <a:ln>
-            <a:noFill/>
-          </a:ln>
-        </p:spPr>
-        <p:style>
-          <a:lnRef idx="0">
-            <a:scrgbClr r="0" g="0" b="0"/>
-          </a:lnRef>
-          <a:fillRef idx="0">
-            <a:scrgbClr r="0" g="0" b="0"/>
-          </a:fillRef>
-          <a:effectRef idx="0">
-            <a:scrgbClr r="0" g="0" b="0"/>
-          </a:effectRef>
-          <a:fontRef idx="minor">
-            <a:schemeClr val="lt1"/>
-          </a:fontRef>
-        </p:style>
-        <p:txBody>
-          <a:bodyPr rtlCol="0" anchor="ctr"/>
-          <a:lstStyle/>
-          <a:p>
-            <a:pPr marL="171450" indent="-171450">
-              <a:buFontTx/>
-              <a:buChar char="-"/>
-            </a:pPr>
-            <a:r>
-              <a:rPr lang="en-US" altLang="ko-KR" sz="1100" dirty="0" smtClean="0"/>
-              <a:t>Set </a:t>
-            </a:r>
-            <a:r>
-              <a:rPr lang="en-US" altLang="ko-KR" sz="1100" dirty="0" err="1" smtClean="0"/>
-              <a:t>shufflingFinished</a:t>
-            </a:r>
-            <a:r>
-              <a:rPr lang="en-US" altLang="ko-KR" sz="1100" dirty="0" smtClean="0"/>
-              <a:t> = True</a:t>
-            </a:r>
-          </a:p>
-        </p:txBody>
-      </p:sp>
-      <p:sp>
-        <p:nvSpPr>
-          <p:cNvPr id="83" name="모서리가 둥근 직사각형 82"/>
-          <p:cNvSpPr/>
-          <p:nvPr/>
-        </p:nvSpPr>
-        <p:spPr>
-          <a:xfrm>
-            <a:off x="6583118" y="4366718"/>
-            <a:ext cx="1796130" cy="231913"/>
-          </a:xfrm>
-          <a:prstGeom prst="roundRect">
-            <a:avLst/>
-          </a:prstGeom>
-        </p:spPr>
-        <p:style>
-          <a:lnRef idx="1">
-            <a:schemeClr val="dk1"/>
-          </a:lnRef>
-          <a:fillRef idx="2">
-            <a:schemeClr val="dk1"/>
-          </a:fillRef>
-          <a:effectRef idx="1">
-            <a:schemeClr val="dk1"/>
-          </a:effectRef>
-          <a:fontRef idx="minor">
-            <a:schemeClr val="dk1"/>
-          </a:fontRef>
-        </p:style>
-        <p:txBody>
-          <a:bodyPr rtlCol="0" anchor="ctr"/>
-          <a:lstStyle/>
-          <a:p>
-            <a:pPr algn="ctr"/>
-            <a:r>
-              <a:rPr lang="en-US" altLang="ko-KR" sz="1100" dirty="0" err="1" smtClean="0"/>
-              <a:t>ShufflingDoneMsg</a:t>
-            </a:r>
-            <a:endParaRPr lang="ko-KR" altLang="en-US" sz="1100" dirty="0"/>
-          </a:p>
-        </p:txBody>
-      </p:sp>
-      <p:sp>
-        <p:nvSpPr>
-          <p:cNvPr id="86" name="모서리가 둥근 직사각형 85"/>
-          <p:cNvSpPr/>
-          <p:nvPr/>
-        </p:nvSpPr>
-        <p:spPr>
-          <a:xfrm>
-            <a:off x="4451417" y="6305591"/>
-            <a:ext cx="2201222" cy="386819"/>
-          </a:xfrm>
-          <a:prstGeom prst="roundRect">
-            <a:avLst/>
-          </a:prstGeom>
-          <a:solidFill>
-            <a:srgbClr val="C00000"/>
-          </a:solidFill>
-          <a:ln>
-            <a:noFill/>
-          </a:ln>
-        </p:spPr>
-        <p:style>
-          <a:lnRef idx="0">
-            <a:scrgbClr r="0" g="0" b="0"/>
-          </a:lnRef>
-          <a:fillRef idx="0">
-            <a:scrgbClr r="0" g="0" b="0"/>
-          </a:fillRef>
-          <a:effectRef idx="0">
-            <a:scrgbClr r="0" g="0" b="0"/>
-          </a:effectRef>
-          <a:fontRef idx="minor">
-            <a:schemeClr val="lt1"/>
-          </a:fontRef>
-        </p:style>
-        <p:txBody>
-          <a:bodyPr rtlCol="0" anchor="ctr"/>
-          <a:lstStyle/>
-          <a:p>
-            <a:pPr algn="ctr"/>
-            <a:r>
-              <a:rPr lang="en-US" altLang="ko-KR" sz="1100" dirty="0" smtClean="0"/>
-              <a:t>! (</a:t>
-            </a:r>
-            <a:r>
-              <a:rPr lang="en-US" altLang="ko-KR" sz="1100" dirty="0" err="1" smtClean="0"/>
-              <a:t>sendedAll</a:t>
-            </a:r>
-            <a:r>
-              <a:rPr lang="en-US" altLang="ko-KR" sz="1100" dirty="0" smtClean="0"/>
-              <a:t> &amp;&amp; </a:t>
-            </a:r>
-            <a:r>
-              <a:rPr lang="en-US" altLang="ko-KR" sz="1100" dirty="0" err="1" smtClean="0"/>
-              <a:t>shufflingFinished</a:t>
-            </a:r>
-            <a:r>
-              <a:rPr lang="en-US" altLang="ko-KR" sz="1100" dirty="0" smtClean="0"/>
-              <a:t>)</a:t>
-            </a:r>
-          </a:p>
-        </p:txBody>
-      </p:sp>
-      <p:sp>
-        <p:nvSpPr>
-          <p:cNvPr id="90" name="모서리가 둥근 직사각형 89"/>
-          <p:cNvSpPr/>
-          <p:nvPr/>
-        </p:nvSpPr>
-        <p:spPr>
-          <a:xfrm>
-            <a:off x="6883578" y="5303571"/>
-            <a:ext cx="2614146" cy="284934"/>
-          </a:xfrm>
-          <a:prstGeom prst="roundRect">
-            <a:avLst/>
-          </a:prstGeom>
-          <a:solidFill>
-            <a:srgbClr val="00B050"/>
-          </a:solidFill>
-          <a:ln>
-            <a:noFill/>
-          </a:ln>
-        </p:spPr>
-        <p:style>
-          <a:lnRef idx="0">
-            <a:scrgbClr r="0" g="0" b="0"/>
-          </a:lnRef>
-          <a:fillRef idx="0">
-            <a:scrgbClr r="0" g="0" b="0"/>
-          </a:fillRef>
-          <a:effectRef idx="0">
-            <a:scrgbClr r="0" g="0" b="0"/>
-          </a:effectRef>
-          <a:fontRef idx="minor">
-            <a:schemeClr val="lt1"/>
-          </a:fontRef>
-        </p:style>
-        <p:txBody>
-          <a:bodyPr rtlCol="0" anchor="ctr"/>
-          <a:lstStyle/>
-          <a:p>
-            <a:pPr marL="171450" indent="-171450">
-              <a:buFontTx/>
-              <a:buChar char="-"/>
-            </a:pPr>
-            <a:r>
-              <a:rPr lang="en-US" altLang="ko-KR" sz="1100" dirty="0" smtClean="0"/>
-              <a:t>Send </a:t>
-            </a:r>
-            <a:r>
-              <a:rPr lang="en-US" altLang="ko-KR" sz="1100" dirty="0" err="1" smtClean="0"/>
-              <a:t>ComputeDoneMsg</a:t>
-            </a:r>
-            <a:r>
-              <a:rPr lang="en-US" altLang="ko-KR" sz="1100" dirty="0" smtClean="0"/>
-              <a:t> to Master</a:t>
-            </a:r>
-          </a:p>
-        </p:txBody>
-      </p:sp>
-      <p:sp>
-        <p:nvSpPr>
-          <p:cNvPr id="89" name="모서리가 둥근 직사각형 88"/>
-          <p:cNvSpPr/>
-          <p:nvPr/>
-        </p:nvSpPr>
-        <p:spPr>
-          <a:xfrm>
-            <a:off x="6883578" y="5068635"/>
-            <a:ext cx="2298613" cy="263570"/>
-          </a:xfrm>
-          <a:prstGeom prst="roundRect">
-            <a:avLst/>
-          </a:prstGeom>
-          <a:solidFill>
-            <a:schemeClr val="accent4">
-              <a:lumMod val="75000"/>
-            </a:schemeClr>
-          </a:solidFill>
-          <a:ln>
-            <a:noFill/>
-          </a:ln>
-        </p:spPr>
-        <p:style>
-          <a:lnRef idx="0">
-            <a:scrgbClr r="0" g="0" b="0"/>
-          </a:lnRef>
-          <a:fillRef idx="0">
-            <a:scrgbClr r="0" g="0" b="0"/>
-          </a:fillRef>
-          <a:effectRef idx="0">
-            <a:scrgbClr r="0" g="0" b="0"/>
-          </a:effectRef>
-          <a:fontRef idx="minor">
-            <a:schemeClr val="lt1"/>
-          </a:fontRef>
-        </p:style>
-        <p:txBody>
-          <a:bodyPr rtlCol="0" anchor="ctr"/>
-          <a:lstStyle/>
-          <a:p>
-            <a:pPr algn="ctr"/>
-            <a:r>
-              <a:rPr lang="en-US" altLang="ko-KR" sz="1100" dirty="0" err="1"/>
-              <a:t>sendedAll</a:t>
-            </a:r>
-            <a:r>
-              <a:rPr lang="en-US" altLang="ko-KR" sz="1100" dirty="0"/>
-              <a:t> &amp;&amp; </a:t>
-            </a:r>
-            <a:r>
-              <a:rPr lang="en-US" altLang="ko-KR" sz="1100" dirty="0" err="1"/>
-              <a:t>shufflingFinished</a:t>
-            </a:r>
-            <a:endParaRPr lang="en-US" altLang="ko-KR" sz="1100" dirty="0" smtClean="0"/>
-          </a:p>
-        </p:txBody>
-      </p:sp>
-    </p:spTree>
-    <p:extLst>
-      <p:ext uri="{BB962C8B-B14F-4D97-AF65-F5344CB8AC3E}">
-        <p14:creationId xmlns:p14="http://schemas.microsoft.com/office/powerpoint/2010/main" val="2565270862"/>
       </p:ext>
     </p:extLst>
   </p:cSld>
@@ -11094,6 +9899,1576 @@
         </p:nvSpPr>
         <p:spPr>
           <a:xfrm>
+            <a:off x="9733411" y="264500"/>
+            <a:ext cx="2026619" cy="1325563"/>
+          </a:xfrm>
+        </p:spPr>
+        <p:txBody>
+          <a:bodyPr/>
+          <a:lstStyle/>
+          <a:p>
+            <a:r>
+              <a:rPr lang="en-US" altLang="ko-KR" dirty="0" smtClean="0"/>
+              <a:t>Slave</a:t>
+            </a:r>
+            <a:endParaRPr lang="ko-KR" altLang="en-US" dirty="0"/>
+          </a:p>
+        </p:txBody>
+      </p:sp>
+      <p:sp>
+        <p:nvSpPr>
+          <p:cNvPr id="58" name="모서리가 둥근 직사각형 57"/>
+          <p:cNvSpPr/>
+          <p:nvPr/>
+        </p:nvSpPr>
+        <p:spPr>
+          <a:xfrm>
+            <a:off x="2083080" y="1782178"/>
+            <a:ext cx="986561" cy="347739"/>
+          </a:xfrm>
+          <a:prstGeom prst="roundRect">
+            <a:avLst/>
+          </a:prstGeom>
+          <a:ln>
+            <a:headEnd type="none" w="med" len="med"/>
+            <a:tailEnd type="none" w="med" len="med"/>
+          </a:ln>
+        </p:spPr>
+        <p:style>
+          <a:lnRef idx="2">
+            <a:schemeClr val="accent3"/>
+          </a:lnRef>
+          <a:fillRef idx="1">
+            <a:schemeClr val="lt1"/>
+          </a:fillRef>
+          <a:effectRef idx="0">
+            <a:schemeClr val="accent3"/>
+          </a:effectRef>
+          <a:fontRef idx="minor">
+            <a:schemeClr val="dk1"/>
+          </a:fontRef>
+        </p:style>
+        <p:txBody>
+          <a:bodyPr rtlCol="0" anchor="ctr"/>
+          <a:lstStyle/>
+          <a:p>
+            <a:pPr algn="ctr"/>
+            <a:r>
+              <a:rPr lang="en-US" altLang="ko-KR" dirty="0" smtClean="0"/>
+              <a:t>Sample</a:t>
+            </a:r>
+            <a:endParaRPr lang="ko-KR" altLang="en-US" dirty="0"/>
+          </a:p>
+        </p:txBody>
+      </p:sp>
+      <p:sp>
+        <p:nvSpPr>
+          <p:cNvPr id="111" name="모서리가 둥근 직사각형 110"/>
+          <p:cNvSpPr/>
+          <p:nvPr/>
+        </p:nvSpPr>
+        <p:spPr>
+          <a:xfrm>
+            <a:off x="1735818" y="2161170"/>
+            <a:ext cx="1681083" cy="423206"/>
+          </a:xfrm>
+          <a:prstGeom prst="roundRect">
+            <a:avLst/>
+          </a:prstGeom>
+          <a:solidFill>
+            <a:schemeClr val="accent6">
+              <a:lumMod val="75000"/>
+            </a:schemeClr>
+          </a:solidFill>
+          <a:ln/>
+        </p:spPr>
+        <p:style>
+          <a:lnRef idx="3">
+            <a:schemeClr val="lt1"/>
+          </a:lnRef>
+          <a:fillRef idx="1">
+            <a:schemeClr val="accent1"/>
+          </a:fillRef>
+          <a:effectRef idx="1">
+            <a:schemeClr val="accent1"/>
+          </a:effectRef>
+          <a:fontRef idx="minor">
+            <a:schemeClr val="lt1"/>
+          </a:fontRef>
+        </p:style>
+        <p:txBody>
+          <a:bodyPr rtlCol="0" anchor="ctr"/>
+          <a:lstStyle/>
+          <a:p>
+            <a:pPr algn="ctr"/>
+            <a:r>
+              <a:rPr lang="en-US" altLang="ko-KR" sz="1100" dirty="0" smtClean="0"/>
+              <a:t>Create </a:t>
+            </a:r>
+            <a:r>
+              <a:rPr lang="en-US" altLang="ko-KR" sz="1100" dirty="0" err="1" smtClean="0"/>
+              <a:t>MasterHandler</a:t>
+            </a:r>
+            <a:endParaRPr lang="en-US" altLang="ko-KR" sz="1100" dirty="0" smtClean="0"/>
+          </a:p>
+          <a:p>
+            <a:pPr algn="ctr"/>
+            <a:r>
+              <a:rPr lang="en-US" altLang="ko-KR" sz="1100" dirty="0" smtClean="0"/>
+              <a:t>Create Sampler</a:t>
+            </a:r>
+          </a:p>
+        </p:txBody>
+      </p:sp>
+      <p:cxnSp>
+        <p:nvCxnSpPr>
+          <p:cNvPr id="123" name="구부러진 연결선 122"/>
+          <p:cNvCxnSpPr>
+            <a:stCxn id="58" idx="3"/>
+            <a:endCxn id="124" idx="1"/>
+          </p:cNvCxnSpPr>
+          <p:nvPr/>
+        </p:nvCxnSpPr>
+        <p:spPr>
+          <a:xfrm>
+            <a:off x="3069641" y="1956048"/>
+            <a:ext cx="1888939" cy="2931303"/>
+          </a:xfrm>
+          <a:prstGeom prst="curvedConnector3">
+            <a:avLst/>
+          </a:prstGeom>
+          <a:ln>
+            <a:tailEnd type="triangle"/>
+          </a:ln>
+        </p:spPr>
+        <p:style>
+          <a:lnRef idx="1">
+            <a:schemeClr val="accent1"/>
+          </a:lnRef>
+          <a:fillRef idx="0">
+            <a:schemeClr val="accent1"/>
+          </a:fillRef>
+          <a:effectRef idx="0">
+            <a:schemeClr val="accent1"/>
+          </a:effectRef>
+          <a:fontRef idx="minor">
+            <a:schemeClr val="tx1"/>
+          </a:fontRef>
+        </p:style>
+      </p:cxnSp>
+      <p:sp>
+        <p:nvSpPr>
+          <p:cNvPr id="124" name="모서리가 둥근 직사각형 123"/>
+          <p:cNvSpPr/>
+          <p:nvPr/>
+        </p:nvSpPr>
+        <p:spPr>
+          <a:xfrm>
+            <a:off x="4958580" y="4713481"/>
+            <a:ext cx="1186896" cy="347739"/>
+          </a:xfrm>
+          <a:prstGeom prst="roundRect">
+            <a:avLst/>
+          </a:prstGeom>
+          <a:ln>
+            <a:headEnd type="none" w="med" len="med"/>
+            <a:tailEnd type="none" w="med" len="med"/>
+          </a:ln>
+        </p:spPr>
+        <p:style>
+          <a:lnRef idx="2">
+            <a:schemeClr val="accent3"/>
+          </a:lnRef>
+          <a:fillRef idx="1">
+            <a:schemeClr val="lt1"/>
+          </a:fillRef>
+          <a:effectRef idx="0">
+            <a:schemeClr val="accent3"/>
+          </a:effectRef>
+          <a:fontRef idx="minor">
+            <a:schemeClr val="dk1"/>
+          </a:fontRef>
+        </p:style>
+        <p:txBody>
+          <a:bodyPr rtlCol="0" anchor="ctr"/>
+          <a:lstStyle/>
+          <a:p>
+            <a:pPr algn="ctr"/>
+            <a:r>
+              <a:rPr lang="en-US" altLang="ko-KR" dirty="0" smtClean="0"/>
+              <a:t>Compute</a:t>
+            </a:r>
+            <a:endParaRPr lang="ko-KR" altLang="en-US" dirty="0"/>
+          </a:p>
+        </p:txBody>
+      </p:sp>
+      <p:cxnSp>
+        <p:nvCxnSpPr>
+          <p:cNvPr id="135" name="구부러진 연결선 134"/>
+          <p:cNvCxnSpPr>
+            <a:stCxn id="124" idx="0"/>
+          </p:cNvCxnSpPr>
+          <p:nvPr/>
+        </p:nvCxnSpPr>
+        <p:spPr>
+          <a:xfrm rot="5400000" flipH="1" flipV="1">
+            <a:off x="5848752" y="4416757"/>
+            <a:ext cx="12700" cy="593448"/>
+          </a:xfrm>
+          <a:prstGeom prst="curvedConnector4">
+            <a:avLst>
+              <a:gd name="adj1" fmla="val 31157748"/>
+              <a:gd name="adj2" fmla="val 316131"/>
+            </a:avLst>
+          </a:prstGeom>
+          <a:ln>
+            <a:tailEnd type="triangle"/>
+          </a:ln>
+        </p:spPr>
+        <p:style>
+          <a:lnRef idx="1">
+            <a:schemeClr val="accent1"/>
+          </a:lnRef>
+          <a:fillRef idx="0">
+            <a:schemeClr val="accent1"/>
+          </a:fillRef>
+          <a:effectRef idx="0">
+            <a:schemeClr val="accent1"/>
+          </a:effectRef>
+          <a:fontRef idx="minor">
+            <a:schemeClr val="tx1"/>
+          </a:fontRef>
+        </p:style>
+      </p:cxnSp>
+      <p:sp>
+        <p:nvSpPr>
+          <p:cNvPr id="139" name="모서리가 둥근 직사각형 138"/>
+          <p:cNvSpPr/>
+          <p:nvPr/>
+        </p:nvSpPr>
+        <p:spPr>
+          <a:xfrm>
+            <a:off x="8848445" y="5708978"/>
+            <a:ext cx="1186896" cy="347739"/>
+          </a:xfrm>
+          <a:prstGeom prst="roundRect">
+            <a:avLst/>
+          </a:prstGeom>
+          <a:ln>
+            <a:headEnd type="none" w="med" len="med"/>
+            <a:tailEnd type="none" w="med" len="med"/>
+          </a:ln>
+        </p:spPr>
+        <p:style>
+          <a:lnRef idx="2">
+            <a:schemeClr val="accent3"/>
+          </a:lnRef>
+          <a:fillRef idx="1">
+            <a:schemeClr val="lt1"/>
+          </a:fillRef>
+          <a:effectRef idx="0">
+            <a:schemeClr val="accent3"/>
+          </a:effectRef>
+          <a:fontRef idx="minor">
+            <a:schemeClr val="dk1"/>
+          </a:fontRef>
+        </p:style>
+        <p:txBody>
+          <a:bodyPr rtlCol="0" anchor="ctr"/>
+          <a:lstStyle/>
+          <a:p>
+            <a:pPr algn="ctr"/>
+            <a:r>
+              <a:rPr lang="en-US" altLang="ko-KR" dirty="0" smtClean="0"/>
+              <a:t>Success</a:t>
+            </a:r>
+            <a:endParaRPr lang="ko-KR" altLang="en-US" dirty="0"/>
+          </a:p>
+        </p:txBody>
+      </p:sp>
+      <p:cxnSp>
+        <p:nvCxnSpPr>
+          <p:cNvPr id="140" name="구부러진 연결선 139"/>
+          <p:cNvCxnSpPr>
+            <a:stCxn id="124" idx="3"/>
+            <a:endCxn id="139" idx="1"/>
+          </p:cNvCxnSpPr>
+          <p:nvPr/>
+        </p:nvCxnSpPr>
+        <p:spPr>
+          <a:xfrm>
+            <a:off x="6145476" y="4887351"/>
+            <a:ext cx="2702969" cy="995497"/>
+          </a:xfrm>
+          <a:prstGeom prst="curvedConnector3">
+            <a:avLst/>
+          </a:prstGeom>
+          <a:ln>
+            <a:tailEnd type="triangle"/>
+          </a:ln>
+        </p:spPr>
+        <p:style>
+          <a:lnRef idx="1">
+            <a:schemeClr val="accent1"/>
+          </a:lnRef>
+          <a:fillRef idx="0">
+            <a:schemeClr val="accent1"/>
+          </a:fillRef>
+          <a:effectRef idx="0">
+            <a:schemeClr val="accent1"/>
+          </a:effectRef>
+          <a:fontRef idx="minor">
+            <a:schemeClr val="tx1"/>
+          </a:fontRef>
+        </p:style>
+      </p:cxnSp>
+      <p:sp>
+        <p:nvSpPr>
+          <p:cNvPr id="144" name="모서리가 둥근 직사각형 143"/>
+          <p:cNvSpPr/>
+          <p:nvPr/>
+        </p:nvSpPr>
+        <p:spPr>
+          <a:xfrm>
+            <a:off x="8503033" y="6085865"/>
+            <a:ext cx="1877720" cy="275808"/>
+          </a:xfrm>
+          <a:prstGeom prst="roundRect">
+            <a:avLst/>
+          </a:prstGeom>
+          <a:solidFill>
+            <a:schemeClr val="accent6">
+              <a:lumMod val="75000"/>
+            </a:schemeClr>
+          </a:solidFill>
+          <a:ln/>
+        </p:spPr>
+        <p:style>
+          <a:lnRef idx="3">
+            <a:schemeClr val="lt1"/>
+          </a:lnRef>
+          <a:fillRef idx="1">
+            <a:schemeClr val="accent1"/>
+          </a:fillRef>
+          <a:effectRef idx="1">
+            <a:schemeClr val="accent1"/>
+          </a:effectRef>
+          <a:fontRef idx="minor">
+            <a:schemeClr val="lt1"/>
+          </a:fontRef>
+        </p:style>
+        <p:txBody>
+          <a:bodyPr rtlCol="0" anchor="ctr"/>
+          <a:lstStyle/>
+          <a:p>
+            <a:pPr algn="ctr"/>
+            <a:r>
+              <a:rPr lang="en-US" altLang="ko-KR" sz="1100" dirty="0" smtClean="0"/>
+              <a:t>Close all sockets</a:t>
+            </a:r>
+          </a:p>
+        </p:txBody>
+      </p:sp>
+      <p:sp>
+        <p:nvSpPr>
+          <p:cNvPr id="47" name="모서리가 둥근 직사각형 46"/>
+          <p:cNvSpPr/>
+          <p:nvPr/>
+        </p:nvSpPr>
+        <p:spPr>
+          <a:xfrm>
+            <a:off x="3137514" y="2700551"/>
+            <a:ext cx="2134950" cy="268755"/>
+          </a:xfrm>
+          <a:prstGeom prst="roundRect">
+            <a:avLst/>
+          </a:prstGeom>
+          <a:solidFill>
+            <a:srgbClr val="00B050"/>
+          </a:solidFill>
+          <a:ln>
+            <a:noFill/>
+          </a:ln>
+        </p:spPr>
+        <p:style>
+          <a:lnRef idx="0">
+            <a:scrgbClr r="0" g="0" b="0"/>
+          </a:lnRef>
+          <a:fillRef idx="0">
+            <a:scrgbClr r="0" g="0" b="0"/>
+          </a:fillRef>
+          <a:effectRef idx="0">
+            <a:scrgbClr r="0" g="0" b="0"/>
+          </a:effectRef>
+          <a:fontRef idx="minor">
+            <a:schemeClr val="lt1"/>
+          </a:fontRef>
+        </p:style>
+        <p:txBody>
+          <a:bodyPr rtlCol="0" anchor="ctr"/>
+          <a:lstStyle/>
+          <a:p>
+            <a:r>
+              <a:rPr lang="en-US" altLang="ko-KR" sz="1100" dirty="0" smtClean="0"/>
+              <a:t>- Send </a:t>
+            </a:r>
+            <a:r>
+              <a:rPr lang="en-US" altLang="ko-KR" sz="1100" dirty="0" err="1" smtClean="0"/>
+              <a:t>SampleMsg</a:t>
+            </a:r>
+            <a:r>
+              <a:rPr lang="en-US" altLang="ko-KR" sz="1100" dirty="0" smtClean="0"/>
+              <a:t> to Master</a:t>
+            </a:r>
+          </a:p>
+        </p:txBody>
+      </p:sp>
+      <p:sp>
+        <p:nvSpPr>
+          <p:cNvPr id="46" name="모서리가 둥근 직사각형 45"/>
+          <p:cNvSpPr/>
+          <p:nvPr/>
+        </p:nvSpPr>
+        <p:spPr>
+          <a:xfrm>
+            <a:off x="3451398" y="2519786"/>
+            <a:ext cx="1507182" cy="228208"/>
+          </a:xfrm>
+          <a:prstGeom prst="roundRect">
+            <a:avLst/>
+          </a:prstGeom>
+        </p:spPr>
+        <p:style>
+          <a:lnRef idx="1">
+            <a:schemeClr val="accent3"/>
+          </a:lnRef>
+          <a:fillRef idx="2">
+            <a:schemeClr val="accent3"/>
+          </a:fillRef>
+          <a:effectRef idx="1">
+            <a:schemeClr val="accent3"/>
+          </a:effectRef>
+          <a:fontRef idx="minor">
+            <a:schemeClr val="dk1"/>
+          </a:fontRef>
+        </p:style>
+        <p:txBody>
+          <a:bodyPr rtlCol="0" anchor="ctr"/>
+          <a:lstStyle/>
+          <a:p>
+            <a:pPr algn="ctr"/>
+            <a:r>
+              <a:rPr lang="en-US" altLang="ko-KR" sz="1100" dirty="0" err="1" smtClean="0"/>
+              <a:t>SampleMsg</a:t>
+            </a:r>
+            <a:endParaRPr lang="ko-KR" altLang="en-US" sz="1100" dirty="0"/>
+          </a:p>
+        </p:txBody>
+      </p:sp>
+      <p:sp>
+        <p:nvSpPr>
+          <p:cNvPr id="117" name="모서리가 둥근 직사각형 116"/>
+          <p:cNvSpPr/>
+          <p:nvPr/>
+        </p:nvSpPr>
+        <p:spPr>
+          <a:xfrm>
+            <a:off x="6439824" y="1132188"/>
+            <a:ext cx="2106360" cy="398692"/>
+          </a:xfrm>
+          <a:prstGeom prst="roundRect">
+            <a:avLst/>
+          </a:prstGeom>
+          <a:solidFill>
+            <a:srgbClr val="00B050"/>
+          </a:solidFill>
+          <a:ln>
+            <a:noFill/>
+          </a:ln>
+        </p:spPr>
+        <p:style>
+          <a:lnRef idx="0">
+            <a:scrgbClr r="0" g="0" b="0"/>
+          </a:lnRef>
+          <a:fillRef idx="0">
+            <a:scrgbClr r="0" g="0" b="0"/>
+          </a:fillRef>
+          <a:effectRef idx="0">
+            <a:scrgbClr r="0" g="0" b="0"/>
+          </a:effectRef>
+          <a:fontRef idx="minor">
+            <a:schemeClr val="lt1"/>
+          </a:fontRef>
+        </p:style>
+        <p:txBody>
+          <a:bodyPr rtlCol="0" anchor="ctr"/>
+          <a:lstStyle/>
+          <a:p>
+            <a:pPr marL="171450" indent="-171450">
+              <a:buFontTx/>
+              <a:buChar char="-"/>
+            </a:pPr>
+            <a:r>
+              <a:rPr lang="en-US" altLang="ko-KR" sz="1100" dirty="0" smtClean="0"/>
+              <a:t>Create </a:t>
+            </a:r>
+            <a:r>
+              <a:rPr lang="en-US" altLang="ko-KR" sz="1100" dirty="0" err="1" smtClean="0"/>
+              <a:t>PartitionListener</a:t>
+            </a:r>
+            <a:endParaRPr lang="en-US" altLang="ko-KR" sz="1100" dirty="0" smtClean="0"/>
+          </a:p>
+          <a:p>
+            <a:pPr marL="171450" indent="-171450">
+              <a:buFontTx/>
+              <a:buChar char="-"/>
+            </a:pPr>
+            <a:r>
+              <a:rPr lang="en-US" altLang="ko-KR" sz="1100" dirty="0" smtClean="0"/>
+              <a:t>Create </a:t>
+            </a:r>
+            <a:r>
+              <a:rPr lang="en-US" altLang="ko-KR" sz="1100" dirty="0" err="1" smtClean="0"/>
+              <a:t>Partitioner</a:t>
+            </a:r>
+            <a:r>
+              <a:rPr lang="en-US" altLang="ko-KR" sz="1100" dirty="0" smtClean="0"/>
+              <a:t> + Sorter</a:t>
+            </a:r>
+          </a:p>
+        </p:txBody>
+      </p:sp>
+      <p:sp>
+        <p:nvSpPr>
+          <p:cNvPr id="54" name="모서리가 둥근 직사각형 53"/>
+          <p:cNvSpPr/>
+          <p:nvPr/>
+        </p:nvSpPr>
+        <p:spPr>
+          <a:xfrm>
+            <a:off x="6658989" y="918962"/>
+            <a:ext cx="1507182" cy="235585"/>
+          </a:xfrm>
+          <a:prstGeom prst="roundRect">
+            <a:avLst/>
+          </a:prstGeom>
+        </p:spPr>
+        <p:style>
+          <a:lnRef idx="1">
+            <a:schemeClr val="accent1"/>
+          </a:lnRef>
+          <a:fillRef idx="2">
+            <a:schemeClr val="accent1"/>
+          </a:fillRef>
+          <a:effectRef idx="1">
+            <a:schemeClr val="accent1"/>
+          </a:effectRef>
+          <a:fontRef idx="minor">
+            <a:schemeClr val="dk1"/>
+          </a:fontRef>
+        </p:style>
+        <p:txBody>
+          <a:bodyPr rtlCol="0" anchor="ctr"/>
+          <a:lstStyle/>
+          <a:p>
+            <a:pPr algn="ctr"/>
+            <a:r>
+              <a:rPr lang="en-US" altLang="ko-KR" sz="1100" dirty="0" err="1" smtClean="0"/>
+              <a:t>SlavesInfoMsg</a:t>
+            </a:r>
+            <a:endParaRPr lang="ko-KR" altLang="en-US" sz="1100" dirty="0"/>
+          </a:p>
+        </p:txBody>
+      </p:sp>
+      <p:sp>
+        <p:nvSpPr>
+          <p:cNvPr id="70" name="모서리가 둥근 직사각형 69"/>
+          <p:cNvSpPr/>
+          <p:nvPr/>
+        </p:nvSpPr>
+        <p:spPr>
+          <a:xfrm>
+            <a:off x="6439824" y="2452680"/>
+            <a:ext cx="2106360" cy="263393"/>
+          </a:xfrm>
+          <a:prstGeom prst="roundRect">
+            <a:avLst/>
+          </a:prstGeom>
+          <a:solidFill>
+            <a:srgbClr val="00B050"/>
+          </a:solidFill>
+          <a:ln>
+            <a:noFill/>
+          </a:ln>
+        </p:spPr>
+        <p:style>
+          <a:lnRef idx="0">
+            <a:scrgbClr r="0" g="0" b="0"/>
+          </a:lnRef>
+          <a:fillRef idx="0">
+            <a:scrgbClr r="0" g="0" b="0"/>
+          </a:fillRef>
+          <a:effectRef idx="0">
+            <a:scrgbClr r="0" g="0" b="0"/>
+          </a:effectRef>
+          <a:fontRef idx="minor">
+            <a:schemeClr val="lt1"/>
+          </a:fontRef>
+        </p:style>
+        <p:txBody>
+          <a:bodyPr rtlCol="0" anchor="ctr"/>
+          <a:lstStyle/>
+          <a:p>
+            <a:pPr marL="171450" indent="-171450">
+              <a:buFontTx/>
+              <a:buChar char="-"/>
+            </a:pPr>
+            <a:r>
+              <a:rPr lang="en-US" altLang="ko-KR" sz="1100" dirty="0" smtClean="0"/>
+              <a:t>Create Shuffler</a:t>
+            </a:r>
+          </a:p>
+        </p:txBody>
+      </p:sp>
+      <p:sp>
+        <p:nvSpPr>
+          <p:cNvPr id="68" name="모서리가 둥근 직사각형 67"/>
+          <p:cNvSpPr/>
+          <p:nvPr/>
+        </p:nvSpPr>
+        <p:spPr>
+          <a:xfrm>
+            <a:off x="6439825" y="2224471"/>
+            <a:ext cx="2106360" cy="241416"/>
+          </a:xfrm>
+          <a:prstGeom prst="roundRect">
+            <a:avLst/>
+          </a:prstGeom>
+          <a:solidFill>
+            <a:schemeClr val="accent4">
+              <a:lumMod val="75000"/>
+            </a:schemeClr>
+          </a:solidFill>
+          <a:ln>
+            <a:noFill/>
+          </a:ln>
+        </p:spPr>
+        <p:style>
+          <a:lnRef idx="0">
+            <a:scrgbClr r="0" g="0" b="0"/>
+          </a:lnRef>
+          <a:fillRef idx="0">
+            <a:scrgbClr r="0" g="0" b="0"/>
+          </a:fillRef>
+          <a:effectRef idx="0">
+            <a:scrgbClr r="0" g="0" b="0"/>
+          </a:effectRef>
+          <a:fontRef idx="minor">
+            <a:schemeClr val="lt1"/>
+          </a:fontRef>
+        </p:style>
+        <p:txBody>
+          <a:bodyPr rtlCol="0" anchor="ctr"/>
+          <a:lstStyle/>
+          <a:p>
+            <a:pPr algn="ctr"/>
+            <a:r>
+              <a:rPr lang="en-US" altLang="ko-KR" sz="1100" dirty="0" err="1" smtClean="0"/>
+              <a:t>ReceivedAllPartition</a:t>
+            </a:r>
+            <a:endParaRPr lang="en-US" altLang="ko-KR" sz="1100" dirty="0" smtClean="0"/>
+          </a:p>
+        </p:txBody>
+      </p:sp>
+      <p:sp>
+        <p:nvSpPr>
+          <p:cNvPr id="69" name="모서리가 둥근 직사각형 68"/>
+          <p:cNvSpPr/>
+          <p:nvPr/>
+        </p:nvSpPr>
+        <p:spPr>
+          <a:xfrm>
+            <a:off x="6439825" y="1824041"/>
+            <a:ext cx="2106360" cy="400430"/>
+          </a:xfrm>
+          <a:prstGeom prst="roundRect">
+            <a:avLst/>
+          </a:prstGeom>
+          <a:solidFill>
+            <a:srgbClr val="00B050"/>
+          </a:solidFill>
+          <a:ln>
+            <a:noFill/>
+          </a:ln>
+        </p:spPr>
+        <p:style>
+          <a:lnRef idx="0">
+            <a:scrgbClr r="0" g="0" b="0"/>
+          </a:lnRef>
+          <a:fillRef idx="0">
+            <a:scrgbClr r="0" g="0" b="0"/>
+          </a:fillRef>
+          <a:effectRef idx="0">
+            <a:scrgbClr r="0" g="0" b="0"/>
+          </a:effectRef>
+          <a:fontRef idx="minor">
+            <a:schemeClr val="lt1"/>
+          </a:fontRef>
+        </p:style>
+        <p:txBody>
+          <a:bodyPr rtlCol="0" anchor="ctr"/>
+          <a:lstStyle/>
+          <a:p>
+            <a:pPr marL="171450" indent="-171450">
+              <a:buFontTx/>
+              <a:buChar char="-"/>
+            </a:pPr>
+            <a:r>
+              <a:rPr lang="en-US" altLang="ko-KR" sz="1100" dirty="0" smtClean="0"/>
+              <a:t>Create </a:t>
+            </a:r>
+            <a:r>
+              <a:rPr lang="en-US" altLang="ko-KR" sz="1100" dirty="0" err="1" smtClean="0"/>
+              <a:t>PartitionSender</a:t>
+            </a:r>
+            <a:endParaRPr lang="en-US" altLang="ko-KR" sz="1100" dirty="0" smtClean="0"/>
+          </a:p>
+          <a:p>
+            <a:pPr marL="171450" indent="-171450">
+              <a:buFontTx/>
+              <a:buChar char="-"/>
+            </a:pPr>
+            <a:r>
+              <a:rPr lang="en-US" altLang="ko-KR" sz="1100" dirty="0" smtClean="0"/>
+              <a:t>Set </a:t>
+            </a:r>
+            <a:r>
+              <a:rPr lang="en-US" altLang="ko-KR" sz="1100" dirty="0" err="1" smtClean="0"/>
+              <a:t>sortingFinished</a:t>
+            </a:r>
+            <a:r>
+              <a:rPr lang="en-US" altLang="ko-KR" sz="1100" dirty="0" smtClean="0"/>
+              <a:t> = True</a:t>
+            </a:r>
+          </a:p>
+        </p:txBody>
+      </p:sp>
+      <p:sp>
+        <p:nvSpPr>
+          <p:cNvPr id="67" name="모서리가 둥근 직사각형 66"/>
+          <p:cNvSpPr/>
+          <p:nvPr/>
+        </p:nvSpPr>
+        <p:spPr>
+          <a:xfrm>
+            <a:off x="6658990" y="1626636"/>
+            <a:ext cx="1507182" cy="229231"/>
+          </a:xfrm>
+          <a:prstGeom prst="roundRect">
+            <a:avLst/>
+          </a:prstGeom>
+        </p:spPr>
+        <p:style>
+          <a:lnRef idx="1">
+            <a:schemeClr val="accent6"/>
+          </a:lnRef>
+          <a:fillRef idx="2">
+            <a:schemeClr val="accent6"/>
+          </a:fillRef>
+          <a:effectRef idx="1">
+            <a:schemeClr val="accent6"/>
+          </a:effectRef>
+          <a:fontRef idx="minor">
+            <a:schemeClr val="dk1"/>
+          </a:fontRef>
+        </p:style>
+        <p:txBody>
+          <a:bodyPr rtlCol="0" anchor="ctr"/>
+          <a:lstStyle/>
+          <a:p>
+            <a:pPr algn="ctr"/>
+            <a:r>
+              <a:rPr lang="en-US" altLang="ko-KR" sz="1100" dirty="0" err="1" smtClean="0"/>
+              <a:t>SortDoneMsg</a:t>
+            </a:r>
+            <a:endParaRPr lang="ko-KR" altLang="en-US" sz="1100" dirty="0"/>
+          </a:p>
+        </p:txBody>
+      </p:sp>
+      <p:sp>
+        <p:nvSpPr>
+          <p:cNvPr id="71" name="모서리가 둥근 직사각형 70"/>
+          <p:cNvSpPr/>
+          <p:nvPr/>
+        </p:nvSpPr>
+        <p:spPr>
+          <a:xfrm>
+            <a:off x="6428001" y="3486825"/>
+            <a:ext cx="2366957" cy="263393"/>
+          </a:xfrm>
+          <a:prstGeom prst="roundRect">
+            <a:avLst/>
+          </a:prstGeom>
+          <a:solidFill>
+            <a:srgbClr val="00B050"/>
+          </a:solidFill>
+          <a:ln>
+            <a:noFill/>
+          </a:ln>
+        </p:spPr>
+        <p:style>
+          <a:lnRef idx="0">
+            <a:scrgbClr r="0" g="0" b="0"/>
+          </a:lnRef>
+          <a:fillRef idx="0">
+            <a:scrgbClr r="0" g="0" b="0"/>
+          </a:fillRef>
+          <a:effectRef idx="0">
+            <a:scrgbClr r="0" g="0" b="0"/>
+          </a:effectRef>
+          <a:fontRef idx="minor">
+            <a:schemeClr val="lt1"/>
+          </a:fontRef>
+        </p:style>
+        <p:txBody>
+          <a:bodyPr rtlCol="0" anchor="ctr"/>
+          <a:lstStyle/>
+          <a:p>
+            <a:pPr marL="171450" indent="-171450">
+              <a:buFontTx/>
+              <a:buChar char="-"/>
+            </a:pPr>
+            <a:r>
+              <a:rPr lang="en-US" altLang="ko-KR" sz="1100" dirty="0" smtClean="0"/>
+              <a:t>Create Shuffler</a:t>
+            </a:r>
+          </a:p>
+        </p:txBody>
+      </p:sp>
+      <p:sp>
+        <p:nvSpPr>
+          <p:cNvPr id="73" name="모서리가 둥근 직사각형 72"/>
+          <p:cNvSpPr/>
+          <p:nvPr/>
+        </p:nvSpPr>
+        <p:spPr>
+          <a:xfrm>
+            <a:off x="6428002" y="3258616"/>
+            <a:ext cx="2366957" cy="241416"/>
+          </a:xfrm>
+          <a:prstGeom prst="roundRect">
+            <a:avLst/>
+          </a:prstGeom>
+          <a:solidFill>
+            <a:schemeClr val="accent4">
+              <a:lumMod val="75000"/>
+            </a:schemeClr>
+          </a:solidFill>
+          <a:ln>
+            <a:noFill/>
+          </a:ln>
+        </p:spPr>
+        <p:style>
+          <a:lnRef idx="0">
+            <a:scrgbClr r="0" g="0" b="0"/>
+          </a:lnRef>
+          <a:fillRef idx="0">
+            <a:scrgbClr r="0" g="0" b="0"/>
+          </a:fillRef>
+          <a:effectRef idx="0">
+            <a:scrgbClr r="0" g="0" b="0"/>
+          </a:effectRef>
+          <a:fontRef idx="minor">
+            <a:schemeClr val="lt1"/>
+          </a:fontRef>
+        </p:style>
+        <p:txBody>
+          <a:bodyPr rtlCol="0" anchor="ctr"/>
+          <a:lstStyle/>
+          <a:p>
+            <a:pPr algn="ctr"/>
+            <a:r>
+              <a:rPr lang="en-US" altLang="ko-KR" sz="1100" dirty="0" err="1" smtClean="0"/>
+              <a:t>sortingFinished</a:t>
+            </a:r>
+            <a:endParaRPr lang="en-US" altLang="ko-KR" sz="1100" dirty="0" smtClean="0"/>
+          </a:p>
+        </p:txBody>
+      </p:sp>
+      <p:sp>
+        <p:nvSpPr>
+          <p:cNvPr id="78" name="모서리가 둥근 직사각형 77"/>
+          <p:cNvSpPr/>
+          <p:nvPr/>
+        </p:nvSpPr>
+        <p:spPr>
+          <a:xfrm>
+            <a:off x="6428002" y="3019292"/>
+            <a:ext cx="2366958" cy="263393"/>
+          </a:xfrm>
+          <a:prstGeom prst="roundRect">
+            <a:avLst/>
+          </a:prstGeom>
+          <a:solidFill>
+            <a:srgbClr val="00B050"/>
+          </a:solidFill>
+          <a:ln>
+            <a:noFill/>
+          </a:ln>
+        </p:spPr>
+        <p:style>
+          <a:lnRef idx="0">
+            <a:scrgbClr r="0" g="0" b="0"/>
+          </a:lnRef>
+          <a:fillRef idx="0">
+            <a:scrgbClr r="0" g="0" b="0"/>
+          </a:fillRef>
+          <a:effectRef idx="0">
+            <a:scrgbClr r="0" g="0" b="0"/>
+          </a:effectRef>
+          <a:fontRef idx="minor">
+            <a:schemeClr val="lt1"/>
+          </a:fontRef>
+        </p:style>
+        <p:txBody>
+          <a:bodyPr rtlCol="0" anchor="ctr"/>
+          <a:lstStyle/>
+          <a:p>
+            <a:pPr marL="171450" indent="-171450">
+              <a:buFontTx/>
+              <a:buChar char="-"/>
+            </a:pPr>
+            <a:r>
+              <a:rPr lang="en-US" altLang="ko-KR" sz="1100" dirty="0" smtClean="0"/>
+              <a:t>Set </a:t>
+            </a:r>
+            <a:r>
+              <a:rPr lang="en-US" altLang="ko-KR" sz="1100" dirty="0" err="1" smtClean="0"/>
+              <a:t>receivedAllPartition</a:t>
+            </a:r>
+            <a:r>
+              <a:rPr lang="en-US" altLang="ko-KR" sz="1100" dirty="0" smtClean="0"/>
+              <a:t> = True</a:t>
+            </a:r>
+          </a:p>
+        </p:txBody>
+      </p:sp>
+      <p:sp>
+        <p:nvSpPr>
+          <p:cNvPr id="77" name="모서리가 둥근 직사각형 76"/>
+          <p:cNvSpPr/>
+          <p:nvPr/>
+        </p:nvSpPr>
+        <p:spPr>
+          <a:xfrm>
+            <a:off x="6583118" y="2834491"/>
+            <a:ext cx="1796130" cy="221108"/>
+          </a:xfrm>
+          <a:prstGeom prst="roundRect">
+            <a:avLst/>
+          </a:prstGeom>
+        </p:spPr>
+        <p:style>
+          <a:lnRef idx="1">
+            <a:schemeClr val="accent2"/>
+          </a:lnRef>
+          <a:fillRef idx="2">
+            <a:schemeClr val="accent2"/>
+          </a:fillRef>
+          <a:effectRef idx="1">
+            <a:schemeClr val="accent2"/>
+          </a:effectRef>
+          <a:fontRef idx="minor">
+            <a:schemeClr val="dk1"/>
+          </a:fontRef>
+        </p:style>
+        <p:txBody>
+          <a:bodyPr rtlCol="0" anchor="ctr"/>
+          <a:lstStyle/>
+          <a:p>
+            <a:pPr algn="ctr"/>
+            <a:r>
+              <a:rPr lang="en-US" altLang="ko-KR" sz="1100" dirty="0" err="1" smtClean="0"/>
+              <a:t>ReceivedAllPartitionMsg</a:t>
+            </a:r>
+            <a:endParaRPr lang="ko-KR" altLang="en-US" sz="1100" dirty="0"/>
+          </a:p>
+        </p:txBody>
+      </p:sp>
+      <p:sp>
+        <p:nvSpPr>
+          <p:cNvPr id="79" name="모서리가 둥근 직사각형 78"/>
+          <p:cNvSpPr/>
+          <p:nvPr/>
+        </p:nvSpPr>
+        <p:spPr>
+          <a:xfrm>
+            <a:off x="4457767" y="5109703"/>
+            <a:ext cx="2201222" cy="707277"/>
+          </a:xfrm>
+          <a:prstGeom prst="roundRect">
+            <a:avLst/>
+          </a:prstGeom>
+          <a:solidFill>
+            <a:schemeClr val="accent3"/>
+          </a:solidFill>
+          <a:ln>
+            <a:noFill/>
+          </a:ln>
+        </p:spPr>
+        <p:style>
+          <a:lnRef idx="0">
+            <a:scrgbClr r="0" g="0" b="0"/>
+          </a:lnRef>
+          <a:fillRef idx="0">
+            <a:scrgbClr r="0" g="0" b="0"/>
+          </a:fillRef>
+          <a:effectRef idx="0">
+            <a:scrgbClr r="0" g="0" b="0"/>
+          </a:effectRef>
+          <a:fontRef idx="minor">
+            <a:schemeClr val="lt1"/>
+          </a:fontRef>
+        </p:style>
+        <p:txBody>
+          <a:bodyPr rtlCol="0" anchor="ctr"/>
+          <a:lstStyle/>
+          <a:p>
+            <a:pPr algn="ctr"/>
+            <a:r>
+              <a:rPr lang="en-US" altLang="ko-KR" sz="1100" dirty="0" err="1" smtClean="0"/>
+              <a:t>sortingFinished</a:t>
+            </a:r>
+            <a:r>
+              <a:rPr lang="en-US" altLang="ko-KR" sz="1100" dirty="0" smtClean="0"/>
+              <a:t>: Boolean</a:t>
+            </a:r>
+          </a:p>
+          <a:p>
+            <a:pPr algn="ctr"/>
+            <a:r>
+              <a:rPr lang="en-US" altLang="ko-KR" sz="1100" dirty="0" err="1" smtClean="0"/>
+              <a:t>receivedAllPartition</a:t>
+            </a:r>
+            <a:r>
+              <a:rPr lang="en-US" altLang="ko-KR" sz="1100" dirty="0" smtClean="0"/>
+              <a:t>: Boolean</a:t>
+            </a:r>
+          </a:p>
+          <a:p>
+            <a:pPr algn="ctr"/>
+            <a:r>
+              <a:rPr lang="en-US" altLang="ko-KR" sz="1100" dirty="0" err="1" smtClean="0"/>
+              <a:t>sendedAll</a:t>
+            </a:r>
+            <a:r>
+              <a:rPr lang="en-US" altLang="ko-KR" sz="1100" dirty="0" smtClean="0"/>
+              <a:t>: Boolean</a:t>
+            </a:r>
+          </a:p>
+          <a:p>
+            <a:pPr algn="ctr"/>
+            <a:r>
+              <a:rPr lang="en-US" altLang="ko-KR" sz="1100" dirty="0" err="1" smtClean="0"/>
+              <a:t>shufflingFinished</a:t>
+            </a:r>
+            <a:r>
+              <a:rPr lang="en-US" altLang="ko-KR" sz="1100" dirty="0" smtClean="0"/>
+              <a:t>: Boolean</a:t>
+            </a:r>
+          </a:p>
+        </p:txBody>
+      </p:sp>
+      <p:sp>
+        <p:nvSpPr>
+          <p:cNvPr id="80" name="모서리가 둥근 직사각형 79"/>
+          <p:cNvSpPr/>
+          <p:nvPr/>
+        </p:nvSpPr>
+        <p:spPr>
+          <a:xfrm>
+            <a:off x="4443590" y="5845909"/>
+            <a:ext cx="2216876" cy="423375"/>
+          </a:xfrm>
+          <a:prstGeom prst="roundRect">
+            <a:avLst/>
+          </a:prstGeom>
+          <a:solidFill>
+            <a:schemeClr val="accent6">
+              <a:lumMod val="75000"/>
+            </a:schemeClr>
+          </a:solidFill>
+          <a:ln/>
+        </p:spPr>
+        <p:style>
+          <a:lnRef idx="3">
+            <a:schemeClr val="lt1"/>
+          </a:lnRef>
+          <a:fillRef idx="1">
+            <a:schemeClr val="accent1"/>
+          </a:fillRef>
+          <a:effectRef idx="1">
+            <a:schemeClr val="accent1"/>
+          </a:effectRef>
+          <a:fontRef idx="minor">
+            <a:schemeClr val="lt1"/>
+          </a:fontRef>
+        </p:style>
+        <p:txBody>
+          <a:bodyPr rtlCol="0" anchor="ctr"/>
+          <a:lstStyle/>
+          <a:p>
+            <a:pPr algn="ctr"/>
+            <a:r>
+              <a:rPr lang="en-US" altLang="ko-KR" sz="1100" dirty="0" err="1" smtClean="0"/>
+              <a:t>sortingFinished</a:t>
+            </a:r>
+            <a:r>
+              <a:rPr lang="en-US" altLang="ko-KR" sz="1100" dirty="0" smtClean="0"/>
+              <a:t> = False</a:t>
+            </a:r>
+          </a:p>
+          <a:p>
+            <a:pPr algn="ctr"/>
+            <a:r>
+              <a:rPr lang="en-US" altLang="ko-KR" sz="1100" dirty="0" err="1" smtClean="0"/>
+              <a:t>receivedAllPartition</a:t>
+            </a:r>
+            <a:r>
+              <a:rPr lang="en-US" altLang="ko-KR" sz="1100" dirty="0" smtClean="0"/>
+              <a:t> = False</a:t>
+            </a:r>
+          </a:p>
+        </p:txBody>
+      </p:sp>
+      <p:sp>
+        <p:nvSpPr>
+          <p:cNvPr id="84" name="모서리가 둥근 직사각형 83"/>
+          <p:cNvSpPr/>
+          <p:nvPr/>
+        </p:nvSpPr>
+        <p:spPr>
+          <a:xfrm>
+            <a:off x="6416180" y="4031862"/>
+            <a:ext cx="2366958" cy="263393"/>
+          </a:xfrm>
+          <a:prstGeom prst="roundRect">
+            <a:avLst/>
+          </a:prstGeom>
+          <a:solidFill>
+            <a:srgbClr val="00B050"/>
+          </a:solidFill>
+          <a:ln>
+            <a:noFill/>
+          </a:ln>
+        </p:spPr>
+        <p:style>
+          <a:lnRef idx="0">
+            <a:scrgbClr r="0" g="0" b="0"/>
+          </a:lnRef>
+          <a:fillRef idx="0">
+            <a:scrgbClr r="0" g="0" b="0"/>
+          </a:fillRef>
+          <a:effectRef idx="0">
+            <a:scrgbClr r="0" g="0" b="0"/>
+          </a:effectRef>
+          <a:fontRef idx="minor">
+            <a:schemeClr val="lt1"/>
+          </a:fontRef>
+        </p:style>
+        <p:txBody>
+          <a:bodyPr rtlCol="0" anchor="ctr"/>
+          <a:lstStyle/>
+          <a:p>
+            <a:pPr marL="171450" indent="-171450">
+              <a:buFontTx/>
+              <a:buChar char="-"/>
+            </a:pPr>
+            <a:r>
+              <a:rPr lang="en-US" altLang="ko-KR" sz="1100" dirty="0" smtClean="0"/>
+              <a:t>Set </a:t>
+            </a:r>
+            <a:r>
+              <a:rPr lang="en-US" altLang="ko-KR" sz="1100" dirty="0" err="1" smtClean="0"/>
+              <a:t>sendedAll</a:t>
+            </a:r>
+            <a:r>
+              <a:rPr lang="en-US" altLang="ko-KR" sz="1100" dirty="0" smtClean="0"/>
+              <a:t> = True</a:t>
+            </a:r>
+          </a:p>
+        </p:txBody>
+      </p:sp>
+      <p:sp>
+        <p:nvSpPr>
+          <p:cNvPr id="82" name="모서리가 둥근 직사각형 81"/>
+          <p:cNvSpPr/>
+          <p:nvPr/>
+        </p:nvSpPr>
+        <p:spPr>
+          <a:xfrm>
+            <a:off x="6583118" y="3837278"/>
+            <a:ext cx="1796130" cy="231914"/>
+          </a:xfrm>
+          <a:prstGeom prst="roundRect">
+            <a:avLst/>
+          </a:prstGeom>
+        </p:spPr>
+        <p:style>
+          <a:lnRef idx="1">
+            <a:schemeClr val="accent4"/>
+          </a:lnRef>
+          <a:fillRef idx="2">
+            <a:schemeClr val="accent4"/>
+          </a:fillRef>
+          <a:effectRef idx="1">
+            <a:schemeClr val="accent4"/>
+          </a:effectRef>
+          <a:fontRef idx="minor">
+            <a:schemeClr val="dk1"/>
+          </a:fontRef>
+        </p:style>
+        <p:txBody>
+          <a:bodyPr rtlCol="0" anchor="ctr"/>
+          <a:lstStyle/>
+          <a:p>
+            <a:pPr algn="ctr"/>
+            <a:r>
+              <a:rPr lang="en-US" altLang="ko-KR" sz="1100" dirty="0" err="1" smtClean="0"/>
+              <a:t>SendedAllPartitionMsg</a:t>
+            </a:r>
+            <a:endParaRPr lang="ko-KR" altLang="en-US" sz="1100" dirty="0"/>
+          </a:p>
+        </p:txBody>
+      </p:sp>
+      <p:sp>
+        <p:nvSpPr>
+          <p:cNvPr id="85" name="모서리가 둥근 직사각형 84"/>
+          <p:cNvSpPr/>
+          <p:nvPr/>
+        </p:nvSpPr>
+        <p:spPr>
+          <a:xfrm>
+            <a:off x="6428000" y="4583975"/>
+            <a:ext cx="2366958" cy="263393"/>
+          </a:xfrm>
+          <a:prstGeom prst="roundRect">
+            <a:avLst/>
+          </a:prstGeom>
+          <a:solidFill>
+            <a:srgbClr val="00B050"/>
+          </a:solidFill>
+          <a:ln>
+            <a:noFill/>
+          </a:ln>
+        </p:spPr>
+        <p:style>
+          <a:lnRef idx="0">
+            <a:scrgbClr r="0" g="0" b="0"/>
+          </a:lnRef>
+          <a:fillRef idx="0">
+            <a:scrgbClr r="0" g="0" b="0"/>
+          </a:fillRef>
+          <a:effectRef idx="0">
+            <a:scrgbClr r="0" g="0" b="0"/>
+          </a:effectRef>
+          <a:fontRef idx="minor">
+            <a:schemeClr val="lt1"/>
+          </a:fontRef>
+        </p:style>
+        <p:txBody>
+          <a:bodyPr rtlCol="0" anchor="ctr"/>
+          <a:lstStyle/>
+          <a:p>
+            <a:pPr marL="171450" indent="-171450">
+              <a:buFontTx/>
+              <a:buChar char="-"/>
+            </a:pPr>
+            <a:r>
+              <a:rPr lang="en-US" altLang="ko-KR" sz="1100" dirty="0" smtClean="0"/>
+              <a:t>Set </a:t>
+            </a:r>
+            <a:r>
+              <a:rPr lang="en-US" altLang="ko-KR" sz="1100" dirty="0" err="1" smtClean="0"/>
+              <a:t>shufflingFinished</a:t>
+            </a:r>
+            <a:r>
+              <a:rPr lang="en-US" altLang="ko-KR" sz="1100" dirty="0" smtClean="0"/>
+              <a:t> = True</a:t>
+            </a:r>
+          </a:p>
+        </p:txBody>
+      </p:sp>
+      <p:sp>
+        <p:nvSpPr>
+          <p:cNvPr id="83" name="모서리가 둥근 직사각형 82"/>
+          <p:cNvSpPr/>
+          <p:nvPr/>
+        </p:nvSpPr>
+        <p:spPr>
+          <a:xfrm>
+            <a:off x="6583118" y="4366718"/>
+            <a:ext cx="1796130" cy="231913"/>
+          </a:xfrm>
+          <a:prstGeom prst="roundRect">
+            <a:avLst/>
+          </a:prstGeom>
+        </p:spPr>
+        <p:style>
+          <a:lnRef idx="1">
+            <a:schemeClr val="dk1"/>
+          </a:lnRef>
+          <a:fillRef idx="2">
+            <a:schemeClr val="dk1"/>
+          </a:fillRef>
+          <a:effectRef idx="1">
+            <a:schemeClr val="dk1"/>
+          </a:effectRef>
+          <a:fontRef idx="minor">
+            <a:schemeClr val="dk1"/>
+          </a:fontRef>
+        </p:style>
+        <p:txBody>
+          <a:bodyPr rtlCol="0" anchor="ctr"/>
+          <a:lstStyle/>
+          <a:p>
+            <a:pPr algn="ctr"/>
+            <a:r>
+              <a:rPr lang="en-US" altLang="ko-KR" sz="1100" dirty="0" err="1" smtClean="0"/>
+              <a:t>ShufflingDoneMsg</a:t>
+            </a:r>
+            <a:endParaRPr lang="ko-KR" altLang="en-US" sz="1100" dirty="0"/>
+          </a:p>
+        </p:txBody>
+      </p:sp>
+      <p:sp>
+        <p:nvSpPr>
+          <p:cNvPr id="86" name="모서리가 둥근 직사각형 85"/>
+          <p:cNvSpPr/>
+          <p:nvPr/>
+        </p:nvSpPr>
+        <p:spPr>
+          <a:xfrm>
+            <a:off x="4451417" y="6305591"/>
+            <a:ext cx="2201222" cy="386819"/>
+          </a:xfrm>
+          <a:prstGeom prst="roundRect">
+            <a:avLst/>
+          </a:prstGeom>
+          <a:solidFill>
+            <a:srgbClr val="C00000"/>
+          </a:solidFill>
+          <a:ln>
+            <a:noFill/>
+          </a:ln>
+        </p:spPr>
+        <p:style>
+          <a:lnRef idx="0">
+            <a:scrgbClr r="0" g="0" b="0"/>
+          </a:lnRef>
+          <a:fillRef idx="0">
+            <a:scrgbClr r="0" g="0" b="0"/>
+          </a:fillRef>
+          <a:effectRef idx="0">
+            <a:scrgbClr r="0" g="0" b="0"/>
+          </a:effectRef>
+          <a:fontRef idx="minor">
+            <a:schemeClr val="lt1"/>
+          </a:fontRef>
+        </p:style>
+        <p:txBody>
+          <a:bodyPr rtlCol="0" anchor="ctr"/>
+          <a:lstStyle/>
+          <a:p>
+            <a:pPr algn="ctr"/>
+            <a:r>
+              <a:rPr lang="en-US" altLang="ko-KR" sz="1100" dirty="0" smtClean="0"/>
+              <a:t>! (</a:t>
+            </a:r>
+            <a:r>
+              <a:rPr lang="en-US" altLang="ko-KR" sz="1100" dirty="0" err="1" smtClean="0"/>
+              <a:t>sendedAll</a:t>
+            </a:r>
+            <a:r>
+              <a:rPr lang="en-US" altLang="ko-KR" sz="1100" dirty="0" smtClean="0"/>
+              <a:t> &amp;&amp; </a:t>
+            </a:r>
+            <a:r>
+              <a:rPr lang="en-US" altLang="ko-KR" sz="1100" dirty="0" err="1" smtClean="0"/>
+              <a:t>shufflingFinished</a:t>
+            </a:r>
+            <a:r>
+              <a:rPr lang="en-US" altLang="ko-KR" sz="1100" dirty="0" smtClean="0"/>
+              <a:t>)</a:t>
+            </a:r>
+          </a:p>
+        </p:txBody>
+      </p:sp>
+      <p:sp>
+        <p:nvSpPr>
+          <p:cNvPr id="90" name="모서리가 둥근 직사각형 89"/>
+          <p:cNvSpPr/>
+          <p:nvPr/>
+        </p:nvSpPr>
+        <p:spPr>
+          <a:xfrm>
+            <a:off x="6883578" y="5303571"/>
+            <a:ext cx="2614146" cy="284934"/>
+          </a:xfrm>
+          <a:prstGeom prst="roundRect">
+            <a:avLst/>
+          </a:prstGeom>
+          <a:solidFill>
+            <a:srgbClr val="00B050"/>
+          </a:solidFill>
+          <a:ln>
+            <a:noFill/>
+          </a:ln>
+        </p:spPr>
+        <p:style>
+          <a:lnRef idx="0">
+            <a:scrgbClr r="0" g="0" b="0"/>
+          </a:lnRef>
+          <a:fillRef idx="0">
+            <a:scrgbClr r="0" g="0" b="0"/>
+          </a:fillRef>
+          <a:effectRef idx="0">
+            <a:scrgbClr r="0" g="0" b="0"/>
+          </a:effectRef>
+          <a:fontRef idx="minor">
+            <a:schemeClr val="lt1"/>
+          </a:fontRef>
+        </p:style>
+        <p:txBody>
+          <a:bodyPr rtlCol="0" anchor="ctr"/>
+          <a:lstStyle/>
+          <a:p>
+            <a:pPr marL="171450" indent="-171450">
+              <a:buFontTx/>
+              <a:buChar char="-"/>
+            </a:pPr>
+            <a:r>
+              <a:rPr lang="en-US" altLang="ko-KR" sz="1100" dirty="0" smtClean="0"/>
+              <a:t>Send </a:t>
+            </a:r>
+            <a:r>
+              <a:rPr lang="en-US" altLang="ko-KR" sz="1100" dirty="0" err="1" smtClean="0"/>
+              <a:t>ComputeDoneMsg</a:t>
+            </a:r>
+            <a:r>
+              <a:rPr lang="en-US" altLang="ko-KR" sz="1100" dirty="0" smtClean="0"/>
+              <a:t> to Master</a:t>
+            </a:r>
+          </a:p>
+        </p:txBody>
+      </p:sp>
+      <p:sp>
+        <p:nvSpPr>
+          <p:cNvPr id="89" name="모서리가 둥근 직사각형 88"/>
+          <p:cNvSpPr/>
+          <p:nvPr/>
+        </p:nvSpPr>
+        <p:spPr>
+          <a:xfrm>
+            <a:off x="6883578" y="5068635"/>
+            <a:ext cx="2298613" cy="263570"/>
+          </a:xfrm>
+          <a:prstGeom prst="roundRect">
+            <a:avLst/>
+          </a:prstGeom>
+          <a:solidFill>
+            <a:schemeClr val="accent4">
+              <a:lumMod val="75000"/>
+            </a:schemeClr>
+          </a:solidFill>
+          <a:ln>
+            <a:noFill/>
+          </a:ln>
+        </p:spPr>
+        <p:style>
+          <a:lnRef idx="0">
+            <a:scrgbClr r="0" g="0" b="0"/>
+          </a:lnRef>
+          <a:fillRef idx="0">
+            <a:scrgbClr r="0" g="0" b="0"/>
+          </a:fillRef>
+          <a:effectRef idx="0">
+            <a:scrgbClr r="0" g="0" b="0"/>
+          </a:effectRef>
+          <a:fontRef idx="minor">
+            <a:schemeClr val="lt1"/>
+          </a:fontRef>
+        </p:style>
+        <p:txBody>
+          <a:bodyPr rtlCol="0" anchor="ctr"/>
+          <a:lstStyle/>
+          <a:p>
+            <a:pPr algn="ctr"/>
+            <a:r>
+              <a:rPr lang="en-US" altLang="ko-KR" sz="1100" dirty="0" err="1"/>
+              <a:t>sendedAll</a:t>
+            </a:r>
+            <a:r>
+              <a:rPr lang="en-US" altLang="ko-KR" sz="1100" dirty="0"/>
+              <a:t> &amp;&amp; </a:t>
+            </a:r>
+            <a:r>
+              <a:rPr lang="en-US" altLang="ko-KR" sz="1100" dirty="0" err="1"/>
+              <a:t>shufflingFinished</a:t>
+            </a:r>
+            <a:endParaRPr lang="en-US" altLang="ko-KR" sz="1100" dirty="0" smtClean="0"/>
+          </a:p>
+        </p:txBody>
+      </p:sp>
+    </p:spTree>
+    <p:extLst>
+      <p:ext uri="{BB962C8B-B14F-4D97-AF65-F5344CB8AC3E}">
+        <p14:creationId xmlns:p14="http://schemas.microsoft.com/office/powerpoint/2010/main" val="2565270862"/>
+      </p:ext>
+    </p:extLst>
+  </p:cSld>
+  <p:clrMapOvr>
+    <a:masterClrMapping/>
+  </p:clrMapOvr>
+  <p:timing>
+    <p:tnLst>
+      <p:par>
+        <p:cTn id="1" dur="indefinite" restart="never" nodeType="tmRoot"/>
+      </p:par>
+    </p:tnLst>
+  </p:timing>
+</p:sld>
+</file>
+
+<file path=ppt/slides/slide21.xml><?xml version="1.0" encoding="utf-8"?>
+<p:sld xmlns:a="http://schemas.openxmlformats.org/drawingml/2006/main" xmlns:r="http://schemas.openxmlformats.org/officeDocument/2006/relationships" xmlns:p="http://schemas.openxmlformats.org/presentationml/2006/main">
+  <p:cSld>
+    <p:spTree>
+      <p:nvGrpSpPr>
+        <p:cNvPr id="1" name=""/>
+        <p:cNvGrpSpPr/>
+        <p:nvPr/>
+      </p:nvGrpSpPr>
+      <p:grpSpPr>
+        <a:xfrm>
+          <a:off x="0" y="0"/>
+          <a:ext cx="0" cy="0"/>
+          <a:chOff x="0" y="0"/>
+          <a:chExt cx="0" cy="0"/>
+        </a:xfrm>
+      </p:grpSpPr>
+      <p:sp>
+        <p:nvSpPr>
+          <p:cNvPr id="2" name="제목 1"/>
+          <p:cNvSpPr>
+            <a:spLocks noGrp="1"/>
+          </p:cNvSpPr>
+          <p:nvPr>
+            <p:ph type="title"/>
+          </p:nvPr>
+        </p:nvSpPr>
+        <p:spPr>
+          <a:xfrm>
             <a:off x="197117" y="2763371"/>
             <a:ext cx="11876248" cy="1325563"/>
           </a:xfrm>
@@ -11131,7 +11506,7 @@
 </p:sld>
 </file>
 
-<file path=ppt/slides/slide21.xml><?xml version="1.0" encoding="utf-8"?>
+<file path=ppt/slides/slide22.xml><?xml version="1.0" encoding="utf-8"?>
 <p:sld xmlns:a="http://schemas.openxmlformats.org/drawingml/2006/main" xmlns:r="http://schemas.openxmlformats.org/officeDocument/2006/relationships" xmlns:p="http://schemas.openxmlformats.org/presentationml/2006/main">
   <p:cSld>
     <p:spTree>
@@ -12150,7 +12525,7 @@
 </p:sld>
 </file>
 
-<file path=ppt/slides/slide22.xml><?xml version="1.0" encoding="utf-8"?>
+<file path=ppt/slides/slide23.xml><?xml version="1.0" encoding="utf-8"?>
 <p:sld xmlns:a="http://schemas.openxmlformats.org/drawingml/2006/main" xmlns:r="http://schemas.openxmlformats.org/officeDocument/2006/relationships" xmlns:p="http://schemas.openxmlformats.org/presentationml/2006/main">
   <p:cSld>
     <p:spTree>
@@ -12947,88 +13322,6 @@
 </p:sld>
 </file>
 
-<file path=ppt/slides/slide23.xml><?xml version="1.0" encoding="utf-8"?>
-<p:sld xmlns:a="http://schemas.openxmlformats.org/drawingml/2006/main" xmlns:r="http://schemas.openxmlformats.org/officeDocument/2006/relationships" xmlns:p="http://schemas.openxmlformats.org/presentationml/2006/main">
-  <p:cSld>
-    <p:spTree>
-      <p:nvGrpSpPr>
-        <p:cNvPr id="1" name=""/>
-        <p:cNvGrpSpPr/>
-        <p:nvPr/>
-      </p:nvGrpSpPr>
-      <p:grpSpPr>
-        <a:xfrm>
-          <a:off x="0" y="0"/>
-          <a:ext cx="0" cy="0"/>
-          <a:chOff x="0" y="0"/>
-          <a:chExt cx="0" cy="0"/>
-        </a:xfrm>
-      </p:grpSpPr>
-      <p:sp>
-        <p:nvSpPr>
-          <p:cNvPr id="2" name="제목 1"/>
-          <p:cNvSpPr>
-            <a:spLocks noGrp="1"/>
-          </p:cNvSpPr>
-          <p:nvPr>
-            <p:ph type="title"/>
-          </p:nvPr>
-        </p:nvSpPr>
-        <p:spPr/>
-        <p:txBody>
-          <a:bodyPr/>
-          <a:lstStyle/>
-          <a:p>
-            <a:r>
-              <a:rPr lang="en-US" altLang="ko-KR" dirty="0" smtClean="0"/>
-              <a:t>Master Sample</a:t>
-            </a:r>
-            <a:endParaRPr lang="ko-KR" altLang="en-US" dirty="0"/>
-          </a:p>
-        </p:txBody>
-      </p:sp>
-      <p:sp>
-        <p:nvSpPr>
-          <p:cNvPr id="3" name="내용 개체 틀 2"/>
-          <p:cNvSpPr>
-            <a:spLocks noGrp="1"/>
-          </p:cNvSpPr>
-          <p:nvPr>
-            <p:ph idx="1"/>
-          </p:nvPr>
-        </p:nvSpPr>
-        <p:spPr/>
-        <p:txBody>
-          <a:bodyPr/>
-          <a:lstStyle/>
-          <a:p>
-            <a:r>
-              <a:rPr lang="en-US" altLang="ko-KR" dirty="0" smtClean="0"/>
-              <a:t>Calculate pivot values</a:t>
-            </a:r>
-          </a:p>
-          <a:p>
-            <a:pPr lvl="1"/>
-            <a:r>
-              <a:rPr lang="en-US" altLang="ko-KR" dirty="0" smtClean="0"/>
-              <a:t>Choose values from 1/n, 2/n, …, (n-1)/n position </a:t>
-            </a:r>
-          </a:p>
-        </p:txBody>
-      </p:sp>
-    </p:spTree>
-    <p:extLst>
-      <p:ext uri="{BB962C8B-B14F-4D97-AF65-F5344CB8AC3E}">
-        <p14:creationId xmlns:p14="http://schemas.microsoft.com/office/powerpoint/2010/main" val="1534592386"/>
-      </p:ext>
-    </p:extLst>
-  </p:cSld>
-  <p:clrMapOvr>
-    <a:masterClrMapping/>
-  </p:clrMapOvr>
-</p:sld>
-</file>
-
 <file path=ppt/slides/slide24.xml><?xml version="1.0" encoding="utf-8"?>
 <p:sld xmlns:a="http://schemas.openxmlformats.org/drawingml/2006/main" xmlns:r="http://schemas.openxmlformats.org/officeDocument/2006/relationships" xmlns:p="http://schemas.openxmlformats.org/presentationml/2006/main">
   <p:cSld>
@@ -13063,6 +13356,88 @@
           <a:p>
             <a:r>
               <a:rPr lang="en-US" altLang="ko-KR" dirty="0" smtClean="0"/>
+              <a:t>Master Sample</a:t>
+            </a:r>
+            <a:endParaRPr lang="ko-KR" altLang="en-US" dirty="0"/>
+          </a:p>
+        </p:txBody>
+      </p:sp>
+      <p:sp>
+        <p:nvSpPr>
+          <p:cNvPr id="3" name="내용 개체 틀 2"/>
+          <p:cNvSpPr>
+            <a:spLocks noGrp="1"/>
+          </p:cNvSpPr>
+          <p:nvPr>
+            <p:ph idx="1"/>
+          </p:nvPr>
+        </p:nvSpPr>
+        <p:spPr/>
+        <p:txBody>
+          <a:bodyPr/>
+          <a:lstStyle/>
+          <a:p>
+            <a:r>
+              <a:rPr lang="en-US" altLang="ko-KR" dirty="0" smtClean="0"/>
+              <a:t>Calculate pivot values</a:t>
+            </a:r>
+          </a:p>
+          <a:p>
+            <a:pPr lvl="1"/>
+            <a:r>
+              <a:rPr lang="en-US" altLang="ko-KR" dirty="0" smtClean="0"/>
+              <a:t>Choose values from 1/n, 2/n, …, (n-1)/n position </a:t>
+            </a:r>
+          </a:p>
+        </p:txBody>
+      </p:sp>
+    </p:spTree>
+    <p:extLst>
+      <p:ext uri="{BB962C8B-B14F-4D97-AF65-F5344CB8AC3E}">
+        <p14:creationId xmlns:p14="http://schemas.microsoft.com/office/powerpoint/2010/main" val="1534592386"/>
+      </p:ext>
+    </p:extLst>
+  </p:cSld>
+  <p:clrMapOvr>
+    <a:masterClrMapping/>
+  </p:clrMapOvr>
+</p:sld>
+</file>
+
+<file path=ppt/slides/slide25.xml><?xml version="1.0" encoding="utf-8"?>
+<p:sld xmlns:a="http://schemas.openxmlformats.org/drawingml/2006/main" xmlns:r="http://schemas.openxmlformats.org/officeDocument/2006/relationships" xmlns:p="http://schemas.openxmlformats.org/presentationml/2006/main">
+  <p:cSld>
+    <p:spTree>
+      <p:nvGrpSpPr>
+        <p:cNvPr id="1" name=""/>
+        <p:cNvGrpSpPr/>
+        <p:nvPr/>
+      </p:nvGrpSpPr>
+      <p:grpSpPr>
+        <a:xfrm>
+          <a:off x="0" y="0"/>
+          <a:ext cx="0" cy="0"/>
+          <a:chOff x="0" y="0"/>
+          <a:chExt cx="0" cy="0"/>
+        </a:xfrm>
+      </p:grpSpPr>
+      <p:sp>
+        <p:nvSpPr>
+          <p:cNvPr id="2" name="제목 1"/>
+          <p:cNvSpPr>
+            <a:spLocks noGrp="1"/>
+          </p:cNvSpPr>
+          <p:nvPr>
+            <p:ph type="title"/>
+          </p:nvPr>
+        </p:nvSpPr>
+        <p:spPr/>
+        <p:txBody>
+          <a:bodyPr/>
+          <a:lstStyle/>
+          <a:p>
+            <a:r>
+              <a:rPr lang="en-US" altLang="ko-KR" dirty="0" smtClean="0"/>
               <a:t>Client Sample</a:t>
             </a:r>
             <a:endParaRPr lang="ko-KR" altLang="en-US" dirty="0"/>
@@ -13172,7 +13547,7 @@
 </p:sld>
 </file>
 
-<file path=ppt/slides/slide25.xml><?xml version="1.0" encoding="utf-8"?>
+<file path=ppt/slides/slide26.xml><?xml version="1.0" encoding="utf-8"?>
 <p:sld xmlns:a="http://schemas.openxmlformats.org/drawingml/2006/main" xmlns:r="http://schemas.openxmlformats.org/officeDocument/2006/relationships" xmlns:p="http://schemas.openxmlformats.org/presentationml/2006/main">
   <p:cSld>
     <p:spTree>
@@ -13705,72 +14080,6 @@
 </p:sld>
 </file>
 
-<file path=ppt/slides/slide26.xml><?xml version="1.0" encoding="utf-8"?>
-<p:sld xmlns:a="http://schemas.openxmlformats.org/drawingml/2006/main" xmlns:r="http://schemas.openxmlformats.org/officeDocument/2006/relationships" xmlns:p="http://schemas.openxmlformats.org/presentationml/2006/main">
-  <p:cSld>
-    <p:spTree>
-      <p:nvGrpSpPr>
-        <p:cNvPr id="1" name=""/>
-        <p:cNvGrpSpPr/>
-        <p:nvPr/>
-      </p:nvGrpSpPr>
-      <p:grpSpPr>
-        <a:xfrm>
-          <a:off x="0" y="0"/>
-          <a:ext cx="0" cy="0"/>
-          <a:chOff x="0" y="0"/>
-          <a:chExt cx="0" cy="0"/>
-        </a:xfrm>
-      </p:grpSpPr>
-      <p:sp>
-        <p:nvSpPr>
-          <p:cNvPr id="2" name="제목 1"/>
-          <p:cNvSpPr>
-            <a:spLocks noGrp="1"/>
-          </p:cNvSpPr>
-          <p:nvPr>
-            <p:ph type="title"/>
-          </p:nvPr>
-        </p:nvSpPr>
-        <p:spPr>
-          <a:xfrm>
-            <a:off x="197117" y="2763371"/>
-            <a:ext cx="11876248" cy="1325563"/>
-          </a:xfrm>
-        </p:spPr>
-        <p:txBody>
-          <a:bodyPr/>
-          <a:lstStyle/>
-          <a:p>
-            <a:pPr algn="ctr"/>
-            <a:r>
-              <a:rPr lang="en-US" altLang="ko-KR" dirty="0" smtClean="0"/>
-              <a:t>Classes</a:t>
-            </a:r>
-            <a:endParaRPr lang="ko-KR" altLang="en-US" dirty="0"/>
-          </a:p>
-        </p:txBody>
-      </p:sp>
-    </p:spTree>
-    <p:extLst>
-      <p:ext uri="{BB962C8B-B14F-4D97-AF65-F5344CB8AC3E}">
-        <p14:creationId xmlns:p14="http://schemas.microsoft.com/office/powerpoint/2010/main" val="2521189219"/>
-      </p:ext>
-    </p:extLst>
-  </p:cSld>
-  <p:clrMapOvr>
-    <a:masterClrMapping/>
-  </p:clrMapOvr>
-  <p:timing>
-    <p:tnLst>
-      <p:par>
-        <p:cTn id="1" dur="indefinite" restart="never" nodeType="tmRoot"/>
-      </p:par>
-    </p:tnLst>
-  </p:timing>
-</p:sld>
-</file>
-
 <file path=ppt/slides/slide27.xml><?xml version="1.0" encoding="utf-8"?>
 <p:sld xmlns:a="http://schemas.openxmlformats.org/drawingml/2006/main" xmlns:r="http://schemas.openxmlformats.org/officeDocument/2006/relationships" xmlns:p="http://schemas.openxmlformats.org/presentationml/2006/main">
   <p:cSld>
@@ -13798,534 +14107,29 @@
             <p:ph type="title"/>
           </p:nvPr>
         </p:nvSpPr>
-        <p:spPr/>
+        <p:spPr>
+          <a:xfrm>
+            <a:off x="197117" y="2763371"/>
+            <a:ext cx="11876248" cy="1325563"/>
+          </a:xfrm>
+        </p:spPr>
         <p:txBody>
           <a:bodyPr/>
           <a:lstStyle/>
           <a:p>
+            <a:pPr algn="ctr"/>
             <a:r>
               <a:rPr lang="en-US" altLang="ko-KR" dirty="0" smtClean="0"/>
-              <a:t>Messages</a:t>
+              <a:t>Classes</a:t>
             </a:r>
             <a:endParaRPr lang="ko-KR" altLang="en-US" dirty="0"/>
-          </a:p>
-        </p:txBody>
-      </p:sp>
-      <p:sp>
-        <p:nvSpPr>
-          <p:cNvPr id="5" name="직사각형 4"/>
-          <p:cNvSpPr/>
-          <p:nvPr/>
-        </p:nvSpPr>
-        <p:spPr>
-          <a:xfrm>
-            <a:off x="970412" y="2020066"/>
-            <a:ext cx="10383387" cy="1877437"/>
-          </a:xfrm>
-          <a:prstGeom prst="rect">
-            <a:avLst/>
-          </a:prstGeom>
-        </p:spPr>
-        <p:txBody>
-          <a:bodyPr wrap="square">
-            <a:spAutoFit/>
-          </a:bodyPr>
-          <a:lstStyle/>
-          <a:p>
-            <a:pPr lvl="0" eaLnBrk="0" fontAlgn="base" latinLnBrk="0" hangingPunct="0">
-              <a:spcBef>
-                <a:spcPct val="0"/>
-              </a:spcBef>
-              <a:spcAft>
-                <a:spcPct val="0"/>
-              </a:spcAft>
-            </a:pPr>
-            <a:r>
-              <a:rPr lang="ko-KR" altLang="ko-KR" sz="1400" dirty="0" err="1">
-                <a:latin typeface="+mn-ea"/>
-              </a:rPr>
-              <a:t>abstract</a:t>
-            </a:r>
-            <a:r>
-              <a:rPr lang="ko-KR" altLang="ko-KR" sz="1400" dirty="0">
-                <a:latin typeface="+mn-ea"/>
-              </a:rPr>
-              <a:t> </a:t>
-            </a:r>
-            <a:r>
-              <a:rPr lang="ko-KR" altLang="ko-KR" sz="1400" dirty="0" err="1">
-                <a:latin typeface="+mn-ea"/>
-              </a:rPr>
-              <a:t>class</a:t>
-            </a:r>
-            <a:r>
-              <a:rPr lang="ko-KR" altLang="ko-KR" sz="1400" dirty="0">
-                <a:latin typeface="+mn-ea"/>
-              </a:rPr>
-              <a:t> </a:t>
-            </a:r>
-            <a:r>
-              <a:rPr lang="ko-KR" altLang="ko-KR" sz="1400" dirty="0" err="1" smtClean="0">
-                <a:latin typeface="+mn-ea"/>
-              </a:rPr>
-              <a:t>Message</a:t>
-            </a:r>
-            <a:r>
-              <a:rPr lang="ko-KR" altLang="ko-KR" sz="1400" dirty="0">
-                <a:latin typeface="+mn-ea"/>
-              </a:rPr>
-              <a:t/>
-            </a:r>
-            <a:br>
-              <a:rPr lang="ko-KR" altLang="ko-KR" sz="1400" dirty="0">
-                <a:latin typeface="+mn-ea"/>
-              </a:rPr>
-            </a:br>
-            <a:r>
-              <a:rPr lang="ko-KR" altLang="ko-KR" sz="1400" dirty="0" err="1">
-                <a:latin typeface="+mn-ea"/>
-              </a:rPr>
-              <a:t>case</a:t>
-            </a:r>
-            <a:r>
-              <a:rPr lang="ko-KR" altLang="ko-KR" sz="1400" dirty="0">
-                <a:latin typeface="+mn-ea"/>
-              </a:rPr>
-              <a:t> </a:t>
-            </a:r>
-            <a:r>
-              <a:rPr lang="ko-KR" altLang="ko-KR" sz="1400" dirty="0" err="1">
-                <a:latin typeface="+mn-ea"/>
-              </a:rPr>
-              <a:t>class</a:t>
-            </a:r>
-            <a:r>
-              <a:rPr lang="ko-KR" altLang="ko-KR" sz="1400" dirty="0">
-                <a:latin typeface="+mn-ea"/>
-              </a:rPr>
-              <a:t> </a:t>
-            </a:r>
-            <a:r>
-              <a:rPr lang="ko-KR" altLang="ko-KR" sz="1400" dirty="0" err="1">
-                <a:latin typeface="+mn-ea"/>
-              </a:rPr>
-              <a:t>ConnectionMessage</a:t>
-            </a:r>
-            <a:r>
-              <a:rPr lang="ko-KR" altLang="ko-KR" sz="1400" dirty="0">
-                <a:latin typeface="+mn-ea"/>
-              </a:rPr>
-              <a:t>(</a:t>
-            </a:r>
-            <a:r>
-              <a:rPr lang="ko-KR" altLang="ko-KR" sz="1400" dirty="0" err="1">
-                <a:latin typeface="+mn-ea"/>
-              </a:rPr>
-              <a:t>socket</a:t>
-            </a:r>
-            <a:r>
-              <a:rPr lang="ko-KR" altLang="ko-KR" sz="1400" dirty="0">
-                <a:latin typeface="+mn-ea"/>
-              </a:rPr>
-              <a:t>: </a:t>
-            </a:r>
-            <a:r>
-              <a:rPr lang="ko-KR" altLang="ko-KR" sz="1400" dirty="0" err="1">
-                <a:latin typeface="+mn-ea"/>
-              </a:rPr>
-              <a:t>Socket</a:t>
-            </a:r>
-            <a:r>
-              <a:rPr lang="ko-KR" altLang="ko-KR" sz="1400" dirty="0">
-                <a:latin typeface="+mn-ea"/>
-              </a:rPr>
-              <a:t>) </a:t>
-            </a:r>
-            <a:r>
-              <a:rPr lang="ko-KR" altLang="ko-KR" sz="1400" dirty="0" err="1">
-                <a:latin typeface="+mn-ea"/>
-              </a:rPr>
-              <a:t>extends</a:t>
-            </a:r>
-            <a:r>
-              <a:rPr lang="ko-KR" altLang="ko-KR" sz="1400" dirty="0">
-                <a:latin typeface="+mn-ea"/>
-              </a:rPr>
-              <a:t> </a:t>
-            </a:r>
-            <a:r>
-              <a:rPr lang="ko-KR" altLang="ko-KR" sz="1400" dirty="0" err="1">
-                <a:latin typeface="+mn-ea"/>
-              </a:rPr>
-              <a:t>Message</a:t>
-            </a:r>
-            <a:r>
-              <a:rPr lang="ko-KR" altLang="ko-KR" sz="1400" dirty="0">
-                <a:latin typeface="+mn-ea"/>
-              </a:rPr>
-              <a:t/>
-            </a:r>
-            <a:br>
-              <a:rPr lang="ko-KR" altLang="ko-KR" sz="1400" dirty="0">
-                <a:latin typeface="+mn-ea"/>
-              </a:rPr>
-            </a:br>
-            <a:r>
-              <a:rPr lang="ko-KR" altLang="ko-KR" sz="1400" dirty="0" err="1">
-                <a:latin typeface="+mn-ea"/>
-              </a:rPr>
-              <a:t>case</a:t>
-            </a:r>
-            <a:r>
-              <a:rPr lang="ko-KR" altLang="ko-KR" sz="1400" dirty="0">
-                <a:latin typeface="+mn-ea"/>
-              </a:rPr>
-              <a:t> </a:t>
-            </a:r>
-            <a:r>
-              <a:rPr lang="ko-KR" altLang="ko-KR" sz="1400" dirty="0" err="1">
-                <a:latin typeface="+mn-ea"/>
-              </a:rPr>
-              <a:t>class</a:t>
-            </a:r>
-            <a:r>
-              <a:rPr lang="ko-KR" altLang="ko-KR" sz="1400" dirty="0">
-                <a:latin typeface="+mn-ea"/>
-              </a:rPr>
-              <a:t> </a:t>
-            </a:r>
-            <a:r>
-              <a:rPr lang="ko-KR" altLang="ko-KR" sz="1400" dirty="0" err="1">
-                <a:latin typeface="+mn-ea"/>
-              </a:rPr>
-              <a:t>SampleMessage</a:t>
-            </a:r>
-            <a:r>
-              <a:rPr lang="ko-KR" altLang="ko-KR" sz="1400" dirty="0">
-                <a:latin typeface="+mn-ea"/>
-              </a:rPr>
-              <a:t>(</a:t>
-            </a:r>
-            <a:r>
-              <a:rPr lang="ko-KR" altLang="ko-KR" sz="1400" dirty="0" err="1">
-                <a:latin typeface="+mn-ea"/>
-              </a:rPr>
-              <a:t>numData</a:t>
-            </a:r>
-            <a:r>
-              <a:rPr lang="ko-KR" altLang="ko-KR" sz="1400" dirty="0">
-                <a:latin typeface="+mn-ea"/>
-              </a:rPr>
-              <a:t>: </a:t>
-            </a:r>
-            <a:r>
-              <a:rPr lang="ko-KR" altLang="ko-KR" sz="1400" dirty="0" err="1">
-                <a:latin typeface="+mn-ea"/>
-              </a:rPr>
-              <a:t>Int</a:t>
-            </a:r>
-            <a:r>
-              <a:rPr lang="ko-KR" altLang="ko-KR" sz="1400" dirty="0">
-                <a:latin typeface="+mn-ea"/>
-              </a:rPr>
-              <a:t>, </a:t>
-            </a:r>
-            <a:r>
-              <a:rPr lang="ko-KR" altLang="ko-KR" sz="1400" dirty="0" err="1">
-                <a:latin typeface="+mn-ea"/>
-              </a:rPr>
-              <a:t>keys</a:t>
-            </a:r>
-            <a:r>
-              <a:rPr lang="ko-KR" altLang="ko-KR" sz="1400" dirty="0">
-                <a:latin typeface="+mn-ea"/>
-              </a:rPr>
-              <a:t>: </a:t>
-            </a:r>
-            <a:r>
-              <a:rPr lang="ko-KR" altLang="ko-KR" sz="1400" dirty="0" err="1">
-                <a:latin typeface="+mn-ea"/>
-              </a:rPr>
-              <a:t>Array</a:t>
-            </a:r>
-            <a:r>
-              <a:rPr lang="ko-KR" altLang="ko-KR" sz="1400" dirty="0">
-                <a:latin typeface="+mn-ea"/>
-              </a:rPr>
-              <a:t>[</a:t>
-            </a:r>
-            <a:r>
-              <a:rPr lang="ko-KR" altLang="ko-KR" sz="1400" dirty="0" err="1">
-                <a:latin typeface="+mn-ea"/>
-              </a:rPr>
-              <a:t>Key</a:t>
-            </a:r>
-            <a:r>
-              <a:rPr lang="ko-KR" altLang="ko-KR" sz="1400" dirty="0">
-                <a:latin typeface="+mn-ea"/>
-              </a:rPr>
-              <a:t>], </a:t>
-            </a:r>
-            <a:r>
-              <a:rPr lang="ko-KR" altLang="ko-KR" sz="1400" dirty="0" err="1">
-                <a:latin typeface="+mn-ea"/>
-              </a:rPr>
-              <a:t>handler</a:t>
-            </a:r>
-            <a:r>
-              <a:rPr lang="ko-KR" altLang="ko-KR" sz="1400" dirty="0">
-                <a:latin typeface="+mn-ea"/>
-              </a:rPr>
-              <a:t>: </a:t>
-            </a:r>
-            <a:r>
-              <a:rPr lang="ko-KR" altLang="ko-KR" sz="1400" dirty="0" err="1" smtClean="0">
-                <a:latin typeface="+mn-ea"/>
-              </a:rPr>
-              <a:t>SocketHandler</a:t>
-            </a:r>
-            <a:r>
-              <a:rPr lang="ko-KR" altLang="ko-KR" sz="1400" dirty="0" smtClean="0">
-                <a:latin typeface="+mn-ea"/>
-              </a:rPr>
-              <a:t>) </a:t>
-            </a:r>
-            <a:r>
-              <a:rPr lang="ko-KR" altLang="ko-KR" sz="1400" dirty="0" err="1">
-                <a:latin typeface="+mn-ea"/>
-              </a:rPr>
-              <a:t>extends</a:t>
-            </a:r>
-            <a:r>
-              <a:rPr lang="ko-KR" altLang="ko-KR" sz="1400" dirty="0">
-                <a:latin typeface="+mn-ea"/>
-              </a:rPr>
-              <a:t> </a:t>
-            </a:r>
-            <a:r>
-              <a:rPr lang="ko-KR" altLang="ko-KR" sz="1400" dirty="0" err="1" smtClean="0">
-                <a:latin typeface="+mn-ea"/>
-              </a:rPr>
-              <a:t>Message</a:t>
-            </a:r>
-            <a:endParaRPr lang="en-US" altLang="ko-KR" sz="1400" dirty="0" smtClean="0">
-              <a:latin typeface="+mn-ea"/>
-            </a:endParaRPr>
-          </a:p>
-          <a:p>
-            <a:pPr lvl="0" eaLnBrk="0" fontAlgn="base" latinLnBrk="0" hangingPunct="0">
-              <a:spcBef>
-                <a:spcPct val="0"/>
-              </a:spcBef>
-              <a:spcAft>
-                <a:spcPct val="0"/>
-              </a:spcAft>
-            </a:pPr>
-            <a:endParaRPr lang="en-US" altLang="ko-KR" sz="1400" dirty="0">
-              <a:latin typeface="+mn-ea"/>
-            </a:endParaRPr>
-          </a:p>
-          <a:p>
-            <a:pPr lvl="0" eaLnBrk="0" fontAlgn="base" latinLnBrk="0" hangingPunct="0">
-              <a:spcBef>
-                <a:spcPct val="0"/>
-              </a:spcBef>
-              <a:spcAft>
-                <a:spcPct val="0"/>
-              </a:spcAft>
-            </a:pPr>
-            <a:r>
-              <a:rPr lang="ko-KR" altLang="ko-KR" sz="1400" dirty="0" err="1">
-                <a:latin typeface="+mn-ea"/>
-              </a:rPr>
-              <a:t>abstract</a:t>
-            </a:r>
-            <a:r>
-              <a:rPr lang="ko-KR" altLang="ko-KR" sz="1400" dirty="0">
-                <a:latin typeface="+mn-ea"/>
-              </a:rPr>
-              <a:t> </a:t>
-            </a:r>
-            <a:r>
-              <a:rPr lang="ko-KR" altLang="ko-KR" sz="1400" dirty="0" err="1">
-                <a:latin typeface="+mn-ea"/>
-              </a:rPr>
-              <a:t>class</a:t>
-            </a:r>
-            <a:r>
-              <a:rPr lang="ko-KR" altLang="ko-KR" sz="1400" dirty="0">
-                <a:latin typeface="+mn-ea"/>
-              </a:rPr>
-              <a:t> </a:t>
-            </a:r>
-            <a:r>
-              <a:rPr lang="en-US" altLang="ko-KR" sz="1400" dirty="0" err="1" smtClean="0">
-                <a:latin typeface="+mn-ea"/>
-              </a:rPr>
-              <a:t>Send</a:t>
-            </a:r>
-            <a:r>
-              <a:rPr lang="en-US" altLang="ko-KR" sz="1400" dirty="0" err="1" smtClean="0">
-                <a:latin typeface="+mn-ea"/>
-              </a:rPr>
-              <a:t>ableMessage</a:t>
-            </a:r>
-            <a:endParaRPr lang="en-US" altLang="ko-KR" sz="1400" dirty="0">
-              <a:latin typeface="+mn-ea"/>
-            </a:endParaRPr>
-          </a:p>
-          <a:p>
-            <a:pPr lvl="0" eaLnBrk="0" fontAlgn="base" latinLnBrk="0" hangingPunct="0">
-              <a:spcBef>
-                <a:spcPct val="0"/>
-              </a:spcBef>
-              <a:spcAft>
-                <a:spcPct val="0"/>
-              </a:spcAft>
-            </a:pPr>
-            <a:r>
-              <a:rPr lang="ko-KR" altLang="ko-KR" sz="1400" dirty="0" err="1" smtClean="0">
-                <a:latin typeface="+mn-ea"/>
-              </a:rPr>
-              <a:t>case</a:t>
-            </a:r>
-            <a:r>
-              <a:rPr lang="ko-KR" altLang="ko-KR" sz="1400" dirty="0" smtClean="0">
-                <a:latin typeface="+mn-ea"/>
-              </a:rPr>
-              <a:t> </a:t>
-            </a:r>
-            <a:r>
-              <a:rPr lang="ko-KR" altLang="ko-KR" sz="1400" dirty="0" err="1" smtClean="0">
-                <a:latin typeface="+mn-ea"/>
-              </a:rPr>
-              <a:t>class</a:t>
-            </a:r>
-            <a:r>
-              <a:rPr lang="en-US" altLang="ko-KR" sz="1400" dirty="0">
-                <a:latin typeface="+mn-ea"/>
-              </a:rPr>
-              <a:t> </a:t>
-            </a:r>
-            <a:r>
-              <a:rPr lang="en-US" altLang="ko-KR" sz="1400" dirty="0" err="1" smtClean="0">
-                <a:latin typeface="+mn-ea"/>
-              </a:rPr>
-              <a:t>Sendable</a:t>
-            </a:r>
-            <a:r>
-              <a:rPr lang="ko-KR" altLang="ko-KR" sz="1400" dirty="0" err="1" smtClean="0">
-                <a:latin typeface="+mn-ea"/>
-              </a:rPr>
-              <a:t>SampleMessage</a:t>
-            </a:r>
-            <a:r>
-              <a:rPr lang="ko-KR" altLang="ko-KR" sz="1400" dirty="0" smtClean="0">
-                <a:latin typeface="+mn-ea"/>
-              </a:rPr>
-              <a:t>(</a:t>
-            </a:r>
-            <a:r>
-              <a:rPr lang="ko-KR" altLang="ko-KR" sz="1400" dirty="0" err="1" smtClean="0">
-                <a:latin typeface="+mn-ea"/>
-              </a:rPr>
-              <a:t>numData</a:t>
-            </a:r>
-            <a:r>
-              <a:rPr lang="ko-KR" altLang="ko-KR" sz="1400" dirty="0">
-                <a:latin typeface="+mn-ea"/>
-              </a:rPr>
-              <a:t>: </a:t>
-            </a:r>
-            <a:r>
-              <a:rPr lang="ko-KR" altLang="ko-KR" sz="1400" dirty="0" err="1">
-                <a:latin typeface="+mn-ea"/>
-              </a:rPr>
-              <a:t>Int</a:t>
-            </a:r>
-            <a:r>
-              <a:rPr lang="ko-KR" altLang="ko-KR" sz="1400" dirty="0">
-                <a:latin typeface="+mn-ea"/>
-              </a:rPr>
-              <a:t>, </a:t>
-            </a:r>
-            <a:r>
-              <a:rPr lang="ko-KR" altLang="ko-KR" sz="1400" dirty="0" err="1">
-                <a:latin typeface="+mn-ea"/>
-              </a:rPr>
-              <a:t>keys</a:t>
-            </a:r>
-            <a:r>
-              <a:rPr lang="ko-KR" altLang="ko-KR" sz="1400" dirty="0">
-                <a:latin typeface="+mn-ea"/>
-              </a:rPr>
-              <a:t>: </a:t>
-            </a:r>
-            <a:r>
-              <a:rPr lang="en-US" altLang="ko-KR" sz="1400" dirty="0" smtClean="0">
-                <a:latin typeface="+mn-ea"/>
-              </a:rPr>
-              <a:t>String</a:t>
-            </a:r>
-            <a:r>
-              <a:rPr lang="ko-KR" altLang="ko-KR" sz="1400" dirty="0" smtClean="0">
-                <a:latin typeface="+mn-ea"/>
-              </a:rPr>
-              <a:t>) </a:t>
-            </a:r>
-            <a:r>
-              <a:rPr lang="ko-KR" altLang="ko-KR" sz="1400" dirty="0" err="1">
-                <a:latin typeface="+mn-ea"/>
-              </a:rPr>
-              <a:t>extends</a:t>
-            </a:r>
-            <a:r>
-              <a:rPr lang="ko-KR" altLang="ko-KR" sz="1400" dirty="0">
-                <a:latin typeface="+mn-ea"/>
-              </a:rPr>
-              <a:t> </a:t>
-            </a:r>
-            <a:r>
-              <a:rPr lang="en-US" altLang="ko-KR" sz="1400" dirty="0" err="1" smtClean="0">
-                <a:latin typeface="+mn-ea"/>
-              </a:rPr>
-              <a:t>Send</a:t>
-            </a:r>
-            <a:r>
-              <a:rPr lang="en-US" altLang="ko-KR" sz="1400" dirty="0" err="1" smtClean="0">
-                <a:latin typeface="+mn-ea"/>
-              </a:rPr>
-              <a:t>able</a:t>
-            </a:r>
-            <a:r>
-              <a:rPr lang="ko-KR" altLang="ko-KR" sz="1400" dirty="0" err="1" smtClean="0">
-                <a:latin typeface="+mn-ea"/>
-              </a:rPr>
-              <a:t>Message</a:t>
-            </a:r>
-            <a:endParaRPr lang="ko-KR" altLang="ko-KR" sz="1400" dirty="0">
-              <a:latin typeface="+mn-ea"/>
-            </a:endParaRPr>
-          </a:p>
-          <a:p>
-            <a:pPr lvl="0" eaLnBrk="0" fontAlgn="base" latinLnBrk="0" hangingPunct="0">
-              <a:spcBef>
-                <a:spcPct val="0"/>
-              </a:spcBef>
-              <a:spcAft>
-                <a:spcPct val="0"/>
-              </a:spcAft>
-            </a:pPr>
-            <a:endParaRPr lang="ko-KR" altLang="ko-KR" sz="3200" dirty="0">
-              <a:latin typeface="+mn-ea"/>
-            </a:endParaRPr>
           </a:p>
         </p:txBody>
       </p:sp>
     </p:spTree>
     <p:extLst>
       <p:ext uri="{BB962C8B-B14F-4D97-AF65-F5344CB8AC3E}">
-        <p14:creationId xmlns:p14="http://schemas.microsoft.com/office/powerpoint/2010/main" val="1055633754"/>
+        <p14:creationId xmlns:p14="http://schemas.microsoft.com/office/powerpoint/2010/main" val="2521189219"/>
       </p:ext>
     </p:extLst>
   </p:cSld>
@@ -14369,29 +14173,522 @@
             <p:ph type="title"/>
           </p:nvPr>
         </p:nvSpPr>
-        <p:spPr>
-          <a:xfrm>
-            <a:off x="197117" y="2763371"/>
-            <a:ext cx="11876248" cy="1325563"/>
-          </a:xfrm>
-        </p:spPr>
+        <p:spPr/>
         <p:txBody>
           <a:bodyPr/>
           <a:lstStyle/>
           <a:p>
-            <a:pPr algn="ctr"/>
             <a:r>
               <a:rPr lang="en-US" altLang="ko-KR" dirty="0" smtClean="0"/>
-              <a:t>Tests</a:t>
+              <a:t>Messages</a:t>
             </a:r>
             <a:endParaRPr lang="ko-KR" altLang="en-US" dirty="0"/>
+          </a:p>
+        </p:txBody>
+      </p:sp>
+      <p:sp>
+        <p:nvSpPr>
+          <p:cNvPr id="5" name="직사각형 4"/>
+          <p:cNvSpPr/>
+          <p:nvPr/>
+        </p:nvSpPr>
+        <p:spPr>
+          <a:xfrm>
+            <a:off x="970412" y="2020066"/>
+            <a:ext cx="10383387" cy="1877437"/>
+          </a:xfrm>
+          <a:prstGeom prst="rect">
+            <a:avLst/>
+          </a:prstGeom>
+        </p:spPr>
+        <p:txBody>
+          <a:bodyPr wrap="square">
+            <a:spAutoFit/>
+          </a:bodyPr>
+          <a:lstStyle/>
+          <a:p>
+            <a:pPr lvl="0" eaLnBrk="0" fontAlgn="base" latinLnBrk="0" hangingPunct="0">
+              <a:spcBef>
+                <a:spcPct val="0"/>
+              </a:spcBef>
+              <a:spcAft>
+                <a:spcPct val="0"/>
+              </a:spcAft>
+            </a:pPr>
+            <a:r>
+              <a:rPr lang="ko-KR" altLang="ko-KR" sz="1400" dirty="0" err="1">
+                <a:latin typeface="+mn-ea"/>
+              </a:rPr>
+              <a:t>abstract</a:t>
+            </a:r>
+            <a:r>
+              <a:rPr lang="ko-KR" altLang="ko-KR" sz="1400" dirty="0">
+                <a:latin typeface="+mn-ea"/>
+              </a:rPr>
+              <a:t> </a:t>
+            </a:r>
+            <a:r>
+              <a:rPr lang="ko-KR" altLang="ko-KR" sz="1400" dirty="0" err="1">
+                <a:latin typeface="+mn-ea"/>
+              </a:rPr>
+              <a:t>class</a:t>
+            </a:r>
+            <a:r>
+              <a:rPr lang="ko-KR" altLang="ko-KR" sz="1400" dirty="0">
+                <a:latin typeface="+mn-ea"/>
+              </a:rPr>
+              <a:t> </a:t>
+            </a:r>
+            <a:r>
+              <a:rPr lang="ko-KR" altLang="ko-KR" sz="1400" dirty="0" err="1" smtClean="0">
+                <a:latin typeface="+mn-ea"/>
+              </a:rPr>
+              <a:t>Message</a:t>
+            </a:r>
+            <a:r>
+              <a:rPr lang="ko-KR" altLang="ko-KR" sz="1400" dirty="0">
+                <a:latin typeface="+mn-ea"/>
+              </a:rPr>
+              <a:t/>
+            </a:r>
+            <a:br>
+              <a:rPr lang="ko-KR" altLang="ko-KR" sz="1400" dirty="0">
+                <a:latin typeface="+mn-ea"/>
+              </a:rPr>
+            </a:br>
+            <a:r>
+              <a:rPr lang="ko-KR" altLang="ko-KR" sz="1400" dirty="0" err="1">
+                <a:latin typeface="+mn-ea"/>
+              </a:rPr>
+              <a:t>case</a:t>
+            </a:r>
+            <a:r>
+              <a:rPr lang="ko-KR" altLang="ko-KR" sz="1400" dirty="0">
+                <a:latin typeface="+mn-ea"/>
+              </a:rPr>
+              <a:t> </a:t>
+            </a:r>
+            <a:r>
+              <a:rPr lang="ko-KR" altLang="ko-KR" sz="1400" dirty="0" err="1">
+                <a:latin typeface="+mn-ea"/>
+              </a:rPr>
+              <a:t>class</a:t>
+            </a:r>
+            <a:r>
+              <a:rPr lang="ko-KR" altLang="ko-KR" sz="1400" dirty="0">
+                <a:latin typeface="+mn-ea"/>
+              </a:rPr>
+              <a:t> </a:t>
+            </a:r>
+            <a:r>
+              <a:rPr lang="ko-KR" altLang="ko-KR" sz="1400" dirty="0" err="1">
+                <a:latin typeface="+mn-ea"/>
+              </a:rPr>
+              <a:t>ConnectionMessage</a:t>
+            </a:r>
+            <a:r>
+              <a:rPr lang="ko-KR" altLang="ko-KR" sz="1400" dirty="0">
+                <a:latin typeface="+mn-ea"/>
+              </a:rPr>
+              <a:t>(</a:t>
+            </a:r>
+            <a:r>
+              <a:rPr lang="ko-KR" altLang="ko-KR" sz="1400" dirty="0" err="1">
+                <a:latin typeface="+mn-ea"/>
+              </a:rPr>
+              <a:t>socket</a:t>
+            </a:r>
+            <a:r>
+              <a:rPr lang="ko-KR" altLang="ko-KR" sz="1400" dirty="0">
+                <a:latin typeface="+mn-ea"/>
+              </a:rPr>
+              <a:t>: </a:t>
+            </a:r>
+            <a:r>
+              <a:rPr lang="ko-KR" altLang="ko-KR" sz="1400" dirty="0" err="1">
+                <a:latin typeface="+mn-ea"/>
+              </a:rPr>
+              <a:t>Socket</a:t>
+            </a:r>
+            <a:r>
+              <a:rPr lang="ko-KR" altLang="ko-KR" sz="1400" dirty="0">
+                <a:latin typeface="+mn-ea"/>
+              </a:rPr>
+              <a:t>) </a:t>
+            </a:r>
+            <a:r>
+              <a:rPr lang="ko-KR" altLang="ko-KR" sz="1400" dirty="0" err="1">
+                <a:latin typeface="+mn-ea"/>
+              </a:rPr>
+              <a:t>extends</a:t>
+            </a:r>
+            <a:r>
+              <a:rPr lang="ko-KR" altLang="ko-KR" sz="1400" dirty="0">
+                <a:latin typeface="+mn-ea"/>
+              </a:rPr>
+              <a:t> </a:t>
+            </a:r>
+            <a:r>
+              <a:rPr lang="ko-KR" altLang="ko-KR" sz="1400" dirty="0" err="1">
+                <a:latin typeface="+mn-ea"/>
+              </a:rPr>
+              <a:t>Message</a:t>
+            </a:r>
+            <a:r>
+              <a:rPr lang="ko-KR" altLang="ko-KR" sz="1400" dirty="0">
+                <a:latin typeface="+mn-ea"/>
+              </a:rPr>
+              <a:t/>
+            </a:r>
+            <a:br>
+              <a:rPr lang="ko-KR" altLang="ko-KR" sz="1400" dirty="0">
+                <a:latin typeface="+mn-ea"/>
+              </a:rPr>
+            </a:br>
+            <a:r>
+              <a:rPr lang="ko-KR" altLang="ko-KR" sz="1400" dirty="0" err="1">
+                <a:latin typeface="+mn-ea"/>
+              </a:rPr>
+              <a:t>case</a:t>
+            </a:r>
+            <a:r>
+              <a:rPr lang="ko-KR" altLang="ko-KR" sz="1400" dirty="0">
+                <a:latin typeface="+mn-ea"/>
+              </a:rPr>
+              <a:t> </a:t>
+            </a:r>
+            <a:r>
+              <a:rPr lang="ko-KR" altLang="ko-KR" sz="1400" dirty="0" err="1">
+                <a:latin typeface="+mn-ea"/>
+              </a:rPr>
+              <a:t>class</a:t>
+            </a:r>
+            <a:r>
+              <a:rPr lang="ko-KR" altLang="ko-KR" sz="1400" dirty="0">
+                <a:latin typeface="+mn-ea"/>
+              </a:rPr>
+              <a:t> </a:t>
+            </a:r>
+            <a:r>
+              <a:rPr lang="ko-KR" altLang="ko-KR" sz="1400" dirty="0" err="1">
+                <a:latin typeface="+mn-ea"/>
+              </a:rPr>
+              <a:t>SampleMessage</a:t>
+            </a:r>
+            <a:r>
+              <a:rPr lang="ko-KR" altLang="ko-KR" sz="1400" dirty="0">
+                <a:latin typeface="+mn-ea"/>
+              </a:rPr>
+              <a:t>(</a:t>
+            </a:r>
+            <a:r>
+              <a:rPr lang="ko-KR" altLang="ko-KR" sz="1400" dirty="0" err="1">
+                <a:latin typeface="+mn-ea"/>
+              </a:rPr>
+              <a:t>numData</a:t>
+            </a:r>
+            <a:r>
+              <a:rPr lang="ko-KR" altLang="ko-KR" sz="1400" dirty="0">
+                <a:latin typeface="+mn-ea"/>
+              </a:rPr>
+              <a:t>: </a:t>
+            </a:r>
+            <a:r>
+              <a:rPr lang="ko-KR" altLang="ko-KR" sz="1400" dirty="0" err="1">
+                <a:latin typeface="+mn-ea"/>
+              </a:rPr>
+              <a:t>Int</a:t>
+            </a:r>
+            <a:r>
+              <a:rPr lang="ko-KR" altLang="ko-KR" sz="1400" dirty="0">
+                <a:latin typeface="+mn-ea"/>
+              </a:rPr>
+              <a:t>, </a:t>
+            </a:r>
+            <a:r>
+              <a:rPr lang="ko-KR" altLang="ko-KR" sz="1400" dirty="0" err="1">
+                <a:latin typeface="+mn-ea"/>
+              </a:rPr>
+              <a:t>keys</a:t>
+            </a:r>
+            <a:r>
+              <a:rPr lang="ko-KR" altLang="ko-KR" sz="1400" dirty="0">
+                <a:latin typeface="+mn-ea"/>
+              </a:rPr>
+              <a:t>: </a:t>
+            </a:r>
+            <a:r>
+              <a:rPr lang="ko-KR" altLang="ko-KR" sz="1400" dirty="0" err="1">
+                <a:latin typeface="+mn-ea"/>
+              </a:rPr>
+              <a:t>Array</a:t>
+            </a:r>
+            <a:r>
+              <a:rPr lang="ko-KR" altLang="ko-KR" sz="1400" dirty="0">
+                <a:latin typeface="+mn-ea"/>
+              </a:rPr>
+              <a:t>[</a:t>
+            </a:r>
+            <a:r>
+              <a:rPr lang="ko-KR" altLang="ko-KR" sz="1400" dirty="0" err="1">
+                <a:latin typeface="+mn-ea"/>
+              </a:rPr>
+              <a:t>Key</a:t>
+            </a:r>
+            <a:r>
+              <a:rPr lang="ko-KR" altLang="ko-KR" sz="1400" dirty="0">
+                <a:latin typeface="+mn-ea"/>
+              </a:rPr>
+              <a:t>], </a:t>
+            </a:r>
+            <a:r>
+              <a:rPr lang="ko-KR" altLang="ko-KR" sz="1400" dirty="0" err="1">
+                <a:latin typeface="+mn-ea"/>
+              </a:rPr>
+              <a:t>handler</a:t>
+            </a:r>
+            <a:r>
+              <a:rPr lang="ko-KR" altLang="ko-KR" sz="1400" dirty="0">
+                <a:latin typeface="+mn-ea"/>
+              </a:rPr>
+              <a:t>: </a:t>
+            </a:r>
+            <a:r>
+              <a:rPr lang="ko-KR" altLang="ko-KR" sz="1400" dirty="0" err="1" smtClean="0">
+                <a:latin typeface="+mn-ea"/>
+              </a:rPr>
+              <a:t>SocketHandler</a:t>
+            </a:r>
+            <a:r>
+              <a:rPr lang="ko-KR" altLang="ko-KR" sz="1400" dirty="0" smtClean="0">
+                <a:latin typeface="+mn-ea"/>
+              </a:rPr>
+              <a:t>) </a:t>
+            </a:r>
+            <a:r>
+              <a:rPr lang="ko-KR" altLang="ko-KR" sz="1400" dirty="0" err="1">
+                <a:latin typeface="+mn-ea"/>
+              </a:rPr>
+              <a:t>extends</a:t>
+            </a:r>
+            <a:r>
+              <a:rPr lang="ko-KR" altLang="ko-KR" sz="1400" dirty="0">
+                <a:latin typeface="+mn-ea"/>
+              </a:rPr>
+              <a:t> </a:t>
+            </a:r>
+            <a:r>
+              <a:rPr lang="ko-KR" altLang="ko-KR" sz="1400" dirty="0" err="1" smtClean="0">
+                <a:latin typeface="+mn-ea"/>
+              </a:rPr>
+              <a:t>Message</a:t>
+            </a:r>
+            <a:endParaRPr lang="en-US" altLang="ko-KR" sz="1400" dirty="0" smtClean="0">
+              <a:latin typeface="+mn-ea"/>
+            </a:endParaRPr>
+          </a:p>
+          <a:p>
+            <a:pPr lvl="0" eaLnBrk="0" fontAlgn="base" latinLnBrk="0" hangingPunct="0">
+              <a:spcBef>
+                <a:spcPct val="0"/>
+              </a:spcBef>
+              <a:spcAft>
+                <a:spcPct val="0"/>
+              </a:spcAft>
+            </a:pPr>
+            <a:endParaRPr lang="en-US" altLang="ko-KR" sz="1400" dirty="0">
+              <a:latin typeface="+mn-ea"/>
+            </a:endParaRPr>
+          </a:p>
+          <a:p>
+            <a:pPr lvl="0" eaLnBrk="0" fontAlgn="base" latinLnBrk="0" hangingPunct="0">
+              <a:spcBef>
+                <a:spcPct val="0"/>
+              </a:spcBef>
+              <a:spcAft>
+                <a:spcPct val="0"/>
+              </a:spcAft>
+            </a:pPr>
+            <a:r>
+              <a:rPr lang="ko-KR" altLang="ko-KR" sz="1400" dirty="0" err="1">
+                <a:latin typeface="+mn-ea"/>
+              </a:rPr>
+              <a:t>abstract</a:t>
+            </a:r>
+            <a:r>
+              <a:rPr lang="ko-KR" altLang="ko-KR" sz="1400" dirty="0">
+                <a:latin typeface="+mn-ea"/>
+              </a:rPr>
+              <a:t> </a:t>
+            </a:r>
+            <a:r>
+              <a:rPr lang="ko-KR" altLang="ko-KR" sz="1400" dirty="0" err="1">
+                <a:latin typeface="+mn-ea"/>
+              </a:rPr>
+              <a:t>class</a:t>
+            </a:r>
+            <a:r>
+              <a:rPr lang="ko-KR" altLang="ko-KR" sz="1400" dirty="0">
+                <a:latin typeface="+mn-ea"/>
+              </a:rPr>
+              <a:t> </a:t>
+            </a:r>
+            <a:r>
+              <a:rPr lang="en-US" altLang="ko-KR" sz="1400" dirty="0" err="1" smtClean="0">
+                <a:latin typeface="+mn-ea"/>
+              </a:rPr>
+              <a:t>SendableMessage</a:t>
+            </a:r>
+            <a:endParaRPr lang="en-US" altLang="ko-KR" sz="1400" dirty="0">
+              <a:latin typeface="+mn-ea"/>
+            </a:endParaRPr>
+          </a:p>
+          <a:p>
+            <a:pPr lvl="0" eaLnBrk="0" fontAlgn="base" latinLnBrk="0" hangingPunct="0">
+              <a:spcBef>
+                <a:spcPct val="0"/>
+              </a:spcBef>
+              <a:spcAft>
+                <a:spcPct val="0"/>
+              </a:spcAft>
+            </a:pPr>
+            <a:r>
+              <a:rPr lang="ko-KR" altLang="ko-KR" sz="1400" dirty="0" err="1" smtClean="0">
+                <a:latin typeface="+mn-ea"/>
+              </a:rPr>
+              <a:t>case</a:t>
+            </a:r>
+            <a:r>
+              <a:rPr lang="ko-KR" altLang="ko-KR" sz="1400" dirty="0" smtClean="0">
+                <a:latin typeface="+mn-ea"/>
+              </a:rPr>
+              <a:t> </a:t>
+            </a:r>
+            <a:r>
+              <a:rPr lang="ko-KR" altLang="ko-KR" sz="1400" dirty="0" err="1" smtClean="0">
+                <a:latin typeface="+mn-ea"/>
+              </a:rPr>
+              <a:t>class</a:t>
+            </a:r>
+            <a:r>
+              <a:rPr lang="en-US" altLang="ko-KR" sz="1400" dirty="0">
+                <a:latin typeface="+mn-ea"/>
+              </a:rPr>
+              <a:t> </a:t>
+            </a:r>
+            <a:r>
+              <a:rPr lang="en-US" altLang="ko-KR" sz="1400" dirty="0" err="1" smtClean="0">
+                <a:latin typeface="+mn-ea"/>
+              </a:rPr>
+              <a:t>Sendable</a:t>
+            </a:r>
+            <a:r>
+              <a:rPr lang="ko-KR" altLang="ko-KR" sz="1400" dirty="0" err="1" smtClean="0">
+                <a:latin typeface="+mn-ea"/>
+              </a:rPr>
+              <a:t>SampleMessage</a:t>
+            </a:r>
+            <a:r>
+              <a:rPr lang="ko-KR" altLang="ko-KR" sz="1400" dirty="0" smtClean="0">
+                <a:latin typeface="+mn-ea"/>
+              </a:rPr>
+              <a:t>(</a:t>
+            </a:r>
+            <a:r>
+              <a:rPr lang="ko-KR" altLang="ko-KR" sz="1400" dirty="0" err="1" smtClean="0">
+                <a:latin typeface="+mn-ea"/>
+              </a:rPr>
+              <a:t>numData</a:t>
+            </a:r>
+            <a:r>
+              <a:rPr lang="ko-KR" altLang="ko-KR" sz="1400" dirty="0">
+                <a:latin typeface="+mn-ea"/>
+              </a:rPr>
+              <a:t>: </a:t>
+            </a:r>
+            <a:r>
+              <a:rPr lang="ko-KR" altLang="ko-KR" sz="1400" dirty="0" err="1">
+                <a:latin typeface="+mn-ea"/>
+              </a:rPr>
+              <a:t>Int</a:t>
+            </a:r>
+            <a:r>
+              <a:rPr lang="ko-KR" altLang="ko-KR" sz="1400" dirty="0">
+                <a:latin typeface="+mn-ea"/>
+              </a:rPr>
+              <a:t>, </a:t>
+            </a:r>
+            <a:r>
+              <a:rPr lang="ko-KR" altLang="ko-KR" sz="1400" dirty="0" err="1">
+                <a:latin typeface="+mn-ea"/>
+              </a:rPr>
+              <a:t>keys</a:t>
+            </a:r>
+            <a:r>
+              <a:rPr lang="ko-KR" altLang="ko-KR" sz="1400" dirty="0">
+                <a:latin typeface="+mn-ea"/>
+              </a:rPr>
+              <a:t>: </a:t>
+            </a:r>
+            <a:r>
+              <a:rPr lang="en-US" altLang="ko-KR" sz="1400" dirty="0" smtClean="0">
+                <a:latin typeface="+mn-ea"/>
+              </a:rPr>
+              <a:t>String</a:t>
+            </a:r>
+            <a:r>
+              <a:rPr lang="ko-KR" altLang="ko-KR" sz="1400" dirty="0" smtClean="0">
+                <a:latin typeface="+mn-ea"/>
+              </a:rPr>
+              <a:t>) </a:t>
+            </a:r>
+            <a:r>
+              <a:rPr lang="ko-KR" altLang="ko-KR" sz="1400" dirty="0" err="1">
+                <a:latin typeface="+mn-ea"/>
+              </a:rPr>
+              <a:t>extends</a:t>
+            </a:r>
+            <a:r>
+              <a:rPr lang="ko-KR" altLang="ko-KR" sz="1400" dirty="0">
+                <a:latin typeface="+mn-ea"/>
+              </a:rPr>
+              <a:t> </a:t>
+            </a:r>
+            <a:r>
+              <a:rPr lang="en-US" altLang="ko-KR" sz="1400" dirty="0" err="1" smtClean="0">
+                <a:latin typeface="+mn-ea"/>
+              </a:rPr>
+              <a:t>Sendable</a:t>
+            </a:r>
+            <a:r>
+              <a:rPr lang="ko-KR" altLang="ko-KR" sz="1400" dirty="0" err="1" smtClean="0">
+                <a:latin typeface="+mn-ea"/>
+              </a:rPr>
+              <a:t>Message</a:t>
+            </a:r>
+            <a:endParaRPr lang="ko-KR" altLang="ko-KR" sz="1400" dirty="0">
+              <a:latin typeface="+mn-ea"/>
+            </a:endParaRPr>
+          </a:p>
+          <a:p>
+            <a:pPr lvl="0" eaLnBrk="0" fontAlgn="base" latinLnBrk="0" hangingPunct="0">
+              <a:spcBef>
+                <a:spcPct val="0"/>
+              </a:spcBef>
+              <a:spcAft>
+                <a:spcPct val="0"/>
+              </a:spcAft>
+            </a:pPr>
+            <a:endParaRPr lang="ko-KR" altLang="ko-KR" sz="3200" dirty="0">
+              <a:latin typeface="+mn-ea"/>
+            </a:endParaRPr>
           </a:p>
         </p:txBody>
       </p:sp>
     </p:spTree>
     <p:extLst>
       <p:ext uri="{BB962C8B-B14F-4D97-AF65-F5344CB8AC3E}">
-        <p14:creationId xmlns:p14="http://schemas.microsoft.com/office/powerpoint/2010/main" val="946132181"/>
+        <p14:creationId xmlns:p14="http://schemas.microsoft.com/office/powerpoint/2010/main" val="1055633754"/>
       </p:ext>
     </p:extLst>
   </p:cSld>
@@ -14435,37 +14732,20 @@
             <p:ph type="title"/>
           </p:nvPr>
         </p:nvSpPr>
-        <p:spPr/>
+        <p:spPr>
+          <a:xfrm>
+            <a:off x="197117" y="2763371"/>
+            <a:ext cx="11876248" cy="1325563"/>
+          </a:xfrm>
+        </p:spPr>
         <p:txBody>
           <a:bodyPr/>
           <a:lstStyle/>
           <a:p>
+            <a:pPr algn="ctr"/>
             <a:r>
               <a:rPr lang="en-US" altLang="ko-KR" dirty="0" smtClean="0"/>
-              <a:t>Sample Calculation</a:t>
-            </a:r>
-            <a:endParaRPr lang="ko-KR" altLang="en-US" dirty="0"/>
-          </a:p>
-        </p:txBody>
-      </p:sp>
-      <p:sp>
-        <p:nvSpPr>
-          <p:cNvPr id="3" name="내용 개체 틀 2"/>
-          <p:cNvSpPr>
-            <a:spLocks noGrp="1"/>
-          </p:cNvSpPr>
-          <p:nvPr>
-            <p:ph idx="1"/>
-          </p:nvPr>
-        </p:nvSpPr>
-        <p:spPr/>
-        <p:txBody>
-          <a:bodyPr/>
-          <a:lstStyle/>
-          <a:p>
-            <a:r>
-              <a:rPr lang="en-US" altLang="ko-KR" dirty="0" err="1" smtClean="0"/>
-              <a:t>calculatesCorrectPivot</a:t>
+              <a:t>Tests</a:t>
             </a:r>
             <a:endParaRPr lang="ko-KR" altLang="en-US" dirty="0"/>
           </a:p>
@@ -14474,13 +14754,20 @@
     </p:spTree>
     <p:extLst>
       <p:ext uri="{BB962C8B-B14F-4D97-AF65-F5344CB8AC3E}">
-        <p14:creationId xmlns:p14="http://schemas.microsoft.com/office/powerpoint/2010/main" val="81598223"/>
+        <p14:creationId xmlns:p14="http://schemas.microsoft.com/office/powerpoint/2010/main" val="946132181"/>
       </p:ext>
     </p:extLst>
   </p:cSld>
   <p:clrMapOvr>
     <a:masterClrMapping/>
   </p:clrMapOvr>
+  <p:timing>
+    <p:tnLst>
+      <p:par>
+        <p:cTn id="1" dur="indefinite" restart="never" nodeType="tmRoot"/>
+      </p:par>
+    </p:tnLst>
+  </p:timing>
 </p:sld>
 </file>
 
@@ -14594,6 +14881,82 @@
 </p:sld>
 </file>
 
+<file path=ppt/slides/slide30.xml><?xml version="1.0" encoding="utf-8"?>
+<p:sld xmlns:a="http://schemas.openxmlformats.org/drawingml/2006/main" xmlns:r="http://schemas.openxmlformats.org/officeDocument/2006/relationships" xmlns:p="http://schemas.openxmlformats.org/presentationml/2006/main">
+  <p:cSld>
+    <p:spTree>
+      <p:nvGrpSpPr>
+        <p:cNvPr id="1" name=""/>
+        <p:cNvGrpSpPr/>
+        <p:nvPr/>
+      </p:nvGrpSpPr>
+      <p:grpSpPr>
+        <a:xfrm>
+          <a:off x="0" y="0"/>
+          <a:ext cx="0" cy="0"/>
+          <a:chOff x="0" y="0"/>
+          <a:chExt cx="0" cy="0"/>
+        </a:xfrm>
+      </p:grpSpPr>
+      <p:sp>
+        <p:nvSpPr>
+          <p:cNvPr id="2" name="제목 1"/>
+          <p:cNvSpPr>
+            <a:spLocks noGrp="1"/>
+          </p:cNvSpPr>
+          <p:nvPr>
+            <p:ph type="title"/>
+          </p:nvPr>
+        </p:nvSpPr>
+        <p:spPr/>
+        <p:txBody>
+          <a:bodyPr/>
+          <a:lstStyle/>
+          <a:p>
+            <a:r>
+              <a:rPr lang="en-US" altLang="ko-KR" dirty="0" smtClean="0"/>
+              <a:t>Sample Calculation</a:t>
+            </a:r>
+            <a:endParaRPr lang="ko-KR" altLang="en-US" dirty="0"/>
+          </a:p>
+        </p:txBody>
+      </p:sp>
+      <p:sp>
+        <p:nvSpPr>
+          <p:cNvPr id="3" name="내용 개체 틀 2"/>
+          <p:cNvSpPr>
+            <a:spLocks noGrp="1"/>
+          </p:cNvSpPr>
+          <p:nvPr>
+            <p:ph idx="1"/>
+          </p:nvPr>
+        </p:nvSpPr>
+        <p:spPr/>
+        <p:txBody>
+          <a:bodyPr/>
+          <a:lstStyle/>
+          <a:p>
+            <a:r>
+              <a:rPr lang="en-US" altLang="ko-KR" dirty="0" err="1" smtClean="0"/>
+              <a:t>calculatesCorrectPivot</a:t>
+            </a:r>
+            <a:endParaRPr lang="ko-KR" altLang="en-US" dirty="0"/>
+          </a:p>
+        </p:txBody>
+      </p:sp>
+    </p:spTree>
+    <p:extLst>
+      <p:ext uri="{BB962C8B-B14F-4D97-AF65-F5344CB8AC3E}">
+        <p14:creationId xmlns:p14="http://schemas.microsoft.com/office/powerpoint/2010/main" val="81598223"/>
+      </p:ext>
+    </p:extLst>
+  </p:cSld>
+  <p:clrMapOvr>
+    <a:masterClrMapping/>
+  </p:clrMapOvr>
+</p:sld>
+</file>
+
 <file path=ppt/slides/slide4.xml><?xml version="1.0" encoding="utf-8"?>
 <p:sld xmlns:a="http://schemas.openxmlformats.org/drawingml/2006/main" xmlns:r="http://schemas.openxmlformats.org/officeDocument/2006/relationships" xmlns:p="http://schemas.openxmlformats.org/presentationml/2006/main">
   <p:cSld>
@@ -14628,11 +14991,19 @@
           <a:p>
             <a:r>
               <a:rPr lang="en-US" altLang="ko-KR" dirty="0" smtClean="0"/>
-              <a:t>Slave -&gt; Master (</a:t>
+              <a:t>Slave -&gt; Master </a:t>
+            </a:r>
+            <a:r>
+              <a:rPr lang="en-US" altLang="ko-KR" dirty="0" smtClean="0"/>
+              <a:t>(</a:t>
             </a:r>
             <a:r>
               <a:rPr lang="en-US" altLang="ko-KR" dirty="0" err="1" smtClean="0"/>
-              <a:t>SlaveHandler</a:t>
+              <a:t>Socket</a:t>
+            </a:r>
+            <a:r>
+              <a:rPr lang="en-US" altLang="ko-KR" dirty="0" err="1" smtClean="0"/>
+              <a:t>Handler</a:t>
             </a:r>
             <a:r>
               <a:rPr lang="en-US" altLang="ko-KR" dirty="0" smtClean="0"/>
@@ -15769,6 +16140,386 @@
 </file>
 
 <file path=ppt/slides/slide7.xml><?xml version="1.0" encoding="utf-8"?>
+<p:sld xmlns:a="http://schemas.openxmlformats.org/drawingml/2006/main" xmlns:r="http://schemas.openxmlformats.org/officeDocument/2006/relationships" xmlns:p="http://schemas.openxmlformats.org/presentationml/2006/main">
+  <p:cSld>
+    <p:spTree>
+      <p:nvGrpSpPr>
+        <p:cNvPr id="1" name=""/>
+        <p:cNvGrpSpPr/>
+        <p:nvPr/>
+      </p:nvGrpSpPr>
+      <p:grpSpPr>
+        <a:xfrm>
+          <a:off x="0" y="0"/>
+          <a:ext cx="0" cy="0"/>
+          <a:chOff x="0" y="0"/>
+          <a:chExt cx="0" cy="0"/>
+        </a:xfrm>
+      </p:grpSpPr>
+      <p:sp>
+        <p:nvSpPr>
+          <p:cNvPr id="2" name="제목 1"/>
+          <p:cNvSpPr>
+            <a:spLocks noGrp="1"/>
+          </p:cNvSpPr>
+          <p:nvPr>
+            <p:ph type="title"/>
+          </p:nvPr>
+        </p:nvSpPr>
+        <p:spPr/>
+        <p:txBody>
+          <a:bodyPr/>
+          <a:lstStyle/>
+          <a:p>
+            <a:r>
+              <a:rPr lang="en-US" altLang="ko-KR" dirty="0" smtClean="0"/>
+              <a:t>Master(</a:t>
+            </a:r>
+            <a:r>
+              <a:rPr lang="en-US" altLang="ko-KR" dirty="0" err="1" smtClean="0"/>
+              <a:t>SocketHandler</a:t>
+            </a:r>
+            <a:r>
+              <a:rPr lang="en-US" altLang="ko-KR" dirty="0" smtClean="0"/>
+              <a:t>)</a:t>
+            </a:r>
+            <a:r>
+              <a:rPr lang="en-US" altLang="ko-KR" dirty="0" smtClean="0"/>
+              <a:t> </a:t>
+            </a:r>
+            <a:r>
+              <a:rPr lang="en-US" altLang="ko-KR" dirty="0" smtClean="0"/>
+              <a:t>-&gt; </a:t>
+            </a:r>
+            <a:r>
+              <a:rPr lang="en-US" altLang="ko-KR" dirty="0" smtClean="0"/>
+              <a:t>Slave</a:t>
+            </a:r>
+            <a:endParaRPr lang="ko-KR" altLang="en-US" dirty="0"/>
+          </a:p>
+        </p:txBody>
+      </p:sp>
+      <p:sp>
+        <p:nvSpPr>
+          <p:cNvPr id="4" name="모서리가 둥근 직사각형 3"/>
+          <p:cNvSpPr/>
+          <p:nvPr/>
+        </p:nvSpPr>
+        <p:spPr>
+          <a:xfrm>
+            <a:off x="2294213" y="1720206"/>
+            <a:ext cx="1507182" cy="272247"/>
+          </a:xfrm>
+          <a:prstGeom prst="roundRect">
+            <a:avLst/>
+          </a:prstGeom>
+        </p:spPr>
+        <p:style>
+          <a:lnRef idx="1">
+            <a:schemeClr val="accent1"/>
+          </a:lnRef>
+          <a:fillRef idx="2">
+            <a:schemeClr val="accent1"/>
+          </a:fillRef>
+          <a:effectRef idx="1">
+            <a:schemeClr val="accent1"/>
+          </a:effectRef>
+          <a:fontRef idx="minor">
+            <a:schemeClr val="dk1"/>
+          </a:fontRef>
+        </p:style>
+        <p:txBody>
+          <a:bodyPr rtlCol="0" anchor="ctr"/>
+          <a:lstStyle/>
+          <a:p>
+            <a:pPr algn="ctr"/>
+            <a:r>
+              <a:rPr lang="en-US" altLang="ko-KR" sz="1100" dirty="0" err="1" smtClean="0"/>
+              <a:t>SlavesInfoMsg</a:t>
+            </a:r>
+            <a:endParaRPr lang="ko-KR" altLang="en-US" sz="1100" dirty="0"/>
+          </a:p>
+        </p:txBody>
+      </p:sp>
+      <p:graphicFrame>
+        <p:nvGraphicFramePr>
+          <p:cNvPr id="3" name="표 2"/>
+          <p:cNvGraphicFramePr>
+            <a:graphicFrameLocks noGrp="1"/>
+          </p:cNvGraphicFramePr>
+          <p:nvPr>
+            <p:extLst/>
+          </p:nvPr>
+        </p:nvGraphicFramePr>
+        <p:xfrm>
+          <a:off x="753948" y="2179228"/>
+          <a:ext cx="10408372" cy="4499679"/>
+        </p:xfrm>
+        <a:graphic>
+          <a:graphicData uri="http://schemas.openxmlformats.org/drawingml/2006/table">
+            <a:tbl>
+              <a:tblPr firstRow="1" bandRow="1">
+                <a:tableStyleId>{8799B23B-EC83-4686-B30A-512413B5E67A}</a:tableStyleId>
+              </a:tblPr>
+              <a:tblGrid>
+                <a:gridCol w="1488866">
+                  <a:extLst>
+                    <a:ext uri="{9D8B030D-6E8A-4147-A177-3AD203B41FA5}">
+                      <a16:colId xmlns:a16="http://schemas.microsoft.com/office/drawing/2014/main" val="604446546"/>
+                    </a:ext>
+                  </a:extLst>
+                </a:gridCol>
+                <a:gridCol w="4459753">
+                  <a:extLst>
+                    <a:ext uri="{9D8B030D-6E8A-4147-A177-3AD203B41FA5}">
+                      <a16:colId xmlns:a16="http://schemas.microsoft.com/office/drawing/2014/main" val="2603215225"/>
+                    </a:ext>
+                  </a:extLst>
+                </a:gridCol>
+                <a:gridCol w="4459753">
+                  <a:extLst>
+                    <a:ext uri="{9D8B030D-6E8A-4147-A177-3AD203B41FA5}">
+                      <a16:colId xmlns:a16="http://schemas.microsoft.com/office/drawing/2014/main" val="299043731"/>
+                    </a:ext>
+                  </a:extLst>
+                </a:gridCol>
+              </a:tblGrid>
+              <a:tr h="413578">
+                <a:tc>
+                  <a:txBody>
+                    <a:bodyPr/>
+                    <a:lstStyle/>
+                    <a:p>
+                      <a:pPr latinLnBrk="1"/>
+                      <a:r>
+                        <a:rPr lang="en-US" altLang="ko-KR" sz="1400" b="0" dirty="0" smtClean="0"/>
+                        <a:t>Purpose</a:t>
+                      </a:r>
+                      <a:endParaRPr lang="ko-KR" altLang="en-US" sz="1400" b="0" dirty="0"/>
+                    </a:p>
+                  </a:txBody>
+                  <a:tcPr/>
+                </a:tc>
+                <a:tc>
+                  <a:txBody>
+                    <a:bodyPr/>
+                    <a:lstStyle/>
+                    <a:p>
+                      <a:pPr latinLnBrk="1"/>
+                      <a:r>
+                        <a:rPr lang="en-US" altLang="ko-KR" sz="1400" b="0" dirty="0" smtClean="0"/>
+                        <a:t>Send information</a:t>
+                      </a:r>
+                      <a:r>
+                        <a:rPr lang="en-US" altLang="ko-KR" sz="1400" b="0" baseline="0" dirty="0" smtClean="0"/>
+                        <a:t> of other slaves and partition</a:t>
+                      </a:r>
+                    </a:p>
+                  </a:txBody>
+                  <a:tcPr/>
+                </a:tc>
+                <a:tc>
+                  <a:txBody>
+                    <a:bodyPr/>
+                    <a:lstStyle/>
+                    <a:p>
+                      <a:pPr latinLnBrk="1"/>
+                      <a:endParaRPr lang="ko-KR" altLang="en-US" b="1" dirty="0"/>
+                    </a:p>
+                  </a:txBody>
+                  <a:tcPr/>
+                </a:tc>
+                <a:extLst>
+                  <a:ext uri="{0D108BD9-81ED-4DB2-BD59-A6C34878D82A}">
+                    <a16:rowId xmlns:a16="http://schemas.microsoft.com/office/drawing/2014/main" val="2250892085"/>
+                  </a:ext>
+                </a:extLst>
+              </a:tr>
+              <a:tr h="413578">
+                <a:tc>
+                  <a:txBody>
+                    <a:bodyPr/>
+                    <a:lstStyle/>
+                    <a:p>
+                      <a:pPr latinLnBrk="1"/>
+                      <a:r>
+                        <a:rPr lang="en-US" altLang="ko-KR" sz="1400" dirty="0" smtClean="0"/>
+                        <a:t>When</a:t>
+                      </a:r>
+                      <a:endParaRPr lang="ko-KR" altLang="en-US" sz="1400" b="0" dirty="0"/>
+                    </a:p>
+                  </a:txBody>
+                  <a:tcPr/>
+                </a:tc>
+                <a:tc>
+                  <a:txBody>
+                    <a:bodyPr/>
+                    <a:lstStyle/>
+                    <a:p>
+                      <a:pPr latinLnBrk="1"/>
+                      <a:r>
+                        <a:rPr lang="en-US" altLang="ko-KR" sz="1400" b="0" dirty="0" smtClean="0"/>
+                        <a:t>Pivot</a:t>
+                      </a:r>
+                      <a:r>
+                        <a:rPr lang="en-US" altLang="ko-KR" sz="1400" b="0" baseline="0" dirty="0" smtClean="0"/>
+                        <a:t> calculation is finished</a:t>
+                      </a:r>
+                      <a:endParaRPr lang="ko-KR" altLang="en-US" sz="1400" b="0" dirty="0"/>
+                    </a:p>
+                  </a:txBody>
+                  <a:tcPr/>
+                </a:tc>
+                <a:tc>
+                  <a:txBody>
+                    <a:bodyPr/>
+                    <a:lstStyle/>
+                    <a:p>
+                      <a:pPr latinLnBrk="1"/>
+                      <a:endParaRPr lang="ko-KR" altLang="en-US" b="0" dirty="0"/>
+                    </a:p>
+                  </a:txBody>
+                  <a:tcPr/>
+                </a:tc>
+                <a:extLst>
+                  <a:ext uri="{0D108BD9-81ED-4DB2-BD59-A6C34878D82A}">
+                    <a16:rowId xmlns:a16="http://schemas.microsoft.com/office/drawing/2014/main" val="3127575327"/>
+                  </a:ext>
+                </a:extLst>
+              </a:tr>
+              <a:tr h="1243586">
+                <a:tc>
+                  <a:txBody>
+                    <a:bodyPr/>
+                    <a:lstStyle/>
+                    <a:p>
+                      <a:pPr latinLnBrk="1"/>
+                      <a:r>
+                        <a:rPr lang="en-US" altLang="ko-KR" sz="1400" dirty="0" smtClean="0"/>
+                        <a:t>Content</a:t>
+                      </a:r>
+                      <a:endParaRPr lang="ko-KR" altLang="en-US" sz="1400" b="0" dirty="0"/>
+                    </a:p>
+                  </a:txBody>
+                  <a:tcPr/>
+                </a:tc>
+                <a:tc>
+                  <a:txBody>
+                    <a:bodyPr/>
+                    <a:lstStyle/>
+                    <a:p>
+                      <a:pPr marL="285750" indent="-285750" latinLnBrk="1">
+                        <a:buFontTx/>
+                        <a:buChar char="-"/>
+                      </a:pPr>
+                      <a:r>
+                        <a:rPr lang="en-US" altLang="ko-KR" sz="1400" dirty="0" smtClean="0"/>
+                        <a:t>IP</a:t>
+                      </a:r>
+                      <a:r>
+                        <a:rPr lang="en-US" altLang="ko-KR" sz="1400" baseline="0" dirty="0" smtClean="0"/>
+                        <a:t> of slaves</a:t>
+                      </a:r>
+                    </a:p>
+                    <a:p>
+                      <a:pPr marL="285750" indent="-285750" latinLnBrk="1">
+                        <a:buFontTx/>
+                        <a:buChar char="-"/>
+                      </a:pPr>
+                      <a:r>
+                        <a:rPr lang="en-US" altLang="ko-KR" sz="1400" baseline="0" dirty="0" smtClean="0"/>
+                        <a:t>Pivot values</a:t>
+                      </a:r>
+                      <a:endParaRPr lang="ko-KR" altLang="en-US" sz="1400" b="0" dirty="0"/>
+                    </a:p>
+                  </a:txBody>
+                  <a:tcPr/>
+                </a:tc>
+                <a:tc>
+                  <a:txBody>
+                    <a:bodyPr/>
+                    <a:lstStyle/>
+                    <a:p>
+                      <a:pPr latinLnBrk="1"/>
+                      <a:endParaRPr lang="ko-KR" altLang="en-US" b="0"/>
+                    </a:p>
+                  </a:txBody>
+                  <a:tcPr/>
+                </a:tc>
+                <a:extLst>
+                  <a:ext uri="{0D108BD9-81ED-4DB2-BD59-A6C34878D82A}">
+                    <a16:rowId xmlns:a16="http://schemas.microsoft.com/office/drawing/2014/main" val="627956601"/>
+                  </a:ext>
+                </a:extLst>
+              </a:tr>
+              <a:tr h="2428937">
+                <a:tc>
+                  <a:txBody>
+                    <a:bodyPr/>
+                    <a:lstStyle/>
+                    <a:p>
+                      <a:pPr latinLnBrk="1"/>
+                      <a:endParaRPr lang="ko-KR" altLang="en-US" sz="1400" b="0" dirty="0"/>
+                    </a:p>
+                  </a:txBody>
+                  <a:tcPr/>
+                </a:tc>
+                <a:tc>
+                  <a:txBody>
+                    <a:bodyPr/>
+                    <a:lstStyle/>
+                    <a:p>
+                      <a:pPr marL="0" indent="0" latinLnBrk="1">
+                        <a:buFontTx/>
+                        <a:buNone/>
+                      </a:pPr>
+                      <a:endParaRPr lang="ko-KR" altLang="en-US" sz="1400" b="0" dirty="0"/>
+                    </a:p>
+                  </a:txBody>
+                  <a:tcPr/>
+                </a:tc>
+                <a:tc>
+                  <a:txBody>
+                    <a:bodyPr/>
+                    <a:lstStyle/>
+                    <a:p>
+                      <a:pPr latinLnBrk="1"/>
+                      <a:endParaRPr lang="ko-KR" altLang="en-US" b="0" dirty="0"/>
+                    </a:p>
+                  </a:txBody>
+                  <a:tcPr/>
+                </a:tc>
+                <a:extLst>
+                  <a:ext uri="{0D108BD9-81ED-4DB2-BD59-A6C34878D82A}">
+                    <a16:rowId xmlns:a16="http://schemas.microsoft.com/office/drawing/2014/main" val="3515173202"/>
+                  </a:ext>
+                </a:extLst>
+              </a:tr>
+            </a:tbl>
+          </a:graphicData>
+        </a:graphic>
+      </p:graphicFrame>
+    </p:spTree>
+    <p:extLst>
+      <p:ext uri="{BB962C8B-B14F-4D97-AF65-F5344CB8AC3E}">
+        <p14:creationId xmlns:p14="http://schemas.microsoft.com/office/powerpoint/2010/main" val="3927518417"/>
+      </p:ext>
+    </p:extLst>
+  </p:cSld>
+  <p:clrMapOvr>
+    <a:masterClrMapping/>
+  </p:clrMapOvr>
+  <p:timing>
+    <p:tnLst>
+      <p:par>
+        <p:cTn id="1" dur="indefinite" restart="never" nodeType="tmRoot"/>
+      </p:par>
+    </p:tnLst>
+  </p:timing>
+</p:sld>
+</file>
+
+<file path=ppt/slides/slide8.xml><?xml version="1.0" encoding="utf-8"?>
 <p:sld xmlns:a="http://schemas.openxmlformats.org/drawingml/2006/main" xmlns:r="http://schemas.openxmlformats.org/officeDocument/2006/relationships" xmlns:p="http://schemas.openxmlformats.org/presentationml/2006/main">
   <p:cSld>
     <p:spTree>
@@ -16129,7 +16880,7 @@
 </p:sld>
 </file>
 
-<file path=ppt/slides/slide8.xml><?xml version="1.0" encoding="utf-8"?>
+<file path=ppt/slides/slide9.xml><?xml version="1.0" encoding="utf-8"?>
 <p:sld xmlns:a="http://schemas.openxmlformats.org/drawingml/2006/main" xmlns:r="http://schemas.openxmlformats.org/officeDocument/2006/relationships" xmlns:p="http://schemas.openxmlformats.org/presentationml/2006/main">
   <p:cSld>
     <p:spTree>
@@ -16483,376 +17234,6 @@
     <p:extLst>
       <p:ext uri="{BB962C8B-B14F-4D97-AF65-F5344CB8AC3E}">
         <p14:creationId xmlns:p14="http://schemas.microsoft.com/office/powerpoint/2010/main" val="1712820851"/>
-      </p:ext>
-    </p:extLst>
-  </p:cSld>
-  <p:clrMapOvr>
-    <a:masterClrMapping/>
-  </p:clrMapOvr>
-  <p:timing>
-    <p:tnLst>
-      <p:par>
-        <p:cTn id="1" dur="indefinite" restart="never" nodeType="tmRoot"/>
-      </p:par>
-    </p:tnLst>
-  </p:timing>
-</p:sld>
-</file>
-
-<file path=ppt/slides/slide9.xml><?xml version="1.0" encoding="utf-8"?>
-<p:sld xmlns:a="http://schemas.openxmlformats.org/drawingml/2006/main" xmlns:r="http://schemas.openxmlformats.org/officeDocument/2006/relationships" xmlns:p="http://schemas.openxmlformats.org/presentationml/2006/main">
-  <p:cSld>
-    <p:spTree>
-      <p:nvGrpSpPr>
-        <p:cNvPr id="1" name=""/>
-        <p:cNvGrpSpPr/>
-        <p:nvPr/>
-      </p:nvGrpSpPr>
-      <p:grpSpPr>
-        <a:xfrm>
-          <a:off x="0" y="0"/>
-          <a:ext cx="0" cy="0"/>
-          <a:chOff x="0" y="0"/>
-          <a:chExt cx="0" cy="0"/>
-        </a:xfrm>
-      </p:grpSpPr>
-      <p:sp>
-        <p:nvSpPr>
-          <p:cNvPr id="2" name="제목 1"/>
-          <p:cNvSpPr>
-            <a:spLocks noGrp="1"/>
-          </p:cNvSpPr>
-          <p:nvPr>
-            <p:ph type="title"/>
-          </p:nvPr>
-        </p:nvSpPr>
-        <p:spPr/>
-        <p:txBody>
-          <a:bodyPr/>
-          <a:lstStyle/>
-          <a:p>
-            <a:r>
-              <a:rPr lang="en-US" altLang="ko-KR" dirty="0" err="1" smtClean="0"/>
-              <a:t>PartitionSender</a:t>
-            </a:r>
-            <a:r>
-              <a:rPr lang="en-US" altLang="ko-KR" dirty="0" smtClean="0"/>
-              <a:t> -&gt; Slave</a:t>
-            </a:r>
-            <a:endParaRPr lang="ko-KR" altLang="en-US" dirty="0"/>
-          </a:p>
-        </p:txBody>
-      </p:sp>
-      <p:sp>
-        <p:nvSpPr>
-          <p:cNvPr id="5" name="모서리가 둥근 직사각형 4"/>
-          <p:cNvSpPr/>
-          <p:nvPr/>
-        </p:nvSpPr>
-        <p:spPr>
-          <a:xfrm>
-            <a:off x="2280033" y="1648872"/>
-            <a:ext cx="1796130" cy="272247"/>
-          </a:xfrm>
-          <a:prstGeom prst="roundRect">
-            <a:avLst/>
-          </a:prstGeom>
-        </p:spPr>
-        <p:style>
-          <a:lnRef idx="1">
-            <a:schemeClr val="accent4"/>
-          </a:lnRef>
-          <a:fillRef idx="2">
-            <a:schemeClr val="accent4"/>
-          </a:fillRef>
-          <a:effectRef idx="1">
-            <a:schemeClr val="accent4"/>
-          </a:effectRef>
-          <a:fontRef idx="minor">
-            <a:schemeClr val="dk1"/>
-          </a:fontRef>
-        </p:style>
-        <p:txBody>
-          <a:bodyPr rtlCol="0" anchor="ctr"/>
-          <a:lstStyle/>
-          <a:p>
-            <a:pPr algn="ctr"/>
-            <a:r>
-              <a:rPr lang="en-US" altLang="ko-KR" sz="1100" dirty="0" err="1" smtClean="0"/>
-              <a:t>SendedAllPartitionMsg</a:t>
-            </a:r>
-            <a:endParaRPr lang="ko-KR" altLang="en-US" sz="1100" dirty="0"/>
-          </a:p>
-        </p:txBody>
-      </p:sp>
-      <p:graphicFrame>
-        <p:nvGraphicFramePr>
-          <p:cNvPr id="10" name="표 9"/>
-          <p:cNvGraphicFramePr>
-            <a:graphicFrameLocks noGrp="1"/>
-          </p:cNvGraphicFramePr>
-          <p:nvPr>
-            <p:extLst>
-              <p:ext uri="{D42A27DB-BD31-4B8C-83A1-F6EECF244321}">
-                <p14:modId xmlns:p14="http://schemas.microsoft.com/office/powerpoint/2010/main" val="4269262365"/>
-              </p:ext>
-            </p:extLst>
-          </p:nvPr>
-        </p:nvGraphicFramePr>
-        <p:xfrm>
-          <a:off x="753948" y="2179228"/>
-          <a:ext cx="10408374" cy="4499679"/>
-        </p:xfrm>
-        <a:graphic>
-          <a:graphicData uri="http://schemas.openxmlformats.org/drawingml/2006/table">
-            <a:tbl>
-              <a:tblPr firstRow="1" bandRow="1">
-                <a:tableStyleId>{8799B23B-EC83-4686-B30A-512413B5E67A}</a:tableStyleId>
-              </a:tblPr>
-              <a:tblGrid>
-                <a:gridCol w="1488866">
-                  <a:extLst>
-                    <a:ext uri="{9D8B030D-6E8A-4147-A177-3AD203B41FA5}">
-                      <a16:colId xmlns:a16="http://schemas.microsoft.com/office/drawing/2014/main" val="604446546"/>
-                    </a:ext>
-                  </a:extLst>
-                </a:gridCol>
-                <a:gridCol w="4459754">
-                  <a:extLst>
-                    <a:ext uri="{9D8B030D-6E8A-4147-A177-3AD203B41FA5}">
-                      <a16:colId xmlns:a16="http://schemas.microsoft.com/office/drawing/2014/main" val="2603215225"/>
-                    </a:ext>
-                  </a:extLst>
-                </a:gridCol>
-                <a:gridCol w="4459754">
-                  <a:extLst>
-                    <a:ext uri="{9D8B030D-6E8A-4147-A177-3AD203B41FA5}">
-                      <a16:colId xmlns:a16="http://schemas.microsoft.com/office/drawing/2014/main" val="2966114200"/>
-                    </a:ext>
-                  </a:extLst>
-                </a:gridCol>
-              </a:tblGrid>
-              <a:tr h="413578">
-                <a:tc>
-                  <a:txBody>
-                    <a:bodyPr/>
-                    <a:lstStyle/>
-                    <a:p>
-                      <a:pPr latinLnBrk="1"/>
-                      <a:r>
-                        <a:rPr lang="en-US" altLang="ko-KR" sz="1400" b="0" dirty="0" smtClean="0"/>
-                        <a:t>Purpose</a:t>
-                      </a:r>
-                      <a:endParaRPr lang="ko-KR" altLang="en-US" sz="1400" b="0" dirty="0"/>
-                    </a:p>
-                  </a:txBody>
-                  <a:tcPr/>
-                </a:tc>
-                <a:tc>
-                  <a:txBody>
-                    <a:bodyPr/>
-                    <a:lstStyle/>
-                    <a:p>
-                      <a:pPr latinLnBrk="1"/>
-                      <a:r>
-                        <a:rPr lang="en-US" altLang="ko-KR" sz="1400" b="0" baseline="0" dirty="0" smtClean="0"/>
-                        <a:t>Notify termination of </a:t>
-                      </a:r>
-                      <a:r>
-                        <a:rPr lang="en-US" altLang="ko-KR" sz="1400" b="0" baseline="0" dirty="0" err="1" smtClean="0"/>
-                        <a:t>PartitionSender</a:t>
-                      </a:r>
-                      <a:endParaRPr lang="en-US" altLang="ko-KR" sz="1400" b="0" baseline="0" dirty="0" smtClean="0"/>
-                    </a:p>
-                  </a:txBody>
-                  <a:tcPr/>
-                </a:tc>
-                <a:tc>
-                  <a:txBody>
-                    <a:bodyPr/>
-                    <a:lstStyle/>
-                    <a:p>
-                      <a:pPr latinLnBrk="1"/>
-                      <a:endParaRPr lang="en-US" altLang="ko-KR" sz="1400" b="0" baseline="0" dirty="0" smtClean="0"/>
-                    </a:p>
-                  </a:txBody>
-                  <a:tcPr/>
-                </a:tc>
-                <a:extLst>
-                  <a:ext uri="{0D108BD9-81ED-4DB2-BD59-A6C34878D82A}">
-                    <a16:rowId xmlns:a16="http://schemas.microsoft.com/office/drawing/2014/main" val="2250892085"/>
-                  </a:ext>
-                </a:extLst>
-              </a:tr>
-              <a:tr h="413578">
-                <a:tc>
-                  <a:txBody>
-                    <a:bodyPr/>
-                    <a:lstStyle/>
-                    <a:p>
-                      <a:pPr latinLnBrk="1"/>
-                      <a:r>
-                        <a:rPr lang="en-US" altLang="ko-KR" sz="1400" b="0" dirty="0" smtClean="0"/>
-                        <a:t>When</a:t>
-                      </a:r>
-                      <a:endParaRPr lang="ko-KR" altLang="en-US" sz="1400" b="0" dirty="0"/>
-                    </a:p>
-                  </a:txBody>
-                  <a:tcPr/>
-                </a:tc>
-                <a:tc>
-                  <a:txBody>
-                    <a:bodyPr/>
-                    <a:lstStyle/>
-                    <a:p>
-                      <a:pPr latinLnBrk="1"/>
-                      <a:r>
-                        <a:rPr lang="en-US" altLang="ko-KR" sz="1400" b="0" dirty="0" err="1" smtClean="0"/>
-                        <a:t>Sended</a:t>
-                      </a:r>
-                      <a:r>
-                        <a:rPr lang="en-US" altLang="ko-KR" sz="1400" b="0" dirty="0" smtClean="0"/>
-                        <a:t> partitions to all other slaves</a:t>
-                      </a:r>
-                      <a:endParaRPr lang="ko-KR" altLang="en-US" sz="1400" b="0" dirty="0"/>
-                    </a:p>
-                  </a:txBody>
-                  <a:tcPr/>
-                </a:tc>
-                <a:tc>
-                  <a:txBody>
-                    <a:bodyPr/>
-                    <a:lstStyle/>
-                    <a:p>
-                      <a:pPr latinLnBrk="1"/>
-                      <a:endParaRPr lang="ko-KR" altLang="en-US" sz="1400" b="0" dirty="0"/>
-                    </a:p>
-                  </a:txBody>
-                  <a:tcPr/>
-                </a:tc>
-                <a:extLst>
-                  <a:ext uri="{0D108BD9-81ED-4DB2-BD59-A6C34878D82A}">
-                    <a16:rowId xmlns:a16="http://schemas.microsoft.com/office/drawing/2014/main" val="3127575327"/>
-                  </a:ext>
-                </a:extLst>
-              </a:tr>
-              <a:tr h="1243586">
-                <a:tc>
-                  <a:txBody>
-                    <a:bodyPr/>
-                    <a:lstStyle/>
-                    <a:p>
-                      <a:pPr latinLnBrk="1"/>
-                      <a:r>
-                        <a:rPr lang="en-US" altLang="ko-KR" sz="1400" b="0" dirty="0" smtClean="0"/>
-                        <a:t>Content</a:t>
-                      </a:r>
-                      <a:endParaRPr lang="ko-KR" altLang="en-US" sz="1400" b="0" dirty="0"/>
-                    </a:p>
-                  </a:txBody>
-                  <a:tcPr/>
-                </a:tc>
-                <a:tc>
-                  <a:txBody>
-                    <a:bodyPr/>
-                    <a:lstStyle/>
-                    <a:p>
-                      <a:pPr marL="285750" indent="-285750" latinLnBrk="1">
-                        <a:buFontTx/>
-                        <a:buChar char="-"/>
-                      </a:pPr>
-                      <a:endParaRPr lang="en-US" altLang="ko-KR" sz="1400" b="0" baseline="0" dirty="0" smtClean="0"/>
-                    </a:p>
-                  </a:txBody>
-                  <a:tcPr/>
-                </a:tc>
-                <a:tc>
-                  <a:txBody>
-                    <a:bodyPr/>
-                    <a:lstStyle/>
-                    <a:p>
-                      <a:pPr marL="285750" indent="-285750" latinLnBrk="1">
-                        <a:buFontTx/>
-                        <a:buChar char="-"/>
-                      </a:pPr>
-                      <a:endParaRPr lang="ko-KR" altLang="en-US" sz="1400" b="0" dirty="0"/>
-                    </a:p>
-                  </a:txBody>
-                  <a:tcPr/>
-                </a:tc>
-                <a:extLst>
-                  <a:ext uri="{0D108BD9-81ED-4DB2-BD59-A6C34878D82A}">
-                    <a16:rowId xmlns:a16="http://schemas.microsoft.com/office/drawing/2014/main" val="627956601"/>
-                  </a:ext>
-                </a:extLst>
-              </a:tr>
-              <a:tr h="2428937">
-                <a:tc>
-                  <a:txBody>
-                    <a:bodyPr/>
-                    <a:lstStyle/>
-                    <a:p>
-                      <a:pPr latinLnBrk="1"/>
-                      <a:endParaRPr lang="ko-KR" altLang="en-US" sz="1400" b="0" dirty="0"/>
-                    </a:p>
-                  </a:txBody>
-                  <a:tcPr/>
-                </a:tc>
-                <a:tc>
-                  <a:txBody>
-                    <a:bodyPr/>
-                    <a:lstStyle/>
-                    <a:p>
-                      <a:pPr marL="0" marR="0" indent="0" algn="l" defTabSz="914400" rtl="0" eaLnBrk="1" fontAlgn="auto" latinLnBrk="1" hangingPunct="1">
-                        <a:lnSpc>
-                          <a:spcPct val="100000"/>
-                        </a:lnSpc>
-                        <a:spcBef>
-                          <a:spcPts val="0"/>
-                        </a:spcBef>
-                        <a:spcAft>
-                          <a:spcPts val="0"/>
-                        </a:spcAft>
-                        <a:buClrTx/>
-                        <a:buSzTx/>
-                        <a:buFontTx/>
-                        <a:buNone/>
-                        <a:tabLst/>
-                        <a:defRPr/>
-                      </a:pPr>
-                      <a:endParaRPr lang="en-US" altLang="ko-KR" sz="1400" b="0" baseline="0" dirty="0" smtClean="0"/>
-                    </a:p>
-                  </a:txBody>
-                  <a:tcPr/>
-                </a:tc>
-                <a:tc>
-                  <a:txBody>
-                    <a:bodyPr/>
-                    <a:lstStyle/>
-                    <a:p>
-                      <a:pPr marL="285750" indent="-285750" latinLnBrk="1">
-                        <a:buFontTx/>
-                        <a:buChar char="-"/>
-                      </a:pPr>
-                      <a:endParaRPr lang="ko-KR" altLang="en-US" sz="1400" b="0" dirty="0"/>
-                    </a:p>
-                  </a:txBody>
-                  <a:tcPr/>
-                </a:tc>
-                <a:extLst>
-                  <a:ext uri="{0D108BD9-81ED-4DB2-BD59-A6C34878D82A}">
-                    <a16:rowId xmlns:a16="http://schemas.microsoft.com/office/drawing/2014/main" val="3515173202"/>
-                  </a:ext>
-                </a:extLst>
-              </a:tr>
-            </a:tbl>
-          </a:graphicData>
-        </a:graphic>
-      </p:graphicFrame>
-    </p:spTree>
-    <p:extLst>
-      <p:ext uri="{BB962C8B-B14F-4D97-AF65-F5344CB8AC3E}">
-        <p14:creationId xmlns:p14="http://schemas.microsoft.com/office/powerpoint/2010/main" val="592811777"/>
       </p:ext>
     </p:extLst>
   </p:cSld>

--- a/project.pptx
+++ b/project.pptx
@@ -47,6 +47,12 @@
     <p:sldId id="299" r:id="rId41"/>
     <p:sldId id="322" r:id="rId42"/>
     <p:sldId id="321" r:id="rId43"/>
+    <p:sldId id="334" r:id="rId44"/>
+    <p:sldId id="337" r:id="rId45"/>
+    <p:sldId id="335" r:id="rId46"/>
+    <p:sldId id="339" r:id="rId47"/>
+    <p:sldId id="340" r:id="rId48"/>
+    <p:sldId id="336" r:id="rId49"/>
   </p:sldIdLst>
   <p:sldSz cx="12192000" cy="6858000"/>
   <p:notesSz cx="6858000" cy="9144000"/>
@@ -284,7 +290,7 @@
           <a:p>
             <a:fld id="{33CC212C-81FB-40F3-BD5E-91ADD12CE53F}" type="datetimeFigureOut">
               <a:rPr lang="ko-KR" altLang="en-US" smtClean="0"/>
-              <a:t>2016-11-03</a:t>
+              <a:t>2016-11-04</a:t>
             </a:fld>
             <a:endParaRPr lang="ko-KR" altLang="en-US"/>
           </a:p>
@@ -454,7 +460,7 @@
           <a:p>
             <a:fld id="{33CC212C-81FB-40F3-BD5E-91ADD12CE53F}" type="datetimeFigureOut">
               <a:rPr lang="ko-KR" altLang="en-US" smtClean="0"/>
-              <a:t>2016-11-03</a:t>
+              <a:t>2016-11-04</a:t>
             </a:fld>
             <a:endParaRPr lang="ko-KR" altLang="en-US"/>
           </a:p>
@@ -634,7 +640,7 @@
           <a:p>
             <a:fld id="{33CC212C-81FB-40F3-BD5E-91ADD12CE53F}" type="datetimeFigureOut">
               <a:rPr lang="ko-KR" altLang="en-US" smtClean="0"/>
-              <a:t>2016-11-03</a:t>
+              <a:t>2016-11-04</a:t>
             </a:fld>
             <a:endParaRPr lang="ko-KR" altLang="en-US"/>
           </a:p>
@@ -804,7 +810,7 @@
           <a:p>
             <a:fld id="{33CC212C-81FB-40F3-BD5E-91ADD12CE53F}" type="datetimeFigureOut">
               <a:rPr lang="ko-KR" altLang="en-US" smtClean="0"/>
-              <a:t>2016-11-03</a:t>
+              <a:t>2016-11-04</a:t>
             </a:fld>
             <a:endParaRPr lang="ko-KR" altLang="en-US"/>
           </a:p>
@@ -1050,7 +1056,7 @@
           <a:p>
             <a:fld id="{33CC212C-81FB-40F3-BD5E-91ADD12CE53F}" type="datetimeFigureOut">
               <a:rPr lang="ko-KR" altLang="en-US" smtClean="0"/>
-              <a:t>2016-11-03</a:t>
+              <a:t>2016-11-04</a:t>
             </a:fld>
             <a:endParaRPr lang="ko-KR" altLang="en-US"/>
           </a:p>
@@ -1282,7 +1288,7 @@
           <a:p>
             <a:fld id="{33CC212C-81FB-40F3-BD5E-91ADD12CE53F}" type="datetimeFigureOut">
               <a:rPr lang="ko-KR" altLang="en-US" smtClean="0"/>
-              <a:t>2016-11-03</a:t>
+              <a:t>2016-11-04</a:t>
             </a:fld>
             <a:endParaRPr lang="ko-KR" altLang="en-US"/>
           </a:p>
@@ -1649,7 +1655,7 @@
           <a:p>
             <a:fld id="{33CC212C-81FB-40F3-BD5E-91ADD12CE53F}" type="datetimeFigureOut">
               <a:rPr lang="ko-KR" altLang="en-US" smtClean="0"/>
-              <a:t>2016-11-03</a:t>
+              <a:t>2016-11-04</a:t>
             </a:fld>
             <a:endParaRPr lang="ko-KR" altLang="en-US"/>
           </a:p>
@@ -1767,7 +1773,7 @@
           <a:p>
             <a:fld id="{33CC212C-81FB-40F3-BD5E-91ADD12CE53F}" type="datetimeFigureOut">
               <a:rPr lang="ko-KR" altLang="en-US" smtClean="0"/>
-              <a:t>2016-11-03</a:t>
+              <a:t>2016-11-04</a:t>
             </a:fld>
             <a:endParaRPr lang="ko-KR" altLang="en-US"/>
           </a:p>
@@ -1862,7 +1868,7 @@
           <a:p>
             <a:fld id="{33CC212C-81FB-40F3-BD5E-91ADD12CE53F}" type="datetimeFigureOut">
               <a:rPr lang="ko-KR" altLang="en-US" smtClean="0"/>
-              <a:t>2016-11-03</a:t>
+              <a:t>2016-11-04</a:t>
             </a:fld>
             <a:endParaRPr lang="ko-KR" altLang="en-US"/>
           </a:p>
@@ -2139,7 +2145,7 @@
           <a:p>
             <a:fld id="{33CC212C-81FB-40F3-BD5E-91ADD12CE53F}" type="datetimeFigureOut">
               <a:rPr lang="ko-KR" altLang="en-US" smtClean="0"/>
-              <a:t>2016-11-03</a:t>
+              <a:t>2016-11-04</a:t>
             </a:fld>
             <a:endParaRPr lang="ko-KR" altLang="en-US"/>
           </a:p>
@@ -2392,7 +2398,7 @@
           <a:p>
             <a:fld id="{33CC212C-81FB-40F3-BD5E-91ADD12CE53F}" type="datetimeFigureOut">
               <a:rPr lang="ko-KR" altLang="en-US" smtClean="0"/>
-              <a:t>2016-11-03</a:t>
+              <a:t>2016-11-04</a:t>
             </a:fld>
             <a:endParaRPr lang="ko-KR" altLang="en-US"/>
           </a:p>
@@ -2605,7 +2611,7 @@
           <a:p>
             <a:fld id="{33CC212C-81FB-40F3-BD5E-91ADD12CE53F}" type="datetimeFigureOut">
               <a:rPr lang="ko-KR" altLang="en-US" smtClean="0"/>
-              <a:t>2016-11-03</a:t>
+              <a:t>2016-11-04</a:t>
             </a:fld>
             <a:endParaRPr lang="ko-KR" altLang="en-US"/>
           </a:p>
@@ -4936,7 +4942,6 @@
               <a:rPr lang="en-US" altLang="ko-KR" sz="1200" dirty="0" smtClean="0"/>
               <a:t>Socket</a:t>
             </a:r>
-            <a:endParaRPr lang="en-US" altLang="ko-KR" sz="1200" dirty="0" smtClean="0"/>
           </a:p>
           <a:p>
             <a:pPr algn="ctr"/>
@@ -11338,11 +11343,7 @@
             </a:r>
             <a:r>
               <a:rPr lang="en-US" altLang="ko-KR" sz="1100" dirty="0" smtClean="0"/>
-              <a:t> </a:t>
-            </a:r>
-            <a:r>
-              <a:rPr lang="en-US" altLang="ko-KR" sz="1100" dirty="0" smtClean="0"/>
-              <a:t>= True</a:t>
+              <a:t> = True</a:t>
             </a:r>
           </a:p>
         </p:txBody>
@@ -11539,11 +11540,7 @@
             </a:r>
             <a:r>
               <a:rPr lang="en-US" altLang="ko-KR" sz="1100" dirty="0" smtClean="0"/>
-              <a:t> </a:t>
-            </a:r>
-            <a:r>
-              <a:rPr lang="en-US" altLang="ko-KR" sz="1100" dirty="0" smtClean="0"/>
-              <a:t>&amp;&amp; </a:t>
+              <a:t> &amp;&amp; </a:t>
             </a:r>
             <a:r>
               <a:rPr lang="en-US" altLang="ko-KR" sz="1100" dirty="0" err="1" smtClean="0"/>
@@ -12479,15 +12476,7 @@
           <a:p>
             <a:r>
               <a:rPr lang="en-US" altLang="ko-KR" dirty="0" smtClean="0"/>
-              <a:t>First arrow initiates </a:t>
-            </a:r>
-            <a:r>
-              <a:rPr lang="en-US" altLang="ko-KR" dirty="0" smtClean="0"/>
-              <a:t>the </a:t>
-            </a:r>
-            <a:r>
-              <a:rPr lang="en-US" altLang="ko-KR" dirty="0" smtClean="0"/>
-              <a:t>second arrow</a:t>
+              <a:t>First arrow initiates the second arrow</a:t>
             </a:r>
             <a:endParaRPr lang="ko-KR" altLang="en-US" dirty="0"/>
           </a:p>
@@ -12830,11 +12819,7 @@
                       </a:r>
                       <a:r>
                         <a:rPr lang="en-US" altLang="ko-KR" sz="1100" baseline="0" dirty="0" smtClean="0"/>
-                        <a:t>(Message): </a:t>
-                      </a:r>
-                      <a:r>
-                        <a:rPr lang="en-US" altLang="ko-KR" sz="1100" baseline="0" dirty="0" smtClean="0"/>
-                        <a:t>Unit</a:t>
+                        <a:t>(Message): Unit</a:t>
                       </a:r>
                     </a:p>
                     <a:p>
@@ -12863,7 +12848,6 @@
                         <a:rPr lang="en-US" altLang="ko-KR" sz="1100" baseline="0" dirty="0" smtClean="0"/>
                         <a:t>(Message): Unit</a:t>
                       </a:r>
-                      <a:endParaRPr lang="en-US" altLang="ko-KR" sz="1100" baseline="0" dirty="0" smtClean="0"/>
                     </a:p>
                     <a:p>
                       <a:pPr marL="171450" marR="0" indent="-171450" algn="l" defTabSz="914400" rtl="0" eaLnBrk="1" fontAlgn="auto" latinLnBrk="1" hangingPunct="1">
@@ -12889,11 +12873,7 @@
                       </a:r>
                       <a:r>
                         <a:rPr lang="en-US" altLang="ko-KR" sz="1100" baseline="0" dirty="0" smtClean="0"/>
-                        <a:t>(Socket): </a:t>
-                      </a:r>
-                      <a:r>
-                        <a:rPr lang="en-US" altLang="ko-KR" sz="1100" baseline="0" dirty="0" smtClean="0"/>
-                        <a:t>Unit</a:t>
+                        <a:t>(Socket): Unit</a:t>
                       </a:r>
                     </a:p>
                     <a:p>
@@ -12930,7 +12910,6 @@
                         <a:rPr lang="en-US" altLang="ko-KR" sz="1100" baseline="0" dirty="0" smtClean="0"/>
                         <a:t>)</a:t>
                       </a:r>
-                      <a:endParaRPr lang="en-US" altLang="ko-KR" sz="1100" baseline="0" dirty="0" smtClean="0"/>
                     </a:p>
                     <a:p>
                       <a:pPr marL="171450" indent="-171450" latinLnBrk="1">
@@ -13284,11 +13263,7 @@
                       </a:r>
                       <a:r>
                         <a:rPr lang="en-US" altLang="ko-KR" sz="1100" dirty="0" smtClean="0"/>
-                        <a:t>): </a:t>
-                      </a:r>
-                      <a:r>
-                        <a:rPr lang="en-US" altLang="ko-KR" sz="1100" dirty="0" smtClean="0"/>
-                        <a:t>Unit</a:t>
+                        <a:t>): Unit</a:t>
                       </a:r>
                     </a:p>
                     <a:p>
@@ -13726,11 +13701,7 @@
             </a:r>
             <a:r>
               <a:rPr lang="en-US" altLang="ko-KR" dirty="0" smtClean="0"/>
-              <a:t> </a:t>
-            </a:r>
-            <a:r>
-              <a:rPr lang="en-US" altLang="ko-KR" dirty="0" smtClean="0"/>
-              <a:t>(Master)</a:t>
+              <a:t> (Master)</a:t>
             </a:r>
             <a:endParaRPr lang="ko-KR" altLang="en-US" dirty="0"/>
           </a:p>
@@ -13974,11 +13945,7 @@
                       </a:r>
                       <a:r>
                         <a:rPr lang="en-US" altLang="ko-KR" sz="1100" baseline="0" dirty="0" smtClean="0"/>
-                        <a:t>(Message): </a:t>
-                      </a:r>
-                      <a:r>
-                        <a:rPr lang="en-US" altLang="ko-KR" sz="1100" baseline="0" dirty="0" smtClean="0"/>
-                        <a:t>Unit</a:t>
+                        <a:t>(Message): Unit</a:t>
                       </a:r>
                     </a:p>
                     <a:p>
@@ -14007,7 +13974,6 @@
                         <a:rPr lang="en-US" altLang="ko-KR" sz="1100" baseline="0" dirty="0" smtClean="0"/>
                         <a:t>(Message): Unit</a:t>
                       </a:r>
-                      <a:endParaRPr lang="en-US" altLang="ko-KR" sz="1100" baseline="0" dirty="0" smtClean="0"/>
                     </a:p>
                     <a:p>
                       <a:pPr marL="171450" marR="0" indent="-171450" algn="l" defTabSz="914400" rtl="0" eaLnBrk="1" fontAlgn="auto" latinLnBrk="1" hangingPunct="1">
@@ -14097,7 +14063,6 @@
                         <a:rPr lang="en-US" altLang="ko-KR" sz="1100" baseline="0" dirty="0" smtClean="0"/>
                         <a:t>(): Unit</a:t>
                       </a:r>
-                      <a:endParaRPr lang="en-US" altLang="ko-KR" sz="1100" baseline="0" dirty="0" smtClean="0"/>
                     </a:p>
                   </a:txBody>
                   <a:tcPr/>
@@ -14440,11 +14405,7 @@
                       </a:r>
                       <a:r>
                         <a:rPr lang="en-US" altLang="ko-KR" sz="1100" dirty="0" smtClean="0"/>
-                        <a:t>): </a:t>
-                      </a:r>
-                      <a:r>
-                        <a:rPr lang="en-US" altLang="ko-KR" sz="1100" dirty="0" smtClean="0"/>
-                        <a:t>Unit</a:t>
+                        <a:t>): Unit</a:t>
                       </a:r>
                     </a:p>
                     <a:p>
@@ -14934,7 +14895,6 @@
                         <a:rPr lang="en-US" altLang="ko-KR" sz="1100" dirty="0" smtClean="0"/>
                         <a:t>…</a:t>
                       </a:r>
-                      <a:endParaRPr lang="en-US" altLang="ko-KR" sz="1100" dirty="0" smtClean="0"/>
                     </a:p>
                   </a:txBody>
                   <a:tcPr/>
@@ -15073,7 +15033,6 @@
               <a:rPr lang="en-US" altLang="ko-KR" sz="1100" dirty="0" smtClean="0"/>
               <a:t>! (slaves contains handler)</a:t>
             </a:r>
-            <a:endParaRPr lang="en-US" altLang="ko-KR" sz="1100" dirty="0" smtClean="0"/>
           </a:p>
         </p:txBody>
       </p:sp>
@@ -15201,11 +15160,7 @@
           <a:p>
             <a:r>
               <a:rPr lang="en-US" altLang="ko-KR" dirty="0" smtClean="0"/>
-              <a:t>Sample </a:t>
-            </a:r>
-            <a:r>
-              <a:rPr lang="en-US" altLang="ko-KR" dirty="0" smtClean="0"/>
-              <a:t>(Master)</a:t>
+              <a:t>Sample (Master)</a:t>
             </a:r>
             <a:endParaRPr lang="ko-KR" altLang="en-US" dirty="0"/>
           </a:p>
@@ -15297,11 +15252,7 @@
                       </a:pPr>
                       <a:r>
                         <a:rPr lang="en-US" altLang="ko-KR" sz="1100" dirty="0" smtClean="0"/>
-                        <a:t>slaves</a:t>
-                      </a:r>
-                      <a:r>
-                        <a:rPr lang="en-US" altLang="ko-KR" sz="1100" dirty="0" smtClean="0"/>
-                        <a:t>: </a:t>
+                        <a:t>slaves: </a:t>
                       </a:r>
                       <a:r>
                         <a:rPr lang="en-US" altLang="ko-KR" sz="1100" dirty="0" err="1" smtClean="0"/>
@@ -15395,11 +15346,7 @@
                       </a:r>
                       <a:r>
                         <a:rPr lang="en-US" altLang="ko-KR" sz="1100" baseline="0" dirty="0" smtClean="0"/>
-                        <a:t>(Message): </a:t>
-                      </a:r>
-                      <a:r>
-                        <a:rPr lang="en-US" altLang="ko-KR" sz="1100" baseline="0" dirty="0" smtClean="0"/>
-                        <a:t>Unit</a:t>
+                        <a:t>(Message): Unit</a:t>
                       </a:r>
                     </a:p>
                     <a:p>
@@ -15428,7 +15375,6 @@
                         <a:rPr lang="en-US" altLang="ko-KR" sz="1100" baseline="0" dirty="0" smtClean="0"/>
                         <a:t>(Message): Unit</a:t>
                       </a:r>
-                      <a:endParaRPr lang="en-US" altLang="ko-KR" sz="1100" baseline="0" dirty="0" smtClean="0"/>
                     </a:p>
                     <a:p>
                       <a:pPr marL="171450" marR="0" indent="-171450" algn="l" defTabSz="914400" rtl="0" eaLnBrk="1" fontAlgn="auto" latinLnBrk="1" hangingPunct="1">
@@ -15454,15 +15400,7 @@
                       </a:r>
                       <a:r>
                         <a:rPr lang="en-US" altLang="ko-KR" sz="1100" baseline="0" dirty="0" smtClean="0"/>
-                        <a:t>(Socket</a:t>
-                      </a:r>
-                      <a:r>
-                        <a:rPr lang="en-US" altLang="ko-KR" sz="1100" baseline="0" dirty="0" smtClean="0"/>
-                        <a:t>): </a:t>
-                      </a:r>
-                      <a:r>
-                        <a:rPr lang="en-US" altLang="ko-KR" sz="1100" baseline="0" dirty="0" smtClean="0"/>
-                        <a:t>Unit</a:t>
+                        <a:t>(Socket): Unit</a:t>
                       </a:r>
                     </a:p>
                     <a:p>
@@ -15491,7 +15429,6 @@
                         <a:rPr lang="en-US" altLang="ko-KR" sz="1100" baseline="0" dirty="0" smtClean="0"/>
                         <a:t>(pivots: List[Key])</a:t>
                       </a:r>
-                      <a:endParaRPr lang="en-US" altLang="ko-KR" sz="1100" baseline="0" dirty="0" smtClean="0"/>
                     </a:p>
                     <a:p>
                       <a:pPr marL="171450" indent="-171450" latinLnBrk="1">
@@ -15506,7 +15443,6 @@
                         <a:rPr lang="en-US" altLang="ko-KR" sz="1100" dirty="0" smtClean="0"/>
                         <a:t>(): Unit</a:t>
                       </a:r>
-                      <a:endParaRPr lang="en-US" altLang="ko-KR" sz="1100" dirty="0" smtClean="0"/>
                     </a:p>
                   </a:txBody>
                   <a:tcPr/>
@@ -15948,11 +15884,7 @@
             <a:pPr algn="ctr"/>
             <a:r>
               <a:rPr lang="en-US" altLang="ko-KR" sz="1100" dirty="0" err="1" smtClean="0"/>
-              <a:t>Pivot</a:t>
-            </a:r>
-            <a:r>
-              <a:rPr lang="en-US" altLang="ko-KR" sz="1100" dirty="0" err="1" smtClean="0"/>
-              <a:t>Msg</a:t>
+              <a:t>PivotMsg</a:t>
             </a:r>
             <a:endParaRPr lang="ko-KR" altLang="en-US" sz="1100" dirty="0"/>
           </a:p>
@@ -16172,11 +16104,7 @@
                       </a:pPr>
                       <a:r>
                         <a:rPr lang="en-US" altLang="ko-KR" sz="1100" dirty="0" smtClean="0"/>
-                        <a:t>slaves</a:t>
-                      </a:r>
-                      <a:r>
-                        <a:rPr lang="en-US" altLang="ko-KR" sz="1100" dirty="0" smtClean="0"/>
-                        <a:t>: </a:t>
+                        <a:t>slaves: </a:t>
                       </a:r>
                       <a:r>
                         <a:rPr lang="en-US" altLang="ko-KR" sz="1100" dirty="0" err="1" smtClean="0"/>
@@ -16224,7 +16152,6 @@
                         <a:rPr lang="en-US" altLang="ko-KR" sz="1100" dirty="0" smtClean="0"/>
                         <a:t>]</a:t>
                       </a:r>
-                      <a:endParaRPr lang="en-US" altLang="ko-KR" sz="1100" dirty="0" smtClean="0"/>
                     </a:p>
                     <a:p>
                       <a:pPr marL="171450" indent="-171450" latinLnBrk="1">
@@ -16301,11 +16228,7 @@
                       </a:r>
                       <a:r>
                         <a:rPr lang="en-US" altLang="ko-KR" sz="1100" baseline="0" dirty="0" smtClean="0"/>
-                        <a:t>(Message): </a:t>
-                      </a:r>
-                      <a:r>
-                        <a:rPr lang="en-US" altLang="ko-KR" sz="1100" baseline="0" dirty="0" smtClean="0"/>
-                        <a:t>Unit</a:t>
+                        <a:t>(Message): Unit</a:t>
                       </a:r>
                     </a:p>
                     <a:p>
@@ -16334,7 +16257,6 @@
                         <a:rPr lang="en-US" altLang="ko-KR" sz="1100" baseline="0" dirty="0" smtClean="0"/>
                         <a:t>(Message): Unit</a:t>
                       </a:r>
-                      <a:endParaRPr lang="en-US" altLang="ko-KR" sz="1100" baseline="0" dirty="0" smtClean="0"/>
                     </a:p>
                     <a:p>
                       <a:pPr marL="171450" marR="0" indent="-171450" algn="l" defTabSz="914400" rtl="0" eaLnBrk="1" fontAlgn="auto" latinLnBrk="1" hangingPunct="1">
@@ -16384,7 +16306,6 @@
                         <a:rPr lang="en-US" altLang="ko-KR" sz="1100" dirty="0" smtClean="0"/>
                         <a:t>(): Unit</a:t>
                       </a:r>
-                      <a:endParaRPr lang="en-US" altLang="ko-KR" sz="1100" dirty="0" smtClean="0"/>
                     </a:p>
                   </a:txBody>
                   <a:tcPr/>
@@ -16562,11 +16483,7 @@
                       </a:r>
                       <a:r>
                         <a:rPr lang="en-US" altLang="ko-KR" sz="1100" dirty="0" smtClean="0"/>
-                        <a:t>): </a:t>
-                      </a:r>
-                      <a:r>
-                        <a:rPr lang="en-US" altLang="ko-KR" sz="1100" dirty="0" smtClean="0"/>
-                        <a:t>Unit</a:t>
+                        <a:t>): Unit</a:t>
                       </a:r>
                     </a:p>
                     <a:p>
@@ -17089,11 +17006,7 @@
                       </a:pPr>
                       <a:r>
                         <a:rPr lang="en-US" altLang="ko-KR" sz="1100" dirty="0" smtClean="0"/>
-                        <a:t>slaves</a:t>
-                      </a:r>
-                      <a:r>
-                        <a:rPr lang="en-US" altLang="ko-KR" sz="1100" dirty="0" smtClean="0"/>
-                        <a:t>: </a:t>
+                        <a:t>slaves: </a:t>
                       </a:r>
                       <a:r>
                         <a:rPr lang="en-US" altLang="ko-KR" sz="1100" dirty="0" err="1" smtClean="0"/>
@@ -17119,11 +17032,7 @@
                       </a:pPr>
                       <a:r>
                         <a:rPr lang="en-US" altLang="ko-KR" sz="1100" dirty="0" smtClean="0"/>
-                        <a:t>state</a:t>
-                      </a:r>
-                      <a:r>
-                        <a:rPr lang="en-US" altLang="ko-KR" sz="1100" dirty="0" smtClean="0"/>
-                        <a:t>: </a:t>
+                        <a:t>state: </a:t>
                       </a:r>
                       <a:r>
                         <a:rPr lang="en-US" altLang="ko-KR" sz="1100" dirty="0" err="1" smtClean="0"/>
@@ -17173,11 +17082,7 @@
                       </a:r>
                       <a:r>
                         <a:rPr lang="en-US" altLang="ko-KR" sz="1100" baseline="0" dirty="0" smtClean="0"/>
-                        <a:t>(Message): </a:t>
-                      </a:r>
-                      <a:r>
-                        <a:rPr lang="en-US" altLang="ko-KR" sz="1100" baseline="0" dirty="0" smtClean="0"/>
-                        <a:t>Unit</a:t>
+                        <a:t>(Message): Unit</a:t>
                       </a:r>
                     </a:p>
                     <a:p>
@@ -17206,7 +17111,6 @@
                         <a:rPr lang="en-US" altLang="ko-KR" sz="1100" baseline="0" dirty="0" smtClean="0"/>
                         <a:t>(Message): Unit</a:t>
                       </a:r>
-                      <a:endParaRPr lang="en-US" altLang="ko-KR" sz="1100" baseline="0" dirty="0" smtClean="0"/>
                     </a:p>
                     <a:p>
                       <a:pPr marL="171450" indent="-171450" latinLnBrk="1">
@@ -17217,7 +17121,6 @@
                         <a:rPr lang="en-US" altLang="ko-KR" sz="1100" dirty="0" smtClean="0"/>
                         <a:t>terminate(): Unit</a:t>
                       </a:r>
-                      <a:endParaRPr lang="en-US" altLang="ko-KR" sz="1100" dirty="0" smtClean="0"/>
                     </a:p>
                   </a:txBody>
                   <a:tcPr/>
@@ -17395,11 +17298,7 @@
                       </a:r>
                       <a:r>
                         <a:rPr lang="en-US" altLang="ko-KR" sz="1100" dirty="0" smtClean="0"/>
-                        <a:t>): </a:t>
-                      </a:r>
-                      <a:r>
-                        <a:rPr lang="en-US" altLang="ko-KR" sz="1100" dirty="0" smtClean="0"/>
-                        <a:t>Unit</a:t>
+                        <a:t>): Unit</a:t>
                       </a:r>
                     </a:p>
                     <a:p>
@@ -17711,15 +17610,7 @@
           <a:p>
             <a:r>
               <a:rPr lang="en-US" altLang="ko-KR" dirty="0" smtClean="0"/>
-              <a:t>Connect</a:t>
-            </a:r>
-            <a:r>
-              <a:rPr lang="en-US" altLang="ko-KR" dirty="0" smtClean="0"/>
-              <a:t> (</a:t>
-            </a:r>
-            <a:r>
-              <a:rPr lang="en-US" altLang="ko-KR" dirty="0" smtClean="0"/>
-              <a:t>Slave)</a:t>
+              <a:t>Connect (Slave)</a:t>
             </a:r>
             <a:endParaRPr lang="ko-KR" altLang="en-US" dirty="0"/>
           </a:p>
@@ -17869,13 +17760,8 @@
                       </a:r>
                       <a:r>
                         <a:rPr lang="en-US" altLang="ko-KR" sz="1100" baseline="0" dirty="0" smtClean="0"/>
-                        <a:t>(Message): </a:t>
-                      </a:r>
-                      <a:r>
-                        <a:rPr lang="en-US" altLang="ko-KR" sz="1100" baseline="0" dirty="0" smtClean="0"/>
-                        <a:t>Unit</a:t>
-                      </a:r>
-                      <a:endParaRPr lang="en-US" altLang="ko-KR" sz="1100" baseline="0" dirty="0" smtClean="0"/>
+                        <a:t>(Message): Unit</a:t>
+                      </a:r>
                     </a:p>
                     <a:p>
                       <a:pPr marL="171450" marR="0" indent="-171450" algn="l" defTabSz="914400" rtl="0" eaLnBrk="1" fontAlgn="auto" latinLnBrk="1" hangingPunct="1">
@@ -17901,17 +17787,8 @@
                       </a:r>
                       <a:r>
                         <a:rPr lang="en-US" altLang="ko-KR" sz="1100" baseline="0" dirty="0" smtClean="0"/>
-                        <a:t>(Message</a:t>
-                      </a:r>
-                      <a:r>
-                        <a:rPr lang="en-US" altLang="ko-KR" sz="1100" baseline="0" dirty="0" smtClean="0"/>
-                        <a:t>): </a:t>
-                      </a:r>
-                      <a:r>
-                        <a:rPr lang="en-US" altLang="ko-KR" sz="1100" baseline="0" dirty="0" smtClean="0"/>
-                        <a:t>Unit</a:t>
-                      </a:r>
-                      <a:endParaRPr lang="en-US" altLang="ko-KR" sz="1100" baseline="0" dirty="0" smtClean="0"/>
+                        <a:t>(Message): Unit</a:t>
+                      </a:r>
                     </a:p>
                     <a:p>
                       <a:pPr marL="171450" indent="-171450" latinLnBrk="1">
@@ -18586,11 +18463,7 @@
           <a:p>
             <a:r>
               <a:rPr lang="en-US" altLang="ko-KR" dirty="0" smtClean="0"/>
-              <a:t>Message, </a:t>
-            </a:r>
-            <a:r>
-              <a:rPr lang="en-US" altLang="ko-KR" dirty="0" smtClean="0"/>
-              <a:t>Data</a:t>
+              <a:t>Message, Data</a:t>
             </a:r>
             <a:endParaRPr lang="ko-KR" altLang="en-US" dirty="0"/>
           </a:p>
@@ -18652,15 +18525,7 @@
             </a:r>
             <a:r>
               <a:rPr lang="en-US" altLang="ko-KR" dirty="0" smtClean="0"/>
-              <a:t> handles </a:t>
-            </a:r>
-            <a:r>
-              <a:rPr lang="en-US" altLang="ko-KR" dirty="0" smtClean="0"/>
-              <a:t>messages</a:t>
-            </a:r>
-            <a:r>
-              <a:rPr lang="en-US" altLang="ko-KR" dirty="0" smtClean="0"/>
-              <a:t> first</a:t>
+              <a:t> handles messages first</a:t>
             </a:r>
           </a:p>
           <a:p>
@@ -18675,7 +18540,6 @@
               <a:rPr lang="en-US" altLang="ko-KR" dirty="0" smtClean="0"/>
               <a:t> have its message queue</a:t>
             </a:r>
-            <a:endParaRPr lang="en-US" altLang="ko-KR" dirty="0" smtClean="0"/>
           </a:p>
         </p:txBody>
       </p:sp>
@@ -18733,19 +18597,7 @@
           <a:p>
             <a:r>
               <a:rPr lang="en-US" altLang="ko-KR" dirty="0" smtClean="0"/>
-              <a:t>Compute</a:t>
-            </a:r>
-            <a:r>
-              <a:rPr lang="en-US" altLang="ko-KR" dirty="0" smtClean="0"/>
-              <a:t> (</a:t>
-            </a:r>
-            <a:r>
-              <a:rPr lang="en-US" altLang="ko-KR" dirty="0" smtClean="0"/>
-              <a:t>Slave</a:t>
-            </a:r>
-            <a:r>
-              <a:rPr lang="en-US" altLang="ko-KR" dirty="0" smtClean="0"/>
-              <a:t>) - Skip</a:t>
+              <a:t>Compute (Slave) - Skip</a:t>
             </a:r>
             <a:endParaRPr lang="ko-KR" altLang="en-US" dirty="0"/>
           </a:p>
@@ -18895,13 +18747,8 @@
                       </a:r>
                       <a:r>
                         <a:rPr lang="en-US" altLang="ko-KR" sz="1100" baseline="0" dirty="0" smtClean="0"/>
-                        <a:t>(Message): </a:t>
-                      </a:r>
-                      <a:r>
-                        <a:rPr lang="en-US" altLang="ko-KR" sz="1100" baseline="0" dirty="0" smtClean="0"/>
-                        <a:t>Unit</a:t>
-                      </a:r>
-                      <a:endParaRPr lang="en-US" altLang="ko-KR" sz="1100" baseline="0" dirty="0" smtClean="0"/>
+                        <a:t>(Message): Unit</a:t>
+                      </a:r>
                     </a:p>
                     <a:p>
                       <a:pPr marL="171450" marR="0" indent="-171450" algn="l" defTabSz="914400" rtl="0" eaLnBrk="1" fontAlgn="auto" latinLnBrk="1" hangingPunct="1">
@@ -18927,15 +18774,7 @@
                       </a:r>
                       <a:r>
                         <a:rPr lang="en-US" altLang="ko-KR" sz="1100" baseline="0" dirty="0" smtClean="0"/>
-                        <a:t>(Message</a:t>
-                      </a:r>
-                      <a:r>
-                        <a:rPr lang="en-US" altLang="ko-KR" sz="1100" baseline="0" dirty="0" smtClean="0"/>
-                        <a:t>): </a:t>
-                      </a:r>
-                      <a:r>
-                        <a:rPr lang="en-US" altLang="ko-KR" sz="1100" baseline="0" dirty="0" smtClean="0"/>
-                        <a:t>Unit</a:t>
+                        <a:t>(Message): Unit</a:t>
                       </a:r>
                     </a:p>
                     <a:p>
@@ -19259,7 +19098,6 @@
                         <a:rPr lang="en-US" altLang="ko-KR" sz="1100" dirty="0" smtClean="0"/>
                         <a:t>…</a:t>
                       </a:r>
-                      <a:endParaRPr lang="en-US" altLang="ko-KR" sz="1100" dirty="0" smtClean="0"/>
                     </a:p>
                   </a:txBody>
                   <a:tcPr/>
@@ -19381,11 +19219,7 @@
             <a:pPr algn="ctr"/>
             <a:r>
               <a:rPr lang="en-US" altLang="ko-KR" sz="1100" dirty="0" err="1" smtClean="0"/>
-              <a:t>SomeDone</a:t>
-            </a:r>
-            <a:r>
-              <a:rPr lang="en-US" altLang="ko-KR" sz="1100" dirty="0" err="1" smtClean="0"/>
-              <a:t>Msg</a:t>
+              <a:t>SomeDoneMsg</a:t>
             </a:r>
             <a:endParaRPr lang="ko-KR" altLang="en-US" sz="1100" dirty="0"/>
           </a:p>
@@ -19513,15 +19347,7 @@
           <a:p>
             <a:r>
               <a:rPr lang="en-US" altLang="ko-KR" dirty="0" smtClean="0"/>
-              <a:t>Success</a:t>
-            </a:r>
-            <a:r>
-              <a:rPr lang="en-US" altLang="ko-KR" dirty="0" smtClean="0"/>
-              <a:t> (</a:t>
-            </a:r>
-            <a:r>
-              <a:rPr lang="en-US" altLang="ko-KR" dirty="0" smtClean="0"/>
-              <a:t>Slave)</a:t>
+              <a:t>Success (Slave)</a:t>
             </a:r>
             <a:endParaRPr lang="ko-KR" altLang="en-US" dirty="0"/>
           </a:p>
@@ -19671,13 +19497,8 @@
                       </a:r>
                       <a:r>
                         <a:rPr lang="en-US" altLang="ko-KR" sz="1100" baseline="0" dirty="0" smtClean="0"/>
-                        <a:t>(Message): </a:t>
-                      </a:r>
-                      <a:r>
-                        <a:rPr lang="en-US" altLang="ko-KR" sz="1100" baseline="0" dirty="0" smtClean="0"/>
-                        <a:t>Unit</a:t>
-                      </a:r>
-                      <a:endParaRPr lang="en-US" altLang="ko-KR" sz="1100" baseline="0" dirty="0" smtClean="0"/>
+                        <a:t>(Message): Unit</a:t>
+                      </a:r>
                     </a:p>
                     <a:p>
                       <a:pPr marL="171450" marR="0" indent="-171450" algn="l" defTabSz="914400" rtl="0" eaLnBrk="1" fontAlgn="auto" latinLnBrk="1" hangingPunct="1">
@@ -22069,11 +21890,7 @@
             <a:pPr algn="ctr"/>
             <a:r>
               <a:rPr lang="en-US" altLang="ko-KR" sz="1100" dirty="0" err="1" smtClean="0"/>
-              <a:t>Pivot</a:t>
-            </a:r>
-            <a:r>
-              <a:rPr lang="en-US" altLang="ko-KR" sz="1100" dirty="0" err="1" smtClean="0"/>
-              <a:t>Msg</a:t>
+              <a:t>PivotMsg</a:t>
             </a:r>
             <a:endParaRPr lang="ko-KR" altLang="en-US" sz="1100" dirty="0"/>
           </a:p>
@@ -23407,11 +23224,7 @@
           <a:p>
             <a:r>
               <a:rPr lang="en-US" altLang="ko-KR" dirty="0" smtClean="0"/>
-              <a:t>Calculate pivot </a:t>
-            </a:r>
-            <a:r>
-              <a:rPr lang="en-US" altLang="ko-KR" dirty="0" smtClean="0"/>
-              <a:t>values</a:t>
+              <a:t>Calculate pivot values</a:t>
             </a:r>
           </a:p>
           <a:p>
@@ -23420,7 +23233,6 @@
               <a:rPr lang="en-US" altLang="ko-KR" dirty="0" smtClean="0"/>
               <a:t>Sort first and</a:t>
             </a:r>
-            <a:endParaRPr lang="en-US" altLang="ko-KR" dirty="0" smtClean="0"/>
           </a:p>
           <a:p>
             <a:pPr lvl="1"/>
@@ -24769,6 +24581,467 @@
 </p:sld>
 </file>
 
+<file path=ppt/slides/slide43.xml><?xml version="1.0" encoding="utf-8"?>
+<p:sld xmlns:a="http://schemas.openxmlformats.org/drawingml/2006/main" xmlns:r="http://schemas.openxmlformats.org/officeDocument/2006/relationships" xmlns:p="http://schemas.openxmlformats.org/presentationml/2006/main">
+  <p:cSld>
+    <p:spTree>
+      <p:nvGrpSpPr>
+        <p:cNvPr id="1" name=""/>
+        <p:cNvGrpSpPr/>
+        <p:nvPr/>
+      </p:nvGrpSpPr>
+      <p:grpSpPr>
+        <a:xfrm>
+          <a:off x="0" y="0"/>
+          <a:ext cx="0" cy="0"/>
+          <a:chOff x="0" y="0"/>
+          <a:chExt cx="0" cy="0"/>
+        </a:xfrm>
+      </p:grpSpPr>
+      <p:sp>
+        <p:nvSpPr>
+          <p:cNvPr id="2" name="제목 1"/>
+          <p:cNvSpPr>
+            <a:spLocks noGrp="1"/>
+          </p:cNvSpPr>
+          <p:nvPr>
+            <p:ph type="title"/>
+          </p:nvPr>
+        </p:nvSpPr>
+        <p:spPr>
+          <a:xfrm>
+            <a:off x="197117" y="2763371"/>
+            <a:ext cx="11876248" cy="1325563"/>
+          </a:xfrm>
+        </p:spPr>
+        <p:txBody>
+          <a:bodyPr/>
+          <a:lstStyle/>
+          <a:p>
+            <a:pPr algn="ctr"/>
+            <a:r>
+              <a:rPr lang="en-US" altLang="ko-KR" dirty="0" smtClean="0"/>
+              <a:t>Experiment on cluster machines</a:t>
+            </a:r>
+            <a:endParaRPr lang="ko-KR" altLang="en-US" dirty="0"/>
+          </a:p>
+        </p:txBody>
+      </p:sp>
+    </p:spTree>
+    <p:extLst>
+      <p:ext uri="{BB962C8B-B14F-4D97-AF65-F5344CB8AC3E}">
+        <p14:creationId xmlns:p14="http://schemas.microsoft.com/office/powerpoint/2010/main" val="2070078901"/>
+      </p:ext>
+    </p:extLst>
+  </p:cSld>
+  <p:clrMapOvr>
+    <a:masterClrMapping/>
+  </p:clrMapOvr>
+  <p:timing>
+    <p:tnLst>
+      <p:par>
+        <p:cTn id="1" dur="indefinite" restart="never" nodeType="tmRoot"/>
+      </p:par>
+    </p:tnLst>
+  </p:timing>
+</p:sld>
+</file>
+
+<file path=ppt/slides/slide44.xml><?xml version="1.0" encoding="utf-8"?>
+<p:sld xmlns:a="http://schemas.openxmlformats.org/drawingml/2006/main" xmlns:r="http://schemas.openxmlformats.org/officeDocument/2006/relationships" xmlns:p="http://schemas.openxmlformats.org/presentationml/2006/main">
+  <p:cSld>
+    <p:spTree>
+      <p:nvGrpSpPr>
+        <p:cNvPr id="1" name=""/>
+        <p:cNvGrpSpPr/>
+        <p:nvPr/>
+      </p:nvGrpSpPr>
+      <p:grpSpPr>
+        <a:xfrm>
+          <a:off x="0" y="0"/>
+          <a:ext cx="0" cy="0"/>
+          <a:chOff x="0" y="0"/>
+          <a:chExt cx="0" cy="0"/>
+        </a:xfrm>
+      </p:grpSpPr>
+      <p:sp>
+        <p:nvSpPr>
+          <p:cNvPr id="3" name="내용 개체 틀 2"/>
+          <p:cNvSpPr>
+            <a:spLocks noGrp="1"/>
+          </p:cNvSpPr>
+          <p:nvPr>
+            <p:ph idx="1"/>
+          </p:nvPr>
+        </p:nvSpPr>
+        <p:spPr/>
+        <p:txBody>
+          <a:bodyPr/>
+          <a:lstStyle/>
+          <a:p>
+            <a:r>
+              <a:rPr lang="en-US" altLang="ko-KR" dirty="0" smtClean="0"/>
+              <a:t>Program print sum strings for debug (e.g. Messages, pivots)</a:t>
+            </a:r>
+          </a:p>
+          <a:p>
+            <a:endParaRPr lang="ko-KR" altLang="en-US" dirty="0"/>
+          </a:p>
+        </p:txBody>
+      </p:sp>
+    </p:spTree>
+    <p:extLst>
+      <p:ext uri="{BB962C8B-B14F-4D97-AF65-F5344CB8AC3E}">
+        <p14:creationId xmlns:p14="http://schemas.microsoft.com/office/powerpoint/2010/main" val="1844399045"/>
+      </p:ext>
+    </p:extLst>
+  </p:cSld>
+  <p:clrMapOvr>
+    <a:masterClrMapping/>
+  </p:clrMapOvr>
+</p:sld>
+</file>
+
+<file path=ppt/slides/slide45.xml><?xml version="1.0" encoding="utf-8"?>
+<p:sld xmlns:a="http://schemas.openxmlformats.org/drawingml/2006/main" xmlns:r="http://schemas.openxmlformats.org/officeDocument/2006/relationships" xmlns:p="http://schemas.openxmlformats.org/presentationml/2006/main">
+  <p:cSld>
+    <p:spTree>
+      <p:nvGrpSpPr>
+        <p:cNvPr id="1" name=""/>
+        <p:cNvGrpSpPr/>
+        <p:nvPr/>
+      </p:nvGrpSpPr>
+      <p:grpSpPr>
+        <a:xfrm>
+          <a:off x="0" y="0"/>
+          <a:ext cx="0" cy="0"/>
+          <a:chOff x="0" y="0"/>
+          <a:chExt cx="0" cy="0"/>
+        </a:xfrm>
+      </p:grpSpPr>
+      <p:sp>
+        <p:nvSpPr>
+          <p:cNvPr id="2" name="제목 1"/>
+          <p:cNvSpPr>
+            <a:spLocks noGrp="1"/>
+          </p:cNvSpPr>
+          <p:nvPr>
+            <p:ph type="title"/>
+          </p:nvPr>
+        </p:nvSpPr>
+        <p:spPr/>
+        <p:txBody>
+          <a:bodyPr/>
+          <a:lstStyle/>
+          <a:p>
+            <a:r>
+              <a:rPr lang="en-US" altLang="ko-KR" dirty="0" smtClean="0"/>
+              <a:t>100m, single slave, single input </a:t>
+            </a:r>
+            <a:r>
+              <a:rPr lang="en-US" altLang="ko-KR" dirty="0" err="1" smtClean="0"/>
+              <a:t>dir</a:t>
+            </a:r>
+            <a:endParaRPr lang="ko-KR" altLang="en-US" dirty="0"/>
+          </a:p>
+        </p:txBody>
+      </p:sp>
+      <p:pic>
+        <p:nvPicPr>
+          <p:cNvPr id="4" name="내용 개체 틀 3" descr="141.223.82.191:22 - khpark0312@itcmas1:~ - Xshell 5 (Free for Home/School)"/>
+          <p:cNvPicPr>
+            <a:picLocks noGrp="1" noChangeAspect="1"/>
+          </p:cNvPicPr>
+          <p:nvPr>
+            <p:ph idx="1"/>
+          </p:nvPr>
+        </p:nvPicPr>
+        <p:blipFill rotWithShape="1">
+          <a:blip r:embed="rId2" cstate="print">
+            <a:extLst>
+              <a:ext uri="{28A0092B-C50C-407E-A947-70E740481C1C}">
+                <a14:useLocalDpi xmlns:a14="http://schemas.microsoft.com/office/drawing/2010/main" val="0"/>
+              </a:ext>
+            </a:extLst>
+          </a:blip>
+          <a:srcRect t="34372" b="5725"/>
+          <a:stretch/>
+        </p:blipFill>
+        <p:spPr>
+          <a:xfrm>
+            <a:off x="168392" y="1930504"/>
+            <a:ext cx="11855215" cy="4550979"/>
+          </a:xfrm>
+        </p:spPr>
+      </p:pic>
+    </p:spTree>
+    <p:extLst>
+      <p:ext uri="{BB962C8B-B14F-4D97-AF65-F5344CB8AC3E}">
+        <p14:creationId xmlns:p14="http://schemas.microsoft.com/office/powerpoint/2010/main" val="3047788175"/>
+      </p:ext>
+    </p:extLst>
+  </p:cSld>
+  <p:clrMapOvr>
+    <a:masterClrMapping/>
+  </p:clrMapOvr>
+</p:sld>
+</file>
+
+<file path=ppt/slides/slide46.xml><?xml version="1.0" encoding="utf-8"?>
+<p:sld xmlns:a="http://schemas.openxmlformats.org/drawingml/2006/main" xmlns:r="http://schemas.openxmlformats.org/officeDocument/2006/relationships" xmlns:p="http://schemas.openxmlformats.org/presentationml/2006/main">
+  <p:cSld>
+    <p:spTree>
+      <p:nvGrpSpPr>
+        <p:cNvPr id="1" name=""/>
+        <p:cNvGrpSpPr/>
+        <p:nvPr/>
+      </p:nvGrpSpPr>
+      <p:grpSpPr>
+        <a:xfrm>
+          <a:off x="0" y="0"/>
+          <a:ext cx="0" cy="0"/>
+          <a:chOff x="0" y="0"/>
+          <a:chExt cx="0" cy="0"/>
+        </a:xfrm>
+      </p:grpSpPr>
+      <p:sp>
+        <p:nvSpPr>
+          <p:cNvPr id="2" name="제목 1"/>
+          <p:cNvSpPr>
+            <a:spLocks noGrp="1"/>
+          </p:cNvSpPr>
+          <p:nvPr>
+            <p:ph type="title"/>
+          </p:nvPr>
+        </p:nvSpPr>
+        <p:spPr/>
+        <p:txBody>
+          <a:bodyPr/>
+          <a:lstStyle/>
+          <a:p>
+            <a:r>
+              <a:rPr lang="en-US" altLang="ko-KR" dirty="0" smtClean="0"/>
+              <a:t>100m, single slave, multiple input </a:t>
+            </a:r>
+            <a:r>
+              <a:rPr lang="en-US" altLang="ko-KR" dirty="0" err="1" smtClean="0"/>
+              <a:t>dir</a:t>
+            </a:r>
+            <a:endParaRPr lang="ko-KR" altLang="en-US" dirty="0"/>
+          </a:p>
+        </p:txBody>
+      </p:sp>
+      <p:pic>
+        <p:nvPicPr>
+          <p:cNvPr id="5" name="내용 개체 틀 4" descr="141.223.82.191:22 - khpark0312@itcmas1:~ - Xshell 5 (Free for Home/School)"/>
+          <p:cNvPicPr>
+            <a:picLocks noGrp="1" noChangeAspect="1"/>
+          </p:cNvPicPr>
+          <p:nvPr>
+            <p:ph idx="1"/>
+          </p:nvPr>
+        </p:nvPicPr>
+        <p:blipFill rotWithShape="1">
+          <a:blip r:embed="rId2" cstate="print">
+            <a:extLst>
+              <a:ext uri="{28A0092B-C50C-407E-A947-70E740481C1C}">
+                <a14:useLocalDpi xmlns:a14="http://schemas.microsoft.com/office/drawing/2010/main" val="0"/>
+              </a:ext>
+            </a:extLst>
+          </a:blip>
+          <a:srcRect t="33889" b="6088"/>
+          <a:stretch/>
+        </p:blipFill>
+        <p:spPr>
+          <a:xfrm>
+            <a:off x="362663" y="2054772"/>
+            <a:ext cx="11598110" cy="4461261"/>
+          </a:xfrm>
+        </p:spPr>
+      </p:pic>
+    </p:spTree>
+    <p:extLst>
+      <p:ext uri="{BB962C8B-B14F-4D97-AF65-F5344CB8AC3E}">
+        <p14:creationId xmlns:p14="http://schemas.microsoft.com/office/powerpoint/2010/main" val="2119757529"/>
+      </p:ext>
+    </p:extLst>
+  </p:cSld>
+  <p:clrMapOvr>
+    <a:masterClrMapping/>
+  </p:clrMapOvr>
+</p:sld>
+</file>
+
+<file path=ppt/slides/slide47.xml><?xml version="1.0" encoding="utf-8"?>
+<p:sld xmlns:a="http://schemas.openxmlformats.org/drawingml/2006/main" xmlns:r="http://schemas.openxmlformats.org/officeDocument/2006/relationships" xmlns:p="http://schemas.openxmlformats.org/presentationml/2006/main">
+  <p:cSld>
+    <p:spTree>
+      <p:nvGrpSpPr>
+        <p:cNvPr id="1" name=""/>
+        <p:cNvGrpSpPr/>
+        <p:nvPr/>
+      </p:nvGrpSpPr>
+      <p:grpSpPr>
+        <a:xfrm>
+          <a:off x="0" y="0"/>
+          <a:ext cx="0" cy="0"/>
+          <a:chOff x="0" y="0"/>
+          <a:chExt cx="0" cy="0"/>
+        </a:xfrm>
+      </p:grpSpPr>
+      <p:sp>
+        <p:nvSpPr>
+          <p:cNvPr id="2" name="제목 1"/>
+          <p:cNvSpPr>
+            <a:spLocks noGrp="1"/>
+          </p:cNvSpPr>
+          <p:nvPr>
+            <p:ph type="title"/>
+          </p:nvPr>
+        </p:nvSpPr>
+        <p:spPr/>
+        <p:txBody>
+          <a:bodyPr/>
+          <a:lstStyle/>
+          <a:p>
+            <a:r>
+              <a:rPr lang="en-US" altLang="ko-KR" dirty="0" smtClean="0"/>
+              <a:t>1g, multiple slaves, multiple input </a:t>
+            </a:r>
+            <a:r>
+              <a:rPr lang="en-US" altLang="ko-KR" dirty="0" err="1" smtClean="0"/>
+              <a:t>dir</a:t>
+            </a:r>
+            <a:endParaRPr lang="ko-KR" altLang="en-US" dirty="0"/>
+          </a:p>
+        </p:txBody>
+      </p:sp>
+      <p:pic>
+        <p:nvPicPr>
+          <p:cNvPr id="5" name="내용 개체 틀 4" descr="141.223.82.191:22 - khpark0312@itcmas1:~ - Xshell 5 (Free for Home/School)"/>
+          <p:cNvPicPr>
+            <a:picLocks noGrp="1" noChangeAspect="1"/>
+          </p:cNvPicPr>
+          <p:nvPr>
+            <p:ph idx="1"/>
+          </p:nvPr>
+        </p:nvPicPr>
+        <p:blipFill rotWithShape="1">
+          <a:blip r:embed="rId2" cstate="print">
+            <a:extLst>
+              <a:ext uri="{28A0092B-C50C-407E-A947-70E740481C1C}">
+                <a14:useLocalDpi xmlns:a14="http://schemas.microsoft.com/office/drawing/2010/main" val="0"/>
+              </a:ext>
+            </a:extLst>
+          </a:blip>
+          <a:srcRect t="26039" b="5967"/>
+          <a:stretch/>
+        </p:blipFill>
+        <p:spPr>
+          <a:xfrm>
+            <a:off x="772325" y="1755239"/>
+            <a:ext cx="10938827" cy="4766429"/>
+          </a:xfrm>
+        </p:spPr>
+      </p:pic>
+    </p:spTree>
+    <p:extLst>
+      <p:ext uri="{BB962C8B-B14F-4D97-AF65-F5344CB8AC3E}">
+        <p14:creationId xmlns:p14="http://schemas.microsoft.com/office/powerpoint/2010/main" val="3300874726"/>
+      </p:ext>
+    </p:extLst>
+  </p:cSld>
+  <p:clrMapOvr>
+    <a:masterClrMapping/>
+  </p:clrMapOvr>
+</p:sld>
+</file>
+
+<file path=ppt/slides/slide48.xml><?xml version="1.0" encoding="utf-8"?>
+<p:sld xmlns:a="http://schemas.openxmlformats.org/drawingml/2006/main" xmlns:r="http://schemas.openxmlformats.org/officeDocument/2006/relationships" xmlns:p="http://schemas.openxmlformats.org/presentationml/2006/main">
+  <p:cSld>
+    <p:spTree>
+      <p:nvGrpSpPr>
+        <p:cNvPr id="1" name=""/>
+        <p:cNvGrpSpPr/>
+        <p:nvPr/>
+      </p:nvGrpSpPr>
+      <p:grpSpPr>
+        <a:xfrm>
+          <a:off x="0" y="0"/>
+          <a:ext cx="0" cy="0"/>
+          <a:chOff x="0" y="0"/>
+          <a:chExt cx="0" cy="0"/>
+        </a:xfrm>
+      </p:grpSpPr>
+      <p:sp>
+        <p:nvSpPr>
+          <p:cNvPr id="2" name="제목 1"/>
+          <p:cNvSpPr>
+            <a:spLocks noGrp="1"/>
+          </p:cNvSpPr>
+          <p:nvPr>
+            <p:ph type="title"/>
+          </p:nvPr>
+        </p:nvSpPr>
+        <p:spPr/>
+        <p:txBody>
+          <a:bodyPr/>
+          <a:lstStyle/>
+          <a:p>
+            <a:r>
+              <a:rPr lang="en-US" altLang="ko-KR" dirty="0" smtClean="0"/>
+              <a:t>1g, multiple slaves, multiple input </a:t>
+            </a:r>
+            <a:r>
+              <a:rPr lang="en-US" altLang="ko-KR" dirty="0" err="1" smtClean="0"/>
+              <a:t>dir</a:t>
+            </a:r>
+            <a:endParaRPr lang="ko-KR" altLang="en-US" dirty="0"/>
+          </a:p>
+        </p:txBody>
+      </p:sp>
+      <p:pic>
+        <p:nvPicPr>
+          <p:cNvPr id="4" name="내용 개체 틀 3" descr="141.223.82.191:22 - khpark0312@itcmas1:~ - Xshell 5 (Free for Home/School)"/>
+          <p:cNvPicPr>
+            <a:picLocks noGrp="1" noChangeAspect="1"/>
+          </p:cNvPicPr>
+          <p:nvPr>
+            <p:ph idx="1"/>
+          </p:nvPr>
+        </p:nvPicPr>
+        <p:blipFill rotWithShape="1">
+          <a:blip r:embed="rId2" cstate="print">
+            <a:extLst>
+              <a:ext uri="{28A0092B-C50C-407E-A947-70E740481C1C}">
+                <a14:useLocalDpi xmlns:a14="http://schemas.microsoft.com/office/drawing/2010/main" val="0"/>
+              </a:ext>
+            </a:extLst>
+          </a:blip>
+          <a:srcRect t="16498" b="5967"/>
+          <a:stretch/>
+        </p:blipFill>
+        <p:spPr>
+          <a:xfrm>
+            <a:off x="980090" y="1608746"/>
+            <a:ext cx="9887607" cy="4912924"/>
+          </a:xfrm>
+        </p:spPr>
+      </p:pic>
+    </p:spTree>
+    <p:extLst>
+      <p:ext uri="{BB962C8B-B14F-4D97-AF65-F5344CB8AC3E}">
+        <p14:creationId xmlns:p14="http://schemas.microsoft.com/office/powerpoint/2010/main" val="3535282903"/>
+      </p:ext>
+    </p:extLst>
+  </p:cSld>
+  <p:clrMapOvr>
+    <a:masterClrMapping/>
+  </p:clrMapOvr>
+</p:sld>
+</file>
+
 <file path=ppt/slides/slide5.xml><?xml version="1.0" encoding="utf-8"?>
 <p:sld xmlns:a="http://schemas.openxmlformats.org/drawingml/2006/main" xmlns:r="http://schemas.openxmlformats.org/officeDocument/2006/relationships" xmlns:p="http://schemas.openxmlformats.org/presentationml/2006/main">
   <p:cSld>
@@ -25092,13 +25365,8 @@
                       </a:pPr>
                       <a:r>
                         <a:rPr lang="en-US" altLang="ko-KR" sz="1400" b="0" dirty="0" smtClean="0"/>
-                        <a:t>Sample </a:t>
-                      </a:r>
-                      <a:r>
-                        <a:rPr lang="en-US" altLang="ko-KR" sz="1400" b="0" dirty="0" smtClean="0"/>
-                        <a:t>data</a:t>
-                      </a:r>
-                      <a:endParaRPr lang="en-US" altLang="ko-KR" sz="1400" b="0" dirty="0" smtClean="0"/>
+                        <a:t>Sample data</a:t>
+                      </a:r>
                     </a:p>
                   </a:txBody>
                   <a:tcPr/>
@@ -25644,11 +25912,7 @@
             </a:r>
             <a:r>
               <a:rPr lang="en-US" altLang="ko-KR" dirty="0" smtClean="0"/>
-              <a:t> -&gt; </a:t>
-            </a:r>
-            <a:r>
-              <a:rPr lang="en-US" altLang="ko-KR" dirty="0" smtClean="0"/>
-              <a:t>Master</a:t>
+              <a:t> -&gt; Master</a:t>
             </a:r>
             <a:endParaRPr lang="ko-KR" altLang="en-US" dirty="0"/>
           </a:p>
@@ -25690,11 +25954,7 @@
             <a:pPr algn="ctr"/>
             <a:r>
               <a:rPr lang="en-US" altLang="ko-KR" sz="1100" dirty="0" err="1" smtClean="0"/>
-              <a:t>Pivot</a:t>
-            </a:r>
-            <a:r>
-              <a:rPr lang="en-US" altLang="ko-KR" sz="1100" dirty="0" err="1" smtClean="0"/>
-              <a:t>Msg</a:t>
+              <a:t>PivotMsg</a:t>
             </a:r>
             <a:endParaRPr lang="ko-KR" altLang="en-US" sz="1100" dirty="0"/>
           </a:p>
@@ -25874,11 +26134,7 @@
                       </a:pPr>
                       <a:r>
                         <a:rPr lang="en-US" altLang="ko-KR" sz="1400" baseline="0" dirty="0" smtClean="0"/>
-                        <a:t>Pivot </a:t>
-                      </a:r>
-                      <a:r>
-                        <a:rPr lang="en-US" altLang="ko-KR" sz="1400" baseline="0" dirty="0" smtClean="0"/>
-                        <a:t>values</a:t>
+                        <a:t>Pivot values</a:t>
                       </a:r>
                       <a:endParaRPr lang="ko-KR" altLang="en-US" sz="1400" b="0" dirty="0"/>
                     </a:p>

--- a/project.pptx
+++ b/project.pptx
@@ -51,6 +51,11 @@
     <p:sldId id="345" r:id="rId45"/>
     <p:sldId id="347" r:id="rId46"/>
     <p:sldId id="346" r:id="rId47"/>
+    <p:sldId id="352" r:id="rId48"/>
+    <p:sldId id="354" r:id="rId49"/>
+    <p:sldId id="353" r:id="rId50"/>
+    <p:sldId id="355" r:id="rId51"/>
+    <p:sldId id="356" r:id="rId52"/>
   </p:sldIdLst>
   <p:sldSz cx="12192000" cy="6858000"/>
   <p:notesSz cx="6858000" cy="9144000"/>
@@ -16645,6 +16650,13 @@
               <a:rPr lang="en-US" altLang="ko-KR" dirty="0" smtClean="0"/>
               <a:t>Received, or sent file request</a:t>
             </a:r>
+          </a:p>
+          <a:p>
+            <a:pPr lvl="1"/>
+            <a:r>
+              <a:rPr lang="en-US" altLang="ko-KR" dirty="0" smtClean="0"/>
+              <a:t>Partition name is partition_{file #}_{partition #}_{owner #}</a:t>
+            </a:r>
             <a:endParaRPr lang="en-US" altLang="ko-KR" dirty="0" smtClean="0"/>
           </a:p>
           <a:p>
@@ -19414,6 +19426,295 @@
     <p:extLst>
       <p:ext uri="{BB962C8B-B14F-4D97-AF65-F5344CB8AC3E}">
         <p14:creationId xmlns:p14="http://schemas.microsoft.com/office/powerpoint/2010/main" val="2677597638"/>
+      </p:ext>
+    </p:extLst>
+  </p:cSld>
+  <p:clrMapOvr>
+    <a:masterClrMapping/>
+  </p:clrMapOvr>
+</p:sld>
+</file>
+
+<file path=ppt/slides/slide47.xml><?xml version="1.0" encoding="utf-8"?>
+<p:sld xmlns:a="http://schemas.openxmlformats.org/drawingml/2006/main" xmlns:r="http://schemas.openxmlformats.org/officeDocument/2006/relationships" xmlns:p="http://schemas.openxmlformats.org/presentationml/2006/main">
+  <p:cSld>
+    <p:spTree>
+      <p:nvGrpSpPr>
+        <p:cNvPr id="1" name=""/>
+        <p:cNvGrpSpPr/>
+        <p:nvPr/>
+      </p:nvGrpSpPr>
+      <p:grpSpPr>
+        <a:xfrm>
+          <a:off x="0" y="0"/>
+          <a:ext cx="0" cy="0"/>
+          <a:chOff x="0" y="0"/>
+          <a:chExt cx="0" cy="0"/>
+        </a:xfrm>
+      </p:grpSpPr>
+      <p:sp>
+        <p:nvSpPr>
+          <p:cNvPr id="2" name="제목 1"/>
+          <p:cNvSpPr>
+            <a:spLocks noGrp="1"/>
+          </p:cNvSpPr>
+          <p:nvPr>
+            <p:ph type="title"/>
+          </p:nvPr>
+        </p:nvSpPr>
+        <p:spPr>
+          <a:xfrm>
+            <a:off x="4238297" y="2814035"/>
+            <a:ext cx="10515600" cy="1325563"/>
+          </a:xfrm>
+        </p:spPr>
+        <p:txBody>
+          <a:bodyPr/>
+          <a:lstStyle/>
+          <a:p>
+            <a:r>
+              <a:rPr lang="en-US" altLang="ko-KR" dirty="0" smtClean="0"/>
+              <a:t>Milestone 2</a:t>
+            </a:r>
+            <a:endParaRPr lang="ko-KR" altLang="en-US" dirty="0"/>
+          </a:p>
+        </p:txBody>
+      </p:sp>
+    </p:spTree>
+    <p:extLst>
+      <p:ext uri="{BB962C8B-B14F-4D97-AF65-F5344CB8AC3E}">
+        <p14:creationId xmlns:p14="http://schemas.microsoft.com/office/powerpoint/2010/main" val="2713403401"/>
+      </p:ext>
+    </p:extLst>
+  </p:cSld>
+  <p:clrMapOvr>
+    <a:masterClrMapping/>
+  </p:clrMapOvr>
+</p:sld>
+</file>
+
+<file path=ppt/slides/slide48.xml><?xml version="1.0" encoding="utf-8"?>
+<p:sld xmlns:a="http://schemas.openxmlformats.org/drawingml/2006/main" xmlns:r="http://schemas.openxmlformats.org/officeDocument/2006/relationships" xmlns:p="http://schemas.openxmlformats.org/presentationml/2006/main">
+  <p:cSld>
+    <p:spTree>
+      <p:nvGrpSpPr>
+        <p:cNvPr id="1" name=""/>
+        <p:cNvGrpSpPr/>
+        <p:nvPr/>
+      </p:nvGrpSpPr>
+      <p:grpSpPr>
+        <a:xfrm>
+          <a:off x="0" y="0"/>
+          <a:ext cx="0" cy="0"/>
+          <a:chOff x="0" y="0"/>
+          <a:chExt cx="0" cy="0"/>
+        </a:xfrm>
+      </p:grpSpPr>
+      <p:sp>
+        <p:nvSpPr>
+          <p:cNvPr id="3" name="내용 개체 틀 2"/>
+          <p:cNvSpPr>
+            <a:spLocks noGrp="1"/>
+          </p:cNvSpPr>
+          <p:nvPr>
+            <p:ph idx="1"/>
+          </p:nvPr>
+        </p:nvSpPr>
+        <p:spPr>
+          <a:xfrm>
+            <a:off x="784292" y="1594635"/>
+            <a:ext cx="10515600" cy="4351338"/>
+          </a:xfrm>
+        </p:spPr>
+        <p:txBody>
+          <a:bodyPr/>
+          <a:lstStyle/>
+          <a:p>
+            <a:r>
+              <a:rPr lang="en-US" altLang="ko-KR" dirty="0" smtClean="0"/>
+              <a:t>Scenario:</a:t>
+            </a:r>
+          </a:p>
+          <a:p>
+            <a:pPr lvl="1">
+              <a:buFontTx/>
+              <a:buChar char="-"/>
+            </a:pPr>
+            <a:r>
+              <a:rPr lang="en-US" altLang="ko-KR" dirty="0" smtClean="0"/>
+              <a:t>Master wait 2 slaves</a:t>
+            </a:r>
+          </a:p>
+          <a:p>
+            <a:pPr lvl="1">
+              <a:buFontTx/>
+              <a:buChar char="-"/>
+            </a:pPr>
+            <a:r>
+              <a:rPr lang="en-US" altLang="ko-KR" dirty="0"/>
+              <a:t>2</a:t>
+            </a:r>
+            <a:r>
+              <a:rPr lang="en-US" altLang="ko-KR" dirty="0" smtClean="0"/>
+              <a:t> slaves try to connect to </a:t>
+            </a:r>
+            <a:r>
+              <a:rPr lang="en-US" altLang="ko-KR" dirty="0" smtClean="0"/>
+              <a:t>master</a:t>
+            </a:r>
+          </a:p>
+          <a:p>
+            <a:pPr lvl="1">
+              <a:buFontTx/>
+              <a:buChar char="-"/>
+            </a:pPr>
+            <a:r>
+              <a:rPr lang="en-US" altLang="ko-KR" dirty="0" smtClean="0"/>
+              <a:t>They write (intermediate) partition files to output directory</a:t>
+            </a:r>
+          </a:p>
+          <a:p>
+            <a:pPr lvl="1">
+              <a:buFontTx/>
+              <a:buChar char="-"/>
+            </a:pPr>
+            <a:r>
+              <a:rPr lang="en-US" altLang="ko-KR" dirty="0"/>
+              <a:t>Partition name is partition_{file #}_{partition #}_{owner </a:t>
+            </a:r>
+            <a:r>
+              <a:rPr lang="en-US" altLang="ko-KR" dirty="0" smtClean="0"/>
+              <a:t>#}</a:t>
+            </a:r>
+          </a:p>
+          <a:p>
+            <a:pPr lvl="1">
+              <a:buFontTx/>
+              <a:buChar char="-"/>
+            </a:pPr>
+            <a:r>
+              <a:rPr lang="en-US" altLang="ko-KR" dirty="0" smtClean="0"/>
+              <a:t>Partitions</a:t>
+            </a:r>
+          </a:p>
+          <a:p>
+            <a:pPr lvl="2">
+              <a:buFontTx/>
+              <a:buChar char="-"/>
+            </a:pPr>
+            <a:r>
+              <a:rPr lang="en-US" altLang="ko-KR" dirty="0" smtClean="0"/>
+              <a:t>0~7 are for machine 0</a:t>
+            </a:r>
+          </a:p>
+          <a:p>
+            <a:pPr lvl="2">
+              <a:buFontTx/>
+              <a:buChar char="-"/>
+            </a:pPr>
+            <a:r>
+              <a:rPr lang="en-US" altLang="ko-KR" dirty="0" smtClean="0"/>
+              <a:t>8~15 are for machine 1</a:t>
+            </a:r>
+          </a:p>
+          <a:p>
+            <a:pPr lvl="2">
+              <a:buFontTx/>
+              <a:buChar char="-"/>
+            </a:pPr>
+            <a:r>
+              <a:rPr lang="en-US" altLang="ko-KR" dirty="0" smtClean="0"/>
+              <a:t>8 partitions for single machine</a:t>
+            </a:r>
+            <a:endParaRPr lang="en-US" altLang="ko-KR" dirty="0"/>
+          </a:p>
+        </p:txBody>
+      </p:sp>
+    </p:spTree>
+    <p:extLst>
+      <p:ext uri="{BB962C8B-B14F-4D97-AF65-F5344CB8AC3E}">
+        <p14:creationId xmlns:p14="http://schemas.microsoft.com/office/powerpoint/2010/main" val="882536301"/>
+      </p:ext>
+    </p:extLst>
+  </p:cSld>
+  <p:clrMapOvr>
+    <a:masterClrMapping/>
+  </p:clrMapOvr>
+</p:sld>
+</file>
+
+<file path=ppt/slides/slide49.xml><?xml version="1.0" encoding="utf-8"?>
+<p:sld xmlns:a="http://schemas.openxmlformats.org/drawingml/2006/main" xmlns:r="http://schemas.openxmlformats.org/officeDocument/2006/relationships" xmlns:p="http://schemas.openxmlformats.org/presentationml/2006/main">
+  <p:cSld>
+    <p:spTree>
+      <p:nvGrpSpPr>
+        <p:cNvPr id="1" name=""/>
+        <p:cNvGrpSpPr/>
+        <p:nvPr/>
+      </p:nvGrpSpPr>
+      <p:grpSpPr>
+        <a:xfrm>
+          <a:off x="0" y="0"/>
+          <a:ext cx="0" cy="0"/>
+          <a:chOff x="0" y="0"/>
+          <a:chExt cx="0" cy="0"/>
+        </a:xfrm>
+      </p:grpSpPr>
+      <p:sp>
+        <p:nvSpPr>
+          <p:cNvPr id="2" name="제목 1"/>
+          <p:cNvSpPr>
+            <a:spLocks noGrp="1"/>
+          </p:cNvSpPr>
+          <p:nvPr>
+            <p:ph type="title"/>
+          </p:nvPr>
+        </p:nvSpPr>
+        <p:spPr/>
+        <p:txBody>
+          <a:bodyPr/>
+          <a:lstStyle/>
+          <a:p>
+            <a:r>
+              <a:rPr lang="en-US" altLang="ko-KR" dirty="0" smtClean="0"/>
+              <a:t>Master</a:t>
+            </a:r>
+            <a:endParaRPr lang="ko-KR" altLang="en-US" dirty="0"/>
+          </a:p>
+        </p:txBody>
+      </p:sp>
+      <p:pic>
+        <p:nvPicPr>
+          <p:cNvPr id="5" name="내용 개체 틀 4" descr="141.223.82.191:22 - khpark0312@itcmas1:~ - Xshell 5 (Free for Home/School)"/>
+          <p:cNvPicPr>
+            <a:picLocks noGrp="1" noChangeAspect="1"/>
+          </p:cNvPicPr>
+          <p:nvPr>
+            <p:ph idx="1"/>
+          </p:nvPr>
+        </p:nvPicPr>
+        <p:blipFill rotWithShape="1">
+          <a:blip r:embed="rId2" cstate="print">
+            <a:extLst>
+              <a:ext uri="{28A0092B-C50C-407E-A947-70E740481C1C}">
+                <a14:useLocalDpi xmlns:a14="http://schemas.microsoft.com/office/drawing/2010/main" val="0"/>
+              </a:ext>
+            </a:extLst>
+          </a:blip>
+          <a:srcRect t="63719" r="63776" b="6209"/>
+          <a:stretch/>
+        </p:blipFill>
+        <p:spPr>
+          <a:xfrm>
+            <a:off x="2848118" y="2453832"/>
+            <a:ext cx="5917509" cy="3148184"/>
+          </a:xfrm>
+        </p:spPr>
+      </p:pic>
+    </p:spTree>
+    <p:extLst>
+      <p:ext uri="{BB962C8B-B14F-4D97-AF65-F5344CB8AC3E}">
+        <p14:creationId xmlns:p14="http://schemas.microsoft.com/office/powerpoint/2010/main" val="581266180"/>
       </p:ext>
     </p:extLst>
   </p:cSld>
@@ -19880,6 +20181,406 @@
       </p:par>
     </p:tnLst>
   </p:timing>
+</p:sld>
+</file>
+
+<file path=ppt/slides/slide50.xml><?xml version="1.0" encoding="utf-8"?>
+<p:sld xmlns:a="http://schemas.openxmlformats.org/drawingml/2006/main" xmlns:r="http://schemas.openxmlformats.org/officeDocument/2006/relationships" xmlns:p="http://schemas.openxmlformats.org/presentationml/2006/main">
+  <p:cSld>
+    <p:spTree>
+      <p:nvGrpSpPr>
+        <p:cNvPr id="1" name=""/>
+        <p:cNvGrpSpPr/>
+        <p:nvPr/>
+      </p:nvGrpSpPr>
+      <p:grpSpPr>
+        <a:xfrm>
+          <a:off x="0" y="0"/>
+          <a:ext cx="0" cy="0"/>
+          <a:chOff x="0" y="0"/>
+          <a:chExt cx="0" cy="0"/>
+        </a:xfrm>
+      </p:grpSpPr>
+      <p:sp>
+        <p:nvSpPr>
+          <p:cNvPr id="2" name="제목 1"/>
+          <p:cNvSpPr>
+            <a:spLocks noGrp="1"/>
+          </p:cNvSpPr>
+          <p:nvPr>
+            <p:ph type="title"/>
+          </p:nvPr>
+        </p:nvSpPr>
+        <p:spPr/>
+        <p:txBody>
+          <a:bodyPr/>
+          <a:lstStyle/>
+          <a:p>
+            <a:r>
+              <a:rPr lang="en-US" altLang="ko-KR" dirty="0" smtClean="0"/>
+              <a:t>Slave 1 </a:t>
+            </a:r>
+            <a:endParaRPr lang="ko-KR" altLang="en-US" dirty="0"/>
+          </a:p>
+        </p:txBody>
+      </p:sp>
+      <p:sp>
+        <p:nvSpPr>
+          <p:cNvPr id="3" name="TextBox 2"/>
+          <p:cNvSpPr txBox="1"/>
+          <p:nvPr/>
+        </p:nvSpPr>
+        <p:spPr>
+          <a:xfrm>
+            <a:off x="5412827" y="3139650"/>
+            <a:ext cx="338554" cy="369332"/>
+          </a:xfrm>
+          <a:prstGeom prst="rect">
+            <a:avLst/>
+          </a:prstGeom>
+          <a:noFill/>
+        </p:spPr>
+        <p:txBody>
+          <a:bodyPr wrap="none" rtlCol="0">
+            <a:spAutoFit/>
+          </a:bodyPr>
+          <a:lstStyle/>
+          <a:p>
+            <a:r>
+              <a:rPr lang="en-US" altLang="ko-KR" dirty="0" smtClean="0"/>
+              <a:t>...</a:t>
+            </a:r>
+            <a:endParaRPr lang="ko-KR" altLang="en-US" dirty="0"/>
+          </a:p>
+        </p:txBody>
+      </p:sp>
+      <p:pic>
+        <p:nvPicPr>
+          <p:cNvPr id="6" name="그림 5" descr="141.223.82.191:22 - khpark0312@itcmas1:~ - Xshell 5 (Free for Home/School)"/>
+          <p:cNvPicPr>
+            <a:picLocks noChangeAspect="1"/>
+          </p:cNvPicPr>
+          <p:nvPr/>
+        </p:nvPicPr>
+        <p:blipFill rotWithShape="1">
+          <a:blip r:embed="rId2" cstate="print">
+            <a:extLst>
+              <a:ext uri="{28A0092B-C50C-407E-A947-70E740481C1C}">
+                <a14:useLocalDpi xmlns:a14="http://schemas.microsoft.com/office/drawing/2010/main" val="0"/>
+              </a:ext>
+            </a:extLst>
+          </a:blip>
+          <a:srcRect t="65593" r="4429" b="5901"/>
+          <a:stretch/>
+        </p:blipFill>
+        <p:spPr>
+          <a:xfrm>
+            <a:off x="745211" y="4498428"/>
+            <a:ext cx="10227590" cy="1954924"/>
+          </a:xfrm>
+          <a:prstGeom prst="rect">
+            <a:avLst/>
+          </a:prstGeom>
+        </p:spPr>
+      </p:pic>
+      <p:pic>
+        <p:nvPicPr>
+          <p:cNvPr id="7" name="그림 6" descr="141.223.82.191:22 - khpark0312@itcmas1:~ - Xshell 5 (Free for Home/School)"/>
+          <p:cNvPicPr>
+            <a:picLocks noChangeAspect="1"/>
+          </p:cNvPicPr>
+          <p:nvPr/>
+        </p:nvPicPr>
+        <p:blipFill rotWithShape="1">
+          <a:blip r:embed="rId3" cstate="print">
+            <a:extLst>
+              <a:ext uri="{28A0092B-C50C-407E-A947-70E740481C1C}">
+                <a14:useLocalDpi xmlns:a14="http://schemas.microsoft.com/office/drawing/2010/main" val="0"/>
+              </a:ext>
+            </a:extLst>
+          </a:blip>
+          <a:srcRect t="42222" r="37429" b="6743"/>
+          <a:stretch/>
+        </p:blipFill>
+        <p:spPr>
+          <a:xfrm>
+            <a:off x="745211" y="2155519"/>
+            <a:ext cx="4299755" cy="2247409"/>
+          </a:xfrm>
+          <a:prstGeom prst="rect">
+            <a:avLst/>
+          </a:prstGeom>
+        </p:spPr>
+      </p:pic>
+      <p:sp>
+        <p:nvSpPr>
+          <p:cNvPr id="8" name="TextBox 7"/>
+          <p:cNvSpPr txBox="1"/>
+          <p:nvPr/>
+        </p:nvSpPr>
+        <p:spPr>
+          <a:xfrm>
+            <a:off x="706821" y="1601522"/>
+            <a:ext cx="7685822" cy="369332"/>
+          </a:xfrm>
+          <a:prstGeom prst="rect">
+            <a:avLst/>
+          </a:prstGeom>
+          <a:noFill/>
+        </p:spPr>
+        <p:txBody>
+          <a:bodyPr wrap="none" rtlCol="0">
+            <a:spAutoFit/>
+          </a:bodyPr>
+          <a:lstStyle/>
+          <a:p>
+            <a:r>
+              <a:rPr lang="en-US" altLang="ko-KR" dirty="0" smtClean="0"/>
+              <a:t>The log is too long. So I will just show some part of log and the result.</a:t>
+            </a:r>
+            <a:endParaRPr lang="ko-KR" altLang="en-US" dirty="0"/>
+          </a:p>
+        </p:txBody>
+      </p:sp>
+      <p:pic>
+        <p:nvPicPr>
+          <p:cNvPr id="9" name="그림 8" descr="141.223.82.191:22 - khpark0312@itcmas1:~ - Xshell 5 (Free for Home/School)"/>
+          <p:cNvPicPr>
+            <a:picLocks noChangeAspect="1"/>
+          </p:cNvPicPr>
+          <p:nvPr/>
+        </p:nvPicPr>
+        <p:blipFill rotWithShape="1">
+          <a:blip r:embed="rId4" cstate="print">
+            <a:extLst>
+              <a:ext uri="{28A0092B-C50C-407E-A947-70E740481C1C}">
+                <a14:useLocalDpi xmlns:a14="http://schemas.microsoft.com/office/drawing/2010/main" val="0"/>
+              </a:ext>
+            </a:extLst>
+          </a:blip>
+          <a:srcRect t="17242" r="33780" b="35905"/>
+          <a:stretch/>
+        </p:blipFill>
+        <p:spPr>
+          <a:xfrm>
+            <a:off x="6016264" y="2155519"/>
+            <a:ext cx="4956537" cy="2247409"/>
+          </a:xfrm>
+          <a:prstGeom prst="rect">
+            <a:avLst/>
+          </a:prstGeom>
+        </p:spPr>
+      </p:pic>
+    </p:spTree>
+    <p:extLst>
+      <p:ext uri="{BB962C8B-B14F-4D97-AF65-F5344CB8AC3E}">
+        <p14:creationId xmlns:p14="http://schemas.microsoft.com/office/powerpoint/2010/main" val="2185994503"/>
+      </p:ext>
+    </p:extLst>
+  </p:cSld>
+  <p:clrMapOvr>
+    <a:masterClrMapping/>
+  </p:clrMapOvr>
+</p:sld>
+</file>
+
+<file path=ppt/slides/slide51.xml><?xml version="1.0" encoding="utf-8"?>
+<p:sld xmlns:a="http://schemas.openxmlformats.org/drawingml/2006/main" xmlns:r="http://schemas.openxmlformats.org/officeDocument/2006/relationships" xmlns:p="http://schemas.openxmlformats.org/presentationml/2006/main">
+  <p:cSld>
+    <p:spTree>
+      <p:nvGrpSpPr>
+        <p:cNvPr id="1" name=""/>
+        <p:cNvGrpSpPr/>
+        <p:nvPr/>
+      </p:nvGrpSpPr>
+      <p:grpSpPr>
+        <a:xfrm>
+          <a:off x="0" y="0"/>
+          <a:ext cx="0" cy="0"/>
+          <a:chOff x="0" y="0"/>
+          <a:chExt cx="0" cy="0"/>
+        </a:xfrm>
+      </p:grpSpPr>
+      <p:sp>
+        <p:nvSpPr>
+          <p:cNvPr id="2" name="제목 1"/>
+          <p:cNvSpPr>
+            <a:spLocks noGrp="1"/>
+          </p:cNvSpPr>
+          <p:nvPr>
+            <p:ph type="title"/>
+          </p:nvPr>
+        </p:nvSpPr>
+        <p:spPr/>
+        <p:txBody>
+          <a:bodyPr/>
+          <a:lstStyle/>
+          <a:p>
+            <a:r>
+              <a:rPr lang="en-US" altLang="ko-KR" dirty="0" smtClean="0"/>
+              <a:t>Slave 2 </a:t>
+            </a:r>
+            <a:endParaRPr lang="ko-KR" altLang="en-US" dirty="0"/>
+          </a:p>
+        </p:txBody>
+      </p:sp>
+      <p:sp>
+        <p:nvSpPr>
+          <p:cNvPr id="3" name="TextBox 2"/>
+          <p:cNvSpPr txBox="1"/>
+          <p:nvPr/>
+        </p:nvSpPr>
+        <p:spPr>
+          <a:xfrm>
+            <a:off x="5537116" y="2998479"/>
+            <a:ext cx="338554" cy="369332"/>
+          </a:xfrm>
+          <a:prstGeom prst="rect">
+            <a:avLst/>
+          </a:prstGeom>
+          <a:noFill/>
+        </p:spPr>
+        <p:txBody>
+          <a:bodyPr wrap="none" rtlCol="0">
+            <a:spAutoFit/>
+          </a:bodyPr>
+          <a:lstStyle/>
+          <a:p>
+            <a:r>
+              <a:rPr lang="en-US" altLang="ko-KR" dirty="0" smtClean="0"/>
+              <a:t>...</a:t>
+            </a:r>
+            <a:endParaRPr lang="ko-KR" altLang="en-US" dirty="0"/>
+          </a:p>
+        </p:txBody>
+      </p:sp>
+      <p:sp>
+        <p:nvSpPr>
+          <p:cNvPr id="8" name="TextBox 7"/>
+          <p:cNvSpPr txBox="1"/>
+          <p:nvPr/>
+        </p:nvSpPr>
+        <p:spPr>
+          <a:xfrm>
+            <a:off x="696064" y="1542144"/>
+            <a:ext cx="2058384" cy="369332"/>
+          </a:xfrm>
+          <a:prstGeom prst="rect">
+            <a:avLst/>
+          </a:prstGeom>
+          <a:noFill/>
+        </p:spPr>
+        <p:txBody>
+          <a:bodyPr wrap="none" rtlCol="0">
+            <a:spAutoFit/>
+          </a:bodyPr>
+          <a:lstStyle/>
+          <a:p>
+            <a:r>
+              <a:rPr lang="en-US" altLang="ko-KR" dirty="0" smtClean="0"/>
+              <a:t>Similar to Slave 1</a:t>
+            </a:r>
+            <a:endParaRPr lang="ko-KR" altLang="en-US" dirty="0"/>
+          </a:p>
+        </p:txBody>
+      </p:sp>
+      <p:pic>
+        <p:nvPicPr>
+          <p:cNvPr id="4" name="그림 3" descr="141.223.82.191:22 - khpark0312@itcmas1:~ - Xshell 5 (Free for Home/School)"/>
+          <p:cNvPicPr>
+            <a:picLocks noChangeAspect="1"/>
+          </p:cNvPicPr>
+          <p:nvPr/>
+        </p:nvPicPr>
+        <p:blipFill rotWithShape="1">
+          <a:blip r:embed="rId2" cstate="print">
+            <a:extLst>
+              <a:ext uri="{28A0092B-C50C-407E-A947-70E740481C1C}">
+                <a14:useLocalDpi xmlns:a14="http://schemas.microsoft.com/office/drawing/2010/main" val="0"/>
+              </a:ext>
+            </a:extLst>
+          </a:blip>
+          <a:srcRect t="63601" r="7621" b="6590"/>
+          <a:stretch/>
+        </p:blipFill>
+        <p:spPr>
+          <a:xfrm>
+            <a:off x="745211" y="4514192"/>
+            <a:ext cx="9886004" cy="2044263"/>
+          </a:xfrm>
+          <a:prstGeom prst="rect">
+            <a:avLst/>
+          </a:prstGeom>
+        </p:spPr>
+      </p:pic>
+      <p:pic>
+        <p:nvPicPr>
+          <p:cNvPr id="5" name="그림 4" descr="141.223.82.191:22 - khpark0312@itcmas1:~ - Xshell 5 (Free for Home/School)"/>
+          <p:cNvPicPr>
+            <a:picLocks noChangeAspect="1"/>
+          </p:cNvPicPr>
+          <p:nvPr/>
+        </p:nvPicPr>
+        <p:blipFill rotWithShape="1">
+          <a:blip r:embed="rId3" cstate="print">
+            <a:extLst>
+              <a:ext uri="{28A0092B-C50C-407E-A947-70E740481C1C}">
+                <a14:useLocalDpi xmlns:a14="http://schemas.microsoft.com/office/drawing/2010/main" val="0"/>
+              </a:ext>
+            </a:extLst>
+          </a:blip>
+          <a:srcRect t="16245" r="38651" b="34123"/>
+          <a:stretch/>
+        </p:blipFill>
+        <p:spPr>
+          <a:xfrm>
+            <a:off x="745211" y="1970854"/>
+            <a:ext cx="4676643" cy="2424582"/>
+          </a:xfrm>
+          <a:prstGeom prst="rect">
+            <a:avLst/>
+          </a:prstGeom>
+        </p:spPr>
+      </p:pic>
+      <p:pic>
+        <p:nvPicPr>
+          <p:cNvPr id="10" name="그림 9" descr="141.223.82.191:22 - khpark0312@itcmas1:~ - Xshell 5 (Free for Home/School)"/>
+          <p:cNvPicPr>
+            <a:picLocks noChangeAspect="1"/>
+          </p:cNvPicPr>
+          <p:nvPr/>
+        </p:nvPicPr>
+        <p:blipFill rotWithShape="1">
+          <a:blip r:embed="rId4" cstate="print">
+            <a:extLst>
+              <a:ext uri="{28A0092B-C50C-407E-A947-70E740481C1C}">
+                <a14:useLocalDpi xmlns:a14="http://schemas.microsoft.com/office/drawing/2010/main" val="0"/>
+              </a:ext>
+            </a:extLst>
+          </a:blip>
+          <a:srcRect t="17647" r="35893" b="31308"/>
+          <a:stretch/>
+        </p:blipFill>
+        <p:spPr>
+          <a:xfrm>
+            <a:off x="5990933" y="1970855"/>
+            <a:ext cx="4665354" cy="2380614"/>
+          </a:xfrm>
+          <a:prstGeom prst="rect">
+            <a:avLst/>
+          </a:prstGeom>
+        </p:spPr>
+      </p:pic>
+    </p:spTree>
+    <p:extLst>
+      <p:ext uri="{BB962C8B-B14F-4D97-AF65-F5344CB8AC3E}">
+        <p14:creationId xmlns:p14="http://schemas.microsoft.com/office/powerpoint/2010/main" val="976844201"/>
+      </p:ext>
+    </p:extLst>
+  </p:cSld>
+  <p:clrMapOvr>
+    <a:masterClrMapping/>
+  </p:clrMapOvr>
 </p:sld>
 </file>
 

--- a/project.pptx
+++ b/project.pptx
@@ -14,48 +14,47 @@
     <p:sldId id="267" r:id="rId8"/>
     <p:sldId id="318" r:id="rId9"/>
     <p:sldId id="308" r:id="rId10"/>
-    <p:sldId id="309" r:id="rId11"/>
-    <p:sldId id="348" r:id="rId12"/>
-    <p:sldId id="312" r:id="rId13"/>
-    <p:sldId id="313" r:id="rId14"/>
-    <p:sldId id="314" r:id="rId15"/>
-    <p:sldId id="315" r:id="rId16"/>
-    <p:sldId id="275" r:id="rId17"/>
-    <p:sldId id="304" r:id="rId18"/>
-    <p:sldId id="257" r:id="rId19"/>
-    <p:sldId id="307" r:id="rId20"/>
-    <p:sldId id="285" r:id="rId21"/>
-    <p:sldId id="320" r:id="rId22"/>
-    <p:sldId id="323" r:id="rId23"/>
-    <p:sldId id="325" r:id="rId24"/>
-    <p:sldId id="326" r:id="rId25"/>
-    <p:sldId id="350" r:id="rId26"/>
-    <p:sldId id="327" r:id="rId27"/>
-    <p:sldId id="291" r:id="rId28"/>
-    <p:sldId id="290" r:id="rId29"/>
-    <p:sldId id="284" r:id="rId30"/>
-    <p:sldId id="295" r:id="rId31"/>
-    <p:sldId id="299" r:id="rId32"/>
-    <p:sldId id="322" r:id="rId33"/>
-    <p:sldId id="321" r:id="rId34"/>
-    <p:sldId id="334" r:id="rId35"/>
-    <p:sldId id="337" r:id="rId36"/>
-    <p:sldId id="351" r:id="rId37"/>
-    <p:sldId id="338" r:id="rId38"/>
-    <p:sldId id="339" r:id="rId39"/>
-    <p:sldId id="340" r:id="rId40"/>
-    <p:sldId id="341" r:id="rId41"/>
-    <p:sldId id="342" r:id="rId42"/>
-    <p:sldId id="343" r:id="rId43"/>
-    <p:sldId id="344" r:id="rId44"/>
-    <p:sldId id="345" r:id="rId45"/>
-    <p:sldId id="347" r:id="rId46"/>
-    <p:sldId id="346" r:id="rId47"/>
-    <p:sldId id="352" r:id="rId48"/>
-    <p:sldId id="354" r:id="rId49"/>
-    <p:sldId id="353" r:id="rId50"/>
-    <p:sldId id="355" r:id="rId51"/>
-    <p:sldId id="356" r:id="rId52"/>
+    <p:sldId id="357" r:id="rId11"/>
+    <p:sldId id="309" r:id="rId12"/>
+    <p:sldId id="348" r:id="rId13"/>
+    <p:sldId id="312" r:id="rId14"/>
+    <p:sldId id="313" r:id="rId15"/>
+    <p:sldId id="314" r:id="rId16"/>
+    <p:sldId id="315" r:id="rId17"/>
+    <p:sldId id="275" r:id="rId18"/>
+    <p:sldId id="304" r:id="rId19"/>
+    <p:sldId id="257" r:id="rId20"/>
+    <p:sldId id="307" r:id="rId21"/>
+    <p:sldId id="285" r:id="rId22"/>
+    <p:sldId id="320" r:id="rId23"/>
+    <p:sldId id="323" r:id="rId24"/>
+    <p:sldId id="325" r:id="rId25"/>
+    <p:sldId id="326" r:id="rId26"/>
+    <p:sldId id="350" r:id="rId27"/>
+    <p:sldId id="327" r:id="rId28"/>
+    <p:sldId id="291" r:id="rId29"/>
+    <p:sldId id="290" r:id="rId30"/>
+    <p:sldId id="284" r:id="rId31"/>
+    <p:sldId id="295" r:id="rId32"/>
+    <p:sldId id="299" r:id="rId33"/>
+    <p:sldId id="334" r:id="rId34"/>
+    <p:sldId id="337" r:id="rId35"/>
+    <p:sldId id="351" r:id="rId36"/>
+    <p:sldId id="338" r:id="rId37"/>
+    <p:sldId id="339" r:id="rId38"/>
+    <p:sldId id="340" r:id="rId39"/>
+    <p:sldId id="341" r:id="rId40"/>
+    <p:sldId id="342" r:id="rId41"/>
+    <p:sldId id="343" r:id="rId42"/>
+    <p:sldId id="344" r:id="rId43"/>
+    <p:sldId id="345" r:id="rId44"/>
+    <p:sldId id="347" r:id="rId45"/>
+    <p:sldId id="346" r:id="rId46"/>
+    <p:sldId id="352" r:id="rId47"/>
+    <p:sldId id="354" r:id="rId48"/>
+    <p:sldId id="353" r:id="rId49"/>
+    <p:sldId id="355" r:id="rId50"/>
+    <p:sldId id="356" r:id="rId51"/>
   </p:sldIdLst>
   <p:sldSz cx="12192000" cy="6858000"/>
   <p:notesSz cx="6858000" cy="9144000"/>
@@ -293,7 +292,7 @@
           <a:p>
             <a:fld id="{33CC212C-81FB-40F3-BD5E-91ADD12CE53F}" type="datetimeFigureOut">
               <a:rPr lang="ko-KR" altLang="en-US" smtClean="0"/>
-              <a:t>2016-11-22</a:t>
+              <a:t>2016-12-13</a:t>
             </a:fld>
             <a:endParaRPr lang="ko-KR" altLang="en-US"/>
           </a:p>
@@ -463,7 +462,7 @@
           <a:p>
             <a:fld id="{33CC212C-81FB-40F3-BD5E-91ADD12CE53F}" type="datetimeFigureOut">
               <a:rPr lang="ko-KR" altLang="en-US" smtClean="0"/>
-              <a:t>2016-11-22</a:t>
+              <a:t>2016-12-13</a:t>
             </a:fld>
             <a:endParaRPr lang="ko-KR" altLang="en-US"/>
           </a:p>
@@ -643,7 +642,7 @@
           <a:p>
             <a:fld id="{33CC212C-81FB-40F3-BD5E-91ADD12CE53F}" type="datetimeFigureOut">
               <a:rPr lang="ko-KR" altLang="en-US" smtClean="0"/>
-              <a:t>2016-11-22</a:t>
+              <a:t>2016-12-13</a:t>
             </a:fld>
             <a:endParaRPr lang="ko-KR" altLang="en-US"/>
           </a:p>
@@ -813,7 +812,7 @@
           <a:p>
             <a:fld id="{33CC212C-81FB-40F3-BD5E-91ADD12CE53F}" type="datetimeFigureOut">
               <a:rPr lang="ko-KR" altLang="en-US" smtClean="0"/>
-              <a:t>2016-11-22</a:t>
+              <a:t>2016-12-13</a:t>
             </a:fld>
             <a:endParaRPr lang="ko-KR" altLang="en-US"/>
           </a:p>
@@ -1059,7 +1058,7 @@
           <a:p>
             <a:fld id="{33CC212C-81FB-40F3-BD5E-91ADD12CE53F}" type="datetimeFigureOut">
               <a:rPr lang="ko-KR" altLang="en-US" smtClean="0"/>
-              <a:t>2016-11-22</a:t>
+              <a:t>2016-12-13</a:t>
             </a:fld>
             <a:endParaRPr lang="ko-KR" altLang="en-US"/>
           </a:p>
@@ -1291,7 +1290,7 @@
           <a:p>
             <a:fld id="{33CC212C-81FB-40F3-BD5E-91ADD12CE53F}" type="datetimeFigureOut">
               <a:rPr lang="ko-KR" altLang="en-US" smtClean="0"/>
-              <a:t>2016-11-22</a:t>
+              <a:t>2016-12-13</a:t>
             </a:fld>
             <a:endParaRPr lang="ko-KR" altLang="en-US"/>
           </a:p>
@@ -1658,7 +1657,7 @@
           <a:p>
             <a:fld id="{33CC212C-81FB-40F3-BD5E-91ADD12CE53F}" type="datetimeFigureOut">
               <a:rPr lang="ko-KR" altLang="en-US" smtClean="0"/>
-              <a:t>2016-11-22</a:t>
+              <a:t>2016-12-13</a:t>
             </a:fld>
             <a:endParaRPr lang="ko-KR" altLang="en-US"/>
           </a:p>
@@ -1776,7 +1775,7 @@
           <a:p>
             <a:fld id="{33CC212C-81FB-40F3-BD5E-91ADD12CE53F}" type="datetimeFigureOut">
               <a:rPr lang="ko-KR" altLang="en-US" smtClean="0"/>
-              <a:t>2016-11-22</a:t>
+              <a:t>2016-12-13</a:t>
             </a:fld>
             <a:endParaRPr lang="ko-KR" altLang="en-US"/>
           </a:p>
@@ -1871,7 +1870,7 @@
           <a:p>
             <a:fld id="{33CC212C-81FB-40F3-BD5E-91ADD12CE53F}" type="datetimeFigureOut">
               <a:rPr lang="ko-KR" altLang="en-US" smtClean="0"/>
-              <a:t>2016-11-22</a:t>
+              <a:t>2016-12-13</a:t>
             </a:fld>
             <a:endParaRPr lang="ko-KR" altLang="en-US"/>
           </a:p>
@@ -2148,7 +2147,7 @@
           <a:p>
             <a:fld id="{33CC212C-81FB-40F3-BD5E-91ADD12CE53F}" type="datetimeFigureOut">
               <a:rPr lang="ko-KR" altLang="en-US" smtClean="0"/>
-              <a:t>2016-11-22</a:t>
+              <a:t>2016-12-13</a:t>
             </a:fld>
             <a:endParaRPr lang="ko-KR" altLang="en-US"/>
           </a:p>
@@ -2401,7 +2400,7 @@
           <a:p>
             <a:fld id="{33CC212C-81FB-40F3-BD5E-91ADD12CE53F}" type="datetimeFigureOut">
               <a:rPr lang="ko-KR" altLang="en-US" smtClean="0"/>
-              <a:t>2016-11-22</a:t>
+              <a:t>2016-12-13</a:t>
             </a:fld>
             <a:endParaRPr lang="ko-KR" altLang="en-US"/>
           </a:p>
@@ -2614,7 +2613,7 @@
           <a:p>
             <a:fld id="{33CC212C-81FB-40F3-BD5E-91ADD12CE53F}" type="datetimeFigureOut">
               <a:rPr lang="ko-KR" altLang="en-US" smtClean="0"/>
-              <a:t>2016-11-22</a:t>
+              <a:t>2016-12-13</a:t>
             </a:fld>
             <a:endParaRPr lang="ko-KR" altLang="en-US"/>
           </a:p>
@@ -3138,16 +3137,393 @@
           <a:lstStyle/>
           <a:p>
             <a:r>
+              <a:rPr lang="en-US" altLang="ko-KR" dirty="0" smtClean="0"/>
+              <a:t>Merger</a:t>
+            </a:r>
+            <a:r>
+              <a:rPr lang="en-US" altLang="ko-KR" dirty="0" smtClean="0"/>
+              <a:t> </a:t>
+            </a:r>
+            <a:r>
+              <a:rPr lang="en-US" altLang="ko-KR" dirty="0" smtClean="0"/>
+              <a:t>-&gt; Slave</a:t>
+            </a:r>
+            <a:endParaRPr lang="ko-KR" altLang="en-US" dirty="0"/>
+          </a:p>
+        </p:txBody>
+      </p:sp>
+      <p:sp>
+        <p:nvSpPr>
+          <p:cNvPr id="5" name="모서리가 둥근 직사각형 4"/>
+          <p:cNvSpPr/>
+          <p:nvPr/>
+        </p:nvSpPr>
+        <p:spPr>
+          <a:xfrm>
+            <a:off x="2280033" y="1648872"/>
+            <a:ext cx="1507182" cy="272247"/>
+          </a:xfrm>
+          <a:prstGeom prst="roundRect">
+            <a:avLst/>
+          </a:prstGeom>
+        </p:spPr>
+        <p:style>
+          <a:lnRef idx="1">
+            <a:schemeClr val="accent5"/>
+          </a:lnRef>
+          <a:fillRef idx="2">
+            <a:schemeClr val="accent5"/>
+          </a:fillRef>
+          <a:effectRef idx="1">
+            <a:schemeClr val="accent5"/>
+          </a:effectRef>
+          <a:fontRef idx="minor">
+            <a:schemeClr val="dk1"/>
+          </a:fontRef>
+        </p:style>
+        <p:txBody>
+          <a:bodyPr rtlCol="0" anchor="ctr"/>
+          <a:lstStyle/>
+          <a:p>
+            <a:pPr algn="ctr"/>
+            <a:r>
+              <a:rPr lang="en-US" altLang="ko-KR" sz="1100" dirty="0" err="1" smtClean="0"/>
+              <a:t>Merge</a:t>
+            </a:r>
+            <a:r>
+              <a:rPr lang="en-US" altLang="ko-KR" sz="1100" dirty="0" err="1" smtClean="0"/>
+              <a:t>DoneMsg</a:t>
+            </a:r>
+            <a:endParaRPr lang="ko-KR" altLang="en-US" sz="1100" dirty="0"/>
+          </a:p>
+        </p:txBody>
+      </p:sp>
+      <p:graphicFrame>
+        <p:nvGraphicFramePr>
+          <p:cNvPr id="10" name="표 9"/>
+          <p:cNvGraphicFramePr>
+            <a:graphicFrameLocks noGrp="1"/>
+          </p:cNvGraphicFramePr>
+          <p:nvPr>
+            <p:extLst>
+              <p:ext uri="{D42A27DB-BD31-4B8C-83A1-F6EECF244321}">
+                <p14:modId xmlns:p14="http://schemas.microsoft.com/office/powerpoint/2010/main" val="1619986559"/>
+              </p:ext>
+            </p:extLst>
+          </p:nvPr>
+        </p:nvGraphicFramePr>
+        <p:xfrm>
+          <a:off x="753948" y="2179228"/>
+          <a:ext cx="10408374" cy="4499679"/>
+        </p:xfrm>
+        <a:graphic>
+          <a:graphicData uri="http://schemas.openxmlformats.org/drawingml/2006/table">
+            <a:tbl>
+              <a:tblPr firstRow="1" bandRow="1">
+                <a:tableStyleId>{8799B23B-EC83-4686-B30A-512413B5E67A}</a:tableStyleId>
+              </a:tblPr>
+              <a:tblGrid>
+                <a:gridCol w="1488866">
+                  <a:extLst>
+                    <a:ext uri="{9D8B030D-6E8A-4147-A177-3AD203B41FA5}">
+                      <a16:colId xmlns:a16="http://schemas.microsoft.com/office/drawing/2014/main" val="604446546"/>
+                    </a:ext>
+                  </a:extLst>
+                </a:gridCol>
+                <a:gridCol w="4459754">
+                  <a:extLst>
+                    <a:ext uri="{9D8B030D-6E8A-4147-A177-3AD203B41FA5}">
+                      <a16:colId xmlns:a16="http://schemas.microsoft.com/office/drawing/2014/main" val="2603215225"/>
+                    </a:ext>
+                  </a:extLst>
+                </a:gridCol>
+                <a:gridCol w="4459754">
+                  <a:extLst>
+                    <a:ext uri="{9D8B030D-6E8A-4147-A177-3AD203B41FA5}">
+                      <a16:colId xmlns:a16="http://schemas.microsoft.com/office/drawing/2014/main" val="2966114200"/>
+                    </a:ext>
+                  </a:extLst>
+                </a:gridCol>
+              </a:tblGrid>
+              <a:tr h="413578">
+                <a:tc>
+                  <a:txBody>
+                    <a:bodyPr/>
+                    <a:lstStyle/>
+                    <a:p>
+                      <a:pPr latinLnBrk="1"/>
+                      <a:r>
+                        <a:rPr lang="en-US" altLang="ko-KR" sz="1400" b="0" dirty="0" smtClean="0"/>
+                        <a:t>Purpose</a:t>
+                      </a:r>
+                      <a:endParaRPr lang="ko-KR" altLang="en-US" sz="1400" b="0" dirty="0"/>
+                    </a:p>
+                  </a:txBody>
+                  <a:tcPr/>
+                </a:tc>
+                <a:tc>
+                  <a:txBody>
+                    <a:bodyPr/>
+                    <a:lstStyle/>
+                    <a:p>
+                      <a:pPr latinLnBrk="1"/>
+                      <a:r>
+                        <a:rPr lang="en-US" altLang="ko-KR" sz="1400" b="0" baseline="0" dirty="0" smtClean="0"/>
+                        <a:t>Notify completion of </a:t>
+                      </a:r>
+                      <a:r>
+                        <a:rPr lang="en-US" altLang="ko-KR" sz="1400" b="0" baseline="0" dirty="0" smtClean="0"/>
+                        <a:t>merge </a:t>
+                      </a:r>
+                      <a:r>
+                        <a:rPr lang="en-US" altLang="ko-KR" sz="1400" b="0" baseline="0" dirty="0" smtClean="0"/>
+                        <a:t>to Slave</a:t>
+                      </a:r>
+                    </a:p>
+                  </a:txBody>
+                  <a:tcPr/>
+                </a:tc>
+                <a:tc>
+                  <a:txBody>
+                    <a:bodyPr/>
+                    <a:lstStyle/>
+                    <a:p>
+                      <a:pPr latinLnBrk="1"/>
+                      <a:endParaRPr lang="en-US" altLang="ko-KR" sz="1400" b="0" baseline="0" dirty="0" smtClean="0"/>
+                    </a:p>
+                  </a:txBody>
+                  <a:tcPr/>
+                </a:tc>
+                <a:extLst>
+                  <a:ext uri="{0D108BD9-81ED-4DB2-BD59-A6C34878D82A}">
+                    <a16:rowId xmlns:a16="http://schemas.microsoft.com/office/drawing/2014/main" val="2250892085"/>
+                  </a:ext>
+                </a:extLst>
+              </a:tr>
+              <a:tr h="413578">
+                <a:tc>
+                  <a:txBody>
+                    <a:bodyPr/>
+                    <a:lstStyle/>
+                    <a:p>
+                      <a:pPr latinLnBrk="1"/>
+                      <a:r>
+                        <a:rPr lang="en-US" altLang="ko-KR" sz="1400" b="0" dirty="0" smtClean="0"/>
+                        <a:t>When</a:t>
+                      </a:r>
+                      <a:endParaRPr lang="ko-KR" altLang="en-US" sz="1400" b="0" dirty="0"/>
+                    </a:p>
+                  </a:txBody>
+                  <a:tcPr/>
+                </a:tc>
+                <a:tc>
+                  <a:txBody>
+                    <a:bodyPr/>
+                    <a:lstStyle/>
+                    <a:p>
+                      <a:pPr latinLnBrk="1"/>
+                      <a:r>
+                        <a:rPr lang="en-US" altLang="ko-KR" sz="1400" b="0" dirty="0" smtClean="0"/>
+                        <a:t>Merged</a:t>
+                      </a:r>
+                      <a:r>
+                        <a:rPr lang="en-US" altLang="ko-KR" sz="1400" b="0" baseline="0" dirty="0" smtClean="0"/>
+                        <a:t> all files</a:t>
+                      </a:r>
+                      <a:endParaRPr lang="ko-KR" altLang="en-US" sz="1400" b="0" dirty="0"/>
+                    </a:p>
+                  </a:txBody>
+                  <a:tcPr/>
+                </a:tc>
+                <a:tc>
+                  <a:txBody>
+                    <a:bodyPr/>
+                    <a:lstStyle/>
+                    <a:p>
+                      <a:pPr latinLnBrk="1"/>
+                      <a:endParaRPr lang="ko-KR" altLang="en-US" sz="1400" b="0" dirty="0"/>
+                    </a:p>
+                  </a:txBody>
+                  <a:tcPr/>
+                </a:tc>
+                <a:extLst>
+                  <a:ext uri="{0D108BD9-81ED-4DB2-BD59-A6C34878D82A}">
+                    <a16:rowId xmlns:a16="http://schemas.microsoft.com/office/drawing/2014/main" val="3127575327"/>
+                  </a:ext>
+                </a:extLst>
+              </a:tr>
+              <a:tr h="1243586">
+                <a:tc>
+                  <a:txBody>
+                    <a:bodyPr/>
+                    <a:lstStyle/>
+                    <a:p>
+                      <a:pPr latinLnBrk="1"/>
+                      <a:r>
+                        <a:rPr lang="en-US" altLang="ko-KR" sz="1400" b="0" dirty="0" smtClean="0"/>
+                        <a:t>Content</a:t>
+                      </a:r>
+                      <a:endParaRPr lang="ko-KR" altLang="en-US" sz="1400" b="0" dirty="0"/>
+                    </a:p>
+                  </a:txBody>
+                  <a:tcPr/>
+                </a:tc>
+                <a:tc>
+                  <a:txBody>
+                    <a:bodyPr/>
+                    <a:lstStyle/>
+                    <a:p>
+                      <a:pPr marL="0" indent="0" latinLnBrk="1">
+                        <a:buFontTx/>
+                        <a:buNone/>
+                      </a:pPr>
+                      <a:endParaRPr lang="en-US" altLang="ko-KR" sz="1400" b="0" baseline="0" dirty="0" smtClean="0"/>
+                    </a:p>
+                  </a:txBody>
+                  <a:tcPr/>
+                </a:tc>
+                <a:tc>
+                  <a:txBody>
+                    <a:bodyPr/>
+                    <a:lstStyle/>
+                    <a:p>
+                      <a:pPr marL="285750" indent="-285750" latinLnBrk="1">
+                        <a:buFontTx/>
+                        <a:buChar char="-"/>
+                      </a:pPr>
+                      <a:endParaRPr lang="ko-KR" altLang="en-US" sz="1400" b="0" dirty="0"/>
+                    </a:p>
+                  </a:txBody>
+                  <a:tcPr/>
+                </a:tc>
+                <a:extLst>
+                  <a:ext uri="{0D108BD9-81ED-4DB2-BD59-A6C34878D82A}">
+                    <a16:rowId xmlns:a16="http://schemas.microsoft.com/office/drawing/2014/main" val="627956601"/>
+                  </a:ext>
+                </a:extLst>
+              </a:tr>
+              <a:tr h="2428937">
+                <a:tc>
+                  <a:txBody>
+                    <a:bodyPr/>
+                    <a:lstStyle/>
+                    <a:p>
+                      <a:pPr latinLnBrk="1"/>
+                      <a:endParaRPr lang="ko-KR" altLang="en-US" sz="1400" b="0" dirty="0"/>
+                    </a:p>
+                  </a:txBody>
+                  <a:tcPr/>
+                </a:tc>
+                <a:tc>
+                  <a:txBody>
+                    <a:bodyPr/>
+                    <a:lstStyle/>
+                    <a:p>
+                      <a:pPr marL="0" marR="0" indent="0" algn="l" defTabSz="914400" rtl="0" eaLnBrk="1" fontAlgn="auto" latinLnBrk="1" hangingPunct="1">
+                        <a:lnSpc>
+                          <a:spcPct val="100000"/>
+                        </a:lnSpc>
+                        <a:spcBef>
+                          <a:spcPts val="0"/>
+                        </a:spcBef>
+                        <a:spcAft>
+                          <a:spcPts val="0"/>
+                        </a:spcAft>
+                        <a:buClrTx/>
+                        <a:buSzTx/>
+                        <a:buFontTx/>
+                        <a:buNone/>
+                        <a:tabLst/>
+                        <a:defRPr/>
+                      </a:pPr>
+                      <a:endParaRPr lang="en-US" altLang="ko-KR" sz="1400" b="0" baseline="0" dirty="0" smtClean="0"/>
+                    </a:p>
+                  </a:txBody>
+                  <a:tcPr/>
+                </a:tc>
+                <a:tc>
+                  <a:txBody>
+                    <a:bodyPr/>
+                    <a:lstStyle/>
+                    <a:p>
+                      <a:pPr marL="285750" indent="-285750" latinLnBrk="1">
+                        <a:buFontTx/>
+                        <a:buChar char="-"/>
+                      </a:pPr>
+                      <a:endParaRPr lang="ko-KR" altLang="en-US" sz="1400" b="0" dirty="0"/>
+                    </a:p>
+                  </a:txBody>
+                  <a:tcPr/>
+                </a:tc>
+                <a:extLst>
+                  <a:ext uri="{0D108BD9-81ED-4DB2-BD59-A6C34878D82A}">
+                    <a16:rowId xmlns:a16="http://schemas.microsoft.com/office/drawing/2014/main" val="3515173202"/>
+                  </a:ext>
+                </a:extLst>
+              </a:tr>
+            </a:tbl>
+          </a:graphicData>
+        </a:graphic>
+      </p:graphicFrame>
+    </p:spTree>
+    <p:extLst>
+      <p:ext uri="{BB962C8B-B14F-4D97-AF65-F5344CB8AC3E}">
+        <p14:creationId xmlns:p14="http://schemas.microsoft.com/office/powerpoint/2010/main" val="294128915"/>
+      </p:ext>
+    </p:extLst>
+  </p:cSld>
+  <p:clrMapOvr>
+    <a:masterClrMapping/>
+  </p:clrMapOvr>
+  <p:timing>
+    <p:tnLst>
+      <p:par>
+        <p:cTn id="1" dur="indefinite" restart="never" nodeType="tmRoot"/>
+      </p:par>
+    </p:tnLst>
+  </p:timing>
+</p:sld>
+</file>
+
+<file path=ppt/slides/slide11.xml><?xml version="1.0" encoding="utf-8"?>
+<p:sld xmlns:a="http://schemas.openxmlformats.org/drawingml/2006/main" xmlns:r="http://schemas.openxmlformats.org/officeDocument/2006/relationships" xmlns:p="http://schemas.openxmlformats.org/presentationml/2006/main">
+  <p:cSld>
+    <p:spTree>
+      <p:nvGrpSpPr>
+        <p:cNvPr id="1" name=""/>
+        <p:cNvGrpSpPr/>
+        <p:nvPr/>
+      </p:nvGrpSpPr>
+      <p:grpSpPr>
+        <a:xfrm>
+          <a:off x="0" y="0"/>
+          <a:ext cx="0" cy="0"/>
+          <a:chOff x="0" y="0"/>
+          <a:chExt cx="0" cy="0"/>
+        </a:xfrm>
+      </p:grpSpPr>
+      <p:sp>
+        <p:nvSpPr>
+          <p:cNvPr id="2" name="제목 1"/>
+          <p:cNvSpPr>
+            <a:spLocks noGrp="1"/>
+          </p:cNvSpPr>
+          <p:nvPr>
+            <p:ph type="title"/>
+          </p:nvPr>
+        </p:nvSpPr>
+        <p:spPr/>
+        <p:txBody>
+          <a:bodyPr/>
+          <a:lstStyle/>
+          <a:p>
+            <a:r>
               <a:rPr lang="en-US" altLang="ko-KR" dirty="0" err="1" smtClean="0"/>
               <a:t>ShufflingHandler</a:t>
             </a:r>
             <a:r>
               <a:rPr lang="en-US" altLang="ko-KR" dirty="0" smtClean="0"/>
-              <a:t> </a:t>
-            </a:r>
-            <a:r>
-              <a:rPr lang="en-US" altLang="ko-KR" dirty="0" smtClean="0"/>
-              <a:t>-&gt; Slave</a:t>
+              <a:t> -&gt; Slave</a:t>
             </a:r>
             <a:endParaRPr lang="ko-KR" altLang="en-US" dirty="0"/>
           </a:p>
@@ -3266,13 +3642,8 @@
                       <a:pPr latinLnBrk="1"/>
                       <a:r>
                         <a:rPr lang="en-US" altLang="ko-KR" sz="1400" b="0" baseline="0" dirty="0" smtClean="0"/>
-                        <a:t>Notify </a:t>
+                        <a:t>Notify partition request for some slave is done</a:t>
                       </a:r>
-                      <a:r>
-                        <a:rPr lang="en-US" altLang="ko-KR" sz="1400" b="0" baseline="0" dirty="0" smtClean="0"/>
-                        <a:t>partition request for some slave is done</a:t>
-                      </a:r>
-                      <a:endParaRPr lang="en-US" altLang="ko-KR" sz="1400" b="0" baseline="0" dirty="0" smtClean="0"/>
                     </a:p>
                   </a:txBody>
                   <a:tcPr/>
@@ -3375,7 +3746,6 @@
                         <a:rPr lang="en-US" altLang="ko-KR" sz="1400" b="0" baseline="0" dirty="0" smtClean="0"/>
                         <a:t>IP of the partition owner</a:t>
                       </a:r>
-                      <a:endParaRPr lang="en-US" altLang="ko-KR" sz="1400" b="0" baseline="0" dirty="0" smtClean="0"/>
                     </a:p>
                   </a:txBody>
                   <a:tcPr/>
@@ -3483,7 +3853,7 @@
 </p:sld>
 </file>
 
-<file path=ppt/slides/slide11.xml><?xml version="1.0" encoding="utf-8"?>
+<file path=ppt/slides/slide12.xml><?xml version="1.0" encoding="utf-8"?>
 <p:sld xmlns:a="http://schemas.openxmlformats.org/drawingml/2006/main" xmlns:r="http://schemas.openxmlformats.org/officeDocument/2006/relationships" xmlns:p="http://schemas.openxmlformats.org/presentationml/2006/main">
   <p:cSld>
     <p:spTree>
@@ -3845,7 +4215,7 @@
 </p:sld>
 </file>
 
-<file path=ppt/slides/slide12.xml><?xml version="1.0" encoding="utf-8"?>
+<file path=ppt/slides/slide13.xml><?xml version="1.0" encoding="utf-8"?>
 <p:sld xmlns:a="http://schemas.openxmlformats.org/drawingml/2006/main" xmlns:r="http://schemas.openxmlformats.org/officeDocument/2006/relationships" xmlns:p="http://schemas.openxmlformats.org/presentationml/2006/main">
   <p:cSld>
     <p:spTree>
@@ -3911,7 +4281,7 @@
 </p:sld>
 </file>
 
-<file path=ppt/slides/slide13.xml><?xml version="1.0" encoding="utf-8"?>
+<file path=ppt/slides/slide14.xml><?xml version="1.0" encoding="utf-8"?>
 <p:sld xmlns:a="http://schemas.openxmlformats.org/drawingml/2006/main" xmlns:r="http://schemas.openxmlformats.org/officeDocument/2006/relationships" xmlns:p="http://schemas.openxmlformats.org/presentationml/2006/main">
   <p:cSld>
     <p:spTree>
@@ -4498,7 +4868,6 @@
               <a:rPr lang="en-US" altLang="ko-KR" sz="1200" dirty="0" smtClean="0"/>
               <a:t>File</a:t>
             </a:r>
-            <a:endParaRPr lang="en-US" altLang="ko-KR" sz="1200" dirty="0" smtClean="0"/>
           </a:p>
           <a:p>
             <a:pPr algn="ctr"/>
@@ -5234,7 +5603,7 @@
 </p:sld>
 </file>
 
-<file path=ppt/slides/slide14.xml><?xml version="1.0" encoding="utf-8"?>
+<file path=ppt/slides/slide15.xml><?xml version="1.0" encoding="utf-8"?>
 <p:sld xmlns:a="http://schemas.openxmlformats.org/drawingml/2006/main" xmlns:r="http://schemas.openxmlformats.org/officeDocument/2006/relationships" xmlns:p="http://schemas.openxmlformats.org/presentationml/2006/main">
   <p:cSld>
     <p:spTree>
@@ -5608,7 +5977,7 @@
 </p:sld>
 </file>
 
-<file path=ppt/slides/slide15.xml><?xml version="1.0" encoding="utf-8"?>
+<file path=ppt/slides/slide16.xml><?xml version="1.0" encoding="utf-8"?>
 <p:sld xmlns:a="http://schemas.openxmlformats.org/drawingml/2006/main" xmlns:r="http://schemas.openxmlformats.org/officeDocument/2006/relationships" xmlns:p="http://schemas.openxmlformats.org/presentationml/2006/main">
   <p:cSld>
     <p:spTree>
@@ -6186,7 +6555,6 @@
               <a:rPr lang="en-US" altLang="ko-KR" sz="1200" dirty="0" smtClean="0"/>
               <a:t>File</a:t>
             </a:r>
-            <a:endParaRPr lang="en-US" altLang="ko-KR" sz="1200" dirty="0" smtClean="0"/>
           </a:p>
           <a:p>
             <a:pPr algn="ctr"/>
@@ -6428,7 +6796,7 @@
 </p:sld>
 </file>
 
-<file path=ppt/slides/slide16.xml><?xml version="1.0" encoding="utf-8"?>
+<file path=ppt/slides/slide17.xml><?xml version="1.0" encoding="utf-8"?>
 <p:sld xmlns:a="http://schemas.openxmlformats.org/drawingml/2006/main" xmlns:r="http://schemas.openxmlformats.org/officeDocument/2006/relationships" xmlns:p="http://schemas.openxmlformats.org/presentationml/2006/main">
   <p:cSld>
     <p:spTree>
@@ -6494,7 +6862,7 @@
 </p:sld>
 </file>
 
-<file path=ppt/slides/slide17.xml><?xml version="1.0" encoding="utf-8"?>
+<file path=ppt/slides/slide18.xml><?xml version="1.0" encoding="utf-8"?>
 <p:sld xmlns:a="http://schemas.openxmlformats.org/drawingml/2006/main" xmlns:r="http://schemas.openxmlformats.org/officeDocument/2006/relationships" xmlns:p="http://schemas.openxmlformats.org/presentationml/2006/main">
   <p:cSld>
     <p:spTree>
@@ -7311,7 +7679,7 @@
 </p:sld>
 </file>
 
-<file path=ppt/slides/slide18.xml><?xml version="1.0" encoding="utf-8"?>
+<file path=ppt/slides/slide19.xml><?xml version="1.0" encoding="utf-8"?>
 <p:sld xmlns:a="http://schemas.openxmlformats.org/drawingml/2006/main" xmlns:r="http://schemas.openxmlformats.org/officeDocument/2006/relationships" xmlns:p="http://schemas.openxmlformats.org/presentationml/2006/main">
   <p:cSld>
     <p:spTree>
@@ -8602,7 +8970,6 @@
               <a:rPr lang="en-US" altLang="ko-KR" sz="1100" dirty="0" smtClean="0"/>
               <a:t>all slaves</a:t>
             </a:r>
-            <a:endParaRPr lang="en-US" altLang="ko-KR" sz="1100" dirty="0" smtClean="0"/>
           </a:p>
         </p:txBody>
       </p:sp>
@@ -8652,1398 +9019,6 @@
     <p:extLst>
       <p:ext uri="{BB962C8B-B14F-4D97-AF65-F5344CB8AC3E}">
         <p14:creationId xmlns:p14="http://schemas.microsoft.com/office/powerpoint/2010/main" val="2837381795"/>
-      </p:ext>
-    </p:extLst>
-  </p:cSld>
-  <p:clrMapOvr>
-    <a:masterClrMapping/>
-  </p:clrMapOvr>
-  <p:timing>
-    <p:tnLst>
-      <p:par>
-        <p:cTn id="1" dur="indefinite" restart="never" nodeType="tmRoot"/>
-      </p:par>
-    </p:tnLst>
-  </p:timing>
-</p:sld>
-</file>
-
-<file path=ppt/slides/slide19.xml><?xml version="1.0" encoding="utf-8"?>
-<p:sld xmlns:a="http://schemas.openxmlformats.org/drawingml/2006/main" xmlns:r="http://schemas.openxmlformats.org/officeDocument/2006/relationships" xmlns:p="http://schemas.openxmlformats.org/presentationml/2006/main">
-  <p:cSld>
-    <p:spTree>
-      <p:nvGrpSpPr>
-        <p:cNvPr id="1" name=""/>
-        <p:cNvGrpSpPr/>
-        <p:nvPr/>
-      </p:nvGrpSpPr>
-      <p:grpSpPr>
-        <a:xfrm>
-          <a:off x="0" y="0"/>
-          <a:ext cx="0" cy="0"/>
-          <a:chOff x="0" y="0"/>
-          <a:chExt cx="0" cy="0"/>
-        </a:xfrm>
-      </p:grpSpPr>
-      <p:cxnSp>
-        <p:nvCxnSpPr>
-          <p:cNvPr id="37" name="구부러진 연결선 36"/>
-          <p:cNvCxnSpPr>
-            <a:stCxn id="139" idx="0"/>
-            <a:endCxn id="139" idx="3"/>
-          </p:cNvCxnSpPr>
-          <p:nvPr/>
-        </p:nvCxnSpPr>
-        <p:spPr>
-          <a:xfrm rot="16200000" flipH="1">
-            <a:off x="9446731" y="5157602"/>
-            <a:ext cx="173870" cy="593448"/>
-          </a:xfrm>
-          <a:prstGeom prst="curvedConnector4">
-            <a:avLst>
-              <a:gd name="adj1" fmla="val -593916"/>
-              <a:gd name="adj2" fmla="val 274007"/>
-            </a:avLst>
-          </a:prstGeom>
-          <a:ln>
-            <a:tailEnd type="triangle"/>
-          </a:ln>
-        </p:spPr>
-        <p:style>
-          <a:lnRef idx="1">
-            <a:schemeClr val="accent1"/>
-          </a:lnRef>
-          <a:fillRef idx="0">
-            <a:schemeClr val="accent1"/>
-          </a:fillRef>
-          <a:effectRef idx="0">
-            <a:schemeClr val="accent1"/>
-          </a:effectRef>
-          <a:fontRef idx="minor">
-            <a:schemeClr val="tx1"/>
-          </a:fontRef>
-        </p:style>
-      </p:cxnSp>
-      <p:sp>
-        <p:nvSpPr>
-          <p:cNvPr id="2" name="제목 1"/>
-          <p:cNvSpPr>
-            <a:spLocks noGrp="1"/>
-          </p:cNvSpPr>
-          <p:nvPr>
-            <p:ph type="title"/>
-          </p:nvPr>
-        </p:nvSpPr>
-        <p:spPr>
-          <a:xfrm>
-            <a:off x="9733411" y="264500"/>
-            <a:ext cx="2026619" cy="1325563"/>
-          </a:xfrm>
-        </p:spPr>
-        <p:txBody>
-          <a:bodyPr/>
-          <a:lstStyle/>
-          <a:p>
-            <a:r>
-              <a:rPr lang="en-US" altLang="ko-KR" dirty="0" smtClean="0"/>
-              <a:t>Slave</a:t>
-            </a:r>
-            <a:endParaRPr lang="ko-KR" altLang="en-US" dirty="0"/>
-          </a:p>
-        </p:txBody>
-      </p:sp>
-      <p:sp>
-        <p:nvSpPr>
-          <p:cNvPr id="58" name="모서리가 둥근 직사각형 57"/>
-          <p:cNvSpPr/>
-          <p:nvPr/>
-        </p:nvSpPr>
-        <p:spPr>
-          <a:xfrm>
-            <a:off x="1692167" y="1440591"/>
-            <a:ext cx="1172524" cy="347739"/>
-          </a:xfrm>
-          <a:prstGeom prst="roundRect">
-            <a:avLst/>
-          </a:prstGeom>
-          <a:ln>
-            <a:headEnd type="none" w="med" len="med"/>
-            <a:tailEnd type="none" w="med" len="med"/>
-          </a:ln>
-        </p:spPr>
-        <p:style>
-          <a:lnRef idx="2">
-            <a:schemeClr val="accent3"/>
-          </a:lnRef>
-          <a:fillRef idx="1">
-            <a:schemeClr val="lt1"/>
-          </a:fillRef>
-          <a:effectRef idx="0">
-            <a:schemeClr val="accent3"/>
-          </a:effectRef>
-          <a:fontRef idx="minor">
-            <a:schemeClr val="dk1"/>
-          </a:fontRef>
-        </p:style>
-        <p:txBody>
-          <a:bodyPr rtlCol="0" anchor="ctr"/>
-          <a:lstStyle/>
-          <a:p>
-            <a:pPr algn="ctr"/>
-            <a:r>
-              <a:rPr lang="en-US" altLang="ko-KR" dirty="0" smtClean="0"/>
-              <a:t>Connect</a:t>
-            </a:r>
-            <a:endParaRPr lang="ko-KR" altLang="en-US" dirty="0"/>
-          </a:p>
-        </p:txBody>
-      </p:sp>
-      <p:sp>
-        <p:nvSpPr>
-          <p:cNvPr id="111" name="모서리가 둥근 직사각형 110"/>
-          <p:cNvSpPr/>
-          <p:nvPr/>
-        </p:nvSpPr>
-        <p:spPr>
-          <a:xfrm>
-            <a:off x="1437888" y="1844403"/>
-            <a:ext cx="1681083" cy="423206"/>
-          </a:xfrm>
-          <a:prstGeom prst="roundRect">
-            <a:avLst/>
-          </a:prstGeom>
-          <a:solidFill>
-            <a:schemeClr val="accent6">
-              <a:lumMod val="75000"/>
-            </a:schemeClr>
-          </a:solidFill>
-          <a:ln/>
-        </p:spPr>
-        <p:style>
-          <a:lnRef idx="3">
-            <a:schemeClr val="lt1"/>
-          </a:lnRef>
-          <a:fillRef idx="1">
-            <a:schemeClr val="accent1"/>
-          </a:fillRef>
-          <a:effectRef idx="1">
-            <a:schemeClr val="accent1"/>
-          </a:effectRef>
-          <a:fontRef idx="minor">
-            <a:schemeClr val="lt1"/>
-          </a:fontRef>
-        </p:style>
-        <p:txBody>
-          <a:bodyPr rtlCol="0" anchor="ctr"/>
-          <a:lstStyle/>
-          <a:p>
-            <a:pPr algn="ctr"/>
-            <a:r>
-              <a:rPr lang="en-US" altLang="ko-KR" sz="1100" dirty="0" smtClean="0"/>
-              <a:t>Create </a:t>
-            </a:r>
-            <a:r>
-              <a:rPr lang="en-US" altLang="ko-KR" sz="1100" dirty="0" err="1" smtClean="0"/>
-              <a:t>MasterHandler</a:t>
-            </a:r>
-            <a:endParaRPr lang="en-US" altLang="ko-KR" sz="1100" dirty="0" smtClean="0"/>
-          </a:p>
-          <a:p>
-            <a:pPr algn="ctr"/>
-            <a:r>
-              <a:rPr lang="en-US" altLang="ko-KR" sz="1100" dirty="0" smtClean="0"/>
-              <a:t>Create Sampler</a:t>
-            </a:r>
-          </a:p>
-        </p:txBody>
-      </p:sp>
-      <p:cxnSp>
-        <p:nvCxnSpPr>
-          <p:cNvPr id="123" name="구부러진 연결선 122"/>
-          <p:cNvCxnSpPr>
-            <a:stCxn id="58" idx="3"/>
-            <a:endCxn id="124" idx="1"/>
-          </p:cNvCxnSpPr>
-          <p:nvPr/>
-        </p:nvCxnSpPr>
-        <p:spPr>
-          <a:xfrm>
-            <a:off x="2864691" y="1614461"/>
-            <a:ext cx="1888938" cy="2931303"/>
-          </a:xfrm>
-          <a:prstGeom prst="curvedConnector3">
-            <a:avLst/>
-          </a:prstGeom>
-          <a:ln>
-            <a:tailEnd type="triangle"/>
-          </a:ln>
-        </p:spPr>
-        <p:style>
-          <a:lnRef idx="1">
-            <a:schemeClr val="accent1"/>
-          </a:lnRef>
-          <a:fillRef idx="0">
-            <a:schemeClr val="accent1"/>
-          </a:fillRef>
-          <a:effectRef idx="0">
-            <a:schemeClr val="accent1"/>
-          </a:effectRef>
-          <a:fontRef idx="minor">
-            <a:schemeClr val="tx1"/>
-          </a:fontRef>
-        </p:style>
-      </p:cxnSp>
-      <p:sp>
-        <p:nvSpPr>
-          <p:cNvPr id="124" name="모서리가 둥근 직사각형 123"/>
-          <p:cNvSpPr/>
-          <p:nvPr/>
-        </p:nvSpPr>
-        <p:spPr>
-          <a:xfrm>
-            <a:off x="4753629" y="4371894"/>
-            <a:ext cx="1186896" cy="347739"/>
-          </a:xfrm>
-          <a:prstGeom prst="roundRect">
-            <a:avLst/>
-          </a:prstGeom>
-          <a:ln>
-            <a:headEnd type="none" w="med" len="med"/>
-            <a:tailEnd type="none" w="med" len="med"/>
-          </a:ln>
-        </p:spPr>
-        <p:style>
-          <a:lnRef idx="2">
-            <a:schemeClr val="accent3"/>
-          </a:lnRef>
-          <a:fillRef idx="1">
-            <a:schemeClr val="lt1"/>
-          </a:fillRef>
-          <a:effectRef idx="0">
-            <a:schemeClr val="accent3"/>
-          </a:effectRef>
-          <a:fontRef idx="minor">
-            <a:schemeClr val="dk1"/>
-          </a:fontRef>
-        </p:style>
-        <p:txBody>
-          <a:bodyPr rtlCol="0" anchor="ctr"/>
-          <a:lstStyle/>
-          <a:p>
-            <a:pPr algn="ctr"/>
-            <a:r>
-              <a:rPr lang="en-US" altLang="ko-KR" dirty="0" smtClean="0"/>
-              <a:t>Compute</a:t>
-            </a:r>
-            <a:endParaRPr lang="ko-KR" altLang="en-US" dirty="0"/>
-          </a:p>
-        </p:txBody>
-      </p:sp>
-      <p:cxnSp>
-        <p:nvCxnSpPr>
-          <p:cNvPr id="135" name="구부러진 연결선 134"/>
-          <p:cNvCxnSpPr>
-            <a:stCxn id="124" idx="0"/>
-          </p:cNvCxnSpPr>
-          <p:nvPr/>
-        </p:nvCxnSpPr>
-        <p:spPr>
-          <a:xfrm rot="5400000" flipH="1" flipV="1">
-            <a:off x="5643801" y="4075170"/>
-            <a:ext cx="12700" cy="593448"/>
-          </a:xfrm>
-          <a:prstGeom prst="curvedConnector4">
-            <a:avLst>
-              <a:gd name="adj1" fmla="val 26523268"/>
-              <a:gd name="adj2" fmla="val 316131"/>
-            </a:avLst>
-          </a:prstGeom>
-          <a:ln>
-            <a:tailEnd type="triangle"/>
-          </a:ln>
-        </p:spPr>
-        <p:style>
-          <a:lnRef idx="1">
-            <a:schemeClr val="accent1"/>
-          </a:lnRef>
-          <a:fillRef idx="0">
-            <a:schemeClr val="accent1"/>
-          </a:fillRef>
-          <a:effectRef idx="0">
-            <a:schemeClr val="accent1"/>
-          </a:effectRef>
-          <a:fontRef idx="minor">
-            <a:schemeClr val="tx1"/>
-          </a:fontRef>
-        </p:style>
-      </p:cxnSp>
-      <p:sp>
-        <p:nvSpPr>
-          <p:cNvPr id="139" name="모서리가 둥근 직사각형 138"/>
-          <p:cNvSpPr/>
-          <p:nvPr/>
-        </p:nvSpPr>
-        <p:spPr>
-          <a:xfrm>
-            <a:off x="8643494" y="5367391"/>
-            <a:ext cx="1186896" cy="347739"/>
-          </a:xfrm>
-          <a:prstGeom prst="roundRect">
-            <a:avLst/>
-          </a:prstGeom>
-          <a:ln>
-            <a:headEnd type="none" w="med" len="med"/>
-            <a:tailEnd type="none" w="med" len="med"/>
-          </a:ln>
-        </p:spPr>
-        <p:style>
-          <a:lnRef idx="2">
-            <a:schemeClr val="accent3"/>
-          </a:lnRef>
-          <a:fillRef idx="1">
-            <a:schemeClr val="lt1"/>
-          </a:fillRef>
-          <a:effectRef idx="0">
-            <a:schemeClr val="accent3"/>
-          </a:effectRef>
-          <a:fontRef idx="minor">
-            <a:schemeClr val="dk1"/>
-          </a:fontRef>
-        </p:style>
-        <p:txBody>
-          <a:bodyPr rtlCol="0" anchor="ctr"/>
-          <a:lstStyle/>
-          <a:p>
-            <a:pPr algn="ctr"/>
-            <a:r>
-              <a:rPr lang="en-US" altLang="ko-KR" dirty="0" smtClean="0"/>
-              <a:t>Success</a:t>
-            </a:r>
-            <a:endParaRPr lang="ko-KR" altLang="en-US" dirty="0"/>
-          </a:p>
-        </p:txBody>
-      </p:sp>
-      <p:cxnSp>
-        <p:nvCxnSpPr>
-          <p:cNvPr id="140" name="구부러진 연결선 139"/>
-          <p:cNvCxnSpPr>
-            <a:stCxn id="124" idx="3"/>
-            <a:endCxn id="139" idx="1"/>
-          </p:cNvCxnSpPr>
-          <p:nvPr/>
-        </p:nvCxnSpPr>
-        <p:spPr>
-          <a:xfrm>
-            <a:off x="5940525" y="4545764"/>
-            <a:ext cx="2702969" cy="995497"/>
-          </a:xfrm>
-          <a:prstGeom prst="curvedConnector3">
-            <a:avLst/>
-          </a:prstGeom>
-          <a:ln>
-            <a:tailEnd type="triangle"/>
-          </a:ln>
-        </p:spPr>
-        <p:style>
-          <a:lnRef idx="1">
-            <a:schemeClr val="accent1"/>
-          </a:lnRef>
-          <a:fillRef idx="0">
-            <a:schemeClr val="accent1"/>
-          </a:fillRef>
-          <a:effectRef idx="0">
-            <a:schemeClr val="accent1"/>
-          </a:effectRef>
-          <a:fontRef idx="minor">
-            <a:schemeClr val="tx1"/>
-          </a:fontRef>
-        </p:style>
-      </p:cxnSp>
-      <p:sp>
-        <p:nvSpPr>
-          <p:cNvPr id="117" name="모서리가 둥근 직사각형 116"/>
-          <p:cNvSpPr/>
-          <p:nvPr/>
-        </p:nvSpPr>
-        <p:spPr>
-          <a:xfrm>
-            <a:off x="2631254" y="2842321"/>
-            <a:ext cx="2106360" cy="398692"/>
-          </a:xfrm>
-          <a:prstGeom prst="roundRect">
-            <a:avLst/>
-          </a:prstGeom>
-          <a:solidFill>
-            <a:srgbClr val="00B050"/>
-          </a:solidFill>
-          <a:ln>
-            <a:noFill/>
-          </a:ln>
-        </p:spPr>
-        <p:style>
-          <a:lnRef idx="0">
-            <a:scrgbClr r="0" g="0" b="0"/>
-          </a:lnRef>
-          <a:fillRef idx="0">
-            <a:scrgbClr r="0" g="0" b="0"/>
-          </a:fillRef>
-          <a:effectRef idx="0">
-            <a:scrgbClr r="0" g="0" b="0"/>
-          </a:effectRef>
-          <a:fontRef idx="minor">
-            <a:schemeClr val="lt1"/>
-          </a:fontRef>
-        </p:style>
-        <p:txBody>
-          <a:bodyPr rtlCol="0" anchor="ctr"/>
-          <a:lstStyle/>
-          <a:p>
-            <a:pPr marL="171450" indent="-171450">
-              <a:buFontTx/>
-              <a:buChar char="-"/>
-            </a:pPr>
-            <a:r>
-              <a:rPr lang="en-US" altLang="ko-KR" sz="1100" dirty="0" smtClean="0"/>
-              <a:t>Create </a:t>
-            </a:r>
-            <a:r>
-              <a:rPr lang="en-US" altLang="ko-KR" sz="1100" dirty="0" err="1" smtClean="0"/>
-              <a:t>PartitionListener</a:t>
-            </a:r>
-            <a:endParaRPr lang="en-US" altLang="ko-KR" sz="1100" dirty="0" smtClean="0"/>
-          </a:p>
-          <a:p>
-            <a:pPr marL="171450" indent="-171450">
-              <a:buFontTx/>
-              <a:buChar char="-"/>
-            </a:pPr>
-            <a:r>
-              <a:rPr lang="en-US" altLang="ko-KR" sz="1100" dirty="0" smtClean="0"/>
-              <a:t>Create </a:t>
-            </a:r>
-            <a:r>
-              <a:rPr lang="en-US" altLang="ko-KR" sz="1100" dirty="0" err="1" smtClean="0"/>
-              <a:t>Partitioner</a:t>
-            </a:r>
-            <a:r>
-              <a:rPr lang="en-US" altLang="ko-KR" sz="1100" dirty="0" smtClean="0"/>
-              <a:t> + Sorter</a:t>
-            </a:r>
-          </a:p>
-        </p:txBody>
-      </p:sp>
-      <p:sp>
-        <p:nvSpPr>
-          <p:cNvPr id="54" name="모서리가 둥근 직사각형 53"/>
-          <p:cNvSpPr/>
-          <p:nvPr/>
-        </p:nvSpPr>
-        <p:spPr>
-          <a:xfrm>
-            <a:off x="2850419" y="2629095"/>
-            <a:ext cx="1507182" cy="235585"/>
-          </a:xfrm>
-          <a:prstGeom prst="roundRect">
-            <a:avLst/>
-          </a:prstGeom>
-        </p:spPr>
-        <p:style>
-          <a:lnRef idx="1">
-            <a:schemeClr val="accent1"/>
-          </a:lnRef>
-          <a:fillRef idx="2">
-            <a:schemeClr val="accent1"/>
-          </a:fillRef>
-          <a:effectRef idx="1">
-            <a:schemeClr val="accent1"/>
-          </a:effectRef>
-          <a:fontRef idx="minor">
-            <a:schemeClr val="dk1"/>
-          </a:fontRef>
-        </p:style>
-        <p:txBody>
-          <a:bodyPr rtlCol="0" anchor="ctr"/>
-          <a:lstStyle/>
-          <a:p>
-            <a:pPr algn="ctr"/>
-            <a:r>
-              <a:rPr lang="en-US" altLang="ko-KR" sz="1100" dirty="0" err="1" smtClean="0"/>
-              <a:t>SlavesInfoMsg</a:t>
-            </a:r>
-            <a:endParaRPr lang="ko-KR" altLang="en-US" sz="1100" dirty="0"/>
-          </a:p>
-        </p:txBody>
-      </p:sp>
-      <p:sp>
-        <p:nvSpPr>
-          <p:cNvPr id="69" name="모서리가 둥근 직사각형 68"/>
-          <p:cNvSpPr/>
-          <p:nvPr/>
-        </p:nvSpPr>
-        <p:spPr>
-          <a:xfrm>
-            <a:off x="6192254" y="1654082"/>
-            <a:ext cx="2106360" cy="266762"/>
-          </a:xfrm>
-          <a:prstGeom prst="roundRect">
-            <a:avLst/>
-          </a:prstGeom>
-          <a:solidFill>
-            <a:srgbClr val="00B050"/>
-          </a:solidFill>
-          <a:ln>
-            <a:noFill/>
-          </a:ln>
-        </p:spPr>
-        <p:style>
-          <a:lnRef idx="0">
-            <a:scrgbClr r="0" g="0" b="0"/>
-          </a:lnRef>
-          <a:fillRef idx="0">
-            <a:scrgbClr r="0" g="0" b="0"/>
-          </a:fillRef>
-          <a:effectRef idx="0">
-            <a:scrgbClr r="0" g="0" b="0"/>
-          </a:effectRef>
-          <a:fontRef idx="minor">
-            <a:schemeClr val="lt1"/>
-          </a:fontRef>
-        </p:style>
-        <p:txBody>
-          <a:bodyPr rtlCol="0" anchor="ctr"/>
-          <a:lstStyle/>
-          <a:p>
-            <a:pPr marL="171450" indent="-171450">
-              <a:buFontTx/>
-              <a:buChar char="-"/>
-            </a:pPr>
-            <a:r>
-              <a:rPr lang="en-US" altLang="ko-KR" sz="1100" dirty="0" smtClean="0"/>
-              <a:t>Send </a:t>
-            </a:r>
-            <a:r>
-              <a:rPr lang="en-US" altLang="ko-KR" sz="1100" dirty="0" err="1" smtClean="0"/>
-              <a:t>FileInfoMessage</a:t>
-            </a:r>
-            <a:endParaRPr lang="en-US" altLang="ko-KR" sz="1100" dirty="0" smtClean="0"/>
-          </a:p>
-        </p:txBody>
-      </p:sp>
-      <p:sp>
-        <p:nvSpPr>
-          <p:cNvPr id="67" name="모서리가 둥근 직사각형 66"/>
-          <p:cNvSpPr/>
-          <p:nvPr/>
-        </p:nvSpPr>
-        <p:spPr>
-          <a:xfrm>
-            <a:off x="6411419" y="1456677"/>
-            <a:ext cx="1507182" cy="229231"/>
-          </a:xfrm>
-          <a:prstGeom prst="roundRect">
-            <a:avLst/>
-          </a:prstGeom>
-        </p:spPr>
-        <p:style>
-          <a:lnRef idx="1">
-            <a:schemeClr val="accent6"/>
-          </a:lnRef>
-          <a:fillRef idx="2">
-            <a:schemeClr val="accent6"/>
-          </a:fillRef>
-          <a:effectRef idx="1">
-            <a:schemeClr val="accent6"/>
-          </a:effectRef>
-          <a:fontRef idx="minor">
-            <a:schemeClr val="dk1"/>
-          </a:fontRef>
-        </p:style>
-        <p:txBody>
-          <a:bodyPr rtlCol="0" anchor="ctr"/>
-          <a:lstStyle/>
-          <a:p>
-            <a:pPr algn="ctr"/>
-            <a:r>
-              <a:rPr lang="en-US" altLang="ko-KR" sz="1100" dirty="0" err="1" smtClean="0"/>
-              <a:t>Partition</a:t>
-            </a:r>
-            <a:r>
-              <a:rPr lang="en-US" altLang="ko-KR" sz="1100" dirty="0" err="1" smtClean="0"/>
-              <a:t>DoneMsg</a:t>
-            </a:r>
-            <a:endParaRPr lang="ko-KR" altLang="en-US" sz="1100" dirty="0"/>
-          </a:p>
-        </p:txBody>
-      </p:sp>
-      <p:sp>
-        <p:nvSpPr>
-          <p:cNvPr id="78" name="모서리가 둥근 직사각형 77"/>
-          <p:cNvSpPr/>
-          <p:nvPr/>
-        </p:nvSpPr>
-        <p:spPr>
-          <a:xfrm>
-            <a:off x="6192254" y="2307280"/>
-            <a:ext cx="2366958" cy="431550"/>
-          </a:xfrm>
-          <a:prstGeom prst="roundRect">
-            <a:avLst/>
-          </a:prstGeom>
-          <a:solidFill>
-            <a:srgbClr val="00B050"/>
-          </a:solidFill>
-          <a:ln>
-            <a:noFill/>
-          </a:ln>
-        </p:spPr>
-        <p:style>
-          <a:lnRef idx="0">
-            <a:scrgbClr r="0" g="0" b="0"/>
-          </a:lnRef>
-          <a:fillRef idx="0">
-            <a:scrgbClr r="0" g="0" b="0"/>
-          </a:fillRef>
-          <a:effectRef idx="0">
-            <a:scrgbClr r="0" g="0" b="0"/>
-          </a:effectRef>
-          <a:fontRef idx="minor">
-            <a:schemeClr val="lt1"/>
-          </a:fontRef>
-        </p:style>
-        <p:txBody>
-          <a:bodyPr rtlCol="0" anchor="ctr"/>
-          <a:lstStyle/>
-          <a:p>
-            <a:pPr marL="171450" indent="-171450">
-              <a:buFontTx/>
-              <a:buChar char="-"/>
-            </a:pPr>
-            <a:r>
-              <a:rPr lang="en-US" altLang="ko-KR" sz="1100" dirty="0" smtClean="0"/>
-              <a:t>Save file names</a:t>
-            </a:r>
-          </a:p>
-          <a:p>
-            <a:pPr marL="171450" indent="-171450">
-              <a:buFontTx/>
-              <a:buChar char="-"/>
-            </a:pPr>
-            <a:r>
-              <a:rPr lang="en-US" altLang="ko-KR" sz="1100" dirty="0" smtClean="0"/>
-              <a:t>Create </a:t>
-            </a:r>
-            <a:r>
-              <a:rPr lang="en-US" altLang="ko-KR" sz="1100" dirty="0" err="1" smtClean="0"/>
-              <a:t>FileRequestClient</a:t>
-            </a:r>
-            <a:endParaRPr lang="en-US" altLang="ko-KR" sz="1100" dirty="0" smtClean="0"/>
-          </a:p>
-        </p:txBody>
-      </p:sp>
-      <p:sp>
-        <p:nvSpPr>
-          <p:cNvPr id="77" name="모서리가 둥근 직사각형 76"/>
-          <p:cNvSpPr/>
-          <p:nvPr/>
-        </p:nvSpPr>
-        <p:spPr>
-          <a:xfrm>
-            <a:off x="6347370" y="2122479"/>
-            <a:ext cx="1796130" cy="221108"/>
-          </a:xfrm>
-          <a:prstGeom prst="roundRect">
-            <a:avLst/>
-          </a:prstGeom>
-        </p:spPr>
-        <p:style>
-          <a:lnRef idx="1">
-            <a:schemeClr val="accent2"/>
-          </a:lnRef>
-          <a:fillRef idx="2">
-            <a:schemeClr val="accent2"/>
-          </a:fillRef>
-          <a:effectRef idx="1">
-            <a:schemeClr val="accent2"/>
-          </a:effectRef>
-          <a:fontRef idx="minor">
-            <a:schemeClr val="dk1"/>
-          </a:fontRef>
-        </p:style>
-        <p:txBody>
-          <a:bodyPr rtlCol="0" anchor="ctr"/>
-          <a:lstStyle/>
-          <a:p>
-            <a:pPr algn="ctr"/>
-            <a:r>
-              <a:rPr lang="en-US" altLang="ko-KR" sz="1100" dirty="0" err="1" smtClean="0"/>
-              <a:t>FileInfoMsg</a:t>
-            </a:r>
-            <a:endParaRPr lang="ko-KR" altLang="en-US" sz="1100" dirty="0"/>
-          </a:p>
-        </p:txBody>
-      </p:sp>
-      <p:sp>
-        <p:nvSpPr>
-          <p:cNvPr id="79" name="모서리가 둥근 직사각형 78"/>
-          <p:cNvSpPr/>
-          <p:nvPr/>
-        </p:nvSpPr>
-        <p:spPr>
-          <a:xfrm>
-            <a:off x="4252816" y="4768116"/>
-            <a:ext cx="2201222" cy="707277"/>
-          </a:xfrm>
-          <a:prstGeom prst="roundRect">
-            <a:avLst/>
-          </a:prstGeom>
-          <a:solidFill>
-            <a:schemeClr val="accent3"/>
-          </a:solidFill>
-          <a:ln>
-            <a:noFill/>
-          </a:ln>
-        </p:spPr>
-        <p:style>
-          <a:lnRef idx="0">
-            <a:scrgbClr r="0" g="0" b="0"/>
-          </a:lnRef>
-          <a:fillRef idx="0">
-            <a:scrgbClr r="0" g="0" b="0"/>
-          </a:fillRef>
-          <a:effectRef idx="0">
-            <a:scrgbClr r="0" g="0" b="0"/>
-          </a:effectRef>
-          <a:fontRef idx="minor">
-            <a:schemeClr val="lt1"/>
-          </a:fontRef>
-        </p:style>
-        <p:txBody>
-          <a:bodyPr rtlCol="0" anchor="ctr"/>
-          <a:lstStyle/>
-          <a:p>
-            <a:pPr algn="ctr"/>
-            <a:r>
-              <a:rPr lang="en-US" altLang="ko-KR" sz="1100" dirty="0" err="1" smtClean="0"/>
-              <a:t>requestNotFinished</a:t>
-            </a:r>
-            <a:r>
-              <a:rPr lang="en-US" altLang="ko-KR" sz="1100" dirty="0" smtClean="0"/>
-              <a:t>: </a:t>
-            </a:r>
-            <a:r>
-              <a:rPr lang="en-US" altLang="ko-KR" sz="1100" dirty="0" err="1" smtClean="0"/>
-              <a:t>mutable.Set</a:t>
-            </a:r>
-            <a:r>
-              <a:rPr lang="en-US" altLang="ko-KR" sz="1100" dirty="0" smtClean="0"/>
-              <a:t>[String]</a:t>
-            </a:r>
-          </a:p>
-          <a:p>
-            <a:pPr algn="ctr"/>
-            <a:endParaRPr lang="en-US" altLang="ko-KR" sz="1100" dirty="0" smtClean="0"/>
-          </a:p>
-        </p:txBody>
-      </p:sp>
-      <p:sp>
-        <p:nvSpPr>
-          <p:cNvPr id="80" name="모서리가 둥근 직사각형 79"/>
-          <p:cNvSpPr/>
-          <p:nvPr/>
-        </p:nvSpPr>
-        <p:spPr>
-          <a:xfrm>
-            <a:off x="4238639" y="5504323"/>
-            <a:ext cx="2216876" cy="292162"/>
-          </a:xfrm>
-          <a:prstGeom prst="roundRect">
-            <a:avLst/>
-          </a:prstGeom>
-          <a:solidFill>
-            <a:schemeClr val="accent6">
-              <a:lumMod val="75000"/>
-            </a:schemeClr>
-          </a:solidFill>
-          <a:ln/>
-        </p:spPr>
-        <p:style>
-          <a:lnRef idx="3">
-            <a:schemeClr val="lt1"/>
-          </a:lnRef>
-          <a:fillRef idx="1">
-            <a:schemeClr val="accent1"/>
-          </a:fillRef>
-          <a:effectRef idx="1">
-            <a:schemeClr val="accent1"/>
-          </a:effectRef>
-          <a:fontRef idx="minor">
-            <a:schemeClr val="lt1"/>
-          </a:fontRef>
-        </p:style>
-        <p:txBody>
-          <a:bodyPr rtlCol="0" anchor="ctr"/>
-          <a:lstStyle/>
-          <a:p>
-            <a:pPr algn="ctr"/>
-            <a:r>
-              <a:rPr lang="en-US" altLang="ko-KR" sz="1100" dirty="0" err="1" smtClean="0"/>
-              <a:t>mergeF</a:t>
-            </a:r>
-            <a:r>
-              <a:rPr lang="en-US" altLang="ko-KR" sz="1100" dirty="0" err="1" smtClean="0"/>
-              <a:t>inished</a:t>
-            </a:r>
-            <a:r>
-              <a:rPr lang="en-US" altLang="ko-KR" sz="1100" dirty="0" smtClean="0"/>
-              <a:t> </a:t>
-            </a:r>
-            <a:r>
-              <a:rPr lang="en-US" altLang="ko-KR" sz="1100" dirty="0" smtClean="0"/>
-              <a:t>= </a:t>
-            </a:r>
-            <a:r>
-              <a:rPr lang="en-US" altLang="ko-KR" sz="1100" dirty="0" smtClean="0"/>
-              <a:t>False</a:t>
-            </a:r>
-            <a:endParaRPr lang="en-US" altLang="ko-KR" sz="1100" dirty="0" smtClean="0"/>
-          </a:p>
-        </p:txBody>
-      </p:sp>
-      <p:sp>
-        <p:nvSpPr>
-          <p:cNvPr id="84" name="모서리가 둥근 직사각형 83"/>
-          <p:cNvSpPr/>
-          <p:nvPr/>
-        </p:nvSpPr>
-        <p:spPr>
-          <a:xfrm>
-            <a:off x="6192254" y="3094955"/>
-            <a:ext cx="2548409" cy="263393"/>
-          </a:xfrm>
-          <a:prstGeom prst="roundRect">
-            <a:avLst/>
-          </a:prstGeom>
-          <a:solidFill>
-            <a:srgbClr val="00B050"/>
-          </a:solidFill>
-          <a:ln>
-            <a:noFill/>
-          </a:ln>
-        </p:spPr>
-        <p:style>
-          <a:lnRef idx="0">
-            <a:scrgbClr r="0" g="0" b="0"/>
-          </a:lnRef>
-          <a:fillRef idx="0">
-            <a:scrgbClr r="0" g="0" b="0"/>
-          </a:fillRef>
-          <a:effectRef idx="0">
-            <a:scrgbClr r="0" g="0" b="0"/>
-          </a:effectRef>
-          <a:fontRef idx="minor">
-            <a:schemeClr val="lt1"/>
-          </a:fontRef>
-        </p:style>
-        <p:txBody>
-          <a:bodyPr rtlCol="0" anchor="ctr"/>
-          <a:lstStyle/>
-          <a:p>
-            <a:pPr marL="171450" indent="-171450">
-              <a:buFontTx/>
-              <a:buChar char="-"/>
-            </a:pPr>
-            <a:r>
-              <a:rPr lang="en-US" altLang="ko-KR" sz="1100" dirty="0" smtClean="0"/>
-              <a:t>Remove from </a:t>
-            </a:r>
-            <a:r>
-              <a:rPr lang="en-US" altLang="ko-KR" sz="1100" dirty="0" err="1" smtClean="0"/>
-              <a:t>requestNotFinished</a:t>
-            </a:r>
-            <a:endParaRPr lang="en-US" altLang="ko-KR" sz="1100" dirty="0" smtClean="0"/>
-          </a:p>
-        </p:txBody>
-      </p:sp>
-      <p:sp>
-        <p:nvSpPr>
-          <p:cNvPr id="82" name="모서리가 둥근 직사각형 81"/>
-          <p:cNvSpPr/>
-          <p:nvPr/>
-        </p:nvSpPr>
-        <p:spPr>
-          <a:xfrm>
-            <a:off x="6359193" y="2900371"/>
-            <a:ext cx="1796130" cy="231914"/>
-          </a:xfrm>
-          <a:prstGeom prst="roundRect">
-            <a:avLst/>
-          </a:prstGeom>
-        </p:spPr>
-        <p:style>
-          <a:lnRef idx="1">
-            <a:schemeClr val="accent4"/>
-          </a:lnRef>
-          <a:fillRef idx="2">
-            <a:schemeClr val="accent4"/>
-          </a:fillRef>
-          <a:effectRef idx="1">
-            <a:schemeClr val="accent4"/>
-          </a:effectRef>
-          <a:fontRef idx="minor">
-            <a:schemeClr val="dk1"/>
-          </a:fontRef>
-        </p:style>
-        <p:txBody>
-          <a:bodyPr rtlCol="0" anchor="ctr"/>
-          <a:lstStyle/>
-          <a:p>
-            <a:pPr algn="ctr"/>
-            <a:r>
-              <a:rPr lang="en-US" altLang="ko-KR" sz="1100" dirty="0" err="1" smtClean="0"/>
-              <a:t>FileRequestDoneMsg</a:t>
-            </a:r>
-            <a:endParaRPr lang="ko-KR" altLang="en-US" sz="1100" dirty="0"/>
-          </a:p>
-        </p:txBody>
-      </p:sp>
-      <p:sp>
-        <p:nvSpPr>
-          <p:cNvPr id="85" name="모서리가 둥근 직사각형 84"/>
-          <p:cNvSpPr/>
-          <p:nvPr/>
-        </p:nvSpPr>
-        <p:spPr>
-          <a:xfrm>
-            <a:off x="9683638" y="4671218"/>
-            <a:ext cx="2076392" cy="263393"/>
-          </a:xfrm>
-          <a:prstGeom prst="roundRect">
-            <a:avLst/>
-          </a:prstGeom>
-          <a:solidFill>
-            <a:srgbClr val="00B050"/>
-          </a:solidFill>
-          <a:ln>
-            <a:noFill/>
-          </a:ln>
-        </p:spPr>
-        <p:style>
-          <a:lnRef idx="0">
-            <a:scrgbClr r="0" g="0" b="0"/>
-          </a:lnRef>
-          <a:fillRef idx="0">
-            <a:scrgbClr r="0" g="0" b="0"/>
-          </a:fillRef>
-          <a:effectRef idx="0">
-            <a:scrgbClr r="0" g="0" b="0"/>
-          </a:effectRef>
-          <a:fontRef idx="minor">
-            <a:schemeClr val="lt1"/>
-          </a:fontRef>
-        </p:style>
-        <p:txBody>
-          <a:bodyPr rtlCol="0" anchor="ctr"/>
-          <a:lstStyle/>
-          <a:p>
-            <a:pPr marL="171450" indent="-171450">
-              <a:buFontTx/>
-              <a:buChar char="-"/>
-            </a:pPr>
-            <a:r>
-              <a:rPr lang="en-US" altLang="ko-KR" sz="1100" dirty="0" smtClean="0"/>
-              <a:t>Terminate</a:t>
-            </a:r>
-            <a:endParaRPr lang="en-US" altLang="ko-KR" sz="1100" dirty="0" smtClean="0"/>
-          </a:p>
-        </p:txBody>
-      </p:sp>
-      <p:sp>
-        <p:nvSpPr>
-          <p:cNvPr id="83" name="모서리가 둥근 직사각형 82"/>
-          <p:cNvSpPr/>
-          <p:nvPr/>
-        </p:nvSpPr>
-        <p:spPr>
-          <a:xfrm>
-            <a:off x="9838756" y="4453961"/>
-            <a:ext cx="1796130" cy="231913"/>
-          </a:xfrm>
-          <a:prstGeom prst="roundRect">
-            <a:avLst/>
-          </a:prstGeom>
-        </p:spPr>
-        <p:style>
-          <a:lnRef idx="1">
-            <a:schemeClr val="dk1"/>
-          </a:lnRef>
-          <a:fillRef idx="2">
-            <a:schemeClr val="dk1"/>
-          </a:fillRef>
-          <a:effectRef idx="1">
-            <a:schemeClr val="dk1"/>
-          </a:effectRef>
-          <a:fontRef idx="minor">
-            <a:schemeClr val="dk1"/>
-          </a:fontRef>
-        </p:style>
-        <p:txBody>
-          <a:bodyPr rtlCol="0" anchor="ctr"/>
-          <a:lstStyle/>
-          <a:p>
-            <a:pPr algn="ctr"/>
-            <a:r>
-              <a:rPr lang="en-US" altLang="ko-KR" sz="1100" dirty="0" err="1" smtClean="0"/>
-              <a:t>TerminateMsg</a:t>
-            </a:r>
-            <a:endParaRPr lang="ko-KR" altLang="en-US" sz="1100" dirty="0"/>
-          </a:p>
-        </p:txBody>
-      </p:sp>
-      <p:sp>
-        <p:nvSpPr>
-          <p:cNvPr id="86" name="모서리가 둥근 직사각형 85"/>
-          <p:cNvSpPr/>
-          <p:nvPr/>
-        </p:nvSpPr>
-        <p:spPr>
-          <a:xfrm>
-            <a:off x="4251330" y="5841951"/>
-            <a:ext cx="2201222" cy="386819"/>
-          </a:xfrm>
-          <a:prstGeom prst="roundRect">
-            <a:avLst/>
-          </a:prstGeom>
-          <a:solidFill>
-            <a:srgbClr val="C00000"/>
-          </a:solidFill>
-          <a:ln>
-            <a:noFill/>
-          </a:ln>
-        </p:spPr>
-        <p:style>
-          <a:lnRef idx="0">
-            <a:scrgbClr r="0" g="0" b="0"/>
-          </a:lnRef>
-          <a:fillRef idx="0">
-            <a:scrgbClr r="0" g="0" b="0"/>
-          </a:fillRef>
-          <a:effectRef idx="0">
-            <a:scrgbClr r="0" g="0" b="0"/>
-          </a:effectRef>
-          <a:fontRef idx="minor">
-            <a:schemeClr val="lt1"/>
-          </a:fontRef>
-        </p:style>
-        <p:txBody>
-          <a:bodyPr rtlCol="0" anchor="ctr"/>
-          <a:lstStyle/>
-          <a:p>
-            <a:pPr algn="ctr"/>
-            <a:r>
-              <a:rPr lang="en-US" altLang="ko-KR" sz="1100" dirty="0" smtClean="0"/>
-              <a:t>! </a:t>
-            </a:r>
-            <a:r>
-              <a:rPr lang="en-US" altLang="ko-KR" sz="1100" dirty="0" err="1" smtClean="0"/>
-              <a:t>merge</a:t>
-            </a:r>
-            <a:r>
-              <a:rPr lang="en-US" altLang="ko-KR" sz="1100" dirty="0" err="1" smtClean="0"/>
-              <a:t>Finished</a:t>
-            </a:r>
-            <a:endParaRPr lang="en-US" altLang="ko-KR" sz="1100" dirty="0" smtClean="0"/>
-          </a:p>
-        </p:txBody>
-      </p:sp>
-      <p:sp>
-        <p:nvSpPr>
-          <p:cNvPr id="90" name="모서리가 둥근 직사각형 89"/>
-          <p:cNvSpPr/>
-          <p:nvPr/>
-        </p:nvSpPr>
-        <p:spPr>
-          <a:xfrm>
-            <a:off x="6678627" y="4961984"/>
-            <a:ext cx="2444352" cy="284934"/>
-          </a:xfrm>
-          <a:prstGeom prst="roundRect">
-            <a:avLst/>
-          </a:prstGeom>
-          <a:solidFill>
-            <a:srgbClr val="00B050"/>
-          </a:solidFill>
-          <a:ln>
-            <a:noFill/>
-          </a:ln>
-        </p:spPr>
-        <p:style>
-          <a:lnRef idx="0">
-            <a:scrgbClr r="0" g="0" b="0"/>
-          </a:lnRef>
-          <a:fillRef idx="0">
-            <a:scrgbClr r="0" g="0" b="0"/>
-          </a:fillRef>
-          <a:effectRef idx="0">
-            <a:scrgbClr r="0" g="0" b="0"/>
-          </a:effectRef>
-          <a:fontRef idx="minor">
-            <a:schemeClr val="lt1"/>
-          </a:fontRef>
-        </p:style>
-        <p:txBody>
-          <a:bodyPr rtlCol="0" anchor="ctr"/>
-          <a:lstStyle/>
-          <a:p>
-            <a:pPr marL="171450" indent="-171450">
-              <a:buFontTx/>
-              <a:buChar char="-"/>
-            </a:pPr>
-            <a:r>
-              <a:rPr lang="en-US" altLang="ko-KR" sz="1100" dirty="0" smtClean="0"/>
-              <a:t>Send </a:t>
-            </a:r>
-            <a:r>
-              <a:rPr lang="en-US" altLang="ko-KR" sz="1100" dirty="0" err="1" smtClean="0"/>
-              <a:t>DoneMessage</a:t>
-            </a:r>
-            <a:r>
-              <a:rPr lang="en-US" altLang="ko-KR" sz="1100" dirty="0" smtClean="0"/>
-              <a:t> </a:t>
-            </a:r>
-            <a:r>
-              <a:rPr lang="en-US" altLang="ko-KR" sz="1100" dirty="0" smtClean="0"/>
-              <a:t>to Master</a:t>
-            </a:r>
-          </a:p>
-        </p:txBody>
-      </p:sp>
-      <p:sp>
-        <p:nvSpPr>
-          <p:cNvPr id="89" name="모서리가 둥근 직사각형 88"/>
-          <p:cNvSpPr/>
-          <p:nvPr/>
-        </p:nvSpPr>
-        <p:spPr>
-          <a:xfrm>
-            <a:off x="6678627" y="4727048"/>
-            <a:ext cx="2298613" cy="263570"/>
-          </a:xfrm>
-          <a:prstGeom prst="roundRect">
-            <a:avLst/>
-          </a:prstGeom>
-          <a:solidFill>
-            <a:schemeClr val="accent4">
-              <a:lumMod val="75000"/>
-            </a:schemeClr>
-          </a:solidFill>
-          <a:ln>
-            <a:noFill/>
-          </a:ln>
-        </p:spPr>
-        <p:style>
-          <a:lnRef idx="0">
-            <a:scrgbClr r="0" g="0" b="0"/>
-          </a:lnRef>
-          <a:fillRef idx="0">
-            <a:scrgbClr r="0" g="0" b="0"/>
-          </a:fillRef>
-          <a:effectRef idx="0">
-            <a:scrgbClr r="0" g="0" b="0"/>
-          </a:effectRef>
-          <a:fontRef idx="minor">
-            <a:schemeClr val="lt1"/>
-          </a:fontRef>
-        </p:style>
-        <p:txBody>
-          <a:bodyPr rtlCol="0" anchor="ctr"/>
-          <a:lstStyle/>
-          <a:p>
-            <a:pPr algn="ctr"/>
-            <a:r>
-              <a:rPr lang="en-US" altLang="ko-KR" sz="1100" dirty="0" err="1" smtClean="0"/>
-              <a:t>mergeFinished</a:t>
-            </a:r>
-            <a:endParaRPr lang="en-US" altLang="ko-KR" sz="1100" dirty="0" smtClean="0"/>
-          </a:p>
-        </p:txBody>
-      </p:sp>
-      <p:cxnSp>
-        <p:nvCxnSpPr>
-          <p:cNvPr id="30" name="구부러진 연결선 29"/>
-          <p:cNvCxnSpPr>
-            <a:stCxn id="58" idx="1"/>
-            <a:endCxn id="38" idx="1"/>
-          </p:cNvCxnSpPr>
-          <p:nvPr/>
-        </p:nvCxnSpPr>
-        <p:spPr>
-          <a:xfrm rot="10800000" flipV="1">
-            <a:off x="1091533" y="1614460"/>
-            <a:ext cx="600634" cy="2641581"/>
-          </a:xfrm>
-          <a:prstGeom prst="curvedConnector3">
-            <a:avLst>
-              <a:gd name="adj1" fmla="val 138060"/>
-            </a:avLst>
-          </a:prstGeom>
-          <a:ln>
-            <a:tailEnd type="triangle"/>
-          </a:ln>
-        </p:spPr>
-        <p:style>
-          <a:lnRef idx="1">
-            <a:schemeClr val="accent1"/>
-          </a:lnRef>
-          <a:fillRef idx="0">
-            <a:schemeClr val="accent1"/>
-          </a:fillRef>
-          <a:effectRef idx="0">
-            <a:schemeClr val="accent1"/>
-          </a:effectRef>
-          <a:fontRef idx="minor">
-            <a:schemeClr val="tx1"/>
-          </a:fontRef>
-        </p:style>
-      </p:cxnSp>
-      <p:sp>
-        <p:nvSpPr>
-          <p:cNvPr id="35" name="모서리가 둥근 직사각형 34"/>
-          <p:cNvSpPr/>
-          <p:nvPr/>
-        </p:nvSpPr>
-        <p:spPr>
-          <a:xfrm>
-            <a:off x="303701" y="2728556"/>
-            <a:ext cx="1507182" cy="272247"/>
-          </a:xfrm>
-          <a:prstGeom prst="roundRect">
-            <a:avLst/>
-          </a:prstGeom>
-        </p:spPr>
-        <p:style>
-          <a:lnRef idx="1">
-            <a:schemeClr val="accent3"/>
-          </a:lnRef>
-          <a:fillRef idx="2">
-            <a:schemeClr val="accent3"/>
-          </a:fillRef>
-          <a:effectRef idx="1">
-            <a:schemeClr val="accent3"/>
-          </a:effectRef>
-          <a:fontRef idx="minor">
-            <a:schemeClr val="dk1"/>
-          </a:fontRef>
-        </p:style>
-        <p:txBody>
-          <a:bodyPr rtlCol="0" anchor="ctr"/>
-          <a:lstStyle/>
-          <a:p>
-            <a:pPr algn="ctr"/>
-            <a:r>
-              <a:rPr lang="en-US" altLang="ko-KR" sz="1100" dirty="0" err="1" smtClean="0"/>
-              <a:t>SlavesFullMsg</a:t>
-            </a:r>
-            <a:endParaRPr lang="ko-KR" altLang="en-US" sz="1100" dirty="0"/>
-          </a:p>
-        </p:txBody>
-      </p:sp>
-      <p:sp>
-        <p:nvSpPr>
-          <p:cNvPr id="38" name="모서리가 둥근 직사각형 37"/>
-          <p:cNvSpPr/>
-          <p:nvPr/>
-        </p:nvSpPr>
-        <p:spPr>
-          <a:xfrm>
-            <a:off x="1091533" y="4082172"/>
-            <a:ext cx="1201268" cy="347739"/>
-          </a:xfrm>
-          <a:prstGeom prst="roundRect">
-            <a:avLst/>
-          </a:prstGeom>
-          <a:ln>
-            <a:headEnd type="none" w="med" len="med"/>
-            <a:tailEnd type="none" w="med" len="med"/>
-          </a:ln>
-        </p:spPr>
-        <p:style>
-          <a:lnRef idx="2">
-            <a:schemeClr val="accent3"/>
-          </a:lnRef>
-          <a:fillRef idx="1">
-            <a:schemeClr val="lt1"/>
-          </a:fillRef>
-          <a:effectRef idx="0">
-            <a:schemeClr val="accent3"/>
-          </a:effectRef>
-          <a:fontRef idx="minor">
-            <a:schemeClr val="dk1"/>
-          </a:fontRef>
-        </p:style>
-        <p:txBody>
-          <a:bodyPr rtlCol="0" anchor="ctr"/>
-          <a:lstStyle/>
-          <a:p>
-            <a:pPr algn="ctr"/>
-            <a:r>
-              <a:rPr lang="en-US" altLang="ko-KR" dirty="0" smtClean="0"/>
-              <a:t>Failure</a:t>
-            </a:r>
-            <a:endParaRPr lang="ko-KR" altLang="en-US" dirty="0"/>
-          </a:p>
-        </p:txBody>
-      </p:sp>
-      <p:sp>
-        <p:nvSpPr>
-          <p:cNvPr id="39" name="모서리가 둥근 직사각형 38"/>
-          <p:cNvSpPr/>
-          <p:nvPr/>
-        </p:nvSpPr>
-        <p:spPr>
-          <a:xfrm>
-            <a:off x="850910" y="4460016"/>
-            <a:ext cx="1682513" cy="275808"/>
-          </a:xfrm>
-          <a:prstGeom prst="roundRect">
-            <a:avLst/>
-          </a:prstGeom>
-          <a:solidFill>
-            <a:schemeClr val="accent6">
-              <a:lumMod val="75000"/>
-            </a:schemeClr>
-          </a:solidFill>
-          <a:ln/>
-        </p:spPr>
-        <p:style>
-          <a:lnRef idx="3">
-            <a:schemeClr val="lt1"/>
-          </a:lnRef>
-          <a:fillRef idx="1">
-            <a:schemeClr val="accent1"/>
-          </a:fillRef>
-          <a:effectRef idx="1">
-            <a:schemeClr val="accent1"/>
-          </a:effectRef>
-          <a:fontRef idx="minor">
-            <a:schemeClr val="lt1"/>
-          </a:fontRef>
-        </p:style>
-        <p:txBody>
-          <a:bodyPr rtlCol="0" anchor="ctr"/>
-          <a:lstStyle/>
-          <a:p>
-            <a:pPr algn="ctr"/>
-            <a:r>
-              <a:rPr lang="en-US" altLang="ko-KR" sz="1100" dirty="0" smtClean="0"/>
-              <a:t>Close all channels</a:t>
-            </a:r>
-          </a:p>
-        </p:txBody>
-      </p:sp>
-    </p:spTree>
-    <p:extLst>
-      <p:ext uri="{BB962C8B-B14F-4D97-AF65-F5344CB8AC3E}">
-        <p14:creationId xmlns:p14="http://schemas.microsoft.com/office/powerpoint/2010/main" val="2565270862"/>
       </p:ext>
     </p:extLst>
   </p:cSld>
@@ -10143,6 +9118,134 @@
           <a:chExt cx="0" cy="0"/>
         </a:xfrm>
       </p:grpSpPr>
+      <p:cxnSp>
+        <p:nvCxnSpPr>
+          <p:cNvPr id="135" name="구부러진 연결선 134"/>
+          <p:cNvCxnSpPr>
+            <a:stCxn id="124" idx="0"/>
+          </p:cNvCxnSpPr>
+          <p:nvPr/>
+        </p:nvCxnSpPr>
+        <p:spPr>
+          <a:xfrm rot="5400000" flipH="1" flipV="1">
+            <a:off x="5643801" y="4075170"/>
+            <a:ext cx="12700" cy="593448"/>
+          </a:xfrm>
+          <a:prstGeom prst="curvedConnector4">
+            <a:avLst>
+              <a:gd name="adj1" fmla="val 26523268"/>
+              <a:gd name="adj2" fmla="val 316131"/>
+            </a:avLst>
+          </a:prstGeom>
+          <a:ln>
+            <a:tailEnd type="triangle"/>
+          </a:ln>
+        </p:spPr>
+        <p:style>
+          <a:lnRef idx="1">
+            <a:schemeClr val="accent1"/>
+          </a:lnRef>
+          <a:fillRef idx="0">
+            <a:schemeClr val="accent1"/>
+          </a:fillRef>
+          <a:effectRef idx="0">
+            <a:schemeClr val="accent1"/>
+          </a:effectRef>
+          <a:fontRef idx="minor">
+            <a:schemeClr val="tx1"/>
+          </a:fontRef>
+        </p:style>
+      </p:cxnSp>
+      <p:cxnSp>
+        <p:nvCxnSpPr>
+          <p:cNvPr id="37" name="구부러진 연결선 36"/>
+          <p:cNvCxnSpPr>
+            <a:stCxn id="139" idx="0"/>
+            <a:endCxn id="139" idx="3"/>
+          </p:cNvCxnSpPr>
+          <p:nvPr/>
+        </p:nvCxnSpPr>
+        <p:spPr>
+          <a:xfrm rot="16200000" flipH="1">
+            <a:off x="9446731" y="5157602"/>
+            <a:ext cx="173870" cy="593448"/>
+          </a:xfrm>
+          <a:prstGeom prst="curvedConnector4">
+            <a:avLst>
+              <a:gd name="adj1" fmla="val -593916"/>
+              <a:gd name="adj2" fmla="val 274007"/>
+            </a:avLst>
+          </a:prstGeom>
+          <a:ln>
+            <a:tailEnd type="triangle"/>
+          </a:ln>
+        </p:spPr>
+        <p:style>
+          <a:lnRef idx="1">
+            <a:schemeClr val="accent1"/>
+          </a:lnRef>
+          <a:fillRef idx="0">
+            <a:schemeClr val="accent1"/>
+          </a:fillRef>
+          <a:effectRef idx="0">
+            <a:schemeClr val="accent1"/>
+          </a:effectRef>
+          <a:fontRef idx="minor">
+            <a:schemeClr val="tx1"/>
+          </a:fontRef>
+        </p:style>
+      </p:cxnSp>
+      <p:sp>
+        <p:nvSpPr>
+          <p:cNvPr id="34" name="모서리가 둥근 직사각형 33"/>
+          <p:cNvSpPr/>
+          <p:nvPr/>
+        </p:nvSpPr>
+        <p:spPr>
+          <a:xfrm>
+            <a:off x="6175545" y="3950621"/>
+            <a:ext cx="2548409" cy="263393"/>
+          </a:xfrm>
+          <a:prstGeom prst="roundRect">
+            <a:avLst/>
+          </a:prstGeom>
+          <a:solidFill>
+            <a:srgbClr val="00B050"/>
+          </a:solidFill>
+          <a:ln>
+            <a:noFill/>
+          </a:ln>
+        </p:spPr>
+        <p:style>
+          <a:lnRef idx="0">
+            <a:scrgbClr r="0" g="0" b="0"/>
+          </a:lnRef>
+          <a:fillRef idx="0">
+            <a:scrgbClr r="0" g="0" b="0"/>
+          </a:fillRef>
+          <a:effectRef idx="0">
+            <a:scrgbClr r="0" g="0" b="0"/>
+          </a:effectRef>
+          <a:fontRef idx="minor">
+            <a:schemeClr val="lt1"/>
+          </a:fontRef>
+        </p:style>
+        <p:txBody>
+          <a:bodyPr rtlCol="0" anchor="ctr"/>
+          <a:lstStyle/>
+          <a:p>
+            <a:pPr marL="171450" indent="-171450">
+              <a:buFontTx/>
+              <a:buChar char="-"/>
+            </a:pPr>
+            <a:r>
+              <a:rPr lang="en-US" altLang="ko-KR" sz="1100" dirty="0" smtClean="0"/>
+              <a:t>Start Merger</a:t>
+            </a:r>
+            <a:endParaRPr lang="en-US" altLang="ko-KR" sz="1100" dirty="0" smtClean="0"/>
+          </a:p>
+        </p:txBody>
+      </p:sp>
       <p:sp>
         <p:nvSpPr>
           <p:cNvPr id="2" name="제목 1"/>
@@ -10155,27 +9258,1400 @@
         </p:nvSpPr>
         <p:spPr>
           <a:xfrm>
-            <a:off x="197117" y="2763371"/>
-            <a:ext cx="11876248" cy="1325563"/>
+            <a:off x="9733411" y="264500"/>
+            <a:ext cx="2026619" cy="1325563"/>
           </a:xfrm>
         </p:spPr>
         <p:txBody>
           <a:bodyPr/>
           <a:lstStyle/>
           <a:p>
+            <a:r>
+              <a:rPr lang="en-US" altLang="ko-KR" dirty="0" smtClean="0"/>
+              <a:t>Slave</a:t>
+            </a:r>
+            <a:endParaRPr lang="ko-KR" altLang="en-US" dirty="0"/>
+          </a:p>
+        </p:txBody>
+      </p:sp>
+      <p:sp>
+        <p:nvSpPr>
+          <p:cNvPr id="58" name="모서리가 둥근 직사각형 57"/>
+          <p:cNvSpPr/>
+          <p:nvPr/>
+        </p:nvSpPr>
+        <p:spPr>
+          <a:xfrm>
+            <a:off x="1692167" y="1440591"/>
+            <a:ext cx="1172524" cy="347739"/>
+          </a:xfrm>
+          <a:prstGeom prst="roundRect">
+            <a:avLst/>
+          </a:prstGeom>
+          <a:ln>
+            <a:headEnd type="none" w="med" len="med"/>
+            <a:tailEnd type="none" w="med" len="med"/>
+          </a:ln>
+        </p:spPr>
+        <p:style>
+          <a:lnRef idx="2">
+            <a:schemeClr val="accent3"/>
+          </a:lnRef>
+          <a:fillRef idx="1">
+            <a:schemeClr val="lt1"/>
+          </a:fillRef>
+          <a:effectRef idx="0">
+            <a:schemeClr val="accent3"/>
+          </a:effectRef>
+          <a:fontRef idx="minor">
+            <a:schemeClr val="dk1"/>
+          </a:fontRef>
+        </p:style>
+        <p:txBody>
+          <a:bodyPr rtlCol="0" anchor="ctr"/>
+          <a:lstStyle/>
+          <a:p>
             <a:pPr algn="ctr"/>
             <a:r>
               <a:rPr lang="en-US" altLang="ko-KR" dirty="0" smtClean="0"/>
-              <a:t>State Description</a:t>
+              <a:t>Connect</a:t>
             </a:r>
             <a:endParaRPr lang="ko-KR" altLang="en-US" dirty="0"/>
+          </a:p>
+        </p:txBody>
+      </p:sp>
+      <p:sp>
+        <p:nvSpPr>
+          <p:cNvPr id="111" name="모서리가 둥근 직사각형 110"/>
+          <p:cNvSpPr/>
+          <p:nvPr/>
+        </p:nvSpPr>
+        <p:spPr>
+          <a:xfrm>
+            <a:off x="1437888" y="1844403"/>
+            <a:ext cx="1681083" cy="423206"/>
+          </a:xfrm>
+          <a:prstGeom prst="roundRect">
+            <a:avLst/>
+          </a:prstGeom>
+          <a:solidFill>
+            <a:schemeClr val="accent6">
+              <a:lumMod val="75000"/>
+            </a:schemeClr>
+          </a:solidFill>
+          <a:ln/>
+        </p:spPr>
+        <p:style>
+          <a:lnRef idx="3">
+            <a:schemeClr val="lt1"/>
+          </a:lnRef>
+          <a:fillRef idx="1">
+            <a:schemeClr val="accent1"/>
+          </a:fillRef>
+          <a:effectRef idx="1">
+            <a:schemeClr val="accent1"/>
+          </a:effectRef>
+          <a:fontRef idx="minor">
+            <a:schemeClr val="lt1"/>
+          </a:fontRef>
+        </p:style>
+        <p:txBody>
+          <a:bodyPr rtlCol="0" anchor="ctr"/>
+          <a:lstStyle/>
+          <a:p>
+            <a:pPr algn="ctr"/>
+            <a:r>
+              <a:rPr lang="en-US" altLang="ko-KR" sz="1100" dirty="0" smtClean="0"/>
+              <a:t>Create </a:t>
+            </a:r>
+            <a:r>
+              <a:rPr lang="en-US" altLang="ko-KR" sz="1100" dirty="0" err="1" smtClean="0"/>
+              <a:t>MasterHandler</a:t>
+            </a:r>
+            <a:endParaRPr lang="en-US" altLang="ko-KR" sz="1100" dirty="0" smtClean="0"/>
+          </a:p>
+          <a:p>
+            <a:pPr algn="ctr"/>
+            <a:r>
+              <a:rPr lang="en-US" altLang="ko-KR" sz="1100" dirty="0" smtClean="0"/>
+              <a:t>Create Sampler</a:t>
+            </a:r>
+          </a:p>
+        </p:txBody>
+      </p:sp>
+      <p:cxnSp>
+        <p:nvCxnSpPr>
+          <p:cNvPr id="123" name="구부러진 연결선 122"/>
+          <p:cNvCxnSpPr>
+            <a:stCxn id="58" idx="3"/>
+            <a:endCxn id="124" idx="1"/>
+          </p:cNvCxnSpPr>
+          <p:nvPr/>
+        </p:nvCxnSpPr>
+        <p:spPr>
+          <a:xfrm>
+            <a:off x="2864691" y="1614461"/>
+            <a:ext cx="1888938" cy="2931303"/>
+          </a:xfrm>
+          <a:prstGeom prst="curvedConnector3">
+            <a:avLst/>
+          </a:prstGeom>
+          <a:ln>
+            <a:tailEnd type="triangle"/>
+          </a:ln>
+        </p:spPr>
+        <p:style>
+          <a:lnRef idx="1">
+            <a:schemeClr val="accent1"/>
+          </a:lnRef>
+          <a:fillRef idx="0">
+            <a:schemeClr val="accent1"/>
+          </a:fillRef>
+          <a:effectRef idx="0">
+            <a:schemeClr val="accent1"/>
+          </a:effectRef>
+          <a:fontRef idx="minor">
+            <a:schemeClr val="tx1"/>
+          </a:fontRef>
+        </p:style>
+      </p:cxnSp>
+      <p:sp>
+        <p:nvSpPr>
+          <p:cNvPr id="124" name="모서리가 둥근 직사각형 123"/>
+          <p:cNvSpPr/>
+          <p:nvPr/>
+        </p:nvSpPr>
+        <p:spPr>
+          <a:xfrm>
+            <a:off x="4753629" y="4371894"/>
+            <a:ext cx="1186896" cy="347739"/>
+          </a:xfrm>
+          <a:prstGeom prst="roundRect">
+            <a:avLst/>
+          </a:prstGeom>
+          <a:ln>
+            <a:headEnd type="none" w="med" len="med"/>
+            <a:tailEnd type="none" w="med" len="med"/>
+          </a:ln>
+        </p:spPr>
+        <p:style>
+          <a:lnRef idx="2">
+            <a:schemeClr val="accent3"/>
+          </a:lnRef>
+          <a:fillRef idx="1">
+            <a:schemeClr val="lt1"/>
+          </a:fillRef>
+          <a:effectRef idx="0">
+            <a:schemeClr val="accent3"/>
+          </a:effectRef>
+          <a:fontRef idx="minor">
+            <a:schemeClr val="dk1"/>
+          </a:fontRef>
+        </p:style>
+        <p:txBody>
+          <a:bodyPr rtlCol="0" anchor="ctr"/>
+          <a:lstStyle/>
+          <a:p>
+            <a:pPr algn="ctr"/>
+            <a:r>
+              <a:rPr lang="en-US" altLang="ko-KR" dirty="0" smtClean="0"/>
+              <a:t>Compute</a:t>
+            </a:r>
+            <a:endParaRPr lang="ko-KR" altLang="en-US" dirty="0"/>
+          </a:p>
+        </p:txBody>
+      </p:sp>
+      <p:sp>
+        <p:nvSpPr>
+          <p:cNvPr id="139" name="모서리가 둥근 직사각형 138"/>
+          <p:cNvSpPr/>
+          <p:nvPr/>
+        </p:nvSpPr>
+        <p:spPr>
+          <a:xfrm>
+            <a:off x="8643494" y="5367391"/>
+            <a:ext cx="1186896" cy="347739"/>
+          </a:xfrm>
+          <a:prstGeom prst="roundRect">
+            <a:avLst/>
+          </a:prstGeom>
+          <a:ln>
+            <a:headEnd type="none" w="med" len="med"/>
+            <a:tailEnd type="none" w="med" len="med"/>
+          </a:ln>
+        </p:spPr>
+        <p:style>
+          <a:lnRef idx="2">
+            <a:schemeClr val="accent3"/>
+          </a:lnRef>
+          <a:fillRef idx="1">
+            <a:schemeClr val="lt1"/>
+          </a:fillRef>
+          <a:effectRef idx="0">
+            <a:schemeClr val="accent3"/>
+          </a:effectRef>
+          <a:fontRef idx="minor">
+            <a:schemeClr val="dk1"/>
+          </a:fontRef>
+        </p:style>
+        <p:txBody>
+          <a:bodyPr rtlCol="0" anchor="ctr"/>
+          <a:lstStyle/>
+          <a:p>
+            <a:pPr algn="ctr"/>
+            <a:r>
+              <a:rPr lang="en-US" altLang="ko-KR" dirty="0" smtClean="0"/>
+              <a:t>Success</a:t>
+            </a:r>
+            <a:endParaRPr lang="ko-KR" altLang="en-US" dirty="0"/>
+          </a:p>
+        </p:txBody>
+      </p:sp>
+      <p:cxnSp>
+        <p:nvCxnSpPr>
+          <p:cNvPr id="140" name="구부러진 연결선 139"/>
+          <p:cNvCxnSpPr>
+            <a:stCxn id="124" idx="3"/>
+            <a:endCxn id="139" idx="1"/>
+          </p:cNvCxnSpPr>
+          <p:nvPr/>
+        </p:nvCxnSpPr>
+        <p:spPr>
+          <a:xfrm>
+            <a:off x="5940525" y="4545764"/>
+            <a:ext cx="2702969" cy="995497"/>
+          </a:xfrm>
+          <a:prstGeom prst="curvedConnector3">
+            <a:avLst/>
+          </a:prstGeom>
+          <a:ln>
+            <a:tailEnd type="triangle"/>
+          </a:ln>
+        </p:spPr>
+        <p:style>
+          <a:lnRef idx="1">
+            <a:schemeClr val="accent1"/>
+          </a:lnRef>
+          <a:fillRef idx="0">
+            <a:schemeClr val="accent1"/>
+          </a:fillRef>
+          <a:effectRef idx="0">
+            <a:schemeClr val="accent1"/>
+          </a:effectRef>
+          <a:fontRef idx="minor">
+            <a:schemeClr val="tx1"/>
+          </a:fontRef>
+        </p:style>
+      </p:cxnSp>
+      <p:sp>
+        <p:nvSpPr>
+          <p:cNvPr id="117" name="모서리가 둥근 직사각형 116"/>
+          <p:cNvSpPr/>
+          <p:nvPr/>
+        </p:nvSpPr>
+        <p:spPr>
+          <a:xfrm>
+            <a:off x="2631254" y="2842321"/>
+            <a:ext cx="2106360" cy="398692"/>
+          </a:xfrm>
+          <a:prstGeom prst="roundRect">
+            <a:avLst/>
+          </a:prstGeom>
+          <a:solidFill>
+            <a:srgbClr val="00B050"/>
+          </a:solidFill>
+          <a:ln>
+            <a:noFill/>
+          </a:ln>
+        </p:spPr>
+        <p:style>
+          <a:lnRef idx="0">
+            <a:scrgbClr r="0" g="0" b="0"/>
+          </a:lnRef>
+          <a:fillRef idx="0">
+            <a:scrgbClr r="0" g="0" b="0"/>
+          </a:fillRef>
+          <a:effectRef idx="0">
+            <a:scrgbClr r="0" g="0" b="0"/>
+          </a:effectRef>
+          <a:fontRef idx="minor">
+            <a:schemeClr val="lt1"/>
+          </a:fontRef>
+        </p:style>
+        <p:txBody>
+          <a:bodyPr rtlCol="0" anchor="ctr"/>
+          <a:lstStyle/>
+          <a:p>
+            <a:pPr marL="171450" indent="-171450">
+              <a:buFontTx/>
+              <a:buChar char="-"/>
+            </a:pPr>
+            <a:r>
+              <a:rPr lang="en-US" altLang="ko-KR" sz="1100" dirty="0" smtClean="0"/>
+              <a:t>Create </a:t>
+            </a:r>
+            <a:r>
+              <a:rPr lang="en-US" altLang="ko-KR" sz="1100" dirty="0" err="1" smtClean="0"/>
+              <a:t>PartitionListener</a:t>
+            </a:r>
+            <a:endParaRPr lang="en-US" altLang="ko-KR" sz="1100" dirty="0" smtClean="0"/>
+          </a:p>
+          <a:p>
+            <a:pPr marL="171450" indent="-171450">
+              <a:buFontTx/>
+              <a:buChar char="-"/>
+            </a:pPr>
+            <a:r>
+              <a:rPr lang="en-US" altLang="ko-KR" sz="1100" dirty="0" smtClean="0"/>
+              <a:t>Create </a:t>
+            </a:r>
+            <a:r>
+              <a:rPr lang="en-US" altLang="ko-KR" sz="1100" dirty="0" err="1" smtClean="0"/>
+              <a:t>Partitioner</a:t>
+            </a:r>
+            <a:r>
+              <a:rPr lang="en-US" altLang="ko-KR" sz="1100" dirty="0" smtClean="0"/>
+              <a:t> + Sorter</a:t>
+            </a:r>
+          </a:p>
+        </p:txBody>
+      </p:sp>
+      <p:sp>
+        <p:nvSpPr>
+          <p:cNvPr id="54" name="모서리가 둥근 직사각형 53"/>
+          <p:cNvSpPr/>
+          <p:nvPr/>
+        </p:nvSpPr>
+        <p:spPr>
+          <a:xfrm>
+            <a:off x="2850419" y="2629095"/>
+            <a:ext cx="1507182" cy="235585"/>
+          </a:xfrm>
+          <a:prstGeom prst="roundRect">
+            <a:avLst/>
+          </a:prstGeom>
+        </p:spPr>
+        <p:style>
+          <a:lnRef idx="1">
+            <a:schemeClr val="accent1"/>
+          </a:lnRef>
+          <a:fillRef idx="2">
+            <a:schemeClr val="accent1"/>
+          </a:fillRef>
+          <a:effectRef idx="1">
+            <a:schemeClr val="accent1"/>
+          </a:effectRef>
+          <a:fontRef idx="minor">
+            <a:schemeClr val="dk1"/>
+          </a:fontRef>
+        </p:style>
+        <p:txBody>
+          <a:bodyPr rtlCol="0" anchor="ctr"/>
+          <a:lstStyle/>
+          <a:p>
+            <a:pPr algn="ctr"/>
+            <a:r>
+              <a:rPr lang="en-US" altLang="ko-KR" sz="1100" dirty="0" err="1" smtClean="0"/>
+              <a:t>SlavesInfoMsg</a:t>
+            </a:r>
+            <a:endParaRPr lang="ko-KR" altLang="en-US" sz="1100" dirty="0"/>
+          </a:p>
+        </p:txBody>
+      </p:sp>
+      <p:sp>
+        <p:nvSpPr>
+          <p:cNvPr id="69" name="모서리가 둥근 직사각형 68"/>
+          <p:cNvSpPr/>
+          <p:nvPr/>
+        </p:nvSpPr>
+        <p:spPr>
+          <a:xfrm>
+            <a:off x="6184982" y="1514645"/>
+            <a:ext cx="2106360" cy="266762"/>
+          </a:xfrm>
+          <a:prstGeom prst="roundRect">
+            <a:avLst/>
+          </a:prstGeom>
+          <a:solidFill>
+            <a:srgbClr val="00B050"/>
+          </a:solidFill>
+          <a:ln>
+            <a:noFill/>
+          </a:ln>
+        </p:spPr>
+        <p:style>
+          <a:lnRef idx="0">
+            <a:scrgbClr r="0" g="0" b="0"/>
+          </a:lnRef>
+          <a:fillRef idx="0">
+            <a:scrgbClr r="0" g="0" b="0"/>
+          </a:fillRef>
+          <a:effectRef idx="0">
+            <a:scrgbClr r="0" g="0" b="0"/>
+          </a:effectRef>
+          <a:fontRef idx="minor">
+            <a:schemeClr val="lt1"/>
+          </a:fontRef>
+        </p:style>
+        <p:txBody>
+          <a:bodyPr rtlCol="0" anchor="ctr"/>
+          <a:lstStyle/>
+          <a:p>
+            <a:pPr marL="171450" indent="-171450">
+              <a:buFontTx/>
+              <a:buChar char="-"/>
+            </a:pPr>
+            <a:r>
+              <a:rPr lang="en-US" altLang="ko-KR" sz="1100" dirty="0" smtClean="0"/>
+              <a:t>Send </a:t>
+            </a:r>
+            <a:r>
+              <a:rPr lang="en-US" altLang="ko-KR" sz="1100" dirty="0" err="1" smtClean="0"/>
+              <a:t>FileInfoMessage</a:t>
+            </a:r>
+            <a:endParaRPr lang="en-US" altLang="ko-KR" sz="1100" dirty="0" smtClean="0"/>
+          </a:p>
+        </p:txBody>
+      </p:sp>
+      <p:sp>
+        <p:nvSpPr>
+          <p:cNvPr id="67" name="모서리가 둥근 직사각형 66"/>
+          <p:cNvSpPr/>
+          <p:nvPr/>
+        </p:nvSpPr>
+        <p:spPr>
+          <a:xfrm>
+            <a:off x="6404147" y="1317240"/>
+            <a:ext cx="1507182" cy="229231"/>
+          </a:xfrm>
+          <a:prstGeom prst="roundRect">
+            <a:avLst/>
+          </a:prstGeom>
+        </p:spPr>
+        <p:style>
+          <a:lnRef idx="1">
+            <a:schemeClr val="accent6"/>
+          </a:lnRef>
+          <a:fillRef idx="2">
+            <a:schemeClr val="accent6"/>
+          </a:fillRef>
+          <a:effectRef idx="1">
+            <a:schemeClr val="accent6"/>
+          </a:effectRef>
+          <a:fontRef idx="minor">
+            <a:schemeClr val="dk1"/>
+          </a:fontRef>
+        </p:style>
+        <p:txBody>
+          <a:bodyPr rtlCol="0" anchor="ctr"/>
+          <a:lstStyle/>
+          <a:p>
+            <a:pPr algn="ctr"/>
+            <a:r>
+              <a:rPr lang="en-US" altLang="ko-KR" sz="1100" dirty="0" err="1" smtClean="0"/>
+              <a:t>PartitionDoneMsg</a:t>
+            </a:r>
+            <a:endParaRPr lang="ko-KR" altLang="en-US" sz="1100" dirty="0"/>
+          </a:p>
+        </p:txBody>
+      </p:sp>
+      <p:sp>
+        <p:nvSpPr>
+          <p:cNvPr id="78" name="모서리가 둥근 직사각형 77"/>
+          <p:cNvSpPr/>
+          <p:nvPr/>
+        </p:nvSpPr>
+        <p:spPr>
+          <a:xfrm>
+            <a:off x="6184982" y="2538425"/>
+            <a:ext cx="2366958" cy="431550"/>
+          </a:xfrm>
+          <a:prstGeom prst="roundRect">
+            <a:avLst/>
+          </a:prstGeom>
+          <a:solidFill>
+            <a:srgbClr val="00B050"/>
+          </a:solidFill>
+          <a:ln>
+            <a:noFill/>
+          </a:ln>
+        </p:spPr>
+        <p:style>
+          <a:lnRef idx="0">
+            <a:scrgbClr r="0" g="0" b="0"/>
+          </a:lnRef>
+          <a:fillRef idx="0">
+            <a:scrgbClr r="0" g="0" b="0"/>
+          </a:fillRef>
+          <a:effectRef idx="0">
+            <a:scrgbClr r="0" g="0" b="0"/>
+          </a:effectRef>
+          <a:fontRef idx="minor">
+            <a:schemeClr val="lt1"/>
+          </a:fontRef>
+        </p:style>
+        <p:txBody>
+          <a:bodyPr rtlCol="0" anchor="ctr"/>
+          <a:lstStyle/>
+          <a:p>
+            <a:pPr marL="171450" indent="-171450">
+              <a:buFontTx/>
+              <a:buChar char="-"/>
+            </a:pPr>
+            <a:r>
+              <a:rPr lang="en-US" altLang="ko-KR" sz="1100" dirty="0" smtClean="0"/>
+              <a:t>Save file names</a:t>
+            </a:r>
+          </a:p>
+          <a:p>
+            <a:pPr marL="171450" indent="-171450">
+              <a:buFontTx/>
+              <a:buChar char="-"/>
+            </a:pPr>
+            <a:r>
+              <a:rPr lang="en-US" altLang="ko-KR" sz="1100" dirty="0" smtClean="0"/>
+              <a:t>Create </a:t>
+            </a:r>
+            <a:r>
+              <a:rPr lang="en-US" altLang="ko-KR" sz="1100" dirty="0" err="1" smtClean="0"/>
+              <a:t>FileRequestClient</a:t>
+            </a:r>
+            <a:endParaRPr lang="en-US" altLang="ko-KR" sz="1100" dirty="0" smtClean="0"/>
+          </a:p>
+        </p:txBody>
+      </p:sp>
+      <p:sp>
+        <p:nvSpPr>
+          <p:cNvPr id="77" name="모서리가 둥근 직사각형 76"/>
+          <p:cNvSpPr/>
+          <p:nvPr/>
+        </p:nvSpPr>
+        <p:spPr>
+          <a:xfrm>
+            <a:off x="6340098" y="2353624"/>
+            <a:ext cx="1796130" cy="221108"/>
+          </a:xfrm>
+          <a:prstGeom prst="roundRect">
+            <a:avLst/>
+          </a:prstGeom>
+        </p:spPr>
+        <p:style>
+          <a:lnRef idx="1">
+            <a:schemeClr val="accent2"/>
+          </a:lnRef>
+          <a:fillRef idx="2">
+            <a:schemeClr val="accent2"/>
+          </a:fillRef>
+          <a:effectRef idx="1">
+            <a:schemeClr val="accent2"/>
+          </a:effectRef>
+          <a:fontRef idx="minor">
+            <a:schemeClr val="dk1"/>
+          </a:fontRef>
+        </p:style>
+        <p:txBody>
+          <a:bodyPr rtlCol="0" anchor="ctr"/>
+          <a:lstStyle/>
+          <a:p>
+            <a:pPr algn="ctr"/>
+            <a:r>
+              <a:rPr lang="en-US" altLang="ko-KR" sz="1100" dirty="0" err="1" smtClean="0"/>
+              <a:t>FileInfoMsg</a:t>
+            </a:r>
+            <a:endParaRPr lang="ko-KR" altLang="en-US" sz="1100" dirty="0"/>
+          </a:p>
+        </p:txBody>
+      </p:sp>
+      <p:sp>
+        <p:nvSpPr>
+          <p:cNvPr id="79" name="모서리가 둥근 직사각형 78"/>
+          <p:cNvSpPr/>
+          <p:nvPr/>
+        </p:nvSpPr>
+        <p:spPr>
+          <a:xfrm>
+            <a:off x="4252816" y="4768116"/>
+            <a:ext cx="2201222" cy="707277"/>
+          </a:xfrm>
+          <a:prstGeom prst="roundRect">
+            <a:avLst/>
+          </a:prstGeom>
+          <a:solidFill>
+            <a:schemeClr val="accent3"/>
+          </a:solidFill>
+          <a:ln>
+            <a:noFill/>
+          </a:ln>
+        </p:spPr>
+        <p:style>
+          <a:lnRef idx="0">
+            <a:scrgbClr r="0" g="0" b="0"/>
+          </a:lnRef>
+          <a:fillRef idx="0">
+            <a:scrgbClr r="0" g="0" b="0"/>
+          </a:fillRef>
+          <a:effectRef idx="0">
+            <a:scrgbClr r="0" g="0" b="0"/>
+          </a:effectRef>
+          <a:fontRef idx="minor">
+            <a:schemeClr val="lt1"/>
+          </a:fontRef>
+        </p:style>
+        <p:txBody>
+          <a:bodyPr rtlCol="0" anchor="ctr"/>
+          <a:lstStyle/>
+          <a:p>
+            <a:pPr algn="ctr"/>
+            <a:r>
+              <a:rPr lang="en-US" altLang="ko-KR" sz="1100" dirty="0" err="1" smtClean="0"/>
+              <a:t>requestNotFinished</a:t>
+            </a:r>
+            <a:r>
+              <a:rPr lang="en-US" altLang="ko-KR" sz="1100" dirty="0" smtClean="0"/>
+              <a:t>: </a:t>
+            </a:r>
+            <a:r>
+              <a:rPr lang="en-US" altLang="ko-KR" sz="1100" dirty="0" err="1" smtClean="0"/>
+              <a:t>mutable.Set</a:t>
+            </a:r>
+            <a:r>
+              <a:rPr lang="en-US" altLang="ko-KR" sz="1100" dirty="0" smtClean="0"/>
+              <a:t>[String</a:t>
+            </a:r>
+            <a:r>
+              <a:rPr lang="en-US" altLang="ko-KR" sz="1100" dirty="0" smtClean="0"/>
+              <a:t>]</a:t>
+            </a:r>
+          </a:p>
+          <a:p>
+            <a:pPr algn="ctr"/>
+            <a:r>
+              <a:rPr lang="en-US" altLang="ko-KR" sz="1100" dirty="0" err="1" smtClean="0"/>
+              <a:t>mergeFinished</a:t>
+            </a:r>
+            <a:r>
+              <a:rPr lang="en-US" altLang="ko-KR" sz="1100" dirty="0" smtClean="0"/>
+              <a:t>: Boolean</a:t>
+            </a:r>
+            <a:endParaRPr lang="en-US" altLang="ko-KR" sz="1100" dirty="0" smtClean="0"/>
+          </a:p>
+        </p:txBody>
+      </p:sp>
+      <p:sp>
+        <p:nvSpPr>
+          <p:cNvPr id="80" name="모서리가 둥근 직사각형 79"/>
+          <p:cNvSpPr/>
+          <p:nvPr/>
+        </p:nvSpPr>
+        <p:spPr>
+          <a:xfrm>
+            <a:off x="4237162" y="5490780"/>
+            <a:ext cx="2216876" cy="616541"/>
+          </a:xfrm>
+          <a:prstGeom prst="roundRect">
+            <a:avLst/>
+          </a:prstGeom>
+          <a:solidFill>
+            <a:schemeClr val="accent6">
+              <a:lumMod val="75000"/>
+            </a:schemeClr>
+          </a:solidFill>
+          <a:ln/>
+        </p:spPr>
+        <p:style>
+          <a:lnRef idx="3">
+            <a:schemeClr val="lt1"/>
+          </a:lnRef>
+          <a:fillRef idx="1">
+            <a:schemeClr val="accent1"/>
+          </a:fillRef>
+          <a:effectRef idx="1">
+            <a:schemeClr val="accent1"/>
+          </a:effectRef>
+          <a:fontRef idx="minor">
+            <a:schemeClr val="lt1"/>
+          </a:fontRef>
+        </p:style>
+        <p:txBody>
+          <a:bodyPr rtlCol="0" anchor="ctr"/>
+          <a:lstStyle/>
+          <a:p>
+            <a:pPr algn="ctr"/>
+            <a:r>
+              <a:rPr lang="en-US" altLang="ko-KR" sz="1100" dirty="0" err="1" smtClean="0"/>
+              <a:t>mergeFinished</a:t>
+            </a:r>
+            <a:r>
+              <a:rPr lang="en-US" altLang="ko-KR" sz="1100" dirty="0" smtClean="0"/>
+              <a:t> = </a:t>
+            </a:r>
+            <a:r>
+              <a:rPr lang="en-US" altLang="ko-KR" sz="1100" dirty="0" smtClean="0"/>
+              <a:t>False</a:t>
+            </a:r>
+          </a:p>
+          <a:p>
+            <a:pPr algn="ctr"/>
+            <a:r>
+              <a:rPr lang="en-US" altLang="ko-KR" sz="1100" dirty="0" err="1" smtClean="0"/>
+              <a:t>requestNotFinished</a:t>
+            </a:r>
+            <a:r>
+              <a:rPr lang="en-US" altLang="ko-KR" sz="1100" dirty="0" smtClean="0"/>
+              <a:t> = </a:t>
+            </a:r>
+          </a:p>
+          <a:p>
+            <a:pPr algn="ctr"/>
+            <a:r>
+              <a:rPr lang="en-US" altLang="ko-KR" sz="1100" dirty="0" err="1" smtClean="0"/>
+              <a:t>slaveIP</a:t>
+            </a:r>
+            <a:r>
+              <a:rPr lang="en-US" altLang="ko-KR" sz="1100" dirty="0" smtClean="0"/>
+              <a:t> - { </a:t>
+            </a:r>
+            <a:r>
+              <a:rPr lang="en-US" altLang="ko-KR" sz="1100" dirty="0" err="1" smtClean="0"/>
+              <a:t>myIP</a:t>
+            </a:r>
+            <a:r>
+              <a:rPr lang="en-US" altLang="ko-KR" sz="1100" dirty="0" smtClean="0"/>
+              <a:t> }</a:t>
+            </a:r>
+            <a:endParaRPr lang="en-US" altLang="ko-KR" sz="1100" dirty="0" smtClean="0"/>
+          </a:p>
+        </p:txBody>
+      </p:sp>
+      <p:sp>
+        <p:nvSpPr>
+          <p:cNvPr id="85" name="모서리가 둥근 직사각형 84"/>
+          <p:cNvSpPr/>
+          <p:nvPr/>
+        </p:nvSpPr>
+        <p:spPr>
+          <a:xfrm>
+            <a:off x="9683638" y="4671218"/>
+            <a:ext cx="2076392" cy="263393"/>
+          </a:xfrm>
+          <a:prstGeom prst="roundRect">
+            <a:avLst/>
+          </a:prstGeom>
+          <a:solidFill>
+            <a:srgbClr val="00B050"/>
+          </a:solidFill>
+          <a:ln>
+            <a:noFill/>
+          </a:ln>
+        </p:spPr>
+        <p:style>
+          <a:lnRef idx="0">
+            <a:scrgbClr r="0" g="0" b="0"/>
+          </a:lnRef>
+          <a:fillRef idx="0">
+            <a:scrgbClr r="0" g="0" b="0"/>
+          </a:fillRef>
+          <a:effectRef idx="0">
+            <a:scrgbClr r="0" g="0" b="0"/>
+          </a:effectRef>
+          <a:fontRef idx="minor">
+            <a:schemeClr val="lt1"/>
+          </a:fontRef>
+        </p:style>
+        <p:txBody>
+          <a:bodyPr rtlCol="0" anchor="ctr"/>
+          <a:lstStyle/>
+          <a:p>
+            <a:pPr marL="171450" indent="-171450">
+              <a:buFontTx/>
+              <a:buChar char="-"/>
+            </a:pPr>
+            <a:r>
+              <a:rPr lang="en-US" altLang="ko-KR" sz="1100" dirty="0" smtClean="0"/>
+              <a:t>Terminate</a:t>
+            </a:r>
+          </a:p>
+        </p:txBody>
+      </p:sp>
+      <p:sp>
+        <p:nvSpPr>
+          <p:cNvPr id="83" name="모서리가 둥근 직사각형 82"/>
+          <p:cNvSpPr/>
+          <p:nvPr/>
+        </p:nvSpPr>
+        <p:spPr>
+          <a:xfrm>
+            <a:off x="9838756" y="4453961"/>
+            <a:ext cx="1796130" cy="231913"/>
+          </a:xfrm>
+          <a:prstGeom prst="roundRect">
+            <a:avLst/>
+          </a:prstGeom>
+        </p:spPr>
+        <p:style>
+          <a:lnRef idx="1">
+            <a:schemeClr val="dk1"/>
+          </a:lnRef>
+          <a:fillRef idx="2">
+            <a:schemeClr val="dk1"/>
+          </a:fillRef>
+          <a:effectRef idx="1">
+            <a:schemeClr val="dk1"/>
+          </a:effectRef>
+          <a:fontRef idx="minor">
+            <a:schemeClr val="dk1"/>
+          </a:fontRef>
+        </p:style>
+        <p:txBody>
+          <a:bodyPr rtlCol="0" anchor="ctr"/>
+          <a:lstStyle/>
+          <a:p>
+            <a:pPr algn="ctr"/>
+            <a:r>
+              <a:rPr lang="en-US" altLang="ko-KR" sz="1100" dirty="0" err="1" smtClean="0"/>
+              <a:t>TerminateMsg</a:t>
+            </a:r>
+            <a:endParaRPr lang="ko-KR" altLang="en-US" sz="1100" dirty="0"/>
+          </a:p>
+        </p:txBody>
+      </p:sp>
+      <p:sp>
+        <p:nvSpPr>
+          <p:cNvPr id="90" name="모서리가 둥근 직사각형 89"/>
+          <p:cNvSpPr/>
+          <p:nvPr/>
+        </p:nvSpPr>
+        <p:spPr>
+          <a:xfrm>
+            <a:off x="6678627" y="4961984"/>
+            <a:ext cx="2444352" cy="284934"/>
+          </a:xfrm>
+          <a:prstGeom prst="roundRect">
+            <a:avLst/>
+          </a:prstGeom>
+          <a:solidFill>
+            <a:srgbClr val="00B050"/>
+          </a:solidFill>
+          <a:ln>
+            <a:noFill/>
+          </a:ln>
+        </p:spPr>
+        <p:style>
+          <a:lnRef idx="0">
+            <a:scrgbClr r="0" g="0" b="0"/>
+          </a:lnRef>
+          <a:fillRef idx="0">
+            <a:scrgbClr r="0" g="0" b="0"/>
+          </a:fillRef>
+          <a:effectRef idx="0">
+            <a:scrgbClr r="0" g="0" b="0"/>
+          </a:effectRef>
+          <a:fontRef idx="minor">
+            <a:schemeClr val="lt1"/>
+          </a:fontRef>
+        </p:style>
+        <p:txBody>
+          <a:bodyPr rtlCol="0" anchor="ctr"/>
+          <a:lstStyle/>
+          <a:p>
+            <a:pPr marL="171450" indent="-171450">
+              <a:buFontTx/>
+              <a:buChar char="-"/>
+            </a:pPr>
+            <a:r>
+              <a:rPr lang="en-US" altLang="ko-KR" sz="1100" dirty="0" smtClean="0"/>
+              <a:t>Send </a:t>
+            </a:r>
+            <a:r>
+              <a:rPr lang="en-US" altLang="ko-KR" sz="1100" dirty="0" err="1" smtClean="0"/>
+              <a:t>DoneMessage</a:t>
+            </a:r>
+            <a:r>
+              <a:rPr lang="en-US" altLang="ko-KR" sz="1100" dirty="0" smtClean="0"/>
+              <a:t> to Master</a:t>
+            </a:r>
+          </a:p>
+        </p:txBody>
+      </p:sp>
+      <p:cxnSp>
+        <p:nvCxnSpPr>
+          <p:cNvPr id="30" name="구부러진 연결선 29"/>
+          <p:cNvCxnSpPr>
+            <a:stCxn id="58" idx="1"/>
+            <a:endCxn id="38" idx="1"/>
+          </p:cNvCxnSpPr>
+          <p:nvPr/>
+        </p:nvCxnSpPr>
+        <p:spPr>
+          <a:xfrm rot="10800000" flipV="1">
+            <a:off x="1091533" y="1614460"/>
+            <a:ext cx="600634" cy="2641581"/>
+          </a:xfrm>
+          <a:prstGeom prst="curvedConnector3">
+            <a:avLst>
+              <a:gd name="adj1" fmla="val 138060"/>
+            </a:avLst>
+          </a:prstGeom>
+          <a:ln>
+            <a:tailEnd type="triangle"/>
+          </a:ln>
+        </p:spPr>
+        <p:style>
+          <a:lnRef idx="1">
+            <a:schemeClr val="accent1"/>
+          </a:lnRef>
+          <a:fillRef idx="0">
+            <a:schemeClr val="accent1"/>
+          </a:fillRef>
+          <a:effectRef idx="0">
+            <a:schemeClr val="accent1"/>
+          </a:effectRef>
+          <a:fontRef idx="minor">
+            <a:schemeClr val="tx1"/>
+          </a:fontRef>
+        </p:style>
+      </p:cxnSp>
+      <p:sp>
+        <p:nvSpPr>
+          <p:cNvPr id="35" name="모서리가 둥근 직사각형 34"/>
+          <p:cNvSpPr/>
+          <p:nvPr/>
+        </p:nvSpPr>
+        <p:spPr>
+          <a:xfrm>
+            <a:off x="303701" y="2728556"/>
+            <a:ext cx="1507182" cy="272247"/>
+          </a:xfrm>
+          <a:prstGeom prst="roundRect">
+            <a:avLst/>
+          </a:prstGeom>
+        </p:spPr>
+        <p:style>
+          <a:lnRef idx="1">
+            <a:schemeClr val="accent3"/>
+          </a:lnRef>
+          <a:fillRef idx="2">
+            <a:schemeClr val="accent3"/>
+          </a:fillRef>
+          <a:effectRef idx="1">
+            <a:schemeClr val="accent3"/>
+          </a:effectRef>
+          <a:fontRef idx="minor">
+            <a:schemeClr val="dk1"/>
+          </a:fontRef>
+        </p:style>
+        <p:txBody>
+          <a:bodyPr rtlCol="0" anchor="ctr"/>
+          <a:lstStyle/>
+          <a:p>
+            <a:pPr algn="ctr"/>
+            <a:r>
+              <a:rPr lang="en-US" altLang="ko-KR" sz="1100" dirty="0" err="1" smtClean="0"/>
+              <a:t>SlavesFullMsg</a:t>
+            </a:r>
+            <a:endParaRPr lang="ko-KR" altLang="en-US" sz="1100" dirty="0"/>
+          </a:p>
+        </p:txBody>
+      </p:sp>
+      <p:sp>
+        <p:nvSpPr>
+          <p:cNvPr id="38" name="모서리가 둥근 직사각형 37"/>
+          <p:cNvSpPr/>
+          <p:nvPr/>
+        </p:nvSpPr>
+        <p:spPr>
+          <a:xfrm>
+            <a:off x="1091533" y="4082172"/>
+            <a:ext cx="1201268" cy="347739"/>
+          </a:xfrm>
+          <a:prstGeom prst="roundRect">
+            <a:avLst/>
+          </a:prstGeom>
+          <a:ln>
+            <a:headEnd type="none" w="med" len="med"/>
+            <a:tailEnd type="none" w="med" len="med"/>
+          </a:ln>
+        </p:spPr>
+        <p:style>
+          <a:lnRef idx="2">
+            <a:schemeClr val="accent3"/>
+          </a:lnRef>
+          <a:fillRef idx="1">
+            <a:schemeClr val="lt1"/>
+          </a:fillRef>
+          <a:effectRef idx="0">
+            <a:schemeClr val="accent3"/>
+          </a:effectRef>
+          <a:fontRef idx="minor">
+            <a:schemeClr val="dk1"/>
+          </a:fontRef>
+        </p:style>
+        <p:txBody>
+          <a:bodyPr rtlCol="0" anchor="ctr"/>
+          <a:lstStyle/>
+          <a:p>
+            <a:pPr algn="ctr"/>
+            <a:r>
+              <a:rPr lang="en-US" altLang="ko-KR" dirty="0" smtClean="0"/>
+              <a:t>Failure</a:t>
+            </a:r>
+            <a:endParaRPr lang="ko-KR" altLang="en-US" dirty="0"/>
+          </a:p>
+        </p:txBody>
+      </p:sp>
+      <p:sp>
+        <p:nvSpPr>
+          <p:cNvPr id="39" name="모서리가 둥근 직사각형 38"/>
+          <p:cNvSpPr/>
+          <p:nvPr/>
+        </p:nvSpPr>
+        <p:spPr>
+          <a:xfrm>
+            <a:off x="850910" y="4460016"/>
+            <a:ext cx="1682513" cy="275808"/>
+          </a:xfrm>
+          <a:prstGeom prst="roundRect">
+            <a:avLst/>
+          </a:prstGeom>
+          <a:solidFill>
+            <a:schemeClr val="accent6">
+              <a:lumMod val="75000"/>
+            </a:schemeClr>
+          </a:solidFill>
+          <a:ln/>
+        </p:spPr>
+        <p:style>
+          <a:lnRef idx="3">
+            <a:schemeClr val="lt1"/>
+          </a:lnRef>
+          <a:fillRef idx="1">
+            <a:schemeClr val="accent1"/>
+          </a:fillRef>
+          <a:effectRef idx="1">
+            <a:schemeClr val="accent1"/>
+          </a:effectRef>
+          <a:fontRef idx="minor">
+            <a:schemeClr val="lt1"/>
+          </a:fontRef>
+        </p:style>
+        <p:txBody>
+          <a:bodyPr rtlCol="0" anchor="ctr"/>
+          <a:lstStyle/>
+          <a:p>
+            <a:pPr algn="ctr"/>
+            <a:r>
+              <a:rPr lang="en-US" altLang="ko-KR" sz="1100" dirty="0" smtClean="0"/>
+              <a:t>Close all channels</a:t>
+            </a:r>
+          </a:p>
+        </p:txBody>
+      </p:sp>
+      <p:sp>
+        <p:nvSpPr>
+          <p:cNvPr id="31" name="모서리가 둥근 직사각형 30"/>
+          <p:cNvSpPr/>
+          <p:nvPr/>
+        </p:nvSpPr>
+        <p:spPr>
+          <a:xfrm>
+            <a:off x="6712867" y="4735824"/>
+            <a:ext cx="1507182" cy="258859"/>
+          </a:xfrm>
+          <a:prstGeom prst="roundRect">
+            <a:avLst/>
+          </a:prstGeom>
+        </p:spPr>
+        <p:style>
+          <a:lnRef idx="1">
+            <a:schemeClr val="accent5"/>
+          </a:lnRef>
+          <a:fillRef idx="2">
+            <a:schemeClr val="accent5"/>
+          </a:fillRef>
+          <a:effectRef idx="1">
+            <a:schemeClr val="accent5"/>
+          </a:effectRef>
+          <a:fontRef idx="minor">
+            <a:schemeClr val="dk1"/>
+          </a:fontRef>
+        </p:style>
+        <p:txBody>
+          <a:bodyPr rtlCol="0" anchor="ctr"/>
+          <a:lstStyle/>
+          <a:p>
+            <a:pPr algn="ctr"/>
+            <a:r>
+              <a:rPr lang="en-US" altLang="ko-KR" sz="1100" dirty="0" err="1" smtClean="0"/>
+              <a:t>Merge</a:t>
+            </a:r>
+            <a:r>
+              <a:rPr lang="en-US" altLang="ko-KR" sz="1100" dirty="0" err="1" smtClean="0"/>
+              <a:t>DoneMsg</a:t>
+            </a:r>
+            <a:endParaRPr lang="ko-KR" altLang="en-US" sz="1100" dirty="0"/>
+          </a:p>
+        </p:txBody>
+      </p:sp>
+      <p:sp>
+        <p:nvSpPr>
+          <p:cNvPr id="33" name="모서리가 둥근 직사각형 32"/>
+          <p:cNvSpPr/>
+          <p:nvPr/>
+        </p:nvSpPr>
+        <p:spPr>
+          <a:xfrm>
+            <a:off x="6175545" y="3569124"/>
+            <a:ext cx="2557846" cy="397037"/>
+          </a:xfrm>
+          <a:prstGeom prst="roundRect">
+            <a:avLst/>
+          </a:prstGeom>
+          <a:solidFill>
+            <a:schemeClr val="accent4">
+              <a:lumMod val="75000"/>
+            </a:schemeClr>
+          </a:solidFill>
+          <a:ln>
+            <a:noFill/>
+          </a:ln>
+        </p:spPr>
+        <p:style>
+          <a:lnRef idx="0">
+            <a:scrgbClr r="0" g="0" b="0"/>
+          </a:lnRef>
+          <a:fillRef idx="0">
+            <a:scrgbClr r="0" g="0" b="0"/>
+          </a:fillRef>
+          <a:effectRef idx="0">
+            <a:scrgbClr r="0" g="0" b="0"/>
+          </a:effectRef>
+          <a:fontRef idx="minor">
+            <a:schemeClr val="lt1"/>
+          </a:fontRef>
+        </p:style>
+        <p:txBody>
+          <a:bodyPr rtlCol="0" anchor="ctr"/>
+          <a:lstStyle/>
+          <a:p>
+            <a:pPr algn="ctr"/>
+            <a:r>
+              <a:rPr lang="en-US" altLang="ko-KR" sz="1100" dirty="0" err="1" smtClean="0"/>
+              <a:t>partitionFinished</a:t>
+            </a:r>
+            <a:r>
+              <a:rPr lang="en-US" altLang="ko-KR" sz="1100" dirty="0" smtClean="0"/>
+              <a:t> &amp; </a:t>
+            </a:r>
+            <a:r>
+              <a:rPr lang="en-US" altLang="ko-KR" sz="1100" dirty="0" err="1" smtClean="0"/>
+              <a:t>requestNotFinished.isEmpty</a:t>
+            </a:r>
+            <a:endParaRPr lang="en-US" altLang="ko-KR" sz="1100" dirty="0" smtClean="0"/>
+          </a:p>
+        </p:txBody>
+      </p:sp>
+      <p:sp>
+        <p:nvSpPr>
+          <p:cNvPr id="84" name="모서리가 둥근 직사각형 83"/>
+          <p:cNvSpPr/>
+          <p:nvPr/>
+        </p:nvSpPr>
+        <p:spPr>
+          <a:xfrm>
+            <a:off x="6184982" y="3326100"/>
+            <a:ext cx="2548409" cy="263393"/>
+          </a:xfrm>
+          <a:prstGeom prst="roundRect">
+            <a:avLst/>
+          </a:prstGeom>
+          <a:solidFill>
+            <a:srgbClr val="00B050"/>
+          </a:solidFill>
+          <a:ln>
+            <a:noFill/>
+          </a:ln>
+        </p:spPr>
+        <p:style>
+          <a:lnRef idx="0">
+            <a:scrgbClr r="0" g="0" b="0"/>
+          </a:lnRef>
+          <a:fillRef idx="0">
+            <a:scrgbClr r="0" g="0" b="0"/>
+          </a:fillRef>
+          <a:effectRef idx="0">
+            <a:scrgbClr r="0" g="0" b="0"/>
+          </a:effectRef>
+          <a:fontRef idx="minor">
+            <a:schemeClr val="lt1"/>
+          </a:fontRef>
+        </p:style>
+        <p:txBody>
+          <a:bodyPr rtlCol="0" anchor="ctr"/>
+          <a:lstStyle/>
+          <a:p>
+            <a:pPr marL="171450" indent="-171450">
+              <a:buFontTx/>
+              <a:buChar char="-"/>
+            </a:pPr>
+            <a:r>
+              <a:rPr lang="en-US" altLang="ko-KR" sz="1100" dirty="0" smtClean="0"/>
+              <a:t>Remove from </a:t>
+            </a:r>
+            <a:r>
+              <a:rPr lang="en-US" altLang="ko-KR" sz="1100" dirty="0" err="1" smtClean="0"/>
+              <a:t>requestNotFinished</a:t>
+            </a:r>
+            <a:endParaRPr lang="en-US" altLang="ko-KR" sz="1100" dirty="0" smtClean="0"/>
+          </a:p>
+        </p:txBody>
+      </p:sp>
+      <p:sp>
+        <p:nvSpPr>
+          <p:cNvPr id="82" name="모서리가 둥근 직사각형 81"/>
+          <p:cNvSpPr/>
+          <p:nvPr/>
+        </p:nvSpPr>
+        <p:spPr>
+          <a:xfrm>
+            <a:off x="6351921" y="3131516"/>
+            <a:ext cx="1796130" cy="231914"/>
+          </a:xfrm>
+          <a:prstGeom prst="roundRect">
+            <a:avLst/>
+          </a:prstGeom>
+        </p:spPr>
+        <p:style>
+          <a:lnRef idx="1">
+            <a:schemeClr val="accent4"/>
+          </a:lnRef>
+          <a:fillRef idx="2">
+            <a:schemeClr val="accent4"/>
+          </a:fillRef>
+          <a:effectRef idx="1">
+            <a:schemeClr val="accent4"/>
+          </a:effectRef>
+          <a:fontRef idx="minor">
+            <a:schemeClr val="dk1"/>
+          </a:fontRef>
+        </p:style>
+        <p:txBody>
+          <a:bodyPr rtlCol="0" anchor="ctr"/>
+          <a:lstStyle/>
+          <a:p>
+            <a:pPr algn="ctr"/>
+            <a:r>
+              <a:rPr lang="en-US" altLang="ko-KR" sz="1100" dirty="0" err="1" smtClean="0"/>
+              <a:t>FileRequestDoneMsg</a:t>
+            </a:r>
+            <a:endParaRPr lang="ko-KR" altLang="en-US" sz="1100" dirty="0"/>
+          </a:p>
+        </p:txBody>
+      </p:sp>
+      <p:sp>
+        <p:nvSpPr>
+          <p:cNvPr id="36" name="모서리가 둥근 직사각형 35"/>
+          <p:cNvSpPr/>
+          <p:nvPr/>
+        </p:nvSpPr>
+        <p:spPr>
+          <a:xfrm>
+            <a:off x="6194419" y="1982593"/>
+            <a:ext cx="2096923" cy="261490"/>
+          </a:xfrm>
+          <a:prstGeom prst="roundRect">
+            <a:avLst/>
+          </a:prstGeom>
+          <a:solidFill>
+            <a:srgbClr val="00B050"/>
+          </a:solidFill>
+          <a:ln>
+            <a:noFill/>
+          </a:ln>
+        </p:spPr>
+        <p:style>
+          <a:lnRef idx="0">
+            <a:scrgbClr r="0" g="0" b="0"/>
+          </a:lnRef>
+          <a:fillRef idx="0">
+            <a:scrgbClr r="0" g="0" b="0"/>
+          </a:fillRef>
+          <a:effectRef idx="0">
+            <a:scrgbClr r="0" g="0" b="0"/>
+          </a:effectRef>
+          <a:fontRef idx="minor">
+            <a:schemeClr val="lt1"/>
+          </a:fontRef>
+        </p:style>
+        <p:txBody>
+          <a:bodyPr rtlCol="0" anchor="ctr"/>
+          <a:lstStyle/>
+          <a:p>
+            <a:pPr marL="171450" indent="-171450">
+              <a:buFontTx/>
+              <a:buChar char="-"/>
+            </a:pPr>
+            <a:r>
+              <a:rPr lang="en-US" altLang="ko-KR" sz="1100" dirty="0" smtClean="0"/>
+              <a:t>Start Merger</a:t>
+            </a:r>
+            <a:endParaRPr lang="en-US" altLang="ko-KR" sz="1100" dirty="0" smtClean="0"/>
+          </a:p>
+        </p:txBody>
+      </p:sp>
+      <p:sp>
+        <p:nvSpPr>
+          <p:cNvPr id="40" name="모서리가 둥근 직사각형 39"/>
+          <p:cNvSpPr/>
+          <p:nvPr/>
+        </p:nvSpPr>
+        <p:spPr>
+          <a:xfrm>
+            <a:off x="6184982" y="1761039"/>
+            <a:ext cx="2106360" cy="246528"/>
+          </a:xfrm>
+          <a:prstGeom prst="roundRect">
+            <a:avLst/>
+          </a:prstGeom>
+          <a:solidFill>
+            <a:schemeClr val="accent4">
+              <a:lumMod val="75000"/>
+            </a:schemeClr>
+          </a:solidFill>
+          <a:ln>
+            <a:noFill/>
+          </a:ln>
+        </p:spPr>
+        <p:style>
+          <a:lnRef idx="0">
+            <a:scrgbClr r="0" g="0" b="0"/>
+          </a:lnRef>
+          <a:fillRef idx="0">
+            <a:scrgbClr r="0" g="0" b="0"/>
+          </a:fillRef>
+          <a:effectRef idx="0">
+            <a:scrgbClr r="0" g="0" b="0"/>
+          </a:effectRef>
+          <a:fontRef idx="minor">
+            <a:schemeClr val="lt1"/>
+          </a:fontRef>
+        </p:style>
+        <p:txBody>
+          <a:bodyPr rtlCol="0" anchor="ctr"/>
+          <a:lstStyle/>
+          <a:p>
+            <a:pPr algn="ctr"/>
+            <a:r>
+              <a:rPr lang="en-US" altLang="ko-KR" sz="1100" dirty="0" err="1" smtClean="0"/>
+              <a:t>requestNotFinished.isEmpty</a:t>
+            </a:r>
+            <a:endParaRPr lang="en-US" altLang="ko-KR" sz="1100" dirty="0" smtClean="0"/>
           </a:p>
         </p:txBody>
       </p:sp>
     </p:spTree>
     <p:extLst>
       <p:ext uri="{BB962C8B-B14F-4D97-AF65-F5344CB8AC3E}">
-        <p14:creationId xmlns:p14="http://schemas.microsoft.com/office/powerpoint/2010/main" val="2420407134"/>
+        <p14:creationId xmlns:p14="http://schemas.microsoft.com/office/powerpoint/2010/main" val="2565270862"/>
       </p:ext>
     </p:extLst>
   </p:cSld>
@@ -10211,6 +10687,72 @@
       </p:grpSpPr>
       <p:sp>
         <p:nvSpPr>
+          <p:cNvPr id="2" name="제목 1"/>
+          <p:cNvSpPr>
+            <a:spLocks noGrp="1"/>
+          </p:cNvSpPr>
+          <p:nvPr>
+            <p:ph type="title"/>
+          </p:nvPr>
+        </p:nvSpPr>
+        <p:spPr>
+          <a:xfrm>
+            <a:off x="197117" y="2763371"/>
+            <a:ext cx="11876248" cy="1325563"/>
+          </a:xfrm>
+        </p:spPr>
+        <p:txBody>
+          <a:bodyPr/>
+          <a:lstStyle/>
+          <a:p>
+            <a:pPr algn="ctr"/>
+            <a:r>
+              <a:rPr lang="en-US" altLang="ko-KR" dirty="0" smtClean="0"/>
+              <a:t>State Description</a:t>
+            </a:r>
+            <a:endParaRPr lang="ko-KR" altLang="en-US" dirty="0"/>
+          </a:p>
+        </p:txBody>
+      </p:sp>
+    </p:spTree>
+    <p:extLst>
+      <p:ext uri="{BB962C8B-B14F-4D97-AF65-F5344CB8AC3E}">
+        <p14:creationId xmlns:p14="http://schemas.microsoft.com/office/powerpoint/2010/main" val="2420407134"/>
+      </p:ext>
+    </p:extLst>
+  </p:cSld>
+  <p:clrMapOvr>
+    <a:masterClrMapping/>
+  </p:clrMapOvr>
+  <p:timing>
+    <p:tnLst>
+      <p:par>
+        <p:cTn id="1" dur="indefinite" restart="never" nodeType="tmRoot"/>
+      </p:par>
+    </p:tnLst>
+  </p:timing>
+</p:sld>
+</file>
+
+<file path=ppt/slides/slide22.xml><?xml version="1.0" encoding="utf-8"?>
+<p:sld xmlns:a="http://schemas.openxmlformats.org/drawingml/2006/main" xmlns:r="http://schemas.openxmlformats.org/officeDocument/2006/relationships" xmlns:p="http://schemas.openxmlformats.org/presentationml/2006/main">
+  <p:cSld>
+    <p:spTree>
+      <p:nvGrpSpPr>
+        <p:cNvPr id="1" name=""/>
+        <p:cNvGrpSpPr/>
+        <p:nvPr/>
+      </p:nvGrpSpPr>
+      <p:grpSpPr>
+        <a:xfrm>
+          <a:off x="0" y="0"/>
+          <a:ext cx="0" cy="0"/>
+          <a:chOff x="0" y="0"/>
+          <a:chExt cx="0" cy="0"/>
+        </a:xfrm>
+      </p:grpSpPr>
+      <p:sp>
+        <p:nvSpPr>
           <p:cNvPr id="8" name="TextBox 7"/>
           <p:cNvSpPr txBox="1"/>
           <p:nvPr/>
@@ -10970,7 +11512,7 @@
 </p:sld>
 </file>
 
-<file path=ppt/slides/slide22.xml><?xml version="1.0" encoding="utf-8"?>
+<file path=ppt/slides/slide23.xml><?xml version="1.0" encoding="utf-8"?>
 <p:sld xmlns:a="http://schemas.openxmlformats.org/drawingml/2006/main" xmlns:r="http://schemas.openxmlformats.org/officeDocument/2006/relationships" xmlns:p="http://schemas.openxmlformats.org/presentationml/2006/main">
   <p:cSld>
     <p:spTree>
@@ -11570,7 +12112,7 @@
 </p:sld>
 </file>
 
-<file path=ppt/slides/slide23.xml><?xml version="1.0" encoding="utf-8"?>
+<file path=ppt/slides/slide24.xml><?xml version="1.0" encoding="utf-8"?>
 <p:sld xmlns:a="http://schemas.openxmlformats.org/drawingml/2006/main" xmlns:r="http://schemas.openxmlformats.org/officeDocument/2006/relationships" xmlns:p="http://schemas.openxmlformats.org/presentationml/2006/main">
   <p:cSld>
     <p:spTree>
@@ -12181,6 +12723,36 @@
           </a:p>
         </p:txBody>
       </p:sp>
+      <p:sp>
+        <p:nvSpPr>
+          <p:cNvPr id="3" name="TextBox 2"/>
+          <p:cNvSpPr txBox="1"/>
+          <p:nvPr/>
+        </p:nvSpPr>
+        <p:spPr>
+          <a:xfrm>
+            <a:off x="6137444" y="2077701"/>
+            <a:ext cx="904415" cy="369332"/>
+          </a:xfrm>
+          <a:prstGeom prst="rect">
+            <a:avLst/>
+          </a:prstGeom>
+          <a:noFill/>
+        </p:spPr>
+        <p:txBody>
+          <a:bodyPr wrap="none" rtlCol="0">
+            <a:spAutoFit/>
+          </a:bodyPr>
+          <a:lstStyle/>
+          <a:p>
+            <a:r>
+              <a:rPr lang="en-US" altLang="ko-KR" dirty="0" smtClean="0"/>
+              <a:t>(Delay)</a:t>
+            </a:r>
+            <a:endParaRPr lang="ko-KR" altLang="en-US" dirty="0"/>
+          </a:p>
+        </p:txBody>
+      </p:sp>
     </p:spTree>
     <p:extLst>
       <p:ext uri="{BB962C8B-B14F-4D97-AF65-F5344CB8AC3E}">
@@ -12194,7 +12766,7 @@
 </p:sld>
 </file>
 
-<file path=ppt/slides/slide24.xml><?xml version="1.0" encoding="utf-8"?>
+<file path=ppt/slides/slide25.xml><?xml version="1.0" encoding="utf-8"?>
 <p:sld xmlns:a="http://schemas.openxmlformats.org/drawingml/2006/main" xmlns:r="http://schemas.openxmlformats.org/officeDocument/2006/relationships" xmlns:p="http://schemas.openxmlformats.org/presentationml/2006/main">
   <p:cSld>
     <p:spTree>
@@ -13020,11 +13592,7 @@
             <a:pPr algn="ctr"/>
             <a:r>
               <a:rPr lang="en-US" altLang="ko-KR" sz="1100" dirty="0" err="1" smtClean="0"/>
-              <a:t>Partition</a:t>
-            </a:r>
-            <a:r>
-              <a:rPr lang="en-US" altLang="ko-KR" sz="1100" dirty="0" err="1" smtClean="0"/>
-              <a:t>DoneMsg</a:t>
+              <a:t>PartitionDoneMsg</a:t>
             </a:r>
             <a:endParaRPr lang="ko-KR" altLang="en-US" sz="1100" dirty="0"/>
           </a:p>
@@ -13099,11 +13667,7 @@
             <a:pPr algn="ctr"/>
             <a:r>
               <a:rPr lang="en-US" altLang="ko-KR" sz="1100" dirty="0" err="1" smtClean="0"/>
-              <a:t>Partition</a:t>
-            </a:r>
-            <a:r>
-              <a:rPr lang="en-US" altLang="ko-KR" sz="1100" dirty="0" err="1" smtClean="0"/>
-              <a:t>DoneMsg</a:t>
+              <a:t>PartitionDoneMsg</a:t>
             </a:r>
             <a:endParaRPr lang="ko-KR" altLang="en-US" sz="1100" dirty="0"/>
           </a:p>
@@ -14256,39 +14820,36 @@
           </a:p>
         </p:txBody>
       </p:sp>
-      <p:cxnSp>
-        <p:nvCxnSpPr>
-          <p:cNvPr id="188" name="직선 화살표 연결선 187"/>
-          <p:cNvCxnSpPr/>
-          <p:nvPr/>
-        </p:nvCxnSpPr>
-        <p:spPr>
-          <a:xfrm flipV="1">
-            <a:off x="5330322" y="4064140"/>
-            <a:ext cx="445771" cy="1785510"/>
-          </a:xfrm>
-          <a:prstGeom prst="straightConnector1">
-            <a:avLst/>
-          </a:prstGeom>
-          <a:ln>
-            <a:tailEnd type="triangle"/>
-          </a:ln>
-        </p:spPr>
-        <p:style>
-          <a:lnRef idx="1">
-            <a:schemeClr val="accent1"/>
-          </a:lnRef>
-          <a:fillRef idx="0">
-            <a:schemeClr val="accent1"/>
-          </a:fillRef>
-          <a:effectRef idx="0">
-            <a:schemeClr val="accent1"/>
-          </a:effectRef>
-          <a:fontRef idx="minor">
-            <a:schemeClr val="tx1"/>
-          </a:fontRef>
-        </p:style>
-      </p:cxnSp>
+      <p:sp>
+        <p:nvSpPr>
+          <p:cNvPr id="56" name="TextBox 55"/>
+          <p:cNvSpPr txBox="1"/>
+          <p:nvPr/>
+        </p:nvSpPr>
+        <p:spPr>
+          <a:xfrm>
+            <a:off x="5516540" y="3649171"/>
+            <a:ext cx="663964" cy="276999"/>
+          </a:xfrm>
+          <a:prstGeom prst="rect">
+            <a:avLst/>
+          </a:prstGeom>
+          <a:noFill/>
+        </p:spPr>
+        <p:txBody>
+          <a:bodyPr wrap="none" rtlCol="0">
+            <a:spAutoFit/>
+          </a:bodyPr>
+          <a:lstStyle/>
+          <a:p>
+            <a:r>
+              <a:rPr lang="en-US" altLang="ko-KR" sz="1200" dirty="0" smtClean="0"/>
+              <a:t>(Delay)</a:t>
+            </a:r>
+            <a:endParaRPr lang="ko-KR" altLang="en-US" sz="1200" dirty="0"/>
+          </a:p>
+        </p:txBody>
+      </p:sp>
     </p:spTree>
     <p:extLst>
       <p:ext uri="{BB962C8B-B14F-4D97-AF65-F5344CB8AC3E}">
@@ -14302,7 +14863,7 @@
 </p:sld>
 </file>
 
-<file path=ppt/slides/slide25.xml><?xml version="1.0" encoding="utf-8"?>
+<file path=ppt/slides/slide26.xml><?xml version="1.0" encoding="utf-8"?>
 <p:sld xmlns:a="http://schemas.openxmlformats.org/drawingml/2006/main" xmlns:r="http://schemas.openxmlformats.org/officeDocument/2006/relationships" xmlns:p="http://schemas.openxmlformats.org/presentationml/2006/main">
   <p:cSld>
     <p:spTree>
@@ -14349,11 +14910,15 @@
             <a:graphicFrameLocks noGrp="1"/>
           </p:cNvGraphicFramePr>
           <p:nvPr>
-            <p:extLst/>
+            <p:extLst>
+              <p:ext uri="{D42A27DB-BD31-4B8C-83A1-F6EECF244321}">
+                <p14:modId xmlns:p14="http://schemas.microsoft.com/office/powerpoint/2010/main" val="2755667550"/>
+              </p:ext>
+            </p:extLst>
           </p:nvPr>
         </p:nvGraphicFramePr>
         <p:xfrm>
-          <a:off x="544067" y="3696433"/>
+          <a:off x="544067" y="2024389"/>
           <a:ext cx="1515962" cy="443927"/>
         </p:xfrm>
         <a:graphic>
@@ -14404,11 +14969,15 @@
             <a:graphicFrameLocks noGrp="1"/>
           </p:cNvGraphicFramePr>
           <p:nvPr>
-            <p:extLst/>
+            <p:extLst>
+              <p:ext uri="{D42A27DB-BD31-4B8C-83A1-F6EECF244321}">
+                <p14:modId xmlns:p14="http://schemas.microsoft.com/office/powerpoint/2010/main" val="4097420280"/>
+              </p:ext>
+            </p:extLst>
           </p:nvPr>
         </p:nvGraphicFramePr>
         <p:xfrm>
-          <a:off x="544067" y="5504931"/>
+          <a:off x="544067" y="5273703"/>
           <a:ext cx="1515962" cy="443927"/>
         </p:xfrm>
         <a:graphic>
@@ -14460,7 +15029,7 @@
         </p:nvCxnSpPr>
         <p:spPr>
           <a:xfrm>
-            <a:off x="2060029" y="3930153"/>
+            <a:off x="2060029" y="2258109"/>
             <a:ext cx="9480330" cy="0"/>
           </a:xfrm>
           <a:prstGeom prst="straightConnector1">
@@ -14493,7 +15062,7 @@
         </p:nvCxnSpPr>
         <p:spPr>
           <a:xfrm>
-            <a:off x="2060029" y="5733394"/>
+            <a:off x="2060029" y="5502166"/>
             <a:ext cx="9443543" cy="0"/>
           </a:xfrm>
           <a:prstGeom prst="straightConnector1">
@@ -14520,159 +15089,20 @@
       </p:cxnSp>
       <p:graphicFrame>
         <p:nvGraphicFramePr>
-          <p:cNvPr id="23" name="표 22"/>
-          <p:cNvGraphicFramePr>
-            <a:graphicFrameLocks noGrp="1"/>
-          </p:cNvGraphicFramePr>
-          <p:nvPr>
-            <p:extLst/>
-          </p:nvPr>
-        </p:nvGraphicFramePr>
-        <p:xfrm>
-          <a:off x="544223" y="2049208"/>
-          <a:ext cx="1515962" cy="443927"/>
-        </p:xfrm>
-        <a:graphic>
-          <a:graphicData uri="http://schemas.openxmlformats.org/drawingml/2006/table">
-            <a:tbl>
-              <a:tblPr firstRow="1" bandRow="1">
-                <a:tableStyleId>{5940675A-B579-460E-94D1-54222C63F5DA}</a:tableStyleId>
-              </a:tblPr>
-              <a:tblGrid>
-                <a:gridCol w="1515962">
-                  <a:extLst>
-                    <a:ext uri="{9D8B030D-6E8A-4147-A177-3AD203B41FA5}">
-                      <a16:colId xmlns:a16="http://schemas.microsoft.com/office/drawing/2014/main" val="2126203183"/>
-                    </a:ext>
-                  </a:extLst>
-                </a:gridCol>
-              </a:tblGrid>
-              <a:tr h="443927">
-                <a:tc>
-                  <a:txBody>
-                    <a:bodyPr/>
-                    <a:lstStyle/>
-                    <a:p>
-                      <a:pPr algn="ctr" latinLnBrk="1"/>
-                      <a:r>
-                        <a:rPr lang="en-US" altLang="ko-KR" dirty="0" smtClean="0"/>
-                        <a:t>Slave</a:t>
-                      </a:r>
-                      <a:endParaRPr lang="ko-KR" altLang="en-US" dirty="0"/>
-                    </a:p>
-                  </a:txBody>
-                  <a:tcPr/>
-                </a:tc>
-                <a:extLst>
-                  <a:ext uri="{0D108BD9-81ED-4DB2-BD59-A6C34878D82A}">
-                    <a16:rowId xmlns:a16="http://schemas.microsoft.com/office/drawing/2014/main" val="577715411"/>
-                  </a:ext>
-                </a:extLst>
-              </a:tr>
-            </a:tbl>
-          </a:graphicData>
-        </a:graphic>
-      </p:graphicFrame>
-      <p:cxnSp>
-        <p:nvCxnSpPr>
-          <p:cNvPr id="24" name="직선 화살표 연결선 23"/>
-          <p:cNvCxnSpPr/>
-          <p:nvPr/>
-        </p:nvCxnSpPr>
-        <p:spPr>
-          <a:xfrm>
-            <a:off x="2060185" y="2277671"/>
-            <a:ext cx="9443543" cy="0"/>
-          </a:xfrm>
-          <a:prstGeom prst="straightConnector1">
-            <a:avLst/>
-          </a:prstGeom>
-          <a:ln>
-            <a:tailEnd type="triangle"/>
-          </a:ln>
-        </p:spPr>
-        <p:style>
-          <a:lnRef idx="1">
-            <a:schemeClr val="dk1"/>
-          </a:lnRef>
-          <a:fillRef idx="0">
-            <a:schemeClr val="dk1"/>
-          </a:fillRef>
-          <a:effectRef idx="0">
-            <a:schemeClr val="dk1"/>
-          </a:effectRef>
-          <a:fontRef idx="minor">
-            <a:schemeClr val="tx1"/>
-          </a:fontRef>
-        </p:style>
-      </p:cxnSp>
-      <p:graphicFrame>
-        <p:nvGraphicFramePr>
-          <p:cNvPr id="105" name="표 104"/>
-          <p:cNvGraphicFramePr>
-            <a:graphicFrameLocks noGrp="1"/>
-          </p:cNvGraphicFramePr>
-          <p:nvPr>
-            <p:extLst/>
-          </p:nvPr>
-        </p:nvGraphicFramePr>
-        <p:xfrm>
-          <a:off x="2795932" y="1579658"/>
-          <a:ext cx="2059847" cy="443927"/>
-        </p:xfrm>
-        <a:graphic>
-          <a:graphicData uri="http://schemas.openxmlformats.org/drawingml/2006/table">
-            <a:tbl>
-              <a:tblPr firstRow="1" bandRow="1">
-                <a:tableStyleId>{5940675A-B579-460E-94D1-54222C63F5DA}</a:tableStyleId>
-              </a:tblPr>
-              <a:tblGrid>
-                <a:gridCol w="2059847">
-                  <a:extLst>
-                    <a:ext uri="{9D8B030D-6E8A-4147-A177-3AD203B41FA5}">
-                      <a16:colId xmlns:a16="http://schemas.microsoft.com/office/drawing/2014/main" val="2126203183"/>
-                    </a:ext>
-                  </a:extLst>
-                </a:gridCol>
-              </a:tblGrid>
-              <a:tr h="443927">
-                <a:tc>
-                  <a:txBody>
-                    <a:bodyPr/>
-                    <a:lstStyle/>
-                    <a:p>
-                      <a:pPr algn="ctr" latinLnBrk="1"/>
-                      <a:r>
-                        <a:rPr lang="en-US" altLang="ko-KR" dirty="0" err="1" smtClean="0"/>
-                        <a:t>FileRequestServer</a:t>
-                      </a:r>
-                      <a:endParaRPr lang="ko-KR" altLang="en-US" dirty="0"/>
-                    </a:p>
-                  </a:txBody>
-                  <a:tcPr/>
-                </a:tc>
-                <a:extLst>
-                  <a:ext uri="{0D108BD9-81ED-4DB2-BD59-A6C34878D82A}">
-                    <a16:rowId xmlns:a16="http://schemas.microsoft.com/office/drawing/2014/main" val="577715411"/>
-                  </a:ext>
-                </a:extLst>
-              </a:tr>
-            </a:tbl>
-          </a:graphicData>
-        </a:graphic>
-      </p:graphicFrame>
-      <p:graphicFrame>
-        <p:nvGraphicFramePr>
           <p:cNvPr id="106" name="표 105"/>
           <p:cNvGraphicFramePr>
             <a:graphicFrameLocks noGrp="1"/>
           </p:cNvGraphicFramePr>
           <p:nvPr>
-            <p:extLst/>
+            <p:extLst>
+              <p:ext uri="{D42A27DB-BD31-4B8C-83A1-F6EECF244321}">
+                <p14:modId xmlns:p14="http://schemas.microsoft.com/office/powerpoint/2010/main" val="3114034744"/>
+              </p:ext>
+            </p:extLst>
           </p:nvPr>
         </p:nvGraphicFramePr>
         <p:xfrm>
-          <a:off x="2701157" y="6067096"/>
+          <a:off x="2701157" y="5835868"/>
           <a:ext cx="2059847" cy="443927"/>
         </p:xfrm>
         <a:graphic>
@@ -14718,16 +15148,204 @@
       </p:graphicFrame>
       <p:cxnSp>
         <p:nvCxnSpPr>
-          <p:cNvPr id="113" name="직선 화살표 연결선 112"/>
+          <p:cNvPr id="116" name="직선 화살표 연결선 115"/>
           <p:cNvCxnSpPr>
-            <a:stCxn id="105" idx="3"/>
+            <a:stCxn id="106" idx="3"/>
           </p:cNvCxnSpPr>
           <p:nvPr/>
         </p:nvCxnSpPr>
         <p:spPr>
-          <a:xfrm>
-            <a:off x="4855779" y="1801621"/>
-            <a:ext cx="6647793" cy="2998"/>
+          <a:xfrm flipV="1">
+            <a:off x="4761004" y="6046381"/>
+            <a:ext cx="6742568" cy="11450"/>
+          </a:xfrm>
+          <a:prstGeom prst="straightConnector1">
+            <a:avLst/>
+          </a:prstGeom>
+          <a:ln>
+            <a:tailEnd type="triangle"/>
+          </a:ln>
+        </p:spPr>
+        <p:style>
+          <a:lnRef idx="1">
+            <a:schemeClr val="dk1"/>
+          </a:lnRef>
+          <a:fillRef idx="0">
+            <a:schemeClr val="dk1"/>
+          </a:fillRef>
+          <a:effectRef idx="0">
+            <a:schemeClr val="dk1"/>
+          </a:effectRef>
+          <a:fontRef idx="minor">
+            <a:schemeClr val="tx1"/>
+          </a:fontRef>
+        </p:style>
+      </p:cxnSp>
+      <p:graphicFrame>
+        <p:nvGraphicFramePr>
+          <p:cNvPr id="16" name="표 15"/>
+          <p:cNvGraphicFramePr>
+            <a:graphicFrameLocks noGrp="1"/>
+          </p:cNvGraphicFramePr>
+          <p:nvPr>
+            <p:extLst>
+              <p:ext uri="{D42A27DB-BD31-4B8C-83A1-F6EECF244321}">
+                <p14:modId xmlns:p14="http://schemas.microsoft.com/office/powerpoint/2010/main" val="3817330238"/>
+              </p:ext>
+            </p:extLst>
+          </p:nvPr>
+        </p:nvGraphicFramePr>
+        <p:xfrm>
+          <a:off x="2600750" y="4275354"/>
+          <a:ext cx="2059847" cy="443927"/>
+        </p:xfrm>
+        <a:graphic>
+          <a:graphicData uri="http://schemas.openxmlformats.org/drawingml/2006/table">
+            <a:tbl>
+              <a:tblPr firstRow="1" bandRow="1">
+                <a:tableStyleId>{5940675A-B579-460E-94D1-54222C63F5DA}</a:tableStyleId>
+              </a:tblPr>
+              <a:tblGrid>
+                <a:gridCol w="2059847">
+                  <a:extLst>
+                    <a:ext uri="{9D8B030D-6E8A-4147-A177-3AD203B41FA5}">
+                      <a16:colId xmlns:a16="http://schemas.microsoft.com/office/drawing/2014/main" val="2126203183"/>
+                    </a:ext>
+                  </a:extLst>
+                </a:gridCol>
+              </a:tblGrid>
+              <a:tr h="443927">
+                <a:tc>
+                  <a:txBody>
+                    <a:bodyPr/>
+                    <a:lstStyle/>
+                    <a:p>
+                      <a:pPr algn="ctr" latinLnBrk="1"/>
+                      <a:r>
+                        <a:rPr lang="en-US" altLang="ko-KR" dirty="0" smtClean="0"/>
+                        <a:t>Merger</a:t>
+                      </a:r>
+                      <a:endParaRPr lang="ko-KR" altLang="en-US" dirty="0"/>
+                    </a:p>
+                  </a:txBody>
+                  <a:tcPr/>
+                </a:tc>
+                <a:extLst>
+                  <a:ext uri="{0D108BD9-81ED-4DB2-BD59-A6C34878D82A}">
+                    <a16:rowId xmlns:a16="http://schemas.microsoft.com/office/drawing/2014/main" val="577715411"/>
+                  </a:ext>
+                </a:extLst>
+              </a:tr>
+            </a:tbl>
+          </a:graphicData>
+        </a:graphic>
+      </p:graphicFrame>
+      <p:cxnSp>
+        <p:nvCxnSpPr>
+          <p:cNvPr id="19" name="직선 화살표 연결선 18"/>
+          <p:cNvCxnSpPr>
+            <a:endCxn id="16" idx="2"/>
+          </p:cNvCxnSpPr>
+          <p:nvPr/>
+        </p:nvCxnSpPr>
+        <p:spPr>
+          <a:xfrm flipV="1">
+            <a:off x="2837793" y="4719281"/>
+            <a:ext cx="792880" cy="782886"/>
+          </a:xfrm>
+          <a:prstGeom prst="straightConnector1">
+            <a:avLst/>
+          </a:prstGeom>
+          <a:ln>
+            <a:tailEnd type="triangle"/>
+          </a:ln>
+        </p:spPr>
+        <p:style>
+          <a:lnRef idx="1">
+            <a:schemeClr val="accent2"/>
+          </a:lnRef>
+          <a:fillRef idx="0">
+            <a:schemeClr val="accent2"/>
+          </a:fillRef>
+          <a:effectRef idx="0">
+            <a:schemeClr val="accent2"/>
+          </a:effectRef>
+          <a:fontRef idx="minor">
+            <a:schemeClr val="tx1"/>
+          </a:fontRef>
+        </p:style>
+      </p:cxnSp>
+      <p:sp>
+        <p:nvSpPr>
+          <p:cNvPr id="18" name="모서리가 둥근 직사각형 17"/>
+          <p:cNvSpPr/>
+          <p:nvPr/>
+        </p:nvSpPr>
+        <p:spPr>
+          <a:xfrm>
+            <a:off x="2267305" y="4911104"/>
+            <a:ext cx="2201222" cy="362599"/>
+          </a:xfrm>
+          <a:prstGeom prst="roundRect">
+            <a:avLst/>
+          </a:prstGeom>
+          <a:solidFill>
+            <a:schemeClr val="accent4">
+              <a:lumMod val="75000"/>
+            </a:schemeClr>
+          </a:solidFill>
+          <a:ln>
+            <a:noFill/>
+          </a:ln>
+        </p:spPr>
+        <p:style>
+          <a:lnRef idx="0">
+            <a:scrgbClr r="0" g="0" b="0"/>
+          </a:lnRef>
+          <a:fillRef idx="0">
+            <a:scrgbClr r="0" g="0" b="0"/>
+          </a:fillRef>
+          <a:effectRef idx="0">
+            <a:scrgbClr r="0" g="0" b="0"/>
+          </a:effectRef>
+          <a:fontRef idx="minor">
+            <a:schemeClr val="lt1"/>
+          </a:fontRef>
+        </p:style>
+        <p:txBody>
+          <a:bodyPr rtlCol="0" anchor="ctr"/>
+          <a:lstStyle/>
+          <a:p>
+            <a:pPr algn="ctr"/>
+            <a:r>
+              <a:rPr lang="en-US" altLang="ko-KR" sz="1100" dirty="0" err="1" smtClean="0"/>
+              <a:t>partitionFinished</a:t>
+            </a:r>
+            <a:r>
+              <a:rPr lang="en-US" altLang="ko-KR" sz="1100" dirty="0" smtClean="0"/>
+              <a:t> &amp;</a:t>
+            </a:r>
+          </a:p>
+          <a:p>
+            <a:pPr algn="ctr"/>
+            <a:r>
+              <a:rPr lang="en-US" altLang="ko-KR" sz="1100" dirty="0" err="1" smtClean="0"/>
+              <a:t>requestNotFinished.isEmpty</a:t>
+            </a:r>
+            <a:endParaRPr lang="en-US" altLang="ko-KR" sz="1100" dirty="0" smtClean="0"/>
+          </a:p>
+        </p:txBody>
+      </p:sp>
+      <p:cxnSp>
+        <p:nvCxnSpPr>
+          <p:cNvPr id="21" name="직선 화살표 연결선 20"/>
+          <p:cNvCxnSpPr/>
+          <p:nvPr/>
+        </p:nvCxnSpPr>
+        <p:spPr>
+          <a:xfrm>
+            <a:off x="4660597" y="4507082"/>
+            <a:ext cx="1619334" cy="0"/>
           </a:xfrm>
           <a:prstGeom prst="straightConnector1">
             <a:avLst/>
@@ -14753,16 +15371,14 @@
       </p:cxnSp>
       <p:cxnSp>
         <p:nvCxnSpPr>
-          <p:cNvPr id="116" name="직선 화살표 연결선 115"/>
-          <p:cNvCxnSpPr>
-            <a:stCxn id="106" idx="3"/>
-          </p:cNvCxnSpPr>
+          <p:cNvPr id="25" name="직선 화살표 연결선 24"/>
+          <p:cNvCxnSpPr/>
           <p:nvPr/>
         </p:nvCxnSpPr>
         <p:spPr>
-          <a:xfrm flipV="1">
-            <a:off x="4761004" y="6277609"/>
-            <a:ext cx="6742568" cy="11450"/>
+          <a:xfrm>
+            <a:off x="6279931" y="4507082"/>
+            <a:ext cx="688428" cy="995084"/>
           </a:xfrm>
           <a:prstGeom prst="straightConnector1">
             <a:avLst/>
@@ -14773,13 +15389,13 @@
         </p:spPr>
         <p:style>
           <a:lnRef idx="1">
-            <a:schemeClr val="dk1"/>
+            <a:schemeClr val="accent1"/>
           </a:lnRef>
           <a:fillRef idx="0">
-            <a:schemeClr val="dk1"/>
+            <a:schemeClr val="accent1"/>
           </a:fillRef>
           <a:effectRef idx="0">
-            <a:schemeClr val="dk1"/>
+            <a:schemeClr val="accent1"/>
           </a:effectRef>
           <a:fontRef idx="minor">
             <a:schemeClr val="tx1"/>
@@ -14788,50 +15404,122 @@
       </p:cxnSp>
       <p:sp>
         <p:nvSpPr>
-          <p:cNvPr id="53" name="제목 1"/>
-          <p:cNvSpPr txBox="1">
-            <a:spLocks/>
-          </p:cNvSpPr>
-          <p:nvPr/>
-        </p:nvSpPr>
-        <p:spPr>
-          <a:xfrm>
-            <a:off x="5290877" y="2475534"/>
-            <a:ext cx="10515600" cy="1325563"/>
-          </a:xfrm>
-          <a:prstGeom prst="rect">
-            <a:avLst/>
-          </a:prstGeom>
-        </p:spPr>
-        <p:txBody>
-          <a:bodyPr vert="horz" lIns="91440" tIns="45720" rIns="91440" bIns="45720" rtlCol="0" anchor="ctr">
-            <a:normAutofit/>
-          </a:bodyPr>
-          <a:lstStyle>
-            <a:lvl1pPr algn="l" defTabSz="914400" rtl="0" eaLnBrk="1" latinLnBrk="1" hangingPunct="1">
-              <a:lnSpc>
-                <a:spcPct val="90000"/>
-              </a:lnSpc>
-              <a:spcBef>
-                <a:spcPct val="0"/>
-              </a:spcBef>
-              <a:buNone/>
-              <a:defRPr sz="4400" kern="1200">
-                <a:solidFill>
-                  <a:schemeClr val="tx1"/>
-                </a:solidFill>
-                <a:latin typeface="+mj-lt"/>
-                <a:ea typeface="+mj-ea"/>
-                <a:cs typeface="+mj-cs"/>
-              </a:defRPr>
-            </a:lvl1pPr>
-          </a:lstStyle>
-          <a:p>
-            <a:r>
-              <a:rPr lang="en-US" altLang="ko-KR" sz="2000" dirty="0" smtClean="0"/>
-              <a:t>Omit detail now</a:t>
-            </a:r>
-            <a:endParaRPr lang="ko-KR" altLang="en-US" sz="2000" dirty="0"/>
+          <p:cNvPr id="15" name="모서리가 둥근 직사각형 14"/>
+          <p:cNvSpPr/>
+          <p:nvPr/>
+        </p:nvSpPr>
+        <p:spPr>
+          <a:xfrm>
+            <a:off x="5688600" y="4941819"/>
+            <a:ext cx="1507182" cy="272247"/>
+          </a:xfrm>
+          <a:prstGeom prst="roundRect">
+            <a:avLst/>
+          </a:prstGeom>
+        </p:spPr>
+        <p:style>
+          <a:lnRef idx="1">
+            <a:schemeClr val="accent5"/>
+          </a:lnRef>
+          <a:fillRef idx="2">
+            <a:schemeClr val="accent5"/>
+          </a:fillRef>
+          <a:effectRef idx="1">
+            <a:schemeClr val="accent5"/>
+          </a:effectRef>
+          <a:fontRef idx="minor">
+            <a:schemeClr val="dk1"/>
+          </a:fontRef>
+        </p:style>
+        <p:txBody>
+          <a:bodyPr rtlCol="0" anchor="ctr"/>
+          <a:lstStyle/>
+          <a:p>
+            <a:pPr algn="ctr"/>
+            <a:r>
+              <a:rPr lang="en-US" altLang="ko-KR" sz="1100" dirty="0" err="1" smtClean="0"/>
+              <a:t>Merge</a:t>
+            </a:r>
+            <a:r>
+              <a:rPr lang="en-US" altLang="ko-KR" sz="1100" dirty="0" err="1" smtClean="0"/>
+              <a:t>DoneMsg</a:t>
+            </a:r>
+            <a:endParaRPr lang="ko-KR" altLang="en-US" sz="1100" dirty="0"/>
+          </a:p>
+        </p:txBody>
+      </p:sp>
+      <p:cxnSp>
+        <p:nvCxnSpPr>
+          <p:cNvPr id="26" name="직선 화살표 연결선 25"/>
+          <p:cNvCxnSpPr/>
+          <p:nvPr/>
+        </p:nvCxnSpPr>
+        <p:spPr>
+          <a:xfrm flipV="1">
+            <a:off x="6968359" y="2258068"/>
+            <a:ext cx="2748455" cy="3237598"/>
+          </a:xfrm>
+          <a:prstGeom prst="straightConnector1">
+            <a:avLst/>
+          </a:prstGeom>
+          <a:ln>
+            <a:tailEnd type="triangle"/>
+          </a:ln>
+        </p:spPr>
+        <p:style>
+          <a:lnRef idx="1">
+            <a:schemeClr val="accent1"/>
+          </a:lnRef>
+          <a:fillRef idx="0">
+            <a:schemeClr val="accent1"/>
+          </a:fillRef>
+          <a:effectRef idx="0">
+            <a:schemeClr val="accent1"/>
+          </a:effectRef>
+          <a:fontRef idx="minor">
+            <a:schemeClr val="tx1"/>
+          </a:fontRef>
+        </p:style>
+      </p:cxnSp>
+      <p:sp>
+        <p:nvSpPr>
+          <p:cNvPr id="29" name="모서리가 둥근 직사각형 28"/>
+          <p:cNvSpPr/>
+          <p:nvPr/>
+        </p:nvSpPr>
+        <p:spPr>
+          <a:xfrm>
+            <a:off x="7843345" y="3533483"/>
+            <a:ext cx="1507182" cy="232423"/>
+          </a:xfrm>
+          <a:prstGeom prst="roundRect">
+            <a:avLst/>
+          </a:prstGeom>
+        </p:spPr>
+        <p:style>
+          <a:lnRef idx="1">
+            <a:schemeClr val="accent4"/>
+          </a:lnRef>
+          <a:fillRef idx="2">
+            <a:schemeClr val="accent4"/>
+          </a:fillRef>
+          <a:effectRef idx="1">
+            <a:schemeClr val="accent4"/>
+          </a:effectRef>
+          <a:fontRef idx="minor">
+            <a:schemeClr val="dk1"/>
+          </a:fontRef>
+        </p:style>
+        <p:txBody>
+          <a:bodyPr rtlCol="0" anchor="ctr"/>
+          <a:lstStyle/>
+          <a:p>
+            <a:pPr algn="ctr"/>
+            <a:r>
+              <a:rPr lang="en-US" altLang="ko-KR" sz="1100" dirty="0" err="1" smtClean="0"/>
+              <a:t>DoneMsg</a:t>
+            </a:r>
+            <a:endParaRPr lang="ko-KR" altLang="en-US" sz="1100" dirty="0"/>
           </a:p>
         </p:txBody>
       </p:sp>
@@ -14848,7 +15536,7 @@
 </p:sld>
 </file>
 
-<file path=ppt/slides/slide26.xml><?xml version="1.0" encoding="utf-8"?>
+<file path=ppt/slides/slide27.xml><?xml version="1.0" encoding="utf-8"?>
 <p:sld xmlns:a="http://schemas.openxmlformats.org/drawingml/2006/main" xmlns:r="http://schemas.openxmlformats.org/officeDocument/2006/relationships" xmlns:p="http://schemas.openxmlformats.org/presentationml/2006/main">
   <p:cSld>
     <p:spTree>
@@ -15297,95 +15985,6 @@
 </p:sld>
 </file>
 
-<file path=ppt/slides/slide27.xml><?xml version="1.0" encoding="utf-8"?>
-<p:sld xmlns:a="http://schemas.openxmlformats.org/drawingml/2006/main" xmlns:r="http://schemas.openxmlformats.org/officeDocument/2006/relationships" xmlns:p="http://schemas.openxmlformats.org/presentationml/2006/main">
-  <p:cSld>
-    <p:spTree>
-      <p:nvGrpSpPr>
-        <p:cNvPr id="1" name=""/>
-        <p:cNvGrpSpPr/>
-        <p:nvPr/>
-      </p:nvGrpSpPr>
-      <p:grpSpPr>
-        <a:xfrm>
-          <a:off x="0" y="0"/>
-          <a:ext cx="0" cy="0"/>
-          <a:chOff x="0" y="0"/>
-          <a:chExt cx="0" cy="0"/>
-        </a:xfrm>
-      </p:grpSpPr>
-      <p:sp>
-        <p:nvSpPr>
-          <p:cNvPr id="2" name="제목 1"/>
-          <p:cNvSpPr>
-            <a:spLocks noGrp="1"/>
-          </p:cNvSpPr>
-          <p:nvPr>
-            <p:ph type="title"/>
-          </p:nvPr>
-        </p:nvSpPr>
-        <p:spPr/>
-        <p:txBody>
-          <a:bodyPr/>
-          <a:lstStyle/>
-          <a:p>
-            <a:r>
-              <a:rPr lang="en-US" altLang="ko-KR" dirty="0" smtClean="0"/>
-              <a:t>Master Sample</a:t>
-            </a:r>
-            <a:endParaRPr lang="ko-KR" altLang="en-US" dirty="0"/>
-          </a:p>
-        </p:txBody>
-      </p:sp>
-      <p:sp>
-        <p:nvSpPr>
-          <p:cNvPr id="3" name="내용 개체 틀 2"/>
-          <p:cNvSpPr>
-            <a:spLocks noGrp="1"/>
-          </p:cNvSpPr>
-          <p:nvPr>
-            <p:ph idx="1"/>
-          </p:nvPr>
-        </p:nvSpPr>
-        <p:spPr/>
-        <p:txBody>
-          <a:bodyPr/>
-          <a:lstStyle/>
-          <a:p>
-            <a:r>
-              <a:rPr lang="en-US" altLang="ko-KR" dirty="0" smtClean="0"/>
-              <a:t>Calculate pivot values</a:t>
-            </a:r>
-          </a:p>
-          <a:p>
-            <a:pPr lvl="1"/>
-            <a:r>
-              <a:rPr lang="en-US" altLang="ko-KR" dirty="0" smtClean="0"/>
-              <a:t>Sort first and</a:t>
-            </a:r>
-          </a:p>
-          <a:p>
-            <a:pPr lvl="1"/>
-            <a:r>
-              <a:rPr lang="en-US" altLang="ko-KR" dirty="0" smtClean="0"/>
-              <a:t>Choose values from 1/n, 2/n, …, (n-1)/n position </a:t>
-            </a:r>
-          </a:p>
-        </p:txBody>
-      </p:sp>
-    </p:spTree>
-    <p:extLst>
-      <p:ext uri="{BB962C8B-B14F-4D97-AF65-F5344CB8AC3E}">
-        <p14:creationId xmlns:p14="http://schemas.microsoft.com/office/powerpoint/2010/main" val="1534592386"/>
-      </p:ext>
-    </p:extLst>
-  </p:cSld>
-  <p:clrMapOvr>
-    <a:masterClrMapping/>
-  </p:clrMapOvr>
-</p:sld>
-</file>
-
 <file path=ppt/slides/slide28.xml><?xml version="1.0" encoding="utf-8"?>
 <p:sld xmlns:a="http://schemas.openxmlformats.org/drawingml/2006/main" xmlns:r="http://schemas.openxmlformats.org/officeDocument/2006/relationships" xmlns:p="http://schemas.openxmlformats.org/presentationml/2006/main">
   <p:cSld>
@@ -15420,7 +16019,7 @@
           <a:p>
             <a:r>
               <a:rPr lang="en-US" altLang="ko-KR" dirty="0" smtClean="0"/>
-              <a:t>Client Sample</a:t>
+              <a:t>Master Sample</a:t>
             </a:r>
             <a:endParaRPr lang="ko-KR" altLang="en-US" dirty="0"/>
           </a:p>
@@ -15442,84 +16041,30 @@
           <a:lstStyle/>
           <a:p>
             <a:r>
-              <a:rPr lang="en-US" altLang="ko-KR" dirty="0"/>
-              <a:t>Get number of key-value </a:t>
-            </a:r>
-            <a:r>
               <a:rPr lang="en-US" altLang="ko-KR" dirty="0" smtClean="0"/>
-              <a:t>pairs</a:t>
-            </a:r>
-          </a:p>
-          <a:p>
-            <a:pPr lvl="1">
-              <a:buFontTx/>
-              <a:buChar char="-"/>
-            </a:pPr>
+              <a:t>Calculate pivot values</a:t>
+            </a:r>
+          </a:p>
+          <a:p>
+            <a:pPr lvl="1"/>
             <a:r>
               <a:rPr lang="en-US" altLang="ko-KR" dirty="0" smtClean="0"/>
-              <a:t>From file size</a:t>
-            </a:r>
-          </a:p>
-          <a:p>
-            <a:pPr marL="457200" lvl="1" indent="0">
-              <a:buNone/>
-            </a:pPr>
-            <a:endParaRPr lang="en-US" altLang="ko-KR" dirty="0" smtClean="0"/>
-          </a:p>
-          <a:p>
+              <a:t>Sort first and</a:t>
+            </a:r>
+          </a:p>
+          <a:p>
+            <a:pPr lvl="1"/>
             <a:r>
               <a:rPr lang="en-US" altLang="ko-KR" dirty="0" smtClean="0"/>
-              <a:t>Sample from data (Sample size is proportional to data size)</a:t>
-            </a:r>
-          </a:p>
-          <a:p>
-            <a:pPr lvl="1">
-              <a:buFontTx/>
-              <a:buChar char="-"/>
-            </a:pPr>
-            <a:r>
-              <a:rPr lang="en-US" altLang="ko-KR" dirty="0" smtClean="0"/>
-              <a:t>Does not open all the files (Just some files)</a:t>
-            </a:r>
-          </a:p>
-          <a:p>
-            <a:pPr lvl="1">
-              <a:buFontTx/>
-              <a:buChar char="-"/>
-            </a:pPr>
-            <a:r>
-              <a:rPr lang="en-US" altLang="ko-KR" dirty="0" smtClean="0"/>
-              <a:t>Sample by random access</a:t>
-            </a:r>
-          </a:p>
-          <a:p>
-            <a:pPr lvl="1"/>
-            <a:endParaRPr lang="en-US" altLang="ko-KR" dirty="0" smtClean="0"/>
-          </a:p>
-          <a:p>
-            <a:r>
-              <a:rPr lang="en-US" altLang="ko-KR" dirty="0" smtClean="0"/>
-              <a:t>Send samples to master</a:t>
-            </a:r>
-            <a:endParaRPr lang="en-US" altLang="ko-KR" dirty="0"/>
-          </a:p>
-          <a:p>
-            <a:r>
-              <a:rPr lang="en-US" altLang="ko-KR" dirty="0" smtClean="0"/>
-              <a:t>Wait </a:t>
-            </a:r>
-            <a:r>
-              <a:rPr lang="en-US" altLang="ko-KR" dirty="0" err="1" smtClean="0"/>
-              <a:t>SlaveInfoMsg</a:t>
-            </a:r>
-            <a:endParaRPr lang="ko-KR" altLang="en-US" dirty="0"/>
+              <a:t>Choose values from 1/n, 2/n, …, (n-1)/n position </a:t>
+            </a:r>
           </a:p>
         </p:txBody>
       </p:sp>
     </p:spTree>
     <p:extLst>
       <p:ext uri="{BB962C8B-B14F-4D97-AF65-F5344CB8AC3E}">
-        <p14:creationId xmlns:p14="http://schemas.microsoft.com/office/powerpoint/2010/main" val="1566732067"/>
+        <p14:creationId xmlns:p14="http://schemas.microsoft.com/office/powerpoint/2010/main" val="1534592386"/>
       </p:ext>
     </p:extLst>
   </p:cSld>
@@ -15556,19 +16101,14 @@
             <p:ph type="title"/>
           </p:nvPr>
         </p:nvSpPr>
-        <p:spPr>
-          <a:xfrm>
-            <a:off x="6061323" y="343223"/>
-            <a:ext cx="5683516" cy="1325563"/>
-          </a:xfrm>
-        </p:spPr>
+        <p:spPr/>
         <p:txBody>
           <a:bodyPr/>
           <a:lstStyle/>
           <a:p>
             <a:r>
               <a:rPr lang="en-US" altLang="ko-KR" dirty="0" smtClean="0"/>
-              <a:t>Slave Compute Order</a:t>
+              <a:t>Client Sample</a:t>
             </a:r>
             <a:endParaRPr lang="ko-KR" altLang="en-US" dirty="0"/>
           </a:p>
@@ -15576,489 +16116,104 @@
       </p:sp>
       <p:sp>
         <p:nvSpPr>
-          <p:cNvPr id="3" name="모서리가 둥근 직사각형 2"/>
-          <p:cNvSpPr/>
-          <p:nvPr/>
-        </p:nvSpPr>
-        <p:spPr>
-          <a:xfrm>
-            <a:off x="865121" y="2054962"/>
-            <a:ext cx="1653586" cy="832268"/>
-          </a:xfrm>
-          <a:prstGeom prst="roundRect">
-            <a:avLst/>
-          </a:prstGeom>
-        </p:spPr>
-        <p:style>
-          <a:lnRef idx="1">
-            <a:schemeClr val="accent1"/>
-          </a:lnRef>
-          <a:fillRef idx="2">
-            <a:schemeClr val="accent1"/>
-          </a:fillRef>
-          <a:effectRef idx="1">
-            <a:schemeClr val="accent1"/>
-          </a:effectRef>
-          <a:fontRef idx="minor">
-            <a:schemeClr val="dk1"/>
-          </a:fontRef>
-        </p:style>
-        <p:txBody>
-          <a:bodyPr rtlCol="0" anchor="ctr"/>
-          <a:lstStyle/>
-          <a:p>
-            <a:pPr algn="ctr"/>
+          <p:cNvPr id="3" name="내용 개체 틀 2"/>
+          <p:cNvSpPr>
+            <a:spLocks noGrp="1"/>
+          </p:cNvSpPr>
+          <p:nvPr>
+            <p:ph idx="1"/>
+          </p:nvPr>
+        </p:nvSpPr>
+        <p:spPr/>
+        <p:txBody>
+          <a:bodyPr/>
+          <a:lstStyle/>
+          <a:p>
+            <a:r>
+              <a:rPr lang="en-US" altLang="ko-KR" dirty="0"/>
+              <a:t>Get number of key-value </a:t>
+            </a:r>
             <a:r>
               <a:rPr lang="en-US" altLang="ko-KR" dirty="0" smtClean="0"/>
-              <a:t>Listen</a:t>
+              <a:t>pairs</a:t>
+            </a:r>
+          </a:p>
+          <a:p>
+            <a:pPr lvl="1">
+              <a:buFontTx/>
+              <a:buChar char="-"/>
+            </a:pPr>
+            <a:r>
+              <a:rPr lang="en-US" altLang="ko-KR" dirty="0" smtClean="0"/>
+              <a:t>From file size</a:t>
+            </a:r>
+          </a:p>
+          <a:p>
+            <a:pPr marL="457200" lvl="1" indent="0">
+              <a:buNone/>
+            </a:pPr>
+            <a:endParaRPr lang="en-US" altLang="ko-KR" dirty="0" smtClean="0"/>
+          </a:p>
+          <a:p>
+            <a:r>
+              <a:rPr lang="en-US" altLang="ko-KR" dirty="0" smtClean="0"/>
+              <a:t>Sample from data (Sample size is proportional to data size)</a:t>
+            </a:r>
+          </a:p>
+          <a:p>
+            <a:pPr lvl="1">
+              <a:buFontTx/>
+              <a:buChar char="-"/>
+            </a:pPr>
+            <a:r>
+              <a:rPr lang="en-US" altLang="ko-KR" dirty="0" smtClean="0"/>
+              <a:t>Does not open all the files (Just some files)</a:t>
+            </a:r>
+          </a:p>
+          <a:p>
+            <a:pPr lvl="1">
+              <a:buFontTx/>
+              <a:buChar char="-"/>
+            </a:pPr>
+            <a:r>
+              <a:rPr lang="en-US" altLang="ko-KR" dirty="0" smtClean="0"/>
+              <a:t>Sample by random access</a:t>
+            </a:r>
+          </a:p>
+          <a:p>
+            <a:pPr lvl="1"/>
+            <a:endParaRPr lang="en-US" altLang="ko-KR" dirty="0" smtClean="0"/>
+          </a:p>
+          <a:p>
+            <a:r>
+              <a:rPr lang="en-US" altLang="ko-KR" dirty="0" smtClean="0"/>
+              <a:t>Send samples to master</a:t>
+            </a:r>
+            <a:endParaRPr lang="en-US" altLang="ko-KR" dirty="0"/>
+          </a:p>
+          <a:p>
+            <a:r>
+              <a:rPr lang="en-US" altLang="ko-KR" dirty="0" smtClean="0"/>
+              <a:t>Wait </a:t>
+            </a:r>
+            <a:r>
+              <a:rPr lang="en-US" altLang="ko-KR" dirty="0" err="1" smtClean="0"/>
+              <a:t>SlaveInfoMsg</a:t>
             </a:r>
             <a:endParaRPr lang="ko-KR" altLang="en-US" dirty="0"/>
           </a:p>
         </p:txBody>
       </p:sp>
-      <p:sp>
-        <p:nvSpPr>
-          <p:cNvPr id="23" name="모서리가 둥근 직사각형 22"/>
-          <p:cNvSpPr/>
-          <p:nvPr/>
-        </p:nvSpPr>
-        <p:spPr>
-          <a:xfrm>
-            <a:off x="865121" y="4937943"/>
-            <a:ext cx="1653586" cy="832268"/>
-          </a:xfrm>
-          <a:prstGeom prst="roundRect">
-            <a:avLst/>
-          </a:prstGeom>
-        </p:spPr>
-        <p:style>
-          <a:lnRef idx="1">
-            <a:schemeClr val="accent1"/>
-          </a:lnRef>
-          <a:fillRef idx="2">
-            <a:schemeClr val="accent1"/>
-          </a:fillRef>
-          <a:effectRef idx="1">
-            <a:schemeClr val="accent1"/>
-          </a:effectRef>
-          <a:fontRef idx="minor">
-            <a:schemeClr val="dk1"/>
-          </a:fontRef>
-        </p:style>
-        <p:txBody>
-          <a:bodyPr rtlCol="0" anchor="ctr"/>
-          <a:lstStyle/>
-          <a:p>
-            <a:pPr algn="ctr"/>
-            <a:r>
-              <a:rPr lang="en-US" altLang="ko-KR" dirty="0" smtClean="0"/>
-              <a:t>Partition</a:t>
-            </a:r>
-            <a:endParaRPr lang="ko-KR" altLang="en-US" dirty="0"/>
-          </a:p>
-        </p:txBody>
-      </p:sp>
-      <p:sp>
-        <p:nvSpPr>
-          <p:cNvPr id="24" name="모서리가 둥근 직사각형 23"/>
-          <p:cNvSpPr/>
-          <p:nvPr/>
-        </p:nvSpPr>
-        <p:spPr>
-          <a:xfrm>
-            <a:off x="3475998" y="4937943"/>
-            <a:ext cx="1653586" cy="832268"/>
-          </a:xfrm>
-          <a:prstGeom prst="roundRect">
-            <a:avLst/>
-          </a:prstGeom>
-        </p:spPr>
-        <p:style>
-          <a:lnRef idx="1">
-            <a:schemeClr val="accent1"/>
-          </a:lnRef>
-          <a:fillRef idx="2">
-            <a:schemeClr val="accent1"/>
-          </a:fillRef>
-          <a:effectRef idx="1">
-            <a:schemeClr val="accent1"/>
-          </a:effectRef>
-          <a:fontRef idx="minor">
-            <a:schemeClr val="dk1"/>
-          </a:fontRef>
-        </p:style>
-        <p:txBody>
-          <a:bodyPr rtlCol="0" anchor="ctr"/>
-          <a:lstStyle/>
-          <a:p>
-            <a:pPr algn="ctr"/>
-            <a:r>
-              <a:rPr lang="en-US" altLang="ko-KR" dirty="0" smtClean="0"/>
-              <a:t>Sort</a:t>
-            </a:r>
-            <a:endParaRPr lang="ko-KR" altLang="en-US" dirty="0"/>
-          </a:p>
-        </p:txBody>
-      </p:sp>
-      <p:sp>
-        <p:nvSpPr>
-          <p:cNvPr id="25" name="모서리가 둥근 직사각형 24"/>
-          <p:cNvSpPr/>
-          <p:nvPr/>
-        </p:nvSpPr>
-        <p:spPr>
-          <a:xfrm>
-            <a:off x="6431829" y="4937943"/>
-            <a:ext cx="1653586" cy="832268"/>
-          </a:xfrm>
-          <a:prstGeom prst="roundRect">
-            <a:avLst/>
-          </a:prstGeom>
-        </p:spPr>
-        <p:style>
-          <a:lnRef idx="1">
-            <a:schemeClr val="accent1"/>
-          </a:lnRef>
-          <a:fillRef idx="2">
-            <a:schemeClr val="accent1"/>
-          </a:fillRef>
-          <a:effectRef idx="1">
-            <a:schemeClr val="accent1"/>
-          </a:effectRef>
-          <a:fontRef idx="minor">
-            <a:schemeClr val="dk1"/>
-          </a:fontRef>
-        </p:style>
-        <p:txBody>
-          <a:bodyPr rtlCol="0" anchor="ctr"/>
-          <a:lstStyle/>
-          <a:p>
-            <a:pPr algn="ctr"/>
-            <a:r>
-              <a:rPr lang="en-US" altLang="ko-KR" dirty="0" smtClean="0"/>
-              <a:t>Shuffle</a:t>
-            </a:r>
-            <a:endParaRPr lang="ko-KR" altLang="en-US" dirty="0"/>
-          </a:p>
-        </p:txBody>
-      </p:sp>
-      <p:sp>
-        <p:nvSpPr>
-          <p:cNvPr id="26" name="모서리가 둥근 직사각형 25"/>
-          <p:cNvSpPr/>
-          <p:nvPr/>
-        </p:nvSpPr>
-        <p:spPr>
-          <a:xfrm>
-            <a:off x="6475633" y="2054962"/>
-            <a:ext cx="1653586" cy="832268"/>
-          </a:xfrm>
-          <a:prstGeom prst="roundRect">
-            <a:avLst/>
-          </a:prstGeom>
-        </p:spPr>
-        <p:style>
-          <a:lnRef idx="1">
-            <a:schemeClr val="accent1"/>
-          </a:lnRef>
-          <a:fillRef idx="2">
-            <a:schemeClr val="accent1"/>
-          </a:fillRef>
-          <a:effectRef idx="1">
-            <a:schemeClr val="accent1"/>
-          </a:effectRef>
-          <a:fontRef idx="minor">
-            <a:schemeClr val="dk1"/>
-          </a:fontRef>
-        </p:style>
-        <p:txBody>
-          <a:bodyPr rtlCol="0" anchor="ctr"/>
-          <a:lstStyle/>
-          <a:p>
-            <a:pPr algn="ctr"/>
-            <a:r>
-              <a:rPr lang="en-US" altLang="ko-KR" dirty="0" smtClean="0"/>
-              <a:t>Merge</a:t>
-            </a:r>
-            <a:endParaRPr lang="ko-KR" altLang="en-US" dirty="0"/>
-          </a:p>
-        </p:txBody>
-      </p:sp>
-      <p:cxnSp>
-        <p:nvCxnSpPr>
-          <p:cNvPr id="5" name="직선 화살표 연결선 4"/>
-          <p:cNvCxnSpPr>
-            <a:stCxn id="23" idx="3"/>
-            <a:endCxn id="24" idx="1"/>
-          </p:cNvCxnSpPr>
-          <p:nvPr/>
-        </p:nvCxnSpPr>
-        <p:spPr>
-          <a:xfrm>
-            <a:off x="2518707" y="5354077"/>
-            <a:ext cx="957291" cy="0"/>
-          </a:xfrm>
-          <a:prstGeom prst="straightConnector1">
-            <a:avLst/>
-          </a:prstGeom>
-          <a:ln>
-            <a:tailEnd type="triangle"/>
-          </a:ln>
-        </p:spPr>
-        <p:style>
-          <a:lnRef idx="1">
-            <a:schemeClr val="accent1"/>
-          </a:lnRef>
-          <a:fillRef idx="0">
-            <a:schemeClr val="accent1"/>
-          </a:fillRef>
-          <a:effectRef idx="0">
-            <a:schemeClr val="accent1"/>
-          </a:effectRef>
-          <a:fontRef idx="minor">
-            <a:schemeClr val="tx1"/>
-          </a:fontRef>
-        </p:style>
-      </p:cxnSp>
-      <p:cxnSp>
-        <p:nvCxnSpPr>
-          <p:cNvPr id="7" name="구부러진 연결선 6"/>
-          <p:cNvCxnSpPr>
-            <a:stCxn id="24" idx="3"/>
-            <a:endCxn id="25" idx="1"/>
-          </p:cNvCxnSpPr>
-          <p:nvPr/>
-        </p:nvCxnSpPr>
-        <p:spPr>
-          <a:xfrm>
-            <a:off x="5129584" y="5354077"/>
-            <a:ext cx="1302245" cy="12700"/>
-          </a:xfrm>
-          <a:prstGeom prst="curvedConnector3">
-            <a:avLst/>
-          </a:prstGeom>
-          <a:ln>
-            <a:tailEnd type="triangle"/>
-          </a:ln>
-        </p:spPr>
-        <p:style>
-          <a:lnRef idx="1">
-            <a:schemeClr val="accent1"/>
-          </a:lnRef>
-          <a:fillRef idx="0">
-            <a:schemeClr val="accent1"/>
-          </a:fillRef>
-          <a:effectRef idx="0">
-            <a:schemeClr val="accent1"/>
-          </a:effectRef>
-          <a:fontRef idx="minor">
-            <a:schemeClr val="tx1"/>
-          </a:fontRef>
-        </p:style>
-      </p:cxnSp>
-      <p:cxnSp>
-        <p:nvCxnSpPr>
-          <p:cNvPr id="31" name="구부러진 연결선 30"/>
-          <p:cNvCxnSpPr>
-            <a:stCxn id="24" idx="3"/>
-            <a:endCxn id="26" idx="1"/>
-          </p:cNvCxnSpPr>
-          <p:nvPr/>
-        </p:nvCxnSpPr>
-        <p:spPr>
-          <a:xfrm flipV="1">
-            <a:off x="5129584" y="2471096"/>
-            <a:ext cx="1346049" cy="2882981"/>
-          </a:xfrm>
-          <a:prstGeom prst="curvedConnector3">
-            <a:avLst/>
-          </a:prstGeom>
-          <a:ln>
-            <a:tailEnd type="triangle"/>
-          </a:ln>
-        </p:spPr>
-        <p:style>
-          <a:lnRef idx="1">
-            <a:schemeClr val="accent1"/>
-          </a:lnRef>
-          <a:fillRef idx="0">
-            <a:schemeClr val="accent1"/>
-          </a:fillRef>
-          <a:effectRef idx="0">
-            <a:schemeClr val="accent1"/>
-          </a:effectRef>
-          <a:fontRef idx="minor">
-            <a:schemeClr val="tx1"/>
-          </a:fontRef>
-        </p:style>
-      </p:cxnSp>
-      <p:cxnSp>
-        <p:nvCxnSpPr>
-          <p:cNvPr id="34" name="구부러진 연결선 33"/>
-          <p:cNvCxnSpPr>
-            <a:stCxn id="3" idx="3"/>
-            <a:endCxn id="26" idx="1"/>
-          </p:cNvCxnSpPr>
-          <p:nvPr/>
-        </p:nvCxnSpPr>
-        <p:spPr>
-          <a:xfrm>
-            <a:off x="2518707" y="2471096"/>
-            <a:ext cx="3956926" cy="12700"/>
-          </a:xfrm>
-          <a:prstGeom prst="curvedConnector3">
-            <a:avLst/>
-          </a:prstGeom>
-          <a:ln>
-            <a:tailEnd type="triangle"/>
-          </a:ln>
-        </p:spPr>
-        <p:style>
-          <a:lnRef idx="1">
-            <a:schemeClr val="accent1"/>
-          </a:lnRef>
-          <a:fillRef idx="0">
-            <a:schemeClr val="accent1"/>
-          </a:fillRef>
-          <a:effectRef idx="0">
-            <a:schemeClr val="accent1"/>
-          </a:effectRef>
-          <a:fontRef idx="minor">
-            <a:schemeClr val="tx1"/>
-          </a:fontRef>
-        </p:style>
-      </p:cxnSp>
-      <p:cxnSp>
-        <p:nvCxnSpPr>
-          <p:cNvPr id="17" name="구부러진 연결선 16"/>
-          <p:cNvCxnSpPr>
-            <a:stCxn id="26" idx="3"/>
-            <a:endCxn id="53" idx="0"/>
-          </p:cNvCxnSpPr>
-          <p:nvPr/>
-        </p:nvCxnSpPr>
-        <p:spPr>
-          <a:xfrm>
-            <a:off x="8129219" y="2471096"/>
-            <a:ext cx="2390946" cy="1025356"/>
-          </a:xfrm>
-          <a:prstGeom prst="curvedConnector2">
-            <a:avLst/>
-          </a:prstGeom>
-          <a:ln>
-            <a:tailEnd type="triangle"/>
-          </a:ln>
-        </p:spPr>
-        <p:style>
-          <a:lnRef idx="1">
-            <a:schemeClr val="accent1"/>
-          </a:lnRef>
-          <a:fillRef idx="0">
-            <a:schemeClr val="accent1"/>
-          </a:fillRef>
-          <a:effectRef idx="0">
-            <a:schemeClr val="accent1"/>
-          </a:effectRef>
-          <a:fontRef idx="minor">
-            <a:schemeClr val="tx1"/>
-          </a:fontRef>
-        </p:style>
-      </p:cxnSp>
-      <p:sp>
-        <p:nvSpPr>
-          <p:cNvPr id="53" name="모서리가 둥근 직사각형 52"/>
-          <p:cNvSpPr/>
-          <p:nvPr/>
-        </p:nvSpPr>
-        <p:spPr>
-          <a:xfrm>
-            <a:off x="9693372" y="3496452"/>
-            <a:ext cx="1653586" cy="832268"/>
-          </a:xfrm>
-          <a:prstGeom prst="roundRect">
-            <a:avLst/>
-          </a:prstGeom>
-        </p:spPr>
-        <p:style>
-          <a:lnRef idx="1">
-            <a:schemeClr val="accent1"/>
-          </a:lnRef>
-          <a:fillRef idx="2">
-            <a:schemeClr val="accent1"/>
-          </a:fillRef>
-          <a:effectRef idx="1">
-            <a:schemeClr val="accent1"/>
-          </a:effectRef>
-          <a:fontRef idx="minor">
-            <a:schemeClr val="dk1"/>
-          </a:fontRef>
-        </p:style>
-        <p:txBody>
-          <a:bodyPr rtlCol="0" anchor="ctr"/>
-          <a:lstStyle/>
-          <a:p>
-            <a:pPr algn="ctr"/>
-            <a:r>
-              <a:rPr lang="en-US" altLang="ko-KR" dirty="0" smtClean="0"/>
-              <a:t>Terminate</a:t>
-            </a:r>
-            <a:endParaRPr lang="ko-KR" altLang="en-US" dirty="0"/>
-          </a:p>
-        </p:txBody>
-      </p:sp>
-      <p:cxnSp>
-        <p:nvCxnSpPr>
-          <p:cNvPr id="44" name="구부러진 연결선 43"/>
-          <p:cNvCxnSpPr>
-            <a:stCxn id="25" idx="3"/>
-            <a:endCxn id="53" idx="2"/>
-          </p:cNvCxnSpPr>
-          <p:nvPr/>
-        </p:nvCxnSpPr>
-        <p:spPr>
-          <a:xfrm flipV="1">
-            <a:off x="8085415" y="4328720"/>
-            <a:ext cx="2434750" cy="1025357"/>
-          </a:xfrm>
-          <a:prstGeom prst="curvedConnector2">
-            <a:avLst/>
-          </a:prstGeom>
-          <a:ln>
-            <a:tailEnd type="triangle"/>
-          </a:ln>
-        </p:spPr>
-        <p:style>
-          <a:lnRef idx="1">
-            <a:schemeClr val="accent1"/>
-          </a:lnRef>
-          <a:fillRef idx="0">
-            <a:schemeClr val="accent1"/>
-          </a:fillRef>
-          <a:effectRef idx="0">
-            <a:schemeClr val="accent1"/>
-          </a:effectRef>
-          <a:fontRef idx="minor">
-            <a:schemeClr val="tx1"/>
-          </a:fontRef>
-        </p:style>
-      </p:cxnSp>
     </p:spTree>
     <p:extLst>
       <p:ext uri="{BB962C8B-B14F-4D97-AF65-F5344CB8AC3E}">
-        <p14:creationId xmlns:p14="http://schemas.microsoft.com/office/powerpoint/2010/main" val="3038135300"/>
+        <p14:creationId xmlns:p14="http://schemas.microsoft.com/office/powerpoint/2010/main" val="1566732067"/>
       </p:ext>
     </p:extLst>
   </p:cSld>
   <p:clrMapOvr>
     <a:masterClrMapping/>
   </p:clrMapOvr>
-  <p:timing>
-    <p:tnLst>
-      <p:par>
-        <p:cTn id="1" dur="indefinite" restart="never" nodeType="tmRoot"/>
-      </p:par>
-    </p:tnLst>
-  </p:timing>
 </p:sld>
 </file>
 
@@ -16225,27 +16380,394 @@
         </p:nvSpPr>
         <p:spPr>
           <a:xfrm>
-            <a:off x="197117" y="2763371"/>
-            <a:ext cx="11876248" cy="1325563"/>
+            <a:off x="6061323" y="343223"/>
+            <a:ext cx="5683516" cy="1325563"/>
           </a:xfrm>
         </p:spPr>
         <p:txBody>
           <a:bodyPr/>
           <a:lstStyle/>
           <a:p>
+            <a:r>
+              <a:rPr lang="en-US" altLang="ko-KR" dirty="0" smtClean="0"/>
+              <a:t>Slave Compute Order</a:t>
+            </a:r>
+            <a:endParaRPr lang="ko-KR" altLang="en-US" dirty="0"/>
+          </a:p>
+        </p:txBody>
+      </p:sp>
+      <p:sp>
+        <p:nvSpPr>
+          <p:cNvPr id="3" name="모서리가 둥근 직사각형 2"/>
+          <p:cNvSpPr/>
+          <p:nvPr/>
+        </p:nvSpPr>
+        <p:spPr>
+          <a:xfrm>
+            <a:off x="2215701" y="2223127"/>
+            <a:ext cx="1653586" cy="832268"/>
+          </a:xfrm>
+          <a:prstGeom prst="roundRect">
+            <a:avLst/>
+          </a:prstGeom>
+        </p:spPr>
+        <p:style>
+          <a:lnRef idx="1">
+            <a:schemeClr val="accent1"/>
+          </a:lnRef>
+          <a:fillRef idx="2">
+            <a:schemeClr val="accent1"/>
+          </a:fillRef>
+          <a:effectRef idx="1">
+            <a:schemeClr val="accent1"/>
+          </a:effectRef>
+          <a:fontRef idx="minor">
+            <a:schemeClr val="dk1"/>
+          </a:fontRef>
+        </p:style>
+        <p:txBody>
+          <a:bodyPr rtlCol="0" anchor="ctr"/>
+          <a:lstStyle/>
+          <a:p>
             <a:pPr algn="ctr"/>
             <a:r>
               <a:rPr lang="en-US" altLang="ko-KR" dirty="0" smtClean="0"/>
-              <a:t>Tests</a:t>
+              <a:t>Request</a:t>
             </a:r>
             <a:endParaRPr lang="ko-KR" altLang="en-US" dirty="0"/>
           </a:p>
         </p:txBody>
       </p:sp>
+      <p:sp>
+        <p:nvSpPr>
+          <p:cNvPr id="23" name="모서리가 둥근 직사각형 22"/>
+          <p:cNvSpPr/>
+          <p:nvPr/>
+        </p:nvSpPr>
+        <p:spPr>
+          <a:xfrm>
+            <a:off x="2215701" y="5106108"/>
+            <a:ext cx="1653586" cy="832268"/>
+          </a:xfrm>
+          <a:prstGeom prst="roundRect">
+            <a:avLst/>
+          </a:prstGeom>
+        </p:spPr>
+        <p:style>
+          <a:lnRef idx="1">
+            <a:schemeClr val="accent1"/>
+          </a:lnRef>
+          <a:fillRef idx="2">
+            <a:schemeClr val="accent1"/>
+          </a:fillRef>
+          <a:effectRef idx="1">
+            <a:schemeClr val="accent1"/>
+          </a:effectRef>
+          <a:fontRef idx="minor">
+            <a:schemeClr val="dk1"/>
+          </a:fontRef>
+        </p:style>
+        <p:txBody>
+          <a:bodyPr rtlCol="0" anchor="ctr"/>
+          <a:lstStyle/>
+          <a:p>
+            <a:pPr algn="ctr"/>
+            <a:r>
+              <a:rPr lang="en-US" altLang="ko-KR" dirty="0" smtClean="0"/>
+              <a:t>Partition</a:t>
+            </a:r>
+            <a:endParaRPr lang="ko-KR" altLang="en-US" dirty="0"/>
+          </a:p>
+        </p:txBody>
+      </p:sp>
+      <p:sp>
+        <p:nvSpPr>
+          <p:cNvPr id="24" name="모서리가 둥근 직사각형 23"/>
+          <p:cNvSpPr/>
+          <p:nvPr/>
+        </p:nvSpPr>
+        <p:spPr>
+          <a:xfrm>
+            <a:off x="4826578" y="5106108"/>
+            <a:ext cx="1653586" cy="832268"/>
+          </a:xfrm>
+          <a:prstGeom prst="roundRect">
+            <a:avLst/>
+          </a:prstGeom>
+        </p:spPr>
+        <p:style>
+          <a:lnRef idx="1">
+            <a:schemeClr val="accent1"/>
+          </a:lnRef>
+          <a:fillRef idx="2">
+            <a:schemeClr val="accent1"/>
+          </a:fillRef>
+          <a:effectRef idx="1">
+            <a:schemeClr val="accent1"/>
+          </a:effectRef>
+          <a:fontRef idx="minor">
+            <a:schemeClr val="dk1"/>
+          </a:fontRef>
+        </p:style>
+        <p:txBody>
+          <a:bodyPr rtlCol="0" anchor="ctr"/>
+          <a:lstStyle/>
+          <a:p>
+            <a:pPr algn="ctr"/>
+            <a:r>
+              <a:rPr lang="en-US" altLang="ko-KR" dirty="0" smtClean="0"/>
+              <a:t>Sort</a:t>
+            </a:r>
+            <a:endParaRPr lang="ko-KR" altLang="en-US" dirty="0"/>
+          </a:p>
+        </p:txBody>
+      </p:sp>
+      <p:sp>
+        <p:nvSpPr>
+          <p:cNvPr id="25" name="모서리가 둥근 직사각형 24"/>
+          <p:cNvSpPr/>
+          <p:nvPr/>
+        </p:nvSpPr>
+        <p:spPr>
+          <a:xfrm>
+            <a:off x="7782409" y="5106108"/>
+            <a:ext cx="1653586" cy="832268"/>
+          </a:xfrm>
+          <a:prstGeom prst="roundRect">
+            <a:avLst/>
+          </a:prstGeom>
+        </p:spPr>
+        <p:style>
+          <a:lnRef idx="1">
+            <a:schemeClr val="accent1"/>
+          </a:lnRef>
+          <a:fillRef idx="2">
+            <a:schemeClr val="accent1"/>
+          </a:fillRef>
+          <a:effectRef idx="1">
+            <a:schemeClr val="accent1"/>
+          </a:effectRef>
+          <a:fontRef idx="minor">
+            <a:schemeClr val="dk1"/>
+          </a:fontRef>
+        </p:style>
+        <p:txBody>
+          <a:bodyPr rtlCol="0" anchor="ctr"/>
+          <a:lstStyle/>
+          <a:p>
+            <a:pPr algn="ctr"/>
+            <a:r>
+              <a:rPr lang="en-US" altLang="ko-KR" dirty="0" smtClean="0"/>
+              <a:t>Create</a:t>
+            </a:r>
+          </a:p>
+          <a:p>
+            <a:pPr algn="ctr"/>
+            <a:r>
+              <a:rPr lang="en-US" altLang="ko-KR" dirty="0" smtClean="0"/>
+              <a:t>Request</a:t>
+            </a:r>
+          </a:p>
+          <a:p>
+            <a:pPr algn="ctr"/>
+            <a:r>
+              <a:rPr lang="en-US" altLang="ko-KR" dirty="0" smtClean="0"/>
+              <a:t>Server</a:t>
+            </a:r>
+            <a:endParaRPr lang="ko-KR" altLang="en-US" dirty="0"/>
+          </a:p>
+        </p:txBody>
+      </p:sp>
+      <p:sp>
+        <p:nvSpPr>
+          <p:cNvPr id="26" name="모서리가 둥근 직사각형 25"/>
+          <p:cNvSpPr/>
+          <p:nvPr/>
+        </p:nvSpPr>
+        <p:spPr>
+          <a:xfrm>
+            <a:off x="7826213" y="2223127"/>
+            <a:ext cx="1653586" cy="832268"/>
+          </a:xfrm>
+          <a:prstGeom prst="roundRect">
+            <a:avLst/>
+          </a:prstGeom>
+        </p:spPr>
+        <p:style>
+          <a:lnRef idx="1">
+            <a:schemeClr val="accent1"/>
+          </a:lnRef>
+          <a:fillRef idx="2">
+            <a:schemeClr val="accent1"/>
+          </a:fillRef>
+          <a:effectRef idx="1">
+            <a:schemeClr val="accent1"/>
+          </a:effectRef>
+          <a:fontRef idx="minor">
+            <a:schemeClr val="dk1"/>
+          </a:fontRef>
+        </p:style>
+        <p:txBody>
+          <a:bodyPr rtlCol="0" anchor="ctr"/>
+          <a:lstStyle/>
+          <a:p>
+            <a:pPr algn="ctr"/>
+            <a:r>
+              <a:rPr lang="en-US" altLang="ko-KR" dirty="0" smtClean="0"/>
+              <a:t>Merge</a:t>
+            </a:r>
+            <a:endParaRPr lang="ko-KR" altLang="en-US" dirty="0"/>
+          </a:p>
+        </p:txBody>
+      </p:sp>
+      <p:cxnSp>
+        <p:nvCxnSpPr>
+          <p:cNvPr id="5" name="직선 화살표 연결선 4"/>
+          <p:cNvCxnSpPr>
+            <a:stCxn id="23" idx="3"/>
+            <a:endCxn id="24" idx="1"/>
+          </p:cNvCxnSpPr>
+          <p:nvPr/>
+        </p:nvCxnSpPr>
+        <p:spPr>
+          <a:xfrm>
+            <a:off x="3869287" y="5522242"/>
+            <a:ext cx="957291" cy="0"/>
+          </a:xfrm>
+          <a:prstGeom prst="straightConnector1">
+            <a:avLst/>
+          </a:prstGeom>
+          <a:ln>
+            <a:tailEnd type="triangle"/>
+          </a:ln>
+        </p:spPr>
+        <p:style>
+          <a:lnRef idx="1">
+            <a:schemeClr val="accent1"/>
+          </a:lnRef>
+          <a:fillRef idx="0">
+            <a:schemeClr val="accent1"/>
+          </a:fillRef>
+          <a:effectRef idx="0">
+            <a:schemeClr val="accent1"/>
+          </a:effectRef>
+          <a:fontRef idx="minor">
+            <a:schemeClr val="tx1"/>
+          </a:fontRef>
+        </p:style>
+      </p:cxnSp>
+      <p:cxnSp>
+        <p:nvCxnSpPr>
+          <p:cNvPr id="7" name="구부러진 연결선 6"/>
+          <p:cNvCxnSpPr>
+            <a:stCxn id="24" idx="3"/>
+            <a:endCxn id="25" idx="1"/>
+          </p:cNvCxnSpPr>
+          <p:nvPr/>
+        </p:nvCxnSpPr>
+        <p:spPr>
+          <a:xfrm>
+            <a:off x="6480164" y="5522242"/>
+            <a:ext cx="1302245" cy="12700"/>
+          </a:xfrm>
+          <a:prstGeom prst="curvedConnector3">
+            <a:avLst/>
+          </a:prstGeom>
+          <a:ln>
+            <a:tailEnd type="triangle"/>
+          </a:ln>
+        </p:spPr>
+        <p:style>
+          <a:lnRef idx="1">
+            <a:schemeClr val="accent1"/>
+          </a:lnRef>
+          <a:fillRef idx="0">
+            <a:schemeClr val="accent1"/>
+          </a:fillRef>
+          <a:effectRef idx="0">
+            <a:schemeClr val="accent1"/>
+          </a:effectRef>
+          <a:fontRef idx="minor">
+            <a:schemeClr val="tx1"/>
+          </a:fontRef>
+        </p:style>
+      </p:cxnSp>
+      <p:cxnSp>
+        <p:nvCxnSpPr>
+          <p:cNvPr id="31" name="구부러진 연결선 30"/>
+          <p:cNvCxnSpPr>
+            <a:stCxn id="24" idx="3"/>
+            <a:endCxn id="26" idx="1"/>
+          </p:cNvCxnSpPr>
+          <p:nvPr/>
+        </p:nvCxnSpPr>
+        <p:spPr>
+          <a:xfrm flipV="1">
+            <a:off x="6480164" y="2639261"/>
+            <a:ext cx="1346049" cy="2882981"/>
+          </a:xfrm>
+          <a:prstGeom prst="curvedConnector3">
+            <a:avLst/>
+          </a:prstGeom>
+          <a:ln>
+            <a:tailEnd type="triangle"/>
+          </a:ln>
+        </p:spPr>
+        <p:style>
+          <a:lnRef idx="1">
+            <a:schemeClr val="accent1"/>
+          </a:lnRef>
+          <a:fillRef idx="0">
+            <a:schemeClr val="accent1"/>
+          </a:fillRef>
+          <a:effectRef idx="0">
+            <a:schemeClr val="accent1"/>
+          </a:effectRef>
+          <a:fontRef idx="minor">
+            <a:schemeClr val="tx1"/>
+          </a:fontRef>
+        </p:style>
+      </p:cxnSp>
+      <p:cxnSp>
+        <p:nvCxnSpPr>
+          <p:cNvPr id="34" name="구부러진 연결선 33"/>
+          <p:cNvCxnSpPr>
+            <a:stCxn id="3" idx="3"/>
+            <a:endCxn id="26" idx="1"/>
+          </p:cNvCxnSpPr>
+          <p:nvPr/>
+        </p:nvCxnSpPr>
+        <p:spPr>
+          <a:xfrm>
+            <a:off x="3869287" y="2639261"/>
+            <a:ext cx="3956926" cy="12700"/>
+          </a:xfrm>
+          <a:prstGeom prst="curvedConnector3">
+            <a:avLst/>
+          </a:prstGeom>
+          <a:ln>
+            <a:tailEnd type="triangle"/>
+          </a:ln>
+        </p:spPr>
+        <p:style>
+          <a:lnRef idx="1">
+            <a:schemeClr val="accent1"/>
+          </a:lnRef>
+          <a:fillRef idx="0">
+            <a:schemeClr val="accent1"/>
+          </a:fillRef>
+          <a:effectRef idx="0">
+            <a:schemeClr val="accent1"/>
+          </a:effectRef>
+          <a:fontRef idx="minor">
+            <a:schemeClr val="tx1"/>
+          </a:fontRef>
+        </p:style>
+      </p:cxnSp>
     </p:spTree>
     <p:extLst>
       <p:ext uri="{BB962C8B-B14F-4D97-AF65-F5344CB8AC3E}">
-        <p14:creationId xmlns:p14="http://schemas.microsoft.com/office/powerpoint/2010/main" val="946132181"/>
+        <p14:creationId xmlns:p14="http://schemas.microsoft.com/office/powerpoint/2010/main" val="3038135300"/>
       </p:ext>
     </p:extLst>
   </p:cSld>
@@ -16289,65 +16811,20 @@
             <p:ph type="title"/>
           </p:nvPr>
         </p:nvSpPr>
-        <p:spPr/>
+        <p:spPr>
+          <a:xfrm>
+            <a:off x="197117" y="2763371"/>
+            <a:ext cx="11876248" cy="1325563"/>
+          </a:xfrm>
+        </p:spPr>
         <p:txBody>
           <a:bodyPr/>
           <a:lstStyle/>
           <a:p>
-            <a:r>
-              <a:rPr lang="en-US" altLang="ko-KR" dirty="0" err="1" smtClean="0"/>
-              <a:t>PivotSuite</a:t>
-            </a:r>
-            <a:endParaRPr lang="ko-KR" altLang="en-US" dirty="0"/>
-          </a:p>
-        </p:txBody>
-      </p:sp>
-      <p:sp>
-        <p:nvSpPr>
-          <p:cNvPr id="3" name="내용 개체 틀 2"/>
-          <p:cNvSpPr>
-            <a:spLocks noGrp="1"/>
-          </p:cNvSpPr>
-          <p:nvPr>
-            <p:ph idx="1"/>
-          </p:nvPr>
-        </p:nvSpPr>
-        <p:spPr/>
-        <p:txBody>
-          <a:bodyPr/>
-          <a:lstStyle/>
-          <a:p>
-            <a:r>
-              <a:rPr lang="en-US" altLang="ko-KR" dirty="0" err="1" smtClean="0"/>
-              <a:t>sampleKey</a:t>
-            </a:r>
+            <a:pPr algn="ctr"/>
             <a:r>
               <a:rPr lang="en-US" altLang="ko-KR" dirty="0" smtClean="0"/>
-              <a:t> = {{0, 0, …, 0}, {1, 1, …, 1}, …, {0xff, 0xff, …, 0xff}}</a:t>
-            </a:r>
-          </a:p>
-          <a:p>
-            <a:endParaRPr lang="en-US" altLang="ko-KR" dirty="0"/>
-          </a:p>
-          <a:p>
-            <a:r>
-              <a:rPr lang="en-US" altLang="ko-KR" dirty="0" smtClean="0"/>
-              <a:t>Calculates correct pivot for </a:t>
-            </a:r>
-            <a:r>
-              <a:rPr lang="en-US" altLang="ko-KR" dirty="0" err="1" smtClean="0"/>
-              <a:t>sampleKey</a:t>
-            </a:r>
-            <a:endParaRPr lang="en-US" altLang="ko-KR" dirty="0" smtClean="0"/>
-          </a:p>
-          <a:p>
-            <a:r>
-              <a:rPr lang="en-US" altLang="ko-KR" dirty="0" smtClean="0"/>
-              <a:t>Calculates correct pivot for </a:t>
-            </a:r>
-            <a:r>
-              <a:rPr lang="en-US" altLang="ko-KR" dirty="0" err="1" smtClean="0"/>
-              <a:t>sampleKey.reverse</a:t>
+              <a:t>Tests</a:t>
             </a:r>
             <a:endParaRPr lang="ko-KR" altLang="en-US" dirty="0"/>
           </a:p>
@@ -16356,13 +16833,20 @@
     </p:spTree>
     <p:extLst>
       <p:ext uri="{BB962C8B-B14F-4D97-AF65-F5344CB8AC3E}">
-        <p14:creationId xmlns:p14="http://schemas.microsoft.com/office/powerpoint/2010/main" val="81598223"/>
+        <p14:creationId xmlns:p14="http://schemas.microsoft.com/office/powerpoint/2010/main" val="946132181"/>
       </p:ext>
     </p:extLst>
   </p:cSld>
   <p:clrMapOvr>
     <a:masterClrMapping/>
   </p:clrMapOvr>
+  <p:timing>
+    <p:tnLst>
+      <p:par>
+        <p:cTn id="1" dur="indefinite" restart="never" nodeType="tmRoot"/>
+      </p:par>
+    </p:tnLst>
+  </p:timing>
 </p:sld>
 </file>
 
@@ -16393,20 +16877,65 @@
             <p:ph type="title"/>
           </p:nvPr>
         </p:nvSpPr>
-        <p:spPr>
-          <a:xfrm>
-            <a:off x="197117" y="2763371"/>
-            <a:ext cx="11876248" cy="1325563"/>
-          </a:xfrm>
-        </p:spPr>
+        <p:spPr/>
         <p:txBody>
           <a:bodyPr/>
           <a:lstStyle/>
           <a:p>
-            <a:pPr algn="ctr"/>
             <a:r>
               <a:rPr lang="en-US" altLang="ko-KR" dirty="0" err="1" smtClean="0"/>
-              <a:t>etc</a:t>
+              <a:t>PivotSuite</a:t>
+            </a:r>
+            <a:endParaRPr lang="ko-KR" altLang="en-US" dirty="0"/>
+          </a:p>
+        </p:txBody>
+      </p:sp>
+      <p:sp>
+        <p:nvSpPr>
+          <p:cNvPr id="3" name="내용 개체 틀 2"/>
+          <p:cNvSpPr>
+            <a:spLocks noGrp="1"/>
+          </p:cNvSpPr>
+          <p:nvPr>
+            <p:ph idx="1"/>
+          </p:nvPr>
+        </p:nvSpPr>
+        <p:spPr/>
+        <p:txBody>
+          <a:bodyPr/>
+          <a:lstStyle/>
+          <a:p>
+            <a:r>
+              <a:rPr lang="en-US" altLang="ko-KR" dirty="0" err="1" smtClean="0"/>
+              <a:t>sampleKey</a:t>
+            </a:r>
+            <a:r>
+              <a:rPr lang="en-US" altLang="ko-KR" dirty="0" smtClean="0"/>
+              <a:t> = {{0, 0, …, 0}, {1, 1, …, 1}, …, {0xff, 0xff, …, 0xff}}</a:t>
+            </a:r>
+          </a:p>
+          <a:p>
+            <a:endParaRPr lang="en-US" altLang="ko-KR" dirty="0"/>
+          </a:p>
+          <a:p>
+            <a:r>
+              <a:rPr lang="en-US" altLang="ko-KR" dirty="0" smtClean="0"/>
+              <a:t>Calculates correct pivot for </a:t>
+            </a:r>
+            <a:r>
+              <a:rPr lang="en-US" altLang="ko-KR" dirty="0" err="1" smtClean="0"/>
+              <a:t>sampleKey</a:t>
+            </a:r>
+            <a:endParaRPr lang="en-US" altLang="ko-KR" dirty="0" smtClean="0"/>
+          </a:p>
+          <a:p>
+            <a:r>
+              <a:rPr lang="en-US" altLang="ko-KR" dirty="0" smtClean="0"/>
+              <a:t>Calculates correct pivot for </a:t>
+            </a:r>
+            <a:r>
+              <a:rPr lang="en-US" altLang="ko-KR" dirty="0" err="1" smtClean="0"/>
+              <a:t>sampleKey.reverse</a:t>
             </a:r>
             <a:endParaRPr lang="ko-KR" altLang="en-US" dirty="0"/>
           </a:p>
@@ -16415,20 +16944,13 @@
     </p:spTree>
     <p:extLst>
       <p:ext uri="{BB962C8B-B14F-4D97-AF65-F5344CB8AC3E}">
-        <p14:creationId xmlns:p14="http://schemas.microsoft.com/office/powerpoint/2010/main" val="3276223961"/>
+        <p14:creationId xmlns:p14="http://schemas.microsoft.com/office/powerpoint/2010/main" val="81598223"/>
       </p:ext>
     </p:extLst>
   </p:cSld>
   <p:clrMapOvr>
     <a:masterClrMapping/>
   </p:clrMapOvr>
-  <p:timing>
-    <p:tnLst>
-      <p:par>
-        <p:cTn id="1" dur="indefinite" restart="never" nodeType="tmRoot"/>
-      </p:par>
-    </p:tnLst>
-  </p:timing>
 </p:sld>
 </file>
 
@@ -16459,71 +16981,42 @@
             <p:ph type="title"/>
           </p:nvPr>
         </p:nvSpPr>
-        <p:spPr/>
+        <p:spPr>
+          <a:xfrm>
+            <a:off x="197117" y="2763371"/>
+            <a:ext cx="11876248" cy="1325563"/>
+          </a:xfrm>
+        </p:spPr>
         <p:txBody>
           <a:bodyPr/>
           <a:lstStyle/>
           <a:p>
+            <a:pPr algn="ctr"/>
             <a:r>
               <a:rPr lang="en-US" altLang="ko-KR" dirty="0" smtClean="0"/>
-              <a:t>Possible improvements</a:t>
+              <a:t>Experiment on cluster machines</a:t>
             </a:r>
             <a:endParaRPr lang="ko-KR" altLang="en-US" dirty="0"/>
-          </a:p>
-        </p:txBody>
-      </p:sp>
-      <p:sp>
-        <p:nvSpPr>
-          <p:cNvPr id="3" name="내용 개체 틀 2"/>
-          <p:cNvSpPr>
-            <a:spLocks noGrp="1"/>
-          </p:cNvSpPr>
-          <p:nvPr>
-            <p:ph idx="1"/>
-          </p:nvPr>
-        </p:nvSpPr>
-        <p:spPr/>
-        <p:txBody>
-          <a:bodyPr/>
-          <a:lstStyle/>
-          <a:p>
-            <a:r>
-              <a:rPr lang="en-US" altLang="ko-KR" dirty="0" smtClean="0"/>
-              <a:t>Sample by main thread -&gt; Sample by futures?</a:t>
-            </a:r>
-          </a:p>
-          <a:p>
-            <a:pPr lvl="1"/>
-            <a:r>
-              <a:rPr lang="en-US" altLang="ko-KR" dirty="0" smtClean="0"/>
-              <a:t>Actually, sampling does not take much time</a:t>
-            </a:r>
-          </a:p>
-          <a:p>
-            <a:pPr lvl="1"/>
-            <a:r>
-              <a:rPr lang="en-US" altLang="ko-KR" dirty="0" smtClean="0"/>
-              <a:t>But this change increase complexity of connect state much</a:t>
-            </a:r>
-          </a:p>
-          <a:p>
-            <a:pPr marL="0" indent="0">
-              <a:buNone/>
-            </a:pPr>
-            <a:endParaRPr lang="en-US" altLang="ko-KR" dirty="0" smtClean="0"/>
           </a:p>
         </p:txBody>
       </p:sp>
     </p:spTree>
     <p:extLst>
       <p:ext uri="{BB962C8B-B14F-4D97-AF65-F5344CB8AC3E}">
-        <p14:creationId xmlns:p14="http://schemas.microsoft.com/office/powerpoint/2010/main" val="526122442"/>
+        <p14:creationId xmlns:p14="http://schemas.microsoft.com/office/powerpoint/2010/main" val="2070078901"/>
       </p:ext>
     </p:extLst>
   </p:cSld>
   <p:clrMapOvr>
     <a:masterClrMapping/>
   </p:clrMapOvr>
+  <p:timing>
+    <p:tnLst>
+      <p:par>
+        <p:cTn id="1" dur="indefinite" restart="never" nodeType="tmRoot"/>
+      </p:par>
+    </p:tnLst>
+  </p:timing>
 </p:sld>
 </file>
 
@@ -16546,7 +17039,61 @@
       </p:grpSpPr>
       <p:sp>
         <p:nvSpPr>
-          <p:cNvPr id="2" name="제목 1"/>
+          <p:cNvPr id="3" name="내용 개체 틀 2"/>
+          <p:cNvSpPr>
+            <a:spLocks noGrp="1"/>
+          </p:cNvSpPr>
+          <p:nvPr>
+            <p:ph idx="1"/>
+          </p:nvPr>
+        </p:nvSpPr>
+        <p:spPr/>
+        <p:txBody>
+          <a:bodyPr/>
+          <a:lstStyle/>
+          <a:p>
+            <a:r>
+              <a:rPr lang="en-US" altLang="ko-KR" dirty="0" smtClean="0"/>
+              <a:t>The program write the log of</a:t>
+            </a:r>
+          </a:p>
+          <a:p>
+            <a:pPr lvl="1"/>
+            <a:r>
+              <a:rPr lang="en-US" altLang="ko-KR" dirty="0" smtClean="0"/>
+              <a:t>Received messages</a:t>
+            </a:r>
+          </a:p>
+          <a:p>
+            <a:pPr lvl="1"/>
+            <a:r>
+              <a:rPr lang="en-US" altLang="ko-KR" dirty="0" smtClean="0"/>
+              <a:t>Start of partition (of each file)</a:t>
+            </a:r>
+          </a:p>
+          <a:p>
+            <a:pPr lvl="1"/>
+            <a:r>
+              <a:rPr lang="en-US" altLang="ko-KR" dirty="0" smtClean="0"/>
+              <a:t>Received, or sent file request</a:t>
+            </a:r>
+          </a:p>
+          <a:p>
+            <a:pPr lvl="1"/>
+            <a:r>
+              <a:rPr lang="en-US" altLang="ko-KR" dirty="0" smtClean="0"/>
+              <a:t>Partition name is partition_{file #}_{partition #}_{owner #}</a:t>
+            </a:r>
+          </a:p>
+          <a:p>
+            <a:pPr lvl="1"/>
+            <a:endParaRPr lang="en-US" altLang="ko-KR" dirty="0"/>
+          </a:p>
+        </p:txBody>
+      </p:sp>
+      <p:sp>
+        <p:nvSpPr>
+          <p:cNvPr id="4" name="제목 1"/>
           <p:cNvSpPr>
             <a:spLocks noGrp="1"/>
           </p:cNvSpPr>
@@ -16556,18 +17103,17 @@
         </p:nvSpPr>
         <p:spPr>
           <a:xfrm>
-            <a:off x="197117" y="2763371"/>
-            <a:ext cx="11876248" cy="1325563"/>
+            <a:off x="838200" y="365125"/>
+            <a:ext cx="10515600" cy="1325563"/>
           </a:xfrm>
         </p:spPr>
         <p:txBody>
           <a:bodyPr/>
           <a:lstStyle/>
           <a:p>
-            <a:pPr algn="ctr"/>
             <a:r>
               <a:rPr lang="en-US" altLang="ko-KR" dirty="0" smtClean="0"/>
-              <a:t>Experiment on cluster machines</a:t>
+              <a:t>Program spec</a:t>
             </a:r>
             <a:endParaRPr lang="ko-KR" altLang="en-US" dirty="0"/>
           </a:p>
@@ -16576,20 +17122,13 @@
     </p:spTree>
     <p:extLst>
       <p:ext uri="{BB962C8B-B14F-4D97-AF65-F5344CB8AC3E}">
-        <p14:creationId xmlns:p14="http://schemas.microsoft.com/office/powerpoint/2010/main" val="2070078901"/>
+        <p14:creationId xmlns:p14="http://schemas.microsoft.com/office/powerpoint/2010/main" val="1844399045"/>
       </p:ext>
     </p:extLst>
   </p:cSld>
   <p:clrMapOvr>
     <a:masterClrMapping/>
   </p:clrMapOvr>
-  <p:timing>
-    <p:tnLst>
-      <p:par>
-        <p:cTn id="1" dur="indefinite" restart="never" nodeType="tmRoot"/>
-      </p:par>
-    </p:tnLst>
-  </p:timing>
 </p:sld>
 </file>
 
@@ -16612,62 +17151,7 @@
       </p:grpSpPr>
       <p:sp>
         <p:nvSpPr>
-          <p:cNvPr id="3" name="내용 개체 틀 2"/>
-          <p:cNvSpPr>
-            <a:spLocks noGrp="1"/>
-          </p:cNvSpPr>
-          <p:nvPr>
-            <p:ph idx="1"/>
-          </p:nvPr>
-        </p:nvSpPr>
-        <p:spPr/>
-        <p:txBody>
-          <a:bodyPr/>
-          <a:lstStyle/>
-          <a:p>
-            <a:r>
-              <a:rPr lang="en-US" altLang="ko-KR" dirty="0" smtClean="0"/>
-              <a:t>The program write the log of</a:t>
-            </a:r>
-          </a:p>
-          <a:p>
-            <a:pPr lvl="1"/>
-            <a:r>
-              <a:rPr lang="en-US" altLang="ko-KR" dirty="0" smtClean="0"/>
-              <a:t>Received messages</a:t>
-            </a:r>
-          </a:p>
-          <a:p>
-            <a:pPr lvl="1"/>
-            <a:r>
-              <a:rPr lang="en-US" altLang="ko-KR" dirty="0" smtClean="0"/>
-              <a:t>Start of partition (of each file)</a:t>
-            </a:r>
-          </a:p>
-          <a:p>
-            <a:pPr lvl="1"/>
-            <a:r>
-              <a:rPr lang="en-US" altLang="ko-KR" dirty="0" smtClean="0"/>
-              <a:t>Received, or sent file request</a:t>
-            </a:r>
-          </a:p>
-          <a:p>
-            <a:pPr lvl="1"/>
-            <a:r>
-              <a:rPr lang="en-US" altLang="ko-KR" dirty="0" smtClean="0"/>
-              <a:t>Partition name is partition_{file #}_{partition #}_{owner #}</a:t>
-            </a:r>
-            <a:endParaRPr lang="en-US" altLang="ko-KR" dirty="0" smtClean="0"/>
-          </a:p>
-          <a:p>
-            <a:pPr lvl="1"/>
-            <a:endParaRPr lang="en-US" altLang="ko-KR" dirty="0"/>
-          </a:p>
-        </p:txBody>
-      </p:sp>
-      <p:sp>
-        <p:nvSpPr>
-          <p:cNvPr id="4" name="제목 1"/>
+          <p:cNvPr id="2" name="제목 1"/>
           <p:cNvSpPr>
             <a:spLocks noGrp="1"/>
           </p:cNvSpPr>
@@ -16677,7 +17161,7 @@
         </p:nvSpPr>
         <p:spPr>
           <a:xfrm>
-            <a:off x="838200" y="365125"/>
+            <a:off x="4238297" y="2814035"/>
             <a:ext cx="10515600" cy="1325563"/>
           </a:xfrm>
         </p:spPr>
@@ -16687,7 +17171,7 @@
           <a:p>
             <a:r>
               <a:rPr lang="en-US" altLang="ko-KR" dirty="0" smtClean="0"/>
-              <a:t>Program spec</a:t>
+              <a:t>Milestone 1</a:t>
             </a:r>
             <a:endParaRPr lang="ko-KR" altLang="en-US" dirty="0"/>
           </a:p>
@@ -16696,7 +17180,7 @@
     </p:spTree>
     <p:extLst>
       <p:ext uri="{BB962C8B-B14F-4D97-AF65-F5344CB8AC3E}">
-        <p14:creationId xmlns:p14="http://schemas.microsoft.com/office/powerpoint/2010/main" val="1844399045"/>
+        <p14:creationId xmlns:p14="http://schemas.microsoft.com/office/powerpoint/2010/main" val="843458276"/>
       </p:ext>
     </p:extLst>
   </p:cSld>
@@ -16725,64 +17209,6 @@
       </p:grpSpPr>
       <p:sp>
         <p:nvSpPr>
-          <p:cNvPr id="2" name="제목 1"/>
-          <p:cNvSpPr>
-            <a:spLocks noGrp="1"/>
-          </p:cNvSpPr>
-          <p:nvPr>
-            <p:ph type="title"/>
-          </p:nvPr>
-        </p:nvSpPr>
-        <p:spPr>
-          <a:xfrm>
-            <a:off x="4238297" y="2814035"/>
-            <a:ext cx="10515600" cy="1325563"/>
-          </a:xfrm>
-        </p:spPr>
-        <p:txBody>
-          <a:bodyPr/>
-          <a:lstStyle/>
-          <a:p>
-            <a:r>
-              <a:rPr lang="en-US" altLang="ko-KR" dirty="0" smtClean="0"/>
-              <a:t>Milestone 1</a:t>
-            </a:r>
-            <a:endParaRPr lang="ko-KR" altLang="en-US" dirty="0"/>
-          </a:p>
-        </p:txBody>
-      </p:sp>
-    </p:spTree>
-    <p:extLst>
-      <p:ext uri="{BB962C8B-B14F-4D97-AF65-F5344CB8AC3E}">
-        <p14:creationId xmlns:p14="http://schemas.microsoft.com/office/powerpoint/2010/main" val="843458276"/>
-      </p:ext>
-    </p:extLst>
-  </p:cSld>
-  <p:clrMapOvr>
-    <a:masterClrMapping/>
-  </p:clrMapOvr>
-</p:sld>
-</file>
-
-<file path=ppt/slides/slide37.xml><?xml version="1.0" encoding="utf-8"?>
-<p:sld xmlns:a="http://schemas.openxmlformats.org/drawingml/2006/main" xmlns:r="http://schemas.openxmlformats.org/officeDocument/2006/relationships" xmlns:p="http://schemas.openxmlformats.org/presentationml/2006/main">
-  <p:cSld>
-    <p:spTree>
-      <p:nvGrpSpPr>
-        <p:cNvPr id="1" name=""/>
-        <p:cNvGrpSpPr/>
-        <p:nvPr/>
-      </p:nvGrpSpPr>
-      <p:grpSpPr>
-        <a:xfrm>
-          <a:off x="0" y="0"/>
-          <a:ext cx="0" cy="0"/>
-          <a:chOff x="0" y="0"/>
-          <a:chExt cx="0" cy="0"/>
-        </a:xfrm>
-      </p:grpSpPr>
-      <p:sp>
-        <p:nvSpPr>
           <p:cNvPr id="3" name="내용 개체 틀 2"/>
           <p:cNvSpPr>
             <a:spLocks noGrp="1"/>
@@ -16871,7 +17297,7 @@
 </p:sld>
 </file>
 
-<file path=ppt/slides/slide38.xml><?xml version="1.0" encoding="utf-8"?>
+<file path=ppt/slides/slide37.xml><?xml version="1.0" encoding="utf-8"?>
 <p:sld xmlns:a="http://schemas.openxmlformats.org/drawingml/2006/main" xmlns:r="http://schemas.openxmlformats.org/officeDocument/2006/relationships" xmlns:p="http://schemas.openxmlformats.org/presentationml/2006/main">
   <p:cSld>
     <p:spTree>
@@ -17172,6 +17598,113 @@
 </p:sld>
 </file>
 
+<file path=ppt/slides/slide38.xml><?xml version="1.0" encoding="utf-8"?>
+<p:sld xmlns:a="http://schemas.openxmlformats.org/drawingml/2006/main" xmlns:r="http://schemas.openxmlformats.org/officeDocument/2006/relationships" xmlns:p="http://schemas.openxmlformats.org/presentationml/2006/main">
+  <p:cSld>
+    <p:spTree>
+      <p:nvGrpSpPr>
+        <p:cNvPr id="1" name=""/>
+        <p:cNvGrpSpPr/>
+        <p:nvPr/>
+      </p:nvGrpSpPr>
+      <p:grpSpPr>
+        <a:xfrm>
+          <a:off x="0" y="0"/>
+          <a:ext cx="0" cy="0"/>
+          <a:chOff x="0" y="0"/>
+          <a:chExt cx="0" cy="0"/>
+        </a:xfrm>
+      </p:grpSpPr>
+      <p:sp>
+        <p:nvSpPr>
+          <p:cNvPr id="3" name="내용 개체 틀 2"/>
+          <p:cNvSpPr>
+            <a:spLocks noGrp="1"/>
+          </p:cNvSpPr>
+          <p:nvPr>
+            <p:ph idx="1"/>
+          </p:nvPr>
+        </p:nvSpPr>
+        <p:spPr>
+          <a:xfrm>
+            <a:off x="776635" y="570050"/>
+            <a:ext cx="10515600" cy="4351338"/>
+          </a:xfrm>
+        </p:spPr>
+        <p:txBody>
+          <a:bodyPr/>
+          <a:lstStyle/>
+          <a:p>
+            <a:r>
+              <a:rPr lang="en-US" altLang="ko-KR" dirty="0" smtClean="0"/>
+              <a:t>Scenario:</a:t>
+            </a:r>
+          </a:p>
+          <a:p>
+            <a:pPr lvl="1">
+              <a:buFontTx/>
+              <a:buChar char="-"/>
+            </a:pPr>
+            <a:r>
+              <a:rPr lang="en-US" altLang="ko-KR" dirty="0" smtClean="0"/>
+              <a:t>Master wait 1 slave</a:t>
+            </a:r>
+          </a:p>
+          <a:p>
+            <a:pPr lvl="1">
+              <a:buFontTx/>
+              <a:buChar char="-"/>
+            </a:pPr>
+            <a:r>
+              <a:rPr lang="en-US" altLang="ko-KR" dirty="0" smtClean="0"/>
+              <a:t>1 slave try to connect to master</a:t>
+            </a:r>
+            <a:endParaRPr lang="ko-KR" altLang="en-US" dirty="0"/>
+          </a:p>
+        </p:txBody>
+      </p:sp>
+      <p:pic>
+        <p:nvPicPr>
+          <p:cNvPr id="4" name="그림 3" descr="141.223.82.191:22 - khpark0312@itcmas1:~ - Xshell 5 (Free for Home/School)"/>
+          <p:cNvPicPr>
+            <a:picLocks noChangeAspect="1"/>
+          </p:cNvPicPr>
+          <p:nvPr/>
+        </p:nvPicPr>
+        <p:blipFill rotWithShape="1">
+          <a:blip r:embed="rId2" cstate="print">
+            <a:extLst>
+              <a:ext uri="{28A0092B-C50C-407E-A947-70E740481C1C}">
+                <a14:useLocalDpi xmlns:a14="http://schemas.microsoft.com/office/drawing/2010/main" val="0"/>
+              </a:ext>
+            </a:extLst>
+          </a:blip>
+          <a:srcRect t="14873" b="5916"/>
+          <a:stretch/>
+        </p:blipFill>
+        <p:spPr>
+          <a:xfrm>
+            <a:off x="897151" y="2107360"/>
+            <a:ext cx="10302307" cy="4456942"/>
+          </a:xfrm>
+          <a:prstGeom prst="rect">
+            <a:avLst/>
+          </a:prstGeom>
+        </p:spPr>
+      </p:pic>
+    </p:spTree>
+    <p:extLst>
+      <p:ext uri="{BB962C8B-B14F-4D97-AF65-F5344CB8AC3E}">
+        <p14:creationId xmlns:p14="http://schemas.microsoft.com/office/powerpoint/2010/main" val="4018509094"/>
+      </p:ext>
+    </p:extLst>
+  </p:cSld>
+  <p:clrMapOvr>
+    <a:masterClrMapping/>
+  </p:clrMapOvr>
+</p:sld>
+</file>
+
 <file path=ppt/slides/slide39.xml><?xml version="1.0" encoding="utf-8"?>
 <p:sld xmlns:a="http://schemas.openxmlformats.org/drawingml/2006/main" xmlns:r="http://schemas.openxmlformats.org/officeDocument/2006/relationships" xmlns:p="http://schemas.openxmlformats.org/presentationml/2006/main">
   <p:cSld>
@@ -17201,7 +17734,7 @@
         </p:nvSpPr>
         <p:spPr>
           <a:xfrm>
-            <a:off x="776635" y="570050"/>
+            <a:off x="794802" y="2834856"/>
             <a:ext cx="10515600" cy="4351338"/>
           </a:xfrm>
         </p:spPr>
@@ -17221,7 +17754,7 @@
             </a:pPr>
             <a:r>
               <a:rPr lang="en-US" altLang="ko-KR" dirty="0" smtClean="0"/>
-              <a:t>Master wait 1 slave</a:t>
+              <a:t>Master wait 2 slaves</a:t>
             </a:r>
           </a:p>
           <a:p>
@@ -17230,46 +17763,21 @@
               <a:buChar char="-"/>
             </a:pPr>
             <a:r>
+              <a:rPr lang="en-US" altLang="ko-KR" dirty="0"/>
+              <a:t>2</a:t>
+            </a:r>
+            <a:r>
               <a:rPr lang="en-US" altLang="ko-KR" dirty="0" smtClean="0"/>
-              <a:t>1 slave try to connect to master</a:t>
+              <a:t> slaves try to connect to master</a:t>
             </a:r>
             <a:endParaRPr lang="ko-KR" altLang="en-US" dirty="0"/>
           </a:p>
         </p:txBody>
       </p:sp>
-      <p:pic>
-        <p:nvPicPr>
-          <p:cNvPr id="4" name="그림 3" descr="141.223.82.191:22 - khpark0312@itcmas1:~ - Xshell 5 (Free for Home/School)"/>
-          <p:cNvPicPr>
-            <a:picLocks noChangeAspect="1"/>
-          </p:cNvPicPr>
-          <p:nvPr/>
-        </p:nvPicPr>
-        <p:blipFill rotWithShape="1">
-          <a:blip r:embed="rId2" cstate="print">
-            <a:extLst>
-              <a:ext uri="{28A0092B-C50C-407E-A947-70E740481C1C}">
-                <a14:useLocalDpi xmlns:a14="http://schemas.microsoft.com/office/drawing/2010/main" val="0"/>
-              </a:ext>
-            </a:extLst>
-          </a:blip>
-          <a:srcRect t="14873" b="5916"/>
-          <a:stretch/>
-        </p:blipFill>
-        <p:spPr>
-          <a:xfrm>
-            <a:off x="897151" y="2107360"/>
-            <a:ext cx="10302307" cy="4456942"/>
-          </a:xfrm>
-          <a:prstGeom prst="rect">
-            <a:avLst/>
-          </a:prstGeom>
-        </p:spPr>
-      </p:pic>
     </p:spTree>
     <p:extLst>
       <p:ext uri="{BB962C8B-B14F-4D97-AF65-F5344CB8AC3E}">
-        <p14:creationId xmlns:p14="http://schemas.microsoft.com/office/powerpoint/2010/main" val="4018509094"/>
+        <p14:creationId xmlns:p14="http://schemas.microsoft.com/office/powerpoint/2010/main" val="1536637855"/>
       </p:ext>
     </p:extLst>
   </p:cSld>
@@ -17370,12 +17878,16 @@
               <a:t>case class </a:t>
             </a:r>
             <a:r>
-              <a:rPr lang="en-US" altLang="ko-KR" sz="1400" dirty="0" err="1" smtClean="0"/>
+              <a:rPr lang="en-US" altLang="ko-KR" sz="1400" dirty="0" err="1"/>
               <a:t>SampleMessage</a:t>
             </a:r>
             <a:r>
-              <a:rPr lang="en-US" altLang="ko-KR" sz="1400" dirty="0" smtClean="0"/>
-              <a:t>(address: String</a:t>
+              <a:rPr lang="en-US" altLang="ko-KR" sz="1400" dirty="0"/>
+              <a:t>(</a:t>
+            </a:r>
+            <a:r>
+              <a:rPr lang="en-US" altLang="ko-KR" sz="1400" dirty="0" err="1"/>
+              <a:t>address:String</a:t>
             </a:r>
             <a:r>
               <a:rPr lang="en-US" altLang="ko-KR" sz="1400" dirty="0"/>
@@ -17421,15 +17933,15 @@
             </a:pPr>
             <a:r>
               <a:rPr lang="en-US" altLang="ko-KR" sz="1400" dirty="0"/>
-              <a:t>case object </a:t>
+              <a:t>case class </a:t>
             </a:r>
             <a:r>
               <a:rPr lang="en-US" altLang="ko-KR" sz="1400" dirty="0" err="1"/>
-              <a:t>SlaveFullMessage</a:t>
+              <a:t>PartitionDoneMessage</a:t>
             </a:r>
             <a:r>
               <a:rPr lang="en-US" altLang="ko-KR" sz="1400" dirty="0"/>
-              <a:t> extends Message</a:t>
+              <a:t>(partitions: Vector[Vector[String]]) extends Message</a:t>
             </a:r>
           </a:p>
           <a:p>
@@ -17438,11 +17950,112 @@
             </a:pPr>
             <a:r>
               <a:rPr lang="en-US" altLang="ko-KR" sz="1400" dirty="0"/>
+              <a:t>case class </a:t>
+            </a:r>
+            <a:r>
+              <a:rPr lang="en-US" altLang="ko-KR" sz="1400" dirty="0" err="1"/>
+              <a:t>FileInfoMessage</a:t>
+            </a:r>
+            <a:r>
+              <a:rPr lang="en-US" altLang="ko-KR" sz="1400" dirty="0"/>
+              <a:t>(files: String, </a:t>
+            </a:r>
+            <a:r>
+              <a:rPr lang="en-US" altLang="ko-KR" sz="1400" dirty="0" err="1"/>
+              <a:t>ownerIP</a:t>
+            </a:r>
+            <a:r>
+              <a:rPr lang="en-US" altLang="ko-KR" sz="1400" dirty="0"/>
+              <a:t>: String) extends Message</a:t>
+            </a:r>
+          </a:p>
+          <a:p>
+            <a:pPr marL="0" indent="0">
+              <a:buNone/>
+            </a:pPr>
+            <a:r>
+              <a:rPr lang="en-US" altLang="ko-KR" sz="1400" dirty="0"/>
+              <a:t>case class </a:t>
+            </a:r>
+            <a:r>
+              <a:rPr lang="en-US" altLang="ko-KR" sz="1400" dirty="0" err="1"/>
+              <a:t>FileRequestDoneMessage</a:t>
+            </a:r>
+            <a:r>
+              <a:rPr lang="en-US" altLang="ko-KR" sz="1400" dirty="0"/>
+              <a:t>(</a:t>
+            </a:r>
+            <a:r>
+              <a:rPr lang="en-US" altLang="ko-KR" sz="1400" dirty="0" err="1"/>
+              <a:t>ownerIP</a:t>
+            </a:r>
+            <a:r>
+              <a:rPr lang="en-US" altLang="ko-KR" sz="1400" dirty="0"/>
+              <a:t>: String) extends Message</a:t>
+            </a:r>
+          </a:p>
+          <a:p>
+            <a:pPr marL="0" indent="0">
+              <a:buNone/>
+            </a:pPr>
+            <a:r>
+              <a:rPr lang="en-US" altLang="ko-KR" sz="1400" dirty="0"/>
+              <a:t>case object </a:t>
+            </a:r>
+            <a:r>
+              <a:rPr lang="en-US" altLang="ko-KR" sz="1400" dirty="0" err="1"/>
+              <a:t>MergeDoneMessage</a:t>
+            </a:r>
+            <a:r>
+              <a:rPr lang="en-US" altLang="ko-KR" sz="1400" dirty="0"/>
+              <a:t> extends Message</a:t>
+            </a:r>
+          </a:p>
+          <a:p>
+            <a:pPr marL="0" indent="0">
+              <a:buNone/>
+            </a:pPr>
+            <a:r>
+              <a:rPr lang="en-US" altLang="ko-KR" sz="1400" dirty="0"/>
+              <a:t>case object </a:t>
+            </a:r>
+            <a:r>
+              <a:rPr lang="en-US" altLang="ko-KR" sz="1400" dirty="0" err="1"/>
+              <a:t>SlaveFullMessage</a:t>
+            </a:r>
+            <a:r>
+              <a:rPr lang="en-US" altLang="ko-KR" sz="1400" dirty="0"/>
+              <a:t> extends Message</a:t>
+            </a:r>
+          </a:p>
+          <a:p>
+            <a:pPr marL="0" indent="0">
+              <a:buNone/>
+            </a:pPr>
+            <a:r>
+              <a:rPr lang="en-US" altLang="ko-KR" sz="1400" dirty="0"/>
               <a:t>case object </a:t>
             </a:r>
             <a:r>
               <a:rPr lang="en-US" altLang="ko-KR" sz="1400" dirty="0" err="1"/>
               <a:t>DoneMessage</a:t>
+            </a:r>
+            <a:r>
+              <a:rPr lang="en-US" altLang="ko-KR" sz="1400" dirty="0"/>
+              <a:t> extends Message</a:t>
+            </a:r>
+          </a:p>
+          <a:p>
+            <a:pPr marL="0" indent="0">
+              <a:buNone/>
+            </a:pPr>
+            <a:r>
+              <a:rPr lang="en-US" altLang="ko-KR" sz="1400" dirty="0"/>
+              <a:t>case object </a:t>
+            </a:r>
+            <a:r>
+              <a:rPr lang="en-US" altLang="ko-KR" sz="1400" dirty="0" err="1"/>
+              <a:t>TerminateMessage</a:t>
             </a:r>
             <a:r>
               <a:rPr lang="en-US" altLang="ko-KR" sz="1400" dirty="0"/>
@@ -17466,88 +18079,6 @@
 </file>
 
 <file path=ppt/slides/slide40.xml><?xml version="1.0" encoding="utf-8"?>
-<p:sld xmlns:a="http://schemas.openxmlformats.org/drawingml/2006/main" xmlns:r="http://schemas.openxmlformats.org/officeDocument/2006/relationships" xmlns:p="http://schemas.openxmlformats.org/presentationml/2006/main">
-  <p:cSld>
-    <p:spTree>
-      <p:nvGrpSpPr>
-        <p:cNvPr id="1" name=""/>
-        <p:cNvGrpSpPr/>
-        <p:nvPr/>
-      </p:nvGrpSpPr>
-      <p:grpSpPr>
-        <a:xfrm>
-          <a:off x="0" y="0"/>
-          <a:ext cx="0" cy="0"/>
-          <a:chOff x="0" y="0"/>
-          <a:chExt cx="0" cy="0"/>
-        </a:xfrm>
-      </p:grpSpPr>
-      <p:sp>
-        <p:nvSpPr>
-          <p:cNvPr id="3" name="내용 개체 틀 2"/>
-          <p:cNvSpPr>
-            <a:spLocks noGrp="1"/>
-          </p:cNvSpPr>
-          <p:nvPr>
-            <p:ph idx="1"/>
-          </p:nvPr>
-        </p:nvSpPr>
-        <p:spPr>
-          <a:xfrm>
-            <a:off x="794802" y="2834856"/>
-            <a:ext cx="10515600" cy="4351338"/>
-          </a:xfrm>
-        </p:spPr>
-        <p:txBody>
-          <a:bodyPr/>
-          <a:lstStyle/>
-          <a:p>
-            <a:r>
-              <a:rPr lang="en-US" altLang="ko-KR" dirty="0" smtClean="0"/>
-              <a:t>Scenario:</a:t>
-            </a:r>
-          </a:p>
-          <a:p>
-            <a:pPr lvl="1">
-              <a:buFontTx/>
-              <a:buChar char="-"/>
-            </a:pPr>
-            <a:r>
-              <a:rPr lang="en-US" altLang="ko-KR" dirty="0" smtClean="0"/>
-              <a:t>Master wait 2 slaves</a:t>
-            </a:r>
-          </a:p>
-          <a:p>
-            <a:pPr lvl="1">
-              <a:buFontTx/>
-              <a:buChar char="-"/>
-            </a:pPr>
-            <a:r>
-              <a:rPr lang="en-US" altLang="ko-KR" dirty="0"/>
-              <a:t>2</a:t>
-            </a:r>
-            <a:r>
-              <a:rPr lang="en-US" altLang="ko-KR" dirty="0" smtClean="0"/>
-              <a:t> slaves try to connect to master</a:t>
-            </a:r>
-            <a:endParaRPr lang="ko-KR" altLang="en-US" dirty="0"/>
-          </a:p>
-        </p:txBody>
-      </p:sp>
-    </p:spTree>
-    <p:extLst>
-      <p:ext uri="{BB962C8B-B14F-4D97-AF65-F5344CB8AC3E}">
-        <p14:creationId xmlns:p14="http://schemas.microsoft.com/office/powerpoint/2010/main" val="1536637855"/>
-      </p:ext>
-    </p:extLst>
-  </p:cSld>
-  <p:clrMapOvr>
-    <a:masterClrMapping/>
-  </p:clrMapOvr>
-</p:sld>
-</file>
-
-<file path=ppt/slides/slide41.xml><?xml version="1.0" encoding="utf-8"?>
 <p:sld xmlns:a="http://schemas.openxmlformats.org/drawingml/2006/main" xmlns:r="http://schemas.openxmlformats.org/officeDocument/2006/relationships" xmlns:p="http://schemas.openxmlformats.org/presentationml/2006/main">
   <p:cSld>
     <p:spTree>
@@ -17899,7 +18430,7 @@
 </p:sld>
 </file>
 
-<file path=ppt/slides/slide42.xml><?xml version="1.0" encoding="utf-8"?>
+<file path=ppt/slides/slide41.xml><?xml version="1.0" encoding="utf-8"?>
 <p:sld xmlns:a="http://schemas.openxmlformats.org/drawingml/2006/main" xmlns:r="http://schemas.openxmlformats.org/officeDocument/2006/relationships" xmlns:p="http://schemas.openxmlformats.org/presentationml/2006/main">
   <p:cSld>
     <p:spTree>
@@ -18222,7 +18753,7 @@
 </p:sld>
 </file>
 
-<file path=ppt/slides/slide43.xml><?xml version="1.0" encoding="utf-8"?>
+<file path=ppt/slides/slide42.xml><?xml version="1.0" encoding="utf-8"?>
 <p:sld xmlns:a="http://schemas.openxmlformats.org/drawingml/2006/main" xmlns:r="http://schemas.openxmlformats.org/officeDocument/2006/relationships" xmlns:p="http://schemas.openxmlformats.org/presentationml/2006/main">
   <p:cSld>
     <p:spTree>
@@ -18546,7 +19077,7 @@
 </p:sld>
 </file>
 
-<file path=ppt/slides/slide44.xml><?xml version="1.0" encoding="utf-8"?>
+<file path=ppt/slides/slide43.xml><?xml version="1.0" encoding="utf-8"?>
 <p:sld xmlns:a="http://schemas.openxmlformats.org/drawingml/2006/main" xmlns:r="http://schemas.openxmlformats.org/officeDocument/2006/relationships" xmlns:p="http://schemas.openxmlformats.org/presentationml/2006/main">
   <p:cSld>
     <p:spTree>
@@ -18627,7 +19158,7 @@
 </p:sld>
 </file>
 
-<file path=ppt/slides/slide45.xml><?xml version="1.0" encoding="utf-8"?>
+<file path=ppt/slides/slide44.xml><?xml version="1.0" encoding="utf-8"?>
 <p:sld xmlns:a="http://schemas.openxmlformats.org/drawingml/2006/main" xmlns:r="http://schemas.openxmlformats.org/officeDocument/2006/relationships" xmlns:p="http://schemas.openxmlformats.org/presentationml/2006/main">
   <p:cSld>
     <p:spTree>
@@ -18957,7 +19488,7 @@
 </p:sld>
 </file>
 
-<file path=ppt/slides/slide46.xml><?xml version="1.0" encoding="utf-8"?>
+<file path=ppt/slides/slide45.xml><?xml version="1.0" encoding="utf-8"?>
 <p:sld xmlns:a="http://schemas.openxmlformats.org/drawingml/2006/main" xmlns:r="http://schemas.openxmlformats.org/officeDocument/2006/relationships" xmlns:p="http://schemas.openxmlformats.org/presentationml/2006/main">
   <p:cSld>
     <p:spTree>
@@ -19435,6 +19966,64 @@
 </p:sld>
 </file>
 
+<file path=ppt/slides/slide46.xml><?xml version="1.0" encoding="utf-8"?>
+<p:sld xmlns:a="http://schemas.openxmlformats.org/drawingml/2006/main" xmlns:r="http://schemas.openxmlformats.org/officeDocument/2006/relationships" xmlns:p="http://schemas.openxmlformats.org/presentationml/2006/main">
+  <p:cSld>
+    <p:spTree>
+      <p:nvGrpSpPr>
+        <p:cNvPr id="1" name=""/>
+        <p:cNvGrpSpPr/>
+        <p:nvPr/>
+      </p:nvGrpSpPr>
+      <p:grpSpPr>
+        <a:xfrm>
+          <a:off x="0" y="0"/>
+          <a:ext cx="0" cy="0"/>
+          <a:chOff x="0" y="0"/>
+          <a:chExt cx="0" cy="0"/>
+        </a:xfrm>
+      </p:grpSpPr>
+      <p:sp>
+        <p:nvSpPr>
+          <p:cNvPr id="2" name="제목 1"/>
+          <p:cNvSpPr>
+            <a:spLocks noGrp="1"/>
+          </p:cNvSpPr>
+          <p:nvPr>
+            <p:ph type="title"/>
+          </p:nvPr>
+        </p:nvSpPr>
+        <p:spPr>
+          <a:xfrm>
+            <a:off x="4238297" y="2814035"/>
+            <a:ext cx="10515600" cy="1325563"/>
+          </a:xfrm>
+        </p:spPr>
+        <p:txBody>
+          <a:bodyPr/>
+          <a:lstStyle/>
+          <a:p>
+            <a:r>
+              <a:rPr lang="en-US" altLang="ko-KR" dirty="0" smtClean="0"/>
+              <a:t>Milestone 2</a:t>
+            </a:r>
+            <a:endParaRPr lang="ko-KR" altLang="en-US" dirty="0"/>
+          </a:p>
+        </p:txBody>
+      </p:sp>
+    </p:spTree>
+    <p:extLst>
+      <p:ext uri="{BB962C8B-B14F-4D97-AF65-F5344CB8AC3E}">
+        <p14:creationId xmlns:p14="http://schemas.microsoft.com/office/powerpoint/2010/main" val="2713403401"/>
+      </p:ext>
+    </p:extLst>
+  </p:cSld>
+  <p:clrMapOvr>
+    <a:masterClrMapping/>
+  </p:clrMapOvr>
+</p:sld>
+</file>
+
 <file path=ppt/slides/slide47.xml><?xml version="1.0" encoding="utf-8"?>
 <p:sld xmlns:a="http://schemas.openxmlformats.org/drawingml/2006/main" xmlns:r="http://schemas.openxmlformats.org/officeDocument/2006/relationships" xmlns:p="http://schemas.openxmlformats.org/presentationml/2006/main">
   <p:cSld>
@@ -19454,18 +20043,18 @@
       </p:grpSpPr>
       <p:sp>
         <p:nvSpPr>
-          <p:cNvPr id="2" name="제목 1"/>
+          <p:cNvPr id="3" name="내용 개체 틀 2"/>
           <p:cNvSpPr>
             <a:spLocks noGrp="1"/>
           </p:cNvSpPr>
           <p:nvPr>
-            <p:ph type="title"/>
+            <p:ph idx="1"/>
           </p:nvPr>
         </p:nvSpPr>
         <p:spPr>
           <a:xfrm>
-            <a:off x="4238297" y="2814035"/>
-            <a:ext cx="10515600" cy="1325563"/>
+            <a:off x="784292" y="1594635"/>
+            <a:ext cx="10515600" cy="4351338"/>
           </a:xfrm>
         </p:spPr>
         <p:txBody>
@@ -19474,16 +20063,104 @@
           <a:p>
             <a:r>
               <a:rPr lang="en-US" altLang="ko-KR" dirty="0" smtClean="0"/>
-              <a:t>Milestone 2</a:t>
-            </a:r>
-            <a:endParaRPr lang="ko-KR" altLang="en-US" dirty="0"/>
+              <a:t>Scenario:</a:t>
+            </a:r>
+          </a:p>
+          <a:p>
+            <a:pPr lvl="1">
+              <a:buFontTx/>
+              <a:buChar char="-"/>
+            </a:pPr>
+            <a:r>
+              <a:rPr lang="en-US" altLang="ko-KR" dirty="0" smtClean="0"/>
+              <a:t>Master wait 2 slaves</a:t>
+            </a:r>
+          </a:p>
+          <a:p>
+            <a:pPr lvl="1">
+              <a:buFontTx/>
+              <a:buChar char="-"/>
+            </a:pPr>
+            <a:r>
+              <a:rPr lang="en-US" altLang="ko-KR" dirty="0"/>
+              <a:t>2</a:t>
+            </a:r>
+            <a:r>
+              <a:rPr lang="en-US" altLang="ko-KR" dirty="0" smtClean="0"/>
+              <a:t> slaves try to connect to master</a:t>
+            </a:r>
+          </a:p>
+          <a:p>
+            <a:pPr lvl="1">
+              <a:buFontTx/>
+              <a:buChar char="-"/>
+            </a:pPr>
+            <a:r>
+              <a:rPr lang="en-US" altLang="ko-KR" dirty="0" smtClean="0"/>
+              <a:t>They write (intermediate) partition files to output directory</a:t>
+            </a:r>
+          </a:p>
+          <a:p>
+            <a:pPr lvl="1">
+              <a:buFontTx/>
+              <a:buChar char="-"/>
+            </a:pPr>
+            <a:r>
+              <a:rPr lang="en-US" altLang="ko-KR" dirty="0"/>
+              <a:t>Partition name is partition_{file #}_{partition #}_{owner </a:t>
+            </a:r>
+            <a:r>
+              <a:rPr lang="en-US" altLang="ko-KR" dirty="0" smtClean="0"/>
+              <a:t>#}</a:t>
+            </a:r>
+          </a:p>
+          <a:p>
+            <a:pPr lvl="1">
+              <a:buFontTx/>
+              <a:buChar char="-"/>
+            </a:pPr>
+            <a:r>
+              <a:rPr lang="en-US" altLang="ko-KR" dirty="0" smtClean="0"/>
+              <a:t>Partitions</a:t>
+            </a:r>
+          </a:p>
+          <a:p>
+            <a:pPr lvl="2">
+              <a:buFontTx/>
+              <a:buChar char="-"/>
+            </a:pPr>
+            <a:r>
+              <a:rPr lang="en-US" altLang="ko-KR" dirty="0" smtClean="0"/>
+              <a:t>0~7 are for machine 0</a:t>
+            </a:r>
+          </a:p>
+          <a:p>
+            <a:pPr lvl="2">
+              <a:buFontTx/>
+              <a:buChar char="-"/>
+            </a:pPr>
+            <a:r>
+              <a:rPr lang="en-US" altLang="ko-KR" dirty="0" smtClean="0"/>
+              <a:t>8~15 are for machine 1</a:t>
+            </a:r>
+          </a:p>
+          <a:p>
+            <a:pPr lvl="2">
+              <a:buFontTx/>
+              <a:buChar char="-"/>
+            </a:pPr>
+            <a:r>
+              <a:rPr lang="en-US" altLang="ko-KR" dirty="0" smtClean="0"/>
+              <a:t>8 partitions for single machine</a:t>
+            </a:r>
+            <a:endParaRPr lang="en-US" altLang="ko-KR" dirty="0"/>
           </a:p>
         </p:txBody>
       </p:sp>
     </p:spTree>
     <p:extLst>
       <p:ext uri="{BB962C8B-B14F-4D97-AF65-F5344CB8AC3E}">
-        <p14:creationId xmlns:p14="http://schemas.microsoft.com/office/powerpoint/2010/main" val="2713403401"/>
+        <p14:creationId xmlns:p14="http://schemas.microsoft.com/office/powerpoint/2010/main" val="882536301"/>
       </p:ext>
     </p:extLst>
   </p:cSld>
@@ -19512,128 +20189,59 @@
       </p:grpSpPr>
       <p:sp>
         <p:nvSpPr>
-          <p:cNvPr id="3" name="내용 개체 틀 2"/>
+          <p:cNvPr id="2" name="제목 1"/>
           <p:cNvSpPr>
             <a:spLocks noGrp="1"/>
           </p:cNvSpPr>
           <p:nvPr>
+            <p:ph type="title"/>
+          </p:nvPr>
+        </p:nvSpPr>
+        <p:spPr/>
+        <p:txBody>
+          <a:bodyPr/>
+          <a:lstStyle/>
+          <a:p>
+            <a:r>
+              <a:rPr lang="en-US" altLang="ko-KR" dirty="0" smtClean="0"/>
+              <a:t>Master</a:t>
+            </a:r>
+            <a:endParaRPr lang="ko-KR" altLang="en-US" dirty="0"/>
+          </a:p>
+        </p:txBody>
+      </p:sp>
+      <p:pic>
+        <p:nvPicPr>
+          <p:cNvPr id="5" name="내용 개체 틀 4" descr="141.223.82.191:22 - khpark0312@itcmas1:~ - Xshell 5 (Free for Home/School)"/>
+          <p:cNvPicPr>
+            <a:picLocks noGrp="1" noChangeAspect="1"/>
+          </p:cNvPicPr>
+          <p:nvPr>
             <p:ph idx="1"/>
           </p:nvPr>
-        </p:nvSpPr>
-        <p:spPr>
-          <a:xfrm>
-            <a:off x="784292" y="1594635"/>
-            <a:ext cx="10515600" cy="4351338"/>
-          </a:xfrm>
-        </p:spPr>
-        <p:txBody>
-          <a:bodyPr/>
-          <a:lstStyle/>
-          <a:p>
-            <a:r>
-              <a:rPr lang="en-US" altLang="ko-KR" dirty="0" smtClean="0"/>
-              <a:t>Scenario:</a:t>
-            </a:r>
-          </a:p>
-          <a:p>
-            <a:pPr lvl="1">
-              <a:buFontTx/>
-              <a:buChar char="-"/>
-            </a:pPr>
-            <a:r>
-              <a:rPr lang="en-US" altLang="ko-KR" dirty="0" smtClean="0"/>
-              <a:t>Master wait 2 slaves</a:t>
-            </a:r>
-          </a:p>
-          <a:p>
-            <a:pPr lvl="1">
-              <a:buFontTx/>
-              <a:buChar char="-"/>
-            </a:pPr>
-            <a:r>
-              <a:rPr lang="en-US" altLang="ko-KR" dirty="0"/>
-              <a:t>2</a:t>
-            </a:r>
-            <a:r>
-              <a:rPr lang="en-US" altLang="ko-KR" dirty="0" smtClean="0"/>
-              <a:t> slaves try to connect to </a:t>
-            </a:r>
-            <a:r>
-              <a:rPr lang="en-US" altLang="ko-KR" dirty="0" smtClean="0"/>
-              <a:t>master</a:t>
-            </a:r>
-          </a:p>
-          <a:p>
-            <a:pPr lvl="1">
-              <a:buFontTx/>
-              <a:buChar char="-"/>
-            </a:pPr>
-            <a:r>
-              <a:rPr lang="en-US" altLang="ko-KR" dirty="0" smtClean="0"/>
-              <a:t>They write (intermediate) partition files to output directory</a:t>
-            </a:r>
-          </a:p>
-          <a:p>
-            <a:pPr lvl="1">
-              <a:buFontTx/>
-              <a:buChar char="-"/>
-            </a:pPr>
-            <a:r>
-              <a:rPr lang="en-US" altLang="ko-KR" dirty="0"/>
-              <a:t>Partition name is partition_{file #}_{partition #}_{owner </a:t>
-            </a:r>
-            <a:r>
-              <a:rPr lang="en-US" altLang="ko-KR" dirty="0" smtClean="0"/>
-              <a:t>#}</a:t>
-            </a:r>
-          </a:p>
-          <a:p>
-            <a:pPr lvl="1">
-              <a:buFontTx/>
-              <a:buChar char="-"/>
-            </a:pPr>
-            <a:r>
-              <a:rPr lang="en-US" altLang="ko-KR" dirty="0" smtClean="0"/>
-              <a:t>Partitions</a:t>
-            </a:r>
-          </a:p>
-          <a:p>
-            <a:pPr lvl="2">
-              <a:buFontTx/>
-              <a:buChar char="-"/>
-            </a:pPr>
-            <a:r>
-              <a:rPr lang="en-US" altLang="ko-KR" dirty="0" smtClean="0"/>
-              <a:t>0~7 are for machine 0</a:t>
-            </a:r>
-          </a:p>
-          <a:p>
-            <a:pPr lvl="2">
-              <a:buFontTx/>
-              <a:buChar char="-"/>
-            </a:pPr>
-            <a:r>
-              <a:rPr lang="en-US" altLang="ko-KR" dirty="0" smtClean="0"/>
-              <a:t>8~15 are for machine 1</a:t>
-            </a:r>
-          </a:p>
-          <a:p>
-            <a:pPr lvl="2">
-              <a:buFontTx/>
-              <a:buChar char="-"/>
-            </a:pPr>
-            <a:r>
-              <a:rPr lang="en-US" altLang="ko-KR" dirty="0" smtClean="0"/>
-              <a:t>8 partitions for single machine</a:t>
-            </a:r>
-            <a:endParaRPr lang="en-US" altLang="ko-KR" dirty="0"/>
-          </a:p>
-        </p:txBody>
-      </p:sp>
+        </p:nvPicPr>
+        <p:blipFill rotWithShape="1">
+          <a:blip r:embed="rId2" cstate="print">
+            <a:extLst>
+              <a:ext uri="{28A0092B-C50C-407E-A947-70E740481C1C}">
+                <a14:useLocalDpi xmlns:a14="http://schemas.microsoft.com/office/drawing/2010/main" val="0"/>
+              </a:ext>
+            </a:extLst>
+          </a:blip>
+          <a:srcRect t="63719" r="63776" b="6209"/>
+          <a:stretch/>
+        </p:blipFill>
+        <p:spPr>
+          <a:xfrm>
+            <a:off x="2848118" y="2453832"/>
+            <a:ext cx="5917509" cy="3148184"/>
+          </a:xfrm>
+        </p:spPr>
+      </p:pic>
     </p:spTree>
     <p:extLst>
       <p:ext uri="{BB962C8B-B14F-4D97-AF65-F5344CB8AC3E}">
-        <p14:creationId xmlns:p14="http://schemas.microsoft.com/office/powerpoint/2010/main" val="882536301"/>
+        <p14:creationId xmlns:p14="http://schemas.microsoft.com/office/powerpoint/2010/main" val="581266180"/>
       </p:ext>
     </p:extLst>
   </p:cSld>
@@ -19677,7 +20285,37 @@
           <a:p>
             <a:r>
               <a:rPr lang="en-US" altLang="ko-KR" dirty="0" smtClean="0"/>
-              <a:t>Master</a:t>
+              <a:t>Slave 1 </a:t>
+            </a:r>
+            <a:endParaRPr lang="ko-KR" altLang="en-US" dirty="0"/>
+          </a:p>
+        </p:txBody>
+      </p:sp>
+      <p:sp>
+        <p:nvSpPr>
+          <p:cNvPr id="3" name="TextBox 2"/>
+          <p:cNvSpPr txBox="1"/>
+          <p:nvPr/>
+        </p:nvSpPr>
+        <p:spPr>
+          <a:xfrm>
+            <a:off x="5412827" y="3139650"/>
+            <a:ext cx="338554" cy="369332"/>
+          </a:xfrm>
+          <a:prstGeom prst="rect">
+            <a:avLst/>
+          </a:prstGeom>
+          <a:noFill/>
+        </p:spPr>
+        <p:txBody>
+          <a:bodyPr wrap="none" rtlCol="0">
+            <a:spAutoFit/>
+          </a:bodyPr>
+          <a:lstStyle/>
+          <a:p>
+            <a:r>
+              <a:rPr lang="en-US" altLang="ko-KR" dirty="0" smtClean="0"/>
+              <a:t>...</a:t>
             </a:r>
             <a:endParaRPr lang="ko-KR" altLang="en-US" dirty="0"/>
           </a:p>
@@ -19685,13 +20323,11 @@
       </p:sp>
       <p:pic>
         <p:nvPicPr>
-          <p:cNvPr id="5" name="내용 개체 틀 4" descr="141.223.82.191:22 - khpark0312@itcmas1:~ - Xshell 5 (Free for Home/School)"/>
+          <p:cNvPr id="6" name="그림 5" descr="141.223.82.191:22 - khpark0312@itcmas1:~ - Xshell 5 (Free for Home/School)"/>
           <p:cNvPicPr>
-            <a:picLocks noGrp="1" noChangeAspect="1"/>
+            <a:picLocks noChangeAspect="1"/>
           </p:cNvPicPr>
-          <p:nvPr>
-            <p:ph idx="1"/>
-          </p:nvPr>
+          <p:nvPr/>
         </p:nvPicPr>
         <p:blipFill rotWithShape="1">
           <a:blip r:embed="rId2" cstate="print">
@@ -19701,20 +20337,111 @@
               </a:ext>
             </a:extLst>
           </a:blip>
-          <a:srcRect t="63719" r="63776" b="6209"/>
+          <a:srcRect t="65593" r="4429" b="5901"/>
           <a:stretch/>
         </p:blipFill>
         <p:spPr>
           <a:xfrm>
-            <a:off x="2848118" y="2453832"/>
-            <a:ext cx="5917509" cy="3148184"/>
-          </a:xfrm>
+            <a:off x="745211" y="4498428"/>
+            <a:ext cx="10227590" cy="1954924"/>
+          </a:xfrm>
+          <a:prstGeom prst="rect">
+            <a:avLst/>
+          </a:prstGeom>
+        </p:spPr>
+      </p:pic>
+      <p:pic>
+        <p:nvPicPr>
+          <p:cNvPr id="7" name="그림 6" descr="141.223.82.191:22 - khpark0312@itcmas1:~ - Xshell 5 (Free for Home/School)"/>
+          <p:cNvPicPr>
+            <a:picLocks noChangeAspect="1"/>
+          </p:cNvPicPr>
+          <p:nvPr/>
+        </p:nvPicPr>
+        <p:blipFill rotWithShape="1">
+          <a:blip r:embed="rId3" cstate="print">
+            <a:extLst>
+              <a:ext uri="{28A0092B-C50C-407E-A947-70E740481C1C}">
+                <a14:useLocalDpi xmlns:a14="http://schemas.microsoft.com/office/drawing/2010/main" val="0"/>
+              </a:ext>
+            </a:extLst>
+          </a:blip>
+          <a:srcRect t="42222" r="37429" b="6743"/>
+          <a:stretch/>
+        </p:blipFill>
+        <p:spPr>
+          <a:xfrm>
+            <a:off x="745211" y="2155519"/>
+            <a:ext cx="4299755" cy="2247409"/>
+          </a:xfrm>
+          <a:prstGeom prst="rect">
+            <a:avLst/>
+          </a:prstGeom>
+        </p:spPr>
+      </p:pic>
+      <p:sp>
+        <p:nvSpPr>
+          <p:cNvPr id="8" name="TextBox 7"/>
+          <p:cNvSpPr txBox="1"/>
+          <p:nvPr/>
+        </p:nvSpPr>
+        <p:spPr>
+          <a:xfrm>
+            <a:off x="706821" y="1601522"/>
+            <a:ext cx="7685822" cy="369332"/>
+          </a:xfrm>
+          <a:prstGeom prst="rect">
+            <a:avLst/>
+          </a:prstGeom>
+          <a:noFill/>
+        </p:spPr>
+        <p:txBody>
+          <a:bodyPr wrap="none" rtlCol="0">
+            <a:spAutoFit/>
+          </a:bodyPr>
+          <a:lstStyle/>
+          <a:p>
+            <a:r>
+              <a:rPr lang="en-US" altLang="ko-KR" dirty="0" smtClean="0"/>
+              <a:t>The log is too long. So I will just show some part of log and the result.</a:t>
+            </a:r>
+            <a:endParaRPr lang="ko-KR" altLang="en-US" dirty="0"/>
+          </a:p>
+        </p:txBody>
+      </p:sp>
+      <p:pic>
+        <p:nvPicPr>
+          <p:cNvPr id="9" name="그림 8" descr="141.223.82.191:22 - khpark0312@itcmas1:~ - Xshell 5 (Free for Home/School)"/>
+          <p:cNvPicPr>
+            <a:picLocks noChangeAspect="1"/>
+          </p:cNvPicPr>
+          <p:nvPr/>
+        </p:nvPicPr>
+        <p:blipFill rotWithShape="1">
+          <a:blip r:embed="rId4" cstate="print">
+            <a:extLst>
+              <a:ext uri="{28A0092B-C50C-407E-A947-70E740481C1C}">
+                <a14:useLocalDpi xmlns:a14="http://schemas.microsoft.com/office/drawing/2010/main" val="0"/>
+              </a:ext>
+            </a:extLst>
+          </a:blip>
+          <a:srcRect t="17242" r="33780" b="35905"/>
+          <a:stretch/>
+        </p:blipFill>
+        <p:spPr>
+          <a:xfrm>
+            <a:off x="6016264" y="2155519"/>
+            <a:ext cx="4956537" cy="2247409"/>
+          </a:xfrm>
+          <a:prstGeom prst="rect">
+            <a:avLst/>
+          </a:prstGeom>
         </p:spPr>
       </p:pic>
     </p:spTree>
     <p:extLst>
       <p:ext uri="{BB962C8B-B14F-4D97-AF65-F5344CB8AC3E}">
-        <p14:creationId xmlns:p14="http://schemas.microsoft.com/office/powerpoint/2010/main" val="581266180"/>
+        <p14:creationId xmlns:p14="http://schemas.microsoft.com/office/powerpoint/2010/main" val="2185994503"/>
       </p:ext>
     </p:extLst>
   </p:cSld>
@@ -19758,11 +20485,7 @@
           <a:p>
             <a:r>
               <a:rPr lang="en-US" altLang="ko-KR" dirty="0" smtClean="0"/>
-              <a:t>Slave -&gt; </a:t>
-            </a:r>
-            <a:r>
-              <a:rPr lang="en-US" altLang="ko-KR" dirty="0" smtClean="0"/>
-              <a:t>Master</a:t>
+              <a:t>Slave -&gt; Master</a:t>
             </a:r>
             <a:endParaRPr lang="ko-KR" altLang="en-US" dirty="0"/>
           </a:p>
@@ -20218,206 +20941,6 @@
           <a:p>
             <a:r>
               <a:rPr lang="en-US" altLang="ko-KR" dirty="0" smtClean="0"/>
-              <a:t>Slave 1 </a:t>
-            </a:r>
-            <a:endParaRPr lang="ko-KR" altLang="en-US" dirty="0"/>
-          </a:p>
-        </p:txBody>
-      </p:sp>
-      <p:sp>
-        <p:nvSpPr>
-          <p:cNvPr id="3" name="TextBox 2"/>
-          <p:cNvSpPr txBox="1"/>
-          <p:nvPr/>
-        </p:nvSpPr>
-        <p:spPr>
-          <a:xfrm>
-            <a:off x="5412827" y="3139650"/>
-            <a:ext cx="338554" cy="369332"/>
-          </a:xfrm>
-          <a:prstGeom prst="rect">
-            <a:avLst/>
-          </a:prstGeom>
-          <a:noFill/>
-        </p:spPr>
-        <p:txBody>
-          <a:bodyPr wrap="none" rtlCol="0">
-            <a:spAutoFit/>
-          </a:bodyPr>
-          <a:lstStyle/>
-          <a:p>
-            <a:r>
-              <a:rPr lang="en-US" altLang="ko-KR" dirty="0" smtClean="0"/>
-              <a:t>...</a:t>
-            </a:r>
-            <a:endParaRPr lang="ko-KR" altLang="en-US" dirty="0"/>
-          </a:p>
-        </p:txBody>
-      </p:sp>
-      <p:pic>
-        <p:nvPicPr>
-          <p:cNvPr id="6" name="그림 5" descr="141.223.82.191:22 - khpark0312@itcmas1:~ - Xshell 5 (Free for Home/School)"/>
-          <p:cNvPicPr>
-            <a:picLocks noChangeAspect="1"/>
-          </p:cNvPicPr>
-          <p:nvPr/>
-        </p:nvPicPr>
-        <p:blipFill rotWithShape="1">
-          <a:blip r:embed="rId2" cstate="print">
-            <a:extLst>
-              <a:ext uri="{28A0092B-C50C-407E-A947-70E740481C1C}">
-                <a14:useLocalDpi xmlns:a14="http://schemas.microsoft.com/office/drawing/2010/main" val="0"/>
-              </a:ext>
-            </a:extLst>
-          </a:blip>
-          <a:srcRect t="65593" r="4429" b="5901"/>
-          <a:stretch/>
-        </p:blipFill>
-        <p:spPr>
-          <a:xfrm>
-            <a:off x="745211" y="4498428"/>
-            <a:ext cx="10227590" cy="1954924"/>
-          </a:xfrm>
-          <a:prstGeom prst="rect">
-            <a:avLst/>
-          </a:prstGeom>
-        </p:spPr>
-      </p:pic>
-      <p:pic>
-        <p:nvPicPr>
-          <p:cNvPr id="7" name="그림 6" descr="141.223.82.191:22 - khpark0312@itcmas1:~ - Xshell 5 (Free for Home/School)"/>
-          <p:cNvPicPr>
-            <a:picLocks noChangeAspect="1"/>
-          </p:cNvPicPr>
-          <p:nvPr/>
-        </p:nvPicPr>
-        <p:blipFill rotWithShape="1">
-          <a:blip r:embed="rId3" cstate="print">
-            <a:extLst>
-              <a:ext uri="{28A0092B-C50C-407E-A947-70E740481C1C}">
-                <a14:useLocalDpi xmlns:a14="http://schemas.microsoft.com/office/drawing/2010/main" val="0"/>
-              </a:ext>
-            </a:extLst>
-          </a:blip>
-          <a:srcRect t="42222" r="37429" b="6743"/>
-          <a:stretch/>
-        </p:blipFill>
-        <p:spPr>
-          <a:xfrm>
-            <a:off x="745211" y="2155519"/>
-            <a:ext cx="4299755" cy="2247409"/>
-          </a:xfrm>
-          <a:prstGeom prst="rect">
-            <a:avLst/>
-          </a:prstGeom>
-        </p:spPr>
-      </p:pic>
-      <p:sp>
-        <p:nvSpPr>
-          <p:cNvPr id="8" name="TextBox 7"/>
-          <p:cNvSpPr txBox="1"/>
-          <p:nvPr/>
-        </p:nvSpPr>
-        <p:spPr>
-          <a:xfrm>
-            <a:off x="706821" y="1601522"/>
-            <a:ext cx="7685822" cy="369332"/>
-          </a:xfrm>
-          <a:prstGeom prst="rect">
-            <a:avLst/>
-          </a:prstGeom>
-          <a:noFill/>
-        </p:spPr>
-        <p:txBody>
-          <a:bodyPr wrap="none" rtlCol="0">
-            <a:spAutoFit/>
-          </a:bodyPr>
-          <a:lstStyle/>
-          <a:p>
-            <a:r>
-              <a:rPr lang="en-US" altLang="ko-KR" dirty="0" smtClean="0"/>
-              <a:t>The log is too long. So I will just show some part of log and the result.</a:t>
-            </a:r>
-            <a:endParaRPr lang="ko-KR" altLang="en-US" dirty="0"/>
-          </a:p>
-        </p:txBody>
-      </p:sp>
-      <p:pic>
-        <p:nvPicPr>
-          <p:cNvPr id="9" name="그림 8" descr="141.223.82.191:22 - khpark0312@itcmas1:~ - Xshell 5 (Free for Home/School)"/>
-          <p:cNvPicPr>
-            <a:picLocks noChangeAspect="1"/>
-          </p:cNvPicPr>
-          <p:nvPr/>
-        </p:nvPicPr>
-        <p:blipFill rotWithShape="1">
-          <a:blip r:embed="rId4" cstate="print">
-            <a:extLst>
-              <a:ext uri="{28A0092B-C50C-407E-A947-70E740481C1C}">
-                <a14:useLocalDpi xmlns:a14="http://schemas.microsoft.com/office/drawing/2010/main" val="0"/>
-              </a:ext>
-            </a:extLst>
-          </a:blip>
-          <a:srcRect t="17242" r="33780" b="35905"/>
-          <a:stretch/>
-        </p:blipFill>
-        <p:spPr>
-          <a:xfrm>
-            <a:off x="6016264" y="2155519"/>
-            <a:ext cx="4956537" cy="2247409"/>
-          </a:xfrm>
-          <a:prstGeom prst="rect">
-            <a:avLst/>
-          </a:prstGeom>
-        </p:spPr>
-      </p:pic>
-    </p:spTree>
-    <p:extLst>
-      <p:ext uri="{BB962C8B-B14F-4D97-AF65-F5344CB8AC3E}">
-        <p14:creationId xmlns:p14="http://schemas.microsoft.com/office/powerpoint/2010/main" val="2185994503"/>
-      </p:ext>
-    </p:extLst>
-  </p:cSld>
-  <p:clrMapOvr>
-    <a:masterClrMapping/>
-  </p:clrMapOvr>
-</p:sld>
-</file>
-
-<file path=ppt/slides/slide51.xml><?xml version="1.0" encoding="utf-8"?>
-<p:sld xmlns:a="http://schemas.openxmlformats.org/drawingml/2006/main" xmlns:r="http://schemas.openxmlformats.org/officeDocument/2006/relationships" xmlns:p="http://schemas.openxmlformats.org/presentationml/2006/main">
-  <p:cSld>
-    <p:spTree>
-      <p:nvGrpSpPr>
-        <p:cNvPr id="1" name=""/>
-        <p:cNvGrpSpPr/>
-        <p:nvPr/>
-      </p:nvGrpSpPr>
-      <p:grpSpPr>
-        <a:xfrm>
-          <a:off x="0" y="0"/>
-          <a:ext cx="0" cy="0"/>
-          <a:chOff x="0" y="0"/>
-          <a:chExt cx="0" cy="0"/>
-        </a:xfrm>
-      </p:grpSpPr>
-      <p:sp>
-        <p:nvSpPr>
-          <p:cNvPr id="2" name="제목 1"/>
-          <p:cNvSpPr>
-            <a:spLocks noGrp="1"/>
-          </p:cNvSpPr>
-          <p:nvPr>
-            <p:ph type="title"/>
-          </p:nvPr>
-        </p:nvSpPr>
-        <p:spPr/>
-        <p:txBody>
-          <a:bodyPr/>
-          <a:lstStyle/>
-          <a:p>
-            <a:r>
-              <a:rPr lang="en-US" altLang="ko-KR" dirty="0" smtClean="0"/>
               <a:t>Slave 2 </a:t>
             </a:r>
             <a:endParaRPr lang="ko-KR" altLang="en-US" dirty="0"/>
@@ -20618,11 +21141,7 @@
           <a:p>
             <a:r>
               <a:rPr lang="en-US" altLang="ko-KR" dirty="0" smtClean="0"/>
-              <a:t>Slave -&gt; </a:t>
-            </a:r>
-            <a:r>
-              <a:rPr lang="en-US" altLang="ko-KR" dirty="0" smtClean="0"/>
-              <a:t>Master</a:t>
+              <a:t>Slave -&gt; Master</a:t>
             </a:r>
             <a:endParaRPr lang="ko-KR" altLang="en-US" dirty="0"/>
           </a:p>
@@ -21833,11 +22352,7 @@
             </a:r>
             <a:r>
               <a:rPr lang="en-US" altLang="ko-KR" dirty="0" smtClean="0"/>
-              <a:t> </a:t>
-            </a:r>
-            <a:r>
-              <a:rPr lang="en-US" altLang="ko-KR" dirty="0" smtClean="0"/>
-              <a:t>-&gt; Slave</a:t>
+              <a:t> -&gt; Slave</a:t>
             </a:r>
             <a:endParaRPr lang="ko-KR" altLang="en-US" dirty="0"/>
           </a:p>
@@ -21879,11 +22394,7 @@
             <a:pPr algn="ctr"/>
             <a:r>
               <a:rPr lang="en-US" altLang="ko-KR" sz="1100" dirty="0" err="1" smtClean="0"/>
-              <a:t>Partition</a:t>
-            </a:r>
-            <a:r>
-              <a:rPr lang="en-US" altLang="ko-KR" sz="1100" dirty="0" err="1" smtClean="0"/>
-              <a:t>DoneMsg</a:t>
+              <a:t>PartitionDoneMsg</a:t>
             </a:r>
             <a:endParaRPr lang="ko-KR" altLang="en-US" sz="1100" dirty="0"/>
           </a:p>
@@ -21960,15 +22471,7 @@
                       <a:pPr latinLnBrk="1"/>
                       <a:r>
                         <a:rPr lang="en-US" altLang="ko-KR" sz="1400" b="0" baseline="0" dirty="0" smtClean="0"/>
-                        <a:t>Notify completion of </a:t>
-                      </a:r>
-                      <a:r>
-                        <a:rPr lang="en-US" altLang="ko-KR" sz="1400" b="0" baseline="0" dirty="0" smtClean="0"/>
-                        <a:t>partition to </a:t>
-                      </a:r>
-                      <a:r>
-                        <a:rPr lang="en-US" altLang="ko-KR" sz="1400" b="0" baseline="0" dirty="0" smtClean="0"/>
-                        <a:t>Slave</a:t>
+                        <a:t>Notify completion of partition to Slave</a:t>
                       </a:r>
                     </a:p>
                   </a:txBody>
@@ -22019,11 +22522,7 @@
                       </a:r>
                       <a:r>
                         <a:rPr lang="en-US" altLang="ko-KR" sz="1400" b="0" baseline="0" dirty="0" smtClean="0"/>
-                        <a:t> </a:t>
-                      </a:r>
-                      <a:r>
-                        <a:rPr lang="en-US" altLang="ko-KR" sz="1400" b="0" baseline="0" dirty="0" smtClean="0"/>
-                        <a:t>partition</a:t>
+                        <a:t> partition</a:t>
                       </a:r>
                       <a:endParaRPr lang="ko-KR" altLang="en-US" sz="1400" b="0" dirty="0"/>
                     </a:p>
@@ -22076,7 +22575,6 @@
                         <a:rPr lang="en-US" altLang="ko-KR" sz="1400" b="0" baseline="0" dirty="0" smtClean="0"/>
                         <a:t>Name of partition files</a:t>
                       </a:r>
-                      <a:endParaRPr lang="en-US" altLang="ko-KR" sz="1400" b="0" baseline="0" dirty="0" smtClean="0"/>
                     </a:p>
                   </a:txBody>
                   <a:tcPr/>
